--- a/trunk/Seminar_JNI/Slide_00.pptx
+++ b/trunk/Seminar_JNI/Slide_00.pptx
@@ -5,10 +5,10 @@
     <p:sldMasterId id="2147484495" r:id="rId1"/>
   </p:sldMasterIdLst>
   <p:notesMasterIdLst>
-    <p:notesMasterId r:id="rId16"/>
+    <p:notesMasterId r:id="rId19"/>
   </p:notesMasterIdLst>
   <p:handoutMasterIdLst>
-    <p:handoutMasterId r:id="rId17"/>
+    <p:handoutMasterId r:id="rId20"/>
   </p:handoutMasterIdLst>
   <p:sldIdLst>
     <p:sldId id="256" r:id="rId2"/>
@@ -23,8 +23,11 @@
     <p:sldId id="275" r:id="rId11"/>
     <p:sldId id="274" r:id="rId12"/>
     <p:sldId id="276" r:id="rId13"/>
-    <p:sldId id="277" r:id="rId14"/>
-    <p:sldId id="278" r:id="rId15"/>
+    <p:sldId id="279" r:id="rId14"/>
+    <p:sldId id="277" r:id="rId15"/>
+    <p:sldId id="278" r:id="rId16"/>
+    <p:sldId id="280" r:id="rId17"/>
+    <p:sldId id="281" r:id="rId18"/>
   </p:sldIdLst>
   <p:sldSz cx="9144000" cy="6858000" type="screen4x3"/>
   <p:notesSz cx="6858000" cy="9144000"/>
@@ -1011,7 +1014,7 @@
           <a:pPr rtl="0"/>
           <a:r>
             <a:rPr lang="en-US" smtClean="0"/>
-            <a:t>Demo</a:t>
+            <a:t>Demo ứng dụng thao tác Registry</a:t>
           </a:r>
           <a:endParaRPr lang="en-US"/>
         </a:p>
@@ -1048,6 +1051,13 @@
         </dgm:presLayoutVars>
       </dgm:prSet>
       <dgm:spPr/>
+      <dgm:t>
+        <a:bodyPr/>
+        <a:lstStyle/>
+        <a:p>
+          <a:endParaRPr lang="en-US"/>
+        </a:p>
+      </dgm:t>
     </dgm:pt>
     <dgm:pt modelId="{21C92D88-7806-4AFB-A42E-0BB69C25682D}" type="pres">
       <dgm:prSet presAssocID="{DF6121ED-CFAA-41CC-A1B6-CFC1A42D0974}" presName="parentLin" presStyleCnt="0"/>
@@ -1056,6 +1066,13 @@
     <dgm:pt modelId="{119E06DB-50E7-4704-BABA-3A115E5078EA}" type="pres">
       <dgm:prSet presAssocID="{DF6121ED-CFAA-41CC-A1B6-CFC1A42D0974}" presName="parentLeftMargin" presStyleLbl="node1" presStyleIdx="0" presStyleCnt="4"/>
       <dgm:spPr/>
+      <dgm:t>
+        <a:bodyPr/>
+        <a:lstStyle/>
+        <a:p>
+          <a:endParaRPr lang="en-US"/>
+        </a:p>
+      </dgm:t>
     </dgm:pt>
     <dgm:pt modelId="{5BA283EF-1834-4C4B-AEBF-FFFB47C78824}" type="pres">
       <dgm:prSet presAssocID="{DF6121ED-CFAA-41CC-A1B6-CFC1A42D0974}" presName="parentText" presStyleLbl="node1" presStyleIdx="0" presStyleCnt="4" custLinFactX="8201" custLinFactNeighborX="100000" custLinFactNeighborY="5921">
@@ -1065,6 +1082,13 @@
         </dgm:presLayoutVars>
       </dgm:prSet>
       <dgm:spPr/>
+      <dgm:t>
+        <a:bodyPr/>
+        <a:lstStyle/>
+        <a:p>
+          <a:endParaRPr lang="en-US"/>
+        </a:p>
+      </dgm:t>
     </dgm:pt>
     <dgm:pt modelId="{9848F40A-AF8C-4B4C-93EC-43294B93A530}" type="pres">
       <dgm:prSet presAssocID="{DF6121ED-CFAA-41CC-A1B6-CFC1A42D0974}" presName="negativeSpace" presStyleCnt="0"/>
@@ -1089,6 +1113,13 @@
     <dgm:pt modelId="{36931E15-DC03-42F6-8A2E-E9BE2EBB8832}" type="pres">
       <dgm:prSet presAssocID="{A0A93455-4BFD-4D18-8AC4-CBD7ECB90272}" presName="parentLeftMargin" presStyleLbl="node1" presStyleIdx="0" presStyleCnt="4"/>
       <dgm:spPr/>
+      <dgm:t>
+        <a:bodyPr/>
+        <a:lstStyle/>
+        <a:p>
+          <a:endParaRPr lang="en-US"/>
+        </a:p>
+      </dgm:t>
     </dgm:pt>
     <dgm:pt modelId="{0199131A-F125-4CAA-8401-9163DED35DC9}" type="pres">
       <dgm:prSet presAssocID="{A0A93455-4BFD-4D18-8AC4-CBD7ECB90272}" presName="parentText" presStyleLbl="node1" presStyleIdx="1" presStyleCnt="4" custLinFactX="8730" custLinFactNeighborX="100000" custLinFactNeighborY="12537">
@@ -1098,6 +1129,13 @@
         </dgm:presLayoutVars>
       </dgm:prSet>
       <dgm:spPr/>
+      <dgm:t>
+        <a:bodyPr/>
+        <a:lstStyle/>
+        <a:p>
+          <a:endParaRPr lang="en-US"/>
+        </a:p>
+      </dgm:t>
     </dgm:pt>
     <dgm:pt modelId="{77F4B3D2-6B4F-4914-A671-19BCD19CDF09}" type="pres">
       <dgm:prSet presAssocID="{A0A93455-4BFD-4D18-8AC4-CBD7ECB90272}" presName="negativeSpace" presStyleCnt="0"/>
@@ -1122,6 +1160,13 @@
     <dgm:pt modelId="{594038D7-1103-4498-B0DB-37A36B9B89D2}" type="pres">
       <dgm:prSet presAssocID="{78214806-87CD-45B3-ABC7-A45209BAF5D2}" presName="parentLeftMargin" presStyleLbl="node1" presStyleIdx="1" presStyleCnt="4"/>
       <dgm:spPr/>
+      <dgm:t>
+        <a:bodyPr/>
+        <a:lstStyle/>
+        <a:p>
+          <a:endParaRPr lang="en-US"/>
+        </a:p>
+      </dgm:t>
     </dgm:pt>
     <dgm:pt modelId="{4C026A57-169F-4C08-AF5F-E9016DCC4B18}" type="pres">
       <dgm:prSet presAssocID="{78214806-87CD-45B3-ABC7-A45209BAF5D2}" presName="parentText" presStyleLbl="node1" presStyleIdx="2" presStyleCnt="4" custLinFactX="8730" custLinFactNeighborX="100000" custLinFactNeighborY="12537">
@@ -1131,6 +1176,13 @@
         </dgm:presLayoutVars>
       </dgm:prSet>
       <dgm:spPr/>
+      <dgm:t>
+        <a:bodyPr/>
+        <a:lstStyle/>
+        <a:p>
+          <a:endParaRPr lang="en-US"/>
+        </a:p>
+      </dgm:t>
     </dgm:pt>
     <dgm:pt modelId="{89FB10EC-CB91-4B54-B09F-CA4BC5C25AD7}" type="pres">
       <dgm:prSet presAssocID="{78214806-87CD-45B3-ABC7-A45209BAF5D2}" presName="negativeSpace" presStyleCnt="0"/>
@@ -1155,6 +1207,13 @@
     <dgm:pt modelId="{EAAD5F81-E016-4E12-9772-9BF4019A56FE}" type="pres">
       <dgm:prSet presAssocID="{917B2668-48E4-44F2-85B4-ABCDC8586369}" presName="parentLeftMargin" presStyleLbl="node1" presStyleIdx="2" presStyleCnt="4"/>
       <dgm:spPr/>
+      <dgm:t>
+        <a:bodyPr/>
+        <a:lstStyle/>
+        <a:p>
+          <a:endParaRPr lang="en-US"/>
+        </a:p>
+      </dgm:t>
     </dgm:pt>
     <dgm:pt modelId="{25664418-7924-4C19-B996-6CF261991630}" type="pres">
       <dgm:prSet presAssocID="{917B2668-48E4-44F2-85B4-ABCDC8586369}" presName="parentText" presStyleLbl="node1" presStyleIdx="3" presStyleCnt="4" custLinFactX="8730" custLinFactNeighborX="100000" custLinFactNeighborY="12537">
@@ -1731,7 +1790,7 @@
           </a:pPr>
           <a:r>
             <a:rPr lang="en-US" sz="2100" kern="1200" smtClean="0"/>
-            <a:t>Demo</a:t>
+            <a:t>Demo ứng dụng thao tác Registry</a:t>
           </a:r>
           <a:endParaRPr lang="en-US" sz="2100" kern="1200"/>
         </a:p>
@@ -3086,7 +3145,7 @@
           <a:p>
             <a:fld id="{BC686CB3-32BA-4F93-8D22-6C9723801F78}" type="datetimeFigureOut">
               <a:rPr lang="en-US" smtClean="0"/>
-              <a:t>5/12/2012</a:t>
+              <a:t>5/13/2012</a:t>
             </a:fld>
             <a:endParaRPr lang="en-US"/>
           </a:p>
@@ -3256,7 +3315,7 @@
           <a:p>
             <a:fld id="{F70DB8DD-9B16-466B-B61E-32B315019C1D}" type="datetimeFigureOut">
               <a:rPr lang="en-US" smtClean="0"/>
-              <a:t>5/12/2012</a:t>
+              <a:t>5/13/2012</a:t>
             </a:fld>
             <a:endParaRPr lang="en-US"/>
           </a:p>
@@ -3590,6 +3649,67 @@
 </p:notes>
 </file>
 
+<file path=ppt/notesSlides/notesSlide10.xml><?xml version="1.0" encoding="utf-8"?>
+<p:notes xmlns:a="http://schemas.openxmlformats.org/drawingml/2006/main" xmlns:r="http://schemas.openxmlformats.org/officeDocument/2006/relationships" xmlns:p="http://schemas.openxmlformats.org/presentationml/2006/main">
+  <p:cSld>
+    <p:spTree>
+      <p:nvGrpSpPr>
+        <p:cNvPr id="1" name=""/>
+        <p:cNvGrpSpPr/>
+        <p:nvPr/>
+      </p:nvGrpSpPr>
+      <p:grpSpPr>
+        <a:xfrm>
+          <a:off x="0" y="0"/>
+          <a:ext cx="0" cy="0"/>
+          <a:chOff x="0" y="0"/>
+          <a:chExt cx="0" cy="0"/>
+        </a:xfrm>
+      </p:grpSpPr>
+      <p:sp>
+        <p:nvSpPr>
+          <p:cNvPr id="2" name="Slide Image Placeholder 1"/>
+          <p:cNvSpPr>
+            <a:spLocks noGrp="1" noRot="1" noChangeAspect="1"/>
+          </p:cNvSpPr>
+          <p:nvPr>
+            <p:ph type="sldImg"/>
+          </p:nvPr>
+        </p:nvSpPr>
+        <p:spPr/>
+      </p:sp>
+      <p:sp>
+        <p:nvSpPr>
+          <p:cNvPr id="3" name="Notes Placeholder 2"/>
+          <p:cNvSpPr>
+            <a:spLocks noGrp="1"/>
+          </p:cNvSpPr>
+          <p:nvPr>
+            <p:ph type="body" idx="1"/>
+          </p:nvPr>
+        </p:nvSpPr>
+        <p:spPr/>
+        <p:txBody>
+          <a:bodyPr/>
+          <a:lstStyle/>
+          <a:p>
+            <a:endParaRPr lang="en-US"/>
+          </a:p>
+        </p:txBody>
+      </p:sp>
+    </p:spTree>
+    <p:extLst>
+      <p:ext uri="{BB962C8B-B14F-4D97-AF65-F5344CB8AC3E}">
+        <p14:creationId xmlns:p14="http://schemas.microsoft.com/office/powerpoint/2010/main" val="1243872160"/>
+      </p:ext>
+    </p:extLst>
+  </p:cSld>
+  <p:clrMapOvr>
+    <a:masterClrMapping/>
+  </p:clrMapOvr>
+</p:notes>
+</file>
+
 <file path=ppt/notesSlides/notesSlide2.xml><?xml version="1.0" encoding="utf-8"?>
 <p:notes xmlns:a="http://schemas.openxmlformats.org/drawingml/2006/main" xmlns:r="http://schemas.openxmlformats.org/officeDocument/2006/relationships" xmlns:p="http://schemas.openxmlformats.org/presentationml/2006/main">
   <p:cSld>
@@ -3896,6 +4016,128 @@
 </file>
 
 <file path=ppt/notesSlides/notesSlide7.xml><?xml version="1.0" encoding="utf-8"?>
+<p:notes xmlns:a="http://schemas.openxmlformats.org/drawingml/2006/main" xmlns:r="http://schemas.openxmlformats.org/officeDocument/2006/relationships" xmlns:p="http://schemas.openxmlformats.org/presentationml/2006/main">
+  <p:cSld>
+    <p:spTree>
+      <p:nvGrpSpPr>
+        <p:cNvPr id="1" name=""/>
+        <p:cNvGrpSpPr/>
+        <p:nvPr/>
+      </p:nvGrpSpPr>
+      <p:grpSpPr>
+        <a:xfrm>
+          <a:off x="0" y="0"/>
+          <a:ext cx="0" cy="0"/>
+          <a:chOff x="0" y="0"/>
+          <a:chExt cx="0" cy="0"/>
+        </a:xfrm>
+      </p:grpSpPr>
+      <p:sp>
+        <p:nvSpPr>
+          <p:cNvPr id="2" name="Slide Image Placeholder 1"/>
+          <p:cNvSpPr>
+            <a:spLocks noGrp="1" noRot="1" noChangeAspect="1"/>
+          </p:cNvSpPr>
+          <p:nvPr>
+            <p:ph type="sldImg"/>
+          </p:nvPr>
+        </p:nvSpPr>
+        <p:spPr/>
+      </p:sp>
+      <p:sp>
+        <p:nvSpPr>
+          <p:cNvPr id="3" name="Notes Placeholder 2"/>
+          <p:cNvSpPr>
+            <a:spLocks noGrp="1"/>
+          </p:cNvSpPr>
+          <p:nvPr>
+            <p:ph type="body" idx="1"/>
+          </p:nvPr>
+        </p:nvSpPr>
+        <p:spPr/>
+        <p:txBody>
+          <a:bodyPr/>
+          <a:lstStyle/>
+          <a:p>
+            <a:endParaRPr lang="en-US"/>
+          </a:p>
+        </p:txBody>
+      </p:sp>
+    </p:spTree>
+    <p:extLst>
+      <p:ext uri="{BB962C8B-B14F-4D97-AF65-F5344CB8AC3E}">
+        <p14:creationId xmlns:p14="http://schemas.microsoft.com/office/powerpoint/2010/main" val="3087672818"/>
+      </p:ext>
+    </p:extLst>
+  </p:cSld>
+  <p:clrMapOvr>
+    <a:masterClrMapping/>
+  </p:clrMapOvr>
+</p:notes>
+</file>
+
+<file path=ppt/notesSlides/notesSlide8.xml><?xml version="1.0" encoding="utf-8"?>
+<p:notes xmlns:a="http://schemas.openxmlformats.org/drawingml/2006/main" xmlns:r="http://schemas.openxmlformats.org/officeDocument/2006/relationships" xmlns:p="http://schemas.openxmlformats.org/presentationml/2006/main">
+  <p:cSld>
+    <p:spTree>
+      <p:nvGrpSpPr>
+        <p:cNvPr id="1" name=""/>
+        <p:cNvGrpSpPr/>
+        <p:nvPr/>
+      </p:nvGrpSpPr>
+      <p:grpSpPr>
+        <a:xfrm>
+          <a:off x="0" y="0"/>
+          <a:ext cx="0" cy="0"/>
+          <a:chOff x="0" y="0"/>
+          <a:chExt cx="0" cy="0"/>
+        </a:xfrm>
+      </p:grpSpPr>
+      <p:sp>
+        <p:nvSpPr>
+          <p:cNvPr id="2" name="Slide Image Placeholder 1"/>
+          <p:cNvSpPr>
+            <a:spLocks noGrp="1" noRot="1" noChangeAspect="1"/>
+          </p:cNvSpPr>
+          <p:nvPr>
+            <p:ph type="sldImg"/>
+          </p:nvPr>
+        </p:nvSpPr>
+        <p:spPr/>
+      </p:sp>
+      <p:sp>
+        <p:nvSpPr>
+          <p:cNvPr id="3" name="Notes Placeholder 2"/>
+          <p:cNvSpPr>
+            <a:spLocks noGrp="1"/>
+          </p:cNvSpPr>
+          <p:nvPr>
+            <p:ph type="body" idx="1"/>
+          </p:nvPr>
+        </p:nvSpPr>
+        <p:spPr/>
+        <p:txBody>
+          <a:bodyPr/>
+          <a:lstStyle/>
+          <a:p>
+            <a:endParaRPr lang="en-US"/>
+          </a:p>
+        </p:txBody>
+      </p:sp>
+    </p:spTree>
+    <p:extLst>
+      <p:ext uri="{BB962C8B-B14F-4D97-AF65-F5344CB8AC3E}">
+        <p14:creationId xmlns:p14="http://schemas.microsoft.com/office/powerpoint/2010/main" val="3087672818"/>
+      </p:ext>
+    </p:extLst>
+  </p:cSld>
+  <p:clrMapOvr>
+    <a:masterClrMapping/>
+  </p:clrMapOvr>
+</p:notes>
+</file>
+
+<file path=ppt/notesSlides/notesSlide9.xml><?xml version="1.0" encoding="utf-8"?>
 <p:notes xmlns:a="http://schemas.openxmlformats.org/drawingml/2006/main" xmlns:r="http://schemas.openxmlformats.org/officeDocument/2006/relationships" xmlns:p="http://schemas.openxmlformats.org/presentationml/2006/main">
   <p:cSld>
     <p:spTree>
@@ -6884,7 +7126,6 @@
               <a:rPr lang="en-US" smtClean="0"/>
               <a:t>Fifth level</a:t>
             </a:r>
-            <a:endParaRPr lang="en-US" smtClean="0"/>
           </a:p>
         </p:txBody>
       </p:sp>
@@ -7185,7 +7426,6 @@
               <a:rPr lang="en-US" smtClean="0"/>
               <a:t>Click to edit Master title style</a:t>
             </a:r>
-            <a:endParaRPr lang="en-US" smtClean="0"/>
           </a:p>
         </p:txBody>
       </p:sp>
@@ -7731,7 +7971,7 @@
         </p:nvSpPr>
         <p:spPr>
           <a:xfrm flipH="1">
-            <a:off x="4079821" y="4084584"/>
+            <a:off x="4079821" y="4038600"/>
             <a:ext cx="4945621" cy="777702"/>
           </a:xfrm>
           <a:prstGeom prst="round1Rect">
@@ -7772,7 +8012,7 @@
         </p:nvSpPr>
         <p:spPr>
           <a:xfrm flipV="1">
-            <a:off x="4047167" y="4953000"/>
+            <a:off x="4047167" y="4907016"/>
             <a:ext cx="4978277" cy="1464690"/>
           </a:xfrm>
           <a:prstGeom prst="round1Rect">
@@ -8018,7 +8258,7 @@
         </p:nvSpPr>
         <p:spPr>
           <a:xfrm>
-            <a:off x="4111929" y="5029200"/>
+            <a:off x="4111929" y="4983216"/>
             <a:ext cx="5260671" cy="1295400"/>
           </a:xfrm>
         </p:spPr>
@@ -8403,7 +8643,7 @@
       </p:sp>
       <p:sp>
         <p:nvSpPr>
-          <p:cNvPr id="5" name="Slide Number Placeholder 4"/>
+          <p:cNvPr id="6" name="Slide Number Placeholder 11"/>
           <p:cNvSpPr>
             <a:spLocks noGrp="1"/>
           </p:cNvSpPr>
@@ -8411,17 +8651,22 @@
             <p:ph type="sldNum" sz="quarter" idx="12"/>
           </p:nvPr>
         </p:nvSpPr>
-        <p:spPr/>
+        <p:spPr>
+          <a:xfrm>
+            <a:off x="3429000" y="6477000"/>
+            <a:ext cx="2133600" cy="381000"/>
+          </a:xfrm>
+        </p:spPr>
         <p:txBody>
           <a:bodyPr/>
           <a:lstStyle/>
           <a:p>
             <a:fld id="{B6F15528-21DE-4FAA-801E-634DDDAF4B2B}" type="slidenum">
-              <a:rPr lang="en-US" smtClean="0"/>
+              <a:rPr lang="en-US" sz="2000" smtClean="0"/>
               <a:pPr/>
               <a:t>10</a:t>
             </a:fld>
-            <a:endParaRPr lang="en-US"/>
+            <a:endParaRPr lang="en-US" sz="2000"/>
           </a:p>
         </p:txBody>
       </p:sp>
@@ -8619,7 +8864,7 @@
       </p:sp>
       <p:sp>
         <p:nvSpPr>
-          <p:cNvPr id="5" name="Slide Number Placeholder 4"/>
+          <p:cNvPr id="6" name="Slide Number Placeholder 11"/>
           <p:cNvSpPr>
             <a:spLocks noGrp="1"/>
           </p:cNvSpPr>
@@ -8627,17 +8872,22 @@
             <p:ph type="sldNum" sz="quarter" idx="12"/>
           </p:nvPr>
         </p:nvSpPr>
-        <p:spPr/>
+        <p:spPr>
+          <a:xfrm>
+            <a:off x="3429000" y="6477000"/>
+            <a:ext cx="2133600" cy="381000"/>
+          </a:xfrm>
+        </p:spPr>
         <p:txBody>
           <a:bodyPr/>
           <a:lstStyle/>
           <a:p>
             <a:fld id="{B6F15528-21DE-4FAA-801E-634DDDAF4B2B}" type="slidenum">
-              <a:rPr lang="en-US" smtClean="0"/>
+              <a:rPr lang="en-US" sz="2000" smtClean="0"/>
               <a:pPr/>
               <a:t>11</a:t>
             </a:fld>
-            <a:endParaRPr lang="en-US"/>
+            <a:endParaRPr lang="en-US" sz="2000"/>
           </a:p>
         </p:txBody>
       </p:sp>
@@ -8743,7 +8993,52 @@
                   <a:reflection blurRad="12700" stA="28000" endPos="45000" dist="1000" dir="5400000" sy="-100000" algn="bl" rotWithShape="0"/>
                 </a:effectLst>
               </a:rPr>
-              <a:t>2.4 the invocation api</a:t>
+              <a:t>2.4 </a:t>
+            </a:r>
+            <a:r>
+              <a:rPr lang="en-US" sz="2900" cap="all" smtClean="0">
+                <a:ln w="9000" cmpd="sng">
+                  <a:solidFill>
+                    <a:schemeClr val="accent4">
+                      <a:shade val="50000"/>
+                      <a:satMod val="120000"/>
+                    </a:schemeClr>
+                  </a:solidFill>
+                  <a:prstDash val="solid"/>
+                </a:ln>
+                <a:gradFill>
+                  <a:gsLst>
+                    <a:gs pos="0">
+                      <a:schemeClr val="accent4">
+                        <a:shade val="20000"/>
+                        <a:satMod val="245000"/>
+                      </a:schemeClr>
+                    </a:gs>
+                    <a:gs pos="43000">
+                      <a:schemeClr val="accent4">
+                        <a:satMod val="255000"/>
+                      </a:schemeClr>
+                    </a:gs>
+                    <a:gs pos="48000">
+                      <a:schemeClr val="accent4">
+                        <a:shade val="85000"/>
+                        <a:satMod val="255000"/>
+                      </a:schemeClr>
+                    </a:gs>
+                    <a:gs pos="100000">
+                      <a:schemeClr val="accent4">
+                        <a:shade val="20000"/>
+                        <a:satMod val="245000"/>
+                      </a:schemeClr>
+                    </a:gs>
+                  </a:gsLst>
+                  <a:lin ang="5400000"/>
+                </a:gradFill>
+                <a:effectLst>
+                  <a:reflection blurRad="12700" stA="28000" endPos="45000" dist="1000" dir="5400000" sy="-100000" algn="bl" rotWithShape="0"/>
+                </a:effectLst>
+              </a:rPr>
+              <a:t>bắt các exception</a:t>
             </a:r>
             <a:endParaRPr lang="en-US" sz="2900" cap="all">
               <a:ln w="9000" cmpd="sng">
@@ -8834,7 +9129,7 @@
       </p:sp>
       <p:sp>
         <p:nvSpPr>
-          <p:cNvPr id="5" name="Slide Number Placeholder 4"/>
+          <p:cNvPr id="6" name="Slide Number Placeholder 11"/>
           <p:cNvSpPr>
             <a:spLocks noGrp="1"/>
           </p:cNvSpPr>
@@ -8842,17 +9137,22 @@
             <p:ph type="sldNum" sz="quarter" idx="12"/>
           </p:nvPr>
         </p:nvSpPr>
-        <p:spPr/>
+        <p:spPr>
+          <a:xfrm>
+            <a:off x="3429000" y="6477000"/>
+            <a:ext cx="2133600" cy="381000"/>
+          </a:xfrm>
+        </p:spPr>
         <p:txBody>
           <a:bodyPr/>
           <a:lstStyle/>
           <a:p>
             <a:fld id="{B6F15528-21DE-4FAA-801E-634DDDAF4B2B}" type="slidenum">
-              <a:rPr lang="en-US" smtClean="0"/>
+              <a:rPr lang="en-US" sz="2000" smtClean="0"/>
               <a:pPr/>
               <a:t>12</a:t>
             </a:fld>
-            <a:endParaRPr lang="en-US"/>
+            <a:endParaRPr lang="en-US" sz="2000"/>
           </a:p>
         </p:txBody>
       </p:sp>
@@ -8958,7 +9258,52 @@
                   <a:reflection blurRad="12700" stA="28000" endPos="45000" dist="1000" dir="5400000" sy="-100000" algn="bl" rotWithShape="0"/>
                 </a:effectLst>
               </a:rPr>
-              <a:t>2.5 demo Helloworld</a:t>
+              <a:t>2.5 </a:t>
+            </a:r>
+            <a:r>
+              <a:rPr lang="en-US" sz="2900" cap="all" smtClean="0">
+                <a:ln w="9000" cmpd="sng">
+                  <a:solidFill>
+                    <a:schemeClr val="accent4">
+                      <a:shade val="50000"/>
+                      <a:satMod val="120000"/>
+                    </a:schemeClr>
+                  </a:solidFill>
+                  <a:prstDash val="solid"/>
+                </a:ln>
+                <a:gradFill>
+                  <a:gsLst>
+                    <a:gs pos="0">
+                      <a:schemeClr val="accent4">
+                        <a:shade val="20000"/>
+                        <a:satMod val="245000"/>
+                      </a:schemeClr>
+                    </a:gs>
+                    <a:gs pos="43000">
+                      <a:schemeClr val="accent4">
+                        <a:satMod val="255000"/>
+                      </a:schemeClr>
+                    </a:gs>
+                    <a:gs pos="48000">
+                      <a:schemeClr val="accent4">
+                        <a:shade val="85000"/>
+                        <a:satMod val="255000"/>
+                      </a:schemeClr>
+                    </a:gs>
+                    <a:gs pos="100000">
+                      <a:schemeClr val="accent4">
+                        <a:shade val="20000"/>
+                        <a:satMod val="245000"/>
+                      </a:schemeClr>
+                    </a:gs>
+                  </a:gsLst>
+                  <a:lin ang="5400000"/>
+                </a:gradFill>
+                <a:effectLst>
+                  <a:reflection blurRad="12700" stA="28000" endPos="45000" dist="1000" dir="5400000" sy="-100000" algn="bl" rotWithShape="0"/>
+                </a:effectLst>
+              </a:rPr>
+              <a:t>the invocation api</a:t>
             </a:r>
             <a:endParaRPr lang="en-US" sz="2900" cap="all">
               <a:ln w="9000" cmpd="sng">
@@ -9049,7 +9394,7 @@
       </p:sp>
       <p:sp>
         <p:nvSpPr>
-          <p:cNvPr id="5" name="Slide Number Placeholder 4"/>
+          <p:cNvPr id="6" name="Slide Number Placeholder 11"/>
           <p:cNvSpPr>
             <a:spLocks noGrp="1"/>
           </p:cNvSpPr>
@@ -9057,17 +9402,287 @@
             <p:ph type="sldNum" sz="quarter" idx="12"/>
           </p:nvPr>
         </p:nvSpPr>
-        <p:spPr/>
+        <p:spPr>
+          <a:xfrm>
+            <a:off x="3429000" y="6477000"/>
+            <a:ext cx="2133600" cy="381000"/>
+          </a:xfrm>
+        </p:spPr>
         <p:txBody>
           <a:bodyPr/>
           <a:lstStyle/>
           <a:p>
             <a:fld id="{B6F15528-21DE-4FAA-801E-634DDDAF4B2B}" type="slidenum">
-              <a:rPr lang="en-US" smtClean="0"/>
+              <a:rPr lang="en-US" sz="2000" smtClean="0"/>
               <a:pPr/>
               <a:t>13</a:t>
             </a:fld>
+            <a:endParaRPr lang="en-US" sz="2000"/>
+          </a:p>
+        </p:txBody>
+      </p:sp>
+    </p:spTree>
+    <p:extLst>
+      <p:ext uri="{BB962C8B-B14F-4D97-AF65-F5344CB8AC3E}">
+        <p14:creationId xmlns:p14="http://schemas.microsoft.com/office/powerpoint/2010/main" val="618163558"/>
+      </p:ext>
+    </p:extLst>
+  </p:cSld>
+  <p:clrMapOvr>
+    <a:masterClrMapping/>
+  </p:clrMapOvr>
+  <p:timing>
+    <p:tnLst>
+      <p:par>
+        <p:cTn id="1" dur="indefinite" restart="never" nodeType="tmRoot"/>
+      </p:par>
+    </p:tnLst>
+  </p:timing>
+</p:sld>
+</file>
+
+<file path=ppt/slides/slide14.xml><?xml version="1.0" encoding="utf-8"?>
+<p:sld xmlns:a="http://schemas.openxmlformats.org/drawingml/2006/main" xmlns:r="http://schemas.openxmlformats.org/officeDocument/2006/relationships" xmlns:p="http://schemas.openxmlformats.org/presentationml/2006/main">
+  <p:cSld>
+    <p:spTree>
+      <p:nvGrpSpPr>
+        <p:cNvPr id="1" name=""/>
+        <p:cNvGrpSpPr/>
+        <p:nvPr/>
+      </p:nvGrpSpPr>
+      <p:grpSpPr>
+        <a:xfrm>
+          <a:off x="0" y="0"/>
+          <a:ext cx="0" cy="0"/>
+          <a:chOff x="0" y="0"/>
+          <a:chExt cx="0" cy="0"/>
+        </a:xfrm>
+      </p:grpSpPr>
+      <p:sp>
+        <p:nvSpPr>
+          <p:cNvPr id="8" name="Title 1"/>
+          <p:cNvSpPr>
+            <a:spLocks noGrp="1"/>
+          </p:cNvSpPr>
+          <p:nvPr>
+            <p:ph type="title"/>
+          </p:nvPr>
+        </p:nvSpPr>
+        <p:spPr>
+          <a:xfrm>
+            <a:off x="228600" y="579437"/>
+            <a:ext cx="9448800" cy="563563"/>
+          </a:xfrm>
+        </p:spPr>
+        <p:txBody>
+          <a:bodyPr>
+            <a:noAutofit/>
+          </a:bodyPr>
+          <a:lstStyle/>
+          <a:p>
+            <a:r>
+              <a:rPr lang="en-US" sz="2900" cap="all" smtClean="0">
+                <a:ln w="9000" cmpd="sng">
+                  <a:solidFill>
+                    <a:schemeClr val="accent4">
+                      <a:shade val="50000"/>
+                      <a:satMod val="120000"/>
+                    </a:schemeClr>
+                  </a:solidFill>
+                  <a:prstDash val="solid"/>
+                </a:ln>
+                <a:gradFill>
+                  <a:gsLst>
+                    <a:gs pos="0">
+                      <a:schemeClr val="accent4">
+                        <a:shade val="20000"/>
+                        <a:satMod val="245000"/>
+                      </a:schemeClr>
+                    </a:gs>
+                    <a:gs pos="43000">
+                      <a:schemeClr val="accent4">
+                        <a:satMod val="255000"/>
+                      </a:schemeClr>
+                    </a:gs>
+                    <a:gs pos="48000">
+                      <a:schemeClr val="accent4">
+                        <a:shade val="85000"/>
+                        <a:satMod val="255000"/>
+                      </a:schemeClr>
+                    </a:gs>
+                    <a:gs pos="100000">
+                      <a:schemeClr val="accent4">
+                        <a:shade val="20000"/>
+                        <a:satMod val="245000"/>
+                      </a:schemeClr>
+                    </a:gs>
+                  </a:gsLst>
+                  <a:lin ang="5400000"/>
+                </a:gradFill>
+                <a:effectLst>
+                  <a:reflection blurRad="12700" stA="28000" endPos="45000" dist="1000" dir="5400000" sy="-100000" algn="bl" rotWithShape="0"/>
+                </a:effectLst>
+              </a:rPr>
+              <a:t>2.6 </a:t>
+            </a:r>
+            <a:r>
+              <a:rPr lang="en-US" sz="2900" cap="all" smtClean="0">
+                <a:ln w="9000" cmpd="sng">
+                  <a:solidFill>
+                    <a:schemeClr val="accent4">
+                      <a:shade val="50000"/>
+                      <a:satMod val="120000"/>
+                    </a:schemeClr>
+                  </a:solidFill>
+                  <a:prstDash val="solid"/>
+                </a:ln>
+                <a:gradFill>
+                  <a:gsLst>
+                    <a:gs pos="0">
+                      <a:schemeClr val="accent4">
+                        <a:shade val="20000"/>
+                        <a:satMod val="245000"/>
+                      </a:schemeClr>
+                    </a:gs>
+                    <a:gs pos="43000">
+                      <a:schemeClr val="accent4">
+                        <a:satMod val="255000"/>
+                      </a:schemeClr>
+                    </a:gs>
+                    <a:gs pos="48000">
+                      <a:schemeClr val="accent4">
+                        <a:shade val="85000"/>
+                        <a:satMod val="255000"/>
+                      </a:schemeClr>
+                    </a:gs>
+                    <a:gs pos="100000">
+                      <a:schemeClr val="accent4">
+                        <a:shade val="20000"/>
+                        <a:satMod val="245000"/>
+                      </a:schemeClr>
+                    </a:gs>
+                  </a:gsLst>
+                  <a:lin ang="5400000"/>
+                </a:gradFill>
+                <a:effectLst>
+                  <a:reflection blurRad="12700" stA="28000" endPos="45000" dist="1000" dir="5400000" sy="-100000" algn="bl" rotWithShape="0"/>
+                </a:effectLst>
+              </a:rPr>
+              <a:t>demo Helloworld</a:t>
+            </a:r>
+            <a:endParaRPr lang="en-US" sz="2900" cap="all">
+              <a:ln w="9000" cmpd="sng">
+                <a:solidFill>
+                  <a:schemeClr val="accent4">
+                    <a:shade val="50000"/>
+                    <a:satMod val="120000"/>
+                  </a:schemeClr>
+                </a:solidFill>
+                <a:prstDash val="solid"/>
+              </a:ln>
+              <a:gradFill>
+                <a:gsLst>
+                  <a:gs pos="0">
+                    <a:schemeClr val="accent4">
+                      <a:shade val="20000"/>
+                      <a:satMod val="245000"/>
+                    </a:schemeClr>
+                  </a:gs>
+                  <a:gs pos="43000">
+                    <a:schemeClr val="accent4">
+                      <a:satMod val="255000"/>
+                    </a:schemeClr>
+                  </a:gs>
+                  <a:gs pos="48000">
+                    <a:schemeClr val="accent4">
+                      <a:shade val="85000"/>
+                      <a:satMod val="255000"/>
+                    </a:schemeClr>
+                  </a:gs>
+                  <a:gs pos="100000">
+                    <a:schemeClr val="accent4">
+                      <a:shade val="20000"/>
+                      <a:satMod val="245000"/>
+                    </a:schemeClr>
+                  </a:gs>
+                </a:gsLst>
+                <a:lin ang="5400000"/>
+              </a:gradFill>
+              <a:effectLst>
+                <a:reflection blurRad="12700" stA="28000" endPos="45000" dist="1000" dir="5400000" sy="-100000" algn="bl" rotWithShape="0"/>
+              </a:effectLst>
+            </a:endParaRPr>
+          </a:p>
+        </p:txBody>
+      </p:sp>
+      <p:sp>
+        <p:nvSpPr>
+          <p:cNvPr id="2" name="Content Placeholder 1"/>
+          <p:cNvSpPr>
+            <a:spLocks noGrp="1"/>
+          </p:cNvSpPr>
+          <p:nvPr>
+            <p:ph idx="1"/>
+          </p:nvPr>
+        </p:nvSpPr>
+        <p:spPr/>
+        <p:txBody>
+          <a:bodyPr/>
+          <a:lstStyle/>
+          <a:p>
             <a:endParaRPr lang="en-US"/>
+          </a:p>
+        </p:txBody>
+      </p:sp>
+      <p:sp>
+        <p:nvSpPr>
+          <p:cNvPr id="4" name="Footer Placeholder 3"/>
+          <p:cNvSpPr>
+            <a:spLocks noGrp="1"/>
+          </p:cNvSpPr>
+          <p:nvPr>
+            <p:ph type="ftr" sz="quarter" idx="11"/>
+          </p:nvPr>
+        </p:nvSpPr>
+        <p:spPr/>
+        <p:txBody>
+          <a:bodyPr/>
+          <a:lstStyle/>
+          <a:p>
+            <a:r>
+              <a:rPr lang="en-US" smtClean="0"/>
+              <a:t>www.hcmus.edu.vn</a:t>
+            </a:r>
+            <a:endParaRPr lang="en-US"/>
+          </a:p>
+        </p:txBody>
+      </p:sp>
+      <p:sp>
+        <p:nvSpPr>
+          <p:cNvPr id="6" name="Slide Number Placeholder 11"/>
+          <p:cNvSpPr>
+            <a:spLocks noGrp="1"/>
+          </p:cNvSpPr>
+          <p:nvPr>
+            <p:ph type="sldNum" sz="quarter" idx="12"/>
+          </p:nvPr>
+        </p:nvSpPr>
+        <p:spPr>
+          <a:xfrm>
+            <a:off x="3429000" y="6477000"/>
+            <a:ext cx="2133600" cy="381000"/>
+          </a:xfrm>
+        </p:spPr>
+        <p:txBody>
+          <a:bodyPr/>
+          <a:lstStyle/>
+          <a:p>
+            <a:fld id="{B6F15528-21DE-4FAA-801E-634DDDAF4B2B}" type="slidenum">
+              <a:rPr lang="en-US" sz="2000" smtClean="0"/>
+              <a:pPr/>
+              <a:t>14</a:t>
+            </a:fld>
+            <a:endParaRPr lang="en-US" sz="2000"/>
           </a:p>
         </p:txBody>
       </p:sp>
@@ -9091,7 +9706,7 @@
 </p:sld>
 </file>
 
-<file path=ppt/slides/slide14.xml><?xml version="1.0" encoding="utf-8"?>
+<file path=ppt/slides/slide15.xml><?xml version="1.0" encoding="utf-8"?>
 <p:sld xmlns:a="http://schemas.openxmlformats.org/drawingml/2006/main" xmlns:r="http://schemas.openxmlformats.org/officeDocument/2006/relationships" xmlns:p="http://schemas.openxmlformats.org/presentationml/2006/main">
   <p:cSld>
     <p:spTree>
@@ -9271,7 +9886,7 @@
       </p:sp>
       <p:sp>
         <p:nvSpPr>
-          <p:cNvPr id="5" name="Slide Number Placeholder 4"/>
+          <p:cNvPr id="6" name="Slide Number Placeholder 11"/>
           <p:cNvSpPr>
             <a:spLocks noGrp="1"/>
           </p:cNvSpPr>
@@ -9279,17 +9894,22 @@
             <p:ph type="sldNum" sz="quarter" idx="12"/>
           </p:nvPr>
         </p:nvSpPr>
-        <p:spPr/>
+        <p:spPr>
+          <a:xfrm>
+            <a:off x="3429000" y="6477000"/>
+            <a:ext cx="2133600" cy="381000"/>
+          </a:xfrm>
+        </p:spPr>
         <p:txBody>
           <a:bodyPr/>
           <a:lstStyle/>
           <a:p>
             <a:fld id="{B6F15528-21DE-4FAA-801E-634DDDAF4B2B}" type="slidenum">
-              <a:rPr lang="en-US" smtClean="0"/>
+              <a:rPr lang="en-US" sz="2000" smtClean="0"/>
               <a:pPr/>
-              <a:t>14</a:t>
+              <a:t>15</a:t>
             </a:fld>
-            <a:endParaRPr lang="en-US"/>
+            <a:endParaRPr lang="en-US" sz="2000"/>
           </a:p>
         </p:txBody>
       </p:sp>
@@ -9297,6 +9917,619 @@
     <p:extLst>
       <p:ext uri="{BB962C8B-B14F-4D97-AF65-F5344CB8AC3E}">
         <p14:creationId xmlns:p14="http://schemas.microsoft.com/office/powerpoint/2010/main" val="1125026176"/>
+      </p:ext>
+    </p:extLst>
+  </p:cSld>
+  <p:clrMapOvr>
+    <a:masterClrMapping/>
+  </p:clrMapOvr>
+  <p:timing>
+    <p:tnLst>
+      <p:par>
+        <p:cTn id="1" dur="indefinite" restart="never" nodeType="tmRoot"/>
+      </p:par>
+    </p:tnLst>
+  </p:timing>
+</p:sld>
+</file>
+
+<file path=ppt/slides/slide16.xml><?xml version="1.0" encoding="utf-8"?>
+<p:sld xmlns:a="http://schemas.openxmlformats.org/drawingml/2006/main" xmlns:r="http://schemas.openxmlformats.org/officeDocument/2006/relationships" xmlns:p="http://schemas.openxmlformats.org/presentationml/2006/main">
+  <p:cSld>
+    <p:spTree>
+      <p:nvGrpSpPr>
+        <p:cNvPr id="1" name=""/>
+        <p:cNvGrpSpPr/>
+        <p:nvPr/>
+      </p:nvGrpSpPr>
+      <p:grpSpPr>
+        <a:xfrm>
+          <a:off x="0" y="0"/>
+          <a:ext cx="0" cy="0"/>
+          <a:chOff x="0" y="0"/>
+          <a:chExt cx="0" cy="0"/>
+        </a:xfrm>
+      </p:grpSpPr>
+      <p:sp>
+        <p:nvSpPr>
+          <p:cNvPr id="8" name="Title 1"/>
+          <p:cNvSpPr>
+            <a:spLocks noGrp="1"/>
+          </p:cNvSpPr>
+          <p:nvPr>
+            <p:ph type="title"/>
+          </p:nvPr>
+        </p:nvSpPr>
+        <p:spPr>
+          <a:xfrm>
+            <a:off x="228600" y="579437"/>
+            <a:ext cx="9448800" cy="563563"/>
+          </a:xfrm>
+        </p:spPr>
+        <p:txBody>
+          <a:bodyPr>
+            <a:noAutofit/>
+          </a:bodyPr>
+          <a:lstStyle/>
+          <a:p>
+            <a:r>
+              <a:rPr lang="en-US" sz="2900" cap="all" smtClean="0">
+                <a:ln w="9000" cmpd="sng">
+                  <a:solidFill>
+                    <a:schemeClr val="accent4">
+                      <a:shade val="50000"/>
+                      <a:satMod val="120000"/>
+                    </a:schemeClr>
+                  </a:solidFill>
+                  <a:prstDash val="solid"/>
+                </a:ln>
+                <a:gradFill>
+                  <a:gsLst>
+                    <a:gs pos="0">
+                      <a:schemeClr val="accent4">
+                        <a:shade val="20000"/>
+                        <a:satMod val="245000"/>
+                      </a:schemeClr>
+                    </a:gs>
+                    <a:gs pos="43000">
+                      <a:schemeClr val="accent4">
+                        <a:satMod val="255000"/>
+                      </a:schemeClr>
+                    </a:gs>
+                    <a:gs pos="48000">
+                      <a:schemeClr val="accent4">
+                        <a:shade val="85000"/>
+                        <a:satMod val="255000"/>
+                      </a:schemeClr>
+                    </a:gs>
+                    <a:gs pos="100000">
+                      <a:schemeClr val="accent4">
+                        <a:shade val="20000"/>
+                        <a:satMod val="245000"/>
+                      </a:schemeClr>
+                    </a:gs>
+                  </a:gsLst>
+                  <a:lin ang="5400000"/>
+                </a:gradFill>
+                <a:effectLst>
+                  <a:reflection blurRad="12700" stA="28000" endPos="45000" dist="1000" dir="5400000" sy="-100000" algn="bl" rotWithShape="0"/>
+                </a:effectLst>
+              </a:rPr>
+              <a:t>4 demo ứng dụng thao tác registry</a:t>
+            </a:r>
+            <a:endParaRPr lang="en-US" sz="2900" cap="all">
+              <a:ln w="9000" cmpd="sng">
+                <a:solidFill>
+                  <a:schemeClr val="accent4">
+                    <a:shade val="50000"/>
+                    <a:satMod val="120000"/>
+                  </a:schemeClr>
+                </a:solidFill>
+                <a:prstDash val="solid"/>
+              </a:ln>
+              <a:gradFill>
+                <a:gsLst>
+                  <a:gs pos="0">
+                    <a:schemeClr val="accent4">
+                      <a:shade val="20000"/>
+                      <a:satMod val="245000"/>
+                    </a:schemeClr>
+                  </a:gs>
+                  <a:gs pos="43000">
+                    <a:schemeClr val="accent4">
+                      <a:satMod val="255000"/>
+                    </a:schemeClr>
+                  </a:gs>
+                  <a:gs pos="48000">
+                    <a:schemeClr val="accent4">
+                      <a:shade val="85000"/>
+                      <a:satMod val="255000"/>
+                    </a:schemeClr>
+                  </a:gs>
+                  <a:gs pos="100000">
+                    <a:schemeClr val="accent4">
+                      <a:shade val="20000"/>
+                      <a:satMod val="245000"/>
+                    </a:schemeClr>
+                  </a:gs>
+                </a:gsLst>
+                <a:lin ang="5400000"/>
+              </a:gradFill>
+              <a:effectLst>
+                <a:reflection blurRad="12700" stA="28000" endPos="45000" dist="1000" dir="5400000" sy="-100000" algn="bl" rotWithShape="0"/>
+              </a:effectLst>
+            </a:endParaRPr>
+          </a:p>
+        </p:txBody>
+      </p:sp>
+      <p:sp>
+        <p:nvSpPr>
+          <p:cNvPr id="2" name="Content Placeholder 1"/>
+          <p:cNvSpPr>
+            <a:spLocks noGrp="1"/>
+          </p:cNvSpPr>
+          <p:nvPr>
+            <p:ph idx="1"/>
+          </p:nvPr>
+        </p:nvSpPr>
+        <p:spPr/>
+        <p:txBody>
+          <a:bodyPr/>
+          <a:lstStyle/>
+          <a:p>
+            <a:pPr lvl="0"/>
+            <a:r>
+              <a:rPr lang="en-US" smtClean="0"/>
+              <a:t>Java Native Access</a:t>
+            </a:r>
+          </a:p>
+          <a:p>
+            <a:endParaRPr lang="en-US"/>
+          </a:p>
+        </p:txBody>
+      </p:sp>
+      <p:sp>
+        <p:nvSpPr>
+          <p:cNvPr id="4" name="Footer Placeholder 3"/>
+          <p:cNvSpPr>
+            <a:spLocks noGrp="1"/>
+          </p:cNvSpPr>
+          <p:nvPr>
+            <p:ph type="ftr" sz="quarter" idx="11"/>
+          </p:nvPr>
+        </p:nvSpPr>
+        <p:spPr/>
+        <p:txBody>
+          <a:bodyPr/>
+          <a:lstStyle/>
+          <a:p>
+            <a:r>
+              <a:rPr lang="en-US" smtClean="0"/>
+              <a:t>www.hcmus.edu.vn</a:t>
+            </a:r>
+            <a:endParaRPr lang="en-US"/>
+          </a:p>
+        </p:txBody>
+      </p:sp>
+      <p:sp>
+        <p:nvSpPr>
+          <p:cNvPr id="6" name="Slide Number Placeholder 11"/>
+          <p:cNvSpPr>
+            <a:spLocks noGrp="1"/>
+          </p:cNvSpPr>
+          <p:nvPr>
+            <p:ph type="sldNum" sz="quarter" idx="12"/>
+          </p:nvPr>
+        </p:nvSpPr>
+        <p:spPr>
+          <a:xfrm>
+            <a:off x="3429000" y="6477000"/>
+            <a:ext cx="2133600" cy="381000"/>
+          </a:xfrm>
+        </p:spPr>
+        <p:txBody>
+          <a:bodyPr/>
+          <a:lstStyle/>
+          <a:p>
+            <a:fld id="{B6F15528-21DE-4FAA-801E-634DDDAF4B2B}" type="slidenum">
+              <a:rPr lang="en-US" sz="2000" smtClean="0"/>
+              <a:pPr/>
+              <a:t>16</a:t>
+            </a:fld>
+            <a:endParaRPr lang="en-US" sz="2000"/>
+          </a:p>
+        </p:txBody>
+      </p:sp>
+    </p:spTree>
+    <p:extLst>
+      <p:ext uri="{BB962C8B-B14F-4D97-AF65-F5344CB8AC3E}">
+        <p14:creationId xmlns:p14="http://schemas.microsoft.com/office/powerpoint/2010/main" val="3137645208"/>
+      </p:ext>
+    </p:extLst>
+  </p:cSld>
+  <p:clrMapOvr>
+    <a:masterClrMapping/>
+  </p:clrMapOvr>
+  <p:timing>
+    <p:tnLst>
+      <p:par>
+        <p:cTn id="1" dur="indefinite" restart="never" nodeType="tmRoot"/>
+      </p:par>
+    </p:tnLst>
+  </p:timing>
+</p:sld>
+</file>
+
+<file path=ppt/slides/slide17.xml><?xml version="1.0" encoding="utf-8"?>
+<p:sld xmlns:a="http://schemas.openxmlformats.org/drawingml/2006/main" xmlns:r="http://schemas.openxmlformats.org/officeDocument/2006/relationships" xmlns:p="http://schemas.openxmlformats.org/presentationml/2006/main">
+  <p:cSld>
+    <p:spTree>
+      <p:nvGrpSpPr>
+        <p:cNvPr id="1" name=""/>
+        <p:cNvGrpSpPr/>
+        <p:nvPr/>
+      </p:nvGrpSpPr>
+      <p:grpSpPr>
+        <a:xfrm>
+          <a:off x="0" y="0"/>
+          <a:ext cx="0" cy="0"/>
+          <a:chOff x="0" y="0"/>
+          <a:chExt cx="0" cy="0"/>
+        </a:xfrm>
+      </p:grpSpPr>
+      <p:sp>
+        <p:nvSpPr>
+          <p:cNvPr id="4" name="Rectangle 3"/>
+          <p:cNvSpPr/>
+          <p:nvPr/>
+        </p:nvSpPr>
+        <p:spPr>
+          <a:xfrm>
+            <a:off x="7543800" y="0"/>
+            <a:ext cx="1143000" cy="381000"/>
+          </a:xfrm>
+          <a:prstGeom prst="rect">
+            <a:avLst/>
+          </a:prstGeom>
+          <a:solidFill>
+            <a:srgbClr val="000000"/>
+          </a:solidFill>
+          <a:ln>
+            <a:noFill/>
+          </a:ln>
+        </p:spPr>
+        <p:style>
+          <a:lnRef idx="2">
+            <a:schemeClr val="accent1">
+              <a:shade val="50000"/>
+            </a:schemeClr>
+          </a:lnRef>
+          <a:fillRef idx="1">
+            <a:schemeClr val="accent1"/>
+          </a:fillRef>
+          <a:effectRef idx="0">
+            <a:schemeClr val="accent1"/>
+          </a:effectRef>
+          <a:fontRef idx="minor">
+            <a:schemeClr val="lt1"/>
+          </a:fontRef>
+        </p:style>
+        <p:txBody>
+          <a:bodyPr rtlCol="0" anchor="ctr"/>
+          <a:lstStyle/>
+          <a:p>
+            <a:pPr algn="ctr"/>
+            <a:endParaRPr lang="en-US">
+              <a:solidFill>
+                <a:srgbClr val="FFFFFF"/>
+              </a:solidFill>
+            </a:endParaRPr>
+          </a:p>
+        </p:txBody>
+      </p:sp>
+      <p:sp>
+        <p:nvSpPr>
+          <p:cNvPr id="5" name="Title 4"/>
+          <p:cNvSpPr>
+            <a:spLocks noGrp="1"/>
+          </p:cNvSpPr>
+          <p:nvPr>
+            <p:ph type="ctrTitle"/>
+          </p:nvPr>
+        </p:nvSpPr>
+        <p:spPr>
+          <a:xfrm>
+            <a:off x="2819400" y="1905000"/>
+            <a:ext cx="7162800" cy="1981200"/>
+          </a:xfrm>
+        </p:spPr>
+        <p:txBody>
+          <a:bodyPr/>
+          <a:lstStyle/>
+          <a:p>
+            <a:r>
+              <a:rPr lang="en-US" cap="all" smtClean="0">
+                <a:ln w="9000" cmpd="sng">
+                  <a:solidFill>
+                    <a:schemeClr val="accent4">
+                      <a:shade val="50000"/>
+                      <a:satMod val="120000"/>
+                    </a:schemeClr>
+                  </a:solidFill>
+                  <a:prstDash val="solid"/>
+                </a:ln>
+                <a:gradFill>
+                  <a:gsLst>
+                    <a:gs pos="0">
+                      <a:schemeClr val="accent4">
+                        <a:shade val="20000"/>
+                        <a:satMod val="245000"/>
+                      </a:schemeClr>
+                    </a:gs>
+                    <a:gs pos="43000">
+                      <a:schemeClr val="accent4">
+                        <a:satMod val="255000"/>
+                      </a:schemeClr>
+                    </a:gs>
+                    <a:gs pos="48000">
+                      <a:schemeClr val="accent4">
+                        <a:shade val="85000"/>
+                        <a:satMod val="255000"/>
+                      </a:schemeClr>
+                    </a:gs>
+                    <a:gs pos="100000">
+                      <a:schemeClr val="accent4">
+                        <a:shade val="20000"/>
+                        <a:satMod val="245000"/>
+                      </a:schemeClr>
+                    </a:gs>
+                  </a:gsLst>
+                  <a:lin ang="5400000"/>
+                </a:gradFill>
+                <a:effectLst>
+                  <a:reflection blurRad="12700" stA="28000" endPos="45000" dist="1000" dir="5400000" sy="-100000" algn="bl" rotWithShape="0"/>
+                </a:effectLst>
+              </a:rPr>
+              <a:t>END!</a:t>
+            </a:r>
+            <a:br>
+              <a:rPr lang="en-US" cap="all" smtClean="0">
+                <a:ln w="9000" cmpd="sng">
+                  <a:solidFill>
+                    <a:schemeClr val="accent4">
+                      <a:shade val="50000"/>
+                      <a:satMod val="120000"/>
+                    </a:schemeClr>
+                  </a:solidFill>
+                  <a:prstDash val="solid"/>
+                </a:ln>
+                <a:gradFill>
+                  <a:gsLst>
+                    <a:gs pos="0">
+                      <a:schemeClr val="accent4">
+                        <a:shade val="20000"/>
+                        <a:satMod val="245000"/>
+                      </a:schemeClr>
+                    </a:gs>
+                    <a:gs pos="43000">
+                      <a:schemeClr val="accent4">
+                        <a:satMod val="255000"/>
+                      </a:schemeClr>
+                    </a:gs>
+                    <a:gs pos="48000">
+                      <a:schemeClr val="accent4">
+                        <a:shade val="85000"/>
+                        <a:satMod val="255000"/>
+                      </a:schemeClr>
+                    </a:gs>
+                    <a:gs pos="100000">
+                      <a:schemeClr val="accent4">
+                        <a:shade val="20000"/>
+                        <a:satMod val="245000"/>
+                      </a:schemeClr>
+                    </a:gs>
+                  </a:gsLst>
+                  <a:lin ang="5400000"/>
+                </a:gradFill>
+                <a:effectLst>
+                  <a:reflection blurRad="12700" stA="28000" endPos="45000" dist="1000" dir="5400000" sy="-100000" algn="bl" rotWithShape="0"/>
+                </a:effectLst>
+              </a:rPr>
+            </a:br>
+            <a:r>
+              <a:rPr lang="en-US" cap="all" smtClean="0">
+                <a:ln w="9000" cmpd="sng">
+                  <a:solidFill>
+                    <a:schemeClr val="accent4">
+                      <a:shade val="50000"/>
+                      <a:satMod val="120000"/>
+                    </a:schemeClr>
+                  </a:solidFill>
+                  <a:prstDash val="solid"/>
+                </a:ln>
+                <a:gradFill>
+                  <a:gsLst>
+                    <a:gs pos="0">
+                      <a:schemeClr val="accent4">
+                        <a:shade val="20000"/>
+                        <a:satMod val="245000"/>
+                      </a:schemeClr>
+                    </a:gs>
+                    <a:gs pos="43000">
+                      <a:schemeClr val="accent4">
+                        <a:satMod val="255000"/>
+                      </a:schemeClr>
+                    </a:gs>
+                    <a:gs pos="48000">
+                      <a:schemeClr val="accent4">
+                        <a:shade val="85000"/>
+                        <a:satMod val="255000"/>
+                      </a:schemeClr>
+                    </a:gs>
+                    <a:gs pos="100000">
+                      <a:schemeClr val="accent4">
+                        <a:shade val="20000"/>
+                        <a:satMod val="245000"/>
+                      </a:schemeClr>
+                    </a:gs>
+                  </a:gsLst>
+                  <a:lin ang="5400000"/>
+                </a:gradFill>
+                <a:effectLst>
+                  <a:reflection blurRad="12700" stA="28000" endPos="45000" dist="1000" dir="5400000" sy="-100000" algn="bl" rotWithShape="0"/>
+                </a:effectLst>
+              </a:rPr>
+              <a:t>	Question?</a:t>
+            </a:r>
+            <a:br>
+              <a:rPr lang="en-US" cap="all" smtClean="0">
+                <a:ln w="9000" cmpd="sng">
+                  <a:solidFill>
+                    <a:schemeClr val="accent4">
+                      <a:shade val="50000"/>
+                      <a:satMod val="120000"/>
+                    </a:schemeClr>
+                  </a:solidFill>
+                  <a:prstDash val="solid"/>
+                </a:ln>
+                <a:gradFill>
+                  <a:gsLst>
+                    <a:gs pos="0">
+                      <a:schemeClr val="accent4">
+                        <a:shade val="20000"/>
+                        <a:satMod val="245000"/>
+                      </a:schemeClr>
+                    </a:gs>
+                    <a:gs pos="43000">
+                      <a:schemeClr val="accent4">
+                        <a:satMod val="255000"/>
+                      </a:schemeClr>
+                    </a:gs>
+                    <a:gs pos="48000">
+                      <a:schemeClr val="accent4">
+                        <a:shade val="85000"/>
+                        <a:satMod val="255000"/>
+                      </a:schemeClr>
+                    </a:gs>
+                    <a:gs pos="100000">
+                      <a:schemeClr val="accent4">
+                        <a:shade val="20000"/>
+                        <a:satMod val="245000"/>
+                      </a:schemeClr>
+                    </a:gs>
+                  </a:gsLst>
+                  <a:lin ang="5400000"/>
+                </a:gradFill>
+                <a:effectLst>
+                  <a:reflection blurRad="12700" stA="28000" endPos="45000" dist="1000" dir="5400000" sy="-100000" algn="bl" rotWithShape="0"/>
+                </a:effectLst>
+              </a:rPr>
+            </a:br>
+            <a:r>
+              <a:rPr lang="en-US" cap="all">
+                <a:ln w="9000" cmpd="sng">
+                  <a:solidFill>
+                    <a:schemeClr val="accent4">
+                      <a:shade val="50000"/>
+                      <a:satMod val="120000"/>
+                    </a:schemeClr>
+                  </a:solidFill>
+                  <a:prstDash val="solid"/>
+                </a:ln>
+                <a:gradFill>
+                  <a:gsLst>
+                    <a:gs pos="0">
+                      <a:schemeClr val="accent4">
+                        <a:shade val="20000"/>
+                        <a:satMod val="245000"/>
+                      </a:schemeClr>
+                    </a:gs>
+                    <a:gs pos="43000">
+                      <a:schemeClr val="accent4">
+                        <a:satMod val="255000"/>
+                      </a:schemeClr>
+                    </a:gs>
+                    <a:gs pos="48000">
+                      <a:schemeClr val="accent4">
+                        <a:shade val="85000"/>
+                        <a:satMod val="255000"/>
+                      </a:schemeClr>
+                    </a:gs>
+                    <a:gs pos="100000">
+                      <a:schemeClr val="accent4">
+                        <a:shade val="20000"/>
+                        <a:satMod val="245000"/>
+                      </a:schemeClr>
+                    </a:gs>
+                  </a:gsLst>
+                  <a:lin ang="5400000"/>
+                </a:gradFill>
+                <a:effectLst>
+                  <a:reflection blurRad="12700" stA="28000" endPos="45000" dist="1000" dir="5400000" sy="-100000" algn="bl" rotWithShape="0"/>
+                </a:effectLst>
+              </a:rPr>
+              <a:t>	</a:t>
+            </a:r>
+            <a:r>
+              <a:rPr lang="en-US" cap="all" smtClean="0">
+                <a:ln w="9000" cmpd="sng">
+                  <a:solidFill>
+                    <a:schemeClr val="accent4">
+                      <a:shade val="50000"/>
+                      <a:satMod val="120000"/>
+                    </a:schemeClr>
+                  </a:solidFill>
+                  <a:prstDash val="solid"/>
+                </a:ln>
+                <a:gradFill>
+                  <a:gsLst>
+                    <a:gs pos="0">
+                      <a:schemeClr val="accent4">
+                        <a:shade val="20000"/>
+                        <a:satMod val="245000"/>
+                      </a:schemeClr>
+                    </a:gs>
+                    <a:gs pos="43000">
+                      <a:schemeClr val="accent4">
+                        <a:satMod val="255000"/>
+                      </a:schemeClr>
+                    </a:gs>
+                    <a:gs pos="48000">
+                      <a:schemeClr val="accent4">
+                        <a:shade val="85000"/>
+                        <a:satMod val="255000"/>
+                      </a:schemeClr>
+                    </a:gs>
+                    <a:gs pos="100000">
+                      <a:schemeClr val="accent4">
+                        <a:shade val="20000"/>
+                        <a:satMod val="245000"/>
+                      </a:schemeClr>
+                    </a:gs>
+                  </a:gsLst>
+                  <a:lin ang="5400000"/>
+                </a:gradFill>
+                <a:effectLst>
+                  <a:reflection blurRad="12700" stA="28000" endPos="45000" dist="1000" dir="5400000" sy="-100000" algn="bl" rotWithShape="0"/>
+                </a:effectLst>
+              </a:rPr>
+              <a:t>	Nghĩ thôi ^_^</a:t>
+            </a:r>
+            <a:r>
+              <a:rPr lang="en-US" smtClean="0"/>
+              <a:t/>
+            </a:r>
+            <a:br>
+              <a:rPr lang="en-US" smtClean="0"/>
+            </a:br>
+            <a:endParaRPr lang="en-US"/>
+          </a:p>
+        </p:txBody>
+      </p:sp>
+    </p:spTree>
+    <p:extLst>
+      <p:ext uri="{BB962C8B-B14F-4D97-AF65-F5344CB8AC3E}">
+        <p14:creationId xmlns:p14="http://schemas.microsoft.com/office/powerpoint/2010/main" val="3889715070"/>
       </p:ext>
     </p:extLst>
   </p:cSld>
@@ -9453,7 +10686,7 @@
             <p:ph idx="1"/>
             <p:extLst>
               <p:ext uri="{D42A27DB-BD31-4B8C-83A1-F6EECF244321}">
-                <p14:modId xmlns:p14="http://schemas.microsoft.com/office/powerpoint/2010/main" val="3698135997"/>
+                <p14:modId xmlns:p14="http://schemas.microsoft.com/office/powerpoint/2010/main" val="1062736957"/>
               </p:ext>
             </p:extLst>
           </p:nvPr>
@@ -9638,7 +10871,7 @@
       </p:sp>
       <p:sp>
         <p:nvSpPr>
-          <p:cNvPr id="32" name="Footer Placeholder 31"/>
+          <p:cNvPr id="10" name="Footer Placeholder 9"/>
           <p:cNvSpPr>
             <a:spLocks noGrp="1"/>
           </p:cNvSpPr>
@@ -9648,7 +10881,7 @@
         </p:nvSpPr>
         <p:spPr>
           <a:xfrm>
-            <a:off x="7010400" y="152400"/>
+            <a:off x="7162800" y="152400"/>
             <a:ext cx="1752600" cy="228600"/>
           </a:xfrm>
         </p:spPr>
@@ -9666,7 +10899,7 @@
       </p:sp>
       <p:sp>
         <p:nvSpPr>
-          <p:cNvPr id="33" name="Slide Number Placeholder 32"/>
+          <p:cNvPr id="12" name="Slide Number Placeholder 11"/>
           <p:cNvSpPr>
             <a:spLocks noGrp="1"/>
           </p:cNvSpPr>
@@ -9674,17 +10907,22 @@
             <p:ph type="sldNum" sz="quarter" idx="12"/>
           </p:nvPr>
         </p:nvSpPr>
-        <p:spPr/>
+        <p:spPr>
+          <a:xfrm>
+            <a:off x="3429000" y="6477000"/>
+            <a:ext cx="2133600" cy="381000"/>
+          </a:xfrm>
+        </p:spPr>
         <p:txBody>
           <a:bodyPr/>
           <a:lstStyle/>
           <a:p>
             <a:fld id="{B6F15528-21DE-4FAA-801E-634DDDAF4B2B}" type="slidenum">
-              <a:rPr lang="en-US" smtClean="0"/>
+              <a:rPr lang="en-US" sz="2000" smtClean="0"/>
               <a:pPr/>
               <a:t>2</a:t>
             </a:fld>
-            <a:endParaRPr lang="en-US"/>
+            <a:endParaRPr lang="en-US" sz="2000"/>
           </a:p>
         </p:txBody>
       </p:sp>
@@ -9747,59 +10985,143 @@
           <a:p>
             <a:pPr lvl="0"/>
             <a:r>
-              <a:rPr lang="en-US"/>
+              <a:rPr lang="en-US">
+                <a:solidFill>
+                  <a:schemeClr val="tx1">
+                    <a:lumMod val="50000"/>
+                  </a:schemeClr>
+                </a:solidFill>
+              </a:rPr>
               <a:t>JNI là </a:t>
             </a:r>
             <a:r>
-              <a:rPr lang="en-US" smtClean="0"/>
+              <a:rPr lang="en-US" smtClean="0">
+                <a:solidFill>
+                  <a:schemeClr val="tx1">
+                    <a:lumMod val="50000"/>
+                  </a:schemeClr>
+                </a:solidFill>
+              </a:rPr>
               <a:t>gì?</a:t>
             </a:r>
-            <a:endParaRPr lang="en-US"/>
+            <a:endParaRPr lang="en-US">
+              <a:solidFill>
+                <a:schemeClr val="tx1">
+                  <a:lumMod val="50000"/>
+                </a:schemeClr>
+              </a:solidFill>
+            </a:endParaRPr>
           </a:p>
           <a:p>
             <a:pPr lvl="0"/>
             <a:r>
-              <a:rPr lang="en-US"/>
+              <a:rPr lang="en-US">
+                <a:solidFill>
+                  <a:schemeClr val="tx1">
+                    <a:lumMod val="50000"/>
+                  </a:schemeClr>
+                </a:solidFill>
+              </a:rPr>
               <a:t>Mục đích của việc dùng </a:t>
             </a:r>
             <a:r>
-              <a:rPr lang="en-US" smtClean="0"/>
+              <a:rPr lang="en-US" smtClean="0">
+                <a:solidFill>
+                  <a:schemeClr val="tx1">
+                    <a:lumMod val="50000"/>
+                  </a:schemeClr>
+                </a:solidFill>
+              </a:rPr>
               <a:t>JNI</a:t>
             </a:r>
-            <a:endParaRPr lang="en-US"/>
+            <a:endParaRPr lang="en-US">
+              <a:solidFill>
+                <a:schemeClr val="tx1">
+                  <a:lumMod val="50000"/>
+                </a:schemeClr>
+              </a:solidFill>
+            </a:endParaRPr>
           </a:p>
           <a:p>
             <a:pPr lvl="0"/>
             <a:r>
-              <a:rPr lang="en-US" smtClean="0"/>
+              <a:rPr lang="en-US" smtClean="0">
+                <a:solidFill>
+                  <a:schemeClr val="tx1">
+                    <a:lumMod val="50000"/>
+                  </a:schemeClr>
+                </a:solidFill>
+              </a:rPr>
               <a:t>Cơ </a:t>
             </a:r>
             <a:r>
-              <a:rPr lang="en-US"/>
+              <a:rPr lang="en-US">
+                <a:solidFill>
+                  <a:schemeClr val="tx1">
+                    <a:lumMod val="50000"/>
+                  </a:schemeClr>
+                </a:solidFill>
+              </a:rPr>
               <a:t>chế làm việc trong </a:t>
             </a:r>
             <a:r>
-              <a:rPr lang="en-US" smtClean="0"/>
+              <a:rPr lang="en-US" smtClean="0">
+                <a:solidFill>
+                  <a:schemeClr val="tx1">
+                    <a:lumMod val="50000"/>
+                  </a:schemeClr>
+                </a:solidFill>
+              </a:rPr>
               <a:t>JNI</a:t>
             </a:r>
           </a:p>
           <a:p>
             <a:r>
-              <a:rPr lang="en-US"/>
+              <a:rPr lang="en-US">
+                <a:solidFill>
+                  <a:schemeClr val="tx1">
+                    <a:lumMod val="50000"/>
+                  </a:schemeClr>
+                </a:solidFill>
+              </a:rPr>
               <a:t>Khó khăn khi làm việc với </a:t>
             </a:r>
             <a:r>
-              <a:rPr lang="en-US" smtClean="0"/>
+              <a:rPr lang="en-US" smtClean="0">
+                <a:solidFill>
+                  <a:schemeClr val="tx1">
+                    <a:lumMod val="50000"/>
+                  </a:schemeClr>
+                </a:solidFill>
+              </a:rPr>
               <a:t>JNI</a:t>
             </a:r>
-            <a:endParaRPr lang="en-US"/>
+            <a:endParaRPr lang="en-US">
+              <a:solidFill>
+                <a:schemeClr val="tx1">
+                  <a:lumMod val="50000"/>
+                </a:schemeClr>
+              </a:solidFill>
+            </a:endParaRPr>
           </a:p>
           <a:p>
             <a:pPr lvl="0"/>
-            <a:endParaRPr lang="en-US"/>
-          </a:p>
-          <a:p>
-            <a:endParaRPr lang="en-US"/>
+            <a:endParaRPr lang="en-US">
+              <a:solidFill>
+                <a:schemeClr val="tx1">
+                  <a:lumMod val="50000"/>
+                </a:schemeClr>
+              </a:solidFill>
+            </a:endParaRPr>
+          </a:p>
+          <a:p>
+            <a:endParaRPr lang="en-US">
+              <a:solidFill>
+                <a:schemeClr val="tx1">
+                  <a:lumMod val="50000"/>
+                </a:schemeClr>
+              </a:solidFill>
+            </a:endParaRPr>
           </a:p>
         </p:txBody>
       </p:sp>
@@ -9949,17 +11271,22 @@
             <p:ph type="sldNum" sz="quarter" idx="12"/>
           </p:nvPr>
         </p:nvSpPr>
-        <p:spPr/>
+        <p:spPr>
+          <a:xfrm>
+            <a:off x="3429000" y="6477000"/>
+            <a:ext cx="2133600" cy="381000"/>
+          </a:xfrm>
+        </p:spPr>
         <p:txBody>
           <a:bodyPr/>
           <a:lstStyle/>
           <a:p>
             <a:fld id="{B6F15528-21DE-4FAA-801E-634DDDAF4B2B}" type="slidenum">
-              <a:rPr lang="en-US" smtClean="0"/>
+              <a:rPr lang="en-US" sz="2000" smtClean="0"/>
               <a:pPr/>
               <a:t>3</a:t>
             </a:fld>
-            <a:endParaRPr lang="en-US"/>
+            <a:endParaRPr lang="en-US" sz="2000"/>
           </a:p>
         </p:txBody>
       </p:sp>
@@ -10157,7 +11484,7 @@
       </p:sp>
       <p:sp>
         <p:nvSpPr>
-          <p:cNvPr id="6" name="Slide Number Placeholder 5"/>
+          <p:cNvPr id="7" name="Slide Number Placeholder 11"/>
           <p:cNvSpPr>
             <a:spLocks noGrp="1"/>
           </p:cNvSpPr>
@@ -10165,17 +11492,22 @@
             <p:ph type="sldNum" sz="quarter" idx="12"/>
           </p:nvPr>
         </p:nvSpPr>
-        <p:spPr/>
+        <p:spPr>
+          <a:xfrm>
+            <a:off x="3429000" y="6477000"/>
+            <a:ext cx="2133600" cy="381000"/>
+          </a:xfrm>
+        </p:spPr>
         <p:txBody>
           <a:bodyPr/>
           <a:lstStyle/>
           <a:p>
             <a:fld id="{B6F15528-21DE-4FAA-801E-634DDDAF4B2B}" type="slidenum">
-              <a:rPr lang="en-US" smtClean="0"/>
+              <a:rPr lang="en-US" sz="2000" smtClean="0"/>
               <a:pPr/>
               <a:t>4</a:t>
             </a:fld>
-            <a:endParaRPr lang="en-US"/>
+            <a:endParaRPr lang="en-US" sz="2000"/>
           </a:p>
         </p:txBody>
       </p:sp>
@@ -10373,7 +11705,7 @@
       </p:sp>
       <p:sp>
         <p:nvSpPr>
-          <p:cNvPr id="5" name="Slide Number Placeholder 4"/>
+          <p:cNvPr id="6" name="Slide Number Placeholder 11"/>
           <p:cNvSpPr>
             <a:spLocks noGrp="1"/>
           </p:cNvSpPr>
@@ -10381,17 +11713,22 @@
             <p:ph type="sldNum" sz="quarter" idx="12"/>
           </p:nvPr>
         </p:nvSpPr>
-        <p:spPr/>
+        <p:spPr>
+          <a:xfrm>
+            <a:off x="3429000" y="6477000"/>
+            <a:ext cx="2133600" cy="381000"/>
+          </a:xfrm>
+        </p:spPr>
         <p:txBody>
           <a:bodyPr/>
           <a:lstStyle/>
           <a:p>
             <a:fld id="{B6F15528-21DE-4FAA-801E-634DDDAF4B2B}" type="slidenum">
-              <a:rPr lang="en-US" smtClean="0"/>
+              <a:rPr lang="en-US" sz="2000" smtClean="0"/>
               <a:pPr/>
               <a:t>5</a:t>
             </a:fld>
-            <a:endParaRPr lang="en-US"/>
+            <a:endParaRPr lang="en-US" sz="2000"/>
           </a:p>
         </p:txBody>
       </p:sp>
@@ -10589,7 +11926,7 @@
       </p:sp>
       <p:sp>
         <p:nvSpPr>
-          <p:cNvPr id="5" name="Slide Number Placeholder 4"/>
+          <p:cNvPr id="6" name="Slide Number Placeholder 11"/>
           <p:cNvSpPr>
             <a:spLocks noGrp="1"/>
           </p:cNvSpPr>
@@ -10597,17 +11934,22 @@
             <p:ph type="sldNum" sz="quarter" idx="12"/>
           </p:nvPr>
         </p:nvSpPr>
-        <p:spPr/>
+        <p:spPr>
+          <a:xfrm>
+            <a:off x="3429000" y="6477000"/>
+            <a:ext cx="2133600" cy="381000"/>
+          </a:xfrm>
+        </p:spPr>
         <p:txBody>
           <a:bodyPr/>
           <a:lstStyle/>
           <a:p>
             <a:fld id="{B6F15528-21DE-4FAA-801E-634DDDAF4B2B}" type="slidenum">
-              <a:rPr lang="en-US" smtClean="0"/>
+              <a:rPr lang="en-US" sz="2000" smtClean="0"/>
               <a:pPr/>
               <a:t>6</a:t>
             </a:fld>
-            <a:endParaRPr lang="en-US"/>
+            <a:endParaRPr lang="en-US" sz="2000"/>
           </a:p>
         </p:txBody>
       </p:sp>
@@ -10805,7 +12147,7 @@
       </p:sp>
       <p:sp>
         <p:nvSpPr>
-          <p:cNvPr id="5" name="Slide Number Placeholder 4"/>
+          <p:cNvPr id="6" name="Slide Number Placeholder 11"/>
           <p:cNvSpPr>
             <a:spLocks noGrp="1"/>
           </p:cNvSpPr>
@@ -10813,17 +12155,22 @@
             <p:ph type="sldNum" sz="quarter" idx="12"/>
           </p:nvPr>
         </p:nvSpPr>
-        <p:spPr/>
+        <p:spPr>
+          <a:xfrm>
+            <a:off x="3429000" y="6477000"/>
+            <a:ext cx="2133600" cy="381000"/>
+          </a:xfrm>
+        </p:spPr>
         <p:txBody>
           <a:bodyPr/>
           <a:lstStyle/>
           <a:p>
             <a:fld id="{B6F15528-21DE-4FAA-801E-634DDDAF4B2B}" type="slidenum">
-              <a:rPr lang="en-US" smtClean="0"/>
+              <a:rPr lang="en-US" sz="2000" smtClean="0"/>
               <a:pPr/>
               <a:t>7</a:t>
             </a:fld>
-            <a:endParaRPr lang="en-US"/>
+            <a:endParaRPr lang="en-US" sz="2000"/>
           </a:p>
         </p:txBody>
       </p:sp>
@@ -10994,46 +12341,87 @@
           <a:p>
             <a:pPr lvl="0"/>
             <a:r>
-              <a:rPr lang="en-US" smtClean="0"/>
+              <a:rPr lang="en-US" smtClean="0">
+                <a:solidFill>
+                  <a:srgbClr val="000000"/>
+                </a:solidFill>
+              </a:rPr>
               <a:t>JNI Interface Functions and Pointers: Prototype của hàm cài đặt cho JNI</a:t>
             </a:r>
           </a:p>
           <a:p>
             <a:pPr lvl="0"/>
             <a:r>
-              <a:rPr lang="en-US" smtClean="0"/>
-              <a:t>Các kiểu dữ liệu cơ bản, String, Array</a:t>
-            </a:r>
+              <a:rPr lang="en-US" smtClean="0">
+                <a:solidFill>
+                  <a:srgbClr val="000000"/>
+                </a:solidFill>
+              </a:rPr>
+              <a:t>Các kiểu dữ liệu cơ </a:t>
+            </a:r>
+            <a:r>
+              <a:rPr lang="en-US" smtClean="0">
+                <a:solidFill>
+                  <a:srgbClr val="000000"/>
+                </a:solidFill>
+              </a:rPr>
+              <a:t>bản</a:t>
+            </a:r>
+            <a:endParaRPr lang="en-US" smtClean="0">
+              <a:solidFill>
+                <a:srgbClr val="000000"/>
+              </a:solidFill>
+            </a:endParaRPr>
           </a:p>
           <a:p>
             <a:pPr lvl="0"/>
             <a:r>
-              <a:rPr lang="en-US" smtClean="0"/>
+              <a:rPr lang="en-US" smtClean="0">
+                <a:solidFill>
+                  <a:srgbClr val="000000"/>
+                </a:solidFill>
+              </a:rPr>
               <a:t>Truy xuất biến, hàm giữa code native và code java</a:t>
             </a:r>
           </a:p>
           <a:p>
             <a:pPr lvl="0"/>
             <a:r>
-              <a:rPr lang="en-US" smtClean="0"/>
+              <a:rPr lang="en-US" smtClean="0">
+                <a:solidFill>
+                  <a:srgbClr val="000000"/>
+                </a:solidFill>
+              </a:rPr>
               <a:t>Bắt các Exception</a:t>
             </a:r>
           </a:p>
           <a:p>
             <a:pPr lvl="0"/>
             <a:r>
-              <a:rPr lang="en-US" smtClean="0"/>
+              <a:rPr lang="en-US" smtClean="0">
+                <a:solidFill>
+                  <a:srgbClr val="000000"/>
+                </a:solidFill>
+              </a:rPr>
               <a:t>The Invocation API – nhúng việc khởi tạo một JVM trong native code (c/c++)</a:t>
             </a:r>
           </a:p>
           <a:p>
             <a:r>
-              <a:rPr lang="en-US" smtClean="0"/>
+              <a:rPr lang="en-US" smtClean="0">
+                <a:solidFill>
+                  <a:srgbClr val="000000"/>
+                </a:solidFill>
+              </a:rPr>
               <a:t>Demo chương trình HelloWorld</a:t>
             </a:r>
           </a:p>
           <a:p>
-            <a:endParaRPr lang="en-US"/>
+            <a:endParaRPr lang="en-US">
+              <a:solidFill>
+                <a:srgbClr val="000000"/>
+              </a:solidFill>
+            </a:endParaRPr>
           </a:p>
         </p:txBody>
       </p:sp>
@@ -11062,7 +12450,7 @@
       </p:sp>
       <p:sp>
         <p:nvSpPr>
-          <p:cNvPr id="5" name="Slide Number Placeholder 4"/>
+          <p:cNvPr id="6" name="Slide Number Placeholder 11"/>
           <p:cNvSpPr>
             <a:spLocks noGrp="1"/>
           </p:cNvSpPr>
@@ -11070,17 +12458,22 @@
             <p:ph type="sldNum" sz="quarter" idx="12"/>
           </p:nvPr>
         </p:nvSpPr>
-        <p:spPr/>
+        <p:spPr>
+          <a:xfrm>
+            <a:off x="3429000" y="6477000"/>
+            <a:ext cx="2133600" cy="381000"/>
+          </a:xfrm>
+        </p:spPr>
         <p:txBody>
           <a:bodyPr/>
           <a:lstStyle/>
           <a:p>
             <a:fld id="{B6F15528-21DE-4FAA-801E-634DDDAF4B2B}" type="slidenum">
-              <a:rPr lang="en-US" smtClean="0"/>
+              <a:rPr lang="en-US" sz="2000" smtClean="0"/>
               <a:pPr/>
               <a:t>8</a:t>
             </a:fld>
-            <a:endParaRPr lang="en-US"/>
+            <a:endParaRPr lang="en-US" sz="2000"/>
           </a:p>
         </p:txBody>
       </p:sp>
@@ -11366,7 +12759,7 @@
       </p:sp>
       <p:sp>
         <p:nvSpPr>
-          <p:cNvPr id="5" name="Slide Number Placeholder 4"/>
+          <p:cNvPr id="6" name="Slide Number Placeholder 11"/>
           <p:cNvSpPr>
             <a:spLocks noGrp="1"/>
           </p:cNvSpPr>
@@ -11374,17 +12767,22 @@
             <p:ph type="sldNum" sz="quarter" idx="12"/>
           </p:nvPr>
         </p:nvSpPr>
-        <p:spPr/>
+        <p:spPr>
+          <a:xfrm>
+            <a:off x="3429000" y="6477000"/>
+            <a:ext cx="2133600" cy="381000"/>
+          </a:xfrm>
+        </p:spPr>
         <p:txBody>
           <a:bodyPr/>
           <a:lstStyle/>
           <a:p>
             <a:fld id="{B6F15528-21DE-4FAA-801E-634DDDAF4B2B}" type="slidenum">
-              <a:rPr lang="en-US" smtClean="0"/>
+              <a:rPr lang="en-US" sz="2000" smtClean="0"/>
               <a:pPr/>
               <a:t>9</a:t>
             </a:fld>
-            <a:endParaRPr lang="en-US"/>
+            <a:endParaRPr lang="en-US" sz="2000"/>
           </a:p>
         </p:txBody>
       </p:sp>

--- a/trunk/Seminar_JNI/Slide_00.pptx
+++ b/trunk/Seminar_JNI/Slide_00.pptx
@@ -5,10 +5,10 @@
     <p:sldMasterId id="2147484495" r:id="rId1"/>
   </p:sldMasterIdLst>
   <p:notesMasterIdLst>
-    <p:notesMasterId r:id="rId19"/>
+    <p:notesMasterId r:id="rId26"/>
   </p:notesMasterIdLst>
   <p:handoutMasterIdLst>
-    <p:handoutMasterId r:id="rId20"/>
+    <p:handoutMasterId r:id="rId27"/>
   </p:handoutMasterIdLst>
   <p:sldIdLst>
     <p:sldId id="256" r:id="rId2"/>
@@ -22,12 +22,19 @@
     <p:sldId id="272" r:id="rId10"/>
     <p:sldId id="275" r:id="rId11"/>
     <p:sldId id="274" r:id="rId12"/>
-    <p:sldId id="276" r:id="rId13"/>
-    <p:sldId id="279" r:id="rId14"/>
-    <p:sldId id="277" r:id="rId15"/>
-    <p:sldId id="278" r:id="rId16"/>
-    <p:sldId id="280" r:id="rId17"/>
-    <p:sldId id="281" r:id="rId18"/>
+    <p:sldId id="284" r:id="rId13"/>
+    <p:sldId id="285" r:id="rId14"/>
+    <p:sldId id="287" r:id="rId15"/>
+    <p:sldId id="286" r:id="rId16"/>
+    <p:sldId id="288" r:id="rId17"/>
+    <p:sldId id="289" r:id="rId18"/>
+    <p:sldId id="276" r:id="rId19"/>
+    <p:sldId id="279" r:id="rId20"/>
+    <p:sldId id="277" r:id="rId21"/>
+    <p:sldId id="283" r:id="rId22"/>
+    <p:sldId id="282" r:id="rId23"/>
+    <p:sldId id="280" r:id="rId24"/>
+    <p:sldId id="281" r:id="rId25"/>
   </p:sldIdLst>
   <p:sldSz cx="9144000" cy="6858000" type="screen4x3"/>
   <p:notesSz cx="6858000" cy="9144000"/>
@@ -3693,6 +3700,755 @@
           <a:bodyPr/>
           <a:lstStyle/>
           <a:p>
+            <a:r>
+              <a:rPr lang="en-US" sz="1200" kern="1200" smtClean="0">
+                <a:solidFill>
+                  <a:schemeClr val="tx1"/>
+                </a:solidFill>
+                <a:effectLst/>
+                <a:latin typeface="+mn-lt"/>
+                <a:ea typeface="+mn-ea"/>
+                <a:cs typeface="+mn-cs"/>
+              </a:rPr>
+              <a:t>Các tham số giống như phần truy xuất Field. Tuy nhiên phần sig sẽ là method descriptor.</a:t>
+            </a:r>
+          </a:p>
+          <a:p>
+            <a:endParaRPr lang="en-US" smtClean="0"/>
+          </a:p>
+          <a:p>
+            <a:endParaRPr lang="en-US"/>
+          </a:p>
+        </p:txBody>
+      </p:sp>
+    </p:spTree>
+    <p:extLst>
+      <p:ext uri="{BB962C8B-B14F-4D97-AF65-F5344CB8AC3E}">
+        <p14:creationId xmlns:p14="http://schemas.microsoft.com/office/powerpoint/2010/main" val="3087672818"/>
+      </p:ext>
+    </p:extLst>
+  </p:cSld>
+  <p:clrMapOvr>
+    <a:masterClrMapping/>
+  </p:clrMapOvr>
+</p:notes>
+</file>
+
+<file path=ppt/notesSlides/notesSlide11.xml><?xml version="1.0" encoding="utf-8"?>
+<p:notes xmlns:a="http://schemas.openxmlformats.org/drawingml/2006/main" xmlns:r="http://schemas.openxmlformats.org/officeDocument/2006/relationships" xmlns:p="http://schemas.openxmlformats.org/presentationml/2006/main">
+  <p:cSld>
+    <p:spTree>
+      <p:nvGrpSpPr>
+        <p:cNvPr id="1" name=""/>
+        <p:cNvGrpSpPr/>
+        <p:nvPr/>
+      </p:nvGrpSpPr>
+      <p:grpSpPr>
+        <a:xfrm>
+          <a:off x="0" y="0"/>
+          <a:ext cx="0" cy="0"/>
+          <a:chOff x="0" y="0"/>
+          <a:chExt cx="0" cy="0"/>
+        </a:xfrm>
+      </p:grpSpPr>
+      <p:sp>
+        <p:nvSpPr>
+          <p:cNvPr id="2" name="Slide Image Placeholder 1"/>
+          <p:cNvSpPr>
+            <a:spLocks noGrp="1" noRot="1" noChangeAspect="1"/>
+          </p:cNvSpPr>
+          <p:nvPr>
+            <p:ph type="sldImg"/>
+          </p:nvPr>
+        </p:nvSpPr>
+        <p:spPr/>
+      </p:sp>
+      <p:sp>
+        <p:nvSpPr>
+          <p:cNvPr id="3" name="Notes Placeholder 2"/>
+          <p:cNvSpPr>
+            <a:spLocks noGrp="1"/>
+          </p:cNvSpPr>
+          <p:nvPr>
+            <p:ph type="body" idx="1"/>
+          </p:nvPr>
+        </p:nvSpPr>
+        <p:spPr/>
+        <p:txBody>
+          <a:bodyPr/>
+          <a:lstStyle/>
+          <a:p>
+            <a:r>
+              <a:rPr lang="en-US" sz="1200" kern="1200" smtClean="0">
+                <a:solidFill>
+                  <a:schemeClr val="tx1"/>
+                </a:solidFill>
+                <a:effectLst/>
+                <a:latin typeface="+mn-lt"/>
+                <a:ea typeface="+mn-ea"/>
+                <a:cs typeface="+mn-cs"/>
+              </a:rPr>
+              <a:t>Các tham số giống như phần truy xuất Field. Tuy nhiên phần sig sẽ là method descriptor.</a:t>
+            </a:r>
+          </a:p>
+          <a:p>
+            <a:endParaRPr lang="en-US" smtClean="0"/>
+          </a:p>
+          <a:p>
+            <a:endParaRPr lang="en-US"/>
+          </a:p>
+        </p:txBody>
+      </p:sp>
+    </p:spTree>
+    <p:extLst>
+      <p:ext uri="{BB962C8B-B14F-4D97-AF65-F5344CB8AC3E}">
+        <p14:creationId xmlns:p14="http://schemas.microsoft.com/office/powerpoint/2010/main" val="3087672818"/>
+      </p:ext>
+    </p:extLst>
+  </p:cSld>
+  <p:clrMapOvr>
+    <a:masterClrMapping/>
+  </p:clrMapOvr>
+</p:notes>
+</file>
+
+<file path=ppt/notesSlides/notesSlide12.xml><?xml version="1.0" encoding="utf-8"?>
+<p:notes xmlns:a="http://schemas.openxmlformats.org/drawingml/2006/main" xmlns:r="http://schemas.openxmlformats.org/officeDocument/2006/relationships" xmlns:p="http://schemas.openxmlformats.org/presentationml/2006/main">
+  <p:cSld>
+    <p:spTree>
+      <p:nvGrpSpPr>
+        <p:cNvPr id="1" name=""/>
+        <p:cNvGrpSpPr/>
+        <p:nvPr/>
+      </p:nvGrpSpPr>
+      <p:grpSpPr>
+        <a:xfrm>
+          <a:off x="0" y="0"/>
+          <a:ext cx="0" cy="0"/>
+          <a:chOff x="0" y="0"/>
+          <a:chExt cx="0" cy="0"/>
+        </a:xfrm>
+      </p:grpSpPr>
+      <p:sp>
+        <p:nvSpPr>
+          <p:cNvPr id="2" name="Slide Image Placeholder 1"/>
+          <p:cNvSpPr>
+            <a:spLocks noGrp="1" noRot="1" noChangeAspect="1"/>
+          </p:cNvSpPr>
+          <p:nvPr>
+            <p:ph type="sldImg"/>
+          </p:nvPr>
+        </p:nvSpPr>
+        <p:spPr/>
+      </p:sp>
+      <p:sp>
+        <p:nvSpPr>
+          <p:cNvPr id="3" name="Notes Placeholder 2"/>
+          <p:cNvSpPr>
+            <a:spLocks noGrp="1"/>
+          </p:cNvSpPr>
+          <p:nvPr>
+            <p:ph type="body" idx="1"/>
+          </p:nvPr>
+        </p:nvSpPr>
+        <p:spPr/>
+        <p:txBody>
+          <a:bodyPr/>
+          <a:lstStyle/>
+          <a:p>
+            <a:r>
+              <a:rPr lang="en-US" sz="1200" kern="1200" smtClean="0">
+                <a:solidFill>
+                  <a:schemeClr val="tx1"/>
+                </a:solidFill>
+                <a:effectLst/>
+                <a:latin typeface="+mn-lt"/>
+                <a:ea typeface="+mn-ea"/>
+                <a:cs typeface="+mn-cs"/>
+              </a:rPr>
+              <a:t>Các tham số giống như phần truy xuất Field. Tuy nhiên phần sig sẽ là method descriptor.</a:t>
+            </a:r>
+          </a:p>
+          <a:p>
+            <a:endParaRPr lang="en-US" smtClean="0"/>
+          </a:p>
+          <a:p>
+            <a:endParaRPr lang="en-US"/>
+          </a:p>
+        </p:txBody>
+      </p:sp>
+    </p:spTree>
+    <p:extLst>
+      <p:ext uri="{BB962C8B-B14F-4D97-AF65-F5344CB8AC3E}">
+        <p14:creationId xmlns:p14="http://schemas.microsoft.com/office/powerpoint/2010/main" val="3087672818"/>
+      </p:ext>
+    </p:extLst>
+  </p:cSld>
+  <p:clrMapOvr>
+    <a:masterClrMapping/>
+  </p:clrMapOvr>
+</p:notes>
+</file>
+
+<file path=ppt/notesSlides/notesSlide13.xml><?xml version="1.0" encoding="utf-8"?>
+<p:notes xmlns:a="http://schemas.openxmlformats.org/drawingml/2006/main" xmlns:r="http://schemas.openxmlformats.org/officeDocument/2006/relationships" xmlns:p="http://schemas.openxmlformats.org/presentationml/2006/main">
+  <p:cSld>
+    <p:spTree>
+      <p:nvGrpSpPr>
+        <p:cNvPr id="1" name=""/>
+        <p:cNvGrpSpPr/>
+        <p:nvPr/>
+      </p:nvGrpSpPr>
+      <p:grpSpPr>
+        <a:xfrm>
+          <a:off x="0" y="0"/>
+          <a:ext cx="0" cy="0"/>
+          <a:chOff x="0" y="0"/>
+          <a:chExt cx="0" cy="0"/>
+        </a:xfrm>
+      </p:grpSpPr>
+      <p:sp>
+        <p:nvSpPr>
+          <p:cNvPr id="2" name="Slide Image Placeholder 1"/>
+          <p:cNvSpPr>
+            <a:spLocks noGrp="1" noRot="1" noChangeAspect="1"/>
+          </p:cNvSpPr>
+          <p:nvPr>
+            <p:ph type="sldImg"/>
+          </p:nvPr>
+        </p:nvSpPr>
+        <p:spPr/>
+      </p:sp>
+      <p:sp>
+        <p:nvSpPr>
+          <p:cNvPr id="3" name="Notes Placeholder 2"/>
+          <p:cNvSpPr>
+            <a:spLocks noGrp="1"/>
+          </p:cNvSpPr>
+          <p:nvPr>
+            <p:ph type="body" idx="1"/>
+          </p:nvPr>
+        </p:nvSpPr>
+        <p:spPr/>
+        <p:txBody>
+          <a:bodyPr/>
+          <a:lstStyle/>
+          <a:p>
+            <a:r>
+              <a:rPr lang="en-US" sz="1200" kern="1200" smtClean="0">
+                <a:solidFill>
+                  <a:schemeClr val="tx1"/>
+                </a:solidFill>
+                <a:effectLst/>
+                <a:latin typeface="+mn-lt"/>
+                <a:ea typeface="+mn-ea"/>
+                <a:cs typeface="+mn-cs"/>
+              </a:rPr>
+              <a:t> Tham số của method có thể truyền vào phần sau hàm.</a:t>
+            </a:r>
+            <a:endParaRPr lang="en-US"/>
+          </a:p>
+        </p:txBody>
+      </p:sp>
+    </p:spTree>
+    <p:extLst>
+      <p:ext uri="{BB962C8B-B14F-4D97-AF65-F5344CB8AC3E}">
+        <p14:creationId xmlns:p14="http://schemas.microsoft.com/office/powerpoint/2010/main" val="3087672818"/>
+      </p:ext>
+    </p:extLst>
+  </p:cSld>
+  <p:clrMapOvr>
+    <a:masterClrMapping/>
+  </p:clrMapOvr>
+</p:notes>
+</file>
+
+<file path=ppt/notesSlides/notesSlide14.xml><?xml version="1.0" encoding="utf-8"?>
+<p:notes xmlns:a="http://schemas.openxmlformats.org/drawingml/2006/main" xmlns:r="http://schemas.openxmlformats.org/officeDocument/2006/relationships" xmlns:p="http://schemas.openxmlformats.org/presentationml/2006/main">
+  <p:cSld>
+    <p:spTree>
+      <p:nvGrpSpPr>
+        <p:cNvPr id="1" name=""/>
+        <p:cNvGrpSpPr/>
+        <p:nvPr/>
+      </p:nvGrpSpPr>
+      <p:grpSpPr>
+        <a:xfrm>
+          <a:off x="0" y="0"/>
+          <a:ext cx="0" cy="0"/>
+          <a:chOff x="0" y="0"/>
+          <a:chExt cx="0" cy="0"/>
+        </a:xfrm>
+      </p:grpSpPr>
+      <p:sp>
+        <p:nvSpPr>
+          <p:cNvPr id="2" name="Slide Image Placeholder 1"/>
+          <p:cNvSpPr>
+            <a:spLocks noGrp="1" noRot="1" noChangeAspect="1"/>
+          </p:cNvSpPr>
+          <p:nvPr>
+            <p:ph type="sldImg"/>
+          </p:nvPr>
+        </p:nvSpPr>
+        <p:spPr/>
+      </p:sp>
+      <p:sp>
+        <p:nvSpPr>
+          <p:cNvPr id="3" name="Notes Placeholder 2"/>
+          <p:cNvSpPr>
+            <a:spLocks noGrp="1"/>
+          </p:cNvSpPr>
+          <p:nvPr>
+            <p:ph type="body" idx="1"/>
+          </p:nvPr>
+        </p:nvSpPr>
+        <p:spPr/>
+        <p:txBody>
+          <a:bodyPr/>
+          <a:lstStyle/>
+          <a:p>
+            <a:endParaRPr lang="en-US"/>
+          </a:p>
+        </p:txBody>
+      </p:sp>
+    </p:spTree>
+    <p:extLst>
+      <p:ext uri="{BB962C8B-B14F-4D97-AF65-F5344CB8AC3E}">
+        <p14:creationId xmlns:p14="http://schemas.microsoft.com/office/powerpoint/2010/main" val="3087672818"/>
+      </p:ext>
+    </p:extLst>
+  </p:cSld>
+  <p:clrMapOvr>
+    <a:masterClrMapping/>
+  </p:clrMapOvr>
+</p:notes>
+</file>
+
+<file path=ppt/notesSlides/notesSlide15.xml><?xml version="1.0" encoding="utf-8"?>
+<p:notes xmlns:a="http://schemas.openxmlformats.org/drawingml/2006/main" xmlns:r="http://schemas.openxmlformats.org/officeDocument/2006/relationships" xmlns:p="http://schemas.openxmlformats.org/presentationml/2006/main">
+  <p:cSld>
+    <p:spTree>
+      <p:nvGrpSpPr>
+        <p:cNvPr id="1" name=""/>
+        <p:cNvGrpSpPr/>
+        <p:nvPr/>
+      </p:nvGrpSpPr>
+      <p:grpSpPr>
+        <a:xfrm>
+          <a:off x="0" y="0"/>
+          <a:ext cx="0" cy="0"/>
+          <a:chOff x="0" y="0"/>
+          <a:chExt cx="0" cy="0"/>
+        </a:xfrm>
+      </p:grpSpPr>
+      <p:sp>
+        <p:nvSpPr>
+          <p:cNvPr id="2" name="Slide Image Placeholder 1"/>
+          <p:cNvSpPr>
+            <a:spLocks noGrp="1" noRot="1" noChangeAspect="1"/>
+          </p:cNvSpPr>
+          <p:nvPr>
+            <p:ph type="sldImg"/>
+          </p:nvPr>
+        </p:nvSpPr>
+        <p:spPr/>
+      </p:sp>
+      <p:sp>
+        <p:nvSpPr>
+          <p:cNvPr id="3" name="Notes Placeholder 2"/>
+          <p:cNvSpPr>
+            <a:spLocks noGrp="1"/>
+          </p:cNvSpPr>
+          <p:nvPr>
+            <p:ph type="body" idx="1"/>
+          </p:nvPr>
+        </p:nvSpPr>
+        <p:spPr/>
+        <p:txBody>
+          <a:bodyPr/>
+          <a:lstStyle/>
+          <a:p>
+            <a:endParaRPr lang="en-US"/>
+          </a:p>
+        </p:txBody>
+      </p:sp>
+    </p:spTree>
+    <p:extLst>
+      <p:ext uri="{BB962C8B-B14F-4D97-AF65-F5344CB8AC3E}">
+        <p14:creationId xmlns:p14="http://schemas.microsoft.com/office/powerpoint/2010/main" val="3087672818"/>
+      </p:ext>
+    </p:extLst>
+  </p:cSld>
+  <p:clrMapOvr>
+    <a:masterClrMapping/>
+  </p:clrMapOvr>
+</p:notes>
+</file>
+
+<file path=ppt/notesSlides/notesSlide16.xml><?xml version="1.0" encoding="utf-8"?>
+<p:notes xmlns:a="http://schemas.openxmlformats.org/drawingml/2006/main" xmlns:r="http://schemas.openxmlformats.org/officeDocument/2006/relationships" xmlns:p="http://schemas.openxmlformats.org/presentationml/2006/main">
+  <p:cSld>
+    <p:spTree>
+      <p:nvGrpSpPr>
+        <p:cNvPr id="1" name=""/>
+        <p:cNvGrpSpPr/>
+        <p:nvPr/>
+      </p:nvGrpSpPr>
+      <p:grpSpPr>
+        <a:xfrm>
+          <a:off x="0" y="0"/>
+          <a:ext cx="0" cy="0"/>
+          <a:chOff x="0" y="0"/>
+          <a:chExt cx="0" cy="0"/>
+        </a:xfrm>
+      </p:grpSpPr>
+      <p:sp>
+        <p:nvSpPr>
+          <p:cNvPr id="2" name="Slide Image Placeholder 1"/>
+          <p:cNvSpPr>
+            <a:spLocks noGrp="1" noRot="1" noChangeAspect="1"/>
+          </p:cNvSpPr>
+          <p:nvPr>
+            <p:ph type="sldImg"/>
+          </p:nvPr>
+        </p:nvSpPr>
+        <p:spPr/>
+      </p:sp>
+      <p:sp>
+        <p:nvSpPr>
+          <p:cNvPr id="3" name="Notes Placeholder 2"/>
+          <p:cNvSpPr>
+            <a:spLocks noGrp="1"/>
+          </p:cNvSpPr>
+          <p:nvPr>
+            <p:ph type="body" idx="1"/>
+          </p:nvPr>
+        </p:nvSpPr>
+        <p:spPr/>
+        <p:txBody>
+          <a:bodyPr/>
+          <a:lstStyle/>
+          <a:p>
+            <a:pPr lvl="0"/>
+            <a:r>
+              <a:rPr lang="en-US" sz="1200" b="1" kern="1200" smtClean="0">
+                <a:solidFill>
+                  <a:schemeClr val="tx1"/>
+                </a:solidFill>
+                <a:effectLst/>
+                <a:latin typeface="+mn-lt"/>
+                <a:ea typeface="+mn-ea"/>
+                <a:cs typeface="+mn-cs"/>
+              </a:rPr>
+              <a:t>JNA</a:t>
+            </a:r>
+            <a:r>
+              <a:rPr lang="en-US" sz="1200" kern="1200" smtClean="0">
+                <a:solidFill>
+                  <a:schemeClr val="tx1"/>
+                </a:solidFill>
+                <a:effectLst/>
+                <a:latin typeface="+mn-lt"/>
+                <a:ea typeface="+mn-ea"/>
+                <a:cs typeface="+mn-cs"/>
+              </a:rPr>
+              <a:t>: Java Native Access là một phần mở rộng của Java cho phép sử dụng các API bao gồm các tập tin thư viện động DLL trong Windows. </a:t>
+            </a:r>
+            <a:br>
+              <a:rPr lang="en-US" sz="1200" kern="1200" smtClean="0">
+                <a:solidFill>
+                  <a:schemeClr val="tx1"/>
+                </a:solidFill>
+                <a:effectLst/>
+                <a:latin typeface="+mn-lt"/>
+                <a:ea typeface="+mn-ea"/>
+                <a:cs typeface="+mn-cs"/>
+              </a:rPr>
+            </a:br>
+            <a:r>
+              <a:rPr lang="en-US" sz="1200" kern="1200" smtClean="0">
+                <a:solidFill>
+                  <a:schemeClr val="tx1"/>
+                </a:solidFill>
+                <a:effectLst/>
+                <a:latin typeface="+mn-lt"/>
+                <a:ea typeface="+mn-ea"/>
+                <a:cs typeface="+mn-cs"/>
+              </a:rPr>
+              <a:t>Không giống như JNI, nó không yêu cầu để tạo ra mã bằng cách sử dụng chức năng C. Để sử dụng chúng, chỉ đơn giản sử các tập tin có định nghĩa chúng và tuyên bố tiêu đề của các chức năng này trong một giao diện.</a:t>
+            </a:r>
+          </a:p>
+          <a:p>
+            <a:pPr lvl="0"/>
+            <a:r>
+              <a:rPr lang="en-US" sz="1200" b="1" kern="1200" smtClean="0">
+                <a:solidFill>
+                  <a:schemeClr val="tx1"/>
+                </a:solidFill>
+                <a:effectLst/>
+                <a:latin typeface="+mn-lt"/>
+                <a:ea typeface="+mn-ea"/>
+                <a:cs typeface="+mn-cs"/>
+              </a:rPr>
+              <a:t>JNA</a:t>
+            </a:r>
+            <a:r>
+              <a:rPr lang="en-US" sz="1200" kern="1200" smtClean="0">
+                <a:solidFill>
+                  <a:schemeClr val="tx1"/>
+                </a:solidFill>
+                <a:effectLst/>
+                <a:latin typeface="+mn-lt"/>
+                <a:ea typeface="+mn-ea"/>
+                <a:cs typeface="+mn-cs"/>
+              </a:rPr>
+              <a:t> cung cấp các chương trình Java để dễ dàng truy cập đến các thư viện được chia sẽ mà không cần sử dụng JNI . JNA thiết kế nhằm mục đích để cung cấp các truy cập một cách tự nhiên, ít tốn công sức.</a:t>
+            </a:r>
+          </a:p>
+          <a:p>
+            <a:pPr lvl="0"/>
+            <a:r>
+              <a:rPr lang="en-US" sz="1200" kern="1200" smtClean="0">
+                <a:solidFill>
+                  <a:schemeClr val="tx1"/>
+                </a:solidFill>
+                <a:effectLst/>
+                <a:latin typeface="+mn-lt"/>
+                <a:ea typeface="+mn-ea"/>
+                <a:cs typeface="+mn-cs"/>
+              </a:rPr>
+              <a:t>Các thư viện yêu cầu sử dụng</a:t>
+            </a:r>
+          </a:p>
+          <a:p>
+            <a:pPr lvl="1"/>
+            <a:r>
+              <a:rPr lang="en-US" sz="1200" kern="1200" smtClean="0">
+                <a:solidFill>
+                  <a:schemeClr val="tx1"/>
+                </a:solidFill>
+                <a:effectLst/>
+                <a:latin typeface="+mn-lt"/>
+                <a:ea typeface="+mn-ea"/>
+                <a:cs typeface="+mn-cs"/>
+              </a:rPr>
+              <a:t>import com.sun.jna.Library;</a:t>
+            </a:r>
+          </a:p>
+          <a:p>
+            <a:pPr lvl="1"/>
+            <a:r>
+              <a:rPr lang="en-US" sz="1200" kern="1200" smtClean="0">
+                <a:solidFill>
+                  <a:schemeClr val="tx1"/>
+                </a:solidFill>
+                <a:effectLst/>
+                <a:latin typeface="+mn-lt"/>
+                <a:ea typeface="+mn-ea"/>
+                <a:cs typeface="+mn-cs"/>
+              </a:rPr>
+              <a:t>import com.sun.jna.Native;</a:t>
+            </a:r>
+          </a:p>
+          <a:p>
+            <a:pPr lvl="1"/>
+            <a:r>
+              <a:rPr lang="en-US" sz="1200" kern="1200" smtClean="0">
+                <a:solidFill>
+                  <a:schemeClr val="tx1"/>
+                </a:solidFill>
+                <a:effectLst/>
+                <a:latin typeface="+mn-lt"/>
+                <a:ea typeface="+mn-ea"/>
+                <a:cs typeface="+mn-cs"/>
+              </a:rPr>
+              <a:t>import com.sun.jna.Platform;</a:t>
+            </a:r>
+          </a:p>
+          <a:p>
+            <a:endParaRPr lang="en-US"/>
+          </a:p>
+        </p:txBody>
+      </p:sp>
+    </p:spTree>
+    <p:extLst>
+      <p:ext uri="{BB962C8B-B14F-4D97-AF65-F5344CB8AC3E}">
+        <p14:creationId xmlns:p14="http://schemas.microsoft.com/office/powerpoint/2010/main" val="3087672818"/>
+      </p:ext>
+    </p:extLst>
+  </p:cSld>
+  <p:clrMapOvr>
+    <a:masterClrMapping/>
+  </p:clrMapOvr>
+</p:notes>
+</file>
+
+<file path=ppt/notesSlides/notesSlide17.xml><?xml version="1.0" encoding="utf-8"?>
+<p:notes xmlns:a="http://schemas.openxmlformats.org/drawingml/2006/main" xmlns:r="http://schemas.openxmlformats.org/officeDocument/2006/relationships" xmlns:p="http://schemas.openxmlformats.org/presentationml/2006/main">
+  <p:cSld>
+    <p:spTree>
+      <p:nvGrpSpPr>
+        <p:cNvPr id="1" name=""/>
+        <p:cNvGrpSpPr/>
+        <p:nvPr/>
+      </p:nvGrpSpPr>
+      <p:grpSpPr>
+        <a:xfrm>
+          <a:off x="0" y="0"/>
+          <a:ext cx="0" cy="0"/>
+          <a:chOff x="0" y="0"/>
+          <a:chExt cx="0" cy="0"/>
+        </a:xfrm>
+      </p:grpSpPr>
+      <p:sp>
+        <p:nvSpPr>
+          <p:cNvPr id="2" name="Slide Image Placeholder 1"/>
+          <p:cNvSpPr>
+            <a:spLocks noGrp="1" noRot="1" noChangeAspect="1"/>
+          </p:cNvSpPr>
+          <p:nvPr>
+            <p:ph type="sldImg"/>
+          </p:nvPr>
+        </p:nvSpPr>
+        <p:spPr/>
+      </p:sp>
+      <p:sp>
+        <p:nvSpPr>
+          <p:cNvPr id="3" name="Notes Placeholder 2"/>
+          <p:cNvSpPr>
+            <a:spLocks noGrp="1"/>
+          </p:cNvSpPr>
+          <p:nvPr>
+            <p:ph type="body" idx="1"/>
+          </p:nvPr>
+        </p:nvSpPr>
+        <p:spPr/>
+        <p:txBody>
+          <a:bodyPr/>
+          <a:lstStyle/>
+          <a:p>
+            <a:endParaRPr lang="en-US"/>
+          </a:p>
+        </p:txBody>
+      </p:sp>
+    </p:spTree>
+    <p:extLst>
+      <p:ext uri="{BB962C8B-B14F-4D97-AF65-F5344CB8AC3E}">
+        <p14:creationId xmlns:p14="http://schemas.microsoft.com/office/powerpoint/2010/main" val="3087672818"/>
+      </p:ext>
+    </p:extLst>
+  </p:cSld>
+  <p:clrMapOvr>
+    <a:masterClrMapping/>
+  </p:clrMapOvr>
+</p:notes>
+</file>
+
+<file path=ppt/notesSlides/notesSlide18.xml><?xml version="1.0" encoding="utf-8"?>
+<p:notes xmlns:a="http://schemas.openxmlformats.org/drawingml/2006/main" xmlns:r="http://schemas.openxmlformats.org/officeDocument/2006/relationships" xmlns:p="http://schemas.openxmlformats.org/presentationml/2006/main">
+  <p:cSld>
+    <p:spTree>
+      <p:nvGrpSpPr>
+        <p:cNvPr id="1" name=""/>
+        <p:cNvGrpSpPr/>
+        <p:nvPr/>
+      </p:nvGrpSpPr>
+      <p:grpSpPr>
+        <a:xfrm>
+          <a:off x="0" y="0"/>
+          <a:ext cx="0" cy="0"/>
+          <a:chOff x="0" y="0"/>
+          <a:chExt cx="0" cy="0"/>
+        </a:xfrm>
+      </p:grpSpPr>
+      <p:sp>
+        <p:nvSpPr>
+          <p:cNvPr id="2" name="Slide Image Placeholder 1"/>
+          <p:cNvSpPr>
+            <a:spLocks noGrp="1" noRot="1" noChangeAspect="1"/>
+          </p:cNvSpPr>
+          <p:nvPr>
+            <p:ph type="sldImg"/>
+          </p:nvPr>
+        </p:nvSpPr>
+        <p:spPr/>
+      </p:sp>
+      <p:sp>
+        <p:nvSpPr>
+          <p:cNvPr id="3" name="Notes Placeholder 2"/>
+          <p:cNvSpPr>
+            <a:spLocks noGrp="1"/>
+          </p:cNvSpPr>
+          <p:nvPr>
+            <p:ph type="body" idx="1"/>
+          </p:nvPr>
+        </p:nvSpPr>
+        <p:spPr/>
+        <p:txBody>
+          <a:bodyPr/>
+          <a:lstStyle/>
+          <a:p>
+            <a:endParaRPr lang="en-US"/>
+          </a:p>
+        </p:txBody>
+      </p:sp>
+    </p:spTree>
+    <p:extLst>
+      <p:ext uri="{BB962C8B-B14F-4D97-AF65-F5344CB8AC3E}">
+        <p14:creationId xmlns:p14="http://schemas.microsoft.com/office/powerpoint/2010/main" val="3087672818"/>
+      </p:ext>
+    </p:extLst>
+  </p:cSld>
+  <p:clrMapOvr>
+    <a:masterClrMapping/>
+  </p:clrMapOvr>
+</p:notes>
+</file>
+
+<file path=ppt/notesSlides/notesSlide19.xml><?xml version="1.0" encoding="utf-8"?>
+<p:notes xmlns:a="http://schemas.openxmlformats.org/drawingml/2006/main" xmlns:r="http://schemas.openxmlformats.org/officeDocument/2006/relationships" xmlns:p="http://schemas.openxmlformats.org/presentationml/2006/main">
+  <p:cSld>
+    <p:spTree>
+      <p:nvGrpSpPr>
+        <p:cNvPr id="1" name=""/>
+        <p:cNvGrpSpPr/>
+        <p:nvPr/>
+      </p:nvGrpSpPr>
+      <p:grpSpPr>
+        <a:xfrm>
+          <a:off x="0" y="0"/>
+          <a:ext cx="0" cy="0"/>
+          <a:chOff x="0" y="0"/>
+          <a:chExt cx="0" cy="0"/>
+        </a:xfrm>
+      </p:grpSpPr>
+      <p:sp>
+        <p:nvSpPr>
+          <p:cNvPr id="2" name="Slide Image Placeholder 1"/>
+          <p:cNvSpPr>
+            <a:spLocks noGrp="1" noRot="1" noChangeAspect="1"/>
+          </p:cNvSpPr>
+          <p:nvPr>
+            <p:ph type="sldImg"/>
+          </p:nvPr>
+        </p:nvSpPr>
+        <p:spPr/>
+      </p:sp>
+      <p:sp>
+        <p:nvSpPr>
+          <p:cNvPr id="3" name="Notes Placeholder 2"/>
+          <p:cNvSpPr>
+            <a:spLocks noGrp="1"/>
+          </p:cNvSpPr>
+          <p:nvPr>
+            <p:ph type="body" idx="1"/>
+          </p:nvPr>
+        </p:nvSpPr>
+        <p:spPr/>
+        <p:txBody>
+          <a:bodyPr/>
+          <a:lstStyle/>
+          <a:p>
             <a:endParaRPr lang="en-US"/>
           </a:p>
         </p:txBody>
@@ -3754,14 +4510,157 @@
           <a:bodyPr/>
           <a:lstStyle/>
           <a:p>
-            <a:endParaRPr lang="en-US"/>
+            <a:pPr lvl="0"/>
+            <a:r>
+              <a:rPr lang="en-US" sz="1200" kern="1200" smtClean="0">
+                <a:solidFill>
+                  <a:schemeClr val="tx1"/>
+                </a:solidFill>
+                <a:effectLst/>
+                <a:latin typeface="+mn-lt"/>
+                <a:ea typeface="+mn-ea"/>
+                <a:cs typeface="+mn-cs"/>
+              </a:rPr>
+              <a:t>JNI là phần nền tảng của Java, là một interface trung gian cho phép kết nối ứng dụng Java với các ứng dụng hoặc thư viện viết bằng ngôn ngữ khác (C, C++).</a:t>
+            </a:r>
+          </a:p>
+          <a:p>
+            <a:pPr lvl="0"/>
+            <a:r>
+              <a:rPr lang="fr-CA" sz="1200" kern="1200" smtClean="0">
+                <a:solidFill>
+                  <a:schemeClr val="tx1"/>
+                </a:solidFill>
+                <a:effectLst/>
+                <a:latin typeface="+mn-lt"/>
+                <a:ea typeface="+mn-ea"/>
+                <a:cs typeface="+mn-cs"/>
+              </a:rPr>
+              <a:t>JNI cho phép gọi các hàm và truyền các biến qua lại giữa chương trình Java &amp; C/C++.</a:t>
+            </a:r>
+            <a:endParaRPr lang="en-US" sz="1200" kern="1200" smtClean="0">
+              <a:solidFill>
+                <a:schemeClr val="tx1"/>
+              </a:solidFill>
+              <a:effectLst/>
+              <a:latin typeface="+mn-lt"/>
+              <a:ea typeface="+mn-ea"/>
+              <a:cs typeface="+mn-cs"/>
+            </a:endParaRPr>
+          </a:p>
+          <a:p>
+            <a:pPr lvl="0"/>
+            <a:r>
+              <a:rPr lang="fr-CA" sz="1200" kern="1200" smtClean="0">
+                <a:solidFill>
+                  <a:schemeClr val="tx1"/>
+                </a:solidFill>
+                <a:effectLst/>
+                <a:latin typeface="+mn-lt"/>
+                <a:ea typeface="+mn-ea"/>
+                <a:cs typeface="+mn-cs"/>
+              </a:rPr>
+              <a:t>Cung cấp quy định chung về dữ liệu và loại exception ...</a:t>
+            </a:r>
+            <a:endParaRPr lang="en-US" sz="1200" kern="1200" smtClean="0">
+              <a:solidFill>
+                <a:schemeClr val="tx1"/>
+              </a:solidFill>
+              <a:effectLst/>
+              <a:latin typeface="+mn-lt"/>
+              <a:ea typeface="+mn-ea"/>
+              <a:cs typeface="+mn-cs"/>
+            </a:endParaRPr>
+          </a:p>
+          <a:p>
+            <a:pPr lvl="0"/>
+            <a:r>
+              <a:rPr lang="en-US" sz="1200" kern="1200" smtClean="0">
+                <a:solidFill>
+                  <a:schemeClr val="tx1"/>
+                </a:solidFill>
+                <a:effectLst/>
+                <a:latin typeface="+mn-lt"/>
+                <a:ea typeface="+mn-ea"/>
+                <a:cs typeface="+mn-cs"/>
+              </a:rPr>
+              <a:t>Một số khái niệm liên quan:</a:t>
+            </a:r>
+          </a:p>
+          <a:p>
+            <a:pPr lvl="0"/>
+            <a:r>
+              <a:rPr lang="en-US" sz="1200" kern="1200" smtClean="0">
+                <a:solidFill>
+                  <a:schemeClr val="tx1"/>
+                </a:solidFill>
+                <a:effectLst/>
+                <a:latin typeface="+mn-lt"/>
+                <a:ea typeface="+mn-ea"/>
+                <a:cs typeface="+mn-cs"/>
+              </a:rPr>
+              <a:t>Host Environment : là những thiết lập và cài đặt trên máy chủ  để chạy ứng dụng</a:t>
+            </a:r>
+            <a:br>
+              <a:rPr lang="en-US" sz="1200" kern="1200" smtClean="0">
+                <a:solidFill>
+                  <a:schemeClr val="tx1"/>
+                </a:solidFill>
+                <a:effectLst/>
+                <a:latin typeface="+mn-lt"/>
+                <a:ea typeface="+mn-ea"/>
+                <a:cs typeface="+mn-cs"/>
+              </a:rPr>
+            </a:br>
+            <a:r>
+              <a:rPr lang="en-US" sz="1200" kern="1200" smtClean="0">
+                <a:solidFill>
+                  <a:schemeClr val="tx1"/>
+                </a:solidFill>
+                <a:effectLst/>
+                <a:latin typeface="+mn-lt"/>
+                <a:ea typeface="+mn-ea"/>
+                <a:cs typeface="+mn-cs"/>
+              </a:rPr>
+              <a:t>JNI.</a:t>
+            </a:r>
+          </a:p>
+          <a:p>
+            <a:pPr lvl="0"/>
+            <a:r>
+              <a:rPr lang="en-US" sz="1200" kern="1200" smtClean="0">
+                <a:solidFill>
+                  <a:schemeClr val="tx1"/>
+                </a:solidFill>
+                <a:effectLst/>
+                <a:latin typeface="+mn-lt"/>
+                <a:ea typeface="+mn-ea"/>
+                <a:cs typeface="+mn-cs"/>
+              </a:rPr>
+              <a:t>Thư viện .dll: thư viện .dll phải đạt được tính độc lập riêng .</a:t>
+            </a:r>
+          </a:p>
+          <a:p>
+            <a:pPr lvl="0"/>
+            <a:r>
+              <a:rPr lang="en-US" sz="1200" kern="1200" smtClean="0">
+                <a:solidFill>
+                  <a:schemeClr val="tx1"/>
+                </a:solidFill>
+                <a:effectLst/>
+                <a:latin typeface="+mn-lt"/>
+                <a:ea typeface="+mn-ea"/>
+                <a:cs typeface="+mn-cs"/>
+              </a:rPr>
+              <a:t>JNI : cầu nối trung gian giữa JAVA &amp; .dll.</a:t>
+            </a:r>
           </a:p>
         </p:txBody>
       </p:sp>
     </p:spTree>
     <p:extLst>
       <p:ext uri="{BB962C8B-B14F-4D97-AF65-F5344CB8AC3E}">
-        <p14:creationId xmlns:p14="http://schemas.microsoft.com/office/powerpoint/2010/main" val="3087672818"/>
+        <p14:creationId xmlns:p14="http://schemas.microsoft.com/office/powerpoint/2010/main" val="377025255"/>
       </p:ext>
     </p:extLst>
   </p:cSld>
@@ -3815,6 +4714,36 @@
           <a:bodyPr/>
           <a:lstStyle/>
           <a:p>
+            <a:pPr lvl="0"/>
+            <a:r>
+              <a:rPr lang="en-US" sz="1200" kern="1200" smtClean="0">
+                <a:solidFill>
+                  <a:schemeClr val="tx1"/>
+                </a:solidFill>
+                <a:effectLst/>
+                <a:latin typeface="+mn-lt"/>
+                <a:ea typeface="+mn-ea"/>
+                <a:cs typeface="+mn-cs"/>
+              </a:rPr>
+              <a:t>Khi sử dụng JNI thì ứng dụng Java sẽ không còn dễ dàng chạy trên nhiều môi trường nữa.</a:t>
+            </a:r>
+          </a:p>
+          <a:p>
+            <a:pPr lvl="0"/>
+            <a:r>
+              <a:rPr lang="en-US" sz="1200" kern="1200" smtClean="0">
+                <a:solidFill>
+                  <a:schemeClr val="tx1"/>
+                </a:solidFill>
+                <a:effectLst/>
+                <a:latin typeface="+mn-lt"/>
+                <a:ea typeface="+mn-ea"/>
+                <a:cs typeface="+mn-cs"/>
+              </a:rPr>
+              <a:t>Trong khi ngôn ngữ Java là loại an toàn thì các ngôn ngữ native (C, C++) thì không. Do đó, khi có một phương thức trong ứng dụng hay dll được sử dụng bị hỏng thì sẽ làm cho toàn bộ hệ thống bị hỏng. Do vậy, cần phải kiểm tra các thư viện dll, ứng dụng C, C++ trước khi sử dụng JNI</a:t>
+            </a:r>
+          </a:p>
+          <a:p>
             <a:endParaRPr lang="en-US"/>
           </a:p>
         </p:txBody>
@@ -3822,7 +4751,7 @@
     </p:spTree>
     <p:extLst>
       <p:ext uri="{BB962C8B-B14F-4D97-AF65-F5344CB8AC3E}">
-        <p14:creationId xmlns:p14="http://schemas.microsoft.com/office/powerpoint/2010/main" val="3087672818"/>
+        <p14:creationId xmlns:p14="http://schemas.microsoft.com/office/powerpoint/2010/main" val="4023886594"/>
       </p:ext>
     </p:extLst>
   </p:cSld>
@@ -3998,6 +4927,37 @@
           <a:bodyPr/>
           <a:lstStyle/>
           <a:p>
+            <a:pPr marL="0" marR="0" indent="0" algn="l" defTabSz="914400" rtl="0" eaLnBrk="1" fontAlgn="auto" latinLnBrk="0" hangingPunct="1">
+              <a:lnSpc>
+                <a:spcPct val="100000"/>
+              </a:lnSpc>
+              <a:spcBef>
+                <a:spcPts val="0"/>
+              </a:spcBef>
+              <a:spcAft>
+                <a:spcPts val="0"/>
+              </a:spcAft>
+              <a:buClrTx/>
+              <a:buSzTx/>
+              <a:buFontTx/>
+              <a:buNone/>
+              <a:tabLst/>
+              <a:defRPr/>
+            </a:pPr>
+            <a:r>
+              <a:rPr lang="en-US" sz="1200" kern="1200" smtClean="0">
+                <a:solidFill>
+                  <a:schemeClr val="tx1"/>
+                </a:solidFill>
+                <a:effectLst/>
+                <a:latin typeface="+mn-lt"/>
+                <a:ea typeface="+mn-ea"/>
+                <a:cs typeface="+mn-cs"/>
+              </a:rPr>
+              <a:t>JNI cung cấp các hàm để native code truy xuất (get/set) các field của object và các static field của class.</a:t>
+            </a:r>
+          </a:p>
+          <a:p>
             <a:endParaRPr lang="en-US"/>
           </a:p>
         </p:txBody>
@@ -4059,6 +5019,31 @@
           <a:bodyPr/>
           <a:lstStyle/>
           <a:p>
+            <a:r>
+              <a:rPr lang="en-US" b="1" smtClean="0"/>
+              <a:t>Parameters</a:t>
+            </a:r>
+            <a:r>
+              <a:rPr lang="en-US" smtClean="0"/>
+              <a:t>  env: JNIEnv interface pointer.</a:t>
+            </a:r>
+          </a:p>
+          <a:p>
+            <a:r>
+              <a:rPr lang="en-US" smtClean="0"/>
+              <a:t>	jclass: trỏ đến class có field được truy xuất.</a:t>
+            </a:r>
+          </a:p>
+          <a:p>
+            <a:r>
+              <a:rPr lang="en-US" smtClean="0"/>
+              <a:t>	fieldID: một biến có kiểu jfieldID đại diện cho field được truy xuất.</a:t>
+            </a:r>
+          </a:p>
+          <a:p>
+            <a:endParaRPr lang="en-US" smtClean="0"/>
+          </a:p>
+          <a:p>
             <a:endParaRPr lang="en-US"/>
           </a:p>
         </p:txBody>
@@ -4180,6 +5165,77 @@
         <p:txBody>
           <a:bodyPr/>
           <a:lstStyle/>
+          <a:p>
+            <a:pPr lvl="1"/>
+            <a:r>
+              <a:rPr lang="en-US" sz="1200" b="1" kern="1200" smtClean="0">
+                <a:solidFill>
+                  <a:schemeClr val="tx1"/>
+                </a:solidFill>
+                <a:effectLst/>
+                <a:latin typeface="+mn-lt"/>
+                <a:ea typeface="+mn-ea"/>
+                <a:cs typeface="+mn-cs"/>
+              </a:rPr>
+              <a:t>Field Descriptors</a:t>
+            </a:r>
+          </a:p>
+          <a:p>
+            <a:r>
+              <a:rPr lang="en-US" sz="1200" kern="1200" smtClean="0">
+                <a:solidFill>
+                  <a:schemeClr val="tx1"/>
+                </a:solidFill>
+                <a:effectLst/>
+                <a:latin typeface="+mn-lt"/>
+                <a:ea typeface="+mn-ea"/>
+                <a:cs typeface="+mn-cs"/>
+              </a:rPr>
+              <a:t>Là một chuỗi dùng để biểu diễn kiểu dữ liệu của field.</a:t>
+            </a:r>
+          </a:p>
+          <a:p>
+            <a:r>
+              <a:rPr lang="en-US" sz="1200" kern="1200" smtClean="0">
+                <a:solidFill>
+                  <a:schemeClr val="tx1"/>
+                </a:solidFill>
+                <a:effectLst/>
+                <a:latin typeface="+mn-lt"/>
+                <a:ea typeface="+mn-ea"/>
+                <a:cs typeface="+mn-cs"/>
+              </a:rPr>
+              <a:t>Với các kiểu cơ bản mô tả sẽ đơn giản hơn như: int có chuỗi mô tả là “I”, float có “F”, double có “D”, boolean có “Z”.</a:t>
+            </a:r>
+          </a:p>
+          <a:p>
+            <a:r>
+              <a:rPr lang="en-US" sz="1200" kern="1200" smtClean="0">
+                <a:solidFill>
+                  <a:schemeClr val="tx1"/>
+                </a:solidFill>
+                <a:effectLst/>
+                <a:latin typeface="+mn-lt"/>
+                <a:ea typeface="+mn-ea"/>
+                <a:cs typeface="+mn-cs"/>
+              </a:rPr>
+              <a:t>Với các kiểu dữ liệu khác thì mô tả theo package name của nó. Chẳng hạn như kiểu String có thuộc package: java.lang.String thì chuỗi mô tả tương ứng là “Ljava/lang/String;”.</a:t>
+            </a:r>
+          </a:p>
+          <a:p>
+            <a:r>
+              <a:rPr lang="en-US" sz="1200" kern="1200" smtClean="0">
+                <a:solidFill>
+                  <a:schemeClr val="tx1"/>
+                </a:solidFill>
+                <a:effectLst/>
+                <a:latin typeface="+mn-lt"/>
+                <a:ea typeface="+mn-ea"/>
+                <a:cs typeface="+mn-cs"/>
+              </a:rPr>
+              <a:t>Có một cách khác để biết chuỗi mô tả của các filed trong lớp java là dùng tool javap đi kèm trong JDK với tham số -s -p TenClass</a:t>
+            </a:r>
+          </a:p>
           <a:p>
             <a:endParaRPr lang="en-US"/>
           </a:p>
@@ -8773,7 +9829,97 @@
                   <a:reflection blurRad="12700" stA="28000" endPos="45000" dist="1000" dir="5400000" sy="-100000" algn="bl" rotWithShape="0"/>
                 </a:effectLst>
               </a:rPr>
-              <a:t>2.3 truy xuất giữa code native &amp; java</a:t>
+              <a:t>2.3.1 </a:t>
+            </a:r>
+            <a:r>
+              <a:rPr lang="en-US" sz="2850" cap="all" smtClean="0">
+                <a:ln w="9000" cmpd="sng">
+                  <a:solidFill>
+                    <a:schemeClr val="accent4">
+                      <a:shade val="50000"/>
+                      <a:satMod val="120000"/>
+                    </a:schemeClr>
+                  </a:solidFill>
+                  <a:prstDash val="solid"/>
+                </a:ln>
+                <a:gradFill>
+                  <a:gsLst>
+                    <a:gs pos="0">
+                      <a:schemeClr val="accent4">
+                        <a:shade val="20000"/>
+                        <a:satMod val="245000"/>
+                      </a:schemeClr>
+                    </a:gs>
+                    <a:gs pos="43000">
+                      <a:schemeClr val="accent4">
+                        <a:satMod val="255000"/>
+                      </a:schemeClr>
+                    </a:gs>
+                    <a:gs pos="48000">
+                      <a:schemeClr val="accent4">
+                        <a:shade val="85000"/>
+                        <a:satMod val="255000"/>
+                      </a:schemeClr>
+                    </a:gs>
+                    <a:gs pos="100000">
+                      <a:schemeClr val="accent4">
+                        <a:shade val="20000"/>
+                        <a:satMod val="245000"/>
+                      </a:schemeClr>
+                    </a:gs>
+                  </a:gsLst>
+                  <a:lin ang="5400000"/>
+                </a:gradFill>
+                <a:effectLst>
+                  <a:reflection blurRad="12700" stA="28000" endPos="45000" dist="1000" dir="5400000" sy="-100000" algn="bl" rotWithShape="0"/>
+                </a:effectLst>
+              </a:rPr>
+              <a:t>truy xuất </a:t>
+            </a:r>
+            <a:r>
+              <a:rPr lang="en-US" sz="2850" cap="all" smtClean="0">
+                <a:ln w="9000" cmpd="sng">
+                  <a:solidFill>
+                    <a:schemeClr val="accent4">
+                      <a:shade val="50000"/>
+                      <a:satMod val="120000"/>
+                    </a:schemeClr>
+                  </a:solidFill>
+                  <a:prstDash val="solid"/>
+                </a:ln>
+                <a:gradFill>
+                  <a:gsLst>
+                    <a:gs pos="0">
+                      <a:schemeClr val="accent4">
+                        <a:shade val="20000"/>
+                        <a:satMod val="245000"/>
+                      </a:schemeClr>
+                    </a:gs>
+                    <a:gs pos="43000">
+                      <a:schemeClr val="accent4">
+                        <a:satMod val="255000"/>
+                      </a:schemeClr>
+                    </a:gs>
+                    <a:gs pos="48000">
+                      <a:schemeClr val="accent4">
+                        <a:shade val="85000"/>
+                        <a:satMod val="255000"/>
+                      </a:schemeClr>
+                    </a:gs>
+                    <a:gs pos="100000">
+                      <a:schemeClr val="accent4">
+                        <a:shade val="20000"/>
+                        <a:satMod val="245000"/>
+                      </a:schemeClr>
+                    </a:gs>
+                  </a:gsLst>
+                  <a:lin ang="5400000"/>
+                </a:gradFill>
+                <a:effectLst>
+                  <a:reflection blurRad="12700" stA="28000" endPos="45000" dist="1000" dir="5400000" sy="-100000" algn="bl" rotWithShape="0"/>
+                </a:effectLst>
+              </a:rPr>
+              <a:t>Field</a:t>
             </a:r>
             <a:endParaRPr lang="en-US" sz="2850" cap="all">
               <a:ln w="9000" cmpd="sng">
@@ -8835,7 +9981,26 @@
           <a:bodyPr/>
           <a:lstStyle/>
           <a:p>
-            <a:endParaRPr lang="en-US"/>
+            <a:pPr>
+              <a:buClrTx/>
+              <a:buFont typeface="Wingdings" pitchFamily="2" charset="2"/>
+              <a:buChar char="q"/>
+            </a:pPr>
+            <a:r>
+              <a:rPr lang="en-US">
+                <a:solidFill>
+                  <a:srgbClr val="000000"/>
+                </a:solidFill>
+              </a:rPr>
+              <a:t>JNI cung cấp các hàm để native code truy xuất (get/set) các field của object và các static field của class.</a:t>
+            </a:r>
+          </a:p>
+          <a:p>
+            <a:endParaRPr lang="en-US">
+              <a:solidFill>
+                <a:srgbClr val="000000"/>
+              </a:solidFill>
+            </a:endParaRPr>
           </a:p>
         </p:txBody>
       </p:sp>
@@ -8950,6 +10115,4501 @@
           </a:bodyPr>
           <a:lstStyle/>
           <a:p>
+            <a:pPr algn="l"/>
+            <a:r>
+              <a:rPr lang="en-US" sz="2850" cap="all" smtClean="0">
+                <a:ln w="9000" cmpd="sng">
+                  <a:solidFill>
+                    <a:schemeClr val="accent4">
+                      <a:shade val="50000"/>
+                      <a:satMod val="120000"/>
+                    </a:schemeClr>
+                  </a:solidFill>
+                  <a:prstDash val="solid"/>
+                </a:ln>
+                <a:gradFill>
+                  <a:gsLst>
+                    <a:gs pos="0">
+                      <a:schemeClr val="accent4">
+                        <a:shade val="20000"/>
+                        <a:satMod val="245000"/>
+                      </a:schemeClr>
+                    </a:gs>
+                    <a:gs pos="43000">
+                      <a:schemeClr val="accent4">
+                        <a:satMod val="255000"/>
+                      </a:schemeClr>
+                    </a:gs>
+                    <a:gs pos="48000">
+                      <a:schemeClr val="accent4">
+                        <a:shade val="85000"/>
+                        <a:satMod val="255000"/>
+                      </a:schemeClr>
+                    </a:gs>
+                    <a:gs pos="100000">
+                      <a:schemeClr val="accent4">
+                        <a:shade val="20000"/>
+                        <a:satMod val="245000"/>
+                      </a:schemeClr>
+                    </a:gs>
+                  </a:gsLst>
+                  <a:lin ang="5400000"/>
+                </a:gradFill>
+                <a:effectLst>
+                  <a:reflection blurRad="12700" stA="28000" endPos="45000" dist="1000" dir="5400000" sy="-100000" algn="bl" rotWithShape="0"/>
+                </a:effectLst>
+              </a:rPr>
+              <a:t>2.3.1 </a:t>
+            </a:r>
+            <a:r>
+              <a:rPr lang="en-US" sz="2850" cap="all" smtClean="0">
+                <a:ln w="9000" cmpd="sng">
+                  <a:solidFill>
+                    <a:schemeClr val="accent4">
+                      <a:shade val="50000"/>
+                      <a:satMod val="120000"/>
+                    </a:schemeClr>
+                  </a:solidFill>
+                  <a:prstDash val="solid"/>
+                </a:ln>
+                <a:gradFill>
+                  <a:gsLst>
+                    <a:gs pos="0">
+                      <a:schemeClr val="accent4">
+                        <a:shade val="20000"/>
+                        <a:satMod val="245000"/>
+                      </a:schemeClr>
+                    </a:gs>
+                    <a:gs pos="43000">
+                      <a:schemeClr val="accent4">
+                        <a:satMod val="255000"/>
+                      </a:schemeClr>
+                    </a:gs>
+                    <a:gs pos="48000">
+                      <a:schemeClr val="accent4">
+                        <a:shade val="85000"/>
+                        <a:satMod val="255000"/>
+                      </a:schemeClr>
+                    </a:gs>
+                    <a:gs pos="100000">
+                      <a:schemeClr val="accent4">
+                        <a:shade val="20000"/>
+                        <a:satMod val="245000"/>
+                      </a:schemeClr>
+                    </a:gs>
+                  </a:gsLst>
+                  <a:lin ang="5400000"/>
+                </a:gradFill>
+                <a:effectLst>
+                  <a:reflection blurRad="12700" stA="28000" endPos="45000" dist="1000" dir="5400000" sy="-100000" algn="bl" rotWithShape="0"/>
+                </a:effectLst>
+              </a:rPr>
+              <a:t>truy xuất </a:t>
+            </a:r>
+            <a:r>
+              <a:rPr lang="en-US" sz="2850" cap="all" smtClean="0">
+                <a:ln w="9000" cmpd="sng">
+                  <a:solidFill>
+                    <a:schemeClr val="accent4">
+                      <a:shade val="50000"/>
+                      <a:satMod val="120000"/>
+                    </a:schemeClr>
+                  </a:solidFill>
+                  <a:prstDash val="solid"/>
+                </a:ln>
+                <a:gradFill>
+                  <a:gsLst>
+                    <a:gs pos="0">
+                      <a:schemeClr val="accent4">
+                        <a:shade val="20000"/>
+                        <a:satMod val="245000"/>
+                      </a:schemeClr>
+                    </a:gs>
+                    <a:gs pos="43000">
+                      <a:schemeClr val="accent4">
+                        <a:satMod val="255000"/>
+                      </a:schemeClr>
+                    </a:gs>
+                    <a:gs pos="48000">
+                      <a:schemeClr val="accent4">
+                        <a:shade val="85000"/>
+                        <a:satMod val="255000"/>
+                      </a:schemeClr>
+                    </a:gs>
+                    <a:gs pos="100000">
+                      <a:schemeClr val="accent4">
+                        <a:shade val="20000"/>
+                        <a:satMod val="245000"/>
+                      </a:schemeClr>
+                    </a:gs>
+                  </a:gsLst>
+                  <a:lin ang="5400000"/>
+                </a:gradFill>
+                <a:effectLst>
+                  <a:reflection blurRad="12700" stA="28000" endPos="45000" dist="1000" dir="5400000" sy="-100000" algn="bl" rotWithShape="0"/>
+                </a:effectLst>
+              </a:rPr>
+              <a:t>Field</a:t>
+            </a:r>
+            <a:endParaRPr lang="en-US" sz="2850" cap="all">
+              <a:ln w="9000" cmpd="sng">
+                <a:solidFill>
+                  <a:schemeClr val="accent4">
+                    <a:shade val="50000"/>
+                    <a:satMod val="120000"/>
+                  </a:schemeClr>
+                </a:solidFill>
+                <a:prstDash val="solid"/>
+              </a:ln>
+              <a:gradFill>
+                <a:gsLst>
+                  <a:gs pos="0">
+                    <a:schemeClr val="accent4">
+                      <a:shade val="20000"/>
+                      <a:satMod val="245000"/>
+                    </a:schemeClr>
+                  </a:gs>
+                  <a:gs pos="43000">
+                    <a:schemeClr val="accent4">
+                      <a:satMod val="255000"/>
+                    </a:schemeClr>
+                  </a:gs>
+                  <a:gs pos="48000">
+                    <a:schemeClr val="accent4">
+                      <a:shade val="85000"/>
+                      <a:satMod val="255000"/>
+                    </a:schemeClr>
+                  </a:gs>
+                  <a:gs pos="100000">
+                    <a:schemeClr val="accent4">
+                      <a:shade val="20000"/>
+                      <a:satMod val="245000"/>
+                    </a:schemeClr>
+                  </a:gs>
+                </a:gsLst>
+                <a:lin ang="5400000"/>
+              </a:gradFill>
+              <a:effectLst>
+                <a:reflection blurRad="12700" stA="28000" endPos="45000" dist="1000" dir="5400000" sy="-100000" algn="bl" rotWithShape="0"/>
+              </a:effectLst>
+            </a:endParaRPr>
+          </a:p>
+        </p:txBody>
+      </p:sp>
+      <p:sp>
+        <p:nvSpPr>
+          <p:cNvPr id="2" name="Content Placeholder 1"/>
+          <p:cNvSpPr>
+            <a:spLocks noGrp="1"/>
+          </p:cNvSpPr>
+          <p:nvPr>
+            <p:ph idx="1"/>
+          </p:nvPr>
+        </p:nvSpPr>
+        <p:spPr/>
+        <p:txBody>
+          <a:bodyPr/>
+          <a:lstStyle/>
+          <a:p>
+            <a:pPr marL="342900" lvl="1" indent="-342900">
+              <a:buClrTx/>
+              <a:buFont typeface="Wingdings" pitchFamily="2" charset="2"/>
+              <a:buChar char="q"/>
+            </a:pPr>
+            <a:r>
+              <a:rPr lang="en-US" sz="2200">
+                <a:solidFill>
+                  <a:srgbClr val="000000"/>
+                </a:solidFill>
+              </a:rPr>
+              <a:t>Để truy xuất vào một Field </a:t>
+            </a:r>
+            <a:r>
+              <a:rPr lang="en-US" sz="2200">
+                <a:solidFill>
+                  <a:srgbClr val="000000"/>
+                </a:solidFill>
+              </a:rPr>
+              <a:t>JNI </a:t>
+            </a:r>
+            <a:r>
+              <a:rPr lang="en-US" sz="2200" smtClean="0">
+                <a:solidFill>
+                  <a:srgbClr val="000000"/>
+                </a:solidFill>
+              </a:rPr>
+              <a:t>ta dùng các hàm sau:</a:t>
+            </a:r>
+          </a:p>
+          <a:p>
+            <a:pPr marL="0" lvl="1" indent="0">
+              <a:buClrTx/>
+              <a:buNone/>
+            </a:pPr>
+            <a:r>
+              <a:rPr lang="en-US" sz="2200">
+                <a:solidFill>
+                  <a:srgbClr val="000000"/>
+                </a:solidFill>
+              </a:rPr>
+              <a:t>(*env)-&gt;GetAAAField(env, jclass, fieldID);</a:t>
+            </a:r>
+          </a:p>
+          <a:p>
+            <a:pPr marL="0" lvl="1" indent="0">
+              <a:buClrTx/>
+              <a:buNone/>
+            </a:pPr>
+            <a:endParaRPr lang="en-US" sz="2400">
+              <a:solidFill>
+                <a:srgbClr val="000000"/>
+              </a:solidFill>
+            </a:endParaRPr>
+          </a:p>
+        </p:txBody>
+      </p:sp>
+      <p:sp>
+        <p:nvSpPr>
+          <p:cNvPr id="4" name="Footer Placeholder 3"/>
+          <p:cNvSpPr>
+            <a:spLocks noGrp="1"/>
+          </p:cNvSpPr>
+          <p:nvPr>
+            <p:ph type="ftr" sz="quarter" idx="11"/>
+          </p:nvPr>
+        </p:nvSpPr>
+        <p:spPr/>
+        <p:txBody>
+          <a:bodyPr/>
+          <a:lstStyle/>
+          <a:p>
+            <a:r>
+              <a:rPr lang="en-US" smtClean="0"/>
+              <a:t>www.hcmus.edu.vn</a:t>
+            </a:r>
+            <a:endParaRPr lang="en-US"/>
+          </a:p>
+        </p:txBody>
+      </p:sp>
+      <p:sp>
+        <p:nvSpPr>
+          <p:cNvPr id="6" name="Slide Number Placeholder 11"/>
+          <p:cNvSpPr>
+            <a:spLocks noGrp="1"/>
+          </p:cNvSpPr>
+          <p:nvPr>
+            <p:ph type="sldNum" sz="quarter" idx="12"/>
+          </p:nvPr>
+        </p:nvSpPr>
+        <p:spPr>
+          <a:xfrm>
+            <a:off x="3429000" y="6477000"/>
+            <a:ext cx="2133600" cy="381000"/>
+          </a:xfrm>
+        </p:spPr>
+        <p:txBody>
+          <a:bodyPr/>
+          <a:lstStyle/>
+          <a:p>
+            <a:fld id="{B6F15528-21DE-4FAA-801E-634DDDAF4B2B}" type="slidenum">
+              <a:rPr lang="en-US" sz="2000" smtClean="0"/>
+              <a:pPr/>
+              <a:t>12</a:t>
+            </a:fld>
+            <a:endParaRPr lang="en-US" sz="2000"/>
+          </a:p>
+        </p:txBody>
+      </p:sp>
+      <p:graphicFrame>
+        <p:nvGraphicFramePr>
+          <p:cNvPr id="3" name="Table 2"/>
+          <p:cNvGraphicFramePr>
+            <a:graphicFrameLocks noGrp="1"/>
+          </p:cNvGraphicFramePr>
+          <p:nvPr>
+            <p:extLst>
+              <p:ext uri="{D42A27DB-BD31-4B8C-83A1-F6EECF244321}">
+                <p14:modId xmlns:p14="http://schemas.microsoft.com/office/powerpoint/2010/main" val="1746877100"/>
+              </p:ext>
+            </p:extLst>
+          </p:nvPr>
+        </p:nvGraphicFramePr>
+        <p:xfrm>
+          <a:off x="1676400" y="2438401"/>
+          <a:ext cx="5867400" cy="3962399"/>
+        </p:xfrm>
+        <a:graphic>
+          <a:graphicData uri="http://schemas.openxmlformats.org/drawingml/2006/table">
+            <a:tbl>
+              <a:tblPr firstRow="1" firstCol="1" bandRow="1">
+                <a:tableStyleId>{5C22544A-7EE6-4342-B048-85BDC9FD1C3A}</a:tableStyleId>
+              </a:tblPr>
+              <a:tblGrid>
+                <a:gridCol w="2933700"/>
+                <a:gridCol w="2933700"/>
+              </a:tblGrid>
+              <a:tr h="440384">
+                <a:tc>
+                  <a:txBody>
+                    <a:bodyPr/>
+                    <a:lstStyle/>
+                    <a:p>
+                      <a:pPr marL="0" marR="0" algn="ctr">
+                        <a:lnSpc>
+                          <a:spcPct val="115000"/>
+                        </a:lnSpc>
+                        <a:spcBef>
+                          <a:spcPts val="0"/>
+                        </a:spcBef>
+                        <a:spcAft>
+                          <a:spcPts val="0"/>
+                        </a:spcAft>
+                      </a:pPr>
+                      <a:r>
+                        <a:rPr lang="en-US" sz="1800">
+                          <a:effectLst/>
+                        </a:rPr>
+                        <a:t>Get&lt;Type&gt;Field</a:t>
+                      </a:r>
+                      <a:endParaRPr lang="en-US" sz="1800">
+                        <a:effectLst/>
+                        <a:latin typeface="Times New Roman"/>
+                        <a:ea typeface="Calibri"/>
+                        <a:cs typeface="Times New Roman"/>
+                      </a:endParaRPr>
+                    </a:p>
+                  </a:txBody>
+                  <a:tcPr marL="47625" marR="47625" marT="47625" marB="47625" anchor="ctr"/>
+                </a:tc>
+                <a:tc>
+                  <a:txBody>
+                    <a:bodyPr/>
+                    <a:lstStyle/>
+                    <a:p>
+                      <a:pPr marL="0" marR="0" algn="ctr">
+                        <a:lnSpc>
+                          <a:spcPct val="115000"/>
+                        </a:lnSpc>
+                        <a:spcBef>
+                          <a:spcPts val="0"/>
+                        </a:spcBef>
+                        <a:spcAft>
+                          <a:spcPts val="0"/>
+                        </a:spcAft>
+                      </a:pPr>
+                      <a:r>
+                        <a:rPr lang="en-US" sz="1800">
+                          <a:effectLst/>
+                        </a:rPr>
+                        <a:t>&lt;NativeType&gt;</a:t>
+                      </a:r>
+                      <a:endParaRPr lang="en-US" sz="1800">
+                        <a:effectLst/>
+                        <a:latin typeface="Times New Roman"/>
+                        <a:ea typeface="Calibri"/>
+                        <a:cs typeface="Times New Roman"/>
+                      </a:endParaRPr>
+                    </a:p>
+                  </a:txBody>
+                  <a:tcPr marL="47625" marR="47625" marT="47625" marB="47625" anchor="ctr"/>
+                </a:tc>
+              </a:tr>
+              <a:tr h="391335">
+                <a:tc>
+                  <a:txBody>
+                    <a:bodyPr/>
+                    <a:lstStyle/>
+                    <a:p>
+                      <a:pPr marL="0" marR="0">
+                        <a:lnSpc>
+                          <a:spcPct val="115000"/>
+                        </a:lnSpc>
+                        <a:spcBef>
+                          <a:spcPts val="0"/>
+                        </a:spcBef>
+                        <a:spcAft>
+                          <a:spcPts val="0"/>
+                        </a:spcAft>
+                      </a:pPr>
+                      <a:r>
+                        <a:rPr lang="en-US" sz="1200">
+                          <a:effectLst/>
+                        </a:rPr>
+                        <a:t>GetObjectField</a:t>
+                      </a:r>
+                      <a:endParaRPr lang="en-US" sz="1800">
+                        <a:effectLst/>
+                        <a:latin typeface="Times New Roman"/>
+                        <a:ea typeface="Calibri"/>
+                        <a:cs typeface="Times New Roman"/>
+                      </a:endParaRPr>
+                    </a:p>
+                  </a:txBody>
+                  <a:tcPr marL="47625" marR="47625" marT="47625" marB="47625" anchor="ctr"/>
+                </a:tc>
+                <a:tc>
+                  <a:txBody>
+                    <a:bodyPr/>
+                    <a:lstStyle/>
+                    <a:p>
+                      <a:pPr marL="0" marR="0">
+                        <a:lnSpc>
+                          <a:spcPct val="115000"/>
+                        </a:lnSpc>
+                        <a:spcBef>
+                          <a:spcPts val="0"/>
+                        </a:spcBef>
+                        <a:spcAft>
+                          <a:spcPts val="0"/>
+                        </a:spcAft>
+                      </a:pPr>
+                      <a:r>
+                        <a:rPr lang="en-US" sz="1200">
+                          <a:effectLst/>
+                        </a:rPr>
+                        <a:t>jobject</a:t>
+                      </a:r>
+                      <a:endParaRPr lang="en-US" sz="1800">
+                        <a:effectLst/>
+                        <a:latin typeface="Times New Roman"/>
+                        <a:ea typeface="Calibri"/>
+                        <a:cs typeface="Times New Roman"/>
+                      </a:endParaRPr>
+                    </a:p>
+                  </a:txBody>
+                  <a:tcPr marL="47625" marR="47625" marT="47625" marB="47625" anchor="ctr"/>
+                </a:tc>
+              </a:tr>
+              <a:tr h="391335">
+                <a:tc>
+                  <a:txBody>
+                    <a:bodyPr/>
+                    <a:lstStyle/>
+                    <a:p>
+                      <a:pPr marL="0" marR="0">
+                        <a:lnSpc>
+                          <a:spcPct val="115000"/>
+                        </a:lnSpc>
+                        <a:spcBef>
+                          <a:spcPts val="0"/>
+                        </a:spcBef>
+                        <a:spcAft>
+                          <a:spcPts val="0"/>
+                        </a:spcAft>
+                      </a:pPr>
+                      <a:r>
+                        <a:rPr lang="en-US" sz="1200">
+                          <a:effectLst/>
+                        </a:rPr>
+                        <a:t>GetBooleanField</a:t>
+                      </a:r>
+                      <a:endParaRPr lang="en-US" sz="1800">
+                        <a:effectLst/>
+                        <a:latin typeface="Times New Roman"/>
+                        <a:ea typeface="Calibri"/>
+                        <a:cs typeface="Times New Roman"/>
+                      </a:endParaRPr>
+                    </a:p>
+                  </a:txBody>
+                  <a:tcPr marL="47625" marR="47625" marT="47625" marB="47625" anchor="ctr"/>
+                </a:tc>
+                <a:tc>
+                  <a:txBody>
+                    <a:bodyPr/>
+                    <a:lstStyle/>
+                    <a:p>
+                      <a:pPr marL="0" marR="0">
+                        <a:lnSpc>
+                          <a:spcPct val="115000"/>
+                        </a:lnSpc>
+                        <a:spcBef>
+                          <a:spcPts val="0"/>
+                        </a:spcBef>
+                        <a:spcAft>
+                          <a:spcPts val="0"/>
+                        </a:spcAft>
+                      </a:pPr>
+                      <a:r>
+                        <a:rPr lang="en-US" sz="1200">
+                          <a:effectLst/>
+                        </a:rPr>
+                        <a:t>jboolean</a:t>
+                      </a:r>
+                      <a:endParaRPr lang="en-US" sz="1800">
+                        <a:effectLst/>
+                        <a:latin typeface="Times New Roman"/>
+                        <a:ea typeface="Calibri"/>
+                        <a:cs typeface="Times New Roman"/>
+                      </a:endParaRPr>
+                    </a:p>
+                  </a:txBody>
+                  <a:tcPr marL="47625" marR="47625" marT="47625" marB="47625" anchor="ctr"/>
+                </a:tc>
+              </a:tr>
+              <a:tr h="391335">
+                <a:tc>
+                  <a:txBody>
+                    <a:bodyPr/>
+                    <a:lstStyle/>
+                    <a:p>
+                      <a:pPr marL="0" marR="0">
+                        <a:lnSpc>
+                          <a:spcPct val="115000"/>
+                        </a:lnSpc>
+                        <a:spcBef>
+                          <a:spcPts val="0"/>
+                        </a:spcBef>
+                        <a:spcAft>
+                          <a:spcPts val="0"/>
+                        </a:spcAft>
+                      </a:pPr>
+                      <a:r>
+                        <a:rPr lang="en-US" sz="1200">
+                          <a:effectLst/>
+                        </a:rPr>
+                        <a:t>GetByteField</a:t>
+                      </a:r>
+                      <a:endParaRPr lang="en-US" sz="1800">
+                        <a:effectLst/>
+                        <a:latin typeface="Times New Roman"/>
+                        <a:ea typeface="Calibri"/>
+                        <a:cs typeface="Times New Roman"/>
+                      </a:endParaRPr>
+                    </a:p>
+                  </a:txBody>
+                  <a:tcPr marL="47625" marR="47625" marT="47625" marB="47625" anchor="ctr"/>
+                </a:tc>
+                <a:tc>
+                  <a:txBody>
+                    <a:bodyPr/>
+                    <a:lstStyle/>
+                    <a:p>
+                      <a:pPr marL="0" marR="0">
+                        <a:lnSpc>
+                          <a:spcPct val="115000"/>
+                        </a:lnSpc>
+                        <a:spcBef>
+                          <a:spcPts val="0"/>
+                        </a:spcBef>
+                        <a:spcAft>
+                          <a:spcPts val="0"/>
+                        </a:spcAft>
+                      </a:pPr>
+                      <a:r>
+                        <a:rPr lang="en-US" sz="1200">
+                          <a:effectLst/>
+                        </a:rPr>
+                        <a:t>jbyte</a:t>
+                      </a:r>
+                      <a:endParaRPr lang="en-US" sz="1800">
+                        <a:effectLst/>
+                        <a:latin typeface="Times New Roman"/>
+                        <a:ea typeface="Calibri"/>
+                        <a:cs typeface="Times New Roman"/>
+                      </a:endParaRPr>
+                    </a:p>
+                  </a:txBody>
+                  <a:tcPr marL="47625" marR="47625" marT="47625" marB="47625" anchor="ctr"/>
+                </a:tc>
+              </a:tr>
+              <a:tr h="391335">
+                <a:tc>
+                  <a:txBody>
+                    <a:bodyPr/>
+                    <a:lstStyle/>
+                    <a:p>
+                      <a:pPr marL="0" marR="0">
+                        <a:lnSpc>
+                          <a:spcPct val="115000"/>
+                        </a:lnSpc>
+                        <a:spcBef>
+                          <a:spcPts val="0"/>
+                        </a:spcBef>
+                        <a:spcAft>
+                          <a:spcPts val="0"/>
+                        </a:spcAft>
+                      </a:pPr>
+                      <a:r>
+                        <a:rPr lang="en-US" sz="1200">
+                          <a:effectLst/>
+                        </a:rPr>
+                        <a:t>GetCharField</a:t>
+                      </a:r>
+                      <a:endParaRPr lang="en-US" sz="1800">
+                        <a:effectLst/>
+                        <a:latin typeface="Times New Roman"/>
+                        <a:ea typeface="Calibri"/>
+                        <a:cs typeface="Times New Roman"/>
+                      </a:endParaRPr>
+                    </a:p>
+                  </a:txBody>
+                  <a:tcPr marL="47625" marR="47625" marT="47625" marB="47625" anchor="ctr"/>
+                </a:tc>
+                <a:tc>
+                  <a:txBody>
+                    <a:bodyPr/>
+                    <a:lstStyle/>
+                    <a:p>
+                      <a:pPr marL="0" marR="0">
+                        <a:lnSpc>
+                          <a:spcPct val="115000"/>
+                        </a:lnSpc>
+                        <a:spcBef>
+                          <a:spcPts val="0"/>
+                        </a:spcBef>
+                        <a:spcAft>
+                          <a:spcPts val="0"/>
+                        </a:spcAft>
+                      </a:pPr>
+                      <a:r>
+                        <a:rPr lang="en-US" sz="1200">
+                          <a:effectLst/>
+                        </a:rPr>
+                        <a:t>jchar</a:t>
+                      </a:r>
+                      <a:endParaRPr lang="en-US" sz="1800">
+                        <a:effectLst/>
+                        <a:latin typeface="Times New Roman"/>
+                        <a:ea typeface="Calibri"/>
+                        <a:cs typeface="Times New Roman"/>
+                      </a:endParaRPr>
+                    </a:p>
+                  </a:txBody>
+                  <a:tcPr marL="47625" marR="47625" marT="47625" marB="47625" anchor="ctr"/>
+                </a:tc>
+              </a:tr>
+              <a:tr h="391335">
+                <a:tc>
+                  <a:txBody>
+                    <a:bodyPr/>
+                    <a:lstStyle/>
+                    <a:p>
+                      <a:pPr marL="0" marR="0">
+                        <a:lnSpc>
+                          <a:spcPct val="115000"/>
+                        </a:lnSpc>
+                        <a:spcBef>
+                          <a:spcPts val="0"/>
+                        </a:spcBef>
+                        <a:spcAft>
+                          <a:spcPts val="0"/>
+                        </a:spcAft>
+                      </a:pPr>
+                      <a:r>
+                        <a:rPr lang="en-US" sz="1200">
+                          <a:effectLst/>
+                        </a:rPr>
+                        <a:t>GetShortField</a:t>
+                      </a:r>
+                      <a:endParaRPr lang="en-US" sz="1800">
+                        <a:effectLst/>
+                        <a:latin typeface="Times New Roman"/>
+                        <a:ea typeface="Calibri"/>
+                        <a:cs typeface="Times New Roman"/>
+                      </a:endParaRPr>
+                    </a:p>
+                  </a:txBody>
+                  <a:tcPr marL="47625" marR="47625" marT="47625" marB="47625" anchor="ctr"/>
+                </a:tc>
+                <a:tc>
+                  <a:txBody>
+                    <a:bodyPr/>
+                    <a:lstStyle/>
+                    <a:p>
+                      <a:pPr marL="0" marR="0">
+                        <a:lnSpc>
+                          <a:spcPct val="115000"/>
+                        </a:lnSpc>
+                        <a:spcBef>
+                          <a:spcPts val="0"/>
+                        </a:spcBef>
+                        <a:spcAft>
+                          <a:spcPts val="0"/>
+                        </a:spcAft>
+                      </a:pPr>
+                      <a:r>
+                        <a:rPr lang="en-US" sz="1200">
+                          <a:effectLst/>
+                        </a:rPr>
+                        <a:t>jshort</a:t>
+                      </a:r>
+                      <a:endParaRPr lang="en-US" sz="1800">
+                        <a:effectLst/>
+                        <a:latin typeface="Times New Roman"/>
+                        <a:ea typeface="Calibri"/>
+                        <a:cs typeface="Times New Roman"/>
+                      </a:endParaRPr>
+                    </a:p>
+                  </a:txBody>
+                  <a:tcPr marL="47625" marR="47625" marT="47625" marB="47625" anchor="ctr"/>
+                </a:tc>
+              </a:tr>
+              <a:tr h="391335">
+                <a:tc>
+                  <a:txBody>
+                    <a:bodyPr/>
+                    <a:lstStyle/>
+                    <a:p>
+                      <a:pPr marL="0" marR="0">
+                        <a:lnSpc>
+                          <a:spcPct val="115000"/>
+                        </a:lnSpc>
+                        <a:spcBef>
+                          <a:spcPts val="0"/>
+                        </a:spcBef>
+                        <a:spcAft>
+                          <a:spcPts val="0"/>
+                        </a:spcAft>
+                      </a:pPr>
+                      <a:r>
+                        <a:rPr lang="en-US" sz="1200">
+                          <a:effectLst/>
+                        </a:rPr>
+                        <a:t>GetIntField</a:t>
+                      </a:r>
+                      <a:endParaRPr lang="en-US" sz="1800">
+                        <a:effectLst/>
+                        <a:latin typeface="Times New Roman"/>
+                        <a:ea typeface="Calibri"/>
+                        <a:cs typeface="Times New Roman"/>
+                      </a:endParaRPr>
+                    </a:p>
+                  </a:txBody>
+                  <a:tcPr marL="47625" marR="47625" marT="47625" marB="47625" anchor="ctr"/>
+                </a:tc>
+                <a:tc>
+                  <a:txBody>
+                    <a:bodyPr/>
+                    <a:lstStyle/>
+                    <a:p>
+                      <a:pPr marL="0" marR="0">
+                        <a:lnSpc>
+                          <a:spcPct val="115000"/>
+                        </a:lnSpc>
+                        <a:spcBef>
+                          <a:spcPts val="0"/>
+                        </a:spcBef>
+                        <a:spcAft>
+                          <a:spcPts val="0"/>
+                        </a:spcAft>
+                      </a:pPr>
+                      <a:r>
+                        <a:rPr lang="en-US" sz="1200">
+                          <a:effectLst/>
+                        </a:rPr>
+                        <a:t>jint</a:t>
+                      </a:r>
+                      <a:endParaRPr lang="en-US" sz="1800">
+                        <a:effectLst/>
+                        <a:latin typeface="Times New Roman"/>
+                        <a:ea typeface="Calibri"/>
+                        <a:cs typeface="Times New Roman"/>
+                      </a:endParaRPr>
+                    </a:p>
+                  </a:txBody>
+                  <a:tcPr marL="47625" marR="47625" marT="47625" marB="47625" anchor="ctr"/>
+                </a:tc>
+              </a:tr>
+              <a:tr h="391335">
+                <a:tc>
+                  <a:txBody>
+                    <a:bodyPr/>
+                    <a:lstStyle/>
+                    <a:p>
+                      <a:pPr marL="0" marR="0">
+                        <a:lnSpc>
+                          <a:spcPct val="115000"/>
+                        </a:lnSpc>
+                        <a:spcBef>
+                          <a:spcPts val="0"/>
+                        </a:spcBef>
+                        <a:spcAft>
+                          <a:spcPts val="0"/>
+                        </a:spcAft>
+                      </a:pPr>
+                      <a:r>
+                        <a:rPr lang="en-US" sz="1200">
+                          <a:effectLst/>
+                        </a:rPr>
+                        <a:t>GetLongField</a:t>
+                      </a:r>
+                      <a:endParaRPr lang="en-US" sz="1800">
+                        <a:effectLst/>
+                        <a:latin typeface="Times New Roman"/>
+                        <a:ea typeface="Calibri"/>
+                        <a:cs typeface="Times New Roman"/>
+                      </a:endParaRPr>
+                    </a:p>
+                  </a:txBody>
+                  <a:tcPr marL="47625" marR="47625" marT="47625" marB="47625" anchor="ctr"/>
+                </a:tc>
+                <a:tc>
+                  <a:txBody>
+                    <a:bodyPr/>
+                    <a:lstStyle/>
+                    <a:p>
+                      <a:pPr marL="0" marR="0">
+                        <a:lnSpc>
+                          <a:spcPct val="115000"/>
+                        </a:lnSpc>
+                        <a:spcBef>
+                          <a:spcPts val="0"/>
+                        </a:spcBef>
+                        <a:spcAft>
+                          <a:spcPts val="0"/>
+                        </a:spcAft>
+                      </a:pPr>
+                      <a:r>
+                        <a:rPr lang="en-US" sz="1200">
+                          <a:effectLst/>
+                        </a:rPr>
+                        <a:t>jlong</a:t>
+                      </a:r>
+                      <a:endParaRPr lang="en-US" sz="1800">
+                        <a:effectLst/>
+                        <a:latin typeface="Times New Roman"/>
+                        <a:ea typeface="Calibri"/>
+                        <a:cs typeface="Times New Roman"/>
+                      </a:endParaRPr>
+                    </a:p>
+                  </a:txBody>
+                  <a:tcPr marL="47625" marR="47625" marT="47625" marB="47625" anchor="ctr"/>
+                </a:tc>
+              </a:tr>
+              <a:tr h="391335">
+                <a:tc>
+                  <a:txBody>
+                    <a:bodyPr/>
+                    <a:lstStyle/>
+                    <a:p>
+                      <a:pPr marL="0" marR="0">
+                        <a:lnSpc>
+                          <a:spcPct val="115000"/>
+                        </a:lnSpc>
+                        <a:spcBef>
+                          <a:spcPts val="0"/>
+                        </a:spcBef>
+                        <a:spcAft>
+                          <a:spcPts val="0"/>
+                        </a:spcAft>
+                      </a:pPr>
+                      <a:r>
+                        <a:rPr lang="en-US" sz="1200">
+                          <a:effectLst/>
+                        </a:rPr>
+                        <a:t>GetFloatField</a:t>
+                      </a:r>
+                      <a:endParaRPr lang="en-US" sz="1800">
+                        <a:effectLst/>
+                        <a:latin typeface="Times New Roman"/>
+                        <a:ea typeface="Calibri"/>
+                        <a:cs typeface="Times New Roman"/>
+                      </a:endParaRPr>
+                    </a:p>
+                  </a:txBody>
+                  <a:tcPr marL="47625" marR="47625" marT="47625" marB="47625" anchor="ctr"/>
+                </a:tc>
+                <a:tc>
+                  <a:txBody>
+                    <a:bodyPr/>
+                    <a:lstStyle/>
+                    <a:p>
+                      <a:pPr marL="0" marR="0">
+                        <a:lnSpc>
+                          <a:spcPct val="115000"/>
+                        </a:lnSpc>
+                        <a:spcBef>
+                          <a:spcPts val="0"/>
+                        </a:spcBef>
+                        <a:spcAft>
+                          <a:spcPts val="0"/>
+                        </a:spcAft>
+                      </a:pPr>
+                      <a:r>
+                        <a:rPr lang="en-US" sz="1200">
+                          <a:effectLst/>
+                        </a:rPr>
+                        <a:t>jfloat</a:t>
+                      </a:r>
+                      <a:endParaRPr lang="en-US" sz="1800">
+                        <a:effectLst/>
+                        <a:latin typeface="Times New Roman"/>
+                        <a:ea typeface="Calibri"/>
+                        <a:cs typeface="Times New Roman"/>
+                      </a:endParaRPr>
+                    </a:p>
+                  </a:txBody>
+                  <a:tcPr marL="47625" marR="47625" marT="47625" marB="47625" anchor="ctr"/>
+                </a:tc>
+              </a:tr>
+              <a:tr h="391335">
+                <a:tc>
+                  <a:txBody>
+                    <a:bodyPr/>
+                    <a:lstStyle/>
+                    <a:p>
+                      <a:pPr marL="0" marR="0">
+                        <a:lnSpc>
+                          <a:spcPct val="115000"/>
+                        </a:lnSpc>
+                        <a:spcBef>
+                          <a:spcPts val="0"/>
+                        </a:spcBef>
+                        <a:spcAft>
+                          <a:spcPts val="0"/>
+                        </a:spcAft>
+                      </a:pPr>
+                      <a:r>
+                        <a:rPr lang="en-US" sz="1200">
+                          <a:effectLst/>
+                        </a:rPr>
+                        <a:t>GetDoubleField</a:t>
+                      </a:r>
+                      <a:endParaRPr lang="en-US" sz="1800">
+                        <a:effectLst/>
+                        <a:latin typeface="Times New Roman"/>
+                        <a:ea typeface="Calibri"/>
+                        <a:cs typeface="Times New Roman"/>
+                      </a:endParaRPr>
+                    </a:p>
+                  </a:txBody>
+                  <a:tcPr marL="47625" marR="47625" marT="47625" marB="47625" anchor="ctr"/>
+                </a:tc>
+                <a:tc>
+                  <a:txBody>
+                    <a:bodyPr/>
+                    <a:lstStyle/>
+                    <a:p>
+                      <a:pPr marL="0" marR="0">
+                        <a:lnSpc>
+                          <a:spcPct val="115000"/>
+                        </a:lnSpc>
+                        <a:spcBef>
+                          <a:spcPts val="0"/>
+                        </a:spcBef>
+                        <a:spcAft>
+                          <a:spcPts val="0"/>
+                        </a:spcAft>
+                      </a:pPr>
+                      <a:r>
+                        <a:rPr lang="en-US" sz="1200">
+                          <a:effectLst/>
+                        </a:rPr>
+                        <a:t>jdouble</a:t>
+                      </a:r>
+                      <a:endParaRPr lang="en-US" sz="1800">
+                        <a:effectLst/>
+                        <a:latin typeface="Times New Roman"/>
+                        <a:ea typeface="Calibri"/>
+                        <a:cs typeface="Times New Roman"/>
+                      </a:endParaRPr>
+                    </a:p>
+                  </a:txBody>
+                  <a:tcPr marL="47625" marR="47625" marT="47625" marB="47625" anchor="ctr"/>
+                </a:tc>
+              </a:tr>
+            </a:tbl>
+          </a:graphicData>
+        </a:graphic>
+      </p:graphicFrame>
+    </p:spTree>
+    <p:extLst>
+      <p:ext uri="{BB962C8B-B14F-4D97-AF65-F5344CB8AC3E}">
+        <p14:creationId xmlns:p14="http://schemas.microsoft.com/office/powerpoint/2010/main" val="1618707941"/>
+      </p:ext>
+    </p:extLst>
+  </p:cSld>
+  <p:clrMapOvr>
+    <a:masterClrMapping/>
+  </p:clrMapOvr>
+  <p:timing>
+    <p:tnLst>
+      <p:par>
+        <p:cTn id="1" dur="indefinite" restart="never" nodeType="tmRoot"/>
+      </p:par>
+    </p:tnLst>
+  </p:timing>
+</p:sld>
+</file>
+
+<file path=ppt/slides/slide13.xml><?xml version="1.0" encoding="utf-8"?>
+<p:sld xmlns:a="http://schemas.openxmlformats.org/drawingml/2006/main" xmlns:r="http://schemas.openxmlformats.org/officeDocument/2006/relationships" xmlns:p="http://schemas.openxmlformats.org/presentationml/2006/main">
+  <p:cSld>
+    <p:spTree>
+      <p:nvGrpSpPr>
+        <p:cNvPr id="1" name=""/>
+        <p:cNvGrpSpPr/>
+        <p:nvPr/>
+      </p:nvGrpSpPr>
+      <p:grpSpPr>
+        <a:xfrm>
+          <a:off x="0" y="0"/>
+          <a:ext cx="0" cy="0"/>
+          <a:chOff x="0" y="0"/>
+          <a:chExt cx="0" cy="0"/>
+        </a:xfrm>
+      </p:grpSpPr>
+      <p:sp>
+        <p:nvSpPr>
+          <p:cNvPr id="8" name="Title 1"/>
+          <p:cNvSpPr>
+            <a:spLocks noGrp="1"/>
+          </p:cNvSpPr>
+          <p:nvPr>
+            <p:ph type="title"/>
+          </p:nvPr>
+        </p:nvSpPr>
+        <p:spPr>
+          <a:xfrm>
+            <a:off x="228600" y="579437"/>
+            <a:ext cx="9448800" cy="563563"/>
+          </a:xfrm>
+        </p:spPr>
+        <p:txBody>
+          <a:bodyPr>
+            <a:noAutofit/>
+          </a:bodyPr>
+          <a:lstStyle/>
+          <a:p>
+            <a:pPr algn="l"/>
+            <a:r>
+              <a:rPr lang="en-US" sz="2850" cap="all" smtClean="0">
+                <a:ln w="9000" cmpd="sng">
+                  <a:solidFill>
+                    <a:schemeClr val="accent4">
+                      <a:shade val="50000"/>
+                      <a:satMod val="120000"/>
+                    </a:schemeClr>
+                  </a:solidFill>
+                  <a:prstDash val="solid"/>
+                </a:ln>
+                <a:gradFill>
+                  <a:gsLst>
+                    <a:gs pos="0">
+                      <a:schemeClr val="accent4">
+                        <a:shade val="20000"/>
+                        <a:satMod val="245000"/>
+                      </a:schemeClr>
+                    </a:gs>
+                    <a:gs pos="43000">
+                      <a:schemeClr val="accent4">
+                        <a:satMod val="255000"/>
+                      </a:schemeClr>
+                    </a:gs>
+                    <a:gs pos="48000">
+                      <a:schemeClr val="accent4">
+                        <a:shade val="85000"/>
+                        <a:satMod val="255000"/>
+                      </a:schemeClr>
+                    </a:gs>
+                    <a:gs pos="100000">
+                      <a:schemeClr val="accent4">
+                        <a:shade val="20000"/>
+                        <a:satMod val="245000"/>
+                      </a:schemeClr>
+                    </a:gs>
+                  </a:gsLst>
+                  <a:lin ang="5400000"/>
+                </a:gradFill>
+                <a:effectLst>
+                  <a:reflection blurRad="12700" stA="28000" endPos="45000" dist="1000" dir="5400000" sy="-100000" algn="bl" rotWithShape="0"/>
+                </a:effectLst>
+              </a:rPr>
+              <a:t>2.3.1 </a:t>
+            </a:r>
+            <a:r>
+              <a:rPr lang="en-US" sz="2850" cap="all" smtClean="0">
+                <a:ln w="9000" cmpd="sng">
+                  <a:solidFill>
+                    <a:schemeClr val="accent4">
+                      <a:shade val="50000"/>
+                      <a:satMod val="120000"/>
+                    </a:schemeClr>
+                  </a:solidFill>
+                  <a:prstDash val="solid"/>
+                </a:ln>
+                <a:gradFill>
+                  <a:gsLst>
+                    <a:gs pos="0">
+                      <a:schemeClr val="accent4">
+                        <a:shade val="20000"/>
+                        <a:satMod val="245000"/>
+                      </a:schemeClr>
+                    </a:gs>
+                    <a:gs pos="43000">
+                      <a:schemeClr val="accent4">
+                        <a:satMod val="255000"/>
+                      </a:schemeClr>
+                    </a:gs>
+                    <a:gs pos="48000">
+                      <a:schemeClr val="accent4">
+                        <a:shade val="85000"/>
+                        <a:satMod val="255000"/>
+                      </a:schemeClr>
+                    </a:gs>
+                    <a:gs pos="100000">
+                      <a:schemeClr val="accent4">
+                        <a:shade val="20000"/>
+                        <a:satMod val="245000"/>
+                      </a:schemeClr>
+                    </a:gs>
+                  </a:gsLst>
+                  <a:lin ang="5400000"/>
+                </a:gradFill>
+                <a:effectLst>
+                  <a:reflection blurRad="12700" stA="28000" endPos="45000" dist="1000" dir="5400000" sy="-100000" algn="bl" rotWithShape="0"/>
+                </a:effectLst>
+              </a:rPr>
+              <a:t>truy xuất </a:t>
+            </a:r>
+            <a:r>
+              <a:rPr lang="en-US" sz="2850" cap="all" smtClean="0">
+                <a:ln w="9000" cmpd="sng">
+                  <a:solidFill>
+                    <a:schemeClr val="accent4">
+                      <a:shade val="50000"/>
+                      <a:satMod val="120000"/>
+                    </a:schemeClr>
+                  </a:solidFill>
+                  <a:prstDash val="solid"/>
+                </a:ln>
+                <a:gradFill>
+                  <a:gsLst>
+                    <a:gs pos="0">
+                      <a:schemeClr val="accent4">
+                        <a:shade val="20000"/>
+                        <a:satMod val="245000"/>
+                      </a:schemeClr>
+                    </a:gs>
+                    <a:gs pos="43000">
+                      <a:schemeClr val="accent4">
+                        <a:satMod val="255000"/>
+                      </a:schemeClr>
+                    </a:gs>
+                    <a:gs pos="48000">
+                      <a:schemeClr val="accent4">
+                        <a:shade val="85000"/>
+                        <a:satMod val="255000"/>
+                      </a:schemeClr>
+                    </a:gs>
+                    <a:gs pos="100000">
+                      <a:schemeClr val="accent4">
+                        <a:shade val="20000"/>
+                        <a:satMod val="245000"/>
+                      </a:schemeClr>
+                    </a:gs>
+                  </a:gsLst>
+                  <a:lin ang="5400000"/>
+                </a:gradFill>
+                <a:effectLst>
+                  <a:reflection blurRad="12700" stA="28000" endPos="45000" dist="1000" dir="5400000" sy="-100000" algn="bl" rotWithShape="0"/>
+                </a:effectLst>
+              </a:rPr>
+              <a:t>Field</a:t>
+            </a:r>
+            <a:endParaRPr lang="en-US" sz="2850" cap="all">
+              <a:ln w="9000" cmpd="sng">
+                <a:solidFill>
+                  <a:schemeClr val="accent4">
+                    <a:shade val="50000"/>
+                    <a:satMod val="120000"/>
+                  </a:schemeClr>
+                </a:solidFill>
+                <a:prstDash val="solid"/>
+              </a:ln>
+              <a:gradFill>
+                <a:gsLst>
+                  <a:gs pos="0">
+                    <a:schemeClr val="accent4">
+                      <a:shade val="20000"/>
+                      <a:satMod val="245000"/>
+                    </a:schemeClr>
+                  </a:gs>
+                  <a:gs pos="43000">
+                    <a:schemeClr val="accent4">
+                      <a:satMod val="255000"/>
+                    </a:schemeClr>
+                  </a:gs>
+                  <a:gs pos="48000">
+                    <a:schemeClr val="accent4">
+                      <a:shade val="85000"/>
+                      <a:satMod val="255000"/>
+                    </a:schemeClr>
+                  </a:gs>
+                  <a:gs pos="100000">
+                    <a:schemeClr val="accent4">
+                      <a:shade val="20000"/>
+                      <a:satMod val="245000"/>
+                    </a:schemeClr>
+                  </a:gs>
+                </a:gsLst>
+                <a:lin ang="5400000"/>
+              </a:gradFill>
+              <a:effectLst>
+                <a:reflection blurRad="12700" stA="28000" endPos="45000" dist="1000" dir="5400000" sy="-100000" algn="bl" rotWithShape="0"/>
+              </a:effectLst>
+            </a:endParaRPr>
+          </a:p>
+        </p:txBody>
+      </p:sp>
+      <p:sp>
+        <p:nvSpPr>
+          <p:cNvPr id="2" name="Content Placeholder 1"/>
+          <p:cNvSpPr>
+            <a:spLocks noGrp="1"/>
+          </p:cNvSpPr>
+          <p:nvPr>
+            <p:ph idx="1"/>
+          </p:nvPr>
+        </p:nvSpPr>
+        <p:spPr/>
+        <p:txBody>
+          <a:bodyPr/>
+          <a:lstStyle/>
+          <a:p>
+            <a:pPr marL="342900" lvl="1" indent="-342900">
+              <a:buClrTx/>
+              <a:buFont typeface="Wingdings" pitchFamily="2" charset="2"/>
+              <a:buChar char="q"/>
+            </a:pPr>
+            <a:r>
+              <a:rPr lang="en-US" sz="2200">
+                <a:solidFill>
+                  <a:srgbClr val="000000"/>
+                </a:solidFill>
+              </a:rPr>
+              <a:t>Để </a:t>
+            </a:r>
+            <a:r>
+              <a:rPr lang="en-US" sz="2200" smtClean="0">
+                <a:solidFill>
+                  <a:srgbClr val="000000"/>
+                </a:solidFill>
+              </a:rPr>
+              <a:t>set giá trị cho Field </a:t>
+            </a:r>
+            <a:r>
+              <a:rPr lang="en-US" sz="2200">
+                <a:solidFill>
+                  <a:srgbClr val="000000"/>
+                </a:solidFill>
+              </a:rPr>
+              <a:t>JNI </a:t>
+            </a:r>
+            <a:r>
+              <a:rPr lang="en-US" sz="2200" smtClean="0">
+                <a:solidFill>
+                  <a:srgbClr val="000000"/>
+                </a:solidFill>
+              </a:rPr>
+              <a:t>ta dùng các hàm sau:</a:t>
+            </a:r>
+          </a:p>
+          <a:p>
+            <a:pPr marL="0" lvl="1" indent="0">
+              <a:buClrTx/>
+              <a:buNone/>
+            </a:pPr>
+            <a:r>
+              <a:rPr lang="en-US" sz="2200">
+                <a:solidFill>
+                  <a:srgbClr val="000000"/>
+                </a:solidFill>
+              </a:rPr>
+              <a:t>Prototype void </a:t>
+            </a:r>
+            <a:r>
+              <a:rPr lang="en-US" sz="2200" i="1">
+                <a:solidFill>
+                  <a:srgbClr val="000000"/>
+                </a:solidFill>
+              </a:rPr>
+              <a:t>Set&lt;Type&gt;Field</a:t>
+            </a:r>
+            <a:r>
+              <a:rPr lang="en-US" sz="2200">
+                <a:solidFill>
+                  <a:srgbClr val="000000"/>
+                </a:solidFill>
+              </a:rPr>
+              <a:t>(JNIEnv *env, jobject obj, </a:t>
+            </a:r>
+            <a:br>
+              <a:rPr lang="en-US" sz="2200">
+                <a:solidFill>
+                  <a:srgbClr val="000000"/>
+                </a:solidFill>
+              </a:rPr>
+            </a:br>
+            <a:r>
+              <a:rPr lang="en-US" sz="2200">
+                <a:solidFill>
+                  <a:srgbClr val="000000"/>
+                </a:solidFill>
+              </a:rPr>
+              <a:t>jfieldID fieldID,</a:t>
+            </a:r>
+            <a:r>
+              <a:rPr lang="en-US" sz="2200" i="1">
+                <a:solidFill>
+                  <a:srgbClr val="000000"/>
+                </a:solidFill>
+              </a:rPr>
+              <a:t> &lt;NativeType&gt;</a:t>
+            </a:r>
+            <a:r>
+              <a:rPr lang="en-US" sz="2200">
+                <a:solidFill>
+                  <a:srgbClr val="000000"/>
+                </a:solidFill>
+              </a:rPr>
+              <a:t> value);</a:t>
+            </a:r>
+          </a:p>
+          <a:p>
+            <a:pPr marL="0" lvl="1" indent="0">
+              <a:buClrTx/>
+              <a:buNone/>
+            </a:pPr>
+            <a:endParaRPr lang="en-US" sz="2400">
+              <a:solidFill>
+                <a:srgbClr val="000000"/>
+              </a:solidFill>
+            </a:endParaRPr>
+          </a:p>
+        </p:txBody>
+      </p:sp>
+      <p:sp>
+        <p:nvSpPr>
+          <p:cNvPr id="4" name="Footer Placeholder 3"/>
+          <p:cNvSpPr>
+            <a:spLocks noGrp="1"/>
+          </p:cNvSpPr>
+          <p:nvPr>
+            <p:ph type="ftr" sz="quarter" idx="11"/>
+          </p:nvPr>
+        </p:nvSpPr>
+        <p:spPr/>
+        <p:txBody>
+          <a:bodyPr/>
+          <a:lstStyle/>
+          <a:p>
+            <a:r>
+              <a:rPr lang="en-US" smtClean="0"/>
+              <a:t>www.hcmus.edu.vn</a:t>
+            </a:r>
+            <a:endParaRPr lang="en-US"/>
+          </a:p>
+        </p:txBody>
+      </p:sp>
+      <p:sp>
+        <p:nvSpPr>
+          <p:cNvPr id="6" name="Slide Number Placeholder 11"/>
+          <p:cNvSpPr>
+            <a:spLocks noGrp="1"/>
+          </p:cNvSpPr>
+          <p:nvPr>
+            <p:ph type="sldNum" sz="quarter" idx="12"/>
+          </p:nvPr>
+        </p:nvSpPr>
+        <p:spPr>
+          <a:xfrm>
+            <a:off x="3429000" y="6477000"/>
+            <a:ext cx="2133600" cy="381000"/>
+          </a:xfrm>
+        </p:spPr>
+        <p:txBody>
+          <a:bodyPr/>
+          <a:lstStyle/>
+          <a:p>
+            <a:fld id="{B6F15528-21DE-4FAA-801E-634DDDAF4B2B}" type="slidenum">
+              <a:rPr lang="en-US" sz="2000" smtClean="0"/>
+              <a:pPr/>
+              <a:t>13</a:t>
+            </a:fld>
+            <a:endParaRPr lang="en-US" sz="2000"/>
+          </a:p>
+        </p:txBody>
+      </p:sp>
+      <p:graphicFrame>
+        <p:nvGraphicFramePr>
+          <p:cNvPr id="5" name="Table 4"/>
+          <p:cNvGraphicFramePr>
+            <a:graphicFrameLocks noGrp="1"/>
+          </p:cNvGraphicFramePr>
+          <p:nvPr>
+            <p:extLst>
+              <p:ext uri="{D42A27DB-BD31-4B8C-83A1-F6EECF244321}">
+                <p14:modId xmlns:p14="http://schemas.microsoft.com/office/powerpoint/2010/main" val="908811589"/>
+              </p:ext>
+            </p:extLst>
+          </p:nvPr>
+        </p:nvGraphicFramePr>
+        <p:xfrm>
+          <a:off x="1600200" y="2819400"/>
+          <a:ext cx="5791200" cy="3581403"/>
+        </p:xfrm>
+        <a:graphic>
+          <a:graphicData uri="http://schemas.openxmlformats.org/drawingml/2006/table">
+            <a:tbl>
+              <a:tblPr firstRow="1" firstCol="1" bandRow="1">
+                <a:tableStyleId>{5C22544A-7EE6-4342-B048-85BDC9FD1C3A}</a:tableStyleId>
+              </a:tblPr>
+              <a:tblGrid>
+                <a:gridCol w="2895600"/>
+                <a:gridCol w="2895600"/>
+              </a:tblGrid>
+              <a:tr h="398040">
+                <a:tc>
+                  <a:txBody>
+                    <a:bodyPr/>
+                    <a:lstStyle/>
+                    <a:p>
+                      <a:pPr marL="0" marR="0" algn="ctr">
+                        <a:lnSpc>
+                          <a:spcPct val="115000"/>
+                        </a:lnSpc>
+                        <a:spcBef>
+                          <a:spcPts val="0"/>
+                        </a:spcBef>
+                        <a:spcAft>
+                          <a:spcPts val="0"/>
+                        </a:spcAft>
+                      </a:pPr>
+                      <a:r>
+                        <a:rPr lang="en-US" sz="1200">
+                          <a:effectLst/>
+                        </a:rPr>
+                        <a:t>Set&lt;Type&gt;Field</a:t>
+                      </a:r>
+                      <a:endParaRPr lang="en-US" sz="1300">
+                        <a:effectLst/>
+                        <a:latin typeface="Times New Roman"/>
+                        <a:ea typeface="Calibri"/>
+                        <a:cs typeface="Times New Roman"/>
+                      </a:endParaRPr>
+                    </a:p>
+                  </a:txBody>
+                  <a:tcPr marL="47625" marR="47625" marT="47625" marB="47625" anchor="ctr"/>
+                </a:tc>
+                <a:tc>
+                  <a:txBody>
+                    <a:bodyPr/>
+                    <a:lstStyle/>
+                    <a:p>
+                      <a:pPr marL="0" marR="0" algn="ctr">
+                        <a:lnSpc>
+                          <a:spcPct val="115000"/>
+                        </a:lnSpc>
+                        <a:spcBef>
+                          <a:spcPts val="0"/>
+                        </a:spcBef>
+                        <a:spcAft>
+                          <a:spcPts val="0"/>
+                        </a:spcAft>
+                      </a:pPr>
+                      <a:r>
+                        <a:rPr lang="en-US" sz="1200">
+                          <a:effectLst/>
+                        </a:rPr>
+                        <a:t>&lt;NativeType&gt;</a:t>
+                      </a:r>
+                      <a:endParaRPr lang="en-US" sz="1300">
+                        <a:effectLst/>
+                        <a:latin typeface="Times New Roman"/>
+                        <a:ea typeface="Calibri"/>
+                        <a:cs typeface="Times New Roman"/>
+                      </a:endParaRPr>
+                    </a:p>
+                  </a:txBody>
+                  <a:tcPr marL="47625" marR="47625" marT="47625" marB="47625" anchor="ctr"/>
+                </a:tc>
+              </a:tr>
+              <a:tr h="353707">
+                <a:tc>
+                  <a:txBody>
+                    <a:bodyPr/>
+                    <a:lstStyle/>
+                    <a:p>
+                      <a:pPr marL="0" marR="0">
+                        <a:lnSpc>
+                          <a:spcPct val="115000"/>
+                        </a:lnSpc>
+                        <a:spcBef>
+                          <a:spcPts val="0"/>
+                        </a:spcBef>
+                        <a:spcAft>
+                          <a:spcPts val="0"/>
+                        </a:spcAft>
+                      </a:pPr>
+                      <a:r>
+                        <a:rPr lang="en-US" sz="1000">
+                          <a:effectLst/>
+                        </a:rPr>
+                        <a:t>SetObjectField</a:t>
+                      </a:r>
+                      <a:endParaRPr lang="en-US" sz="1300">
+                        <a:effectLst/>
+                        <a:latin typeface="Times New Roman"/>
+                        <a:ea typeface="Calibri"/>
+                        <a:cs typeface="Times New Roman"/>
+                      </a:endParaRPr>
+                    </a:p>
+                  </a:txBody>
+                  <a:tcPr marL="47625" marR="47625" marT="47625" marB="47625" anchor="ctr"/>
+                </a:tc>
+                <a:tc>
+                  <a:txBody>
+                    <a:bodyPr/>
+                    <a:lstStyle/>
+                    <a:p>
+                      <a:pPr marL="0" marR="0">
+                        <a:lnSpc>
+                          <a:spcPct val="115000"/>
+                        </a:lnSpc>
+                        <a:spcBef>
+                          <a:spcPts val="0"/>
+                        </a:spcBef>
+                        <a:spcAft>
+                          <a:spcPts val="0"/>
+                        </a:spcAft>
+                      </a:pPr>
+                      <a:r>
+                        <a:rPr lang="en-US" sz="1000">
+                          <a:effectLst/>
+                        </a:rPr>
+                        <a:t>jobject</a:t>
+                      </a:r>
+                      <a:endParaRPr lang="en-US" sz="1300">
+                        <a:effectLst/>
+                        <a:latin typeface="Times New Roman"/>
+                        <a:ea typeface="Calibri"/>
+                        <a:cs typeface="Times New Roman"/>
+                      </a:endParaRPr>
+                    </a:p>
+                  </a:txBody>
+                  <a:tcPr marL="47625" marR="47625" marT="47625" marB="47625" anchor="ctr"/>
+                </a:tc>
+              </a:tr>
+              <a:tr h="353707">
+                <a:tc>
+                  <a:txBody>
+                    <a:bodyPr/>
+                    <a:lstStyle/>
+                    <a:p>
+                      <a:pPr marL="0" marR="0">
+                        <a:lnSpc>
+                          <a:spcPct val="115000"/>
+                        </a:lnSpc>
+                        <a:spcBef>
+                          <a:spcPts val="0"/>
+                        </a:spcBef>
+                        <a:spcAft>
+                          <a:spcPts val="0"/>
+                        </a:spcAft>
+                      </a:pPr>
+                      <a:r>
+                        <a:rPr lang="en-US" sz="1000">
+                          <a:effectLst/>
+                        </a:rPr>
+                        <a:t>SetBooleanField</a:t>
+                      </a:r>
+                      <a:endParaRPr lang="en-US" sz="1300">
+                        <a:effectLst/>
+                        <a:latin typeface="Times New Roman"/>
+                        <a:ea typeface="Calibri"/>
+                        <a:cs typeface="Times New Roman"/>
+                      </a:endParaRPr>
+                    </a:p>
+                  </a:txBody>
+                  <a:tcPr marL="47625" marR="47625" marT="47625" marB="47625" anchor="ctr"/>
+                </a:tc>
+                <a:tc>
+                  <a:txBody>
+                    <a:bodyPr/>
+                    <a:lstStyle/>
+                    <a:p>
+                      <a:pPr marL="0" marR="0">
+                        <a:lnSpc>
+                          <a:spcPct val="115000"/>
+                        </a:lnSpc>
+                        <a:spcBef>
+                          <a:spcPts val="0"/>
+                        </a:spcBef>
+                        <a:spcAft>
+                          <a:spcPts val="0"/>
+                        </a:spcAft>
+                      </a:pPr>
+                      <a:r>
+                        <a:rPr lang="en-US" sz="1000">
+                          <a:effectLst/>
+                        </a:rPr>
+                        <a:t>jboolean</a:t>
+                      </a:r>
+                      <a:endParaRPr lang="en-US" sz="1300">
+                        <a:effectLst/>
+                        <a:latin typeface="Times New Roman"/>
+                        <a:ea typeface="Calibri"/>
+                        <a:cs typeface="Times New Roman"/>
+                      </a:endParaRPr>
+                    </a:p>
+                  </a:txBody>
+                  <a:tcPr marL="47625" marR="47625" marT="47625" marB="47625" anchor="ctr"/>
+                </a:tc>
+              </a:tr>
+              <a:tr h="353707">
+                <a:tc>
+                  <a:txBody>
+                    <a:bodyPr/>
+                    <a:lstStyle/>
+                    <a:p>
+                      <a:pPr marL="0" marR="0">
+                        <a:lnSpc>
+                          <a:spcPct val="115000"/>
+                        </a:lnSpc>
+                        <a:spcBef>
+                          <a:spcPts val="0"/>
+                        </a:spcBef>
+                        <a:spcAft>
+                          <a:spcPts val="0"/>
+                        </a:spcAft>
+                      </a:pPr>
+                      <a:r>
+                        <a:rPr lang="en-US" sz="1000">
+                          <a:effectLst/>
+                        </a:rPr>
+                        <a:t>SetByteField</a:t>
+                      </a:r>
+                      <a:endParaRPr lang="en-US" sz="1300">
+                        <a:effectLst/>
+                        <a:latin typeface="Times New Roman"/>
+                        <a:ea typeface="Calibri"/>
+                        <a:cs typeface="Times New Roman"/>
+                      </a:endParaRPr>
+                    </a:p>
+                  </a:txBody>
+                  <a:tcPr marL="47625" marR="47625" marT="47625" marB="47625" anchor="ctr"/>
+                </a:tc>
+                <a:tc>
+                  <a:txBody>
+                    <a:bodyPr/>
+                    <a:lstStyle/>
+                    <a:p>
+                      <a:pPr marL="0" marR="0">
+                        <a:lnSpc>
+                          <a:spcPct val="115000"/>
+                        </a:lnSpc>
+                        <a:spcBef>
+                          <a:spcPts val="0"/>
+                        </a:spcBef>
+                        <a:spcAft>
+                          <a:spcPts val="0"/>
+                        </a:spcAft>
+                      </a:pPr>
+                      <a:r>
+                        <a:rPr lang="en-US" sz="1000">
+                          <a:effectLst/>
+                        </a:rPr>
+                        <a:t>jbyte</a:t>
+                      </a:r>
+                      <a:endParaRPr lang="en-US" sz="1300">
+                        <a:effectLst/>
+                        <a:latin typeface="Times New Roman"/>
+                        <a:ea typeface="Calibri"/>
+                        <a:cs typeface="Times New Roman"/>
+                      </a:endParaRPr>
+                    </a:p>
+                  </a:txBody>
+                  <a:tcPr marL="47625" marR="47625" marT="47625" marB="47625" anchor="ctr"/>
+                </a:tc>
+              </a:tr>
+              <a:tr h="353707">
+                <a:tc>
+                  <a:txBody>
+                    <a:bodyPr/>
+                    <a:lstStyle/>
+                    <a:p>
+                      <a:pPr marL="0" marR="0">
+                        <a:lnSpc>
+                          <a:spcPct val="115000"/>
+                        </a:lnSpc>
+                        <a:spcBef>
+                          <a:spcPts val="0"/>
+                        </a:spcBef>
+                        <a:spcAft>
+                          <a:spcPts val="0"/>
+                        </a:spcAft>
+                      </a:pPr>
+                      <a:r>
+                        <a:rPr lang="en-US" sz="1000">
+                          <a:effectLst/>
+                        </a:rPr>
+                        <a:t>SetCharField</a:t>
+                      </a:r>
+                      <a:endParaRPr lang="en-US" sz="1300">
+                        <a:effectLst/>
+                        <a:latin typeface="Times New Roman"/>
+                        <a:ea typeface="Calibri"/>
+                        <a:cs typeface="Times New Roman"/>
+                      </a:endParaRPr>
+                    </a:p>
+                  </a:txBody>
+                  <a:tcPr marL="47625" marR="47625" marT="47625" marB="47625" anchor="ctr"/>
+                </a:tc>
+                <a:tc>
+                  <a:txBody>
+                    <a:bodyPr/>
+                    <a:lstStyle/>
+                    <a:p>
+                      <a:pPr marL="0" marR="0">
+                        <a:lnSpc>
+                          <a:spcPct val="115000"/>
+                        </a:lnSpc>
+                        <a:spcBef>
+                          <a:spcPts val="0"/>
+                        </a:spcBef>
+                        <a:spcAft>
+                          <a:spcPts val="0"/>
+                        </a:spcAft>
+                      </a:pPr>
+                      <a:r>
+                        <a:rPr lang="en-US" sz="1000">
+                          <a:effectLst/>
+                        </a:rPr>
+                        <a:t>jchar</a:t>
+                      </a:r>
+                      <a:endParaRPr lang="en-US" sz="1300">
+                        <a:effectLst/>
+                        <a:latin typeface="Times New Roman"/>
+                        <a:ea typeface="Calibri"/>
+                        <a:cs typeface="Times New Roman"/>
+                      </a:endParaRPr>
+                    </a:p>
+                  </a:txBody>
+                  <a:tcPr marL="47625" marR="47625" marT="47625" marB="47625" anchor="ctr"/>
+                </a:tc>
+              </a:tr>
+              <a:tr h="353707">
+                <a:tc>
+                  <a:txBody>
+                    <a:bodyPr/>
+                    <a:lstStyle/>
+                    <a:p>
+                      <a:pPr marL="0" marR="0">
+                        <a:lnSpc>
+                          <a:spcPct val="115000"/>
+                        </a:lnSpc>
+                        <a:spcBef>
+                          <a:spcPts val="0"/>
+                        </a:spcBef>
+                        <a:spcAft>
+                          <a:spcPts val="0"/>
+                        </a:spcAft>
+                      </a:pPr>
+                      <a:r>
+                        <a:rPr lang="en-US" sz="1000">
+                          <a:effectLst/>
+                        </a:rPr>
+                        <a:t>SetShortField</a:t>
+                      </a:r>
+                      <a:endParaRPr lang="en-US" sz="1300">
+                        <a:effectLst/>
+                        <a:latin typeface="Times New Roman"/>
+                        <a:ea typeface="Calibri"/>
+                        <a:cs typeface="Times New Roman"/>
+                      </a:endParaRPr>
+                    </a:p>
+                  </a:txBody>
+                  <a:tcPr marL="47625" marR="47625" marT="47625" marB="47625" anchor="ctr"/>
+                </a:tc>
+                <a:tc>
+                  <a:txBody>
+                    <a:bodyPr/>
+                    <a:lstStyle/>
+                    <a:p>
+                      <a:pPr marL="0" marR="0">
+                        <a:lnSpc>
+                          <a:spcPct val="115000"/>
+                        </a:lnSpc>
+                        <a:spcBef>
+                          <a:spcPts val="0"/>
+                        </a:spcBef>
+                        <a:spcAft>
+                          <a:spcPts val="0"/>
+                        </a:spcAft>
+                      </a:pPr>
+                      <a:r>
+                        <a:rPr lang="en-US" sz="1000">
+                          <a:effectLst/>
+                        </a:rPr>
+                        <a:t>jshort</a:t>
+                      </a:r>
+                      <a:endParaRPr lang="en-US" sz="1300">
+                        <a:effectLst/>
+                        <a:latin typeface="Times New Roman"/>
+                        <a:ea typeface="Calibri"/>
+                        <a:cs typeface="Times New Roman"/>
+                      </a:endParaRPr>
+                    </a:p>
+                  </a:txBody>
+                  <a:tcPr marL="47625" marR="47625" marT="47625" marB="47625" anchor="ctr"/>
+                </a:tc>
+              </a:tr>
+              <a:tr h="353707">
+                <a:tc>
+                  <a:txBody>
+                    <a:bodyPr/>
+                    <a:lstStyle/>
+                    <a:p>
+                      <a:pPr marL="0" marR="0">
+                        <a:lnSpc>
+                          <a:spcPct val="115000"/>
+                        </a:lnSpc>
+                        <a:spcBef>
+                          <a:spcPts val="0"/>
+                        </a:spcBef>
+                        <a:spcAft>
+                          <a:spcPts val="0"/>
+                        </a:spcAft>
+                      </a:pPr>
+                      <a:r>
+                        <a:rPr lang="en-US" sz="1000">
+                          <a:effectLst/>
+                        </a:rPr>
+                        <a:t>SetIntField</a:t>
+                      </a:r>
+                      <a:endParaRPr lang="en-US" sz="1300">
+                        <a:effectLst/>
+                        <a:latin typeface="Times New Roman"/>
+                        <a:ea typeface="Calibri"/>
+                        <a:cs typeface="Times New Roman"/>
+                      </a:endParaRPr>
+                    </a:p>
+                  </a:txBody>
+                  <a:tcPr marL="47625" marR="47625" marT="47625" marB="47625" anchor="ctr"/>
+                </a:tc>
+                <a:tc>
+                  <a:txBody>
+                    <a:bodyPr/>
+                    <a:lstStyle/>
+                    <a:p>
+                      <a:pPr marL="0" marR="0">
+                        <a:lnSpc>
+                          <a:spcPct val="115000"/>
+                        </a:lnSpc>
+                        <a:spcBef>
+                          <a:spcPts val="0"/>
+                        </a:spcBef>
+                        <a:spcAft>
+                          <a:spcPts val="0"/>
+                        </a:spcAft>
+                      </a:pPr>
+                      <a:r>
+                        <a:rPr lang="en-US" sz="1000">
+                          <a:effectLst/>
+                        </a:rPr>
+                        <a:t>jint</a:t>
+                      </a:r>
+                      <a:endParaRPr lang="en-US" sz="1300">
+                        <a:effectLst/>
+                        <a:latin typeface="Times New Roman"/>
+                        <a:ea typeface="Calibri"/>
+                        <a:cs typeface="Times New Roman"/>
+                      </a:endParaRPr>
+                    </a:p>
+                  </a:txBody>
+                  <a:tcPr marL="47625" marR="47625" marT="47625" marB="47625" anchor="ctr"/>
+                </a:tc>
+              </a:tr>
+              <a:tr h="353707">
+                <a:tc>
+                  <a:txBody>
+                    <a:bodyPr/>
+                    <a:lstStyle/>
+                    <a:p>
+                      <a:pPr marL="0" marR="0">
+                        <a:lnSpc>
+                          <a:spcPct val="115000"/>
+                        </a:lnSpc>
+                        <a:spcBef>
+                          <a:spcPts val="0"/>
+                        </a:spcBef>
+                        <a:spcAft>
+                          <a:spcPts val="0"/>
+                        </a:spcAft>
+                      </a:pPr>
+                      <a:r>
+                        <a:rPr lang="en-US" sz="1000">
+                          <a:effectLst/>
+                        </a:rPr>
+                        <a:t>SetLongField</a:t>
+                      </a:r>
+                      <a:endParaRPr lang="en-US" sz="1300">
+                        <a:effectLst/>
+                        <a:latin typeface="Times New Roman"/>
+                        <a:ea typeface="Calibri"/>
+                        <a:cs typeface="Times New Roman"/>
+                      </a:endParaRPr>
+                    </a:p>
+                  </a:txBody>
+                  <a:tcPr marL="47625" marR="47625" marT="47625" marB="47625" anchor="ctr"/>
+                </a:tc>
+                <a:tc>
+                  <a:txBody>
+                    <a:bodyPr/>
+                    <a:lstStyle/>
+                    <a:p>
+                      <a:pPr marL="0" marR="0">
+                        <a:lnSpc>
+                          <a:spcPct val="115000"/>
+                        </a:lnSpc>
+                        <a:spcBef>
+                          <a:spcPts val="0"/>
+                        </a:spcBef>
+                        <a:spcAft>
+                          <a:spcPts val="0"/>
+                        </a:spcAft>
+                      </a:pPr>
+                      <a:r>
+                        <a:rPr lang="en-US" sz="1000">
+                          <a:effectLst/>
+                        </a:rPr>
+                        <a:t>jlong</a:t>
+                      </a:r>
+                      <a:endParaRPr lang="en-US" sz="1300">
+                        <a:effectLst/>
+                        <a:latin typeface="Times New Roman"/>
+                        <a:ea typeface="Calibri"/>
+                        <a:cs typeface="Times New Roman"/>
+                      </a:endParaRPr>
+                    </a:p>
+                  </a:txBody>
+                  <a:tcPr marL="47625" marR="47625" marT="47625" marB="47625" anchor="ctr"/>
+                </a:tc>
+              </a:tr>
+              <a:tr h="353707">
+                <a:tc>
+                  <a:txBody>
+                    <a:bodyPr/>
+                    <a:lstStyle/>
+                    <a:p>
+                      <a:pPr marL="0" marR="0">
+                        <a:lnSpc>
+                          <a:spcPct val="115000"/>
+                        </a:lnSpc>
+                        <a:spcBef>
+                          <a:spcPts val="0"/>
+                        </a:spcBef>
+                        <a:spcAft>
+                          <a:spcPts val="0"/>
+                        </a:spcAft>
+                      </a:pPr>
+                      <a:r>
+                        <a:rPr lang="en-US" sz="1000">
+                          <a:effectLst/>
+                        </a:rPr>
+                        <a:t>SetFloatField</a:t>
+                      </a:r>
+                      <a:endParaRPr lang="en-US" sz="1300">
+                        <a:effectLst/>
+                        <a:latin typeface="Times New Roman"/>
+                        <a:ea typeface="Calibri"/>
+                        <a:cs typeface="Times New Roman"/>
+                      </a:endParaRPr>
+                    </a:p>
+                  </a:txBody>
+                  <a:tcPr marL="47625" marR="47625" marT="47625" marB="47625" anchor="ctr"/>
+                </a:tc>
+                <a:tc>
+                  <a:txBody>
+                    <a:bodyPr/>
+                    <a:lstStyle/>
+                    <a:p>
+                      <a:pPr marL="0" marR="0">
+                        <a:lnSpc>
+                          <a:spcPct val="115000"/>
+                        </a:lnSpc>
+                        <a:spcBef>
+                          <a:spcPts val="0"/>
+                        </a:spcBef>
+                        <a:spcAft>
+                          <a:spcPts val="0"/>
+                        </a:spcAft>
+                      </a:pPr>
+                      <a:r>
+                        <a:rPr lang="en-US" sz="1000">
+                          <a:effectLst/>
+                        </a:rPr>
+                        <a:t>jfloat</a:t>
+                      </a:r>
+                      <a:endParaRPr lang="en-US" sz="1300">
+                        <a:effectLst/>
+                        <a:latin typeface="Times New Roman"/>
+                        <a:ea typeface="Calibri"/>
+                        <a:cs typeface="Times New Roman"/>
+                      </a:endParaRPr>
+                    </a:p>
+                  </a:txBody>
+                  <a:tcPr marL="47625" marR="47625" marT="47625" marB="47625" anchor="ctr"/>
+                </a:tc>
+              </a:tr>
+              <a:tr h="353707">
+                <a:tc>
+                  <a:txBody>
+                    <a:bodyPr/>
+                    <a:lstStyle/>
+                    <a:p>
+                      <a:pPr marL="0" marR="0">
+                        <a:lnSpc>
+                          <a:spcPct val="115000"/>
+                        </a:lnSpc>
+                        <a:spcBef>
+                          <a:spcPts val="0"/>
+                        </a:spcBef>
+                        <a:spcAft>
+                          <a:spcPts val="0"/>
+                        </a:spcAft>
+                      </a:pPr>
+                      <a:r>
+                        <a:rPr lang="en-US" sz="1000">
+                          <a:effectLst/>
+                        </a:rPr>
+                        <a:t>SetDoubleField</a:t>
+                      </a:r>
+                      <a:endParaRPr lang="en-US" sz="1300">
+                        <a:effectLst/>
+                        <a:latin typeface="Times New Roman"/>
+                        <a:ea typeface="Calibri"/>
+                        <a:cs typeface="Times New Roman"/>
+                      </a:endParaRPr>
+                    </a:p>
+                  </a:txBody>
+                  <a:tcPr marL="47625" marR="47625" marT="47625" marB="47625" anchor="ctr"/>
+                </a:tc>
+                <a:tc>
+                  <a:txBody>
+                    <a:bodyPr/>
+                    <a:lstStyle/>
+                    <a:p>
+                      <a:pPr marL="0" marR="0">
+                        <a:lnSpc>
+                          <a:spcPct val="115000"/>
+                        </a:lnSpc>
+                        <a:spcBef>
+                          <a:spcPts val="0"/>
+                        </a:spcBef>
+                        <a:spcAft>
+                          <a:spcPts val="0"/>
+                        </a:spcAft>
+                      </a:pPr>
+                      <a:r>
+                        <a:rPr lang="en-US" sz="1000">
+                          <a:effectLst/>
+                        </a:rPr>
+                        <a:t>jdouble</a:t>
+                      </a:r>
+                      <a:endParaRPr lang="en-US" sz="1300">
+                        <a:effectLst/>
+                        <a:latin typeface="Times New Roman"/>
+                        <a:ea typeface="Calibri"/>
+                        <a:cs typeface="Times New Roman"/>
+                      </a:endParaRPr>
+                    </a:p>
+                  </a:txBody>
+                  <a:tcPr marL="47625" marR="47625" marT="47625" marB="47625" anchor="ctr"/>
+                </a:tc>
+              </a:tr>
+            </a:tbl>
+          </a:graphicData>
+        </a:graphic>
+      </p:graphicFrame>
+    </p:spTree>
+    <p:extLst>
+      <p:ext uri="{BB962C8B-B14F-4D97-AF65-F5344CB8AC3E}">
+        <p14:creationId xmlns:p14="http://schemas.microsoft.com/office/powerpoint/2010/main" val="1447740406"/>
+      </p:ext>
+    </p:extLst>
+  </p:cSld>
+  <p:clrMapOvr>
+    <a:masterClrMapping/>
+  </p:clrMapOvr>
+  <p:timing>
+    <p:tnLst>
+      <p:par>
+        <p:cTn id="1" dur="indefinite" restart="never" nodeType="tmRoot"/>
+      </p:par>
+    </p:tnLst>
+  </p:timing>
+</p:sld>
+</file>
+
+<file path=ppt/slides/slide14.xml><?xml version="1.0" encoding="utf-8"?>
+<p:sld xmlns:a="http://schemas.openxmlformats.org/drawingml/2006/main" xmlns:r="http://schemas.openxmlformats.org/officeDocument/2006/relationships" xmlns:p="http://schemas.openxmlformats.org/presentationml/2006/main">
+  <p:cSld>
+    <p:spTree>
+      <p:nvGrpSpPr>
+        <p:cNvPr id="1" name=""/>
+        <p:cNvGrpSpPr/>
+        <p:nvPr/>
+      </p:nvGrpSpPr>
+      <p:grpSpPr>
+        <a:xfrm>
+          <a:off x="0" y="0"/>
+          <a:ext cx="0" cy="0"/>
+          <a:chOff x="0" y="0"/>
+          <a:chExt cx="0" cy="0"/>
+        </a:xfrm>
+      </p:grpSpPr>
+      <p:sp>
+        <p:nvSpPr>
+          <p:cNvPr id="8" name="Title 1"/>
+          <p:cNvSpPr>
+            <a:spLocks noGrp="1"/>
+          </p:cNvSpPr>
+          <p:nvPr>
+            <p:ph type="title"/>
+          </p:nvPr>
+        </p:nvSpPr>
+        <p:spPr>
+          <a:xfrm>
+            <a:off x="228600" y="579437"/>
+            <a:ext cx="9448800" cy="563563"/>
+          </a:xfrm>
+        </p:spPr>
+        <p:txBody>
+          <a:bodyPr>
+            <a:noAutofit/>
+          </a:bodyPr>
+          <a:lstStyle/>
+          <a:p>
+            <a:pPr algn="l"/>
+            <a:r>
+              <a:rPr lang="en-US" sz="2850" cap="all" smtClean="0">
+                <a:ln w="9000" cmpd="sng">
+                  <a:solidFill>
+                    <a:schemeClr val="accent4">
+                      <a:shade val="50000"/>
+                      <a:satMod val="120000"/>
+                    </a:schemeClr>
+                  </a:solidFill>
+                  <a:prstDash val="solid"/>
+                </a:ln>
+                <a:gradFill>
+                  <a:gsLst>
+                    <a:gs pos="0">
+                      <a:schemeClr val="accent4">
+                        <a:shade val="20000"/>
+                        <a:satMod val="245000"/>
+                      </a:schemeClr>
+                    </a:gs>
+                    <a:gs pos="43000">
+                      <a:schemeClr val="accent4">
+                        <a:satMod val="255000"/>
+                      </a:schemeClr>
+                    </a:gs>
+                    <a:gs pos="48000">
+                      <a:schemeClr val="accent4">
+                        <a:shade val="85000"/>
+                        <a:satMod val="255000"/>
+                      </a:schemeClr>
+                    </a:gs>
+                    <a:gs pos="100000">
+                      <a:schemeClr val="accent4">
+                        <a:shade val="20000"/>
+                        <a:satMod val="245000"/>
+                      </a:schemeClr>
+                    </a:gs>
+                  </a:gsLst>
+                  <a:lin ang="5400000"/>
+                </a:gradFill>
+                <a:effectLst>
+                  <a:reflection blurRad="12700" stA="28000" endPos="45000" dist="1000" dir="5400000" sy="-100000" algn="bl" rotWithShape="0"/>
+                </a:effectLst>
+              </a:rPr>
+              <a:t>2.3.1 </a:t>
+            </a:r>
+            <a:r>
+              <a:rPr lang="en-US" sz="2850" cap="all" smtClean="0">
+                <a:ln w="9000" cmpd="sng">
+                  <a:solidFill>
+                    <a:schemeClr val="accent4">
+                      <a:shade val="50000"/>
+                      <a:satMod val="120000"/>
+                    </a:schemeClr>
+                  </a:solidFill>
+                  <a:prstDash val="solid"/>
+                </a:ln>
+                <a:gradFill>
+                  <a:gsLst>
+                    <a:gs pos="0">
+                      <a:schemeClr val="accent4">
+                        <a:shade val="20000"/>
+                        <a:satMod val="245000"/>
+                      </a:schemeClr>
+                    </a:gs>
+                    <a:gs pos="43000">
+                      <a:schemeClr val="accent4">
+                        <a:satMod val="255000"/>
+                      </a:schemeClr>
+                    </a:gs>
+                    <a:gs pos="48000">
+                      <a:schemeClr val="accent4">
+                        <a:shade val="85000"/>
+                        <a:satMod val="255000"/>
+                      </a:schemeClr>
+                    </a:gs>
+                    <a:gs pos="100000">
+                      <a:schemeClr val="accent4">
+                        <a:shade val="20000"/>
+                        <a:satMod val="245000"/>
+                      </a:schemeClr>
+                    </a:gs>
+                  </a:gsLst>
+                  <a:lin ang="5400000"/>
+                </a:gradFill>
+                <a:effectLst>
+                  <a:reflection blurRad="12700" stA="28000" endPos="45000" dist="1000" dir="5400000" sy="-100000" algn="bl" rotWithShape="0"/>
+                </a:effectLst>
+              </a:rPr>
+              <a:t>truy xuất </a:t>
+            </a:r>
+            <a:r>
+              <a:rPr lang="en-US" sz="2850" cap="all" smtClean="0">
+                <a:ln w="9000" cmpd="sng">
+                  <a:solidFill>
+                    <a:schemeClr val="accent4">
+                      <a:shade val="50000"/>
+                      <a:satMod val="120000"/>
+                    </a:schemeClr>
+                  </a:solidFill>
+                  <a:prstDash val="solid"/>
+                </a:ln>
+                <a:gradFill>
+                  <a:gsLst>
+                    <a:gs pos="0">
+                      <a:schemeClr val="accent4">
+                        <a:shade val="20000"/>
+                        <a:satMod val="245000"/>
+                      </a:schemeClr>
+                    </a:gs>
+                    <a:gs pos="43000">
+                      <a:schemeClr val="accent4">
+                        <a:satMod val="255000"/>
+                      </a:schemeClr>
+                    </a:gs>
+                    <a:gs pos="48000">
+                      <a:schemeClr val="accent4">
+                        <a:shade val="85000"/>
+                        <a:satMod val="255000"/>
+                      </a:schemeClr>
+                    </a:gs>
+                    <a:gs pos="100000">
+                      <a:schemeClr val="accent4">
+                        <a:shade val="20000"/>
+                        <a:satMod val="245000"/>
+                      </a:schemeClr>
+                    </a:gs>
+                  </a:gsLst>
+                  <a:lin ang="5400000"/>
+                </a:gradFill>
+                <a:effectLst>
+                  <a:reflection blurRad="12700" stA="28000" endPos="45000" dist="1000" dir="5400000" sy="-100000" algn="bl" rotWithShape="0"/>
+                </a:effectLst>
+              </a:rPr>
+              <a:t>Field</a:t>
+            </a:r>
+            <a:endParaRPr lang="en-US" sz="2850" cap="all">
+              <a:ln w="9000" cmpd="sng">
+                <a:solidFill>
+                  <a:schemeClr val="accent4">
+                    <a:shade val="50000"/>
+                    <a:satMod val="120000"/>
+                  </a:schemeClr>
+                </a:solidFill>
+                <a:prstDash val="solid"/>
+              </a:ln>
+              <a:gradFill>
+                <a:gsLst>
+                  <a:gs pos="0">
+                    <a:schemeClr val="accent4">
+                      <a:shade val="20000"/>
+                      <a:satMod val="245000"/>
+                    </a:schemeClr>
+                  </a:gs>
+                  <a:gs pos="43000">
+                    <a:schemeClr val="accent4">
+                      <a:satMod val="255000"/>
+                    </a:schemeClr>
+                  </a:gs>
+                  <a:gs pos="48000">
+                    <a:schemeClr val="accent4">
+                      <a:shade val="85000"/>
+                      <a:satMod val="255000"/>
+                    </a:schemeClr>
+                  </a:gs>
+                  <a:gs pos="100000">
+                    <a:schemeClr val="accent4">
+                      <a:shade val="20000"/>
+                      <a:satMod val="245000"/>
+                    </a:schemeClr>
+                  </a:gs>
+                </a:gsLst>
+                <a:lin ang="5400000"/>
+              </a:gradFill>
+              <a:effectLst>
+                <a:reflection blurRad="12700" stA="28000" endPos="45000" dist="1000" dir="5400000" sy="-100000" algn="bl" rotWithShape="0"/>
+              </a:effectLst>
+            </a:endParaRPr>
+          </a:p>
+        </p:txBody>
+      </p:sp>
+      <p:sp>
+        <p:nvSpPr>
+          <p:cNvPr id="2" name="Content Placeholder 1"/>
+          <p:cNvSpPr>
+            <a:spLocks noGrp="1"/>
+          </p:cNvSpPr>
+          <p:nvPr>
+            <p:ph idx="1"/>
+          </p:nvPr>
+        </p:nvSpPr>
+        <p:spPr/>
+        <p:txBody>
+          <a:bodyPr/>
+          <a:lstStyle/>
+          <a:p>
+            <a:pPr marL="342900" lvl="1" indent="-342900">
+              <a:buClrTx/>
+              <a:buFont typeface="Wingdings" pitchFamily="2" charset="2"/>
+              <a:buChar char="q"/>
+            </a:pPr>
+            <a:r>
+              <a:rPr lang="en-US">
+                <a:solidFill>
+                  <a:srgbClr val="000000"/>
+                </a:solidFill>
+                <a:latin typeface="Arial" pitchFamily="34" charset="0"/>
+                <a:cs typeface="Arial" pitchFamily="34" charset="0"/>
+              </a:rPr>
+              <a:t>Field </a:t>
+            </a:r>
+            <a:r>
+              <a:rPr lang="en-US" smtClean="0">
+                <a:solidFill>
+                  <a:srgbClr val="000000"/>
+                </a:solidFill>
+                <a:latin typeface="Arial" pitchFamily="34" charset="0"/>
+                <a:cs typeface="Arial" pitchFamily="34" charset="0"/>
+              </a:rPr>
+              <a:t>Descriptors </a:t>
+            </a:r>
+            <a:r>
+              <a:rPr lang="en-US" b="0" smtClean="0">
+                <a:solidFill>
+                  <a:srgbClr val="000000"/>
+                </a:solidFill>
+                <a:latin typeface="Arial" pitchFamily="34" charset="0"/>
+                <a:cs typeface="Arial" pitchFamily="34" charset="0"/>
+              </a:rPr>
+              <a:t>là </a:t>
+            </a:r>
+            <a:r>
+              <a:rPr lang="en-US" b="0">
+                <a:solidFill>
+                  <a:srgbClr val="000000"/>
+                </a:solidFill>
+                <a:latin typeface="Arial" pitchFamily="34" charset="0"/>
+                <a:cs typeface="Arial" pitchFamily="34" charset="0"/>
+              </a:rPr>
+              <a:t>một chuỗi dùng để biểu diễn kiểu dữ liệu của field.</a:t>
+            </a:r>
+          </a:p>
+          <a:p>
+            <a:pPr>
+              <a:buClrTx/>
+              <a:buFont typeface="Wingdings" pitchFamily="2" charset="2"/>
+              <a:buChar char="q"/>
+            </a:pPr>
+            <a:r>
+              <a:rPr lang="en-US" b="0">
+                <a:solidFill>
+                  <a:srgbClr val="000000"/>
+                </a:solidFill>
+                <a:latin typeface="Arial" pitchFamily="34" charset="0"/>
+                <a:cs typeface="Arial" pitchFamily="34" charset="0"/>
+              </a:rPr>
+              <a:t>Với các kiểu cơ bản mô tả sẽ đơn giản hơn như: int có chuỗi mô tả là “I”, float có “F”, double có “D”, boolean có “Z”.</a:t>
+            </a:r>
+          </a:p>
+          <a:p>
+            <a:pPr>
+              <a:buClrTx/>
+              <a:buFont typeface="Wingdings" pitchFamily="2" charset="2"/>
+              <a:buChar char="q"/>
+            </a:pPr>
+            <a:r>
+              <a:rPr lang="en-US" b="0">
+                <a:solidFill>
+                  <a:srgbClr val="000000"/>
+                </a:solidFill>
+                <a:latin typeface="Arial" pitchFamily="34" charset="0"/>
+                <a:cs typeface="Arial" pitchFamily="34" charset="0"/>
+              </a:rPr>
+              <a:t>Với các kiểu dữ liệu khác thì mô tả theo package name của nó. Chẳng hạn như kiểu String có thuộc package: java.lang.String thì chuỗi mô tả tương ứng là “Ljava/lang/String;”.</a:t>
+            </a:r>
+          </a:p>
+          <a:p>
+            <a:pPr>
+              <a:buClrTx/>
+              <a:buFont typeface="Wingdings" pitchFamily="2" charset="2"/>
+              <a:buChar char="q"/>
+            </a:pPr>
+            <a:r>
+              <a:rPr lang="en-US" b="0" smtClean="0">
+                <a:solidFill>
+                  <a:srgbClr val="000000"/>
+                </a:solidFill>
+                <a:latin typeface="Arial" pitchFamily="34" charset="0"/>
+                <a:cs typeface="Arial" pitchFamily="34" charset="0"/>
+              </a:rPr>
+              <a:t>trong </a:t>
+            </a:r>
+            <a:r>
+              <a:rPr lang="en-US" b="0">
+                <a:solidFill>
+                  <a:srgbClr val="000000"/>
+                </a:solidFill>
+                <a:latin typeface="Arial" pitchFamily="34" charset="0"/>
+                <a:cs typeface="Arial" pitchFamily="34" charset="0"/>
+              </a:rPr>
+              <a:t>JDK với tham số -s -p TenClass</a:t>
+            </a:r>
+          </a:p>
+          <a:p>
+            <a:pPr marL="342900" lvl="1" indent="-342900">
+              <a:buClrTx/>
+              <a:buFont typeface="Wingdings" pitchFamily="2" charset="2"/>
+              <a:buChar char="q"/>
+            </a:pPr>
+            <a:endParaRPr lang="en-US" sz="2400">
+              <a:solidFill>
+                <a:srgbClr val="000000"/>
+              </a:solidFill>
+              <a:latin typeface="Arial" pitchFamily="34" charset="0"/>
+              <a:cs typeface="Arial" pitchFamily="34" charset="0"/>
+            </a:endParaRPr>
+          </a:p>
+        </p:txBody>
+      </p:sp>
+      <p:sp>
+        <p:nvSpPr>
+          <p:cNvPr id="4" name="Footer Placeholder 3"/>
+          <p:cNvSpPr>
+            <a:spLocks noGrp="1"/>
+          </p:cNvSpPr>
+          <p:nvPr>
+            <p:ph type="ftr" sz="quarter" idx="11"/>
+          </p:nvPr>
+        </p:nvSpPr>
+        <p:spPr/>
+        <p:txBody>
+          <a:bodyPr/>
+          <a:lstStyle/>
+          <a:p>
+            <a:r>
+              <a:rPr lang="en-US" smtClean="0"/>
+              <a:t>www.hcmus.edu.vn</a:t>
+            </a:r>
+            <a:endParaRPr lang="en-US"/>
+          </a:p>
+        </p:txBody>
+      </p:sp>
+      <p:sp>
+        <p:nvSpPr>
+          <p:cNvPr id="6" name="Slide Number Placeholder 11"/>
+          <p:cNvSpPr>
+            <a:spLocks noGrp="1"/>
+          </p:cNvSpPr>
+          <p:nvPr>
+            <p:ph type="sldNum" sz="quarter" idx="12"/>
+          </p:nvPr>
+        </p:nvSpPr>
+        <p:spPr>
+          <a:xfrm>
+            <a:off x="3429000" y="6477000"/>
+            <a:ext cx="2133600" cy="381000"/>
+          </a:xfrm>
+        </p:spPr>
+        <p:txBody>
+          <a:bodyPr/>
+          <a:lstStyle/>
+          <a:p>
+            <a:fld id="{B6F15528-21DE-4FAA-801E-634DDDAF4B2B}" type="slidenum">
+              <a:rPr lang="en-US" sz="2000" smtClean="0"/>
+              <a:pPr/>
+              <a:t>14</a:t>
+            </a:fld>
+            <a:endParaRPr lang="en-US" sz="2000"/>
+          </a:p>
+        </p:txBody>
+      </p:sp>
+    </p:spTree>
+    <p:extLst>
+      <p:ext uri="{BB962C8B-B14F-4D97-AF65-F5344CB8AC3E}">
+        <p14:creationId xmlns:p14="http://schemas.microsoft.com/office/powerpoint/2010/main" val="734397516"/>
+      </p:ext>
+    </p:extLst>
+  </p:cSld>
+  <p:clrMapOvr>
+    <a:masterClrMapping/>
+  </p:clrMapOvr>
+  <p:timing>
+    <p:tnLst>
+      <p:par>
+        <p:cTn id="1" dur="indefinite" restart="never" nodeType="tmRoot"/>
+      </p:par>
+    </p:tnLst>
+  </p:timing>
+</p:sld>
+</file>
+
+<file path=ppt/slides/slide15.xml><?xml version="1.0" encoding="utf-8"?>
+<p:sld xmlns:a="http://schemas.openxmlformats.org/drawingml/2006/main" xmlns:r="http://schemas.openxmlformats.org/officeDocument/2006/relationships" xmlns:p="http://schemas.openxmlformats.org/presentationml/2006/main">
+  <p:cSld>
+    <p:spTree>
+      <p:nvGrpSpPr>
+        <p:cNvPr id="1" name=""/>
+        <p:cNvGrpSpPr/>
+        <p:nvPr/>
+      </p:nvGrpSpPr>
+      <p:grpSpPr>
+        <a:xfrm>
+          <a:off x="0" y="0"/>
+          <a:ext cx="0" cy="0"/>
+          <a:chOff x="0" y="0"/>
+          <a:chExt cx="0" cy="0"/>
+        </a:xfrm>
+      </p:grpSpPr>
+      <p:sp>
+        <p:nvSpPr>
+          <p:cNvPr id="8" name="Title 1"/>
+          <p:cNvSpPr>
+            <a:spLocks noGrp="1"/>
+          </p:cNvSpPr>
+          <p:nvPr>
+            <p:ph type="title"/>
+          </p:nvPr>
+        </p:nvSpPr>
+        <p:spPr>
+          <a:xfrm>
+            <a:off x="228600" y="579437"/>
+            <a:ext cx="9448800" cy="563563"/>
+          </a:xfrm>
+        </p:spPr>
+        <p:txBody>
+          <a:bodyPr>
+            <a:noAutofit/>
+          </a:bodyPr>
+          <a:lstStyle/>
+          <a:p>
+            <a:pPr algn="l"/>
+            <a:r>
+              <a:rPr lang="en-US" sz="2850" cap="all" smtClean="0">
+                <a:ln w="9000" cmpd="sng">
+                  <a:solidFill>
+                    <a:schemeClr val="accent4">
+                      <a:shade val="50000"/>
+                      <a:satMod val="120000"/>
+                    </a:schemeClr>
+                  </a:solidFill>
+                  <a:prstDash val="solid"/>
+                </a:ln>
+                <a:gradFill>
+                  <a:gsLst>
+                    <a:gs pos="0">
+                      <a:schemeClr val="accent4">
+                        <a:shade val="20000"/>
+                        <a:satMod val="245000"/>
+                      </a:schemeClr>
+                    </a:gs>
+                    <a:gs pos="43000">
+                      <a:schemeClr val="accent4">
+                        <a:satMod val="255000"/>
+                      </a:schemeClr>
+                    </a:gs>
+                    <a:gs pos="48000">
+                      <a:schemeClr val="accent4">
+                        <a:shade val="85000"/>
+                        <a:satMod val="255000"/>
+                      </a:schemeClr>
+                    </a:gs>
+                    <a:gs pos="100000">
+                      <a:schemeClr val="accent4">
+                        <a:shade val="20000"/>
+                        <a:satMod val="245000"/>
+                      </a:schemeClr>
+                    </a:gs>
+                  </a:gsLst>
+                  <a:lin ang="5400000"/>
+                </a:gradFill>
+                <a:effectLst>
+                  <a:reflection blurRad="12700" stA="28000" endPos="45000" dist="1000" dir="5400000" sy="-100000" algn="bl" rotWithShape="0"/>
+                </a:effectLst>
+              </a:rPr>
+              <a:t>2.3.1 </a:t>
+            </a:r>
+            <a:r>
+              <a:rPr lang="en-US" sz="2850" cap="all" smtClean="0">
+                <a:ln w="9000" cmpd="sng">
+                  <a:solidFill>
+                    <a:schemeClr val="accent4">
+                      <a:shade val="50000"/>
+                      <a:satMod val="120000"/>
+                    </a:schemeClr>
+                  </a:solidFill>
+                  <a:prstDash val="solid"/>
+                </a:ln>
+                <a:gradFill>
+                  <a:gsLst>
+                    <a:gs pos="0">
+                      <a:schemeClr val="accent4">
+                        <a:shade val="20000"/>
+                        <a:satMod val="245000"/>
+                      </a:schemeClr>
+                    </a:gs>
+                    <a:gs pos="43000">
+                      <a:schemeClr val="accent4">
+                        <a:satMod val="255000"/>
+                      </a:schemeClr>
+                    </a:gs>
+                    <a:gs pos="48000">
+                      <a:schemeClr val="accent4">
+                        <a:shade val="85000"/>
+                        <a:satMod val="255000"/>
+                      </a:schemeClr>
+                    </a:gs>
+                    <a:gs pos="100000">
+                      <a:schemeClr val="accent4">
+                        <a:shade val="20000"/>
+                        <a:satMod val="245000"/>
+                      </a:schemeClr>
+                    </a:gs>
+                  </a:gsLst>
+                  <a:lin ang="5400000"/>
+                </a:gradFill>
+                <a:effectLst>
+                  <a:reflection blurRad="12700" stA="28000" endPos="45000" dist="1000" dir="5400000" sy="-100000" algn="bl" rotWithShape="0"/>
+                </a:effectLst>
+              </a:rPr>
+              <a:t>truy xuất </a:t>
+            </a:r>
+            <a:r>
+              <a:rPr lang="en-US" sz="2850" cap="all" smtClean="0">
+                <a:ln w="9000" cmpd="sng">
+                  <a:solidFill>
+                    <a:schemeClr val="accent4">
+                      <a:shade val="50000"/>
+                      <a:satMod val="120000"/>
+                    </a:schemeClr>
+                  </a:solidFill>
+                  <a:prstDash val="solid"/>
+                </a:ln>
+                <a:gradFill>
+                  <a:gsLst>
+                    <a:gs pos="0">
+                      <a:schemeClr val="accent4">
+                        <a:shade val="20000"/>
+                        <a:satMod val="245000"/>
+                      </a:schemeClr>
+                    </a:gs>
+                    <a:gs pos="43000">
+                      <a:schemeClr val="accent4">
+                        <a:satMod val="255000"/>
+                      </a:schemeClr>
+                    </a:gs>
+                    <a:gs pos="48000">
+                      <a:schemeClr val="accent4">
+                        <a:shade val="85000"/>
+                        <a:satMod val="255000"/>
+                      </a:schemeClr>
+                    </a:gs>
+                    <a:gs pos="100000">
+                      <a:schemeClr val="accent4">
+                        <a:shade val="20000"/>
+                        <a:satMod val="245000"/>
+                      </a:schemeClr>
+                    </a:gs>
+                  </a:gsLst>
+                  <a:lin ang="5400000"/>
+                </a:gradFill>
+                <a:effectLst>
+                  <a:reflection blurRad="12700" stA="28000" endPos="45000" dist="1000" dir="5400000" sy="-100000" algn="bl" rotWithShape="0"/>
+                </a:effectLst>
+              </a:rPr>
+              <a:t>method</a:t>
+            </a:r>
+            <a:endParaRPr lang="en-US" sz="2850" cap="all">
+              <a:ln w="9000" cmpd="sng">
+                <a:solidFill>
+                  <a:schemeClr val="accent4">
+                    <a:shade val="50000"/>
+                    <a:satMod val="120000"/>
+                  </a:schemeClr>
+                </a:solidFill>
+                <a:prstDash val="solid"/>
+              </a:ln>
+              <a:gradFill>
+                <a:gsLst>
+                  <a:gs pos="0">
+                    <a:schemeClr val="accent4">
+                      <a:shade val="20000"/>
+                      <a:satMod val="245000"/>
+                    </a:schemeClr>
+                  </a:gs>
+                  <a:gs pos="43000">
+                    <a:schemeClr val="accent4">
+                      <a:satMod val="255000"/>
+                    </a:schemeClr>
+                  </a:gs>
+                  <a:gs pos="48000">
+                    <a:schemeClr val="accent4">
+                      <a:shade val="85000"/>
+                      <a:satMod val="255000"/>
+                    </a:schemeClr>
+                  </a:gs>
+                  <a:gs pos="100000">
+                    <a:schemeClr val="accent4">
+                      <a:shade val="20000"/>
+                      <a:satMod val="245000"/>
+                    </a:schemeClr>
+                  </a:gs>
+                </a:gsLst>
+                <a:lin ang="5400000"/>
+              </a:gradFill>
+              <a:effectLst>
+                <a:reflection blurRad="12700" stA="28000" endPos="45000" dist="1000" dir="5400000" sy="-100000" algn="bl" rotWithShape="0"/>
+              </a:effectLst>
+            </a:endParaRPr>
+          </a:p>
+        </p:txBody>
+      </p:sp>
+      <p:sp>
+        <p:nvSpPr>
+          <p:cNvPr id="2" name="Content Placeholder 1"/>
+          <p:cNvSpPr>
+            <a:spLocks noGrp="1"/>
+          </p:cNvSpPr>
+          <p:nvPr>
+            <p:ph idx="1"/>
+          </p:nvPr>
+        </p:nvSpPr>
+        <p:spPr>
+          <a:xfrm>
+            <a:off x="457200" y="1447800"/>
+            <a:ext cx="8686800" cy="4800600"/>
+          </a:xfrm>
+        </p:spPr>
+        <p:txBody>
+          <a:bodyPr/>
+          <a:lstStyle/>
+          <a:p>
+            <a:pPr>
+              <a:buClrTx/>
+              <a:buFont typeface="Wingdings" pitchFamily="2" charset="2"/>
+              <a:buChar char="q"/>
+            </a:pPr>
+            <a:r>
+              <a:rPr lang="en-US" sz="2200" b="0" smtClean="0">
+                <a:solidFill>
+                  <a:srgbClr val="000000"/>
+                </a:solidFill>
+              </a:rPr>
+              <a:t>Đầu tiên ta cần có MethodId của method cần gọi bằng cách gọi hàm: </a:t>
+            </a:r>
+          </a:p>
+          <a:p>
+            <a:pPr marL="0" indent="0">
+              <a:buClrTx/>
+              <a:buNone/>
+            </a:pPr>
+            <a:r>
+              <a:rPr lang="en-US" sz="2200" b="0" smtClean="0">
+                <a:solidFill>
+                  <a:srgbClr val="000000"/>
+                </a:solidFill>
+              </a:rPr>
+              <a:t>    jmethodID GetMethodID(JNIEnv *env, jclass clazz, const char *name, const char *sig);</a:t>
+            </a:r>
+          </a:p>
+          <a:p>
+            <a:pPr>
+              <a:buClrTx/>
+              <a:buFont typeface="Wingdings" pitchFamily="2" charset="2"/>
+              <a:buChar char="q"/>
+            </a:pPr>
+            <a:endParaRPr lang="en-US" sz="2200" b="0" smtClean="0">
+              <a:solidFill>
+                <a:srgbClr val="000000"/>
+              </a:solidFill>
+            </a:endParaRPr>
+          </a:p>
+          <a:p>
+            <a:pPr>
+              <a:buClrTx/>
+              <a:buFont typeface="Wingdings" pitchFamily="2" charset="2"/>
+              <a:buChar char="q"/>
+            </a:pPr>
+            <a:r>
+              <a:rPr lang="en-US" sz="2200" b="0" smtClean="0">
+                <a:solidFill>
+                  <a:srgbClr val="000000"/>
+                </a:solidFill>
+              </a:rPr>
+              <a:t>Gọi method bằng hàm sau:</a:t>
+            </a:r>
+          </a:p>
+          <a:p>
+            <a:pPr marL="0" indent="0">
+              <a:buClrTx/>
+              <a:buNone/>
+            </a:pPr>
+            <a:r>
+              <a:rPr lang="en-US" sz="2200" b="0" smtClean="0">
+                <a:solidFill>
+                  <a:srgbClr val="000000"/>
+                </a:solidFill>
+              </a:rPr>
+              <a:t>   Prototype &lt;</a:t>
+            </a:r>
+            <a:r>
+              <a:rPr lang="en-US" sz="2200" b="0" i="1" smtClean="0">
+                <a:solidFill>
+                  <a:srgbClr val="000000"/>
+                </a:solidFill>
+              </a:rPr>
+              <a:t>NativeType&gt;</a:t>
+            </a:r>
+            <a:r>
+              <a:rPr lang="en-US" sz="2200" b="0" smtClean="0">
+                <a:solidFill>
+                  <a:srgbClr val="000000"/>
+                </a:solidFill>
+              </a:rPr>
+              <a:t> </a:t>
+            </a:r>
+            <a:r>
+              <a:rPr lang="en-US" sz="2200" b="0" i="1" smtClean="0">
+                <a:solidFill>
+                  <a:srgbClr val="000000"/>
+                </a:solidFill>
+              </a:rPr>
+              <a:t>Call&lt;Type&gt;Method</a:t>
+            </a:r>
+            <a:r>
+              <a:rPr lang="en-US" sz="2200" b="0" smtClean="0">
+                <a:solidFill>
+                  <a:srgbClr val="000000"/>
+                </a:solidFill>
+              </a:rPr>
+              <a:t>(JNIEnv *env, jobject obj, jmethodID methodID, ...);</a:t>
+            </a:r>
+          </a:p>
+          <a:p>
+            <a:pPr marL="0" indent="0">
+              <a:buClrTx/>
+              <a:buNone/>
+            </a:pPr>
+            <a:endParaRPr lang="en-US" sz="2200" b="0">
+              <a:solidFill>
+                <a:srgbClr val="000000"/>
+              </a:solidFill>
+            </a:endParaRPr>
+          </a:p>
+        </p:txBody>
+      </p:sp>
+      <p:sp>
+        <p:nvSpPr>
+          <p:cNvPr id="4" name="Footer Placeholder 3"/>
+          <p:cNvSpPr>
+            <a:spLocks noGrp="1"/>
+          </p:cNvSpPr>
+          <p:nvPr>
+            <p:ph type="ftr" sz="quarter" idx="11"/>
+          </p:nvPr>
+        </p:nvSpPr>
+        <p:spPr/>
+        <p:txBody>
+          <a:bodyPr/>
+          <a:lstStyle/>
+          <a:p>
+            <a:r>
+              <a:rPr lang="en-US" smtClean="0"/>
+              <a:t>www.hcmus.edu.vn</a:t>
+            </a:r>
+            <a:endParaRPr lang="en-US"/>
+          </a:p>
+        </p:txBody>
+      </p:sp>
+      <p:sp>
+        <p:nvSpPr>
+          <p:cNvPr id="6" name="Slide Number Placeholder 11"/>
+          <p:cNvSpPr>
+            <a:spLocks noGrp="1"/>
+          </p:cNvSpPr>
+          <p:nvPr>
+            <p:ph type="sldNum" sz="quarter" idx="12"/>
+          </p:nvPr>
+        </p:nvSpPr>
+        <p:spPr>
+          <a:xfrm>
+            <a:off x="3429000" y="6477000"/>
+            <a:ext cx="2133600" cy="381000"/>
+          </a:xfrm>
+        </p:spPr>
+        <p:txBody>
+          <a:bodyPr/>
+          <a:lstStyle/>
+          <a:p>
+            <a:fld id="{B6F15528-21DE-4FAA-801E-634DDDAF4B2B}" type="slidenum">
+              <a:rPr lang="en-US" sz="2000" smtClean="0"/>
+              <a:pPr/>
+              <a:t>15</a:t>
+            </a:fld>
+            <a:endParaRPr lang="en-US" sz="2000"/>
+          </a:p>
+        </p:txBody>
+      </p:sp>
+    </p:spTree>
+    <p:extLst>
+      <p:ext uri="{BB962C8B-B14F-4D97-AF65-F5344CB8AC3E}">
+        <p14:creationId xmlns:p14="http://schemas.microsoft.com/office/powerpoint/2010/main" val="1315225573"/>
+      </p:ext>
+    </p:extLst>
+  </p:cSld>
+  <p:clrMapOvr>
+    <a:masterClrMapping/>
+  </p:clrMapOvr>
+  <p:timing>
+    <p:tnLst>
+      <p:par>
+        <p:cTn id="1" dur="indefinite" restart="never" nodeType="tmRoot"/>
+      </p:par>
+    </p:tnLst>
+  </p:timing>
+</p:sld>
+</file>
+
+<file path=ppt/slides/slide16.xml><?xml version="1.0" encoding="utf-8"?>
+<p:sld xmlns:a="http://schemas.openxmlformats.org/drawingml/2006/main" xmlns:r="http://schemas.openxmlformats.org/officeDocument/2006/relationships" xmlns:p="http://schemas.openxmlformats.org/presentationml/2006/main">
+  <p:cSld>
+    <p:spTree>
+      <p:nvGrpSpPr>
+        <p:cNvPr id="1" name=""/>
+        <p:cNvGrpSpPr/>
+        <p:nvPr/>
+      </p:nvGrpSpPr>
+      <p:grpSpPr>
+        <a:xfrm>
+          <a:off x="0" y="0"/>
+          <a:ext cx="0" cy="0"/>
+          <a:chOff x="0" y="0"/>
+          <a:chExt cx="0" cy="0"/>
+        </a:xfrm>
+      </p:grpSpPr>
+      <p:sp>
+        <p:nvSpPr>
+          <p:cNvPr id="8" name="Title 1"/>
+          <p:cNvSpPr>
+            <a:spLocks noGrp="1"/>
+          </p:cNvSpPr>
+          <p:nvPr>
+            <p:ph type="title"/>
+          </p:nvPr>
+        </p:nvSpPr>
+        <p:spPr>
+          <a:xfrm>
+            <a:off x="228600" y="579437"/>
+            <a:ext cx="9448800" cy="563563"/>
+          </a:xfrm>
+        </p:spPr>
+        <p:txBody>
+          <a:bodyPr>
+            <a:noAutofit/>
+          </a:bodyPr>
+          <a:lstStyle/>
+          <a:p>
+            <a:pPr algn="l"/>
+            <a:r>
+              <a:rPr lang="en-US" sz="2850" cap="all" smtClean="0">
+                <a:ln w="9000" cmpd="sng">
+                  <a:solidFill>
+                    <a:schemeClr val="accent4">
+                      <a:shade val="50000"/>
+                      <a:satMod val="120000"/>
+                    </a:schemeClr>
+                  </a:solidFill>
+                  <a:prstDash val="solid"/>
+                </a:ln>
+                <a:gradFill>
+                  <a:gsLst>
+                    <a:gs pos="0">
+                      <a:schemeClr val="accent4">
+                        <a:shade val="20000"/>
+                        <a:satMod val="245000"/>
+                      </a:schemeClr>
+                    </a:gs>
+                    <a:gs pos="43000">
+                      <a:schemeClr val="accent4">
+                        <a:satMod val="255000"/>
+                      </a:schemeClr>
+                    </a:gs>
+                    <a:gs pos="48000">
+                      <a:schemeClr val="accent4">
+                        <a:shade val="85000"/>
+                        <a:satMod val="255000"/>
+                      </a:schemeClr>
+                    </a:gs>
+                    <a:gs pos="100000">
+                      <a:schemeClr val="accent4">
+                        <a:shade val="20000"/>
+                        <a:satMod val="245000"/>
+                      </a:schemeClr>
+                    </a:gs>
+                  </a:gsLst>
+                  <a:lin ang="5400000"/>
+                </a:gradFill>
+                <a:effectLst>
+                  <a:reflection blurRad="12700" stA="28000" endPos="45000" dist="1000" dir="5400000" sy="-100000" algn="bl" rotWithShape="0"/>
+                </a:effectLst>
+              </a:rPr>
+              <a:t>2.3.1 </a:t>
+            </a:r>
+            <a:r>
+              <a:rPr lang="en-US" sz="2850" cap="all" smtClean="0">
+                <a:ln w="9000" cmpd="sng">
+                  <a:solidFill>
+                    <a:schemeClr val="accent4">
+                      <a:shade val="50000"/>
+                      <a:satMod val="120000"/>
+                    </a:schemeClr>
+                  </a:solidFill>
+                  <a:prstDash val="solid"/>
+                </a:ln>
+                <a:gradFill>
+                  <a:gsLst>
+                    <a:gs pos="0">
+                      <a:schemeClr val="accent4">
+                        <a:shade val="20000"/>
+                        <a:satMod val="245000"/>
+                      </a:schemeClr>
+                    </a:gs>
+                    <a:gs pos="43000">
+                      <a:schemeClr val="accent4">
+                        <a:satMod val="255000"/>
+                      </a:schemeClr>
+                    </a:gs>
+                    <a:gs pos="48000">
+                      <a:schemeClr val="accent4">
+                        <a:shade val="85000"/>
+                        <a:satMod val="255000"/>
+                      </a:schemeClr>
+                    </a:gs>
+                    <a:gs pos="100000">
+                      <a:schemeClr val="accent4">
+                        <a:shade val="20000"/>
+                        <a:satMod val="245000"/>
+                      </a:schemeClr>
+                    </a:gs>
+                  </a:gsLst>
+                  <a:lin ang="5400000"/>
+                </a:gradFill>
+                <a:effectLst>
+                  <a:reflection blurRad="12700" stA="28000" endPos="45000" dist="1000" dir="5400000" sy="-100000" algn="bl" rotWithShape="0"/>
+                </a:effectLst>
+              </a:rPr>
+              <a:t>truy xuất </a:t>
+            </a:r>
+            <a:r>
+              <a:rPr lang="en-US" sz="2850" cap="all" smtClean="0">
+                <a:ln w="9000" cmpd="sng">
+                  <a:solidFill>
+                    <a:schemeClr val="accent4">
+                      <a:shade val="50000"/>
+                      <a:satMod val="120000"/>
+                    </a:schemeClr>
+                  </a:solidFill>
+                  <a:prstDash val="solid"/>
+                </a:ln>
+                <a:gradFill>
+                  <a:gsLst>
+                    <a:gs pos="0">
+                      <a:schemeClr val="accent4">
+                        <a:shade val="20000"/>
+                        <a:satMod val="245000"/>
+                      </a:schemeClr>
+                    </a:gs>
+                    <a:gs pos="43000">
+                      <a:schemeClr val="accent4">
+                        <a:satMod val="255000"/>
+                      </a:schemeClr>
+                    </a:gs>
+                    <a:gs pos="48000">
+                      <a:schemeClr val="accent4">
+                        <a:shade val="85000"/>
+                        <a:satMod val="255000"/>
+                      </a:schemeClr>
+                    </a:gs>
+                    <a:gs pos="100000">
+                      <a:schemeClr val="accent4">
+                        <a:shade val="20000"/>
+                        <a:satMod val="245000"/>
+                      </a:schemeClr>
+                    </a:gs>
+                  </a:gsLst>
+                  <a:lin ang="5400000"/>
+                </a:gradFill>
+                <a:effectLst>
+                  <a:reflection blurRad="12700" stA="28000" endPos="45000" dist="1000" dir="5400000" sy="-100000" algn="bl" rotWithShape="0"/>
+                </a:effectLst>
+              </a:rPr>
+              <a:t>method</a:t>
+            </a:r>
+            <a:endParaRPr lang="en-US" sz="2850" cap="all">
+              <a:ln w="9000" cmpd="sng">
+                <a:solidFill>
+                  <a:schemeClr val="accent4">
+                    <a:shade val="50000"/>
+                    <a:satMod val="120000"/>
+                  </a:schemeClr>
+                </a:solidFill>
+                <a:prstDash val="solid"/>
+              </a:ln>
+              <a:gradFill>
+                <a:gsLst>
+                  <a:gs pos="0">
+                    <a:schemeClr val="accent4">
+                      <a:shade val="20000"/>
+                      <a:satMod val="245000"/>
+                    </a:schemeClr>
+                  </a:gs>
+                  <a:gs pos="43000">
+                    <a:schemeClr val="accent4">
+                      <a:satMod val="255000"/>
+                    </a:schemeClr>
+                  </a:gs>
+                  <a:gs pos="48000">
+                    <a:schemeClr val="accent4">
+                      <a:shade val="85000"/>
+                      <a:satMod val="255000"/>
+                    </a:schemeClr>
+                  </a:gs>
+                  <a:gs pos="100000">
+                    <a:schemeClr val="accent4">
+                      <a:shade val="20000"/>
+                      <a:satMod val="245000"/>
+                    </a:schemeClr>
+                  </a:gs>
+                </a:gsLst>
+                <a:lin ang="5400000"/>
+              </a:gradFill>
+              <a:effectLst>
+                <a:reflection blurRad="12700" stA="28000" endPos="45000" dist="1000" dir="5400000" sy="-100000" algn="bl" rotWithShape="0"/>
+              </a:effectLst>
+            </a:endParaRPr>
+          </a:p>
+        </p:txBody>
+      </p:sp>
+      <p:sp>
+        <p:nvSpPr>
+          <p:cNvPr id="4" name="Footer Placeholder 3"/>
+          <p:cNvSpPr>
+            <a:spLocks noGrp="1"/>
+          </p:cNvSpPr>
+          <p:nvPr>
+            <p:ph type="ftr" sz="quarter" idx="11"/>
+          </p:nvPr>
+        </p:nvSpPr>
+        <p:spPr/>
+        <p:txBody>
+          <a:bodyPr/>
+          <a:lstStyle/>
+          <a:p>
+            <a:r>
+              <a:rPr lang="en-US" smtClean="0"/>
+              <a:t>www.hcmus.edu.vn</a:t>
+            </a:r>
+            <a:endParaRPr lang="en-US"/>
+          </a:p>
+        </p:txBody>
+      </p:sp>
+      <p:sp>
+        <p:nvSpPr>
+          <p:cNvPr id="6" name="Slide Number Placeholder 11"/>
+          <p:cNvSpPr>
+            <a:spLocks noGrp="1"/>
+          </p:cNvSpPr>
+          <p:nvPr>
+            <p:ph type="sldNum" sz="quarter" idx="12"/>
+          </p:nvPr>
+        </p:nvSpPr>
+        <p:spPr>
+          <a:xfrm>
+            <a:off x="3429000" y="6477000"/>
+            <a:ext cx="2133600" cy="381000"/>
+          </a:xfrm>
+        </p:spPr>
+        <p:txBody>
+          <a:bodyPr/>
+          <a:lstStyle/>
+          <a:p>
+            <a:fld id="{B6F15528-21DE-4FAA-801E-634DDDAF4B2B}" type="slidenum">
+              <a:rPr lang="en-US" sz="2000" smtClean="0"/>
+              <a:pPr/>
+              <a:t>16</a:t>
+            </a:fld>
+            <a:endParaRPr lang="en-US" sz="2000"/>
+          </a:p>
+        </p:txBody>
+      </p:sp>
+      <p:graphicFrame>
+        <p:nvGraphicFramePr>
+          <p:cNvPr id="7" name="Table 6"/>
+          <p:cNvGraphicFramePr>
+            <a:graphicFrameLocks noGrp="1"/>
+          </p:cNvGraphicFramePr>
+          <p:nvPr>
+            <p:extLst>
+              <p:ext uri="{D42A27DB-BD31-4B8C-83A1-F6EECF244321}">
+                <p14:modId xmlns:p14="http://schemas.microsoft.com/office/powerpoint/2010/main" val="1122714231"/>
+              </p:ext>
+            </p:extLst>
+          </p:nvPr>
+        </p:nvGraphicFramePr>
+        <p:xfrm>
+          <a:off x="1676400" y="1524000"/>
+          <a:ext cx="5715000" cy="4800604"/>
+        </p:xfrm>
+        <a:graphic>
+          <a:graphicData uri="http://schemas.openxmlformats.org/drawingml/2006/table">
+            <a:tbl>
+              <a:tblPr firstRow="1" firstCol="1" bandRow="1">
+                <a:tableStyleId>{5C22544A-7EE6-4342-B048-85BDC9FD1C3A}</a:tableStyleId>
+              </a:tblPr>
+              <a:tblGrid>
+                <a:gridCol w="2910417"/>
+                <a:gridCol w="2804583"/>
+              </a:tblGrid>
+              <a:tr h="485584">
+                <a:tc>
+                  <a:txBody>
+                    <a:bodyPr/>
+                    <a:lstStyle/>
+                    <a:p>
+                      <a:pPr marL="0" marR="0" algn="ctr">
+                        <a:lnSpc>
+                          <a:spcPct val="115000"/>
+                        </a:lnSpc>
+                        <a:spcBef>
+                          <a:spcPts val="0"/>
+                        </a:spcBef>
+                        <a:spcAft>
+                          <a:spcPts val="0"/>
+                        </a:spcAft>
+                      </a:pPr>
+                      <a:r>
+                        <a:rPr lang="en-US" sz="1200">
+                          <a:effectLst/>
+                        </a:rPr>
+                        <a:t>Call&lt;Type&gt;Method</a:t>
+                      </a:r>
+                      <a:endParaRPr lang="en-US" sz="1300">
+                        <a:effectLst/>
+                        <a:latin typeface="Times New Roman"/>
+                        <a:ea typeface="Calibri"/>
+                        <a:cs typeface="Times New Roman"/>
+                      </a:endParaRPr>
+                    </a:p>
+                  </a:txBody>
+                  <a:tcPr marL="47625" marR="47625" marT="47625" marB="47625" anchor="ctr"/>
+                </a:tc>
+                <a:tc>
+                  <a:txBody>
+                    <a:bodyPr/>
+                    <a:lstStyle/>
+                    <a:p>
+                      <a:pPr marL="0" marR="0" algn="ctr">
+                        <a:lnSpc>
+                          <a:spcPct val="115000"/>
+                        </a:lnSpc>
+                        <a:spcBef>
+                          <a:spcPts val="0"/>
+                        </a:spcBef>
+                        <a:spcAft>
+                          <a:spcPts val="0"/>
+                        </a:spcAft>
+                      </a:pPr>
+                      <a:r>
+                        <a:rPr lang="en-US" sz="1200">
+                          <a:effectLst/>
+                        </a:rPr>
+                        <a:t>&lt;NativeType&gt;</a:t>
+                      </a:r>
+                      <a:endParaRPr lang="en-US" sz="1300">
+                        <a:effectLst/>
+                        <a:latin typeface="Times New Roman"/>
+                        <a:ea typeface="Calibri"/>
+                        <a:cs typeface="Times New Roman"/>
+                      </a:endParaRPr>
+                    </a:p>
+                  </a:txBody>
+                  <a:tcPr marL="47625" marR="47625" marT="47625" marB="47625" anchor="ctr"/>
+                </a:tc>
+              </a:tr>
+              <a:tr h="431502">
+                <a:tc>
+                  <a:txBody>
+                    <a:bodyPr/>
+                    <a:lstStyle/>
+                    <a:p>
+                      <a:pPr marL="0" marR="0">
+                        <a:lnSpc>
+                          <a:spcPct val="115000"/>
+                        </a:lnSpc>
+                        <a:spcBef>
+                          <a:spcPts val="0"/>
+                        </a:spcBef>
+                        <a:spcAft>
+                          <a:spcPts val="0"/>
+                        </a:spcAft>
+                      </a:pPr>
+                      <a:r>
+                        <a:rPr lang="en-US" sz="1000">
+                          <a:effectLst/>
+                        </a:rPr>
+                        <a:t>CallVoidMethod</a:t>
+                      </a:r>
+                      <a:endParaRPr lang="en-US" sz="1300">
+                        <a:effectLst/>
+                        <a:latin typeface="Times New Roman"/>
+                        <a:ea typeface="Calibri"/>
+                        <a:cs typeface="Times New Roman"/>
+                      </a:endParaRPr>
+                    </a:p>
+                  </a:txBody>
+                  <a:tcPr marL="47625" marR="47625" marT="47625" marB="47625" anchor="ctr"/>
+                </a:tc>
+                <a:tc>
+                  <a:txBody>
+                    <a:bodyPr/>
+                    <a:lstStyle/>
+                    <a:p>
+                      <a:pPr marL="0" marR="0">
+                        <a:lnSpc>
+                          <a:spcPct val="115000"/>
+                        </a:lnSpc>
+                        <a:spcBef>
+                          <a:spcPts val="0"/>
+                        </a:spcBef>
+                        <a:spcAft>
+                          <a:spcPts val="0"/>
+                        </a:spcAft>
+                      </a:pPr>
+                      <a:r>
+                        <a:rPr lang="en-US" sz="1000">
+                          <a:effectLst/>
+                        </a:rPr>
+                        <a:t>void</a:t>
+                      </a:r>
+                      <a:endParaRPr lang="en-US" sz="1300">
+                        <a:effectLst/>
+                        <a:latin typeface="Times New Roman"/>
+                        <a:ea typeface="Calibri"/>
+                        <a:cs typeface="Times New Roman"/>
+                      </a:endParaRPr>
+                    </a:p>
+                  </a:txBody>
+                  <a:tcPr marL="47625" marR="47625" marT="47625" marB="47625" anchor="ctr"/>
+                </a:tc>
+              </a:tr>
+              <a:tr h="431502">
+                <a:tc>
+                  <a:txBody>
+                    <a:bodyPr/>
+                    <a:lstStyle/>
+                    <a:p>
+                      <a:pPr marL="0" marR="0">
+                        <a:lnSpc>
+                          <a:spcPct val="115000"/>
+                        </a:lnSpc>
+                        <a:spcBef>
+                          <a:spcPts val="0"/>
+                        </a:spcBef>
+                        <a:spcAft>
+                          <a:spcPts val="0"/>
+                        </a:spcAft>
+                      </a:pPr>
+                      <a:r>
+                        <a:rPr lang="en-US" sz="1000">
+                          <a:effectLst/>
+                        </a:rPr>
+                        <a:t>CallObjectMethod</a:t>
+                      </a:r>
+                      <a:endParaRPr lang="en-US" sz="1300">
+                        <a:effectLst/>
+                        <a:latin typeface="Times New Roman"/>
+                        <a:ea typeface="Calibri"/>
+                        <a:cs typeface="Times New Roman"/>
+                      </a:endParaRPr>
+                    </a:p>
+                  </a:txBody>
+                  <a:tcPr marL="47625" marR="47625" marT="47625" marB="47625" anchor="ctr"/>
+                </a:tc>
+                <a:tc>
+                  <a:txBody>
+                    <a:bodyPr/>
+                    <a:lstStyle/>
+                    <a:p>
+                      <a:pPr marL="0" marR="0">
+                        <a:lnSpc>
+                          <a:spcPct val="115000"/>
+                        </a:lnSpc>
+                        <a:spcBef>
+                          <a:spcPts val="0"/>
+                        </a:spcBef>
+                        <a:spcAft>
+                          <a:spcPts val="0"/>
+                        </a:spcAft>
+                      </a:pPr>
+                      <a:r>
+                        <a:rPr lang="en-US" sz="1000">
+                          <a:effectLst/>
+                        </a:rPr>
+                        <a:t>jobject</a:t>
+                      </a:r>
+                      <a:endParaRPr lang="en-US" sz="1300">
+                        <a:effectLst/>
+                        <a:latin typeface="Times New Roman"/>
+                        <a:ea typeface="Calibri"/>
+                        <a:cs typeface="Times New Roman"/>
+                      </a:endParaRPr>
+                    </a:p>
+                  </a:txBody>
+                  <a:tcPr marL="47625" marR="47625" marT="47625" marB="47625" anchor="ctr"/>
+                </a:tc>
+              </a:tr>
+              <a:tr h="431502">
+                <a:tc>
+                  <a:txBody>
+                    <a:bodyPr/>
+                    <a:lstStyle/>
+                    <a:p>
+                      <a:pPr marL="0" marR="0">
+                        <a:lnSpc>
+                          <a:spcPct val="115000"/>
+                        </a:lnSpc>
+                        <a:spcBef>
+                          <a:spcPts val="0"/>
+                        </a:spcBef>
+                        <a:spcAft>
+                          <a:spcPts val="0"/>
+                        </a:spcAft>
+                      </a:pPr>
+                      <a:r>
+                        <a:rPr lang="en-US" sz="1000">
+                          <a:effectLst/>
+                        </a:rPr>
+                        <a:t>CallBooleanMethod</a:t>
+                      </a:r>
+                      <a:endParaRPr lang="en-US" sz="1300">
+                        <a:effectLst/>
+                        <a:latin typeface="Times New Roman"/>
+                        <a:ea typeface="Calibri"/>
+                        <a:cs typeface="Times New Roman"/>
+                      </a:endParaRPr>
+                    </a:p>
+                  </a:txBody>
+                  <a:tcPr marL="47625" marR="47625" marT="47625" marB="47625" anchor="ctr"/>
+                </a:tc>
+                <a:tc>
+                  <a:txBody>
+                    <a:bodyPr/>
+                    <a:lstStyle/>
+                    <a:p>
+                      <a:pPr marL="0" marR="0">
+                        <a:lnSpc>
+                          <a:spcPct val="115000"/>
+                        </a:lnSpc>
+                        <a:spcBef>
+                          <a:spcPts val="0"/>
+                        </a:spcBef>
+                        <a:spcAft>
+                          <a:spcPts val="0"/>
+                        </a:spcAft>
+                      </a:pPr>
+                      <a:r>
+                        <a:rPr lang="en-US" sz="1000">
+                          <a:effectLst/>
+                        </a:rPr>
+                        <a:t>jboolean</a:t>
+                      </a:r>
+                      <a:endParaRPr lang="en-US" sz="1300">
+                        <a:effectLst/>
+                        <a:latin typeface="Times New Roman"/>
+                        <a:ea typeface="Calibri"/>
+                        <a:cs typeface="Times New Roman"/>
+                      </a:endParaRPr>
+                    </a:p>
+                  </a:txBody>
+                  <a:tcPr marL="47625" marR="47625" marT="47625" marB="47625" anchor="ctr"/>
+                </a:tc>
+              </a:tr>
+              <a:tr h="431502">
+                <a:tc>
+                  <a:txBody>
+                    <a:bodyPr/>
+                    <a:lstStyle/>
+                    <a:p>
+                      <a:pPr marL="0" marR="0">
+                        <a:lnSpc>
+                          <a:spcPct val="115000"/>
+                        </a:lnSpc>
+                        <a:spcBef>
+                          <a:spcPts val="0"/>
+                        </a:spcBef>
+                        <a:spcAft>
+                          <a:spcPts val="0"/>
+                        </a:spcAft>
+                      </a:pPr>
+                      <a:r>
+                        <a:rPr lang="en-US" sz="1000">
+                          <a:effectLst/>
+                        </a:rPr>
+                        <a:t>CallByteMethod</a:t>
+                      </a:r>
+                      <a:endParaRPr lang="en-US" sz="1300">
+                        <a:effectLst/>
+                        <a:latin typeface="Times New Roman"/>
+                        <a:ea typeface="Calibri"/>
+                        <a:cs typeface="Times New Roman"/>
+                      </a:endParaRPr>
+                    </a:p>
+                  </a:txBody>
+                  <a:tcPr marL="47625" marR="47625" marT="47625" marB="47625" anchor="ctr"/>
+                </a:tc>
+                <a:tc>
+                  <a:txBody>
+                    <a:bodyPr/>
+                    <a:lstStyle/>
+                    <a:p>
+                      <a:pPr marL="0" marR="0">
+                        <a:lnSpc>
+                          <a:spcPct val="115000"/>
+                        </a:lnSpc>
+                        <a:spcBef>
+                          <a:spcPts val="0"/>
+                        </a:spcBef>
+                        <a:spcAft>
+                          <a:spcPts val="0"/>
+                        </a:spcAft>
+                      </a:pPr>
+                      <a:r>
+                        <a:rPr lang="en-US" sz="1000">
+                          <a:effectLst/>
+                        </a:rPr>
+                        <a:t>jbyte</a:t>
+                      </a:r>
+                      <a:endParaRPr lang="en-US" sz="1300">
+                        <a:effectLst/>
+                        <a:latin typeface="Times New Roman"/>
+                        <a:ea typeface="Calibri"/>
+                        <a:cs typeface="Times New Roman"/>
+                      </a:endParaRPr>
+                    </a:p>
+                  </a:txBody>
+                  <a:tcPr marL="47625" marR="47625" marT="47625" marB="47625" anchor="ctr"/>
+                </a:tc>
+              </a:tr>
+              <a:tr h="431502">
+                <a:tc>
+                  <a:txBody>
+                    <a:bodyPr/>
+                    <a:lstStyle/>
+                    <a:p>
+                      <a:pPr marL="0" marR="0">
+                        <a:lnSpc>
+                          <a:spcPct val="115000"/>
+                        </a:lnSpc>
+                        <a:spcBef>
+                          <a:spcPts val="0"/>
+                        </a:spcBef>
+                        <a:spcAft>
+                          <a:spcPts val="0"/>
+                        </a:spcAft>
+                      </a:pPr>
+                      <a:r>
+                        <a:rPr lang="en-US" sz="1000">
+                          <a:effectLst/>
+                        </a:rPr>
+                        <a:t>CallCharMethod</a:t>
+                      </a:r>
+                      <a:endParaRPr lang="en-US" sz="1300">
+                        <a:effectLst/>
+                        <a:latin typeface="Times New Roman"/>
+                        <a:ea typeface="Calibri"/>
+                        <a:cs typeface="Times New Roman"/>
+                      </a:endParaRPr>
+                    </a:p>
+                  </a:txBody>
+                  <a:tcPr marL="47625" marR="47625" marT="47625" marB="47625" anchor="ctr"/>
+                </a:tc>
+                <a:tc>
+                  <a:txBody>
+                    <a:bodyPr/>
+                    <a:lstStyle/>
+                    <a:p>
+                      <a:pPr marL="0" marR="0">
+                        <a:lnSpc>
+                          <a:spcPct val="115000"/>
+                        </a:lnSpc>
+                        <a:spcBef>
+                          <a:spcPts val="0"/>
+                        </a:spcBef>
+                        <a:spcAft>
+                          <a:spcPts val="0"/>
+                        </a:spcAft>
+                      </a:pPr>
+                      <a:r>
+                        <a:rPr lang="en-US" sz="1000">
+                          <a:effectLst/>
+                        </a:rPr>
+                        <a:t>jchar</a:t>
+                      </a:r>
+                      <a:endParaRPr lang="en-US" sz="1300">
+                        <a:effectLst/>
+                        <a:latin typeface="Times New Roman"/>
+                        <a:ea typeface="Calibri"/>
+                        <a:cs typeface="Times New Roman"/>
+                      </a:endParaRPr>
+                    </a:p>
+                  </a:txBody>
+                  <a:tcPr marL="47625" marR="47625" marT="47625" marB="47625" anchor="ctr"/>
+                </a:tc>
+              </a:tr>
+              <a:tr h="431502">
+                <a:tc>
+                  <a:txBody>
+                    <a:bodyPr/>
+                    <a:lstStyle/>
+                    <a:p>
+                      <a:pPr marL="0" marR="0">
+                        <a:lnSpc>
+                          <a:spcPct val="115000"/>
+                        </a:lnSpc>
+                        <a:spcBef>
+                          <a:spcPts val="0"/>
+                        </a:spcBef>
+                        <a:spcAft>
+                          <a:spcPts val="0"/>
+                        </a:spcAft>
+                      </a:pPr>
+                      <a:r>
+                        <a:rPr lang="en-US" sz="1000">
+                          <a:effectLst/>
+                        </a:rPr>
+                        <a:t>CallShortMethod</a:t>
+                      </a:r>
+                      <a:endParaRPr lang="en-US" sz="1300">
+                        <a:effectLst/>
+                        <a:latin typeface="Times New Roman"/>
+                        <a:ea typeface="Calibri"/>
+                        <a:cs typeface="Times New Roman"/>
+                      </a:endParaRPr>
+                    </a:p>
+                  </a:txBody>
+                  <a:tcPr marL="47625" marR="47625" marT="47625" marB="47625" anchor="ctr"/>
+                </a:tc>
+                <a:tc>
+                  <a:txBody>
+                    <a:bodyPr/>
+                    <a:lstStyle/>
+                    <a:p>
+                      <a:pPr marL="0" marR="0">
+                        <a:lnSpc>
+                          <a:spcPct val="115000"/>
+                        </a:lnSpc>
+                        <a:spcBef>
+                          <a:spcPts val="0"/>
+                        </a:spcBef>
+                        <a:spcAft>
+                          <a:spcPts val="0"/>
+                        </a:spcAft>
+                      </a:pPr>
+                      <a:r>
+                        <a:rPr lang="en-US" sz="1000">
+                          <a:effectLst/>
+                        </a:rPr>
+                        <a:t>jshort</a:t>
+                      </a:r>
+                      <a:endParaRPr lang="en-US" sz="1300">
+                        <a:effectLst/>
+                        <a:latin typeface="Times New Roman"/>
+                        <a:ea typeface="Calibri"/>
+                        <a:cs typeface="Times New Roman"/>
+                      </a:endParaRPr>
+                    </a:p>
+                  </a:txBody>
+                  <a:tcPr marL="47625" marR="47625" marT="47625" marB="47625" anchor="ctr"/>
+                </a:tc>
+              </a:tr>
+              <a:tr h="431502">
+                <a:tc>
+                  <a:txBody>
+                    <a:bodyPr/>
+                    <a:lstStyle/>
+                    <a:p>
+                      <a:pPr marL="0" marR="0">
+                        <a:lnSpc>
+                          <a:spcPct val="115000"/>
+                        </a:lnSpc>
+                        <a:spcBef>
+                          <a:spcPts val="0"/>
+                        </a:spcBef>
+                        <a:spcAft>
+                          <a:spcPts val="0"/>
+                        </a:spcAft>
+                      </a:pPr>
+                      <a:r>
+                        <a:rPr lang="en-US" sz="1000">
+                          <a:effectLst/>
+                        </a:rPr>
+                        <a:t>CallIntMethod</a:t>
+                      </a:r>
+                      <a:endParaRPr lang="en-US" sz="1300">
+                        <a:effectLst/>
+                        <a:latin typeface="Times New Roman"/>
+                        <a:ea typeface="Calibri"/>
+                        <a:cs typeface="Times New Roman"/>
+                      </a:endParaRPr>
+                    </a:p>
+                  </a:txBody>
+                  <a:tcPr marL="47625" marR="47625" marT="47625" marB="47625" anchor="ctr"/>
+                </a:tc>
+                <a:tc>
+                  <a:txBody>
+                    <a:bodyPr/>
+                    <a:lstStyle/>
+                    <a:p>
+                      <a:pPr marL="0" marR="0">
+                        <a:lnSpc>
+                          <a:spcPct val="115000"/>
+                        </a:lnSpc>
+                        <a:spcBef>
+                          <a:spcPts val="0"/>
+                        </a:spcBef>
+                        <a:spcAft>
+                          <a:spcPts val="0"/>
+                        </a:spcAft>
+                      </a:pPr>
+                      <a:r>
+                        <a:rPr lang="en-US" sz="1000">
+                          <a:effectLst/>
+                        </a:rPr>
+                        <a:t>jint</a:t>
+                      </a:r>
+                      <a:endParaRPr lang="en-US" sz="1300">
+                        <a:effectLst/>
+                        <a:latin typeface="Times New Roman"/>
+                        <a:ea typeface="Calibri"/>
+                        <a:cs typeface="Times New Roman"/>
+                      </a:endParaRPr>
+                    </a:p>
+                  </a:txBody>
+                  <a:tcPr marL="47625" marR="47625" marT="47625" marB="47625" anchor="ctr"/>
+                </a:tc>
+              </a:tr>
+              <a:tr h="431502">
+                <a:tc>
+                  <a:txBody>
+                    <a:bodyPr/>
+                    <a:lstStyle/>
+                    <a:p>
+                      <a:pPr marL="0" marR="0">
+                        <a:lnSpc>
+                          <a:spcPct val="115000"/>
+                        </a:lnSpc>
+                        <a:spcBef>
+                          <a:spcPts val="0"/>
+                        </a:spcBef>
+                        <a:spcAft>
+                          <a:spcPts val="0"/>
+                        </a:spcAft>
+                      </a:pPr>
+                      <a:r>
+                        <a:rPr lang="en-US" sz="1000">
+                          <a:effectLst/>
+                        </a:rPr>
+                        <a:t>CallLongMethod</a:t>
+                      </a:r>
+                      <a:endParaRPr lang="en-US" sz="1300">
+                        <a:effectLst/>
+                        <a:latin typeface="Times New Roman"/>
+                        <a:ea typeface="Calibri"/>
+                        <a:cs typeface="Times New Roman"/>
+                      </a:endParaRPr>
+                    </a:p>
+                  </a:txBody>
+                  <a:tcPr marL="47625" marR="47625" marT="47625" marB="47625" anchor="ctr"/>
+                </a:tc>
+                <a:tc>
+                  <a:txBody>
+                    <a:bodyPr/>
+                    <a:lstStyle/>
+                    <a:p>
+                      <a:pPr marL="0" marR="0">
+                        <a:lnSpc>
+                          <a:spcPct val="115000"/>
+                        </a:lnSpc>
+                        <a:spcBef>
+                          <a:spcPts val="0"/>
+                        </a:spcBef>
+                        <a:spcAft>
+                          <a:spcPts val="0"/>
+                        </a:spcAft>
+                      </a:pPr>
+                      <a:r>
+                        <a:rPr lang="en-US" sz="1000">
+                          <a:effectLst/>
+                        </a:rPr>
+                        <a:t>jlong</a:t>
+                      </a:r>
+                      <a:endParaRPr lang="en-US" sz="1300">
+                        <a:effectLst/>
+                        <a:latin typeface="Times New Roman"/>
+                        <a:ea typeface="Calibri"/>
+                        <a:cs typeface="Times New Roman"/>
+                      </a:endParaRPr>
+                    </a:p>
+                  </a:txBody>
+                  <a:tcPr marL="47625" marR="47625" marT="47625" marB="47625" anchor="ctr"/>
+                </a:tc>
+              </a:tr>
+              <a:tr h="431502">
+                <a:tc>
+                  <a:txBody>
+                    <a:bodyPr/>
+                    <a:lstStyle/>
+                    <a:p>
+                      <a:pPr marL="0" marR="0">
+                        <a:lnSpc>
+                          <a:spcPct val="115000"/>
+                        </a:lnSpc>
+                        <a:spcBef>
+                          <a:spcPts val="0"/>
+                        </a:spcBef>
+                        <a:spcAft>
+                          <a:spcPts val="0"/>
+                        </a:spcAft>
+                      </a:pPr>
+                      <a:r>
+                        <a:rPr lang="en-US" sz="1000">
+                          <a:effectLst/>
+                        </a:rPr>
+                        <a:t>CallFloatMethod</a:t>
+                      </a:r>
+                      <a:endParaRPr lang="en-US" sz="1300">
+                        <a:effectLst/>
+                        <a:latin typeface="Times New Roman"/>
+                        <a:ea typeface="Calibri"/>
+                        <a:cs typeface="Times New Roman"/>
+                      </a:endParaRPr>
+                    </a:p>
+                  </a:txBody>
+                  <a:tcPr marL="47625" marR="47625" marT="47625" marB="47625" anchor="ctr"/>
+                </a:tc>
+                <a:tc>
+                  <a:txBody>
+                    <a:bodyPr/>
+                    <a:lstStyle/>
+                    <a:p>
+                      <a:pPr marL="0" marR="0">
+                        <a:lnSpc>
+                          <a:spcPct val="115000"/>
+                        </a:lnSpc>
+                        <a:spcBef>
+                          <a:spcPts val="0"/>
+                        </a:spcBef>
+                        <a:spcAft>
+                          <a:spcPts val="0"/>
+                        </a:spcAft>
+                      </a:pPr>
+                      <a:r>
+                        <a:rPr lang="en-US" sz="1000">
+                          <a:effectLst/>
+                        </a:rPr>
+                        <a:t>jfloat</a:t>
+                      </a:r>
+                      <a:endParaRPr lang="en-US" sz="1300">
+                        <a:effectLst/>
+                        <a:latin typeface="Times New Roman"/>
+                        <a:ea typeface="Calibri"/>
+                        <a:cs typeface="Times New Roman"/>
+                      </a:endParaRPr>
+                    </a:p>
+                  </a:txBody>
+                  <a:tcPr marL="47625" marR="47625" marT="47625" marB="47625" anchor="ctr"/>
+                </a:tc>
+              </a:tr>
+              <a:tr h="431502">
+                <a:tc>
+                  <a:txBody>
+                    <a:bodyPr/>
+                    <a:lstStyle/>
+                    <a:p>
+                      <a:pPr marL="0" marR="0">
+                        <a:lnSpc>
+                          <a:spcPct val="115000"/>
+                        </a:lnSpc>
+                        <a:spcBef>
+                          <a:spcPts val="0"/>
+                        </a:spcBef>
+                        <a:spcAft>
+                          <a:spcPts val="0"/>
+                        </a:spcAft>
+                      </a:pPr>
+                      <a:r>
+                        <a:rPr lang="en-US" sz="1000">
+                          <a:effectLst/>
+                        </a:rPr>
+                        <a:t>CallDoubleMethod</a:t>
+                      </a:r>
+                      <a:endParaRPr lang="en-US" sz="1300">
+                        <a:effectLst/>
+                        <a:latin typeface="Times New Roman"/>
+                        <a:ea typeface="Calibri"/>
+                        <a:cs typeface="Times New Roman"/>
+                      </a:endParaRPr>
+                    </a:p>
+                  </a:txBody>
+                  <a:tcPr marL="47625" marR="47625" marT="47625" marB="47625" anchor="ctr"/>
+                </a:tc>
+                <a:tc>
+                  <a:txBody>
+                    <a:bodyPr/>
+                    <a:lstStyle/>
+                    <a:p>
+                      <a:pPr marL="0" marR="0">
+                        <a:lnSpc>
+                          <a:spcPct val="115000"/>
+                        </a:lnSpc>
+                        <a:spcBef>
+                          <a:spcPts val="0"/>
+                        </a:spcBef>
+                        <a:spcAft>
+                          <a:spcPts val="0"/>
+                        </a:spcAft>
+                      </a:pPr>
+                      <a:r>
+                        <a:rPr lang="en-US" sz="1000">
+                          <a:effectLst/>
+                        </a:rPr>
+                        <a:t>jdouble</a:t>
+                      </a:r>
+                      <a:endParaRPr lang="en-US" sz="1300">
+                        <a:effectLst/>
+                        <a:latin typeface="Times New Roman"/>
+                        <a:ea typeface="Calibri"/>
+                        <a:cs typeface="Times New Roman"/>
+                      </a:endParaRPr>
+                    </a:p>
+                  </a:txBody>
+                  <a:tcPr marL="47625" marR="47625" marT="47625" marB="47625" anchor="ctr"/>
+                </a:tc>
+              </a:tr>
+            </a:tbl>
+          </a:graphicData>
+        </a:graphic>
+      </p:graphicFrame>
+    </p:spTree>
+    <p:extLst>
+      <p:ext uri="{BB962C8B-B14F-4D97-AF65-F5344CB8AC3E}">
+        <p14:creationId xmlns:p14="http://schemas.microsoft.com/office/powerpoint/2010/main" val="1897964549"/>
+      </p:ext>
+    </p:extLst>
+  </p:cSld>
+  <p:clrMapOvr>
+    <a:masterClrMapping/>
+  </p:clrMapOvr>
+  <p:timing>
+    <p:tnLst>
+      <p:par>
+        <p:cTn id="1" dur="indefinite" restart="never" nodeType="tmRoot"/>
+      </p:par>
+    </p:tnLst>
+  </p:timing>
+</p:sld>
+</file>
+
+<file path=ppt/slides/slide17.xml><?xml version="1.0" encoding="utf-8"?>
+<p:sld xmlns:a="http://schemas.openxmlformats.org/drawingml/2006/main" xmlns:r="http://schemas.openxmlformats.org/officeDocument/2006/relationships" xmlns:p="http://schemas.openxmlformats.org/presentationml/2006/main">
+  <p:cSld>
+    <p:spTree>
+      <p:nvGrpSpPr>
+        <p:cNvPr id="1" name=""/>
+        <p:cNvGrpSpPr/>
+        <p:nvPr/>
+      </p:nvGrpSpPr>
+      <p:grpSpPr>
+        <a:xfrm>
+          <a:off x="0" y="0"/>
+          <a:ext cx="0" cy="0"/>
+          <a:chOff x="0" y="0"/>
+          <a:chExt cx="0" cy="0"/>
+        </a:xfrm>
+      </p:grpSpPr>
+      <p:sp>
+        <p:nvSpPr>
+          <p:cNvPr id="8" name="Title 1"/>
+          <p:cNvSpPr>
+            <a:spLocks noGrp="1"/>
+          </p:cNvSpPr>
+          <p:nvPr>
+            <p:ph type="title"/>
+          </p:nvPr>
+        </p:nvSpPr>
+        <p:spPr>
+          <a:xfrm>
+            <a:off x="228600" y="579437"/>
+            <a:ext cx="9448800" cy="563563"/>
+          </a:xfrm>
+        </p:spPr>
+        <p:txBody>
+          <a:bodyPr>
+            <a:noAutofit/>
+          </a:bodyPr>
+          <a:lstStyle/>
+          <a:p>
+            <a:pPr algn="l"/>
+            <a:r>
+              <a:rPr lang="en-US" sz="2850" cap="all" smtClean="0">
+                <a:ln w="9000" cmpd="sng">
+                  <a:solidFill>
+                    <a:schemeClr val="accent4">
+                      <a:shade val="50000"/>
+                      <a:satMod val="120000"/>
+                    </a:schemeClr>
+                  </a:solidFill>
+                  <a:prstDash val="solid"/>
+                </a:ln>
+                <a:gradFill>
+                  <a:gsLst>
+                    <a:gs pos="0">
+                      <a:schemeClr val="accent4">
+                        <a:shade val="20000"/>
+                        <a:satMod val="245000"/>
+                      </a:schemeClr>
+                    </a:gs>
+                    <a:gs pos="43000">
+                      <a:schemeClr val="accent4">
+                        <a:satMod val="255000"/>
+                      </a:schemeClr>
+                    </a:gs>
+                    <a:gs pos="48000">
+                      <a:schemeClr val="accent4">
+                        <a:shade val="85000"/>
+                        <a:satMod val="255000"/>
+                      </a:schemeClr>
+                    </a:gs>
+                    <a:gs pos="100000">
+                      <a:schemeClr val="accent4">
+                        <a:shade val="20000"/>
+                        <a:satMod val="245000"/>
+                      </a:schemeClr>
+                    </a:gs>
+                  </a:gsLst>
+                  <a:lin ang="5400000"/>
+                </a:gradFill>
+                <a:effectLst>
+                  <a:reflection blurRad="12700" stA="28000" endPos="45000" dist="1000" dir="5400000" sy="-100000" algn="bl" rotWithShape="0"/>
+                </a:effectLst>
+              </a:rPr>
+              <a:t>2.3.1 </a:t>
+            </a:r>
+            <a:r>
+              <a:rPr lang="en-US" sz="2850" cap="all" smtClean="0">
+                <a:ln w="9000" cmpd="sng">
+                  <a:solidFill>
+                    <a:schemeClr val="accent4">
+                      <a:shade val="50000"/>
+                      <a:satMod val="120000"/>
+                    </a:schemeClr>
+                  </a:solidFill>
+                  <a:prstDash val="solid"/>
+                </a:ln>
+                <a:gradFill>
+                  <a:gsLst>
+                    <a:gs pos="0">
+                      <a:schemeClr val="accent4">
+                        <a:shade val="20000"/>
+                        <a:satMod val="245000"/>
+                      </a:schemeClr>
+                    </a:gs>
+                    <a:gs pos="43000">
+                      <a:schemeClr val="accent4">
+                        <a:satMod val="255000"/>
+                      </a:schemeClr>
+                    </a:gs>
+                    <a:gs pos="48000">
+                      <a:schemeClr val="accent4">
+                        <a:shade val="85000"/>
+                        <a:satMod val="255000"/>
+                      </a:schemeClr>
+                    </a:gs>
+                    <a:gs pos="100000">
+                      <a:schemeClr val="accent4">
+                        <a:shade val="20000"/>
+                        <a:satMod val="245000"/>
+                      </a:schemeClr>
+                    </a:gs>
+                  </a:gsLst>
+                  <a:lin ang="5400000"/>
+                </a:gradFill>
+                <a:effectLst>
+                  <a:reflection blurRad="12700" stA="28000" endPos="45000" dist="1000" dir="5400000" sy="-100000" algn="bl" rotWithShape="0"/>
+                </a:effectLst>
+              </a:rPr>
+              <a:t>truy xuất </a:t>
+            </a:r>
+            <a:r>
+              <a:rPr lang="en-US" sz="2850" cap="all" smtClean="0">
+                <a:ln w="9000" cmpd="sng">
+                  <a:solidFill>
+                    <a:schemeClr val="accent4">
+                      <a:shade val="50000"/>
+                      <a:satMod val="120000"/>
+                    </a:schemeClr>
+                  </a:solidFill>
+                  <a:prstDash val="solid"/>
+                </a:ln>
+                <a:gradFill>
+                  <a:gsLst>
+                    <a:gs pos="0">
+                      <a:schemeClr val="accent4">
+                        <a:shade val="20000"/>
+                        <a:satMod val="245000"/>
+                      </a:schemeClr>
+                    </a:gs>
+                    <a:gs pos="43000">
+                      <a:schemeClr val="accent4">
+                        <a:satMod val="255000"/>
+                      </a:schemeClr>
+                    </a:gs>
+                    <a:gs pos="48000">
+                      <a:schemeClr val="accent4">
+                        <a:shade val="85000"/>
+                        <a:satMod val="255000"/>
+                      </a:schemeClr>
+                    </a:gs>
+                    <a:gs pos="100000">
+                      <a:schemeClr val="accent4">
+                        <a:shade val="20000"/>
+                        <a:satMod val="245000"/>
+                      </a:schemeClr>
+                    </a:gs>
+                  </a:gsLst>
+                  <a:lin ang="5400000"/>
+                </a:gradFill>
+                <a:effectLst>
+                  <a:reflection blurRad="12700" stA="28000" endPos="45000" dist="1000" dir="5400000" sy="-100000" algn="bl" rotWithShape="0"/>
+                </a:effectLst>
+              </a:rPr>
+              <a:t>method</a:t>
+            </a:r>
+            <a:endParaRPr lang="en-US" sz="2850" cap="all">
+              <a:ln w="9000" cmpd="sng">
+                <a:solidFill>
+                  <a:schemeClr val="accent4">
+                    <a:shade val="50000"/>
+                    <a:satMod val="120000"/>
+                  </a:schemeClr>
+                </a:solidFill>
+                <a:prstDash val="solid"/>
+              </a:ln>
+              <a:gradFill>
+                <a:gsLst>
+                  <a:gs pos="0">
+                    <a:schemeClr val="accent4">
+                      <a:shade val="20000"/>
+                      <a:satMod val="245000"/>
+                    </a:schemeClr>
+                  </a:gs>
+                  <a:gs pos="43000">
+                    <a:schemeClr val="accent4">
+                      <a:satMod val="255000"/>
+                    </a:schemeClr>
+                  </a:gs>
+                  <a:gs pos="48000">
+                    <a:schemeClr val="accent4">
+                      <a:shade val="85000"/>
+                      <a:satMod val="255000"/>
+                    </a:schemeClr>
+                  </a:gs>
+                  <a:gs pos="100000">
+                    <a:schemeClr val="accent4">
+                      <a:shade val="20000"/>
+                      <a:satMod val="245000"/>
+                    </a:schemeClr>
+                  </a:gs>
+                </a:gsLst>
+                <a:lin ang="5400000"/>
+              </a:gradFill>
+              <a:effectLst>
+                <a:reflection blurRad="12700" stA="28000" endPos="45000" dist="1000" dir="5400000" sy="-100000" algn="bl" rotWithShape="0"/>
+              </a:effectLst>
+            </a:endParaRPr>
+          </a:p>
+        </p:txBody>
+      </p:sp>
+      <p:sp>
+        <p:nvSpPr>
+          <p:cNvPr id="4" name="Footer Placeholder 3"/>
+          <p:cNvSpPr>
+            <a:spLocks noGrp="1"/>
+          </p:cNvSpPr>
+          <p:nvPr>
+            <p:ph type="ftr" sz="quarter" idx="11"/>
+          </p:nvPr>
+        </p:nvSpPr>
+        <p:spPr/>
+        <p:txBody>
+          <a:bodyPr/>
+          <a:lstStyle/>
+          <a:p>
+            <a:r>
+              <a:rPr lang="en-US" smtClean="0"/>
+              <a:t>www.hcmus.edu.vn</a:t>
+            </a:r>
+            <a:endParaRPr lang="en-US"/>
+          </a:p>
+        </p:txBody>
+      </p:sp>
+      <p:sp>
+        <p:nvSpPr>
+          <p:cNvPr id="6" name="Slide Number Placeholder 11"/>
+          <p:cNvSpPr>
+            <a:spLocks noGrp="1"/>
+          </p:cNvSpPr>
+          <p:nvPr>
+            <p:ph type="sldNum" sz="quarter" idx="12"/>
+          </p:nvPr>
+        </p:nvSpPr>
+        <p:spPr>
+          <a:xfrm>
+            <a:off x="3429000" y="6477000"/>
+            <a:ext cx="2133600" cy="381000"/>
+          </a:xfrm>
+        </p:spPr>
+        <p:txBody>
+          <a:bodyPr/>
+          <a:lstStyle/>
+          <a:p>
+            <a:fld id="{B6F15528-21DE-4FAA-801E-634DDDAF4B2B}" type="slidenum">
+              <a:rPr lang="en-US" sz="2000" smtClean="0"/>
+              <a:pPr/>
+              <a:t>17</a:t>
+            </a:fld>
+            <a:endParaRPr lang="en-US" sz="2000"/>
+          </a:p>
+        </p:txBody>
+      </p:sp>
+      <p:sp>
+        <p:nvSpPr>
+          <p:cNvPr id="3" name="Content Placeholder 2"/>
+          <p:cNvSpPr>
+            <a:spLocks noGrp="1"/>
+          </p:cNvSpPr>
+          <p:nvPr>
+            <p:ph idx="1"/>
+          </p:nvPr>
+        </p:nvSpPr>
+        <p:spPr/>
+        <p:txBody>
+          <a:bodyPr/>
+          <a:lstStyle/>
+          <a:p>
+            <a:pPr marL="517525" lvl="1" indent="-457200">
+              <a:buClrTx/>
+              <a:buFont typeface="Wingdings" pitchFamily="2" charset="2"/>
+              <a:buChar char="q"/>
+            </a:pPr>
+            <a:r>
+              <a:rPr lang="en-US">
+                <a:solidFill>
+                  <a:srgbClr val="000000"/>
+                </a:solidFill>
+              </a:rPr>
+              <a:t>Method descriptor</a:t>
+            </a:r>
+          </a:p>
+          <a:p>
+            <a:pPr marL="517525" indent="-457200">
+              <a:buClrTx/>
+              <a:buFont typeface="Wingdings" pitchFamily="2" charset="2"/>
+              <a:buChar char="q"/>
+            </a:pPr>
+            <a:r>
+              <a:rPr lang="en-US" b="0">
+                <a:solidFill>
+                  <a:srgbClr val="000000"/>
+                </a:solidFill>
+              </a:rPr>
+              <a:t>Là một chuỗi tương tự như prototype của method nhưng có mô tả khác. Gồm 2 phần “(?)?” Với chấm hỏi thứ nhất là phần các tham số truyền vào method, Chấm hỏi thứ hay là giá trị trả về. Còn nội dụng của ? thì giống với Field descriptor. Lưu ý là void có ký hiệu là “V</a:t>
+            </a:r>
+            <a:r>
+              <a:rPr lang="en-US" b="0">
+                <a:solidFill>
+                  <a:srgbClr val="000000"/>
+                </a:solidFill>
+              </a:rPr>
+              <a:t>”. </a:t>
+            </a:r>
+            <a:endParaRPr lang="en-US" b="0" smtClean="0">
+              <a:solidFill>
+                <a:srgbClr val="000000"/>
+              </a:solidFill>
+            </a:endParaRPr>
+          </a:p>
+          <a:p>
+            <a:pPr marL="517525" indent="-457200">
+              <a:buClrTx/>
+              <a:buFont typeface="Wingdings" pitchFamily="2" charset="2"/>
+              <a:buChar char="q"/>
+            </a:pPr>
+            <a:r>
+              <a:rPr lang="en-US" b="0" smtClean="0">
+                <a:solidFill>
+                  <a:srgbClr val="000000"/>
+                </a:solidFill>
+              </a:rPr>
+              <a:t>Một </a:t>
+            </a:r>
+            <a:r>
+              <a:rPr lang="en-US" b="0">
+                <a:solidFill>
+                  <a:srgbClr val="000000"/>
+                </a:solidFill>
+              </a:rPr>
+              <a:t>vài ví dụ:</a:t>
+            </a:r>
+          </a:p>
+          <a:p>
+            <a:pPr marL="517525" indent="-457200">
+              <a:buClrTx/>
+              <a:buFont typeface="Wingdings" pitchFamily="2" charset="2"/>
+              <a:buChar char="q"/>
+            </a:pPr>
+            <a:r>
+              <a:rPr lang="en-US" b="0">
+                <a:solidFill>
+                  <a:srgbClr val="000000"/>
+                </a:solidFill>
+              </a:rPr>
+              <a:t>“()V”</a:t>
+            </a:r>
+          </a:p>
+          <a:p>
+            <a:pPr marL="517525" indent="-457200">
+              <a:buClrTx/>
+              <a:buFont typeface="Wingdings" pitchFamily="2" charset="2"/>
+              <a:buChar char="q"/>
+            </a:pPr>
+            <a:r>
+              <a:rPr lang="en-US" b="0">
+                <a:solidFill>
+                  <a:srgbClr val="000000"/>
+                </a:solidFill>
+              </a:rPr>
+              <a:t>“(I)I”</a:t>
+            </a:r>
+          </a:p>
+          <a:p>
+            <a:pPr marL="517525" indent="-457200">
+              <a:buClrTx/>
+              <a:buFont typeface="Wingdings" pitchFamily="2" charset="2"/>
+              <a:buChar char="q"/>
+            </a:pPr>
+            <a:r>
+              <a:rPr lang="en-US" b="0">
+                <a:solidFill>
+                  <a:srgbClr val="000000"/>
+                </a:solidFill>
+              </a:rPr>
+              <a:t>“(Ljava/lang/String;)Ljava/lang/String;”</a:t>
+            </a:r>
+          </a:p>
+          <a:p>
+            <a:endParaRPr lang="en-US"/>
+          </a:p>
+        </p:txBody>
+      </p:sp>
+    </p:spTree>
+    <p:extLst>
+      <p:ext uri="{BB962C8B-B14F-4D97-AF65-F5344CB8AC3E}">
+        <p14:creationId xmlns:p14="http://schemas.microsoft.com/office/powerpoint/2010/main" val="474669070"/>
+      </p:ext>
+    </p:extLst>
+  </p:cSld>
+  <p:clrMapOvr>
+    <a:masterClrMapping/>
+  </p:clrMapOvr>
+  <p:timing>
+    <p:tnLst>
+      <p:par>
+        <p:cTn id="1" dur="indefinite" restart="never" nodeType="tmRoot"/>
+      </p:par>
+    </p:tnLst>
+  </p:timing>
+</p:sld>
+</file>
+
+<file path=ppt/slides/slide18.xml><?xml version="1.0" encoding="utf-8"?>
+<p:sld xmlns:a="http://schemas.openxmlformats.org/drawingml/2006/main" xmlns:r="http://schemas.openxmlformats.org/officeDocument/2006/relationships" xmlns:p="http://schemas.openxmlformats.org/presentationml/2006/main">
+  <p:cSld>
+    <p:spTree>
+      <p:nvGrpSpPr>
+        <p:cNvPr id="1" name=""/>
+        <p:cNvGrpSpPr/>
+        <p:nvPr/>
+      </p:nvGrpSpPr>
+      <p:grpSpPr>
+        <a:xfrm>
+          <a:off x="0" y="0"/>
+          <a:ext cx="0" cy="0"/>
+          <a:chOff x="0" y="0"/>
+          <a:chExt cx="0" cy="0"/>
+        </a:xfrm>
+      </p:grpSpPr>
+      <p:sp>
+        <p:nvSpPr>
+          <p:cNvPr id="8" name="Title 1"/>
+          <p:cNvSpPr>
+            <a:spLocks noGrp="1"/>
+          </p:cNvSpPr>
+          <p:nvPr>
+            <p:ph type="title"/>
+          </p:nvPr>
+        </p:nvSpPr>
+        <p:spPr>
+          <a:xfrm>
+            <a:off x="228600" y="579437"/>
+            <a:ext cx="9448800" cy="563563"/>
+          </a:xfrm>
+        </p:spPr>
+        <p:txBody>
+          <a:bodyPr>
+            <a:noAutofit/>
+          </a:bodyPr>
+          <a:lstStyle/>
+          <a:p>
             <a:r>
               <a:rPr lang="en-US" sz="2900" cap="all" smtClean="0">
                 <a:ln w="9000" cmpd="sng">
@@ -8993,52 +14653,7 @@
                   <a:reflection blurRad="12700" stA="28000" endPos="45000" dist="1000" dir="5400000" sy="-100000" algn="bl" rotWithShape="0"/>
                 </a:effectLst>
               </a:rPr>
-              <a:t>2.4 </a:t>
-            </a:r>
-            <a:r>
-              <a:rPr lang="en-US" sz="2900" cap="all" smtClean="0">
-                <a:ln w="9000" cmpd="sng">
-                  <a:solidFill>
-                    <a:schemeClr val="accent4">
-                      <a:shade val="50000"/>
-                      <a:satMod val="120000"/>
-                    </a:schemeClr>
-                  </a:solidFill>
-                  <a:prstDash val="solid"/>
-                </a:ln>
-                <a:gradFill>
-                  <a:gsLst>
-                    <a:gs pos="0">
-                      <a:schemeClr val="accent4">
-                        <a:shade val="20000"/>
-                        <a:satMod val="245000"/>
-                      </a:schemeClr>
-                    </a:gs>
-                    <a:gs pos="43000">
-                      <a:schemeClr val="accent4">
-                        <a:satMod val="255000"/>
-                      </a:schemeClr>
-                    </a:gs>
-                    <a:gs pos="48000">
-                      <a:schemeClr val="accent4">
-                        <a:shade val="85000"/>
-                        <a:satMod val="255000"/>
-                      </a:schemeClr>
-                    </a:gs>
-                    <a:gs pos="100000">
-                      <a:schemeClr val="accent4">
-                        <a:shade val="20000"/>
-                        <a:satMod val="245000"/>
-                      </a:schemeClr>
-                    </a:gs>
-                  </a:gsLst>
-                  <a:lin ang="5400000"/>
-                </a:gradFill>
-                <a:effectLst>
-                  <a:reflection blurRad="12700" stA="28000" endPos="45000" dist="1000" dir="5400000" sy="-100000" algn="bl" rotWithShape="0"/>
-                </a:effectLst>
-              </a:rPr>
-              <a:t>bắt các exception</a:t>
+              <a:t>2.4 bắt các exception</a:t>
             </a:r>
             <a:endParaRPr lang="en-US" sz="2900" cap="all">
               <a:ln w="9000" cmpd="sng">
@@ -9087,25 +14702,6 @@
       </p:sp>
       <p:sp>
         <p:nvSpPr>
-          <p:cNvPr id="2" name="Content Placeholder 1"/>
-          <p:cNvSpPr>
-            <a:spLocks noGrp="1"/>
-          </p:cNvSpPr>
-          <p:nvPr>
-            <p:ph idx="1"/>
-          </p:nvPr>
-        </p:nvSpPr>
-        <p:spPr/>
-        <p:txBody>
-          <a:bodyPr/>
-          <a:lstStyle/>
-          <a:p>
-            <a:endParaRPr lang="en-US"/>
-          </a:p>
-        </p:txBody>
-      </p:sp>
-      <p:sp>
-        <p:nvSpPr>
           <p:cNvPr id="4" name="Footer Placeholder 3"/>
           <p:cNvSpPr>
             <a:spLocks noGrp="1"/>
@@ -9150,7 +14746,7 @@
             <a:fld id="{B6F15528-21DE-4FAA-801E-634DDDAF4B2B}" type="slidenum">
               <a:rPr lang="en-US" sz="2000" smtClean="0"/>
               <a:pPr/>
-              <a:t>12</a:t>
+              <a:t>18</a:t>
             </a:fld>
             <a:endParaRPr lang="en-US" sz="2000"/>
           </a:p>
@@ -9176,7 +14772,7 @@
 </p:sld>
 </file>
 
-<file path=ppt/slides/slide13.xml><?xml version="1.0" encoding="utf-8"?>
+<file path=ppt/slides/slide19.xml><?xml version="1.0" encoding="utf-8"?>
 <p:sld xmlns:a="http://schemas.openxmlformats.org/drawingml/2006/main" xmlns:r="http://schemas.openxmlformats.org/officeDocument/2006/relationships" xmlns:p="http://schemas.openxmlformats.org/presentationml/2006/main">
   <p:cSld>
     <p:spTree>
@@ -9258,52 +14854,7 @@
                   <a:reflection blurRad="12700" stA="28000" endPos="45000" dist="1000" dir="5400000" sy="-100000" algn="bl" rotWithShape="0"/>
                 </a:effectLst>
               </a:rPr>
-              <a:t>2.5 </a:t>
-            </a:r>
-            <a:r>
-              <a:rPr lang="en-US" sz="2900" cap="all" smtClean="0">
-                <a:ln w="9000" cmpd="sng">
-                  <a:solidFill>
-                    <a:schemeClr val="accent4">
-                      <a:shade val="50000"/>
-                      <a:satMod val="120000"/>
-                    </a:schemeClr>
-                  </a:solidFill>
-                  <a:prstDash val="solid"/>
-                </a:ln>
-                <a:gradFill>
-                  <a:gsLst>
-                    <a:gs pos="0">
-                      <a:schemeClr val="accent4">
-                        <a:shade val="20000"/>
-                        <a:satMod val="245000"/>
-                      </a:schemeClr>
-                    </a:gs>
-                    <a:gs pos="43000">
-                      <a:schemeClr val="accent4">
-                        <a:satMod val="255000"/>
-                      </a:schemeClr>
-                    </a:gs>
-                    <a:gs pos="48000">
-                      <a:schemeClr val="accent4">
-                        <a:shade val="85000"/>
-                        <a:satMod val="255000"/>
-                      </a:schemeClr>
-                    </a:gs>
-                    <a:gs pos="100000">
-                      <a:schemeClr val="accent4">
-                        <a:shade val="20000"/>
-                        <a:satMod val="245000"/>
-                      </a:schemeClr>
-                    </a:gs>
-                  </a:gsLst>
-                  <a:lin ang="5400000"/>
-                </a:gradFill>
-                <a:effectLst>
-                  <a:reflection blurRad="12700" stA="28000" endPos="45000" dist="1000" dir="5400000" sy="-100000" algn="bl" rotWithShape="0"/>
-                </a:effectLst>
-              </a:rPr>
-              <a:t>the invocation api</a:t>
+              <a:t>2.5 the invocation api</a:t>
             </a:r>
             <a:endParaRPr lang="en-US" sz="2900" cap="all">
               <a:ln w="9000" cmpd="sng">
@@ -9415,7 +14966,7 @@
             <a:fld id="{B6F15528-21DE-4FAA-801E-634DDDAF4B2B}" type="slidenum">
               <a:rPr lang="en-US" sz="2000" smtClean="0"/>
               <a:pPr/>
-              <a:t>13</a:t>
+              <a:t>19</a:t>
             </a:fld>
             <a:endParaRPr lang="en-US" sz="2000"/>
           </a:p>
@@ -9441,7 +14992,7 @@
 </p:sld>
 </file>
 
-<file path=ppt/slides/slide14.xml><?xml version="1.0" encoding="utf-8"?>
+<file path=ppt/slides/slide2.xml><?xml version="1.0" encoding="utf-8"?>
 <p:sld xmlns:a="http://schemas.openxmlformats.org/drawingml/2006/main" xmlns:r="http://schemas.openxmlformats.org/officeDocument/2006/relationships" xmlns:p="http://schemas.openxmlformats.org/presentationml/2006/main">
   <p:cSld>
     <p:spTree>
@@ -9460,6 +15011,406 @@
       </p:grpSpPr>
       <p:sp>
         <p:nvSpPr>
+          <p:cNvPr id="2" name="Title 1"/>
+          <p:cNvSpPr>
+            <a:spLocks noGrp="1"/>
+          </p:cNvSpPr>
+          <p:nvPr>
+            <p:ph type="title"/>
+          </p:nvPr>
+        </p:nvSpPr>
+        <p:spPr>
+          <a:xfrm>
+            <a:off x="228600" y="579437"/>
+            <a:ext cx="8915400" cy="563563"/>
+          </a:xfrm>
+        </p:spPr>
+        <p:txBody>
+          <a:bodyPr>
+            <a:normAutofit fontScale="90000"/>
+          </a:bodyPr>
+          <a:lstStyle/>
+          <a:p>
+            <a:pPr algn="l"/>
+            <a:r>
+              <a:rPr lang="en-US" cap="all" smtClean="0">
+                <a:ln w="9000" cmpd="sng">
+                  <a:solidFill>
+                    <a:schemeClr val="accent4">
+                      <a:shade val="50000"/>
+                      <a:satMod val="120000"/>
+                    </a:schemeClr>
+                  </a:solidFill>
+                  <a:prstDash val="solid"/>
+                </a:ln>
+                <a:gradFill>
+                  <a:gsLst>
+                    <a:gs pos="0">
+                      <a:schemeClr val="accent4">
+                        <a:shade val="20000"/>
+                        <a:satMod val="245000"/>
+                      </a:schemeClr>
+                    </a:gs>
+                    <a:gs pos="43000">
+                      <a:schemeClr val="accent4">
+                        <a:satMod val="255000"/>
+                      </a:schemeClr>
+                    </a:gs>
+                    <a:gs pos="48000">
+                      <a:schemeClr val="accent4">
+                        <a:shade val="85000"/>
+                        <a:satMod val="255000"/>
+                      </a:schemeClr>
+                    </a:gs>
+                    <a:gs pos="100000">
+                      <a:schemeClr val="accent4">
+                        <a:shade val="20000"/>
+                        <a:satMod val="245000"/>
+                      </a:schemeClr>
+                    </a:gs>
+                  </a:gsLst>
+                  <a:lin ang="5400000"/>
+                </a:gradFill>
+                <a:effectLst>
+                  <a:reflection blurRad="12700" stA="28000" endPos="45000" dist="1000" dir="5400000" sy="-100000" algn="bl" rotWithShape="0"/>
+                </a:effectLst>
+              </a:rPr>
+              <a:t>Nội dung thuyết trình</a:t>
+            </a:r>
+            <a:endParaRPr lang="en-US" cap="all">
+              <a:ln w="9000" cmpd="sng">
+                <a:solidFill>
+                  <a:schemeClr val="accent4">
+                    <a:shade val="50000"/>
+                    <a:satMod val="120000"/>
+                  </a:schemeClr>
+                </a:solidFill>
+                <a:prstDash val="solid"/>
+              </a:ln>
+              <a:gradFill>
+                <a:gsLst>
+                  <a:gs pos="0">
+                    <a:schemeClr val="accent4">
+                      <a:shade val="20000"/>
+                      <a:satMod val="245000"/>
+                    </a:schemeClr>
+                  </a:gs>
+                  <a:gs pos="43000">
+                    <a:schemeClr val="accent4">
+                      <a:satMod val="255000"/>
+                    </a:schemeClr>
+                  </a:gs>
+                  <a:gs pos="48000">
+                    <a:schemeClr val="accent4">
+                      <a:shade val="85000"/>
+                      <a:satMod val="255000"/>
+                    </a:schemeClr>
+                  </a:gs>
+                  <a:gs pos="100000">
+                    <a:schemeClr val="accent4">
+                      <a:shade val="20000"/>
+                      <a:satMod val="245000"/>
+                    </a:schemeClr>
+                  </a:gs>
+                </a:gsLst>
+                <a:lin ang="5400000"/>
+              </a:gradFill>
+              <a:effectLst>
+                <a:reflection blurRad="12700" stA="28000" endPos="45000" dist="1000" dir="5400000" sy="-100000" algn="bl" rotWithShape="0"/>
+              </a:effectLst>
+            </a:endParaRPr>
+          </a:p>
+        </p:txBody>
+      </p:sp>
+      <p:graphicFrame>
+        <p:nvGraphicFramePr>
+          <p:cNvPr id="6" name="Content Placeholder 5"/>
+          <p:cNvGraphicFramePr>
+            <a:graphicFrameLocks noGrp="1"/>
+          </p:cNvGraphicFramePr>
+          <p:nvPr>
+            <p:ph idx="1"/>
+            <p:extLst>
+              <p:ext uri="{D42A27DB-BD31-4B8C-83A1-F6EECF244321}">
+                <p14:modId xmlns:p14="http://schemas.microsoft.com/office/powerpoint/2010/main" val="1062736957"/>
+              </p:ext>
+            </p:extLst>
+          </p:nvPr>
+        </p:nvGraphicFramePr>
+        <p:xfrm>
+          <a:off x="533400" y="1620916"/>
+          <a:ext cx="8229600" cy="4343400"/>
+        </p:xfrm>
+        <a:graphic>
+          <a:graphicData uri="http://schemas.openxmlformats.org/drawingml/2006/diagram">
+            <dgm:relIds xmlns:dgm="http://schemas.openxmlformats.org/drawingml/2006/diagram" xmlns:r="http://schemas.openxmlformats.org/officeDocument/2006/relationships" r:dm="rId2" r:lo="rId3" r:qs="rId4" r:cs="rId5"/>
+          </a:graphicData>
+        </a:graphic>
+      </p:graphicFrame>
+      <p:sp>
+        <p:nvSpPr>
+          <p:cNvPr id="26" name="Hexagon 25"/>
+          <p:cNvSpPr/>
+          <p:nvPr/>
+        </p:nvSpPr>
+        <p:spPr>
+          <a:xfrm>
+            <a:off x="762000" y="1933575"/>
+            <a:ext cx="838200" cy="762000"/>
+          </a:xfrm>
+          <a:prstGeom prst="hexagon">
+            <a:avLst/>
+          </a:prstGeom>
+        </p:spPr>
+        <p:style>
+          <a:lnRef idx="3">
+            <a:schemeClr val="lt1"/>
+          </a:lnRef>
+          <a:fillRef idx="1">
+            <a:schemeClr val="accent2"/>
+          </a:fillRef>
+          <a:effectRef idx="1">
+            <a:schemeClr val="accent2"/>
+          </a:effectRef>
+          <a:fontRef idx="minor">
+            <a:schemeClr val="lt1"/>
+          </a:fontRef>
+        </p:style>
+        <p:txBody>
+          <a:bodyPr rtlCol="0" anchor="ctr"/>
+          <a:lstStyle/>
+          <a:p>
+            <a:pPr algn="ctr"/>
+            <a:r>
+              <a:rPr lang="en-US" sz="2000" b="1" smtClean="0"/>
+              <a:t>1</a:t>
+            </a:r>
+            <a:endParaRPr lang="en-US" sz="2000" b="1"/>
+          </a:p>
+        </p:txBody>
+      </p:sp>
+      <p:sp>
+        <p:nvSpPr>
+          <p:cNvPr id="27" name="Hexagon 26"/>
+          <p:cNvSpPr/>
+          <p:nvPr/>
+        </p:nvSpPr>
+        <p:spPr>
+          <a:xfrm>
+            <a:off x="763814" y="2895600"/>
+            <a:ext cx="838200" cy="762000"/>
+          </a:xfrm>
+          <a:prstGeom prst="hexagon">
+            <a:avLst/>
+          </a:prstGeom>
+        </p:spPr>
+        <p:style>
+          <a:lnRef idx="3">
+            <a:schemeClr val="lt1"/>
+          </a:lnRef>
+          <a:fillRef idx="1">
+            <a:schemeClr val="accent1"/>
+          </a:fillRef>
+          <a:effectRef idx="1">
+            <a:schemeClr val="accent1"/>
+          </a:effectRef>
+          <a:fontRef idx="minor">
+            <a:schemeClr val="lt1"/>
+          </a:fontRef>
+        </p:style>
+        <p:txBody>
+          <a:bodyPr rtlCol="0" anchor="ctr"/>
+          <a:lstStyle/>
+          <a:p>
+            <a:pPr algn="ctr"/>
+            <a:r>
+              <a:rPr lang="en-US" sz="2000" b="1" smtClean="0"/>
+              <a:t>2</a:t>
+            </a:r>
+            <a:endParaRPr lang="en-US" sz="2000" b="1"/>
+          </a:p>
+        </p:txBody>
+      </p:sp>
+      <p:sp>
+        <p:nvSpPr>
+          <p:cNvPr id="28" name="Hexagon 27"/>
+          <p:cNvSpPr/>
+          <p:nvPr/>
+        </p:nvSpPr>
+        <p:spPr>
+          <a:xfrm>
+            <a:off x="762000" y="3867150"/>
+            <a:ext cx="838200" cy="762000"/>
+          </a:xfrm>
+          <a:prstGeom prst="hexagon">
+            <a:avLst/>
+          </a:prstGeom>
+        </p:spPr>
+        <p:style>
+          <a:lnRef idx="3">
+            <a:schemeClr val="lt1"/>
+          </a:lnRef>
+          <a:fillRef idx="1">
+            <a:schemeClr val="accent2"/>
+          </a:fillRef>
+          <a:effectRef idx="1">
+            <a:schemeClr val="accent2"/>
+          </a:effectRef>
+          <a:fontRef idx="minor">
+            <a:schemeClr val="lt1"/>
+          </a:fontRef>
+        </p:style>
+        <p:txBody>
+          <a:bodyPr rtlCol="0" anchor="ctr"/>
+          <a:lstStyle/>
+          <a:p>
+            <a:pPr algn="ctr"/>
+            <a:r>
+              <a:rPr lang="en-US" sz="2000" b="1" smtClean="0"/>
+              <a:t>3</a:t>
+            </a:r>
+            <a:endParaRPr lang="en-US" sz="2000" b="1"/>
+          </a:p>
+        </p:txBody>
+      </p:sp>
+      <p:sp>
+        <p:nvSpPr>
+          <p:cNvPr id="29" name="Hexagon 28"/>
+          <p:cNvSpPr/>
+          <p:nvPr/>
+        </p:nvSpPr>
+        <p:spPr>
+          <a:xfrm>
+            <a:off x="762000" y="4813300"/>
+            <a:ext cx="838200" cy="762000"/>
+          </a:xfrm>
+          <a:prstGeom prst="hexagon">
+            <a:avLst/>
+          </a:prstGeom>
+        </p:spPr>
+        <p:style>
+          <a:lnRef idx="3">
+            <a:schemeClr val="lt1"/>
+          </a:lnRef>
+          <a:fillRef idx="1">
+            <a:schemeClr val="accent1"/>
+          </a:fillRef>
+          <a:effectRef idx="1">
+            <a:schemeClr val="accent1"/>
+          </a:effectRef>
+          <a:fontRef idx="minor">
+            <a:schemeClr val="lt1"/>
+          </a:fontRef>
+        </p:style>
+        <p:txBody>
+          <a:bodyPr rtlCol="0" anchor="ctr"/>
+          <a:lstStyle/>
+          <a:p>
+            <a:pPr algn="ctr"/>
+            <a:r>
+              <a:rPr lang="en-US" sz="2000" b="1" smtClean="0"/>
+              <a:t>4</a:t>
+            </a:r>
+            <a:endParaRPr lang="en-US" sz="2000" b="1"/>
+          </a:p>
+        </p:txBody>
+      </p:sp>
+      <p:sp>
+        <p:nvSpPr>
+          <p:cNvPr id="10" name="Footer Placeholder 9"/>
+          <p:cNvSpPr>
+            <a:spLocks noGrp="1"/>
+          </p:cNvSpPr>
+          <p:nvPr>
+            <p:ph type="ftr" sz="quarter" idx="11"/>
+          </p:nvPr>
+        </p:nvSpPr>
+        <p:spPr>
+          <a:xfrm>
+            <a:off x="7162800" y="152400"/>
+            <a:ext cx="1752600" cy="228600"/>
+          </a:xfrm>
+        </p:spPr>
+        <p:txBody>
+          <a:bodyPr/>
+          <a:lstStyle/>
+          <a:p>
+            <a:r>
+              <a:rPr lang="en-US" smtClean="0"/>
+              <a:t>www.hcmus.edu.vn</a:t>
+            </a:r>
+            <a:endParaRPr lang="en-US"/>
+          </a:p>
+        </p:txBody>
+      </p:sp>
+      <p:sp>
+        <p:nvSpPr>
+          <p:cNvPr id="12" name="Slide Number Placeholder 11"/>
+          <p:cNvSpPr>
+            <a:spLocks noGrp="1"/>
+          </p:cNvSpPr>
+          <p:nvPr>
+            <p:ph type="sldNum" sz="quarter" idx="12"/>
+          </p:nvPr>
+        </p:nvSpPr>
+        <p:spPr>
+          <a:xfrm>
+            <a:off x="3429000" y="6477000"/>
+            <a:ext cx="2133600" cy="381000"/>
+          </a:xfrm>
+        </p:spPr>
+        <p:txBody>
+          <a:bodyPr/>
+          <a:lstStyle/>
+          <a:p>
+            <a:fld id="{B6F15528-21DE-4FAA-801E-634DDDAF4B2B}" type="slidenum">
+              <a:rPr lang="en-US" sz="2000" smtClean="0"/>
+              <a:pPr/>
+              <a:t>2</a:t>
+            </a:fld>
+            <a:endParaRPr lang="en-US" sz="2000"/>
+          </a:p>
+        </p:txBody>
+      </p:sp>
+    </p:spTree>
+    <p:extLst>
+      <p:ext uri="{BB962C8B-B14F-4D97-AF65-F5344CB8AC3E}">
+        <p14:creationId xmlns:p14="http://schemas.microsoft.com/office/powerpoint/2010/main" val="1447732200"/>
+      </p:ext>
+    </p:extLst>
+  </p:cSld>
+  <p:clrMapOvr>
+    <a:masterClrMapping/>
+  </p:clrMapOvr>
+  <p:timing>
+    <p:tnLst>
+      <p:par>
+        <p:cTn id="1" dur="indefinite" restart="never" nodeType="tmRoot"/>
+      </p:par>
+    </p:tnLst>
+  </p:timing>
+</p:sld>
+</file>
+
+<file path=ppt/slides/slide20.xml><?xml version="1.0" encoding="utf-8"?>
+<p:sld xmlns:a="http://schemas.openxmlformats.org/drawingml/2006/main" xmlns:r="http://schemas.openxmlformats.org/officeDocument/2006/relationships" xmlns:p="http://schemas.openxmlformats.org/presentationml/2006/main">
+  <p:cSld>
+    <p:spTree>
+      <p:nvGrpSpPr>
+        <p:cNvPr id="1" name=""/>
+        <p:cNvGrpSpPr/>
+        <p:nvPr/>
+      </p:nvGrpSpPr>
+      <p:grpSpPr>
+        <a:xfrm>
+          <a:off x="0" y="0"/>
+          <a:ext cx="0" cy="0"/>
+          <a:chOff x="0" y="0"/>
+          <a:chExt cx="0" cy="0"/>
+        </a:xfrm>
+      </p:grpSpPr>
+      <p:sp>
+        <p:nvSpPr>
           <p:cNvPr id="8" name="Title 1"/>
           <p:cNvSpPr>
             <a:spLocks noGrp="1"/>
@@ -9523,7 +15474,7 @@
                   <a:reflection blurRad="12700" stA="28000" endPos="45000" dist="1000" dir="5400000" sy="-100000" algn="bl" rotWithShape="0"/>
                 </a:effectLst>
               </a:rPr>
-              <a:t>2.6 </a:t>
+              <a:t>2.6 demo </a:t>
             </a:r>
             <a:r>
               <a:rPr lang="en-US" sz="2900" cap="all" smtClean="0">
@@ -9568,7 +15519,7 @@
                   <a:reflection blurRad="12700" stA="28000" endPos="45000" dist="1000" dir="5400000" sy="-100000" algn="bl" rotWithShape="0"/>
                 </a:effectLst>
               </a:rPr>
-              <a:t>demo Helloworld</a:t>
+              <a:t>Hello world</a:t>
             </a:r>
             <a:endParaRPr lang="en-US" sz="2900" cap="all">
               <a:ln w="9000" cmpd="sng">
@@ -9617,25 +15568,6 @@
       </p:sp>
       <p:sp>
         <p:nvSpPr>
-          <p:cNvPr id="2" name="Content Placeholder 1"/>
-          <p:cNvSpPr>
-            <a:spLocks noGrp="1"/>
-          </p:cNvSpPr>
-          <p:nvPr>
-            <p:ph idx="1"/>
-          </p:nvPr>
-        </p:nvSpPr>
-        <p:spPr/>
-        <p:txBody>
-          <a:bodyPr/>
-          <a:lstStyle/>
-          <a:p>
-            <a:endParaRPr lang="en-US"/>
-          </a:p>
-        </p:txBody>
-      </p:sp>
-      <p:sp>
-        <p:nvSpPr>
           <p:cNvPr id="4" name="Footer Placeholder 3"/>
           <p:cNvSpPr>
             <a:spLocks noGrp="1"/>
@@ -9680,9 +15612,90 @@
             <a:fld id="{B6F15528-21DE-4FAA-801E-634DDDAF4B2B}" type="slidenum">
               <a:rPr lang="en-US" sz="2000" smtClean="0"/>
               <a:pPr/>
-              <a:t>14</a:t>
+              <a:t>20</a:t>
             </a:fld>
             <a:endParaRPr lang="en-US" sz="2000"/>
+          </a:p>
+        </p:txBody>
+      </p:sp>
+      <p:sp>
+        <p:nvSpPr>
+          <p:cNvPr id="7" name="Content Placeholder 1"/>
+          <p:cNvSpPr>
+            <a:spLocks noGrp="1"/>
+          </p:cNvSpPr>
+          <p:nvPr>
+            <p:ph idx="1"/>
+          </p:nvPr>
+        </p:nvSpPr>
+        <p:spPr>
+          <a:xfrm>
+            <a:off x="457200" y="1447800"/>
+            <a:ext cx="8229600" cy="4800600"/>
+          </a:xfrm>
+        </p:spPr>
+        <p:txBody>
+          <a:bodyPr/>
+          <a:lstStyle/>
+          <a:p>
+            <a:pPr marL="0" lvl="0" indent="0" algn="ctr">
+              <a:buNone/>
+            </a:pPr>
+            <a:r>
+              <a:rPr lang="en-US" smtClean="0">
+                <a:solidFill>
+                  <a:srgbClr val="000000"/>
+                </a:solidFill>
+              </a:rPr>
+              <a:t>Mời mọi người cùng xem clip</a:t>
+            </a:r>
+            <a:endParaRPr lang="en-US" smtClean="0">
+              <a:solidFill>
+                <a:srgbClr val="000000"/>
+              </a:solidFill>
+            </a:endParaRPr>
+          </a:p>
+        </p:txBody>
+      </p:sp>
+      <p:sp>
+        <p:nvSpPr>
+          <p:cNvPr id="9" name="7-Point Star 8"/>
+          <p:cNvSpPr/>
+          <p:nvPr/>
+        </p:nvSpPr>
+        <p:spPr>
+          <a:xfrm>
+            <a:off x="3124200" y="3031671"/>
+            <a:ext cx="2819400" cy="2073729"/>
+          </a:xfrm>
+          <a:prstGeom prst="star7">
+            <a:avLst/>
+          </a:prstGeom>
+        </p:spPr>
+        <p:style>
+          <a:lnRef idx="3">
+            <a:schemeClr val="lt1"/>
+          </a:lnRef>
+          <a:fillRef idx="1">
+            <a:schemeClr val="accent4"/>
+          </a:fillRef>
+          <a:effectRef idx="1">
+            <a:schemeClr val="accent4"/>
+          </a:effectRef>
+          <a:fontRef idx="minor">
+            <a:schemeClr val="lt1"/>
+          </a:fontRef>
+        </p:style>
+        <p:txBody>
+          <a:bodyPr rtlCol="0" anchor="ctr"/>
+          <a:lstStyle/>
+          <a:p>
+            <a:pPr algn="ctr"/>
+            <a:r>
+              <a:rPr lang="en-US" sz="2800" b="1" smtClean="0"/>
+              <a:t>Demo</a:t>
+            </a:r>
+            <a:endParaRPr lang="en-US" b="1"/>
           </a:p>
         </p:txBody>
       </p:sp>
@@ -9706,7 +15719,7 @@
 </p:sld>
 </file>
 
-<file path=ppt/slides/slide15.xml><?xml version="1.0" encoding="utf-8"?>
+<file path=ppt/slides/slide21.xml><?xml version="1.0" encoding="utf-8"?>
 <p:sld xmlns:a="http://schemas.openxmlformats.org/drawingml/2006/main" xmlns:r="http://schemas.openxmlformats.org/officeDocument/2006/relationships" xmlns:p="http://schemas.openxmlformats.org/presentationml/2006/main">
   <p:cSld>
     <p:spTree>
@@ -9850,14 +15863,151 @@
           <a:bodyPr/>
           <a:lstStyle/>
           <a:p>
-            <a:pPr lvl="0"/>
-            <a:r>
-              <a:rPr lang="en-US" smtClean="0"/>
-              <a:t>Java Native Access</a:t>
-            </a:r>
-          </a:p>
-          <a:p>
-            <a:endParaRPr lang="en-US"/>
+            <a:pPr lvl="0">
+              <a:buClr>
+                <a:srgbClr val="000000"/>
+              </a:buClr>
+              <a:buFont typeface="Wingdings" pitchFamily="2" charset="2"/>
+              <a:buChar char="q"/>
+            </a:pPr>
+            <a:r>
+              <a:rPr lang="en-US" b="0" smtClean="0">
+                <a:solidFill>
+                  <a:srgbClr val="000000"/>
+                </a:solidFill>
+                <a:latin typeface="+mj-lt"/>
+              </a:rPr>
+              <a:t>Java </a:t>
+            </a:r>
+            <a:r>
+              <a:rPr lang="en-US" b="0">
+                <a:solidFill>
+                  <a:srgbClr val="000000"/>
+                </a:solidFill>
+                <a:latin typeface="+mj-lt"/>
+              </a:rPr>
+              <a:t>Native </a:t>
+            </a:r>
+            <a:r>
+              <a:rPr lang="en-US" b="0" smtClean="0">
+                <a:solidFill>
+                  <a:srgbClr val="000000"/>
+                </a:solidFill>
+                <a:latin typeface="+mj-lt"/>
+              </a:rPr>
+              <a:t>Access (JNA) </a:t>
+            </a:r>
+            <a:r>
+              <a:rPr lang="en-US" b="0">
+                <a:solidFill>
+                  <a:srgbClr val="000000"/>
+                </a:solidFill>
+                <a:latin typeface="+mj-lt"/>
+              </a:rPr>
+              <a:t>là một phần mở rộng của Java cho phép sử dụng các API bao gồm các tập tin thư viện động DLL trong Windows</a:t>
+            </a:r>
+            <a:r>
+              <a:rPr lang="en-US" b="0">
+                <a:solidFill>
+                  <a:srgbClr val="000000"/>
+                </a:solidFill>
+                <a:latin typeface="+mj-lt"/>
+              </a:rPr>
+              <a:t>. </a:t>
+            </a:r>
+            <a:endParaRPr lang="en-US" b="0">
+              <a:solidFill>
+                <a:srgbClr val="000000"/>
+              </a:solidFill>
+              <a:latin typeface="+mj-lt"/>
+            </a:endParaRPr>
+          </a:p>
+          <a:p>
+            <a:pPr lvl="0">
+              <a:buClr>
+                <a:srgbClr val="000000"/>
+              </a:buClr>
+              <a:buFont typeface="Wingdings" pitchFamily="2" charset="2"/>
+              <a:buChar char="q"/>
+            </a:pPr>
+            <a:r>
+              <a:rPr lang="en-US" b="0">
+                <a:solidFill>
+                  <a:srgbClr val="000000"/>
+                </a:solidFill>
+                <a:latin typeface="+mj-lt"/>
+              </a:rPr>
+              <a:t>JNA </a:t>
+            </a:r>
+            <a:r>
+              <a:rPr lang="en-US" b="0" smtClean="0">
+                <a:solidFill>
+                  <a:srgbClr val="000000"/>
+                </a:solidFill>
+                <a:latin typeface="+mj-lt"/>
+              </a:rPr>
+              <a:t>hỗ trợ </a:t>
+            </a:r>
+            <a:r>
+              <a:rPr lang="en-US" b="0">
+                <a:solidFill>
+                  <a:srgbClr val="000000"/>
+                </a:solidFill>
+                <a:latin typeface="+mj-lt"/>
+              </a:rPr>
+              <a:t>chương trình </a:t>
+            </a:r>
+            <a:r>
+              <a:rPr lang="en-US" b="0">
+                <a:solidFill>
+                  <a:srgbClr val="000000"/>
+                </a:solidFill>
+                <a:latin typeface="+mj-lt"/>
+              </a:rPr>
+              <a:t>Java </a:t>
+            </a:r>
+            <a:r>
+              <a:rPr lang="en-US" b="0" smtClean="0">
+                <a:solidFill>
+                  <a:srgbClr val="000000"/>
+                </a:solidFill>
+                <a:latin typeface="+mj-lt"/>
+              </a:rPr>
+              <a:t>dễ </a:t>
+            </a:r>
+            <a:r>
+              <a:rPr lang="en-US" b="0">
+                <a:solidFill>
+                  <a:srgbClr val="000000"/>
+                </a:solidFill>
+                <a:latin typeface="+mj-lt"/>
+              </a:rPr>
+              <a:t>dàng truy cập đến các thư viện được chia sẽ mà không cần sử dụng </a:t>
+            </a:r>
+            <a:r>
+              <a:rPr lang="en-US" b="0">
+                <a:solidFill>
+                  <a:srgbClr val="000000"/>
+                </a:solidFill>
+                <a:latin typeface="+mj-lt"/>
+              </a:rPr>
+              <a:t>JNI </a:t>
+            </a:r>
+            <a:r>
+              <a:rPr lang="en-US" b="0" smtClean="0">
+                <a:solidFill>
+                  <a:srgbClr val="000000"/>
+                </a:solidFill>
+                <a:latin typeface="+mj-lt"/>
+              </a:rPr>
+              <a:t>.</a:t>
+            </a:r>
+            <a:endParaRPr lang="en-US" b="0">
+              <a:solidFill>
+                <a:srgbClr val="000000"/>
+              </a:solidFill>
+              <a:latin typeface="+mj-lt"/>
+            </a:endParaRPr>
           </a:p>
         </p:txBody>
       </p:sp>
@@ -9907,7 +16057,7 @@
             <a:fld id="{B6F15528-21DE-4FAA-801E-634DDDAF4B2B}" type="slidenum">
               <a:rPr lang="en-US" sz="2000" smtClean="0"/>
               <a:pPr/>
-              <a:t>15</a:t>
+              <a:t>21</a:t>
             </a:fld>
             <a:endParaRPr lang="en-US" sz="2000"/>
           </a:p>
@@ -9916,7 +16066,7 @@
     </p:spTree>
     <p:extLst>
       <p:ext uri="{BB962C8B-B14F-4D97-AF65-F5344CB8AC3E}">
-        <p14:creationId xmlns:p14="http://schemas.microsoft.com/office/powerpoint/2010/main" val="1125026176"/>
+        <p14:creationId xmlns:p14="http://schemas.microsoft.com/office/powerpoint/2010/main" val="3797964774"/>
       </p:ext>
     </p:extLst>
   </p:cSld>
@@ -9933,7 +16083,7 @@
 </p:sld>
 </file>
 
-<file path=ppt/slides/slide16.xml><?xml version="1.0" encoding="utf-8"?>
+<file path=ppt/slides/slide22.xml><?xml version="1.0" encoding="utf-8"?>
 <p:sld xmlns:a="http://schemas.openxmlformats.org/drawingml/2006/main" xmlns:r="http://schemas.openxmlformats.org/officeDocument/2006/relationships" xmlns:p="http://schemas.openxmlformats.org/presentationml/2006/main">
   <p:cSld>
     <p:spTree>
@@ -10015,7 +16165,7 @@
                   <a:reflection blurRad="12700" stA="28000" endPos="45000" dist="1000" dir="5400000" sy="-100000" algn="bl" rotWithShape="0"/>
                 </a:effectLst>
               </a:rPr>
-              <a:t>4 demo ứng dụng thao tác registry</a:t>
+              <a:t>3. Demo Hello world với JNA</a:t>
             </a:r>
             <a:endParaRPr lang="en-US" sz="2900" cap="all">
               <a:ln w="9000" cmpd="sng">
@@ -10064,32 +16214,6 @@
       </p:sp>
       <p:sp>
         <p:nvSpPr>
-          <p:cNvPr id="2" name="Content Placeholder 1"/>
-          <p:cNvSpPr>
-            <a:spLocks noGrp="1"/>
-          </p:cNvSpPr>
-          <p:nvPr>
-            <p:ph idx="1"/>
-          </p:nvPr>
-        </p:nvSpPr>
-        <p:spPr/>
-        <p:txBody>
-          <a:bodyPr/>
-          <a:lstStyle/>
-          <a:p>
-            <a:pPr lvl="0"/>
-            <a:r>
-              <a:rPr lang="en-US" smtClean="0"/>
-              <a:t>Java Native Access</a:t>
-            </a:r>
-          </a:p>
-          <a:p>
-            <a:endParaRPr lang="en-US"/>
-          </a:p>
-        </p:txBody>
-      </p:sp>
-      <p:sp>
-        <p:nvSpPr>
           <p:cNvPr id="4" name="Footer Placeholder 3"/>
           <p:cNvSpPr>
             <a:spLocks noGrp="1"/>
@@ -10134,9 +16258,367 @@
             <a:fld id="{B6F15528-21DE-4FAA-801E-634DDDAF4B2B}" type="slidenum">
               <a:rPr lang="en-US" sz="2000" smtClean="0"/>
               <a:pPr/>
-              <a:t>16</a:t>
+              <a:t>22</a:t>
             </a:fld>
             <a:endParaRPr lang="en-US" sz="2000"/>
+          </a:p>
+        </p:txBody>
+      </p:sp>
+      <p:sp>
+        <p:nvSpPr>
+          <p:cNvPr id="7" name="Content Placeholder 1"/>
+          <p:cNvSpPr>
+            <a:spLocks noGrp="1"/>
+          </p:cNvSpPr>
+          <p:nvPr>
+            <p:ph idx="1"/>
+          </p:nvPr>
+        </p:nvSpPr>
+        <p:spPr>
+          <a:xfrm>
+            <a:off x="457200" y="1447800"/>
+            <a:ext cx="8229600" cy="4800600"/>
+          </a:xfrm>
+        </p:spPr>
+        <p:txBody>
+          <a:bodyPr/>
+          <a:lstStyle/>
+          <a:p>
+            <a:pPr marL="0" lvl="0" indent="0" algn="ctr">
+              <a:buNone/>
+            </a:pPr>
+            <a:r>
+              <a:rPr lang="en-US" smtClean="0">
+                <a:solidFill>
+                  <a:srgbClr val="000000"/>
+                </a:solidFill>
+              </a:rPr>
+              <a:t>Mời mọi người cùng xem clip</a:t>
+            </a:r>
+            <a:endParaRPr lang="en-US" smtClean="0">
+              <a:solidFill>
+                <a:srgbClr val="000000"/>
+              </a:solidFill>
+            </a:endParaRPr>
+          </a:p>
+        </p:txBody>
+      </p:sp>
+      <p:sp>
+        <p:nvSpPr>
+          <p:cNvPr id="9" name="7-Point Star 8"/>
+          <p:cNvSpPr/>
+          <p:nvPr/>
+        </p:nvSpPr>
+        <p:spPr>
+          <a:xfrm>
+            <a:off x="3124200" y="3031671"/>
+            <a:ext cx="2819400" cy="2073729"/>
+          </a:xfrm>
+          <a:prstGeom prst="star7">
+            <a:avLst/>
+          </a:prstGeom>
+        </p:spPr>
+        <p:style>
+          <a:lnRef idx="3">
+            <a:schemeClr val="lt1"/>
+          </a:lnRef>
+          <a:fillRef idx="1">
+            <a:schemeClr val="accent4"/>
+          </a:fillRef>
+          <a:effectRef idx="1">
+            <a:schemeClr val="accent4"/>
+          </a:effectRef>
+          <a:fontRef idx="minor">
+            <a:schemeClr val="lt1"/>
+          </a:fontRef>
+        </p:style>
+        <p:txBody>
+          <a:bodyPr rtlCol="0" anchor="ctr"/>
+          <a:lstStyle/>
+          <a:p>
+            <a:pPr algn="ctr"/>
+            <a:r>
+              <a:rPr lang="en-US" sz="2800" b="1" smtClean="0"/>
+              <a:t>Demo</a:t>
+            </a:r>
+            <a:endParaRPr lang="en-US" b="1"/>
+          </a:p>
+        </p:txBody>
+      </p:sp>
+    </p:spTree>
+    <p:extLst>
+      <p:ext uri="{BB962C8B-B14F-4D97-AF65-F5344CB8AC3E}">
+        <p14:creationId xmlns:p14="http://schemas.microsoft.com/office/powerpoint/2010/main" val="936051198"/>
+      </p:ext>
+    </p:extLst>
+  </p:cSld>
+  <p:clrMapOvr>
+    <a:masterClrMapping/>
+  </p:clrMapOvr>
+  <p:timing>
+    <p:tnLst>
+      <p:par>
+        <p:cTn id="1" dur="indefinite" restart="never" nodeType="tmRoot"/>
+      </p:par>
+    </p:tnLst>
+  </p:timing>
+</p:sld>
+</file>
+
+<file path=ppt/slides/slide23.xml><?xml version="1.0" encoding="utf-8"?>
+<p:sld xmlns:a="http://schemas.openxmlformats.org/drawingml/2006/main" xmlns:r="http://schemas.openxmlformats.org/officeDocument/2006/relationships" xmlns:p="http://schemas.openxmlformats.org/presentationml/2006/main">
+  <p:cSld>
+    <p:spTree>
+      <p:nvGrpSpPr>
+        <p:cNvPr id="1" name=""/>
+        <p:cNvGrpSpPr/>
+        <p:nvPr/>
+      </p:nvGrpSpPr>
+      <p:grpSpPr>
+        <a:xfrm>
+          <a:off x="0" y="0"/>
+          <a:ext cx="0" cy="0"/>
+          <a:chOff x="0" y="0"/>
+          <a:chExt cx="0" cy="0"/>
+        </a:xfrm>
+      </p:grpSpPr>
+      <p:sp>
+        <p:nvSpPr>
+          <p:cNvPr id="8" name="Title 1"/>
+          <p:cNvSpPr>
+            <a:spLocks noGrp="1"/>
+          </p:cNvSpPr>
+          <p:nvPr>
+            <p:ph type="title"/>
+          </p:nvPr>
+        </p:nvSpPr>
+        <p:spPr>
+          <a:xfrm>
+            <a:off x="228600" y="579437"/>
+            <a:ext cx="9448800" cy="563563"/>
+          </a:xfrm>
+        </p:spPr>
+        <p:txBody>
+          <a:bodyPr>
+            <a:noAutofit/>
+          </a:bodyPr>
+          <a:lstStyle/>
+          <a:p>
+            <a:r>
+              <a:rPr lang="en-US" sz="2900" cap="all" smtClean="0">
+                <a:ln w="9000" cmpd="sng">
+                  <a:solidFill>
+                    <a:schemeClr val="accent4">
+                      <a:shade val="50000"/>
+                      <a:satMod val="120000"/>
+                    </a:schemeClr>
+                  </a:solidFill>
+                  <a:prstDash val="solid"/>
+                </a:ln>
+                <a:gradFill>
+                  <a:gsLst>
+                    <a:gs pos="0">
+                      <a:schemeClr val="accent4">
+                        <a:shade val="20000"/>
+                        <a:satMod val="245000"/>
+                      </a:schemeClr>
+                    </a:gs>
+                    <a:gs pos="43000">
+                      <a:schemeClr val="accent4">
+                        <a:satMod val="255000"/>
+                      </a:schemeClr>
+                    </a:gs>
+                    <a:gs pos="48000">
+                      <a:schemeClr val="accent4">
+                        <a:shade val="85000"/>
+                        <a:satMod val="255000"/>
+                      </a:schemeClr>
+                    </a:gs>
+                    <a:gs pos="100000">
+                      <a:schemeClr val="accent4">
+                        <a:shade val="20000"/>
+                        <a:satMod val="245000"/>
+                      </a:schemeClr>
+                    </a:gs>
+                  </a:gsLst>
+                  <a:lin ang="5400000"/>
+                </a:gradFill>
+                <a:effectLst>
+                  <a:reflection blurRad="12700" stA="28000" endPos="45000" dist="1000" dir="5400000" sy="-100000" algn="bl" rotWithShape="0"/>
+                </a:effectLst>
+              </a:rPr>
+              <a:t>4 demo ứng dụng thao tác registry</a:t>
+            </a:r>
+            <a:endParaRPr lang="en-US" sz="2900" cap="all">
+              <a:ln w="9000" cmpd="sng">
+                <a:solidFill>
+                  <a:schemeClr val="accent4">
+                    <a:shade val="50000"/>
+                    <a:satMod val="120000"/>
+                  </a:schemeClr>
+                </a:solidFill>
+                <a:prstDash val="solid"/>
+              </a:ln>
+              <a:gradFill>
+                <a:gsLst>
+                  <a:gs pos="0">
+                    <a:schemeClr val="accent4">
+                      <a:shade val="20000"/>
+                      <a:satMod val="245000"/>
+                    </a:schemeClr>
+                  </a:gs>
+                  <a:gs pos="43000">
+                    <a:schemeClr val="accent4">
+                      <a:satMod val="255000"/>
+                    </a:schemeClr>
+                  </a:gs>
+                  <a:gs pos="48000">
+                    <a:schemeClr val="accent4">
+                      <a:shade val="85000"/>
+                      <a:satMod val="255000"/>
+                    </a:schemeClr>
+                  </a:gs>
+                  <a:gs pos="100000">
+                    <a:schemeClr val="accent4">
+                      <a:shade val="20000"/>
+                      <a:satMod val="245000"/>
+                    </a:schemeClr>
+                  </a:gs>
+                </a:gsLst>
+                <a:lin ang="5400000"/>
+              </a:gradFill>
+              <a:effectLst>
+                <a:reflection blurRad="12700" stA="28000" endPos="45000" dist="1000" dir="5400000" sy="-100000" algn="bl" rotWithShape="0"/>
+              </a:effectLst>
+            </a:endParaRPr>
+          </a:p>
+        </p:txBody>
+      </p:sp>
+      <p:sp>
+        <p:nvSpPr>
+          <p:cNvPr id="2" name="Content Placeholder 1"/>
+          <p:cNvSpPr>
+            <a:spLocks noGrp="1"/>
+          </p:cNvSpPr>
+          <p:nvPr>
+            <p:ph idx="1"/>
+          </p:nvPr>
+        </p:nvSpPr>
+        <p:spPr/>
+        <p:txBody>
+          <a:bodyPr/>
+          <a:lstStyle/>
+          <a:p>
+            <a:pPr marL="0" lvl="0" indent="0" algn="ctr">
+              <a:buNone/>
+            </a:pPr>
+            <a:r>
+              <a:rPr lang="en-US" smtClean="0">
+                <a:solidFill>
+                  <a:srgbClr val="000000"/>
+                </a:solidFill>
+              </a:rPr>
+              <a:t>Mời mọi người cùng xem clip</a:t>
+            </a:r>
+            <a:endParaRPr lang="en-US" smtClean="0">
+              <a:solidFill>
+                <a:srgbClr val="000000"/>
+              </a:solidFill>
+            </a:endParaRPr>
+          </a:p>
+        </p:txBody>
+      </p:sp>
+      <p:sp>
+        <p:nvSpPr>
+          <p:cNvPr id="4" name="Footer Placeholder 3"/>
+          <p:cNvSpPr>
+            <a:spLocks noGrp="1"/>
+          </p:cNvSpPr>
+          <p:nvPr>
+            <p:ph type="ftr" sz="quarter" idx="11"/>
+          </p:nvPr>
+        </p:nvSpPr>
+        <p:spPr/>
+        <p:txBody>
+          <a:bodyPr/>
+          <a:lstStyle/>
+          <a:p>
+            <a:r>
+              <a:rPr lang="en-US" smtClean="0"/>
+              <a:t>www.hcmus.edu.vn</a:t>
+            </a:r>
+            <a:endParaRPr lang="en-US"/>
+          </a:p>
+        </p:txBody>
+      </p:sp>
+      <p:sp>
+        <p:nvSpPr>
+          <p:cNvPr id="6" name="Slide Number Placeholder 11"/>
+          <p:cNvSpPr>
+            <a:spLocks noGrp="1"/>
+          </p:cNvSpPr>
+          <p:nvPr>
+            <p:ph type="sldNum" sz="quarter" idx="12"/>
+          </p:nvPr>
+        </p:nvSpPr>
+        <p:spPr>
+          <a:xfrm>
+            <a:off x="3429000" y="6477000"/>
+            <a:ext cx="2133600" cy="381000"/>
+          </a:xfrm>
+        </p:spPr>
+        <p:txBody>
+          <a:bodyPr/>
+          <a:lstStyle/>
+          <a:p>
+            <a:fld id="{B6F15528-21DE-4FAA-801E-634DDDAF4B2B}" type="slidenum">
+              <a:rPr lang="en-US" sz="2000" smtClean="0"/>
+              <a:pPr/>
+              <a:t>23</a:t>
+            </a:fld>
+            <a:endParaRPr lang="en-US" sz="2000"/>
+          </a:p>
+        </p:txBody>
+      </p:sp>
+      <p:sp>
+        <p:nvSpPr>
+          <p:cNvPr id="3" name="7-Point Star 2"/>
+          <p:cNvSpPr/>
+          <p:nvPr/>
+        </p:nvSpPr>
+        <p:spPr>
+          <a:xfrm>
+            <a:off x="3124200" y="3031671"/>
+            <a:ext cx="2819400" cy="2073729"/>
+          </a:xfrm>
+          <a:prstGeom prst="star7">
+            <a:avLst/>
+          </a:prstGeom>
+        </p:spPr>
+        <p:style>
+          <a:lnRef idx="3">
+            <a:schemeClr val="lt1"/>
+          </a:lnRef>
+          <a:fillRef idx="1">
+            <a:schemeClr val="accent4"/>
+          </a:fillRef>
+          <a:effectRef idx="1">
+            <a:schemeClr val="accent4"/>
+          </a:effectRef>
+          <a:fontRef idx="minor">
+            <a:schemeClr val="lt1"/>
+          </a:fontRef>
+        </p:style>
+        <p:txBody>
+          <a:bodyPr rtlCol="0" anchor="ctr"/>
+          <a:lstStyle/>
+          <a:p>
+            <a:pPr algn="ctr"/>
+            <a:r>
+              <a:rPr lang="en-US" sz="2800" b="1" smtClean="0"/>
+              <a:t>Demo</a:t>
+            </a:r>
+            <a:endParaRPr lang="en-US" b="1"/>
           </a:p>
         </p:txBody>
       </p:sp>
@@ -10160,7 +16642,7 @@
 </p:sld>
 </file>
 
-<file path=ppt/slides/slide17.xml><?xml version="1.0" encoding="utf-8"?>
+<file path=ppt/slides/slide24.xml><?xml version="1.0" encoding="utf-8"?>
 <p:sld xmlns:a="http://schemas.openxmlformats.org/drawingml/2006/main" xmlns:r="http://schemas.openxmlformats.org/officeDocument/2006/relationships" xmlns:p="http://schemas.openxmlformats.org/presentationml/2006/main">
   <p:cSld>
     <p:spTree>
@@ -10290,7 +16772,52 @@
                   <a:reflection blurRad="12700" stA="28000" endPos="45000" dist="1000" dir="5400000" sy="-100000" algn="bl" rotWithShape="0"/>
                 </a:effectLst>
               </a:rPr>
-              <a:t>END!</a:t>
+              <a:t>END !</a:t>
+            </a:r>
+            <a:r>
+              <a:rPr lang="en-US" cap="all" smtClean="0">
+                <a:ln w="9000" cmpd="sng">
+                  <a:solidFill>
+                    <a:schemeClr val="accent4">
+                      <a:shade val="50000"/>
+                      <a:satMod val="120000"/>
+                    </a:schemeClr>
+                  </a:solidFill>
+                  <a:prstDash val="solid"/>
+                </a:ln>
+                <a:gradFill>
+                  <a:gsLst>
+                    <a:gs pos="0">
+                      <a:schemeClr val="accent4">
+                        <a:shade val="20000"/>
+                        <a:satMod val="245000"/>
+                      </a:schemeClr>
+                    </a:gs>
+                    <a:gs pos="43000">
+                      <a:schemeClr val="accent4">
+                        <a:satMod val="255000"/>
+                      </a:schemeClr>
+                    </a:gs>
+                    <a:gs pos="48000">
+                      <a:schemeClr val="accent4">
+                        <a:shade val="85000"/>
+                        <a:satMod val="255000"/>
+                      </a:schemeClr>
+                    </a:gs>
+                    <a:gs pos="100000">
+                      <a:schemeClr val="accent4">
+                        <a:shade val="20000"/>
+                        <a:satMod val="245000"/>
+                      </a:schemeClr>
+                    </a:gs>
+                  </a:gsLst>
+                  <a:lin ang="5400000"/>
+                </a:gradFill>
+                <a:effectLst>
+                  <a:reflection blurRad="12700" stA="28000" endPos="45000" dist="1000" dir="5400000" sy="-100000" algn="bl" rotWithShape="0"/>
+                </a:effectLst>
+              </a:rPr>
+              <a:t/>
             </a:r>
             <a:br>
               <a:rPr lang="en-US" cap="all" smtClean="0">
@@ -10379,7 +16906,97 @@
                   <a:reflection blurRad="12700" stA="28000" endPos="45000" dist="1000" dir="5400000" sy="-100000" algn="bl" rotWithShape="0"/>
                 </a:effectLst>
               </a:rPr>
-              <a:t>	Question?</a:t>
+              <a:t>	</a:t>
+            </a:r>
+            <a:r>
+              <a:rPr lang="en-US" cap="all" smtClean="0">
+                <a:ln w="9000" cmpd="sng">
+                  <a:solidFill>
+                    <a:schemeClr val="accent4">
+                      <a:shade val="50000"/>
+                      <a:satMod val="120000"/>
+                    </a:schemeClr>
+                  </a:solidFill>
+                  <a:prstDash val="solid"/>
+                </a:ln>
+                <a:gradFill>
+                  <a:gsLst>
+                    <a:gs pos="0">
+                      <a:schemeClr val="accent4">
+                        <a:shade val="20000"/>
+                        <a:satMod val="245000"/>
+                      </a:schemeClr>
+                    </a:gs>
+                    <a:gs pos="43000">
+                      <a:schemeClr val="accent4">
+                        <a:satMod val="255000"/>
+                      </a:schemeClr>
+                    </a:gs>
+                    <a:gs pos="48000">
+                      <a:schemeClr val="accent4">
+                        <a:shade val="85000"/>
+                        <a:satMod val="255000"/>
+                      </a:schemeClr>
+                    </a:gs>
+                    <a:gs pos="100000">
+                      <a:schemeClr val="accent4">
+                        <a:shade val="20000"/>
+                        <a:satMod val="245000"/>
+                      </a:schemeClr>
+                    </a:gs>
+                  </a:gsLst>
+                  <a:lin ang="5400000"/>
+                </a:gradFill>
+                <a:effectLst>
+                  <a:reflection blurRad="12700" stA="28000" endPos="45000" dist="1000" dir="5400000" sy="-100000" algn="bl" rotWithShape="0"/>
+                </a:effectLst>
+              </a:rPr>
+              <a:t>Question ?</a:t>
+            </a:r>
+            <a:r>
+              <a:rPr lang="en-US" cap="all" smtClean="0">
+                <a:ln w="9000" cmpd="sng">
+                  <a:solidFill>
+                    <a:schemeClr val="accent4">
+                      <a:shade val="50000"/>
+                      <a:satMod val="120000"/>
+                    </a:schemeClr>
+                  </a:solidFill>
+                  <a:prstDash val="solid"/>
+                </a:ln>
+                <a:gradFill>
+                  <a:gsLst>
+                    <a:gs pos="0">
+                      <a:schemeClr val="accent4">
+                        <a:shade val="20000"/>
+                        <a:satMod val="245000"/>
+                      </a:schemeClr>
+                    </a:gs>
+                    <a:gs pos="43000">
+                      <a:schemeClr val="accent4">
+                        <a:satMod val="255000"/>
+                      </a:schemeClr>
+                    </a:gs>
+                    <a:gs pos="48000">
+                      <a:schemeClr val="accent4">
+                        <a:shade val="85000"/>
+                        <a:satMod val="255000"/>
+                      </a:schemeClr>
+                    </a:gs>
+                    <a:gs pos="100000">
+                      <a:schemeClr val="accent4">
+                        <a:shade val="20000"/>
+                        <a:satMod val="245000"/>
+                      </a:schemeClr>
+                    </a:gs>
+                  </a:gsLst>
+                  <a:lin ang="5400000"/>
+                </a:gradFill>
+                <a:effectLst>
+                  <a:reflection blurRad="12700" stA="28000" endPos="45000" dist="1000" dir="5400000" sy="-100000" algn="bl" rotWithShape="0"/>
+                </a:effectLst>
+              </a:rPr>
+              <a:t/>
             </a:r>
             <a:br>
               <a:rPr lang="en-US" cap="all" smtClean="0">
@@ -10546,7 +17163,7 @@
 </p:sld>
 </file>
 
-<file path=ppt/slides/slide2.xml><?xml version="1.0" encoding="utf-8"?>
+<file path=ppt/slides/slide3.xml><?xml version="1.0" encoding="utf-8"?>
 <p:sld xmlns:a="http://schemas.openxmlformats.org/drawingml/2006/main" xmlns:r="http://schemas.openxmlformats.org/officeDocument/2006/relationships" xmlns:p="http://schemas.openxmlformats.org/presentationml/2006/main">
   <p:cSld>
     <p:spTree>
@@ -10565,7 +17182,207 @@
       </p:grpSpPr>
       <p:sp>
         <p:nvSpPr>
-          <p:cNvPr id="2" name="Title 1"/>
+          <p:cNvPr id="4" name="Content Placeholder 3"/>
+          <p:cNvSpPr>
+            <a:spLocks noGrp="1"/>
+          </p:cNvSpPr>
+          <p:nvPr>
+            <p:ph idx="1"/>
+          </p:nvPr>
+        </p:nvSpPr>
+        <p:spPr>
+          <a:xfrm>
+            <a:off x="457200" y="2057399"/>
+            <a:ext cx="8229600" cy="4115117"/>
+          </a:xfrm>
+        </p:spPr>
+        <p:txBody>
+          <a:bodyPr/>
+          <a:lstStyle/>
+          <a:p>
+            <a:pPr lvl="0">
+              <a:buClr>
+                <a:srgbClr val="000000"/>
+              </a:buClr>
+              <a:buFont typeface="Wingdings" pitchFamily="2" charset="2"/>
+              <a:buChar char="q"/>
+            </a:pPr>
+            <a:r>
+              <a:rPr lang="en-US" b="0">
+                <a:solidFill>
+                  <a:schemeClr val="tx1">
+                    <a:lumMod val="50000"/>
+                  </a:schemeClr>
+                </a:solidFill>
+              </a:rPr>
+              <a:t>JNI là </a:t>
+            </a:r>
+            <a:r>
+              <a:rPr lang="en-US" b="0" smtClean="0">
+                <a:solidFill>
+                  <a:schemeClr val="tx1">
+                    <a:lumMod val="50000"/>
+                  </a:schemeClr>
+                </a:solidFill>
+              </a:rPr>
+              <a:t>gì?</a:t>
+            </a:r>
+            <a:endParaRPr lang="en-US" b="0">
+              <a:solidFill>
+                <a:schemeClr val="tx1">
+                  <a:lumMod val="50000"/>
+                </a:schemeClr>
+              </a:solidFill>
+            </a:endParaRPr>
+          </a:p>
+          <a:p>
+            <a:pPr lvl="0">
+              <a:buClr>
+                <a:srgbClr val="000000"/>
+              </a:buClr>
+              <a:buFont typeface="Wingdings" pitchFamily="2" charset="2"/>
+              <a:buChar char="q"/>
+            </a:pPr>
+            <a:r>
+              <a:rPr lang="en-US" b="0">
+                <a:solidFill>
+                  <a:schemeClr val="tx1">
+                    <a:lumMod val="50000"/>
+                  </a:schemeClr>
+                </a:solidFill>
+              </a:rPr>
+              <a:t>Mục đích của việc dùng </a:t>
+            </a:r>
+            <a:r>
+              <a:rPr lang="en-US" b="0" smtClean="0">
+                <a:solidFill>
+                  <a:schemeClr val="tx1">
+                    <a:lumMod val="50000"/>
+                  </a:schemeClr>
+                </a:solidFill>
+              </a:rPr>
+              <a:t>JNI</a:t>
+            </a:r>
+            <a:endParaRPr lang="en-US" b="0">
+              <a:solidFill>
+                <a:schemeClr val="tx1">
+                  <a:lumMod val="50000"/>
+                </a:schemeClr>
+              </a:solidFill>
+            </a:endParaRPr>
+          </a:p>
+          <a:p>
+            <a:pPr lvl="0">
+              <a:buClr>
+                <a:srgbClr val="000000"/>
+              </a:buClr>
+              <a:buFont typeface="Wingdings" pitchFamily="2" charset="2"/>
+              <a:buChar char="q"/>
+            </a:pPr>
+            <a:r>
+              <a:rPr lang="en-US" b="0" smtClean="0">
+                <a:solidFill>
+                  <a:schemeClr val="tx1">
+                    <a:lumMod val="50000"/>
+                  </a:schemeClr>
+                </a:solidFill>
+              </a:rPr>
+              <a:t>Cơ </a:t>
+            </a:r>
+            <a:r>
+              <a:rPr lang="en-US" b="0">
+                <a:solidFill>
+                  <a:schemeClr val="tx1">
+                    <a:lumMod val="50000"/>
+                  </a:schemeClr>
+                </a:solidFill>
+              </a:rPr>
+              <a:t>chế làm việc trong </a:t>
+            </a:r>
+            <a:r>
+              <a:rPr lang="en-US" b="0" smtClean="0">
+                <a:solidFill>
+                  <a:schemeClr val="tx1">
+                    <a:lumMod val="50000"/>
+                  </a:schemeClr>
+                </a:solidFill>
+              </a:rPr>
+              <a:t>JNI</a:t>
+            </a:r>
+          </a:p>
+          <a:p>
+            <a:pPr>
+              <a:buClr>
+                <a:srgbClr val="000000"/>
+              </a:buClr>
+              <a:buFont typeface="Wingdings" pitchFamily="2" charset="2"/>
+              <a:buChar char="q"/>
+            </a:pPr>
+            <a:r>
+              <a:rPr lang="en-US" b="0">
+                <a:solidFill>
+                  <a:schemeClr val="tx1">
+                    <a:lumMod val="50000"/>
+                  </a:schemeClr>
+                </a:solidFill>
+              </a:rPr>
+              <a:t>Khó khăn khi làm việc với </a:t>
+            </a:r>
+            <a:r>
+              <a:rPr lang="en-US" b="0" smtClean="0">
+                <a:solidFill>
+                  <a:schemeClr val="tx1">
+                    <a:lumMod val="50000"/>
+                  </a:schemeClr>
+                </a:solidFill>
+              </a:rPr>
+              <a:t>JNI</a:t>
+            </a:r>
+            <a:endParaRPr lang="en-US" b="0">
+              <a:solidFill>
+                <a:schemeClr val="tx1">
+                  <a:lumMod val="50000"/>
+                </a:schemeClr>
+              </a:solidFill>
+            </a:endParaRPr>
+          </a:p>
+          <a:p>
+            <a:pPr lvl="0">
+              <a:buClr>
+                <a:srgbClr val="000000"/>
+              </a:buClr>
+              <a:buFont typeface="Wingdings" pitchFamily="2" charset="2"/>
+              <a:buChar char="q"/>
+            </a:pPr>
+            <a:endParaRPr lang="en-US" b="0">
+              <a:solidFill>
+                <a:schemeClr val="tx1">
+                  <a:lumMod val="50000"/>
+                </a:schemeClr>
+              </a:solidFill>
+            </a:endParaRPr>
+          </a:p>
+          <a:p>
+            <a:pPr>
+              <a:buClr>
+                <a:srgbClr val="000000"/>
+              </a:buClr>
+              <a:buFont typeface="Wingdings" pitchFamily="2" charset="2"/>
+              <a:buChar char="q"/>
+            </a:pPr>
+            <a:endParaRPr lang="en-US" b="0">
+              <a:solidFill>
+                <a:schemeClr val="tx1">
+                  <a:lumMod val="50000"/>
+                </a:schemeClr>
+              </a:solidFill>
+            </a:endParaRPr>
+          </a:p>
+        </p:txBody>
+      </p:sp>
+      <p:sp>
+        <p:nvSpPr>
+          <p:cNvPr id="8" name="Title 1"/>
           <p:cNvSpPr>
             <a:spLocks noGrp="1"/>
           </p:cNvSpPr>
@@ -10629,7 +17446,7 @@
                   <a:reflection blurRad="12700" stA="28000" endPos="45000" dist="1000" dir="5400000" sy="-100000" algn="bl" rotWithShape="0"/>
                 </a:effectLst>
               </a:rPr>
-              <a:t>Nội dung thuyết trình</a:t>
+              <a:t>1 Tổng quan JNI</a:t>
             </a:r>
             <a:endParaRPr lang="en-US" cap="all">
               <a:ln w="9000" cmpd="sng">
@@ -10676,199 +17493,6 @@
           </a:p>
         </p:txBody>
       </p:sp>
-      <p:graphicFrame>
-        <p:nvGraphicFramePr>
-          <p:cNvPr id="6" name="Content Placeholder 5"/>
-          <p:cNvGraphicFramePr>
-            <a:graphicFrameLocks noGrp="1"/>
-          </p:cNvGraphicFramePr>
-          <p:nvPr>
-            <p:ph idx="1"/>
-            <p:extLst>
-              <p:ext uri="{D42A27DB-BD31-4B8C-83A1-F6EECF244321}">
-                <p14:modId xmlns:p14="http://schemas.microsoft.com/office/powerpoint/2010/main" val="1062736957"/>
-              </p:ext>
-            </p:extLst>
-          </p:nvPr>
-        </p:nvGraphicFramePr>
-        <p:xfrm>
-          <a:off x="533400" y="1620916"/>
-          <a:ext cx="8229600" cy="4343400"/>
-        </p:xfrm>
-        <a:graphic>
-          <a:graphicData uri="http://schemas.openxmlformats.org/drawingml/2006/diagram">
-            <dgm:relIds xmlns:dgm="http://schemas.openxmlformats.org/drawingml/2006/diagram" xmlns:r="http://schemas.openxmlformats.org/officeDocument/2006/relationships" r:dm="rId2" r:lo="rId3" r:qs="rId4" r:cs="rId5"/>
-          </a:graphicData>
-        </a:graphic>
-      </p:graphicFrame>
-      <p:sp>
-        <p:nvSpPr>
-          <p:cNvPr id="26" name="Hexagon 25"/>
-          <p:cNvSpPr/>
-          <p:nvPr/>
-        </p:nvSpPr>
-        <p:spPr>
-          <a:xfrm>
-            <a:off x="762000" y="1933575"/>
-            <a:ext cx="838200" cy="762000"/>
-          </a:xfrm>
-          <a:prstGeom prst="hexagon">
-            <a:avLst/>
-          </a:prstGeom>
-        </p:spPr>
-        <p:style>
-          <a:lnRef idx="3">
-            <a:schemeClr val="lt1"/>
-          </a:lnRef>
-          <a:fillRef idx="1">
-            <a:schemeClr val="accent2"/>
-          </a:fillRef>
-          <a:effectRef idx="1">
-            <a:schemeClr val="accent2"/>
-          </a:effectRef>
-          <a:fontRef idx="minor">
-            <a:schemeClr val="lt1"/>
-          </a:fontRef>
-        </p:style>
-        <p:txBody>
-          <a:bodyPr rtlCol="0" anchor="ctr"/>
-          <a:lstStyle/>
-          <a:p>
-            <a:pPr algn="ctr"/>
-            <a:r>
-              <a:rPr lang="en-US" sz="2000" b="1" smtClean="0"/>
-              <a:t>1</a:t>
-            </a:r>
-            <a:endParaRPr lang="en-US" sz="2000" b="1"/>
-          </a:p>
-        </p:txBody>
-      </p:sp>
-      <p:sp>
-        <p:nvSpPr>
-          <p:cNvPr id="27" name="Hexagon 26"/>
-          <p:cNvSpPr/>
-          <p:nvPr/>
-        </p:nvSpPr>
-        <p:spPr>
-          <a:xfrm>
-            <a:off x="763814" y="2895600"/>
-            <a:ext cx="838200" cy="762000"/>
-          </a:xfrm>
-          <a:prstGeom prst="hexagon">
-            <a:avLst/>
-          </a:prstGeom>
-        </p:spPr>
-        <p:style>
-          <a:lnRef idx="3">
-            <a:schemeClr val="lt1"/>
-          </a:lnRef>
-          <a:fillRef idx="1">
-            <a:schemeClr val="accent1"/>
-          </a:fillRef>
-          <a:effectRef idx="1">
-            <a:schemeClr val="accent1"/>
-          </a:effectRef>
-          <a:fontRef idx="minor">
-            <a:schemeClr val="lt1"/>
-          </a:fontRef>
-        </p:style>
-        <p:txBody>
-          <a:bodyPr rtlCol="0" anchor="ctr"/>
-          <a:lstStyle/>
-          <a:p>
-            <a:pPr algn="ctr"/>
-            <a:r>
-              <a:rPr lang="en-US" sz="2000" b="1" smtClean="0"/>
-              <a:t>2</a:t>
-            </a:r>
-            <a:endParaRPr lang="en-US" sz="2000" b="1"/>
-          </a:p>
-        </p:txBody>
-      </p:sp>
-      <p:sp>
-        <p:nvSpPr>
-          <p:cNvPr id="28" name="Hexagon 27"/>
-          <p:cNvSpPr/>
-          <p:nvPr/>
-        </p:nvSpPr>
-        <p:spPr>
-          <a:xfrm>
-            <a:off x="762000" y="3867150"/>
-            <a:ext cx="838200" cy="762000"/>
-          </a:xfrm>
-          <a:prstGeom prst="hexagon">
-            <a:avLst/>
-          </a:prstGeom>
-        </p:spPr>
-        <p:style>
-          <a:lnRef idx="3">
-            <a:schemeClr val="lt1"/>
-          </a:lnRef>
-          <a:fillRef idx="1">
-            <a:schemeClr val="accent2"/>
-          </a:fillRef>
-          <a:effectRef idx="1">
-            <a:schemeClr val="accent2"/>
-          </a:effectRef>
-          <a:fontRef idx="minor">
-            <a:schemeClr val="lt1"/>
-          </a:fontRef>
-        </p:style>
-        <p:txBody>
-          <a:bodyPr rtlCol="0" anchor="ctr"/>
-          <a:lstStyle/>
-          <a:p>
-            <a:pPr algn="ctr"/>
-            <a:r>
-              <a:rPr lang="en-US" sz="2000" b="1" smtClean="0"/>
-              <a:t>3</a:t>
-            </a:r>
-            <a:endParaRPr lang="en-US" sz="2000" b="1"/>
-          </a:p>
-        </p:txBody>
-      </p:sp>
-      <p:sp>
-        <p:nvSpPr>
-          <p:cNvPr id="29" name="Hexagon 28"/>
-          <p:cNvSpPr/>
-          <p:nvPr/>
-        </p:nvSpPr>
-        <p:spPr>
-          <a:xfrm>
-            <a:off x="762000" y="4813300"/>
-            <a:ext cx="838200" cy="762000"/>
-          </a:xfrm>
-          <a:prstGeom prst="hexagon">
-            <a:avLst/>
-          </a:prstGeom>
-        </p:spPr>
-        <p:style>
-          <a:lnRef idx="3">
-            <a:schemeClr val="lt1"/>
-          </a:lnRef>
-          <a:fillRef idx="1">
-            <a:schemeClr val="accent1"/>
-          </a:fillRef>
-          <a:effectRef idx="1">
-            <a:schemeClr val="accent1"/>
-          </a:effectRef>
-          <a:fontRef idx="minor">
-            <a:schemeClr val="lt1"/>
-          </a:fontRef>
-        </p:style>
-        <p:txBody>
-          <a:bodyPr rtlCol="0" anchor="ctr"/>
-          <a:lstStyle/>
-          <a:p>
-            <a:pPr algn="ctr"/>
-            <a:r>
-              <a:rPr lang="en-US" sz="2000" b="1" smtClean="0"/>
-              <a:t>4</a:t>
-            </a:r>
-            <a:endParaRPr lang="en-US" sz="2000" b="1"/>
-          </a:p>
-        </p:txBody>
-      </p:sp>
       <p:sp>
         <p:nvSpPr>
           <p:cNvPr id="10" name="Footer Placeholder 9"/>
@@ -10879,12 +17503,7 @@
             <p:ph type="ftr" sz="quarter" idx="11"/>
           </p:nvPr>
         </p:nvSpPr>
-        <p:spPr>
-          <a:xfrm>
-            <a:off x="7162800" y="152400"/>
-            <a:ext cx="1752600" cy="228600"/>
-          </a:xfrm>
-        </p:spPr>
+        <p:spPr/>
         <p:txBody>
           <a:bodyPr/>
           <a:lstStyle/>
@@ -10920,7 +17539,7 @@
             <a:fld id="{B6F15528-21DE-4FAA-801E-634DDDAF4B2B}" type="slidenum">
               <a:rPr lang="en-US" sz="2000" smtClean="0"/>
               <a:pPr/>
-              <a:t>2</a:t>
+              <a:t>3</a:t>
             </a:fld>
             <a:endParaRPr lang="en-US" sz="2000"/>
           </a:p>
@@ -10929,7 +17548,7 @@
     </p:spTree>
     <p:extLst>
       <p:ext uri="{BB962C8B-B14F-4D97-AF65-F5344CB8AC3E}">
-        <p14:creationId xmlns:p14="http://schemas.microsoft.com/office/powerpoint/2010/main" val="1447732200"/>
+        <p14:creationId xmlns:p14="http://schemas.microsoft.com/office/powerpoint/2010/main" val="786968102"/>
       </p:ext>
     </p:extLst>
   </p:cSld>
@@ -10946,7 +17565,7 @@
 </p:sld>
 </file>
 
-<file path=ppt/slides/slide3.xml><?xml version="1.0" encoding="utf-8"?>
+<file path=ppt/slides/slide4.xml><?xml version="1.0" encoding="utf-8"?>
 <p:sld xmlns:a="http://schemas.openxmlformats.org/drawingml/2006/main" xmlns:r="http://schemas.openxmlformats.org/officeDocument/2006/relationships" xmlns:p="http://schemas.openxmlformats.org/presentationml/2006/main">
   <p:cSld>
     <p:spTree>
@@ -10965,168 +17584,6 @@
       </p:grpSpPr>
       <p:sp>
         <p:nvSpPr>
-          <p:cNvPr id="4" name="Content Placeholder 3"/>
-          <p:cNvSpPr>
-            <a:spLocks noGrp="1"/>
-          </p:cNvSpPr>
-          <p:nvPr>
-            <p:ph idx="1"/>
-          </p:nvPr>
-        </p:nvSpPr>
-        <p:spPr>
-          <a:xfrm>
-            <a:off x="457200" y="2057399"/>
-            <a:ext cx="8229600" cy="4115117"/>
-          </a:xfrm>
-        </p:spPr>
-        <p:txBody>
-          <a:bodyPr/>
-          <a:lstStyle/>
-          <a:p>
-            <a:pPr lvl="0"/>
-            <a:r>
-              <a:rPr lang="en-US">
-                <a:solidFill>
-                  <a:schemeClr val="tx1">
-                    <a:lumMod val="50000"/>
-                  </a:schemeClr>
-                </a:solidFill>
-              </a:rPr>
-              <a:t>JNI là </a:t>
-            </a:r>
-            <a:r>
-              <a:rPr lang="en-US" smtClean="0">
-                <a:solidFill>
-                  <a:schemeClr val="tx1">
-                    <a:lumMod val="50000"/>
-                  </a:schemeClr>
-                </a:solidFill>
-              </a:rPr>
-              <a:t>gì?</a:t>
-            </a:r>
-            <a:endParaRPr lang="en-US">
-              <a:solidFill>
-                <a:schemeClr val="tx1">
-                  <a:lumMod val="50000"/>
-                </a:schemeClr>
-              </a:solidFill>
-            </a:endParaRPr>
-          </a:p>
-          <a:p>
-            <a:pPr lvl="0"/>
-            <a:r>
-              <a:rPr lang="en-US">
-                <a:solidFill>
-                  <a:schemeClr val="tx1">
-                    <a:lumMod val="50000"/>
-                  </a:schemeClr>
-                </a:solidFill>
-              </a:rPr>
-              <a:t>Mục đích của việc dùng </a:t>
-            </a:r>
-            <a:r>
-              <a:rPr lang="en-US" smtClean="0">
-                <a:solidFill>
-                  <a:schemeClr val="tx1">
-                    <a:lumMod val="50000"/>
-                  </a:schemeClr>
-                </a:solidFill>
-              </a:rPr>
-              <a:t>JNI</a:t>
-            </a:r>
-            <a:endParaRPr lang="en-US">
-              <a:solidFill>
-                <a:schemeClr val="tx1">
-                  <a:lumMod val="50000"/>
-                </a:schemeClr>
-              </a:solidFill>
-            </a:endParaRPr>
-          </a:p>
-          <a:p>
-            <a:pPr lvl="0"/>
-            <a:r>
-              <a:rPr lang="en-US" smtClean="0">
-                <a:solidFill>
-                  <a:schemeClr val="tx1">
-                    <a:lumMod val="50000"/>
-                  </a:schemeClr>
-                </a:solidFill>
-              </a:rPr>
-              <a:t>Cơ </a:t>
-            </a:r>
-            <a:r>
-              <a:rPr lang="en-US">
-                <a:solidFill>
-                  <a:schemeClr val="tx1">
-                    <a:lumMod val="50000"/>
-                  </a:schemeClr>
-                </a:solidFill>
-              </a:rPr>
-              <a:t>chế làm việc trong </a:t>
-            </a:r>
-            <a:r>
-              <a:rPr lang="en-US" smtClean="0">
-                <a:solidFill>
-                  <a:schemeClr val="tx1">
-                    <a:lumMod val="50000"/>
-                  </a:schemeClr>
-                </a:solidFill>
-              </a:rPr>
-              <a:t>JNI</a:t>
-            </a:r>
-          </a:p>
-          <a:p>
-            <a:r>
-              <a:rPr lang="en-US">
-                <a:solidFill>
-                  <a:schemeClr val="tx1">
-                    <a:lumMod val="50000"/>
-                  </a:schemeClr>
-                </a:solidFill>
-              </a:rPr>
-              <a:t>Khó khăn khi làm việc với </a:t>
-            </a:r>
-            <a:r>
-              <a:rPr lang="en-US" smtClean="0">
-                <a:solidFill>
-                  <a:schemeClr val="tx1">
-                    <a:lumMod val="50000"/>
-                  </a:schemeClr>
-                </a:solidFill>
-              </a:rPr>
-              <a:t>JNI</a:t>
-            </a:r>
-            <a:endParaRPr lang="en-US">
-              <a:solidFill>
-                <a:schemeClr val="tx1">
-                  <a:lumMod val="50000"/>
-                </a:schemeClr>
-              </a:solidFill>
-            </a:endParaRPr>
-          </a:p>
-          <a:p>
-            <a:pPr lvl="0"/>
-            <a:endParaRPr lang="en-US">
-              <a:solidFill>
-                <a:schemeClr val="tx1">
-                  <a:lumMod val="50000"/>
-                </a:schemeClr>
-              </a:solidFill>
-            </a:endParaRPr>
-          </a:p>
-          <a:p>
-            <a:endParaRPr lang="en-US">
-              <a:solidFill>
-                <a:schemeClr val="tx1">
-                  <a:lumMod val="50000"/>
-                </a:schemeClr>
-              </a:solidFill>
-            </a:endParaRPr>
-          </a:p>
-        </p:txBody>
-      </p:sp>
-      <p:sp>
-        <p:nvSpPr>
           <p:cNvPr id="8" name="Title 1"/>
           <p:cNvSpPr>
             <a:spLocks noGrp="1"/>
@@ -11191,7 +17648,7 @@
                   <a:reflection blurRad="12700" stA="28000" endPos="45000" dist="1000" dir="5400000" sy="-100000" algn="bl" rotWithShape="0"/>
                 </a:effectLst>
               </a:rPr>
-              <a:t>1 Tổng quan JNI</a:t>
+              <a:t>1.1 JNI là gì ?</a:t>
             </a:r>
             <a:endParaRPr lang="en-US" cap="all">
               <a:ln w="9000" cmpd="sng">
@@ -11240,12 +17697,12 @@
       </p:sp>
       <p:sp>
         <p:nvSpPr>
-          <p:cNvPr id="10" name="Footer Placeholder 9"/>
+          <p:cNvPr id="2" name="Content Placeholder 1"/>
           <p:cNvSpPr>
             <a:spLocks noGrp="1"/>
           </p:cNvSpPr>
           <p:nvPr>
-            <p:ph type="ftr" sz="quarter" idx="11"/>
+            <p:ph idx="1"/>
           </p:nvPr>
         </p:nvSpPr>
         <p:spPr/>
@@ -11253,6 +17710,93 @@
           <a:bodyPr/>
           <a:lstStyle/>
           <a:p>
+            <a:pPr>
+              <a:buClrTx/>
+              <a:buFont typeface="Wingdings" pitchFamily="2" charset="2"/>
+              <a:buChar char="q"/>
+            </a:pPr>
+            <a:r>
+              <a:rPr lang="en-US" b="0">
+                <a:solidFill>
+                  <a:srgbClr val="000000"/>
+                </a:solidFill>
+              </a:rPr>
+              <a:t>Java Native Interface (JNI) là phần nền tảng của Java, là một interface trung gian cho phép kết nối ứng dụng Java với các ứng dụng hoặc thư viện viết bằng ngôn ngữ khác (C, C++).</a:t>
+            </a:r>
+          </a:p>
+          <a:p>
+            <a:pPr>
+              <a:buClrTx/>
+              <a:buFont typeface="Wingdings" pitchFamily="2" charset="2"/>
+              <a:buChar char="q"/>
+            </a:pPr>
+            <a:r>
+              <a:rPr lang="fr-CA" b="0">
+                <a:solidFill>
+                  <a:srgbClr val="000000"/>
+                </a:solidFill>
+              </a:rPr>
+              <a:t>JNI cho phép gọi các hàm và truyền các biến qua lại giữa chương trình Java &amp; C/C++.</a:t>
+            </a:r>
+            <a:endParaRPr lang="en-US" b="0">
+              <a:solidFill>
+                <a:srgbClr val="000000"/>
+              </a:solidFill>
+            </a:endParaRPr>
+          </a:p>
+          <a:p>
+            <a:pPr>
+              <a:buClrTx/>
+              <a:buFont typeface="Wingdings" pitchFamily="2" charset="2"/>
+              <a:buChar char="q"/>
+            </a:pPr>
+            <a:r>
+              <a:rPr lang="fr-CA" b="0">
+                <a:solidFill>
+                  <a:srgbClr val="000000"/>
+                </a:solidFill>
+              </a:rPr>
+              <a:t>Cung cấp quy định chung về dữ liệu và loại </a:t>
+            </a:r>
+            <a:r>
+              <a:rPr lang="fr-CA" b="0">
+                <a:solidFill>
+                  <a:srgbClr val="000000"/>
+                </a:solidFill>
+              </a:rPr>
+              <a:t>exception </a:t>
+            </a:r>
+            <a:r>
+              <a:rPr lang="fr-CA" b="0" smtClean="0">
+                <a:solidFill>
+                  <a:srgbClr val="000000"/>
+                </a:solidFill>
+              </a:rPr>
+              <a:t>...</a:t>
+            </a:r>
+            <a:endParaRPr lang="en-US" b="0">
+              <a:solidFill>
+                <a:srgbClr val="000000"/>
+              </a:solidFill>
+            </a:endParaRPr>
+          </a:p>
+        </p:txBody>
+      </p:sp>
+      <p:sp>
+        <p:nvSpPr>
+          <p:cNvPr id="5" name="Footer Placeholder 4"/>
+          <p:cNvSpPr>
+            <a:spLocks noGrp="1"/>
+          </p:cNvSpPr>
+          <p:nvPr>
+            <p:ph type="ftr" sz="quarter" idx="11"/>
+          </p:nvPr>
+        </p:nvSpPr>
+        <p:spPr/>
+        <p:txBody>
+          <a:bodyPr/>
+          <a:lstStyle/>
+          <a:p>
             <a:r>
               <a:rPr lang="en-US" smtClean="0"/>
               <a:t>www.hcmus.edu.vn</a:t>
@@ -11263,7 +17807,7 @@
       </p:sp>
       <p:sp>
         <p:nvSpPr>
-          <p:cNvPr id="12" name="Slide Number Placeholder 11"/>
+          <p:cNvPr id="7" name="Slide Number Placeholder 11"/>
           <p:cNvSpPr>
             <a:spLocks noGrp="1"/>
           </p:cNvSpPr>
@@ -11284,7 +17828,7 @@
             <a:fld id="{B6F15528-21DE-4FAA-801E-634DDDAF4B2B}" type="slidenum">
               <a:rPr lang="en-US" sz="2000" smtClean="0"/>
               <a:pPr/>
-              <a:t>3</a:t>
+              <a:t>4</a:t>
             </a:fld>
             <a:endParaRPr lang="en-US" sz="2000"/>
           </a:p>
@@ -11293,7 +17837,7 @@
     </p:spTree>
     <p:extLst>
       <p:ext uri="{BB962C8B-B14F-4D97-AF65-F5344CB8AC3E}">
-        <p14:creationId xmlns:p14="http://schemas.microsoft.com/office/powerpoint/2010/main" val="786968102"/>
+        <p14:creationId xmlns:p14="http://schemas.microsoft.com/office/powerpoint/2010/main" val="2944930725"/>
       </p:ext>
     </p:extLst>
   </p:cSld>
@@ -11310,7 +17854,7 @@
 </p:sld>
 </file>
 
-<file path=ppt/slides/slide4.xml><?xml version="1.0" encoding="utf-8"?>
+<file path=ppt/slides/slide5.xml><?xml version="1.0" encoding="utf-8"?>
 <p:sld xmlns:a="http://schemas.openxmlformats.org/drawingml/2006/main" xmlns:r="http://schemas.openxmlformats.org/officeDocument/2006/relationships" xmlns:p="http://schemas.openxmlformats.org/presentationml/2006/main">
   <p:cSld>
     <p:spTree>
@@ -11393,7 +17937,7 @@
                   <a:reflection blurRad="12700" stA="28000" endPos="45000" dist="1000" dir="5400000" sy="-100000" algn="bl" rotWithShape="0"/>
                 </a:effectLst>
               </a:rPr>
-              <a:t>1.1 JNI là gì ?</a:t>
+              <a:t>1.2 mục đích</a:t>
             </a:r>
             <a:endParaRPr lang="en-US" cap="all">
               <a:ln w="9000" cmpd="sng">
@@ -11455,13 +17999,53 @@
           <a:bodyPr/>
           <a:lstStyle/>
           <a:p>
-            <a:endParaRPr lang="en-US"/>
+            <a:pPr lvl="0">
+              <a:buClrTx/>
+              <a:buFont typeface="Wingdings" pitchFamily="2" charset="2"/>
+              <a:buChar char="q"/>
+            </a:pPr>
+            <a:r>
+              <a:rPr lang="en-US" b="0">
+                <a:solidFill>
+                  <a:srgbClr val="000000"/>
+                </a:solidFill>
+              </a:rPr>
+              <a:t>Sử dụng một ứng dụng, thư viện liên kết động như C, C++ vào trong chương trình Java.</a:t>
+            </a:r>
+          </a:p>
+          <a:p>
+            <a:pPr lvl="0">
+              <a:buClrTx/>
+              <a:buFont typeface="Wingdings" pitchFamily="2" charset="2"/>
+              <a:buChar char="q"/>
+            </a:pPr>
+            <a:r>
+              <a:rPr lang="en-US" b="0">
+                <a:solidFill>
+                  <a:srgbClr val="000000"/>
+                </a:solidFill>
+              </a:rPr>
+              <a:t>Nhúng máy ảo Java vào các ứng dụng native (C, C</a:t>
+            </a:r>
+            <a:r>
+              <a:rPr lang="en-US" b="0">
+                <a:solidFill>
+                  <a:srgbClr val="000000"/>
+                </a:solidFill>
+              </a:rPr>
+              <a:t>++). </a:t>
+            </a:r>
+            <a:endParaRPr lang="en-US" b="0">
+              <a:solidFill>
+                <a:srgbClr val="000000"/>
+              </a:solidFill>
+            </a:endParaRPr>
           </a:p>
         </p:txBody>
       </p:sp>
       <p:sp>
         <p:nvSpPr>
-          <p:cNvPr id="5" name="Footer Placeholder 4"/>
+          <p:cNvPr id="4" name="Footer Placeholder 3"/>
           <p:cNvSpPr>
             <a:spLocks noGrp="1"/>
           </p:cNvSpPr>
@@ -11484,7 +18068,7 @@
       </p:sp>
       <p:sp>
         <p:nvSpPr>
-          <p:cNvPr id="7" name="Slide Number Placeholder 11"/>
+          <p:cNvPr id="6" name="Slide Number Placeholder 11"/>
           <p:cNvSpPr>
             <a:spLocks noGrp="1"/>
           </p:cNvSpPr>
@@ -11505,7 +18089,7 @@
             <a:fld id="{B6F15528-21DE-4FAA-801E-634DDDAF4B2B}" type="slidenum">
               <a:rPr lang="en-US" sz="2000" smtClean="0"/>
               <a:pPr/>
-              <a:t>4</a:t>
+              <a:t>5</a:t>
             </a:fld>
             <a:endParaRPr lang="en-US" sz="2000"/>
           </a:p>
@@ -11514,7 +18098,7 @@
     </p:spTree>
     <p:extLst>
       <p:ext uri="{BB962C8B-B14F-4D97-AF65-F5344CB8AC3E}">
-        <p14:creationId xmlns:p14="http://schemas.microsoft.com/office/powerpoint/2010/main" val="2944930725"/>
+        <p14:creationId xmlns:p14="http://schemas.microsoft.com/office/powerpoint/2010/main" val="3989933861"/>
       </p:ext>
     </p:extLst>
   </p:cSld>
@@ -11531,7 +18115,7 @@
 </p:sld>
 </file>
 
-<file path=ppt/slides/slide5.xml><?xml version="1.0" encoding="utf-8"?>
+<file path=ppt/slides/slide6.xml><?xml version="1.0" encoding="utf-8"?>
 <p:sld xmlns:a="http://schemas.openxmlformats.org/drawingml/2006/main" xmlns:r="http://schemas.openxmlformats.org/officeDocument/2006/relationships" xmlns:p="http://schemas.openxmlformats.org/presentationml/2006/main">
   <p:cSld>
     <p:spTree>
@@ -11614,7 +18198,7 @@
                   <a:reflection blurRad="12700" stA="28000" endPos="45000" dist="1000" dir="5400000" sy="-100000" algn="bl" rotWithShape="0"/>
                 </a:effectLst>
               </a:rPr>
-              <a:t>1.2 mục đích</a:t>
+              <a:t>1.3 cơ chế làm  việc</a:t>
             </a:r>
             <a:endParaRPr lang="en-US" cap="all">
               <a:ln w="9000" cmpd="sng">
@@ -11726,7 +18310,7 @@
             <a:fld id="{B6F15528-21DE-4FAA-801E-634DDDAF4B2B}" type="slidenum">
               <a:rPr lang="en-US" sz="2000" smtClean="0"/>
               <a:pPr/>
-              <a:t>5</a:t>
+              <a:t>6</a:t>
             </a:fld>
             <a:endParaRPr lang="en-US" sz="2000"/>
           </a:p>
@@ -11735,7 +18319,7 @@
     </p:spTree>
     <p:extLst>
       <p:ext uri="{BB962C8B-B14F-4D97-AF65-F5344CB8AC3E}">
-        <p14:creationId xmlns:p14="http://schemas.microsoft.com/office/powerpoint/2010/main" val="3989933861"/>
+        <p14:creationId xmlns:p14="http://schemas.microsoft.com/office/powerpoint/2010/main" val="1507952305"/>
       </p:ext>
     </p:extLst>
   </p:cSld>
@@ -11752,7 +18336,7 @@
 </p:sld>
 </file>
 
-<file path=ppt/slides/slide6.xml><?xml version="1.0" encoding="utf-8"?>
+<file path=ppt/slides/slide7.xml><?xml version="1.0" encoding="utf-8"?>
 <p:sld xmlns:a="http://schemas.openxmlformats.org/drawingml/2006/main" xmlns:r="http://schemas.openxmlformats.org/officeDocument/2006/relationships" xmlns:p="http://schemas.openxmlformats.org/presentationml/2006/main">
   <p:cSld>
     <p:spTree>
@@ -11835,7 +18419,7 @@
                   <a:reflection blurRad="12700" stA="28000" endPos="45000" dist="1000" dir="5400000" sy="-100000" algn="bl" rotWithShape="0"/>
                 </a:effectLst>
               </a:rPr>
-              <a:t>1.3 cơ chế làm  việc</a:t>
+              <a:t>1.4 khó khăn</a:t>
             </a:r>
             <a:endParaRPr lang="en-US" cap="all">
               <a:ln w="9000" cmpd="sng">
@@ -11897,7 +18481,81 @@
           <a:bodyPr/>
           <a:lstStyle/>
           <a:p>
-            <a:endParaRPr lang="en-US"/>
+            <a:pPr lvl="0">
+              <a:buClrTx/>
+              <a:buFont typeface="Wingdings" pitchFamily="2" charset="2"/>
+              <a:buChar char="q"/>
+            </a:pPr>
+            <a:r>
+              <a:rPr lang="en-US" b="0" smtClean="0">
+                <a:solidFill>
+                  <a:srgbClr val="000000"/>
+                </a:solidFill>
+              </a:rPr>
+              <a:t>Không </a:t>
+            </a:r>
+            <a:r>
+              <a:rPr lang="en-US" b="0">
+                <a:solidFill>
+                  <a:srgbClr val="000000"/>
+                </a:solidFill>
+              </a:rPr>
+              <a:t>còn dễ </a:t>
+            </a:r>
+            <a:r>
+              <a:rPr lang="en-US" b="0">
+                <a:solidFill>
+                  <a:srgbClr val="000000"/>
+                </a:solidFill>
+              </a:rPr>
+              <a:t>dàng </a:t>
+            </a:r>
+            <a:r>
+              <a:rPr lang="en-US" b="0" smtClean="0">
+                <a:solidFill>
+                  <a:srgbClr val="000000"/>
+                </a:solidFill>
+              </a:rPr>
+              <a:t>để chạy </a:t>
+            </a:r>
+            <a:r>
+              <a:rPr lang="en-US" b="0">
+                <a:solidFill>
+                  <a:srgbClr val="000000"/>
+                </a:solidFill>
+              </a:rPr>
+              <a:t>trên nhiều môi trường nữa.</a:t>
+            </a:r>
+          </a:p>
+          <a:p>
+            <a:pPr lvl="0">
+              <a:buClrTx/>
+              <a:buFont typeface="Wingdings" pitchFamily="2" charset="2"/>
+              <a:buChar char="q"/>
+            </a:pPr>
+            <a:r>
+              <a:rPr lang="en-US" b="0" smtClean="0">
+                <a:solidFill>
+                  <a:srgbClr val="000000"/>
+                </a:solidFill>
+              </a:rPr>
+              <a:t>Độ an toàn bị giảm.</a:t>
+            </a:r>
+            <a:endParaRPr lang="en-US" b="0">
+              <a:solidFill>
+                <a:srgbClr val="000000"/>
+              </a:solidFill>
+            </a:endParaRPr>
+          </a:p>
+          <a:p>
+            <a:pPr>
+              <a:buClrTx/>
+            </a:pPr>
+            <a:endParaRPr lang="en-US" b="0">
+              <a:solidFill>
+                <a:srgbClr val="000000"/>
+              </a:solidFill>
+            </a:endParaRPr>
           </a:p>
         </p:txBody>
       </p:sp>
@@ -11947,7 +18605,7 @@
             <a:fld id="{B6F15528-21DE-4FAA-801E-634DDDAF4B2B}" type="slidenum">
               <a:rPr lang="en-US" sz="2000" smtClean="0"/>
               <a:pPr/>
-              <a:t>6</a:t>
+              <a:t>7</a:t>
             </a:fld>
             <a:endParaRPr lang="en-US" sz="2000"/>
           </a:p>
@@ -11956,7 +18614,7 @@
     </p:spTree>
     <p:extLst>
       <p:ext uri="{BB962C8B-B14F-4D97-AF65-F5344CB8AC3E}">
-        <p14:creationId xmlns:p14="http://schemas.microsoft.com/office/powerpoint/2010/main" val="1507952305"/>
+        <p14:creationId xmlns:p14="http://schemas.microsoft.com/office/powerpoint/2010/main" val="204767111"/>
       </p:ext>
     </p:extLst>
   </p:cSld>
@@ -11973,7 +18631,7 @@
 </p:sld>
 </file>
 
-<file path=ppt/slides/slide7.xml><?xml version="1.0" encoding="utf-8"?>
+<file path=ppt/slides/slide8.xml><?xml version="1.0" encoding="utf-8"?>
 <p:sld xmlns:a="http://schemas.openxmlformats.org/drawingml/2006/main" xmlns:r="http://schemas.openxmlformats.org/officeDocument/2006/relationships" xmlns:p="http://schemas.openxmlformats.org/presentationml/2006/main">
   <p:cSld>
     <p:spTree>
@@ -12056,7 +18714,7 @@
                   <a:reflection blurRad="12700" stA="28000" endPos="45000" dist="1000" dir="5400000" sy="-100000" algn="bl" rotWithShape="0"/>
                 </a:effectLst>
               </a:rPr>
-              <a:t>1.4 khó khăn</a:t>
+              <a:t>2 cở bản lập trình jni</a:t>
             </a:r>
             <a:endParaRPr lang="en-US" cap="all">
               <a:ln w="9000" cmpd="sng">
@@ -12118,230 +18776,9 @@
           <a:bodyPr/>
           <a:lstStyle/>
           <a:p>
-            <a:endParaRPr lang="en-US"/>
-          </a:p>
-        </p:txBody>
-      </p:sp>
-      <p:sp>
-        <p:nvSpPr>
-          <p:cNvPr id="4" name="Footer Placeholder 3"/>
-          <p:cNvSpPr>
-            <a:spLocks noGrp="1"/>
-          </p:cNvSpPr>
-          <p:nvPr>
-            <p:ph type="ftr" sz="quarter" idx="11"/>
-          </p:nvPr>
-        </p:nvSpPr>
-        <p:spPr/>
-        <p:txBody>
-          <a:bodyPr/>
-          <a:lstStyle/>
-          <a:p>
-            <a:r>
-              <a:rPr lang="en-US" smtClean="0"/>
-              <a:t>www.hcmus.edu.vn</a:t>
-            </a:r>
-            <a:endParaRPr lang="en-US"/>
-          </a:p>
-        </p:txBody>
-      </p:sp>
-      <p:sp>
-        <p:nvSpPr>
-          <p:cNvPr id="6" name="Slide Number Placeholder 11"/>
-          <p:cNvSpPr>
-            <a:spLocks noGrp="1"/>
-          </p:cNvSpPr>
-          <p:nvPr>
-            <p:ph type="sldNum" sz="quarter" idx="12"/>
-          </p:nvPr>
-        </p:nvSpPr>
-        <p:spPr>
-          <a:xfrm>
-            <a:off x="3429000" y="6477000"/>
-            <a:ext cx="2133600" cy="381000"/>
-          </a:xfrm>
-        </p:spPr>
-        <p:txBody>
-          <a:bodyPr/>
-          <a:lstStyle/>
-          <a:p>
-            <a:fld id="{B6F15528-21DE-4FAA-801E-634DDDAF4B2B}" type="slidenum">
-              <a:rPr lang="en-US" sz="2000" smtClean="0"/>
-              <a:pPr/>
-              <a:t>7</a:t>
-            </a:fld>
-            <a:endParaRPr lang="en-US" sz="2000"/>
-          </a:p>
-        </p:txBody>
-      </p:sp>
-    </p:spTree>
-    <p:extLst>
-      <p:ext uri="{BB962C8B-B14F-4D97-AF65-F5344CB8AC3E}">
-        <p14:creationId xmlns:p14="http://schemas.microsoft.com/office/powerpoint/2010/main" val="204767111"/>
-      </p:ext>
-    </p:extLst>
-  </p:cSld>
-  <p:clrMapOvr>
-    <a:masterClrMapping/>
-  </p:clrMapOvr>
-  <p:timing>
-    <p:tnLst>
-      <p:par>
-        <p:cTn id="1" dur="indefinite" restart="never" nodeType="tmRoot"/>
-      </p:par>
-    </p:tnLst>
-  </p:timing>
-</p:sld>
-</file>
-
-<file path=ppt/slides/slide8.xml><?xml version="1.0" encoding="utf-8"?>
-<p:sld xmlns:a="http://schemas.openxmlformats.org/drawingml/2006/main" xmlns:r="http://schemas.openxmlformats.org/officeDocument/2006/relationships" xmlns:p="http://schemas.openxmlformats.org/presentationml/2006/main">
-  <p:cSld>
-    <p:spTree>
-      <p:nvGrpSpPr>
-        <p:cNvPr id="1" name=""/>
-        <p:cNvGrpSpPr/>
-        <p:nvPr/>
-      </p:nvGrpSpPr>
-      <p:grpSpPr>
-        <a:xfrm>
-          <a:off x="0" y="0"/>
-          <a:ext cx="0" cy="0"/>
-          <a:chOff x="0" y="0"/>
-          <a:chExt cx="0" cy="0"/>
-        </a:xfrm>
-      </p:grpSpPr>
-      <p:sp>
-        <p:nvSpPr>
-          <p:cNvPr id="8" name="Title 1"/>
-          <p:cNvSpPr>
-            <a:spLocks noGrp="1"/>
-          </p:cNvSpPr>
-          <p:nvPr>
-            <p:ph type="title"/>
-          </p:nvPr>
-        </p:nvSpPr>
-        <p:spPr>
-          <a:xfrm>
-            <a:off x="228600" y="579437"/>
-            <a:ext cx="8915400" cy="563563"/>
-          </a:xfrm>
-        </p:spPr>
-        <p:txBody>
-          <a:bodyPr>
-            <a:normAutofit fontScale="90000"/>
-          </a:bodyPr>
-          <a:lstStyle/>
-          <a:p>
-            <a:pPr algn="l"/>
-            <a:r>
-              <a:rPr lang="en-US" cap="all" smtClean="0">
-                <a:ln w="9000" cmpd="sng">
-                  <a:solidFill>
-                    <a:schemeClr val="accent4">
-                      <a:shade val="50000"/>
-                      <a:satMod val="120000"/>
-                    </a:schemeClr>
-                  </a:solidFill>
-                  <a:prstDash val="solid"/>
-                </a:ln>
-                <a:gradFill>
-                  <a:gsLst>
-                    <a:gs pos="0">
-                      <a:schemeClr val="accent4">
-                        <a:shade val="20000"/>
-                        <a:satMod val="245000"/>
-                      </a:schemeClr>
-                    </a:gs>
-                    <a:gs pos="43000">
-                      <a:schemeClr val="accent4">
-                        <a:satMod val="255000"/>
-                      </a:schemeClr>
-                    </a:gs>
-                    <a:gs pos="48000">
-                      <a:schemeClr val="accent4">
-                        <a:shade val="85000"/>
-                        <a:satMod val="255000"/>
-                      </a:schemeClr>
-                    </a:gs>
-                    <a:gs pos="100000">
-                      <a:schemeClr val="accent4">
-                        <a:shade val="20000"/>
-                        <a:satMod val="245000"/>
-                      </a:schemeClr>
-                    </a:gs>
-                  </a:gsLst>
-                  <a:lin ang="5400000"/>
-                </a:gradFill>
-                <a:effectLst>
-                  <a:reflection blurRad="12700" stA="28000" endPos="45000" dist="1000" dir="5400000" sy="-100000" algn="bl" rotWithShape="0"/>
-                </a:effectLst>
-              </a:rPr>
-              <a:t>2 cở bản lập trình jni</a:t>
-            </a:r>
-            <a:endParaRPr lang="en-US" cap="all">
-              <a:ln w="9000" cmpd="sng">
-                <a:solidFill>
-                  <a:schemeClr val="accent4">
-                    <a:shade val="50000"/>
-                    <a:satMod val="120000"/>
-                  </a:schemeClr>
-                </a:solidFill>
-                <a:prstDash val="solid"/>
-              </a:ln>
-              <a:gradFill>
-                <a:gsLst>
-                  <a:gs pos="0">
-                    <a:schemeClr val="accent4">
-                      <a:shade val="20000"/>
-                      <a:satMod val="245000"/>
-                    </a:schemeClr>
-                  </a:gs>
-                  <a:gs pos="43000">
-                    <a:schemeClr val="accent4">
-                      <a:satMod val="255000"/>
-                    </a:schemeClr>
-                  </a:gs>
-                  <a:gs pos="48000">
-                    <a:schemeClr val="accent4">
-                      <a:shade val="85000"/>
-                      <a:satMod val="255000"/>
-                    </a:schemeClr>
-                  </a:gs>
-                  <a:gs pos="100000">
-                    <a:schemeClr val="accent4">
-                      <a:shade val="20000"/>
-                      <a:satMod val="245000"/>
-                    </a:schemeClr>
-                  </a:gs>
-                </a:gsLst>
-                <a:lin ang="5400000"/>
-              </a:gradFill>
-              <a:effectLst>
-                <a:reflection blurRad="12700" stA="28000" endPos="45000" dist="1000" dir="5400000" sy="-100000" algn="bl" rotWithShape="0"/>
-              </a:effectLst>
-            </a:endParaRPr>
-          </a:p>
-        </p:txBody>
-      </p:sp>
-      <p:sp>
-        <p:nvSpPr>
-          <p:cNvPr id="2" name="Content Placeholder 1"/>
-          <p:cNvSpPr>
-            <a:spLocks noGrp="1"/>
-          </p:cNvSpPr>
-          <p:nvPr>
-            <p:ph idx="1"/>
-          </p:nvPr>
-        </p:nvSpPr>
-        <p:spPr/>
-        <p:txBody>
-          <a:bodyPr/>
-          <a:lstStyle/>
-          <a:p>
             <a:pPr lvl="0"/>
             <a:r>
-              <a:rPr lang="en-US" smtClean="0">
+              <a:rPr lang="en-US" b="0" smtClean="0">
                 <a:solidFill>
                   <a:srgbClr val="000000"/>
                 </a:solidFill>
@@ -12352,31 +18789,18 @@
           <a:p>
             <a:pPr lvl="0"/>
             <a:r>
-              <a:rPr lang="en-US" smtClean="0">
+              <a:rPr lang="en-US" b="0" smtClean="0">
                 <a:solidFill>
                   <a:srgbClr val="000000"/>
                 </a:solidFill>
               </a:rPr>
-              <a:t>Các kiểu dữ liệu cơ </a:t>
-            </a:r>
-            <a:r>
-              <a:rPr lang="en-US" smtClean="0">
-                <a:solidFill>
-                  <a:srgbClr val="000000"/>
-                </a:solidFill>
-              </a:rPr>
-              <a:t>bản</a:t>
-            </a:r>
-            <a:endParaRPr lang="en-US" smtClean="0">
-              <a:solidFill>
-                <a:srgbClr val="000000"/>
-              </a:solidFill>
-            </a:endParaRPr>
+              <a:t>Các kiểu dữ liệu cơ bản</a:t>
+            </a:r>
           </a:p>
           <a:p>
             <a:pPr lvl="0"/>
             <a:r>
-              <a:rPr lang="en-US" smtClean="0">
+              <a:rPr lang="en-US" b="0" smtClean="0">
                 <a:solidFill>
                   <a:srgbClr val="000000"/>
                 </a:solidFill>
@@ -12387,7 +18811,7 @@
           <a:p>
             <a:pPr lvl="0"/>
             <a:r>
-              <a:rPr lang="en-US" smtClean="0">
+              <a:rPr lang="en-US" b="0" smtClean="0">
                 <a:solidFill>
                   <a:srgbClr val="000000"/>
                 </a:solidFill>
@@ -12398,7 +18822,7 @@
           <a:p>
             <a:pPr lvl="0"/>
             <a:r>
-              <a:rPr lang="en-US" smtClean="0">
+              <a:rPr lang="en-US" b="0" smtClean="0">
                 <a:solidFill>
                   <a:srgbClr val="000000"/>
                 </a:solidFill>
@@ -12408,7 +18832,7 @@
           </a:p>
           <a:p>
             <a:r>
-              <a:rPr lang="en-US" smtClean="0">
+              <a:rPr lang="en-US" b="0" smtClean="0">
                 <a:solidFill>
                   <a:srgbClr val="000000"/>
                 </a:solidFill>
@@ -12417,7 +18841,7 @@
             </a:r>
           </a:p>
           <a:p>
-            <a:endParaRPr lang="en-US">
+            <a:endParaRPr lang="en-US" b="0">
               <a:solidFill>
                 <a:srgbClr val="000000"/>
               </a:solidFill>

--- a/trunk/Seminar_JNI/Slide_00.pptx
+++ b/trunk/Seminar_JNI/Slide_00.pptx
@@ -3856,24 +3856,49 @@
           <a:bodyPr/>
           <a:lstStyle/>
           <a:p>
-            <a:r>
-              <a:rPr lang="en-US" sz="1200" kern="1200" smtClean="0">
+            <a:pPr marL="60325" lvl="1" indent="0">
+              <a:buClrTx/>
+              <a:buFont typeface="Wingdings" pitchFamily="2" charset="2"/>
+              <a:buNone/>
+            </a:pPr>
+            <a:r>
+              <a:rPr lang="en-US" b="1" smtClean="0">
                 <a:solidFill>
-                  <a:schemeClr val="tx1"/>
+                  <a:srgbClr val="000000"/>
                 </a:solidFill>
-                <a:effectLst/>
-                <a:latin typeface="+mn-lt"/>
-                <a:ea typeface="+mn-ea"/>
-                <a:cs typeface="+mn-cs"/>
               </a:rPr>
-              <a:t>Các tham số giống như phần truy xuất Field. Tuy nhiên phần sig sẽ là method descriptor.</a:t>
-            </a:r>
-          </a:p>
-          <a:p>
-            <a:endParaRPr lang="en-US" smtClean="0"/>
-          </a:p>
-          <a:p>
-            <a:endParaRPr lang="en-US"/>
+              <a:t>Method descriptor </a:t>
+            </a:r>
+          </a:p>
+          <a:p>
+            <a:pPr marL="60325" lvl="1" indent="0">
+              <a:buClrTx/>
+              <a:buFont typeface="Wingdings" pitchFamily="2" charset="2"/>
+              <a:buNone/>
+            </a:pPr>
+            <a:r>
+              <a:rPr lang="en-US" b="0" smtClean="0">
+                <a:solidFill>
+                  <a:srgbClr val="000000"/>
+                </a:solidFill>
+              </a:rPr>
+              <a:t>Nội dụng của ? thì giống với Field descriptor. </a:t>
+            </a:r>
+          </a:p>
+          <a:p>
+            <a:pPr marL="60325" lvl="1" indent="0">
+              <a:buClrTx/>
+              <a:buFont typeface="Wingdings" pitchFamily="2" charset="2"/>
+              <a:buNone/>
+            </a:pPr>
+            <a:r>
+              <a:rPr lang="en-US" b="0" smtClean="0">
+                <a:solidFill>
+                  <a:srgbClr val="000000"/>
+                </a:solidFill>
+              </a:rPr>
+              <a:t>Lưu ý là void có ký hiệu là “V”. </a:t>
+            </a:r>
           </a:p>
         </p:txBody>
       </p:sp>
@@ -9829,8 +9854,203 @@
                   <a:reflection blurRad="12700" stA="28000" endPos="45000" dist="1000" dir="5400000" sy="-100000" algn="bl" rotWithShape="0"/>
                 </a:effectLst>
               </a:rPr>
-              <a:t>2.3.1 </a:t>
-            </a:r>
+              <a:t>2.3.1 truy xuất Field</a:t>
+            </a:r>
+            <a:endParaRPr lang="en-US" sz="2850" cap="all">
+              <a:ln w="9000" cmpd="sng">
+                <a:solidFill>
+                  <a:schemeClr val="accent4">
+                    <a:shade val="50000"/>
+                    <a:satMod val="120000"/>
+                  </a:schemeClr>
+                </a:solidFill>
+                <a:prstDash val="solid"/>
+              </a:ln>
+              <a:gradFill>
+                <a:gsLst>
+                  <a:gs pos="0">
+                    <a:schemeClr val="accent4">
+                      <a:shade val="20000"/>
+                      <a:satMod val="245000"/>
+                    </a:schemeClr>
+                  </a:gs>
+                  <a:gs pos="43000">
+                    <a:schemeClr val="accent4">
+                      <a:satMod val="255000"/>
+                    </a:schemeClr>
+                  </a:gs>
+                  <a:gs pos="48000">
+                    <a:schemeClr val="accent4">
+                      <a:shade val="85000"/>
+                      <a:satMod val="255000"/>
+                    </a:schemeClr>
+                  </a:gs>
+                  <a:gs pos="100000">
+                    <a:schemeClr val="accent4">
+                      <a:shade val="20000"/>
+                      <a:satMod val="245000"/>
+                    </a:schemeClr>
+                  </a:gs>
+                </a:gsLst>
+                <a:lin ang="5400000"/>
+              </a:gradFill>
+              <a:effectLst>
+                <a:reflection blurRad="12700" stA="28000" endPos="45000" dist="1000" dir="5400000" sy="-100000" algn="bl" rotWithShape="0"/>
+              </a:effectLst>
+            </a:endParaRPr>
+          </a:p>
+        </p:txBody>
+      </p:sp>
+      <p:sp>
+        <p:nvSpPr>
+          <p:cNvPr id="2" name="Content Placeholder 1"/>
+          <p:cNvSpPr>
+            <a:spLocks noGrp="1"/>
+          </p:cNvSpPr>
+          <p:nvPr>
+            <p:ph idx="1"/>
+          </p:nvPr>
+        </p:nvSpPr>
+        <p:spPr/>
+        <p:txBody>
+          <a:bodyPr/>
+          <a:lstStyle/>
+          <a:p>
+            <a:pPr>
+              <a:buClrTx/>
+              <a:buFont typeface="Wingdings" pitchFamily="2" charset="2"/>
+              <a:buChar char="q"/>
+            </a:pPr>
+            <a:r>
+              <a:rPr lang="en-US" b="0">
+                <a:solidFill>
+                  <a:srgbClr val="000000"/>
+                </a:solidFill>
+              </a:rPr>
+              <a:t>JNI cung cấp các hàm để native code truy xuất (get/set) các field của object và các static field của class.</a:t>
+            </a:r>
+          </a:p>
+          <a:p>
+            <a:endParaRPr lang="en-US" b="0">
+              <a:solidFill>
+                <a:srgbClr val="000000"/>
+              </a:solidFill>
+            </a:endParaRPr>
+          </a:p>
+        </p:txBody>
+      </p:sp>
+      <p:sp>
+        <p:nvSpPr>
+          <p:cNvPr id="4" name="Footer Placeholder 3"/>
+          <p:cNvSpPr>
+            <a:spLocks noGrp="1"/>
+          </p:cNvSpPr>
+          <p:nvPr>
+            <p:ph type="ftr" sz="quarter" idx="11"/>
+          </p:nvPr>
+        </p:nvSpPr>
+        <p:spPr/>
+        <p:txBody>
+          <a:bodyPr/>
+          <a:lstStyle/>
+          <a:p>
+            <a:r>
+              <a:rPr lang="en-US" smtClean="0"/>
+              <a:t>www.hcmus.edu.vn</a:t>
+            </a:r>
+            <a:endParaRPr lang="en-US"/>
+          </a:p>
+        </p:txBody>
+      </p:sp>
+      <p:sp>
+        <p:nvSpPr>
+          <p:cNvPr id="6" name="Slide Number Placeholder 11"/>
+          <p:cNvSpPr>
+            <a:spLocks noGrp="1"/>
+          </p:cNvSpPr>
+          <p:nvPr>
+            <p:ph type="sldNum" sz="quarter" idx="12"/>
+          </p:nvPr>
+        </p:nvSpPr>
+        <p:spPr>
+          <a:xfrm>
+            <a:off x="3429000" y="6477000"/>
+            <a:ext cx="2133600" cy="381000"/>
+          </a:xfrm>
+        </p:spPr>
+        <p:txBody>
+          <a:bodyPr/>
+          <a:lstStyle/>
+          <a:p>
+            <a:fld id="{B6F15528-21DE-4FAA-801E-634DDDAF4B2B}" type="slidenum">
+              <a:rPr lang="en-US" sz="2000" smtClean="0"/>
+              <a:pPr/>
+              <a:t>11</a:t>
+            </a:fld>
+            <a:endParaRPr lang="en-US" sz="2000"/>
+          </a:p>
+        </p:txBody>
+      </p:sp>
+    </p:spTree>
+    <p:extLst>
+      <p:ext uri="{BB962C8B-B14F-4D97-AF65-F5344CB8AC3E}">
+        <p14:creationId xmlns:p14="http://schemas.microsoft.com/office/powerpoint/2010/main" val="556740697"/>
+      </p:ext>
+    </p:extLst>
+  </p:cSld>
+  <p:clrMapOvr>
+    <a:masterClrMapping/>
+  </p:clrMapOvr>
+  <p:timing>
+    <p:tnLst>
+      <p:par>
+        <p:cTn id="1" dur="indefinite" restart="never" nodeType="tmRoot"/>
+      </p:par>
+    </p:tnLst>
+  </p:timing>
+</p:sld>
+</file>
+
+<file path=ppt/slides/slide12.xml><?xml version="1.0" encoding="utf-8"?>
+<p:sld xmlns:a="http://schemas.openxmlformats.org/drawingml/2006/main" xmlns:r="http://schemas.openxmlformats.org/officeDocument/2006/relationships" xmlns:p="http://schemas.openxmlformats.org/presentationml/2006/main">
+  <p:cSld>
+    <p:spTree>
+      <p:nvGrpSpPr>
+        <p:cNvPr id="1" name=""/>
+        <p:cNvGrpSpPr/>
+        <p:nvPr/>
+      </p:nvGrpSpPr>
+      <p:grpSpPr>
+        <a:xfrm>
+          <a:off x="0" y="0"/>
+          <a:ext cx="0" cy="0"/>
+          <a:chOff x="0" y="0"/>
+          <a:chExt cx="0" cy="0"/>
+        </a:xfrm>
+      </p:grpSpPr>
+      <p:sp>
+        <p:nvSpPr>
+          <p:cNvPr id="8" name="Title 1"/>
+          <p:cNvSpPr>
+            <a:spLocks noGrp="1"/>
+          </p:cNvSpPr>
+          <p:nvPr>
+            <p:ph type="title"/>
+          </p:nvPr>
+        </p:nvSpPr>
+        <p:spPr>
+          <a:xfrm>
+            <a:off x="228600" y="579437"/>
+            <a:ext cx="9448800" cy="563563"/>
+          </a:xfrm>
+        </p:spPr>
+        <p:txBody>
+          <a:bodyPr>
+            <a:noAutofit/>
+          </a:bodyPr>
+          <a:lstStyle/>
+          <a:p>
+            <a:pPr algn="l"/>
             <a:r>
               <a:rPr lang="en-US" sz="2850" cap="all" smtClean="0">
                 <a:ln w="9000" cmpd="sng">
@@ -9874,52 +10094,7 @@
                   <a:reflection blurRad="12700" stA="28000" endPos="45000" dist="1000" dir="5400000" sy="-100000" algn="bl" rotWithShape="0"/>
                 </a:effectLst>
               </a:rPr>
-              <a:t>truy xuất </a:t>
-            </a:r>
-            <a:r>
-              <a:rPr lang="en-US" sz="2850" cap="all" smtClean="0">
-                <a:ln w="9000" cmpd="sng">
-                  <a:solidFill>
-                    <a:schemeClr val="accent4">
-                      <a:shade val="50000"/>
-                      <a:satMod val="120000"/>
-                    </a:schemeClr>
-                  </a:solidFill>
-                  <a:prstDash val="solid"/>
-                </a:ln>
-                <a:gradFill>
-                  <a:gsLst>
-                    <a:gs pos="0">
-                      <a:schemeClr val="accent4">
-                        <a:shade val="20000"/>
-                        <a:satMod val="245000"/>
-                      </a:schemeClr>
-                    </a:gs>
-                    <a:gs pos="43000">
-                      <a:schemeClr val="accent4">
-                        <a:satMod val="255000"/>
-                      </a:schemeClr>
-                    </a:gs>
-                    <a:gs pos="48000">
-                      <a:schemeClr val="accent4">
-                        <a:shade val="85000"/>
-                        <a:satMod val="255000"/>
-                      </a:schemeClr>
-                    </a:gs>
-                    <a:gs pos="100000">
-                      <a:schemeClr val="accent4">
-                        <a:shade val="20000"/>
-                        <a:satMod val="245000"/>
-                      </a:schemeClr>
-                    </a:gs>
-                  </a:gsLst>
-                  <a:lin ang="5400000"/>
-                </a:gradFill>
-                <a:effectLst>
-                  <a:reflection blurRad="12700" stA="28000" endPos="45000" dist="1000" dir="5400000" sy="-100000" algn="bl" rotWithShape="0"/>
-                </a:effectLst>
-              </a:rPr>
-              <a:t>Field</a:t>
+              <a:t>2.3.1 truy xuất Field</a:t>
             </a:r>
             <a:endParaRPr lang="en-US" sz="2850" cap="all">
               <a:ln w="9000" cmpd="sng">
@@ -9981,336 +10156,6 @@
           <a:bodyPr/>
           <a:lstStyle/>
           <a:p>
-            <a:pPr>
-              <a:buClrTx/>
-              <a:buFont typeface="Wingdings" pitchFamily="2" charset="2"/>
-              <a:buChar char="q"/>
-            </a:pPr>
-            <a:r>
-              <a:rPr lang="en-US">
-                <a:solidFill>
-                  <a:srgbClr val="000000"/>
-                </a:solidFill>
-              </a:rPr>
-              <a:t>JNI cung cấp các hàm để native code truy xuất (get/set) các field của object và các static field của class.</a:t>
-            </a:r>
-          </a:p>
-          <a:p>
-            <a:endParaRPr lang="en-US">
-              <a:solidFill>
-                <a:srgbClr val="000000"/>
-              </a:solidFill>
-            </a:endParaRPr>
-          </a:p>
-        </p:txBody>
-      </p:sp>
-      <p:sp>
-        <p:nvSpPr>
-          <p:cNvPr id="4" name="Footer Placeholder 3"/>
-          <p:cNvSpPr>
-            <a:spLocks noGrp="1"/>
-          </p:cNvSpPr>
-          <p:nvPr>
-            <p:ph type="ftr" sz="quarter" idx="11"/>
-          </p:nvPr>
-        </p:nvSpPr>
-        <p:spPr/>
-        <p:txBody>
-          <a:bodyPr/>
-          <a:lstStyle/>
-          <a:p>
-            <a:r>
-              <a:rPr lang="en-US" smtClean="0"/>
-              <a:t>www.hcmus.edu.vn</a:t>
-            </a:r>
-            <a:endParaRPr lang="en-US"/>
-          </a:p>
-        </p:txBody>
-      </p:sp>
-      <p:sp>
-        <p:nvSpPr>
-          <p:cNvPr id="6" name="Slide Number Placeholder 11"/>
-          <p:cNvSpPr>
-            <a:spLocks noGrp="1"/>
-          </p:cNvSpPr>
-          <p:nvPr>
-            <p:ph type="sldNum" sz="quarter" idx="12"/>
-          </p:nvPr>
-        </p:nvSpPr>
-        <p:spPr>
-          <a:xfrm>
-            <a:off x="3429000" y="6477000"/>
-            <a:ext cx="2133600" cy="381000"/>
-          </a:xfrm>
-        </p:spPr>
-        <p:txBody>
-          <a:bodyPr/>
-          <a:lstStyle/>
-          <a:p>
-            <a:fld id="{B6F15528-21DE-4FAA-801E-634DDDAF4B2B}" type="slidenum">
-              <a:rPr lang="en-US" sz="2000" smtClean="0"/>
-              <a:pPr/>
-              <a:t>11</a:t>
-            </a:fld>
-            <a:endParaRPr lang="en-US" sz="2000"/>
-          </a:p>
-        </p:txBody>
-      </p:sp>
-    </p:spTree>
-    <p:extLst>
-      <p:ext uri="{BB962C8B-B14F-4D97-AF65-F5344CB8AC3E}">
-        <p14:creationId xmlns:p14="http://schemas.microsoft.com/office/powerpoint/2010/main" val="556740697"/>
-      </p:ext>
-    </p:extLst>
-  </p:cSld>
-  <p:clrMapOvr>
-    <a:masterClrMapping/>
-  </p:clrMapOvr>
-  <p:timing>
-    <p:tnLst>
-      <p:par>
-        <p:cTn id="1" dur="indefinite" restart="never" nodeType="tmRoot"/>
-      </p:par>
-    </p:tnLst>
-  </p:timing>
-</p:sld>
-</file>
-
-<file path=ppt/slides/slide12.xml><?xml version="1.0" encoding="utf-8"?>
-<p:sld xmlns:a="http://schemas.openxmlformats.org/drawingml/2006/main" xmlns:r="http://schemas.openxmlformats.org/officeDocument/2006/relationships" xmlns:p="http://schemas.openxmlformats.org/presentationml/2006/main">
-  <p:cSld>
-    <p:spTree>
-      <p:nvGrpSpPr>
-        <p:cNvPr id="1" name=""/>
-        <p:cNvGrpSpPr/>
-        <p:nvPr/>
-      </p:nvGrpSpPr>
-      <p:grpSpPr>
-        <a:xfrm>
-          <a:off x="0" y="0"/>
-          <a:ext cx="0" cy="0"/>
-          <a:chOff x="0" y="0"/>
-          <a:chExt cx="0" cy="0"/>
-        </a:xfrm>
-      </p:grpSpPr>
-      <p:sp>
-        <p:nvSpPr>
-          <p:cNvPr id="8" name="Title 1"/>
-          <p:cNvSpPr>
-            <a:spLocks noGrp="1"/>
-          </p:cNvSpPr>
-          <p:nvPr>
-            <p:ph type="title"/>
-          </p:nvPr>
-        </p:nvSpPr>
-        <p:spPr>
-          <a:xfrm>
-            <a:off x="228600" y="579437"/>
-            <a:ext cx="9448800" cy="563563"/>
-          </a:xfrm>
-        </p:spPr>
-        <p:txBody>
-          <a:bodyPr>
-            <a:noAutofit/>
-          </a:bodyPr>
-          <a:lstStyle/>
-          <a:p>
-            <a:pPr algn="l"/>
-            <a:r>
-              <a:rPr lang="en-US" sz="2850" cap="all" smtClean="0">
-                <a:ln w="9000" cmpd="sng">
-                  <a:solidFill>
-                    <a:schemeClr val="accent4">
-                      <a:shade val="50000"/>
-                      <a:satMod val="120000"/>
-                    </a:schemeClr>
-                  </a:solidFill>
-                  <a:prstDash val="solid"/>
-                </a:ln>
-                <a:gradFill>
-                  <a:gsLst>
-                    <a:gs pos="0">
-                      <a:schemeClr val="accent4">
-                        <a:shade val="20000"/>
-                        <a:satMod val="245000"/>
-                      </a:schemeClr>
-                    </a:gs>
-                    <a:gs pos="43000">
-                      <a:schemeClr val="accent4">
-                        <a:satMod val="255000"/>
-                      </a:schemeClr>
-                    </a:gs>
-                    <a:gs pos="48000">
-                      <a:schemeClr val="accent4">
-                        <a:shade val="85000"/>
-                        <a:satMod val="255000"/>
-                      </a:schemeClr>
-                    </a:gs>
-                    <a:gs pos="100000">
-                      <a:schemeClr val="accent4">
-                        <a:shade val="20000"/>
-                        <a:satMod val="245000"/>
-                      </a:schemeClr>
-                    </a:gs>
-                  </a:gsLst>
-                  <a:lin ang="5400000"/>
-                </a:gradFill>
-                <a:effectLst>
-                  <a:reflection blurRad="12700" stA="28000" endPos="45000" dist="1000" dir="5400000" sy="-100000" algn="bl" rotWithShape="0"/>
-                </a:effectLst>
-              </a:rPr>
-              <a:t>2.3.1 </a:t>
-            </a:r>
-            <a:r>
-              <a:rPr lang="en-US" sz="2850" cap="all" smtClean="0">
-                <a:ln w="9000" cmpd="sng">
-                  <a:solidFill>
-                    <a:schemeClr val="accent4">
-                      <a:shade val="50000"/>
-                      <a:satMod val="120000"/>
-                    </a:schemeClr>
-                  </a:solidFill>
-                  <a:prstDash val="solid"/>
-                </a:ln>
-                <a:gradFill>
-                  <a:gsLst>
-                    <a:gs pos="0">
-                      <a:schemeClr val="accent4">
-                        <a:shade val="20000"/>
-                        <a:satMod val="245000"/>
-                      </a:schemeClr>
-                    </a:gs>
-                    <a:gs pos="43000">
-                      <a:schemeClr val="accent4">
-                        <a:satMod val="255000"/>
-                      </a:schemeClr>
-                    </a:gs>
-                    <a:gs pos="48000">
-                      <a:schemeClr val="accent4">
-                        <a:shade val="85000"/>
-                        <a:satMod val="255000"/>
-                      </a:schemeClr>
-                    </a:gs>
-                    <a:gs pos="100000">
-                      <a:schemeClr val="accent4">
-                        <a:shade val="20000"/>
-                        <a:satMod val="245000"/>
-                      </a:schemeClr>
-                    </a:gs>
-                  </a:gsLst>
-                  <a:lin ang="5400000"/>
-                </a:gradFill>
-                <a:effectLst>
-                  <a:reflection blurRad="12700" stA="28000" endPos="45000" dist="1000" dir="5400000" sy="-100000" algn="bl" rotWithShape="0"/>
-                </a:effectLst>
-              </a:rPr>
-              <a:t>truy xuất </a:t>
-            </a:r>
-            <a:r>
-              <a:rPr lang="en-US" sz="2850" cap="all" smtClean="0">
-                <a:ln w="9000" cmpd="sng">
-                  <a:solidFill>
-                    <a:schemeClr val="accent4">
-                      <a:shade val="50000"/>
-                      <a:satMod val="120000"/>
-                    </a:schemeClr>
-                  </a:solidFill>
-                  <a:prstDash val="solid"/>
-                </a:ln>
-                <a:gradFill>
-                  <a:gsLst>
-                    <a:gs pos="0">
-                      <a:schemeClr val="accent4">
-                        <a:shade val="20000"/>
-                        <a:satMod val="245000"/>
-                      </a:schemeClr>
-                    </a:gs>
-                    <a:gs pos="43000">
-                      <a:schemeClr val="accent4">
-                        <a:satMod val="255000"/>
-                      </a:schemeClr>
-                    </a:gs>
-                    <a:gs pos="48000">
-                      <a:schemeClr val="accent4">
-                        <a:shade val="85000"/>
-                        <a:satMod val="255000"/>
-                      </a:schemeClr>
-                    </a:gs>
-                    <a:gs pos="100000">
-                      <a:schemeClr val="accent4">
-                        <a:shade val="20000"/>
-                        <a:satMod val="245000"/>
-                      </a:schemeClr>
-                    </a:gs>
-                  </a:gsLst>
-                  <a:lin ang="5400000"/>
-                </a:gradFill>
-                <a:effectLst>
-                  <a:reflection blurRad="12700" stA="28000" endPos="45000" dist="1000" dir="5400000" sy="-100000" algn="bl" rotWithShape="0"/>
-                </a:effectLst>
-              </a:rPr>
-              <a:t>Field</a:t>
-            </a:r>
-            <a:endParaRPr lang="en-US" sz="2850" cap="all">
-              <a:ln w="9000" cmpd="sng">
-                <a:solidFill>
-                  <a:schemeClr val="accent4">
-                    <a:shade val="50000"/>
-                    <a:satMod val="120000"/>
-                  </a:schemeClr>
-                </a:solidFill>
-                <a:prstDash val="solid"/>
-              </a:ln>
-              <a:gradFill>
-                <a:gsLst>
-                  <a:gs pos="0">
-                    <a:schemeClr val="accent4">
-                      <a:shade val="20000"/>
-                      <a:satMod val="245000"/>
-                    </a:schemeClr>
-                  </a:gs>
-                  <a:gs pos="43000">
-                    <a:schemeClr val="accent4">
-                      <a:satMod val="255000"/>
-                    </a:schemeClr>
-                  </a:gs>
-                  <a:gs pos="48000">
-                    <a:schemeClr val="accent4">
-                      <a:shade val="85000"/>
-                      <a:satMod val="255000"/>
-                    </a:schemeClr>
-                  </a:gs>
-                  <a:gs pos="100000">
-                    <a:schemeClr val="accent4">
-                      <a:shade val="20000"/>
-                      <a:satMod val="245000"/>
-                    </a:schemeClr>
-                  </a:gs>
-                </a:gsLst>
-                <a:lin ang="5400000"/>
-              </a:gradFill>
-              <a:effectLst>
-                <a:reflection blurRad="12700" stA="28000" endPos="45000" dist="1000" dir="5400000" sy="-100000" algn="bl" rotWithShape="0"/>
-              </a:effectLst>
-            </a:endParaRPr>
-          </a:p>
-        </p:txBody>
-      </p:sp>
-      <p:sp>
-        <p:nvSpPr>
-          <p:cNvPr id="2" name="Content Placeholder 1"/>
-          <p:cNvSpPr>
-            <a:spLocks noGrp="1"/>
-          </p:cNvSpPr>
-          <p:nvPr>
-            <p:ph idx="1"/>
-          </p:nvPr>
-        </p:nvSpPr>
-        <p:spPr/>
-        <p:txBody>
-          <a:bodyPr/>
-          <a:lstStyle/>
-          <a:p>
             <a:pPr marL="342900" lvl="1" indent="-342900">
               <a:buClrTx/>
               <a:buFont typeface="Wingdings" pitchFamily="2" charset="2"/>
@@ -10322,15 +10167,7 @@
                   <a:srgbClr val="000000"/>
                 </a:solidFill>
               </a:rPr>
-              <a:t>Để truy xuất vào một Field </a:t>
-            </a:r>
-            <a:r>
-              <a:rPr lang="en-US" sz="2200">
-                <a:solidFill>
-                  <a:srgbClr val="000000"/>
-                </a:solidFill>
-              </a:rPr>
-              <a:t>JNI </a:t>
+              <a:t>Để truy xuất vào một Field JNI </a:t>
             </a:r>
             <a:r>
               <a:rPr lang="en-US" sz="2200" smtClean="0">
@@ -11215,97 +11052,7 @@
                   <a:reflection blurRad="12700" stA="28000" endPos="45000" dist="1000" dir="5400000" sy="-100000" algn="bl" rotWithShape="0"/>
                 </a:effectLst>
               </a:rPr>
-              <a:t>2.3.1 </a:t>
-            </a:r>
-            <a:r>
-              <a:rPr lang="en-US" sz="2850" cap="all" smtClean="0">
-                <a:ln w="9000" cmpd="sng">
-                  <a:solidFill>
-                    <a:schemeClr val="accent4">
-                      <a:shade val="50000"/>
-                      <a:satMod val="120000"/>
-                    </a:schemeClr>
-                  </a:solidFill>
-                  <a:prstDash val="solid"/>
-                </a:ln>
-                <a:gradFill>
-                  <a:gsLst>
-                    <a:gs pos="0">
-                      <a:schemeClr val="accent4">
-                        <a:shade val="20000"/>
-                        <a:satMod val="245000"/>
-                      </a:schemeClr>
-                    </a:gs>
-                    <a:gs pos="43000">
-                      <a:schemeClr val="accent4">
-                        <a:satMod val="255000"/>
-                      </a:schemeClr>
-                    </a:gs>
-                    <a:gs pos="48000">
-                      <a:schemeClr val="accent4">
-                        <a:shade val="85000"/>
-                        <a:satMod val="255000"/>
-                      </a:schemeClr>
-                    </a:gs>
-                    <a:gs pos="100000">
-                      <a:schemeClr val="accent4">
-                        <a:shade val="20000"/>
-                        <a:satMod val="245000"/>
-                      </a:schemeClr>
-                    </a:gs>
-                  </a:gsLst>
-                  <a:lin ang="5400000"/>
-                </a:gradFill>
-                <a:effectLst>
-                  <a:reflection blurRad="12700" stA="28000" endPos="45000" dist="1000" dir="5400000" sy="-100000" algn="bl" rotWithShape="0"/>
-                </a:effectLst>
-              </a:rPr>
-              <a:t>truy xuất </a:t>
-            </a:r>
-            <a:r>
-              <a:rPr lang="en-US" sz="2850" cap="all" smtClean="0">
-                <a:ln w="9000" cmpd="sng">
-                  <a:solidFill>
-                    <a:schemeClr val="accent4">
-                      <a:shade val="50000"/>
-                      <a:satMod val="120000"/>
-                    </a:schemeClr>
-                  </a:solidFill>
-                  <a:prstDash val="solid"/>
-                </a:ln>
-                <a:gradFill>
-                  <a:gsLst>
-                    <a:gs pos="0">
-                      <a:schemeClr val="accent4">
-                        <a:shade val="20000"/>
-                        <a:satMod val="245000"/>
-                      </a:schemeClr>
-                    </a:gs>
-                    <a:gs pos="43000">
-                      <a:schemeClr val="accent4">
-                        <a:satMod val="255000"/>
-                      </a:schemeClr>
-                    </a:gs>
-                    <a:gs pos="48000">
-                      <a:schemeClr val="accent4">
-                        <a:shade val="85000"/>
-                        <a:satMod val="255000"/>
-                      </a:schemeClr>
-                    </a:gs>
-                    <a:gs pos="100000">
-                      <a:schemeClr val="accent4">
-                        <a:shade val="20000"/>
-                        <a:satMod val="245000"/>
-                      </a:schemeClr>
-                    </a:gs>
-                  </a:gsLst>
-                  <a:lin ang="5400000"/>
-                </a:gradFill>
-                <a:effectLst>
-                  <a:reflection blurRad="12700" stA="28000" endPos="45000" dist="1000" dir="5400000" sy="-100000" algn="bl" rotWithShape="0"/>
-                </a:effectLst>
-              </a:rPr>
-              <a:t>Field</a:t>
+              <a:t>2.3.1 truy xuất Field</a:t>
             </a:r>
             <a:endParaRPr lang="en-US" sz="2850" cap="all">
               <a:ln w="9000" cmpd="sng">
@@ -11540,13 +11287,13 @@
           <p:nvPr>
             <p:extLst>
               <p:ext uri="{D42A27DB-BD31-4B8C-83A1-F6EECF244321}">
-                <p14:modId xmlns:p14="http://schemas.microsoft.com/office/powerpoint/2010/main" val="908811589"/>
+                <p14:modId xmlns:p14="http://schemas.microsoft.com/office/powerpoint/2010/main" val="2537665614"/>
               </p:ext>
             </p:extLst>
           </p:nvPr>
         </p:nvGraphicFramePr>
         <p:xfrm>
-          <a:off x="1600200" y="2819400"/>
+          <a:off x="1676400" y="2819400"/>
           <a:ext cx="5791200" cy="3581403"/>
         </p:xfrm>
         <a:graphic>
@@ -12326,8 +12073,296 @@
                   <a:reflection blurRad="12700" stA="28000" endPos="45000" dist="1000" dir="5400000" sy="-100000" algn="bl" rotWithShape="0"/>
                 </a:effectLst>
               </a:rPr>
-              <a:t>2.3.1 </a:t>
-            </a:r>
+              <a:t>2.3.1 truy xuất Field</a:t>
+            </a:r>
+            <a:endParaRPr lang="en-US" sz="2850" cap="all">
+              <a:ln w="9000" cmpd="sng">
+                <a:solidFill>
+                  <a:schemeClr val="accent4">
+                    <a:shade val="50000"/>
+                    <a:satMod val="120000"/>
+                  </a:schemeClr>
+                </a:solidFill>
+                <a:prstDash val="solid"/>
+              </a:ln>
+              <a:gradFill>
+                <a:gsLst>
+                  <a:gs pos="0">
+                    <a:schemeClr val="accent4">
+                      <a:shade val="20000"/>
+                      <a:satMod val="245000"/>
+                    </a:schemeClr>
+                  </a:gs>
+                  <a:gs pos="43000">
+                    <a:schemeClr val="accent4">
+                      <a:satMod val="255000"/>
+                    </a:schemeClr>
+                  </a:gs>
+                  <a:gs pos="48000">
+                    <a:schemeClr val="accent4">
+                      <a:shade val="85000"/>
+                      <a:satMod val="255000"/>
+                    </a:schemeClr>
+                  </a:gs>
+                  <a:gs pos="100000">
+                    <a:schemeClr val="accent4">
+                      <a:shade val="20000"/>
+                      <a:satMod val="245000"/>
+                    </a:schemeClr>
+                  </a:gs>
+                </a:gsLst>
+                <a:lin ang="5400000"/>
+              </a:gradFill>
+              <a:effectLst>
+                <a:reflection blurRad="12700" stA="28000" endPos="45000" dist="1000" dir="5400000" sy="-100000" algn="bl" rotWithShape="0"/>
+              </a:effectLst>
+            </a:endParaRPr>
+          </a:p>
+        </p:txBody>
+      </p:sp>
+      <p:sp>
+        <p:nvSpPr>
+          <p:cNvPr id="2" name="Content Placeholder 1"/>
+          <p:cNvSpPr>
+            <a:spLocks noGrp="1"/>
+          </p:cNvSpPr>
+          <p:nvPr>
+            <p:ph idx="1"/>
+          </p:nvPr>
+        </p:nvSpPr>
+        <p:spPr/>
+        <p:txBody>
+          <a:bodyPr/>
+          <a:lstStyle/>
+          <a:p>
+            <a:pPr marL="342900" lvl="1" indent="-342900">
+              <a:buClrTx/>
+              <a:buFont typeface="Wingdings" pitchFamily="2" charset="2"/>
+              <a:buChar char="q"/>
+            </a:pPr>
+            <a:r>
+              <a:rPr lang="en-US">
+                <a:solidFill>
+                  <a:srgbClr val="000000"/>
+                </a:solidFill>
+                <a:latin typeface="Arial" pitchFamily="34" charset="0"/>
+                <a:cs typeface="Arial" pitchFamily="34" charset="0"/>
+              </a:rPr>
+              <a:t>Field </a:t>
+            </a:r>
+            <a:r>
+              <a:rPr lang="en-US" smtClean="0">
+                <a:solidFill>
+                  <a:srgbClr val="000000"/>
+                </a:solidFill>
+                <a:latin typeface="Arial" pitchFamily="34" charset="0"/>
+                <a:cs typeface="Arial" pitchFamily="34" charset="0"/>
+              </a:rPr>
+              <a:t>Descriptors </a:t>
+            </a:r>
+            <a:r>
+              <a:rPr lang="en-US" b="0" smtClean="0">
+                <a:solidFill>
+                  <a:srgbClr val="000000"/>
+                </a:solidFill>
+                <a:latin typeface="Arial" pitchFamily="34" charset="0"/>
+                <a:cs typeface="Arial" pitchFamily="34" charset="0"/>
+              </a:rPr>
+              <a:t>là </a:t>
+            </a:r>
+            <a:r>
+              <a:rPr lang="en-US" b="0">
+                <a:solidFill>
+                  <a:srgbClr val="000000"/>
+                </a:solidFill>
+                <a:latin typeface="Arial" pitchFamily="34" charset="0"/>
+                <a:cs typeface="Arial" pitchFamily="34" charset="0"/>
+              </a:rPr>
+              <a:t>một chuỗi dùng để biểu diễn kiểu dữ liệu của field.</a:t>
+            </a:r>
+          </a:p>
+          <a:p>
+            <a:pPr>
+              <a:buClrTx/>
+              <a:buFont typeface="Wingdings" pitchFamily="2" charset="2"/>
+              <a:buChar char="q"/>
+            </a:pPr>
+            <a:r>
+              <a:rPr lang="en-US" b="0">
+                <a:solidFill>
+                  <a:srgbClr val="000000"/>
+                </a:solidFill>
+                <a:latin typeface="Arial" pitchFamily="34" charset="0"/>
+                <a:cs typeface="Arial" pitchFamily="34" charset="0"/>
+              </a:rPr>
+              <a:t>Với các kiểu cơ bản mô tả sẽ đơn giản hơn như: int có chuỗi mô tả là “I”, float có “F”, double có “D”, boolean có “Z”.</a:t>
+            </a:r>
+          </a:p>
+          <a:p>
+            <a:pPr>
+              <a:buClrTx/>
+              <a:buFont typeface="Wingdings" pitchFamily="2" charset="2"/>
+              <a:buChar char="q"/>
+            </a:pPr>
+            <a:r>
+              <a:rPr lang="en-US" b="0">
+                <a:solidFill>
+                  <a:srgbClr val="000000"/>
+                </a:solidFill>
+                <a:latin typeface="Arial" pitchFamily="34" charset="0"/>
+                <a:cs typeface="Arial" pitchFamily="34" charset="0"/>
+              </a:rPr>
+              <a:t>Với các kiểu dữ liệu khác thì mô tả theo package name của nó. Chẳng hạn như kiểu String có thuộc package: java.lang.String thì chuỗi mô tả tương ứng là “Ljava/lang/String</a:t>
+            </a:r>
+            <a:r>
+              <a:rPr lang="en-US" b="0" smtClean="0">
+                <a:solidFill>
+                  <a:srgbClr val="000000"/>
+                </a:solidFill>
+                <a:latin typeface="Arial" pitchFamily="34" charset="0"/>
+                <a:cs typeface="Arial" pitchFamily="34" charset="0"/>
+              </a:rPr>
+              <a:t>;” trong </a:t>
+            </a:r>
+            <a:r>
+              <a:rPr lang="en-US" b="0">
+                <a:solidFill>
+                  <a:srgbClr val="000000"/>
+                </a:solidFill>
+                <a:latin typeface="Arial" pitchFamily="34" charset="0"/>
+                <a:cs typeface="Arial" pitchFamily="34" charset="0"/>
+              </a:rPr>
+              <a:t>JDK với tham số -s -p TenClass</a:t>
+            </a:r>
+          </a:p>
+          <a:p>
+            <a:pPr marL="342900" lvl="1" indent="-342900">
+              <a:buClrTx/>
+              <a:buFont typeface="Wingdings" pitchFamily="2" charset="2"/>
+              <a:buChar char="q"/>
+            </a:pPr>
+            <a:endParaRPr lang="en-US" sz="2400">
+              <a:solidFill>
+                <a:srgbClr val="000000"/>
+              </a:solidFill>
+              <a:latin typeface="Arial" pitchFamily="34" charset="0"/>
+              <a:cs typeface="Arial" pitchFamily="34" charset="0"/>
+            </a:endParaRPr>
+          </a:p>
+        </p:txBody>
+      </p:sp>
+      <p:sp>
+        <p:nvSpPr>
+          <p:cNvPr id="4" name="Footer Placeholder 3"/>
+          <p:cNvSpPr>
+            <a:spLocks noGrp="1"/>
+          </p:cNvSpPr>
+          <p:nvPr>
+            <p:ph type="ftr" sz="quarter" idx="11"/>
+          </p:nvPr>
+        </p:nvSpPr>
+        <p:spPr/>
+        <p:txBody>
+          <a:bodyPr/>
+          <a:lstStyle/>
+          <a:p>
+            <a:r>
+              <a:rPr lang="en-US" smtClean="0"/>
+              <a:t>www.hcmus.edu.vn</a:t>
+            </a:r>
+            <a:endParaRPr lang="en-US"/>
+          </a:p>
+        </p:txBody>
+      </p:sp>
+      <p:sp>
+        <p:nvSpPr>
+          <p:cNvPr id="6" name="Slide Number Placeholder 11"/>
+          <p:cNvSpPr>
+            <a:spLocks noGrp="1"/>
+          </p:cNvSpPr>
+          <p:nvPr>
+            <p:ph type="sldNum" sz="quarter" idx="12"/>
+          </p:nvPr>
+        </p:nvSpPr>
+        <p:spPr>
+          <a:xfrm>
+            <a:off x="3429000" y="6477000"/>
+            <a:ext cx="2133600" cy="381000"/>
+          </a:xfrm>
+        </p:spPr>
+        <p:txBody>
+          <a:bodyPr/>
+          <a:lstStyle/>
+          <a:p>
+            <a:fld id="{B6F15528-21DE-4FAA-801E-634DDDAF4B2B}" type="slidenum">
+              <a:rPr lang="en-US" sz="2000" smtClean="0"/>
+              <a:pPr/>
+              <a:t>14</a:t>
+            </a:fld>
+            <a:endParaRPr lang="en-US" sz="2000"/>
+          </a:p>
+        </p:txBody>
+      </p:sp>
+    </p:spTree>
+    <p:extLst>
+      <p:ext uri="{BB962C8B-B14F-4D97-AF65-F5344CB8AC3E}">
+        <p14:creationId xmlns:p14="http://schemas.microsoft.com/office/powerpoint/2010/main" val="734397516"/>
+      </p:ext>
+    </p:extLst>
+  </p:cSld>
+  <p:clrMapOvr>
+    <a:masterClrMapping/>
+  </p:clrMapOvr>
+  <p:timing>
+    <p:tnLst>
+      <p:par>
+        <p:cTn id="1" dur="indefinite" restart="never" nodeType="tmRoot"/>
+      </p:par>
+    </p:tnLst>
+  </p:timing>
+</p:sld>
+</file>
+
+<file path=ppt/slides/slide15.xml><?xml version="1.0" encoding="utf-8"?>
+<p:sld xmlns:a="http://schemas.openxmlformats.org/drawingml/2006/main" xmlns:r="http://schemas.openxmlformats.org/officeDocument/2006/relationships" xmlns:p="http://schemas.openxmlformats.org/presentationml/2006/main">
+  <p:cSld>
+    <p:spTree>
+      <p:nvGrpSpPr>
+        <p:cNvPr id="1" name=""/>
+        <p:cNvGrpSpPr/>
+        <p:nvPr/>
+      </p:nvGrpSpPr>
+      <p:grpSpPr>
+        <a:xfrm>
+          <a:off x="0" y="0"/>
+          <a:ext cx="0" cy="0"/>
+          <a:chOff x="0" y="0"/>
+          <a:chExt cx="0" cy="0"/>
+        </a:xfrm>
+      </p:grpSpPr>
+      <p:sp>
+        <p:nvSpPr>
+          <p:cNvPr id="8" name="Title 1"/>
+          <p:cNvSpPr>
+            <a:spLocks noGrp="1"/>
+          </p:cNvSpPr>
+          <p:nvPr>
+            <p:ph type="title"/>
+          </p:nvPr>
+        </p:nvSpPr>
+        <p:spPr>
+          <a:xfrm>
+            <a:off x="228600" y="579437"/>
+            <a:ext cx="9448800" cy="563563"/>
+          </a:xfrm>
+        </p:spPr>
+        <p:txBody>
+          <a:bodyPr>
+            <a:noAutofit/>
+          </a:bodyPr>
+          <a:lstStyle/>
+          <a:p>
+            <a:pPr algn="l"/>
             <a:r>
               <a:rPr lang="en-US" sz="2850" cap="all" smtClean="0">
                 <a:ln w="9000" cmpd="sng">
@@ -12371,8 +12406,299 @@
                   <a:reflection blurRad="12700" stA="28000" endPos="45000" dist="1000" dir="5400000" sy="-100000" algn="bl" rotWithShape="0"/>
                 </a:effectLst>
               </a:rPr>
-              <a:t>truy xuất </a:t>
-            </a:r>
+              <a:t>2.3.1 truy xuất method</a:t>
+            </a:r>
+            <a:endParaRPr lang="en-US" sz="2850" cap="all">
+              <a:ln w="9000" cmpd="sng">
+                <a:solidFill>
+                  <a:schemeClr val="accent4">
+                    <a:shade val="50000"/>
+                    <a:satMod val="120000"/>
+                  </a:schemeClr>
+                </a:solidFill>
+                <a:prstDash val="solid"/>
+              </a:ln>
+              <a:gradFill>
+                <a:gsLst>
+                  <a:gs pos="0">
+                    <a:schemeClr val="accent4">
+                      <a:shade val="20000"/>
+                      <a:satMod val="245000"/>
+                    </a:schemeClr>
+                  </a:gs>
+                  <a:gs pos="43000">
+                    <a:schemeClr val="accent4">
+                      <a:satMod val="255000"/>
+                    </a:schemeClr>
+                  </a:gs>
+                  <a:gs pos="48000">
+                    <a:schemeClr val="accent4">
+                      <a:shade val="85000"/>
+                      <a:satMod val="255000"/>
+                    </a:schemeClr>
+                  </a:gs>
+                  <a:gs pos="100000">
+                    <a:schemeClr val="accent4">
+                      <a:shade val="20000"/>
+                      <a:satMod val="245000"/>
+                    </a:schemeClr>
+                  </a:gs>
+                </a:gsLst>
+                <a:lin ang="5400000"/>
+              </a:gradFill>
+              <a:effectLst>
+                <a:reflection blurRad="12700" stA="28000" endPos="45000" dist="1000" dir="5400000" sy="-100000" algn="bl" rotWithShape="0"/>
+              </a:effectLst>
+            </a:endParaRPr>
+          </a:p>
+        </p:txBody>
+      </p:sp>
+      <p:sp>
+        <p:nvSpPr>
+          <p:cNvPr id="2" name="Content Placeholder 1"/>
+          <p:cNvSpPr>
+            <a:spLocks noGrp="1"/>
+          </p:cNvSpPr>
+          <p:nvPr>
+            <p:ph idx="1"/>
+          </p:nvPr>
+        </p:nvSpPr>
+        <p:spPr>
+          <a:xfrm>
+            <a:off x="457200" y="1447800"/>
+            <a:ext cx="8686800" cy="4800600"/>
+          </a:xfrm>
+        </p:spPr>
+        <p:txBody>
+          <a:bodyPr/>
+          <a:lstStyle/>
+          <a:p>
+            <a:pPr>
+              <a:buClrTx/>
+              <a:buFont typeface="Wingdings" pitchFamily="2" charset="2"/>
+              <a:buChar char="q"/>
+            </a:pPr>
+            <a:r>
+              <a:rPr lang="en-US" sz="2200" b="0" smtClean="0">
+                <a:solidFill>
+                  <a:srgbClr val="000000"/>
+                </a:solidFill>
+              </a:rPr>
+              <a:t>Đầu tiên ta cần có MethodId của method cần gọi bằng cách gọi hàm: </a:t>
+            </a:r>
+          </a:p>
+          <a:p>
+            <a:pPr marL="0" indent="0">
+              <a:buClrTx/>
+              <a:buNone/>
+            </a:pPr>
+            <a:r>
+              <a:rPr lang="en-US" sz="2200" b="0" smtClean="0">
+                <a:solidFill>
+                  <a:srgbClr val="000000"/>
+                </a:solidFill>
+              </a:rPr>
+              <a:t>    jmethodID GetMethodID(JNIEnv *env, jclass clazz, const char *name, const char *sig);</a:t>
+            </a:r>
+          </a:p>
+          <a:p>
+            <a:pPr>
+              <a:buClrTx/>
+              <a:buFont typeface="Wingdings" pitchFamily="2" charset="2"/>
+              <a:buChar char="q"/>
+            </a:pPr>
+            <a:endParaRPr lang="en-US" sz="2200" b="0" smtClean="0">
+              <a:solidFill>
+                <a:srgbClr val="000000"/>
+              </a:solidFill>
+            </a:endParaRPr>
+          </a:p>
+          <a:p>
+            <a:pPr>
+              <a:buClrTx/>
+              <a:buFont typeface="Wingdings" pitchFamily="2" charset="2"/>
+              <a:buChar char="q"/>
+            </a:pPr>
+            <a:r>
+              <a:rPr lang="en-US" sz="2200" b="0" smtClean="0">
+                <a:solidFill>
+                  <a:srgbClr val="000000"/>
+                </a:solidFill>
+              </a:rPr>
+              <a:t>Gọi method bằng hàm sau:</a:t>
+            </a:r>
+          </a:p>
+          <a:p>
+            <a:pPr marL="0" indent="0">
+              <a:buClrTx/>
+              <a:buNone/>
+            </a:pPr>
+            <a:r>
+              <a:rPr lang="en-US" sz="2200" b="0" smtClean="0">
+                <a:solidFill>
+                  <a:srgbClr val="000000"/>
+                </a:solidFill>
+              </a:rPr>
+              <a:t>   Prototype &lt;</a:t>
+            </a:r>
+            <a:r>
+              <a:rPr lang="en-US" sz="2200" b="0" i="1" smtClean="0">
+                <a:solidFill>
+                  <a:srgbClr val="000000"/>
+                </a:solidFill>
+              </a:rPr>
+              <a:t>NativeType&gt;</a:t>
+            </a:r>
+            <a:r>
+              <a:rPr lang="en-US" sz="2200" b="0" smtClean="0">
+                <a:solidFill>
+                  <a:srgbClr val="000000"/>
+                </a:solidFill>
+              </a:rPr>
+              <a:t> </a:t>
+            </a:r>
+            <a:r>
+              <a:rPr lang="en-US" sz="2200" b="0" i="1" smtClean="0">
+                <a:solidFill>
+                  <a:srgbClr val="000000"/>
+                </a:solidFill>
+              </a:rPr>
+              <a:t>Call&lt;Type&gt;Method</a:t>
+            </a:r>
+            <a:r>
+              <a:rPr lang="en-US" sz="2200" b="0" smtClean="0">
+                <a:solidFill>
+                  <a:srgbClr val="000000"/>
+                </a:solidFill>
+              </a:rPr>
+              <a:t>(JNIEnv *env, jobject obj, jmethodID methodID, ...);</a:t>
+            </a:r>
+          </a:p>
+          <a:p>
+            <a:pPr marL="0" indent="0">
+              <a:buClrTx/>
+              <a:buNone/>
+            </a:pPr>
+            <a:endParaRPr lang="en-US" sz="2200" b="0">
+              <a:solidFill>
+                <a:srgbClr val="000000"/>
+              </a:solidFill>
+            </a:endParaRPr>
+          </a:p>
+        </p:txBody>
+      </p:sp>
+      <p:sp>
+        <p:nvSpPr>
+          <p:cNvPr id="4" name="Footer Placeholder 3"/>
+          <p:cNvSpPr>
+            <a:spLocks noGrp="1"/>
+          </p:cNvSpPr>
+          <p:nvPr>
+            <p:ph type="ftr" sz="quarter" idx="11"/>
+          </p:nvPr>
+        </p:nvSpPr>
+        <p:spPr/>
+        <p:txBody>
+          <a:bodyPr/>
+          <a:lstStyle/>
+          <a:p>
+            <a:r>
+              <a:rPr lang="en-US" smtClean="0"/>
+              <a:t>www.hcmus.edu.vn</a:t>
+            </a:r>
+            <a:endParaRPr lang="en-US"/>
+          </a:p>
+        </p:txBody>
+      </p:sp>
+      <p:sp>
+        <p:nvSpPr>
+          <p:cNvPr id="6" name="Slide Number Placeholder 11"/>
+          <p:cNvSpPr>
+            <a:spLocks noGrp="1"/>
+          </p:cNvSpPr>
+          <p:nvPr>
+            <p:ph type="sldNum" sz="quarter" idx="12"/>
+          </p:nvPr>
+        </p:nvSpPr>
+        <p:spPr>
+          <a:xfrm>
+            <a:off x="3429000" y="6477000"/>
+            <a:ext cx="2133600" cy="381000"/>
+          </a:xfrm>
+        </p:spPr>
+        <p:txBody>
+          <a:bodyPr/>
+          <a:lstStyle/>
+          <a:p>
+            <a:fld id="{B6F15528-21DE-4FAA-801E-634DDDAF4B2B}" type="slidenum">
+              <a:rPr lang="en-US" sz="2000" smtClean="0"/>
+              <a:pPr/>
+              <a:t>15</a:t>
+            </a:fld>
+            <a:endParaRPr lang="en-US" sz="2000"/>
+          </a:p>
+        </p:txBody>
+      </p:sp>
+    </p:spTree>
+    <p:extLst>
+      <p:ext uri="{BB962C8B-B14F-4D97-AF65-F5344CB8AC3E}">
+        <p14:creationId xmlns:p14="http://schemas.microsoft.com/office/powerpoint/2010/main" val="1315225573"/>
+      </p:ext>
+    </p:extLst>
+  </p:cSld>
+  <p:clrMapOvr>
+    <a:masterClrMapping/>
+  </p:clrMapOvr>
+  <p:timing>
+    <p:tnLst>
+      <p:par>
+        <p:cTn id="1" dur="indefinite" restart="never" nodeType="tmRoot"/>
+      </p:par>
+    </p:tnLst>
+  </p:timing>
+</p:sld>
+</file>
+
+<file path=ppt/slides/slide16.xml><?xml version="1.0" encoding="utf-8"?>
+<p:sld xmlns:a="http://schemas.openxmlformats.org/drawingml/2006/main" xmlns:r="http://schemas.openxmlformats.org/officeDocument/2006/relationships" xmlns:p="http://schemas.openxmlformats.org/presentationml/2006/main">
+  <p:cSld>
+    <p:spTree>
+      <p:nvGrpSpPr>
+        <p:cNvPr id="1" name=""/>
+        <p:cNvGrpSpPr/>
+        <p:nvPr/>
+      </p:nvGrpSpPr>
+      <p:grpSpPr>
+        <a:xfrm>
+          <a:off x="0" y="0"/>
+          <a:ext cx="0" cy="0"/>
+          <a:chOff x="0" y="0"/>
+          <a:chExt cx="0" cy="0"/>
+        </a:xfrm>
+      </p:grpSpPr>
+      <p:sp>
+        <p:nvSpPr>
+          <p:cNvPr id="8" name="Title 1"/>
+          <p:cNvSpPr>
+            <a:spLocks noGrp="1"/>
+          </p:cNvSpPr>
+          <p:nvPr>
+            <p:ph type="title"/>
+          </p:nvPr>
+        </p:nvSpPr>
+        <p:spPr>
+          <a:xfrm>
+            <a:off x="228600" y="579437"/>
+            <a:ext cx="9448800" cy="563563"/>
+          </a:xfrm>
+        </p:spPr>
+        <p:txBody>
+          <a:bodyPr>
+            <a:noAutofit/>
+          </a:bodyPr>
+          <a:lstStyle/>
+          <a:p>
+            <a:pPr algn="l"/>
             <a:r>
               <a:rPr lang="en-US" sz="2850" cap="all" smtClean="0">
                 <a:ln w="9000" cmpd="sng">
@@ -12416,863 +12742,7 @@
                   <a:reflection blurRad="12700" stA="28000" endPos="45000" dist="1000" dir="5400000" sy="-100000" algn="bl" rotWithShape="0"/>
                 </a:effectLst>
               </a:rPr>
-              <a:t>Field</a:t>
-            </a:r>
-            <a:endParaRPr lang="en-US" sz="2850" cap="all">
-              <a:ln w="9000" cmpd="sng">
-                <a:solidFill>
-                  <a:schemeClr val="accent4">
-                    <a:shade val="50000"/>
-                    <a:satMod val="120000"/>
-                  </a:schemeClr>
-                </a:solidFill>
-                <a:prstDash val="solid"/>
-              </a:ln>
-              <a:gradFill>
-                <a:gsLst>
-                  <a:gs pos="0">
-                    <a:schemeClr val="accent4">
-                      <a:shade val="20000"/>
-                      <a:satMod val="245000"/>
-                    </a:schemeClr>
-                  </a:gs>
-                  <a:gs pos="43000">
-                    <a:schemeClr val="accent4">
-                      <a:satMod val="255000"/>
-                    </a:schemeClr>
-                  </a:gs>
-                  <a:gs pos="48000">
-                    <a:schemeClr val="accent4">
-                      <a:shade val="85000"/>
-                      <a:satMod val="255000"/>
-                    </a:schemeClr>
-                  </a:gs>
-                  <a:gs pos="100000">
-                    <a:schemeClr val="accent4">
-                      <a:shade val="20000"/>
-                      <a:satMod val="245000"/>
-                    </a:schemeClr>
-                  </a:gs>
-                </a:gsLst>
-                <a:lin ang="5400000"/>
-              </a:gradFill>
-              <a:effectLst>
-                <a:reflection blurRad="12700" stA="28000" endPos="45000" dist="1000" dir="5400000" sy="-100000" algn="bl" rotWithShape="0"/>
-              </a:effectLst>
-            </a:endParaRPr>
-          </a:p>
-        </p:txBody>
-      </p:sp>
-      <p:sp>
-        <p:nvSpPr>
-          <p:cNvPr id="2" name="Content Placeholder 1"/>
-          <p:cNvSpPr>
-            <a:spLocks noGrp="1"/>
-          </p:cNvSpPr>
-          <p:nvPr>
-            <p:ph idx="1"/>
-          </p:nvPr>
-        </p:nvSpPr>
-        <p:spPr/>
-        <p:txBody>
-          <a:bodyPr/>
-          <a:lstStyle/>
-          <a:p>
-            <a:pPr marL="342900" lvl="1" indent="-342900">
-              <a:buClrTx/>
-              <a:buFont typeface="Wingdings" pitchFamily="2" charset="2"/>
-              <a:buChar char="q"/>
-            </a:pPr>
-            <a:r>
-              <a:rPr lang="en-US">
-                <a:solidFill>
-                  <a:srgbClr val="000000"/>
-                </a:solidFill>
-                <a:latin typeface="Arial" pitchFamily="34" charset="0"/>
-                <a:cs typeface="Arial" pitchFamily="34" charset="0"/>
-              </a:rPr>
-              <a:t>Field </a:t>
-            </a:r>
-            <a:r>
-              <a:rPr lang="en-US" smtClean="0">
-                <a:solidFill>
-                  <a:srgbClr val="000000"/>
-                </a:solidFill>
-                <a:latin typeface="Arial" pitchFamily="34" charset="0"/>
-                <a:cs typeface="Arial" pitchFamily="34" charset="0"/>
-              </a:rPr>
-              <a:t>Descriptors </a:t>
-            </a:r>
-            <a:r>
-              <a:rPr lang="en-US" b="0" smtClean="0">
-                <a:solidFill>
-                  <a:srgbClr val="000000"/>
-                </a:solidFill>
-                <a:latin typeface="Arial" pitchFamily="34" charset="0"/>
-                <a:cs typeface="Arial" pitchFamily="34" charset="0"/>
-              </a:rPr>
-              <a:t>là </a:t>
-            </a:r>
-            <a:r>
-              <a:rPr lang="en-US" b="0">
-                <a:solidFill>
-                  <a:srgbClr val="000000"/>
-                </a:solidFill>
-                <a:latin typeface="Arial" pitchFamily="34" charset="0"/>
-                <a:cs typeface="Arial" pitchFamily="34" charset="0"/>
-              </a:rPr>
-              <a:t>một chuỗi dùng để biểu diễn kiểu dữ liệu của field.</a:t>
-            </a:r>
-          </a:p>
-          <a:p>
-            <a:pPr>
-              <a:buClrTx/>
-              <a:buFont typeface="Wingdings" pitchFamily="2" charset="2"/>
-              <a:buChar char="q"/>
-            </a:pPr>
-            <a:r>
-              <a:rPr lang="en-US" b="0">
-                <a:solidFill>
-                  <a:srgbClr val="000000"/>
-                </a:solidFill>
-                <a:latin typeface="Arial" pitchFamily="34" charset="0"/>
-                <a:cs typeface="Arial" pitchFamily="34" charset="0"/>
-              </a:rPr>
-              <a:t>Với các kiểu cơ bản mô tả sẽ đơn giản hơn như: int có chuỗi mô tả là “I”, float có “F”, double có “D”, boolean có “Z”.</a:t>
-            </a:r>
-          </a:p>
-          <a:p>
-            <a:pPr>
-              <a:buClrTx/>
-              <a:buFont typeface="Wingdings" pitchFamily="2" charset="2"/>
-              <a:buChar char="q"/>
-            </a:pPr>
-            <a:r>
-              <a:rPr lang="en-US" b="0">
-                <a:solidFill>
-                  <a:srgbClr val="000000"/>
-                </a:solidFill>
-                <a:latin typeface="Arial" pitchFamily="34" charset="0"/>
-                <a:cs typeface="Arial" pitchFamily="34" charset="0"/>
-              </a:rPr>
-              <a:t>Với các kiểu dữ liệu khác thì mô tả theo package name của nó. Chẳng hạn như kiểu String có thuộc package: java.lang.String thì chuỗi mô tả tương ứng là “Ljava/lang/String;”.</a:t>
-            </a:r>
-          </a:p>
-          <a:p>
-            <a:pPr>
-              <a:buClrTx/>
-              <a:buFont typeface="Wingdings" pitchFamily="2" charset="2"/>
-              <a:buChar char="q"/>
-            </a:pPr>
-            <a:r>
-              <a:rPr lang="en-US" b="0" smtClean="0">
-                <a:solidFill>
-                  <a:srgbClr val="000000"/>
-                </a:solidFill>
-                <a:latin typeface="Arial" pitchFamily="34" charset="0"/>
-                <a:cs typeface="Arial" pitchFamily="34" charset="0"/>
-              </a:rPr>
-              <a:t>trong </a:t>
-            </a:r>
-            <a:r>
-              <a:rPr lang="en-US" b="0">
-                <a:solidFill>
-                  <a:srgbClr val="000000"/>
-                </a:solidFill>
-                <a:latin typeface="Arial" pitchFamily="34" charset="0"/>
-                <a:cs typeface="Arial" pitchFamily="34" charset="0"/>
-              </a:rPr>
-              <a:t>JDK với tham số -s -p TenClass</a:t>
-            </a:r>
-          </a:p>
-          <a:p>
-            <a:pPr marL="342900" lvl="1" indent="-342900">
-              <a:buClrTx/>
-              <a:buFont typeface="Wingdings" pitchFamily="2" charset="2"/>
-              <a:buChar char="q"/>
-            </a:pPr>
-            <a:endParaRPr lang="en-US" sz="2400">
-              <a:solidFill>
-                <a:srgbClr val="000000"/>
-              </a:solidFill>
-              <a:latin typeface="Arial" pitchFamily="34" charset="0"/>
-              <a:cs typeface="Arial" pitchFamily="34" charset="0"/>
-            </a:endParaRPr>
-          </a:p>
-        </p:txBody>
-      </p:sp>
-      <p:sp>
-        <p:nvSpPr>
-          <p:cNvPr id="4" name="Footer Placeholder 3"/>
-          <p:cNvSpPr>
-            <a:spLocks noGrp="1"/>
-          </p:cNvSpPr>
-          <p:nvPr>
-            <p:ph type="ftr" sz="quarter" idx="11"/>
-          </p:nvPr>
-        </p:nvSpPr>
-        <p:spPr/>
-        <p:txBody>
-          <a:bodyPr/>
-          <a:lstStyle/>
-          <a:p>
-            <a:r>
-              <a:rPr lang="en-US" smtClean="0"/>
-              <a:t>www.hcmus.edu.vn</a:t>
-            </a:r>
-            <a:endParaRPr lang="en-US"/>
-          </a:p>
-        </p:txBody>
-      </p:sp>
-      <p:sp>
-        <p:nvSpPr>
-          <p:cNvPr id="6" name="Slide Number Placeholder 11"/>
-          <p:cNvSpPr>
-            <a:spLocks noGrp="1"/>
-          </p:cNvSpPr>
-          <p:nvPr>
-            <p:ph type="sldNum" sz="quarter" idx="12"/>
-          </p:nvPr>
-        </p:nvSpPr>
-        <p:spPr>
-          <a:xfrm>
-            <a:off x="3429000" y="6477000"/>
-            <a:ext cx="2133600" cy="381000"/>
-          </a:xfrm>
-        </p:spPr>
-        <p:txBody>
-          <a:bodyPr/>
-          <a:lstStyle/>
-          <a:p>
-            <a:fld id="{B6F15528-21DE-4FAA-801E-634DDDAF4B2B}" type="slidenum">
-              <a:rPr lang="en-US" sz="2000" smtClean="0"/>
-              <a:pPr/>
-              <a:t>14</a:t>
-            </a:fld>
-            <a:endParaRPr lang="en-US" sz="2000"/>
-          </a:p>
-        </p:txBody>
-      </p:sp>
-    </p:spTree>
-    <p:extLst>
-      <p:ext uri="{BB962C8B-B14F-4D97-AF65-F5344CB8AC3E}">
-        <p14:creationId xmlns:p14="http://schemas.microsoft.com/office/powerpoint/2010/main" val="734397516"/>
-      </p:ext>
-    </p:extLst>
-  </p:cSld>
-  <p:clrMapOvr>
-    <a:masterClrMapping/>
-  </p:clrMapOvr>
-  <p:timing>
-    <p:tnLst>
-      <p:par>
-        <p:cTn id="1" dur="indefinite" restart="never" nodeType="tmRoot"/>
-      </p:par>
-    </p:tnLst>
-  </p:timing>
-</p:sld>
-</file>
-
-<file path=ppt/slides/slide15.xml><?xml version="1.0" encoding="utf-8"?>
-<p:sld xmlns:a="http://schemas.openxmlformats.org/drawingml/2006/main" xmlns:r="http://schemas.openxmlformats.org/officeDocument/2006/relationships" xmlns:p="http://schemas.openxmlformats.org/presentationml/2006/main">
-  <p:cSld>
-    <p:spTree>
-      <p:nvGrpSpPr>
-        <p:cNvPr id="1" name=""/>
-        <p:cNvGrpSpPr/>
-        <p:nvPr/>
-      </p:nvGrpSpPr>
-      <p:grpSpPr>
-        <a:xfrm>
-          <a:off x="0" y="0"/>
-          <a:ext cx="0" cy="0"/>
-          <a:chOff x="0" y="0"/>
-          <a:chExt cx="0" cy="0"/>
-        </a:xfrm>
-      </p:grpSpPr>
-      <p:sp>
-        <p:nvSpPr>
-          <p:cNvPr id="8" name="Title 1"/>
-          <p:cNvSpPr>
-            <a:spLocks noGrp="1"/>
-          </p:cNvSpPr>
-          <p:nvPr>
-            <p:ph type="title"/>
-          </p:nvPr>
-        </p:nvSpPr>
-        <p:spPr>
-          <a:xfrm>
-            <a:off x="228600" y="579437"/>
-            <a:ext cx="9448800" cy="563563"/>
-          </a:xfrm>
-        </p:spPr>
-        <p:txBody>
-          <a:bodyPr>
-            <a:noAutofit/>
-          </a:bodyPr>
-          <a:lstStyle/>
-          <a:p>
-            <a:pPr algn="l"/>
-            <a:r>
-              <a:rPr lang="en-US" sz="2850" cap="all" smtClean="0">
-                <a:ln w="9000" cmpd="sng">
-                  <a:solidFill>
-                    <a:schemeClr val="accent4">
-                      <a:shade val="50000"/>
-                      <a:satMod val="120000"/>
-                    </a:schemeClr>
-                  </a:solidFill>
-                  <a:prstDash val="solid"/>
-                </a:ln>
-                <a:gradFill>
-                  <a:gsLst>
-                    <a:gs pos="0">
-                      <a:schemeClr val="accent4">
-                        <a:shade val="20000"/>
-                        <a:satMod val="245000"/>
-                      </a:schemeClr>
-                    </a:gs>
-                    <a:gs pos="43000">
-                      <a:schemeClr val="accent4">
-                        <a:satMod val="255000"/>
-                      </a:schemeClr>
-                    </a:gs>
-                    <a:gs pos="48000">
-                      <a:schemeClr val="accent4">
-                        <a:shade val="85000"/>
-                        <a:satMod val="255000"/>
-                      </a:schemeClr>
-                    </a:gs>
-                    <a:gs pos="100000">
-                      <a:schemeClr val="accent4">
-                        <a:shade val="20000"/>
-                        <a:satMod val="245000"/>
-                      </a:schemeClr>
-                    </a:gs>
-                  </a:gsLst>
-                  <a:lin ang="5400000"/>
-                </a:gradFill>
-                <a:effectLst>
-                  <a:reflection blurRad="12700" stA="28000" endPos="45000" dist="1000" dir="5400000" sy="-100000" algn="bl" rotWithShape="0"/>
-                </a:effectLst>
-              </a:rPr>
-              <a:t>2.3.1 </a:t>
-            </a:r>
-            <a:r>
-              <a:rPr lang="en-US" sz="2850" cap="all" smtClean="0">
-                <a:ln w="9000" cmpd="sng">
-                  <a:solidFill>
-                    <a:schemeClr val="accent4">
-                      <a:shade val="50000"/>
-                      <a:satMod val="120000"/>
-                    </a:schemeClr>
-                  </a:solidFill>
-                  <a:prstDash val="solid"/>
-                </a:ln>
-                <a:gradFill>
-                  <a:gsLst>
-                    <a:gs pos="0">
-                      <a:schemeClr val="accent4">
-                        <a:shade val="20000"/>
-                        <a:satMod val="245000"/>
-                      </a:schemeClr>
-                    </a:gs>
-                    <a:gs pos="43000">
-                      <a:schemeClr val="accent4">
-                        <a:satMod val="255000"/>
-                      </a:schemeClr>
-                    </a:gs>
-                    <a:gs pos="48000">
-                      <a:schemeClr val="accent4">
-                        <a:shade val="85000"/>
-                        <a:satMod val="255000"/>
-                      </a:schemeClr>
-                    </a:gs>
-                    <a:gs pos="100000">
-                      <a:schemeClr val="accent4">
-                        <a:shade val="20000"/>
-                        <a:satMod val="245000"/>
-                      </a:schemeClr>
-                    </a:gs>
-                  </a:gsLst>
-                  <a:lin ang="5400000"/>
-                </a:gradFill>
-                <a:effectLst>
-                  <a:reflection blurRad="12700" stA="28000" endPos="45000" dist="1000" dir="5400000" sy="-100000" algn="bl" rotWithShape="0"/>
-                </a:effectLst>
-              </a:rPr>
-              <a:t>truy xuất </a:t>
-            </a:r>
-            <a:r>
-              <a:rPr lang="en-US" sz="2850" cap="all" smtClean="0">
-                <a:ln w="9000" cmpd="sng">
-                  <a:solidFill>
-                    <a:schemeClr val="accent4">
-                      <a:shade val="50000"/>
-                      <a:satMod val="120000"/>
-                    </a:schemeClr>
-                  </a:solidFill>
-                  <a:prstDash val="solid"/>
-                </a:ln>
-                <a:gradFill>
-                  <a:gsLst>
-                    <a:gs pos="0">
-                      <a:schemeClr val="accent4">
-                        <a:shade val="20000"/>
-                        <a:satMod val="245000"/>
-                      </a:schemeClr>
-                    </a:gs>
-                    <a:gs pos="43000">
-                      <a:schemeClr val="accent4">
-                        <a:satMod val="255000"/>
-                      </a:schemeClr>
-                    </a:gs>
-                    <a:gs pos="48000">
-                      <a:schemeClr val="accent4">
-                        <a:shade val="85000"/>
-                        <a:satMod val="255000"/>
-                      </a:schemeClr>
-                    </a:gs>
-                    <a:gs pos="100000">
-                      <a:schemeClr val="accent4">
-                        <a:shade val="20000"/>
-                        <a:satMod val="245000"/>
-                      </a:schemeClr>
-                    </a:gs>
-                  </a:gsLst>
-                  <a:lin ang="5400000"/>
-                </a:gradFill>
-                <a:effectLst>
-                  <a:reflection blurRad="12700" stA="28000" endPos="45000" dist="1000" dir="5400000" sy="-100000" algn="bl" rotWithShape="0"/>
-                </a:effectLst>
-              </a:rPr>
-              <a:t>method</a:t>
-            </a:r>
-            <a:endParaRPr lang="en-US" sz="2850" cap="all">
-              <a:ln w="9000" cmpd="sng">
-                <a:solidFill>
-                  <a:schemeClr val="accent4">
-                    <a:shade val="50000"/>
-                    <a:satMod val="120000"/>
-                  </a:schemeClr>
-                </a:solidFill>
-                <a:prstDash val="solid"/>
-              </a:ln>
-              <a:gradFill>
-                <a:gsLst>
-                  <a:gs pos="0">
-                    <a:schemeClr val="accent4">
-                      <a:shade val="20000"/>
-                      <a:satMod val="245000"/>
-                    </a:schemeClr>
-                  </a:gs>
-                  <a:gs pos="43000">
-                    <a:schemeClr val="accent4">
-                      <a:satMod val="255000"/>
-                    </a:schemeClr>
-                  </a:gs>
-                  <a:gs pos="48000">
-                    <a:schemeClr val="accent4">
-                      <a:shade val="85000"/>
-                      <a:satMod val="255000"/>
-                    </a:schemeClr>
-                  </a:gs>
-                  <a:gs pos="100000">
-                    <a:schemeClr val="accent4">
-                      <a:shade val="20000"/>
-                      <a:satMod val="245000"/>
-                    </a:schemeClr>
-                  </a:gs>
-                </a:gsLst>
-                <a:lin ang="5400000"/>
-              </a:gradFill>
-              <a:effectLst>
-                <a:reflection blurRad="12700" stA="28000" endPos="45000" dist="1000" dir="5400000" sy="-100000" algn="bl" rotWithShape="0"/>
-              </a:effectLst>
-            </a:endParaRPr>
-          </a:p>
-        </p:txBody>
-      </p:sp>
-      <p:sp>
-        <p:nvSpPr>
-          <p:cNvPr id="2" name="Content Placeholder 1"/>
-          <p:cNvSpPr>
-            <a:spLocks noGrp="1"/>
-          </p:cNvSpPr>
-          <p:nvPr>
-            <p:ph idx="1"/>
-          </p:nvPr>
-        </p:nvSpPr>
-        <p:spPr>
-          <a:xfrm>
-            <a:off x="457200" y="1447800"/>
-            <a:ext cx="8686800" cy="4800600"/>
-          </a:xfrm>
-        </p:spPr>
-        <p:txBody>
-          <a:bodyPr/>
-          <a:lstStyle/>
-          <a:p>
-            <a:pPr>
-              <a:buClrTx/>
-              <a:buFont typeface="Wingdings" pitchFamily="2" charset="2"/>
-              <a:buChar char="q"/>
-            </a:pPr>
-            <a:r>
-              <a:rPr lang="en-US" sz="2200" b="0" smtClean="0">
-                <a:solidFill>
-                  <a:srgbClr val="000000"/>
-                </a:solidFill>
-              </a:rPr>
-              <a:t>Đầu tiên ta cần có MethodId của method cần gọi bằng cách gọi hàm: </a:t>
-            </a:r>
-          </a:p>
-          <a:p>
-            <a:pPr marL="0" indent="0">
-              <a:buClrTx/>
-              <a:buNone/>
-            </a:pPr>
-            <a:r>
-              <a:rPr lang="en-US" sz="2200" b="0" smtClean="0">
-                <a:solidFill>
-                  <a:srgbClr val="000000"/>
-                </a:solidFill>
-              </a:rPr>
-              <a:t>    jmethodID GetMethodID(JNIEnv *env, jclass clazz, const char *name, const char *sig);</a:t>
-            </a:r>
-          </a:p>
-          <a:p>
-            <a:pPr>
-              <a:buClrTx/>
-              <a:buFont typeface="Wingdings" pitchFamily="2" charset="2"/>
-              <a:buChar char="q"/>
-            </a:pPr>
-            <a:endParaRPr lang="en-US" sz="2200" b="0" smtClean="0">
-              <a:solidFill>
-                <a:srgbClr val="000000"/>
-              </a:solidFill>
-            </a:endParaRPr>
-          </a:p>
-          <a:p>
-            <a:pPr>
-              <a:buClrTx/>
-              <a:buFont typeface="Wingdings" pitchFamily="2" charset="2"/>
-              <a:buChar char="q"/>
-            </a:pPr>
-            <a:r>
-              <a:rPr lang="en-US" sz="2200" b="0" smtClean="0">
-                <a:solidFill>
-                  <a:srgbClr val="000000"/>
-                </a:solidFill>
-              </a:rPr>
-              <a:t>Gọi method bằng hàm sau:</a:t>
-            </a:r>
-          </a:p>
-          <a:p>
-            <a:pPr marL="0" indent="0">
-              <a:buClrTx/>
-              <a:buNone/>
-            </a:pPr>
-            <a:r>
-              <a:rPr lang="en-US" sz="2200" b="0" smtClean="0">
-                <a:solidFill>
-                  <a:srgbClr val="000000"/>
-                </a:solidFill>
-              </a:rPr>
-              <a:t>   Prototype &lt;</a:t>
-            </a:r>
-            <a:r>
-              <a:rPr lang="en-US" sz="2200" b="0" i="1" smtClean="0">
-                <a:solidFill>
-                  <a:srgbClr val="000000"/>
-                </a:solidFill>
-              </a:rPr>
-              <a:t>NativeType&gt;</a:t>
-            </a:r>
-            <a:r>
-              <a:rPr lang="en-US" sz="2200" b="0" smtClean="0">
-                <a:solidFill>
-                  <a:srgbClr val="000000"/>
-                </a:solidFill>
-              </a:rPr>
-              <a:t> </a:t>
-            </a:r>
-            <a:r>
-              <a:rPr lang="en-US" sz="2200" b="0" i="1" smtClean="0">
-                <a:solidFill>
-                  <a:srgbClr val="000000"/>
-                </a:solidFill>
-              </a:rPr>
-              <a:t>Call&lt;Type&gt;Method</a:t>
-            </a:r>
-            <a:r>
-              <a:rPr lang="en-US" sz="2200" b="0" smtClean="0">
-                <a:solidFill>
-                  <a:srgbClr val="000000"/>
-                </a:solidFill>
-              </a:rPr>
-              <a:t>(JNIEnv *env, jobject obj, jmethodID methodID, ...);</a:t>
-            </a:r>
-          </a:p>
-          <a:p>
-            <a:pPr marL="0" indent="0">
-              <a:buClrTx/>
-              <a:buNone/>
-            </a:pPr>
-            <a:endParaRPr lang="en-US" sz="2200" b="0">
-              <a:solidFill>
-                <a:srgbClr val="000000"/>
-              </a:solidFill>
-            </a:endParaRPr>
-          </a:p>
-        </p:txBody>
-      </p:sp>
-      <p:sp>
-        <p:nvSpPr>
-          <p:cNvPr id="4" name="Footer Placeholder 3"/>
-          <p:cNvSpPr>
-            <a:spLocks noGrp="1"/>
-          </p:cNvSpPr>
-          <p:nvPr>
-            <p:ph type="ftr" sz="quarter" idx="11"/>
-          </p:nvPr>
-        </p:nvSpPr>
-        <p:spPr/>
-        <p:txBody>
-          <a:bodyPr/>
-          <a:lstStyle/>
-          <a:p>
-            <a:r>
-              <a:rPr lang="en-US" smtClean="0"/>
-              <a:t>www.hcmus.edu.vn</a:t>
-            </a:r>
-            <a:endParaRPr lang="en-US"/>
-          </a:p>
-        </p:txBody>
-      </p:sp>
-      <p:sp>
-        <p:nvSpPr>
-          <p:cNvPr id="6" name="Slide Number Placeholder 11"/>
-          <p:cNvSpPr>
-            <a:spLocks noGrp="1"/>
-          </p:cNvSpPr>
-          <p:nvPr>
-            <p:ph type="sldNum" sz="quarter" idx="12"/>
-          </p:nvPr>
-        </p:nvSpPr>
-        <p:spPr>
-          <a:xfrm>
-            <a:off x="3429000" y="6477000"/>
-            <a:ext cx="2133600" cy="381000"/>
-          </a:xfrm>
-        </p:spPr>
-        <p:txBody>
-          <a:bodyPr/>
-          <a:lstStyle/>
-          <a:p>
-            <a:fld id="{B6F15528-21DE-4FAA-801E-634DDDAF4B2B}" type="slidenum">
-              <a:rPr lang="en-US" sz="2000" smtClean="0"/>
-              <a:pPr/>
-              <a:t>15</a:t>
-            </a:fld>
-            <a:endParaRPr lang="en-US" sz="2000"/>
-          </a:p>
-        </p:txBody>
-      </p:sp>
-    </p:spTree>
-    <p:extLst>
-      <p:ext uri="{BB962C8B-B14F-4D97-AF65-F5344CB8AC3E}">
-        <p14:creationId xmlns:p14="http://schemas.microsoft.com/office/powerpoint/2010/main" val="1315225573"/>
-      </p:ext>
-    </p:extLst>
-  </p:cSld>
-  <p:clrMapOvr>
-    <a:masterClrMapping/>
-  </p:clrMapOvr>
-  <p:timing>
-    <p:tnLst>
-      <p:par>
-        <p:cTn id="1" dur="indefinite" restart="never" nodeType="tmRoot"/>
-      </p:par>
-    </p:tnLst>
-  </p:timing>
-</p:sld>
-</file>
-
-<file path=ppt/slides/slide16.xml><?xml version="1.0" encoding="utf-8"?>
-<p:sld xmlns:a="http://schemas.openxmlformats.org/drawingml/2006/main" xmlns:r="http://schemas.openxmlformats.org/officeDocument/2006/relationships" xmlns:p="http://schemas.openxmlformats.org/presentationml/2006/main">
-  <p:cSld>
-    <p:spTree>
-      <p:nvGrpSpPr>
-        <p:cNvPr id="1" name=""/>
-        <p:cNvGrpSpPr/>
-        <p:nvPr/>
-      </p:nvGrpSpPr>
-      <p:grpSpPr>
-        <a:xfrm>
-          <a:off x="0" y="0"/>
-          <a:ext cx="0" cy="0"/>
-          <a:chOff x="0" y="0"/>
-          <a:chExt cx="0" cy="0"/>
-        </a:xfrm>
-      </p:grpSpPr>
-      <p:sp>
-        <p:nvSpPr>
-          <p:cNvPr id="8" name="Title 1"/>
-          <p:cNvSpPr>
-            <a:spLocks noGrp="1"/>
-          </p:cNvSpPr>
-          <p:nvPr>
-            <p:ph type="title"/>
-          </p:nvPr>
-        </p:nvSpPr>
-        <p:spPr>
-          <a:xfrm>
-            <a:off x="228600" y="579437"/>
-            <a:ext cx="9448800" cy="563563"/>
-          </a:xfrm>
-        </p:spPr>
-        <p:txBody>
-          <a:bodyPr>
-            <a:noAutofit/>
-          </a:bodyPr>
-          <a:lstStyle/>
-          <a:p>
-            <a:pPr algn="l"/>
-            <a:r>
-              <a:rPr lang="en-US" sz="2850" cap="all" smtClean="0">
-                <a:ln w="9000" cmpd="sng">
-                  <a:solidFill>
-                    <a:schemeClr val="accent4">
-                      <a:shade val="50000"/>
-                      <a:satMod val="120000"/>
-                    </a:schemeClr>
-                  </a:solidFill>
-                  <a:prstDash val="solid"/>
-                </a:ln>
-                <a:gradFill>
-                  <a:gsLst>
-                    <a:gs pos="0">
-                      <a:schemeClr val="accent4">
-                        <a:shade val="20000"/>
-                        <a:satMod val="245000"/>
-                      </a:schemeClr>
-                    </a:gs>
-                    <a:gs pos="43000">
-                      <a:schemeClr val="accent4">
-                        <a:satMod val="255000"/>
-                      </a:schemeClr>
-                    </a:gs>
-                    <a:gs pos="48000">
-                      <a:schemeClr val="accent4">
-                        <a:shade val="85000"/>
-                        <a:satMod val="255000"/>
-                      </a:schemeClr>
-                    </a:gs>
-                    <a:gs pos="100000">
-                      <a:schemeClr val="accent4">
-                        <a:shade val="20000"/>
-                        <a:satMod val="245000"/>
-                      </a:schemeClr>
-                    </a:gs>
-                  </a:gsLst>
-                  <a:lin ang="5400000"/>
-                </a:gradFill>
-                <a:effectLst>
-                  <a:reflection blurRad="12700" stA="28000" endPos="45000" dist="1000" dir="5400000" sy="-100000" algn="bl" rotWithShape="0"/>
-                </a:effectLst>
-              </a:rPr>
-              <a:t>2.3.1 </a:t>
-            </a:r>
-            <a:r>
-              <a:rPr lang="en-US" sz="2850" cap="all" smtClean="0">
-                <a:ln w="9000" cmpd="sng">
-                  <a:solidFill>
-                    <a:schemeClr val="accent4">
-                      <a:shade val="50000"/>
-                      <a:satMod val="120000"/>
-                    </a:schemeClr>
-                  </a:solidFill>
-                  <a:prstDash val="solid"/>
-                </a:ln>
-                <a:gradFill>
-                  <a:gsLst>
-                    <a:gs pos="0">
-                      <a:schemeClr val="accent4">
-                        <a:shade val="20000"/>
-                        <a:satMod val="245000"/>
-                      </a:schemeClr>
-                    </a:gs>
-                    <a:gs pos="43000">
-                      <a:schemeClr val="accent4">
-                        <a:satMod val="255000"/>
-                      </a:schemeClr>
-                    </a:gs>
-                    <a:gs pos="48000">
-                      <a:schemeClr val="accent4">
-                        <a:shade val="85000"/>
-                        <a:satMod val="255000"/>
-                      </a:schemeClr>
-                    </a:gs>
-                    <a:gs pos="100000">
-                      <a:schemeClr val="accent4">
-                        <a:shade val="20000"/>
-                        <a:satMod val="245000"/>
-                      </a:schemeClr>
-                    </a:gs>
-                  </a:gsLst>
-                  <a:lin ang="5400000"/>
-                </a:gradFill>
-                <a:effectLst>
-                  <a:reflection blurRad="12700" stA="28000" endPos="45000" dist="1000" dir="5400000" sy="-100000" algn="bl" rotWithShape="0"/>
-                </a:effectLst>
-              </a:rPr>
-              <a:t>truy xuất </a:t>
-            </a:r>
-            <a:r>
-              <a:rPr lang="en-US" sz="2850" cap="all" smtClean="0">
-                <a:ln w="9000" cmpd="sng">
-                  <a:solidFill>
-                    <a:schemeClr val="accent4">
-                      <a:shade val="50000"/>
-                      <a:satMod val="120000"/>
-                    </a:schemeClr>
-                  </a:solidFill>
-                  <a:prstDash val="solid"/>
-                </a:ln>
-                <a:gradFill>
-                  <a:gsLst>
-                    <a:gs pos="0">
-                      <a:schemeClr val="accent4">
-                        <a:shade val="20000"/>
-                        <a:satMod val="245000"/>
-                      </a:schemeClr>
-                    </a:gs>
-                    <a:gs pos="43000">
-                      <a:schemeClr val="accent4">
-                        <a:satMod val="255000"/>
-                      </a:schemeClr>
-                    </a:gs>
-                    <a:gs pos="48000">
-                      <a:schemeClr val="accent4">
-                        <a:shade val="85000"/>
-                        <a:satMod val="255000"/>
-                      </a:schemeClr>
-                    </a:gs>
-                    <a:gs pos="100000">
-                      <a:schemeClr val="accent4">
-                        <a:shade val="20000"/>
-                        <a:satMod val="245000"/>
-                      </a:schemeClr>
-                    </a:gs>
-                  </a:gsLst>
-                  <a:lin ang="5400000"/>
-                </a:gradFill>
-                <a:effectLst>
-                  <a:reflection blurRad="12700" stA="28000" endPos="45000" dist="1000" dir="5400000" sy="-100000" algn="bl" rotWithShape="0"/>
-                </a:effectLst>
-              </a:rPr>
-              <a:t>method</a:t>
+              <a:t>2.3.1 truy xuất method</a:t>
             </a:r>
             <a:endParaRPr lang="en-US" sz="2850" cap="all">
               <a:ln w="9000" cmpd="sng">
@@ -14232,97 +13702,7 @@
                   <a:reflection blurRad="12700" stA="28000" endPos="45000" dist="1000" dir="5400000" sy="-100000" algn="bl" rotWithShape="0"/>
                 </a:effectLst>
               </a:rPr>
-              <a:t>2.3.1 </a:t>
-            </a:r>
-            <a:r>
-              <a:rPr lang="en-US" sz="2850" cap="all" smtClean="0">
-                <a:ln w="9000" cmpd="sng">
-                  <a:solidFill>
-                    <a:schemeClr val="accent4">
-                      <a:shade val="50000"/>
-                      <a:satMod val="120000"/>
-                    </a:schemeClr>
-                  </a:solidFill>
-                  <a:prstDash val="solid"/>
-                </a:ln>
-                <a:gradFill>
-                  <a:gsLst>
-                    <a:gs pos="0">
-                      <a:schemeClr val="accent4">
-                        <a:shade val="20000"/>
-                        <a:satMod val="245000"/>
-                      </a:schemeClr>
-                    </a:gs>
-                    <a:gs pos="43000">
-                      <a:schemeClr val="accent4">
-                        <a:satMod val="255000"/>
-                      </a:schemeClr>
-                    </a:gs>
-                    <a:gs pos="48000">
-                      <a:schemeClr val="accent4">
-                        <a:shade val="85000"/>
-                        <a:satMod val="255000"/>
-                      </a:schemeClr>
-                    </a:gs>
-                    <a:gs pos="100000">
-                      <a:schemeClr val="accent4">
-                        <a:shade val="20000"/>
-                        <a:satMod val="245000"/>
-                      </a:schemeClr>
-                    </a:gs>
-                  </a:gsLst>
-                  <a:lin ang="5400000"/>
-                </a:gradFill>
-                <a:effectLst>
-                  <a:reflection blurRad="12700" stA="28000" endPos="45000" dist="1000" dir="5400000" sy="-100000" algn="bl" rotWithShape="0"/>
-                </a:effectLst>
-              </a:rPr>
-              <a:t>truy xuất </a:t>
-            </a:r>
-            <a:r>
-              <a:rPr lang="en-US" sz="2850" cap="all" smtClean="0">
-                <a:ln w="9000" cmpd="sng">
-                  <a:solidFill>
-                    <a:schemeClr val="accent4">
-                      <a:shade val="50000"/>
-                      <a:satMod val="120000"/>
-                    </a:schemeClr>
-                  </a:solidFill>
-                  <a:prstDash val="solid"/>
-                </a:ln>
-                <a:gradFill>
-                  <a:gsLst>
-                    <a:gs pos="0">
-                      <a:schemeClr val="accent4">
-                        <a:shade val="20000"/>
-                        <a:satMod val="245000"/>
-                      </a:schemeClr>
-                    </a:gs>
-                    <a:gs pos="43000">
-                      <a:schemeClr val="accent4">
-                        <a:satMod val="255000"/>
-                      </a:schemeClr>
-                    </a:gs>
-                    <a:gs pos="48000">
-                      <a:schemeClr val="accent4">
-                        <a:shade val="85000"/>
-                        <a:satMod val="255000"/>
-                      </a:schemeClr>
-                    </a:gs>
-                    <a:gs pos="100000">
-                      <a:schemeClr val="accent4">
-                        <a:shade val="20000"/>
-                        <a:satMod val="245000"/>
-                      </a:schemeClr>
-                    </a:gs>
-                  </a:gsLst>
-                  <a:lin ang="5400000"/>
-                </a:gradFill>
-                <a:effectLst>
-                  <a:reflection blurRad="12700" stA="28000" endPos="45000" dist="1000" dir="5400000" sy="-100000" algn="bl" rotWithShape="0"/>
-                </a:effectLst>
-              </a:rPr>
-              <a:t>method</a:t>
+              <a:t>2.3.1 truy xuất method</a:t>
             </a:r>
             <a:endParaRPr lang="en-US" sz="2850" cap="all">
               <a:ln w="9000" cmpd="sng">
@@ -14447,22 +13827,54 @@
                   <a:srgbClr val="000000"/>
                 </a:solidFill>
               </a:rPr>
-              <a:t>Method descriptor</a:t>
-            </a:r>
-          </a:p>
-          <a:p>
-            <a:pPr marL="517525" indent="-457200">
-              <a:buClrTx/>
-              <a:buFont typeface="Wingdings" pitchFamily="2" charset="2"/>
-              <a:buChar char="q"/>
-            </a:pPr>
+              <a:t>Method </a:t>
+            </a:r>
+            <a:r>
+              <a:rPr lang="en-US" smtClean="0">
+                <a:solidFill>
+                  <a:srgbClr val="000000"/>
+                </a:solidFill>
+              </a:rPr>
+              <a:t>descriptor </a:t>
+            </a:r>
+            <a:r>
+              <a:rPr lang="en-US" b="0" smtClean="0">
+                <a:solidFill>
+                  <a:srgbClr val="000000"/>
+                </a:solidFill>
+              </a:rPr>
+              <a:t>là </a:t>
+            </a:r>
             <a:r>
               <a:rPr lang="en-US" b="0">
                 <a:solidFill>
                   <a:srgbClr val="000000"/>
                 </a:solidFill>
               </a:rPr>
-              <a:t>Là một chuỗi tương tự như prototype của method nhưng có mô tả khác. Gồm 2 phần “(?)?” Với chấm hỏi thứ nhất là phần các tham số truyền vào method, Chấm hỏi thứ hay là giá trị trả về. Còn nội dụng của ? thì giống với Field descriptor. Lưu ý là void có ký hiệu là “V</a:t>
+              <a:t>một chuỗi tương tự như prototype của method nhưng có mô tả khác. Gồm 2 phần </a:t>
+            </a:r>
+            <a:r>
+              <a:rPr lang="en-US" b="0" smtClean="0">
+                <a:solidFill>
+                  <a:srgbClr val="000000"/>
+                </a:solidFill>
+              </a:rPr>
+              <a:t>“(?)?”:</a:t>
+            </a:r>
+          </a:p>
+          <a:p>
+            <a:pPr marL="1023938" lvl="1" indent="-457200">
+              <a:buClrTx/>
+              <a:buFont typeface="Courier New" pitchFamily="49" charset="0"/>
+              <a:buChar char="o"/>
+            </a:pPr>
+            <a:r>
+              <a:rPr lang="en-US" b="0" smtClean="0">
+                <a:solidFill>
+                  <a:srgbClr val="000000"/>
+                </a:solidFill>
+              </a:rPr>
+              <a:t>Chấm </a:t>
             </a:r>
             <a:r>
               <a:rPr lang="en-US" b="0">
@@ -14470,7 +13882,54 @@
                   <a:srgbClr val="000000"/>
                 </a:solidFill>
               </a:rPr>
-              <a:t>”. </a:t>
+              <a:t>hỏi thứ nhất là phần các tham số truyền vào </a:t>
+            </a:r>
+            <a:r>
+              <a:rPr lang="en-US" b="0" smtClean="0">
+                <a:solidFill>
+                  <a:srgbClr val="000000"/>
+                </a:solidFill>
+              </a:rPr>
+              <a:t>method</a:t>
+            </a:r>
+          </a:p>
+          <a:p>
+            <a:pPr marL="1023938" lvl="1" indent="-457200">
+              <a:buClrTx/>
+              <a:buFont typeface="Courier New" pitchFamily="49" charset="0"/>
+              <a:buChar char="o"/>
+            </a:pPr>
+            <a:r>
+              <a:rPr lang="en-US" b="0" smtClean="0">
+                <a:solidFill>
+                  <a:srgbClr val="000000"/>
+                </a:solidFill>
+              </a:rPr>
+              <a:t>Chấm </a:t>
+            </a:r>
+            <a:r>
+              <a:rPr lang="en-US" b="0">
+                <a:solidFill>
+                  <a:srgbClr val="000000"/>
+                </a:solidFill>
+              </a:rPr>
+              <a:t>hỏi thứ </a:t>
+            </a:r>
+            <a:r>
+              <a:rPr lang="en-US" b="0" smtClean="0">
+                <a:solidFill>
+                  <a:srgbClr val="000000"/>
+                </a:solidFill>
+              </a:rPr>
+              <a:t>hai </a:t>
+            </a:r>
+            <a:r>
+              <a:rPr lang="en-US" b="0">
+                <a:solidFill>
+                  <a:srgbClr val="000000"/>
+                </a:solidFill>
+              </a:rPr>
+              <a:t>là giá trị trả về. </a:t>
             </a:r>
             <a:endParaRPr lang="en-US" b="0" smtClean="0">
               <a:solidFill>
@@ -14502,10 +13961,9 @@
             </a:r>
           </a:p>
           <a:p>
-            <a:pPr marL="517525" indent="-457200">
+            <a:pPr marL="60325" indent="854075">
               <a:buClrTx/>
-              <a:buFont typeface="Wingdings" pitchFamily="2" charset="2"/>
-              <a:buChar char="q"/>
+              <a:buNone/>
             </a:pPr>
             <a:r>
               <a:rPr lang="en-US" b="0">
@@ -14517,10 +13975,9 @@
             </a:r>
           </a:p>
           <a:p>
-            <a:pPr marL="517525" indent="-457200">
+            <a:pPr marL="60325" indent="854075">
               <a:buClrTx/>
-              <a:buFont typeface="Wingdings" pitchFamily="2" charset="2"/>
-              <a:buChar char="q"/>
+              <a:buNone/>
             </a:pPr>
             <a:r>
               <a:rPr lang="en-US" b="0">
@@ -14532,10 +13989,9 @@
             </a:r>
           </a:p>
           <a:p>
-            <a:pPr marL="517525" indent="-457200">
+            <a:pPr marL="60325" indent="854075">
               <a:buClrTx/>
-              <a:buFont typeface="Wingdings" pitchFamily="2" charset="2"/>
-              <a:buChar char="q"/>
+              <a:buNone/>
             </a:pPr>
             <a:r>
               <a:rPr lang="en-US" b="0">
@@ -14543,8 +13999,21 @@
                   <a:srgbClr val="000000"/>
                 </a:solidFill>
               </a:rPr>
-              <a:t>“(Ljava/lang/String;)Ljava/lang/String;”</a:t>
-            </a:r>
+              <a:t>“(Ljava/lang/String;)Ljava/lang/String</a:t>
+            </a:r>
+            <a:r>
+              <a:rPr lang="en-US" b="0" smtClean="0">
+                <a:solidFill>
+                  <a:srgbClr val="000000"/>
+                </a:solidFill>
+              </a:rPr>
+              <a:t>;</a:t>
+            </a:r>
+            <a:endParaRPr lang="en-US" b="0">
+              <a:solidFill>
+                <a:srgbClr val="000000"/>
+              </a:solidFill>
+            </a:endParaRPr>
           </a:p>
           <a:p>
             <a:endParaRPr lang="en-US"/>
@@ -15474,52 +14943,7 @@
                   <a:reflection blurRad="12700" stA="28000" endPos="45000" dist="1000" dir="5400000" sy="-100000" algn="bl" rotWithShape="0"/>
                 </a:effectLst>
               </a:rPr>
-              <a:t>2.6 demo </a:t>
-            </a:r>
-            <a:r>
-              <a:rPr lang="en-US" sz="2900" cap="all" smtClean="0">
-                <a:ln w="9000" cmpd="sng">
-                  <a:solidFill>
-                    <a:schemeClr val="accent4">
-                      <a:shade val="50000"/>
-                      <a:satMod val="120000"/>
-                    </a:schemeClr>
-                  </a:solidFill>
-                  <a:prstDash val="solid"/>
-                </a:ln>
-                <a:gradFill>
-                  <a:gsLst>
-                    <a:gs pos="0">
-                      <a:schemeClr val="accent4">
-                        <a:shade val="20000"/>
-                        <a:satMod val="245000"/>
-                      </a:schemeClr>
-                    </a:gs>
-                    <a:gs pos="43000">
-                      <a:schemeClr val="accent4">
-                        <a:satMod val="255000"/>
-                      </a:schemeClr>
-                    </a:gs>
-                    <a:gs pos="48000">
-                      <a:schemeClr val="accent4">
-                        <a:shade val="85000"/>
-                        <a:satMod val="255000"/>
-                      </a:schemeClr>
-                    </a:gs>
-                    <a:gs pos="100000">
-                      <a:schemeClr val="accent4">
-                        <a:shade val="20000"/>
-                        <a:satMod val="245000"/>
-                      </a:schemeClr>
-                    </a:gs>
-                  </a:gsLst>
-                  <a:lin ang="5400000"/>
-                </a:gradFill>
-                <a:effectLst>
-                  <a:reflection blurRad="12700" stA="28000" endPos="45000" dist="1000" dir="5400000" sy="-100000" algn="bl" rotWithShape="0"/>
-                </a:effectLst>
-              </a:rPr>
-              <a:t>Hello world</a:t>
+              <a:t>2.6 demo Hello world</a:t>
             </a:r>
             <a:endParaRPr lang="en-US" sz="2900" cap="all">
               <a:ln w="9000" cmpd="sng">
@@ -15649,11 +15073,6 @@
               </a:rPr>
               <a:t>Mời mọi người cùng xem clip</a:t>
             </a:r>
-            <a:endParaRPr lang="en-US" smtClean="0">
-              <a:solidFill>
-                <a:srgbClr val="000000"/>
-              </a:solidFill>
-            </a:endParaRPr>
           </a:p>
         </p:txBody>
       </p:sp>
@@ -15904,23 +15323,8 @@
                 </a:solidFill>
                 <a:latin typeface="+mj-lt"/>
               </a:rPr>
-              <a:t>là một phần mở rộng của Java cho phép sử dụng các API bao gồm các tập tin thư viện động DLL trong Windows</a:t>
-            </a:r>
-            <a:r>
-              <a:rPr lang="en-US" b="0">
-                <a:solidFill>
-                  <a:srgbClr val="000000"/>
-                </a:solidFill>
-                <a:latin typeface="+mj-lt"/>
-              </a:rPr>
-              <a:t>. </a:t>
-            </a:r>
-            <a:endParaRPr lang="en-US" b="0">
-              <a:solidFill>
-                <a:srgbClr val="000000"/>
-              </a:solidFill>
-              <a:latin typeface="+mj-lt"/>
-            </a:endParaRPr>
+              <a:t>là một phần mở rộng của Java cho phép sử dụng các API bao gồm các tập tin thư viện động DLL trong Windows. </a:t>
+            </a:r>
           </a:p>
           <a:p>
             <a:pPr lvl="0">
@@ -15955,16 +15359,7 @@
                 </a:solidFill>
                 <a:latin typeface="+mj-lt"/>
               </a:rPr>
-              <a:t>chương trình </a:t>
-            </a:r>
-            <a:r>
-              <a:rPr lang="en-US" b="0">
-                <a:solidFill>
-                  <a:srgbClr val="000000"/>
-                </a:solidFill>
-                <a:latin typeface="+mj-lt"/>
-              </a:rPr>
-              <a:t>Java </a:t>
+              <a:t>chương trình Java </a:t>
             </a:r>
             <a:r>
               <a:rPr lang="en-US" b="0" smtClean="0">
@@ -15982,16 +15377,7 @@
                 </a:solidFill>
                 <a:latin typeface="+mj-lt"/>
               </a:rPr>
-              <a:t>dàng truy cập đến các thư viện được chia sẽ mà không cần sử dụng </a:t>
-            </a:r>
-            <a:r>
-              <a:rPr lang="en-US" b="0">
-                <a:solidFill>
-                  <a:srgbClr val="000000"/>
-                </a:solidFill>
-                <a:latin typeface="+mj-lt"/>
-              </a:rPr>
-              <a:t>JNI </a:t>
+              <a:t>dàng truy cập đến các thư viện được chia sẽ mà không cần sử dụng JNI </a:t>
             </a:r>
             <a:r>
               <a:rPr lang="en-US" b="0" smtClean="0">
@@ -16295,11 +15681,6 @@
               </a:rPr>
               <a:t>Mời mọi người cùng xem clip</a:t>
             </a:r>
-            <a:endParaRPr lang="en-US" smtClean="0">
-              <a:solidFill>
-                <a:srgbClr val="000000"/>
-              </a:solidFill>
-            </a:endParaRPr>
           </a:p>
         </p:txBody>
       </p:sp>
@@ -16520,11 +15901,6 @@
               </a:rPr>
               <a:t>Mời mọi người cùng xem clip</a:t>
             </a:r>
-            <a:endParaRPr lang="en-US" smtClean="0">
-              <a:solidFill>
-                <a:srgbClr val="000000"/>
-              </a:solidFill>
-            </a:endParaRPr>
           </a:p>
         </p:txBody>
       </p:sp>
@@ -16773,51 +16149,6 @@
                 </a:effectLst>
               </a:rPr>
               <a:t>END !</a:t>
-            </a:r>
-            <a:r>
-              <a:rPr lang="en-US" cap="all" smtClean="0">
-                <a:ln w="9000" cmpd="sng">
-                  <a:solidFill>
-                    <a:schemeClr val="accent4">
-                      <a:shade val="50000"/>
-                      <a:satMod val="120000"/>
-                    </a:schemeClr>
-                  </a:solidFill>
-                  <a:prstDash val="solid"/>
-                </a:ln>
-                <a:gradFill>
-                  <a:gsLst>
-                    <a:gs pos="0">
-                      <a:schemeClr val="accent4">
-                        <a:shade val="20000"/>
-                        <a:satMod val="245000"/>
-                      </a:schemeClr>
-                    </a:gs>
-                    <a:gs pos="43000">
-                      <a:schemeClr val="accent4">
-                        <a:satMod val="255000"/>
-                      </a:schemeClr>
-                    </a:gs>
-                    <a:gs pos="48000">
-                      <a:schemeClr val="accent4">
-                        <a:shade val="85000"/>
-                        <a:satMod val="255000"/>
-                      </a:schemeClr>
-                    </a:gs>
-                    <a:gs pos="100000">
-                      <a:schemeClr val="accent4">
-                        <a:shade val="20000"/>
-                        <a:satMod val="245000"/>
-                      </a:schemeClr>
-                    </a:gs>
-                  </a:gsLst>
-                  <a:lin ang="5400000"/>
-                </a:gradFill>
-                <a:effectLst>
-                  <a:reflection blurRad="12700" stA="28000" endPos="45000" dist="1000" dir="5400000" sy="-100000" algn="bl" rotWithShape="0"/>
-                </a:effectLst>
-              </a:rPr>
-              <a:t/>
             </a:r>
             <a:br>
               <a:rPr lang="en-US" cap="all" smtClean="0">
@@ -16906,97 +16237,7 @@
                   <a:reflection blurRad="12700" stA="28000" endPos="45000" dist="1000" dir="5400000" sy="-100000" algn="bl" rotWithShape="0"/>
                 </a:effectLst>
               </a:rPr>
-              <a:t>	</a:t>
-            </a:r>
-            <a:r>
-              <a:rPr lang="en-US" cap="all" smtClean="0">
-                <a:ln w="9000" cmpd="sng">
-                  <a:solidFill>
-                    <a:schemeClr val="accent4">
-                      <a:shade val="50000"/>
-                      <a:satMod val="120000"/>
-                    </a:schemeClr>
-                  </a:solidFill>
-                  <a:prstDash val="solid"/>
-                </a:ln>
-                <a:gradFill>
-                  <a:gsLst>
-                    <a:gs pos="0">
-                      <a:schemeClr val="accent4">
-                        <a:shade val="20000"/>
-                        <a:satMod val="245000"/>
-                      </a:schemeClr>
-                    </a:gs>
-                    <a:gs pos="43000">
-                      <a:schemeClr val="accent4">
-                        <a:satMod val="255000"/>
-                      </a:schemeClr>
-                    </a:gs>
-                    <a:gs pos="48000">
-                      <a:schemeClr val="accent4">
-                        <a:shade val="85000"/>
-                        <a:satMod val="255000"/>
-                      </a:schemeClr>
-                    </a:gs>
-                    <a:gs pos="100000">
-                      <a:schemeClr val="accent4">
-                        <a:shade val="20000"/>
-                        <a:satMod val="245000"/>
-                      </a:schemeClr>
-                    </a:gs>
-                  </a:gsLst>
-                  <a:lin ang="5400000"/>
-                </a:gradFill>
-                <a:effectLst>
-                  <a:reflection blurRad="12700" stA="28000" endPos="45000" dist="1000" dir="5400000" sy="-100000" algn="bl" rotWithShape="0"/>
-                </a:effectLst>
-              </a:rPr>
-              <a:t>Question ?</a:t>
-            </a:r>
-            <a:r>
-              <a:rPr lang="en-US" cap="all" smtClean="0">
-                <a:ln w="9000" cmpd="sng">
-                  <a:solidFill>
-                    <a:schemeClr val="accent4">
-                      <a:shade val="50000"/>
-                      <a:satMod val="120000"/>
-                    </a:schemeClr>
-                  </a:solidFill>
-                  <a:prstDash val="solid"/>
-                </a:ln>
-                <a:gradFill>
-                  <a:gsLst>
-                    <a:gs pos="0">
-                      <a:schemeClr val="accent4">
-                        <a:shade val="20000"/>
-                        <a:satMod val="245000"/>
-                      </a:schemeClr>
-                    </a:gs>
-                    <a:gs pos="43000">
-                      <a:schemeClr val="accent4">
-                        <a:satMod val="255000"/>
-                      </a:schemeClr>
-                    </a:gs>
-                    <a:gs pos="48000">
-                      <a:schemeClr val="accent4">
-                        <a:shade val="85000"/>
-                        <a:satMod val="255000"/>
-                      </a:schemeClr>
-                    </a:gs>
-                    <a:gs pos="100000">
-                      <a:schemeClr val="accent4">
-                        <a:shade val="20000"/>
-                        <a:satMod val="245000"/>
-                      </a:schemeClr>
-                    </a:gs>
-                  </a:gsLst>
-                  <a:lin ang="5400000"/>
-                </a:gradFill>
-                <a:effectLst>
-                  <a:reflection blurRad="12700" stA="28000" endPos="45000" dist="1000" dir="5400000" sy="-100000" algn="bl" rotWithShape="0"/>
-                </a:effectLst>
-              </a:rPr>
-              <a:t/>
+              <a:t>	Question ?</a:t>
             </a:r>
             <a:br>
               <a:rPr lang="en-US" cap="all" smtClean="0">
@@ -17756,15 +16997,7 @@
                   <a:srgbClr val="000000"/>
                 </a:solidFill>
               </a:rPr>
-              <a:t>Cung cấp quy định chung về dữ liệu và loại </a:t>
-            </a:r>
-            <a:r>
-              <a:rPr lang="fr-CA" b="0">
-                <a:solidFill>
-                  <a:srgbClr val="000000"/>
-                </a:solidFill>
-              </a:rPr>
-              <a:t>exception </a:t>
+              <a:t>Cung cấp quy định chung về dữ liệu và loại exception </a:t>
             </a:r>
             <a:r>
               <a:rPr lang="fr-CA" b="0" smtClean="0">
@@ -18025,21 +17258,8 @@
                   <a:srgbClr val="000000"/>
                 </a:solidFill>
               </a:rPr>
-              <a:t>Nhúng máy ảo Java vào các ứng dụng native (C, C</a:t>
-            </a:r>
-            <a:r>
-              <a:rPr lang="en-US" b="0">
-                <a:solidFill>
-                  <a:srgbClr val="000000"/>
-                </a:solidFill>
-              </a:rPr>
-              <a:t>++). </a:t>
-            </a:r>
-            <a:endParaRPr lang="en-US" b="0">
-              <a:solidFill>
-                <a:srgbClr val="000000"/>
-              </a:solidFill>
-            </a:endParaRPr>
+              <a:t>Nhúng máy ảo Java vào các ứng dụng native (C, C++). </a:t>
+            </a:r>
           </a:p>
         </p:txBody>
       </p:sp>
@@ -18500,15 +17720,7 @@
                   <a:srgbClr val="000000"/>
                 </a:solidFill>
               </a:rPr>
-              <a:t>còn dễ </a:t>
-            </a:r>
-            <a:r>
-              <a:rPr lang="en-US" b="0">
-                <a:solidFill>
-                  <a:srgbClr val="000000"/>
-                </a:solidFill>
-              </a:rPr>
-              <a:t>dàng </a:t>
+              <a:t>còn dễ dàng </a:t>
             </a:r>
             <a:r>
               <a:rPr lang="en-US" b="0" smtClean="0">

--- a/trunk/Seminar_JNI/Slide_00.pptx
+++ b/trunk/Seminar_JNI/Slide_00.pptx
@@ -5,10 +5,10 @@
     <p:sldMasterId id="2147484495" r:id="rId1"/>
   </p:sldMasterIdLst>
   <p:notesMasterIdLst>
-    <p:notesMasterId r:id="rId26"/>
+    <p:notesMasterId r:id="rId29"/>
   </p:notesMasterIdLst>
   <p:handoutMasterIdLst>
-    <p:handoutMasterId r:id="rId27"/>
+    <p:handoutMasterId r:id="rId30"/>
   </p:handoutMasterIdLst>
   <p:sldIdLst>
     <p:sldId id="256" r:id="rId2"/>
@@ -28,13 +28,16 @@
     <p:sldId id="286" r:id="rId16"/>
     <p:sldId id="288" r:id="rId17"/>
     <p:sldId id="289" r:id="rId18"/>
-    <p:sldId id="276" r:id="rId19"/>
-    <p:sldId id="279" r:id="rId20"/>
-    <p:sldId id="277" r:id="rId21"/>
-    <p:sldId id="283" r:id="rId22"/>
-    <p:sldId id="282" r:id="rId23"/>
-    <p:sldId id="280" r:id="rId24"/>
-    <p:sldId id="281" r:id="rId25"/>
+    <p:sldId id="290" r:id="rId19"/>
+    <p:sldId id="291" r:id="rId20"/>
+    <p:sldId id="292" r:id="rId21"/>
+    <p:sldId id="276" r:id="rId22"/>
+    <p:sldId id="279" r:id="rId23"/>
+    <p:sldId id="277" r:id="rId24"/>
+    <p:sldId id="283" r:id="rId25"/>
+    <p:sldId id="282" r:id="rId26"/>
+    <p:sldId id="280" r:id="rId27"/>
+    <p:sldId id="281" r:id="rId28"/>
   </p:sldIdLst>
   <p:sldSz cx="9144000" cy="6858000" type="screen4x3"/>
   <p:notesSz cx="6858000" cy="9144000"/>
@@ -3959,19 +3962,16 @@
           <a:bodyPr/>
           <a:lstStyle/>
           <a:p>
-            <a:r>
-              <a:rPr lang="en-US" sz="1200" kern="1200" smtClean="0">
-                <a:solidFill>
-                  <a:schemeClr val="tx1"/>
-                </a:solidFill>
-                <a:effectLst/>
-                <a:latin typeface="+mn-lt"/>
-                <a:ea typeface="+mn-ea"/>
-                <a:cs typeface="+mn-cs"/>
-              </a:rPr>
-              <a:t> Tham số của method có thể truyền vào phần sau hàm.</a:t>
-            </a:r>
-            <a:endParaRPr lang="en-US"/>
+            <a:pPr marL="60325" lvl="1" indent="0">
+              <a:buClrTx/>
+              <a:buFont typeface="Wingdings" pitchFamily="2" charset="2"/>
+              <a:buNone/>
+            </a:pPr>
+            <a:endParaRPr lang="en-US" b="0" smtClean="0">
+              <a:solidFill>
+                <a:srgbClr val="000000"/>
+              </a:solidFill>
+            </a:endParaRPr>
           </a:p>
         </p:txBody>
       </p:sp>
@@ -4032,7 +4032,27 @@
           <a:bodyPr/>
           <a:lstStyle/>
           <a:p>
-            <a:endParaRPr lang="en-US"/>
+            <a:r>
+              <a:rPr lang="en-US" sz="1200" kern="1200" smtClean="0">
+                <a:solidFill>
+                  <a:schemeClr val="tx1"/>
+                </a:solidFill>
+                <a:effectLst/>
+                <a:latin typeface="+mn-lt"/>
+                <a:ea typeface="+mn-ea"/>
+                <a:cs typeface="+mn-cs"/>
+              </a:rPr>
+              <a:t>Việc gọi hàm này tương đương với lời gọi super.f() trong java.</a:t>
+            </a:r>
+            <a:endParaRPr lang="en-US" sz="1200" kern="1200">
+              <a:solidFill>
+                <a:schemeClr val="tx1"/>
+              </a:solidFill>
+              <a:effectLst/>
+              <a:latin typeface="+mn-lt"/>
+              <a:ea typeface="+mn-ea"/>
+              <a:cs typeface="+mn-cs"/>
+            </a:endParaRPr>
           </a:p>
         </p:txBody>
       </p:sp>
@@ -4093,7 +4113,39 @@
           <a:bodyPr/>
           <a:lstStyle/>
           <a:p>
-            <a:endParaRPr lang="en-US"/>
+            <a:pPr>
+              <a:buClrTx/>
+              <a:buFont typeface="Wingdings" pitchFamily="2" charset="2"/>
+              <a:buNone/>
+            </a:pPr>
+            <a:r>
+              <a:rPr lang="en-US" sz="1200" b="0" smtClean="0">
+                <a:solidFill>
+                  <a:srgbClr val="000000"/>
+                </a:solidFill>
+              </a:rPr>
+              <a:t>Cũng giống như gọi method bình thường ta cần có methodId, jclass…</a:t>
+            </a:r>
+          </a:p>
+          <a:p>
+            <a:pPr>
+              <a:buClrTx/>
+              <a:buFont typeface="Wingdings" pitchFamily="2" charset="2"/>
+              <a:buNone/>
+            </a:pPr>
+            <a:r>
+              <a:rPr lang="en-US" sz="1200" b="0" smtClean="0">
+                <a:solidFill>
+                  <a:srgbClr val="000000"/>
+                </a:solidFill>
+              </a:rPr>
+              <a:t>Để có được methodId có thể gọi hàm GetMethodID với name là “&lt;init&gt;” mà chuỗi mô tả method là tùy theo tham số đầu vào của hàm dựng (giá trị trả về luôn là “V” vì hàm dựng không trả về).</a:t>
+            </a:r>
+            <a:endParaRPr lang="en-US" sz="1200" b="0">
+              <a:solidFill>
+                <a:srgbClr val="000000"/>
+              </a:solidFill>
+            </a:endParaRPr>
           </a:p>
         </p:txBody>
       </p:sp>
@@ -4154,19 +4206,6 @@
           <a:bodyPr/>
           <a:lstStyle/>
           <a:p>
-            <a:pPr lvl="0"/>
-            <a:r>
-              <a:rPr lang="en-US" sz="1200" b="1" kern="1200" smtClean="0">
-                <a:solidFill>
-                  <a:schemeClr val="tx1"/>
-                </a:solidFill>
-                <a:effectLst/>
-                <a:latin typeface="+mn-lt"/>
-                <a:ea typeface="+mn-ea"/>
-                <a:cs typeface="+mn-cs"/>
-              </a:rPr>
-              <a:t>JNA</a:t>
-            </a:r>
             <a:r>
               <a:rPr lang="en-US" sz="1200" kern="1200" smtClean="0">
                 <a:solidFill>
@@ -4177,120 +4216,8 @@
                 <a:ea typeface="+mn-ea"/>
                 <a:cs typeface="+mn-cs"/>
               </a:rPr>
-              <a:t>: Java Native Access là một phần mở rộng của Java cho phép sử dụng các API bao gồm các tập tin thư viện động DLL trong Windows. </a:t>
-            </a:r>
-            <a:br>
-              <a:rPr lang="en-US" sz="1200" kern="1200" smtClean="0">
-                <a:solidFill>
-                  <a:schemeClr val="tx1"/>
-                </a:solidFill>
-                <a:effectLst/>
-                <a:latin typeface="+mn-lt"/>
-                <a:ea typeface="+mn-ea"/>
-                <a:cs typeface="+mn-cs"/>
-              </a:rPr>
-            </a:br>
-            <a:r>
-              <a:rPr lang="en-US" sz="1200" kern="1200" smtClean="0">
-                <a:solidFill>
-                  <a:schemeClr val="tx1"/>
-                </a:solidFill>
-                <a:effectLst/>
-                <a:latin typeface="+mn-lt"/>
-                <a:ea typeface="+mn-ea"/>
-                <a:cs typeface="+mn-cs"/>
-              </a:rPr>
-              <a:t>Không giống như JNI, nó không yêu cầu để tạo ra mã bằng cách sử dụng chức năng C. Để sử dụng chúng, chỉ đơn giản sử các tập tin có định nghĩa chúng và tuyên bố tiêu đề của các chức năng này trong một giao diện.</a:t>
-            </a:r>
-          </a:p>
-          <a:p>
-            <a:pPr lvl="0"/>
-            <a:r>
-              <a:rPr lang="en-US" sz="1200" b="1" kern="1200" smtClean="0">
-                <a:solidFill>
-                  <a:schemeClr val="tx1"/>
-                </a:solidFill>
-                <a:effectLst/>
-                <a:latin typeface="+mn-lt"/>
-                <a:ea typeface="+mn-ea"/>
-                <a:cs typeface="+mn-cs"/>
-              </a:rPr>
-              <a:t>JNA</a:t>
-            </a:r>
-            <a:r>
-              <a:rPr lang="en-US" sz="1200" kern="1200" smtClean="0">
-                <a:solidFill>
-                  <a:schemeClr val="tx1"/>
-                </a:solidFill>
-                <a:effectLst/>
-                <a:latin typeface="+mn-lt"/>
-                <a:ea typeface="+mn-ea"/>
-                <a:cs typeface="+mn-cs"/>
-              </a:rPr>
-              <a:t> cung cấp các chương trình Java để dễ dàng truy cập đến các thư viện được chia sẽ mà không cần sử dụng JNI . JNA thiết kế nhằm mục đích để cung cấp các truy cập một cách tự nhiên, ít tốn công sức.</a:t>
-            </a:r>
-          </a:p>
-          <a:p>
-            <a:pPr lvl="0"/>
-            <a:r>
-              <a:rPr lang="en-US" sz="1200" kern="1200" smtClean="0">
-                <a:solidFill>
-                  <a:schemeClr val="tx1"/>
-                </a:solidFill>
-                <a:effectLst/>
-                <a:latin typeface="+mn-lt"/>
-                <a:ea typeface="+mn-ea"/>
-                <a:cs typeface="+mn-cs"/>
-              </a:rPr>
-              <a:t>Các thư viện yêu cầu sử dụng</a:t>
-            </a:r>
-          </a:p>
-          <a:p>
-            <a:pPr lvl="1"/>
-            <a:r>
-              <a:rPr lang="en-US" sz="1200" kern="1200" smtClean="0">
-                <a:solidFill>
-                  <a:schemeClr val="tx1"/>
-                </a:solidFill>
-                <a:effectLst/>
-                <a:latin typeface="+mn-lt"/>
-                <a:ea typeface="+mn-ea"/>
-                <a:cs typeface="+mn-cs"/>
-              </a:rPr>
-              <a:t>import com.sun.jna.Library;</a:t>
-            </a:r>
-          </a:p>
-          <a:p>
-            <a:pPr lvl="1"/>
-            <a:r>
-              <a:rPr lang="en-US" sz="1200" kern="1200" smtClean="0">
-                <a:solidFill>
-                  <a:schemeClr val="tx1"/>
-                </a:solidFill>
-                <a:effectLst/>
-                <a:latin typeface="+mn-lt"/>
-                <a:ea typeface="+mn-ea"/>
-                <a:cs typeface="+mn-cs"/>
-              </a:rPr>
-              <a:t>import com.sun.jna.Native;</a:t>
-            </a:r>
-          </a:p>
-          <a:p>
-            <a:pPr lvl="1"/>
-            <a:r>
-              <a:rPr lang="en-US" sz="1200" kern="1200" smtClean="0">
-                <a:solidFill>
-                  <a:schemeClr val="tx1"/>
-                </a:solidFill>
-                <a:effectLst/>
-                <a:latin typeface="+mn-lt"/>
-                <a:ea typeface="+mn-ea"/>
-                <a:cs typeface="+mn-cs"/>
-              </a:rPr>
-              <a:t>import com.sun.jna.Platform;</a:t>
-            </a:r>
-          </a:p>
-          <a:p>
+              <a:t> Tham số của method có thể truyền vào phần sau hàm.</a:t>
+            </a:r>
             <a:endParaRPr lang="en-US"/>
           </a:p>
         </p:txBody>
@@ -4474,6 +4401,156 @@
           <a:bodyPr/>
           <a:lstStyle/>
           <a:p>
+            <a:pPr lvl="0"/>
+            <a:r>
+              <a:rPr lang="en-US" sz="1200" b="1" kern="1200" smtClean="0">
+                <a:solidFill>
+                  <a:schemeClr val="tx1"/>
+                </a:solidFill>
+                <a:effectLst/>
+                <a:latin typeface="+mn-lt"/>
+                <a:ea typeface="+mn-ea"/>
+                <a:cs typeface="+mn-cs"/>
+              </a:rPr>
+              <a:t>JNA</a:t>
+            </a:r>
+            <a:r>
+              <a:rPr lang="en-US" sz="1200" kern="1200" smtClean="0">
+                <a:solidFill>
+                  <a:schemeClr val="tx1"/>
+                </a:solidFill>
+                <a:effectLst/>
+                <a:latin typeface="+mn-lt"/>
+                <a:ea typeface="+mn-ea"/>
+                <a:cs typeface="+mn-cs"/>
+              </a:rPr>
+              <a:t>: </a:t>
+            </a:r>
+            <a:r>
+              <a:rPr lang="en-US" sz="1200" kern="1200" smtClean="0">
+                <a:solidFill>
+                  <a:schemeClr val="tx1"/>
+                </a:solidFill>
+                <a:effectLst/>
+                <a:latin typeface="+mn-lt"/>
+                <a:ea typeface="+mn-ea"/>
+                <a:cs typeface="+mn-cs"/>
+              </a:rPr>
+              <a:t>JKhông </a:t>
+            </a:r>
+            <a:r>
+              <a:rPr lang="en-US" sz="1200" kern="1200" smtClean="0">
+                <a:solidFill>
+                  <a:schemeClr val="tx1"/>
+                </a:solidFill>
+                <a:effectLst/>
+                <a:latin typeface="+mn-lt"/>
+                <a:ea typeface="+mn-ea"/>
+                <a:cs typeface="+mn-cs"/>
+              </a:rPr>
+              <a:t>giống như JNI, nó không yêu cầu để tạo ra mã bằng cách sử dụng chức năng C. Để sử dụng chúng, chỉ đơn giản sử các tập tin có định nghĩa chúng và tuyên bố tiêu đề của các chức năng này trong một giao diện.</a:t>
+            </a:r>
+          </a:p>
+          <a:p>
+            <a:pPr lvl="0"/>
+            <a:r>
+              <a:rPr lang="en-US" sz="1200" b="1" kern="1200" smtClean="0">
+                <a:solidFill>
+                  <a:schemeClr val="tx1"/>
+                </a:solidFill>
+                <a:effectLst/>
+                <a:latin typeface="+mn-lt"/>
+                <a:ea typeface="+mn-ea"/>
+                <a:cs typeface="+mn-cs"/>
+              </a:rPr>
+              <a:t>JNA</a:t>
+            </a:r>
+            <a:r>
+              <a:rPr lang="en-US" sz="1200" kern="1200" smtClean="0">
+                <a:solidFill>
+                  <a:schemeClr val="tx1"/>
+                </a:solidFill>
+                <a:effectLst/>
+                <a:latin typeface="+mn-lt"/>
+                <a:ea typeface="+mn-ea"/>
+                <a:cs typeface="+mn-cs"/>
+              </a:rPr>
+              <a:t> </a:t>
+            </a:r>
+            <a:r>
+              <a:rPr lang="en-US" sz="1200" kern="1200" smtClean="0">
+                <a:solidFill>
+                  <a:schemeClr val="tx1"/>
+                </a:solidFill>
+                <a:effectLst/>
+                <a:latin typeface="+mn-lt"/>
+                <a:ea typeface="+mn-ea"/>
+                <a:cs typeface="+mn-cs"/>
+              </a:rPr>
+              <a:t>thiết kế nhằm mục đích để cung cấp các truy cập một cách tự nhiên, ít tốn công sức.</a:t>
+            </a:r>
+          </a:p>
+          <a:p>
+            <a:pPr lvl="0"/>
+            <a:r>
+              <a:rPr lang="en-US" sz="1200" kern="1200" smtClean="0">
+                <a:solidFill>
+                  <a:schemeClr val="tx1"/>
+                </a:solidFill>
+                <a:effectLst/>
+                <a:latin typeface="+mn-lt"/>
+                <a:ea typeface="+mn-ea"/>
+                <a:cs typeface="+mn-cs"/>
+              </a:rPr>
+              <a:t>Các thư viện yêu cầu sử dụng</a:t>
+            </a:r>
+          </a:p>
+          <a:p>
+            <a:pPr lvl="1"/>
+            <a:r>
+              <a:rPr lang="en-US" sz="1200" kern="1200" smtClean="0">
+                <a:solidFill>
+                  <a:schemeClr val="tx1"/>
+                </a:solidFill>
+                <a:effectLst/>
+                <a:latin typeface="+mn-lt"/>
+                <a:ea typeface="+mn-ea"/>
+                <a:cs typeface="+mn-cs"/>
+              </a:rPr>
+              <a:t>import com.sun.jna.Library;</a:t>
+            </a:r>
+          </a:p>
+          <a:p>
+            <a:pPr lvl="1"/>
+            <a:r>
+              <a:rPr lang="en-US" sz="1200" kern="1200" smtClean="0">
+                <a:solidFill>
+                  <a:schemeClr val="tx1"/>
+                </a:solidFill>
+                <a:effectLst/>
+                <a:latin typeface="+mn-lt"/>
+                <a:ea typeface="+mn-ea"/>
+                <a:cs typeface="+mn-cs"/>
+              </a:rPr>
+              <a:t>import com.sun.jna.Native;</a:t>
+            </a:r>
+          </a:p>
+          <a:p>
+            <a:pPr lvl="1"/>
+            <a:r>
+              <a:rPr lang="en-US" sz="1200" kern="1200" smtClean="0">
+                <a:solidFill>
+                  <a:schemeClr val="tx1"/>
+                </a:solidFill>
+                <a:effectLst/>
+                <a:latin typeface="+mn-lt"/>
+                <a:ea typeface="+mn-ea"/>
+                <a:cs typeface="+mn-cs"/>
+              </a:rPr>
+              <a:t>import com.sun.jna.Platform;</a:t>
+            </a:r>
+          </a:p>
+          <a:p>
             <a:endParaRPr lang="en-US"/>
           </a:p>
         </p:txBody>
@@ -4481,7 +4558,7 @@
     </p:spTree>
     <p:extLst>
       <p:ext uri="{BB962C8B-B14F-4D97-AF65-F5344CB8AC3E}">
-        <p14:creationId xmlns:p14="http://schemas.microsoft.com/office/powerpoint/2010/main" val="1243872160"/>
+        <p14:creationId xmlns:p14="http://schemas.microsoft.com/office/powerpoint/2010/main" val="3087672818"/>
       </p:ext>
     </p:extLst>
   </p:cSld>
@@ -4546,59 +4623,8 @@
                 <a:ea typeface="+mn-ea"/>
                 <a:cs typeface="+mn-cs"/>
               </a:rPr>
-              <a:t>JNI là phần nền tảng của Java, là một interface trung gian cho phép kết nối ứng dụng Java với các ứng dụng hoặc thư viện viết bằng ngôn ngữ khác (C, C++).</a:t>
-            </a:r>
-          </a:p>
-          <a:p>
-            <a:pPr lvl="0"/>
-            <a:r>
-              <a:rPr lang="fr-CA" sz="1200" kern="1200" smtClean="0">
-                <a:solidFill>
-                  <a:schemeClr val="tx1"/>
-                </a:solidFill>
-                <a:effectLst/>
-                <a:latin typeface="+mn-lt"/>
-                <a:ea typeface="+mn-ea"/>
-                <a:cs typeface="+mn-cs"/>
-              </a:rPr>
-              <a:t>JNI cho phép gọi các hàm và truyền các biến qua lại giữa chương trình Java &amp; C/C++.</a:t>
-            </a:r>
-            <a:endParaRPr lang="en-US" sz="1200" kern="1200" smtClean="0">
-              <a:solidFill>
-                <a:schemeClr val="tx1"/>
-              </a:solidFill>
-              <a:effectLst/>
-              <a:latin typeface="+mn-lt"/>
-              <a:ea typeface="+mn-ea"/>
-              <a:cs typeface="+mn-cs"/>
-            </a:endParaRPr>
-          </a:p>
-          <a:p>
-            <a:pPr lvl="0"/>
-            <a:r>
-              <a:rPr lang="fr-CA" sz="1200" kern="1200" smtClean="0">
-                <a:solidFill>
-                  <a:schemeClr val="tx1"/>
-                </a:solidFill>
-                <a:effectLst/>
-                <a:latin typeface="+mn-lt"/>
-                <a:ea typeface="+mn-ea"/>
-                <a:cs typeface="+mn-cs"/>
-              </a:rPr>
-              <a:t>Cung cấp quy định chung về dữ liệu và loại exception ...</a:t>
-            </a:r>
-            <a:endParaRPr lang="en-US" sz="1200" kern="1200" smtClean="0">
-              <a:solidFill>
-                <a:schemeClr val="tx1"/>
-              </a:solidFill>
-              <a:effectLst/>
-              <a:latin typeface="+mn-lt"/>
-              <a:ea typeface="+mn-ea"/>
-              <a:cs typeface="+mn-cs"/>
-            </a:endParaRPr>
-          </a:p>
-          <a:p>
-            <a:pPr lvl="0"/>
+              <a:t>Một </a:t>
+            </a:r>
             <a:r>
               <a:rPr lang="en-US" sz="1200" kern="1200" smtClean="0">
                 <a:solidFill>
@@ -4609,7 +4635,7 @@
                 <a:ea typeface="+mn-ea"/>
                 <a:cs typeface="+mn-cs"/>
               </a:rPr>
-              <a:t>Một số khái niệm liên quan:</a:t>
+              <a:t>số khái niệm liên quan:</a:t>
             </a:r>
           </a:p>
           <a:p>
@@ -4686,6 +4712,189 @@
     <p:extLst>
       <p:ext uri="{BB962C8B-B14F-4D97-AF65-F5344CB8AC3E}">
         <p14:creationId xmlns:p14="http://schemas.microsoft.com/office/powerpoint/2010/main" val="377025255"/>
+      </p:ext>
+    </p:extLst>
+  </p:cSld>
+  <p:clrMapOvr>
+    <a:masterClrMapping/>
+  </p:clrMapOvr>
+</p:notes>
+</file>
+
+<file path=ppt/notesSlides/notesSlide20.xml><?xml version="1.0" encoding="utf-8"?>
+<p:notes xmlns:a="http://schemas.openxmlformats.org/drawingml/2006/main" xmlns:r="http://schemas.openxmlformats.org/officeDocument/2006/relationships" xmlns:p="http://schemas.openxmlformats.org/presentationml/2006/main">
+  <p:cSld>
+    <p:spTree>
+      <p:nvGrpSpPr>
+        <p:cNvPr id="1" name=""/>
+        <p:cNvGrpSpPr/>
+        <p:nvPr/>
+      </p:nvGrpSpPr>
+      <p:grpSpPr>
+        <a:xfrm>
+          <a:off x="0" y="0"/>
+          <a:ext cx="0" cy="0"/>
+          <a:chOff x="0" y="0"/>
+          <a:chExt cx="0" cy="0"/>
+        </a:xfrm>
+      </p:grpSpPr>
+      <p:sp>
+        <p:nvSpPr>
+          <p:cNvPr id="2" name="Slide Image Placeholder 1"/>
+          <p:cNvSpPr>
+            <a:spLocks noGrp="1" noRot="1" noChangeAspect="1"/>
+          </p:cNvSpPr>
+          <p:nvPr>
+            <p:ph type="sldImg"/>
+          </p:nvPr>
+        </p:nvSpPr>
+        <p:spPr/>
+      </p:sp>
+      <p:sp>
+        <p:nvSpPr>
+          <p:cNvPr id="3" name="Notes Placeholder 2"/>
+          <p:cNvSpPr>
+            <a:spLocks noGrp="1"/>
+          </p:cNvSpPr>
+          <p:nvPr>
+            <p:ph type="body" idx="1"/>
+          </p:nvPr>
+        </p:nvSpPr>
+        <p:spPr/>
+        <p:txBody>
+          <a:bodyPr/>
+          <a:lstStyle/>
+          <a:p>
+            <a:endParaRPr lang="en-US"/>
+          </a:p>
+        </p:txBody>
+      </p:sp>
+    </p:spTree>
+    <p:extLst>
+      <p:ext uri="{BB962C8B-B14F-4D97-AF65-F5344CB8AC3E}">
+        <p14:creationId xmlns:p14="http://schemas.microsoft.com/office/powerpoint/2010/main" val="3087672818"/>
+      </p:ext>
+    </p:extLst>
+  </p:cSld>
+  <p:clrMapOvr>
+    <a:masterClrMapping/>
+  </p:clrMapOvr>
+</p:notes>
+</file>
+
+<file path=ppt/notesSlides/notesSlide21.xml><?xml version="1.0" encoding="utf-8"?>
+<p:notes xmlns:a="http://schemas.openxmlformats.org/drawingml/2006/main" xmlns:r="http://schemas.openxmlformats.org/officeDocument/2006/relationships" xmlns:p="http://schemas.openxmlformats.org/presentationml/2006/main">
+  <p:cSld>
+    <p:spTree>
+      <p:nvGrpSpPr>
+        <p:cNvPr id="1" name=""/>
+        <p:cNvGrpSpPr/>
+        <p:nvPr/>
+      </p:nvGrpSpPr>
+      <p:grpSpPr>
+        <a:xfrm>
+          <a:off x="0" y="0"/>
+          <a:ext cx="0" cy="0"/>
+          <a:chOff x="0" y="0"/>
+          <a:chExt cx="0" cy="0"/>
+        </a:xfrm>
+      </p:grpSpPr>
+      <p:sp>
+        <p:nvSpPr>
+          <p:cNvPr id="2" name="Slide Image Placeholder 1"/>
+          <p:cNvSpPr>
+            <a:spLocks noGrp="1" noRot="1" noChangeAspect="1"/>
+          </p:cNvSpPr>
+          <p:nvPr>
+            <p:ph type="sldImg"/>
+          </p:nvPr>
+        </p:nvSpPr>
+        <p:spPr/>
+      </p:sp>
+      <p:sp>
+        <p:nvSpPr>
+          <p:cNvPr id="3" name="Notes Placeholder 2"/>
+          <p:cNvSpPr>
+            <a:spLocks noGrp="1"/>
+          </p:cNvSpPr>
+          <p:nvPr>
+            <p:ph type="body" idx="1"/>
+          </p:nvPr>
+        </p:nvSpPr>
+        <p:spPr/>
+        <p:txBody>
+          <a:bodyPr/>
+          <a:lstStyle/>
+          <a:p>
+            <a:endParaRPr lang="en-US"/>
+          </a:p>
+        </p:txBody>
+      </p:sp>
+    </p:spTree>
+    <p:extLst>
+      <p:ext uri="{BB962C8B-B14F-4D97-AF65-F5344CB8AC3E}">
+        <p14:creationId xmlns:p14="http://schemas.microsoft.com/office/powerpoint/2010/main" val="3087672818"/>
+      </p:ext>
+    </p:extLst>
+  </p:cSld>
+  <p:clrMapOvr>
+    <a:masterClrMapping/>
+  </p:clrMapOvr>
+</p:notes>
+</file>
+
+<file path=ppt/notesSlides/notesSlide22.xml><?xml version="1.0" encoding="utf-8"?>
+<p:notes xmlns:a="http://schemas.openxmlformats.org/drawingml/2006/main" xmlns:r="http://schemas.openxmlformats.org/officeDocument/2006/relationships" xmlns:p="http://schemas.openxmlformats.org/presentationml/2006/main">
+  <p:cSld>
+    <p:spTree>
+      <p:nvGrpSpPr>
+        <p:cNvPr id="1" name=""/>
+        <p:cNvGrpSpPr/>
+        <p:nvPr/>
+      </p:nvGrpSpPr>
+      <p:grpSpPr>
+        <a:xfrm>
+          <a:off x="0" y="0"/>
+          <a:ext cx="0" cy="0"/>
+          <a:chOff x="0" y="0"/>
+          <a:chExt cx="0" cy="0"/>
+        </a:xfrm>
+      </p:grpSpPr>
+      <p:sp>
+        <p:nvSpPr>
+          <p:cNvPr id="2" name="Slide Image Placeholder 1"/>
+          <p:cNvSpPr>
+            <a:spLocks noGrp="1" noRot="1" noChangeAspect="1"/>
+          </p:cNvSpPr>
+          <p:nvPr>
+            <p:ph type="sldImg"/>
+          </p:nvPr>
+        </p:nvSpPr>
+        <p:spPr/>
+      </p:sp>
+      <p:sp>
+        <p:nvSpPr>
+          <p:cNvPr id="3" name="Notes Placeholder 2"/>
+          <p:cNvSpPr>
+            <a:spLocks noGrp="1"/>
+          </p:cNvSpPr>
+          <p:nvPr>
+            <p:ph type="body" idx="1"/>
+          </p:nvPr>
+        </p:nvSpPr>
+        <p:spPr/>
+        <p:txBody>
+          <a:bodyPr/>
+          <a:lstStyle/>
+          <a:p>
+            <a:endParaRPr lang="en-US"/>
+          </a:p>
+        </p:txBody>
+      </p:sp>
+    </p:spTree>
+    <p:extLst>
+      <p:ext uri="{BB962C8B-B14F-4D97-AF65-F5344CB8AC3E}">
+        <p14:creationId xmlns:p14="http://schemas.microsoft.com/office/powerpoint/2010/main" val="1243872160"/>
       </p:ext>
     </p:extLst>
   </p:cSld>
@@ -4952,35 +5161,38 @@
           <a:bodyPr/>
           <a:lstStyle/>
           <a:p>
-            <a:pPr marL="0" marR="0" indent="0" algn="l" defTabSz="914400" rtl="0" eaLnBrk="1" fontAlgn="auto" latinLnBrk="0" hangingPunct="1">
-              <a:lnSpc>
-                <a:spcPct val="100000"/>
-              </a:lnSpc>
-              <a:spcBef>
-                <a:spcPts val="0"/>
-              </a:spcBef>
-              <a:spcAft>
-                <a:spcPts val="0"/>
-              </a:spcAft>
-              <a:buClrTx/>
-              <a:buSzTx/>
-              <a:buFontTx/>
-              <a:buNone/>
-              <a:tabLst/>
-              <a:defRPr/>
-            </a:pPr>
-            <a:r>
-              <a:rPr lang="en-US" sz="1200" kern="1200" smtClean="0">
-                <a:solidFill>
-                  <a:schemeClr val="tx1"/>
-                </a:solidFill>
-                <a:effectLst/>
-                <a:latin typeface="+mn-lt"/>
-                <a:ea typeface="+mn-ea"/>
-                <a:cs typeface="+mn-cs"/>
-              </a:rPr>
-              <a:t>JNI cung cấp các hàm để native code truy xuất (get/set) các field của object và các static field của class.</a:t>
-            </a:r>
+            <a:r>
+              <a:rPr lang="en-US" b="1" smtClean="0"/>
+              <a:t>Parameters GET</a:t>
+            </a:r>
+            <a:r>
+              <a:rPr lang="en-US" smtClean="0"/>
+              <a:t> </a:t>
+            </a:r>
+          </a:p>
+          <a:p>
+            <a:r>
+              <a:rPr lang="en-US" smtClean="0"/>
+              <a:t>env: JNIEnv interface pointer.</a:t>
+            </a:r>
+          </a:p>
+          <a:p>
+            <a:r>
+              <a:rPr lang="en-US" smtClean="0"/>
+              <a:t>jclass: trỏ đến class có field được truy xuất.</a:t>
+            </a:r>
+          </a:p>
+          <a:p>
+            <a:r>
+              <a:rPr lang="en-US" smtClean="0"/>
+              <a:t>fieldID: một biến có kiểu jfieldID đại diện cho field được truy xuất.</a:t>
+            </a:r>
+          </a:p>
+          <a:p>
+            <a:endParaRPr lang="en-US" smtClean="0"/>
+          </a:p>
+          <a:p>
+            <a:endParaRPr lang="en-US" smtClean="0"/>
           </a:p>
           <a:p>
             <a:endParaRPr lang="en-US"/>
@@ -9412,7 +9624,7 @@
         </p:nvSpPr>
         <p:spPr>
           <a:xfrm>
-            <a:off x="7543800" y="0"/>
+            <a:off x="7467600" y="0"/>
             <a:ext cx="1143000" cy="381000"/>
           </a:xfrm>
           <a:prstGeom prst="rect">
@@ -9523,6 +9735,45 @@
               <a:t>Khoa Công Nghệ Thông Tin</a:t>
             </a:r>
             <a:endParaRPr lang="en-US" sz="2000" b="1">
+              <a:solidFill>
+                <a:schemeClr val="bg1"/>
+              </a:solidFill>
+            </a:endParaRPr>
+          </a:p>
+        </p:txBody>
+      </p:sp>
+      <p:sp>
+        <p:nvSpPr>
+          <p:cNvPr id="13" name="Footer Placeholder 9"/>
+          <p:cNvSpPr>
+            <a:spLocks noGrp="1"/>
+          </p:cNvSpPr>
+          <p:nvPr>
+            <p:ph type="ftr" sz="quarter" idx="4294967295"/>
+          </p:nvPr>
+        </p:nvSpPr>
+        <p:spPr>
+          <a:xfrm>
+            <a:off x="7467600" y="152400"/>
+            <a:ext cx="1752600" cy="228600"/>
+          </a:xfrm>
+          <a:prstGeom prst="rect">
+            <a:avLst/>
+          </a:prstGeom>
+        </p:spPr>
+        <p:txBody>
+          <a:bodyPr/>
+          <a:lstStyle/>
+          <a:p>
+            <a:r>
+              <a:rPr lang="en-US" sz="1000" smtClean="0">
+                <a:solidFill>
+                  <a:schemeClr val="bg1"/>
+                </a:solidFill>
+              </a:rPr>
+              <a:t>www.hcmus.edu.vn</a:t>
+            </a:r>
+            <a:endParaRPr lang="en-US" sz="1000">
               <a:solidFill>
                 <a:schemeClr val="bg1"/>
               </a:solidFill>
@@ -9911,30 +10162,204 @@
             <p:ph idx="1"/>
           </p:nvPr>
         </p:nvSpPr>
-        <p:spPr/>
+        <p:spPr>
+          <a:xfrm>
+            <a:off x="457200" y="1447800"/>
+            <a:ext cx="8534400" cy="4800600"/>
+          </a:xfrm>
+        </p:spPr>
         <p:txBody>
           <a:bodyPr/>
           <a:lstStyle/>
+          <a:p>
+            <a:pPr marL="342900" lvl="1" indent="-342900">
+              <a:buClrTx/>
+              <a:buFont typeface="Wingdings" pitchFamily="2" charset="2"/>
+              <a:buChar char="q"/>
+            </a:pPr>
+            <a:r>
+              <a:rPr lang="en-US" sz="2600" smtClean="0">
+                <a:solidFill>
+                  <a:srgbClr val="000000"/>
+                </a:solidFill>
+                <a:latin typeface="+mj-lt"/>
+              </a:rPr>
+              <a:t>Để get một Field </a:t>
+            </a:r>
+            <a:r>
+              <a:rPr lang="en-US" sz="2600">
+                <a:solidFill>
+                  <a:srgbClr val="000000"/>
+                </a:solidFill>
+                <a:latin typeface="+mj-lt"/>
+              </a:rPr>
+              <a:t>JNI ta dùng các hàm sau:</a:t>
+            </a:r>
+          </a:p>
+          <a:p>
+            <a:pPr marL="0" lvl="1" indent="0">
+              <a:buClrTx/>
+              <a:buNone/>
+            </a:pPr>
+            <a:r>
+              <a:rPr lang="en-US" sz="2600">
+                <a:solidFill>
+                  <a:srgbClr val="000000"/>
+                </a:solidFill>
+                <a:latin typeface="+mj-lt"/>
+              </a:rPr>
+              <a:t>(*env)-&gt;GetAAAField(env, jclass, </a:t>
+            </a:r>
+            <a:r>
+              <a:rPr lang="en-US" sz="2600">
+                <a:solidFill>
+                  <a:srgbClr val="000000"/>
+                </a:solidFill>
+                <a:latin typeface="+mj-lt"/>
+              </a:rPr>
+              <a:t>fieldID</a:t>
+            </a:r>
+            <a:r>
+              <a:rPr lang="en-US" sz="2600" smtClean="0">
+                <a:solidFill>
+                  <a:srgbClr val="000000"/>
+                </a:solidFill>
+                <a:latin typeface="+mj-lt"/>
+              </a:rPr>
+              <a:t>);</a:t>
+            </a:r>
+          </a:p>
+          <a:p>
+            <a:pPr marL="0" lvl="1" indent="0">
+              <a:buClrTx/>
+              <a:buNone/>
+            </a:pPr>
+            <a:endParaRPr lang="en-US" sz="2600" smtClean="0">
+              <a:solidFill>
+                <a:srgbClr val="000000"/>
+              </a:solidFill>
+              <a:latin typeface="+mj-lt"/>
+            </a:endParaRPr>
+          </a:p>
+          <a:p>
+            <a:pPr marL="342900" lvl="1" indent="-342900">
+              <a:buClrTx/>
+              <a:buFont typeface="Wingdings" pitchFamily="2" charset="2"/>
+              <a:buChar char="q"/>
+            </a:pPr>
+            <a:r>
+              <a:rPr lang="en-US" sz="2600">
+                <a:solidFill>
+                  <a:srgbClr val="000000"/>
+                </a:solidFill>
+                <a:latin typeface="+mj-lt"/>
+              </a:rPr>
+              <a:t>Để set giá trị cho Field JNI ta </a:t>
+            </a:r>
+            <a:r>
+              <a:rPr lang="en-US" sz="2600">
+                <a:solidFill>
+                  <a:srgbClr val="000000"/>
+                </a:solidFill>
+                <a:latin typeface="+mj-lt"/>
+              </a:rPr>
+              <a:t>dùng </a:t>
+            </a:r>
+            <a:r>
+              <a:rPr lang="en-US" sz="2600" smtClean="0">
+                <a:solidFill>
+                  <a:srgbClr val="000000"/>
+                </a:solidFill>
+                <a:latin typeface="+mj-lt"/>
+              </a:rPr>
+              <a:t>hàm </a:t>
+            </a:r>
+            <a:r>
+              <a:rPr lang="en-US" sz="2600">
+                <a:solidFill>
+                  <a:srgbClr val="000000"/>
+                </a:solidFill>
+                <a:latin typeface="+mj-lt"/>
+              </a:rPr>
+              <a:t>sau:</a:t>
+            </a:r>
+          </a:p>
+          <a:p>
+            <a:pPr marL="0" lvl="1" indent="0" algn="just">
+              <a:buClrTx/>
+              <a:buNone/>
+            </a:pPr>
+            <a:r>
+              <a:rPr lang="en-US" sz="2600">
+                <a:solidFill>
+                  <a:srgbClr val="000000"/>
+                </a:solidFill>
+                <a:latin typeface="+mj-lt"/>
+              </a:rPr>
+              <a:t>Prototype void </a:t>
+            </a:r>
+            <a:r>
+              <a:rPr lang="en-US" sz="2600" i="1">
+                <a:solidFill>
+                  <a:srgbClr val="000000"/>
+                </a:solidFill>
+                <a:latin typeface="+mj-lt"/>
+              </a:rPr>
+              <a:t>Set&lt;Type&gt;Field</a:t>
+            </a:r>
+            <a:r>
+              <a:rPr lang="en-US" sz="2600">
+                <a:solidFill>
+                  <a:srgbClr val="000000"/>
+                </a:solidFill>
+                <a:latin typeface="+mj-lt"/>
+              </a:rPr>
+              <a:t>(JNIEnv *env, jobject obj,</a:t>
+            </a:r>
+            <a:r>
+              <a:rPr lang="en-US" sz="2600">
+                <a:solidFill>
+                  <a:srgbClr val="000000"/>
+                </a:solidFill>
+                <a:latin typeface="+mj-lt"/>
+              </a:rPr>
+              <a:t> </a:t>
+            </a:r>
+            <a:r>
+              <a:rPr lang="en-US" sz="2600" smtClean="0">
+                <a:solidFill>
+                  <a:srgbClr val="000000"/>
+                </a:solidFill>
+                <a:latin typeface="+mj-lt"/>
+              </a:rPr>
+              <a:t>jfieldID, fielđI, &lt;NativeType&gt; value);</a:t>
+            </a:r>
+            <a:endParaRPr lang="en-US" sz="2600">
+              <a:solidFill>
+                <a:srgbClr val="000000"/>
+              </a:solidFill>
+              <a:latin typeface="+mj-lt"/>
+            </a:endParaRPr>
+          </a:p>
           <a:p>
             <a:pPr>
               <a:buClrTx/>
               <a:buFont typeface="Wingdings" pitchFamily="2" charset="2"/>
               <a:buChar char="q"/>
             </a:pPr>
-            <a:r>
-              <a:rPr lang="en-US" b="0">
-                <a:solidFill>
-                  <a:srgbClr val="000000"/>
-                </a:solidFill>
-              </a:rPr>
-              <a:t>JNI cung cấp các hàm để native code truy xuất (get/set) các field của object và các static field của class.</a:t>
-            </a:r>
-          </a:p>
-          <a:p>
-            <a:endParaRPr lang="en-US" b="0">
+            <a:endParaRPr lang="en-US" sz="2600" b="0">
               <a:solidFill>
                 <a:srgbClr val="000000"/>
               </a:solidFill>
+              <a:latin typeface="+mj-lt"/>
+            </a:endParaRPr>
+          </a:p>
+          <a:p>
+            <a:endParaRPr lang="en-US" sz="2600" b="0">
+              <a:solidFill>
+                <a:srgbClr val="000000"/>
+              </a:solidFill>
+              <a:latin typeface="+mj-lt"/>
             </a:endParaRPr>
           </a:p>
         </p:txBody>
@@ -10143,70 +10568,6 @@
       </p:sp>
       <p:sp>
         <p:nvSpPr>
-          <p:cNvPr id="2" name="Content Placeholder 1"/>
-          <p:cNvSpPr>
-            <a:spLocks noGrp="1"/>
-          </p:cNvSpPr>
-          <p:nvPr>
-            <p:ph idx="1"/>
-          </p:nvPr>
-        </p:nvSpPr>
-        <p:spPr/>
-        <p:txBody>
-          <a:bodyPr/>
-          <a:lstStyle/>
-          <a:p>
-            <a:pPr marL="342900" lvl="1" indent="-342900">
-              <a:buClrTx/>
-              <a:buFont typeface="Wingdings" pitchFamily="2" charset="2"/>
-              <a:buChar char="q"/>
-            </a:pPr>
-            <a:r>
-              <a:rPr lang="en-US" sz="2200">
-                <a:solidFill>
-                  <a:srgbClr val="000000"/>
-                </a:solidFill>
-              </a:rPr>
-              <a:t>Để truy xuất vào một Field JNI </a:t>
-            </a:r>
-            <a:r>
-              <a:rPr lang="en-US" sz="2200" smtClean="0">
-                <a:solidFill>
-                  <a:srgbClr val="000000"/>
-                </a:solidFill>
-              </a:rPr>
-              <a:t>ta dùng các hàm sau:</a:t>
-            </a:r>
-          </a:p>
-          <a:p>
-            <a:pPr marL="0" lvl="1" indent="0">
-              <a:buClrTx/>
-              <a:buNone/>
-            </a:pPr>
-            <a:r>
-              <a:rPr lang="en-US" sz="2200">
-                <a:solidFill>
-                  <a:srgbClr val="000000"/>
-                </a:solidFill>
-              </a:rPr>
-              <a:t>(*env)-&gt;GetAAAField(env, jclass, fieldID);</a:t>
-            </a:r>
-          </a:p>
-          <a:p>
-            <a:pPr marL="0" lvl="1" indent="0">
-              <a:buClrTx/>
-              <a:buNone/>
-            </a:pPr>
-            <a:endParaRPr lang="en-US" sz="2400">
-              <a:solidFill>
-                <a:srgbClr val="000000"/>
-              </a:solidFill>
-            </a:endParaRPr>
-          </a:p>
-        </p:txBody>
-      </p:sp>
-      <p:sp>
-        <p:nvSpPr>
           <p:cNvPr id="4" name="Footer Placeholder 3"/>
           <p:cNvSpPr>
             <a:spLocks noGrp="1"/>
@@ -10266,14 +10627,14 @@
           <p:nvPr>
             <p:extLst>
               <p:ext uri="{D42A27DB-BD31-4B8C-83A1-F6EECF244321}">
-                <p14:modId xmlns:p14="http://schemas.microsoft.com/office/powerpoint/2010/main" val="1746877100"/>
+                <p14:modId xmlns:p14="http://schemas.microsoft.com/office/powerpoint/2010/main" val="3859978028"/>
               </p:ext>
             </p:extLst>
           </p:nvPr>
         </p:nvGraphicFramePr>
         <p:xfrm>
-          <a:off x="1676400" y="2438401"/>
-          <a:ext cx="5867400" cy="3962399"/>
+          <a:off x="1143000" y="1524000"/>
+          <a:ext cx="6629400" cy="4724401"/>
         </p:xfrm>
         <a:graphic>
           <a:graphicData uri="http://schemas.openxmlformats.org/drawingml/2006/table">
@@ -10282,10 +10643,10 @@
                 <a:tableStyleId>{5C22544A-7EE6-4342-B048-85BDC9FD1C3A}</a:tableStyleId>
               </a:tblPr>
               <a:tblGrid>
-                <a:gridCol w="2933700"/>
-                <a:gridCol w="2933700"/>
+                <a:gridCol w="3314700"/>
+                <a:gridCol w="3314700"/>
               </a:tblGrid>
-              <a:tr h="440384">
+              <a:tr h="525073">
                 <a:tc>
                   <a:txBody>
                     <a:bodyPr/>
@@ -10303,12 +10664,12 @@
                         </a:spcAft>
                       </a:pPr>
                       <a:r>
-                        <a:rPr lang="en-US" sz="1800">
+                        <a:rPr lang="en-US" sz="2000">
                           <a:effectLst/>
                         </a:rPr>
                         <a:t>Get&lt;Type&gt;Field</a:t>
                       </a:r>
-                      <a:endParaRPr lang="en-US" sz="1800">
+                      <a:endParaRPr lang="en-US" sz="2000">
                         <a:effectLst/>
                         <a:latin typeface="Times New Roman"/>
                         <a:ea typeface="Calibri"/>
@@ -10335,12 +10696,12 @@
                         </a:spcAft>
                       </a:pPr>
                       <a:r>
-                        <a:rPr lang="en-US" sz="1800">
+                        <a:rPr lang="en-US" sz="2000">
                           <a:effectLst/>
                         </a:rPr>
                         <a:t>&lt;NativeType&gt;</a:t>
                       </a:r>
-                      <a:endParaRPr lang="en-US" sz="1800">
+                      <a:endParaRPr lang="en-US" sz="2000">
                         <a:effectLst/>
                         <a:latin typeface="Times New Roman"/>
                         <a:ea typeface="Calibri"/>
@@ -10351,7 +10712,7 @@
                   <a:tcPr marL="47625" marR="47625" marT="47625" marB="47625" anchor="ctr"/>
                 </a:tc>
               </a:tr>
-              <a:tr h="391335">
+              <a:tr h="466592">
                 <a:tc>
                   <a:txBody>
                     <a:bodyPr/>
@@ -10369,12 +10730,12 @@
                         </a:spcAft>
                       </a:pPr>
                       <a:r>
-                        <a:rPr lang="en-US" sz="1200">
+                        <a:rPr lang="en-US" sz="1400">
                           <a:effectLst/>
                         </a:rPr>
                         <a:t>GetObjectField</a:t>
                       </a:r>
-                      <a:endParaRPr lang="en-US" sz="1800">
+                      <a:endParaRPr lang="en-US" sz="2000">
                         <a:effectLst/>
                         <a:latin typeface="Times New Roman"/>
                         <a:ea typeface="Calibri"/>
@@ -10401,12 +10762,12 @@
                         </a:spcAft>
                       </a:pPr>
                       <a:r>
-                        <a:rPr lang="en-US" sz="1200">
+                        <a:rPr lang="en-US" sz="1400">
                           <a:effectLst/>
                         </a:rPr>
                         <a:t>jobject</a:t>
                       </a:r>
-                      <a:endParaRPr lang="en-US" sz="1800">
+                      <a:endParaRPr lang="en-US" sz="2000">
                         <a:effectLst/>
                         <a:latin typeface="Times New Roman"/>
                         <a:ea typeface="Calibri"/>
@@ -10417,7 +10778,7 @@
                   <a:tcPr marL="47625" marR="47625" marT="47625" marB="47625" anchor="ctr"/>
                 </a:tc>
               </a:tr>
-              <a:tr h="391335">
+              <a:tr h="466592">
                 <a:tc>
                   <a:txBody>
                     <a:bodyPr/>
@@ -10435,12 +10796,12 @@
                         </a:spcAft>
                       </a:pPr>
                       <a:r>
-                        <a:rPr lang="en-US" sz="1200">
+                        <a:rPr lang="en-US" sz="1400">
                           <a:effectLst/>
                         </a:rPr>
                         <a:t>GetBooleanField</a:t>
                       </a:r>
-                      <a:endParaRPr lang="en-US" sz="1800">
+                      <a:endParaRPr lang="en-US" sz="2000">
                         <a:effectLst/>
                         <a:latin typeface="Times New Roman"/>
                         <a:ea typeface="Calibri"/>
@@ -10467,12 +10828,12 @@
                         </a:spcAft>
                       </a:pPr>
                       <a:r>
-                        <a:rPr lang="en-US" sz="1200">
+                        <a:rPr lang="en-US" sz="1400">
                           <a:effectLst/>
                         </a:rPr>
                         <a:t>jboolean</a:t>
                       </a:r>
-                      <a:endParaRPr lang="en-US" sz="1800">
+                      <a:endParaRPr lang="en-US" sz="2000">
                         <a:effectLst/>
                         <a:latin typeface="Times New Roman"/>
                         <a:ea typeface="Calibri"/>
@@ -10483,7 +10844,7 @@
                   <a:tcPr marL="47625" marR="47625" marT="47625" marB="47625" anchor="ctr"/>
                 </a:tc>
               </a:tr>
-              <a:tr h="391335">
+              <a:tr h="466592">
                 <a:tc>
                   <a:txBody>
                     <a:bodyPr/>
@@ -10501,12 +10862,12 @@
                         </a:spcAft>
                       </a:pPr>
                       <a:r>
-                        <a:rPr lang="en-US" sz="1200">
+                        <a:rPr lang="en-US" sz="1400">
                           <a:effectLst/>
                         </a:rPr>
                         <a:t>GetByteField</a:t>
                       </a:r>
-                      <a:endParaRPr lang="en-US" sz="1800">
+                      <a:endParaRPr lang="en-US" sz="2000">
                         <a:effectLst/>
                         <a:latin typeface="Times New Roman"/>
                         <a:ea typeface="Calibri"/>
@@ -10533,12 +10894,12 @@
                         </a:spcAft>
                       </a:pPr>
                       <a:r>
-                        <a:rPr lang="en-US" sz="1200">
+                        <a:rPr lang="en-US" sz="1400">
                           <a:effectLst/>
                         </a:rPr>
                         <a:t>jbyte</a:t>
                       </a:r>
-                      <a:endParaRPr lang="en-US" sz="1800">
+                      <a:endParaRPr lang="en-US" sz="2000">
                         <a:effectLst/>
                         <a:latin typeface="Times New Roman"/>
                         <a:ea typeface="Calibri"/>
@@ -10549,7 +10910,7 @@
                   <a:tcPr marL="47625" marR="47625" marT="47625" marB="47625" anchor="ctr"/>
                 </a:tc>
               </a:tr>
-              <a:tr h="391335">
+              <a:tr h="466592">
                 <a:tc>
                   <a:txBody>
                     <a:bodyPr/>
@@ -10567,12 +10928,12 @@
                         </a:spcAft>
                       </a:pPr>
                       <a:r>
-                        <a:rPr lang="en-US" sz="1200">
+                        <a:rPr lang="en-US" sz="1400">
                           <a:effectLst/>
                         </a:rPr>
                         <a:t>GetCharField</a:t>
                       </a:r>
-                      <a:endParaRPr lang="en-US" sz="1800">
+                      <a:endParaRPr lang="en-US" sz="2000">
                         <a:effectLst/>
                         <a:latin typeface="Times New Roman"/>
                         <a:ea typeface="Calibri"/>
@@ -10599,12 +10960,12 @@
                         </a:spcAft>
                       </a:pPr>
                       <a:r>
-                        <a:rPr lang="en-US" sz="1200">
+                        <a:rPr lang="en-US" sz="1400">
                           <a:effectLst/>
                         </a:rPr>
                         <a:t>jchar</a:t>
                       </a:r>
-                      <a:endParaRPr lang="en-US" sz="1800">
+                      <a:endParaRPr lang="en-US" sz="2000">
                         <a:effectLst/>
                         <a:latin typeface="Times New Roman"/>
                         <a:ea typeface="Calibri"/>
@@ -10615,7 +10976,7 @@
                   <a:tcPr marL="47625" marR="47625" marT="47625" marB="47625" anchor="ctr"/>
                 </a:tc>
               </a:tr>
-              <a:tr h="391335">
+              <a:tr h="466592">
                 <a:tc>
                   <a:txBody>
                     <a:bodyPr/>
@@ -10633,12 +10994,12 @@
                         </a:spcAft>
                       </a:pPr>
                       <a:r>
-                        <a:rPr lang="en-US" sz="1200">
+                        <a:rPr lang="en-US" sz="1400">
                           <a:effectLst/>
                         </a:rPr>
                         <a:t>GetShortField</a:t>
                       </a:r>
-                      <a:endParaRPr lang="en-US" sz="1800">
+                      <a:endParaRPr lang="en-US" sz="2000">
                         <a:effectLst/>
                         <a:latin typeface="Times New Roman"/>
                         <a:ea typeface="Calibri"/>
@@ -10665,12 +11026,12 @@
                         </a:spcAft>
                       </a:pPr>
                       <a:r>
-                        <a:rPr lang="en-US" sz="1200">
+                        <a:rPr lang="en-US" sz="1400">
                           <a:effectLst/>
                         </a:rPr>
                         <a:t>jshort</a:t>
                       </a:r>
-                      <a:endParaRPr lang="en-US" sz="1800">
+                      <a:endParaRPr lang="en-US" sz="2000">
                         <a:effectLst/>
                         <a:latin typeface="Times New Roman"/>
                         <a:ea typeface="Calibri"/>
@@ -10681,7 +11042,7 @@
                   <a:tcPr marL="47625" marR="47625" marT="47625" marB="47625" anchor="ctr"/>
                 </a:tc>
               </a:tr>
-              <a:tr h="391335">
+              <a:tr h="466592">
                 <a:tc>
                   <a:txBody>
                     <a:bodyPr/>
@@ -10699,12 +11060,12 @@
                         </a:spcAft>
                       </a:pPr>
                       <a:r>
-                        <a:rPr lang="en-US" sz="1200">
+                        <a:rPr lang="en-US" sz="1400">
                           <a:effectLst/>
                         </a:rPr>
                         <a:t>GetIntField</a:t>
                       </a:r>
-                      <a:endParaRPr lang="en-US" sz="1800">
+                      <a:endParaRPr lang="en-US" sz="2000">
                         <a:effectLst/>
                         <a:latin typeface="Times New Roman"/>
                         <a:ea typeface="Calibri"/>
@@ -10731,12 +11092,12 @@
                         </a:spcAft>
                       </a:pPr>
                       <a:r>
-                        <a:rPr lang="en-US" sz="1200">
+                        <a:rPr lang="en-US" sz="1400">
                           <a:effectLst/>
                         </a:rPr>
                         <a:t>jint</a:t>
                       </a:r>
-                      <a:endParaRPr lang="en-US" sz="1800">
+                      <a:endParaRPr lang="en-US" sz="2000">
                         <a:effectLst/>
                         <a:latin typeface="Times New Roman"/>
                         <a:ea typeface="Calibri"/>
@@ -10747,7 +11108,7 @@
                   <a:tcPr marL="47625" marR="47625" marT="47625" marB="47625" anchor="ctr"/>
                 </a:tc>
               </a:tr>
-              <a:tr h="391335">
+              <a:tr h="466592">
                 <a:tc>
                   <a:txBody>
                     <a:bodyPr/>
@@ -10765,12 +11126,12 @@
                         </a:spcAft>
                       </a:pPr>
                       <a:r>
-                        <a:rPr lang="en-US" sz="1200">
+                        <a:rPr lang="en-US" sz="1400">
                           <a:effectLst/>
                         </a:rPr>
                         <a:t>GetLongField</a:t>
                       </a:r>
-                      <a:endParaRPr lang="en-US" sz="1800">
+                      <a:endParaRPr lang="en-US" sz="2000">
                         <a:effectLst/>
                         <a:latin typeface="Times New Roman"/>
                         <a:ea typeface="Calibri"/>
@@ -10797,12 +11158,12 @@
                         </a:spcAft>
                       </a:pPr>
                       <a:r>
-                        <a:rPr lang="en-US" sz="1200">
+                        <a:rPr lang="en-US" sz="1400">
                           <a:effectLst/>
                         </a:rPr>
                         <a:t>jlong</a:t>
                       </a:r>
-                      <a:endParaRPr lang="en-US" sz="1800">
+                      <a:endParaRPr lang="en-US" sz="2000">
                         <a:effectLst/>
                         <a:latin typeface="Times New Roman"/>
                         <a:ea typeface="Calibri"/>
@@ -10813,7 +11174,7 @@
                   <a:tcPr marL="47625" marR="47625" marT="47625" marB="47625" anchor="ctr"/>
                 </a:tc>
               </a:tr>
-              <a:tr h="391335">
+              <a:tr h="466592">
                 <a:tc>
                   <a:txBody>
                     <a:bodyPr/>
@@ -10831,12 +11192,12 @@
                         </a:spcAft>
                       </a:pPr>
                       <a:r>
-                        <a:rPr lang="en-US" sz="1200">
+                        <a:rPr lang="en-US" sz="1400">
                           <a:effectLst/>
                         </a:rPr>
                         <a:t>GetFloatField</a:t>
                       </a:r>
-                      <a:endParaRPr lang="en-US" sz="1800">
+                      <a:endParaRPr lang="en-US" sz="2000">
                         <a:effectLst/>
                         <a:latin typeface="Times New Roman"/>
                         <a:ea typeface="Calibri"/>
@@ -10863,12 +11224,12 @@
                         </a:spcAft>
                       </a:pPr>
                       <a:r>
-                        <a:rPr lang="en-US" sz="1200">
+                        <a:rPr lang="en-US" sz="1400">
                           <a:effectLst/>
                         </a:rPr>
                         <a:t>jfloat</a:t>
                       </a:r>
-                      <a:endParaRPr lang="en-US" sz="1800">
+                      <a:endParaRPr lang="en-US" sz="2000">
                         <a:effectLst/>
                         <a:latin typeface="Times New Roman"/>
                         <a:ea typeface="Calibri"/>
@@ -10879,7 +11240,7 @@
                   <a:tcPr marL="47625" marR="47625" marT="47625" marB="47625" anchor="ctr"/>
                 </a:tc>
               </a:tr>
-              <a:tr h="391335">
+              <a:tr h="466592">
                 <a:tc>
                   <a:txBody>
                     <a:bodyPr/>
@@ -10897,12 +11258,12 @@
                         </a:spcAft>
                       </a:pPr>
                       <a:r>
-                        <a:rPr lang="en-US" sz="1200">
+                        <a:rPr lang="en-US" sz="1400">
                           <a:effectLst/>
                         </a:rPr>
                         <a:t>GetDoubleField</a:t>
                       </a:r>
-                      <a:endParaRPr lang="en-US" sz="1800">
+                      <a:endParaRPr lang="en-US" sz="2000">
                         <a:effectLst/>
                         <a:latin typeface="Times New Roman"/>
                         <a:ea typeface="Calibri"/>
@@ -10929,12 +11290,12 @@
                         </a:spcAft>
                       </a:pPr>
                       <a:r>
-                        <a:rPr lang="en-US" sz="1200">
+                        <a:rPr lang="en-US" sz="1400">
                           <a:effectLst/>
                         </a:rPr>
                         <a:t>jdouble</a:t>
                       </a:r>
-                      <a:endParaRPr lang="en-US" sz="1800">
+                      <a:endParaRPr lang="en-US" sz="2000">
                         <a:effectLst/>
                         <a:latin typeface="Times New Roman"/>
                         <a:ea typeface="Calibri"/>
@@ -11101,133 +11462,6 @@
       </p:sp>
       <p:sp>
         <p:nvSpPr>
-          <p:cNvPr id="2" name="Content Placeholder 1"/>
-          <p:cNvSpPr>
-            <a:spLocks noGrp="1"/>
-          </p:cNvSpPr>
-          <p:nvPr>
-            <p:ph idx="1"/>
-          </p:nvPr>
-        </p:nvSpPr>
-        <p:spPr/>
-        <p:txBody>
-          <a:bodyPr/>
-          <a:lstStyle/>
-          <a:p>
-            <a:pPr marL="342900" lvl="1" indent="-342900">
-              <a:buClrTx/>
-              <a:buFont typeface="Wingdings" pitchFamily="2" charset="2"/>
-              <a:buChar char="q"/>
-            </a:pPr>
-            <a:r>
-              <a:rPr lang="en-US" sz="2200">
-                <a:solidFill>
-                  <a:srgbClr val="000000"/>
-                </a:solidFill>
-              </a:rPr>
-              <a:t>Để </a:t>
-            </a:r>
-            <a:r>
-              <a:rPr lang="en-US" sz="2200" smtClean="0">
-                <a:solidFill>
-                  <a:srgbClr val="000000"/>
-                </a:solidFill>
-              </a:rPr>
-              <a:t>set giá trị cho Field </a:t>
-            </a:r>
-            <a:r>
-              <a:rPr lang="en-US" sz="2200">
-                <a:solidFill>
-                  <a:srgbClr val="000000"/>
-                </a:solidFill>
-              </a:rPr>
-              <a:t>JNI </a:t>
-            </a:r>
-            <a:r>
-              <a:rPr lang="en-US" sz="2200" smtClean="0">
-                <a:solidFill>
-                  <a:srgbClr val="000000"/>
-                </a:solidFill>
-              </a:rPr>
-              <a:t>ta dùng các hàm sau:</a:t>
-            </a:r>
-          </a:p>
-          <a:p>
-            <a:pPr marL="0" lvl="1" indent="0">
-              <a:buClrTx/>
-              <a:buNone/>
-            </a:pPr>
-            <a:r>
-              <a:rPr lang="en-US" sz="2200">
-                <a:solidFill>
-                  <a:srgbClr val="000000"/>
-                </a:solidFill>
-              </a:rPr>
-              <a:t>Prototype void </a:t>
-            </a:r>
-            <a:r>
-              <a:rPr lang="en-US" sz="2200" i="1">
-                <a:solidFill>
-                  <a:srgbClr val="000000"/>
-                </a:solidFill>
-              </a:rPr>
-              <a:t>Set&lt;Type&gt;Field</a:t>
-            </a:r>
-            <a:r>
-              <a:rPr lang="en-US" sz="2200">
-                <a:solidFill>
-                  <a:srgbClr val="000000"/>
-                </a:solidFill>
-              </a:rPr>
-              <a:t>(JNIEnv *env, jobject obj, </a:t>
-            </a:r>
-            <a:br>
-              <a:rPr lang="en-US" sz="2200">
-                <a:solidFill>
-                  <a:srgbClr val="000000"/>
-                </a:solidFill>
-              </a:rPr>
-            </a:br>
-            <a:r>
-              <a:rPr lang="en-US" sz="2200">
-                <a:solidFill>
-                  <a:srgbClr val="000000"/>
-                </a:solidFill>
-              </a:rPr>
-              <a:t>jfieldID fieldID,</a:t>
-            </a:r>
-            <a:r>
-              <a:rPr lang="en-US" sz="2200" i="1">
-                <a:solidFill>
-                  <a:srgbClr val="000000"/>
-                </a:solidFill>
-              </a:rPr>
-              <a:t> &lt;NativeType&gt;</a:t>
-            </a:r>
-            <a:r>
-              <a:rPr lang="en-US" sz="2200">
-                <a:solidFill>
-                  <a:srgbClr val="000000"/>
-                </a:solidFill>
-              </a:rPr>
-              <a:t> value);</a:t>
-            </a:r>
-          </a:p>
-          <a:p>
-            <a:pPr marL="0" lvl="1" indent="0">
-              <a:buClrTx/>
-              <a:buNone/>
-            </a:pPr>
-            <a:endParaRPr lang="en-US" sz="2400">
-              <a:solidFill>
-                <a:srgbClr val="000000"/>
-              </a:solidFill>
-            </a:endParaRPr>
-          </a:p>
-        </p:txBody>
-      </p:sp>
-      <p:sp>
-        <p:nvSpPr>
           <p:cNvPr id="4" name="Footer Placeholder 3"/>
           <p:cNvSpPr>
             <a:spLocks noGrp="1"/>
@@ -11287,14 +11521,14 @@
           <p:nvPr>
             <p:extLst>
               <p:ext uri="{D42A27DB-BD31-4B8C-83A1-F6EECF244321}">
-                <p14:modId xmlns:p14="http://schemas.microsoft.com/office/powerpoint/2010/main" val="2537665614"/>
+                <p14:modId xmlns:p14="http://schemas.microsoft.com/office/powerpoint/2010/main" val="2050890712"/>
               </p:ext>
             </p:extLst>
           </p:nvPr>
         </p:nvGraphicFramePr>
         <p:xfrm>
-          <a:off x="1676400" y="2819400"/>
-          <a:ext cx="5791200" cy="3581403"/>
+          <a:off x="1143000" y="1523997"/>
+          <a:ext cx="6629400" cy="4724402"/>
         </p:xfrm>
         <a:graphic>
           <a:graphicData uri="http://schemas.openxmlformats.org/drawingml/2006/table">
@@ -11303,10 +11537,10 @@
                 <a:tableStyleId>{5C22544A-7EE6-4342-B048-85BDC9FD1C3A}</a:tableStyleId>
               </a:tblPr>
               <a:tblGrid>
-                <a:gridCol w="2895600"/>
-                <a:gridCol w="2895600"/>
+                <a:gridCol w="3314700"/>
+                <a:gridCol w="3314700"/>
               </a:tblGrid>
-              <a:tr h="398040">
+              <a:tr h="525074">
                 <a:tc>
                   <a:txBody>
                     <a:bodyPr/>
@@ -11324,12 +11558,12 @@
                         </a:spcAft>
                       </a:pPr>
                       <a:r>
-                        <a:rPr lang="en-US" sz="1200">
+                        <a:rPr lang="en-US" sz="2000">
                           <a:effectLst/>
                         </a:rPr>
                         <a:t>Set&lt;Type&gt;Field</a:t>
                       </a:r>
-                      <a:endParaRPr lang="en-US" sz="1300">
+                      <a:endParaRPr lang="en-US" sz="2000">
                         <a:effectLst/>
                         <a:latin typeface="Times New Roman"/>
                         <a:ea typeface="Calibri"/>
@@ -11356,12 +11590,12 @@
                         </a:spcAft>
                       </a:pPr>
                       <a:r>
-                        <a:rPr lang="en-US" sz="1200">
+                        <a:rPr lang="en-US" sz="2000">
                           <a:effectLst/>
                         </a:rPr>
                         <a:t>&lt;NativeType&gt;</a:t>
                       </a:r>
-                      <a:endParaRPr lang="en-US" sz="1300">
+                      <a:endParaRPr lang="en-US" sz="2000">
                         <a:effectLst/>
                         <a:latin typeface="Times New Roman"/>
                         <a:ea typeface="Calibri"/>
@@ -11372,7 +11606,7 @@
                   <a:tcPr marL="47625" marR="47625" marT="47625" marB="47625" anchor="ctr"/>
                 </a:tc>
               </a:tr>
-              <a:tr h="353707">
+              <a:tr h="466592">
                 <a:tc>
                   <a:txBody>
                     <a:bodyPr/>
@@ -11390,12 +11624,12 @@
                         </a:spcAft>
                       </a:pPr>
                       <a:r>
-                        <a:rPr lang="en-US" sz="1000">
+                        <a:rPr lang="en-US" sz="1400">
                           <a:effectLst/>
                         </a:rPr>
                         <a:t>SetObjectField</a:t>
                       </a:r>
-                      <a:endParaRPr lang="en-US" sz="1300">
+                      <a:endParaRPr lang="en-US" sz="2000">
                         <a:effectLst/>
                         <a:latin typeface="Times New Roman"/>
                         <a:ea typeface="Calibri"/>
@@ -11422,12 +11656,12 @@
                         </a:spcAft>
                       </a:pPr>
                       <a:r>
-                        <a:rPr lang="en-US" sz="1000">
+                        <a:rPr lang="en-US" sz="1400">
                           <a:effectLst/>
                         </a:rPr>
                         <a:t>jobject</a:t>
                       </a:r>
-                      <a:endParaRPr lang="en-US" sz="1300">
+                      <a:endParaRPr lang="en-US" sz="2000">
                         <a:effectLst/>
                         <a:latin typeface="Times New Roman"/>
                         <a:ea typeface="Calibri"/>
@@ -11438,7 +11672,7 @@
                   <a:tcPr marL="47625" marR="47625" marT="47625" marB="47625" anchor="ctr"/>
                 </a:tc>
               </a:tr>
-              <a:tr h="353707">
+              <a:tr h="466592">
                 <a:tc>
                   <a:txBody>
                     <a:bodyPr/>
@@ -11456,12 +11690,12 @@
                         </a:spcAft>
                       </a:pPr>
                       <a:r>
-                        <a:rPr lang="en-US" sz="1000">
+                        <a:rPr lang="en-US" sz="1400">
                           <a:effectLst/>
                         </a:rPr>
                         <a:t>SetBooleanField</a:t>
                       </a:r>
-                      <a:endParaRPr lang="en-US" sz="1300">
+                      <a:endParaRPr lang="en-US" sz="2000">
                         <a:effectLst/>
                         <a:latin typeface="Times New Roman"/>
                         <a:ea typeface="Calibri"/>
@@ -11488,12 +11722,12 @@
                         </a:spcAft>
                       </a:pPr>
                       <a:r>
-                        <a:rPr lang="en-US" sz="1000">
+                        <a:rPr lang="en-US" sz="1400">
                           <a:effectLst/>
                         </a:rPr>
                         <a:t>jboolean</a:t>
                       </a:r>
-                      <a:endParaRPr lang="en-US" sz="1300">
+                      <a:endParaRPr lang="en-US" sz="2000">
                         <a:effectLst/>
                         <a:latin typeface="Times New Roman"/>
                         <a:ea typeface="Calibri"/>
@@ -11504,7 +11738,7 @@
                   <a:tcPr marL="47625" marR="47625" marT="47625" marB="47625" anchor="ctr"/>
                 </a:tc>
               </a:tr>
-              <a:tr h="353707">
+              <a:tr h="466592">
                 <a:tc>
                   <a:txBody>
                     <a:bodyPr/>
@@ -11522,12 +11756,12 @@
                         </a:spcAft>
                       </a:pPr>
                       <a:r>
-                        <a:rPr lang="en-US" sz="1000">
+                        <a:rPr lang="en-US" sz="1400">
                           <a:effectLst/>
                         </a:rPr>
                         <a:t>SetByteField</a:t>
                       </a:r>
-                      <a:endParaRPr lang="en-US" sz="1300">
+                      <a:endParaRPr lang="en-US" sz="2000">
                         <a:effectLst/>
                         <a:latin typeface="Times New Roman"/>
                         <a:ea typeface="Calibri"/>
@@ -11554,12 +11788,12 @@
                         </a:spcAft>
                       </a:pPr>
                       <a:r>
-                        <a:rPr lang="en-US" sz="1000">
+                        <a:rPr lang="en-US" sz="1400">
                           <a:effectLst/>
                         </a:rPr>
                         <a:t>jbyte</a:t>
                       </a:r>
-                      <a:endParaRPr lang="en-US" sz="1300">
+                      <a:endParaRPr lang="en-US" sz="2000">
                         <a:effectLst/>
                         <a:latin typeface="Times New Roman"/>
                         <a:ea typeface="Calibri"/>
@@ -11570,7 +11804,7 @@
                   <a:tcPr marL="47625" marR="47625" marT="47625" marB="47625" anchor="ctr"/>
                 </a:tc>
               </a:tr>
-              <a:tr h="353707">
+              <a:tr h="466592">
                 <a:tc>
                   <a:txBody>
                     <a:bodyPr/>
@@ -11588,12 +11822,12 @@
                         </a:spcAft>
                       </a:pPr>
                       <a:r>
-                        <a:rPr lang="en-US" sz="1000">
+                        <a:rPr lang="en-US" sz="1400">
                           <a:effectLst/>
                         </a:rPr>
                         <a:t>SetCharField</a:t>
                       </a:r>
-                      <a:endParaRPr lang="en-US" sz="1300">
+                      <a:endParaRPr lang="en-US" sz="2000">
                         <a:effectLst/>
                         <a:latin typeface="Times New Roman"/>
                         <a:ea typeface="Calibri"/>
@@ -11620,12 +11854,12 @@
                         </a:spcAft>
                       </a:pPr>
                       <a:r>
-                        <a:rPr lang="en-US" sz="1000">
+                        <a:rPr lang="en-US" sz="1400">
                           <a:effectLst/>
                         </a:rPr>
                         <a:t>jchar</a:t>
                       </a:r>
-                      <a:endParaRPr lang="en-US" sz="1300">
+                      <a:endParaRPr lang="en-US" sz="2000">
                         <a:effectLst/>
                         <a:latin typeface="Times New Roman"/>
                         <a:ea typeface="Calibri"/>
@@ -11636,7 +11870,7 @@
                   <a:tcPr marL="47625" marR="47625" marT="47625" marB="47625" anchor="ctr"/>
                 </a:tc>
               </a:tr>
-              <a:tr h="353707">
+              <a:tr h="466592">
                 <a:tc>
                   <a:txBody>
                     <a:bodyPr/>
@@ -11654,12 +11888,12 @@
                         </a:spcAft>
                       </a:pPr>
                       <a:r>
-                        <a:rPr lang="en-US" sz="1000">
+                        <a:rPr lang="en-US" sz="1400">
                           <a:effectLst/>
                         </a:rPr>
                         <a:t>SetShortField</a:t>
                       </a:r>
-                      <a:endParaRPr lang="en-US" sz="1300">
+                      <a:endParaRPr lang="en-US" sz="2000">
                         <a:effectLst/>
                         <a:latin typeface="Times New Roman"/>
                         <a:ea typeface="Calibri"/>
@@ -11686,12 +11920,12 @@
                         </a:spcAft>
                       </a:pPr>
                       <a:r>
-                        <a:rPr lang="en-US" sz="1000">
+                        <a:rPr lang="en-US" sz="1400">
                           <a:effectLst/>
                         </a:rPr>
                         <a:t>jshort</a:t>
                       </a:r>
-                      <a:endParaRPr lang="en-US" sz="1300">
+                      <a:endParaRPr lang="en-US" sz="2000">
                         <a:effectLst/>
                         <a:latin typeface="Times New Roman"/>
                         <a:ea typeface="Calibri"/>
@@ -11702,7 +11936,7 @@
                   <a:tcPr marL="47625" marR="47625" marT="47625" marB="47625" anchor="ctr"/>
                 </a:tc>
               </a:tr>
-              <a:tr h="353707">
+              <a:tr h="466592">
                 <a:tc>
                   <a:txBody>
                     <a:bodyPr/>
@@ -11720,12 +11954,12 @@
                         </a:spcAft>
                       </a:pPr>
                       <a:r>
-                        <a:rPr lang="en-US" sz="1000">
+                        <a:rPr lang="en-US" sz="1400">
                           <a:effectLst/>
                         </a:rPr>
                         <a:t>SetIntField</a:t>
                       </a:r>
-                      <a:endParaRPr lang="en-US" sz="1300">
+                      <a:endParaRPr lang="en-US" sz="2000">
                         <a:effectLst/>
                         <a:latin typeface="Times New Roman"/>
                         <a:ea typeface="Calibri"/>
@@ -11752,12 +11986,12 @@
                         </a:spcAft>
                       </a:pPr>
                       <a:r>
-                        <a:rPr lang="en-US" sz="1000">
+                        <a:rPr lang="en-US" sz="1400">
                           <a:effectLst/>
                         </a:rPr>
                         <a:t>jint</a:t>
                       </a:r>
-                      <a:endParaRPr lang="en-US" sz="1300">
+                      <a:endParaRPr lang="en-US" sz="2000">
                         <a:effectLst/>
                         <a:latin typeface="Times New Roman"/>
                         <a:ea typeface="Calibri"/>
@@ -11768,7 +12002,7 @@
                   <a:tcPr marL="47625" marR="47625" marT="47625" marB="47625" anchor="ctr"/>
                 </a:tc>
               </a:tr>
-              <a:tr h="353707">
+              <a:tr h="466592">
                 <a:tc>
                   <a:txBody>
                     <a:bodyPr/>
@@ -11786,12 +12020,12 @@
                         </a:spcAft>
                       </a:pPr>
                       <a:r>
-                        <a:rPr lang="en-US" sz="1000">
+                        <a:rPr lang="en-US" sz="1400">
                           <a:effectLst/>
                         </a:rPr>
                         <a:t>SetLongField</a:t>
                       </a:r>
-                      <a:endParaRPr lang="en-US" sz="1300">
+                      <a:endParaRPr lang="en-US" sz="2000">
                         <a:effectLst/>
                         <a:latin typeface="Times New Roman"/>
                         <a:ea typeface="Calibri"/>
@@ -11818,12 +12052,12 @@
                         </a:spcAft>
                       </a:pPr>
                       <a:r>
-                        <a:rPr lang="en-US" sz="1000">
+                        <a:rPr lang="en-US" sz="1400">
                           <a:effectLst/>
                         </a:rPr>
                         <a:t>jlong</a:t>
                       </a:r>
-                      <a:endParaRPr lang="en-US" sz="1300">
+                      <a:endParaRPr lang="en-US" sz="2000">
                         <a:effectLst/>
                         <a:latin typeface="Times New Roman"/>
                         <a:ea typeface="Calibri"/>
@@ -11834,7 +12068,7 @@
                   <a:tcPr marL="47625" marR="47625" marT="47625" marB="47625" anchor="ctr"/>
                 </a:tc>
               </a:tr>
-              <a:tr h="353707">
+              <a:tr h="466592">
                 <a:tc>
                   <a:txBody>
                     <a:bodyPr/>
@@ -11852,12 +12086,12 @@
                         </a:spcAft>
                       </a:pPr>
                       <a:r>
-                        <a:rPr lang="en-US" sz="1000">
+                        <a:rPr lang="en-US" sz="1400">
                           <a:effectLst/>
                         </a:rPr>
                         <a:t>SetFloatField</a:t>
                       </a:r>
-                      <a:endParaRPr lang="en-US" sz="1300">
+                      <a:endParaRPr lang="en-US" sz="2000">
                         <a:effectLst/>
                         <a:latin typeface="Times New Roman"/>
                         <a:ea typeface="Calibri"/>
@@ -11884,12 +12118,12 @@
                         </a:spcAft>
                       </a:pPr>
                       <a:r>
-                        <a:rPr lang="en-US" sz="1000">
+                        <a:rPr lang="en-US" sz="1400">
                           <a:effectLst/>
                         </a:rPr>
                         <a:t>jfloat</a:t>
                       </a:r>
-                      <a:endParaRPr lang="en-US" sz="1300">
+                      <a:endParaRPr lang="en-US" sz="2000">
                         <a:effectLst/>
                         <a:latin typeface="Times New Roman"/>
                         <a:ea typeface="Calibri"/>
@@ -11900,7 +12134,7 @@
                   <a:tcPr marL="47625" marR="47625" marT="47625" marB="47625" anchor="ctr"/>
                 </a:tc>
               </a:tr>
-              <a:tr h="353707">
+              <a:tr h="466592">
                 <a:tc>
                   <a:txBody>
                     <a:bodyPr/>
@@ -11918,12 +12152,12 @@
                         </a:spcAft>
                       </a:pPr>
                       <a:r>
-                        <a:rPr lang="en-US" sz="1000">
+                        <a:rPr lang="en-US" sz="1400">
                           <a:effectLst/>
                         </a:rPr>
                         <a:t>SetDoubleField</a:t>
                       </a:r>
-                      <a:endParaRPr lang="en-US" sz="1300">
+                      <a:endParaRPr lang="en-US" sz="2000">
                         <a:effectLst/>
                         <a:latin typeface="Times New Roman"/>
                         <a:ea typeface="Calibri"/>
@@ -11950,12 +12184,12 @@
                         </a:spcAft>
                       </a:pPr>
                       <a:r>
-                        <a:rPr lang="en-US" sz="1000">
+                        <a:rPr lang="en-US" sz="1400">
                           <a:effectLst/>
                         </a:rPr>
                         <a:t>jdouble</a:t>
                       </a:r>
-                      <a:endParaRPr lang="en-US" sz="1300">
+                      <a:endParaRPr lang="en-US" sz="2000">
                         <a:effectLst/>
                         <a:latin typeface="Times New Roman"/>
                         <a:ea typeface="Calibri"/>
@@ -12130,7 +12364,12 @@
             <p:ph idx="1"/>
           </p:nvPr>
         </p:nvSpPr>
-        <p:spPr/>
+        <p:spPr>
+          <a:xfrm>
+            <a:off x="457200" y="1447800"/>
+            <a:ext cx="8534400" cy="4800600"/>
+          </a:xfrm>
+        </p:spPr>
         <p:txBody>
           <a:bodyPr/>
           <a:lstStyle/>
@@ -12212,7 +12451,50 @@
                 <a:latin typeface="Arial" pitchFamily="34" charset="0"/>
                 <a:cs typeface="Arial" pitchFamily="34" charset="0"/>
               </a:rPr>
-              <a:t>Với các kiểu dữ liệu khác thì mô tả theo package name của nó. Chẳng hạn như kiểu String có thuộc package: java.lang.String thì chuỗi mô tả tương ứng là “Ljava/lang/String</a:t>
+              <a:t>Với các kiểu dữ liệu khác thì mô tả theo package name của nó. </a:t>
+            </a:r>
+            <a:endParaRPr lang="en-US" b="0" smtClean="0">
+              <a:solidFill>
+                <a:srgbClr val="000000"/>
+              </a:solidFill>
+              <a:latin typeface="Arial" pitchFamily="34" charset="0"/>
+              <a:cs typeface="Arial" pitchFamily="34" charset="0"/>
+            </a:endParaRPr>
+          </a:p>
+          <a:p>
+            <a:pPr marL="0" indent="0">
+              <a:buClrTx/>
+              <a:buNone/>
+            </a:pPr>
+            <a:r>
+              <a:rPr lang="en-US" b="0">
+                <a:solidFill>
+                  <a:srgbClr val="000000"/>
+                </a:solidFill>
+                <a:latin typeface="Arial" pitchFamily="34" charset="0"/>
+                <a:cs typeface="Arial" pitchFamily="34" charset="0"/>
+              </a:rPr>
+              <a:t>	</a:t>
+            </a:r>
+            <a:r>
+              <a:rPr lang="en-US" b="0" smtClean="0">
+                <a:solidFill>
+                  <a:srgbClr val="000000"/>
+                </a:solidFill>
+                <a:latin typeface="Arial" pitchFamily="34" charset="0"/>
+                <a:cs typeface="Arial" pitchFamily="34" charset="0"/>
+              </a:rPr>
+              <a:t>Chẳng </a:t>
+            </a:r>
+            <a:r>
+              <a:rPr lang="en-US" b="0">
+                <a:solidFill>
+                  <a:srgbClr val="000000"/>
+                </a:solidFill>
+                <a:latin typeface="Arial" pitchFamily="34" charset="0"/>
+                <a:cs typeface="Arial" pitchFamily="34" charset="0"/>
+              </a:rPr>
+              <a:t>hạn như kiểu String có thuộc package: java.lang.String thì chuỗi mô tả tương ứng là “Ljava/lang/String</a:t>
             </a:r>
             <a:r>
               <a:rPr lang="en-US" b="0" smtClean="0">
@@ -12406,7 +12688,52 @@
                   <a:reflection blurRad="12700" stA="28000" endPos="45000" dist="1000" dir="5400000" sy="-100000" algn="bl" rotWithShape="0"/>
                 </a:effectLst>
               </a:rPr>
-              <a:t>2.3.1 truy xuất method</a:t>
+              <a:t>2.3.2 </a:t>
+            </a:r>
+            <a:r>
+              <a:rPr lang="en-US" sz="2850" cap="all" smtClean="0">
+                <a:ln w="9000" cmpd="sng">
+                  <a:solidFill>
+                    <a:schemeClr val="accent4">
+                      <a:shade val="50000"/>
+                      <a:satMod val="120000"/>
+                    </a:schemeClr>
+                  </a:solidFill>
+                  <a:prstDash val="solid"/>
+                </a:ln>
+                <a:gradFill>
+                  <a:gsLst>
+                    <a:gs pos="0">
+                      <a:schemeClr val="accent4">
+                        <a:shade val="20000"/>
+                        <a:satMod val="245000"/>
+                      </a:schemeClr>
+                    </a:gs>
+                    <a:gs pos="43000">
+                      <a:schemeClr val="accent4">
+                        <a:satMod val="255000"/>
+                      </a:schemeClr>
+                    </a:gs>
+                    <a:gs pos="48000">
+                      <a:schemeClr val="accent4">
+                        <a:shade val="85000"/>
+                        <a:satMod val="255000"/>
+                      </a:schemeClr>
+                    </a:gs>
+                    <a:gs pos="100000">
+                      <a:schemeClr val="accent4">
+                        <a:shade val="20000"/>
+                        <a:satMod val="245000"/>
+                      </a:schemeClr>
+                    </a:gs>
+                  </a:gsLst>
+                  <a:lin ang="5400000"/>
+                </a:gradFill>
+                <a:effectLst>
+                  <a:reflection blurRad="12700" stA="28000" endPos="45000" dist="1000" dir="5400000" sy="-100000" algn="bl" rotWithShape="0"/>
+                </a:effectLst>
+              </a:rPr>
+              <a:t>truy xuất method</a:t>
             </a:r>
             <a:endParaRPr lang="en-US" sz="2850" cap="all">
               <a:ln w="9000" cmpd="sng">
@@ -12466,7 +12793,7 @@
         <p:spPr>
           <a:xfrm>
             <a:off x="457200" y="1447800"/>
-            <a:ext cx="8686800" cy="4800600"/>
+            <a:ext cx="8534400" cy="4800600"/>
           </a:xfrm>
         </p:spPr>
         <p:txBody>
@@ -12502,7 +12829,7 @@
             </a:r>
           </a:p>
           <a:p>
-            <a:pPr>
+            <a:pPr algn="just">
               <a:buClrTx/>
               <a:buFont typeface="Wingdings" pitchFamily="2" charset="2"/>
               <a:buChar char="q"/>
@@ -12742,7 +13069,52 @@
                   <a:reflection blurRad="12700" stA="28000" endPos="45000" dist="1000" dir="5400000" sy="-100000" algn="bl" rotWithShape="0"/>
                 </a:effectLst>
               </a:rPr>
-              <a:t>2.3.1 truy xuất method</a:t>
+              <a:t>2.3.2 </a:t>
+            </a:r>
+            <a:r>
+              <a:rPr lang="en-US" sz="2850" cap="all" smtClean="0">
+                <a:ln w="9000" cmpd="sng">
+                  <a:solidFill>
+                    <a:schemeClr val="accent4">
+                      <a:shade val="50000"/>
+                      <a:satMod val="120000"/>
+                    </a:schemeClr>
+                  </a:solidFill>
+                  <a:prstDash val="solid"/>
+                </a:ln>
+                <a:gradFill>
+                  <a:gsLst>
+                    <a:gs pos="0">
+                      <a:schemeClr val="accent4">
+                        <a:shade val="20000"/>
+                        <a:satMod val="245000"/>
+                      </a:schemeClr>
+                    </a:gs>
+                    <a:gs pos="43000">
+                      <a:schemeClr val="accent4">
+                        <a:satMod val="255000"/>
+                      </a:schemeClr>
+                    </a:gs>
+                    <a:gs pos="48000">
+                      <a:schemeClr val="accent4">
+                        <a:shade val="85000"/>
+                        <a:satMod val="255000"/>
+                      </a:schemeClr>
+                    </a:gs>
+                    <a:gs pos="100000">
+                      <a:schemeClr val="accent4">
+                        <a:shade val="20000"/>
+                        <a:satMod val="245000"/>
+                      </a:schemeClr>
+                    </a:gs>
+                  </a:gsLst>
+                  <a:lin ang="5400000"/>
+                </a:gradFill>
+                <a:effectLst>
+                  <a:reflection blurRad="12700" stA="28000" endPos="45000" dist="1000" dir="5400000" sy="-100000" algn="bl" rotWithShape="0"/>
+                </a:effectLst>
+              </a:rPr>
+              <a:t>truy xuất method</a:t>
             </a:r>
             <a:endParaRPr lang="en-US" sz="2850" cap="all">
               <a:ln w="9000" cmpd="sng">
@@ -13702,7 +14074,52 @@
                   <a:reflection blurRad="12700" stA="28000" endPos="45000" dist="1000" dir="5400000" sy="-100000" algn="bl" rotWithShape="0"/>
                 </a:effectLst>
               </a:rPr>
-              <a:t>2.3.1 truy xuất method</a:t>
+              <a:t>2.3.2 </a:t>
+            </a:r>
+            <a:r>
+              <a:rPr lang="en-US" sz="2850" cap="all" smtClean="0">
+                <a:ln w="9000" cmpd="sng">
+                  <a:solidFill>
+                    <a:schemeClr val="accent4">
+                      <a:shade val="50000"/>
+                      <a:satMod val="120000"/>
+                    </a:schemeClr>
+                  </a:solidFill>
+                  <a:prstDash val="solid"/>
+                </a:ln>
+                <a:gradFill>
+                  <a:gsLst>
+                    <a:gs pos="0">
+                      <a:schemeClr val="accent4">
+                        <a:shade val="20000"/>
+                        <a:satMod val="245000"/>
+                      </a:schemeClr>
+                    </a:gs>
+                    <a:gs pos="43000">
+                      <a:schemeClr val="accent4">
+                        <a:satMod val="255000"/>
+                      </a:schemeClr>
+                    </a:gs>
+                    <a:gs pos="48000">
+                      <a:schemeClr val="accent4">
+                        <a:shade val="85000"/>
+                        <a:satMod val="255000"/>
+                      </a:schemeClr>
+                    </a:gs>
+                    <a:gs pos="100000">
+                      <a:schemeClr val="accent4">
+                        <a:shade val="20000"/>
+                        <a:satMod val="245000"/>
+                      </a:schemeClr>
+                    </a:gs>
+                  </a:gsLst>
+                  <a:lin ang="5400000"/>
+                </a:gradFill>
+                <a:effectLst>
+                  <a:reflection blurRad="12700" stA="28000" endPos="45000" dist="1000" dir="5400000" sy="-100000" algn="bl" rotWithShape="0"/>
+                </a:effectLst>
+              </a:rPr>
+              <a:t>truy xuất method</a:t>
             </a:r>
             <a:endParaRPr lang="en-US" sz="2850" cap="all">
               <a:ln w="9000" cmpd="sng">
@@ -13811,12 +14228,17 @@
             <p:ph idx="1"/>
           </p:nvPr>
         </p:nvSpPr>
-        <p:spPr/>
+        <p:spPr>
+          <a:xfrm>
+            <a:off x="457200" y="1447800"/>
+            <a:ext cx="8534400" cy="4800600"/>
+          </a:xfrm>
+        </p:spPr>
         <p:txBody>
           <a:bodyPr/>
           <a:lstStyle/>
           <a:p>
-            <a:pPr marL="517525" lvl="1" indent="-457200">
+            <a:pPr marL="517525" lvl="1" indent="-457200" algn="just">
               <a:buClrTx/>
               <a:buFont typeface="Wingdings" pitchFamily="2" charset="2"/>
               <a:buChar char="q"/>
@@ -13863,7 +14285,7 @@
             </a:r>
           </a:p>
           <a:p>
-            <a:pPr marL="1023938" lvl="1" indent="-457200">
+            <a:pPr marL="1023938" lvl="1" indent="-457200" algn="just">
               <a:buClrTx/>
               <a:buFont typeface="Courier New" pitchFamily="49" charset="0"/>
               <a:buChar char="o"/>
@@ -13894,7 +14316,7 @@
             </a:r>
           </a:p>
           <a:p>
-            <a:pPr marL="1023938" lvl="1" indent="-457200">
+            <a:pPr marL="1023938" lvl="1" indent="-457200" algn="just">
               <a:buClrTx/>
               <a:buFont typeface="Courier New" pitchFamily="49" charset="0"/>
               <a:buChar char="o"/>
@@ -13938,7 +14360,7 @@
             </a:endParaRPr>
           </a:p>
           <a:p>
-            <a:pPr marL="517525" indent="-457200">
+            <a:pPr marL="517525" indent="-457200" algn="just">
               <a:buClrTx/>
               <a:buFont typeface="Wingdings" pitchFamily="2" charset="2"/>
               <a:buChar char="q"/>
@@ -13961,7 +14383,7 @@
             </a:r>
           </a:p>
           <a:p>
-            <a:pPr marL="60325" indent="854075">
+            <a:pPr marL="60325" indent="854075" algn="just">
               <a:buClrTx/>
               <a:buNone/>
             </a:pPr>
@@ -13975,7 +14397,7 @@
             </a:r>
           </a:p>
           <a:p>
-            <a:pPr marL="60325" indent="854075">
+            <a:pPr marL="60325" indent="854075" algn="just">
               <a:buClrTx/>
               <a:buNone/>
             </a:pPr>
@@ -13989,7 +14411,7 @@
             </a:r>
           </a:p>
           <a:p>
-            <a:pPr marL="60325" indent="854075">
+            <a:pPr marL="60325" indent="854075" algn="just">
               <a:buClrTx/>
               <a:buNone/>
             </a:pPr>
@@ -14016,6 +14438,7 @@
             </a:endParaRPr>
           </a:p>
           <a:p>
+            <a:pPr algn="just"/>
             <a:endParaRPr lang="en-US"/>
           </a:p>
         </p:txBody>
@@ -14041,6 +14464,1958 @@
 </file>
 
 <file path=ppt/slides/slide18.xml><?xml version="1.0" encoding="utf-8"?>
+<p:sld xmlns:a="http://schemas.openxmlformats.org/drawingml/2006/main" xmlns:r="http://schemas.openxmlformats.org/officeDocument/2006/relationships" xmlns:p="http://schemas.openxmlformats.org/presentationml/2006/main">
+  <p:cSld>
+    <p:spTree>
+      <p:nvGrpSpPr>
+        <p:cNvPr id="1" name=""/>
+        <p:cNvGrpSpPr/>
+        <p:nvPr/>
+      </p:nvGrpSpPr>
+      <p:grpSpPr>
+        <a:xfrm>
+          <a:off x="0" y="0"/>
+          <a:ext cx="0" cy="0"/>
+          <a:chOff x="0" y="0"/>
+          <a:chExt cx="0" cy="0"/>
+        </a:xfrm>
+      </p:grpSpPr>
+      <p:sp>
+        <p:nvSpPr>
+          <p:cNvPr id="8" name="Title 1"/>
+          <p:cNvSpPr>
+            <a:spLocks noGrp="1"/>
+          </p:cNvSpPr>
+          <p:nvPr>
+            <p:ph type="title"/>
+          </p:nvPr>
+        </p:nvSpPr>
+        <p:spPr>
+          <a:xfrm>
+            <a:off x="228600" y="579437"/>
+            <a:ext cx="9448800" cy="563563"/>
+          </a:xfrm>
+        </p:spPr>
+        <p:txBody>
+          <a:bodyPr>
+            <a:noAutofit/>
+          </a:bodyPr>
+          <a:lstStyle/>
+          <a:p>
+            <a:pPr algn="l"/>
+            <a:r>
+              <a:rPr lang="en-US" sz="2850" cap="all" smtClean="0">
+                <a:ln w="9000" cmpd="sng">
+                  <a:solidFill>
+                    <a:schemeClr val="accent4">
+                      <a:shade val="50000"/>
+                      <a:satMod val="120000"/>
+                    </a:schemeClr>
+                  </a:solidFill>
+                  <a:prstDash val="solid"/>
+                </a:ln>
+                <a:gradFill>
+                  <a:gsLst>
+                    <a:gs pos="0">
+                      <a:schemeClr val="accent4">
+                        <a:shade val="20000"/>
+                        <a:satMod val="245000"/>
+                      </a:schemeClr>
+                    </a:gs>
+                    <a:gs pos="43000">
+                      <a:schemeClr val="accent4">
+                        <a:satMod val="255000"/>
+                      </a:schemeClr>
+                    </a:gs>
+                    <a:gs pos="48000">
+                      <a:schemeClr val="accent4">
+                        <a:shade val="85000"/>
+                        <a:satMod val="255000"/>
+                      </a:schemeClr>
+                    </a:gs>
+                    <a:gs pos="100000">
+                      <a:schemeClr val="accent4">
+                        <a:shade val="20000"/>
+                        <a:satMod val="245000"/>
+                      </a:schemeClr>
+                    </a:gs>
+                  </a:gsLst>
+                  <a:lin ang="5400000"/>
+                </a:gradFill>
+                <a:effectLst>
+                  <a:reflection blurRad="12700" stA="28000" endPos="45000" dist="1000" dir="5400000" sy="-100000" algn="bl" rotWithShape="0"/>
+                </a:effectLst>
+              </a:rPr>
+              <a:t>2.3.1 truy xuất method</a:t>
+            </a:r>
+            <a:endParaRPr lang="en-US" sz="2850" cap="all">
+              <a:ln w="9000" cmpd="sng">
+                <a:solidFill>
+                  <a:schemeClr val="accent4">
+                    <a:shade val="50000"/>
+                    <a:satMod val="120000"/>
+                  </a:schemeClr>
+                </a:solidFill>
+                <a:prstDash val="solid"/>
+              </a:ln>
+              <a:gradFill>
+                <a:gsLst>
+                  <a:gs pos="0">
+                    <a:schemeClr val="accent4">
+                      <a:shade val="20000"/>
+                      <a:satMod val="245000"/>
+                    </a:schemeClr>
+                  </a:gs>
+                  <a:gs pos="43000">
+                    <a:schemeClr val="accent4">
+                      <a:satMod val="255000"/>
+                    </a:schemeClr>
+                  </a:gs>
+                  <a:gs pos="48000">
+                    <a:schemeClr val="accent4">
+                      <a:shade val="85000"/>
+                      <a:satMod val="255000"/>
+                    </a:schemeClr>
+                  </a:gs>
+                  <a:gs pos="100000">
+                    <a:schemeClr val="accent4">
+                      <a:shade val="20000"/>
+                      <a:satMod val="245000"/>
+                    </a:schemeClr>
+                  </a:gs>
+                </a:gsLst>
+                <a:lin ang="5400000"/>
+              </a:gradFill>
+              <a:effectLst>
+                <a:reflection blurRad="12700" stA="28000" endPos="45000" dist="1000" dir="5400000" sy="-100000" algn="bl" rotWithShape="0"/>
+              </a:effectLst>
+            </a:endParaRPr>
+          </a:p>
+        </p:txBody>
+      </p:sp>
+      <p:sp>
+        <p:nvSpPr>
+          <p:cNvPr id="4" name="Footer Placeholder 3"/>
+          <p:cNvSpPr>
+            <a:spLocks noGrp="1"/>
+          </p:cNvSpPr>
+          <p:nvPr>
+            <p:ph type="ftr" sz="quarter" idx="11"/>
+          </p:nvPr>
+        </p:nvSpPr>
+        <p:spPr/>
+        <p:txBody>
+          <a:bodyPr/>
+          <a:lstStyle/>
+          <a:p>
+            <a:r>
+              <a:rPr lang="en-US" smtClean="0"/>
+              <a:t>www.hcmus.edu.vn</a:t>
+            </a:r>
+            <a:endParaRPr lang="en-US"/>
+          </a:p>
+        </p:txBody>
+      </p:sp>
+      <p:sp>
+        <p:nvSpPr>
+          <p:cNvPr id="6" name="Slide Number Placeholder 11"/>
+          <p:cNvSpPr>
+            <a:spLocks noGrp="1"/>
+          </p:cNvSpPr>
+          <p:nvPr>
+            <p:ph type="sldNum" sz="quarter" idx="12"/>
+          </p:nvPr>
+        </p:nvSpPr>
+        <p:spPr>
+          <a:xfrm>
+            <a:off x="3429000" y="6477000"/>
+            <a:ext cx="2133600" cy="381000"/>
+          </a:xfrm>
+        </p:spPr>
+        <p:txBody>
+          <a:bodyPr/>
+          <a:lstStyle/>
+          <a:p>
+            <a:fld id="{B6F15528-21DE-4FAA-801E-634DDDAF4B2B}" type="slidenum">
+              <a:rPr lang="en-US" sz="2000" smtClean="0"/>
+              <a:pPr/>
+              <a:t>18</a:t>
+            </a:fld>
+            <a:endParaRPr lang="en-US" sz="2000"/>
+          </a:p>
+        </p:txBody>
+      </p:sp>
+      <p:sp>
+        <p:nvSpPr>
+          <p:cNvPr id="3" name="Content Placeholder 2"/>
+          <p:cNvSpPr>
+            <a:spLocks noGrp="1"/>
+          </p:cNvSpPr>
+          <p:nvPr>
+            <p:ph idx="1"/>
+          </p:nvPr>
+        </p:nvSpPr>
+        <p:spPr/>
+        <p:txBody>
+          <a:bodyPr/>
+          <a:lstStyle/>
+          <a:p>
+            <a:pPr lvl="1">
+              <a:buClrTx/>
+              <a:buFont typeface="Wingdings" pitchFamily="2" charset="2"/>
+              <a:buChar char="q"/>
+            </a:pPr>
+            <a:r>
+              <a:rPr lang="en-US" b="1" smtClean="0">
+                <a:solidFill>
+                  <a:srgbClr val="000000"/>
+                </a:solidFill>
+              </a:rPr>
+              <a:t>Gọi </a:t>
+            </a:r>
+            <a:r>
+              <a:rPr lang="en-US" b="1">
+                <a:solidFill>
+                  <a:srgbClr val="000000"/>
+                </a:solidFill>
+              </a:rPr>
+              <a:t>static method</a:t>
+            </a:r>
+          </a:p>
+          <a:p>
+            <a:pPr marL="0" indent="1147763">
+              <a:buClrTx/>
+              <a:buNone/>
+            </a:pPr>
+            <a:r>
+              <a:rPr lang="en-US" b="0">
+                <a:solidFill>
+                  <a:srgbClr val="000000"/>
+                </a:solidFill>
+              </a:rPr>
+              <a:t>Hoàn toàn giống với gọi hàm của object. Chỉ khác nhau ở tên hàm trong JNI như thay vì gọi GetMethodID, CallVoidMethod… thì sẽ gọi GetStaticMethodID, CallStaticVoidMethod…</a:t>
+            </a:r>
+          </a:p>
+          <a:p>
+            <a:endParaRPr lang="en-US"/>
+          </a:p>
+        </p:txBody>
+      </p:sp>
+    </p:spTree>
+    <p:extLst>
+      <p:ext uri="{BB962C8B-B14F-4D97-AF65-F5344CB8AC3E}">
+        <p14:creationId xmlns:p14="http://schemas.microsoft.com/office/powerpoint/2010/main" val="4024800155"/>
+      </p:ext>
+    </p:extLst>
+  </p:cSld>
+  <p:clrMapOvr>
+    <a:masterClrMapping/>
+  </p:clrMapOvr>
+  <p:timing>
+    <p:tnLst>
+      <p:par>
+        <p:cTn id="1" dur="indefinite" restart="never" nodeType="tmRoot"/>
+      </p:par>
+    </p:tnLst>
+  </p:timing>
+</p:sld>
+</file>
+
+<file path=ppt/slides/slide19.xml><?xml version="1.0" encoding="utf-8"?>
+<p:sld xmlns:a="http://schemas.openxmlformats.org/drawingml/2006/main" xmlns:r="http://schemas.openxmlformats.org/officeDocument/2006/relationships" xmlns:p="http://schemas.openxmlformats.org/presentationml/2006/main">
+  <p:cSld>
+    <p:spTree>
+      <p:nvGrpSpPr>
+        <p:cNvPr id="1" name=""/>
+        <p:cNvGrpSpPr/>
+        <p:nvPr/>
+      </p:nvGrpSpPr>
+      <p:grpSpPr>
+        <a:xfrm>
+          <a:off x="0" y="0"/>
+          <a:ext cx="0" cy="0"/>
+          <a:chOff x="0" y="0"/>
+          <a:chExt cx="0" cy="0"/>
+        </a:xfrm>
+      </p:grpSpPr>
+      <p:sp>
+        <p:nvSpPr>
+          <p:cNvPr id="8" name="Title 1"/>
+          <p:cNvSpPr>
+            <a:spLocks noGrp="1"/>
+          </p:cNvSpPr>
+          <p:nvPr>
+            <p:ph type="title"/>
+          </p:nvPr>
+        </p:nvSpPr>
+        <p:spPr>
+          <a:xfrm>
+            <a:off x="228600" y="579437"/>
+            <a:ext cx="9448800" cy="563563"/>
+          </a:xfrm>
+        </p:spPr>
+        <p:txBody>
+          <a:bodyPr>
+            <a:noAutofit/>
+          </a:bodyPr>
+          <a:lstStyle/>
+          <a:p>
+            <a:pPr algn="l"/>
+            <a:r>
+              <a:rPr lang="en-US" sz="2850" cap="all" smtClean="0">
+                <a:ln w="9000" cmpd="sng">
+                  <a:solidFill>
+                    <a:schemeClr val="accent4">
+                      <a:shade val="50000"/>
+                      <a:satMod val="120000"/>
+                    </a:schemeClr>
+                  </a:solidFill>
+                  <a:prstDash val="solid"/>
+                </a:ln>
+                <a:gradFill>
+                  <a:gsLst>
+                    <a:gs pos="0">
+                      <a:schemeClr val="accent4">
+                        <a:shade val="20000"/>
+                        <a:satMod val="245000"/>
+                      </a:schemeClr>
+                    </a:gs>
+                    <a:gs pos="43000">
+                      <a:schemeClr val="accent4">
+                        <a:satMod val="255000"/>
+                      </a:schemeClr>
+                    </a:gs>
+                    <a:gs pos="48000">
+                      <a:schemeClr val="accent4">
+                        <a:shade val="85000"/>
+                        <a:satMod val="255000"/>
+                      </a:schemeClr>
+                    </a:gs>
+                    <a:gs pos="100000">
+                      <a:schemeClr val="accent4">
+                        <a:shade val="20000"/>
+                        <a:satMod val="245000"/>
+                      </a:schemeClr>
+                    </a:gs>
+                  </a:gsLst>
+                  <a:lin ang="5400000"/>
+                </a:gradFill>
+                <a:effectLst>
+                  <a:reflection blurRad="12700" stA="28000" endPos="45000" dist="1000" dir="5400000" sy="-100000" algn="bl" rotWithShape="0"/>
+                </a:effectLst>
+              </a:rPr>
+              <a:t>2.3.1 truy xuất method</a:t>
+            </a:r>
+            <a:endParaRPr lang="en-US" sz="2850" cap="all">
+              <a:ln w="9000" cmpd="sng">
+                <a:solidFill>
+                  <a:schemeClr val="accent4">
+                    <a:shade val="50000"/>
+                    <a:satMod val="120000"/>
+                  </a:schemeClr>
+                </a:solidFill>
+                <a:prstDash val="solid"/>
+              </a:ln>
+              <a:gradFill>
+                <a:gsLst>
+                  <a:gs pos="0">
+                    <a:schemeClr val="accent4">
+                      <a:shade val="20000"/>
+                      <a:satMod val="245000"/>
+                    </a:schemeClr>
+                  </a:gs>
+                  <a:gs pos="43000">
+                    <a:schemeClr val="accent4">
+                      <a:satMod val="255000"/>
+                    </a:schemeClr>
+                  </a:gs>
+                  <a:gs pos="48000">
+                    <a:schemeClr val="accent4">
+                      <a:shade val="85000"/>
+                      <a:satMod val="255000"/>
+                    </a:schemeClr>
+                  </a:gs>
+                  <a:gs pos="100000">
+                    <a:schemeClr val="accent4">
+                      <a:shade val="20000"/>
+                      <a:satMod val="245000"/>
+                    </a:schemeClr>
+                  </a:gs>
+                </a:gsLst>
+                <a:lin ang="5400000"/>
+              </a:gradFill>
+              <a:effectLst>
+                <a:reflection blurRad="12700" stA="28000" endPos="45000" dist="1000" dir="5400000" sy="-100000" algn="bl" rotWithShape="0"/>
+              </a:effectLst>
+            </a:endParaRPr>
+          </a:p>
+        </p:txBody>
+      </p:sp>
+      <p:sp>
+        <p:nvSpPr>
+          <p:cNvPr id="4" name="Footer Placeholder 3"/>
+          <p:cNvSpPr>
+            <a:spLocks noGrp="1"/>
+          </p:cNvSpPr>
+          <p:nvPr>
+            <p:ph type="ftr" sz="quarter" idx="11"/>
+          </p:nvPr>
+        </p:nvSpPr>
+        <p:spPr/>
+        <p:txBody>
+          <a:bodyPr/>
+          <a:lstStyle/>
+          <a:p>
+            <a:r>
+              <a:rPr lang="en-US" smtClean="0"/>
+              <a:t>www.hcmus.edu.vn</a:t>
+            </a:r>
+            <a:endParaRPr lang="en-US"/>
+          </a:p>
+        </p:txBody>
+      </p:sp>
+      <p:sp>
+        <p:nvSpPr>
+          <p:cNvPr id="6" name="Slide Number Placeholder 11"/>
+          <p:cNvSpPr>
+            <a:spLocks noGrp="1"/>
+          </p:cNvSpPr>
+          <p:nvPr>
+            <p:ph type="sldNum" sz="quarter" idx="12"/>
+          </p:nvPr>
+        </p:nvSpPr>
+        <p:spPr>
+          <a:xfrm>
+            <a:off x="3429000" y="6477000"/>
+            <a:ext cx="2133600" cy="381000"/>
+          </a:xfrm>
+        </p:spPr>
+        <p:txBody>
+          <a:bodyPr/>
+          <a:lstStyle/>
+          <a:p>
+            <a:fld id="{B6F15528-21DE-4FAA-801E-634DDDAF4B2B}" type="slidenum">
+              <a:rPr lang="en-US" sz="2000" smtClean="0"/>
+              <a:pPr/>
+              <a:t>19</a:t>
+            </a:fld>
+            <a:endParaRPr lang="en-US" sz="2000"/>
+          </a:p>
+        </p:txBody>
+      </p:sp>
+      <p:sp>
+        <p:nvSpPr>
+          <p:cNvPr id="3" name="Content Placeholder 2"/>
+          <p:cNvSpPr>
+            <a:spLocks noGrp="1"/>
+          </p:cNvSpPr>
+          <p:nvPr>
+            <p:ph idx="1"/>
+          </p:nvPr>
+        </p:nvSpPr>
+        <p:spPr/>
+        <p:txBody>
+          <a:bodyPr/>
+          <a:lstStyle/>
+          <a:p>
+            <a:pPr marL="0" indent="0">
+              <a:buNone/>
+            </a:pPr>
+            <a:r>
+              <a:rPr lang="en-US" sz="2400" b="0">
+                <a:solidFill>
+                  <a:srgbClr val="000000"/>
+                </a:solidFill>
+              </a:rPr>
+              <a:t>Trong JNI có thể gọi hàm của lớp cha (khi dùng đa hình) bằng hàm: </a:t>
+            </a:r>
+          </a:p>
+          <a:p>
+            <a:endParaRPr lang="en-US"/>
+          </a:p>
+        </p:txBody>
+      </p:sp>
+      <p:graphicFrame>
+        <p:nvGraphicFramePr>
+          <p:cNvPr id="2" name="Table 1"/>
+          <p:cNvGraphicFramePr>
+            <a:graphicFrameLocks noGrp="1"/>
+          </p:cNvGraphicFramePr>
+          <p:nvPr>
+            <p:extLst>
+              <p:ext uri="{D42A27DB-BD31-4B8C-83A1-F6EECF244321}">
+                <p14:modId xmlns:p14="http://schemas.microsoft.com/office/powerpoint/2010/main" val="3529093018"/>
+              </p:ext>
+            </p:extLst>
+          </p:nvPr>
+        </p:nvGraphicFramePr>
+        <p:xfrm>
+          <a:off x="1295400" y="2362205"/>
+          <a:ext cx="6477000" cy="3989324"/>
+        </p:xfrm>
+        <a:graphic>
+          <a:graphicData uri="http://schemas.openxmlformats.org/drawingml/2006/table">
+            <a:tbl>
+              <a:tblPr firstRow="1" firstCol="1" bandRow="1">
+                <a:tableStyleId>{5C22544A-7EE6-4342-B048-85BDC9FD1C3A}</a:tableStyleId>
+              </a:tblPr>
+              <a:tblGrid>
+                <a:gridCol w="3238500"/>
+                <a:gridCol w="3238500"/>
+              </a:tblGrid>
+              <a:tr h="403524">
+                <a:tc>
+                  <a:txBody>
+                    <a:bodyPr/>
+                    <a:lstStyle/>
+                    <a:p>
+                      <a:pPr marL="0" marR="0" algn="ctr">
+                        <a:lnSpc>
+                          <a:spcPct val="115000"/>
+                        </a:lnSpc>
+                        <a:spcBef>
+                          <a:spcPts val="0"/>
+                        </a:spcBef>
+                        <a:spcAft>
+                          <a:spcPts val="0"/>
+                        </a:spcAft>
+                      </a:pPr>
+                      <a:r>
+                        <a:rPr lang="en-US" sz="1400">
+                          <a:effectLst/>
+                        </a:rPr>
+                        <a:t>CallNonvirtual&lt;Type&gt;Method</a:t>
+                      </a:r>
+                      <a:endParaRPr lang="en-US" sz="1400">
+                        <a:effectLst/>
+                        <a:latin typeface="Times New Roman"/>
+                        <a:ea typeface="Calibri"/>
+                        <a:cs typeface="Times New Roman"/>
+                      </a:endParaRPr>
+                    </a:p>
+                  </a:txBody>
+                  <a:tcPr marL="47625" marR="47625" marT="47625" marB="47625" anchor="ctr"/>
+                </a:tc>
+                <a:tc>
+                  <a:txBody>
+                    <a:bodyPr/>
+                    <a:lstStyle/>
+                    <a:p>
+                      <a:pPr marL="0" marR="0" algn="ctr">
+                        <a:lnSpc>
+                          <a:spcPct val="115000"/>
+                        </a:lnSpc>
+                        <a:spcBef>
+                          <a:spcPts val="0"/>
+                        </a:spcBef>
+                        <a:spcAft>
+                          <a:spcPts val="0"/>
+                        </a:spcAft>
+                      </a:pPr>
+                      <a:r>
+                        <a:rPr lang="en-US" sz="1400">
+                          <a:effectLst/>
+                        </a:rPr>
+                        <a:t>&lt;NativeType&gt;</a:t>
+                      </a:r>
+                      <a:endParaRPr lang="en-US" sz="1400">
+                        <a:effectLst/>
+                        <a:latin typeface="Times New Roman"/>
+                        <a:ea typeface="Calibri"/>
+                        <a:cs typeface="Times New Roman"/>
+                      </a:endParaRPr>
+                    </a:p>
+                  </a:txBody>
+                  <a:tcPr marL="47625" marR="47625" marT="47625" marB="47625" anchor="ctr"/>
+                </a:tc>
+              </a:tr>
+              <a:tr h="358580">
+                <a:tc>
+                  <a:txBody>
+                    <a:bodyPr/>
+                    <a:lstStyle/>
+                    <a:p>
+                      <a:pPr marL="0" marR="0">
+                        <a:lnSpc>
+                          <a:spcPct val="115000"/>
+                        </a:lnSpc>
+                        <a:spcBef>
+                          <a:spcPts val="0"/>
+                        </a:spcBef>
+                        <a:spcAft>
+                          <a:spcPts val="0"/>
+                        </a:spcAft>
+                      </a:pPr>
+                      <a:r>
+                        <a:rPr lang="en-US" sz="1050">
+                          <a:effectLst/>
+                        </a:rPr>
+                        <a:t>CallNonvirtualVoidMethod</a:t>
+                      </a:r>
+                      <a:endParaRPr lang="en-US" sz="1400">
+                        <a:effectLst/>
+                        <a:latin typeface="Times New Roman"/>
+                        <a:ea typeface="Calibri"/>
+                        <a:cs typeface="Times New Roman"/>
+                      </a:endParaRPr>
+                    </a:p>
+                  </a:txBody>
+                  <a:tcPr marL="47625" marR="47625" marT="47625" marB="47625" anchor="ctr"/>
+                </a:tc>
+                <a:tc>
+                  <a:txBody>
+                    <a:bodyPr/>
+                    <a:lstStyle/>
+                    <a:p>
+                      <a:pPr marL="0" marR="0" algn="l">
+                        <a:lnSpc>
+                          <a:spcPct val="115000"/>
+                        </a:lnSpc>
+                        <a:spcBef>
+                          <a:spcPts val="0"/>
+                        </a:spcBef>
+                        <a:spcAft>
+                          <a:spcPts val="0"/>
+                        </a:spcAft>
+                      </a:pPr>
+                      <a:r>
+                        <a:rPr lang="en-US" sz="1050" smtClean="0">
+                          <a:effectLst/>
+                        </a:rPr>
+                        <a:t>Void</a:t>
+                      </a:r>
+                      <a:endParaRPr lang="en-US" sz="1400">
+                        <a:effectLst/>
+                        <a:latin typeface="Times New Roman"/>
+                        <a:ea typeface="Calibri"/>
+                        <a:cs typeface="Times New Roman"/>
+                      </a:endParaRPr>
+                    </a:p>
+                  </a:txBody>
+                  <a:tcPr marL="47625" marR="47625" marT="47625" marB="47625" anchor="ctr"/>
+                </a:tc>
+              </a:tr>
+              <a:tr h="358580">
+                <a:tc>
+                  <a:txBody>
+                    <a:bodyPr/>
+                    <a:lstStyle/>
+                    <a:p>
+                      <a:pPr marL="0" marR="0">
+                        <a:lnSpc>
+                          <a:spcPct val="115000"/>
+                        </a:lnSpc>
+                        <a:spcBef>
+                          <a:spcPts val="0"/>
+                        </a:spcBef>
+                        <a:spcAft>
+                          <a:spcPts val="0"/>
+                        </a:spcAft>
+                      </a:pPr>
+                      <a:r>
+                        <a:rPr lang="en-US" sz="1050">
+                          <a:effectLst/>
+                        </a:rPr>
+                        <a:t>CallNonvirtualObjectMethod</a:t>
+                      </a:r>
+                      <a:endParaRPr lang="en-US" sz="1400">
+                        <a:effectLst/>
+                        <a:latin typeface="Times New Roman"/>
+                        <a:ea typeface="Calibri"/>
+                        <a:cs typeface="Times New Roman"/>
+                      </a:endParaRPr>
+                    </a:p>
+                  </a:txBody>
+                  <a:tcPr marL="47625" marR="47625" marT="47625" marB="47625" anchor="ctr"/>
+                </a:tc>
+                <a:tc>
+                  <a:txBody>
+                    <a:bodyPr/>
+                    <a:lstStyle/>
+                    <a:p>
+                      <a:pPr marL="0" marR="0" algn="l">
+                        <a:lnSpc>
+                          <a:spcPct val="115000"/>
+                        </a:lnSpc>
+                        <a:spcBef>
+                          <a:spcPts val="0"/>
+                        </a:spcBef>
+                        <a:spcAft>
+                          <a:spcPts val="0"/>
+                        </a:spcAft>
+                      </a:pPr>
+                      <a:r>
+                        <a:rPr lang="en-US" sz="1050">
+                          <a:effectLst/>
+                        </a:rPr>
+                        <a:t>jobject</a:t>
+                      </a:r>
+                      <a:endParaRPr lang="en-US" sz="1400">
+                        <a:effectLst/>
+                        <a:latin typeface="Times New Roman"/>
+                        <a:ea typeface="Calibri"/>
+                        <a:cs typeface="Times New Roman"/>
+                      </a:endParaRPr>
+                    </a:p>
+                  </a:txBody>
+                  <a:tcPr marL="47625" marR="47625" marT="47625" marB="47625" anchor="ctr"/>
+                </a:tc>
+              </a:tr>
+              <a:tr h="358580">
+                <a:tc>
+                  <a:txBody>
+                    <a:bodyPr/>
+                    <a:lstStyle/>
+                    <a:p>
+                      <a:pPr marL="0" marR="0">
+                        <a:lnSpc>
+                          <a:spcPct val="115000"/>
+                        </a:lnSpc>
+                        <a:spcBef>
+                          <a:spcPts val="0"/>
+                        </a:spcBef>
+                        <a:spcAft>
+                          <a:spcPts val="0"/>
+                        </a:spcAft>
+                      </a:pPr>
+                      <a:r>
+                        <a:rPr lang="en-US" sz="1050">
+                          <a:effectLst/>
+                        </a:rPr>
+                        <a:t>CallNonvirtualBooleanMethod</a:t>
+                      </a:r>
+                      <a:endParaRPr lang="en-US" sz="1400">
+                        <a:effectLst/>
+                        <a:latin typeface="Times New Roman"/>
+                        <a:ea typeface="Calibri"/>
+                        <a:cs typeface="Times New Roman"/>
+                      </a:endParaRPr>
+                    </a:p>
+                  </a:txBody>
+                  <a:tcPr marL="47625" marR="47625" marT="47625" marB="47625" anchor="ctr"/>
+                </a:tc>
+                <a:tc>
+                  <a:txBody>
+                    <a:bodyPr/>
+                    <a:lstStyle/>
+                    <a:p>
+                      <a:pPr marL="0" marR="0" algn="l">
+                        <a:lnSpc>
+                          <a:spcPct val="115000"/>
+                        </a:lnSpc>
+                        <a:spcBef>
+                          <a:spcPts val="0"/>
+                        </a:spcBef>
+                        <a:spcAft>
+                          <a:spcPts val="0"/>
+                        </a:spcAft>
+                      </a:pPr>
+                      <a:r>
+                        <a:rPr lang="en-US" sz="1050">
+                          <a:effectLst/>
+                        </a:rPr>
+                        <a:t>jboolean</a:t>
+                      </a:r>
+                      <a:endParaRPr lang="en-US" sz="1400">
+                        <a:effectLst/>
+                        <a:latin typeface="Times New Roman"/>
+                        <a:ea typeface="Calibri"/>
+                        <a:cs typeface="Times New Roman"/>
+                      </a:endParaRPr>
+                    </a:p>
+                  </a:txBody>
+                  <a:tcPr marL="47625" marR="47625" marT="47625" marB="47625" anchor="ctr"/>
+                </a:tc>
+              </a:tr>
+              <a:tr h="358580">
+                <a:tc>
+                  <a:txBody>
+                    <a:bodyPr/>
+                    <a:lstStyle/>
+                    <a:p>
+                      <a:pPr marL="0" marR="0">
+                        <a:lnSpc>
+                          <a:spcPct val="115000"/>
+                        </a:lnSpc>
+                        <a:spcBef>
+                          <a:spcPts val="0"/>
+                        </a:spcBef>
+                        <a:spcAft>
+                          <a:spcPts val="0"/>
+                        </a:spcAft>
+                      </a:pPr>
+                      <a:r>
+                        <a:rPr lang="en-US" sz="1050">
+                          <a:effectLst/>
+                        </a:rPr>
+                        <a:t>CallNonvirtualByteMethod</a:t>
+                      </a:r>
+                      <a:endParaRPr lang="en-US" sz="1400">
+                        <a:effectLst/>
+                        <a:latin typeface="Times New Roman"/>
+                        <a:ea typeface="Calibri"/>
+                        <a:cs typeface="Times New Roman"/>
+                      </a:endParaRPr>
+                    </a:p>
+                  </a:txBody>
+                  <a:tcPr marL="47625" marR="47625" marT="47625" marB="47625" anchor="ctr"/>
+                </a:tc>
+                <a:tc>
+                  <a:txBody>
+                    <a:bodyPr/>
+                    <a:lstStyle/>
+                    <a:p>
+                      <a:pPr marL="0" marR="0" algn="l">
+                        <a:lnSpc>
+                          <a:spcPct val="115000"/>
+                        </a:lnSpc>
+                        <a:spcBef>
+                          <a:spcPts val="0"/>
+                        </a:spcBef>
+                        <a:spcAft>
+                          <a:spcPts val="0"/>
+                        </a:spcAft>
+                      </a:pPr>
+                      <a:r>
+                        <a:rPr lang="en-US" sz="1050">
+                          <a:effectLst/>
+                        </a:rPr>
+                        <a:t>jbyte</a:t>
+                      </a:r>
+                      <a:endParaRPr lang="en-US" sz="1400">
+                        <a:effectLst/>
+                        <a:latin typeface="Times New Roman"/>
+                        <a:ea typeface="Calibri"/>
+                        <a:cs typeface="Times New Roman"/>
+                      </a:endParaRPr>
+                    </a:p>
+                  </a:txBody>
+                  <a:tcPr marL="47625" marR="47625" marT="47625" marB="47625" anchor="ctr"/>
+                </a:tc>
+              </a:tr>
+              <a:tr h="358580">
+                <a:tc>
+                  <a:txBody>
+                    <a:bodyPr/>
+                    <a:lstStyle/>
+                    <a:p>
+                      <a:pPr marL="0" marR="0">
+                        <a:lnSpc>
+                          <a:spcPct val="115000"/>
+                        </a:lnSpc>
+                        <a:spcBef>
+                          <a:spcPts val="0"/>
+                        </a:spcBef>
+                        <a:spcAft>
+                          <a:spcPts val="0"/>
+                        </a:spcAft>
+                      </a:pPr>
+                      <a:r>
+                        <a:rPr lang="en-US" sz="1050">
+                          <a:effectLst/>
+                        </a:rPr>
+                        <a:t>CallNonvirtualCharMethod</a:t>
+                      </a:r>
+                      <a:endParaRPr lang="en-US" sz="1400">
+                        <a:effectLst/>
+                        <a:latin typeface="Times New Roman"/>
+                        <a:ea typeface="Calibri"/>
+                        <a:cs typeface="Times New Roman"/>
+                      </a:endParaRPr>
+                    </a:p>
+                  </a:txBody>
+                  <a:tcPr marL="47625" marR="47625" marT="47625" marB="47625" anchor="ctr"/>
+                </a:tc>
+                <a:tc>
+                  <a:txBody>
+                    <a:bodyPr/>
+                    <a:lstStyle/>
+                    <a:p>
+                      <a:pPr marL="0" marR="0" algn="l">
+                        <a:lnSpc>
+                          <a:spcPct val="115000"/>
+                        </a:lnSpc>
+                        <a:spcBef>
+                          <a:spcPts val="0"/>
+                        </a:spcBef>
+                        <a:spcAft>
+                          <a:spcPts val="0"/>
+                        </a:spcAft>
+                      </a:pPr>
+                      <a:r>
+                        <a:rPr lang="en-US" sz="1050">
+                          <a:effectLst/>
+                        </a:rPr>
+                        <a:t>jchar</a:t>
+                      </a:r>
+                      <a:endParaRPr lang="en-US" sz="1400">
+                        <a:effectLst/>
+                        <a:latin typeface="Times New Roman"/>
+                        <a:ea typeface="Calibri"/>
+                        <a:cs typeface="Times New Roman"/>
+                      </a:endParaRPr>
+                    </a:p>
+                  </a:txBody>
+                  <a:tcPr marL="47625" marR="47625" marT="47625" marB="47625" anchor="ctr"/>
+                </a:tc>
+              </a:tr>
+              <a:tr h="358580">
+                <a:tc>
+                  <a:txBody>
+                    <a:bodyPr/>
+                    <a:lstStyle/>
+                    <a:p>
+                      <a:pPr marL="0" marR="0">
+                        <a:lnSpc>
+                          <a:spcPct val="115000"/>
+                        </a:lnSpc>
+                        <a:spcBef>
+                          <a:spcPts val="0"/>
+                        </a:spcBef>
+                        <a:spcAft>
+                          <a:spcPts val="0"/>
+                        </a:spcAft>
+                      </a:pPr>
+                      <a:r>
+                        <a:rPr lang="en-US" sz="1050">
+                          <a:effectLst/>
+                        </a:rPr>
+                        <a:t>CallNonvirtualShortMethod</a:t>
+                      </a:r>
+                      <a:endParaRPr lang="en-US" sz="1400">
+                        <a:effectLst/>
+                        <a:latin typeface="Times New Roman"/>
+                        <a:ea typeface="Calibri"/>
+                        <a:cs typeface="Times New Roman"/>
+                      </a:endParaRPr>
+                    </a:p>
+                  </a:txBody>
+                  <a:tcPr marL="47625" marR="47625" marT="47625" marB="47625" anchor="ctr"/>
+                </a:tc>
+                <a:tc>
+                  <a:txBody>
+                    <a:bodyPr/>
+                    <a:lstStyle/>
+                    <a:p>
+                      <a:pPr marL="0" marR="0" algn="l">
+                        <a:lnSpc>
+                          <a:spcPct val="115000"/>
+                        </a:lnSpc>
+                        <a:spcBef>
+                          <a:spcPts val="0"/>
+                        </a:spcBef>
+                        <a:spcAft>
+                          <a:spcPts val="0"/>
+                        </a:spcAft>
+                      </a:pPr>
+                      <a:r>
+                        <a:rPr lang="en-US" sz="1050">
+                          <a:effectLst/>
+                        </a:rPr>
+                        <a:t>jshort</a:t>
+                      </a:r>
+                      <a:endParaRPr lang="en-US" sz="1400">
+                        <a:effectLst/>
+                        <a:latin typeface="Times New Roman"/>
+                        <a:ea typeface="Calibri"/>
+                        <a:cs typeface="Times New Roman"/>
+                      </a:endParaRPr>
+                    </a:p>
+                  </a:txBody>
+                  <a:tcPr marL="47625" marR="47625" marT="47625" marB="47625" anchor="ctr"/>
+                </a:tc>
+              </a:tr>
+              <a:tr h="358580">
+                <a:tc>
+                  <a:txBody>
+                    <a:bodyPr/>
+                    <a:lstStyle/>
+                    <a:p>
+                      <a:pPr marL="0" marR="0">
+                        <a:lnSpc>
+                          <a:spcPct val="115000"/>
+                        </a:lnSpc>
+                        <a:spcBef>
+                          <a:spcPts val="0"/>
+                        </a:spcBef>
+                        <a:spcAft>
+                          <a:spcPts val="0"/>
+                        </a:spcAft>
+                      </a:pPr>
+                      <a:r>
+                        <a:rPr lang="en-US" sz="1050">
+                          <a:effectLst/>
+                        </a:rPr>
+                        <a:t>CallNonvirtualIntMethod</a:t>
+                      </a:r>
+                      <a:endParaRPr lang="en-US" sz="1400">
+                        <a:effectLst/>
+                        <a:latin typeface="Times New Roman"/>
+                        <a:ea typeface="Calibri"/>
+                        <a:cs typeface="Times New Roman"/>
+                      </a:endParaRPr>
+                    </a:p>
+                  </a:txBody>
+                  <a:tcPr marL="47625" marR="47625" marT="47625" marB="47625" anchor="ctr"/>
+                </a:tc>
+                <a:tc>
+                  <a:txBody>
+                    <a:bodyPr/>
+                    <a:lstStyle/>
+                    <a:p>
+                      <a:pPr marL="0" marR="0" algn="l">
+                        <a:lnSpc>
+                          <a:spcPct val="115000"/>
+                        </a:lnSpc>
+                        <a:spcBef>
+                          <a:spcPts val="0"/>
+                        </a:spcBef>
+                        <a:spcAft>
+                          <a:spcPts val="0"/>
+                        </a:spcAft>
+                      </a:pPr>
+                      <a:r>
+                        <a:rPr lang="en-US" sz="1050">
+                          <a:effectLst/>
+                        </a:rPr>
+                        <a:t>jint</a:t>
+                      </a:r>
+                      <a:endParaRPr lang="en-US" sz="1400">
+                        <a:effectLst/>
+                        <a:latin typeface="Times New Roman"/>
+                        <a:ea typeface="Calibri"/>
+                        <a:cs typeface="Times New Roman"/>
+                      </a:endParaRPr>
+                    </a:p>
+                  </a:txBody>
+                  <a:tcPr marL="47625" marR="47625" marT="47625" marB="47625" anchor="ctr"/>
+                </a:tc>
+              </a:tr>
+              <a:tr h="358580">
+                <a:tc>
+                  <a:txBody>
+                    <a:bodyPr/>
+                    <a:lstStyle/>
+                    <a:p>
+                      <a:pPr marL="0" marR="0">
+                        <a:lnSpc>
+                          <a:spcPct val="115000"/>
+                        </a:lnSpc>
+                        <a:spcBef>
+                          <a:spcPts val="0"/>
+                        </a:spcBef>
+                        <a:spcAft>
+                          <a:spcPts val="0"/>
+                        </a:spcAft>
+                      </a:pPr>
+                      <a:r>
+                        <a:rPr lang="en-US" sz="1050">
+                          <a:effectLst/>
+                        </a:rPr>
+                        <a:t>CallNonvirtualLongMethod</a:t>
+                      </a:r>
+                      <a:endParaRPr lang="en-US" sz="1400">
+                        <a:effectLst/>
+                        <a:latin typeface="Times New Roman"/>
+                        <a:ea typeface="Calibri"/>
+                        <a:cs typeface="Times New Roman"/>
+                      </a:endParaRPr>
+                    </a:p>
+                  </a:txBody>
+                  <a:tcPr marL="47625" marR="47625" marT="47625" marB="47625" anchor="ctr"/>
+                </a:tc>
+                <a:tc>
+                  <a:txBody>
+                    <a:bodyPr/>
+                    <a:lstStyle/>
+                    <a:p>
+                      <a:pPr marL="0" marR="0" algn="l">
+                        <a:lnSpc>
+                          <a:spcPct val="115000"/>
+                        </a:lnSpc>
+                        <a:spcBef>
+                          <a:spcPts val="0"/>
+                        </a:spcBef>
+                        <a:spcAft>
+                          <a:spcPts val="0"/>
+                        </a:spcAft>
+                      </a:pPr>
+                      <a:r>
+                        <a:rPr lang="en-US" sz="1050">
+                          <a:effectLst/>
+                        </a:rPr>
+                        <a:t>jlong</a:t>
+                      </a:r>
+                      <a:endParaRPr lang="en-US" sz="1400">
+                        <a:effectLst/>
+                        <a:latin typeface="Times New Roman"/>
+                        <a:ea typeface="Calibri"/>
+                        <a:cs typeface="Times New Roman"/>
+                      </a:endParaRPr>
+                    </a:p>
+                  </a:txBody>
+                  <a:tcPr marL="47625" marR="47625" marT="47625" marB="47625" anchor="ctr"/>
+                </a:tc>
+              </a:tr>
+              <a:tr h="358580">
+                <a:tc>
+                  <a:txBody>
+                    <a:bodyPr/>
+                    <a:lstStyle/>
+                    <a:p>
+                      <a:pPr marL="0" marR="0">
+                        <a:lnSpc>
+                          <a:spcPct val="115000"/>
+                        </a:lnSpc>
+                        <a:spcBef>
+                          <a:spcPts val="0"/>
+                        </a:spcBef>
+                        <a:spcAft>
+                          <a:spcPts val="0"/>
+                        </a:spcAft>
+                      </a:pPr>
+                      <a:r>
+                        <a:rPr lang="en-US" sz="1050">
+                          <a:effectLst/>
+                        </a:rPr>
+                        <a:t>CallNonvirtualFloatMethod</a:t>
+                      </a:r>
+                      <a:endParaRPr lang="en-US" sz="1400">
+                        <a:effectLst/>
+                        <a:latin typeface="Times New Roman"/>
+                        <a:ea typeface="Calibri"/>
+                        <a:cs typeface="Times New Roman"/>
+                      </a:endParaRPr>
+                    </a:p>
+                  </a:txBody>
+                  <a:tcPr marL="47625" marR="47625" marT="47625" marB="47625" anchor="ctr"/>
+                </a:tc>
+                <a:tc>
+                  <a:txBody>
+                    <a:bodyPr/>
+                    <a:lstStyle/>
+                    <a:p>
+                      <a:pPr marL="0" marR="0" algn="l">
+                        <a:lnSpc>
+                          <a:spcPct val="115000"/>
+                        </a:lnSpc>
+                        <a:spcBef>
+                          <a:spcPts val="0"/>
+                        </a:spcBef>
+                        <a:spcAft>
+                          <a:spcPts val="0"/>
+                        </a:spcAft>
+                      </a:pPr>
+                      <a:r>
+                        <a:rPr lang="en-US" sz="1050">
+                          <a:effectLst/>
+                        </a:rPr>
+                        <a:t>jfloat</a:t>
+                      </a:r>
+                      <a:endParaRPr lang="en-US" sz="1400">
+                        <a:effectLst/>
+                        <a:latin typeface="Times New Roman"/>
+                        <a:ea typeface="Calibri"/>
+                        <a:cs typeface="Times New Roman"/>
+                      </a:endParaRPr>
+                    </a:p>
+                  </a:txBody>
+                  <a:tcPr marL="47625" marR="47625" marT="47625" marB="47625" anchor="ctr"/>
+                </a:tc>
+              </a:tr>
+              <a:tr h="358580">
+                <a:tc>
+                  <a:txBody>
+                    <a:bodyPr/>
+                    <a:lstStyle/>
+                    <a:p>
+                      <a:pPr marL="0" marR="0">
+                        <a:lnSpc>
+                          <a:spcPct val="115000"/>
+                        </a:lnSpc>
+                        <a:spcBef>
+                          <a:spcPts val="0"/>
+                        </a:spcBef>
+                        <a:spcAft>
+                          <a:spcPts val="0"/>
+                        </a:spcAft>
+                      </a:pPr>
+                      <a:r>
+                        <a:rPr lang="en-US" sz="1050">
+                          <a:effectLst/>
+                        </a:rPr>
+                        <a:t>CallNonvirtualDoubleMethod</a:t>
+                      </a:r>
+                      <a:endParaRPr lang="en-US" sz="1400">
+                        <a:effectLst/>
+                        <a:latin typeface="Times New Roman"/>
+                        <a:ea typeface="Calibri"/>
+                        <a:cs typeface="Times New Roman"/>
+                      </a:endParaRPr>
+                    </a:p>
+                  </a:txBody>
+                  <a:tcPr marL="47625" marR="47625" marT="47625" marB="47625" anchor="ctr"/>
+                </a:tc>
+                <a:tc>
+                  <a:txBody>
+                    <a:bodyPr/>
+                    <a:lstStyle/>
+                    <a:p>
+                      <a:pPr marL="0" marR="0" algn="l">
+                        <a:lnSpc>
+                          <a:spcPct val="115000"/>
+                        </a:lnSpc>
+                        <a:spcBef>
+                          <a:spcPts val="0"/>
+                        </a:spcBef>
+                        <a:spcAft>
+                          <a:spcPts val="0"/>
+                        </a:spcAft>
+                      </a:pPr>
+                      <a:r>
+                        <a:rPr lang="en-US" sz="1050">
+                          <a:effectLst/>
+                        </a:rPr>
+                        <a:t>jdouble</a:t>
+                      </a:r>
+                      <a:endParaRPr lang="en-US" sz="1400">
+                        <a:effectLst/>
+                        <a:latin typeface="Times New Roman"/>
+                        <a:ea typeface="Calibri"/>
+                        <a:cs typeface="Times New Roman"/>
+                      </a:endParaRPr>
+                    </a:p>
+                  </a:txBody>
+                  <a:tcPr marL="47625" marR="47625" marT="47625" marB="47625" anchor="ctr"/>
+                </a:tc>
+              </a:tr>
+            </a:tbl>
+          </a:graphicData>
+        </a:graphic>
+      </p:graphicFrame>
+    </p:spTree>
+    <p:extLst>
+      <p:ext uri="{BB962C8B-B14F-4D97-AF65-F5344CB8AC3E}">
+        <p14:creationId xmlns:p14="http://schemas.microsoft.com/office/powerpoint/2010/main" val="545462404"/>
+      </p:ext>
+    </p:extLst>
+  </p:cSld>
+  <p:clrMapOvr>
+    <a:masterClrMapping/>
+  </p:clrMapOvr>
+  <p:timing>
+    <p:tnLst>
+      <p:par>
+        <p:cTn id="1" dur="indefinite" restart="never" nodeType="tmRoot"/>
+      </p:par>
+    </p:tnLst>
+  </p:timing>
+</p:sld>
+</file>
+
+<file path=ppt/slides/slide2.xml><?xml version="1.0" encoding="utf-8"?>
+<p:sld xmlns:a="http://schemas.openxmlformats.org/drawingml/2006/main" xmlns:r="http://schemas.openxmlformats.org/officeDocument/2006/relationships" xmlns:p="http://schemas.openxmlformats.org/presentationml/2006/main">
+  <p:cSld>
+    <p:spTree>
+      <p:nvGrpSpPr>
+        <p:cNvPr id="1" name=""/>
+        <p:cNvGrpSpPr/>
+        <p:nvPr/>
+      </p:nvGrpSpPr>
+      <p:grpSpPr>
+        <a:xfrm>
+          <a:off x="0" y="0"/>
+          <a:ext cx="0" cy="0"/>
+          <a:chOff x="0" y="0"/>
+          <a:chExt cx="0" cy="0"/>
+        </a:xfrm>
+      </p:grpSpPr>
+      <p:sp>
+        <p:nvSpPr>
+          <p:cNvPr id="2" name="Title 1"/>
+          <p:cNvSpPr>
+            <a:spLocks noGrp="1"/>
+          </p:cNvSpPr>
+          <p:nvPr>
+            <p:ph type="title"/>
+          </p:nvPr>
+        </p:nvSpPr>
+        <p:spPr>
+          <a:xfrm>
+            <a:off x="228600" y="579437"/>
+            <a:ext cx="8915400" cy="563563"/>
+          </a:xfrm>
+        </p:spPr>
+        <p:txBody>
+          <a:bodyPr>
+            <a:normAutofit fontScale="90000"/>
+          </a:bodyPr>
+          <a:lstStyle/>
+          <a:p>
+            <a:pPr algn="l"/>
+            <a:r>
+              <a:rPr lang="en-US" cap="all" smtClean="0">
+                <a:ln w="9000" cmpd="sng">
+                  <a:solidFill>
+                    <a:schemeClr val="accent4">
+                      <a:shade val="50000"/>
+                      <a:satMod val="120000"/>
+                    </a:schemeClr>
+                  </a:solidFill>
+                  <a:prstDash val="solid"/>
+                </a:ln>
+                <a:gradFill>
+                  <a:gsLst>
+                    <a:gs pos="0">
+                      <a:schemeClr val="accent4">
+                        <a:shade val="20000"/>
+                        <a:satMod val="245000"/>
+                      </a:schemeClr>
+                    </a:gs>
+                    <a:gs pos="43000">
+                      <a:schemeClr val="accent4">
+                        <a:satMod val="255000"/>
+                      </a:schemeClr>
+                    </a:gs>
+                    <a:gs pos="48000">
+                      <a:schemeClr val="accent4">
+                        <a:shade val="85000"/>
+                        <a:satMod val="255000"/>
+                      </a:schemeClr>
+                    </a:gs>
+                    <a:gs pos="100000">
+                      <a:schemeClr val="accent4">
+                        <a:shade val="20000"/>
+                        <a:satMod val="245000"/>
+                      </a:schemeClr>
+                    </a:gs>
+                  </a:gsLst>
+                  <a:lin ang="5400000"/>
+                </a:gradFill>
+                <a:effectLst>
+                  <a:reflection blurRad="12700" stA="28000" endPos="45000" dist="1000" dir="5400000" sy="-100000" algn="bl" rotWithShape="0"/>
+                </a:effectLst>
+              </a:rPr>
+              <a:t>Nội dung thuyết trình</a:t>
+            </a:r>
+            <a:endParaRPr lang="en-US" cap="all">
+              <a:ln w="9000" cmpd="sng">
+                <a:solidFill>
+                  <a:schemeClr val="accent4">
+                    <a:shade val="50000"/>
+                    <a:satMod val="120000"/>
+                  </a:schemeClr>
+                </a:solidFill>
+                <a:prstDash val="solid"/>
+              </a:ln>
+              <a:gradFill>
+                <a:gsLst>
+                  <a:gs pos="0">
+                    <a:schemeClr val="accent4">
+                      <a:shade val="20000"/>
+                      <a:satMod val="245000"/>
+                    </a:schemeClr>
+                  </a:gs>
+                  <a:gs pos="43000">
+                    <a:schemeClr val="accent4">
+                      <a:satMod val="255000"/>
+                    </a:schemeClr>
+                  </a:gs>
+                  <a:gs pos="48000">
+                    <a:schemeClr val="accent4">
+                      <a:shade val="85000"/>
+                      <a:satMod val="255000"/>
+                    </a:schemeClr>
+                  </a:gs>
+                  <a:gs pos="100000">
+                    <a:schemeClr val="accent4">
+                      <a:shade val="20000"/>
+                      <a:satMod val="245000"/>
+                    </a:schemeClr>
+                  </a:gs>
+                </a:gsLst>
+                <a:lin ang="5400000"/>
+              </a:gradFill>
+              <a:effectLst>
+                <a:reflection blurRad="12700" stA="28000" endPos="45000" dist="1000" dir="5400000" sy="-100000" algn="bl" rotWithShape="0"/>
+              </a:effectLst>
+            </a:endParaRPr>
+          </a:p>
+        </p:txBody>
+      </p:sp>
+      <p:graphicFrame>
+        <p:nvGraphicFramePr>
+          <p:cNvPr id="6" name="Content Placeholder 5"/>
+          <p:cNvGraphicFramePr>
+            <a:graphicFrameLocks noGrp="1"/>
+          </p:cNvGraphicFramePr>
+          <p:nvPr>
+            <p:ph idx="1"/>
+            <p:extLst>
+              <p:ext uri="{D42A27DB-BD31-4B8C-83A1-F6EECF244321}">
+                <p14:modId xmlns:p14="http://schemas.microsoft.com/office/powerpoint/2010/main" val="1062736957"/>
+              </p:ext>
+            </p:extLst>
+          </p:nvPr>
+        </p:nvGraphicFramePr>
+        <p:xfrm>
+          <a:off x="533400" y="1620916"/>
+          <a:ext cx="8229600" cy="4343400"/>
+        </p:xfrm>
+        <a:graphic>
+          <a:graphicData uri="http://schemas.openxmlformats.org/drawingml/2006/diagram">
+            <dgm:relIds xmlns:dgm="http://schemas.openxmlformats.org/drawingml/2006/diagram" xmlns:r="http://schemas.openxmlformats.org/officeDocument/2006/relationships" r:dm="rId2" r:lo="rId3" r:qs="rId4" r:cs="rId5"/>
+          </a:graphicData>
+        </a:graphic>
+      </p:graphicFrame>
+      <p:sp>
+        <p:nvSpPr>
+          <p:cNvPr id="26" name="Hexagon 25"/>
+          <p:cNvSpPr/>
+          <p:nvPr/>
+        </p:nvSpPr>
+        <p:spPr>
+          <a:xfrm>
+            <a:off x="762000" y="1933575"/>
+            <a:ext cx="838200" cy="762000"/>
+          </a:xfrm>
+          <a:prstGeom prst="hexagon">
+            <a:avLst/>
+          </a:prstGeom>
+        </p:spPr>
+        <p:style>
+          <a:lnRef idx="3">
+            <a:schemeClr val="lt1"/>
+          </a:lnRef>
+          <a:fillRef idx="1">
+            <a:schemeClr val="accent2"/>
+          </a:fillRef>
+          <a:effectRef idx="1">
+            <a:schemeClr val="accent2"/>
+          </a:effectRef>
+          <a:fontRef idx="minor">
+            <a:schemeClr val="lt1"/>
+          </a:fontRef>
+        </p:style>
+        <p:txBody>
+          <a:bodyPr rtlCol="0" anchor="ctr"/>
+          <a:lstStyle/>
+          <a:p>
+            <a:pPr algn="ctr"/>
+            <a:r>
+              <a:rPr lang="en-US" sz="2000" b="1" smtClean="0"/>
+              <a:t>1</a:t>
+            </a:r>
+            <a:endParaRPr lang="en-US" sz="2000" b="1"/>
+          </a:p>
+        </p:txBody>
+      </p:sp>
+      <p:sp>
+        <p:nvSpPr>
+          <p:cNvPr id="27" name="Hexagon 26"/>
+          <p:cNvSpPr/>
+          <p:nvPr/>
+        </p:nvSpPr>
+        <p:spPr>
+          <a:xfrm>
+            <a:off x="763814" y="2895600"/>
+            <a:ext cx="838200" cy="762000"/>
+          </a:xfrm>
+          <a:prstGeom prst="hexagon">
+            <a:avLst/>
+          </a:prstGeom>
+        </p:spPr>
+        <p:style>
+          <a:lnRef idx="3">
+            <a:schemeClr val="lt1"/>
+          </a:lnRef>
+          <a:fillRef idx="1">
+            <a:schemeClr val="accent1"/>
+          </a:fillRef>
+          <a:effectRef idx="1">
+            <a:schemeClr val="accent1"/>
+          </a:effectRef>
+          <a:fontRef idx="minor">
+            <a:schemeClr val="lt1"/>
+          </a:fontRef>
+        </p:style>
+        <p:txBody>
+          <a:bodyPr rtlCol="0" anchor="ctr"/>
+          <a:lstStyle/>
+          <a:p>
+            <a:pPr algn="ctr"/>
+            <a:r>
+              <a:rPr lang="en-US" sz="2000" b="1" smtClean="0"/>
+              <a:t>2</a:t>
+            </a:r>
+            <a:endParaRPr lang="en-US" sz="2000" b="1"/>
+          </a:p>
+        </p:txBody>
+      </p:sp>
+      <p:sp>
+        <p:nvSpPr>
+          <p:cNvPr id="28" name="Hexagon 27"/>
+          <p:cNvSpPr/>
+          <p:nvPr/>
+        </p:nvSpPr>
+        <p:spPr>
+          <a:xfrm>
+            <a:off x="762000" y="3867150"/>
+            <a:ext cx="838200" cy="762000"/>
+          </a:xfrm>
+          <a:prstGeom prst="hexagon">
+            <a:avLst/>
+          </a:prstGeom>
+        </p:spPr>
+        <p:style>
+          <a:lnRef idx="3">
+            <a:schemeClr val="lt1"/>
+          </a:lnRef>
+          <a:fillRef idx="1">
+            <a:schemeClr val="accent2"/>
+          </a:fillRef>
+          <a:effectRef idx="1">
+            <a:schemeClr val="accent2"/>
+          </a:effectRef>
+          <a:fontRef idx="minor">
+            <a:schemeClr val="lt1"/>
+          </a:fontRef>
+        </p:style>
+        <p:txBody>
+          <a:bodyPr rtlCol="0" anchor="ctr"/>
+          <a:lstStyle/>
+          <a:p>
+            <a:pPr algn="ctr"/>
+            <a:r>
+              <a:rPr lang="en-US" sz="2000" b="1" smtClean="0"/>
+              <a:t>3</a:t>
+            </a:r>
+            <a:endParaRPr lang="en-US" sz="2000" b="1"/>
+          </a:p>
+        </p:txBody>
+      </p:sp>
+      <p:sp>
+        <p:nvSpPr>
+          <p:cNvPr id="29" name="Hexagon 28"/>
+          <p:cNvSpPr/>
+          <p:nvPr/>
+        </p:nvSpPr>
+        <p:spPr>
+          <a:xfrm>
+            <a:off x="762000" y="4813300"/>
+            <a:ext cx="838200" cy="762000"/>
+          </a:xfrm>
+          <a:prstGeom prst="hexagon">
+            <a:avLst/>
+          </a:prstGeom>
+        </p:spPr>
+        <p:style>
+          <a:lnRef idx="3">
+            <a:schemeClr val="lt1"/>
+          </a:lnRef>
+          <a:fillRef idx="1">
+            <a:schemeClr val="accent1"/>
+          </a:fillRef>
+          <a:effectRef idx="1">
+            <a:schemeClr val="accent1"/>
+          </a:effectRef>
+          <a:fontRef idx="minor">
+            <a:schemeClr val="lt1"/>
+          </a:fontRef>
+        </p:style>
+        <p:txBody>
+          <a:bodyPr rtlCol="0" anchor="ctr"/>
+          <a:lstStyle/>
+          <a:p>
+            <a:pPr algn="ctr"/>
+            <a:r>
+              <a:rPr lang="en-US" sz="2000" b="1" smtClean="0"/>
+              <a:t>4</a:t>
+            </a:r>
+            <a:endParaRPr lang="en-US" sz="2000" b="1"/>
+          </a:p>
+        </p:txBody>
+      </p:sp>
+      <p:sp>
+        <p:nvSpPr>
+          <p:cNvPr id="10" name="Footer Placeholder 9"/>
+          <p:cNvSpPr>
+            <a:spLocks noGrp="1"/>
+          </p:cNvSpPr>
+          <p:nvPr>
+            <p:ph type="ftr" sz="quarter" idx="11"/>
+          </p:nvPr>
+        </p:nvSpPr>
+        <p:spPr>
+          <a:xfrm>
+            <a:off x="7162800" y="152400"/>
+            <a:ext cx="1752600" cy="228600"/>
+          </a:xfrm>
+        </p:spPr>
+        <p:txBody>
+          <a:bodyPr/>
+          <a:lstStyle/>
+          <a:p>
+            <a:r>
+              <a:rPr lang="en-US" smtClean="0"/>
+              <a:t>www.hcmus.edu.vn</a:t>
+            </a:r>
+            <a:endParaRPr lang="en-US"/>
+          </a:p>
+        </p:txBody>
+      </p:sp>
+      <p:sp>
+        <p:nvSpPr>
+          <p:cNvPr id="12" name="Slide Number Placeholder 11"/>
+          <p:cNvSpPr>
+            <a:spLocks noGrp="1"/>
+          </p:cNvSpPr>
+          <p:nvPr>
+            <p:ph type="sldNum" sz="quarter" idx="12"/>
+          </p:nvPr>
+        </p:nvSpPr>
+        <p:spPr>
+          <a:xfrm>
+            <a:off x="3429000" y="6477000"/>
+            <a:ext cx="2133600" cy="381000"/>
+          </a:xfrm>
+        </p:spPr>
+        <p:txBody>
+          <a:bodyPr/>
+          <a:lstStyle/>
+          <a:p>
+            <a:fld id="{B6F15528-21DE-4FAA-801E-634DDDAF4B2B}" type="slidenum">
+              <a:rPr lang="en-US" sz="2000" smtClean="0"/>
+              <a:pPr/>
+              <a:t>2</a:t>
+            </a:fld>
+            <a:endParaRPr lang="en-US" sz="2000"/>
+          </a:p>
+        </p:txBody>
+      </p:sp>
+    </p:spTree>
+    <p:extLst>
+      <p:ext uri="{BB962C8B-B14F-4D97-AF65-F5344CB8AC3E}">
+        <p14:creationId xmlns:p14="http://schemas.microsoft.com/office/powerpoint/2010/main" val="1447732200"/>
+      </p:ext>
+    </p:extLst>
+  </p:cSld>
+  <p:clrMapOvr>
+    <a:masterClrMapping/>
+  </p:clrMapOvr>
+  <p:timing>
+    <p:tnLst>
+      <p:par>
+        <p:cTn id="1" dur="indefinite" restart="never" nodeType="tmRoot"/>
+      </p:par>
+    </p:tnLst>
+  </p:timing>
+</p:sld>
+</file>
+
+<file path=ppt/slides/slide20.xml><?xml version="1.0" encoding="utf-8"?>
+<p:sld xmlns:a="http://schemas.openxmlformats.org/drawingml/2006/main" xmlns:r="http://schemas.openxmlformats.org/officeDocument/2006/relationships" xmlns:p="http://schemas.openxmlformats.org/presentationml/2006/main">
+  <p:cSld>
+    <p:spTree>
+      <p:nvGrpSpPr>
+        <p:cNvPr id="1" name=""/>
+        <p:cNvGrpSpPr/>
+        <p:nvPr/>
+      </p:nvGrpSpPr>
+      <p:grpSpPr>
+        <a:xfrm>
+          <a:off x="0" y="0"/>
+          <a:ext cx="0" cy="0"/>
+          <a:chOff x="0" y="0"/>
+          <a:chExt cx="0" cy="0"/>
+        </a:xfrm>
+      </p:grpSpPr>
+      <p:sp>
+        <p:nvSpPr>
+          <p:cNvPr id="8" name="Title 1"/>
+          <p:cNvSpPr>
+            <a:spLocks noGrp="1"/>
+          </p:cNvSpPr>
+          <p:nvPr>
+            <p:ph type="title"/>
+          </p:nvPr>
+        </p:nvSpPr>
+        <p:spPr>
+          <a:xfrm>
+            <a:off x="228600" y="579437"/>
+            <a:ext cx="9448800" cy="563563"/>
+          </a:xfrm>
+        </p:spPr>
+        <p:txBody>
+          <a:bodyPr>
+            <a:noAutofit/>
+          </a:bodyPr>
+          <a:lstStyle/>
+          <a:p>
+            <a:pPr algn="l"/>
+            <a:r>
+              <a:rPr lang="en-US" sz="2800" cap="all" smtClean="0">
+                <a:ln w="9000" cmpd="sng">
+                  <a:solidFill>
+                    <a:schemeClr val="accent4">
+                      <a:shade val="50000"/>
+                      <a:satMod val="120000"/>
+                    </a:schemeClr>
+                  </a:solidFill>
+                  <a:prstDash val="solid"/>
+                </a:ln>
+                <a:gradFill>
+                  <a:gsLst>
+                    <a:gs pos="0">
+                      <a:schemeClr val="accent4">
+                        <a:shade val="20000"/>
+                        <a:satMod val="245000"/>
+                      </a:schemeClr>
+                    </a:gs>
+                    <a:gs pos="43000">
+                      <a:schemeClr val="accent4">
+                        <a:satMod val="255000"/>
+                      </a:schemeClr>
+                    </a:gs>
+                    <a:gs pos="48000">
+                      <a:schemeClr val="accent4">
+                        <a:shade val="85000"/>
+                        <a:satMod val="255000"/>
+                      </a:schemeClr>
+                    </a:gs>
+                    <a:gs pos="100000">
+                      <a:schemeClr val="accent4">
+                        <a:shade val="20000"/>
+                        <a:satMod val="245000"/>
+                      </a:schemeClr>
+                    </a:gs>
+                  </a:gsLst>
+                  <a:lin ang="5400000"/>
+                </a:gradFill>
+                <a:effectLst>
+                  <a:reflection blurRad="12700" stA="28000" endPos="45000" dist="1000" dir="5400000" sy="-100000" algn="bl" rotWithShape="0"/>
+                </a:effectLst>
+              </a:rPr>
+              <a:t>2.3.Tạo dựng đối tượng java trong jni</a:t>
+            </a:r>
+            <a:endParaRPr lang="en-US" sz="2800" cap="all">
+              <a:ln w="9000" cmpd="sng">
+                <a:solidFill>
+                  <a:schemeClr val="accent4">
+                    <a:shade val="50000"/>
+                    <a:satMod val="120000"/>
+                  </a:schemeClr>
+                </a:solidFill>
+                <a:prstDash val="solid"/>
+              </a:ln>
+              <a:gradFill>
+                <a:gsLst>
+                  <a:gs pos="0">
+                    <a:schemeClr val="accent4">
+                      <a:shade val="20000"/>
+                      <a:satMod val="245000"/>
+                    </a:schemeClr>
+                  </a:gs>
+                  <a:gs pos="43000">
+                    <a:schemeClr val="accent4">
+                      <a:satMod val="255000"/>
+                    </a:schemeClr>
+                  </a:gs>
+                  <a:gs pos="48000">
+                    <a:schemeClr val="accent4">
+                      <a:shade val="85000"/>
+                      <a:satMod val="255000"/>
+                    </a:schemeClr>
+                  </a:gs>
+                  <a:gs pos="100000">
+                    <a:schemeClr val="accent4">
+                      <a:shade val="20000"/>
+                      <a:satMod val="245000"/>
+                    </a:schemeClr>
+                  </a:gs>
+                </a:gsLst>
+                <a:lin ang="5400000"/>
+              </a:gradFill>
+              <a:effectLst>
+                <a:reflection blurRad="12700" stA="28000" endPos="45000" dist="1000" dir="5400000" sy="-100000" algn="bl" rotWithShape="0"/>
+              </a:effectLst>
+            </a:endParaRPr>
+          </a:p>
+        </p:txBody>
+      </p:sp>
+      <p:sp>
+        <p:nvSpPr>
+          <p:cNvPr id="4" name="Footer Placeholder 3"/>
+          <p:cNvSpPr>
+            <a:spLocks noGrp="1"/>
+          </p:cNvSpPr>
+          <p:nvPr>
+            <p:ph type="ftr" sz="quarter" idx="11"/>
+          </p:nvPr>
+        </p:nvSpPr>
+        <p:spPr/>
+        <p:txBody>
+          <a:bodyPr/>
+          <a:lstStyle/>
+          <a:p>
+            <a:r>
+              <a:rPr lang="en-US" smtClean="0"/>
+              <a:t>www.hcmus.edu.vn</a:t>
+            </a:r>
+            <a:endParaRPr lang="en-US"/>
+          </a:p>
+        </p:txBody>
+      </p:sp>
+      <p:sp>
+        <p:nvSpPr>
+          <p:cNvPr id="6" name="Slide Number Placeholder 11"/>
+          <p:cNvSpPr>
+            <a:spLocks noGrp="1"/>
+          </p:cNvSpPr>
+          <p:nvPr>
+            <p:ph type="sldNum" sz="quarter" idx="12"/>
+          </p:nvPr>
+        </p:nvSpPr>
+        <p:spPr>
+          <a:xfrm>
+            <a:off x="3429000" y="6477000"/>
+            <a:ext cx="2133600" cy="381000"/>
+          </a:xfrm>
+        </p:spPr>
+        <p:txBody>
+          <a:bodyPr/>
+          <a:lstStyle/>
+          <a:p>
+            <a:fld id="{B6F15528-21DE-4FAA-801E-634DDDAF4B2B}" type="slidenum">
+              <a:rPr lang="en-US" sz="2000" smtClean="0"/>
+              <a:pPr/>
+              <a:t>20</a:t>
+            </a:fld>
+            <a:endParaRPr lang="en-US" sz="2000"/>
+          </a:p>
+        </p:txBody>
+      </p:sp>
+      <p:sp>
+        <p:nvSpPr>
+          <p:cNvPr id="3" name="Content Placeholder 2"/>
+          <p:cNvSpPr>
+            <a:spLocks noGrp="1"/>
+          </p:cNvSpPr>
+          <p:nvPr>
+            <p:ph idx="1"/>
+          </p:nvPr>
+        </p:nvSpPr>
+        <p:spPr/>
+        <p:txBody>
+          <a:bodyPr/>
+          <a:lstStyle/>
+          <a:p>
+            <a:pPr>
+              <a:buClrTx/>
+              <a:buFont typeface="Wingdings" pitchFamily="2" charset="2"/>
+              <a:buChar char="q"/>
+            </a:pPr>
+            <a:r>
+              <a:rPr lang="en-US" b="0">
+                <a:solidFill>
+                  <a:srgbClr val="000000"/>
+                </a:solidFill>
+              </a:rPr>
+              <a:t>JNI cho phép ta lấy được hàm dựng của một đối tượng qua đó tạo dựng được đối tượng Java.</a:t>
+            </a:r>
+          </a:p>
+          <a:p>
+            <a:pPr>
+              <a:buClrTx/>
+              <a:buFont typeface="Wingdings" pitchFamily="2" charset="2"/>
+              <a:buChar char="q"/>
+            </a:pPr>
+            <a:r>
+              <a:rPr lang="en-US" b="0" smtClean="0">
+                <a:solidFill>
+                  <a:srgbClr val="000000"/>
+                </a:solidFill>
+              </a:rPr>
+              <a:t>Để </a:t>
+            </a:r>
+            <a:r>
+              <a:rPr lang="en-US" b="0">
+                <a:solidFill>
+                  <a:srgbClr val="000000"/>
+                </a:solidFill>
+              </a:rPr>
+              <a:t>tạo đối tượng với hàm dựng có được ta gọi hàm:</a:t>
+            </a:r>
+          </a:p>
+          <a:p>
+            <a:pPr marL="0" indent="0">
+              <a:buClrTx/>
+              <a:buNone/>
+            </a:pPr>
+            <a:r>
+              <a:rPr lang="en-US" b="0" smtClean="0">
+                <a:solidFill>
+                  <a:srgbClr val="000000"/>
+                </a:solidFill>
+              </a:rPr>
+              <a:t>	jobject </a:t>
+            </a:r>
+            <a:r>
+              <a:rPr lang="en-US" b="0">
+                <a:solidFill>
+                  <a:srgbClr val="000000"/>
+                </a:solidFill>
+              </a:rPr>
+              <a:t>NewObject(JNIEnv *env, jclass clazz,</a:t>
+            </a:r>
+            <a:r>
+              <a:rPr lang="en-US" b="0">
+                <a:solidFill>
+                  <a:srgbClr val="000000"/>
+                </a:solidFill>
+              </a:rPr>
+              <a:t> </a:t>
+            </a:r>
+            <a:r>
+              <a:rPr lang="en-US" b="0" smtClean="0">
+                <a:solidFill>
+                  <a:srgbClr val="000000"/>
+                </a:solidFill>
+              </a:rPr>
+              <a:t>jmethodID </a:t>
+            </a:r>
+            <a:r>
+              <a:rPr lang="en-US" b="0">
+                <a:solidFill>
+                  <a:srgbClr val="000000"/>
+                </a:solidFill>
+              </a:rPr>
+              <a:t>methodID, ...);</a:t>
+            </a:r>
+          </a:p>
+        </p:txBody>
+      </p:sp>
+    </p:spTree>
+    <p:extLst>
+      <p:ext uri="{BB962C8B-B14F-4D97-AF65-F5344CB8AC3E}">
+        <p14:creationId xmlns:p14="http://schemas.microsoft.com/office/powerpoint/2010/main" val="303268503"/>
+      </p:ext>
+    </p:extLst>
+  </p:cSld>
+  <p:clrMapOvr>
+    <a:masterClrMapping/>
+  </p:clrMapOvr>
+  <p:timing>
+    <p:tnLst>
+      <p:par>
+        <p:cTn id="1" dur="indefinite" restart="never" nodeType="tmRoot"/>
+      </p:par>
+    </p:tnLst>
+  </p:timing>
+</p:sld>
+</file>
+
+<file path=ppt/slides/slide21.xml><?xml version="1.0" encoding="utf-8"?>
 <p:sld xmlns:a="http://schemas.openxmlformats.org/drawingml/2006/main" xmlns:r="http://schemas.openxmlformats.org/officeDocument/2006/relationships" xmlns:p="http://schemas.openxmlformats.org/presentationml/2006/main">
   <p:cSld>
     <p:spTree>
@@ -14215,7 +16590,7 @@
             <a:fld id="{B6F15528-21DE-4FAA-801E-634DDDAF4B2B}" type="slidenum">
               <a:rPr lang="en-US" sz="2000" smtClean="0"/>
               <a:pPr/>
-              <a:t>18</a:t>
+              <a:t>21</a:t>
             </a:fld>
             <a:endParaRPr lang="en-US" sz="2000"/>
           </a:p>
@@ -14241,7 +16616,7 @@
 </p:sld>
 </file>
 
-<file path=ppt/slides/slide19.xml><?xml version="1.0" encoding="utf-8"?>
+<file path=ppt/slides/slide22.xml><?xml version="1.0" encoding="utf-8"?>
 <p:sld xmlns:a="http://schemas.openxmlformats.org/drawingml/2006/main" xmlns:r="http://schemas.openxmlformats.org/officeDocument/2006/relationships" xmlns:p="http://schemas.openxmlformats.org/presentationml/2006/main">
   <p:cSld>
     <p:spTree>
@@ -14435,7 +16810,7 @@
             <a:fld id="{B6F15528-21DE-4FAA-801E-634DDDAF4B2B}" type="slidenum">
               <a:rPr lang="en-US" sz="2000" smtClean="0"/>
               <a:pPr/>
-              <a:t>19</a:t>
+              <a:t>22</a:t>
             </a:fld>
             <a:endParaRPr lang="en-US" sz="2000"/>
           </a:p>
@@ -14461,407 +16836,7 @@
 </p:sld>
 </file>
 
-<file path=ppt/slides/slide2.xml><?xml version="1.0" encoding="utf-8"?>
-<p:sld xmlns:a="http://schemas.openxmlformats.org/drawingml/2006/main" xmlns:r="http://schemas.openxmlformats.org/officeDocument/2006/relationships" xmlns:p="http://schemas.openxmlformats.org/presentationml/2006/main">
-  <p:cSld>
-    <p:spTree>
-      <p:nvGrpSpPr>
-        <p:cNvPr id="1" name=""/>
-        <p:cNvGrpSpPr/>
-        <p:nvPr/>
-      </p:nvGrpSpPr>
-      <p:grpSpPr>
-        <a:xfrm>
-          <a:off x="0" y="0"/>
-          <a:ext cx="0" cy="0"/>
-          <a:chOff x="0" y="0"/>
-          <a:chExt cx="0" cy="0"/>
-        </a:xfrm>
-      </p:grpSpPr>
-      <p:sp>
-        <p:nvSpPr>
-          <p:cNvPr id="2" name="Title 1"/>
-          <p:cNvSpPr>
-            <a:spLocks noGrp="1"/>
-          </p:cNvSpPr>
-          <p:nvPr>
-            <p:ph type="title"/>
-          </p:nvPr>
-        </p:nvSpPr>
-        <p:spPr>
-          <a:xfrm>
-            <a:off x="228600" y="579437"/>
-            <a:ext cx="8915400" cy="563563"/>
-          </a:xfrm>
-        </p:spPr>
-        <p:txBody>
-          <a:bodyPr>
-            <a:normAutofit fontScale="90000"/>
-          </a:bodyPr>
-          <a:lstStyle/>
-          <a:p>
-            <a:pPr algn="l"/>
-            <a:r>
-              <a:rPr lang="en-US" cap="all" smtClean="0">
-                <a:ln w="9000" cmpd="sng">
-                  <a:solidFill>
-                    <a:schemeClr val="accent4">
-                      <a:shade val="50000"/>
-                      <a:satMod val="120000"/>
-                    </a:schemeClr>
-                  </a:solidFill>
-                  <a:prstDash val="solid"/>
-                </a:ln>
-                <a:gradFill>
-                  <a:gsLst>
-                    <a:gs pos="0">
-                      <a:schemeClr val="accent4">
-                        <a:shade val="20000"/>
-                        <a:satMod val="245000"/>
-                      </a:schemeClr>
-                    </a:gs>
-                    <a:gs pos="43000">
-                      <a:schemeClr val="accent4">
-                        <a:satMod val="255000"/>
-                      </a:schemeClr>
-                    </a:gs>
-                    <a:gs pos="48000">
-                      <a:schemeClr val="accent4">
-                        <a:shade val="85000"/>
-                        <a:satMod val="255000"/>
-                      </a:schemeClr>
-                    </a:gs>
-                    <a:gs pos="100000">
-                      <a:schemeClr val="accent4">
-                        <a:shade val="20000"/>
-                        <a:satMod val="245000"/>
-                      </a:schemeClr>
-                    </a:gs>
-                  </a:gsLst>
-                  <a:lin ang="5400000"/>
-                </a:gradFill>
-                <a:effectLst>
-                  <a:reflection blurRad="12700" stA="28000" endPos="45000" dist="1000" dir="5400000" sy="-100000" algn="bl" rotWithShape="0"/>
-                </a:effectLst>
-              </a:rPr>
-              <a:t>Nội dung thuyết trình</a:t>
-            </a:r>
-            <a:endParaRPr lang="en-US" cap="all">
-              <a:ln w="9000" cmpd="sng">
-                <a:solidFill>
-                  <a:schemeClr val="accent4">
-                    <a:shade val="50000"/>
-                    <a:satMod val="120000"/>
-                  </a:schemeClr>
-                </a:solidFill>
-                <a:prstDash val="solid"/>
-              </a:ln>
-              <a:gradFill>
-                <a:gsLst>
-                  <a:gs pos="0">
-                    <a:schemeClr val="accent4">
-                      <a:shade val="20000"/>
-                      <a:satMod val="245000"/>
-                    </a:schemeClr>
-                  </a:gs>
-                  <a:gs pos="43000">
-                    <a:schemeClr val="accent4">
-                      <a:satMod val="255000"/>
-                    </a:schemeClr>
-                  </a:gs>
-                  <a:gs pos="48000">
-                    <a:schemeClr val="accent4">
-                      <a:shade val="85000"/>
-                      <a:satMod val="255000"/>
-                    </a:schemeClr>
-                  </a:gs>
-                  <a:gs pos="100000">
-                    <a:schemeClr val="accent4">
-                      <a:shade val="20000"/>
-                      <a:satMod val="245000"/>
-                    </a:schemeClr>
-                  </a:gs>
-                </a:gsLst>
-                <a:lin ang="5400000"/>
-              </a:gradFill>
-              <a:effectLst>
-                <a:reflection blurRad="12700" stA="28000" endPos="45000" dist="1000" dir="5400000" sy="-100000" algn="bl" rotWithShape="0"/>
-              </a:effectLst>
-            </a:endParaRPr>
-          </a:p>
-        </p:txBody>
-      </p:sp>
-      <p:graphicFrame>
-        <p:nvGraphicFramePr>
-          <p:cNvPr id="6" name="Content Placeholder 5"/>
-          <p:cNvGraphicFramePr>
-            <a:graphicFrameLocks noGrp="1"/>
-          </p:cNvGraphicFramePr>
-          <p:nvPr>
-            <p:ph idx="1"/>
-            <p:extLst>
-              <p:ext uri="{D42A27DB-BD31-4B8C-83A1-F6EECF244321}">
-                <p14:modId xmlns:p14="http://schemas.microsoft.com/office/powerpoint/2010/main" val="1062736957"/>
-              </p:ext>
-            </p:extLst>
-          </p:nvPr>
-        </p:nvGraphicFramePr>
-        <p:xfrm>
-          <a:off x="533400" y="1620916"/>
-          <a:ext cx="8229600" cy="4343400"/>
-        </p:xfrm>
-        <a:graphic>
-          <a:graphicData uri="http://schemas.openxmlformats.org/drawingml/2006/diagram">
-            <dgm:relIds xmlns:dgm="http://schemas.openxmlformats.org/drawingml/2006/diagram" xmlns:r="http://schemas.openxmlformats.org/officeDocument/2006/relationships" r:dm="rId2" r:lo="rId3" r:qs="rId4" r:cs="rId5"/>
-          </a:graphicData>
-        </a:graphic>
-      </p:graphicFrame>
-      <p:sp>
-        <p:nvSpPr>
-          <p:cNvPr id="26" name="Hexagon 25"/>
-          <p:cNvSpPr/>
-          <p:nvPr/>
-        </p:nvSpPr>
-        <p:spPr>
-          <a:xfrm>
-            <a:off x="762000" y="1933575"/>
-            <a:ext cx="838200" cy="762000"/>
-          </a:xfrm>
-          <a:prstGeom prst="hexagon">
-            <a:avLst/>
-          </a:prstGeom>
-        </p:spPr>
-        <p:style>
-          <a:lnRef idx="3">
-            <a:schemeClr val="lt1"/>
-          </a:lnRef>
-          <a:fillRef idx="1">
-            <a:schemeClr val="accent2"/>
-          </a:fillRef>
-          <a:effectRef idx="1">
-            <a:schemeClr val="accent2"/>
-          </a:effectRef>
-          <a:fontRef idx="minor">
-            <a:schemeClr val="lt1"/>
-          </a:fontRef>
-        </p:style>
-        <p:txBody>
-          <a:bodyPr rtlCol="0" anchor="ctr"/>
-          <a:lstStyle/>
-          <a:p>
-            <a:pPr algn="ctr"/>
-            <a:r>
-              <a:rPr lang="en-US" sz="2000" b="1" smtClean="0"/>
-              <a:t>1</a:t>
-            </a:r>
-            <a:endParaRPr lang="en-US" sz="2000" b="1"/>
-          </a:p>
-        </p:txBody>
-      </p:sp>
-      <p:sp>
-        <p:nvSpPr>
-          <p:cNvPr id="27" name="Hexagon 26"/>
-          <p:cNvSpPr/>
-          <p:nvPr/>
-        </p:nvSpPr>
-        <p:spPr>
-          <a:xfrm>
-            <a:off x="763814" y="2895600"/>
-            <a:ext cx="838200" cy="762000"/>
-          </a:xfrm>
-          <a:prstGeom prst="hexagon">
-            <a:avLst/>
-          </a:prstGeom>
-        </p:spPr>
-        <p:style>
-          <a:lnRef idx="3">
-            <a:schemeClr val="lt1"/>
-          </a:lnRef>
-          <a:fillRef idx="1">
-            <a:schemeClr val="accent1"/>
-          </a:fillRef>
-          <a:effectRef idx="1">
-            <a:schemeClr val="accent1"/>
-          </a:effectRef>
-          <a:fontRef idx="minor">
-            <a:schemeClr val="lt1"/>
-          </a:fontRef>
-        </p:style>
-        <p:txBody>
-          <a:bodyPr rtlCol="0" anchor="ctr"/>
-          <a:lstStyle/>
-          <a:p>
-            <a:pPr algn="ctr"/>
-            <a:r>
-              <a:rPr lang="en-US" sz="2000" b="1" smtClean="0"/>
-              <a:t>2</a:t>
-            </a:r>
-            <a:endParaRPr lang="en-US" sz="2000" b="1"/>
-          </a:p>
-        </p:txBody>
-      </p:sp>
-      <p:sp>
-        <p:nvSpPr>
-          <p:cNvPr id="28" name="Hexagon 27"/>
-          <p:cNvSpPr/>
-          <p:nvPr/>
-        </p:nvSpPr>
-        <p:spPr>
-          <a:xfrm>
-            <a:off x="762000" y="3867150"/>
-            <a:ext cx="838200" cy="762000"/>
-          </a:xfrm>
-          <a:prstGeom prst="hexagon">
-            <a:avLst/>
-          </a:prstGeom>
-        </p:spPr>
-        <p:style>
-          <a:lnRef idx="3">
-            <a:schemeClr val="lt1"/>
-          </a:lnRef>
-          <a:fillRef idx="1">
-            <a:schemeClr val="accent2"/>
-          </a:fillRef>
-          <a:effectRef idx="1">
-            <a:schemeClr val="accent2"/>
-          </a:effectRef>
-          <a:fontRef idx="minor">
-            <a:schemeClr val="lt1"/>
-          </a:fontRef>
-        </p:style>
-        <p:txBody>
-          <a:bodyPr rtlCol="0" anchor="ctr"/>
-          <a:lstStyle/>
-          <a:p>
-            <a:pPr algn="ctr"/>
-            <a:r>
-              <a:rPr lang="en-US" sz="2000" b="1" smtClean="0"/>
-              <a:t>3</a:t>
-            </a:r>
-            <a:endParaRPr lang="en-US" sz="2000" b="1"/>
-          </a:p>
-        </p:txBody>
-      </p:sp>
-      <p:sp>
-        <p:nvSpPr>
-          <p:cNvPr id="29" name="Hexagon 28"/>
-          <p:cNvSpPr/>
-          <p:nvPr/>
-        </p:nvSpPr>
-        <p:spPr>
-          <a:xfrm>
-            <a:off x="762000" y="4813300"/>
-            <a:ext cx="838200" cy="762000"/>
-          </a:xfrm>
-          <a:prstGeom prst="hexagon">
-            <a:avLst/>
-          </a:prstGeom>
-        </p:spPr>
-        <p:style>
-          <a:lnRef idx="3">
-            <a:schemeClr val="lt1"/>
-          </a:lnRef>
-          <a:fillRef idx="1">
-            <a:schemeClr val="accent1"/>
-          </a:fillRef>
-          <a:effectRef idx="1">
-            <a:schemeClr val="accent1"/>
-          </a:effectRef>
-          <a:fontRef idx="minor">
-            <a:schemeClr val="lt1"/>
-          </a:fontRef>
-        </p:style>
-        <p:txBody>
-          <a:bodyPr rtlCol="0" anchor="ctr"/>
-          <a:lstStyle/>
-          <a:p>
-            <a:pPr algn="ctr"/>
-            <a:r>
-              <a:rPr lang="en-US" sz="2000" b="1" smtClean="0"/>
-              <a:t>4</a:t>
-            </a:r>
-            <a:endParaRPr lang="en-US" sz="2000" b="1"/>
-          </a:p>
-        </p:txBody>
-      </p:sp>
-      <p:sp>
-        <p:nvSpPr>
-          <p:cNvPr id="10" name="Footer Placeholder 9"/>
-          <p:cNvSpPr>
-            <a:spLocks noGrp="1"/>
-          </p:cNvSpPr>
-          <p:nvPr>
-            <p:ph type="ftr" sz="quarter" idx="11"/>
-          </p:nvPr>
-        </p:nvSpPr>
-        <p:spPr>
-          <a:xfrm>
-            <a:off x="7162800" y="152400"/>
-            <a:ext cx="1752600" cy="228600"/>
-          </a:xfrm>
-        </p:spPr>
-        <p:txBody>
-          <a:bodyPr/>
-          <a:lstStyle/>
-          <a:p>
-            <a:r>
-              <a:rPr lang="en-US" smtClean="0"/>
-              <a:t>www.hcmus.edu.vn</a:t>
-            </a:r>
-            <a:endParaRPr lang="en-US"/>
-          </a:p>
-        </p:txBody>
-      </p:sp>
-      <p:sp>
-        <p:nvSpPr>
-          <p:cNvPr id="12" name="Slide Number Placeholder 11"/>
-          <p:cNvSpPr>
-            <a:spLocks noGrp="1"/>
-          </p:cNvSpPr>
-          <p:nvPr>
-            <p:ph type="sldNum" sz="quarter" idx="12"/>
-          </p:nvPr>
-        </p:nvSpPr>
-        <p:spPr>
-          <a:xfrm>
-            <a:off x="3429000" y="6477000"/>
-            <a:ext cx="2133600" cy="381000"/>
-          </a:xfrm>
-        </p:spPr>
-        <p:txBody>
-          <a:bodyPr/>
-          <a:lstStyle/>
-          <a:p>
-            <a:fld id="{B6F15528-21DE-4FAA-801E-634DDDAF4B2B}" type="slidenum">
-              <a:rPr lang="en-US" sz="2000" smtClean="0"/>
-              <a:pPr/>
-              <a:t>2</a:t>
-            </a:fld>
-            <a:endParaRPr lang="en-US" sz="2000"/>
-          </a:p>
-        </p:txBody>
-      </p:sp>
-    </p:spTree>
-    <p:extLst>
-      <p:ext uri="{BB962C8B-B14F-4D97-AF65-F5344CB8AC3E}">
-        <p14:creationId xmlns:p14="http://schemas.microsoft.com/office/powerpoint/2010/main" val="1447732200"/>
-      </p:ext>
-    </p:extLst>
-  </p:cSld>
-  <p:clrMapOvr>
-    <a:masterClrMapping/>
-  </p:clrMapOvr>
-  <p:timing>
-    <p:tnLst>
-      <p:par>
-        <p:cTn id="1" dur="indefinite" restart="never" nodeType="tmRoot"/>
-      </p:par>
-    </p:tnLst>
-  </p:timing>
-</p:sld>
-</file>
-
-<file path=ppt/slides/slide20.xml><?xml version="1.0" encoding="utf-8"?>
+<file path=ppt/slides/slide23.xml><?xml version="1.0" encoding="utf-8"?>
 <p:sld xmlns:a="http://schemas.openxmlformats.org/drawingml/2006/main" xmlns:r="http://schemas.openxmlformats.org/officeDocument/2006/relationships" xmlns:p="http://schemas.openxmlformats.org/presentationml/2006/main">
   <p:cSld>
     <p:spTree>
@@ -15036,7 +17011,7 @@
             <a:fld id="{B6F15528-21DE-4FAA-801E-634DDDAF4B2B}" type="slidenum">
               <a:rPr lang="en-US" sz="2000" smtClean="0"/>
               <a:pPr/>
-              <a:t>20</a:t>
+              <a:t>23</a:t>
             </a:fld>
             <a:endParaRPr lang="en-US" sz="2000"/>
           </a:p>
@@ -15138,7 +17113,7 @@
 </p:sld>
 </file>
 
-<file path=ppt/slides/slide21.xml><?xml version="1.0" encoding="utf-8"?>
+<file path=ppt/slides/slide24.xml><?xml version="1.0" encoding="utf-8"?>
 <p:sld xmlns:a="http://schemas.openxmlformats.org/drawingml/2006/main" xmlns:r="http://schemas.openxmlformats.org/officeDocument/2006/relationships" xmlns:p="http://schemas.openxmlformats.org/presentationml/2006/main">
   <p:cSld>
     <p:spTree>
@@ -15277,12 +17252,17 @@
             <p:ph idx="1"/>
           </p:nvPr>
         </p:nvSpPr>
-        <p:spPr/>
+        <p:spPr>
+          <a:xfrm>
+            <a:off x="457200" y="1447800"/>
+            <a:ext cx="8534400" cy="4800600"/>
+          </a:xfrm>
+        </p:spPr>
         <p:txBody>
           <a:bodyPr/>
           <a:lstStyle/>
           <a:p>
-            <a:pPr lvl="0">
+            <a:pPr lvl="0" algn="just">
               <a:buClr>
                 <a:srgbClr val="000000"/>
               </a:buClr>
@@ -15327,7 +17307,7 @@
             </a:r>
           </a:p>
           <a:p>
-            <a:pPr lvl="0">
+            <a:pPr lvl="0" algn="just">
               <a:buClr>
                 <a:srgbClr val="000000"/>
               </a:buClr>
@@ -15443,7 +17423,7 @@
             <a:fld id="{B6F15528-21DE-4FAA-801E-634DDDAF4B2B}" type="slidenum">
               <a:rPr lang="en-US" sz="2000" smtClean="0"/>
               <a:pPr/>
-              <a:t>21</a:t>
+              <a:t>24</a:t>
             </a:fld>
             <a:endParaRPr lang="en-US" sz="2000"/>
           </a:p>
@@ -15469,7 +17449,7 @@
 </p:sld>
 </file>
 
-<file path=ppt/slides/slide22.xml><?xml version="1.0" encoding="utf-8"?>
+<file path=ppt/slides/slide25.xml><?xml version="1.0" encoding="utf-8"?>
 <p:sld xmlns:a="http://schemas.openxmlformats.org/drawingml/2006/main" xmlns:r="http://schemas.openxmlformats.org/officeDocument/2006/relationships" xmlns:p="http://schemas.openxmlformats.org/presentationml/2006/main">
   <p:cSld>
     <p:spTree>
@@ -15644,7 +17624,7 @@
             <a:fld id="{B6F15528-21DE-4FAA-801E-634DDDAF4B2B}" type="slidenum">
               <a:rPr lang="en-US" sz="2000" smtClean="0"/>
               <a:pPr/>
-              <a:t>22</a:t>
+              <a:t>25</a:t>
             </a:fld>
             <a:endParaRPr lang="en-US" sz="2000"/>
           </a:p>
@@ -15746,7 +17726,7 @@
 </p:sld>
 </file>
 
-<file path=ppt/slides/slide23.xml><?xml version="1.0" encoding="utf-8"?>
+<file path=ppt/slides/slide26.xml><?xml version="1.0" encoding="utf-8"?>
 <p:sld xmlns:a="http://schemas.openxmlformats.org/drawingml/2006/main" xmlns:r="http://schemas.openxmlformats.org/officeDocument/2006/relationships" xmlns:p="http://schemas.openxmlformats.org/presentationml/2006/main">
   <p:cSld>
     <p:spTree>
@@ -15914,7 +17894,12 @@
             <p:ph type="ftr" sz="quarter" idx="11"/>
           </p:nvPr>
         </p:nvSpPr>
-        <p:spPr/>
+        <p:spPr>
+          <a:xfrm>
+            <a:off x="7162800" y="152400"/>
+            <a:ext cx="1752600" cy="228600"/>
+          </a:xfrm>
+        </p:spPr>
         <p:txBody>
           <a:bodyPr/>
           <a:lstStyle/>
@@ -15950,7 +17935,7 @@
             <a:fld id="{B6F15528-21DE-4FAA-801E-634DDDAF4B2B}" type="slidenum">
               <a:rPr lang="en-US" sz="2000" smtClean="0"/>
               <a:pPr/>
-              <a:t>23</a:t>
+              <a:t>26</a:t>
             </a:fld>
             <a:endParaRPr lang="en-US" sz="2000"/>
           </a:p>
@@ -16018,7 +18003,7 @@
 </p:sld>
 </file>
 
-<file path=ppt/slides/slide24.xml><?xml version="1.0" encoding="utf-8"?>
+<file path=ppt/slides/slide27.xml><?xml version="1.0" encoding="utf-8"?>
 <p:sld xmlns:a="http://schemas.openxmlformats.org/drawingml/2006/main" xmlns:r="http://schemas.openxmlformats.org/officeDocument/2006/relationships" xmlns:p="http://schemas.openxmlformats.org/presentationml/2006/main">
   <p:cSld>
     <p:spTree>
@@ -16097,7 +18082,7 @@
         </p:nvSpPr>
         <p:spPr>
           <a:xfrm>
-            <a:off x="2819400" y="1905000"/>
+            <a:off x="2743200" y="4191000"/>
             <a:ext cx="7162800" cy="1981200"/>
           </a:xfrm>
         </p:spPr>
@@ -16148,7 +18133,52 @@
                   <a:reflection blurRad="12700" stA="28000" endPos="45000" dist="1000" dir="5400000" sy="-100000" algn="bl" rotWithShape="0"/>
                 </a:effectLst>
               </a:rPr>
-              <a:t>END !</a:t>
+              <a:t>END </a:t>
+            </a:r>
+            <a:r>
+              <a:rPr lang="en-US" cap="all" smtClean="0">
+                <a:ln w="9000" cmpd="sng">
+                  <a:solidFill>
+                    <a:schemeClr val="accent4">
+                      <a:shade val="50000"/>
+                      <a:satMod val="120000"/>
+                    </a:schemeClr>
+                  </a:solidFill>
+                  <a:prstDash val="solid"/>
+                </a:ln>
+                <a:gradFill>
+                  <a:gsLst>
+                    <a:gs pos="0">
+                      <a:schemeClr val="accent4">
+                        <a:shade val="20000"/>
+                        <a:satMod val="245000"/>
+                      </a:schemeClr>
+                    </a:gs>
+                    <a:gs pos="43000">
+                      <a:schemeClr val="accent4">
+                        <a:satMod val="255000"/>
+                      </a:schemeClr>
+                    </a:gs>
+                    <a:gs pos="48000">
+                      <a:schemeClr val="accent4">
+                        <a:shade val="85000"/>
+                        <a:satMod val="255000"/>
+                      </a:schemeClr>
+                    </a:gs>
+                    <a:gs pos="100000">
+                      <a:schemeClr val="accent4">
+                        <a:shade val="20000"/>
+                        <a:satMod val="245000"/>
+                      </a:schemeClr>
+                    </a:gs>
+                  </a:gsLst>
+                  <a:lin ang="5400000"/>
+                </a:gradFill>
+                <a:effectLst>
+                  <a:reflection blurRad="12700" stA="28000" endPos="45000" dist="1000" dir="5400000" sy="-100000" algn="bl" rotWithShape="0"/>
+                </a:effectLst>
+              </a:rPr>
+              <a:t>!</a:t>
             </a:r>
             <a:br>
               <a:rPr lang="en-US" cap="all" smtClean="0">
@@ -16195,6 +18225,51 @@
               </a:rPr>
             </a:br>
             <a:r>
+              <a:rPr lang="en-US" cap="all">
+                <a:ln w="9000" cmpd="sng">
+                  <a:solidFill>
+                    <a:schemeClr val="accent4">
+                      <a:shade val="50000"/>
+                      <a:satMod val="120000"/>
+                    </a:schemeClr>
+                  </a:solidFill>
+                  <a:prstDash val="solid"/>
+                </a:ln>
+                <a:gradFill>
+                  <a:gsLst>
+                    <a:gs pos="0">
+                      <a:schemeClr val="accent4">
+                        <a:shade val="20000"/>
+                        <a:satMod val="245000"/>
+                      </a:schemeClr>
+                    </a:gs>
+                    <a:gs pos="43000">
+                      <a:schemeClr val="accent4">
+                        <a:satMod val="255000"/>
+                      </a:schemeClr>
+                    </a:gs>
+                    <a:gs pos="48000">
+                      <a:schemeClr val="accent4">
+                        <a:shade val="85000"/>
+                        <a:satMod val="255000"/>
+                      </a:schemeClr>
+                    </a:gs>
+                    <a:gs pos="100000">
+                      <a:schemeClr val="accent4">
+                        <a:shade val="20000"/>
+                        <a:satMod val="245000"/>
+                      </a:schemeClr>
+                    </a:gs>
+                  </a:gsLst>
+                  <a:lin ang="5400000"/>
+                </a:gradFill>
+                <a:effectLst>
+                  <a:reflection blurRad="12700" stA="28000" endPos="45000" dist="1000" dir="5400000" sy="-100000" algn="bl" rotWithShape="0"/>
+                </a:effectLst>
+              </a:rPr>
+              <a:t>	</a:t>
+            </a:r>
+            <a:r>
               <a:rPr lang="en-US" cap="all" smtClean="0">
                 <a:ln w="9000" cmpd="sng">
                   <a:solidFill>
@@ -16237,7 +18312,52 @@
                   <a:reflection blurRad="12700" stA="28000" endPos="45000" dist="1000" dir="5400000" sy="-100000" algn="bl" rotWithShape="0"/>
                 </a:effectLst>
               </a:rPr>
-              <a:t>	Question ?</a:t>
+              <a:t>Thank YOU !</a:t>
+            </a:r>
+            <a:r>
+              <a:rPr lang="en-US" cap="all" smtClean="0">
+                <a:ln w="9000" cmpd="sng">
+                  <a:solidFill>
+                    <a:schemeClr val="accent4">
+                      <a:shade val="50000"/>
+                      <a:satMod val="120000"/>
+                    </a:schemeClr>
+                  </a:solidFill>
+                  <a:prstDash val="solid"/>
+                </a:ln>
+                <a:gradFill>
+                  <a:gsLst>
+                    <a:gs pos="0">
+                      <a:schemeClr val="accent4">
+                        <a:shade val="20000"/>
+                        <a:satMod val="245000"/>
+                      </a:schemeClr>
+                    </a:gs>
+                    <a:gs pos="43000">
+                      <a:schemeClr val="accent4">
+                        <a:satMod val="255000"/>
+                      </a:schemeClr>
+                    </a:gs>
+                    <a:gs pos="48000">
+                      <a:schemeClr val="accent4">
+                        <a:shade val="85000"/>
+                        <a:satMod val="255000"/>
+                      </a:schemeClr>
+                    </a:gs>
+                    <a:gs pos="100000">
+                      <a:schemeClr val="accent4">
+                        <a:shade val="20000"/>
+                        <a:satMod val="245000"/>
+                      </a:schemeClr>
+                    </a:gs>
+                  </a:gsLst>
+                  <a:lin ang="5400000"/>
+                </a:gradFill>
+                <a:effectLst>
+                  <a:reflection blurRad="12700" stA="28000" endPos="45000" dist="1000" dir="5400000" sy="-100000" algn="bl" rotWithShape="0"/>
+                </a:effectLst>
+              </a:rPr>
+              <a:t/>
             </a:r>
             <a:br>
               <a:rPr lang="en-US" cap="all" smtClean="0">
@@ -16384,6 +18504,217 @@
           </a:p>
         </p:txBody>
       </p:sp>
+      <p:sp>
+        <p:nvSpPr>
+          <p:cNvPr id="3" name="Cloud Callout 2"/>
+          <p:cNvSpPr/>
+          <p:nvPr/>
+        </p:nvSpPr>
+        <p:spPr>
+          <a:xfrm>
+            <a:off x="2514600" y="124691"/>
+            <a:ext cx="4114800" cy="2133600"/>
+          </a:xfrm>
+          <a:prstGeom prst="cloudCallout">
+            <a:avLst>
+              <a:gd name="adj1" fmla="val -53015"/>
+              <a:gd name="adj2" fmla="val 67370"/>
+            </a:avLst>
+          </a:prstGeom>
+        </p:spPr>
+        <p:style>
+          <a:lnRef idx="2">
+            <a:schemeClr val="accent4"/>
+          </a:lnRef>
+          <a:fillRef idx="1">
+            <a:schemeClr val="lt1"/>
+          </a:fillRef>
+          <a:effectRef idx="0">
+            <a:schemeClr val="accent4"/>
+          </a:effectRef>
+          <a:fontRef idx="minor">
+            <a:schemeClr val="dk1"/>
+          </a:fontRef>
+        </p:style>
+        <p:txBody>
+          <a:bodyPr rtlCol="0" anchor="ctr"/>
+          <a:lstStyle/>
+          <a:p>
+            <a:pPr algn="ctr"/>
+            <a:endParaRPr lang="en-US" sz="3200" b="1" cap="all" smtClean="0">
+              <a:ln w="9000" cmpd="sng">
+                <a:solidFill>
+                  <a:schemeClr val="accent4">
+                    <a:shade val="50000"/>
+                    <a:satMod val="120000"/>
+                  </a:schemeClr>
+                </a:solidFill>
+                <a:prstDash val="solid"/>
+              </a:ln>
+              <a:gradFill>
+                <a:gsLst>
+                  <a:gs pos="0">
+                    <a:schemeClr val="accent4">
+                      <a:shade val="20000"/>
+                      <a:satMod val="245000"/>
+                    </a:schemeClr>
+                  </a:gs>
+                  <a:gs pos="43000">
+                    <a:schemeClr val="accent4">
+                      <a:satMod val="255000"/>
+                    </a:schemeClr>
+                  </a:gs>
+                  <a:gs pos="48000">
+                    <a:schemeClr val="accent4">
+                      <a:shade val="85000"/>
+                      <a:satMod val="255000"/>
+                    </a:schemeClr>
+                  </a:gs>
+                  <a:gs pos="100000">
+                    <a:schemeClr val="accent4">
+                      <a:shade val="20000"/>
+                      <a:satMod val="245000"/>
+                    </a:schemeClr>
+                  </a:gs>
+                </a:gsLst>
+                <a:lin ang="5400000"/>
+              </a:gradFill>
+              <a:effectLst>
+                <a:reflection blurRad="12700" stA="28000" endPos="45000" dist="1000" dir="5400000" sy="-100000" algn="bl" rotWithShape="0"/>
+              </a:effectLst>
+            </a:endParaRPr>
+          </a:p>
+          <a:p>
+            <a:pPr algn="ctr"/>
+            <a:r>
+              <a:rPr lang="en-US" sz="3200" b="1" cap="all" smtClean="0">
+                <a:ln w="9000" cmpd="sng">
+                  <a:solidFill>
+                    <a:schemeClr val="accent4">
+                      <a:shade val="50000"/>
+                      <a:satMod val="120000"/>
+                    </a:schemeClr>
+                  </a:solidFill>
+                  <a:prstDash val="solid"/>
+                </a:ln>
+                <a:gradFill>
+                  <a:gsLst>
+                    <a:gs pos="0">
+                      <a:schemeClr val="accent4">
+                        <a:shade val="20000"/>
+                        <a:satMod val="245000"/>
+                      </a:schemeClr>
+                    </a:gs>
+                    <a:gs pos="43000">
+                      <a:schemeClr val="accent4">
+                        <a:satMod val="255000"/>
+                      </a:schemeClr>
+                    </a:gs>
+                    <a:gs pos="48000">
+                      <a:schemeClr val="accent4">
+                        <a:shade val="85000"/>
+                        <a:satMod val="255000"/>
+                      </a:schemeClr>
+                    </a:gs>
+                    <a:gs pos="100000">
+                      <a:schemeClr val="accent4">
+                        <a:shade val="20000"/>
+                        <a:satMod val="245000"/>
+                      </a:schemeClr>
+                    </a:gs>
+                  </a:gsLst>
+                  <a:lin ang="5400000"/>
+                </a:gradFill>
+                <a:effectLst>
+                  <a:reflection blurRad="12700" stA="28000" endPos="45000" dist="1000" dir="5400000" sy="-100000" algn="bl" rotWithShape="0"/>
+                </a:effectLst>
+              </a:rPr>
+              <a:t>Question ?</a:t>
+            </a:r>
+            <a:endParaRPr lang="en-US" sz="3200" b="1" cap="all">
+              <a:ln w="9000" cmpd="sng">
+                <a:solidFill>
+                  <a:schemeClr val="accent4">
+                    <a:shade val="50000"/>
+                    <a:satMod val="120000"/>
+                  </a:schemeClr>
+                </a:solidFill>
+                <a:prstDash val="solid"/>
+              </a:ln>
+              <a:gradFill>
+                <a:gsLst>
+                  <a:gs pos="0">
+                    <a:schemeClr val="accent4">
+                      <a:shade val="20000"/>
+                      <a:satMod val="245000"/>
+                    </a:schemeClr>
+                  </a:gs>
+                  <a:gs pos="43000">
+                    <a:schemeClr val="accent4">
+                      <a:satMod val="255000"/>
+                    </a:schemeClr>
+                  </a:gs>
+                  <a:gs pos="48000">
+                    <a:schemeClr val="accent4">
+                      <a:shade val="85000"/>
+                      <a:satMod val="255000"/>
+                    </a:schemeClr>
+                  </a:gs>
+                  <a:gs pos="100000">
+                    <a:schemeClr val="accent4">
+                      <a:shade val="20000"/>
+                      <a:satMod val="245000"/>
+                    </a:schemeClr>
+                  </a:gs>
+                </a:gsLst>
+                <a:lin ang="5400000"/>
+              </a:gradFill>
+              <a:effectLst>
+                <a:reflection blurRad="12700" stA="28000" endPos="45000" dist="1000" dir="5400000" sy="-100000" algn="bl" rotWithShape="0"/>
+              </a:effectLst>
+            </a:endParaRPr>
+          </a:p>
+        </p:txBody>
+      </p:sp>
+      <p:sp>
+        <p:nvSpPr>
+          <p:cNvPr id="11" name="Footer Placeholder 3"/>
+          <p:cNvSpPr>
+            <a:spLocks noGrp="1"/>
+          </p:cNvSpPr>
+          <p:nvPr>
+            <p:ph type="ftr" sz="quarter" idx="4294967295"/>
+          </p:nvPr>
+        </p:nvSpPr>
+        <p:spPr>
+          <a:xfrm>
+            <a:off x="7391400" y="152400"/>
+            <a:ext cx="1752600" cy="228600"/>
+          </a:xfrm>
+          <a:prstGeom prst="rect">
+            <a:avLst/>
+          </a:prstGeom>
+        </p:spPr>
+        <p:txBody>
+          <a:bodyPr/>
+          <a:lstStyle/>
+          <a:p>
+            <a:r>
+              <a:rPr lang="en-US" sz="1000" smtClean="0">
+                <a:solidFill>
+                  <a:schemeClr val="bg1"/>
+                </a:solidFill>
+              </a:rPr>
+              <a:t>www.hcmus.edu.vn</a:t>
+            </a:r>
+            <a:endParaRPr lang="en-US" sz="1000">
+              <a:solidFill>
+                <a:schemeClr val="bg1"/>
+              </a:solidFill>
+            </a:endParaRPr>
+          </a:p>
+        </p:txBody>
+      </p:sp>
     </p:spTree>
     <p:extLst>
       <p:ext uri="{BB962C8B-B14F-4D97-AF65-F5344CB8AC3E}">
@@ -16946,12 +19277,17 @@
             <p:ph idx="1"/>
           </p:nvPr>
         </p:nvSpPr>
-        <p:spPr/>
+        <p:spPr>
+          <a:xfrm>
+            <a:off x="457200" y="1447800"/>
+            <a:ext cx="8458200" cy="4800600"/>
+          </a:xfrm>
+        </p:spPr>
         <p:txBody>
           <a:bodyPr/>
           <a:lstStyle/>
           <a:p>
-            <a:pPr>
+            <a:pPr algn="just">
               <a:buClrTx/>
               <a:buFont typeface="Wingdings" pitchFamily="2" charset="2"/>
               <a:buChar char="q"/>
@@ -16962,11 +19298,27 @@
                   <a:srgbClr val="000000"/>
                 </a:solidFill>
               </a:rPr>
-              <a:t>Java Native Interface (JNI) là phần nền tảng của Java, là một interface trung gian cho phép kết nối ứng dụng Java với các ứng dụng hoặc thư viện viết bằng ngôn ngữ khác (C, C++).</a:t>
-            </a:r>
-          </a:p>
-          <a:p>
-            <a:pPr>
+              <a:t>Java Native Interface (JNI) là </a:t>
+            </a:r>
+            <a:r>
+              <a:rPr lang="en-US" b="0" smtClean="0">
+                <a:solidFill>
+                  <a:srgbClr val="000000"/>
+                </a:solidFill>
+              </a:rPr>
+              <a:t>một phần </a:t>
+            </a:r>
+            <a:r>
+              <a:rPr lang="en-US" b="0">
+                <a:solidFill>
+                  <a:srgbClr val="000000"/>
+                </a:solidFill>
+              </a:rPr>
+              <a:t>nền tảng của Java, là một interface trung gian cho phép kết nối ứng dụng Java với các ứng dụng hoặc thư viện viết bằng ngôn ngữ khác (C, C++).</a:t>
+            </a:r>
+          </a:p>
+          <a:p>
+            <a:pPr algn="just">
               <a:buClrTx/>
               <a:buFont typeface="Wingdings" pitchFamily="2" charset="2"/>
               <a:buChar char="q"/>
@@ -16986,7 +19338,7 @@
             </a:endParaRPr>
           </a:p>
           <a:p>
-            <a:pPr>
+            <a:pPr algn="just">
               <a:buClrTx/>
               <a:buFont typeface="Wingdings" pitchFamily="2" charset="2"/>
               <a:buChar char="q"/>
@@ -17227,12 +19579,17 @@
             <p:ph idx="1"/>
           </p:nvPr>
         </p:nvSpPr>
-        <p:spPr/>
+        <p:spPr>
+          <a:xfrm>
+            <a:off x="457200" y="1447800"/>
+            <a:ext cx="8534400" cy="4800600"/>
+          </a:xfrm>
+        </p:spPr>
         <p:txBody>
           <a:bodyPr/>
           <a:lstStyle/>
           <a:p>
-            <a:pPr lvl="0">
+            <a:pPr lvl="0" algn="just">
               <a:buClrTx/>
               <a:buFont typeface="Wingdings" pitchFamily="2" charset="2"/>
               <a:buChar char="q"/>
@@ -17247,7 +19604,7 @@
             </a:r>
           </a:p>
           <a:p>
-            <a:pPr lvl="0">
+            <a:pPr lvl="0" algn="just">
               <a:buClrTx/>
               <a:buFont typeface="Wingdings" pitchFamily="2" charset="2"/>
               <a:buChar char="q"/>
@@ -17696,12 +20053,17 @@
             <p:ph idx="1"/>
           </p:nvPr>
         </p:nvSpPr>
-        <p:spPr/>
+        <p:spPr>
+          <a:xfrm>
+            <a:off x="457200" y="1447800"/>
+            <a:ext cx="8458200" cy="4800600"/>
+          </a:xfrm>
+        </p:spPr>
         <p:txBody>
           <a:bodyPr/>
           <a:lstStyle/>
           <a:p>
-            <a:pPr lvl="0">
+            <a:pPr lvl="0" algn="just">
               <a:buClrTx/>
               <a:buFont typeface="Wingdings" pitchFamily="2" charset="2"/>
               <a:buChar char="q"/>
@@ -17740,7 +20102,7 @@
             </a:r>
           </a:p>
           <a:p>
-            <a:pPr lvl="0">
+            <a:pPr lvl="0" algn="just">
               <a:buClrTx/>
               <a:buFont typeface="Wingdings" pitchFamily="2" charset="2"/>
               <a:buChar char="q"/>
@@ -17760,7 +20122,7 @@
             </a:endParaRPr>
           </a:p>
           <a:p>
-            <a:pPr>
+            <a:pPr algn="just">
               <a:buClrTx/>
             </a:pPr>
             <a:endParaRPr lang="en-US" b="0">
@@ -17983,12 +20345,17 @@
             <p:ph idx="1"/>
           </p:nvPr>
         </p:nvSpPr>
-        <p:spPr/>
+        <p:spPr>
+          <a:xfrm>
+            <a:off x="457200" y="1447800"/>
+            <a:ext cx="8458200" cy="4800600"/>
+          </a:xfrm>
+        </p:spPr>
         <p:txBody>
           <a:bodyPr/>
           <a:lstStyle/>
           <a:p>
-            <a:pPr lvl="0"/>
+            <a:pPr lvl="0" algn="just"/>
             <a:r>
               <a:rPr lang="en-US" b="0" smtClean="0">
                 <a:solidFill>
@@ -17999,7 +20366,7 @@
             </a:r>
           </a:p>
           <a:p>
-            <a:pPr lvl="0"/>
+            <a:pPr lvl="0" algn="just"/>
             <a:r>
               <a:rPr lang="en-US" b="0" smtClean="0">
                 <a:solidFill>
@@ -18010,7 +20377,7 @@
             </a:r>
           </a:p>
           <a:p>
-            <a:pPr lvl="0"/>
+            <a:pPr lvl="0" algn="just"/>
             <a:r>
               <a:rPr lang="en-US" b="0" smtClean="0">
                 <a:solidFill>
@@ -18021,7 +20388,7 @@
             </a:r>
           </a:p>
           <a:p>
-            <a:pPr lvl="0"/>
+            <a:pPr lvl="0" algn="just"/>
             <a:r>
               <a:rPr lang="en-US" b="0" smtClean="0">
                 <a:solidFill>
@@ -18032,7 +20399,7 @@
             </a:r>
           </a:p>
           <a:p>
-            <a:pPr lvl="0"/>
+            <a:pPr lvl="0" algn="just"/>
             <a:r>
               <a:rPr lang="en-US" b="0" smtClean="0">
                 <a:solidFill>
@@ -18043,6 +20410,7 @@
             </a:r>
           </a:p>
           <a:p>
+            <a:pPr algn="just"/>
             <a:r>
               <a:rPr lang="en-US" b="0" smtClean="0">
                 <a:solidFill>
@@ -18053,6 +20421,7 @@
             </a:r>
           </a:p>
           <a:p>
+            <a:pPr algn="just"/>
             <a:endParaRPr lang="en-US" b="0">
               <a:solidFill>
                 <a:srgbClr val="000000"/>

--- a/trunk/Seminar_JNI/Slide_00.pptx
+++ b/trunk/Seminar_JNI/Slide_00.pptx
@@ -5,10 +5,10 @@
     <p:sldMasterId id="2147484495" r:id="rId1"/>
   </p:sldMasterIdLst>
   <p:notesMasterIdLst>
-    <p:notesMasterId r:id="rId29"/>
+    <p:notesMasterId r:id="rId33"/>
   </p:notesMasterIdLst>
   <p:handoutMasterIdLst>
-    <p:handoutMasterId r:id="rId30"/>
+    <p:handoutMasterId r:id="rId34"/>
   </p:handoutMasterIdLst>
   <p:sldIdLst>
     <p:sldId id="256" r:id="rId2"/>
@@ -21,23 +21,27 @@
     <p:sldId id="270" r:id="rId9"/>
     <p:sldId id="272" r:id="rId10"/>
     <p:sldId id="275" r:id="rId11"/>
-    <p:sldId id="274" r:id="rId12"/>
-    <p:sldId id="284" r:id="rId13"/>
-    <p:sldId id="285" r:id="rId14"/>
-    <p:sldId id="287" r:id="rId15"/>
-    <p:sldId id="286" r:id="rId16"/>
-    <p:sldId id="288" r:id="rId17"/>
-    <p:sldId id="289" r:id="rId18"/>
-    <p:sldId id="290" r:id="rId19"/>
-    <p:sldId id="291" r:id="rId20"/>
-    <p:sldId id="292" r:id="rId21"/>
-    <p:sldId id="276" r:id="rId22"/>
-    <p:sldId id="279" r:id="rId23"/>
-    <p:sldId id="277" r:id="rId24"/>
-    <p:sldId id="283" r:id="rId25"/>
-    <p:sldId id="282" r:id="rId26"/>
-    <p:sldId id="280" r:id="rId27"/>
-    <p:sldId id="281" r:id="rId28"/>
+    <p:sldId id="293" r:id="rId12"/>
+    <p:sldId id="294" r:id="rId13"/>
+    <p:sldId id="295" r:id="rId14"/>
+    <p:sldId id="296" r:id="rId15"/>
+    <p:sldId id="274" r:id="rId16"/>
+    <p:sldId id="284" r:id="rId17"/>
+    <p:sldId id="285" r:id="rId18"/>
+    <p:sldId id="287" r:id="rId19"/>
+    <p:sldId id="286" r:id="rId20"/>
+    <p:sldId id="288" r:id="rId21"/>
+    <p:sldId id="289" r:id="rId22"/>
+    <p:sldId id="290" r:id="rId23"/>
+    <p:sldId id="291" r:id="rId24"/>
+    <p:sldId id="292" r:id="rId25"/>
+    <p:sldId id="276" r:id="rId26"/>
+    <p:sldId id="279" r:id="rId27"/>
+    <p:sldId id="277" r:id="rId28"/>
+    <p:sldId id="283" r:id="rId29"/>
+    <p:sldId id="282" r:id="rId30"/>
+    <p:sldId id="280" r:id="rId31"/>
+    <p:sldId id="281" r:id="rId32"/>
   </p:sldIdLst>
   <p:sldSz cx="9144000" cy="6858000" type="screen4x3"/>
   <p:notesSz cx="6858000" cy="9144000"/>
@@ -3642,6 +3646,32 @@
           <a:bodyPr/>
           <a:lstStyle/>
           <a:p>
+            <a:r>
+              <a:rPr lang="en-US" smtClean="0"/>
+              <a:t>Thời</a:t>
+            </a:r>
+            <a:r>
+              <a:rPr lang="en-US" baseline="0" smtClean="0"/>
+              <a:t> gian thuyết trình: </a:t>
+            </a:r>
+          </a:p>
+          <a:p>
+            <a:r>
+              <a:rPr lang="en-US" baseline="0" smtClean="0"/>
+              <a:t>2:15 -&gt; 2:45</a:t>
+            </a:r>
+          </a:p>
+          <a:p>
+            <a:r>
+              <a:rPr lang="en-US" baseline="0" smtClean="0"/>
+              <a:t>30phút ^_^</a:t>
+            </a:r>
+          </a:p>
+          <a:p>
+            <a:r>
+              <a:rPr lang="en-US" baseline="0" smtClean="0"/>
+              <a:t>Ngày 23/05/2012</a:t>
+            </a:r>
             <a:endParaRPr lang="en-US"/>
           </a:p>
         </p:txBody>
@@ -3704,17 +3734,34 @@
           <a:lstStyle/>
           <a:p>
             <a:r>
-              <a:rPr lang="en-US" sz="1200" kern="1200" smtClean="0">
-                <a:solidFill>
-                  <a:schemeClr val="tx1"/>
-                </a:solidFill>
-                <a:effectLst/>
-                <a:latin typeface="+mn-lt"/>
-                <a:ea typeface="+mn-ea"/>
-                <a:cs typeface="+mn-cs"/>
-              </a:rPr>
-              <a:t>Các tham số giống như phần truy xuất Field. Tuy nhiên phần sig sẽ là method descriptor.</a:t>
-            </a:r>
+              <a:rPr lang="en-US" b="1" smtClean="0"/>
+              <a:t>Parameters GET</a:t>
+            </a:r>
+            <a:r>
+              <a:rPr lang="en-US" smtClean="0"/>
+              <a:t> </a:t>
+            </a:r>
+          </a:p>
+          <a:p>
+            <a:r>
+              <a:rPr lang="en-US" smtClean="0"/>
+              <a:t>env: JNIEnv interface pointer.</a:t>
+            </a:r>
+          </a:p>
+          <a:p>
+            <a:r>
+              <a:rPr lang="en-US" smtClean="0"/>
+              <a:t>jclass: trỏ đến class có field được truy xuất.</a:t>
+            </a:r>
+          </a:p>
+          <a:p>
+            <a:r>
+              <a:rPr lang="en-US" smtClean="0"/>
+              <a:t>fieldID: một biến có kiểu jfieldID đại diện cho field được truy xuất.</a:t>
+            </a:r>
+          </a:p>
+          <a:p>
+            <a:endParaRPr lang="en-US" smtClean="0"/>
           </a:p>
           <a:p>
             <a:endParaRPr lang="en-US" smtClean="0"/>
@@ -3782,16 +3829,24 @@
           <a:lstStyle/>
           <a:p>
             <a:r>
-              <a:rPr lang="en-US" sz="1200" kern="1200" smtClean="0">
-                <a:solidFill>
-                  <a:schemeClr val="tx1"/>
-                </a:solidFill>
-                <a:effectLst/>
-                <a:latin typeface="+mn-lt"/>
-                <a:ea typeface="+mn-ea"/>
-                <a:cs typeface="+mn-cs"/>
-              </a:rPr>
-              <a:t>Các tham số giống như phần truy xuất Field. Tuy nhiên phần sig sẽ là method descriptor.</a:t>
+              <a:rPr lang="en-US" b="1" smtClean="0"/>
+              <a:t>Parameters</a:t>
+            </a:r>
+            <a:r>
+              <a:rPr lang="en-US" smtClean="0"/>
+              <a:t>  env: JNIEnv interface pointer.</a:t>
+            </a:r>
+          </a:p>
+          <a:p>
+            <a:r>
+              <a:rPr lang="en-US" smtClean="0"/>
+              <a:t>	jclass: trỏ đến class có field được truy xuất.</a:t>
+            </a:r>
+          </a:p>
+          <a:p>
+            <a:r>
+              <a:rPr lang="en-US" smtClean="0"/>
+              <a:t>	fieldID: một biến có kiểu jfieldID đại diện cho field được truy xuất.</a:t>
             </a:r>
           </a:p>
           <a:p>
@@ -3859,49 +3914,7 @@
           <a:bodyPr/>
           <a:lstStyle/>
           <a:p>
-            <a:pPr marL="60325" lvl="1" indent="0">
-              <a:buClrTx/>
-              <a:buFont typeface="Wingdings" pitchFamily="2" charset="2"/>
-              <a:buNone/>
-            </a:pPr>
-            <a:r>
-              <a:rPr lang="en-US" b="1" smtClean="0">
-                <a:solidFill>
-                  <a:srgbClr val="000000"/>
-                </a:solidFill>
-              </a:rPr>
-              <a:t>Method descriptor </a:t>
-            </a:r>
-          </a:p>
-          <a:p>
-            <a:pPr marL="60325" lvl="1" indent="0">
-              <a:buClrTx/>
-              <a:buFont typeface="Wingdings" pitchFamily="2" charset="2"/>
-              <a:buNone/>
-            </a:pPr>
-            <a:r>
-              <a:rPr lang="en-US" b="0" smtClean="0">
-                <a:solidFill>
-                  <a:srgbClr val="000000"/>
-                </a:solidFill>
-              </a:rPr>
-              <a:t>Nội dụng của ? thì giống với Field descriptor. </a:t>
-            </a:r>
-          </a:p>
-          <a:p>
-            <a:pPr marL="60325" lvl="1" indent="0">
-              <a:buClrTx/>
-              <a:buFont typeface="Wingdings" pitchFamily="2" charset="2"/>
-              <a:buNone/>
-            </a:pPr>
-            <a:r>
-              <a:rPr lang="en-US" b="0" smtClean="0">
-                <a:solidFill>
-                  <a:srgbClr val="000000"/>
-                </a:solidFill>
-              </a:rPr>
-              <a:t>Lưu ý là void có ký hiệu là “V”. </a:t>
-            </a:r>
+            <a:endParaRPr lang="en-US"/>
           </a:p>
         </p:txBody>
       </p:sp>
@@ -3962,16 +3975,78 @@
           <a:bodyPr/>
           <a:lstStyle/>
           <a:p>
-            <a:pPr marL="60325" lvl="1" indent="0">
-              <a:buClrTx/>
-              <a:buFont typeface="Wingdings" pitchFamily="2" charset="2"/>
-              <a:buNone/>
-            </a:pPr>
-            <a:endParaRPr lang="en-US" b="0" smtClean="0">
-              <a:solidFill>
-                <a:srgbClr val="000000"/>
-              </a:solidFill>
-            </a:endParaRPr>
+            <a:pPr lvl="1"/>
+            <a:r>
+              <a:rPr lang="en-US" sz="1200" b="1" kern="1200" smtClean="0">
+                <a:solidFill>
+                  <a:schemeClr val="tx1"/>
+                </a:solidFill>
+                <a:effectLst/>
+                <a:latin typeface="+mn-lt"/>
+                <a:ea typeface="+mn-ea"/>
+                <a:cs typeface="+mn-cs"/>
+              </a:rPr>
+              <a:t>Field Descriptors</a:t>
+            </a:r>
+          </a:p>
+          <a:p>
+            <a:r>
+              <a:rPr lang="en-US" sz="1200" kern="1200" smtClean="0">
+                <a:solidFill>
+                  <a:schemeClr val="tx1"/>
+                </a:solidFill>
+                <a:effectLst/>
+                <a:latin typeface="+mn-lt"/>
+                <a:ea typeface="+mn-ea"/>
+                <a:cs typeface="+mn-cs"/>
+              </a:rPr>
+              <a:t>Là một chuỗi dùng để biểu diễn kiểu dữ liệu của field.</a:t>
+            </a:r>
+          </a:p>
+          <a:p>
+            <a:r>
+              <a:rPr lang="en-US" sz="1200" kern="1200" smtClean="0">
+                <a:solidFill>
+                  <a:schemeClr val="tx1"/>
+                </a:solidFill>
+                <a:effectLst/>
+                <a:latin typeface="+mn-lt"/>
+                <a:ea typeface="+mn-ea"/>
+                <a:cs typeface="+mn-cs"/>
+              </a:rPr>
+              <a:t>Với các kiểu cơ bản mô tả sẽ đơn giản hơn như: int có chuỗi mô tả là “I”, float có “F”, double có “D”, boolean có “Z”.</a:t>
+            </a:r>
+          </a:p>
+          <a:p>
+            <a:r>
+              <a:rPr lang="en-US" sz="1200" kern="1200" smtClean="0">
+                <a:solidFill>
+                  <a:schemeClr val="tx1"/>
+                </a:solidFill>
+                <a:effectLst/>
+                <a:latin typeface="+mn-lt"/>
+                <a:ea typeface="+mn-ea"/>
+                <a:cs typeface="+mn-cs"/>
+              </a:rPr>
+              <a:t>Với các kiểu dữ liệu khác thì mô tả theo package name của nó. Chẳng hạn như kiểu String có thuộc package: java.lang.String thì chuỗi mô tả tương ứng là “Ljava/lang/String;”.</a:t>
+            </a:r>
+          </a:p>
+          <a:p>
+            <a:r>
+              <a:rPr lang="en-US" sz="1200" kern="1200" smtClean="0">
+                <a:solidFill>
+                  <a:schemeClr val="tx1"/>
+                </a:solidFill>
+                <a:effectLst/>
+                <a:latin typeface="+mn-lt"/>
+                <a:ea typeface="+mn-ea"/>
+                <a:cs typeface="+mn-cs"/>
+              </a:rPr>
+              <a:t>Có một cách khác để biết chuỗi mô tả của các filed trong lớp java là dùng tool javap đi kèm trong JDK với tham số -s -p TenClass</a:t>
+            </a:r>
+          </a:p>
+          <a:p>
+            <a:endParaRPr lang="en-US"/>
           </a:p>
         </p:txBody>
       </p:sp>
@@ -4042,17 +4117,14 @@
                 <a:ea typeface="+mn-ea"/>
                 <a:cs typeface="+mn-cs"/>
               </a:rPr>
-              <a:t>Việc gọi hàm này tương đương với lời gọi super.f() trong java.</a:t>
-            </a:r>
-            <a:endParaRPr lang="en-US" sz="1200" kern="1200">
-              <a:solidFill>
-                <a:schemeClr val="tx1"/>
-              </a:solidFill>
-              <a:effectLst/>
-              <a:latin typeface="+mn-lt"/>
-              <a:ea typeface="+mn-ea"/>
-              <a:cs typeface="+mn-cs"/>
-            </a:endParaRPr>
+              <a:t>Các tham số giống như phần truy xuất Field. Tuy nhiên phần sig sẽ là method descriptor.</a:t>
+            </a:r>
+          </a:p>
+          <a:p>
+            <a:endParaRPr lang="en-US" smtClean="0"/>
+          </a:p>
+          <a:p>
+            <a:endParaRPr lang="en-US"/>
           </a:p>
         </p:txBody>
       </p:sp>
@@ -4113,39 +4185,24 @@
           <a:bodyPr/>
           <a:lstStyle/>
           <a:p>
-            <a:pPr>
-              <a:buClrTx/>
-              <a:buFont typeface="Wingdings" pitchFamily="2" charset="2"/>
-              <a:buNone/>
-            </a:pPr>
-            <a:r>
-              <a:rPr lang="en-US" sz="1200" b="0" smtClean="0">
+            <a:r>
+              <a:rPr lang="en-US" sz="1200" kern="1200" smtClean="0">
                 <a:solidFill>
-                  <a:srgbClr val="000000"/>
+                  <a:schemeClr val="tx1"/>
                 </a:solidFill>
+                <a:effectLst/>
+                <a:latin typeface="+mn-lt"/>
+                <a:ea typeface="+mn-ea"/>
+                <a:cs typeface="+mn-cs"/>
               </a:rPr>
-              <a:t>Cũng giống như gọi method bình thường ta cần có methodId, jclass…</a:t>
-            </a:r>
-          </a:p>
-          <a:p>
-            <a:pPr>
-              <a:buClrTx/>
-              <a:buFont typeface="Wingdings" pitchFamily="2" charset="2"/>
-              <a:buNone/>
-            </a:pPr>
-            <a:r>
-              <a:rPr lang="en-US" sz="1200" b="0" smtClean="0">
-                <a:solidFill>
-                  <a:srgbClr val="000000"/>
-                </a:solidFill>
-              </a:rPr>
-              <a:t>Để có được methodId có thể gọi hàm GetMethodID với name là “&lt;init&gt;” mà chuỗi mô tả method là tùy theo tham số đầu vào của hàm dựng (giá trị trả về luôn là “V” vì hàm dựng không trả về).</a:t>
-            </a:r>
-            <a:endParaRPr lang="en-US" sz="1200" b="0">
-              <a:solidFill>
-                <a:srgbClr val="000000"/>
-              </a:solidFill>
-            </a:endParaRPr>
+              <a:t>Các tham số giống như phần truy xuất Field. Tuy nhiên phần sig sẽ là method descriptor.</a:t>
+            </a:r>
+          </a:p>
+          <a:p>
+            <a:endParaRPr lang="en-US" smtClean="0"/>
+          </a:p>
+          <a:p>
+            <a:endParaRPr lang="en-US"/>
           </a:p>
         </p:txBody>
       </p:sp>
@@ -4206,19 +4263,49 @@
           <a:bodyPr/>
           <a:lstStyle/>
           <a:p>
-            <a:r>
-              <a:rPr lang="en-US" sz="1200" kern="1200" smtClean="0">
+            <a:pPr marL="60325" lvl="1" indent="0">
+              <a:buClrTx/>
+              <a:buFont typeface="Wingdings" pitchFamily="2" charset="2"/>
+              <a:buNone/>
+            </a:pPr>
+            <a:r>
+              <a:rPr lang="en-US" b="1" smtClean="0">
                 <a:solidFill>
-                  <a:schemeClr val="tx1"/>
+                  <a:srgbClr val="000000"/>
                 </a:solidFill>
-                <a:effectLst/>
-                <a:latin typeface="+mn-lt"/>
-                <a:ea typeface="+mn-ea"/>
-                <a:cs typeface="+mn-cs"/>
               </a:rPr>
-              <a:t> Tham số của method có thể truyền vào phần sau hàm.</a:t>
-            </a:r>
-            <a:endParaRPr lang="en-US"/>
+              <a:t>Method descriptor </a:t>
+            </a:r>
+          </a:p>
+          <a:p>
+            <a:pPr marL="60325" lvl="1" indent="0">
+              <a:buClrTx/>
+              <a:buFont typeface="Wingdings" pitchFamily="2" charset="2"/>
+              <a:buNone/>
+            </a:pPr>
+            <a:r>
+              <a:rPr lang="en-US" b="0" smtClean="0">
+                <a:solidFill>
+                  <a:srgbClr val="000000"/>
+                </a:solidFill>
+              </a:rPr>
+              <a:t>Nội dụng của ? thì giống với Field descriptor. </a:t>
+            </a:r>
+          </a:p>
+          <a:p>
+            <a:pPr marL="60325" lvl="1" indent="0">
+              <a:buClrTx/>
+              <a:buFont typeface="Wingdings" pitchFamily="2" charset="2"/>
+              <a:buNone/>
+            </a:pPr>
+            <a:r>
+              <a:rPr lang="en-US" b="0" smtClean="0">
+                <a:solidFill>
+                  <a:srgbClr val="000000"/>
+                </a:solidFill>
+              </a:rPr>
+              <a:t>Lưu ý là void có ký hiệu là “V”. </a:t>
+            </a:r>
           </a:p>
         </p:txBody>
       </p:sp>
@@ -4279,7 +4366,16 @@
           <a:bodyPr/>
           <a:lstStyle/>
           <a:p>
-            <a:endParaRPr lang="en-US"/>
+            <a:pPr marL="60325" lvl="1" indent="0">
+              <a:buClrTx/>
+              <a:buFont typeface="Wingdings" pitchFamily="2" charset="2"/>
+              <a:buNone/>
+            </a:pPr>
+            <a:endParaRPr lang="en-US" b="0" smtClean="0">
+              <a:solidFill>
+                <a:srgbClr val="000000"/>
+              </a:solidFill>
+            </a:endParaRPr>
           </a:p>
         </p:txBody>
       </p:sp>
@@ -4340,7 +4436,27 @@
           <a:bodyPr/>
           <a:lstStyle/>
           <a:p>
-            <a:endParaRPr lang="en-US"/>
+            <a:r>
+              <a:rPr lang="en-US" sz="1200" kern="1200" smtClean="0">
+                <a:solidFill>
+                  <a:schemeClr val="tx1"/>
+                </a:solidFill>
+                <a:effectLst/>
+                <a:latin typeface="+mn-lt"/>
+                <a:ea typeface="+mn-ea"/>
+                <a:cs typeface="+mn-cs"/>
+              </a:rPr>
+              <a:t>Việc gọi hàm này tương đương với lời gọi super.f() trong java.</a:t>
+            </a:r>
+            <a:endParaRPr lang="en-US" sz="1200" kern="1200">
+              <a:solidFill>
+                <a:schemeClr val="tx1"/>
+              </a:solidFill>
+              <a:effectLst/>
+              <a:latin typeface="+mn-lt"/>
+              <a:ea typeface="+mn-ea"/>
+              <a:cs typeface="+mn-cs"/>
+            </a:endParaRPr>
           </a:p>
         </p:txBody>
       </p:sp>
@@ -4401,157 +4517,39 @@
           <a:bodyPr/>
           <a:lstStyle/>
           <a:p>
-            <a:pPr lvl="0"/>
-            <a:r>
-              <a:rPr lang="en-US" sz="1200" b="1" kern="1200" smtClean="0">
+            <a:pPr>
+              <a:buClrTx/>
+              <a:buFont typeface="Wingdings" pitchFamily="2" charset="2"/>
+              <a:buNone/>
+            </a:pPr>
+            <a:r>
+              <a:rPr lang="en-US" sz="1200" b="0" smtClean="0">
                 <a:solidFill>
-                  <a:schemeClr val="tx1"/>
+                  <a:srgbClr val="000000"/>
                 </a:solidFill>
-                <a:effectLst/>
-                <a:latin typeface="+mn-lt"/>
-                <a:ea typeface="+mn-ea"/>
-                <a:cs typeface="+mn-cs"/>
               </a:rPr>
-              <a:t>JNA</a:t>
-            </a:r>
-            <a:r>
-              <a:rPr lang="en-US" sz="1200" kern="1200" smtClean="0">
+              <a:t>Cũng giống như gọi method bình thường ta cần có methodId, jclass…</a:t>
+            </a:r>
+          </a:p>
+          <a:p>
+            <a:pPr>
+              <a:buClrTx/>
+              <a:buFont typeface="Wingdings" pitchFamily="2" charset="2"/>
+              <a:buNone/>
+            </a:pPr>
+            <a:r>
+              <a:rPr lang="en-US" sz="1200" b="0" smtClean="0">
                 <a:solidFill>
-                  <a:schemeClr val="tx1"/>
+                  <a:srgbClr val="000000"/>
                 </a:solidFill>
-                <a:effectLst/>
-                <a:latin typeface="+mn-lt"/>
-                <a:ea typeface="+mn-ea"/>
-                <a:cs typeface="+mn-cs"/>
               </a:rPr>
-              <a:t>: </a:t>
-            </a:r>
-            <a:r>
-              <a:rPr lang="en-US" sz="1200" kern="1200" smtClean="0">
-                <a:solidFill>
-                  <a:schemeClr val="tx1"/>
-                </a:solidFill>
-                <a:effectLst/>
-                <a:latin typeface="+mn-lt"/>
-                <a:ea typeface="+mn-ea"/>
-                <a:cs typeface="+mn-cs"/>
-              </a:rPr>
-              <a:t>JKhông </a:t>
-            </a:r>
-            <a:r>
-              <a:rPr lang="en-US" sz="1200" kern="1200" smtClean="0">
-                <a:solidFill>
-                  <a:schemeClr val="tx1"/>
-                </a:solidFill>
-                <a:effectLst/>
-                <a:latin typeface="+mn-lt"/>
-                <a:ea typeface="+mn-ea"/>
-                <a:cs typeface="+mn-cs"/>
-              </a:rPr>
-              <a:t>giống như JNI, nó không yêu cầu để tạo ra mã bằng cách sử dụng chức năng C. Để sử dụng chúng, chỉ đơn giản sử các tập tin có định nghĩa chúng và tuyên bố tiêu đề của các chức năng này trong một giao diện.</a:t>
-            </a:r>
-          </a:p>
-          <a:p>
-            <a:pPr lvl="0"/>
-            <a:r>
-              <a:rPr lang="en-US" sz="1200" b="1" kern="1200" smtClean="0">
-                <a:solidFill>
-                  <a:schemeClr val="tx1"/>
-                </a:solidFill>
-                <a:effectLst/>
-                <a:latin typeface="+mn-lt"/>
-                <a:ea typeface="+mn-ea"/>
-                <a:cs typeface="+mn-cs"/>
-              </a:rPr>
-              <a:t>JNA</a:t>
-            </a:r>
-            <a:r>
-              <a:rPr lang="en-US" sz="1200" kern="1200" smtClean="0">
-                <a:solidFill>
-                  <a:schemeClr val="tx1"/>
-                </a:solidFill>
-                <a:effectLst/>
-                <a:latin typeface="+mn-lt"/>
-                <a:ea typeface="+mn-ea"/>
-                <a:cs typeface="+mn-cs"/>
-              </a:rPr>
-              <a:t> </a:t>
-            </a:r>
-            <a:r>
-              <a:rPr lang="en-US" sz="1200" kern="1200" smtClean="0">
-                <a:solidFill>
-                  <a:schemeClr val="tx1"/>
-                </a:solidFill>
-                <a:effectLst/>
-                <a:latin typeface="+mn-lt"/>
-                <a:ea typeface="+mn-ea"/>
-                <a:cs typeface="+mn-cs"/>
-              </a:rPr>
-              <a:t>thiết kế nhằm mục đích để cung cấp các truy cập một cách tự nhiên, ít tốn công sức.</a:t>
-            </a:r>
-          </a:p>
-          <a:p>
-            <a:pPr lvl="0"/>
-            <a:r>
-              <a:rPr lang="en-US" sz="1200" kern="1200" smtClean="0">
-                <a:solidFill>
-                  <a:schemeClr val="tx1"/>
-                </a:solidFill>
-                <a:effectLst/>
-                <a:latin typeface="+mn-lt"/>
-                <a:ea typeface="+mn-ea"/>
-                <a:cs typeface="+mn-cs"/>
-              </a:rPr>
-              <a:t>Các thư viện yêu cầu sử dụng</a:t>
-            </a:r>
-          </a:p>
-          <a:p>
-            <a:pPr lvl="1"/>
-            <a:r>
-              <a:rPr lang="en-US" sz="1200" kern="1200" smtClean="0">
-                <a:solidFill>
-                  <a:schemeClr val="tx1"/>
-                </a:solidFill>
-                <a:effectLst/>
-                <a:latin typeface="+mn-lt"/>
-                <a:ea typeface="+mn-ea"/>
-                <a:cs typeface="+mn-cs"/>
-              </a:rPr>
-              <a:t>import com.sun.jna.Library;</a:t>
-            </a:r>
-          </a:p>
-          <a:p>
-            <a:pPr lvl="1"/>
-            <a:r>
-              <a:rPr lang="en-US" sz="1200" kern="1200" smtClean="0">
-                <a:solidFill>
-                  <a:schemeClr val="tx1"/>
-                </a:solidFill>
-                <a:effectLst/>
-                <a:latin typeface="+mn-lt"/>
-                <a:ea typeface="+mn-ea"/>
-                <a:cs typeface="+mn-cs"/>
-              </a:rPr>
-              <a:t>import com.sun.jna.Native;</a:t>
-            </a:r>
-          </a:p>
-          <a:p>
-            <a:pPr lvl="1"/>
-            <a:r>
-              <a:rPr lang="en-US" sz="1200" kern="1200" smtClean="0">
-                <a:solidFill>
-                  <a:schemeClr val="tx1"/>
-                </a:solidFill>
-                <a:effectLst/>
-                <a:latin typeface="+mn-lt"/>
-                <a:ea typeface="+mn-ea"/>
-                <a:cs typeface="+mn-cs"/>
-              </a:rPr>
-              <a:t>import com.sun.jna.Platform;</a:t>
-            </a:r>
-          </a:p>
-          <a:p>
-            <a:endParaRPr lang="en-US"/>
+              <a:t>Để có được methodId có thể gọi hàm GetMethodID với name là “&lt;init&gt;” mà chuỗi mô tả method là tùy theo tham số đầu vào của hàm dựng (giá trị trả về luôn là “V” vì hàm dựng không trả về).</a:t>
+            </a:r>
+            <a:endParaRPr lang="en-US" sz="1200" b="0">
+              <a:solidFill>
+                <a:srgbClr val="000000"/>
+              </a:solidFill>
+            </a:endParaRPr>
           </a:p>
         </p:txBody>
       </p:sp>
@@ -4765,6 +4763,18 @@
           <a:bodyPr/>
           <a:lstStyle/>
           <a:p>
+            <a:r>
+              <a:rPr lang="en-US" sz="1200" kern="1200" smtClean="0">
+                <a:solidFill>
+                  <a:schemeClr val="tx1"/>
+                </a:solidFill>
+                <a:effectLst/>
+                <a:latin typeface="+mn-lt"/>
+                <a:ea typeface="+mn-ea"/>
+                <a:cs typeface="+mn-cs"/>
+              </a:rPr>
+              <a:t> Tham số của method có thể truyền vào phần sau hàm.</a:t>
+            </a:r>
             <a:endParaRPr lang="en-US"/>
           </a:p>
         </p:txBody>
@@ -4894,6 +4904,400 @@
     </p:spTree>
     <p:extLst>
       <p:ext uri="{BB962C8B-B14F-4D97-AF65-F5344CB8AC3E}">
+        <p14:creationId xmlns:p14="http://schemas.microsoft.com/office/powerpoint/2010/main" val="3087672818"/>
+      </p:ext>
+    </p:extLst>
+  </p:cSld>
+  <p:clrMapOvr>
+    <a:masterClrMapping/>
+  </p:clrMapOvr>
+</p:notes>
+</file>
+
+<file path=ppt/notesSlides/notesSlide23.xml><?xml version="1.0" encoding="utf-8"?>
+<p:notes xmlns:a="http://schemas.openxmlformats.org/drawingml/2006/main" xmlns:r="http://schemas.openxmlformats.org/officeDocument/2006/relationships" xmlns:p="http://schemas.openxmlformats.org/presentationml/2006/main">
+  <p:cSld>
+    <p:spTree>
+      <p:nvGrpSpPr>
+        <p:cNvPr id="1" name=""/>
+        <p:cNvGrpSpPr/>
+        <p:nvPr/>
+      </p:nvGrpSpPr>
+      <p:grpSpPr>
+        <a:xfrm>
+          <a:off x="0" y="0"/>
+          <a:ext cx="0" cy="0"/>
+          <a:chOff x="0" y="0"/>
+          <a:chExt cx="0" cy="0"/>
+        </a:xfrm>
+      </p:grpSpPr>
+      <p:sp>
+        <p:nvSpPr>
+          <p:cNvPr id="2" name="Slide Image Placeholder 1"/>
+          <p:cNvSpPr>
+            <a:spLocks noGrp="1" noRot="1" noChangeAspect="1"/>
+          </p:cNvSpPr>
+          <p:nvPr>
+            <p:ph type="sldImg"/>
+          </p:nvPr>
+        </p:nvSpPr>
+        <p:spPr/>
+      </p:sp>
+      <p:sp>
+        <p:nvSpPr>
+          <p:cNvPr id="3" name="Notes Placeholder 2"/>
+          <p:cNvSpPr>
+            <a:spLocks noGrp="1"/>
+          </p:cNvSpPr>
+          <p:nvPr>
+            <p:ph type="body" idx="1"/>
+          </p:nvPr>
+        </p:nvSpPr>
+        <p:spPr/>
+        <p:txBody>
+          <a:bodyPr/>
+          <a:lstStyle/>
+          <a:p>
+            <a:pPr lvl="0"/>
+            <a:r>
+              <a:rPr lang="en-US" sz="1200" b="1" kern="1200" smtClean="0">
+                <a:solidFill>
+                  <a:schemeClr val="tx1"/>
+                </a:solidFill>
+                <a:effectLst/>
+                <a:latin typeface="+mn-lt"/>
+                <a:ea typeface="+mn-ea"/>
+                <a:cs typeface="+mn-cs"/>
+              </a:rPr>
+              <a:t>JNA</a:t>
+            </a:r>
+            <a:r>
+              <a:rPr lang="en-US" sz="1200" kern="1200" smtClean="0">
+                <a:solidFill>
+                  <a:schemeClr val="tx1"/>
+                </a:solidFill>
+                <a:effectLst/>
+                <a:latin typeface="+mn-lt"/>
+                <a:ea typeface="+mn-ea"/>
+                <a:cs typeface="+mn-cs"/>
+              </a:rPr>
+              <a:t>: </a:t>
+            </a:r>
+            <a:r>
+              <a:rPr lang="en-US" sz="1200" kern="1200" smtClean="0">
+                <a:solidFill>
+                  <a:schemeClr val="tx1"/>
+                </a:solidFill>
+                <a:effectLst/>
+                <a:latin typeface="+mn-lt"/>
+                <a:ea typeface="+mn-ea"/>
+                <a:cs typeface="+mn-cs"/>
+              </a:rPr>
+              <a:t>JKhông </a:t>
+            </a:r>
+            <a:r>
+              <a:rPr lang="en-US" sz="1200" kern="1200" smtClean="0">
+                <a:solidFill>
+                  <a:schemeClr val="tx1"/>
+                </a:solidFill>
+                <a:effectLst/>
+                <a:latin typeface="+mn-lt"/>
+                <a:ea typeface="+mn-ea"/>
+                <a:cs typeface="+mn-cs"/>
+              </a:rPr>
+              <a:t>giống như JNI, nó không yêu cầu để tạo ra mã bằng cách sử dụng chức năng C. Để sử dụng chúng, chỉ đơn giản sử các tập tin có định nghĩa chúng và tuyên bố tiêu đề của các chức năng này trong một giao diện.</a:t>
+            </a:r>
+          </a:p>
+          <a:p>
+            <a:pPr lvl="0"/>
+            <a:r>
+              <a:rPr lang="en-US" sz="1200" b="1" kern="1200" smtClean="0">
+                <a:solidFill>
+                  <a:schemeClr val="tx1"/>
+                </a:solidFill>
+                <a:effectLst/>
+                <a:latin typeface="+mn-lt"/>
+                <a:ea typeface="+mn-ea"/>
+                <a:cs typeface="+mn-cs"/>
+              </a:rPr>
+              <a:t>JNA</a:t>
+            </a:r>
+            <a:r>
+              <a:rPr lang="en-US" sz="1200" kern="1200" smtClean="0">
+                <a:solidFill>
+                  <a:schemeClr val="tx1"/>
+                </a:solidFill>
+                <a:effectLst/>
+                <a:latin typeface="+mn-lt"/>
+                <a:ea typeface="+mn-ea"/>
+                <a:cs typeface="+mn-cs"/>
+              </a:rPr>
+              <a:t> </a:t>
+            </a:r>
+            <a:r>
+              <a:rPr lang="en-US" sz="1200" kern="1200" smtClean="0">
+                <a:solidFill>
+                  <a:schemeClr val="tx1"/>
+                </a:solidFill>
+                <a:effectLst/>
+                <a:latin typeface="+mn-lt"/>
+                <a:ea typeface="+mn-ea"/>
+                <a:cs typeface="+mn-cs"/>
+              </a:rPr>
+              <a:t>thiết kế nhằm mục đích để cung cấp các truy cập một cách tự nhiên, ít tốn công sức.</a:t>
+            </a:r>
+          </a:p>
+          <a:p>
+            <a:pPr lvl="0"/>
+            <a:r>
+              <a:rPr lang="en-US" sz="1200" kern="1200" smtClean="0">
+                <a:solidFill>
+                  <a:schemeClr val="tx1"/>
+                </a:solidFill>
+                <a:effectLst/>
+                <a:latin typeface="+mn-lt"/>
+                <a:ea typeface="+mn-ea"/>
+                <a:cs typeface="+mn-cs"/>
+              </a:rPr>
+              <a:t>Các thư viện yêu cầu sử dụng</a:t>
+            </a:r>
+          </a:p>
+          <a:p>
+            <a:pPr lvl="1"/>
+            <a:r>
+              <a:rPr lang="en-US" sz="1200" kern="1200" smtClean="0">
+                <a:solidFill>
+                  <a:schemeClr val="tx1"/>
+                </a:solidFill>
+                <a:effectLst/>
+                <a:latin typeface="+mn-lt"/>
+                <a:ea typeface="+mn-ea"/>
+                <a:cs typeface="+mn-cs"/>
+              </a:rPr>
+              <a:t>import com.sun.jna.Library;</a:t>
+            </a:r>
+          </a:p>
+          <a:p>
+            <a:pPr lvl="1"/>
+            <a:r>
+              <a:rPr lang="en-US" sz="1200" kern="1200" smtClean="0">
+                <a:solidFill>
+                  <a:schemeClr val="tx1"/>
+                </a:solidFill>
+                <a:effectLst/>
+                <a:latin typeface="+mn-lt"/>
+                <a:ea typeface="+mn-ea"/>
+                <a:cs typeface="+mn-cs"/>
+              </a:rPr>
+              <a:t>import com.sun.jna.Native;</a:t>
+            </a:r>
+          </a:p>
+          <a:p>
+            <a:pPr lvl="1"/>
+            <a:r>
+              <a:rPr lang="en-US" sz="1200" kern="1200" smtClean="0">
+                <a:solidFill>
+                  <a:schemeClr val="tx1"/>
+                </a:solidFill>
+                <a:effectLst/>
+                <a:latin typeface="+mn-lt"/>
+                <a:ea typeface="+mn-ea"/>
+                <a:cs typeface="+mn-cs"/>
+              </a:rPr>
+              <a:t>import com.sun.jna.Platform;</a:t>
+            </a:r>
+          </a:p>
+          <a:p>
+            <a:endParaRPr lang="en-US"/>
+          </a:p>
+        </p:txBody>
+      </p:sp>
+    </p:spTree>
+    <p:extLst>
+      <p:ext uri="{BB962C8B-B14F-4D97-AF65-F5344CB8AC3E}">
+        <p14:creationId xmlns:p14="http://schemas.microsoft.com/office/powerpoint/2010/main" val="3087672818"/>
+      </p:ext>
+    </p:extLst>
+  </p:cSld>
+  <p:clrMapOvr>
+    <a:masterClrMapping/>
+  </p:clrMapOvr>
+</p:notes>
+</file>
+
+<file path=ppt/notesSlides/notesSlide24.xml><?xml version="1.0" encoding="utf-8"?>
+<p:notes xmlns:a="http://schemas.openxmlformats.org/drawingml/2006/main" xmlns:r="http://schemas.openxmlformats.org/officeDocument/2006/relationships" xmlns:p="http://schemas.openxmlformats.org/presentationml/2006/main">
+  <p:cSld>
+    <p:spTree>
+      <p:nvGrpSpPr>
+        <p:cNvPr id="1" name=""/>
+        <p:cNvGrpSpPr/>
+        <p:nvPr/>
+      </p:nvGrpSpPr>
+      <p:grpSpPr>
+        <a:xfrm>
+          <a:off x="0" y="0"/>
+          <a:ext cx="0" cy="0"/>
+          <a:chOff x="0" y="0"/>
+          <a:chExt cx="0" cy="0"/>
+        </a:xfrm>
+      </p:grpSpPr>
+      <p:sp>
+        <p:nvSpPr>
+          <p:cNvPr id="2" name="Slide Image Placeholder 1"/>
+          <p:cNvSpPr>
+            <a:spLocks noGrp="1" noRot="1" noChangeAspect="1"/>
+          </p:cNvSpPr>
+          <p:nvPr>
+            <p:ph type="sldImg"/>
+          </p:nvPr>
+        </p:nvSpPr>
+        <p:spPr/>
+      </p:sp>
+      <p:sp>
+        <p:nvSpPr>
+          <p:cNvPr id="3" name="Notes Placeholder 2"/>
+          <p:cNvSpPr>
+            <a:spLocks noGrp="1"/>
+          </p:cNvSpPr>
+          <p:nvPr>
+            <p:ph type="body" idx="1"/>
+          </p:nvPr>
+        </p:nvSpPr>
+        <p:spPr/>
+        <p:txBody>
+          <a:bodyPr/>
+          <a:lstStyle/>
+          <a:p>
+            <a:endParaRPr lang="en-US"/>
+          </a:p>
+        </p:txBody>
+      </p:sp>
+    </p:spTree>
+    <p:extLst>
+      <p:ext uri="{BB962C8B-B14F-4D97-AF65-F5344CB8AC3E}">
+        <p14:creationId xmlns:p14="http://schemas.microsoft.com/office/powerpoint/2010/main" val="3087672818"/>
+      </p:ext>
+    </p:extLst>
+  </p:cSld>
+  <p:clrMapOvr>
+    <a:masterClrMapping/>
+  </p:clrMapOvr>
+</p:notes>
+</file>
+
+<file path=ppt/notesSlides/notesSlide25.xml><?xml version="1.0" encoding="utf-8"?>
+<p:notes xmlns:a="http://schemas.openxmlformats.org/drawingml/2006/main" xmlns:r="http://schemas.openxmlformats.org/officeDocument/2006/relationships" xmlns:p="http://schemas.openxmlformats.org/presentationml/2006/main">
+  <p:cSld>
+    <p:spTree>
+      <p:nvGrpSpPr>
+        <p:cNvPr id="1" name=""/>
+        <p:cNvGrpSpPr/>
+        <p:nvPr/>
+      </p:nvGrpSpPr>
+      <p:grpSpPr>
+        <a:xfrm>
+          <a:off x="0" y="0"/>
+          <a:ext cx="0" cy="0"/>
+          <a:chOff x="0" y="0"/>
+          <a:chExt cx="0" cy="0"/>
+        </a:xfrm>
+      </p:grpSpPr>
+      <p:sp>
+        <p:nvSpPr>
+          <p:cNvPr id="2" name="Slide Image Placeholder 1"/>
+          <p:cNvSpPr>
+            <a:spLocks noGrp="1" noRot="1" noChangeAspect="1"/>
+          </p:cNvSpPr>
+          <p:nvPr>
+            <p:ph type="sldImg"/>
+          </p:nvPr>
+        </p:nvSpPr>
+        <p:spPr/>
+      </p:sp>
+      <p:sp>
+        <p:nvSpPr>
+          <p:cNvPr id="3" name="Notes Placeholder 2"/>
+          <p:cNvSpPr>
+            <a:spLocks noGrp="1"/>
+          </p:cNvSpPr>
+          <p:nvPr>
+            <p:ph type="body" idx="1"/>
+          </p:nvPr>
+        </p:nvSpPr>
+        <p:spPr/>
+        <p:txBody>
+          <a:bodyPr/>
+          <a:lstStyle/>
+          <a:p>
+            <a:endParaRPr lang="en-US"/>
+          </a:p>
+        </p:txBody>
+      </p:sp>
+    </p:spTree>
+    <p:extLst>
+      <p:ext uri="{BB962C8B-B14F-4D97-AF65-F5344CB8AC3E}">
+        <p14:creationId xmlns:p14="http://schemas.microsoft.com/office/powerpoint/2010/main" val="3087672818"/>
+      </p:ext>
+    </p:extLst>
+  </p:cSld>
+  <p:clrMapOvr>
+    <a:masterClrMapping/>
+  </p:clrMapOvr>
+</p:notes>
+</file>
+
+<file path=ppt/notesSlides/notesSlide26.xml><?xml version="1.0" encoding="utf-8"?>
+<p:notes xmlns:a="http://schemas.openxmlformats.org/drawingml/2006/main" xmlns:r="http://schemas.openxmlformats.org/officeDocument/2006/relationships" xmlns:p="http://schemas.openxmlformats.org/presentationml/2006/main">
+  <p:cSld>
+    <p:spTree>
+      <p:nvGrpSpPr>
+        <p:cNvPr id="1" name=""/>
+        <p:cNvGrpSpPr/>
+        <p:nvPr/>
+      </p:nvGrpSpPr>
+      <p:grpSpPr>
+        <a:xfrm>
+          <a:off x="0" y="0"/>
+          <a:ext cx="0" cy="0"/>
+          <a:chOff x="0" y="0"/>
+          <a:chExt cx="0" cy="0"/>
+        </a:xfrm>
+      </p:grpSpPr>
+      <p:sp>
+        <p:nvSpPr>
+          <p:cNvPr id="2" name="Slide Image Placeholder 1"/>
+          <p:cNvSpPr>
+            <a:spLocks noGrp="1" noRot="1" noChangeAspect="1"/>
+          </p:cNvSpPr>
+          <p:nvPr>
+            <p:ph type="sldImg"/>
+          </p:nvPr>
+        </p:nvSpPr>
+        <p:spPr/>
+      </p:sp>
+      <p:sp>
+        <p:nvSpPr>
+          <p:cNvPr id="3" name="Notes Placeholder 2"/>
+          <p:cNvSpPr>
+            <a:spLocks noGrp="1"/>
+          </p:cNvSpPr>
+          <p:nvPr>
+            <p:ph type="body" idx="1"/>
+          </p:nvPr>
+        </p:nvSpPr>
+        <p:spPr/>
+        <p:txBody>
+          <a:bodyPr/>
+          <a:lstStyle/>
+          <a:p>
+            <a:endParaRPr lang="en-US"/>
+          </a:p>
+        </p:txBody>
+      </p:sp>
+    </p:spTree>
+    <p:extLst>
+      <p:ext uri="{BB962C8B-B14F-4D97-AF65-F5344CB8AC3E}">
         <p14:creationId xmlns:p14="http://schemas.microsoft.com/office/powerpoint/2010/main" val="1243872160"/>
       </p:ext>
     </p:extLst>
@@ -5100,6 +5504,63 @@
           <a:bodyPr/>
           <a:lstStyle/>
           <a:p>
+            <a:pPr marL="0" marR="0" lvl="0" indent="0" algn="l" defTabSz="914400" rtl="0" eaLnBrk="1" fontAlgn="auto" latinLnBrk="0" hangingPunct="1">
+              <a:lnSpc>
+                <a:spcPct val="100000"/>
+              </a:lnSpc>
+              <a:spcBef>
+                <a:spcPts val="0"/>
+              </a:spcBef>
+              <a:spcAft>
+                <a:spcPts val="0"/>
+              </a:spcAft>
+              <a:buClrTx/>
+              <a:buSzTx/>
+              <a:buFontTx/>
+              <a:buNone/>
+              <a:tabLst/>
+              <a:defRPr/>
+            </a:pPr>
+            <a:r>
+              <a:rPr lang="en-US" b="0" smtClean="0">
+                <a:solidFill>
+                  <a:srgbClr val="000000"/>
+                </a:solidFill>
+              </a:rPr>
+              <a:t>Việc tryền và quản lí các biến trong JNI khá phức tạp . Nguyên nhân là </a:t>
+            </a:r>
+            <a:br>
+              <a:rPr lang="en-US" b="0" smtClean="0">
+                <a:solidFill>
+                  <a:srgbClr val="000000"/>
+                </a:solidFill>
+              </a:rPr>
+            </a:br>
+            <a:r>
+              <a:rPr lang="en-US" b="0" smtClean="0">
+                <a:solidFill>
+                  <a:srgbClr val="000000"/>
+                </a:solidFill>
+              </a:rPr>
+              <a:t>do cấu trúc xây dựng và quản lí biến giữa 2 ngôn ngữ C/C++ và Java </a:t>
+            </a:r>
+            <a:br>
+              <a:rPr lang="en-US" b="0" smtClean="0">
+                <a:solidFill>
+                  <a:srgbClr val="000000"/>
+                </a:solidFill>
+              </a:rPr>
+            </a:br>
+            <a:r>
+              <a:rPr lang="en-US" b="0" smtClean="0">
+                <a:solidFill>
+                  <a:srgbClr val="000000"/>
+                </a:solidFill>
+              </a:rPr>
+              <a:t>không tương đồng .</a:t>
+            </a:r>
+          </a:p>
+          <a:p>
             <a:endParaRPr lang="en-US"/>
           </a:p>
         </p:txBody>
@@ -5161,38 +5622,86 @@
           <a:bodyPr/>
           <a:lstStyle/>
           <a:p>
-            <a:r>
-              <a:rPr lang="en-US" b="1" smtClean="0"/>
-              <a:t>Parameters GET</a:t>
-            </a:r>
-            <a:r>
-              <a:rPr lang="en-US" smtClean="0"/>
-              <a:t> </a:t>
-            </a:r>
-          </a:p>
-          <a:p>
-            <a:r>
-              <a:rPr lang="en-US" smtClean="0"/>
-              <a:t>env: JNIEnv interface pointer.</a:t>
-            </a:r>
-          </a:p>
-          <a:p>
-            <a:r>
-              <a:rPr lang="en-US" smtClean="0"/>
-              <a:t>jclass: trỏ đến class có field được truy xuất.</a:t>
-            </a:r>
-          </a:p>
-          <a:p>
-            <a:r>
-              <a:rPr lang="en-US" smtClean="0"/>
-              <a:t>fieldID: một biến có kiểu jfieldID đại diện cho field được truy xuất.</a:t>
-            </a:r>
-          </a:p>
-          <a:p>
-            <a:endParaRPr lang="en-US" smtClean="0"/>
-          </a:p>
-          <a:p>
-            <a:endParaRPr lang="en-US" smtClean="0"/>
+            <a:pPr marL="0" marR="0" lvl="0" indent="0" algn="l" defTabSz="914400" rtl="0" eaLnBrk="1" fontAlgn="auto" latinLnBrk="0" hangingPunct="1">
+              <a:lnSpc>
+                <a:spcPct val="100000"/>
+              </a:lnSpc>
+              <a:spcBef>
+                <a:spcPts val="0"/>
+              </a:spcBef>
+              <a:spcAft>
+                <a:spcPts val="0"/>
+              </a:spcAft>
+              <a:buClrTx/>
+              <a:buSzTx/>
+              <a:buFontTx/>
+              <a:buNone/>
+              <a:tabLst/>
+              <a:defRPr/>
+            </a:pPr>
+            <a:r>
+              <a:rPr lang="en-US" b="0" smtClean="0">
+                <a:solidFill>
+                  <a:srgbClr val="000000"/>
+                </a:solidFill>
+              </a:rPr>
+              <a:t>Giữa Java và C có những kiểu dữ liệu đặc trưng khác nhau. Ví dụ trong C kiểu int có 2 nền tảng là 16bit và 32bit, còn trong java kiểu int luôn là 32bit. Do đó JNI định nghĩa ra các kiểu dữ liệu jint, jlong …</a:t>
+            </a:r>
+          </a:p>
+          <a:p>
+            <a:pPr marL="0" marR="0" lvl="0" indent="0" algn="l" defTabSz="914400" rtl="0" eaLnBrk="1" fontAlgn="auto" latinLnBrk="0" hangingPunct="1">
+              <a:lnSpc>
+                <a:spcPct val="100000"/>
+              </a:lnSpc>
+              <a:spcBef>
+                <a:spcPts val="0"/>
+              </a:spcBef>
+              <a:spcAft>
+                <a:spcPts val="0"/>
+              </a:spcAft>
+              <a:buClrTx/>
+              <a:buSzTx/>
+              <a:buFontTx/>
+              <a:buNone/>
+              <a:tabLst/>
+              <a:defRPr/>
+            </a:pPr>
+            <a:r>
+              <a:rPr lang="en-US" sz="1200" kern="1200" smtClean="0">
+                <a:solidFill>
+                  <a:schemeClr val="tx1"/>
+                </a:solidFill>
+                <a:effectLst/>
+                <a:latin typeface="+mn-lt"/>
+                <a:ea typeface="+mn-ea"/>
+                <a:cs typeface="+mn-cs"/>
+              </a:rPr>
+              <a:t>Trong file jni.h cũng định nghĩa được các typedef, JNI_TRUE=1, JNI_FALSE=0</a:t>
+            </a:r>
+          </a:p>
+          <a:p>
+            <a:pPr marL="0" marR="0" lvl="0" indent="0" algn="l" defTabSz="914400" rtl="0" eaLnBrk="1" fontAlgn="auto" latinLnBrk="0" hangingPunct="1">
+              <a:lnSpc>
+                <a:spcPct val="100000"/>
+              </a:lnSpc>
+              <a:spcBef>
+                <a:spcPts val="0"/>
+              </a:spcBef>
+              <a:spcAft>
+                <a:spcPts val="0"/>
+              </a:spcAft>
+              <a:buClrTx/>
+              <a:buSzTx/>
+              <a:buFontTx/>
+              <a:buNone/>
+              <a:tabLst/>
+              <a:defRPr/>
+            </a:pPr>
+            <a:endParaRPr lang="en-US" b="0" smtClean="0">
+              <a:solidFill>
+                <a:srgbClr val="000000"/>
+              </a:solidFill>
+            </a:endParaRPr>
           </a:p>
           <a:p>
             <a:endParaRPr lang="en-US"/>
@@ -5256,31 +5765,156 @@
           <a:bodyPr/>
           <a:lstStyle/>
           <a:p>
-            <a:r>
-              <a:rPr lang="en-US" b="1" smtClean="0"/>
-              <a:t>Parameters</a:t>
-            </a:r>
-            <a:r>
-              <a:rPr lang="en-US" smtClean="0"/>
-              <a:t>  env: JNIEnv interface pointer.</a:t>
-            </a:r>
-          </a:p>
-          <a:p>
-            <a:r>
-              <a:rPr lang="en-US" smtClean="0"/>
-              <a:t>	jclass: trỏ đến class có field được truy xuất.</a:t>
-            </a:r>
-          </a:p>
-          <a:p>
-            <a:r>
-              <a:rPr lang="en-US" smtClean="0"/>
-              <a:t>	fieldID: một biến có kiểu jfieldID đại diện cho field được truy xuất.</a:t>
-            </a:r>
-          </a:p>
-          <a:p>
-            <a:endParaRPr lang="en-US" smtClean="0"/>
-          </a:p>
-          <a:p>
+            <a:pPr lvl="0"/>
+            <a:r>
+              <a:rPr lang="en-US" sz="1200" b="1" u="sng" kern="1200" smtClean="0">
+                <a:solidFill>
+                  <a:schemeClr val="tx1"/>
+                </a:solidFill>
+                <a:effectLst/>
+                <a:latin typeface="+mn-lt"/>
+                <a:ea typeface="+mn-ea"/>
+                <a:cs typeface="+mn-cs"/>
+              </a:rPr>
+              <a:t>String Parameters</a:t>
+            </a:r>
+            <a:endParaRPr lang="en-US" sz="1200" kern="1200" smtClean="0">
+              <a:solidFill>
+                <a:schemeClr val="tx1"/>
+              </a:solidFill>
+              <a:effectLst/>
+              <a:latin typeface="+mn-lt"/>
+              <a:ea typeface="+mn-ea"/>
+              <a:cs typeface="+mn-cs"/>
+            </a:endParaRPr>
+          </a:p>
+          <a:p>
+            <a:pPr lvl="0"/>
+            <a:r>
+              <a:rPr lang="en-US" sz="1200" kern="1200" smtClean="0">
+                <a:solidFill>
+                  <a:schemeClr val="tx1"/>
+                </a:solidFill>
+                <a:effectLst/>
+                <a:latin typeface="+mn-lt"/>
+                <a:ea typeface="+mn-ea"/>
+                <a:cs typeface="+mn-cs"/>
+              </a:rPr>
+              <a:t>String</a:t>
+            </a:r>
+            <a:r>
+              <a:rPr lang="vi-VN" sz="1200" kern="1200" smtClean="0">
+                <a:solidFill>
+                  <a:schemeClr val="tx1"/>
+                </a:solidFill>
+                <a:effectLst/>
+                <a:latin typeface="+mn-lt"/>
+                <a:ea typeface="+mn-ea"/>
+                <a:cs typeface="+mn-cs"/>
+              </a:rPr>
+              <a:t> trong các ngôn ngữ Java là trình tự các điểm mã UTF-16 trong khi </a:t>
+            </a:r>
+            <a:r>
+              <a:rPr lang="en-US" sz="1200" kern="1200" smtClean="0">
+                <a:solidFill>
+                  <a:schemeClr val="tx1"/>
+                </a:solidFill>
+                <a:effectLst/>
+                <a:latin typeface="+mn-lt"/>
+                <a:ea typeface="+mn-ea"/>
+                <a:cs typeface="+mn-cs"/>
+              </a:rPr>
+              <a:t>ở ngôn ngữ </a:t>
+            </a:r>
+            <a:r>
+              <a:rPr lang="vi-VN" sz="1200" kern="1200" smtClean="0">
+                <a:solidFill>
+                  <a:schemeClr val="tx1"/>
+                </a:solidFill>
+                <a:effectLst/>
+                <a:latin typeface="+mn-lt"/>
+                <a:ea typeface="+mn-ea"/>
+                <a:cs typeface="+mn-cs"/>
+              </a:rPr>
+              <a:t>C</a:t>
+            </a:r>
+            <a:r>
+              <a:rPr lang="en-US" sz="1200" kern="1200" smtClean="0">
+                <a:solidFill>
+                  <a:schemeClr val="tx1"/>
+                </a:solidFill>
+                <a:effectLst/>
+                <a:latin typeface="+mn-lt"/>
+                <a:ea typeface="+mn-ea"/>
+                <a:cs typeface="+mn-cs"/>
+              </a:rPr>
+              <a:t>, String được </a:t>
+            </a:r>
+            <a:r>
+              <a:rPr lang="vi-VN" sz="1200" kern="1200" smtClean="0">
+                <a:solidFill>
+                  <a:schemeClr val="tx1"/>
+                </a:solidFill>
+                <a:effectLst/>
+                <a:latin typeface="+mn-lt"/>
+                <a:ea typeface="+mn-ea"/>
+                <a:cs typeface="+mn-cs"/>
+              </a:rPr>
+              <a:t>chấm dứt bởi byte null.</a:t>
+            </a:r>
+            <a:endParaRPr lang="en-US" sz="1200" kern="1200" smtClean="0">
+              <a:solidFill>
+                <a:schemeClr val="tx1"/>
+              </a:solidFill>
+              <a:effectLst/>
+              <a:latin typeface="+mn-lt"/>
+              <a:ea typeface="+mn-ea"/>
+              <a:cs typeface="+mn-cs"/>
+            </a:endParaRPr>
+          </a:p>
+          <a:p>
+            <a:pPr lvl="0"/>
+            <a:r>
+              <a:rPr lang="en-US" sz="1200" kern="1200" smtClean="0">
+                <a:solidFill>
+                  <a:schemeClr val="tx1"/>
+                </a:solidFill>
+                <a:effectLst/>
+                <a:latin typeface="+mn-lt"/>
+                <a:ea typeface="+mn-ea"/>
+                <a:cs typeface="+mn-cs"/>
+              </a:rPr>
+              <a:t>String trong jstring (JNI), là một chuỗi unicode 16 bit. Trong C String được xây dựng mặc định từ 8 ký tự bit. Vì vậy, để truy cập vào một đối tượng String trong Java thông qua một C/C++, hoặc trả lại một chuỗi C/C++ cho Java, ta cần phải sử dụng chức năng chuyển đổi JNI trong việc thực hiện.</a:t>
+            </a:r>
+          </a:p>
+          <a:p>
+            <a:pPr lvl="0"/>
+            <a:r>
+              <a:rPr lang="en-US" sz="1200" kern="1200" smtClean="0">
+                <a:solidFill>
+                  <a:schemeClr val="tx1"/>
+                </a:solidFill>
+                <a:effectLst/>
+                <a:latin typeface="+mn-lt"/>
+                <a:ea typeface="+mn-ea"/>
+                <a:cs typeface="+mn-cs"/>
+              </a:rPr>
+              <a:t>JNI tạo ra phương thức để thao tác chuyển đổi chuỗi jstring. Jstring không được sử dụng như 1 string bình thường trong C mà phải qua các phương thức trong JNI</a:t>
+            </a:r>
+          </a:p>
+          <a:p>
+            <a:r>
+              <a:rPr lang="en-US" sz="1200" kern="1200" smtClean="0">
+                <a:solidFill>
+                  <a:schemeClr val="tx1"/>
+                </a:solidFill>
+                <a:effectLst/>
+                <a:latin typeface="+mn-lt"/>
+                <a:ea typeface="+mn-ea"/>
+                <a:cs typeface="+mn-cs"/>
+              </a:rPr>
+              <a:t>Jstring có các phương thức hỗ trợ căn bản sau:</a:t>
+            </a:r>
             <a:endParaRPr lang="en-US"/>
           </a:p>
         </p:txBody>
@@ -5403,9 +6037,9 @@
           <a:bodyPr/>
           <a:lstStyle/>
           <a:p>
-            <a:pPr lvl="1"/>
-            <a:r>
-              <a:rPr lang="en-US" sz="1200" b="1" kern="1200" smtClean="0">
+            <a:pPr lvl="0"/>
+            <a:r>
+              <a:rPr lang="en-US" sz="1200" b="1" u="sng" kern="1200" smtClean="0">
                 <a:solidFill>
                   <a:schemeClr val="tx1"/>
                 </a:solidFill>
@@ -5414,10 +6048,20 @@
                 <a:ea typeface="+mn-ea"/>
                 <a:cs typeface="+mn-cs"/>
               </a:rPr>
-              <a:t>Field Descriptors</a:t>
-            </a:r>
-          </a:p>
-          <a:p>
+              <a:t>Array</a:t>
+            </a:r>
+            <a:endParaRPr lang="en-US" sz="1200" kern="1200" smtClean="0">
+              <a:solidFill>
+                <a:schemeClr val="tx1"/>
+              </a:solidFill>
+              <a:effectLst/>
+              <a:latin typeface="+mn-lt"/>
+              <a:ea typeface="+mn-ea"/>
+              <a:cs typeface="+mn-cs"/>
+            </a:endParaRPr>
+          </a:p>
+          <a:p>
+            <a:pPr lvl="0"/>
             <a:r>
               <a:rPr lang="en-US" sz="1200" kern="1200" smtClean="0">
                 <a:solidFill>
@@ -5428,10 +6072,20 @@
                 <a:ea typeface="+mn-ea"/>
                 <a:cs typeface="+mn-cs"/>
               </a:rPr>
-              <a:t>Là một chuỗi dùng để biểu diễn kiểu dữ liệu của field.</a:t>
-            </a:r>
-          </a:p>
-          <a:p>
+              <a:t>JNI xử lý </a:t>
+            </a:r>
+            <a:r>
+              <a:rPr lang="en-US" sz="1200" i="1" kern="1200" smtClean="0">
+                <a:solidFill>
+                  <a:schemeClr val="tx1"/>
+                </a:solidFill>
+                <a:effectLst/>
+                <a:latin typeface="+mn-lt"/>
+                <a:ea typeface="+mn-ea"/>
+                <a:cs typeface="+mn-cs"/>
+              </a:rPr>
+              <a:t>các </a:t>
+            </a:r>
             <a:r>
               <a:rPr lang="en-US" sz="1200" kern="1200" smtClean="0">
                 <a:solidFill>
@@ -5442,10 +6096,11 @@
                 <a:ea typeface="+mn-ea"/>
                 <a:cs typeface="+mn-cs"/>
               </a:rPr>
-              <a:t>Với các kiểu cơ bản mô tả sẽ đơn giản hơn như: int có chuỗi mô tả là “I”, float có “F”, double có “D”, boolean có “Z”.</a:t>
-            </a:r>
-          </a:p>
-          <a:p>
+              <a:t>mảng nguyên thủy và các mảng đối tượng khác nhau. Mảng nguyên thủy có chứa các yếu tố là các loại nguyên thủy như int và boolean. Mảng đối tượng chứa các yếu tố là các loại object chẳng hạn như trường hợp class và các mảng 2 chiều.</a:t>
+            </a:r>
+          </a:p>
+          <a:p>
+            <a:pPr lvl="0"/>
             <a:r>
               <a:rPr lang="en-US" sz="1200" kern="1200" smtClean="0">
                 <a:solidFill>
@@ -5456,10 +6111,11 @@
                 <a:ea typeface="+mn-ea"/>
                 <a:cs typeface="+mn-cs"/>
               </a:rPr>
-              <a:t>Với các kiểu dữ liệu khác thì mô tả theo package name của nó. Chẳng hạn như kiểu String có thuộc package: java.lang.String thì chuỗi mô tả tương ứng là “Ljava/lang/String;”.</a:t>
-            </a:r>
-          </a:p>
-          <a:p>
+              <a:t>JNI sử dụng jarray để tao tác với mảng</a:t>
+            </a:r>
+          </a:p>
+          <a:p>
+            <a:pPr lvl="0"/>
             <a:r>
               <a:rPr lang="en-US" sz="1200" kern="1200" smtClean="0">
                 <a:solidFill>
@@ -5470,10 +6126,8 @@
                 <a:ea typeface="+mn-ea"/>
                 <a:cs typeface="+mn-cs"/>
               </a:rPr>
-              <a:t>Có một cách khác để biết chuỗi mô tả của các filed trong lớp java là dùng tool javap đi kèm trong JDK với tham số -s -p TenClass</a:t>
-            </a:r>
-          </a:p>
-          <a:p>
+              <a:t>Jarray không phải là 1 loại mảng trong C, vì vậy phải sử dụng các phương thức jarray trong JNI thích hợp để truy cập mảng.</a:t>
+            </a:r>
             <a:endParaRPr lang="en-US"/>
           </a:p>
         </p:txBody>
@@ -9946,7 +10600,171 @@
           <a:bodyPr/>
           <a:lstStyle/>
           <a:p>
-            <a:endParaRPr lang="en-US"/>
+            <a:pPr lvl="0">
+              <a:buClrTx/>
+              <a:buFont typeface="Wingdings" pitchFamily="2" charset="2"/>
+              <a:buChar char="q"/>
+            </a:pPr>
+            <a:r>
+              <a:rPr lang="en-US" b="0">
+                <a:solidFill>
+                  <a:srgbClr val="000000"/>
+                </a:solidFill>
+              </a:rPr>
+              <a:t>Việc tryền và quản lí các biến trong JNI khá </a:t>
+            </a:r>
+            <a:r>
+              <a:rPr lang="en-US" b="0">
+                <a:solidFill>
+                  <a:srgbClr val="000000"/>
+                </a:solidFill>
+              </a:rPr>
+              <a:t>phức </a:t>
+            </a:r>
+            <a:r>
+              <a:rPr lang="en-US" b="0" smtClean="0">
+                <a:solidFill>
+                  <a:srgbClr val="000000"/>
+                </a:solidFill>
+              </a:rPr>
+              <a:t>tạp. </a:t>
+            </a:r>
+          </a:p>
+          <a:p>
+            <a:pPr marL="0" lvl="0" indent="0">
+              <a:buClrTx/>
+              <a:buNone/>
+            </a:pPr>
+            <a:endParaRPr lang="en-US" b="0" smtClean="0">
+              <a:solidFill>
+                <a:srgbClr val="000000"/>
+              </a:solidFill>
+            </a:endParaRPr>
+          </a:p>
+          <a:p>
+            <a:pPr lvl="0">
+              <a:buClrTx/>
+              <a:buFont typeface="Wingdings" pitchFamily="2" charset="2"/>
+              <a:buChar char="q"/>
+            </a:pPr>
+            <a:r>
+              <a:rPr lang="en-US" b="0" smtClean="0">
+                <a:solidFill>
+                  <a:srgbClr val="000000"/>
+                </a:solidFill>
+              </a:rPr>
+              <a:t>Để </a:t>
+            </a:r>
+            <a:r>
+              <a:rPr lang="en-US" b="0">
+                <a:solidFill>
+                  <a:srgbClr val="000000"/>
+                </a:solidFill>
+              </a:rPr>
+              <a:t>biểu diễn kiểu dữ liệu chung JNI tạo ra một vài kiểu dữ liệu </a:t>
+            </a:r>
+            <a:r>
+              <a:rPr lang="en-US" b="0">
+                <a:solidFill>
+                  <a:srgbClr val="000000"/>
+                </a:solidFill>
+              </a:rPr>
+              <a:t>trung </a:t>
+            </a:r>
+            <a:r>
+              <a:rPr lang="en-US" b="0" smtClean="0">
+                <a:solidFill>
+                  <a:srgbClr val="000000"/>
+                </a:solidFill>
+              </a:rPr>
+              <a:t>gian </a:t>
+            </a:r>
+            <a:r>
+              <a:rPr lang="en-US" b="0">
+                <a:solidFill>
+                  <a:srgbClr val="000000"/>
+                </a:solidFill>
+              </a:rPr>
+              <a:t>như sau :</a:t>
+            </a:r>
+          </a:p>
+          <a:p>
+            <a:pPr lvl="1">
+              <a:buClrTx/>
+              <a:buFont typeface="Wingdings" pitchFamily="2" charset="2"/>
+              <a:buChar char="q"/>
+            </a:pPr>
+            <a:r>
+              <a:rPr lang="en-US">
+                <a:solidFill>
+                  <a:srgbClr val="000000"/>
+                </a:solidFill>
+              </a:rPr>
+              <a:t>jobject 	jboolean		jbyte</a:t>
+            </a:r>
+          </a:p>
+          <a:p>
+            <a:pPr lvl="1">
+              <a:buClrTx/>
+              <a:buFont typeface="Wingdings" pitchFamily="2" charset="2"/>
+              <a:buChar char="q"/>
+            </a:pPr>
+            <a:r>
+              <a:rPr lang="en-US">
+                <a:solidFill>
+                  <a:srgbClr val="000000"/>
+                </a:solidFill>
+              </a:rPr>
+              <a:t>jchar		jshort			jint</a:t>
+            </a:r>
+          </a:p>
+          <a:p>
+            <a:pPr lvl="1">
+              <a:buClrTx/>
+              <a:buFont typeface="Wingdings" pitchFamily="2" charset="2"/>
+              <a:buChar char="q"/>
+            </a:pPr>
+            <a:r>
+              <a:rPr lang="en-US">
+                <a:solidFill>
+                  <a:srgbClr val="000000"/>
+                </a:solidFill>
+              </a:rPr>
+              <a:t>jlong		jstring	</a:t>
+            </a:r>
+            <a:r>
+              <a:rPr lang="en-US">
+                <a:solidFill>
+                  <a:srgbClr val="000000"/>
+                </a:solidFill>
+              </a:rPr>
+              <a:t>	</a:t>
+            </a:r>
+            <a:r>
+              <a:rPr lang="en-US" smtClean="0">
+                <a:solidFill>
+                  <a:srgbClr val="000000"/>
+                </a:solidFill>
+              </a:rPr>
+              <a:t>jfloat</a:t>
+            </a:r>
+            <a:endParaRPr lang="en-US">
+              <a:solidFill>
+                <a:srgbClr val="000000"/>
+              </a:solidFill>
+            </a:endParaRPr>
+          </a:p>
+          <a:p>
+            <a:pPr>
+              <a:buClrTx/>
+              <a:buFont typeface="Wingdings" pitchFamily="2" charset="2"/>
+              <a:buChar char="q"/>
+            </a:pPr>
+            <a:endParaRPr lang="en-US">
+              <a:solidFill>
+                <a:srgbClr val="000000"/>
+              </a:solidFill>
+            </a:endParaRPr>
           </a:p>
         </p:txBody>
       </p:sp>
@@ -10023,6 +10841,3076 @@
 </file>
 
 <file path=ppt/slides/slide11.xml><?xml version="1.0" encoding="utf-8"?>
+<p:sld xmlns:a="http://schemas.openxmlformats.org/drawingml/2006/main" xmlns:r="http://schemas.openxmlformats.org/officeDocument/2006/relationships" xmlns:p="http://schemas.openxmlformats.org/presentationml/2006/main">
+  <p:cSld>
+    <p:spTree>
+      <p:nvGrpSpPr>
+        <p:cNvPr id="1" name=""/>
+        <p:cNvGrpSpPr/>
+        <p:nvPr/>
+      </p:nvGrpSpPr>
+      <p:grpSpPr>
+        <a:xfrm>
+          <a:off x="0" y="0"/>
+          <a:ext cx="0" cy="0"/>
+          <a:chOff x="0" y="0"/>
+          <a:chExt cx="0" cy="0"/>
+        </a:xfrm>
+      </p:grpSpPr>
+      <p:sp>
+        <p:nvSpPr>
+          <p:cNvPr id="8" name="Title 1"/>
+          <p:cNvSpPr>
+            <a:spLocks noGrp="1"/>
+          </p:cNvSpPr>
+          <p:nvPr>
+            <p:ph type="title"/>
+          </p:nvPr>
+        </p:nvSpPr>
+        <p:spPr>
+          <a:xfrm>
+            <a:off x="228600" y="579437"/>
+            <a:ext cx="8915400" cy="563563"/>
+          </a:xfrm>
+        </p:spPr>
+        <p:txBody>
+          <a:bodyPr>
+            <a:normAutofit fontScale="90000"/>
+          </a:bodyPr>
+          <a:lstStyle/>
+          <a:p>
+            <a:pPr algn="l"/>
+            <a:r>
+              <a:rPr lang="en-US" cap="all" smtClean="0">
+                <a:ln w="9000" cmpd="sng">
+                  <a:solidFill>
+                    <a:schemeClr val="accent4">
+                      <a:shade val="50000"/>
+                      <a:satMod val="120000"/>
+                    </a:schemeClr>
+                  </a:solidFill>
+                  <a:prstDash val="solid"/>
+                </a:ln>
+                <a:gradFill>
+                  <a:gsLst>
+                    <a:gs pos="0">
+                      <a:schemeClr val="accent4">
+                        <a:shade val="20000"/>
+                        <a:satMod val="245000"/>
+                      </a:schemeClr>
+                    </a:gs>
+                    <a:gs pos="43000">
+                      <a:schemeClr val="accent4">
+                        <a:satMod val="255000"/>
+                      </a:schemeClr>
+                    </a:gs>
+                    <a:gs pos="48000">
+                      <a:schemeClr val="accent4">
+                        <a:shade val="85000"/>
+                        <a:satMod val="255000"/>
+                      </a:schemeClr>
+                    </a:gs>
+                    <a:gs pos="100000">
+                      <a:schemeClr val="accent4">
+                        <a:shade val="20000"/>
+                        <a:satMod val="245000"/>
+                      </a:schemeClr>
+                    </a:gs>
+                  </a:gsLst>
+                  <a:lin ang="5400000"/>
+                </a:gradFill>
+                <a:effectLst>
+                  <a:reflection blurRad="12700" stA="28000" endPos="45000" dist="1000" dir="5400000" sy="-100000" algn="bl" rotWithShape="0"/>
+                </a:effectLst>
+              </a:rPr>
+              <a:t>2.2 kiểu dữ liệu cơ bản </a:t>
+            </a:r>
+            <a:endParaRPr lang="en-US" cap="all">
+              <a:ln w="9000" cmpd="sng">
+                <a:solidFill>
+                  <a:schemeClr val="accent4">
+                    <a:shade val="50000"/>
+                    <a:satMod val="120000"/>
+                  </a:schemeClr>
+                </a:solidFill>
+                <a:prstDash val="solid"/>
+              </a:ln>
+              <a:gradFill>
+                <a:gsLst>
+                  <a:gs pos="0">
+                    <a:schemeClr val="accent4">
+                      <a:shade val="20000"/>
+                      <a:satMod val="245000"/>
+                    </a:schemeClr>
+                  </a:gs>
+                  <a:gs pos="43000">
+                    <a:schemeClr val="accent4">
+                      <a:satMod val="255000"/>
+                    </a:schemeClr>
+                  </a:gs>
+                  <a:gs pos="48000">
+                    <a:schemeClr val="accent4">
+                      <a:shade val="85000"/>
+                      <a:satMod val="255000"/>
+                    </a:schemeClr>
+                  </a:gs>
+                  <a:gs pos="100000">
+                    <a:schemeClr val="accent4">
+                      <a:shade val="20000"/>
+                      <a:satMod val="245000"/>
+                    </a:schemeClr>
+                  </a:gs>
+                </a:gsLst>
+                <a:lin ang="5400000"/>
+              </a:gradFill>
+              <a:effectLst>
+                <a:reflection blurRad="12700" stA="28000" endPos="45000" dist="1000" dir="5400000" sy="-100000" algn="bl" rotWithShape="0"/>
+              </a:effectLst>
+            </a:endParaRPr>
+          </a:p>
+        </p:txBody>
+      </p:sp>
+      <p:sp>
+        <p:nvSpPr>
+          <p:cNvPr id="2" name="Content Placeholder 1"/>
+          <p:cNvSpPr>
+            <a:spLocks noGrp="1"/>
+          </p:cNvSpPr>
+          <p:nvPr>
+            <p:ph idx="1"/>
+          </p:nvPr>
+        </p:nvSpPr>
+        <p:spPr/>
+        <p:txBody>
+          <a:bodyPr/>
+          <a:lstStyle/>
+          <a:p>
+            <a:pPr lvl="0">
+              <a:buClrTx/>
+              <a:buFont typeface="Wingdings" pitchFamily="2" charset="2"/>
+              <a:buChar char="q"/>
+            </a:pPr>
+            <a:r>
+              <a:rPr lang="en-US" sz="2400">
+                <a:solidFill>
+                  <a:srgbClr val="000000"/>
+                </a:solidFill>
+              </a:rPr>
+              <a:t>Numeric Parameters</a:t>
+            </a:r>
+          </a:p>
+          <a:p>
+            <a:pPr marL="0" lvl="0" indent="744538">
+              <a:buClrTx/>
+              <a:buNone/>
+            </a:pPr>
+            <a:r>
+              <a:rPr lang="en-US" sz="2400" b="0" smtClean="0">
+                <a:solidFill>
+                  <a:srgbClr val="000000"/>
+                </a:solidFill>
+              </a:rPr>
+              <a:t>Sự </a:t>
+            </a:r>
+            <a:r>
+              <a:rPr lang="en-US" sz="2400" b="0">
+                <a:solidFill>
+                  <a:srgbClr val="000000"/>
+                </a:solidFill>
+              </a:rPr>
+              <a:t>tương ứng trong kiểu dữ liệu:</a:t>
+            </a:r>
+          </a:p>
+          <a:p>
+            <a:pPr>
+              <a:buClrTx/>
+              <a:buFont typeface="Wingdings" pitchFamily="2" charset="2"/>
+              <a:buChar char="q"/>
+            </a:pPr>
+            <a:endParaRPr lang="en-US" b="0">
+              <a:solidFill>
+                <a:srgbClr val="000000"/>
+              </a:solidFill>
+            </a:endParaRPr>
+          </a:p>
+        </p:txBody>
+      </p:sp>
+      <p:sp>
+        <p:nvSpPr>
+          <p:cNvPr id="4" name="Footer Placeholder 3"/>
+          <p:cNvSpPr>
+            <a:spLocks noGrp="1"/>
+          </p:cNvSpPr>
+          <p:nvPr>
+            <p:ph type="ftr" sz="quarter" idx="11"/>
+          </p:nvPr>
+        </p:nvSpPr>
+        <p:spPr/>
+        <p:txBody>
+          <a:bodyPr/>
+          <a:lstStyle/>
+          <a:p>
+            <a:r>
+              <a:rPr lang="en-US" smtClean="0"/>
+              <a:t>www.hcmus.edu.vn</a:t>
+            </a:r>
+            <a:endParaRPr lang="en-US"/>
+          </a:p>
+        </p:txBody>
+      </p:sp>
+      <p:sp>
+        <p:nvSpPr>
+          <p:cNvPr id="6" name="Slide Number Placeholder 11"/>
+          <p:cNvSpPr>
+            <a:spLocks noGrp="1"/>
+          </p:cNvSpPr>
+          <p:nvPr>
+            <p:ph type="sldNum" sz="quarter" idx="12"/>
+          </p:nvPr>
+        </p:nvSpPr>
+        <p:spPr>
+          <a:xfrm>
+            <a:off x="3429000" y="6477000"/>
+            <a:ext cx="2133600" cy="381000"/>
+          </a:xfrm>
+        </p:spPr>
+        <p:txBody>
+          <a:bodyPr/>
+          <a:lstStyle/>
+          <a:p>
+            <a:fld id="{B6F15528-21DE-4FAA-801E-634DDDAF4B2B}" type="slidenum">
+              <a:rPr lang="en-US" sz="2000" smtClean="0"/>
+              <a:pPr/>
+              <a:t>11</a:t>
+            </a:fld>
+            <a:endParaRPr lang="en-US" sz="2000"/>
+          </a:p>
+        </p:txBody>
+      </p:sp>
+      <p:graphicFrame>
+        <p:nvGraphicFramePr>
+          <p:cNvPr id="3" name="Table 2"/>
+          <p:cNvGraphicFramePr>
+            <a:graphicFrameLocks noGrp="1"/>
+          </p:cNvGraphicFramePr>
+          <p:nvPr>
+            <p:extLst>
+              <p:ext uri="{D42A27DB-BD31-4B8C-83A1-F6EECF244321}">
+                <p14:modId xmlns:p14="http://schemas.microsoft.com/office/powerpoint/2010/main" val="435751717"/>
+              </p:ext>
+            </p:extLst>
+          </p:nvPr>
+        </p:nvGraphicFramePr>
+        <p:xfrm>
+          <a:off x="990600" y="2514598"/>
+          <a:ext cx="7391400" cy="3869266"/>
+        </p:xfrm>
+        <a:graphic>
+          <a:graphicData uri="http://schemas.openxmlformats.org/drawingml/2006/table">
+            <a:tbl>
+              <a:tblPr firstRow="1" firstCol="1" bandRow="1">
+                <a:tableStyleId>{5C22544A-7EE6-4342-B048-85BDC9FD1C3A}</a:tableStyleId>
+              </a:tblPr>
+              <a:tblGrid>
+                <a:gridCol w="2463800"/>
+                <a:gridCol w="2463800"/>
+                <a:gridCol w="2463800"/>
+              </a:tblGrid>
+              <a:tr h="485906">
+                <a:tc>
+                  <a:txBody>
+                    <a:bodyPr/>
+                    <a:lstStyle/>
+                    <a:p>
+                      <a:pPr marL="0" marR="0" algn="ctr">
+                        <a:lnSpc>
+                          <a:spcPct val="100000"/>
+                        </a:lnSpc>
+                        <a:spcBef>
+                          <a:spcPts val="0"/>
+                        </a:spcBef>
+                        <a:spcAft>
+                          <a:spcPts val="0"/>
+                        </a:spcAft>
+                      </a:pPr>
+                      <a:r>
+                        <a:rPr lang="en-US" sz="1300" b="1" smtClean="0">
+                          <a:effectLst/>
+                        </a:rPr>
+                        <a:t>JAVA </a:t>
+                      </a:r>
+                      <a:r>
+                        <a:rPr lang="en-US" sz="1300" b="1">
+                          <a:effectLst/>
+                        </a:rPr>
+                        <a:t>programming</a:t>
+                      </a:r>
+                      <a:endParaRPr lang="en-US" sz="1300" b="1">
+                        <a:effectLst/>
+                        <a:latin typeface="Arial"/>
+                        <a:ea typeface="Calibri"/>
+                        <a:cs typeface="Times New Roman"/>
+                      </a:endParaRPr>
+                    </a:p>
+                  </a:txBody>
+                  <a:tcPr marL="68580" marR="68580" marT="0" marB="0" anchor="ctr"/>
+                </a:tc>
+                <a:tc>
+                  <a:txBody>
+                    <a:bodyPr/>
+                    <a:lstStyle/>
+                    <a:p>
+                      <a:pPr marL="0" marR="0" algn="ctr">
+                        <a:lnSpc>
+                          <a:spcPct val="100000"/>
+                        </a:lnSpc>
+                        <a:spcBef>
+                          <a:spcPts val="0"/>
+                        </a:spcBef>
+                        <a:spcAft>
+                          <a:spcPts val="0"/>
+                        </a:spcAft>
+                      </a:pPr>
+                      <a:r>
+                        <a:rPr lang="en-US" sz="1300" b="1">
+                          <a:effectLst/>
+                        </a:rPr>
+                        <a:t>C programming</a:t>
+                      </a:r>
+                      <a:endParaRPr lang="en-US" sz="1300" b="1">
+                        <a:effectLst/>
+                        <a:latin typeface="Arial"/>
+                        <a:ea typeface="Calibri"/>
+                        <a:cs typeface="Times New Roman"/>
+                      </a:endParaRPr>
+                    </a:p>
+                  </a:txBody>
+                  <a:tcPr marL="68580" marR="68580" marT="0" marB="0" anchor="ctr"/>
+                </a:tc>
+                <a:tc>
+                  <a:txBody>
+                    <a:bodyPr/>
+                    <a:lstStyle/>
+                    <a:p>
+                      <a:pPr marL="0" marR="0" algn="ctr">
+                        <a:lnSpc>
+                          <a:spcPct val="100000"/>
+                        </a:lnSpc>
+                        <a:spcBef>
+                          <a:spcPts val="0"/>
+                        </a:spcBef>
+                        <a:spcAft>
+                          <a:spcPts val="0"/>
+                        </a:spcAft>
+                      </a:pPr>
+                      <a:r>
+                        <a:rPr lang="en-US" sz="1300" b="1">
+                          <a:effectLst/>
+                        </a:rPr>
+                        <a:t>Bytes</a:t>
+                      </a:r>
+                      <a:endParaRPr lang="en-US" sz="1300" b="1">
+                        <a:effectLst/>
+                        <a:latin typeface="Arial"/>
+                        <a:ea typeface="Calibri"/>
+                        <a:cs typeface="Times New Roman"/>
+                      </a:endParaRPr>
+                    </a:p>
+                  </a:txBody>
+                  <a:tcPr marL="68580" marR="68580" marT="0" marB="0" anchor="ctr"/>
+                </a:tc>
+              </a:tr>
+              <a:tr h="422920">
+                <a:tc>
+                  <a:txBody>
+                    <a:bodyPr/>
+                    <a:lstStyle/>
+                    <a:p>
+                      <a:pPr marL="0" marR="0">
+                        <a:lnSpc>
+                          <a:spcPct val="100000"/>
+                        </a:lnSpc>
+                        <a:spcBef>
+                          <a:spcPts val="0"/>
+                        </a:spcBef>
+                        <a:spcAft>
+                          <a:spcPts val="0"/>
+                        </a:spcAft>
+                      </a:pPr>
+                      <a:r>
+                        <a:rPr lang="en-US" sz="1300">
+                          <a:effectLst/>
+                        </a:rPr>
+                        <a:t>boolean</a:t>
+                      </a:r>
+                      <a:endParaRPr lang="en-US" sz="1300">
+                        <a:effectLst/>
+                        <a:latin typeface="Arial"/>
+                        <a:ea typeface="Calibri"/>
+                        <a:cs typeface="Times New Roman"/>
+                      </a:endParaRPr>
+                    </a:p>
+                  </a:txBody>
+                  <a:tcPr marL="68580" marR="68580" marT="0" marB="0" anchor="ctr"/>
+                </a:tc>
+                <a:tc>
+                  <a:txBody>
+                    <a:bodyPr/>
+                    <a:lstStyle/>
+                    <a:p>
+                      <a:pPr marL="0" marR="0">
+                        <a:lnSpc>
+                          <a:spcPct val="100000"/>
+                        </a:lnSpc>
+                        <a:spcBef>
+                          <a:spcPts val="0"/>
+                        </a:spcBef>
+                        <a:spcAft>
+                          <a:spcPts val="0"/>
+                        </a:spcAft>
+                      </a:pPr>
+                      <a:r>
+                        <a:rPr lang="en-US" sz="1300">
+                          <a:effectLst/>
+                        </a:rPr>
+                        <a:t>jboolean</a:t>
+                      </a:r>
+                      <a:endParaRPr lang="en-US" sz="1300">
+                        <a:effectLst/>
+                        <a:latin typeface="Arial"/>
+                        <a:ea typeface="Calibri"/>
+                        <a:cs typeface="Times New Roman"/>
+                      </a:endParaRPr>
+                    </a:p>
+                  </a:txBody>
+                  <a:tcPr marL="68580" marR="68580" marT="0" marB="0" anchor="ctr"/>
+                </a:tc>
+                <a:tc>
+                  <a:txBody>
+                    <a:bodyPr/>
+                    <a:lstStyle/>
+                    <a:p>
+                      <a:pPr marL="0" marR="0" algn="ctr">
+                        <a:lnSpc>
+                          <a:spcPct val="100000"/>
+                        </a:lnSpc>
+                        <a:spcBef>
+                          <a:spcPts val="0"/>
+                        </a:spcBef>
+                        <a:spcAft>
+                          <a:spcPts val="0"/>
+                        </a:spcAft>
+                      </a:pPr>
+                      <a:r>
+                        <a:rPr lang="en-US" sz="1300">
+                          <a:effectLst/>
+                        </a:rPr>
+                        <a:t>1</a:t>
+                      </a:r>
+                      <a:endParaRPr lang="en-US" sz="1300">
+                        <a:effectLst/>
+                        <a:latin typeface="Arial"/>
+                        <a:ea typeface="Calibri"/>
+                        <a:cs typeface="Times New Roman"/>
+                      </a:endParaRPr>
+                    </a:p>
+                  </a:txBody>
+                  <a:tcPr marL="68580" marR="68580" marT="0" marB="0" anchor="ctr"/>
+                </a:tc>
+              </a:tr>
+              <a:tr h="422920">
+                <a:tc>
+                  <a:txBody>
+                    <a:bodyPr/>
+                    <a:lstStyle/>
+                    <a:p>
+                      <a:pPr marL="0" marR="0">
+                        <a:lnSpc>
+                          <a:spcPct val="100000"/>
+                        </a:lnSpc>
+                        <a:spcBef>
+                          <a:spcPts val="0"/>
+                        </a:spcBef>
+                        <a:spcAft>
+                          <a:spcPts val="0"/>
+                        </a:spcAft>
+                      </a:pPr>
+                      <a:r>
+                        <a:rPr lang="en-US" sz="1300">
+                          <a:effectLst/>
+                        </a:rPr>
+                        <a:t>byte</a:t>
+                      </a:r>
+                      <a:endParaRPr lang="en-US" sz="1300">
+                        <a:effectLst/>
+                        <a:latin typeface="Arial"/>
+                        <a:ea typeface="Calibri"/>
+                        <a:cs typeface="Times New Roman"/>
+                      </a:endParaRPr>
+                    </a:p>
+                  </a:txBody>
+                  <a:tcPr marL="68580" marR="68580" marT="0" marB="0" anchor="ctr"/>
+                </a:tc>
+                <a:tc>
+                  <a:txBody>
+                    <a:bodyPr/>
+                    <a:lstStyle/>
+                    <a:p>
+                      <a:pPr marL="0" marR="0">
+                        <a:lnSpc>
+                          <a:spcPct val="100000"/>
+                        </a:lnSpc>
+                        <a:spcBef>
+                          <a:spcPts val="0"/>
+                        </a:spcBef>
+                        <a:spcAft>
+                          <a:spcPts val="0"/>
+                        </a:spcAft>
+                      </a:pPr>
+                      <a:r>
+                        <a:rPr lang="en-US" sz="1300">
+                          <a:effectLst/>
+                        </a:rPr>
+                        <a:t>jbyte</a:t>
+                      </a:r>
+                      <a:endParaRPr lang="en-US" sz="1300">
+                        <a:effectLst/>
+                        <a:latin typeface="Arial"/>
+                        <a:ea typeface="Calibri"/>
+                        <a:cs typeface="Times New Roman"/>
+                      </a:endParaRPr>
+                    </a:p>
+                  </a:txBody>
+                  <a:tcPr marL="68580" marR="68580" marT="0" marB="0" anchor="ctr"/>
+                </a:tc>
+                <a:tc>
+                  <a:txBody>
+                    <a:bodyPr/>
+                    <a:lstStyle/>
+                    <a:p>
+                      <a:pPr marL="0" marR="0" algn="ctr">
+                        <a:lnSpc>
+                          <a:spcPct val="100000"/>
+                        </a:lnSpc>
+                        <a:spcBef>
+                          <a:spcPts val="0"/>
+                        </a:spcBef>
+                        <a:spcAft>
+                          <a:spcPts val="0"/>
+                        </a:spcAft>
+                      </a:pPr>
+                      <a:r>
+                        <a:rPr lang="en-US" sz="1300">
+                          <a:effectLst/>
+                        </a:rPr>
+                        <a:t>1</a:t>
+                      </a:r>
+                      <a:endParaRPr lang="en-US" sz="1300">
+                        <a:effectLst/>
+                        <a:latin typeface="Arial"/>
+                        <a:ea typeface="Calibri"/>
+                        <a:cs typeface="Times New Roman"/>
+                      </a:endParaRPr>
+                    </a:p>
+                  </a:txBody>
+                  <a:tcPr marL="68580" marR="68580" marT="0" marB="0" anchor="ctr"/>
+                </a:tc>
+              </a:tr>
+              <a:tr h="422920">
+                <a:tc>
+                  <a:txBody>
+                    <a:bodyPr/>
+                    <a:lstStyle/>
+                    <a:p>
+                      <a:pPr marL="0" marR="0">
+                        <a:lnSpc>
+                          <a:spcPct val="100000"/>
+                        </a:lnSpc>
+                        <a:spcBef>
+                          <a:spcPts val="0"/>
+                        </a:spcBef>
+                        <a:spcAft>
+                          <a:spcPts val="0"/>
+                        </a:spcAft>
+                      </a:pPr>
+                      <a:r>
+                        <a:rPr lang="en-US" sz="1300">
+                          <a:effectLst/>
+                        </a:rPr>
+                        <a:t>char</a:t>
+                      </a:r>
+                      <a:endParaRPr lang="en-US" sz="1300">
+                        <a:effectLst/>
+                        <a:latin typeface="Arial"/>
+                        <a:ea typeface="Calibri"/>
+                        <a:cs typeface="Times New Roman"/>
+                      </a:endParaRPr>
+                    </a:p>
+                  </a:txBody>
+                  <a:tcPr marL="68580" marR="68580" marT="0" marB="0" anchor="ctr"/>
+                </a:tc>
+                <a:tc>
+                  <a:txBody>
+                    <a:bodyPr/>
+                    <a:lstStyle/>
+                    <a:p>
+                      <a:pPr marL="0" marR="0">
+                        <a:lnSpc>
+                          <a:spcPct val="100000"/>
+                        </a:lnSpc>
+                        <a:spcBef>
+                          <a:spcPts val="0"/>
+                        </a:spcBef>
+                        <a:spcAft>
+                          <a:spcPts val="0"/>
+                        </a:spcAft>
+                      </a:pPr>
+                      <a:r>
+                        <a:rPr lang="en-US" sz="1300">
+                          <a:effectLst/>
+                        </a:rPr>
+                        <a:t>jchar</a:t>
+                      </a:r>
+                      <a:endParaRPr lang="en-US" sz="1300">
+                        <a:effectLst/>
+                        <a:latin typeface="Arial"/>
+                        <a:ea typeface="Calibri"/>
+                        <a:cs typeface="Times New Roman"/>
+                      </a:endParaRPr>
+                    </a:p>
+                  </a:txBody>
+                  <a:tcPr marL="68580" marR="68580" marT="0" marB="0" anchor="ctr"/>
+                </a:tc>
+                <a:tc>
+                  <a:txBody>
+                    <a:bodyPr/>
+                    <a:lstStyle/>
+                    <a:p>
+                      <a:pPr marL="0" marR="0" algn="ctr">
+                        <a:lnSpc>
+                          <a:spcPct val="100000"/>
+                        </a:lnSpc>
+                        <a:spcBef>
+                          <a:spcPts val="0"/>
+                        </a:spcBef>
+                        <a:spcAft>
+                          <a:spcPts val="0"/>
+                        </a:spcAft>
+                      </a:pPr>
+                      <a:r>
+                        <a:rPr lang="en-US" sz="1300">
+                          <a:effectLst/>
+                        </a:rPr>
+                        <a:t>2</a:t>
+                      </a:r>
+                      <a:endParaRPr lang="en-US" sz="1300">
+                        <a:effectLst/>
+                        <a:latin typeface="Arial"/>
+                        <a:ea typeface="Calibri"/>
+                        <a:cs typeface="Times New Roman"/>
+                      </a:endParaRPr>
+                    </a:p>
+                  </a:txBody>
+                  <a:tcPr marL="68580" marR="68580" marT="0" marB="0" anchor="ctr"/>
+                </a:tc>
+              </a:tr>
+              <a:tr h="422920">
+                <a:tc>
+                  <a:txBody>
+                    <a:bodyPr/>
+                    <a:lstStyle/>
+                    <a:p>
+                      <a:pPr marL="0" marR="0">
+                        <a:lnSpc>
+                          <a:spcPct val="100000"/>
+                        </a:lnSpc>
+                        <a:spcBef>
+                          <a:spcPts val="0"/>
+                        </a:spcBef>
+                        <a:spcAft>
+                          <a:spcPts val="0"/>
+                        </a:spcAft>
+                      </a:pPr>
+                      <a:r>
+                        <a:rPr lang="en-US" sz="1300">
+                          <a:effectLst/>
+                        </a:rPr>
+                        <a:t>short</a:t>
+                      </a:r>
+                      <a:endParaRPr lang="en-US" sz="1300">
+                        <a:effectLst/>
+                        <a:latin typeface="Arial"/>
+                        <a:ea typeface="Calibri"/>
+                        <a:cs typeface="Times New Roman"/>
+                      </a:endParaRPr>
+                    </a:p>
+                  </a:txBody>
+                  <a:tcPr marL="68580" marR="68580" marT="0" marB="0" anchor="ctr"/>
+                </a:tc>
+                <a:tc>
+                  <a:txBody>
+                    <a:bodyPr/>
+                    <a:lstStyle/>
+                    <a:p>
+                      <a:pPr marL="0" marR="0">
+                        <a:lnSpc>
+                          <a:spcPct val="100000"/>
+                        </a:lnSpc>
+                        <a:spcBef>
+                          <a:spcPts val="0"/>
+                        </a:spcBef>
+                        <a:spcAft>
+                          <a:spcPts val="0"/>
+                        </a:spcAft>
+                      </a:pPr>
+                      <a:r>
+                        <a:rPr lang="en-US" sz="1300">
+                          <a:effectLst/>
+                        </a:rPr>
+                        <a:t>jshort</a:t>
+                      </a:r>
+                      <a:endParaRPr lang="en-US" sz="1300">
+                        <a:effectLst/>
+                        <a:latin typeface="Arial"/>
+                        <a:ea typeface="Calibri"/>
+                        <a:cs typeface="Times New Roman"/>
+                      </a:endParaRPr>
+                    </a:p>
+                  </a:txBody>
+                  <a:tcPr marL="68580" marR="68580" marT="0" marB="0" anchor="ctr"/>
+                </a:tc>
+                <a:tc>
+                  <a:txBody>
+                    <a:bodyPr/>
+                    <a:lstStyle/>
+                    <a:p>
+                      <a:pPr marL="0" marR="0" algn="ctr">
+                        <a:lnSpc>
+                          <a:spcPct val="100000"/>
+                        </a:lnSpc>
+                        <a:spcBef>
+                          <a:spcPts val="0"/>
+                        </a:spcBef>
+                        <a:spcAft>
+                          <a:spcPts val="0"/>
+                        </a:spcAft>
+                      </a:pPr>
+                      <a:r>
+                        <a:rPr lang="en-US" sz="1300">
+                          <a:effectLst/>
+                        </a:rPr>
+                        <a:t>2</a:t>
+                      </a:r>
+                      <a:endParaRPr lang="en-US" sz="1300">
+                        <a:effectLst/>
+                        <a:latin typeface="Arial"/>
+                        <a:ea typeface="Calibri"/>
+                        <a:cs typeface="Times New Roman"/>
+                      </a:endParaRPr>
+                    </a:p>
+                  </a:txBody>
+                  <a:tcPr marL="68580" marR="68580" marT="0" marB="0" anchor="ctr"/>
+                </a:tc>
+              </a:tr>
+              <a:tr h="422920">
+                <a:tc>
+                  <a:txBody>
+                    <a:bodyPr/>
+                    <a:lstStyle/>
+                    <a:p>
+                      <a:pPr marL="0" marR="0">
+                        <a:lnSpc>
+                          <a:spcPct val="100000"/>
+                        </a:lnSpc>
+                        <a:spcBef>
+                          <a:spcPts val="0"/>
+                        </a:spcBef>
+                        <a:spcAft>
+                          <a:spcPts val="0"/>
+                        </a:spcAft>
+                      </a:pPr>
+                      <a:r>
+                        <a:rPr lang="en-US" sz="1300">
+                          <a:effectLst/>
+                        </a:rPr>
+                        <a:t>Int</a:t>
+                      </a:r>
+                      <a:endParaRPr lang="en-US" sz="1300">
+                        <a:effectLst/>
+                        <a:latin typeface="Arial"/>
+                        <a:ea typeface="Calibri"/>
+                        <a:cs typeface="Times New Roman"/>
+                      </a:endParaRPr>
+                    </a:p>
+                  </a:txBody>
+                  <a:tcPr marL="68580" marR="68580" marT="0" marB="0" anchor="ctr"/>
+                </a:tc>
+                <a:tc>
+                  <a:txBody>
+                    <a:bodyPr/>
+                    <a:lstStyle/>
+                    <a:p>
+                      <a:pPr marL="0" marR="0">
+                        <a:lnSpc>
+                          <a:spcPct val="100000"/>
+                        </a:lnSpc>
+                        <a:spcBef>
+                          <a:spcPts val="0"/>
+                        </a:spcBef>
+                        <a:spcAft>
+                          <a:spcPts val="0"/>
+                        </a:spcAft>
+                      </a:pPr>
+                      <a:r>
+                        <a:rPr lang="en-US" sz="1300">
+                          <a:effectLst/>
+                        </a:rPr>
+                        <a:t>jint</a:t>
+                      </a:r>
+                      <a:endParaRPr lang="en-US" sz="1300">
+                        <a:effectLst/>
+                        <a:latin typeface="Arial"/>
+                        <a:ea typeface="Calibri"/>
+                        <a:cs typeface="Times New Roman"/>
+                      </a:endParaRPr>
+                    </a:p>
+                  </a:txBody>
+                  <a:tcPr marL="68580" marR="68580" marT="0" marB="0" anchor="ctr"/>
+                </a:tc>
+                <a:tc>
+                  <a:txBody>
+                    <a:bodyPr/>
+                    <a:lstStyle/>
+                    <a:p>
+                      <a:pPr marL="0" marR="0" algn="ctr">
+                        <a:lnSpc>
+                          <a:spcPct val="100000"/>
+                        </a:lnSpc>
+                        <a:spcBef>
+                          <a:spcPts val="0"/>
+                        </a:spcBef>
+                        <a:spcAft>
+                          <a:spcPts val="0"/>
+                        </a:spcAft>
+                      </a:pPr>
+                      <a:r>
+                        <a:rPr lang="en-US" sz="1300">
+                          <a:effectLst/>
+                        </a:rPr>
+                        <a:t>4</a:t>
+                      </a:r>
+                      <a:endParaRPr lang="en-US" sz="1300">
+                        <a:effectLst/>
+                        <a:latin typeface="Arial"/>
+                        <a:ea typeface="Calibri"/>
+                        <a:cs typeface="Times New Roman"/>
+                      </a:endParaRPr>
+                    </a:p>
+                  </a:txBody>
+                  <a:tcPr marL="68580" marR="68580" marT="0" marB="0" anchor="ctr"/>
+                </a:tc>
+              </a:tr>
+              <a:tr h="422920">
+                <a:tc>
+                  <a:txBody>
+                    <a:bodyPr/>
+                    <a:lstStyle/>
+                    <a:p>
+                      <a:pPr marL="0" marR="0">
+                        <a:lnSpc>
+                          <a:spcPct val="100000"/>
+                        </a:lnSpc>
+                        <a:spcBef>
+                          <a:spcPts val="0"/>
+                        </a:spcBef>
+                        <a:spcAft>
+                          <a:spcPts val="0"/>
+                        </a:spcAft>
+                      </a:pPr>
+                      <a:r>
+                        <a:rPr lang="en-US" sz="1300">
+                          <a:effectLst/>
+                        </a:rPr>
+                        <a:t>long</a:t>
+                      </a:r>
+                      <a:endParaRPr lang="en-US" sz="1300">
+                        <a:effectLst/>
+                        <a:latin typeface="Arial"/>
+                        <a:ea typeface="Calibri"/>
+                        <a:cs typeface="Times New Roman"/>
+                      </a:endParaRPr>
+                    </a:p>
+                  </a:txBody>
+                  <a:tcPr marL="68580" marR="68580" marT="0" marB="0" anchor="ctr"/>
+                </a:tc>
+                <a:tc>
+                  <a:txBody>
+                    <a:bodyPr/>
+                    <a:lstStyle/>
+                    <a:p>
+                      <a:pPr marL="0" marR="0">
+                        <a:lnSpc>
+                          <a:spcPct val="100000"/>
+                        </a:lnSpc>
+                        <a:spcBef>
+                          <a:spcPts val="0"/>
+                        </a:spcBef>
+                        <a:spcAft>
+                          <a:spcPts val="0"/>
+                        </a:spcAft>
+                      </a:pPr>
+                      <a:r>
+                        <a:rPr lang="en-US" sz="1300">
+                          <a:effectLst/>
+                        </a:rPr>
+                        <a:t>jlong</a:t>
+                      </a:r>
+                      <a:endParaRPr lang="en-US" sz="1300">
+                        <a:effectLst/>
+                        <a:latin typeface="Arial"/>
+                        <a:ea typeface="Calibri"/>
+                        <a:cs typeface="Times New Roman"/>
+                      </a:endParaRPr>
+                    </a:p>
+                  </a:txBody>
+                  <a:tcPr marL="68580" marR="68580" marT="0" marB="0" anchor="ctr"/>
+                </a:tc>
+                <a:tc>
+                  <a:txBody>
+                    <a:bodyPr/>
+                    <a:lstStyle/>
+                    <a:p>
+                      <a:pPr marL="0" marR="0" algn="ctr">
+                        <a:lnSpc>
+                          <a:spcPct val="100000"/>
+                        </a:lnSpc>
+                        <a:spcBef>
+                          <a:spcPts val="0"/>
+                        </a:spcBef>
+                        <a:spcAft>
+                          <a:spcPts val="0"/>
+                        </a:spcAft>
+                      </a:pPr>
+                      <a:r>
+                        <a:rPr lang="en-US" sz="1300">
+                          <a:effectLst/>
+                        </a:rPr>
+                        <a:t>8</a:t>
+                      </a:r>
+                      <a:endParaRPr lang="en-US" sz="1300">
+                        <a:effectLst/>
+                        <a:latin typeface="Arial"/>
+                        <a:ea typeface="Calibri"/>
+                        <a:cs typeface="Times New Roman"/>
+                      </a:endParaRPr>
+                    </a:p>
+                  </a:txBody>
+                  <a:tcPr marL="68580" marR="68580" marT="0" marB="0" anchor="ctr"/>
+                </a:tc>
+              </a:tr>
+              <a:tr h="422920">
+                <a:tc>
+                  <a:txBody>
+                    <a:bodyPr/>
+                    <a:lstStyle/>
+                    <a:p>
+                      <a:pPr marL="0" marR="0">
+                        <a:lnSpc>
+                          <a:spcPct val="100000"/>
+                        </a:lnSpc>
+                        <a:spcBef>
+                          <a:spcPts val="0"/>
+                        </a:spcBef>
+                        <a:spcAft>
+                          <a:spcPts val="0"/>
+                        </a:spcAft>
+                      </a:pPr>
+                      <a:r>
+                        <a:rPr lang="en-US" sz="1300">
+                          <a:effectLst/>
+                        </a:rPr>
+                        <a:t>float</a:t>
+                      </a:r>
+                      <a:endParaRPr lang="en-US" sz="1300">
+                        <a:effectLst/>
+                        <a:latin typeface="Arial"/>
+                        <a:ea typeface="Calibri"/>
+                        <a:cs typeface="Times New Roman"/>
+                      </a:endParaRPr>
+                    </a:p>
+                  </a:txBody>
+                  <a:tcPr marL="68580" marR="68580" marT="0" marB="0" anchor="ctr"/>
+                </a:tc>
+                <a:tc>
+                  <a:txBody>
+                    <a:bodyPr/>
+                    <a:lstStyle/>
+                    <a:p>
+                      <a:pPr marL="0" marR="0">
+                        <a:lnSpc>
+                          <a:spcPct val="100000"/>
+                        </a:lnSpc>
+                        <a:spcBef>
+                          <a:spcPts val="0"/>
+                        </a:spcBef>
+                        <a:spcAft>
+                          <a:spcPts val="0"/>
+                        </a:spcAft>
+                      </a:pPr>
+                      <a:r>
+                        <a:rPr lang="en-US" sz="1300">
+                          <a:effectLst/>
+                        </a:rPr>
+                        <a:t>jfloat</a:t>
+                      </a:r>
+                      <a:endParaRPr lang="en-US" sz="1300">
+                        <a:effectLst/>
+                        <a:latin typeface="Arial"/>
+                        <a:ea typeface="Calibri"/>
+                        <a:cs typeface="Times New Roman"/>
+                      </a:endParaRPr>
+                    </a:p>
+                  </a:txBody>
+                  <a:tcPr marL="68580" marR="68580" marT="0" marB="0" anchor="ctr"/>
+                </a:tc>
+                <a:tc>
+                  <a:txBody>
+                    <a:bodyPr/>
+                    <a:lstStyle/>
+                    <a:p>
+                      <a:pPr marL="0" marR="0" algn="ctr">
+                        <a:lnSpc>
+                          <a:spcPct val="100000"/>
+                        </a:lnSpc>
+                        <a:spcBef>
+                          <a:spcPts val="0"/>
+                        </a:spcBef>
+                        <a:spcAft>
+                          <a:spcPts val="0"/>
+                        </a:spcAft>
+                      </a:pPr>
+                      <a:r>
+                        <a:rPr lang="en-US" sz="1300">
+                          <a:effectLst/>
+                        </a:rPr>
+                        <a:t>4</a:t>
+                      </a:r>
+                      <a:endParaRPr lang="en-US" sz="1300">
+                        <a:effectLst/>
+                        <a:latin typeface="Arial"/>
+                        <a:ea typeface="Calibri"/>
+                        <a:cs typeface="Times New Roman"/>
+                      </a:endParaRPr>
+                    </a:p>
+                  </a:txBody>
+                  <a:tcPr marL="68580" marR="68580" marT="0" marB="0" anchor="ctr"/>
+                </a:tc>
+              </a:tr>
+              <a:tr h="422920">
+                <a:tc>
+                  <a:txBody>
+                    <a:bodyPr/>
+                    <a:lstStyle/>
+                    <a:p>
+                      <a:pPr marL="0" marR="0">
+                        <a:lnSpc>
+                          <a:spcPct val="100000"/>
+                        </a:lnSpc>
+                        <a:spcBef>
+                          <a:spcPts val="0"/>
+                        </a:spcBef>
+                        <a:spcAft>
+                          <a:spcPts val="0"/>
+                        </a:spcAft>
+                      </a:pPr>
+                      <a:r>
+                        <a:rPr lang="en-US" sz="1300">
+                          <a:effectLst/>
+                        </a:rPr>
+                        <a:t>double</a:t>
+                      </a:r>
+                      <a:endParaRPr lang="en-US" sz="1300">
+                        <a:effectLst/>
+                        <a:latin typeface="Arial"/>
+                        <a:ea typeface="Calibri"/>
+                        <a:cs typeface="Times New Roman"/>
+                      </a:endParaRPr>
+                    </a:p>
+                  </a:txBody>
+                  <a:tcPr marL="68580" marR="68580" marT="0" marB="0" anchor="ctr"/>
+                </a:tc>
+                <a:tc>
+                  <a:txBody>
+                    <a:bodyPr/>
+                    <a:lstStyle/>
+                    <a:p>
+                      <a:pPr marL="0" marR="0">
+                        <a:lnSpc>
+                          <a:spcPct val="100000"/>
+                        </a:lnSpc>
+                        <a:spcBef>
+                          <a:spcPts val="0"/>
+                        </a:spcBef>
+                        <a:spcAft>
+                          <a:spcPts val="0"/>
+                        </a:spcAft>
+                      </a:pPr>
+                      <a:r>
+                        <a:rPr lang="en-US" sz="1300">
+                          <a:effectLst/>
+                        </a:rPr>
+                        <a:t>jdouble</a:t>
+                      </a:r>
+                      <a:endParaRPr lang="en-US" sz="1300">
+                        <a:effectLst/>
+                        <a:latin typeface="Arial"/>
+                        <a:ea typeface="Calibri"/>
+                        <a:cs typeface="Times New Roman"/>
+                      </a:endParaRPr>
+                    </a:p>
+                  </a:txBody>
+                  <a:tcPr marL="68580" marR="68580" marT="0" marB="0" anchor="ctr"/>
+                </a:tc>
+                <a:tc>
+                  <a:txBody>
+                    <a:bodyPr/>
+                    <a:lstStyle/>
+                    <a:p>
+                      <a:pPr marL="0" marR="0" algn="ctr">
+                        <a:lnSpc>
+                          <a:spcPct val="100000"/>
+                        </a:lnSpc>
+                        <a:spcBef>
+                          <a:spcPts val="0"/>
+                        </a:spcBef>
+                        <a:spcAft>
+                          <a:spcPts val="0"/>
+                        </a:spcAft>
+                      </a:pPr>
+                      <a:r>
+                        <a:rPr lang="en-US" sz="1300">
+                          <a:effectLst/>
+                        </a:rPr>
+                        <a:t>8</a:t>
+                      </a:r>
+                      <a:endParaRPr lang="en-US" sz="1300">
+                        <a:effectLst/>
+                        <a:latin typeface="Arial"/>
+                        <a:ea typeface="Calibri"/>
+                        <a:cs typeface="Times New Roman"/>
+                      </a:endParaRPr>
+                    </a:p>
+                  </a:txBody>
+                  <a:tcPr marL="68580" marR="68580" marT="0" marB="0" anchor="ctr"/>
+                </a:tc>
+              </a:tr>
+            </a:tbl>
+          </a:graphicData>
+        </a:graphic>
+      </p:graphicFrame>
+    </p:spTree>
+    <p:extLst>
+      <p:ext uri="{BB962C8B-B14F-4D97-AF65-F5344CB8AC3E}">
+        <p14:creationId xmlns:p14="http://schemas.microsoft.com/office/powerpoint/2010/main" val="1258327308"/>
+      </p:ext>
+    </p:extLst>
+  </p:cSld>
+  <p:clrMapOvr>
+    <a:masterClrMapping/>
+  </p:clrMapOvr>
+  <p:timing>
+    <p:tnLst>
+      <p:par>
+        <p:cTn id="1" dur="indefinite" restart="never" nodeType="tmRoot"/>
+      </p:par>
+    </p:tnLst>
+  </p:timing>
+</p:sld>
+</file>
+
+<file path=ppt/slides/slide12.xml><?xml version="1.0" encoding="utf-8"?>
+<p:sld xmlns:a="http://schemas.openxmlformats.org/drawingml/2006/main" xmlns:r="http://schemas.openxmlformats.org/officeDocument/2006/relationships" xmlns:p="http://schemas.openxmlformats.org/presentationml/2006/main">
+  <p:cSld>
+    <p:spTree>
+      <p:nvGrpSpPr>
+        <p:cNvPr id="1" name=""/>
+        <p:cNvGrpSpPr/>
+        <p:nvPr/>
+      </p:nvGrpSpPr>
+      <p:grpSpPr>
+        <a:xfrm>
+          <a:off x="0" y="0"/>
+          <a:ext cx="0" cy="0"/>
+          <a:chOff x="0" y="0"/>
+          <a:chExt cx="0" cy="0"/>
+        </a:xfrm>
+      </p:grpSpPr>
+      <p:sp>
+        <p:nvSpPr>
+          <p:cNvPr id="8" name="Title 1"/>
+          <p:cNvSpPr>
+            <a:spLocks noGrp="1"/>
+          </p:cNvSpPr>
+          <p:nvPr>
+            <p:ph type="title"/>
+          </p:nvPr>
+        </p:nvSpPr>
+        <p:spPr>
+          <a:xfrm>
+            <a:off x="228600" y="579437"/>
+            <a:ext cx="8915400" cy="563563"/>
+          </a:xfrm>
+        </p:spPr>
+        <p:txBody>
+          <a:bodyPr>
+            <a:normAutofit fontScale="90000"/>
+          </a:bodyPr>
+          <a:lstStyle/>
+          <a:p>
+            <a:pPr algn="l"/>
+            <a:r>
+              <a:rPr lang="en-US" cap="all" smtClean="0">
+                <a:ln w="9000" cmpd="sng">
+                  <a:solidFill>
+                    <a:schemeClr val="accent4">
+                      <a:shade val="50000"/>
+                      <a:satMod val="120000"/>
+                    </a:schemeClr>
+                  </a:solidFill>
+                  <a:prstDash val="solid"/>
+                </a:ln>
+                <a:gradFill>
+                  <a:gsLst>
+                    <a:gs pos="0">
+                      <a:schemeClr val="accent4">
+                        <a:shade val="20000"/>
+                        <a:satMod val="245000"/>
+                      </a:schemeClr>
+                    </a:gs>
+                    <a:gs pos="43000">
+                      <a:schemeClr val="accent4">
+                        <a:satMod val="255000"/>
+                      </a:schemeClr>
+                    </a:gs>
+                    <a:gs pos="48000">
+                      <a:schemeClr val="accent4">
+                        <a:shade val="85000"/>
+                        <a:satMod val="255000"/>
+                      </a:schemeClr>
+                    </a:gs>
+                    <a:gs pos="100000">
+                      <a:schemeClr val="accent4">
+                        <a:shade val="20000"/>
+                        <a:satMod val="245000"/>
+                      </a:schemeClr>
+                    </a:gs>
+                  </a:gsLst>
+                  <a:lin ang="5400000"/>
+                </a:gradFill>
+                <a:effectLst>
+                  <a:reflection blurRad="12700" stA="28000" endPos="45000" dist="1000" dir="5400000" sy="-100000" algn="bl" rotWithShape="0"/>
+                </a:effectLst>
+              </a:rPr>
+              <a:t>2.2 kiểu dữ liệu cơ bản </a:t>
+            </a:r>
+            <a:endParaRPr lang="en-US" cap="all">
+              <a:ln w="9000" cmpd="sng">
+                <a:solidFill>
+                  <a:schemeClr val="accent4">
+                    <a:shade val="50000"/>
+                    <a:satMod val="120000"/>
+                  </a:schemeClr>
+                </a:solidFill>
+                <a:prstDash val="solid"/>
+              </a:ln>
+              <a:gradFill>
+                <a:gsLst>
+                  <a:gs pos="0">
+                    <a:schemeClr val="accent4">
+                      <a:shade val="20000"/>
+                      <a:satMod val="245000"/>
+                    </a:schemeClr>
+                  </a:gs>
+                  <a:gs pos="43000">
+                    <a:schemeClr val="accent4">
+                      <a:satMod val="255000"/>
+                    </a:schemeClr>
+                  </a:gs>
+                  <a:gs pos="48000">
+                    <a:schemeClr val="accent4">
+                      <a:shade val="85000"/>
+                      <a:satMod val="255000"/>
+                    </a:schemeClr>
+                  </a:gs>
+                  <a:gs pos="100000">
+                    <a:schemeClr val="accent4">
+                      <a:shade val="20000"/>
+                      <a:satMod val="245000"/>
+                    </a:schemeClr>
+                  </a:gs>
+                </a:gsLst>
+                <a:lin ang="5400000"/>
+              </a:gradFill>
+              <a:effectLst>
+                <a:reflection blurRad="12700" stA="28000" endPos="45000" dist="1000" dir="5400000" sy="-100000" algn="bl" rotWithShape="0"/>
+              </a:effectLst>
+            </a:endParaRPr>
+          </a:p>
+        </p:txBody>
+      </p:sp>
+      <p:sp>
+        <p:nvSpPr>
+          <p:cNvPr id="2" name="Content Placeholder 1"/>
+          <p:cNvSpPr>
+            <a:spLocks noGrp="1"/>
+          </p:cNvSpPr>
+          <p:nvPr>
+            <p:ph idx="1"/>
+          </p:nvPr>
+        </p:nvSpPr>
+        <p:spPr/>
+        <p:txBody>
+          <a:bodyPr/>
+          <a:lstStyle/>
+          <a:p>
+            <a:pPr lvl="0">
+              <a:buClrTx/>
+              <a:buFont typeface="Wingdings" pitchFamily="2" charset="2"/>
+              <a:buChar char="q"/>
+            </a:pPr>
+            <a:r>
+              <a:rPr lang="en-US" sz="2400">
+                <a:solidFill>
+                  <a:srgbClr val="000000"/>
+                </a:solidFill>
+              </a:rPr>
+              <a:t>String Parameters</a:t>
+            </a:r>
+          </a:p>
+          <a:p>
+            <a:pPr marL="0" lvl="0" indent="742950">
+              <a:buClrTx/>
+              <a:buNone/>
+            </a:pPr>
+            <a:r>
+              <a:rPr lang="en-US" sz="2400" b="0" smtClean="0">
+                <a:solidFill>
+                  <a:srgbClr val="000000"/>
+                </a:solidFill>
+              </a:rPr>
+              <a:t>String </a:t>
+            </a:r>
+            <a:r>
+              <a:rPr lang="en-US" sz="2400" b="0">
+                <a:solidFill>
+                  <a:srgbClr val="000000"/>
+                </a:solidFill>
+              </a:rPr>
+              <a:t>trong jstring (JNI), là một chuỗi unicode 16 bit. Trong C String được xây dựng mặc định từ 8 ký tự bit. Vì vậy, để truy cập vào một đối tượng String trong Java thông qua một C/C++, hoặc trả lại một chuỗi C/C++ cho Java, ta cần phải sử dụng chức năng chuyển đổi JNI trong việc thực hiện.</a:t>
+            </a:r>
+          </a:p>
+          <a:p>
+            <a:pPr marL="0" lvl="0" indent="742950">
+              <a:buClrTx/>
+              <a:buNone/>
+            </a:pPr>
+            <a:r>
+              <a:rPr lang="en-US" sz="2400" b="0" smtClean="0">
+                <a:solidFill>
+                  <a:srgbClr val="000000"/>
+                </a:solidFill>
+              </a:rPr>
+              <a:t>Jstring </a:t>
+            </a:r>
+            <a:r>
+              <a:rPr lang="en-US" sz="2400" b="0">
+                <a:solidFill>
+                  <a:srgbClr val="000000"/>
+                </a:solidFill>
+              </a:rPr>
+              <a:t>không được sử dụng </a:t>
+            </a:r>
+            <a:r>
+              <a:rPr lang="en-US" sz="2400" b="0">
+                <a:solidFill>
+                  <a:srgbClr val="000000"/>
+                </a:solidFill>
+              </a:rPr>
+              <a:t>như </a:t>
+            </a:r>
+            <a:r>
+              <a:rPr lang="en-US" sz="2400" b="0" smtClean="0">
+                <a:solidFill>
+                  <a:srgbClr val="000000"/>
+                </a:solidFill>
+              </a:rPr>
+              <a:t>một </a:t>
+            </a:r>
+            <a:r>
+              <a:rPr lang="en-US" sz="2400" b="0">
+                <a:solidFill>
+                  <a:srgbClr val="000000"/>
+                </a:solidFill>
+              </a:rPr>
+              <a:t>string bình thường trong C mà phải qua các phương thức </a:t>
+            </a:r>
+            <a:r>
+              <a:rPr lang="en-US" sz="2400" b="0">
+                <a:solidFill>
+                  <a:srgbClr val="000000"/>
+                </a:solidFill>
+              </a:rPr>
+              <a:t>trong </a:t>
+            </a:r>
+            <a:r>
+              <a:rPr lang="en-US" sz="2400" b="0" smtClean="0">
+                <a:solidFill>
+                  <a:srgbClr val="000000"/>
+                </a:solidFill>
+              </a:rPr>
+              <a:t>JNI.</a:t>
+            </a:r>
+            <a:endParaRPr lang="en-US" sz="2400" b="0">
+              <a:solidFill>
+                <a:srgbClr val="000000"/>
+              </a:solidFill>
+            </a:endParaRPr>
+          </a:p>
+        </p:txBody>
+      </p:sp>
+      <p:sp>
+        <p:nvSpPr>
+          <p:cNvPr id="4" name="Footer Placeholder 3"/>
+          <p:cNvSpPr>
+            <a:spLocks noGrp="1"/>
+          </p:cNvSpPr>
+          <p:nvPr>
+            <p:ph type="ftr" sz="quarter" idx="11"/>
+          </p:nvPr>
+        </p:nvSpPr>
+        <p:spPr/>
+        <p:txBody>
+          <a:bodyPr/>
+          <a:lstStyle/>
+          <a:p>
+            <a:r>
+              <a:rPr lang="en-US" smtClean="0"/>
+              <a:t>www.hcmus.edu.vn</a:t>
+            </a:r>
+            <a:endParaRPr lang="en-US"/>
+          </a:p>
+        </p:txBody>
+      </p:sp>
+      <p:sp>
+        <p:nvSpPr>
+          <p:cNvPr id="6" name="Slide Number Placeholder 11"/>
+          <p:cNvSpPr>
+            <a:spLocks noGrp="1"/>
+          </p:cNvSpPr>
+          <p:nvPr>
+            <p:ph type="sldNum" sz="quarter" idx="12"/>
+          </p:nvPr>
+        </p:nvSpPr>
+        <p:spPr>
+          <a:xfrm>
+            <a:off x="3429000" y="6477000"/>
+            <a:ext cx="2133600" cy="381000"/>
+          </a:xfrm>
+        </p:spPr>
+        <p:txBody>
+          <a:bodyPr/>
+          <a:lstStyle/>
+          <a:p>
+            <a:fld id="{B6F15528-21DE-4FAA-801E-634DDDAF4B2B}" type="slidenum">
+              <a:rPr lang="en-US" sz="2000" smtClean="0"/>
+              <a:pPr/>
+              <a:t>12</a:t>
+            </a:fld>
+            <a:endParaRPr lang="en-US" sz="2000"/>
+          </a:p>
+        </p:txBody>
+      </p:sp>
+    </p:spTree>
+    <p:extLst>
+      <p:ext uri="{BB962C8B-B14F-4D97-AF65-F5344CB8AC3E}">
+        <p14:creationId xmlns:p14="http://schemas.microsoft.com/office/powerpoint/2010/main" val="1258327308"/>
+      </p:ext>
+    </p:extLst>
+  </p:cSld>
+  <p:clrMapOvr>
+    <a:masterClrMapping/>
+  </p:clrMapOvr>
+  <p:timing>
+    <p:tnLst>
+      <p:par>
+        <p:cTn id="1" dur="indefinite" restart="never" nodeType="tmRoot"/>
+      </p:par>
+    </p:tnLst>
+  </p:timing>
+</p:sld>
+</file>
+
+<file path=ppt/slides/slide13.xml><?xml version="1.0" encoding="utf-8"?>
+<p:sld xmlns:a="http://schemas.openxmlformats.org/drawingml/2006/main" xmlns:r="http://schemas.openxmlformats.org/officeDocument/2006/relationships" xmlns:p="http://schemas.openxmlformats.org/presentationml/2006/main">
+  <p:cSld>
+    <p:spTree>
+      <p:nvGrpSpPr>
+        <p:cNvPr id="1" name=""/>
+        <p:cNvGrpSpPr/>
+        <p:nvPr/>
+      </p:nvGrpSpPr>
+      <p:grpSpPr>
+        <a:xfrm>
+          <a:off x="0" y="0"/>
+          <a:ext cx="0" cy="0"/>
+          <a:chOff x="0" y="0"/>
+          <a:chExt cx="0" cy="0"/>
+        </a:xfrm>
+      </p:grpSpPr>
+      <p:sp>
+        <p:nvSpPr>
+          <p:cNvPr id="8" name="Title 1"/>
+          <p:cNvSpPr>
+            <a:spLocks noGrp="1"/>
+          </p:cNvSpPr>
+          <p:nvPr>
+            <p:ph type="title"/>
+          </p:nvPr>
+        </p:nvSpPr>
+        <p:spPr>
+          <a:xfrm>
+            <a:off x="228600" y="579437"/>
+            <a:ext cx="8915400" cy="563563"/>
+          </a:xfrm>
+        </p:spPr>
+        <p:txBody>
+          <a:bodyPr>
+            <a:normAutofit fontScale="90000"/>
+          </a:bodyPr>
+          <a:lstStyle/>
+          <a:p>
+            <a:pPr algn="l"/>
+            <a:r>
+              <a:rPr lang="en-US" cap="all" smtClean="0">
+                <a:ln w="9000" cmpd="sng">
+                  <a:solidFill>
+                    <a:schemeClr val="accent4">
+                      <a:shade val="50000"/>
+                      <a:satMod val="120000"/>
+                    </a:schemeClr>
+                  </a:solidFill>
+                  <a:prstDash val="solid"/>
+                </a:ln>
+                <a:gradFill>
+                  <a:gsLst>
+                    <a:gs pos="0">
+                      <a:schemeClr val="accent4">
+                        <a:shade val="20000"/>
+                        <a:satMod val="245000"/>
+                      </a:schemeClr>
+                    </a:gs>
+                    <a:gs pos="43000">
+                      <a:schemeClr val="accent4">
+                        <a:satMod val="255000"/>
+                      </a:schemeClr>
+                    </a:gs>
+                    <a:gs pos="48000">
+                      <a:schemeClr val="accent4">
+                        <a:shade val="85000"/>
+                        <a:satMod val="255000"/>
+                      </a:schemeClr>
+                    </a:gs>
+                    <a:gs pos="100000">
+                      <a:schemeClr val="accent4">
+                        <a:shade val="20000"/>
+                        <a:satMod val="245000"/>
+                      </a:schemeClr>
+                    </a:gs>
+                  </a:gsLst>
+                  <a:lin ang="5400000"/>
+                </a:gradFill>
+                <a:effectLst>
+                  <a:reflection blurRad="12700" stA="28000" endPos="45000" dist="1000" dir="5400000" sy="-100000" algn="bl" rotWithShape="0"/>
+                </a:effectLst>
+              </a:rPr>
+              <a:t>2.2 kiểu dữ liệu cơ bản </a:t>
+            </a:r>
+            <a:endParaRPr lang="en-US" cap="all">
+              <a:ln w="9000" cmpd="sng">
+                <a:solidFill>
+                  <a:schemeClr val="accent4">
+                    <a:shade val="50000"/>
+                    <a:satMod val="120000"/>
+                  </a:schemeClr>
+                </a:solidFill>
+                <a:prstDash val="solid"/>
+              </a:ln>
+              <a:gradFill>
+                <a:gsLst>
+                  <a:gs pos="0">
+                    <a:schemeClr val="accent4">
+                      <a:shade val="20000"/>
+                      <a:satMod val="245000"/>
+                    </a:schemeClr>
+                  </a:gs>
+                  <a:gs pos="43000">
+                    <a:schemeClr val="accent4">
+                      <a:satMod val="255000"/>
+                    </a:schemeClr>
+                  </a:gs>
+                  <a:gs pos="48000">
+                    <a:schemeClr val="accent4">
+                      <a:shade val="85000"/>
+                      <a:satMod val="255000"/>
+                    </a:schemeClr>
+                  </a:gs>
+                  <a:gs pos="100000">
+                    <a:schemeClr val="accent4">
+                      <a:shade val="20000"/>
+                      <a:satMod val="245000"/>
+                    </a:schemeClr>
+                  </a:gs>
+                </a:gsLst>
+                <a:lin ang="5400000"/>
+              </a:gradFill>
+              <a:effectLst>
+                <a:reflection blurRad="12700" stA="28000" endPos="45000" dist="1000" dir="5400000" sy="-100000" algn="bl" rotWithShape="0"/>
+              </a:effectLst>
+            </a:endParaRPr>
+          </a:p>
+        </p:txBody>
+      </p:sp>
+      <p:sp>
+        <p:nvSpPr>
+          <p:cNvPr id="2" name="Content Placeholder 1"/>
+          <p:cNvSpPr>
+            <a:spLocks noGrp="1"/>
+          </p:cNvSpPr>
+          <p:nvPr>
+            <p:ph idx="1"/>
+          </p:nvPr>
+        </p:nvSpPr>
+        <p:spPr/>
+        <p:txBody>
+          <a:bodyPr/>
+          <a:lstStyle/>
+          <a:p>
+            <a:pPr marL="0" indent="400050">
+              <a:buClrTx/>
+              <a:buNone/>
+            </a:pPr>
+            <a:r>
+              <a:rPr lang="en-US" b="0">
+                <a:solidFill>
+                  <a:srgbClr val="000000"/>
+                </a:solidFill>
+              </a:rPr>
+              <a:t>Jstring có các phương thức hỗ trợ căn bản sau:</a:t>
+            </a:r>
+          </a:p>
+          <a:p>
+            <a:pPr>
+              <a:buClrTx/>
+              <a:buFont typeface="Wingdings" pitchFamily="2" charset="2"/>
+              <a:buChar char="q"/>
+            </a:pPr>
+            <a:endParaRPr lang="en-US">
+              <a:solidFill>
+                <a:srgbClr val="000000"/>
+              </a:solidFill>
+            </a:endParaRPr>
+          </a:p>
+        </p:txBody>
+      </p:sp>
+      <p:sp>
+        <p:nvSpPr>
+          <p:cNvPr id="4" name="Footer Placeholder 3"/>
+          <p:cNvSpPr>
+            <a:spLocks noGrp="1"/>
+          </p:cNvSpPr>
+          <p:nvPr>
+            <p:ph type="ftr" sz="quarter" idx="11"/>
+          </p:nvPr>
+        </p:nvSpPr>
+        <p:spPr/>
+        <p:txBody>
+          <a:bodyPr/>
+          <a:lstStyle/>
+          <a:p>
+            <a:r>
+              <a:rPr lang="en-US" smtClean="0"/>
+              <a:t>www.hcmus.edu.vn</a:t>
+            </a:r>
+            <a:endParaRPr lang="en-US"/>
+          </a:p>
+        </p:txBody>
+      </p:sp>
+      <p:sp>
+        <p:nvSpPr>
+          <p:cNvPr id="6" name="Slide Number Placeholder 11"/>
+          <p:cNvSpPr>
+            <a:spLocks noGrp="1"/>
+          </p:cNvSpPr>
+          <p:nvPr>
+            <p:ph type="sldNum" sz="quarter" idx="12"/>
+          </p:nvPr>
+        </p:nvSpPr>
+        <p:spPr>
+          <a:xfrm>
+            <a:off x="3429000" y="6477000"/>
+            <a:ext cx="2133600" cy="381000"/>
+          </a:xfrm>
+        </p:spPr>
+        <p:txBody>
+          <a:bodyPr/>
+          <a:lstStyle/>
+          <a:p>
+            <a:fld id="{B6F15528-21DE-4FAA-801E-634DDDAF4B2B}" type="slidenum">
+              <a:rPr lang="en-US" sz="2000" smtClean="0"/>
+              <a:pPr/>
+              <a:t>13</a:t>
+            </a:fld>
+            <a:endParaRPr lang="en-US" sz="2000"/>
+          </a:p>
+        </p:txBody>
+      </p:sp>
+      <p:graphicFrame>
+        <p:nvGraphicFramePr>
+          <p:cNvPr id="3" name="Table 2"/>
+          <p:cNvGraphicFramePr>
+            <a:graphicFrameLocks noGrp="1"/>
+          </p:cNvGraphicFramePr>
+          <p:nvPr>
+            <p:extLst>
+              <p:ext uri="{D42A27DB-BD31-4B8C-83A1-F6EECF244321}">
+                <p14:modId xmlns:p14="http://schemas.microsoft.com/office/powerpoint/2010/main" val="2819616135"/>
+              </p:ext>
+            </p:extLst>
+          </p:nvPr>
+        </p:nvGraphicFramePr>
+        <p:xfrm>
+          <a:off x="1066800" y="2708910"/>
+          <a:ext cx="7391400" cy="3615690"/>
+        </p:xfrm>
+        <a:graphic>
+          <a:graphicData uri="http://schemas.openxmlformats.org/drawingml/2006/table">
+            <a:tbl>
+              <a:tblPr firstRow="1" firstCol="1" bandRow="1">
+                <a:tableStyleId>{5C22544A-7EE6-4342-B048-85BDC9FD1C3A}</a:tableStyleId>
+              </a:tblPr>
+              <a:tblGrid>
+                <a:gridCol w="3695700"/>
+                <a:gridCol w="3695700"/>
+              </a:tblGrid>
+              <a:tr h="723138">
+                <a:tc>
+                  <a:txBody>
+                    <a:bodyPr/>
+                    <a:lstStyle/>
+                    <a:p>
+                      <a:pPr marL="342900" marR="0" lvl="0" indent="-342900">
+                        <a:lnSpc>
+                          <a:spcPct val="115000"/>
+                        </a:lnSpc>
+                        <a:spcBef>
+                          <a:spcPts val="0"/>
+                        </a:spcBef>
+                        <a:spcAft>
+                          <a:spcPts val="0"/>
+                        </a:spcAft>
+                        <a:buFont typeface="Arial"/>
+                        <a:buChar char="•"/>
+                        <a:tabLst>
+                          <a:tab pos="457200" algn="l"/>
+                        </a:tabLst>
+                      </a:pPr>
+                      <a:r>
+                        <a:rPr lang="en-US" sz="1300">
+                          <a:effectLst/>
+                        </a:rPr>
+                        <a:t>GetStringChars</a:t>
+                      </a:r>
+                    </a:p>
+                    <a:p>
+                      <a:pPr marL="342900" marR="0" lvl="0" indent="-342900">
+                        <a:lnSpc>
+                          <a:spcPct val="115000"/>
+                        </a:lnSpc>
+                        <a:spcBef>
+                          <a:spcPts val="0"/>
+                        </a:spcBef>
+                        <a:spcAft>
+                          <a:spcPts val="0"/>
+                        </a:spcAft>
+                        <a:buFont typeface="Arial"/>
+                        <a:buChar char="•"/>
+                        <a:tabLst>
+                          <a:tab pos="457200" algn="l"/>
+                        </a:tabLst>
+                      </a:pPr>
+                      <a:r>
+                        <a:rPr lang="en-US" sz="1300">
+                          <a:effectLst/>
+                        </a:rPr>
+                        <a:t>ReleaseStringChars</a:t>
+                      </a:r>
+                      <a:endParaRPr lang="en-US" sz="1300">
+                        <a:effectLst/>
+                        <a:latin typeface="Arial"/>
+                        <a:ea typeface="Calibri"/>
+                        <a:cs typeface="Times New Roman"/>
+                      </a:endParaRPr>
+                    </a:p>
+                  </a:txBody>
+                  <a:tcPr marL="68580" marR="68580" marT="0" marB="0" anchor="ctr"/>
+                </a:tc>
+                <a:tc>
+                  <a:txBody>
+                    <a:bodyPr/>
+                    <a:lstStyle/>
+                    <a:p>
+                      <a:pPr marL="0" marR="0">
+                        <a:lnSpc>
+                          <a:spcPct val="115000"/>
+                        </a:lnSpc>
+                        <a:spcBef>
+                          <a:spcPts val="0"/>
+                        </a:spcBef>
+                        <a:spcAft>
+                          <a:spcPts val="0"/>
+                        </a:spcAft>
+                      </a:pPr>
+                      <a:r>
+                        <a:rPr lang="en-US" sz="1300">
+                          <a:effectLst/>
+                        </a:rPr>
+                        <a:t>Lấy chuỗi String thường</a:t>
+                      </a:r>
+                      <a:endParaRPr lang="en-US" sz="1300">
+                        <a:effectLst/>
+                        <a:latin typeface="Arial"/>
+                        <a:ea typeface="Calibri"/>
+                        <a:cs typeface="Times New Roman"/>
+                      </a:endParaRPr>
+                    </a:p>
+                  </a:txBody>
+                  <a:tcPr marL="68580" marR="68580" marT="0" marB="0" anchor="ctr"/>
+                </a:tc>
+              </a:tr>
+              <a:tr h="723138">
+                <a:tc>
+                  <a:txBody>
+                    <a:bodyPr/>
+                    <a:lstStyle/>
+                    <a:p>
+                      <a:pPr marL="342900" marR="0" lvl="0" indent="-342900">
+                        <a:lnSpc>
+                          <a:spcPct val="115000"/>
+                        </a:lnSpc>
+                        <a:spcBef>
+                          <a:spcPts val="0"/>
+                        </a:spcBef>
+                        <a:spcAft>
+                          <a:spcPts val="0"/>
+                        </a:spcAft>
+                        <a:buFont typeface="Arial"/>
+                        <a:buChar char="•"/>
+                        <a:tabLst>
+                          <a:tab pos="457200" algn="l"/>
+                        </a:tabLst>
+                      </a:pPr>
+                      <a:r>
+                        <a:rPr lang="en-US" sz="1300">
+                          <a:effectLst/>
+                        </a:rPr>
+                        <a:t>GetStringUTFChars</a:t>
+                      </a:r>
+                    </a:p>
+                    <a:p>
+                      <a:pPr marL="342900" marR="0" lvl="0" indent="-342900">
+                        <a:lnSpc>
+                          <a:spcPct val="115000"/>
+                        </a:lnSpc>
+                        <a:spcBef>
+                          <a:spcPts val="0"/>
+                        </a:spcBef>
+                        <a:spcAft>
+                          <a:spcPts val="0"/>
+                        </a:spcAft>
+                        <a:buFont typeface="Arial"/>
+                        <a:buChar char="•"/>
+                        <a:tabLst>
+                          <a:tab pos="457200" algn="l"/>
+                        </a:tabLst>
+                      </a:pPr>
+                      <a:r>
+                        <a:rPr lang="en-US" sz="1300">
+                          <a:effectLst/>
+                        </a:rPr>
+                        <a:t>ReleaseStringUTFChars</a:t>
+                      </a:r>
+                      <a:endParaRPr lang="en-US" sz="1300">
+                        <a:effectLst/>
+                        <a:latin typeface="Arial"/>
+                        <a:ea typeface="Calibri"/>
+                        <a:cs typeface="Times New Roman"/>
+                      </a:endParaRPr>
+                    </a:p>
+                  </a:txBody>
+                  <a:tcPr marL="68580" marR="68580" marT="0" marB="0" anchor="ctr"/>
+                </a:tc>
+                <a:tc>
+                  <a:txBody>
+                    <a:bodyPr/>
+                    <a:lstStyle/>
+                    <a:p>
+                      <a:pPr marL="0" marR="0">
+                        <a:lnSpc>
+                          <a:spcPct val="115000"/>
+                        </a:lnSpc>
+                        <a:spcBef>
+                          <a:spcPts val="0"/>
+                        </a:spcBef>
+                        <a:spcAft>
+                          <a:spcPts val="0"/>
+                        </a:spcAft>
+                      </a:pPr>
+                      <a:r>
+                        <a:rPr lang="en-US" sz="1300">
+                          <a:effectLst/>
+                        </a:rPr>
+                        <a:t>Lấy ra chuỗi String UTF</a:t>
+                      </a:r>
+                      <a:endParaRPr lang="en-US" sz="1300">
+                        <a:effectLst/>
+                        <a:latin typeface="Arial"/>
+                        <a:ea typeface="Calibri"/>
+                        <a:cs typeface="Times New Roman"/>
+                      </a:endParaRPr>
+                    </a:p>
+                  </a:txBody>
+                  <a:tcPr marL="68580" marR="68580" marT="0" marB="0" anchor="ctr"/>
+                </a:tc>
+              </a:tr>
+              <a:tr h="723138">
+                <a:tc>
+                  <a:txBody>
+                    <a:bodyPr/>
+                    <a:lstStyle/>
+                    <a:p>
+                      <a:pPr marL="342900" marR="0" lvl="0" indent="-342900">
+                        <a:lnSpc>
+                          <a:spcPct val="115000"/>
+                        </a:lnSpc>
+                        <a:spcBef>
+                          <a:spcPts val="0"/>
+                        </a:spcBef>
+                        <a:spcAft>
+                          <a:spcPts val="0"/>
+                        </a:spcAft>
+                        <a:buFont typeface="Arial"/>
+                        <a:buChar char="•"/>
+                        <a:tabLst>
+                          <a:tab pos="457200" algn="l"/>
+                        </a:tabLst>
+                      </a:pPr>
+                      <a:r>
+                        <a:rPr lang="en-US" sz="1300">
+                          <a:effectLst/>
+                        </a:rPr>
+                        <a:t>GetStringLength</a:t>
+                      </a:r>
+                    </a:p>
+                    <a:p>
+                      <a:pPr marL="342900" marR="0" lvl="0" indent="-342900">
+                        <a:lnSpc>
+                          <a:spcPct val="115000"/>
+                        </a:lnSpc>
+                        <a:spcBef>
+                          <a:spcPts val="0"/>
+                        </a:spcBef>
+                        <a:spcAft>
+                          <a:spcPts val="0"/>
+                        </a:spcAft>
+                        <a:buFont typeface="Arial"/>
+                        <a:buChar char="•"/>
+                        <a:tabLst>
+                          <a:tab pos="457200" algn="l"/>
+                        </a:tabLst>
+                      </a:pPr>
+                      <a:r>
+                        <a:rPr lang="en-US" sz="1300">
+                          <a:effectLst/>
+                        </a:rPr>
+                        <a:t>GetStringUTFLength</a:t>
+                      </a:r>
+                      <a:endParaRPr lang="en-US" sz="1300">
+                        <a:effectLst/>
+                        <a:latin typeface="Arial"/>
+                        <a:ea typeface="Calibri"/>
+                        <a:cs typeface="Times New Roman"/>
+                      </a:endParaRPr>
+                    </a:p>
+                  </a:txBody>
+                  <a:tcPr marL="68580" marR="68580" marT="0" marB="0" anchor="ctr"/>
+                </a:tc>
+                <a:tc>
+                  <a:txBody>
+                    <a:bodyPr/>
+                    <a:lstStyle/>
+                    <a:p>
+                      <a:pPr marL="0" marR="0">
+                        <a:lnSpc>
+                          <a:spcPct val="115000"/>
+                        </a:lnSpc>
+                        <a:spcBef>
+                          <a:spcPts val="0"/>
+                        </a:spcBef>
+                        <a:spcAft>
+                          <a:spcPts val="0"/>
+                        </a:spcAft>
+                      </a:pPr>
+                      <a:r>
+                        <a:rPr lang="en-US" sz="1300">
+                          <a:effectLst/>
+                        </a:rPr>
+                        <a:t>Trả về độ dài chuỗi String</a:t>
+                      </a:r>
+                      <a:endParaRPr lang="en-US" sz="1300">
+                        <a:effectLst/>
+                        <a:latin typeface="Arial"/>
+                        <a:ea typeface="Calibri"/>
+                        <a:cs typeface="Times New Roman"/>
+                      </a:endParaRPr>
+                    </a:p>
+                  </a:txBody>
+                  <a:tcPr marL="68580" marR="68580" marT="0" marB="0" anchor="ctr"/>
+                </a:tc>
+              </a:tr>
+              <a:tr h="723138">
+                <a:tc>
+                  <a:txBody>
+                    <a:bodyPr/>
+                    <a:lstStyle/>
+                    <a:p>
+                      <a:pPr marL="342900" marR="0" lvl="0" indent="-342900">
+                        <a:lnSpc>
+                          <a:spcPct val="115000"/>
+                        </a:lnSpc>
+                        <a:spcBef>
+                          <a:spcPts val="0"/>
+                        </a:spcBef>
+                        <a:spcAft>
+                          <a:spcPts val="0"/>
+                        </a:spcAft>
+                        <a:buFont typeface="Arial"/>
+                        <a:buChar char="•"/>
+                        <a:tabLst>
+                          <a:tab pos="457200" algn="l"/>
+                        </a:tabLst>
+                      </a:pPr>
+                      <a:r>
+                        <a:rPr lang="en-US" sz="1300">
+                          <a:effectLst/>
+                        </a:rPr>
+                        <a:t>NewString</a:t>
+                      </a:r>
+                    </a:p>
+                    <a:p>
+                      <a:pPr marL="342900" marR="0" lvl="0" indent="-342900">
+                        <a:lnSpc>
+                          <a:spcPct val="115000"/>
+                        </a:lnSpc>
+                        <a:spcBef>
+                          <a:spcPts val="0"/>
+                        </a:spcBef>
+                        <a:spcAft>
+                          <a:spcPts val="0"/>
+                        </a:spcAft>
+                        <a:buFont typeface="Arial"/>
+                        <a:buChar char="•"/>
+                        <a:tabLst>
+                          <a:tab pos="457200" algn="l"/>
+                        </a:tabLst>
+                      </a:pPr>
+                      <a:r>
+                        <a:rPr lang="en-US" sz="1300">
+                          <a:effectLst/>
+                        </a:rPr>
+                        <a:t>NewStringUTF</a:t>
+                      </a:r>
+                      <a:endParaRPr lang="en-US" sz="1300">
+                        <a:effectLst/>
+                        <a:latin typeface="Arial"/>
+                        <a:ea typeface="Calibri"/>
+                        <a:cs typeface="Times New Roman"/>
+                      </a:endParaRPr>
+                    </a:p>
+                  </a:txBody>
+                  <a:tcPr marL="68580" marR="68580" marT="0" marB="0" anchor="ctr"/>
+                </a:tc>
+                <a:tc>
+                  <a:txBody>
+                    <a:bodyPr/>
+                    <a:lstStyle/>
+                    <a:p>
+                      <a:pPr marL="0" marR="0">
+                        <a:lnSpc>
+                          <a:spcPct val="115000"/>
+                        </a:lnSpc>
+                        <a:spcBef>
+                          <a:spcPts val="0"/>
+                        </a:spcBef>
+                        <a:spcAft>
+                          <a:spcPts val="0"/>
+                        </a:spcAft>
+                      </a:pPr>
+                      <a:r>
+                        <a:rPr lang="en-US" sz="1300">
+                          <a:effectLst/>
+                        </a:rPr>
+                        <a:t>Tạo chuỗi String mới</a:t>
+                      </a:r>
+                      <a:endParaRPr lang="en-US" sz="1300">
+                        <a:effectLst/>
+                        <a:latin typeface="Arial"/>
+                        <a:ea typeface="Calibri"/>
+                        <a:cs typeface="Times New Roman"/>
+                      </a:endParaRPr>
+                    </a:p>
+                  </a:txBody>
+                  <a:tcPr marL="68580" marR="68580" marT="0" marB="0" anchor="ctr"/>
+                </a:tc>
+              </a:tr>
+              <a:tr h="723138">
+                <a:tc>
+                  <a:txBody>
+                    <a:bodyPr/>
+                    <a:lstStyle/>
+                    <a:p>
+                      <a:pPr marL="342900" marR="0" lvl="0" indent="-342900">
+                        <a:lnSpc>
+                          <a:spcPct val="115000"/>
+                        </a:lnSpc>
+                        <a:spcBef>
+                          <a:spcPts val="0"/>
+                        </a:spcBef>
+                        <a:spcAft>
+                          <a:spcPts val="0"/>
+                        </a:spcAft>
+                        <a:buFont typeface="Arial"/>
+                        <a:buChar char="•"/>
+                        <a:tabLst>
+                          <a:tab pos="457200" algn="l"/>
+                        </a:tabLst>
+                      </a:pPr>
+                      <a:r>
+                        <a:rPr lang="en-US" sz="1300">
+                          <a:effectLst/>
+                        </a:rPr>
+                        <a:t>GetStringCritical</a:t>
+                      </a:r>
+                    </a:p>
+                    <a:p>
+                      <a:pPr marL="342900" marR="0" lvl="0" indent="-342900">
+                        <a:lnSpc>
+                          <a:spcPct val="115000"/>
+                        </a:lnSpc>
+                        <a:spcBef>
+                          <a:spcPts val="0"/>
+                        </a:spcBef>
+                        <a:spcAft>
+                          <a:spcPts val="0"/>
+                        </a:spcAft>
+                        <a:buFont typeface="Arial"/>
+                        <a:buChar char="•"/>
+                        <a:tabLst>
+                          <a:tab pos="457200" algn="l"/>
+                        </a:tabLst>
+                      </a:pPr>
+                      <a:r>
+                        <a:rPr lang="en-US" sz="1300">
+                          <a:effectLst/>
+                        </a:rPr>
+                        <a:t>ReleaseStringCritical</a:t>
+                      </a:r>
+                      <a:endParaRPr lang="en-US" sz="1300">
+                        <a:effectLst/>
+                        <a:latin typeface="Arial"/>
+                        <a:ea typeface="Calibri"/>
+                        <a:cs typeface="Times New Roman"/>
+                      </a:endParaRPr>
+                    </a:p>
+                  </a:txBody>
+                  <a:tcPr marL="68580" marR="68580" marT="0" marB="0" anchor="ctr"/>
+                </a:tc>
+                <a:tc>
+                  <a:txBody>
+                    <a:bodyPr/>
+                    <a:lstStyle/>
+                    <a:p>
+                      <a:pPr marL="0" marR="0">
+                        <a:lnSpc>
+                          <a:spcPct val="115000"/>
+                        </a:lnSpc>
+                        <a:spcBef>
+                          <a:spcPts val="0"/>
+                        </a:spcBef>
+                        <a:spcAft>
+                          <a:spcPts val="0"/>
+                        </a:spcAft>
+                      </a:pPr>
+                      <a:r>
+                        <a:rPr lang="en-US" sz="1300">
+                          <a:effectLst/>
+                        </a:rPr>
+                        <a:t>Lấy chuỗi String từ con trỏ truyền vào</a:t>
+                      </a:r>
+                      <a:endParaRPr lang="en-US" sz="1300">
+                        <a:effectLst/>
+                        <a:latin typeface="Arial"/>
+                        <a:ea typeface="Calibri"/>
+                        <a:cs typeface="Times New Roman"/>
+                      </a:endParaRPr>
+                    </a:p>
+                  </a:txBody>
+                  <a:tcPr marL="68580" marR="68580" marT="0" marB="0" anchor="ctr"/>
+                </a:tc>
+              </a:tr>
+            </a:tbl>
+          </a:graphicData>
+        </a:graphic>
+      </p:graphicFrame>
+    </p:spTree>
+    <p:extLst>
+      <p:ext uri="{BB962C8B-B14F-4D97-AF65-F5344CB8AC3E}">
+        <p14:creationId xmlns:p14="http://schemas.microsoft.com/office/powerpoint/2010/main" val="1258327308"/>
+      </p:ext>
+    </p:extLst>
+  </p:cSld>
+  <p:clrMapOvr>
+    <a:masterClrMapping/>
+  </p:clrMapOvr>
+  <p:timing>
+    <p:tnLst>
+      <p:par>
+        <p:cTn id="1" dur="indefinite" restart="never" nodeType="tmRoot"/>
+      </p:par>
+    </p:tnLst>
+  </p:timing>
+</p:sld>
+</file>
+
+<file path=ppt/slides/slide14.xml><?xml version="1.0" encoding="utf-8"?>
+<p:sld xmlns:a="http://schemas.openxmlformats.org/drawingml/2006/main" xmlns:r="http://schemas.openxmlformats.org/officeDocument/2006/relationships" xmlns:p="http://schemas.openxmlformats.org/presentationml/2006/main">
+  <p:cSld>
+    <p:spTree>
+      <p:nvGrpSpPr>
+        <p:cNvPr id="1" name=""/>
+        <p:cNvGrpSpPr/>
+        <p:nvPr/>
+      </p:nvGrpSpPr>
+      <p:grpSpPr>
+        <a:xfrm>
+          <a:off x="0" y="0"/>
+          <a:ext cx="0" cy="0"/>
+          <a:chOff x="0" y="0"/>
+          <a:chExt cx="0" cy="0"/>
+        </a:xfrm>
+      </p:grpSpPr>
+      <p:sp>
+        <p:nvSpPr>
+          <p:cNvPr id="8" name="Title 1"/>
+          <p:cNvSpPr>
+            <a:spLocks noGrp="1"/>
+          </p:cNvSpPr>
+          <p:nvPr>
+            <p:ph type="title"/>
+          </p:nvPr>
+        </p:nvSpPr>
+        <p:spPr>
+          <a:xfrm>
+            <a:off x="228600" y="579437"/>
+            <a:ext cx="8915400" cy="563563"/>
+          </a:xfrm>
+        </p:spPr>
+        <p:txBody>
+          <a:bodyPr>
+            <a:normAutofit fontScale="90000"/>
+          </a:bodyPr>
+          <a:lstStyle/>
+          <a:p>
+            <a:pPr algn="l"/>
+            <a:r>
+              <a:rPr lang="en-US" cap="all" smtClean="0">
+                <a:ln w="9000" cmpd="sng">
+                  <a:solidFill>
+                    <a:schemeClr val="accent4">
+                      <a:shade val="50000"/>
+                      <a:satMod val="120000"/>
+                    </a:schemeClr>
+                  </a:solidFill>
+                  <a:prstDash val="solid"/>
+                </a:ln>
+                <a:gradFill>
+                  <a:gsLst>
+                    <a:gs pos="0">
+                      <a:schemeClr val="accent4">
+                        <a:shade val="20000"/>
+                        <a:satMod val="245000"/>
+                      </a:schemeClr>
+                    </a:gs>
+                    <a:gs pos="43000">
+                      <a:schemeClr val="accent4">
+                        <a:satMod val="255000"/>
+                      </a:schemeClr>
+                    </a:gs>
+                    <a:gs pos="48000">
+                      <a:schemeClr val="accent4">
+                        <a:shade val="85000"/>
+                        <a:satMod val="255000"/>
+                      </a:schemeClr>
+                    </a:gs>
+                    <a:gs pos="100000">
+                      <a:schemeClr val="accent4">
+                        <a:shade val="20000"/>
+                        <a:satMod val="245000"/>
+                      </a:schemeClr>
+                    </a:gs>
+                  </a:gsLst>
+                  <a:lin ang="5400000"/>
+                </a:gradFill>
+                <a:effectLst>
+                  <a:reflection blurRad="12700" stA="28000" endPos="45000" dist="1000" dir="5400000" sy="-100000" algn="bl" rotWithShape="0"/>
+                </a:effectLst>
+              </a:rPr>
+              <a:t>2.2 kiểu dữ liệu cơ bản </a:t>
+            </a:r>
+            <a:endParaRPr lang="en-US" cap="all">
+              <a:ln w="9000" cmpd="sng">
+                <a:solidFill>
+                  <a:schemeClr val="accent4">
+                    <a:shade val="50000"/>
+                    <a:satMod val="120000"/>
+                  </a:schemeClr>
+                </a:solidFill>
+                <a:prstDash val="solid"/>
+              </a:ln>
+              <a:gradFill>
+                <a:gsLst>
+                  <a:gs pos="0">
+                    <a:schemeClr val="accent4">
+                      <a:shade val="20000"/>
+                      <a:satMod val="245000"/>
+                    </a:schemeClr>
+                  </a:gs>
+                  <a:gs pos="43000">
+                    <a:schemeClr val="accent4">
+                      <a:satMod val="255000"/>
+                    </a:schemeClr>
+                  </a:gs>
+                  <a:gs pos="48000">
+                    <a:schemeClr val="accent4">
+                      <a:shade val="85000"/>
+                      <a:satMod val="255000"/>
+                    </a:schemeClr>
+                  </a:gs>
+                  <a:gs pos="100000">
+                    <a:schemeClr val="accent4">
+                      <a:shade val="20000"/>
+                      <a:satMod val="245000"/>
+                    </a:schemeClr>
+                  </a:gs>
+                </a:gsLst>
+                <a:lin ang="5400000"/>
+              </a:gradFill>
+              <a:effectLst>
+                <a:reflection blurRad="12700" stA="28000" endPos="45000" dist="1000" dir="5400000" sy="-100000" algn="bl" rotWithShape="0"/>
+              </a:effectLst>
+            </a:endParaRPr>
+          </a:p>
+        </p:txBody>
+      </p:sp>
+      <p:sp>
+        <p:nvSpPr>
+          <p:cNvPr id="2" name="Content Placeholder 1"/>
+          <p:cNvSpPr>
+            <a:spLocks noGrp="1"/>
+          </p:cNvSpPr>
+          <p:nvPr>
+            <p:ph idx="1"/>
+          </p:nvPr>
+        </p:nvSpPr>
+        <p:spPr>
+          <a:xfrm>
+            <a:off x="457200" y="1447800"/>
+            <a:ext cx="8534400" cy="4800600"/>
+          </a:xfrm>
+        </p:spPr>
+        <p:txBody>
+          <a:bodyPr/>
+          <a:lstStyle/>
+          <a:p>
+            <a:pPr>
+              <a:buClrTx/>
+              <a:buFont typeface="Wingdings" pitchFamily="2" charset="2"/>
+              <a:buChar char="q"/>
+            </a:pPr>
+            <a:r>
+              <a:rPr lang="en-US" smtClean="0">
+                <a:solidFill>
+                  <a:srgbClr val="000000"/>
+                </a:solidFill>
+              </a:rPr>
+              <a:t>Array</a:t>
+            </a:r>
+          </a:p>
+          <a:p>
+            <a:pPr marL="0" indent="457200">
+              <a:buClrTx/>
+              <a:buNone/>
+            </a:pPr>
+            <a:r>
+              <a:rPr lang="en-US" sz="2300" b="0" smtClean="0">
+                <a:solidFill>
+                  <a:srgbClr val="000000"/>
+                </a:solidFill>
+              </a:rPr>
+              <a:t>JNI </a:t>
+            </a:r>
+            <a:r>
+              <a:rPr lang="en-US" sz="2300" b="0">
+                <a:solidFill>
+                  <a:srgbClr val="000000"/>
+                </a:solidFill>
+              </a:rPr>
+              <a:t>sử dụng jarray </a:t>
+            </a:r>
+            <a:r>
+              <a:rPr lang="en-US" sz="2300" b="0">
+                <a:solidFill>
+                  <a:srgbClr val="000000"/>
+                </a:solidFill>
+              </a:rPr>
+              <a:t>để </a:t>
+            </a:r>
+            <a:r>
+              <a:rPr lang="en-US" sz="2300" b="0" smtClean="0">
+                <a:solidFill>
+                  <a:srgbClr val="000000"/>
+                </a:solidFill>
+              </a:rPr>
+              <a:t>thao </a:t>
+            </a:r>
+            <a:r>
+              <a:rPr lang="en-US" sz="2300" b="0">
+                <a:solidFill>
+                  <a:srgbClr val="000000"/>
+                </a:solidFill>
+              </a:rPr>
+              <a:t>tác </a:t>
+            </a:r>
+            <a:r>
+              <a:rPr lang="en-US" sz="2300" b="0">
+                <a:solidFill>
+                  <a:srgbClr val="000000"/>
+                </a:solidFill>
+              </a:rPr>
+              <a:t>với </a:t>
+            </a:r>
+            <a:r>
+              <a:rPr lang="en-US" sz="2300" b="0" smtClean="0">
+                <a:solidFill>
+                  <a:srgbClr val="000000"/>
+                </a:solidFill>
+              </a:rPr>
+              <a:t>mảng.</a:t>
+            </a:r>
+            <a:endParaRPr lang="en-US" sz="2300" b="0">
+              <a:solidFill>
+                <a:srgbClr val="000000"/>
+              </a:solidFill>
+            </a:endParaRPr>
+          </a:p>
+          <a:p>
+            <a:pPr marL="0" indent="457200">
+              <a:buClrTx/>
+              <a:buNone/>
+            </a:pPr>
+            <a:r>
+              <a:rPr lang="en-US" sz="2300" b="0" smtClean="0">
+                <a:solidFill>
+                  <a:srgbClr val="000000"/>
+                </a:solidFill>
+              </a:rPr>
+              <a:t>Phải sử dụng các phương thức jarray thích hợp trong JNI để truy cập mảng.</a:t>
+            </a:r>
+            <a:endParaRPr lang="en-US" sz="2300" b="0">
+              <a:solidFill>
+                <a:srgbClr val="000000"/>
+              </a:solidFill>
+            </a:endParaRPr>
+          </a:p>
+          <a:p>
+            <a:pPr marL="0" indent="457200">
+              <a:buClrTx/>
+              <a:buNone/>
+            </a:pPr>
+            <a:r>
+              <a:rPr lang="en-US" sz="2300" b="0">
+                <a:solidFill>
+                  <a:srgbClr val="000000"/>
+                </a:solidFill>
+              </a:rPr>
+              <a:t>Các phương thức hỗ trợ căn bản:</a:t>
+            </a:r>
+          </a:p>
+          <a:p>
+            <a:pPr>
+              <a:buClrTx/>
+              <a:buFont typeface="Wingdings" pitchFamily="2" charset="2"/>
+              <a:buChar char="q"/>
+            </a:pPr>
+            <a:endParaRPr lang="en-US">
+              <a:solidFill>
+                <a:srgbClr val="000000"/>
+              </a:solidFill>
+            </a:endParaRPr>
+          </a:p>
+        </p:txBody>
+      </p:sp>
+      <p:sp>
+        <p:nvSpPr>
+          <p:cNvPr id="4" name="Footer Placeholder 3"/>
+          <p:cNvSpPr>
+            <a:spLocks noGrp="1"/>
+          </p:cNvSpPr>
+          <p:nvPr>
+            <p:ph type="ftr" sz="quarter" idx="11"/>
+          </p:nvPr>
+        </p:nvSpPr>
+        <p:spPr/>
+        <p:txBody>
+          <a:bodyPr/>
+          <a:lstStyle/>
+          <a:p>
+            <a:r>
+              <a:rPr lang="en-US" smtClean="0"/>
+              <a:t>www.hcmus.edu.vn</a:t>
+            </a:r>
+            <a:endParaRPr lang="en-US"/>
+          </a:p>
+        </p:txBody>
+      </p:sp>
+      <p:sp>
+        <p:nvSpPr>
+          <p:cNvPr id="6" name="Slide Number Placeholder 11"/>
+          <p:cNvSpPr>
+            <a:spLocks noGrp="1"/>
+          </p:cNvSpPr>
+          <p:nvPr>
+            <p:ph type="sldNum" sz="quarter" idx="12"/>
+          </p:nvPr>
+        </p:nvSpPr>
+        <p:spPr>
+          <a:xfrm>
+            <a:off x="3429000" y="6477000"/>
+            <a:ext cx="2133600" cy="381000"/>
+          </a:xfrm>
+        </p:spPr>
+        <p:txBody>
+          <a:bodyPr/>
+          <a:lstStyle/>
+          <a:p>
+            <a:fld id="{B6F15528-21DE-4FAA-801E-634DDDAF4B2B}" type="slidenum">
+              <a:rPr lang="en-US" sz="2000" smtClean="0"/>
+              <a:pPr/>
+              <a:t>14</a:t>
+            </a:fld>
+            <a:endParaRPr lang="en-US" sz="2000"/>
+          </a:p>
+        </p:txBody>
+      </p:sp>
+      <p:graphicFrame>
+        <p:nvGraphicFramePr>
+          <p:cNvPr id="3" name="Table 2"/>
+          <p:cNvGraphicFramePr>
+            <a:graphicFrameLocks noGrp="1"/>
+          </p:cNvGraphicFramePr>
+          <p:nvPr>
+            <p:extLst>
+              <p:ext uri="{D42A27DB-BD31-4B8C-83A1-F6EECF244321}">
+                <p14:modId xmlns:p14="http://schemas.microsoft.com/office/powerpoint/2010/main" val="2804774724"/>
+              </p:ext>
+            </p:extLst>
+          </p:nvPr>
+        </p:nvGraphicFramePr>
+        <p:xfrm>
+          <a:off x="1066800" y="3810000"/>
+          <a:ext cx="7391400" cy="2514600"/>
+        </p:xfrm>
+        <a:graphic>
+          <a:graphicData uri="http://schemas.openxmlformats.org/drawingml/2006/table">
+            <a:tbl>
+              <a:tblPr firstRow="1" firstCol="1" bandRow="1">
+                <a:tableStyleId>{5C22544A-7EE6-4342-B048-85BDC9FD1C3A}</a:tableStyleId>
+              </a:tblPr>
+              <a:tblGrid>
+                <a:gridCol w="3695700"/>
+                <a:gridCol w="3695700"/>
+              </a:tblGrid>
+              <a:tr h="628650">
+                <a:tc>
+                  <a:txBody>
+                    <a:bodyPr/>
+                    <a:lstStyle/>
+                    <a:p>
+                      <a:pPr marL="342900" marR="0" lvl="0" indent="-342900">
+                        <a:lnSpc>
+                          <a:spcPct val="115000"/>
+                        </a:lnSpc>
+                        <a:spcBef>
+                          <a:spcPts val="0"/>
+                        </a:spcBef>
+                        <a:spcAft>
+                          <a:spcPts val="0"/>
+                        </a:spcAft>
+                        <a:buFont typeface="Arial"/>
+                        <a:buChar char="•"/>
+                        <a:tabLst>
+                          <a:tab pos="457200" algn="l"/>
+                        </a:tabLst>
+                      </a:pPr>
+                      <a:r>
+                        <a:rPr lang="en-US" sz="1300">
+                          <a:effectLst/>
+                        </a:rPr>
+                        <a:t>Get&lt;Type&gt;ArrayRegion</a:t>
+                      </a:r>
+                    </a:p>
+                    <a:p>
+                      <a:pPr marL="342900" marR="0" lvl="0" indent="-342900">
+                        <a:lnSpc>
+                          <a:spcPct val="115000"/>
+                        </a:lnSpc>
+                        <a:spcBef>
+                          <a:spcPts val="0"/>
+                        </a:spcBef>
+                        <a:spcAft>
+                          <a:spcPts val="0"/>
+                        </a:spcAft>
+                        <a:buFont typeface="Arial"/>
+                        <a:buChar char="•"/>
+                        <a:tabLst>
+                          <a:tab pos="457200" algn="l"/>
+                        </a:tabLst>
+                      </a:pPr>
+                      <a:r>
+                        <a:rPr lang="en-US" sz="1300">
+                          <a:effectLst/>
+                        </a:rPr>
+                        <a:t>Set&lt;Type&gt;ArrayRegion</a:t>
+                      </a:r>
+                      <a:endParaRPr lang="en-US" sz="1300">
+                        <a:effectLst/>
+                        <a:latin typeface="Arial"/>
+                        <a:ea typeface="Calibri"/>
+                        <a:cs typeface="Times New Roman"/>
+                      </a:endParaRPr>
+                    </a:p>
+                  </a:txBody>
+                  <a:tcPr marL="68580" marR="68580" marT="0" marB="0" anchor="ctr"/>
+                </a:tc>
+                <a:tc>
+                  <a:txBody>
+                    <a:bodyPr/>
+                    <a:lstStyle/>
+                    <a:p>
+                      <a:pPr marL="0" marR="0">
+                        <a:lnSpc>
+                          <a:spcPct val="115000"/>
+                        </a:lnSpc>
+                        <a:spcBef>
+                          <a:spcPts val="0"/>
+                        </a:spcBef>
+                        <a:spcAft>
+                          <a:spcPts val="0"/>
+                        </a:spcAft>
+                      </a:pPr>
+                      <a:r>
+                        <a:rPr lang="en-US" sz="1300">
+                          <a:effectLst/>
+                        </a:rPr>
+                        <a:t>Lấy ra mảng từ 1 mảng căn bản</a:t>
+                      </a:r>
+                      <a:endParaRPr lang="en-US" sz="1300">
+                        <a:effectLst/>
+                        <a:latin typeface="Arial"/>
+                        <a:ea typeface="Calibri"/>
+                        <a:cs typeface="Times New Roman"/>
+                      </a:endParaRPr>
+                    </a:p>
+                  </a:txBody>
+                  <a:tcPr marL="68580" marR="68580" marT="0" marB="0" anchor="ctr"/>
+                </a:tc>
+              </a:tr>
+              <a:tr h="628650">
+                <a:tc>
+                  <a:txBody>
+                    <a:bodyPr/>
+                    <a:lstStyle/>
+                    <a:p>
+                      <a:pPr marL="342900" marR="0" lvl="0" indent="-342900">
+                        <a:lnSpc>
+                          <a:spcPct val="115000"/>
+                        </a:lnSpc>
+                        <a:spcBef>
+                          <a:spcPts val="0"/>
+                        </a:spcBef>
+                        <a:spcAft>
+                          <a:spcPts val="0"/>
+                        </a:spcAft>
+                        <a:buFont typeface="Arial"/>
+                        <a:buChar char="•"/>
+                        <a:tabLst>
+                          <a:tab pos="457200" algn="l"/>
+                        </a:tabLst>
+                      </a:pPr>
+                      <a:r>
+                        <a:rPr lang="en-US" sz="1300">
+                          <a:effectLst/>
+                        </a:rPr>
+                        <a:t>Get&lt;Type&gt;ArrayElements</a:t>
+                      </a:r>
+                    </a:p>
+                    <a:p>
+                      <a:pPr marL="342900" marR="0" lvl="0" indent="-342900">
+                        <a:lnSpc>
+                          <a:spcPct val="115000"/>
+                        </a:lnSpc>
+                        <a:spcBef>
+                          <a:spcPts val="0"/>
+                        </a:spcBef>
+                        <a:spcAft>
+                          <a:spcPts val="0"/>
+                        </a:spcAft>
+                        <a:buFont typeface="Arial"/>
+                        <a:buChar char="•"/>
+                        <a:tabLst>
+                          <a:tab pos="457200" algn="l"/>
+                        </a:tabLst>
+                      </a:pPr>
+                      <a:r>
+                        <a:rPr lang="en-US" sz="1300">
+                          <a:effectLst/>
+                        </a:rPr>
+                        <a:t>Release&lt;Type&gt;ArrayElement</a:t>
+                      </a:r>
+                      <a:endParaRPr lang="en-US" sz="1300">
+                        <a:effectLst/>
+                        <a:latin typeface="Arial"/>
+                        <a:ea typeface="Calibri"/>
+                        <a:cs typeface="Times New Roman"/>
+                      </a:endParaRPr>
+                    </a:p>
+                  </a:txBody>
+                  <a:tcPr marL="68580" marR="68580" marT="0" marB="0" anchor="ctr"/>
+                </a:tc>
+                <a:tc>
+                  <a:txBody>
+                    <a:bodyPr/>
+                    <a:lstStyle/>
+                    <a:p>
+                      <a:pPr marL="0" marR="0">
+                        <a:lnSpc>
+                          <a:spcPct val="115000"/>
+                        </a:lnSpc>
+                        <a:spcBef>
+                          <a:spcPts val="0"/>
+                        </a:spcBef>
+                        <a:spcAft>
+                          <a:spcPts val="0"/>
+                        </a:spcAft>
+                      </a:pPr>
+                      <a:r>
+                        <a:rPr lang="en-US" sz="1300">
+                          <a:effectLst/>
+                        </a:rPr>
+                        <a:t>Nhận và hủy 1 phần tử mảng</a:t>
+                      </a:r>
+                      <a:endParaRPr lang="en-US" sz="1300">
+                        <a:effectLst/>
+                        <a:latin typeface="Arial"/>
+                        <a:ea typeface="Calibri"/>
+                        <a:cs typeface="Times New Roman"/>
+                      </a:endParaRPr>
+                    </a:p>
+                  </a:txBody>
+                  <a:tcPr marL="68580" marR="68580" marT="0" marB="0" anchor="ctr"/>
+                </a:tc>
+              </a:tr>
+              <a:tr h="314325">
+                <a:tc>
+                  <a:txBody>
+                    <a:bodyPr/>
+                    <a:lstStyle/>
+                    <a:p>
+                      <a:pPr marL="342900" marR="0" lvl="0" indent="-342900">
+                        <a:lnSpc>
+                          <a:spcPct val="115000"/>
+                        </a:lnSpc>
+                        <a:spcBef>
+                          <a:spcPts val="0"/>
+                        </a:spcBef>
+                        <a:spcAft>
+                          <a:spcPts val="0"/>
+                        </a:spcAft>
+                        <a:buFont typeface="Arial"/>
+                        <a:buChar char="•"/>
+                        <a:tabLst>
+                          <a:tab pos="457200" algn="l"/>
+                        </a:tabLst>
+                      </a:pPr>
+                      <a:r>
+                        <a:rPr lang="en-US" sz="1300">
+                          <a:effectLst/>
+                        </a:rPr>
+                        <a:t>GetArrayLength</a:t>
+                      </a:r>
+                      <a:endParaRPr lang="en-US" sz="1300">
+                        <a:effectLst/>
+                        <a:latin typeface="Arial"/>
+                        <a:ea typeface="Calibri"/>
+                        <a:cs typeface="Times New Roman"/>
+                      </a:endParaRPr>
+                    </a:p>
+                  </a:txBody>
+                  <a:tcPr marL="68580" marR="68580" marT="0" marB="0" anchor="ctr"/>
+                </a:tc>
+                <a:tc>
+                  <a:txBody>
+                    <a:bodyPr/>
+                    <a:lstStyle/>
+                    <a:p>
+                      <a:pPr marL="0" marR="0">
+                        <a:lnSpc>
+                          <a:spcPct val="115000"/>
+                        </a:lnSpc>
+                        <a:spcBef>
+                          <a:spcPts val="0"/>
+                        </a:spcBef>
+                        <a:spcAft>
+                          <a:spcPts val="0"/>
+                        </a:spcAft>
+                      </a:pPr>
+                      <a:r>
+                        <a:rPr lang="en-US" sz="1300">
+                          <a:effectLst/>
+                        </a:rPr>
+                        <a:t>Trả về số phần tử mảng</a:t>
+                      </a:r>
+                      <a:endParaRPr lang="en-US" sz="1300">
+                        <a:effectLst/>
+                        <a:latin typeface="Arial"/>
+                        <a:ea typeface="Calibri"/>
+                        <a:cs typeface="Times New Roman"/>
+                      </a:endParaRPr>
+                    </a:p>
+                  </a:txBody>
+                  <a:tcPr marL="68580" marR="68580" marT="0" marB="0" anchor="ctr"/>
+                </a:tc>
+              </a:tr>
+              <a:tr h="314325">
+                <a:tc>
+                  <a:txBody>
+                    <a:bodyPr/>
+                    <a:lstStyle/>
+                    <a:p>
+                      <a:pPr marL="342900" marR="0" lvl="0" indent="-342900">
+                        <a:lnSpc>
+                          <a:spcPct val="115000"/>
+                        </a:lnSpc>
+                        <a:spcBef>
+                          <a:spcPts val="0"/>
+                        </a:spcBef>
+                        <a:spcAft>
+                          <a:spcPts val="0"/>
+                        </a:spcAft>
+                        <a:buFont typeface="Arial"/>
+                        <a:buChar char="•"/>
+                        <a:tabLst>
+                          <a:tab pos="457200" algn="l"/>
+                        </a:tabLst>
+                      </a:pPr>
+                      <a:r>
+                        <a:rPr lang="en-US" sz="1300">
+                          <a:effectLst/>
+                        </a:rPr>
+                        <a:t>New&lt;Type&gt;Array</a:t>
+                      </a:r>
+                      <a:endParaRPr lang="en-US" sz="1300">
+                        <a:effectLst/>
+                        <a:latin typeface="Arial"/>
+                        <a:ea typeface="Calibri"/>
+                        <a:cs typeface="Times New Roman"/>
+                      </a:endParaRPr>
+                    </a:p>
+                  </a:txBody>
+                  <a:tcPr marL="68580" marR="68580" marT="0" marB="0" anchor="ctr"/>
+                </a:tc>
+                <a:tc>
+                  <a:txBody>
+                    <a:bodyPr/>
+                    <a:lstStyle/>
+                    <a:p>
+                      <a:pPr marL="0" marR="0">
+                        <a:lnSpc>
+                          <a:spcPct val="115000"/>
+                        </a:lnSpc>
+                        <a:spcBef>
+                          <a:spcPts val="0"/>
+                        </a:spcBef>
+                        <a:spcAft>
+                          <a:spcPts val="0"/>
+                        </a:spcAft>
+                      </a:pPr>
+                      <a:r>
+                        <a:rPr lang="en-US" sz="1300">
+                          <a:effectLst/>
+                        </a:rPr>
+                        <a:t>Tạo mảng mới</a:t>
+                      </a:r>
+                      <a:endParaRPr lang="en-US" sz="1300">
+                        <a:effectLst/>
+                        <a:latin typeface="Arial"/>
+                        <a:ea typeface="Calibri"/>
+                        <a:cs typeface="Times New Roman"/>
+                      </a:endParaRPr>
+                    </a:p>
+                  </a:txBody>
+                  <a:tcPr marL="68580" marR="68580" marT="0" marB="0" anchor="ctr"/>
+                </a:tc>
+              </a:tr>
+              <a:tr h="628650">
+                <a:tc>
+                  <a:txBody>
+                    <a:bodyPr/>
+                    <a:lstStyle/>
+                    <a:p>
+                      <a:pPr marL="342900" marR="0" lvl="0" indent="-342900">
+                        <a:lnSpc>
+                          <a:spcPct val="115000"/>
+                        </a:lnSpc>
+                        <a:spcBef>
+                          <a:spcPts val="0"/>
+                        </a:spcBef>
+                        <a:spcAft>
+                          <a:spcPts val="0"/>
+                        </a:spcAft>
+                        <a:buFont typeface="Arial"/>
+                        <a:buChar char="•"/>
+                        <a:tabLst>
+                          <a:tab pos="457200" algn="l"/>
+                        </a:tabLst>
+                      </a:pPr>
+                      <a:r>
+                        <a:rPr lang="en-US" sz="1300">
+                          <a:effectLst/>
+                        </a:rPr>
+                        <a:t>GetPrimitiveArrayCritical</a:t>
+                      </a:r>
+                    </a:p>
+                    <a:p>
+                      <a:pPr marL="342900" marR="0" lvl="0" indent="-342900">
+                        <a:lnSpc>
+                          <a:spcPct val="115000"/>
+                        </a:lnSpc>
+                        <a:spcBef>
+                          <a:spcPts val="0"/>
+                        </a:spcBef>
+                        <a:spcAft>
+                          <a:spcPts val="0"/>
+                        </a:spcAft>
+                        <a:buFont typeface="Arial"/>
+                        <a:buChar char="•"/>
+                        <a:tabLst>
+                          <a:tab pos="457200" algn="l"/>
+                        </a:tabLst>
+                      </a:pPr>
+                      <a:r>
+                        <a:rPr lang="en-US" sz="1300">
+                          <a:effectLst/>
+                        </a:rPr>
+                        <a:t>ReleasePrimitiveArrayCritical</a:t>
+                      </a:r>
+                      <a:endParaRPr lang="en-US" sz="1300">
+                        <a:effectLst/>
+                        <a:latin typeface="Arial"/>
+                        <a:ea typeface="Calibri"/>
+                        <a:cs typeface="Times New Roman"/>
+                      </a:endParaRPr>
+                    </a:p>
+                  </a:txBody>
+                  <a:tcPr marL="68580" marR="68580" marT="0" marB="0" anchor="ctr"/>
+                </a:tc>
+                <a:tc>
+                  <a:txBody>
+                    <a:bodyPr/>
+                    <a:lstStyle/>
+                    <a:p>
+                      <a:pPr marL="0" marR="0">
+                        <a:lnSpc>
+                          <a:spcPct val="115000"/>
+                        </a:lnSpc>
+                        <a:spcBef>
+                          <a:spcPts val="0"/>
+                        </a:spcBef>
+                        <a:spcAft>
+                          <a:spcPts val="0"/>
+                        </a:spcAft>
+                      </a:pPr>
+                      <a:r>
+                        <a:rPr lang="en-US" sz="1300">
+                          <a:effectLst/>
+                        </a:rPr>
+                        <a:t>Nhận và hủy 1 mảng từ biến con trỏ gửi vào</a:t>
+                      </a:r>
+                      <a:endParaRPr lang="en-US" sz="1300">
+                        <a:effectLst/>
+                        <a:latin typeface="Arial"/>
+                        <a:ea typeface="Calibri"/>
+                        <a:cs typeface="Times New Roman"/>
+                      </a:endParaRPr>
+                    </a:p>
+                  </a:txBody>
+                  <a:tcPr marL="68580" marR="68580" marT="0" marB="0" anchor="ctr"/>
+                </a:tc>
+              </a:tr>
+            </a:tbl>
+          </a:graphicData>
+        </a:graphic>
+      </p:graphicFrame>
+    </p:spTree>
+    <p:extLst>
+      <p:ext uri="{BB962C8B-B14F-4D97-AF65-F5344CB8AC3E}">
+        <p14:creationId xmlns:p14="http://schemas.microsoft.com/office/powerpoint/2010/main" val="1258327308"/>
+      </p:ext>
+    </p:extLst>
+  </p:cSld>
+  <p:clrMapOvr>
+    <a:masterClrMapping/>
+  </p:clrMapOvr>
+  <p:timing>
+    <p:tnLst>
+      <p:par>
+        <p:cTn id="1" dur="indefinite" restart="never" nodeType="tmRoot"/>
+      </p:par>
+    </p:tnLst>
+  </p:timing>
+</p:sld>
+</file>
+
+<file path=ppt/slides/slide15.xml><?xml version="1.0" encoding="utf-8"?>
 <p:sld xmlns:a="http://schemas.openxmlformats.org/drawingml/2006/main" xmlns:r="http://schemas.openxmlformats.org/officeDocument/2006/relationships" xmlns:p="http://schemas.openxmlformats.org/presentationml/2006/main">
   <p:cSld>
     <p:spTree>
@@ -10410,7 +14298,7 @@
             <a:fld id="{B6F15528-21DE-4FAA-801E-634DDDAF4B2B}" type="slidenum">
               <a:rPr lang="en-US" sz="2000" smtClean="0"/>
               <a:pPr/>
-              <a:t>11</a:t>
+              <a:t>15</a:t>
             </a:fld>
             <a:endParaRPr lang="en-US" sz="2000"/>
           </a:p>
@@ -10436,7 +14324,7 @@
 </p:sld>
 </file>
 
-<file path=ppt/slides/slide12.xml><?xml version="1.0" encoding="utf-8"?>
+<file path=ppt/slides/slide16.xml><?xml version="1.0" encoding="utf-8"?>
 <p:sld xmlns:a="http://schemas.openxmlformats.org/drawingml/2006/main" xmlns:r="http://schemas.openxmlformats.org/officeDocument/2006/relationships" xmlns:p="http://schemas.openxmlformats.org/presentationml/2006/main">
   <p:cSld>
     <p:spTree>
@@ -10612,7 +14500,7 @@
             <a:fld id="{B6F15528-21DE-4FAA-801E-634DDDAF4B2B}" type="slidenum">
               <a:rPr lang="en-US" sz="2000" smtClean="0"/>
               <a:pPr/>
-              <a:t>12</a:t>
+              <a:t>16</a:t>
             </a:fld>
             <a:endParaRPr lang="en-US" sz="2000"/>
           </a:p>
@@ -10627,14 +14515,14 @@
           <p:nvPr>
             <p:extLst>
               <p:ext uri="{D42A27DB-BD31-4B8C-83A1-F6EECF244321}">
-                <p14:modId xmlns:p14="http://schemas.microsoft.com/office/powerpoint/2010/main" val="3859978028"/>
+                <p14:modId xmlns:p14="http://schemas.microsoft.com/office/powerpoint/2010/main" val="233371987"/>
               </p:ext>
             </p:extLst>
           </p:nvPr>
         </p:nvGraphicFramePr>
         <p:xfrm>
-          <a:off x="1143000" y="1524000"/>
-          <a:ext cx="6629400" cy="4724401"/>
+          <a:off x="838200" y="1371600"/>
+          <a:ext cx="7391400" cy="4724401"/>
         </p:xfrm>
         <a:graphic>
           <a:graphicData uri="http://schemas.openxmlformats.org/drawingml/2006/table">
@@ -10643,8 +14531,8 @@
                 <a:tableStyleId>{5C22544A-7EE6-4342-B048-85BDC9FD1C3A}</a:tableStyleId>
               </a:tblPr>
               <a:tblGrid>
-                <a:gridCol w="3314700"/>
-                <a:gridCol w="3314700"/>
+                <a:gridCol w="3695700"/>
+                <a:gridCol w="3695700"/>
               </a:tblGrid>
               <a:tr h="525073">
                 <a:tc>
@@ -10664,14 +14552,15 @@
                         </a:spcAft>
                       </a:pPr>
                       <a:r>
-                        <a:rPr lang="en-US" sz="2000">
+                        <a:rPr lang="en-US" sz="1400" smtClean="0">
                           <a:effectLst/>
+                          <a:latin typeface="+mj-lt"/>
                         </a:rPr>
-                        <a:t>Get&lt;Type&gt;Field</a:t>
+                        <a:t>Get&lt;Type&gt;Field / Set&lt;Type&gt;Field</a:t>
                       </a:r>
-                      <a:endParaRPr lang="en-US" sz="2000">
+                      <a:endParaRPr lang="en-US" sz="1400">
                         <a:effectLst/>
-                        <a:latin typeface="Times New Roman"/>
+                        <a:latin typeface="+mj-lt"/>
                         <a:ea typeface="Calibri"/>
                         <a:cs typeface="Times New Roman"/>
                       </a:endParaRPr>
@@ -10696,14 +14585,15 @@
                         </a:spcAft>
                       </a:pPr>
                       <a:r>
-                        <a:rPr lang="en-US" sz="2000">
+                        <a:rPr lang="en-US" sz="1400">
                           <a:effectLst/>
+                          <a:latin typeface="+mj-lt"/>
                         </a:rPr>
                         <a:t>&lt;NativeType&gt;</a:t>
                       </a:r>
-                      <a:endParaRPr lang="en-US" sz="2000">
+                      <a:endParaRPr lang="en-US" sz="1400">
                         <a:effectLst/>
-                        <a:latin typeface="Times New Roman"/>
+                        <a:latin typeface="+mj-lt"/>
                         <a:ea typeface="Calibri"/>
                         <a:cs typeface="Times New Roman"/>
                       </a:endParaRPr>
@@ -10730,14 +14620,15 @@
                         </a:spcAft>
                       </a:pPr>
                       <a:r>
-                        <a:rPr lang="en-US" sz="1400">
+                        <a:rPr lang="en-US" sz="1400" smtClean="0">
                           <a:effectLst/>
+                          <a:latin typeface="+mj-lt"/>
                         </a:rPr>
-                        <a:t>GetObjectField</a:t>
+                        <a:t>GetObjectField / GetObjectField</a:t>
                       </a:r>
-                      <a:endParaRPr lang="en-US" sz="2000">
+                      <a:endParaRPr lang="en-US" sz="1400">
                         <a:effectLst/>
-                        <a:latin typeface="Times New Roman"/>
+                        <a:latin typeface="+mj-lt"/>
                         <a:ea typeface="Calibri"/>
                         <a:cs typeface="Times New Roman"/>
                       </a:endParaRPr>
@@ -10750,7 +14641,7 @@
                     <a:bodyPr/>
                     <a:lstStyle/>
                     <a:p>
-                      <a:pPr marL="0" marR="0">
+                      <a:pPr marL="0" marR="0" indent="457200">
                         <a:lnSpc>
                           <a:spcPct val="115000"/>
                         </a:lnSpc>
@@ -10764,12 +14655,13 @@
                       <a:r>
                         <a:rPr lang="en-US" sz="1400">
                           <a:effectLst/>
+                          <a:latin typeface="+mj-lt"/>
                         </a:rPr>
                         <a:t>jobject</a:t>
                       </a:r>
-                      <a:endParaRPr lang="en-US" sz="2000">
+                      <a:endParaRPr lang="en-US" sz="1400">
                         <a:effectLst/>
-                        <a:latin typeface="Times New Roman"/>
+                        <a:latin typeface="+mj-lt"/>
                         <a:ea typeface="Calibri"/>
                         <a:cs typeface="Times New Roman"/>
                       </a:endParaRPr>
@@ -10796,14 +14688,15 @@
                         </a:spcAft>
                       </a:pPr>
                       <a:r>
-                        <a:rPr lang="en-US" sz="1400">
+                        <a:rPr lang="en-US" sz="1400" smtClean="0">
                           <a:effectLst/>
+                          <a:latin typeface="+mj-lt"/>
                         </a:rPr>
-                        <a:t>GetBooleanField</a:t>
+                        <a:t>GetBooleanField / GetBooleanField</a:t>
                       </a:r>
-                      <a:endParaRPr lang="en-US" sz="2000">
+                      <a:endParaRPr lang="en-US" sz="1400">
                         <a:effectLst/>
-                        <a:latin typeface="Times New Roman"/>
+                        <a:latin typeface="+mj-lt"/>
                         <a:ea typeface="Calibri"/>
                         <a:cs typeface="Times New Roman"/>
                       </a:endParaRPr>
@@ -10816,7 +14709,7 @@
                     <a:bodyPr/>
                     <a:lstStyle/>
                     <a:p>
-                      <a:pPr marL="0" marR="0">
+                      <a:pPr marL="0" marR="0" indent="457200">
                         <a:lnSpc>
                           <a:spcPct val="115000"/>
                         </a:lnSpc>
@@ -10830,12 +14723,13 @@
                       <a:r>
                         <a:rPr lang="en-US" sz="1400">
                           <a:effectLst/>
+                          <a:latin typeface="+mj-lt"/>
                         </a:rPr>
                         <a:t>jboolean</a:t>
                       </a:r>
-                      <a:endParaRPr lang="en-US" sz="2000">
+                      <a:endParaRPr lang="en-US" sz="1400">
                         <a:effectLst/>
-                        <a:latin typeface="Times New Roman"/>
+                        <a:latin typeface="+mj-lt"/>
                         <a:ea typeface="Calibri"/>
                         <a:cs typeface="Times New Roman"/>
                       </a:endParaRPr>
@@ -10850,7 +14744,7 @@
                     <a:bodyPr/>
                     <a:lstStyle/>
                     <a:p>
-                      <a:pPr marL="0" marR="0">
+                      <a:pPr marL="0" marR="0" indent="0" algn="l" defTabSz="914400" rtl="0" eaLnBrk="1" fontAlgn="auto" latinLnBrk="0" hangingPunct="1">
                         <a:lnSpc>
                           <a:spcPct val="115000"/>
                         </a:lnSpc>
@@ -10860,16 +14754,23 @@
                         <a:spcAft>
                           <a:spcPts val="0"/>
                         </a:spcAft>
+                        <a:buClrTx/>
+                        <a:buSzTx/>
+                        <a:buFontTx/>
+                        <a:buNone/>
+                        <a:tabLst/>
+                        <a:defRPr/>
                       </a:pPr>
                       <a:r>
-                        <a:rPr lang="en-US" sz="1400">
+                        <a:rPr lang="en-US" sz="1400" smtClean="0">
                           <a:effectLst/>
+                          <a:latin typeface="+mj-lt"/>
                         </a:rPr>
-                        <a:t>GetByteField</a:t>
+                        <a:t>GetByteField / GetByteField</a:t>
                       </a:r>
-                      <a:endParaRPr lang="en-US" sz="2000">
+                      <a:endParaRPr lang="en-US" sz="1400" smtClean="0">
                         <a:effectLst/>
-                        <a:latin typeface="Times New Roman"/>
+                        <a:latin typeface="+mj-lt"/>
                         <a:ea typeface="Calibri"/>
                         <a:cs typeface="Times New Roman"/>
                       </a:endParaRPr>
@@ -10882,7 +14783,7 @@
                     <a:bodyPr/>
                     <a:lstStyle/>
                     <a:p>
-                      <a:pPr marL="0" marR="0">
+                      <a:pPr marL="0" marR="0" indent="457200">
                         <a:lnSpc>
                           <a:spcPct val="115000"/>
                         </a:lnSpc>
@@ -10896,12 +14797,13 @@
                       <a:r>
                         <a:rPr lang="en-US" sz="1400">
                           <a:effectLst/>
+                          <a:latin typeface="+mj-lt"/>
                         </a:rPr>
                         <a:t>jbyte</a:t>
                       </a:r>
-                      <a:endParaRPr lang="en-US" sz="2000">
+                      <a:endParaRPr lang="en-US" sz="1400">
                         <a:effectLst/>
-                        <a:latin typeface="Times New Roman"/>
+                        <a:latin typeface="+mj-lt"/>
                         <a:ea typeface="Calibri"/>
                         <a:cs typeface="Times New Roman"/>
                       </a:endParaRPr>
@@ -10916,7 +14818,7 @@
                     <a:bodyPr/>
                     <a:lstStyle/>
                     <a:p>
-                      <a:pPr marL="0" marR="0">
+                      <a:pPr marL="0" marR="0" indent="0" algn="l" defTabSz="914400" rtl="0" eaLnBrk="1" fontAlgn="auto" latinLnBrk="0" hangingPunct="1">
                         <a:lnSpc>
                           <a:spcPct val="115000"/>
                         </a:lnSpc>
@@ -10926,16 +14828,23 @@
                         <a:spcAft>
                           <a:spcPts val="0"/>
                         </a:spcAft>
+                        <a:buClrTx/>
+                        <a:buSzTx/>
+                        <a:buFontTx/>
+                        <a:buNone/>
+                        <a:tabLst/>
+                        <a:defRPr/>
                       </a:pPr>
                       <a:r>
-                        <a:rPr lang="en-US" sz="1400">
+                        <a:rPr lang="en-US" sz="1400" smtClean="0">
                           <a:effectLst/>
+                          <a:latin typeface="+mj-lt"/>
                         </a:rPr>
-                        <a:t>GetCharField</a:t>
+                        <a:t>GetCharField / GetCharField</a:t>
                       </a:r>
-                      <a:endParaRPr lang="en-US" sz="2000">
+                      <a:endParaRPr lang="en-US" sz="1400" smtClean="0">
                         <a:effectLst/>
-                        <a:latin typeface="Times New Roman"/>
+                        <a:latin typeface="+mj-lt"/>
                         <a:ea typeface="Calibri"/>
                         <a:cs typeface="Times New Roman"/>
                       </a:endParaRPr>
@@ -10948,7 +14857,7 @@
                     <a:bodyPr/>
                     <a:lstStyle/>
                     <a:p>
-                      <a:pPr marL="0" marR="0">
+                      <a:pPr marL="0" marR="0" indent="457200">
                         <a:lnSpc>
                           <a:spcPct val="115000"/>
                         </a:lnSpc>
@@ -10962,12 +14871,13 @@
                       <a:r>
                         <a:rPr lang="en-US" sz="1400">
                           <a:effectLst/>
+                          <a:latin typeface="+mj-lt"/>
                         </a:rPr>
                         <a:t>jchar</a:t>
                       </a:r>
-                      <a:endParaRPr lang="en-US" sz="2000">
+                      <a:endParaRPr lang="en-US" sz="1400">
                         <a:effectLst/>
-                        <a:latin typeface="Times New Roman"/>
+                        <a:latin typeface="+mj-lt"/>
                         <a:ea typeface="Calibri"/>
                         <a:cs typeface="Times New Roman"/>
                       </a:endParaRPr>
@@ -10982,7 +14892,7 @@
                     <a:bodyPr/>
                     <a:lstStyle/>
                     <a:p>
-                      <a:pPr marL="0" marR="0">
+                      <a:pPr marL="0" marR="0" indent="0" algn="l" defTabSz="914400" rtl="0" eaLnBrk="1" fontAlgn="auto" latinLnBrk="0" hangingPunct="1">
                         <a:lnSpc>
                           <a:spcPct val="115000"/>
                         </a:lnSpc>
@@ -10992,16 +14902,23 @@
                         <a:spcAft>
                           <a:spcPts val="0"/>
                         </a:spcAft>
+                        <a:buClrTx/>
+                        <a:buSzTx/>
+                        <a:buFontTx/>
+                        <a:buNone/>
+                        <a:tabLst/>
+                        <a:defRPr/>
                       </a:pPr>
                       <a:r>
-                        <a:rPr lang="en-US" sz="1400">
+                        <a:rPr lang="en-US" sz="1400" smtClean="0">
                           <a:effectLst/>
+                          <a:latin typeface="+mj-lt"/>
                         </a:rPr>
-                        <a:t>GetShortField</a:t>
+                        <a:t>GetShortField / GetShortField</a:t>
                       </a:r>
-                      <a:endParaRPr lang="en-US" sz="2000">
+                      <a:endParaRPr lang="en-US" sz="1400" smtClean="0">
                         <a:effectLst/>
-                        <a:latin typeface="Times New Roman"/>
+                        <a:latin typeface="+mj-lt"/>
                         <a:ea typeface="Calibri"/>
                         <a:cs typeface="Times New Roman"/>
                       </a:endParaRPr>
@@ -11014,7 +14931,7 @@
                     <a:bodyPr/>
                     <a:lstStyle/>
                     <a:p>
-                      <a:pPr marL="0" marR="0">
+                      <a:pPr marL="0" marR="0" indent="457200">
                         <a:lnSpc>
                           <a:spcPct val="115000"/>
                         </a:lnSpc>
@@ -11028,12 +14945,13 @@
                       <a:r>
                         <a:rPr lang="en-US" sz="1400">
                           <a:effectLst/>
+                          <a:latin typeface="+mj-lt"/>
                         </a:rPr>
                         <a:t>jshort</a:t>
                       </a:r>
-                      <a:endParaRPr lang="en-US" sz="2000">
+                      <a:endParaRPr lang="en-US" sz="1400">
                         <a:effectLst/>
-                        <a:latin typeface="Times New Roman"/>
+                        <a:latin typeface="+mj-lt"/>
                         <a:ea typeface="Calibri"/>
                         <a:cs typeface="Times New Roman"/>
                       </a:endParaRPr>
@@ -11048,7 +14966,7 @@
                     <a:bodyPr/>
                     <a:lstStyle/>
                     <a:p>
-                      <a:pPr marL="0" marR="0">
+                      <a:pPr marL="0" marR="0" indent="0" algn="l" defTabSz="914400" rtl="0" eaLnBrk="1" fontAlgn="auto" latinLnBrk="0" hangingPunct="1">
                         <a:lnSpc>
                           <a:spcPct val="115000"/>
                         </a:lnSpc>
@@ -11058,16 +14976,23 @@
                         <a:spcAft>
                           <a:spcPts val="0"/>
                         </a:spcAft>
+                        <a:buClrTx/>
+                        <a:buSzTx/>
+                        <a:buFontTx/>
+                        <a:buNone/>
+                        <a:tabLst/>
+                        <a:defRPr/>
                       </a:pPr>
                       <a:r>
-                        <a:rPr lang="en-US" sz="1400">
+                        <a:rPr lang="en-US" sz="1400" smtClean="0">
                           <a:effectLst/>
+                          <a:latin typeface="+mj-lt"/>
                         </a:rPr>
-                        <a:t>GetIntField</a:t>
+                        <a:t>GetIntField / GetIntField</a:t>
                       </a:r>
-                      <a:endParaRPr lang="en-US" sz="2000">
+                      <a:endParaRPr lang="en-US" sz="1400" smtClean="0">
                         <a:effectLst/>
-                        <a:latin typeface="Times New Roman"/>
+                        <a:latin typeface="+mj-lt"/>
                         <a:ea typeface="Calibri"/>
                         <a:cs typeface="Times New Roman"/>
                       </a:endParaRPr>
@@ -11080,7 +15005,7 @@
                     <a:bodyPr/>
                     <a:lstStyle/>
                     <a:p>
-                      <a:pPr marL="0" marR="0">
+                      <a:pPr marL="0" marR="0" indent="457200">
                         <a:lnSpc>
                           <a:spcPct val="115000"/>
                         </a:lnSpc>
@@ -11094,12 +15019,13 @@
                       <a:r>
                         <a:rPr lang="en-US" sz="1400">
                           <a:effectLst/>
+                          <a:latin typeface="+mj-lt"/>
                         </a:rPr>
                         <a:t>jint</a:t>
                       </a:r>
-                      <a:endParaRPr lang="en-US" sz="2000">
+                      <a:endParaRPr lang="en-US" sz="1400">
                         <a:effectLst/>
-                        <a:latin typeface="Times New Roman"/>
+                        <a:latin typeface="+mj-lt"/>
                         <a:ea typeface="Calibri"/>
                         <a:cs typeface="Times New Roman"/>
                       </a:endParaRPr>
@@ -11114,7 +15040,7 @@
                     <a:bodyPr/>
                     <a:lstStyle/>
                     <a:p>
-                      <a:pPr marL="0" marR="0">
+                      <a:pPr marL="0" marR="0" indent="0" algn="l" defTabSz="914400" rtl="0" eaLnBrk="1" fontAlgn="auto" latinLnBrk="0" hangingPunct="1">
                         <a:lnSpc>
                           <a:spcPct val="115000"/>
                         </a:lnSpc>
@@ -11124,16 +15050,23 @@
                         <a:spcAft>
                           <a:spcPts val="0"/>
                         </a:spcAft>
+                        <a:buClrTx/>
+                        <a:buSzTx/>
+                        <a:buFontTx/>
+                        <a:buNone/>
+                        <a:tabLst/>
+                        <a:defRPr/>
                       </a:pPr>
                       <a:r>
-                        <a:rPr lang="en-US" sz="1400">
+                        <a:rPr lang="en-US" sz="1400" smtClean="0">
                           <a:effectLst/>
+                          <a:latin typeface="+mj-lt"/>
                         </a:rPr>
-                        <a:t>GetLongField</a:t>
+                        <a:t>GetLongField / GetLongField</a:t>
                       </a:r>
-                      <a:endParaRPr lang="en-US" sz="2000">
+                      <a:endParaRPr lang="en-US" sz="1400" smtClean="0">
                         <a:effectLst/>
-                        <a:latin typeface="Times New Roman"/>
+                        <a:latin typeface="+mj-lt"/>
                         <a:ea typeface="Calibri"/>
                         <a:cs typeface="Times New Roman"/>
                       </a:endParaRPr>
@@ -11146,7 +15079,7 @@
                     <a:bodyPr/>
                     <a:lstStyle/>
                     <a:p>
-                      <a:pPr marL="0" marR="0">
+                      <a:pPr marL="0" marR="0" indent="457200">
                         <a:lnSpc>
                           <a:spcPct val="115000"/>
                         </a:lnSpc>
@@ -11160,12 +15093,13 @@
                       <a:r>
                         <a:rPr lang="en-US" sz="1400">
                           <a:effectLst/>
+                          <a:latin typeface="+mj-lt"/>
                         </a:rPr>
                         <a:t>jlong</a:t>
                       </a:r>
-                      <a:endParaRPr lang="en-US" sz="2000">
+                      <a:endParaRPr lang="en-US" sz="1400">
                         <a:effectLst/>
-                        <a:latin typeface="Times New Roman"/>
+                        <a:latin typeface="+mj-lt"/>
                         <a:ea typeface="Calibri"/>
                         <a:cs typeface="Times New Roman"/>
                       </a:endParaRPr>
@@ -11180,7 +15114,7 @@
                     <a:bodyPr/>
                     <a:lstStyle/>
                     <a:p>
-                      <a:pPr marL="0" marR="0">
+                      <a:pPr marL="0" marR="0" indent="0" algn="l" defTabSz="914400" rtl="0" eaLnBrk="1" fontAlgn="auto" latinLnBrk="0" hangingPunct="1">
                         <a:lnSpc>
                           <a:spcPct val="115000"/>
                         </a:lnSpc>
@@ -11190,16 +15124,38 @@
                         <a:spcAft>
                           <a:spcPts val="0"/>
                         </a:spcAft>
+                        <a:buClrTx/>
+                        <a:buSzTx/>
+                        <a:buFontTx/>
+                        <a:buNone/>
+                        <a:tabLst/>
+                        <a:defRPr/>
                       </a:pPr>
                       <a:r>
-                        <a:rPr lang="en-US" sz="1400">
+                        <a:rPr lang="en-US" sz="1400" smtClean="0">
                           <a:effectLst/>
+                          <a:latin typeface="+mj-lt"/>
+                        </a:rPr>
+                        <a:t>GetFloatField / </a:t>
+                      </a:r>
+                      <a:r>
+                        <a:rPr lang="en-US" sz="1400" b="1" kern="1200" smtClean="0">
+                          <a:solidFill>
+                            <a:schemeClr val="lt1"/>
+                          </a:solidFill>
+                          <a:effectLst/>
+                          <a:latin typeface="+mn-lt"/>
+                          <a:ea typeface="+mn-ea"/>
+                          <a:cs typeface="+mn-cs"/>
                         </a:rPr>
                         <a:t>GetFloatField</a:t>
                       </a:r>
-                      <a:endParaRPr lang="en-US" sz="2000">
+                      <a:endParaRPr lang="en-US" sz="1400" b="1" kern="1200" smtClean="0">
+                        <a:solidFill>
+                          <a:schemeClr val="lt1"/>
+                        </a:solidFill>
                         <a:effectLst/>
-                        <a:latin typeface="Times New Roman"/>
+                        <a:latin typeface="+mn-lt"/>
                         <a:ea typeface="Calibri"/>
                         <a:cs typeface="Times New Roman"/>
                       </a:endParaRPr>
@@ -11212,7 +15168,7 @@
                     <a:bodyPr/>
                     <a:lstStyle/>
                     <a:p>
-                      <a:pPr marL="0" marR="0">
+                      <a:pPr marL="0" marR="0" indent="457200">
                         <a:lnSpc>
                           <a:spcPct val="115000"/>
                         </a:lnSpc>
@@ -11226,12 +15182,13 @@
                       <a:r>
                         <a:rPr lang="en-US" sz="1400">
                           <a:effectLst/>
+                          <a:latin typeface="+mj-lt"/>
                         </a:rPr>
                         <a:t>jfloat</a:t>
                       </a:r>
-                      <a:endParaRPr lang="en-US" sz="2000">
+                      <a:endParaRPr lang="en-US" sz="1400">
                         <a:effectLst/>
-                        <a:latin typeface="Times New Roman"/>
+                        <a:latin typeface="+mj-lt"/>
                         <a:ea typeface="Calibri"/>
                         <a:cs typeface="Times New Roman"/>
                       </a:endParaRPr>
@@ -11246,7 +15203,7 @@
                     <a:bodyPr/>
                     <a:lstStyle/>
                     <a:p>
-                      <a:pPr marL="0" marR="0">
+                      <a:pPr marL="0" marR="0" indent="0" algn="l" defTabSz="914400" rtl="0" eaLnBrk="1" fontAlgn="auto" latinLnBrk="0" hangingPunct="1">
                         <a:lnSpc>
                           <a:spcPct val="115000"/>
                         </a:lnSpc>
@@ -11256,16 +15213,38 @@
                         <a:spcAft>
                           <a:spcPts val="0"/>
                         </a:spcAft>
+                        <a:buClrTx/>
+                        <a:buSzTx/>
+                        <a:buFontTx/>
+                        <a:buNone/>
+                        <a:tabLst/>
+                        <a:defRPr/>
                       </a:pPr>
                       <a:r>
-                        <a:rPr lang="en-US" sz="1400">
+                        <a:rPr lang="en-US" sz="1400" smtClean="0">
                           <a:effectLst/>
+                          <a:latin typeface="+mj-lt"/>
+                        </a:rPr>
+                        <a:t>GetDoubleField / </a:t>
+                      </a:r>
+                      <a:r>
+                        <a:rPr lang="en-US" sz="1400" b="1" kern="1200" smtClean="0">
+                          <a:solidFill>
+                            <a:schemeClr val="lt1"/>
+                          </a:solidFill>
+                          <a:effectLst/>
+                          <a:latin typeface="+mn-lt"/>
+                          <a:ea typeface="+mn-ea"/>
+                          <a:cs typeface="+mn-cs"/>
                         </a:rPr>
                         <a:t>GetDoubleField</a:t>
                       </a:r>
-                      <a:endParaRPr lang="en-US" sz="2000">
+                      <a:endParaRPr lang="en-US" sz="1400" b="1" kern="1200" smtClean="0">
+                        <a:solidFill>
+                          <a:schemeClr val="lt1"/>
+                        </a:solidFill>
                         <a:effectLst/>
-                        <a:latin typeface="Times New Roman"/>
+                        <a:latin typeface="+mn-lt"/>
                         <a:ea typeface="Calibri"/>
                         <a:cs typeface="Times New Roman"/>
                       </a:endParaRPr>
@@ -11278,7 +15257,7 @@
                     <a:bodyPr/>
                     <a:lstStyle/>
                     <a:p>
-                      <a:pPr marL="0" marR="0">
+                      <a:pPr marL="0" marR="0" indent="457200">
                         <a:lnSpc>
                           <a:spcPct val="115000"/>
                         </a:lnSpc>
@@ -11292,12 +15271,13 @@
                       <a:r>
                         <a:rPr lang="en-US" sz="1400">
                           <a:effectLst/>
+                          <a:latin typeface="+mj-lt"/>
                         </a:rPr>
                         <a:t>jdouble</a:t>
                       </a:r>
-                      <a:endParaRPr lang="en-US" sz="2000">
+                      <a:endParaRPr lang="en-US" sz="1400">
                         <a:effectLst/>
-                        <a:latin typeface="Times New Roman"/>
+                        <a:latin typeface="+mj-lt"/>
                         <a:ea typeface="Calibri"/>
                         <a:cs typeface="Times New Roman"/>
                       </a:endParaRPr>
@@ -11330,7 +15310,7 @@
 </p:sld>
 </file>
 
-<file path=ppt/slides/slide13.xml><?xml version="1.0" encoding="utf-8"?>
+<file path=ppt/slides/slide17.xml><?xml version="1.0" encoding="utf-8"?>
 <p:sld xmlns:a="http://schemas.openxmlformats.org/drawingml/2006/main" xmlns:r="http://schemas.openxmlformats.org/officeDocument/2006/relationships" xmlns:p="http://schemas.openxmlformats.org/presentationml/2006/main">
   <p:cSld>
     <p:spTree>
@@ -11506,7 +15486,7 @@
             <a:fld id="{B6F15528-21DE-4FAA-801E-634DDDAF4B2B}" type="slidenum">
               <a:rPr lang="en-US" sz="2000" smtClean="0"/>
               <a:pPr/>
-              <a:t>13</a:t>
+              <a:t>17</a:t>
             </a:fld>
             <a:endParaRPr lang="en-US" sz="2000"/>
           </a:p>
@@ -12224,7 +16204,7 @@
 </p:sld>
 </file>
 
-<file path=ppt/slides/slide14.xml><?xml version="1.0" encoding="utf-8"?>
+<file path=ppt/slides/slide18.xml><?xml version="1.0" encoding="utf-8"?>
 <p:sld xmlns:a="http://schemas.openxmlformats.org/drawingml/2006/main" xmlns:r="http://schemas.openxmlformats.org/officeDocument/2006/relationships" xmlns:p="http://schemas.openxmlformats.org/presentationml/2006/main">
   <p:cSld>
     <p:spTree>
@@ -12579,7 +16559,7 @@
             <a:fld id="{B6F15528-21DE-4FAA-801E-634DDDAF4B2B}" type="slidenum">
               <a:rPr lang="en-US" sz="2000" smtClean="0"/>
               <a:pPr/>
-              <a:t>14</a:t>
+              <a:t>18</a:t>
             </a:fld>
             <a:endParaRPr lang="en-US" sz="2000"/>
           </a:p>
@@ -12605,7 +16585,7 @@
 </p:sld>
 </file>
 
-<file path=ppt/slides/slide15.xml><?xml version="1.0" encoding="utf-8"?>
+<file path=ppt/slides/slide19.xml><?xml version="1.0" encoding="utf-8"?>
 <p:sld xmlns:a="http://schemas.openxmlformats.org/drawingml/2006/main" xmlns:r="http://schemas.openxmlformats.org/officeDocument/2006/relationships" xmlns:p="http://schemas.openxmlformats.org/presentationml/2006/main">
   <p:cSld>
     <p:spTree>
@@ -12960,7 +16940,7 @@
             <a:fld id="{B6F15528-21DE-4FAA-801E-634DDDAF4B2B}" type="slidenum">
               <a:rPr lang="en-US" sz="2000" smtClean="0"/>
               <a:pPr/>
-              <a:t>15</a:t>
+              <a:t>19</a:t>
             </a:fld>
             <a:endParaRPr lang="en-US" sz="2000"/>
           </a:p>
@@ -12986,7 +16966,407 @@
 </p:sld>
 </file>
 
-<file path=ppt/slides/slide16.xml><?xml version="1.0" encoding="utf-8"?>
+<file path=ppt/slides/slide2.xml><?xml version="1.0" encoding="utf-8"?>
+<p:sld xmlns:a="http://schemas.openxmlformats.org/drawingml/2006/main" xmlns:r="http://schemas.openxmlformats.org/officeDocument/2006/relationships" xmlns:p="http://schemas.openxmlformats.org/presentationml/2006/main">
+  <p:cSld>
+    <p:spTree>
+      <p:nvGrpSpPr>
+        <p:cNvPr id="1" name=""/>
+        <p:cNvGrpSpPr/>
+        <p:nvPr/>
+      </p:nvGrpSpPr>
+      <p:grpSpPr>
+        <a:xfrm>
+          <a:off x="0" y="0"/>
+          <a:ext cx="0" cy="0"/>
+          <a:chOff x="0" y="0"/>
+          <a:chExt cx="0" cy="0"/>
+        </a:xfrm>
+      </p:grpSpPr>
+      <p:sp>
+        <p:nvSpPr>
+          <p:cNvPr id="2" name="Title 1"/>
+          <p:cNvSpPr>
+            <a:spLocks noGrp="1"/>
+          </p:cNvSpPr>
+          <p:nvPr>
+            <p:ph type="title"/>
+          </p:nvPr>
+        </p:nvSpPr>
+        <p:spPr>
+          <a:xfrm>
+            <a:off x="228600" y="579437"/>
+            <a:ext cx="8915400" cy="563563"/>
+          </a:xfrm>
+        </p:spPr>
+        <p:txBody>
+          <a:bodyPr>
+            <a:normAutofit fontScale="90000"/>
+          </a:bodyPr>
+          <a:lstStyle/>
+          <a:p>
+            <a:pPr algn="l"/>
+            <a:r>
+              <a:rPr lang="en-US" cap="all" smtClean="0">
+                <a:ln w="9000" cmpd="sng">
+                  <a:solidFill>
+                    <a:schemeClr val="accent4">
+                      <a:shade val="50000"/>
+                      <a:satMod val="120000"/>
+                    </a:schemeClr>
+                  </a:solidFill>
+                  <a:prstDash val="solid"/>
+                </a:ln>
+                <a:gradFill>
+                  <a:gsLst>
+                    <a:gs pos="0">
+                      <a:schemeClr val="accent4">
+                        <a:shade val="20000"/>
+                        <a:satMod val="245000"/>
+                      </a:schemeClr>
+                    </a:gs>
+                    <a:gs pos="43000">
+                      <a:schemeClr val="accent4">
+                        <a:satMod val="255000"/>
+                      </a:schemeClr>
+                    </a:gs>
+                    <a:gs pos="48000">
+                      <a:schemeClr val="accent4">
+                        <a:shade val="85000"/>
+                        <a:satMod val="255000"/>
+                      </a:schemeClr>
+                    </a:gs>
+                    <a:gs pos="100000">
+                      <a:schemeClr val="accent4">
+                        <a:shade val="20000"/>
+                        <a:satMod val="245000"/>
+                      </a:schemeClr>
+                    </a:gs>
+                  </a:gsLst>
+                  <a:lin ang="5400000"/>
+                </a:gradFill>
+                <a:effectLst>
+                  <a:reflection blurRad="12700" stA="28000" endPos="45000" dist="1000" dir="5400000" sy="-100000" algn="bl" rotWithShape="0"/>
+                </a:effectLst>
+              </a:rPr>
+              <a:t>Nội dung thuyết trình</a:t>
+            </a:r>
+            <a:endParaRPr lang="en-US" cap="all">
+              <a:ln w="9000" cmpd="sng">
+                <a:solidFill>
+                  <a:schemeClr val="accent4">
+                    <a:shade val="50000"/>
+                    <a:satMod val="120000"/>
+                  </a:schemeClr>
+                </a:solidFill>
+                <a:prstDash val="solid"/>
+              </a:ln>
+              <a:gradFill>
+                <a:gsLst>
+                  <a:gs pos="0">
+                    <a:schemeClr val="accent4">
+                      <a:shade val="20000"/>
+                      <a:satMod val="245000"/>
+                    </a:schemeClr>
+                  </a:gs>
+                  <a:gs pos="43000">
+                    <a:schemeClr val="accent4">
+                      <a:satMod val="255000"/>
+                    </a:schemeClr>
+                  </a:gs>
+                  <a:gs pos="48000">
+                    <a:schemeClr val="accent4">
+                      <a:shade val="85000"/>
+                      <a:satMod val="255000"/>
+                    </a:schemeClr>
+                  </a:gs>
+                  <a:gs pos="100000">
+                    <a:schemeClr val="accent4">
+                      <a:shade val="20000"/>
+                      <a:satMod val="245000"/>
+                    </a:schemeClr>
+                  </a:gs>
+                </a:gsLst>
+                <a:lin ang="5400000"/>
+              </a:gradFill>
+              <a:effectLst>
+                <a:reflection blurRad="12700" stA="28000" endPos="45000" dist="1000" dir="5400000" sy="-100000" algn="bl" rotWithShape="0"/>
+              </a:effectLst>
+            </a:endParaRPr>
+          </a:p>
+        </p:txBody>
+      </p:sp>
+      <p:graphicFrame>
+        <p:nvGraphicFramePr>
+          <p:cNvPr id="6" name="Content Placeholder 5"/>
+          <p:cNvGraphicFramePr>
+            <a:graphicFrameLocks noGrp="1"/>
+          </p:cNvGraphicFramePr>
+          <p:nvPr>
+            <p:ph idx="1"/>
+            <p:extLst>
+              <p:ext uri="{D42A27DB-BD31-4B8C-83A1-F6EECF244321}">
+                <p14:modId xmlns:p14="http://schemas.microsoft.com/office/powerpoint/2010/main" val="1062736957"/>
+              </p:ext>
+            </p:extLst>
+          </p:nvPr>
+        </p:nvGraphicFramePr>
+        <p:xfrm>
+          <a:off x="533400" y="1620916"/>
+          <a:ext cx="8229600" cy="4343400"/>
+        </p:xfrm>
+        <a:graphic>
+          <a:graphicData uri="http://schemas.openxmlformats.org/drawingml/2006/diagram">
+            <dgm:relIds xmlns:dgm="http://schemas.openxmlformats.org/drawingml/2006/diagram" xmlns:r="http://schemas.openxmlformats.org/officeDocument/2006/relationships" r:dm="rId2" r:lo="rId3" r:qs="rId4" r:cs="rId5"/>
+          </a:graphicData>
+        </a:graphic>
+      </p:graphicFrame>
+      <p:sp>
+        <p:nvSpPr>
+          <p:cNvPr id="26" name="Hexagon 25"/>
+          <p:cNvSpPr/>
+          <p:nvPr/>
+        </p:nvSpPr>
+        <p:spPr>
+          <a:xfrm>
+            <a:off x="762000" y="1933575"/>
+            <a:ext cx="838200" cy="762000"/>
+          </a:xfrm>
+          <a:prstGeom prst="hexagon">
+            <a:avLst/>
+          </a:prstGeom>
+        </p:spPr>
+        <p:style>
+          <a:lnRef idx="3">
+            <a:schemeClr val="lt1"/>
+          </a:lnRef>
+          <a:fillRef idx="1">
+            <a:schemeClr val="accent2"/>
+          </a:fillRef>
+          <a:effectRef idx="1">
+            <a:schemeClr val="accent2"/>
+          </a:effectRef>
+          <a:fontRef idx="minor">
+            <a:schemeClr val="lt1"/>
+          </a:fontRef>
+        </p:style>
+        <p:txBody>
+          <a:bodyPr rtlCol="0" anchor="ctr"/>
+          <a:lstStyle/>
+          <a:p>
+            <a:pPr algn="ctr"/>
+            <a:r>
+              <a:rPr lang="en-US" sz="2000" b="1" smtClean="0"/>
+              <a:t>1</a:t>
+            </a:r>
+            <a:endParaRPr lang="en-US" sz="2000" b="1"/>
+          </a:p>
+        </p:txBody>
+      </p:sp>
+      <p:sp>
+        <p:nvSpPr>
+          <p:cNvPr id="27" name="Hexagon 26"/>
+          <p:cNvSpPr/>
+          <p:nvPr/>
+        </p:nvSpPr>
+        <p:spPr>
+          <a:xfrm>
+            <a:off x="763814" y="2895600"/>
+            <a:ext cx="838200" cy="762000"/>
+          </a:xfrm>
+          <a:prstGeom prst="hexagon">
+            <a:avLst/>
+          </a:prstGeom>
+        </p:spPr>
+        <p:style>
+          <a:lnRef idx="3">
+            <a:schemeClr val="lt1"/>
+          </a:lnRef>
+          <a:fillRef idx="1">
+            <a:schemeClr val="accent1"/>
+          </a:fillRef>
+          <a:effectRef idx="1">
+            <a:schemeClr val="accent1"/>
+          </a:effectRef>
+          <a:fontRef idx="minor">
+            <a:schemeClr val="lt1"/>
+          </a:fontRef>
+        </p:style>
+        <p:txBody>
+          <a:bodyPr rtlCol="0" anchor="ctr"/>
+          <a:lstStyle/>
+          <a:p>
+            <a:pPr algn="ctr"/>
+            <a:r>
+              <a:rPr lang="en-US" sz="2000" b="1" smtClean="0"/>
+              <a:t>2</a:t>
+            </a:r>
+            <a:endParaRPr lang="en-US" sz="2000" b="1"/>
+          </a:p>
+        </p:txBody>
+      </p:sp>
+      <p:sp>
+        <p:nvSpPr>
+          <p:cNvPr id="28" name="Hexagon 27"/>
+          <p:cNvSpPr/>
+          <p:nvPr/>
+        </p:nvSpPr>
+        <p:spPr>
+          <a:xfrm>
+            <a:off x="762000" y="3867150"/>
+            <a:ext cx="838200" cy="762000"/>
+          </a:xfrm>
+          <a:prstGeom prst="hexagon">
+            <a:avLst/>
+          </a:prstGeom>
+        </p:spPr>
+        <p:style>
+          <a:lnRef idx="3">
+            <a:schemeClr val="lt1"/>
+          </a:lnRef>
+          <a:fillRef idx="1">
+            <a:schemeClr val="accent2"/>
+          </a:fillRef>
+          <a:effectRef idx="1">
+            <a:schemeClr val="accent2"/>
+          </a:effectRef>
+          <a:fontRef idx="minor">
+            <a:schemeClr val="lt1"/>
+          </a:fontRef>
+        </p:style>
+        <p:txBody>
+          <a:bodyPr rtlCol="0" anchor="ctr"/>
+          <a:lstStyle/>
+          <a:p>
+            <a:pPr algn="ctr"/>
+            <a:r>
+              <a:rPr lang="en-US" sz="2000" b="1" smtClean="0"/>
+              <a:t>3</a:t>
+            </a:r>
+            <a:endParaRPr lang="en-US" sz="2000" b="1"/>
+          </a:p>
+        </p:txBody>
+      </p:sp>
+      <p:sp>
+        <p:nvSpPr>
+          <p:cNvPr id="29" name="Hexagon 28"/>
+          <p:cNvSpPr/>
+          <p:nvPr/>
+        </p:nvSpPr>
+        <p:spPr>
+          <a:xfrm>
+            <a:off x="762000" y="4813300"/>
+            <a:ext cx="838200" cy="762000"/>
+          </a:xfrm>
+          <a:prstGeom prst="hexagon">
+            <a:avLst/>
+          </a:prstGeom>
+        </p:spPr>
+        <p:style>
+          <a:lnRef idx="3">
+            <a:schemeClr val="lt1"/>
+          </a:lnRef>
+          <a:fillRef idx="1">
+            <a:schemeClr val="accent1"/>
+          </a:fillRef>
+          <a:effectRef idx="1">
+            <a:schemeClr val="accent1"/>
+          </a:effectRef>
+          <a:fontRef idx="minor">
+            <a:schemeClr val="lt1"/>
+          </a:fontRef>
+        </p:style>
+        <p:txBody>
+          <a:bodyPr rtlCol="0" anchor="ctr"/>
+          <a:lstStyle/>
+          <a:p>
+            <a:pPr algn="ctr"/>
+            <a:r>
+              <a:rPr lang="en-US" sz="2000" b="1" smtClean="0"/>
+              <a:t>4</a:t>
+            </a:r>
+            <a:endParaRPr lang="en-US" sz="2000" b="1"/>
+          </a:p>
+        </p:txBody>
+      </p:sp>
+      <p:sp>
+        <p:nvSpPr>
+          <p:cNvPr id="10" name="Footer Placeholder 9"/>
+          <p:cNvSpPr>
+            <a:spLocks noGrp="1"/>
+          </p:cNvSpPr>
+          <p:nvPr>
+            <p:ph type="ftr" sz="quarter" idx="11"/>
+          </p:nvPr>
+        </p:nvSpPr>
+        <p:spPr>
+          <a:xfrm>
+            <a:off x="7162800" y="152400"/>
+            <a:ext cx="1752600" cy="228600"/>
+          </a:xfrm>
+        </p:spPr>
+        <p:txBody>
+          <a:bodyPr/>
+          <a:lstStyle/>
+          <a:p>
+            <a:r>
+              <a:rPr lang="en-US" smtClean="0"/>
+              <a:t>www.hcmus.edu.vn</a:t>
+            </a:r>
+            <a:endParaRPr lang="en-US"/>
+          </a:p>
+        </p:txBody>
+      </p:sp>
+      <p:sp>
+        <p:nvSpPr>
+          <p:cNvPr id="12" name="Slide Number Placeholder 11"/>
+          <p:cNvSpPr>
+            <a:spLocks noGrp="1"/>
+          </p:cNvSpPr>
+          <p:nvPr>
+            <p:ph type="sldNum" sz="quarter" idx="12"/>
+          </p:nvPr>
+        </p:nvSpPr>
+        <p:spPr>
+          <a:xfrm>
+            <a:off x="3429000" y="6477000"/>
+            <a:ext cx="2133600" cy="381000"/>
+          </a:xfrm>
+        </p:spPr>
+        <p:txBody>
+          <a:bodyPr/>
+          <a:lstStyle/>
+          <a:p>
+            <a:fld id="{B6F15528-21DE-4FAA-801E-634DDDAF4B2B}" type="slidenum">
+              <a:rPr lang="en-US" sz="2000" smtClean="0"/>
+              <a:pPr/>
+              <a:t>2</a:t>
+            </a:fld>
+            <a:endParaRPr lang="en-US" sz="2000"/>
+          </a:p>
+        </p:txBody>
+      </p:sp>
+    </p:spTree>
+    <p:extLst>
+      <p:ext uri="{BB962C8B-B14F-4D97-AF65-F5344CB8AC3E}">
+        <p14:creationId xmlns:p14="http://schemas.microsoft.com/office/powerpoint/2010/main" val="1447732200"/>
+      </p:ext>
+    </p:extLst>
+  </p:cSld>
+  <p:clrMapOvr>
+    <a:masterClrMapping/>
+  </p:clrMapOvr>
+  <p:timing>
+    <p:tnLst>
+      <p:par>
+        <p:cTn id="1" dur="indefinite" restart="never" nodeType="tmRoot"/>
+      </p:par>
+    </p:tnLst>
+  </p:timing>
+</p:sld>
+</file>
+
+<file path=ppt/slides/slide20.xml><?xml version="1.0" encoding="utf-8"?>
 <p:sld xmlns:a="http://schemas.openxmlformats.org/drawingml/2006/main" xmlns:r="http://schemas.openxmlformats.org/officeDocument/2006/relationships" xmlns:p="http://schemas.openxmlformats.org/presentationml/2006/main">
   <p:cSld>
     <p:spTree>
@@ -13207,7 +17587,7 @@
             <a:fld id="{B6F15528-21DE-4FAA-801E-634DDDAF4B2B}" type="slidenum">
               <a:rPr lang="en-US" sz="2000" smtClean="0"/>
               <a:pPr/>
-              <a:t>16</a:t>
+              <a:t>20</a:t>
             </a:fld>
             <a:endParaRPr lang="en-US" sz="2000"/>
           </a:p>
@@ -13991,7 +18371,7 @@
 </p:sld>
 </file>
 
-<file path=ppt/slides/slide17.xml><?xml version="1.0" encoding="utf-8"?>
+<file path=ppt/slides/slide21.xml><?xml version="1.0" encoding="utf-8"?>
 <p:sld xmlns:a="http://schemas.openxmlformats.org/drawingml/2006/main" xmlns:r="http://schemas.openxmlformats.org/officeDocument/2006/relationships" xmlns:p="http://schemas.openxmlformats.org/presentationml/2006/main">
   <p:cSld>
     <p:spTree>
@@ -14212,7 +18592,7 @@
             <a:fld id="{B6F15528-21DE-4FAA-801E-634DDDAF4B2B}" type="slidenum">
               <a:rPr lang="en-US" sz="2000" smtClean="0"/>
               <a:pPr/>
-              <a:t>17</a:t>
+              <a:t>21</a:t>
             </a:fld>
             <a:endParaRPr lang="en-US" sz="2000"/>
           </a:p>
@@ -14312,7 +18692,7 @@
                   <a:srgbClr val="000000"/>
                 </a:solidFill>
               </a:rPr>
-              <a:t>method</a:t>
+              <a:t>method.</a:t>
             </a:r>
           </a:p>
           <a:p>
@@ -14463,7 +18843,7 @@
 </p:sld>
 </file>
 
-<file path=ppt/slides/slide18.xml><?xml version="1.0" encoding="utf-8"?>
+<file path=ppt/slides/slide22.xml><?xml version="1.0" encoding="utf-8"?>
 <p:sld xmlns:a="http://schemas.openxmlformats.org/drawingml/2006/main" xmlns:r="http://schemas.openxmlformats.org/officeDocument/2006/relationships" xmlns:p="http://schemas.openxmlformats.org/presentationml/2006/main">
   <p:cSld>
     <p:spTree>
@@ -14639,7 +19019,7 @@
             <a:fld id="{B6F15528-21DE-4FAA-801E-634DDDAF4B2B}" type="slidenum">
               <a:rPr lang="en-US" sz="2000" smtClean="0"/>
               <a:pPr/>
-              <a:t>18</a:t>
+              <a:t>22</a:t>
             </a:fld>
             <a:endParaRPr lang="en-US" sz="2000"/>
           </a:p>
@@ -14721,7 +19101,7 @@
 </p:sld>
 </file>
 
-<file path=ppt/slides/slide19.xml><?xml version="1.0" encoding="utf-8"?>
+<file path=ppt/slides/slide23.xml><?xml version="1.0" encoding="utf-8"?>
 <p:sld xmlns:a="http://schemas.openxmlformats.org/drawingml/2006/main" xmlns:r="http://schemas.openxmlformats.org/officeDocument/2006/relationships" xmlns:p="http://schemas.openxmlformats.org/presentationml/2006/main">
   <p:cSld>
     <p:spTree>
@@ -14897,7 +19277,7 @@
             <a:fld id="{B6F15528-21DE-4FAA-801E-634DDDAF4B2B}" type="slidenum">
               <a:rPr lang="en-US" sz="2000" smtClean="0"/>
               <a:pPr/>
-              <a:t>19</a:t>
+              <a:t>23</a:t>
             </a:fld>
             <a:endParaRPr lang="en-US" sz="2000"/>
           </a:p>
@@ -15713,407 +20093,7 @@
 </p:sld>
 </file>
 
-<file path=ppt/slides/slide2.xml><?xml version="1.0" encoding="utf-8"?>
-<p:sld xmlns:a="http://schemas.openxmlformats.org/drawingml/2006/main" xmlns:r="http://schemas.openxmlformats.org/officeDocument/2006/relationships" xmlns:p="http://schemas.openxmlformats.org/presentationml/2006/main">
-  <p:cSld>
-    <p:spTree>
-      <p:nvGrpSpPr>
-        <p:cNvPr id="1" name=""/>
-        <p:cNvGrpSpPr/>
-        <p:nvPr/>
-      </p:nvGrpSpPr>
-      <p:grpSpPr>
-        <a:xfrm>
-          <a:off x="0" y="0"/>
-          <a:ext cx="0" cy="0"/>
-          <a:chOff x="0" y="0"/>
-          <a:chExt cx="0" cy="0"/>
-        </a:xfrm>
-      </p:grpSpPr>
-      <p:sp>
-        <p:nvSpPr>
-          <p:cNvPr id="2" name="Title 1"/>
-          <p:cNvSpPr>
-            <a:spLocks noGrp="1"/>
-          </p:cNvSpPr>
-          <p:nvPr>
-            <p:ph type="title"/>
-          </p:nvPr>
-        </p:nvSpPr>
-        <p:spPr>
-          <a:xfrm>
-            <a:off x="228600" y="579437"/>
-            <a:ext cx="8915400" cy="563563"/>
-          </a:xfrm>
-        </p:spPr>
-        <p:txBody>
-          <a:bodyPr>
-            <a:normAutofit fontScale="90000"/>
-          </a:bodyPr>
-          <a:lstStyle/>
-          <a:p>
-            <a:pPr algn="l"/>
-            <a:r>
-              <a:rPr lang="en-US" cap="all" smtClean="0">
-                <a:ln w="9000" cmpd="sng">
-                  <a:solidFill>
-                    <a:schemeClr val="accent4">
-                      <a:shade val="50000"/>
-                      <a:satMod val="120000"/>
-                    </a:schemeClr>
-                  </a:solidFill>
-                  <a:prstDash val="solid"/>
-                </a:ln>
-                <a:gradFill>
-                  <a:gsLst>
-                    <a:gs pos="0">
-                      <a:schemeClr val="accent4">
-                        <a:shade val="20000"/>
-                        <a:satMod val="245000"/>
-                      </a:schemeClr>
-                    </a:gs>
-                    <a:gs pos="43000">
-                      <a:schemeClr val="accent4">
-                        <a:satMod val="255000"/>
-                      </a:schemeClr>
-                    </a:gs>
-                    <a:gs pos="48000">
-                      <a:schemeClr val="accent4">
-                        <a:shade val="85000"/>
-                        <a:satMod val="255000"/>
-                      </a:schemeClr>
-                    </a:gs>
-                    <a:gs pos="100000">
-                      <a:schemeClr val="accent4">
-                        <a:shade val="20000"/>
-                        <a:satMod val="245000"/>
-                      </a:schemeClr>
-                    </a:gs>
-                  </a:gsLst>
-                  <a:lin ang="5400000"/>
-                </a:gradFill>
-                <a:effectLst>
-                  <a:reflection blurRad="12700" stA="28000" endPos="45000" dist="1000" dir="5400000" sy="-100000" algn="bl" rotWithShape="0"/>
-                </a:effectLst>
-              </a:rPr>
-              <a:t>Nội dung thuyết trình</a:t>
-            </a:r>
-            <a:endParaRPr lang="en-US" cap="all">
-              <a:ln w="9000" cmpd="sng">
-                <a:solidFill>
-                  <a:schemeClr val="accent4">
-                    <a:shade val="50000"/>
-                    <a:satMod val="120000"/>
-                  </a:schemeClr>
-                </a:solidFill>
-                <a:prstDash val="solid"/>
-              </a:ln>
-              <a:gradFill>
-                <a:gsLst>
-                  <a:gs pos="0">
-                    <a:schemeClr val="accent4">
-                      <a:shade val="20000"/>
-                      <a:satMod val="245000"/>
-                    </a:schemeClr>
-                  </a:gs>
-                  <a:gs pos="43000">
-                    <a:schemeClr val="accent4">
-                      <a:satMod val="255000"/>
-                    </a:schemeClr>
-                  </a:gs>
-                  <a:gs pos="48000">
-                    <a:schemeClr val="accent4">
-                      <a:shade val="85000"/>
-                      <a:satMod val="255000"/>
-                    </a:schemeClr>
-                  </a:gs>
-                  <a:gs pos="100000">
-                    <a:schemeClr val="accent4">
-                      <a:shade val="20000"/>
-                      <a:satMod val="245000"/>
-                    </a:schemeClr>
-                  </a:gs>
-                </a:gsLst>
-                <a:lin ang="5400000"/>
-              </a:gradFill>
-              <a:effectLst>
-                <a:reflection blurRad="12700" stA="28000" endPos="45000" dist="1000" dir="5400000" sy="-100000" algn="bl" rotWithShape="0"/>
-              </a:effectLst>
-            </a:endParaRPr>
-          </a:p>
-        </p:txBody>
-      </p:sp>
-      <p:graphicFrame>
-        <p:nvGraphicFramePr>
-          <p:cNvPr id="6" name="Content Placeholder 5"/>
-          <p:cNvGraphicFramePr>
-            <a:graphicFrameLocks noGrp="1"/>
-          </p:cNvGraphicFramePr>
-          <p:nvPr>
-            <p:ph idx="1"/>
-            <p:extLst>
-              <p:ext uri="{D42A27DB-BD31-4B8C-83A1-F6EECF244321}">
-                <p14:modId xmlns:p14="http://schemas.microsoft.com/office/powerpoint/2010/main" val="1062736957"/>
-              </p:ext>
-            </p:extLst>
-          </p:nvPr>
-        </p:nvGraphicFramePr>
-        <p:xfrm>
-          <a:off x="533400" y="1620916"/>
-          <a:ext cx="8229600" cy="4343400"/>
-        </p:xfrm>
-        <a:graphic>
-          <a:graphicData uri="http://schemas.openxmlformats.org/drawingml/2006/diagram">
-            <dgm:relIds xmlns:dgm="http://schemas.openxmlformats.org/drawingml/2006/diagram" xmlns:r="http://schemas.openxmlformats.org/officeDocument/2006/relationships" r:dm="rId2" r:lo="rId3" r:qs="rId4" r:cs="rId5"/>
-          </a:graphicData>
-        </a:graphic>
-      </p:graphicFrame>
-      <p:sp>
-        <p:nvSpPr>
-          <p:cNvPr id="26" name="Hexagon 25"/>
-          <p:cNvSpPr/>
-          <p:nvPr/>
-        </p:nvSpPr>
-        <p:spPr>
-          <a:xfrm>
-            <a:off x="762000" y="1933575"/>
-            <a:ext cx="838200" cy="762000"/>
-          </a:xfrm>
-          <a:prstGeom prst="hexagon">
-            <a:avLst/>
-          </a:prstGeom>
-        </p:spPr>
-        <p:style>
-          <a:lnRef idx="3">
-            <a:schemeClr val="lt1"/>
-          </a:lnRef>
-          <a:fillRef idx="1">
-            <a:schemeClr val="accent2"/>
-          </a:fillRef>
-          <a:effectRef idx="1">
-            <a:schemeClr val="accent2"/>
-          </a:effectRef>
-          <a:fontRef idx="minor">
-            <a:schemeClr val="lt1"/>
-          </a:fontRef>
-        </p:style>
-        <p:txBody>
-          <a:bodyPr rtlCol="0" anchor="ctr"/>
-          <a:lstStyle/>
-          <a:p>
-            <a:pPr algn="ctr"/>
-            <a:r>
-              <a:rPr lang="en-US" sz="2000" b="1" smtClean="0"/>
-              <a:t>1</a:t>
-            </a:r>
-            <a:endParaRPr lang="en-US" sz="2000" b="1"/>
-          </a:p>
-        </p:txBody>
-      </p:sp>
-      <p:sp>
-        <p:nvSpPr>
-          <p:cNvPr id="27" name="Hexagon 26"/>
-          <p:cNvSpPr/>
-          <p:nvPr/>
-        </p:nvSpPr>
-        <p:spPr>
-          <a:xfrm>
-            <a:off x="763814" y="2895600"/>
-            <a:ext cx="838200" cy="762000"/>
-          </a:xfrm>
-          <a:prstGeom prst="hexagon">
-            <a:avLst/>
-          </a:prstGeom>
-        </p:spPr>
-        <p:style>
-          <a:lnRef idx="3">
-            <a:schemeClr val="lt1"/>
-          </a:lnRef>
-          <a:fillRef idx="1">
-            <a:schemeClr val="accent1"/>
-          </a:fillRef>
-          <a:effectRef idx="1">
-            <a:schemeClr val="accent1"/>
-          </a:effectRef>
-          <a:fontRef idx="minor">
-            <a:schemeClr val="lt1"/>
-          </a:fontRef>
-        </p:style>
-        <p:txBody>
-          <a:bodyPr rtlCol="0" anchor="ctr"/>
-          <a:lstStyle/>
-          <a:p>
-            <a:pPr algn="ctr"/>
-            <a:r>
-              <a:rPr lang="en-US" sz="2000" b="1" smtClean="0"/>
-              <a:t>2</a:t>
-            </a:r>
-            <a:endParaRPr lang="en-US" sz="2000" b="1"/>
-          </a:p>
-        </p:txBody>
-      </p:sp>
-      <p:sp>
-        <p:nvSpPr>
-          <p:cNvPr id="28" name="Hexagon 27"/>
-          <p:cNvSpPr/>
-          <p:nvPr/>
-        </p:nvSpPr>
-        <p:spPr>
-          <a:xfrm>
-            <a:off x="762000" y="3867150"/>
-            <a:ext cx="838200" cy="762000"/>
-          </a:xfrm>
-          <a:prstGeom prst="hexagon">
-            <a:avLst/>
-          </a:prstGeom>
-        </p:spPr>
-        <p:style>
-          <a:lnRef idx="3">
-            <a:schemeClr val="lt1"/>
-          </a:lnRef>
-          <a:fillRef idx="1">
-            <a:schemeClr val="accent2"/>
-          </a:fillRef>
-          <a:effectRef idx="1">
-            <a:schemeClr val="accent2"/>
-          </a:effectRef>
-          <a:fontRef idx="minor">
-            <a:schemeClr val="lt1"/>
-          </a:fontRef>
-        </p:style>
-        <p:txBody>
-          <a:bodyPr rtlCol="0" anchor="ctr"/>
-          <a:lstStyle/>
-          <a:p>
-            <a:pPr algn="ctr"/>
-            <a:r>
-              <a:rPr lang="en-US" sz="2000" b="1" smtClean="0"/>
-              <a:t>3</a:t>
-            </a:r>
-            <a:endParaRPr lang="en-US" sz="2000" b="1"/>
-          </a:p>
-        </p:txBody>
-      </p:sp>
-      <p:sp>
-        <p:nvSpPr>
-          <p:cNvPr id="29" name="Hexagon 28"/>
-          <p:cNvSpPr/>
-          <p:nvPr/>
-        </p:nvSpPr>
-        <p:spPr>
-          <a:xfrm>
-            <a:off x="762000" y="4813300"/>
-            <a:ext cx="838200" cy="762000"/>
-          </a:xfrm>
-          <a:prstGeom prst="hexagon">
-            <a:avLst/>
-          </a:prstGeom>
-        </p:spPr>
-        <p:style>
-          <a:lnRef idx="3">
-            <a:schemeClr val="lt1"/>
-          </a:lnRef>
-          <a:fillRef idx="1">
-            <a:schemeClr val="accent1"/>
-          </a:fillRef>
-          <a:effectRef idx="1">
-            <a:schemeClr val="accent1"/>
-          </a:effectRef>
-          <a:fontRef idx="minor">
-            <a:schemeClr val="lt1"/>
-          </a:fontRef>
-        </p:style>
-        <p:txBody>
-          <a:bodyPr rtlCol="0" anchor="ctr"/>
-          <a:lstStyle/>
-          <a:p>
-            <a:pPr algn="ctr"/>
-            <a:r>
-              <a:rPr lang="en-US" sz="2000" b="1" smtClean="0"/>
-              <a:t>4</a:t>
-            </a:r>
-            <a:endParaRPr lang="en-US" sz="2000" b="1"/>
-          </a:p>
-        </p:txBody>
-      </p:sp>
-      <p:sp>
-        <p:nvSpPr>
-          <p:cNvPr id="10" name="Footer Placeholder 9"/>
-          <p:cNvSpPr>
-            <a:spLocks noGrp="1"/>
-          </p:cNvSpPr>
-          <p:nvPr>
-            <p:ph type="ftr" sz="quarter" idx="11"/>
-          </p:nvPr>
-        </p:nvSpPr>
-        <p:spPr>
-          <a:xfrm>
-            <a:off x="7162800" y="152400"/>
-            <a:ext cx="1752600" cy="228600"/>
-          </a:xfrm>
-        </p:spPr>
-        <p:txBody>
-          <a:bodyPr/>
-          <a:lstStyle/>
-          <a:p>
-            <a:r>
-              <a:rPr lang="en-US" smtClean="0"/>
-              <a:t>www.hcmus.edu.vn</a:t>
-            </a:r>
-            <a:endParaRPr lang="en-US"/>
-          </a:p>
-        </p:txBody>
-      </p:sp>
-      <p:sp>
-        <p:nvSpPr>
-          <p:cNvPr id="12" name="Slide Number Placeholder 11"/>
-          <p:cNvSpPr>
-            <a:spLocks noGrp="1"/>
-          </p:cNvSpPr>
-          <p:nvPr>
-            <p:ph type="sldNum" sz="quarter" idx="12"/>
-          </p:nvPr>
-        </p:nvSpPr>
-        <p:spPr>
-          <a:xfrm>
-            <a:off x="3429000" y="6477000"/>
-            <a:ext cx="2133600" cy="381000"/>
-          </a:xfrm>
-        </p:spPr>
-        <p:txBody>
-          <a:bodyPr/>
-          <a:lstStyle/>
-          <a:p>
-            <a:fld id="{B6F15528-21DE-4FAA-801E-634DDDAF4B2B}" type="slidenum">
-              <a:rPr lang="en-US" sz="2000" smtClean="0"/>
-              <a:pPr/>
-              <a:t>2</a:t>
-            </a:fld>
-            <a:endParaRPr lang="en-US" sz="2000"/>
-          </a:p>
-        </p:txBody>
-      </p:sp>
-    </p:spTree>
-    <p:extLst>
-      <p:ext uri="{BB962C8B-B14F-4D97-AF65-F5344CB8AC3E}">
-        <p14:creationId xmlns:p14="http://schemas.microsoft.com/office/powerpoint/2010/main" val="1447732200"/>
-      </p:ext>
-    </p:extLst>
-  </p:cSld>
-  <p:clrMapOvr>
-    <a:masterClrMapping/>
-  </p:clrMapOvr>
-  <p:timing>
-    <p:tnLst>
-      <p:par>
-        <p:cTn id="1" dur="indefinite" restart="never" nodeType="tmRoot"/>
-      </p:par>
-    </p:tnLst>
-  </p:timing>
-</p:sld>
-</file>
-
-<file path=ppt/slides/slide20.xml><?xml version="1.0" encoding="utf-8"?>
+<file path=ppt/slides/slide24.xml><?xml version="1.0" encoding="utf-8"?>
 <p:sld xmlns:a="http://schemas.openxmlformats.org/drawingml/2006/main" xmlns:r="http://schemas.openxmlformats.org/officeDocument/2006/relationships" xmlns:p="http://schemas.openxmlformats.org/presentationml/2006/main">
   <p:cSld>
     <p:spTree>
@@ -16289,7 +20269,7 @@
             <a:fld id="{B6F15528-21DE-4FAA-801E-634DDDAF4B2B}" type="slidenum">
               <a:rPr lang="en-US" sz="2000" smtClean="0"/>
               <a:pPr/>
-              <a:t>20</a:t>
+              <a:t>24</a:t>
             </a:fld>
             <a:endParaRPr lang="en-US" sz="2000"/>
           </a:p>
@@ -16415,7 +20395,7 @@
 </p:sld>
 </file>
 
-<file path=ppt/slides/slide21.xml><?xml version="1.0" encoding="utf-8"?>
+<file path=ppt/slides/slide25.xml><?xml version="1.0" encoding="utf-8"?>
 <p:sld xmlns:a="http://schemas.openxmlformats.org/drawingml/2006/main" xmlns:r="http://schemas.openxmlformats.org/officeDocument/2006/relationships" xmlns:p="http://schemas.openxmlformats.org/presentationml/2006/main">
   <p:cSld>
     <p:spTree>
@@ -16590,7 +20570,7 @@
             <a:fld id="{B6F15528-21DE-4FAA-801E-634DDDAF4B2B}" type="slidenum">
               <a:rPr lang="en-US" sz="2000" smtClean="0"/>
               <a:pPr/>
-              <a:t>21</a:t>
+              <a:t>25</a:t>
             </a:fld>
             <a:endParaRPr lang="en-US" sz="2000"/>
           </a:p>
@@ -16616,7 +20596,7 @@
 </p:sld>
 </file>
 
-<file path=ppt/slides/slide22.xml><?xml version="1.0" encoding="utf-8"?>
+<file path=ppt/slides/slide26.xml><?xml version="1.0" encoding="utf-8"?>
 <p:sld xmlns:a="http://schemas.openxmlformats.org/drawingml/2006/main" xmlns:r="http://schemas.openxmlformats.org/officeDocument/2006/relationships" xmlns:p="http://schemas.openxmlformats.org/presentationml/2006/main">
   <p:cSld>
     <p:spTree>
@@ -16810,7 +20790,7 @@
             <a:fld id="{B6F15528-21DE-4FAA-801E-634DDDAF4B2B}" type="slidenum">
               <a:rPr lang="en-US" sz="2000" smtClean="0"/>
               <a:pPr/>
-              <a:t>22</a:t>
+              <a:t>26</a:t>
             </a:fld>
             <a:endParaRPr lang="en-US" sz="2000"/>
           </a:p>
@@ -16836,7 +20816,7 @@
 </p:sld>
 </file>
 
-<file path=ppt/slides/slide23.xml><?xml version="1.0" encoding="utf-8"?>
+<file path=ppt/slides/slide27.xml><?xml version="1.0" encoding="utf-8"?>
 <p:sld xmlns:a="http://schemas.openxmlformats.org/drawingml/2006/main" xmlns:r="http://schemas.openxmlformats.org/officeDocument/2006/relationships" xmlns:p="http://schemas.openxmlformats.org/presentationml/2006/main">
   <p:cSld>
     <p:spTree>
@@ -17011,7 +20991,7 @@
             <a:fld id="{B6F15528-21DE-4FAA-801E-634DDDAF4B2B}" type="slidenum">
               <a:rPr lang="en-US" sz="2000" smtClean="0"/>
               <a:pPr/>
-              <a:t>23</a:t>
+              <a:t>27</a:t>
             </a:fld>
             <a:endParaRPr lang="en-US" sz="2000"/>
           </a:p>
@@ -17113,7 +21093,7 @@
 </p:sld>
 </file>
 
-<file path=ppt/slides/slide24.xml><?xml version="1.0" encoding="utf-8"?>
+<file path=ppt/slides/slide28.xml><?xml version="1.0" encoding="utf-8"?>
 <p:sld xmlns:a="http://schemas.openxmlformats.org/drawingml/2006/main" xmlns:r="http://schemas.openxmlformats.org/officeDocument/2006/relationships" xmlns:p="http://schemas.openxmlformats.org/presentationml/2006/main">
   <p:cSld>
     <p:spTree>
@@ -17423,7 +21403,7 @@
             <a:fld id="{B6F15528-21DE-4FAA-801E-634DDDAF4B2B}" type="slidenum">
               <a:rPr lang="en-US" sz="2000" smtClean="0"/>
               <a:pPr/>
-              <a:t>24</a:t>
+              <a:t>28</a:t>
             </a:fld>
             <a:endParaRPr lang="en-US" sz="2000"/>
           </a:p>
@@ -17449,7 +21429,7 @@
 </p:sld>
 </file>
 
-<file path=ppt/slides/slide25.xml><?xml version="1.0" encoding="utf-8"?>
+<file path=ppt/slides/slide29.xml><?xml version="1.0" encoding="utf-8"?>
 <p:sld xmlns:a="http://schemas.openxmlformats.org/drawingml/2006/main" xmlns:r="http://schemas.openxmlformats.org/officeDocument/2006/relationships" xmlns:p="http://schemas.openxmlformats.org/presentationml/2006/main">
   <p:cSld>
     <p:spTree>
@@ -17624,7 +21604,7 @@
             <a:fld id="{B6F15528-21DE-4FAA-801E-634DDDAF4B2B}" type="slidenum">
               <a:rPr lang="en-US" sz="2000" smtClean="0"/>
               <a:pPr/>
-              <a:t>25</a:t>
+              <a:t>29</a:t>
             </a:fld>
             <a:endParaRPr lang="en-US" sz="2000"/>
           </a:p>
@@ -17726,7 +21706,409 @@
 </p:sld>
 </file>
 
-<file path=ppt/slides/slide26.xml><?xml version="1.0" encoding="utf-8"?>
+<file path=ppt/slides/slide3.xml><?xml version="1.0" encoding="utf-8"?>
+<p:sld xmlns:a="http://schemas.openxmlformats.org/drawingml/2006/main" xmlns:r="http://schemas.openxmlformats.org/officeDocument/2006/relationships" xmlns:p="http://schemas.openxmlformats.org/presentationml/2006/main">
+  <p:cSld>
+    <p:spTree>
+      <p:nvGrpSpPr>
+        <p:cNvPr id="1" name=""/>
+        <p:cNvGrpSpPr/>
+        <p:nvPr/>
+      </p:nvGrpSpPr>
+      <p:grpSpPr>
+        <a:xfrm>
+          <a:off x="0" y="0"/>
+          <a:ext cx="0" cy="0"/>
+          <a:chOff x="0" y="0"/>
+          <a:chExt cx="0" cy="0"/>
+        </a:xfrm>
+      </p:grpSpPr>
+      <p:sp>
+        <p:nvSpPr>
+          <p:cNvPr id="4" name="Content Placeholder 3"/>
+          <p:cNvSpPr>
+            <a:spLocks noGrp="1"/>
+          </p:cNvSpPr>
+          <p:nvPr>
+            <p:ph idx="1"/>
+          </p:nvPr>
+        </p:nvSpPr>
+        <p:spPr>
+          <a:xfrm>
+            <a:off x="457200" y="2057399"/>
+            <a:ext cx="8229600" cy="4115117"/>
+          </a:xfrm>
+        </p:spPr>
+        <p:txBody>
+          <a:bodyPr/>
+          <a:lstStyle/>
+          <a:p>
+            <a:pPr lvl="0">
+              <a:buClr>
+                <a:srgbClr val="000000"/>
+              </a:buClr>
+              <a:buFont typeface="Wingdings" pitchFamily="2" charset="2"/>
+              <a:buChar char="q"/>
+            </a:pPr>
+            <a:r>
+              <a:rPr lang="en-US" b="0">
+                <a:solidFill>
+                  <a:schemeClr val="tx1">
+                    <a:lumMod val="50000"/>
+                  </a:schemeClr>
+                </a:solidFill>
+              </a:rPr>
+              <a:t>JNI là </a:t>
+            </a:r>
+            <a:r>
+              <a:rPr lang="en-US" b="0" smtClean="0">
+                <a:solidFill>
+                  <a:schemeClr val="tx1">
+                    <a:lumMod val="50000"/>
+                  </a:schemeClr>
+                </a:solidFill>
+              </a:rPr>
+              <a:t>gì?</a:t>
+            </a:r>
+            <a:endParaRPr lang="en-US" b="0">
+              <a:solidFill>
+                <a:schemeClr val="tx1">
+                  <a:lumMod val="50000"/>
+                </a:schemeClr>
+              </a:solidFill>
+            </a:endParaRPr>
+          </a:p>
+          <a:p>
+            <a:pPr lvl="0">
+              <a:buClr>
+                <a:srgbClr val="000000"/>
+              </a:buClr>
+              <a:buFont typeface="Wingdings" pitchFamily="2" charset="2"/>
+              <a:buChar char="q"/>
+            </a:pPr>
+            <a:r>
+              <a:rPr lang="en-US" b="0">
+                <a:solidFill>
+                  <a:schemeClr val="tx1">
+                    <a:lumMod val="50000"/>
+                  </a:schemeClr>
+                </a:solidFill>
+              </a:rPr>
+              <a:t>Mục đích của việc dùng </a:t>
+            </a:r>
+            <a:r>
+              <a:rPr lang="en-US" b="0" smtClean="0">
+                <a:solidFill>
+                  <a:schemeClr val="tx1">
+                    <a:lumMod val="50000"/>
+                  </a:schemeClr>
+                </a:solidFill>
+              </a:rPr>
+              <a:t>JNI</a:t>
+            </a:r>
+            <a:endParaRPr lang="en-US" b="0">
+              <a:solidFill>
+                <a:schemeClr val="tx1">
+                  <a:lumMod val="50000"/>
+                </a:schemeClr>
+              </a:solidFill>
+            </a:endParaRPr>
+          </a:p>
+          <a:p>
+            <a:pPr lvl="0">
+              <a:buClr>
+                <a:srgbClr val="000000"/>
+              </a:buClr>
+              <a:buFont typeface="Wingdings" pitchFamily="2" charset="2"/>
+              <a:buChar char="q"/>
+            </a:pPr>
+            <a:r>
+              <a:rPr lang="en-US" b="0" smtClean="0">
+                <a:solidFill>
+                  <a:schemeClr val="tx1">
+                    <a:lumMod val="50000"/>
+                  </a:schemeClr>
+                </a:solidFill>
+              </a:rPr>
+              <a:t>Cơ </a:t>
+            </a:r>
+            <a:r>
+              <a:rPr lang="en-US" b="0">
+                <a:solidFill>
+                  <a:schemeClr val="tx1">
+                    <a:lumMod val="50000"/>
+                  </a:schemeClr>
+                </a:solidFill>
+              </a:rPr>
+              <a:t>chế làm việc trong </a:t>
+            </a:r>
+            <a:r>
+              <a:rPr lang="en-US" b="0" smtClean="0">
+                <a:solidFill>
+                  <a:schemeClr val="tx1">
+                    <a:lumMod val="50000"/>
+                  </a:schemeClr>
+                </a:solidFill>
+              </a:rPr>
+              <a:t>JNI</a:t>
+            </a:r>
+          </a:p>
+          <a:p>
+            <a:pPr>
+              <a:buClr>
+                <a:srgbClr val="000000"/>
+              </a:buClr>
+              <a:buFont typeface="Wingdings" pitchFamily="2" charset="2"/>
+              <a:buChar char="q"/>
+            </a:pPr>
+            <a:r>
+              <a:rPr lang="en-US" b="0">
+                <a:solidFill>
+                  <a:schemeClr val="tx1">
+                    <a:lumMod val="50000"/>
+                  </a:schemeClr>
+                </a:solidFill>
+              </a:rPr>
+              <a:t>Khó khăn khi làm việc với </a:t>
+            </a:r>
+            <a:r>
+              <a:rPr lang="en-US" b="0" smtClean="0">
+                <a:solidFill>
+                  <a:schemeClr val="tx1">
+                    <a:lumMod val="50000"/>
+                  </a:schemeClr>
+                </a:solidFill>
+              </a:rPr>
+              <a:t>JNI</a:t>
+            </a:r>
+            <a:endParaRPr lang="en-US" b="0">
+              <a:solidFill>
+                <a:schemeClr val="tx1">
+                  <a:lumMod val="50000"/>
+                </a:schemeClr>
+              </a:solidFill>
+            </a:endParaRPr>
+          </a:p>
+          <a:p>
+            <a:pPr lvl="0">
+              <a:buClr>
+                <a:srgbClr val="000000"/>
+              </a:buClr>
+              <a:buFont typeface="Wingdings" pitchFamily="2" charset="2"/>
+              <a:buChar char="q"/>
+            </a:pPr>
+            <a:endParaRPr lang="en-US" b="0">
+              <a:solidFill>
+                <a:schemeClr val="tx1">
+                  <a:lumMod val="50000"/>
+                </a:schemeClr>
+              </a:solidFill>
+            </a:endParaRPr>
+          </a:p>
+          <a:p>
+            <a:pPr>
+              <a:buClr>
+                <a:srgbClr val="000000"/>
+              </a:buClr>
+              <a:buFont typeface="Wingdings" pitchFamily="2" charset="2"/>
+              <a:buChar char="q"/>
+            </a:pPr>
+            <a:endParaRPr lang="en-US" b="0">
+              <a:solidFill>
+                <a:schemeClr val="tx1">
+                  <a:lumMod val="50000"/>
+                </a:schemeClr>
+              </a:solidFill>
+            </a:endParaRPr>
+          </a:p>
+        </p:txBody>
+      </p:sp>
+      <p:sp>
+        <p:nvSpPr>
+          <p:cNvPr id="8" name="Title 1"/>
+          <p:cNvSpPr>
+            <a:spLocks noGrp="1"/>
+          </p:cNvSpPr>
+          <p:nvPr>
+            <p:ph type="title"/>
+          </p:nvPr>
+        </p:nvSpPr>
+        <p:spPr>
+          <a:xfrm>
+            <a:off x="228600" y="579437"/>
+            <a:ext cx="8915400" cy="563563"/>
+          </a:xfrm>
+        </p:spPr>
+        <p:txBody>
+          <a:bodyPr>
+            <a:normAutofit fontScale="90000"/>
+          </a:bodyPr>
+          <a:lstStyle/>
+          <a:p>
+            <a:pPr algn="l"/>
+            <a:r>
+              <a:rPr lang="en-US" cap="all" smtClean="0">
+                <a:ln w="9000" cmpd="sng">
+                  <a:solidFill>
+                    <a:schemeClr val="accent4">
+                      <a:shade val="50000"/>
+                      <a:satMod val="120000"/>
+                    </a:schemeClr>
+                  </a:solidFill>
+                  <a:prstDash val="solid"/>
+                </a:ln>
+                <a:gradFill>
+                  <a:gsLst>
+                    <a:gs pos="0">
+                      <a:schemeClr val="accent4">
+                        <a:shade val="20000"/>
+                        <a:satMod val="245000"/>
+                      </a:schemeClr>
+                    </a:gs>
+                    <a:gs pos="43000">
+                      <a:schemeClr val="accent4">
+                        <a:satMod val="255000"/>
+                      </a:schemeClr>
+                    </a:gs>
+                    <a:gs pos="48000">
+                      <a:schemeClr val="accent4">
+                        <a:shade val="85000"/>
+                        <a:satMod val="255000"/>
+                      </a:schemeClr>
+                    </a:gs>
+                    <a:gs pos="100000">
+                      <a:schemeClr val="accent4">
+                        <a:shade val="20000"/>
+                        <a:satMod val="245000"/>
+                      </a:schemeClr>
+                    </a:gs>
+                  </a:gsLst>
+                  <a:lin ang="5400000"/>
+                </a:gradFill>
+                <a:effectLst>
+                  <a:reflection blurRad="12700" stA="28000" endPos="45000" dist="1000" dir="5400000" sy="-100000" algn="bl" rotWithShape="0"/>
+                </a:effectLst>
+              </a:rPr>
+              <a:t>1 Tổng quan JNI</a:t>
+            </a:r>
+            <a:endParaRPr lang="en-US" cap="all">
+              <a:ln w="9000" cmpd="sng">
+                <a:solidFill>
+                  <a:schemeClr val="accent4">
+                    <a:shade val="50000"/>
+                    <a:satMod val="120000"/>
+                  </a:schemeClr>
+                </a:solidFill>
+                <a:prstDash val="solid"/>
+              </a:ln>
+              <a:gradFill>
+                <a:gsLst>
+                  <a:gs pos="0">
+                    <a:schemeClr val="accent4">
+                      <a:shade val="20000"/>
+                      <a:satMod val="245000"/>
+                    </a:schemeClr>
+                  </a:gs>
+                  <a:gs pos="43000">
+                    <a:schemeClr val="accent4">
+                      <a:satMod val="255000"/>
+                    </a:schemeClr>
+                  </a:gs>
+                  <a:gs pos="48000">
+                    <a:schemeClr val="accent4">
+                      <a:shade val="85000"/>
+                      <a:satMod val="255000"/>
+                    </a:schemeClr>
+                  </a:gs>
+                  <a:gs pos="100000">
+                    <a:schemeClr val="accent4">
+                      <a:shade val="20000"/>
+                      <a:satMod val="245000"/>
+                    </a:schemeClr>
+                  </a:gs>
+                </a:gsLst>
+                <a:lin ang="5400000"/>
+              </a:gradFill>
+              <a:effectLst>
+                <a:reflection blurRad="12700" stA="28000" endPos="45000" dist="1000" dir="5400000" sy="-100000" algn="bl" rotWithShape="0"/>
+              </a:effectLst>
+            </a:endParaRPr>
+          </a:p>
+        </p:txBody>
+      </p:sp>
+      <p:sp>
+        <p:nvSpPr>
+          <p:cNvPr id="10" name="Footer Placeholder 9"/>
+          <p:cNvSpPr>
+            <a:spLocks noGrp="1"/>
+          </p:cNvSpPr>
+          <p:nvPr>
+            <p:ph type="ftr" sz="quarter" idx="11"/>
+          </p:nvPr>
+        </p:nvSpPr>
+        <p:spPr/>
+        <p:txBody>
+          <a:bodyPr/>
+          <a:lstStyle/>
+          <a:p>
+            <a:r>
+              <a:rPr lang="en-US" smtClean="0"/>
+              <a:t>www.hcmus.edu.vn</a:t>
+            </a:r>
+            <a:endParaRPr lang="en-US"/>
+          </a:p>
+        </p:txBody>
+      </p:sp>
+      <p:sp>
+        <p:nvSpPr>
+          <p:cNvPr id="12" name="Slide Number Placeholder 11"/>
+          <p:cNvSpPr>
+            <a:spLocks noGrp="1"/>
+          </p:cNvSpPr>
+          <p:nvPr>
+            <p:ph type="sldNum" sz="quarter" idx="12"/>
+          </p:nvPr>
+        </p:nvSpPr>
+        <p:spPr>
+          <a:xfrm>
+            <a:off x="3429000" y="6477000"/>
+            <a:ext cx="2133600" cy="381000"/>
+          </a:xfrm>
+        </p:spPr>
+        <p:txBody>
+          <a:bodyPr/>
+          <a:lstStyle/>
+          <a:p>
+            <a:fld id="{B6F15528-21DE-4FAA-801E-634DDDAF4B2B}" type="slidenum">
+              <a:rPr lang="en-US" sz="2000" smtClean="0"/>
+              <a:pPr/>
+              <a:t>3</a:t>
+            </a:fld>
+            <a:endParaRPr lang="en-US" sz="2000"/>
+          </a:p>
+        </p:txBody>
+      </p:sp>
+    </p:spTree>
+    <p:extLst>
+      <p:ext uri="{BB962C8B-B14F-4D97-AF65-F5344CB8AC3E}">
+        <p14:creationId xmlns:p14="http://schemas.microsoft.com/office/powerpoint/2010/main" val="786968102"/>
+      </p:ext>
+    </p:extLst>
+  </p:cSld>
+  <p:clrMapOvr>
+    <a:masterClrMapping/>
+  </p:clrMapOvr>
+  <p:timing>
+    <p:tnLst>
+      <p:par>
+        <p:cTn id="1" dur="indefinite" restart="never" nodeType="tmRoot"/>
+      </p:par>
+    </p:tnLst>
+  </p:timing>
+</p:sld>
+</file>
+
+<file path=ppt/slides/slide30.xml><?xml version="1.0" encoding="utf-8"?>
 <p:sld xmlns:a="http://schemas.openxmlformats.org/drawingml/2006/main" xmlns:r="http://schemas.openxmlformats.org/officeDocument/2006/relationships" xmlns:p="http://schemas.openxmlformats.org/presentationml/2006/main">
   <p:cSld>
     <p:spTree>
@@ -17935,7 +22317,7 @@
             <a:fld id="{B6F15528-21DE-4FAA-801E-634DDDAF4B2B}" type="slidenum">
               <a:rPr lang="en-US" sz="2000" smtClean="0"/>
               <a:pPr/>
-              <a:t>26</a:t>
+              <a:t>30</a:t>
             </a:fld>
             <a:endParaRPr lang="en-US" sz="2000"/>
           </a:p>
@@ -18003,7 +22385,7 @@
 </p:sld>
 </file>
 
-<file path=ppt/slides/slide27.xml><?xml version="1.0" encoding="utf-8"?>
+<file path=ppt/slides/slide31.xml><?xml version="1.0" encoding="utf-8"?>
 <p:sld xmlns:a="http://schemas.openxmlformats.org/drawingml/2006/main" xmlns:r="http://schemas.openxmlformats.org/officeDocument/2006/relationships" xmlns:p="http://schemas.openxmlformats.org/presentationml/2006/main">
   <p:cSld>
     <p:spTree>
@@ -18735,408 +23117,6 @@
 </p:sld>
 </file>
 
-<file path=ppt/slides/slide3.xml><?xml version="1.0" encoding="utf-8"?>
-<p:sld xmlns:a="http://schemas.openxmlformats.org/drawingml/2006/main" xmlns:r="http://schemas.openxmlformats.org/officeDocument/2006/relationships" xmlns:p="http://schemas.openxmlformats.org/presentationml/2006/main">
-  <p:cSld>
-    <p:spTree>
-      <p:nvGrpSpPr>
-        <p:cNvPr id="1" name=""/>
-        <p:cNvGrpSpPr/>
-        <p:nvPr/>
-      </p:nvGrpSpPr>
-      <p:grpSpPr>
-        <a:xfrm>
-          <a:off x="0" y="0"/>
-          <a:ext cx="0" cy="0"/>
-          <a:chOff x="0" y="0"/>
-          <a:chExt cx="0" cy="0"/>
-        </a:xfrm>
-      </p:grpSpPr>
-      <p:sp>
-        <p:nvSpPr>
-          <p:cNvPr id="4" name="Content Placeholder 3"/>
-          <p:cNvSpPr>
-            <a:spLocks noGrp="1"/>
-          </p:cNvSpPr>
-          <p:nvPr>
-            <p:ph idx="1"/>
-          </p:nvPr>
-        </p:nvSpPr>
-        <p:spPr>
-          <a:xfrm>
-            <a:off x="457200" y="2057399"/>
-            <a:ext cx="8229600" cy="4115117"/>
-          </a:xfrm>
-        </p:spPr>
-        <p:txBody>
-          <a:bodyPr/>
-          <a:lstStyle/>
-          <a:p>
-            <a:pPr lvl="0">
-              <a:buClr>
-                <a:srgbClr val="000000"/>
-              </a:buClr>
-              <a:buFont typeface="Wingdings" pitchFamily="2" charset="2"/>
-              <a:buChar char="q"/>
-            </a:pPr>
-            <a:r>
-              <a:rPr lang="en-US" b="0">
-                <a:solidFill>
-                  <a:schemeClr val="tx1">
-                    <a:lumMod val="50000"/>
-                  </a:schemeClr>
-                </a:solidFill>
-              </a:rPr>
-              <a:t>JNI là </a:t>
-            </a:r>
-            <a:r>
-              <a:rPr lang="en-US" b="0" smtClean="0">
-                <a:solidFill>
-                  <a:schemeClr val="tx1">
-                    <a:lumMod val="50000"/>
-                  </a:schemeClr>
-                </a:solidFill>
-              </a:rPr>
-              <a:t>gì?</a:t>
-            </a:r>
-            <a:endParaRPr lang="en-US" b="0">
-              <a:solidFill>
-                <a:schemeClr val="tx1">
-                  <a:lumMod val="50000"/>
-                </a:schemeClr>
-              </a:solidFill>
-            </a:endParaRPr>
-          </a:p>
-          <a:p>
-            <a:pPr lvl="0">
-              <a:buClr>
-                <a:srgbClr val="000000"/>
-              </a:buClr>
-              <a:buFont typeface="Wingdings" pitchFamily="2" charset="2"/>
-              <a:buChar char="q"/>
-            </a:pPr>
-            <a:r>
-              <a:rPr lang="en-US" b="0">
-                <a:solidFill>
-                  <a:schemeClr val="tx1">
-                    <a:lumMod val="50000"/>
-                  </a:schemeClr>
-                </a:solidFill>
-              </a:rPr>
-              <a:t>Mục đích của việc dùng </a:t>
-            </a:r>
-            <a:r>
-              <a:rPr lang="en-US" b="0" smtClean="0">
-                <a:solidFill>
-                  <a:schemeClr val="tx1">
-                    <a:lumMod val="50000"/>
-                  </a:schemeClr>
-                </a:solidFill>
-              </a:rPr>
-              <a:t>JNI</a:t>
-            </a:r>
-            <a:endParaRPr lang="en-US" b="0">
-              <a:solidFill>
-                <a:schemeClr val="tx1">
-                  <a:lumMod val="50000"/>
-                </a:schemeClr>
-              </a:solidFill>
-            </a:endParaRPr>
-          </a:p>
-          <a:p>
-            <a:pPr lvl="0">
-              <a:buClr>
-                <a:srgbClr val="000000"/>
-              </a:buClr>
-              <a:buFont typeface="Wingdings" pitchFamily="2" charset="2"/>
-              <a:buChar char="q"/>
-            </a:pPr>
-            <a:r>
-              <a:rPr lang="en-US" b="0" smtClean="0">
-                <a:solidFill>
-                  <a:schemeClr val="tx1">
-                    <a:lumMod val="50000"/>
-                  </a:schemeClr>
-                </a:solidFill>
-              </a:rPr>
-              <a:t>Cơ </a:t>
-            </a:r>
-            <a:r>
-              <a:rPr lang="en-US" b="0">
-                <a:solidFill>
-                  <a:schemeClr val="tx1">
-                    <a:lumMod val="50000"/>
-                  </a:schemeClr>
-                </a:solidFill>
-              </a:rPr>
-              <a:t>chế làm việc trong </a:t>
-            </a:r>
-            <a:r>
-              <a:rPr lang="en-US" b="0" smtClean="0">
-                <a:solidFill>
-                  <a:schemeClr val="tx1">
-                    <a:lumMod val="50000"/>
-                  </a:schemeClr>
-                </a:solidFill>
-              </a:rPr>
-              <a:t>JNI</a:t>
-            </a:r>
-          </a:p>
-          <a:p>
-            <a:pPr>
-              <a:buClr>
-                <a:srgbClr val="000000"/>
-              </a:buClr>
-              <a:buFont typeface="Wingdings" pitchFamily="2" charset="2"/>
-              <a:buChar char="q"/>
-            </a:pPr>
-            <a:r>
-              <a:rPr lang="en-US" b="0">
-                <a:solidFill>
-                  <a:schemeClr val="tx1">
-                    <a:lumMod val="50000"/>
-                  </a:schemeClr>
-                </a:solidFill>
-              </a:rPr>
-              <a:t>Khó khăn khi làm việc với </a:t>
-            </a:r>
-            <a:r>
-              <a:rPr lang="en-US" b="0" smtClean="0">
-                <a:solidFill>
-                  <a:schemeClr val="tx1">
-                    <a:lumMod val="50000"/>
-                  </a:schemeClr>
-                </a:solidFill>
-              </a:rPr>
-              <a:t>JNI</a:t>
-            </a:r>
-            <a:endParaRPr lang="en-US" b="0">
-              <a:solidFill>
-                <a:schemeClr val="tx1">
-                  <a:lumMod val="50000"/>
-                </a:schemeClr>
-              </a:solidFill>
-            </a:endParaRPr>
-          </a:p>
-          <a:p>
-            <a:pPr lvl="0">
-              <a:buClr>
-                <a:srgbClr val="000000"/>
-              </a:buClr>
-              <a:buFont typeface="Wingdings" pitchFamily="2" charset="2"/>
-              <a:buChar char="q"/>
-            </a:pPr>
-            <a:endParaRPr lang="en-US" b="0">
-              <a:solidFill>
-                <a:schemeClr val="tx1">
-                  <a:lumMod val="50000"/>
-                </a:schemeClr>
-              </a:solidFill>
-            </a:endParaRPr>
-          </a:p>
-          <a:p>
-            <a:pPr>
-              <a:buClr>
-                <a:srgbClr val="000000"/>
-              </a:buClr>
-              <a:buFont typeface="Wingdings" pitchFamily="2" charset="2"/>
-              <a:buChar char="q"/>
-            </a:pPr>
-            <a:endParaRPr lang="en-US" b="0">
-              <a:solidFill>
-                <a:schemeClr val="tx1">
-                  <a:lumMod val="50000"/>
-                </a:schemeClr>
-              </a:solidFill>
-            </a:endParaRPr>
-          </a:p>
-        </p:txBody>
-      </p:sp>
-      <p:sp>
-        <p:nvSpPr>
-          <p:cNvPr id="8" name="Title 1"/>
-          <p:cNvSpPr>
-            <a:spLocks noGrp="1"/>
-          </p:cNvSpPr>
-          <p:nvPr>
-            <p:ph type="title"/>
-          </p:nvPr>
-        </p:nvSpPr>
-        <p:spPr>
-          <a:xfrm>
-            <a:off x="228600" y="579437"/>
-            <a:ext cx="8915400" cy="563563"/>
-          </a:xfrm>
-        </p:spPr>
-        <p:txBody>
-          <a:bodyPr>
-            <a:normAutofit fontScale="90000"/>
-          </a:bodyPr>
-          <a:lstStyle/>
-          <a:p>
-            <a:pPr algn="l"/>
-            <a:r>
-              <a:rPr lang="en-US" cap="all" smtClean="0">
-                <a:ln w="9000" cmpd="sng">
-                  <a:solidFill>
-                    <a:schemeClr val="accent4">
-                      <a:shade val="50000"/>
-                      <a:satMod val="120000"/>
-                    </a:schemeClr>
-                  </a:solidFill>
-                  <a:prstDash val="solid"/>
-                </a:ln>
-                <a:gradFill>
-                  <a:gsLst>
-                    <a:gs pos="0">
-                      <a:schemeClr val="accent4">
-                        <a:shade val="20000"/>
-                        <a:satMod val="245000"/>
-                      </a:schemeClr>
-                    </a:gs>
-                    <a:gs pos="43000">
-                      <a:schemeClr val="accent4">
-                        <a:satMod val="255000"/>
-                      </a:schemeClr>
-                    </a:gs>
-                    <a:gs pos="48000">
-                      <a:schemeClr val="accent4">
-                        <a:shade val="85000"/>
-                        <a:satMod val="255000"/>
-                      </a:schemeClr>
-                    </a:gs>
-                    <a:gs pos="100000">
-                      <a:schemeClr val="accent4">
-                        <a:shade val="20000"/>
-                        <a:satMod val="245000"/>
-                      </a:schemeClr>
-                    </a:gs>
-                  </a:gsLst>
-                  <a:lin ang="5400000"/>
-                </a:gradFill>
-                <a:effectLst>
-                  <a:reflection blurRad="12700" stA="28000" endPos="45000" dist="1000" dir="5400000" sy="-100000" algn="bl" rotWithShape="0"/>
-                </a:effectLst>
-              </a:rPr>
-              <a:t>1 Tổng quan JNI</a:t>
-            </a:r>
-            <a:endParaRPr lang="en-US" cap="all">
-              <a:ln w="9000" cmpd="sng">
-                <a:solidFill>
-                  <a:schemeClr val="accent4">
-                    <a:shade val="50000"/>
-                    <a:satMod val="120000"/>
-                  </a:schemeClr>
-                </a:solidFill>
-                <a:prstDash val="solid"/>
-              </a:ln>
-              <a:gradFill>
-                <a:gsLst>
-                  <a:gs pos="0">
-                    <a:schemeClr val="accent4">
-                      <a:shade val="20000"/>
-                      <a:satMod val="245000"/>
-                    </a:schemeClr>
-                  </a:gs>
-                  <a:gs pos="43000">
-                    <a:schemeClr val="accent4">
-                      <a:satMod val="255000"/>
-                    </a:schemeClr>
-                  </a:gs>
-                  <a:gs pos="48000">
-                    <a:schemeClr val="accent4">
-                      <a:shade val="85000"/>
-                      <a:satMod val="255000"/>
-                    </a:schemeClr>
-                  </a:gs>
-                  <a:gs pos="100000">
-                    <a:schemeClr val="accent4">
-                      <a:shade val="20000"/>
-                      <a:satMod val="245000"/>
-                    </a:schemeClr>
-                  </a:gs>
-                </a:gsLst>
-                <a:lin ang="5400000"/>
-              </a:gradFill>
-              <a:effectLst>
-                <a:reflection blurRad="12700" stA="28000" endPos="45000" dist="1000" dir="5400000" sy="-100000" algn="bl" rotWithShape="0"/>
-              </a:effectLst>
-            </a:endParaRPr>
-          </a:p>
-        </p:txBody>
-      </p:sp>
-      <p:sp>
-        <p:nvSpPr>
-          <p:cNvPr id="10" name="Footer Placeholder 9"/>
-          <p:cNvSpPr>
-            <a:spLocks noGrp="1"/>
-          </p:cNvSpPr>
-          <p:nvPr>
-            <p:ph type="ftr" sz="quarter" idx="11"/>
-          </p:nvPr>
-        </p:nvSpPr>
-        <p:spPr/>
-        <p:txBody>
-          <a:bodyPr/>
-          <a:lstStyle/>
-          <a:p>
-            <a:r>
-              <a:rPr lang="en-US" smtClean="0"/>
-              <a:t>www.hcmus.edu.vn</a:t>
-            </a:r>
-            <a:endParaRPr lang="en-US"/>
-          </a:p>
-        </p:txBody>
-      </p:sp>
-      <p:sp>
-        <p:nvSpPr>
-          <p:cNvPr id="12" name="Slide Number Placeholder 11"/>
-          <p:cNvSpPr>
-            <a:spLocks noGrp="1"/>
-          </p:cNvSpPr>
-          <p:nvPr>
-            <p:ph type="sldNum" sz="quarter" idx="12"/>
-          </p:nvPr>
-        </p:nvSpPr>
-        <p:spPr>
-          <a:xfrm>
-            <a:off x="3429000" y="6477000"/>
-            <a:ext cx="2133600" cy="381000"/>
-          </a:xfrm>
-        </p:spPr>
-        <p:txBody>
-          <a:bodyPr/>
-          <a:lstStyle/>
-          <a:p>
-            <a:fld id="{B6F15528-21DE-4FAA-801E-634DDDAF4B2B}" type="slidenum">
-              <a:rPr lang="en-US" sz="2000" smtClean="0"/>
-              <a:pPr/>
-              <a:t>3</a:t>
-            </a:fld>
-            <a:endParaRPr lang="en-US" sz="2000"/>
-          </a:p>
-        </p:txBody>
-      </p:sp>
-    </p:spTree>
-    <p:extLst>
-      <p:ext uri="{BB962C8B-B14F-4D97-AF65-F5344CB8AC3E}">
-        <p14:creationId xmlns:p14="http://schemas.microsoft.com/office/powerpoint/2010/main" val="786968102"/>
-      </p:ext>
-    </p:extLst>
-  </p:cSld>
-  <p:clrMapOvr>
-    <a:masterClrMapping/>
-  </p:clrMapOvr>
-  <p:timing>
-    <p:tnLst>
-      <p:par>
-        <p:cTn id="1" dur="indefinite" restart="never" nodeType="tmRoot"/>
-      </p:par>
-    </p:tnLst>
-  </p:timing>
-</p:sld>
-</file>
-
 <file path=ppt/slides/slide4.xml><?xml version="1.0" encoding="utf-8"?>
 <p:sld xmlns:a="http://schemas.openxmlformats.org/drawingml/2006/main" xmlns:r="http://schemas.openxmlformats.org/officeDocument/2006/relationships" xmlns:p="http://schemas.openxmlformats.org/presentationml/2006/main">
   <p:cSld>
@@ -20355,7 +24335,11 @@
           <a:bodyPr/>
           <a:lstStyle/>
           <a:p>
-            <a:pPr lvl="0" algn="just"/>
+            <a:pPr lvl="0" algn="just">
+              <a:buClrTx/>
+              <a:buFont typeface="Wingdings" pitchFamily="2" charset="2"/>
+              <a:buChar char="q"/>
+            </a:pPr>
             <a:r>
               <a:rPr lang="en-US" b="0" smtClean="0">
                 <a:solidFill>
@@ -20366,7 +24350,11 @@
             </a:r>
           </a:p>
           <a:p>
-            <a:pPr lvl="0" algn="just"/>
+            <a:pPr lvl="0" algn="just">
+              <a:buClrTx/>
+              <a:buFont typeface="Wingdings" pitchFamily="2" charset="2"/>
+              <a:buChar char="q"/>
+            </a:pPr>
             <a:r>
               <a:rPr lang="en-US" b="0" smtClean="0">
                 <a:solidFill>
@@ -20377,7 +24365,11 @@
             </a:r>
           </a:p>
           <a:p>
-            <a:pPr lvl="0" algn="just"/>
+            <a:pPr lvl="0" algn="just">
+              <a:buClrTx/>
+              <a:buFont typeface="Wingdings" pitchFamily="2" charset="2"/>
+              <a:buChar char="q"/>
+            </a:pPr>
             <a:r>
               <a:rPr lang="en-US" b="0" smtClean="0">
                 <a:solidFill>
@@ -20388,7 +24380,11 @@
             </a:r>
           </a:p>
           <a:p>
-            <a:pPr lvl="0" algn="just"/>
+            <a:pPr lvl="0" algn="just">
+              <a:buClrTx/>
+              <a:buFont typeface="Wingdings" pitchFamily="2" charset="2"/>
+              <a:buChar char="q"/>
+            </a:pPr>
             <a:r>
               <a:rPr lang="en-US" b="0" smtClean="0">
                 <a:solidFill>
@@ -20399,7 +24395,11 @@
             </a:r>
           </a:p>
           <a:p>
-            <a:pPr lvl="0" algn="just"/>
+            <a:pPr lvl="0" algn="just">
+              <a:buClrTx/>
+              <a:buFont typeface="Wingdings" pitchFamily="2" charset="2"/>
+              <a:buChar char="q"/>
+            </a:pPr>
             <a:r>
               <a:rPr lang="en-US" b="0" smtClean="0">
                 <a:solidFill>
@@ -20410,7 +24410,11 @@
             </a:r>
           </a:p>
           <a:p>
-            <a:pPr algn="just"/>
+            <a:pPr algn="just">
+              <a:buClrTx/>
+              <a:buFont typeface="Wingdings" pitchFamily="2" charset="2"/>
+              <a:buChar char="q"/>
+            </a:pPr>
             <a:r>
               <a:rPr lang="en-US" b="0" smtClean="0">
                 <a:solidFill>
@@ -20421,7 +24425,11 @@
             </a:r>
           </a:p>
           <a:p>
-            <a:pPr algn="just"/>
+            <a:pPr algn="just">
+              <a:buClrTx/>
+              <a:buFont typeface="Wingdings" pitchFamily="2" charset="2"/>
+              <a:buChar char="q"/>
+            </a:pPr>
             <a:endParaRPr lang="en-US" b="0">
               <a:solidFill>
                 <a:srgbClr val="000000"/>
@@ -20735,7 +24743,16 @@
           <a:bodyPr/>
           <a:lstStyle/>
           <a:p>
-            <a:endParaRPr lang="en-US"/>
+            <a:pPr>
+              <a:buClrTx/>
+              <a:buFont typeface="Wingdings" pitchFamily="2" charset="2"/>
+              <a:buChar char="q"/>
+            </a:pPr>
+            <a:endParaRPr lang="en-US">
+              <a:solidFill>
+                <a:srgbClr val="000000"/>
+              </a:solidFill>
+            </a:endParaRPr>
           </a:p>
         </p:txBody>
       </p:sp>

--- a/trunk/Seminar_JNI/Slide_00.pptx
+++ b/trunk/Seminar_JNI/Slide_00.pptx
@@ -5,10 +5,10 @@
     <p:sldMasterId id="2147484495" r:id="rId1"/>
   </p:sldMasterIdLst>
   <p:notesMasterIdLst>
-    <p:notesMasterId r:id="rId33"/>
+    <p:notesMasterId r:id="rId32"/>
   </p:notesMasterIdLst>
   <p:handoutMasterIdLst>
-    <p:handoutMasterId r:id="rId34"/>
+    <p:handoutMasterId r:id="rId33"/>
   </p:handoutMasterIdLst>
   <p:sldIdLst>
     <p:sldId id="256" r:id="rId2"/>
@@ -27,21 +27,20 @@
     <p:sldId id="296" r:id="rId15"/>
     <p:sldId id="274" r:id="rId16"/>
     <p:sldId id="284" r:id="rId17"/>
-    <p:sldId id="285" r:id="rId18"/>
-    <p:sldId id="287" r:id="rId19"/>
-    <p:sldId id="286" r:id="rId20"/>
-    <p:sldId id="288" r:id="rId21"/>
-    <p:sldId id="289" r:id="rId22"/>
-    <p:sldId id="290" r:id="rId23"/>
-    <p:sldId id="291" r:id="rId24"/>
-    <p:sldId id="292" r:id="rId25"/>
-    <p:sldId id="276" r:id="rId26"/>
-    <p:sldId id="279" r:id="rId27"/>
-    <p:sldId id="277" r:id="rId28"/>
-    <p:sldId id="283" r:id="rId29"/>
-    <p:sldId id="282" r:id="rId30"/>
-    <p:sldId id="280" r:id="rId31"/>
-    <p:sldId id="281" r:id="rId32"/>
+    <p:sldId id="287" r:id="rId18"/>
+    <p:sldId id="286" r:id="rId19"/>
+    <p:sldId id="288" r:id="rId20"/>
+    <p:sldId id="289" r:id="rId21"/>
+    <p:sldId id="290" r:id="rId22"/>
+    <p:sldId id="291" r:id="rId23"/>
+    <p:sldId id="292" r:id="rId24"/>
+    <p:sldId id="276" r:id="rId25"/>
+    <p:sldId id="279" r:id="rId26"/>
+    <p:sldId id="277" r:id="rId27"/>
+    <p:sldId id="283" r:id="rId28"/>
+    <p:sldId id="282" r:id="rId29"/>
+    <p:sldId id="280" r:id="rId30"/>
+    <p:sldId id="281" r:id="rId31"/>
   </p:sldIdLst>
   <p:sldSz cx="9144000" cy="6858000" type="screen4x3"/>
   <p:notesSz cx="6858000" cy="9144000"/>
@@ -3914,6 +3913,77 @@
           <a:bodyPr/>
           <a:lstStyle/>
           <a:p>
+            <a:pPr lvl="1"/>
+            <a:r>
+              <a:rPr lang="en-US" sz="1200" b="1" kern="1200" smtClean="0">
+                <a:solidFill>
+                  <a:schemeClr val="tx1"/>
+                </a:solidFill>
+                <a:effectLst/>
+                <a:latin typeface="+mn-lt"/>
+                <a:ea typeface="+mn-ea"/>
+                <a:cs typeface="+mn-cs"/>
+              </a:rPr>
+              <a:t>Field Descriptors</a:t>
+            </a:r>
+          </a:p>
+          <a:p>
+            <a:r>
+              <a:rPr lang="en-US" sz="1200" kern="1200" smtClean="0">
+                <a:solidFill>
+                  <a:schemeClr val="tx1"/>
+                </a:solidFill>
+                <a:effectLst/>
+                <a:latin typeface="+mn-lt"/>
+                <a:ea typeface="+mn-ea"/>
+                <a:cs typeface="+mn-cs"/>
+              </a:rPr>
+              <a:t>Là một chuỗi dùng để biểu diễn kiểu dữ liệu của field.</a:t>
+            </a:r>
+          </a:p>
+          <a:p>
+            <a:r>
+              <a:rPr lang="en-US" sz="1200" kern="1200" smtClean="0">
+                <a:solidFill>
+                  <a:schemeClr val="tx1"/>
+                </a:solidFill>
+                <a:effectLst/>
+                <a:latin typeface="+mn-lt"/>
+                <a:ea typeface="+mn-ea"/>
+                <a:cs typeface="+mn-cs"/>
+              </a:rPr>
+              <a:t>Với các kiểu cơ bản mô tả sẽ đơn giản hơn như: int có chuỗi mô tả là “I”, float có “F”, double có “D”, boolean có “Z”.</a:t>
+            </a:r>
+          </a:p>
+          <a:p>
+            <a:r>
+              <a:rPr lang="en-US" sz="1200" kern="1200" smtClean="0">
+                <a:solidFill>
+                  <a:schemeClr val="tx1"/>
+                </a:solidFill>
+                <a:effectLst/>
+                <a:latin typeface="+mn-lt"/>
+                <a:ea typeface="+mn-ea"/>
+                <a:cs typeface="+mn-cs"/>
+              </a:rPr>
+              <a:t>Với các kiểu dữ liệu khác thì mô tả theo package name của nó. Chẳng hạn như kiểu String có thuộc package: java.lang.String thì chuỗi mô tả tương ứng là “Ljava/lang/String;”.</a:t>
+            </a:r>
+          </a:p>
+          <a:p>
+            <a:r>
+              <a:rPr lang="en-US" sz="1200" kern="1200" smtClean="0">
+                <a:solidFill>
+                  <a:schemeClr val="tx1"/>
+                </a:solidFill>
+                <a:effectLst/>
+                <a:latin typeface="+mn-lt"/>
+                <a:ea typeface="+mn-ea"/>
+                <a:cs typeface="+mn-cs"/>
+              </a:rPr>
+              <a:t>Có một cách khác để biết chuỗi mô tả của các filed trong lớp java là dùng tool javap đi kèm trong JDK với tham số -s -p TenClass</a:t>
+            </a:r>
+          </a:p>
+          <a:p>
             <a:endParaRPr lang="en-US"/>
           </a:p>
         </p:txBody>
@@ -3975,9 +4045,8 @@
           <a:bodyPr/>
           <a:lstStyle/>
           <a:p>
-            <a:pPr lvl="1"/>
-            <a:r>
-              <a:rPr lang="en-US" sz="1200" b="1" kern="1200" smtClean="0">
+            <a:r>
+              <a:rPr lang="en-US" sz="1200" kern="1200" smtClean="0">
                 <a:solidFill>
                   <a:schemeClr val="tx1"/>
                 </a:solidFill>
@@ -3986,64 +4055,11 @@
                 <a:ea typeface="+mn-ea"/>
                 <a:cs typeface="+mn-cs"/>
               </a:rPr>
-              <a:t>Field Descriptors</a:t>
-            </a:r>
-          </a:p>
-          <a:p>
-            <a:r>
-              <a:rPr lang="en-US" sz="1200" kern="1200" smtClean="0">
-                <a:solidFill>
-                  <a:schemeClr val="tx1"/>
-                </a:solidFill>
-                <a:effectLst/>
-                <a:latin typeface="+mn-lt"/>
-                <a:ea typeface="+mn-ea"/>
-                <a:cs typeface="+mn-cs"/>
-              </a:rPr>
-              <a:t>Là một chuỗi dùng để biểu diễn kiểu dữ liệu của field.</a:t>
-            </a:r>
-          </a:p>
-          <a:p>
-            <a:r>
-              <a:rPr lang="en-US" sz="1200" kern="1200" smtClean="0">
-                <a:solidFill>
-                  <a:schemeClr val="tx1"/>
-                </a:solidFill>
-                <a:effectLst/>
-                <a:latin typeface="+mn-lt"/>
-                <a:ea typeface="+mn-ea"/>
-                <a:cs typeface="+mn-cs"/>
-              </a:rPr>
-              <a:t>Với các kiểu cơ bản mô tả sẽ đơn giản hơn như: int có chuỗi mô tả là “I”, float có “F”, double có “D”, boolean có “Z”.</a:t>
-            </a:r>
-          </a:p>
-          <a:p>
-            <a:r>
-              <a:rPr lang="en-US" sz="1200" kern="1200" smtClean="0">
-                <a:solidFill>
-                  <a:schemeClr val="tx1"/>
-                </a:solidFill>
-                <a:effectLst/>
-                <a:latin typeface="+mn-lt"/>
-                <a:ea typeface="+mn-ea"/>
-                <a:cs typeface="+mn-cs"/>
-              </a:rPr>
-              <a:t>Với các kiểu dữ liệu khác thì mô tả theo package name của nó. Chẳng hạn như kiểu String có thuộc package: java.lang.String thì chuỗi mô tả tương ứng là “Ljava/lang/String;”.</a:t>
-            </a:r>
-          </a:p>
-          <a:p>
-            <a:r>
-              <a:rPr lang="en-US" sz="1200" kern="1200" smtClean="0">
-                <a:solidFill>
-                  <a:schemeClr val="tx1"/>
-                </a:solidFill>
-                <a:effectLst/>
-                <a:latin typeface="+mn-lt"/>
-                <a:ea typeface="+mn-ea"/>
-                <a:cs typeface="+mn-cs"/>
-              </a:rPr>
-              <a:t>Có một cách khác để biết chuỗi mô tả của các filed trong lớp java là dùng tool javap đi kèm trong JDK với tham số -s -p TenClass</a:t>
-            </a:r>
+              <a:t>Các tham số giống như phần truy xuất Field. Tuy nhiên phần sig sẽ là method descriptor.</a:t>
+            </a:r>
+          </a:p>
+          <a:p>
+            <a:endParaRPr lang="en-US" smtClean="0"/>
           </a:p>
           <a:p>
             <a:endParaRPr lang="en-US"/>
@@ -4185,24 +4201,49 @@
           <a:bodyPr/>
           <a:lstStyle/>
           <a:p>
-            <a:r>
-              <a:rPr lang="en-US" sz="1200" kern="1200" smtClean="0">
-                <a:solidFill>
-                  <a:schemeClr val="tx1"/>
-                </a:solidFill>
-                <a:effectLst/>
-                <a:latin typeface="+mn-lt"/>
-                <a:ea typeface="+mn-ea"/>
-                <a:cs typeface="+mn-cs"/>
-              </a:rPr>
-              <a:t>Các tham số giống như phần truy xuất Field. Tuy nhiên phần sig sẽ là method descriptor.</a:t>
-            </a:r>
-          </a:p>
-          <a:p>
-            <a:endParaRPr lang="en-US" smtClean="0"/>
-          </a:p>
-          <a:p>
-            <a:endParaRPr lang="en-US"/>
+            <a:pPr marL="60325" lvl="1" indent="0">
+              <a:buClrTx/>
+              <a:buFont typeface="Wingdings" pitchFamily="2" charset="2"/>
+              <a:buNone/>
+            </a:pPr>
+            <a:r>
+              <a:rPr lang="en-US" b="1" smtClean="0">
+                <a:solidFill>
+                  <a:srgbClr val="000000"/>
+                </a:solidFill>
+              </a:rPr>
+              <a:t>Method descriptor </a:t>
+            </a:r>
+          </a:p>
+          <a:p>
+            <a:pPr marL="60325" lvl="1" indent="0">
+              <a:buClrTx/>
+              <a:buFont typeface="Wingdings" pitchFamily="2" charset="2"/>
+              <a:buNone/>
+            </a:pPr>
+            <a:r>
+              <a:rPr lang="en-US" b="0" smtClean="0">
+                <a:solidFill>
+                  <a:srgbClr val="000000"/>
+                </a:solidFill>
+              </a:rPr>
+              <a:t>Nội dụng của ? thì giống với Field descriptor. </a:t>
+            </a:r>
+          </a:p>
+          <a:p>
+            <a:pPr marL="60325" lvl="1" indent="0">
+              <a:buClrTx/>
+              <a:buFont typeface="Wingdings" pitchFamily="2" charset="2"/>
+              <a:buNone/>
+            </a:pPr>
+            <a:r>
+              <a:rPr lang="en-US" b="0" smtClean="0">
+                <a:solidFill>
+                  <a:srgbClr val="000000"/>
+                </a:solidFill>
+              </a:rPr>
+              <a:t>Lưu ý là void có ký hiệu là “V”. </a:t>
+            </a:r>
           </a:p>
         </p:txBody>
       </p:sp>
@@ -4268,44 +4309,11 @@
               <a:buFont typeface="Wingdings" pitchFamily="2" charset="2"/>
               <a:buNone/>
             </a:pPr>
-            <a:r>
-              <a:rPr lang="en-US" b="1" smtClean="0">
-                <a:solidFill>
-                  <a:srgbClr val="000000"/>
-                </a:solidFill>
-              </a:rPr>
-              <a:t>Method descriptor </a:t>
-            </a:r>
-          </a:p>
-          <a:p>
-            <a:pPr marL="60325" lvl="1" indent="0">
-              <a:buClrTx/>
-              <a:buFont typeface="Wingdings" pitchFamily="2" charset="2"/>
-              <a:buNone/>
-            </a:pPr>
-            <a:r>
-              <a:rPr lang="en-US" b="0" smtClean="0">
-                <a:solidFill>
-                  <a:srgbClr val="000000"/>
-                </a:solidFill>
-              </a:rPr>
-              <a:t>Nội dụng của ? thì giống với Field descriptor. </a:t>
-            </a:r>
-          </a:p>
-          <a:p>
-            <a:pPr marL="60325" lvl="1" indent="0">
-              <a:buClrTx/>
-              <a:buFont typeface="Wingdings" pitchFamily="2" charset="2"/>
-              <a:buNone/>
-            </a:pPr>
-            <a:r>
-              <a:rPr lang="en-US" b="0" smtClean="0">
-                <a:solidFill>
-                  <a:srgbClr val="000000"/>
-                </a:solidFill>
-              </a:rPr>
-              <a:t>Lưu ý là void có ký hiệu là “V”. </a:t>
-            </a:r>
+            <a:endParaRPr lang="en-US" b="0" smtClean="0">
+              <a:solidFill>
+                <a:srgbClr val="000000"/>
+              </a:solidFill>
+            </a:endParaRPr>
           </a:p>
         </p:txBody>
       </p:sp>
@@ -4366,15 +4374,26 @@
           <a:bodyPr/>
           <a:lstStyle/>
           <a:p>
-            <a:pPr marL="60325" lvl="1" indent="0">
-              <a:buClrTx/>
-              <a:buFont typeface="Wingdings" pitchFamily="2" charset="2"/>
-              <a:buNone/>
-            </a:pPr>
-            <a:endParaRPr lang="en-US" b="0" smtClean="0">
+            <a:r>
+              <a:rPr lang="en-US" sz="1200" kern="1200" smtClean="0">
+                <a:solidFill>
+                  <a:schemeClr val="tx1"/>
+                </a:solidFill>
+                <a:effectLst/>
+                <a:latin typeface="+mn-lt"/>
+                <a:ea typeface="+mn-ea"/>
+                <a:cs typeface="+mn-cs"/>
+              </a:rPr>
+              <a:t>Việc gọi hàm này tương đương với lời gọi super.f() trong java.</a:t>
+            </a:r>
+            <a:endParaRPr lang="en-US" sz="1200" kern="1200">
               <a:solidFill>
-                <a:srgbClr val="000000"/>
+                <a:schemeClr val="tx1"/>
               </a:solidFill>
+              <a:effectLst/>
+              <a:latin typeface="+mn-lt"/>
+              <a:ea typeface="+mn-ea"/>
+              <a:cs typeface="+mn-cs"/>
             </a:endParaRPr>
           </a:p>
         </p:txBody>
@@ -4436,26 +4455,38 @@
           <a:bodyPr/>
           <a:lstStyle/>
           <a:p>
-            <a:r>
-              <a:rPr lang="en-US" sz="1200" kern="1200" smtClean="0">
-                <a:solidFill>
-                  <a:schemeClr val="tx1"/>
-                </a:solidFill>
-                <a:effectLst/>
-                <a:latin typeface="+mn-lt"/>
-                <a:ea typeface="+mn-ea"/>
-                <a:cs typeface="+mn-cs"/>
-              </a:rPr>
-              <a:t>Việc gọi hàm này tương đương với lời gọi super.f() trong java.</a:t>
-            </a:r>
-            <a:endParaRPr lang="en-US" sz="1200" kern="1200">
+            <a:pPr>
+              <a:buClrTx/>
+              <a:buFont typeface="Wingdings" pitchFamily="2" charset="2"/>
+              <a:buNone/>
+            </a:pPr>
+            <a:r>
+              <a:rPr lang="en-US" sz="1200" b="0" smtClean="0">
+                <a:solidFill>
+                  <a:srgbClr val="000000"/>
+                </a:solidFill>
+              </a:rPr>
+              <a:t>Cũng giống như gọi method bình thường ta cần có methodId, jclass…</a:t>
+            </a:r>
+          </a:p>
+          <a:p>
+            <a:pPr>
+              <a:buClrTx/>
+              <a:buFont typeface="Wingdings" pitchFamily="2" charset="2"/>
+              <a:buNone/>
+            </a:pPr>
+            <a:r>
+              <a:rPr lang="en-US" sz="1200" b="0" smtClean="0">
+                <a:solidFill>
+                  <a:srgbClr val="000000"/>
+                </a:solidFill>
+              </a:rPr>
+              <a:t>Để có được methodId có thể gọi hàm GetMethodID với name là “&lt;init&gt;” mà chuỗi mô tả method là tùy theo tham số đầu vào của hàm dựng (giá trị trả về luôn là “V” vì hàm dựng không trả về).</a:t>
+            </a:r>
+            <a:endParaRPr lang="en-US" sz="1200" b="0">
               <a:solidFill>
-                <a:schemeClr val="tx1"/>
+                <a:srgbClr val="000000"/>
               </a:solidFill>
-              <a:effectLst/>
-              <a:latin typeface="+mn-lt"/>
-              <a:ea typeface="+mn-ea"/>
-              <a:cs typeface="+mn-cs"/>
             </a:endParaRPr>
           </a:p>
         </p:txBody>
@@ -4517,39 +4548,19 @@
           <a:bodyPr/>
           <a:lstStyle/>
           <a:p>
-            <a:pPr>
-              <a:buClrTx/>
-              <a:buFont typeface="Wingdings" pitchFamily="2" charset="2"/>
-              <a:buNone/>
-            </a:pPr>
-            <a:r>
-              <a:rPr lang="en-US" sz="1200" b="0" smtClean="0">
-                <a:solidFill>
-                  <a:srgbClr val="000000"/>
-                </a:solidFill>
-              </a:rPr>
-              <a:t>Cũng giống như gọi method bình thường ta cần có methodId, jclass…</a:t>
-            </a:r>
-          </a:p>
-          <a:p>
-            <a:pPr>
-              <a:buClrTx/>
-              <a:buFont typeface="Wingdings" pitchFamily="2" charset="2"/>
-              <a:buNone/>
-            </a:pPr>
-            <a:r>
-              <a:rPr lang="en-US" sz="1200" b="0" smtClean="0">
-                <a:solidFill>
-                  <a:srgbClr val="000000"/>
-                </a:solidFill>
-              </a:rPr>
-              <a:t>Để có được methodId có thể gọi hàm GetMethodID với name là “&lt;init&gt;” mà chuỗi mô tả method là tùy theo tham số đầu vào của hàm dựng (giá trị trả về luôn là “V” vì hàm dựng không trả về).</a:t>
-            </a:r>
-            <a:endParaRPr lang="en-US" sz="1200" b="0">
-              <a:solidFill>
-                <a:srgbClr val="000000"/>
-              </a:solidFill>
-            </a:endParaRPr>
+            <a:r>
+              <a:rPr lang="en-US" sz="1200" kern="1200" smtClean="0">
+                <a:solidFill>
+                  <a:schemeClr val="tx1"/>
+                </a:solidFill>
+                <a:effectLst/>
+                <a:latin typeface="+mn-lt"/>
+                <a:ea typeface="+mn-ea"/>
+                <a:cs typeface="+mn-cs"/>
+              </a:rPr>
+              <a:t> Tham số của method có thể truyền vào phần sau hàm.</a:t>
+            </a:r>
+            <a:endParaRPr lang="en-US"/>
           </a:p>
         </p:txBody>
       </p:sp>
@@ -4648,9 +4659,9 @@
                 <a:ea typeface="+mn-ea"/>
                 <a:cs typeface="+mn-cs"/>
               </a:rPr>
-              <a:t>Host Environment : là những thiết lập và cài đặt trên máy chủ  để chạy ứng dụng</a:t>
-            </a:r>
-            <a:br>
+              <a:t>Host Environment : là những thiết lập và cài đặt trên máy chủ  để chạy ứng </a:t>
+            </a:r>
+            <a:r>
               <a:rPr lang="en-US" sz="1200" kern="1200" smtClean="0">
                 <a:solidFill>
                   <a:schemeClr val="tx1"/>
@@ -4660,9 +4671,10 @@
                 <a:ea typeface="+mn-ea"/>
                 <a:cs typeface="+mn-cs"/>
               </a:rPr>
-            </a:br>
-            <a:r>
-              <a:rPr lang="en-US" sz="1200" kern="1200" smtClean="0">
+              <a:t>dụng</a:t>
+            </a:r>
+            <a:r>
+              <a:rPr lang="en-US" sz="1200" kern="1200" baseline="0" smtClean="0">
                 <a:solidFill>
                   <a:schemeClr val="tx1"/>
                 </a:solidFill>
@@ -4671,7 +4683,31 @@
                 <a:ea typeface="+mn-ea"/>
                 <a:cs typeface="+mn-cs"/>
               </a:rPr>
-              <a:t>JNI.</a:t>
+              <a:t> </a:t>
+            </a:r>
+            <a:r>
+              <a:rPr lang="en-US" sz="1200" kern="1200" smtClean="0">
+                <a:solidFill>
+                  <a:schemeClr val="tx1"/>
+                </a:solidFill>
+                <a:effectLst/>
+                <a:latin typeface="+mn-lt"/>
+                <a:ea typeface="+mn-ea"/>
+                <a:cs typeface="+mn-cs"/>
+              </a:rPr>
+              <a:t>JNI</a:t>
+            </a:r>
+            <a:r>
+              <a:rPr lang="en-US" sz="1200" kern="1200" smtClean="0">
+                <a:solidFill>
+                  <a:schemeClr val="tx1"/>
+                </a:solidFill>
+                <a:effectLst/>
+                <a:latin typeface="+mn-lt"/>
+                <a:ea typeface="+mn-ea"/>
+                <a:cs typeface="+mn-cs"/>
+              </a:rPr>
+              <a:t>.</a:t>
             </a:r>
           </a:p>
           <a:p>
@@ -4763,18 +4799,6 @@
           <a:bodyPr/>
           <a:lstStyle/>
           <a:p>
-            <a:r>
-              <a:rPr lang="en-US" sz="1200" kern="1200" smtClean="0">
-                <a:solidFill>
-                  <a:schemeClr val="tx1"/>
-                </a:solidFill>
-                <a:effectLst/>
-                <a:latin typeface="+mn-lt"/>
-                <a:ea typeface="+mn-ea"/>
-                <a:cs typeface="+mn-cs"/>
-              </a:rPr>
-              <a:t> Tham số của method có thể truyền vào phần sau hàm.</a:t>
-            </a:r>
             <a:endParaRPr lang="en-US"/>
           </a:p>
         </p:txBody>
@@ -4897,6 +4921,156 @@
           <a:bodyPr/>
           <a:lstStyle/>
           <a:p>
+            <a:pPr lvl="0"/>
+            <a:r>
+              <a:rPr lang="en-US" sz="1200" b="1" kern="1200" smtClean="0">
+                <a:solidFill>
+                  <a:schemeClr val="tx1"/>
+                </a:solidFill>
+                <a:effectLst/>
+                <a:latin typeface="+mn-lt"/>
+                <a:ea typeface="+mn-ea"/>
+                <a:cs typeface="+mn-cs"/>
+              </a:rPr>
+              <a:t>JNA</a:t>
+            </a:r>
+            <a:r>
+              <a:rPr lang="en-US" sz="1200" kern="1200" smtClean="0">
+                <a:solidFill>
+                  <a:schemeClr val="tx1"/>
+                </a:solidFill>
+                <a:effectLst/>
+                <a:latin typeface="+mn-lt"/>
+                <a:ea typeface="+mn-ea"/>
+                <a:cs typeface="+mn-cs"/>
+              </a:rPr>
+              <a:t>: </a:t>
+            </a:r>
+            <a:r>
+              <a:rPr lang="en-US" sz="1200" kern="1200" smtClean="0">
+                <a:solidFill>
+                  <a:schemeClr val="tx1"/>
+                </a:solidFill>
+                <a:effectLst/>
+                <a:latin typeface="+mn-lt"/>
+                <a:ea typeface="+mn-ea"/>
+                <a:cs typeface="+mn-cs"/>
+              </a:rPr>
+              <a:t>JKhông </a:t>
+            </a:r>
+            <a:r>
+              <a:rPr lang="en-US" sz="1200" kern="1200" smtClean="0">
+                <a:solidFill>
+                  <a:schemeClr val="tx1"/>
+                </a:solidFill>
+                <a:effectLst/>
+                <a:latin typeface="+mn-lt"/>
+                <a:ea typeface="+mn-ea"/>
+                <a:cs typeface="+mn-cs"/>
+              </a:rPr>
+              <a:t>giống như JNI, nó không yêu cầu để tạo ra mã bằng cách sử dụng chức năng C. Để sử dụng chúng, chỉ đơn giản sử các tập tin có định nghĩa chúng và tuyên bố tiêu đề của các chức năng này trong một giao diện.</a:t>
+            </a:r>
+          </a:p>
+          <a:p>
+            <a:pPr lvl="0"/>
+            <a:r>
+              <a:rPr lang="en-US" sz="1200" b="1" kern="1200" smtClean="0">
+                <a:solidFill>
+                  <a:schemeClr val="tx1"/>
+                </a:solidFill>
+                <a:effectLst/>
+                <a:latin typeface="+mn-lt"/>
+                <a:ea typeface="+mn-ea"/>
+                <a:cs typeface="+mn-cs"/>
+              </a:rPr>
+              <a:t>JNA</a:t>
+            </a:r>
+            <a:r>
+              <a:rPr lang="en-US" sz="1200" kern="1200" smtClean="0">
+                <a:solidFill>
+                  <a:schemeClr val="tx1"/>
+                </a:solidFill>
+                <a:effectLst/>
+                <a:latin typeface="+mn-lt"/>
+                <a:ea typeface="+mn-ea"/>
+                <a:cs typeface="+mn-cs"/>
+              </a:rPr>
+              <a:t> </a:t>
+            </a:r>
+            <a:r>
+              <a:rPr lang="en-US" sz="1200" kern="1200" smtClean="0">
+                <a:solidFill>
+                  <a:schemeClr val="tx1"/>
+                </a:solidFill>
+                <a:effectLst/>
+                <a:latin typeface="+mn-lt"/>
+                <a:ea typeface="+mn-ea"/>
+                <a:cs typeface="+mn-cs"/>
+              </a:rPr>
+              <a:t>thiết kế nhằm mục đích để cung cấp các truy cập một cách tự nhiên, ít tốn công sức.</a:t>
+            </a:r>
+          </a:p>
+          <a:p>
+            <a:pPr lvl="0"/>
+            <a:r>
+              <a:rPr lang="en-US" sz="1200" kern="1200" smtClean="0">
+                <a:solidFill>
+                  <a:schemeClr val="tx1"/>
+                </a:solidFill>
+                <a:effectLst/>
+                <a:latin typeface="+mn-lt"/>
+                <a:ea typeface="+mn-ea"/>
+                <a:cs typeface="+mn-cs"/>
+              </a:rPr>
+              <a:t>Các thư viện yêu cầu sử dụng</a:t>
+            </a:r>
+          </a:p>
+          <a:p>
+            <a:pPr lvl="1"/>
+            <a:r>
+              <a:rPr lang="en-US" sz="1200" kern="1200" smtClean="0">
+                <a:solidFill>
+                  <a:schemeClr val="tx1"/>
+                </a:solidFill>
+                <a:effectLst/>
+                <a:latin typeface="+mn-lt"/>
+                <a:ea typeface="+mn-ea"/>
+                <a:cs typeface="+mn-cs"/>
+              </a:rPr>
+              <a:t>import com.sun.jna.Library;</a:t>
+            </a:r>
+          </a:p>
+          <a:p>
+            <a:pPr lvl="1"/>
+            <a:r>
+              <a:rPr lang="en-US" sz="1200" kern="1200" smtClean="0">
+                <a:solidFill>
+                  <a:schemeClr val="tx1"/>
+                </a:solidFill>
+                <a:effectLst/>
+                <a:latin typeface="+mn-lt"/>
+                <a:ea typeface="+mn-ea"/>
+                <a:cs typeface="+mn-cs"/>
+              </a:rPr>
+              <a:t>import com.sun.jna.Native;</a:t>
+            </a:r>
+          </a:p>
+          <a:p>
+            <a:pPr lvl="1"/>
+            <a:r>
+              <a:rPr lang="en-US" sz="1200" kern="1200" smtClean="0">
+                <a:solidFill>
+                  <a:schemeClr val="tx1"/>
+                </a:solidFill>
+                <a:effectLst/>
+                <a:latin typeface="+mn-lt"/>
+                <a:ea typeface="+mn-ea"/>
+                <a:cs typeface="+mn-cs"/>
+              </a:rPr>
+              <a:t>import com.sun.jna.Platform;</a:t>
+            </a:r>
+          </a:p>
+          <a:p>
             <a:endParaRPr lang="en-US"/>
           </a:p>
         </p:txBody>
@@ -4958,156 +5132,6 @@
           <a:bodyPr/>
           <a:lstStyle/>
           <a:p>
-            <a:pPr lvl="0"/>
-            <a:r>
-              <a:rPr lang="en-US" sz="1200" b="1" kern="1200" smtClean="0">
-                <a:solidFill>
-                  <a:schemeClr val="tx1"/>
-                </a:solidFill>
-                <a:effectLst/>
-                <a:latin typeface="+mn-lt"/>
-                <a:ea typeface="+mn-ea"/>
-                <a:cs typeface="+mn-cs"/>
-              </a:rPr>
-              <a:t>JNA</a:t>
-            </a:r>
-            <a:r>
-              <a:rPr lang="en-US" sz="1200" kern="1200" smtClean="0">
-                <a:solidFill>
-                  <a:schemeClr val="tx1"/>
-                </a:solidFill>
-                <a:effectLst/>
-                <a:latin typeface="+mn-lt"/>
-                <a:ea typeface="+mn-ea"/>
-                <a:cs typeface="+mn-cs"/>
-              </a:rPr>
-              <a:t>: </a:t>
-            </a:r>
-            <a:r>
-              <a:rPr lang="en-US" sz="1200" kern="1200" smtClean="0">
-                <a:solidFill>
-                  <a:schemeClr val="tx1"/>
-                </a:solidFill>
-                <a:effectLst/>
-                <a:latin typeface="+mn-lt"/>
-                <a:ea typeface="+mn-ea"/>
-                <a:cs typeface="+mn-cs"/>
-              </a:rPr>
-              <a:t>JKhông </a:t>
-            </a:r>
-            <a:r>
-              <a:rPr lang="en-US" sz="1200" kern="1200" smtClean="0">
-                <a:solidFill>
-                  <a:schemeClr val="tx1"/>
-                </a:solidFill>
-                <a:effectLst/>
-                <a:latin typeface="+mn-lt"/>
-                <a:ea typeface="+mn-ea"/>
-                <a:cs typeface="+mn-cs"/>
-              </a:rPr>
-              <a:t>giống như JNI, nó không yêu cầu để tạo ra mã bằng cách sử dụng chức năng C. Để sử dụng chúng, chỉ đơn giản sử các tập tin có định nghĩa chúng và tuyên bố tiêu đề của các chức năng này trong một giao diện.</a:t>
-            </a:r>
-          </a:p>
-          <a:p>
-            <a:pPr lvl="0"/>
-            <a:r>
-              <a:rPr lang="en-US" sz="1200" b="1" kern="1200" smtClean="0">
-                <a:solidFill>
-                  <a:schemeClr val="tx1"/>
-                </a:solidFill>
-                <a:effectLst/>
-                <a:latin typeface="+mn-lt"/>
-                <a:ea typeface="+mn-ea"/>
-                <a:cs typeface="+mn-cs"/>
-              </a:rPr>
-              <a:t>JNA</a:t>
-            </a:r>
-            <a:r>
-              <a:rPr lang="en-US" sz="1200" kern="1200" smtClean="0">
-                <a:solidFill>
-                  <a:schemeClr val="tx1"/>
-                </a:solidFill>
-                <a:effectLst/>
-                <a:latin typeface="+mn-lt"/>
-                <a:ea typeface="+mn-ea"/>
-                <a:cs typeface="+mn-cs"/>
-              </a:rPr>
-              <a:t> </a:t>
-            </a:r>
-            <a:r>
-              <a:rPr lang="en-US" sz="1200" kern="1200" smtClean="0">
-                <a:solidFill>
-                  <a:schemeClr val="tx1"/>
-                </a:solidFill>
-                <a:effectLst/>
-                <a:latin typeface="+mn-lt"/>
-                <a:ea typeface="+mn-ea"/>
-                <a:cs typeface="+mn-cs"/>
-              </a:rPr>
-              <a:t>thiết kế nhằm mục đích để cung cấp các truy cập một cách tự nhiên, ít tốn công sức.</a:t>
-            </a:r>
-          </a:p>
-          <a:p>
-            <a:pPr lvl="0"/>
-            <a:r>
-              <a:rPr lang="en-US" sz="1200" kern="1200" smtClean="0">
-                <a:solidFill>
-                  <a:schemeClr val="tx1"/>
-                </a:solidFill>
-                <a:effectLst/>
-                <a:latin typeface="+mn-lt"/>
-                <a:ea typeface="+mn-ea"/>
-                <a:cs typeface="+mn-cs"/>
-              </a:rPr>
-              <a:t>Các thư viện yêu cầu sử dụng</a:t>
-            </a:r>
-          </a:p>
-          <a:p>
-            <a:pPr lvl="1"/>
-            <a:r>
-              <a:rPr lang="en-US" sz="1200" kern="1200" smtClean="0">
-                <a:solidFill>
-                  <a:schemeClr val="tx1"/>
-                </a:solidFill>
-                <a:effectLst/>
-                <a:latin typeface="+mn-lt"/>
-                <a:ea typeface="+mn-ea"/>
-                <a:cs typeface="+mn-cs"/>
-              </a:rPr>
-              <a:t>import com.sun.jna.Library;</a:t>
-            </a:r>
-          </a:p>
-          <a:p>
-            <a:pPr lvl="1"/>
-            <a:r>
-              <a:rPr lang="en-US" sz="1200" kern="1200" smtClean="0">
-                <a:solidFill>
-                  <a:schemeClr val="tx1"/>
-                </a:solidFill>
-                <a:effectLst/>
-                <a:latin typeface="+mn-lt"/>
-                <a:ea typeface="+mn-ea"/>
-                <a:cs typeface="+mn-cs"/>
-              </a:rPr>
-              <a:t>import com.sun.jna.Native;</a:t>
-            </a:r>
-          </a:p>
-          <a:p>
-            <a:pPr lvl="1"/>
-            <a:r>
-              <a:rPr lang="en-US" sz="1200" kern="1200" smtClean="0">
-                <a:solidFill>
-                  <a:schemeClr val="tx1"/>
-                </a:solidFill>
-                <a:effectLst/>
-                <a:latin typeface="+mn-lt"/>
-                <a:ea typeface="+mn-ea"/>
-                <a:cs typeface="+mn-cs"/>
-              </a:rPr>
-              <a:t>import com.sun.jna.Platform;</a:t>
-            </a:r>
-          </a:p>
-          <a:p>
             <a:endParaRPr lang="en-US"/>
           </a:p>
         </p:txBody>
@@ -5187,67 +5211,6 @@
 </file>
 
 <file path=ppt/notesSlides/notesSlide25.xml><?xml version="1.0" encoding="utf-8"?>
-<p:notes xmlns:a="http://schemas.openxmlformats.org/drawingml/2006/main" xmlns:r="http://schemas.openxmlformats.org/officeDocument/2006/relationships" xmlns:p="http://schemas.openxmlformats.org/presentationml/2006/main">
-  <p:cSld>
-    <p:spTree>
-      <p:nvGrpSpPr>
-        <p:cNvPr id="1" name=""/>
-        <p:cNvGrpSpPr/>
-        <p:nvPr/>
-      </p:nvGrpSpPr>
-      <p:grpSpPr>
-        <a:xfrm>
-          <a:off x="0" y="0"/>
-          <a:ext cx="0" cy="0"/>
-          <a:chOff x="0" y="0"/>
-          <a:chExt cx="0" cy="0"/>
-        </a:xfrm>
-      </p:grpSpPr>
-      <p:sp>
-        <p:nvSpPr>
-          <p:cNvPr id="2" name="Slide Image Placeholder 1"/>
-          <p:cNvSpPr>
-            <a:spLocks noGrp="1" noRot="1" noChangeAspect="1"/>
-          </p:cNvSpPr>
-          <p:nvPr>
-            <p:ph type="sldImg"/>
-          </p:nvPr>
-        </p:nvSpPr>
-        <p:spPr/>
-      </p:sp>
-      <p:sp>
-        <p:nvSpPr>
-          <p:cNvPr id="3" name="Notes Placeholder 2"/>
-          <p:cNvSpPr>
-            <a:spLocks noGrp="1"/>
-          </p:cNvSpPr>
-          <p:nvPr>
-            <p:ph type="body" idx="1"/>
-          </p:nvPr>
-        </p:nvSpPr>
-        <p:spPr/>
-        <p:txBody>
-          <a:bodyPr/>
-          <a:lstStyle/>
-          <a:p>
-            <a:endParaRPr lang="en-US"/>
-          </a:p>
-        </p:txBody>
-      </p:sp>
-    </p:spTree>
-    <p:extLst>
-      <p:ext uri="{BB962C8B-B14F-4D97-AF65-F5344CB8AC3E}">
-        <p14:creationId xmlns:p14="http://schemas.microsoft.com/office/powerpoint/2010/main" val="3087672818"/>
-      </p:ext>
-    </p:extLst>
-  </p:cSld>
-  <p:clrMapOvr>
-    <a:masterClrMapping/>
-  </p:clrMapOvr>
-</p:notes>
-</file>
-
-<file path=ppt/notesSlides/notesSlide26.xml><?xml version="1.0" encoding="utf-8"?>
 <p:notes xmlns:a="http://schemas.openxmlformats.org/drawingml/2006/main" xmlns:r="http://schemas.openxmlformats.org/officeDocument/2006/relationships" xmlns:p="http://schemas.openxmlformats.org/presentationml/2006/main">
   <p:cSld>
     <p:spTree>
@@ -10600,10 +10563,9 @@
           <a:bodyPr/>
           <a:lstStyle/>
           <a:p>
-            <a:pPr lvl="0">
+            <a:pPr marL="0" lvl="0" indent="457200">
               <a:buClrTx/>
-              <a:buFont typeface="Wingdings" pitchFamily="2" charset="2"/>
-              <a:buChar char="q"/>
+              <a:buNone/>
             </a:pPr>
             <a:r>
               <a:rPr lang="en-US" b="0">
@@ -10631,7 +10593,7 @@
             </a:r>
           </a:p>
           <a:p>
-            <a:pPr marL="0" lvl="0" indent="0">
+            <a:pPr marL="0" lvl="0" indent="457200">
               <a:buClrTx/>
               <a:buNone/>
             </a:pPr>
@@ -10642,10 +10604,9 @@
             </a:endParaRPr>
           </a:p>
           <a:p>
-            <a:pPr lvl="0">
+            <a:pPr marL="0" lvl="0" indent="457200">
               <a:buClrTx/>
-              <a:buFont typeface="Wingdings" pitchFamily="2" charset="2"/>
-              <a:buChar char="q"/>
+              <a:buNone/>
             </a:pPr>
             <a:r>
               <a:rPr lang="en-US" b="0" smtClean="0">
@@ -10689,10 +10650,9 @@
             </a:r>
           </a:p>
           <a:p>
-            <a:pPr lvl="1">
+            <a:pPr marL="457200" lvl="1" indent="0">
               <a:buClrTx/>
-              <a:buFont typeface="Wingdings" pitchFamily="2" charset="2"/>
-              <a:buChar char="q"/>
+              <a:buNone/>
             </a:pPr>
             <a:r>
               <a:rPr lang="en-US">
@@ -10700,14 +10660,37 @@
                   <a:srgbClr val="000000"/>
                 </a:solidFill>
               </a:rPr>
-              <a:t>jobject 	jboolean		jbyte</a:t>
-            </a:r>
-          </a:p>
-          <a:p>
-            <a:pPr lvl="1">
+              <a:t>jobject </a:t>
+            </a:r>
+            <a:r>
+              <a:rPr lang="en-US">
+                <a:solidFill>
+                  <a:srgbClr val="000000"/>
+                </a:solidFill>
+              </a:rPr>
+              <a:t>	</a:t>
+            </a:r>
+            <a:r>
+              <a:rPr lang="en-US" smtClean="0">
+                <a:solidFill>
+                  <a:srgbClr val="000000"/>
+                </a:solidFill>
+              </a:rPr>
+              <a:t>	jboolean</a:t>
+            </a:r>
+            <a:r>
+              <a:rPr lang="en-US">
+                <a:solidFill>
+                  <a:srgbClr val="000000"/>
+                </a:solidFill>
+              </a:rPr>
+              <a:t>		jbyte</a:t>
+            </a:r>
+          </a:p>
+          <a:p>
+            <a:pPr marL="457200" lvl="1" indent="0">
               <a:buClrTx/>
-              <a:buFont typeface="Wingdings" pitchFamily="2" charset="2"/>
-              <a:buChar char="q"/>
+              <a:buNone/>
             </a:pPr>
             <a:r>
               <a:rPr lang="en-US">
@@ -10719,10 +10702,9 @@
             </a:r>
           </a:p>
           <a:p>
-            <a:pPr lvl="1">
+            <a:pPr marL="457200" lvl="1" indent="0">
               <a:buClrTx/>
-              <a:buFont typeface="Wingdings" pitchFamily="2" charset="2"/>
-              <a:buChar char="q"/>
+              <a:buNone/>
             </a:pPr>
             <a:r>
               <a:rPr lang="en-US">
@@ -15442,6 +15424,185 @@
       </p:sp>
       <p:sp>
         <p:nvSpPr>
+          <p:cNvPr id="2" name="Content Placeholder 1"/>
+          <p:cNvSpPr>
+            <a:spLocks noGrp="1"/>
+          </p:cNvSpPr>
+          <p:nvPr>
+            <p:ph idx="1"/>
+          </p:nvPr>
+        </p:nvSpPr>
+        <p:spPr>
+          <a:xfrm>
+            <a:off x="457200" y="1447800"/>
+            <a:ext cx="8534400" cy="4800600"/>
+          </a:xfrm>
+        </p:spPr>
+        <p:txBody>
+          <a:bodyPr/>
+          <a:lstStyle/>
+          <a:p>
+            <a:pPr marL="342900" lvl="1" indent="-342900">
+              <a:buClrTx/>
+              <a:buFont typeface="Wingdings" pitchFamily="2" charset="2"/>
+              <a:buChar char="q"/>
+            </a:pPr>
+            <a:r>
+              <a:rPr lang="en-US">
+                <a:solidFill>
+                  <a:srgbClr val="000000"/>
+                </a:solidFill>
+                <a:latin typeface="Arial" pitchFamily="34" charset="0"/>
+                <a:cs typeface="Arial" pitchFamily="34" charset="0"/>
+              </a:rPr>
+              <a:t>Field </a:t>
+            </a:r>
+            <a:r>
+              <a:rPr lang="en-US" smtClean="0">
+                <a:solidFill>
+                  <a:srgbClr val="000000"/>
+                </a:solidFill>
+                <a:latin typeface="Arial" pitchFamily="34" charset="0"/>
+                <a:cs typeface="Arial" pitchFamily="34" charset="0"/>
+              </a:rPr>
+              <a:t>Descriptors </a:t>
+            </a:r>
+            <a:r>
+              <a:rPr lang="en-US" b="0" smtClean="0">
+                <a:solidFill>
+                  <a:srgbClr val="000000"/>
+                </a:solidFill>
+                <a:latin typeface="Arial" pitchFamily="34" charset="0"/>
+                <a:cs typeface="Arial" pitchFamily="34" charset="0"/>
+              </a:rPr>
+              <a:t>là </a:t>
+            </a:r>
+            <a:r>
+              <a:rPr lang="en-US" b="0">
+                <a:solidFill>
+                  <a:srgbClr val="000000"/>
+                </a:solidFill>
+                <a:latin typeface="Arial" pitchFamily="34" charset="0"/>
+                <a:cs typeface="Arial" pitchFamily="34" charset="0"/>
+              </a:rPr>
+              <a:t>một chuỗi dùng để biểu diễn kiểu dữ liệu của field.</a:t>
+            </a:r>
+          </a:p>
+          <a:p>
+            <a:pPr>
+              <a:buClrTx/>
+              <a:buFont typeface="Wingdings" pitchFamily="2" charset="2"/>
+              <a:buChar char="q"/>
+            </a:pPr>
+            <a:r>
+              <a:rPr lang="en-US" b="0">
+                <a:solidFill>
+                  <a:srgbClr val="000000"/>
+                </a:solidFill>
+                <a:latin typeface="Arial" pitchFamily="34" charset="0"/>
+                <a:cs typeface="Arial" pitchFamily="34" charset="0"/>
+              </a:rPr>
+              <a:t>Với các kiểu cơ bản mô tả sẽ đơn giản hơn như: int có chuỗi mô tả là “I”, float có “F”, double có “D”, boolean có “Z”.</a:t>
+            </a:r>
+          </a:p>
+          <a:p>
+            <a:pPr>
+              <a:buClrTx/>
+              <a:buFont typeface="Wingdings" pitchFamily="2" charset="2"/>
+              <a:buChar char="q"/>
+            </a:pPr>
+            <a:r>
+              <a:rPr lang="en-US" b="0">
+                <a:solidFill>
+                  <a:srgbClr val="000000"/>
+                </a:solidFill>
+                <a:latin typeface="Arial" pitchFamily="34" charset="0"/>
+                <a:cs typeface="Arial" pitchFamily="34" charset="0"/>
+              </a:rPr>
+              <a:t>Với các kiểu dữ liệu khác thì mô tả theo package name của nó. </a:t>
+            </a:r>
+            <a:endParaRPr lang="en-US" b="0" smtClean="0">
+              <a:solidFill>
+                <a:srgbClr val="000000"/>
+              </a:solidFill>
+              <a:latin typeface="Arial" pitchFamily="34" charset="0"/>
+              <a:cs typeface="Arial" pitchFamily="34" charset="0"/>
+            </a:endParaRPr>
+          </a:p>
+          <a:p>
+            <a:pPr marL="0" indent="0">
+              <a:buClrTx/>
+              <a:buNone/>
+            </a:pPr>
+            <a:r>
+              <a:rPr lang="en-US" b="0">
+                <a:solidFill>
+                  <a:srgbClr val="000000"/>
+                </a:solidFill>
+                <a:latin typeface="Arial" pitchFamily="34" charset="0"/>
+                <a:cs typeface="Arial" pitchFamily="34" charset="0"/>
+              </a:rPr>
+              <a:t>	</a:t>
+            </a:r>
+            <a:r>
+              <a:rPr lang="en-US" b="0" smtClean="0">
+                <a:solidFill>
+                  <a:srgbClr val="000000"/>
+                </a:solidFill>
+                <a:latin typeface="Arial" pitchFamily="34" charset="0"/>
+                <a:cs typeface="Arial" pitchFamily="34" charset="0"/>
+              </a:rPr>
+              <a:t>Chẳng </a:t>
+            </a:r>
+            <a:r>
+              <a:rPr lang="en-US" b="0">
+                <a:solidFill>
+                  <a:srgbClr val="000000"/>
+                </a:solidFill>
+                <a:latin typeface="Arial" pitchFamily="34" charset="0"/>
+                <a:cs typeface="Arial" pitchFamily="34" charset="0"/>
+              </a:rPr>
+              <a:t>hạn như kiểu String có thuộc package: java.lang.String thì chuỗi mô tả tương ứng là “Ljava/lang/String</a:t>
+            </a:r>
+            <a:r>
+              <a:rPr lang="en-US" b="0" smtClean="0">
+                <a:solidFill>
+                  <a:srgbClr val="000000"/>
+                </a:solidFill>
+                <a:latin typeface="Arial" pitchFamily="34" charset="0"/>
+                <a:cs typeface="Arial" pitchFamily="34" charset="0"/>
+              </a:rPr>
+              <a:t>;” trong </a:t>
+            </a:r>
+            <a:r>
+              <a:rPr lang="en-US" b="0">
+                <a:solidFill>
+                  <a:srgbClr val="000000"/>
+                </a:solidFill>
+                <a:latin typeface="Arial" pitchFamily="34" charset="0"/>
+                <a:cs typeface="Arial" pitchFamily="34" charset="0"/>
+              </a:rPr>
+              <a:t>JDK với tham số -s -p TenClass</a:t>
+            </a:r>
+          </a:p>
+          <a:p>
+            <a:pPr marL="342900" lvl="1" indent="-342900">
+              <a:buClrTx/>
+              <a:buFont typeface="Wingdings" pitchFamily="2" charset="2"/>
+              <a:buChar char="q"/>
+            </a:pPr>
+            <a:endParaRPr lang="en-US" sz="2400">
+              <a:solidFill>
+                <a:srgbClr val="000000"/>
+              </a:solidFill>
+              <a:latin typeface="Arial" pitchFamily="34" charset="0"/>
+              <a:cs typeface="Arial" pitchFamily="34" charset="0"/>
+            </a:endParaRPr>
+          </a:p>
+        </p:txBody>
+      </p:sp>
+      <p:sp>
+        <p:nvSpPr>
           <p:cNvPr id="4" name="Footer Placeholder 3"/>
           <p:cNvSpPr>
             <a:spLocks noGrp="1"/>
@@ -15492,702 +15653,10 @@
           </a:p>
         </p:txBody>
       </p:sp>
-      <p:graphicFrame>
-        <p:nvGraphicFramePr>
-          <p:cNvPr id="5" name="Table 4"/>
-          <p:cNvGraphicFramePr>
-            <a:graphicFrameLocks noGrp="1"/>
-          </p:cNvGraphicFramePr>
-          <p:nvPr>
-            <p:extLst>
-              <p:ext uri="{D42A27DB-BD31-4B8C-83A1-F6EECF244321}">
-                <p14:modId xmlns:p14="http://schemas.microsoft.com/office/powerpoint/2010/main" val="2050890712"/>
-              </p:ext>
-            </p:extLst>
-          </p:nvPr>
-        </p:nvGraphicFramePr>
-        <p:xfrm>
-          <a:off x="1143000" y="1523997"/>
-          <a:ext cx="6629400" cy="4724402"/>
-        </p:xfrm>
-        <a:graphic>
-          <a:graphicData uri="http://schemas.openxmlformats.org/drawingml/2006/table">
-            <a:tbl>
-              <a:tblPr firstRow="1" firstCol="1" bandRow="1">
-                <a:tableStyleId>{5C22544A-7EE6-4342-B048-85BDC9FD1C3A}</a:tableStyleId>
-              </a:tblPr>
-              <a:tblGrid>
-                <a:gridCol w="3314700"/>
-                <a:gridCol w="3314700"/>
-              </a:tblGrid>
-              <a:tr h="525074">
-                <a:tc>
-                  <a:txBody>
-                    <a:bodyPr/>
-                    <a:lstStyle/>
-                    <a:p>
-                      <a:pPr marL="0" marR="0" algn="ctr">
-                        <a:lnSpc>
-                          <a:spcPct val="115000"/>
-                        </a:lnSpc>
-                        <a:spcBef>
-                          <a:spcPts val="0"/>
-                        </a:spcBef>
-                        <a:spcAft>
-                          <a:spcPts val="0"/>
-                        </a:spcAft>
-                      </a:pPr>
-                      <a:r>
-                        <a:rPr lang="en-US" sz="2000">
-                          <a:effectLst/>
-                        </a:rPr>
-                        <a:t>Set&lt;Type&gt;Field</a:t>
-                      </a:r>
-                      <a:endParaRPr lang="en-US" sz="2000">
-                        <a:effectLst/>
-                        <a:latin typeface="Times New Roman"/>
-                        <a:ea typeface="Calibri"/>
-                        <a:cs typeface="Times New Roman"/>
-                      </a:endParaRPr>
-                    </a:p>
-                  </a:txBody>
-                  <a:tcPr marL="47625" marR="47625" marT="47625" marB="47625" anchor="ctr"/>
-                </a:tc>
-                <a:tc>
-                  <a:txBody>
-                    <a:bodyPr/>
-                    <a:lstStyle/>
-                    <a:p>
-                      <a:pPr marL="0" marR="0" algn="ctr">
-                        <a:lnSpc>
-                          <a:spcPct val="115000"/>
-                        </a:lnSpc>
-                        <a:spcBef>
-                          <a:spcPts val="0"/>
-                        </a:spcBef>
-                        <a:spcAft>
-                          <a:spcPts val="0"/>
-                        </a:spcAft>
-                      </a:pPr>
-                      <a:r>
-                        <a:rPr lang="en-US" sz="2000">
-                          <a:effectLst/>
-                        </a:rPr>
-                        <a:t>&lt;NativeType&gt;</a:t>
-                      </a:r>
-                      <a:endParaRPr lang="en-US" sz="2000">
-                        <a:effectLst/>
-                        <a:latin typeface="Times New Roman"/>
-                        <a:ea typeface="Calibri"/>
-                        <a:cs typeface="Times New Roman"/>
-                      </a:endParaRPr>
-                    </a:p>
-                  </a:txBody>
-                  <a:tcPr marL="47625" marR="47625" marT="47625" marB="47625" anchor="ctr"/>
-                </a:tc>
-              </a:tr>
-              <a:tr h="466592">
-                <a:tc>
-                  <a:txBody>
-                    <a:bodyPr/>
-                    <a:lstStyle/>
-                    <a:p>
-                      <a:pPr marL="0" marR="0">
-                        <a:lnSpc>
-                          <a:spcPct val="115000"/>
-                        </a:lnSpc>
-                        <a:spcBef>
-                          <a:spcPts val="0"/>
-                        </a:spcBef>
-                        <a:spcAft>
-                          <a:spcPts val="0"/>
-                        </a:spcAft>
-                      </a:pPr>
-                      <a:r>
-                        <a:rPr lang="en-US" sz="1400">
-                          <a:effectLst/>
-                        </a:rPr>
-                        <a:t>SetObjectField</a:t>
-                      </a:r>
-                      <a:endParaRPr lang="en-US" sz="2000">
-                        <a:effectLst/>
-                        <a:latin typeface="Times New Roman"/>
-                        <a:ea typeface="Calibri"/>
-                        <a:cs typeface="Times New Roman"/>
-                      </a:endParaRPr>
-                    </a:p>
-                  </a:txBody>
-                  <a:tcPr marL="47625" marR="47625" marT="47625" marB="47625" anchor="ctr"/>
-                </a:tc>
-                <a:tc>
-                  <a:txBody>
-                    <a:bodyPr/>
-                    <a:lstStyle/>
-                    <a:p>
-                      <a:pPr marL="0" marR="0">
-                        <a:lnSpc>
-                          <a:spcPct val="115000"/>
-                        </a:lnSpc>
-                        <a:spcBef>
-                          <a:spcPts val="0"/>
-                        </a:spcBef>
-                        <a:spcAft>
-                          <a:spcPts val="0"/>
-                        </a:spcAft>
-                      </a:pPr>
-                      <a:r>
-                        <a:rPr lang="en-US" sz="1400">
-                          <a:effectLst/>
-                        </a:rPr>
-                        <a:t>jobject</a:t>
-                      </a:r>
-                      <a:endParaRPr lang="en-US" sz="2000">
-                        <a:effectLst/>
-                        <a:latin typeface="Times New Roman"/>
-                        <a:ea typeface="Calibri"/>
-                        <a:cs typeface="Times New Roman"/>
-                      </a:endParaRPr>
-                    </a:p>
-                  </a:txBody>
-                  <a:tcPr marL="47625" marR="47625" marT="47625" marB="47625" anchor="ctr"/>
-                </a:tc>
-              </a:tr>
-              <a:tr h="466592">
-                <a:tc>
-                  <a:txBody>
-                    <a:bodyPr/>
-                    <a:lstStyle/>
-                    <a:p>
-                      <a:pPr marL="0" marR="0">
-                        <a:lnSpc>
-                          <a:spcPct val="115000"/>
-                        </a:lnSpc>
-                        <a:spcBef>
-                          <a:spcPts val="0"/>
-                        </a:spcBef>
-                        <a:spcAft>
-                          <a:spcPts val="0"/>
-                        </a:spcAft>
-                      </a:pPr>
-                      <a:r>
-                        <a:rPr lang="en-US" sz="1400">
-                          <a:effectLst/>
-                        </a:rPr>
-                        <a:t>SetBooleanField</a:t>
-                      </a:r>
-                      <a:endParaRPr lang="en-US" sz="2000">
-                        <a:effectLst/>
-                        <a:latin typeface="Times New Roman"/>
-                        <a:ea typeface="Calibri"/>
-                        <a:cs typeface="Times New Roman"/>
-                      </a:endParaRPr>
-                    </a:p>
-                  </a:txBody>
-                  <a:tcPr marL="47625" marR="47625" marT="47625" marB="47625" anchor="ctr"/>
-                </a:tc>
-                <a:tc>
-                  <a:txBody>
-                    <a:bodyPr/>
-                    <a:lstStyle/>
-                    <a:p>
-                      <a:pPr marL="0" marR="0">
-                        <a:lnSpc>
-                          <a:spcPct val="115000"/>
-                        </a:lnSpc>
-                        <a:spcBef>
-                          <a:spcPts val="0"/>
-                        </a:spcBef>
-                        <a:spcAft>
-                          <a:spcPts val="0"/>
-                        </a:spcAft>
-                      </a:pPr>
-                      <a:r>
-                        <a:rPr lang="en-US" sz="1400">
-                          <a:effectLst/>
-                        </a:rPr>
-                        <a:t>jboolean</a:t>
-                      </a:r>
-                      <a:endParaRPr lang="en-US" sz="2000">
-                        <a:effectLst/>
-                        <a:latin typeface="Times New Roman"/>
-                        <a:ea typeface="Calibri"/>
-                        <a:cs typeface="Times New Roman"/>
-                      </a:endParaRPr>
-                    </a:p>
-                  </a:txBody>
-                  <a:tcPr marL="47625" marR="47625" marT="47625" marB="47625" anchor="ctr"/>
-                </a:tc>
-              </a:tr>
-              <a:tr h="466592">
-                <a:tc>
-                  <a:txBody>
-                    <a:bodyPr/>
-                    <a:lstStyle/>
-                    <a:p>
-                      <a:pPr marL="0" marR="0">
-                        <a:lnSpc>
-                          <a:spcPct val="115000"/>
-                        </a:lnSpc>
-                        <a:spcBef>
-                          <a:spcPts val="0"/>
-                        </a:spcBef>
-                        <a:spcAft>
-                          <a:spcPts val="0"/>
-                        </a:spcAft>
-                      </a:pPr>
-                      <a:r>
-                        <a:rPr lang="en-US" sz="1400">
-                          <a:effectLst/>
-                        </a:rPr>
-                        <a:t>SetByteField</a:t>
-                      </a:r>
-                      <a:endParaRPr lang="en-US" sz="2000">
-                        <a:effectLst/>
-                        <a:latin typeface="Times New Roman"/>
-                        <a:ea typeface="Calibri"/>
-                        <a:cs typeface="Times New Roman"/>
-                      </a:endParaRPr>
-                    </a:p>
-                  </a:txBody>
-                  <a:tcPr marL="47625" marR="47625" marT="47625" marB="47625" anchor="ctr"/>
-                </a:tc>
-                <a:tc>
-                  <a:txBody>
-                    <a:bodyPr/>
-                    <a:lstStyle/>
-                    <a:p>
-                      <a:pPr marL="0" marR="0">
-                        <a:lnSpc>
-                          <a:spcPct val="115000"/>
-                        </a:lnSpc>
-                        <a:spcBef>
-                          <a:spcPts val="0"/>
-                        </a:spcBef>
-                        <a:spcAft>
-                          <a:spcPts val="0"/>
-                        </a:spcAft>
-                      </a:pPr>
-                      <a:r>
-                        <a:rPr lang="en-US" sz="1400">
-                          <a:effectLst/>
-                        </a:rPr>
-                        <a:t>jbyte</a:t>
-                      </a:r>
-                      <a:endParaRPr lang="en-US" sz="2000">
-                        <a:effectLst/>
-                        <a:latin typeface="Times New Roman"/>
-                        <a:ea typeface="Calibri"/>
-                        <a:cs typeface="Times New Roman"/>
-                      </a:endParaRPr>
-                    </a:p>
-                  </a:txBody>
-                  <a:tcPr marL="47625" marR="47625" marT="47625" marB="47625" anchor="ctr"/>
-                </a:tc>
-              </a:tr>
-              <a:tr h="466592">
-                <a:tc>
-                  <a:txBody>
-                    <a:bodyPr/>
-                    <a:lstStyle/>
-                    <a:p>
-                      <a:pPr marL="0" marR="0">
-                        <a:lnSpc>
-                          <a:spcPct val="115000"/>
-                        </a:lnSpc>
-                        <a:spcBef>
-                          <a:spcPts val="0"/>
-                        </a:spcBef>
-                        <a:spcAft>
-                          <a:spcPts val="0"/>
-                        </a:spcAft>
-                      </a:pPr>
-                      <a:r>
-                        <a:rPr lang="en-US" sz="1400">
-                          <a:effectLst/>
-                        </a:rPr>
-                        <a:t>SetCharField</a:t>
-                      </a:r>
-                      <a:endParaRPr lang="en-US" sz="2000">
-                        <a:effectLst/>
-                        <a:latin typeface="Times New Roman"/>
-                        <a:ea typeface="Calibri"/>
-                        <a:cs typeface="Times New Roman"/>
-                      </a:endParaRPr>
-                    </a:p>
-                  </a:txBody>
-                  <a:tcPr marL="47625" marR="47625" marT="47625" marB="47625" anchor="ctr"/>
-                </a:tc>
-                <a:tc>
-                  <a:txBody>
-                    <a:bodyPr/>
-                    <a:lstStyle/>
-                    <a:p>
-                      <a:pPr marL="0" marR="0">
-                        <a:lnSpc>
-                          <a:spcPct val="115000"/>
-                        </a:lnSpc>
-                        <a:spcBef>
-                          <a:spcPts val="0"/>
-                        </a:spcBef>
-                        <a:spcAft>
-                          <a:spcPts val="0"/>
-                        </a:spcAft>
-                      </a:pPr>
-                      <a:r>
-                        <a:rPr lang="en-US" sz="1400">
-                          <a:effectLst/>
-                        </a:rPr>
-                        <a:t>jchar</a:t>
-                      </a:r>
-                      <a:endParaRPr lang="en-US" sz="2000">
-                        <a:effectLst/>
-                        <a:latin typeface="Times New Roman"/>
-                        <a:ea typeface="Calibri"/>
-                        <a:cs typeface="Times New Roman"/>
-                      </a:endParaRPr>
-                    </a:p>
-                  </a:txBody>
-                  <a:tcPr marL="47625" marR="47625" marT="47625" marB="47625" anchor="ctr"/>
-                </a:tc>
-              </a:tr>
-              <a:tr h="466592">
-                <a:tc>
-                  <a:txBody>
-                    <a:bodyPr/>
-                    <a:lstStyle/>
-                    <a:p>
-                      <a:pPr marL="0" marR="0">
-                        <a:lnSpc>
-                          <a:spcPct val="115000"/>
-                        </a:lnSpc>
-                        <a:spcBef>
-                          <a:spcPts val="0"/>
-                        </a:spcBef>
-                        <a:spcAft>
-                          <a:spcPts val="0"/>
-                        </a:spcAft>
-                      </a:pPr>
-                      <a:r>
-                        <a:rPr lang="en-US" sz="1400">
-                          <a:effectLst/>
-                        </a:rPr>
-                        <a:t>SetShortField</a:t>
-                      </a:r>
-                      <a:endParaRPr lang="en-US" sz="2000">
-                        <a:effectLst/>
-                        <a:latin typeface="Times New Roman"/>
-                        <a:ea typeface="Calibri"/>
-                        <a:cs typeface="Times New Roman"/>
-                      </a:endParaRPr>
-                    </a:p>
-                  </a:txBody>
-                  <a:tcPr marL="47625" marR="47625" marT="47625" marB="47625" anchor="ctr"/>
-                </a:tc>
-                <a:tc>
-                  <a:txBody>
-                    <a:bodyPr/>
-                    <a:lstStyle/>
-                    <a:p>
-                      <a:pPr marL="0" marR="0">
-                        <a:lnSpc>
-                          <a:spcPct val="115000"/>
-                        </a:lnSpc>
-                        <a:spcBef>
-                          <a:spcPts val="0"/>
-                        </a:spcBef>
-                        <a:spcAft>
-                          <a:spcPts val="0"/>
-                        </a:spcAft>
-                      </a:pPr>
-                      <a:r>
-                        <a:rPr lang="en-US" sz="1400">
-                          <a:effectLst/>
-                        </a:rPr>
-                        <a:t>jshort</a:t>
-                      </a:r>
-                      <a:endParaRPr lang="en-US" sz="2000">
-                        <a:effectLst/>
-                        <a:latin typeface="Times New Roman"/>
-                        <a:ea typeface="Calibri"/>
-                        <a:cs typeface="Times New Roman"/>
-                      </a:endParaRPr>
-                    </a:p>
-                  </a:txBody>
-                  <a:tcPr marL="47625" marR="47625" marT="47625" marB="47625" anchor="ctr"/>
-                </a:tc>
-              </a:tr>
-              <a:tr h="466592">
-                <a:tc>
-                  <a:txBody>
-                    <a:bodyPr/>
-                    <a:lstStyle/>
-                    <a:p>
-                      <a:pPr marL="0" marR="0">
-                        <a:lnSpc>
-                          <a:spcPct val="115000"/>
-                        </a:lnSpc>
-                        <a:spcBef>
-                          <a:spcPts val="0"/>
-                        </a:spcBef>
-                        <a:spcAft>
-                          <a:spcPts val="0"/>
-                        </a:spcAft>
-                      </a:pPr>
-                      <a:r>
-                        <a:rPr lang="en-US" sz="1400">
-                          <a:effectLst/>
-                        </a:rPr>
-                        <a:t>SetIntField</a:t>
-                      </a:r>
-                      <a:endParaRPr lang="en-US" sz="2000">
-                        <a:effectLst/>
-                        <a:latin typeface="Times New Roman"/>
-                        <a:ea typeface="Calibri"/>
-                        <a:cs typeface="Times New Roman"/>
-                      </a:endParaRPr>
-                    </a:p>
-                  </a:txBody>
-                  <a:tcPr marL="47625" marR="47625" marT="47625" marB="47625" anchor="ctr"/>
-                </a:tc>
-                <a:tc>
-                  <a:txBody>
-                    <a:bodyPr/>
-                    <a:lstStyle/>
-                    <a:p>
-                      <a:pPr marL="0" marR="0">
-                        <a:lnSpc>
-                          <a:spcPct val="115000"/>
-                        </a:lnSpc>
-                        <a:spcBef>
-                          <a:spcPts val="0"/>
-                        </a:spcBef>
-                        <a:spcAft>
-                          <a:spcPts val="0"/>
-                        </a:spcAft>
-                      </a:pPr>
-                      <a:r>
-                        <a:rPr lang="en-US" sz="1400">
-                          <a:effectLst/>
-                        </a:rPr>
-                        <a:t>jint</a:t>
-                      </a:r>
-                      <a:endParaRPr lang="en-US" sz="2000">
-                        <a:effectLst/>
-                        <a:latin typeface="Times New Roman"/>
-                        <a:ea typeface="Calibri"/>
-                        <a:cs typeface="Times New Roman"/>
-                      </a:endParaRPr>
-                    </a:p>
-                  </a:txBody>
-                  <a:tcPr marL="47625" marR="47625" marT="47625" marB="47625" anchor="ctr"/>
-                </a:tc>
-              </a:tr>
-              <a:tr h="466592">
-                <a:tc>
-                  <a:txBody>
-                    <a:bodyPr/>
-                    <a:lstStyle/>
-                    <a:p>
-                      <a:pPr marL="0" marR="0">
-                        <a:lnSpc>
-                          <a:spcPct val="115000"/>
-                        </a:lnSpc>
-                        <a:spcBef>
-                          <a:spcPts val="0"/>
-                        </a:spcBef>
-                        <a:spcAft>
-                          <a:spcPts val="0"/>
-                        </a:spcAft>
-                      </a:pPr>
-                      <a:r>
-                        <a:rPr lang="en-US" sz="1400">
-                          <a:effectLst/>
-                        </a:rPr>
-                        <a:t>SetLongField</a:t>
-                      </a:r>
-                      <a:endParaRPr lang="en-US" sz="2000">
-                        <a:effectLst/>
-                        <a:latin typeface="Times New Roman"/>
-                        <a:ea typeface="Calibri"/>
-                        <a:cs typeface="Times New Roman"/>
-                      </a:endParaRPr>
-                    </a:p>
-                  </a:txBody>
-                  <a:tcPr marL="47625" marR="47625" marT="47625" marB="47625" anchor="ctr"/>
-                </a:tc>
-                <a:tc>
-                  <a:txBody>
-                    <a:bodyPr/>
-                    <a:lstStyle/>
-                    <a:p>
-                      <a:pPr marL="0" marR="0">
-                        <a:lnSpc>
-                          <a:spcPct val="115000"/>
-                        </a:lnSpc>
-                        <a:spcBef>
-                          <a:spcPts val="0"/>
-                        </a:spcBef>
-                        <a:spcAft>
-                          <a:spcPts val="0"/>
-                        </a:spcAft>
-                      </a:pPr>
-                      <a:r>
-                        <a:rPr lang="en-US" sz="1400">
-                          <a:effectLst/>
-                        </a:rPr>
-                        <a:t>jlong</a:t>
-                      </a:r>
-                      <a:endParaRPr lang="en-US" sz="2000">
-                        <a:effectLst/>
-                        <a:latin typeface="Times New Roman"/>
-                        <a:ea typeface="Calibri"/>
-                        <a:cs typeface="Times New Roman"/>
-                      </a:endParaRPr>
-                    </a:p>
-                  </a:txBody>
-                  <a:tcPr marL="47625" marR="47625" marT="47625" marB="47625" anchor="ctr"/>
-                </a:tc>
-              </a:tr>
-              <a:tr h="466592">
-                <a:tc>
-                  <a:txBody>
-                    <a:bodyPr/>
-                    <a:lstStyle/>
-                    <a:p>
-                      <a:pPr marL="0" marR="0">
-                        <a:lnSpc>
-                          <a:spcPct val="115000"/>
-                        </a:lnSpc>
-                        <a:spcBef>
-                          <a:spcPts val="0"/>
-                        </a:spcBef>
-                        <a:spcAft>
-                          <a:spcPts val="0"/>
-                        </a:spcAft>
-                      </a:pPr>
-                      <a:r>
-                        <a:rPr lang="en-US" sz="1400">
-                          <a:effectLst/>
-                        </a:rPr>
-                        <a:t>SetFloatField</a:t>
-                      </a:r>
-                      <a:endParaRPr lang="en-US" sz="2000">
-                        <a:effectLst/>
-                        <a:latin typeface="Times New Roman"/>
-                        <a:ea typeface="Calibri"/>
-                        <a:cs typeface="Times New Roman"/>
-                      </a:endParaRPr>
-                    </a:p>
-                  </a:txBody>
-                  <a:tcPr marL="47625" marR="47625" marT="47625" marB="47625" anchor="ctr"/>
-                </a:tc>
-                <a:tc>
-                  <a:txBody>
-                    <a:bodyPr/>
-                    <a:lstStyle/>
-                    <a:p>
-                      <a:pPr marL="0" marR="0">
-                        <a:lnSpc>
-                          <a:spcPct val="115000"/>
-                        </a:lnSpc>
-                        <a:spcBef>
-                          <a:spcPts val="0"/>
-                        </a:spcBef>
-                        <a:spcAft>
-                          <a:spcPts val="0"/>
-                        </a:spcAft>
-                      </a:pPr>
-                      <a:r>
-                        <a:rPr lang="en-US" sz="1400">
-                          <a:effectLst/>
-                        </a:rPr>
-                        <a:t>jfloat</a:t>
-                      </a:r>
-                      <a:endParaRPr lang="en-US" sz="2000">
-                        <a:effectLst/>
-                        <a:latin typeface="Times New Roman"/>
-                        <a:ea typeface="Calibri"/>
-                        <a:cs typeface="Times New Roman"/>
-                      </a:endParaRPr>
-                    </a:p>
-                  </a:txBody>
-                  <a:tcPr marL="47625" marR="47625" marT="47625" marB="47625" anchor="ctr"/>
-                </a:tc>
-              </a:tr>
-              <a:tr h="466592">
-                <a:tc>
-                  <a:txBody>
-                    <a:bodyPr/>
-                    <a:lstStyle/>
-                    <a:p>
-                      <a:pPr marL="0" marR="0">
-                        <a:lnSpc>
-                          <a:spcPct val="115000"/>
-                        </a:lnSpc>
-                        <a:spcBef>
-                          <a:spcPts val="0"/>
-                        </a:spcBef>
-                        <a:spcAft>
-                          <a:spcPts val="0"/>
-                        </a:spcAft>
-                      </a:pPr>
-                      <a:r>
-                        <a:rPr lang="en-US" sz="1400">
-                          <a:effectLst/>
-                        </a:rPr>
-                        <a:t>SetDoubleField</a:t>
-                      </a:r>
-                      <a:endParaRPr lang="en-US" sz="2000">
-                        <a:effectLst/>
-                        <a:latin typeface="Times New Roman"/>
-                        <a:ea typeface="Calibri"/>
-                        <a:cs typeface="Times New Roman"/>
-                      </a:endParaRPr>
-                    </a:p>
-                  </a:txBody>
-                  <a:tcPr marL="47625" marR="47625" marT="47625" marB="47625" anchor="ctr"/>
-                </a:tc>
-                <a:tc>
-                  <a:txBody>
-                    <a:bodyPr/>
-                    <a:lstStyle/>
-                    <a:p>
-                      <a:pPr marL="0" marR="0">
-                        <a:lnSpc>
-                          <a:spcPct val="115000"/>
-                        </a:lnSpc>
-                        <a:spcBef>
-                          <a:spcPts val="0"/>
-                        </a:spcBef>
-                        <a:spcAft>
-                          <a:spcPts val="0"/>
-                        </a:spcAft>
-                      </a:pPr>
-                      <a:r>
-                        <a:rPr lang="en-US" sz="1400">
-                          <a:effectLst/>
-                        </a:rPr>
-                        <a:t>jdouble</a:t>
-                      </a:r>
-                      <a:endParaRPr lang="en-US" sz="2000">
-                        <a:effectLst/>
-                        <a:latin typeface="Times New Roman"/>
-                        <a:ea typeface="Calibri"/>
-                        <a:cs typeface="Times New Roman"/>
-                      </a:endParaRPr>
-                    </a:p>
-                  </a:txBody>
-                  <a:tcPr marL="47625" marR="47625" marT="47625" marB="47625" anchor="ctr"/>
-                </a:tc>
-              </a:tr>
-            </a:tbl>
-          </a:graphicData>
-        </a:graphic>
-      </p:graphicFrame>
     </p:spTree>
     <p:extLst>
       <p:ext uri="{BB962C8B-B14F-4D97-AF65-F5344CB8AC3E}">
-        <p14:creationId xmlns:p14="http://schemas.microsoft.com/office/powerpoint/2010/main" val="1447740406"/>
+        <p14:creationId xmlns:p14="http://schemas.microsoft.com/office/powerpoint/2010/main" val="734397516"/>
       </p:ext>
     </p:extLst>
   </p:cSld>
@@ -16287,344 +15756,8 @@
                   <a:reflection blurRad="12700" stA="28000" endPos="45000" dist="1000" dir="5400000" sy="-100000" algn="bl" rotWithShape="0"/>
                 </a:effectLst>
               </a:rPr>
-              <a:t>2.3.1 truy xuất Field</a:t>
-            </a:r>
-            <a:endParaRPr lang="en-US" sz="2850" cap="all">
-              <a:ln w="9000" cmpd="sng">
-                <a:solidFill>
-                  <a:schemeClr val="accent4">
-                    <a:shade val="50000"/>
-                    <a:satMod val="120000"/>
-                  </a:schemeClr>
-                </a:solidFill>
-                <a:prstDash val="solid"/>
-              </a:ln>
-              <a:gradFill>
-                <a:gsLst>
-                  <a:gs pos="0">
-                    <a:schemeClr val="accent4">
-                      <a:shade val="20000"/>
-                      <a:satMod val="245000"/>
-                    </a:schemeClr>
-                  </a:gs>
-                  <a:gs pos="43000">
-                    <a:schemeClr val="accent4">
-                      <a:satMod val="255000"/>
-                    </a:schemeClr>
-                  </a:gs>
-                  <a:gs pos="48000">
-                    <a:schemeClr val="accent4">
-                      <a:shade val="85000"/>
-                      <a:satMod val="255000"/>
-                    </a:schemeClr>
-                  </a:gs>
-                  <a:gs pos="100000">
-                    <a:schemeClr val="accent4">
-                      <a:shade val="20000"/>
-                      <a:satMod val="245000"/>
-                    </a:schemeClr>
-                  </a:gs>
-                </a:gsLst>
-                <a:lin ang="5400000"/>
-              </a:gradFill>
-              <a:effectLst>
-                <a:reflection blurRad="12700" stA="28000" endPos="45000" dist="1000" dir="5400000" sy="-100000" algn="bl" rotWithShape="0"/>
-              </a:effectLst>
-            </a:endParaRPr>
-          </a:p>
-        </p:txBody>
-      </p:sp>
-      <p:sp>
-        <p:nvSpPr>
-          <p:cNvPr id="2" name="Content Placeholder 1"/>
-          <p:cNvSpPr>
-            <a:spLocks noGrp="1"/>
-          </p:cNvSpPr>
-          <p:nvPr>
-            <p:ph idx="1"/>
-          </p:nvPr>
-        </p:nvSpPr>
-        <p:spPr>
-          <a:xfrm>
-            <a:off x="457200" y="1447800"/>
-            <a:ext cx="8534400" cy="4800600"/>
-          </a:xfrm>
-        </p:spPr>
-        <p:txBody>
-          <a:bodyPr/>
-          <a:lstStyle/>
-          <a:p>
-            <a:pPr marL="342900" lvl="1" indent="-342900">
-              <a:buClrTx/>
-              <a:buFont typeface="Wingdings" pitchFamily="2" charset="2"/>
-              <a:buChar char="q"/>
-            </a:pPr>
-            <a:r>
-              <a:rPr lang="en-US">
-                <a:solidFill>
-                  <a:srgbClr val="000000"/>
-                </a:solidFill>
-                <a:latin typeface="Arial" pitchFamily="34" charset="0"/>
-                <a:cs typeface="Arial" pitchFamily="34" charset="0"/>
-              </a:rPr>
-              <a:t>Field </a:t>
-            </a:r>
-            <a:r>
-              <a:rPr lang="en-US" smtClean="0">
-                <a:solidFill>
-                  <a:srgbClr val="000000"/>
-                </a:solidFill>
-                <a:latin typeface="Arial" pitchFamily="34" charset="0"/>
-                <a:cs typeface="Arial" pitchFamily="34" charset="0"/>
-              </a:rPr>
-              <a:t>Descriptors </a:t>
-            </a:r>
-            <a:r>
-              <a:rPr lang="en-US" b="0" smtClean="0">
-                <a:solidFill>
-                  <a:srgbClr val="000000"/>
-                </a:solidFill>
-                <a:latin typeface="Arial" pitchFamily="34" charset="0"/>
-                <a:cs typeface="Arial" pitchFamily="34" charset="0"/>
-              </a:rPr>
-              <a:t>là </a:t>
-            </a:r>
-            <a:r>
-              <a:rPr lang="en-US" b="0">
-                <a:solidFill>
-                  <a:srgbClr val="000000"/>
-                </a:solidFill>
-                <a:latin typeface="Arial" pitchFamily="34" charset="0"/>
-                <a:cs typeface="Arial" pitchFamily="34" charset="0"/>
-              </a:rPr>
-              <a:t>một chuỗi dùng để biểu diễn kiểu dữ liệu của field.</a:t>
-            </a:r>
-          </a:p>
-          <a:p>
-            <a:pPr>
-              <a:buClrTx/>
-              <a:buFont typeface="Wingdings" pitchFamily="2" charset="2"/>
-              <a:buChar char="q"/>
-            </a:pPr>
-            <a:r>
-              <a:rPr lang="en-US" b="0">
-                <a:solidFill>
-                  <a:srgbClr val="000000"/>
-                </a:solidFill>
-                <a:latin typeface="Arial" pitchFamily="34" charset="0"/>
-                <a:cs typeface="Arial" pitchFamily="34" charset="0"/>
-              </a:rPr>
-              <a:t>Với các kiểu cơ bản mô tả sẽ đơn giản hơn như: int có chuỗi mô tả là “I”, float có “F”, double có “D”, boolean có “Z”.</a:t>
-            </a:r>
-          </a:p>
-          <a:p>
-            <a:pPr>
-              <a:buClrTx/>
-              <a:buFont typeface="Wingdings" pitchFamily="2" charset="2"/>
-              <a:buChar char="q"/>
-            </a:pPr>
-            <a:r>
-              <a:rPr lang="en-US" b="0">
-                <a:solidFill>
-                  <a:srgbClr val="000000"/>
-                </a:solidFill>
-                <a:latin typeface="Arial" pitchFamily="34" charset="0"/>
-                <a:cs typeface="Arial" pitchFamily="34" charset="0"/>
-              </a:rPr>
-              <a:t>Với các kiểu dữ liệu khác thì mô tả theo package name của nó. </a:t>
-            </a:r>
-            <a:endParaRPr lang="en-US" b="0" smtClean="0">
-              <a:solidFill>
-                <a:srgbClr val="000000"/>
-              </a:solidFill>
-              <a:latin typeface="Arial" pitchFamily="34" charset="0"/>
-              <a:cs typeface="Arial" pitchFamily="34" charset="0"/>
-            </a:endParaRPr>
-          </a:p>
-          <a:p>
-            <a:pPr marL="0" indent="0">
-              <a:buClrTx/>
-              <a:buNone/>
-            </a:pPr>
-            <a:r>
-              <a:rPr lang="en-US" b="0">
-                <a:solidFill>
-                  <a:srgbClr val="000000"/>
-                </a:solidFill>
-                <a:latin typeface="Arial" pitchFamily="34" charset="0"/>
-                <a:cs typeface="Arial" pitchFamily="34" charset="0"/>
-              </a:rPr>
-              <a:t>	</a:t>
-            </a:r>
-            <a:r>
-              <a:rPr lang="en-US" b="0" smtClean="0">
-                <a:solidFill>
-                  <a:srgbClr val="000000"/>
-                </a:solidFill>
-                <a:latin typeface="Arial" pitchFamily="34" charset="0"/>
-                <a:cs typeface="Arial" pitchFamily="34" charset="0"/>
-              </a:rPr>
-              <a:t>Chẳng </a:t>
-            </a:r>
-            <a:r>
-              <a:rPr lang="en-US" b="0">
-                <a:solidFill>
-                  <a:srgbClr val="000000"/>
-                </a:solidFill>
-                <a:latin typeface="Arial" pitchFamily="34" charset="0"/>
-                <a:cs typeface="Arial" pitchFamily="34" charset="0"/>
-              </a:rPr>
-              <a:t>hạn như kiểu String có thuộc package: java.lang.String thì chuỗi mô tả tương ứng là “Ljava/lang/String</a:t>
-            </a:r>
-            <a:r>
-              <a:rPr lang="en-US" b="0" smtClean="0">
-                <a:solidFill>
-                  <a:srgbClr val="000000"/>
-                </a:solidFill>
-                <a:latin typeface="Arial" pitchFamily="34" charset="0"/>
-                <a:cs typeface="Arial" pitchFamily="34" charset="0"/>
-              </a:rPr>
-              <a:t>;” trong </a:t>
-            </a:r>
-            <a:r>
-              <a:rPr lang="en-US" b="0">
-                <a:solidFill>
-                  <a:srgbClr val="000000"/>
-                </a:solidFill>
-                <a:latin typeface="Arial" pitchFamily="34" charset="0"/>
-                <a:cs typeface="Arial" pitchFamily="34" charset="0"/>
-              </a:rPr>
-              <a:t>JDK với tham số -s -p TenClass</a:t>
-            </a:r>
-          </a:p>
-          <a:p>
-            <a:pPr marL="342900" lvl="1" indent="-342900">
-              <a:buClrTx/>
-              <a:buFont typeface="Wingdings" pitchFamily="2" charset="2"/>
-              <a:buChar char="q"/>
-            </a:pPr>
-            <a:endParaRPr lang="en-US" sz="2400">
-              <a:solidFill>
-                <a:srgbClr val="000000"/>
-              </a:solidFill>
-              <a:latin typeface="Arial" pitchFamily="34" charset="0"/>
-              <a:cs typeface="Arial" pitchFamily="34" charset="0"/>
-            </a:endParaRPr>
-          </a:p>
-        </p:txBody>
-      </p:sp>
-      <p:sp>
-        <p:nvSpPr>
-          <p:cNvPr id="4" name="Footer Placeholder 3"/>
-          <p:cNvSpPr>
-            <a:spLocks noGrp="1"/>
-          </p:cNvSpPr>
-          <p:nvPr>
-            <p:ph type="ftr" sz="quarter" idx="11"/>
-          </p:nvPr>
-        </p:nvSpPr>
-        <p:spPr/>
-        <p:txBody>
-          <a:bodyPr/>
-          <a:lstStyle/>
-          <a:p>
-            <a:r>
-              <a:rPr lang="en-US" smtClean="0"/>
-              <a:t>www.hcmus.edu.vn</a:t>
-            </a:r>
-            <a:endParaRPr lang="en-US"/>
-          </a:p>
-        </p:txBody>
-      </p:sp>
-      <p:sp>
-        <p:nvSpPr>
-          <p:cNvPr id="6" name="Slide Number Placeholder 11"/>
-          <p:cNvSpPr>
-            <a:spLocks noGrp="1"/>
-          </p:cNvSpPr>
-          <p:nvPr>
-            <p:ph type="sldNum" sz="quarter" idx="12"/>
-          </p:nvPr>
-        </p:nvSpPr>
-        <p:spPr>
-          <a:xfrm>
-            <a:off x="3429000" y="6477000"/>
-            <a:ext cx="2133600" cy="381000"/>
-          </a:xfrm>
-        </p:spPr>
-        <p:txBody>
-          <a:bodyPr/>
-          <a:lstStyle/>
-          <a:p>
-            <a:fld id="{B6F15528-21DE-4FAA-801E-634DDDAF4B2B}" type="slidenum">
-              <a:rPr lang="en-US" sz="2000" smtClean="0"/>
-              <a:pPr/>
-              <a:t>18</a:t>
-            </a:fld>
-            <a:endParaRPr lang="en-US" sz="2000"/>
-          </a:p>
-        </p:txBody>
-      </p:sp>
-    </p:spTree>
-    <p:extLst>
-      <p:ext uri="{BB962C8B-B14F-4D97-AF65-F5344CB8AC3E}">
-        <p14:creationId xmlns:p14="http://schemas.microsoft.com/office/powerpoint/2010/main" val="734397516"/>
-      </p:ext>
-    </p:extLst>
-  </p:cSld>
-  <p:clrMapOvr>
-    <a:masterClrMapping/>
-  </p:clrMapOvr>
-  <p:timing>
-    <p:tnLst>
-      <p:par>
-        <p:cTn id="1" dur="indefinite" restart="never" nodeType="tmRoot"/>
-      </p:par>
-    </p:tnLst>
-  </p:timing>
-</p:sld>
-</file>
-
-<file path=ppt/slides/slide19.xml><?xml version="1.0" encoding="utf-8"?>
-<p:sld xmlns:a="http://schemas.openxmlformats.org/drawingml/2006/main" xmlns:r="http://schemas.openxmlformats.org/officeDocument/2006/relationships" xmlns:p="http://schemas.openxmlformats.org/presentationml/2006/main">
-  <p:cSld>
-    <p:spTree>
-      <p:nvGrpSpPr>
-        <p:cNvPr id="1" name=""/>
-        <p:cNvGrpSpPr/>
-        <p:nvPr/>
-      </p:nvGrpSpPr>
-      <p:grpSpPr>
-        <a:xfrm>
-          <a:off x="0" y="0"/>
-          <a:ext cx="0" cy="0"/>
-          <a:chOff x="0" y="0"/>
-          <a:chExt cx="0" cy="0"/>
-        </a:xfrm>
-      </p:grpSpPr>
-      <p:sp>
-        <p:nvSpPr>
-          <p:cNvPr id="8" name="Title 1"/>
-          <p:cNvSpPr>
-            <a:spLocks noGrp="1"/>
-          </p:cNvSpPr>
-          <p:nvPr>
-            <p:ph type="title"/>
-          </p:nvPr>
-        </p:nvSpPr>
-        <p:spPr>
-          <a:xfrm>
-            <a:off x="228600" y="579437"/>
-            <a:ext cx="9448800" cy="563563"/>
-          </a:xfrm>
-        </p:spPr>
-        <p:txBody>
-          <a:bodyPr>
-            <a:noAutofit/>
-          </a:bodyPr>
-          <a:lstStyle/>
-          <a:p>
-            <a:pPr algn="l"/>
+              <a:t>2.3.2 </a:t>
+            </a:r>
             <a:r>
               <a:rPr lang="en-US" sz="2850" cap="all" smtClean="0">
                 <a:ln w="9000" cmpd="sng">
@@ -16668,8 +15801,299 @@
                   <a:reflection blurRad="12700" stA="28000" endPos="45000" dist="1000" dir="5400000" sy="-100000" algn="bl" rotWithShape="0"/>
                 </a:effectLst>
               </a:rPr>
-              <a:t>2.3.2 </a:t>
-            </a:r>
+              <a:t>truy xuất method</a:t>
+            </a:r>
+            <a:endParaRPr lang="en-US" sz="2850" cap="all">
+              <a:ln w="9000" cmpd="sng">
+                <a:solidFill>
+                  <a:schemeClr val="accent4">
+                    <a:shade val="50000"/>
+                    <a:satMod val="120000"/>
+                  </a:schemeClr>
+                </a:solidFill>
+                <a:prstDash val="solid"/>
+              </a:ln>
+              <a:gradFill>
+                <a:gsLst>
+                  <a:gs pos="0">
+                    <a:schemeClr val="accent4">
+                      <a:shade val="20000"/>
+                      <a:satMod val="245000"/>
+                    </a:schemeClr>
+                  </a:gs>
+                  <a:gs pos="43000">
+                    <a:schemeClr val="accent4">
+                      <a:satMod val="255000"/>
+                    </a:schemeClr>
+                  </a:gs>
+                  <a:gs pos="48000">
+                    <a:schemeClr val="accent4">
+                      <a:shade val="85000"/>
+                      <a:satMod val="255000"/>
+                    </a:schemeClr>
+                  </a:gs>
+                  <a:gs pos="100000">
+                    <a:schemeClr val="accent4">
+                      <a:shade val="20000"/>
+                      <a:satMod val="245000"/>
+                    </a:schemeClr>
+                  </a:gs>
+                </a:gsLst>
+                <a:lin ang="5400000"/>
+              </a:gradFill>
+              <a:effectLst>
+                <a:reflection blurRad="12700" stA="28000" endPos="45000" dist="1000" dir="5400000" sy="-100000" algn="bl" rotWithShape="0"/>
+              </a:effectLst>
+            </a:endParaRPr>
+          </a:p>
+        </p:txBody>
+      </p:sp>
+      <p:sp>
+        <p:nvSpPr>
+          <p:cNvPr id="2" name="Content Placeholder 1"/>
+          <p:cNvSpPr>
+            <a:spLocks noGrp="1"/>
+          </p:cNvSpPr>
+          <p:nvPr>
+            <p:ph idx="1"/>
+          </p:nvPr>
+        </p:nvSpPr>
+        <p:spPr>
+          <a:xfrm>
+            <a:off x="457200" y="1447800"/>
+            <a:ext cx="8534400" cy="4800600"/>
+          </a:xfrm>
+        </p:spPr>
+        <p:txBody>
+          <a:bodyPr/>
+          <a:lstStyle/>
+          <a:p>
+            <a:pPr>
+              <a:buClrTx/>
+              <a:buFont typeface="Wingdings" pitchFamily="2" charset="2"/>
+              <a:buChar char="q"/>
+            </a:pPr>
+            <a:r>
+              <a:rPr lang="en-US" sz="2200" b="0" smtClean="0">
+                <a:solidFill>
+                  <a:srgbClr val="000000"/>
+                </a:solidFill>
+              </a:rPr>
+              <a:t>Đầu tiên ta cần có MethodId của method cần gọi bằng cách gọi hàm: </a:t>
+            </a:r>
+          </a:p>
+          <a:p>
+            <a:pPr marL="0" indent="0">
+              <a:buClrTx/>
+              <a:buNone/>
+            </a:pPr>
+            <a:r>
+              <a:rPr lang="en-US" sz="2200" b="0" smtClean="0">
+                <a:solidFill>
+                  <a:srgbClr val="000000"/>
+                </a:solidFill>
+              </a:rPr>
+              <a:t>    jmethodID GetMethodID(JNIEnv *env, jclass clazz, const char *name, const char *sig);</a:t>
+            </a:r>
+          </a:p>
+          <a:p>
+            <a:pPr algn="just">
+              <a:buClrTx/>
+              <a:buFont typeface="Wingdings" pitchFamily="2" charset="2"/>
+              <a:buChar char="q"/>
+            </a:pPr>
+            <a:endParaRPr lang="en-US" sz="2200" b="0" smtClean="0">
+              <a:solidFill>
+                <a:srgbClr val="000000"/>
+              </a:solidFill>
+            </a:endParaRPr>
+          </a:p>
+          <a:p>
+            <a:pPr>
+              <a:buClrTx/>
+              <a:buFont typeface="Wingdings" pitchFamily="2" charset="2"/>
+              <a:buChar char="q"/>
+            </a:pPr>
+            <a:r>
+              <a:rPr lang="en-US" sz="2200" b="0" smtClean="0">
+                <a:solidFill>
+                  <a:srgbClr val="000000"/>
+                </a:solidFill>
+              </a:rPr>
+              <a:t>Gọi method bằng hàm sau:</a:t>
+            </a:r>
+          </a:p>
+          <a:p>
+            <a:pPr marL="0" indent="0">
+              <a:buClrTx/>
+              <a:buNone/>
+            </a:pPr>
+            <a:r>
+              <a:rPr lang="en-US" sz="2200" b="0" smtClean="0">
+                <a:solidFill>
+                  <a:srgbClr val="000000"/>
+                </a:solidFill>
+              </a:rPr>
+              <a:t>   Prototype &lt;</a:t>
+            </a:r>
+            <a:r>
+              <a:rPr lang="en-US" sz="2200" b="0" i="1" smtClean="0">
+                <a:solidFill>
+                  <a:srgbClr val="000000"/>
+                </a:solidFill>
+              </a:rPr>
+              <a:t>NativeType&gt;</a:t>
+            </a:r>
+            <a:r>
+              <a:rPr lang="en-US" sz="2200" b="0" smtClean="0">
+                <a:solidFill>
+                  <a:srgbClr val="000000"/>
+                </a:solidFill>
+              </a:rPr>
+              <a:t> </a:t>
+            </a:r>
+            <a:r>
+              <a:rPr lang="en-US" sz="2200" b="0" i="1" smtClean="0">
+                <a:solidFill>
+                  <a:srgbClr val="000000"/>
+                </a:solidFill>
+              </a:rPr>
+              <a:t>Call&lt;Type&gt;Method</a:t>
+            </a:r>
+            <a:r>
+              <a:rPr lang="en-US" sz="2200" b="0" smtClean="0">
+                <a:solidFill>
+                  <a:srgbClr val="000000"/>
+                </a:solidFill>
+              </a:rPr>
+              <a:t>(JNIEnv *env, jobject obj, jmethodID methodID, ...);</a:t>
+            </a:r>
+          </a:p>
+          <a:p>
+            <a:pPr marL="0" indent="0">
+              <a:buClrTx/>
+              <a:buNone/>
+            </a:pPr>
+            <a:endParaRPr lang="en-US" sz="2200" b="0">
+              <a:solidFill>
+                <a:srgbClr val="000000"/>
+              </a:solidFill>
+            </a:endParaRPr>
+          </a:p>
+        </p:txBody>
+      </p:sp>
+      <p:sp>
+        <p:nvSpPr>
+          <p:cNvPr id="4" name="Footer Placeholder 3"/>
+          <p:cNvSpPr>
+            <a:spLocks noGrp="1"/>
+          </p:cNvSpPr>
+          <p:nvPr>
+            <p:ph type="ftr" sz="quarter" idx="11"/>
+          </p:nvPr>
+        </p:nvSpPr>
+        <p:spPr/>
+        <p:txBody>
+          <a:bodyPr/>
+          <a:lstStyle/>
+          <a:p>
+            <a:r>
+              <a:rPr lang="en-US" smtClean="0"/>
+              <a:t>www.hcmus.edu.vn</a:t>
+            </a:r>
+            <a:endParaRPr lang="en-US"/>
+          </a:p>
+        </p:txBody>
+      </p:sp>
+      <p:sp>
+        <p:nvSpPr>
+          <p:cNvPr id="6" name="Slide Number Placeholder 11"/>
+          <p:cNvSpPr>
+            <a:spLocks noGrp="1"/>
+          </p:cNvSpPr>
+          <p:nvPr>
+            <p:ph type="sldNum" sz="quarter" idx="12"/>
+          </p:nvPr>
+        </p:nvSpPr>
+        <p:spPr>
+          <a:xfrm>
+            <a:off x="3429000" y="6477000"/>
+            <a:ext cx="2133600" cy="381000"/>
+          </a:xfrm>
+        </p:spPr>
+        <p:txBody>
+          <a:bodyPr/>
+          <a:lstStyle/>
+          <a:p>
+            <a:fld id="{B6F15528-21DE-4FAA-801E-634DDDAF4B2B}" type="slidenum">
+              <a:rPr lang="en-US" sz="2000" smtClean="0"/>
+              <a:pPr/>
+              <a:t>18</a:t>
+            </a:fld>
+            <a:endParaRPr lang="en-US" sz="2000"/>
+          </a:p>
+        </p:txBody>
+      </p:sp>
+    </p:spTree>
+    <p:extLst>
+      <p:ext uri="{BB962C8B-B14F-4D97-AF65-F5344CB8AC3E}">
+        <p14:creationId xmlns:p14="http://schemas.microsoft.com/office/powerpoint/2010/main" val="1315225573"/>
+      </p:ext>
+    </p:extLst>
+  </p:cSld>
+  <p:clrMapOvr>
+    <a:masterClrMapping/>
+  </p:clrMapOvr>
+  <p:timing>
+    <p:tnLst>
+      <p:par>
+        <p:cTn id="1" dur="indefinite" restart="never" nodeType="tmRoot"/>
+      </p:par>
+    </p:tnLst>
+  </p:timing>
+</p:sld>
+</file>
+
+<file path=ppt/slides/slide19.xml><?xml version="1.0" encoding="utf-8"?>
+<p:sld xmlns:a="http://schemas.openxmlformats.org/drawingml/2006/main" xmlns:r="http://schemas.openxmlformats.org/officeDocument/2006/relationships" xmlns:p="http://schemas.openxmlformats.org/presentationml/2006/main">
+  <p:cSld>
+    <p:spTree>
+      <p:nvGrpSpPr>
+        <p:cNvPr id="1" name=""/>
+        <p:cNvGrpSpPr/>
+        <p:nvPr/>
+      </p:nvGrpSpPr>
+      <p:grpSpPr>
+        <a:xfrm>
+          <a:off x="0" y="0"/>
+          <a:ext cx="0" cy="0"/>
+          <a:chOff x="0" y="0"/>
+          <a:chExt cx="0" cy="0"/>
+        </a:xfrm>
+      </p:grpSpPr>
+      <p:sp>
+        <p:nvSpPr>
+          <p:cNvPr id="8" name="Title 1"/>
+          <p:cNvSpPr>
+            <a:spLocks noGrp="1"/>
+          </p:cNvSpPr>
+          <p:nvPr>
+            <p:ph type="title"/>
+          </p:nvPr>
+        </p:nvSpPr>
+        <p:spPr>
+          <a:xfrm>
+            <a:off x="228600" y="579437"/>
+            <a:ext cx="9448800" cy="563563"/>
+          </a:xfrm>
+        </p:spPr>
+        <p:txBody>
+          <a:bodyPr>
+            <a:noAutofit/>
+          </a:bodyPr>
+          <a:lstStyle/>
+          <a:p>
+            <a:pPr algn="l"/>
             <a:r>
               <a:rPr lang="en-US" sz="2850" cap="all" smtClean="0">
                 <a:ln w="9000" cmpd="sng">
@@ -16713,699 +16137,8 @@
                   <a:reflection blurRad="12700" stA="28000" endPos="45000" dist="1000" dir="5400000" sy="-100000" algn="bl" rotWithShape="0"/>
                 </a:effectLst>
               </a:rPr>
-              <a:t>truy xuất method</a:t>
-            </a:r>
-            <a:endParaRPr lang="en-US" sz="2850" cap="all">
-              <a:ln w="9000" cmpd="sng">
-                <a:solidFill>
-                  <a:schemeClr val="accent4">
-                    <a:shade val="50000"/>
-                    <a:satMod val="120000"/>
-                  </a:schemeClr>
-                </a:solidFill>
-                <a:prstDash val="solid"/>
-              </a:ln>
-              <a:gradFill>
-                <a:gsLst>
-                  <a:gs pos="0">
-                    <a:schemeClr val="accent4">
-                      <a:shade val="20000"/>
-                      <a:satMod val="245000"/>
-                    </a:schemeClr>
-                  </a:gs>
-                  <a:gs pos="43000">
-                    <a:schemeClr val="accent4">
-                      <a:satMod val="255000"/>
-                    </a:schemeClr>
-                  </a:gs>
-                  <a:gs pos="48000">
-                    <a:schemeClr val="accent4">
-                      <a:shade val="85000"/>
-                      <a:satMod val="255000"/>
-                    </a:schemeClr>
-                  </a:gs>
-                  <a:gs pos="100000">
-                    <a:schemeClr val="accent4">
-                      <a:shade val="20000"/>
-                      <a:satMod val="245000"/>
-                    </a:schemeClr>
-                  </a:gs>
-                </a:gsLst>
-                <a:lin ang="5400000"/>
-              </a:gradFill>
-              <a:effectLst>
-                <a:reflection blurRad="12700" stA="28000" endPos="45000" dist="1000" dir="5400000" sy="-100000" algn="bl" rotWithShape="0"/>
-              </a:effectLst>
-            </a:endParaRPr>
-          </a:p>
-        </p:txBody>
-      </p:sp>
-      <p:sp>
-        <p:nvSpPr>
-          <p:cNvPr id="2" name="Content Placeholder 1"/>
-          <p:cNvSpPr>
-            <a:spLocks noGrp="1"/>
-          </p:cNvSpPr>
-          <p:nvPr>
-            <p:ph idx="1"/>
-          </p:nvPr>
-        </p:nvSpPr>
-        <p:spPr>
-          <a:xfrm>
-            <a:off x="457200" y="1447800"/>
-            <a:ext cx="8534400" cy="4800600"/>
-          </a:xfrm>
-        </p:spPr>
-        <p:txBody>
-          <a:bodyPr/>
-          <a:lstStyle/>
-          <a:p>
-            <a:pPr>
-              <a:buClrTx/>
-              <a:buFont typeface="Wingdings" pitchFamily="2" charset="2"/>
-              <a:buChar char="q"/>
-            </a:pPr>
-            <a:r>
-              <a:rPr lang="en-US" sz="2200" b="0" smtClean="0">
-                <a:solidFill>
-                  <a:srgbClr val="000000"/>
-                </a:solidFill>
-              </a:rPr>
-              <a:t>Đầu tiên ta cần có MethodId của method cần gọi bằng cách gọi hàm: </a:t>
-            </a:r>
-          </a:p>
-          <a:p>
-            <a:pPr marL="0" indent="0">
-              <a:buClrTx/>
-              <a:buNone/>
-            </a:pPr>
-            <a:r>
-              <a:rPr lang="en-US" sz="2200" b="0" smtClean="0">
-                <a:solidFill>
-                  <a:srgbClr val="000000"/>
-                </a:solidFill>
-              </a:rPr>
-              <a:t>    jmethodID GetMethodID(JNIEnv *env, jclass clazz, const char *name, const char *sig);</a:t>
-            </a:r>
-          </a:p>
-          <a:p>
-            <a:pPr algn="just">
-              <a:buClrTx/>
-              <a:buFont typeface="Wingdings" pitchFamily="2" charset="2"/>
-              <a:buChar char="q"/>
-            </a:pPr>
-            <a:endParaRPr lang="en-US" sz="2200" b="0" smtClean="0">
-              <a:solidFill>
-                <a:srgbClr val="000000"/>
-              </a:solidFill>
-            </a:endParaRPr>
-          </a:p>
-          <a:p>
-            <a:pPr>
-              <a:buClrTx/>
-              <a:buFont typeface="Wingdings" pitchFamily="2" charset="2"/>
-              <a:buChar char="q"/>
-            </a:pPr>
-            <a:r>
-              <a:rPr lang="en-US" sz="2200" b="0" smtClean="0">
-                <a:solidFill>
-                  <a:srgbClr val="000000"/>
-                </a:solidFill>
-              </a:rPr>
-              <a:t>Gọi method bằng hàm sau:</a:t>
-            </a:r>
-          </a:p>
-          <a:p>
-            <a:pPr marL="0" indent="0">
-              <a:buClrTx/>
-              <a:buNone/>
-            </a:pPr>
-            <a:r>
-              <a:rPr lang="en-US" sz="2200" b="0" smtClean="0">
-                <a:solidFill>
-                  <a:srgbClr val="000000"/>
-                </a:solidFill>
-              </a:rPr>
-              <a:t>   Prototype &lt;</a:t>
-            </a:r>
-            <a:r>
-              <a:rPr lang="en-US" sz="2200" b="0" i="1" smtClean="0">
-                <a:solidFill>
-                  <a:srgbClr val="000000"/>
-                </a:solidFill>
-              </a:rPr>
-              <a:t>NativeType&gt;</a:t>
-            </a:r>
-            <a:r>
-              <a:rPr lang="en-US" sz="2200" b="0" smtClean="0">
-                <a:solidFill>
-                  <a:srgbClr val="000000"/>
-                </a:solidFill>
-              </a:rPr>
-              <a:t> </a:t>
-            </a:r>
-            <a:r>
-              <a:rPr lang="en-US" sz="2200" b="0" i="1" smtClean="0">
-                <a:solidFill>
-                  <a:srgbClr val="000000"/>
-                </a:solidFill>
-              </a:rPr>
-              <a:t>Call&lt;Type&gt;Method</a:t>
-            </a:r>
-            <a:r>
-              <a:rPr lang="en-US" sz="2200" b="0" smtClean="0">
-                <a:solidFill>
-                  <a:srgbClr val="000000"/>
-                </a:solidFill>
-              </a:rPr>
-              <a:t>(JNIEnv *env, jobject obj, jmethodID methodID, ...);</a:t>
-            </a:r>
-          </a:p>
-          <a:p>
-            <a:pPr marL="0" indent="0">
-              <a:buClrTx/>
-              <a:buNone/>
-            </a:pPr>
-            <a:endParaRPr lang="en-US" sz="2200" b="0">
-              <a:solidFill>
-                <a:srgbClr val="000000"/>
-              </a:solidFill>
-            </a:endParaRPr>
-          </a:p>
-        </p:txBody>
-      </p:sp>
-      <p:sp>
-        <p:nvSpPr>
-          <p:cNvPr id="4" name="Footer Placeholder 3"/>
-          <p:cNvSpPr>
-            <a:spLocks noGrp="1"/>
-          </p:cNvSpPr>
-          <p:nvPr>
-            <p:ph type="ftr" sz="quarter" idx="11"/>
-          </p:nvPr>
-        </p:nvSpPr>
-        <p:spPr/>
-        <p:txBody>
-          <a:bodyPr/>
-          <a:lstStyle/>
-          <a:p>
-            <a:r>
-              <a:rPr lang="en-US" smtClean="0"/>
-              <a:t>www.hcmus.edu.vn</a:t>
-            </a:r>
-            <a:endParaRPr lang="en-US"/>
-          </a:p>
-        </p:txBody>
-      </p:sp>
-      <p:sp>
-        <p:nvSpPr>
-          <p:cNvPr id="6" name="Slide Number Placeholder 11"/>
-          <p:cNvSpPr>
-            <a:spLocks noGrp="1"/>
-          </p:cNvSpPr>
-          <p:nvPr>
-            <p:ph type="sldNum" sz="quarter" idx="12"/>
-          </p:nvPr>
-        </p:nvSpPr>
-        <p:spPr>
-          <a:xfrm>
-            <a:off x="3429000" y="6477000"/>
-            <a:ext cx="2133600" cy="381000"/>
-          </a:xfrm>
-        </p:spPr>
-        <p:txBody>
-          <a:bodyPr/>
-          <a:lstStyle/>
-          <a:p>
-            <a:fld id="{B6F15528-21DE-4FAA-801E-634DDDAF4B2B}" type="slidenum">
-              <a:rPr lang="en-US" sz="2000" smtClean="0"/>
-              <a:pPr/>
-              <a:t>19</a:t>
-            </a:fld>
-            <a:endParaRPr lang="en-US" sz="2000"/>
-          </a:p>
-        </p:txBody>
-      </p:sp>
-    </p:spTree>
-    <p:extLst>
-      <p:ext uri="{BB962C8B-B14F-4D97-AF65-F5344CB8AC3E}">
-        <p14:creationId xmlns:p14="http://schemas.microsoft.com/office/powerpoint/2010/main" val="1315225573"/>
-      </p:ext>
-    </p:extLst>
-  </p:cSld>
-  <p:clrMapOvr>
-    <a:masterClrMapping/>
-  </p:clrMapOvr>
-  <p:timing>
-    <p:tnLst>
-      <p:par>
-        <p:cTn id="1" dur="indefinite" restart="never" nodeType="tmRoot"/>
-      </p:par>
-    </p:tnLst>
-  </p:timing>
-</p:sld>
-</file>
-
-<file path=ppt/slides/slide2.xml><?xml version="1.0" encoding="utf-8"?>
-<p:sld xmlns:a="http://schemas.openxmlformats.org/drawingml/2006/main" xmlns:r="http://schemas.openxmlformats.org/officeDocument/2006/relationships" xmlns:p="http://schemas.openxmlformats.org/presentationml/2006/main">
-  <p:cSld>
-    <p:spTree>
-      <p:nvGrpSpPr>
-        <p:cNvPr id="1" name=""/>
-        <p:cNvGrpSpPr/>
-        <p:nvPr/>
-      </p:nvGrpSpPr>
-      <p:grpSpPr>
-        <a:xfrm>
-          <a:off x="0" y="0"/>
-          <a:ext cx="0" cy="0"/>
-          <a:chOff x="0" y="0"/>
-          <a:chExt cx="0" cy="0"/>
-        </a:xfrm>
-      </p:grpSpPr>
-      <p:sp>
-        <p:nvSpPr>
-          <p:cNvPr id="2" name="Title 1"/>
-          <p:cNvSpPr>
-            <a:spLocks noGrp="1"/>
-          </p:cNvSpPr>
-          <p:nvPr>
-            <p:ph type="title"/>
-          </p:nvPr>
-        </p:nvSpPr>
-        <p:spPr>
-          <a:xfrm>
-            <a:off x="228600" y="579437"/>
-            <a:ext cx="8915400" cy="563563"/>
-          </a:xfrm>
-        </p:spPr>
-        <p:txBody>
-          <a:bodyPr>
-            <a:normAutofit fontScale="90000"/>
-          </a:bodyPr>
-          <a:lstStyle/>
-          <a:p>
-            <a:pPr algn="l"/>
-            <a:r>
-              <a:rPr lang="en-US" cap="all" smtClean="0">
-                <a:ln w="9000" cmpd="sng">
-                  <a:solidFill>
-                    <a:schemeClr val="accent4">
-                      <a:shade val="50000"/>
-                      <a:satMod val="120000"/>
-                    </a:schemeClr>
-                  </a:solidFill>
-                  <a:prstDash val="solid"/>
-                </a:ln>
-                <a:gradFill>
-                  <a:gsLst>
-                    <a:gs pos="0">
-                      <a:schemeClr val="accent4">
-                        <a:shade val="20000"/>
-                        <a:satMod val="245000"/>
-                      </a:schemeClr>
-                    </a:gs>
-                    <a:gs pos="43000">
-                      <a:schemeClr val="accent4">
-                        <a:satMod val="255000"/>
-                      </a:schemeClr>
-                    </a:gs>
-                    <a:gs pos="48000">
-                      <a:schemeClr val="accent4">
-                        <a:shade val="85000"/>
-                        <a:satMod val="255000"/>
-                      </a:schemeClr>
-                    </a:gs>
-                    <a:gs pos="100000">
-                      <a:schemeClr val="accent4">
-                        <a:shade val="20000"/>
-                        <a:satMod val="245000"/>
-                      </a:schemeClr>
-                    </a:gs>
-                  </a:gsLst>
-                  <a:lin ang="5400000"/>
-                </a:gradFill>
-                <a:effectLst>
-                  <a:reflection blurRad="12700" stA="28000" endPos="45000" dist="1000" dir="5400000" sy="-100000" algn="bl" rotWithShape="0"/>
-                </a:effectLst>
-              </a:rPr>
-              <a:t>Nội dung thuyết trình</a:t>
-            </a:r>
-            <a:endParaRPr lang="en-US" cap="all">
-              <a:ln w="9000" cmpd="sng">
-                <a:solidFill>
-                  <a:schemeClr val="accent4">
-                    <a:shade val="50000"/>
-                    <a:satMod val="120000"/>
-                  </a:schemeClr>
-                </a:solidFill>
-                <a:prstDash val="solid"/>
-              </a:ln>
-              <a:gradFill>
-                <a:gsLst>
-                  <a:gs pos="0">
-                    <a:schemeClr val="accent4">
-                      <a:shade val="20000"/>
-                      <a:satMod val="245000"/>
-                    </a:schemeClr>
-                  </a:gs>
-                  <a:gs pos="43000">
-                    <a:schemeClr val="accent4">
-                      <a:satMod val="255000"/>
-                    </a:schemeClr>
-                  </a:gs>
-                  <a:gs pos="48000">
-                    <a:schemeClr val="accent4">
-                      <a:shade val="85000"/>
-                      <a:satMod val="255000"/>
-                    </a:schemeClr>
-                  </a:gs>
-                  <a:gs pos="100000">
-                    <a:schemeClr val="accent4">
-                      <a:shade val="20000"/>
-                      <a:satMod val="245000"/>
-                    </a:schemeClr>
-                  </a:gs>
-                </a:gsLst>
-                <a:lin ang="5400000"/>
-              </a:gradFill>
-              <a:effectLst>
-                <a:reflection blurRad="12700" stA="28000" endPos="45000" dist="1000" dir="5400000" sy="-100000" algn="bl" rotWithShape="0"/>
-              </a:effectLst>
-            </a:endParaRPr>
-          </a:p>
-        </p:txBody>
-      </p:sp>
-      <p:graphicFrame>
-        <p:nvGraphicFramePr>
-          <p:cNvPr id="6" name="Content Placeholder 5"/>
-          <p:cNvGraphicFramePr>
-            <a:graphicFrameLocks noGrp="1"/>
-          </p:cNvGraphicFramePr>
-          <p:nvPr>
-            <p:ph idx="1"/>
-            <p:extLst>
-              <p:ext uri="{D42A27DB-BD31-4B8C-83A1-F6EECF244321}">
-                <p14:modId xmlns:p14="http://schemas.microsoft.com/office/powerpoint/2010/main" val="1062736957"/>
-              </p:ext>
-            </p:extLst>
-          </p:nvPr>
-        </p:nvGraphicFramePr>
-        <p:xfrm>
-          <a:off x="533400" y="1620916"/>
-          <a:ext cx="8229600" cy="4343400"/>
-        </p:xfrm>
-        <a:graphic>
-          <a:graphicData uri="http://schemas.openxmlformats.org/drawingml/2006/diagram">
-            <dgm:relIds xmlns:dgm="http://schemas.openxmlformats.org/drawingml/2006/diagram" xmlns:r="http://schemas.openxmlformats.org/officeDocument/2006/relationships" r:dm="rId2" r:lo="rId3" r:qs="rId4" r:cs="rId5"/>
-          </a:graphicData>
-        </a:graphic>
-      </p:graphicFrame>
-      <p:sp>
-        <p:nvSpPr>
-          <p:cNvPr id="26" name="Hexagon 25"/>
-          <p:cNvSpPr/>
-          <p:nvPr/>
-        </p:nvSpPr>
-        <p:spPr>
-          <a:xfrm>
-            <a:off x="762000" y="1933575"/>
-            <a:ext cx="838200" cy="762000"/>
-          </a:xfrm>
-          <a:prstGeom prst="hexagon">
-            <a:avLst/>
-          </a:prstGeom>
-        </p:spPr>
-        <p:style>
-          <a:lnRef idx="3">
-            <a:schemeClr val="lt1"/>
-          </a:lnRef>
-          <a:fillRef idx="1">
-            <a:schemeClr val="accent2"/>
-          </a:fillRef>
-          <a:effectRef idx="1">
-            <a:schemeClr val="accent2"/>
-          </a:effectRef>
-          <a:fontRef idx="minor">
-            <a:schemeClr val="lt1"/>
-          </a:fontRef>
-        </p:style>
-        <p:txBody>
-          <a:bodyPr rtlCol="0" anchor="ctr"/>
-          <a:lstStyle/>
-          <a:p>
-            <a:pPr algn="ctr"/>
-            <a:r>
-              <a:rPr lang="en-US" sz="2000" b="1" smtClean="0"/>
-              <a:t>1</a:t>
-            </a:r>
-            <a:endParaRPr lang="en-US" sz="2000" b="1"/>
-          </a:p>
-        </p:txBody>
-      </p:sp>
-      <p:sp>
-        <p:nvSpPr>
-          <p:cNvPr id="27" name="Hexagon 26"/>
-          <p:cNvSpPr/>
-          <p:nvPr/>
-        </p:nvSpPr>
-        <p:spPr>
-          <a:xfrm>
-            <a:off x="763814" y="2895600"/>
-            <a:ext cx="838200" cy="762000"/>
-          </a:xfrm>
-          <a:prstGeom prst="hexagon">
-            <a:avLst/>
-          </a:prstGeom>
-        </p:spPr>
-        <p:style>
-          <a:lnRef idx="3">
-            <a:schemeClr val="lt1"/>
-          </a:lnRef>
-          <a:fillRef idx="1">
-            <a:schemeClr val="accent1"/>
-          </a:fillRef>
-          <a:effectRef idx="1">
-            <a:schemeClr val="accent1"/>
-          </a:effectRef>
-          <a:fontRef idx="minor">
-            <a:schemeClr val="lt1"/>
-          </a:fontRef>
-        </p:style>
-        <p:txBody>
-          <a:bodyPr rtlCol="0" anchor="ctr"/>
-          <a:lstStyle/>
-          <a:p>
-            <a:pPr algn="ctr"/>
-            <a:r>
-              <a:rPr lang="en-US" sz="2000" b="1" smtClean="0"/>
-              <a:t>2</a:t>
-            </a:r>
-            <a:endParaRPr lang="en-US" sz="2000" b="1"/>
-          </a:p>
-        </p:txBody>
-      </p:sp>
-      <p:sp>
-        <p:nvSpPr>
-          <p:cNvPr id="28" name="Hexagon 27"/>
-          <p:cNvSpPr/>
-          <p:nvPr/>
-        </p:nvSpPr>
-        <p:spPr>
-          <a:xfrm>
-            <a:off x="762000" y="3867150"/>
-            <a:ext cx="838200" cy="762000"/>
-          </a:xfrm>
-          <a:prstGeom prst="hexagon">
-            <a:avLst/>
-          </a:prstGeom>
-        </p:spPr>
-        <p:style>
-          <a:lnRef idx="3">
-            <a:schemeClr val="lt1"/>
-          </a:lnRef>
-          <a:fillRef idx="1">
-            <a:schemeClr val="accent2"/>
-          </a:fillRef>
-          <a:effectRef idx="1">
-            <a:schemeClr val="accent2"/>
-          </a:effectRef>
-          <a:fontRef idx="minor">
-            <a:schemeClr val="lt1"/>
-          </a:fontRef>
-        </p:style>
-        <p:txBody>
-          <a:bodyPr rtlCol="0" anchor="ctr"/>
-          <a:lstStyle/>
-          <a:p>
-            <a:pPr algn="ctr"/>
-            <a:r>
-              <a:rPr lang="en-US" sz="2000" b="1" smtClean="0"/>
-              <a:t>3</a:t>
-            </a:r>
-            <a:endParaRPr lang="en-US" sz="2000" b="1"/>
-          </a:p>
-        </p:txBody>
-      </p:sp>
-      <p:sp>
-        <p:nvSpPr>
-          <p:cNvPr id="29" name="Hexagon 28"/>
-          <p:cNvSpPr/>
-          <p:nvPr/>
-        </p:nvSpPr>
-        <p:spPr>
-          <a:xfrm>
-            <a:off x="762000" y="4813300"/>
-            <a:ext cx="838200" cy="762000"/>
-          </a:xfrm>
-          <a:prstGeom prst="hexagon">
-            <a:avLst/>
-          </a:prstGeom>
-        </p:spPr>
-        <p:style>
-          <a:lnRef idx="3">
-            <a:schemeClr val="lt1"/>
-          </a:lnRef>
-          <a:fillRef idx="1">
-            <a:schemeClr val="accent1"/>
-          </a:fillRef>
-          <a:effectRef idx="1">
-            <a:schemeClr val="accent1"/>
-          </a:effectRef>
-          <a:fontRef idx="minor">
-            <a:schemeClr val="lt1"/>
-          </a:fontRef>
-        </p:style>
-        <p:txBody>
-          <a:bodyPr rtlCol="0" anchor="ctr"/>
-          <a:lstStyle/>
-          <a:p>
-            <a:pPr algn="ctr"/>
-            <a:r>
-              <a:rPr lang="en-US" sz="2000" b="1" smtClean="0"/>
-              <a:t>4</a:t>
-            </a:r>
-            <a:endParaRPr lang="en-US" sz="2000" b="1"/>
-          </a:p>
-        </p:txBody>
-      </p:sp>
-      <p:sp>
-        <p:nvSpPr>
-          <p:cNvPr id="10" name="Footer Placeholder 9"/>
-          <p:cNvSpPr>
-            <a:spLocks noGrp="1"/>
-          </p:cNvSpPr>
-          <p:nvPr>
-            <p:ph type="ftr" sz="quarter" idx="11"/>
-          </p:nvPr>
-        </p:nvSpPr>
-        <p:spPr>
-          <a:xfrm>
-            <a:off x="7162800" y="152400"/>
-            <a:ext cx="1752600" cy="228600"/>
-          </a:xfrm>
-        </p:spPr>
-        <p:txBody>
-          <a:bodyPr/>
-          <a:lstStyle/>
-          <a:p>
-            <a:r>
-              <a:rPr lang="en-US" smtClean="0"/>
-              <a:t>www.hcmus.edu.vn</a:t>
-            </a:r>
-            <a:endParaRPr lang="en-US"/>
-          </a:p>
-        </p:txBody>
-      </p:sp>
-      <p:sp>
-        <p:nvSpPr>
-          <p:cNvPr id="12" name="Slide Number Placeholder 11"/>
-          <p:cNvSpPr>
-            <a:spLocks noGrp="1"/>
-          </p:cNvSpPr>
-          <p:nvPr>
-            <p:ph type="sldNum" sz="quarter" idx="12"/>
-          </p:nvPr>
-        </p:nvSpPr>
-        <p:spPr>
-          <a:xfrm>
-            <a:off x="3429000" y="6477000"/>
-            <a:ext cx="2133600" cy="381000"/>
-          </a:xfrm>
-        </p:spPr>
-        <p:txBody>
-          <a:bodyPr/>
-          <a:lstStyle/>
-          <a:p>
-            <a:fld id="{B6F15528-21DE-4FAA-801E-634DDDAF4B2B}" type="slidenum">
-              <a:rPr lang="en-US" sz="2000" smtClean="0"/>
-              <a:pPr/>
-              <a:t>2</a:t>
-            </a:fld>
-            <a:endParaRPr lang="en-US" sz="2000"/>
-          </a:p>
-        </p:txBody>
-      </p:sp>
-    </p:spTree>
-    <p:extLst>
-      <p:ext uri="{BB962C8B-B14F-4D97-AF65-F5344CB8AC3E}">
-        <p14:creationId xmlns:p14="http://schemas.microsoft.com/office/powerpoint/2010/main" val="1447732200"/>
-      </p:ext>
-    </p:extLst>
-  </p:cSld>
-  <p:clrMapOvr>
-    <a:masterClrMapping/>
-  </p:clrMapOvr>
-  <p:timing>
-    <p:tnLst>
-      <p:par>
-        <p:cTn id="1" dur="indefinite" restart="never" nodeType="tmRoot"/>
-      </p:par>
-    </p:tnLst>
-  </p:timing>
-</p:sld>
-</file>
-
-<file path=ppt/slides/slide20.xml><?xml version="1.0" encoding="utf-8"?>
-<p:sld xmlns:a="http://schemas.openxmlformats.org/drawingml/2006/main" xmlns:r="http://schemas.openxmlformats.org/officeDocument/2006/relationships" xmlns:p="http://schemas.openxmlformats.org/presentationml/2006/main">
-  <p:cSld>
-    <p:spTree>
-      <p:nvGrpSpPr>
-        <p:cNvPr id="1" name=""/>
-        <p:cNvGrpSpPr/>
-        <p:nvPr/>
-      </p:nvGrpSpPr>
-      <p:grpSpPr>
-        <a:xfrm>
-          <a:off x="0" y="0"/>
-          <a:ext cx="0" cy="0"/>
-          <a:chOff x="0" y="0"/>
-          <a:chExt cx="0" cy="0"/>
-        </a:xfrm>
-      </p:grpSpPr>
-      <p:sp>
-        <p:nvSpPr>
-          <p:cNvPr id="8" name="Title 1"/>
-          <p:cNvSpPr>
-            <a:spLocks noGrp="1"/>
-          </p:cNvSpPr>
-          <p:nvPr>
-            <p:ph type="title"/>
-          </p:nvPr>
-        </p:nvSpPr>
-        <p:spPr>
-          <a:xfrm>
-            <a:off x="228600" y="579437"/>
-            <a:ext cx="9448800" cy="563563"/>
-          </a:xfrm>
-        </p:spPr>
-        <p:txBody>
-          <a:bodyPr>
-            <a:noAutofit/>
-          </a:bodyPr>
-          <a:lstStyle/>
-          <a:p>
-            <a:pPr algn="l"/>
+              <a:t>2.3.2 </a:t>
+            </a:r>
             <a:r>
               <a:rPr lang="en-US" sz="2850" cap="all" smtClean="0">
                 <a:ln w="9000" cmpd="sng">
@@ -17449,51 +16182,6 @@
                   <a:reflection blurRad="12700" stA="28000" endPos="45000" dist="1000" dir="5400000" sy="-100000" algn="bl" rotWithShape="0"/>
                 </a:effectLst>
               </a:rPr>
-              <a:t>2.3.2 </a:t>
-            </a:r>
-            <a:r>
-              <a:rPr lang="en-US" sz="2850" cap="all" smtClean="0">
-                <a:ln w="9000" cmpd="sng">
-                  <a:solidFill>
-                    <a:schemeClr val="accent4">
-                      <a:shade val="50000"/>
-                      <a:satMod val="120000"/>
-                    </a:schemeClr>
-                  </a:solidFill>
-                  <a:prstDash val="solid"/>
-                </a:ln>
-                <a:gradFill>
-                  <a:gsLst>
-                    <a:gs pos="0">
-                      <a:schemeClr val="accent4">
-                        <a:shade val="20000"/>
-                        <a:satMod val="245000"/>
-                      </a:schemeClr>
-                    </a:gs>
-                    <a:gs pos="43000">
-                      <a:schemeClr val="accent4">
-                        <a:satMod val="255000"/>
-                      </a:schemeClr>
-                    </a:gs>
-                    <a:gs pos="48000">
-                      <a:schemeClr val="accent4">
-                        <a:shade val="85000"/>
-                        <a:satMod val="255000"/>
-                      </a:schemeClr>
-                    </a:gs>
-                    <a:gs pos="100000">
-                      <a:schemeClr val="accent4">
-                        <a:shade val="20000"/>
-                        <a:satMod val="245000"/>
-                      </a:schemeClr>
-                    </a:gs>
-                  </a:gsLst>
-                  <a:lin ang="5400000"/>
-                </a:gradFill>
-                <a:effectLst>
-                  <a:reflection blurRad="12700" stA="28000" endPos="45000" dist="1000" dir="5400000" sy="-100000" algn="bl" rotWithShape="0"/>
-                </a:effectLst>
-              </a:rPr>
               <a:t>truy xuất method</a:t>
             </a:r>
             <a:endParaRPr lang="en-US" sz="2850" cap="all">
@@ -17587,7 +16275,7 @@
             <a:fld id="{B6F15528-21DE-4FAA-801E-634DDDAF4B2B}" type="slidenum">
               <a:rPr lang="en-US" sz="2000" smtClean="0"/>
               <a:pPr/>
-              <a:t>20</a:t>
+              <a:t>19</a:t>
             </a:fld>
             <a:endParaRPr lang="en-US" sz="2000"/>
           </a:p>
@@ -18371,7 +17059,407 @@
 </p:sld>
 </file>
 
-<file path=ppt/slides/slide21.xml><?xml version="1.0" encoding="utf-8"?>
+<file path=ppt/slides/slide2.xml><?xml version="1.0" encoding="utf-8"?>
+<p:sld xmlns:a="http://schemas.openxmlformats.org/drawingml/2006/main" xmlns:r="http://schemas.openxmlformats.org/officeDocument/2006/relationships" xmlns:p="http://schemas.openxmlformats.org/presentationml/2006/main">
+  <p:cSld>
+    <p:spTree>
+      <p:nvGrpSpPr>
+        <p:cNvPr id="1" name=""/>
+        <p:cNvGrpSpPr/>
+        <p:nvPr/>
+      </p:nvGrpSpPr>
+      <p:grpSpPr>
+        <a:xfrm>
+          <a:off x="0" y="0"/>
+          <a:ext cx="0" cy="0"/>
+          <a:chOff x="0" y="0"/>
+          <a:chExt cx="0" cy="0"/>
+        </a:xfrm>
+      </p:grpSpPr>
+      <p:sp>
+        <p:nvSpPr>
+          <p:cNvPr id="2" name="Title 1"/>
+          <p:cNvSpPr>
+            <a:spLocks noGrp="1"/>
+          </p:cNvSpPr>
+          <p:nvPr>
+            <p:ph type="title"/>
+          </p:nvPr>
+        </p:nvSpPr>
+        <p:spPr>
+          <a:xfrm>
+            <a:off x="228600" y="579437"/>
+            <a:ext cx="8915400" cy="563563"/>
+          </a:xfrm>
+        </p:spPr>
+        <p:txBody>
+          <a:bodyPr>
+            <a:normAutofit fontScale="90000"/>
+          </a:bodyPr>
+          <a:lstStyle/>
+          <a:p>
+            <a:pPr algn="l"/>
+            <a:r>
+              <a:rPr lang="en-US" cap="all" smtClean="0">
+                <a:ln w="9000" cmpd="sng">
+                  <a:solidFill>
+                    <a:schemeClr val="accent4">
+                      <a:shade val="50000"/>
+                      <a:satMod val="120000"/>
+                    </a:schemeClr>
+                  </a:solidFill>
+                  <a:prstDash val="solid"/>
+                </a:ln>
+                <a:gradFill>
+                  <a:gsLst>
+                    <a:gs pos="0">
+                      <a:schemeClr val="accent4">
+                        <a:shade val="20000"/>
+                        <a:satMod val="245000"/>
+                      </a:schemeClr>
+                    </a:gs>
+                    <a:gs pos="43000">
+                      <a:schemeClr val="accent4">
+                        <a:satMod val="255000"/>
+                      </a:schemeClr>
+                    </a:gs>
+                    <a:gs pos="48000">
+                      <a:schemeClr val="accent4">
+                        <a:shade val="85000"/>
+                        <a:satMod val="255000"/>
+                      </a:schemeClr>
+                    </a:gs>
+                    <a:gs pos="100000">
+                      <a:schemeClr val="accent4">
+                        <a:shade val="20000"/>
+                        <a:satMod val="245000"/>
+                      </a:schemeClr>
+                    </a:gs>
+                  </a:gsLst>
+                  <a:lin ang="5400000"/>
+                </a:gradFill>
+                <a:effectLst>
+                  <a:reflection blurRad="12700" stA="28000" endPos="45000" dist="1000" dir="5400000" sy="-100000" algn="bl" rotWithShape="0"/>
+                </a:effectLst>
+              </a:rPr>
+              <a:t>Nội dung thuyết trình</a:t>
+            </a:r>
+            <a:endParaRPr lang="en-US" cap="all">
+              <a:ln w="9000" cmpd="sng">
+                <a:solidFill>
+                  <a:schemeClr val="accent4">
+                    <a:shade val="50000"/>
+                    <a:satMod val="120000"/>
+                  </a:schemeClr>
+                </a:solidFill>
+                <a:prstDash val="solid"/>
+              </a:ln>
+              <a:gradFill>
+                <a:gsLst>
+                  <a:gs pos="0">
+                    <a:schemeClr val="accent4">
+                      <a:shade val="20000"/>
+                      <a:satMod val="245000"/>
+                    </a:schemeClr>
+                  </a:gs>
+                  <a:gs pos="43000">
+                    <a:schemeClr val="accent4">
+                      <a:satMod val="255000"/>
+                    </a:schemeClr>
+                  </a:gs>
+                  <a:gs pos="48000">
+                    <a:schemeClr val="accent4">
+                      <a:shade val="85000"/>
+                      <a:satMod val="255000"/>
+                    </a:schemeClr>
+                  </a:gs>
+                  <a:gs pos="100000">
+                    <a:schemeClr val="accent4">
+                      <a:shade val="20000"/>
+                      <a:satMod val="245000"/>
+                    </a:schemeClr>
+                  </a:gs>
+                </a:gsLst>
+                <a:lin ang="5400000"/>
+              </a:gradFill>
+              <a:effectLst>
+                <a:reflection blurRad="12700" stA="28000" endPos="45000" dist="1000" dir="5400000" sy="-100000" algn="bl" rotWithShape="0"/>
+              </a:effectLst>
+            </a:endParaRPr>
+          </a:p>
+        </p:txBody>
+      </p:sp>
+      <p:graphicFrame>
+        <p:nvGraphicFramePr>
+          <p:cNvPr id="6" name="Content Placeholder 5"/>
+          <p:cNvGraphicFramePr>
+            <a:graphicFrameLocks noGrp="1"/>
+          </p:cNvGraphicFramePr>
+          <p:nvPr>
+            <p:ph idx="1"/>
+            <p:extLst>
+              <p:ext uri="{D42A27DB-BD31-4B8C-83A1-F6EECF244321}">
+                <p14:modId xmlns:p14="http://schemas.microsoft.com/office/powerpoint/2010/main" val="1062736957"/>
+              </p:ext>
+            </p:extLst>
+          </p:nvPr>
+        </p:nvGraphicFramePr>
+        <p:xfrm>
+          <a:off x="533400" y="1620916"/>
+          <a:ext cx="8229600" cy="4343400"/>
+        </p:xfrm>
+        <a:graphic>
+          <a:graphicData uri="http://schemas.openxmlformats.org/drawingml/2006/diagram">
+            <dgm:relIds xmlns:dgm="http://schemas.openxmlformats.org/drawingml/2006/diagram" xmlns:r="http://schemas.openxmlformats.org/officeDocument/2006/relationships" r:dm="rId2" r:lo="rId3" r:qs="rId4" r:cs="rId5"/>
+          </a:graphicData>
+        </a:graphic>
+      </p:graphicFrame>
+      <p:sp>
+        <p:nvSpPr>
+          <p:cNvPr id="26" name="Hexagon 25"/>
+          <p:cNvSpPr/>
+          <p:nvPr/>
+        </p:nvSpPr>
+        <p:spPr>
+          <a:xfrm>
+            <a:off x="762000" y="1933575"/>
+            <a:ext cx="838200" cy="762000"/>
+          </a:xfrm>
+          <a:prstGeom prst="hexagon">
+            <a:avLst/>
+          </a:prstGeom>
+        </p:spPr>
+        <p:style>
+          <a:lnRef idx="3">
+            <a:schemeClr val="lt1"/>
+          </a:lnRef>
+          <a:fillRef idx="1">
+            <a:schemeClr val="accent2"/>
+          </a:fillRef>
+          <a:effectRef idx="1">
+            <a:schemeClr val="accent2"/>
+          </a:effectRef>
+          <a:fontRef idx="minor">
+            <a:schemeClr val="lt1"/>
+          </a:fontRef>
+        </p:style>
+        <p:txBody>
+          <a:bodyPr rtlCol="0" anchor="ctr"/>
+          <a:lstStyle/>
+          <a:p>
+            <a:pPr algn="ctr"/>
+            <a:r>
+              <a:rPr lang="en-US" sz="2000" b="1" smtClean="0"/>
+              <a:t>1</a:t>
+            </a:r>
+            <a:endParaRPr lang="en-US" sz="2000" b="1"/>
+          </a:p>
+        </p:txBody>
+      </p:sp>
+      <p:sp>
+        <p:nvSpPr>
+          <p:cNvPr id="27" name="Hexagon 26"/>
+          <p:cNvSpPr/>
+          <p:nvPr/>
+        </p:nvSpPr>
+        <p:spPr>
+          <a:xfrm>
+            <a:off x="763814" y="2895600"/>
+            <a:ext cx="838200" cy="762000"/>
+          </a:xfrm>
+          <a:prstGeom prst="hexagon">
+            <a:avLst/>
+          </a:prstGeom>
+        </p:spPr>
+        <p:style>
+          <a:lnRef idx="3">
+            <a:schemeClr val="lt1"/>
+          </a:lnRef>
+          <a:fillRef idx="1">
+            <a:schemeClr val="accent1"/>
+          </a:fillRef>
+          <a:effectRef idx="1">
+            <a:schemeClr val="accent1"/>
+          </a:effectRef>
+          <a:fontRef idx="minor">
+            <a:schemeClr val="lt1"/>
+          </a:fontRef>
+        </p:style>
+        <p:txBody>
+          <a:bodyPr rtlCol="0" anchor="ctr"/>
+          <a:lstStyle/>
+          <a:p>
+            <a:pPr algn="ctr"/>
+            <a:r>
+              <a:rPr lang="en-US" sz="2000" b="1" smtClean="0"/>
+              <a:t>2</a:t>
+            </a:r>
+            <a:endParaRPr lang="en-US" sz="2000" b="1"/>
+          </a:p>
+        </p:txBody>
+      </p:sp>
+      <p:sp>
+        <p:nvSpPr>
+          <p:cNvPr id="28" name="Hexagon 27"/>
+          <p:cNvSpPr/>
+          <p:nvPr/>
+        </p:nvSpPr>
+        <p:spPr>
+          <a:xfrm>
+            <a:off x="762000" y="3867150"/>
+            <a:ext cx="838200" cy="762000"/>
+          </a:xfrm>
+          <a:prstGeom prst="hexagon">
+            <a:avLst/>
+          </a:prstGeom>
+        </p:spPr>
+        <p:style>
+          <a:lnRef idx="3">
+            <a:schemeClr val="lt1"/>
+          </a:lnRef>
+          <a:fillRef idx="1">
+            <a:schemeClr val="accent2"/>
+          </a:fillRef>
+          <a:effectRef idx="1">
+            <a:schemeClr val="accent2"/>
+          </a:effectRef>
+          <a:fontRef idx="minor">
+            <a:schemeClr val="lt1"/>
+          </a:fontRef>
+        </p:style>
+        <p:txBody>
+          <a:bodyPr rtlCol="0" anchor="ctr"/>
+          <a:lstStyle/>
+          <a:p>
+            <a:pPr algn="ctr"/>
+            <a:r>
+              <a:rPr lang="en-US" sz="2000" b="1" smtClean="0"/>
+              <a:t>3</a:t>
+            </a:r>
+            <a:endParaRPr lang="en-US" sz="2000" b="1"/>
+          </a:p>
+        </p:txBody>
+      </p:sp>
+      <p:sp>
+        <p:nvSpPr>
+          <p:cNvPr id="29" name="Hexagon 28"/>
+          <p:cNvSpPr/>
+          <p:nvPr/>
+        </p:nvSpPr>
+        <p:spPr>
+          <a:xfrm>
+            <a:off x="762000" y="4813300"/>
+            <a:ext cx="838200" cy="762000"/>
+          </a:xfrm>
+          <a:prstGeom prst="hexagon">
+            <a:avLst/>
+          </a:prstGeom>
+        </p:spPr>
+        <p:style>
+          <a:lnRef idx="3">
+            <a:schemeClr val="lt1"/>
+          </a:lnRef>
+          <a:fillRef idx="1">
+            <a:schemeClr val="accent1"/>
+          </a:fillRef>
+          <a:effectRef idx="1">
+            <a:schemeClr val="accent1"/>
+          </a:effectRef>
+          <a:fontRef idx="minor">
+            <a:schemeClr val="lt1"/>
+          </a:fontRef>
+        </p:style>
+        <p:txBody>
+          <a:bodyPr rtlCol="0" anchor="ctr"/>
+          <a:lstStyle/>
+          <a:p>
+            <a:pPr algn="ctr"/>
+            <a:r>
+              <a:rPr lang="en-US" sz="2000" b="1" smtClean="0"/>
+              <a:t>4</a:t>
+            </a:r>
+            <a:endParaRPr lang="en-US" sz="2000" b="1"/>
+          </a:p>
+        </p:txBody>
+      </p:sp>
+      <p:sp>
+        <p:nvSpPr>
+          <p:cNvPr id="10" name="Footer Placeholder 9"/>
+          <p:cNvSpPr>
+            <a:spLocks noGrp="1"/>
+          </p:cNvSpPr>
+          <p:nvPr>
+            <p:ph type="ftr" sz="quarter" idx="11"/>
+          </p:nvPr>
+        </p:nvSpPr>
+        <p:spPr>
+          <a:xfrm>
+            <a:off x="7162800" y="152400"/>
+            <a:ext cx="1752600" cy="228600"/>
+          </a:xfrm>
+        </p:spPr>
+        <p:txBody>
+          <a:bodyPr/>
+          <a:lstStyle/>
+          <a:p>
+            <a:r>
+              <a:rPr lang="en-US" smtClean="0"/>
+              <a:t>www.hcmus.edu.vn</a:t>
+            </a:r>
+            <a:endParaRPr lang="en-US"/>
+          </a:p>
+        </p:txBody>
+      </p:sp>
+      <p:sp>
+        <p:nvSpPr>
+          <p:cNvPr id="12" name="Slide Number Placeholder 11"/>
+          <p:cNvSpPr>
+            <a:spLocks noGrp="1"/>
+          </p:cNvSpPr>
+          <p:nvPr>
+            <p:ph type="sldNum" sz="quarter" idx="12"/>
+          </p:nvPr>
+        </p:nvSpPr>
+        <p:spPr>
+          <a:xfrm>
+            <a:off x="3429000" y="6477000"/>
+            <a:ext cx="2133600" cy="381000"/>
+          </a:xfrm>
+        </p:spPr>
+        <p:txBody>
+          <a:bodyPr/>
+          <a:lstStyle/>
+          <a:p>
+            <a:fld id="{B6F15528-21DE-4FAA-801E-634DDDAF4B2B}" type="slidenum">
+              <a:rPr lang="en-US" sz="2000" smtClean="0"/>
+              <a:pPr/>
+              <a:t>2</a:t>
+            </a:fld>
+            <a:endParaRPr lang="en-US" sz="2000"/>
+          </a:p>
+        </p:txBody>
+      </p:sp>
+    </p:spTree>
+    <p:extLst>
+      <p:ext uri="{BB962C8B-B14F-4D97-AF65-F5344CB8AC3E}">
+        <p14:creationId xmlns:p14="http://schemas.microsoft.com/office/powerpoint/2010/main" val="1447732200"/>
+      </p:ext>
+    </p:extLst>
+  </p:cSld>
+  <p:clrMapOvr>
+    <a:masterClrMapping/>
+  </p:clrMapOvr>
+  <p:timing>
+    <p:tnLst>
+      <p:par>
+        <p:cTn id="1" dur="indefinite" restart="never" nodeType="tmRoot"/>
+      </p:par>
+    </p:tnLst>
+  </p:timing>
+</p:sld>
+</file>
+
+<file path=ppt/slides/slide20.xml><?xml version="1.0" encoding="utf-8"?>
 <p:sld xmlns:a="http://schemas.openxmlformats.org/drawingml/2006/main" xmlns:r="http://schemas.openxmlformats.org/officeDocument/2006/relationships" xmlns:p="http://schemas.openxmlformats.org/presentationml/2006/main">
   <p:cSld>
     <p:spTree>
@@ -18592,7 +17680,7 @@
             <a:fld id="{B6F15528-21DE-4FAA-801E-634DDDAF4B2B}" type="slidenum">
               <a:rPr lang="en-US" sz="2000" smtClean="0"/>
               <a:pPr/>
-              <a:t>21</a:t>
+              <a:t>20</a:t>
             </a:fld>
             <a:endParaRPr lang="en-US" sz="2000"/>
           </a:p>
@@ -18843,7 +17931,7 @@
 </p:sld>
 </file>
 
-<file path=ppt/slides/slide22.xml><?xml version="1.0" encoding="utf-8"?>
+<file path=ppt/slides/slide21.xml><?xml version="1.0" encoding="utf-8"?>
 <p:sld xmlns:a="http://schemas.openxmlformats.org/drawingml/2006/main" xmlns:r="http://schemas.openxmlformats.org/officeDocument/2006/relationships" xmlns:p="http://schemas.openxmlformats.org/presentationml/2006/main">
   <p:cSld>
     <p:spTree>
@@ -19019,7 +18107,7 @@
             <a:fld id="{B6F15528-21DE-4FAA-801E-634DDDAF4B2B}" type="slidenum">
               <a:rPr lang="en-US" sz="2000" smtClean="0"/>
               <a:pPr/>
-              <a:t>22</a:t>
+              <a:t>21</a:t>
             </a:fld>
             <a:endParaRPr lang="en-US" sz="2000"/>
           </a:p>
@@ -19101,7 +18189,7 @@
 </p:sld>
 </file>
 
-<file path=ppt/slides/slide23.xml><?xml version="1.0" encoding="utf-8"?>
+<file path=ppt/slides/slide22.xml><?xml version="1.0" encoding="utf-8"?>
 <p:sld xmlns:a="http://schemas.openxmlformats.org/drawingml/2006/main" xmlns:r="http://schemas.openxmlformats.org/officeDocument/2006/relationships" xmlns:p="http://schemas.openxmlformats.org/presentationml/2006/main">
   <p:cSld>
     <p:spTree>
@@ -19277,7 +18365,7 @@
             <a:fld id="{B6F15528-21DE-4FAA-801E-634DDDAF4B2B}" type="slidenum">
               <a:rPr lang="en-US" sz="2000" smtClean="0"/>
               <a:pPr/>
-              <a:t>23</a:t>
+              <a:t>22</a:t>
             </a:fld>
             <a:endParaRPr lang="en-US" sz="2000"/>
           </a:p>
@@ -20093,7 +19181,7 @@
 </p:sld>
 </file>
 
-<file path=ppt/slides/slide24.xml><?xml version="1.0" encoding="utf-8"?>
+<file path=ppt/slides/slide23.xml><?xml version="1.0" encoding="utf-8"?>
 <p:sld xmlns:a="http://schemas.openxmlformats.org/drawingml/2006/main" xmlns:r="http://schemas.openxmlformats.org/officeDocument/2006/relationships" xmlns:p="http://schemas.openxmlformats.org/presentationml/2006/main">
   <p:cSld>
     <p:spTree>
@@ -20269,7 +19357,7 @@
             <a:fld id="{B6F15528-21DE-4FAA-801E-634DDDAF4B2B}" type="slidenum">
               <a:rPr lang="en-US" sz="2000" smtClean="0"/>
               <a:pPr/>
-              <a:t>24</a:t>
+              <a:t>23</a:t>
             </a:fld>
             <a:endParaRPr lang="en-US" sz="2000"/>
           </a:p>
@@ -20395,7 +19483,7 @@
 </p:sld>
 </file>
 
-<file path=ppt/slides/slide25.xml><?xml version="1.0" encoding="utf-8"?>
+<file path=ppt/slides/slide24.xml><?xml version="1.0" encoding="utf-8"?>
 <p:sld xmlns:a="http://schemas.openxmlformats.org/drawingml/2006/main" xmlns:r="http://schemas.openxmlformats.org/officeDocument/2006/relationships" xmlns:p="http://schemas.openxmlformats.org/presentationml/2006/main">
   <p:cSld>
     <p:spTree>
@@ -20570,7 +19658,7 @@
             <a:fld id="{B6F15528-21DE-4FAA-801E-634DDDAF4B2B}" type="slidenum">
               <a:rPr lang="en-US" sz="2000" smtClean="0"/>
               <a:pPr/>
-              <a:t>25</a:t>
+              <a:t>24</a:t>
             </a:fld>
             <a:endParaRPr lang="en-US" sz="2000"/>
           </a:p>
@@ -20596,7 +19684,7 @@
 </p:sld>
 </file>
 
-<file path=ppt/slides/slide26.xml><?xml version="1.0" encoding="utf-8"?>
+<file path=ppt/slides/slide25.xml><?xml version="1.0" encoding="utf-8"?>
 <p:sld xmlns:a="http://schemas.openxmlformats.org/drawingml/2006/main" xmlns:r="http://schemas.openxmlformats.org/officeDocument/2006/relationships" xmlns:p="http://schemas.openxmlformats.org/presentationml/2006/main">
   <p:cSld>
     <p:spTree>
@@ -20790,7 +19878,7 @@
             <a:fld id="{B6F15528-21DE-4FAA-801E-634DDDAF4B2B}" type="slidenum">
               <a:rPr lang="en-US" sz="2000" smtClean="0"/>
               <a:pPr/>
-              <a:t>26</a:t>
+              <a:t>25</a:t>
             </a:fld>
             <a:endParaRPr lang="en-US" sz="2000"/>
           </a:p>
@@ -20816,7 +19904,7 @@
 </p:sld>
 </file>
 
-<file path=ppt/slides/slide27.xml><?xml version="1.0" encoding="utf-8"?>
+<file path=ppt/slides/slide26.xml><?xml version="1.0" encoding="utf-8"?>
 <p:sld xmlns:a="http://schemas.openxmlformats.org/drawingml/2006/main" xmlns:r="http://schemas.openxmlformats.org/officeDocument/2006/relationships" xmlns:p="http://schemas.openxmlformats.org/presentationml/2006/main">
   <p:cSld>
     <p:spTree>
@@ -20991,7 +20079,7 @@
             <a:fld id="{B6F15528-21DE-4FAA-801E-634DDDAF4B2B}" type="slidenum">
               <a:rPr lang="en-US" sz="2000" smtClean="0"/>
               <a:pPr/>
-              <a:t>27</a:t>
+              <a:t>26</a:t>
             </a:fld>
             <a:endParaRPr lang="en-US" sz="2000"/>
           </a:p>
@@ -21093,7 +20181,7 @@
 </p:sld>
 </file>
 
-<file path=ppt/slides/slide28.xml><?xml version="1.0" encoding="utf-8"?>
+<file path=ppt/slides/slide27.xml><?xml version="1.0" encoding="utf-8"?>
 <p:sld xmlns:a="http://schemas.openxmlformats.org/drawingml/2006/main" xmlns:r="http://schemas.openxmlformats.org/officeDocument/2006/relationships" xmlns:p="http://schemas.openxmlformats.org/presentationml/2006/main">
   <p:cSld>
     <p:spTree>
@@ -21403,7 +20491,7 @@
             <a:fld id="{B6F15528-21DE-4FAA-801E-634DDDAF4B2B}" type="slidenum">
               <a:rPr lang="en-US" sz="2000" smtClean="0"/>
               <a:pPr/>
-              <a:t>28</a:t>
+              <a:t>27</a:t>
             </a:fld>
             <a:endParaRPr lang="en-US" sz="2000"/>
           </a:p>
@@ -21429,7 +20517,7 @@
 </p:sld>
 </file>
 
-<file path=ppt/slides/slide29.xml><?xml version="1.0" encoding="utf-8"?>
+<file path=ppt/slides/slide28.xml><?xml version="1.0" encoding="utf-8"?>
 <p:sld xmlns:a="http://schemas.openxmlformats.org/drawingml/2006/main" xmlns:r="http://schemas.openxmlformats.org/officeDocument/2006/relationships" xmlns:p="http://schemas.openxmlformats.org/presentationml/2006/main">
   <p:cSld>
     <p:spTree>
@@ -21604,7 +20692,7 @@
             <a:fld id="{B6F15528-21DE-4FAA-801E-634DDDAF4B2B}" type="slidenum">
               <a:rPr lang="en-US" sz="2000" smtClean="0"/>
               <a:pPr/>
-              <a:t>29</a:t>
+              <a:t>28</a:t>
             </a:fld>
             <a:endParaRPr lang="en-US" sz="2000"/>
           </a:p>
@@ -21690,6 +20778,283 @@
     <p:extLst>
       <p:ext uri="{BB962C8B-B14F-4D97-AF65-F5344CB8AC3E}">
         <p14:creationId xmlns:p14="http://schemas.microsoft.com/office/powerpoint/2010/main" val="936051198"/>
+      </p:ext>
+    </p:extLst>
+  </p:cSld>
+  <p:clrMapOvr>
+    <a:masterClrMapping/>
+  </p:clrMapOvr>
+  <p:timing>
+    <p:tnLst>
+      <p:par>
+        <p:cTn id="1" dur="indefinite" restart="never" nodeType="tmRoot"/>
+      </p:par>
+    </p:tnLst>
+  </p:timing>
+</p:sld>
+</file>
+
+<file path=ppt/slides/slide29.xml><?xml version="1.0" encoding="utf-8"?>
+<p:sld xmlns:a="http://schemas.openxmlformats.org/drawingml/2006/main" xmlns:r="http://schemas.openxmlformats.org/officeDocument/2006/relationships" xmlns:p="http://schemas.openxmlformats.org/presentationml/2006/main">
+  <p:cSld>
+    <p:spTree>
+      <p:nvGrpSpPr>
+        <p:cNvPr id="1" name=""/>
+        <p:cNvGrpSpPr/>
+        <p:nvPr/>
+      </p:nvGrpSpPr>
+      <p:grpSpPr>
+        <a:xfrm>
+          <a:off x="0" y="0"/>
+          <a:ext cx="0" cy="0"/>
+          <a:chOff x="0" y="0"/>
+          <a:chExt cx="0" cy="0"/>
+        </a:xfrm>
+      </p:grpSpPr>
+      <p:sp>
+        <p:nvSpPr>
+          <p:cNvPr id="8" name="Title 1"/>
+          <p:cNvSpPr>
+            <a:spLocks noGrp="1"/>
+          </p:cNvSpPr>
+          <p:nvPr>
+            <p:ph type="title"/>
+          </p:nvPr>
+        </p:nvSpPr>
+        <p:spPr>
+          <a:xfrm>
+            <a:off x="228600" y="579437"/>
+            <a:ext cx="9448800" cy="563563"/>
+          </a:xfrm>
+        </p:spPr>
+        <p:txBody>
+          <a:bodyPr>
+            <a:noAutofit/>
+          </a:bodyPr>
+          <a:lstStyle/>
+          <a:p>
+            <a:r>
+              <a:rPr lang="en-US" sz="2900" cap="all" smtClean="0">
+                <a:ln w="9000" cmpd="sng">
+                  <a:solidFill>
+                    <a:schemeClr val="accent4">
+                      <a:shade val="50000"/>
+                      <a:satMod val="120000"/>
+                    </a:schemeClr>
+                  </a:solidFill>
+                  <a:prstDash val="solid"/>
+                </a:ln>
+                <a:gradFill>
+                  <a:gsLst>
+                    <a:gs pos="0">
+                      <a:schemeClr val="accent4">
+                        <a:shade val="20000"/>
+                        <a:satMod val="245000"/>
+                      </a:schemeClr>
+                    </a:gs>
+                    <a:gs pos="43000">
+                      <a:schemeClr val="accent4">
+                        <a:satMod val="255000"/>
+                      </a:schemeClr>
+                    </a:gs>
+                    <a:gs pos="48000">
+                      <a:schemeClr val="accent4">
+                        <a:shade val="85000"/>
+                        <a:satMod val="255000"/>
+                      </a:schemeClr>
+                    </a:gs>
+                    <a:gs pos="100000">
+                      <a:schemeClr val="accent4">
+                        <a:shade val="20000"/>
+                        <a:satMod val="245000"/>
+                      </a:schemeClr>
+                    </a:gs>
+                  </a:gsLst>
+                  <a:lin ang="5400000"/>
+                </a:gradFill>
+                <a:effectLst>
+                  <a:reflection blurRad="12700" stA="28000" endPos="45000" dist="1000" dir="5400000" sy="-100000" algn="bl" rotWithShape="0"/>
+                </a:effectLst>
+              </a:rPr>
+              <a:t>4 demo ứng dụng thao tác registry</a:t>
+            </a:r>
+            <a:endParaRPr lang="en-US" sz="2900" cap="all">
+              <a:ln w="9000" cmpd="sng">
+                <a:solidFill>
+                  <a:schemeClr val="accent4">
+                    <a:shade val="50000"/>
+                    <a:satMod val="120000"/>
+                  </a:schemeClr>
+                </a:solidFill>
+                <a:prstDash val="solid"/>
+              </a:ln>
+              <a:gradFill>
+                <a:gsLst>
+                  <a:gs pos="0">
+                    <a:schemeClr val="accent4">
+                      <a:shade val="20000"/>
+                      <a:satMod val="245000"/>
+                    </a:schemeClr>
+                  </a:gs>
+                  <a:gs pos="43000">
+                    <a:schemeClr val="accent4">
+                      <a:satMod val="255000"/>
+                    </a:schemeClr>
+                  </a:gs>
+                  <a:gs pos="48000">
+                    <a:schemeClr val="accent4">
+                      <a:shade val="85000"/>
+                      <a:satMod val="255000"/>
+                    </a:schemeClr>
+                  </a:gs>
+                  <a:gs pos="100000">
+                    <a:schemeClr val="accent4">
+                      <a:shade val="20000"/>
+                      <a:satMod val="245000"/>
+                    </a:schemeClr>
+                  </a:gs>
+                </a:gsLst>
+                <a:lin ang="5400000"/>
+              </a:gradFill>
+              <a:effectLst>
+                <a:reflection blurRad="12700" stA="28000" endPos="45000" dist="1000" dir="5400000" sy="-100000" algn="bl" rotWithShape="0"/>
+              </a:effectLst>
+            </a:endParaRPr>
+          </a:p>
+        </p:txBody>
+      </p:sp>
+      <p:sp>
+        <p:nvSpPr>
+          <p:cNvPr id="2" name="Content Placeholder 1"/>
+          <p:cNvSpPr>
+            <a:spLocks noGrp="1"/>
+          </p:cNvSpPr>
+          <p:nvPr>
+            <p:ph idx="1"/>
+          </p:nvPr>
+        </p:nvSpPr>
+        <p:spPr/>
+        <p:txBody>
+          <a:bodyPr/>
+          <a:lstStyle/>
+          <a:p>
+            <a:pPr marL="0" lvl="0" indent="0" algn="ctr">
+              <a:buNone/>
+            </a:pPr>
+            <a:r>
+              <a:rPr lang="en-US" smtClean="0">
+                <a:solidFill>
+                  <a:srgbClr val="000000"/>
+                </a:solidFill>
+              </a:rPr>
+              <a:t>Mời mọi người cùng xem clip</a:t>
+            </a:r>
+          </a:p>
+        </p:txBody>
+      </p:sp>
+      <p:sp>
+        <p:nvSpPr>
+          <p:cNvPr id="4" name="Footer Placeholder 3"/>
+          <p:cNvSpPr>
+            <a:spLocks noGrp="1"/>
+          </p:cNvSpPr>
+          <p:nvPr>
+            <p:ph type="ftr" sz="quarter" idx="11"/>
+          </p:nvPr>
+        </p:nvSpPr>
+        <p:spPr>
+          <a:xfrm>
+            <a:off x="7162800" y="152400"/>
+            <a:ext cx="1752600" cy="228600"/>
+          </a:xfrm>
+        </p:spPr>
+        <p:txBody>
+          <a:bodyPr/>
+          <a:lstStyle/>
+          <a:p>
+            <a:r>
+              <a:rPr lang="en-US" smtClean="0"/>
+              <a:t>www.hcmus.edu.vn</a:t>
+            </a:r>
+            <a:endParaRPr lang="en-US"/>
+          </a:p>
+        </p:txBody>
+      </p:sp>
+      <p:sp>
+        <p:nvSpPr>
+          <p:cNvPr id="6" name="Slide Number Placeholder 11"/>
+          <p:cNvSpPr>
+            <a:spLocks noGrp="1"/>
+          </p:cNvSpPr>
+          <p:nvPr>
+            <p:ph type="sldNum" sz="quarter" idx="12"/>
+          </p:nvPr>
+        </p:nvSpPr>
+        <p:spPr>
+          <a:xfrm>
+            <a:off x="3429000" y="6477000"/>
+            <a:ext cx="2133600" cy="381000"/>
+          </a:xfrm>
+        </p:spPr>
+        <p:txBody>
+          <a:bodyPr/>
+          <a:lstStyle/>
+          <a:p>
+            <a:fld id="{B6F15528-21DE-4FAA-801E-634DDDAF4B2B}" type="slidenum">
+              <a:rPr lang="en-US" sz="2000" smtClean="0"/>
+              <a:pPr/>
+              <a:t>29</a:t>
+            </a:fld>
+            <a:endParaRPr lang="en-US" sz="2000"/>
+          </a:p>
+        </p:txBody>
+      </p:sp>
+      <p:sp>
+        <p:nvSpPr>
+          <p:cNvPr id="3" name="7-Point Star 2"/>
+          <p:cNvSpPr/>
+          <p:nvPr/>
+        </p:nvSpPr>
+        <p:spPr>
+          <a:xfrm>
+            <a:off x="3124200" y="3031671"/>
+            <a:ext cx="2819400" cy="2073729"/>
+          </a:xfrm>
+          <a:prstGeom prst="star7">
+            <a:avLst/>
+          </a:prstGeom>
+        </p:spPr>
+        <p:style>
+          <a:lnRef idx="3">
+            <a:schemeClr val="lt1"/>
+          </a:lnRef>
+          <a:fillRef idx="1">
+            <a:schemeClr val="accent4"/>
+          </a:fillRef>
+          <a:effectRef idx="1">
+            <a:schemeClr val="accent4"/>
+          </a:effectRef>
+          <a:fontRef idx="minor">
+            <a:schemeClr val="lt1"/>
+          </a:fontRef>
+        </p:style>
+        <p:txBody>
+          <a:bodyPr rtlCol="0" anchor="ctr"/>
+          <a:lstStyle/>
+          <a:p>
+            <a:pPr algn="ctr"/>
+            <a:r>
+              <a:rPr lang="en-US" sz="2800" b="1" smtClean="0"/>
+              <a:t>Demo</a:t>
+            </a:r>
+            <a:endParaRPr lang="en-US" b="1"/>
+          </a:p>
+        </p:txBody>
+      </p:sp>
+    </p:spTree>
+    <p:extLst>
+      <p:ext uri="{BB962C8B-B14F-4D97-AF65-F5344CB8AC3E}">
+        <p14:creationId xmlns:p14="http://schemas.microsoft.com/office/powerpoint/2010/main" val="3137645208"/>
       </p:ext>
     </p:extLst>
   </p:cSld>
@@ -22109,283 +21474,6 @@
 </file>
 
 <file path=ppt/slides/slide30.xml><?xml version="1.0" encoding="utf-8"?>
-<p:sld xmlns:a="http://schemas.openxmlformats.org/drawingml/2006/main" xmlns:r="http://schemas.openxmlformats.org/officeDocument/2006/relationships" xmlns:p="http://schemas.openxmlformats.org/presentationml/2006/main">
-  <p:cSld>
-    <p:spTree>
-      <p:nvGrpSpPr>
-        <p:cNvPr id="1" name=""/>
-        <p:cNvGrpSpPr/>
-        <p:nvPr/>
-      </p:nvGrpSpPr>
-      <p:grpSpPr>
-        <a:xfrm>
-          <a:off x="0" y="0"/>
-          <a:ext cx="0" cy="0"/>
-          <a:chOff x="0" y="0"/>
-          <a:chExt cx="0" cy="0"/>
-        </a:xfrm>
-      </p:grpSpPr>
-      <p:sp>
-        <p:nvSpPr>
-          <p:cNvPr id="8" name="Title 1"/>
-          <p:cNvSpPr>
-            <a:spLocks noGrp="1"/>
-          </p:cNvSpPr>
-          <p:nvPr>
-            <p:ph type="title"/>
-          </p:nvPr>
-        </p:nvSpPr>
-        <p:spPr>
-          <a:xfrm>
-            <a:off x="228600" y="579437"/>
-            <a:ext cx="9448800" cy="563563"/>
-          </a:xfrm>
-        </p:spPr>
-        <p:txBody>
-          <a:bodyPr>
-            <a:noAutofit/>
-          </a:bodyPr>
-          <a:lstStyle/>
-          <a:p>
-            <a:r>
-              <a:rPr lang="en-US" sz="2900" cap="all" smtClean="0">
-                <a:ln w="9000" cmpd="sng">
-                  <a:solidFill>
-                    <a:schemeClr val="accent4">
-                      <a:shade val="50000"/>
-                      <a:satMod val="120000"/>
-                    </a:schemeClr>
-                  </a:solidFill>
-                  <a:prstDash val="solid"/>
-                </a:ln>
-                <a:gradFill>
-                  <a:gsLst>
-                    <a:gs pos="0">
-                      <a:schemeClr val="accent4">
-                        <a:shade val="20000"/>
-                        <a:satMod val="245000"/>
-                      </a:schemeClr>
-                    </a:gs>
-                    <a:gs pos="43000">
-                      <a:schemeClr val="accent4">
-                        <a:satMod val="255000"/>
-                      </a:schemeClr>
-                    </a:gs>
-                    <a:gs pos="48000">
-                      <a:schemeClr val="accent4">
-                        <a:shade val="85000"/>
-                        <a:satMod val="255000"/>
-                      </a:schemeClr>
-                    </a:gs>
-                    <a:gs pos="100000">
-                      <a:schemeClr val="accent4">
-                        <a:shade val="20000"/>
-                        <a:satMod val="245000"/>
-                      </a:schemeClr>
-                    </a:gs>
-                  </a:gsLst>
-                  <a:lin ang="5400000"/>
-                </a:gradFill>
-                <a:effectLst>
-                  <a:reflection blurRad="12700" stA="28000" endPos="45000" dist="1000" dir="5400000" sy="-100000" algn="bl" rotWithShape="0"/>
-                </a:effectLst>
-              </a:rPr>
-              <a:t>4 demo ứng dụng thao tác registry</a:t>
-            </a:r>
-            <a:endParaRPr lang="en-US" sz="2900" cap="all">
-              <a:ln w="9000" cmpd="sng">
-                <a:solidFill>
-                  <a:schemeClr val="accent4">
-                    <a:shade val="50000"/>
-                    <a:satMod val="120000"/>
-                  </a:schemeClr>
-                </a:solidFill>
-                <a:prstDash val="solid"/>
-              </a:ln>
-              <a:gradFill>
-                <a:gsLst>
-                  <a:gs pos="0">
-                    <a:schemeClr val="accent4">
-                      <a:shade val="20000"/>
-                      <a:satMod val="245000"/>
-                    </a:schemeClr>
-                  </a:gs>
-                  <a:gs pos="43000">
-                    <a:schemeClr val="accent4">
-                      <a:satMod val="255000"/>
-                    </a:schemeClr>
-                  </a:gs>
-                  <a:gs pos="48000">
-                    <a:schemeClr val="accent4">
-                      <a:shade val="85000"/>
-                      <a:satMod val="255000"/>
-                    </a:schemeClr>
-                  </a:gs>
-                  <a:gs pos="100000">
-                    <a:schemeClr val="accent4">
-                      <a:shade val="20000"/>
-                      <a:satMod val="245000"/>
-                    </a:schemeClr>
-                  </a:gs>
-                </a:gsLst>
-                <a:lin ang="5400000"/>
-              </a:gradFill>
-              <a:effectLst>
-                <a:reflection blurRad="12700" stA="28000" endPos="45000" dist="1000" dir="5400000" sy="-100000" algn="bl" rotWithShape="0"/>
-              </a:effectLst>
-            </a:endParaRPr>
-          </a:p>
-        </p:txBody>
-      </p:sp>
-      <p:sp>
-        <p:nvSpPr>
-          <p:cNvPr id="2" name="Content Placeholder 1"/>
-          <p:cNvSpPr>
-            <a:spLocks noGrp="1"/>
-          </p:cNvSpPr>
-          <p:nvPr>
-            <p:ph idx="1"/>
-          </p:nvPr>
-        </p:nvSpPr>
-        <p:spPr/>
-        <p:txBody>
-          <a:bodyPr/>
-          <a:lstStyle/>
-          <a:p>
-            <a:pPr marL="0" lvl="0" indent="0" algn="ctr">
-              <a:buNone/>
-            </a:pPr>
-            <a:r>
-              <a:rPr lang="en-US" smtClean="0">
-                <a:solidFill>
-                  <a:srgbClr val="000000"/>
-                </a:solidFill>
-              </a:rPr>
-              <a:t>Mời mọi người cùng xem clip</a:t>
-            </a:r>
-          </a:p>
-        </p:txBody>
-      </p:sp>
-      <p:sp>
-        <p:nvSpPr>
-          <p:cNvPr id="4" name="Footer Placeholder 3"/>
-          <p:cNvSpPr>
-            <a:spLocks noGrp="1"/>
-          </p:cNvSpPr>
-          <p:nvPr>
-            <p:ph type="ftr" sz="quarter" idx="11"/>
-          </p:nvPr>
-        </p:nvSpPr>
-        <p:spPr>
-          <a:xfrm>
-            <a:off x="7162800" y="152400"/>
-            <a:ext cx="1752600" cy="228600"/>
-          </a:xfrm>
-        </p:spPr>
-        <p:txBody>
-          <a:bodyPr/>
-          <a:lstStyle/>
-          <a:p>
-            <a:r>
-              <a:rPr lang="en-US" smtClean="0"/>
-              <a:t>www.hcmus.edu.vn</a:t>
-            </a:r>
-            <a:endParaRPr lang="en-US"/>
-          </a:p>
-        </p:txBody>
-      </p:sp>
-      <p:sp>
-        <p:nvSpPr>
-          <p:cNvPr id="6" name="Slide Number Placeholder 11"/>
-          <p:cNvSpPr>
-            <a:spLocks noGrp="1"/>
-          </p:cNvSpPr>
-          <p:nvPr>
-            <p:ph type="sldNum" sz="quarter" idx="12"/>
-          </p:nvPr>
-        </p:nvSpPr>
-        <p:spPr>
-          <a:xfrm>
-            <a:off x="3429000" y="6477000"/>
-            <a:ext cx="2133600" cy="381000"/>
-          </a:xfrm>
-        </p:spPr>
-        <p:txBody>
-          <a:bodyPr/>
-          <a:lstStyle/>
-          <a:p>
-            <a:fld id="{B6F15528-21DE-4FAA-801E-634DDDAF4B2B}" type="slidenum">
-              <a:rPr lang="en-US" sz="2000" smtClean="0"/>
-              <a:pPr/>
-              <a:t>30</a:t>
-            </a:fld>
-            <a:endParaRPr lang="en-US" sz="2000"/>
-          </a:p>
-        </p:txBody>
-      </p:sp>
-      <p:sp>
-        <p:nvSpPr>
-          <p:cNvPr id="3" name="7-Point Star 2"/>
-          <p:cNvSpPr/>
-          <p:nvPr/>
-        </p:nvSpPr>
-        <p:spPr>
-          <a:xfrm>
-            <a:off x="3124200" y="3031671"/>
-            <a:ext cx="2819400" cy="2073729"/>
-          </a:xfrm>
-          <a:prstGeom prst="star7">
-            <a:avLst/>
-          </a:prstGeom>
-        </p:spPr>
-        <p:style>
-          <a:lnRef idx="3">
-            <a:schemeClr val="lt1"/>
-          </a:lnRef>
-          <a:fillRef idx="1">
-            <a:schemeClr val="accent4"/>
-          </a:fillRef>
-          <a:effectRef idx="1">
-            <a:schemeClr val="accent4"/>
-          </a:effectRef>
-          <a:fontRef idx="minor">
-            <a:schemeClr val="lt1"/>
-          </a:fontRef>
-        </p:style>
-        <p:txBody>
-          <a:bodyPr rtlCol="0" anchor="ctr"/>
-          <a:lstStyle/>
-          <a:p>
-            <a:pPr algn="ctr"/>
-            <a:r>
-              <a:rPr lang="en-US" sz="2800" b="1" smtClean="0"/>
-              <a:t>Demo</a:t>
-            </a:r>
-            <a:endParaRPr lang="en-US" b="1"/>
-          </a:p>
-        </p:txBody>
-      </p:sp>
-    </p:spTree>
-    <p:extLst>
-      <p:ext uri="{BB962C8B-B14F-4D97-AF65-F5344CB8AC3E}">
-        <p14:creationId xmlns:p14="http://schemas.microsoft.com/office/powerpoint/2010/main" val="3137645208"/>
-      </p:ext>
-    </p:extLst>
-  </p:cSld>
-  <p:clrMapOvr>
-    <a:masterClrMapping/>
-  </p:clrMapOvr>
-  <p:timing>
-    <p:tnLst>
-      <p:par>
-        <p:cTn id="1" dur="indefinite" restart="never" nodeType="tmRoot"/>
-      </p:par>
-    </p:tnLst>
-  </p:timing>
-</p:sld>
-</file>
-
-<file path=ppt/slides/slide31.xml><?xml version="1.0" encoding="utf-8"?>
 <p:sld xmlns:a="http://schemas.openxmlformats.org/drawingml/2006/main" xmlns:r="http://schemas.openxmlformats.org/officeDocument/2006/relationships" xmlns:p="http://schemas.openxmlformats.org/presentationml/2006/main">
   <p:cSld>
     <p:spTree>
@@ -23267,10 +22355,9 @@
           <a:bodyPr/>
           <a:lstStyle/>
           <a:p>
-            <a:pPr algn="just">
+            <a:pPr marL="0" indent="400050" algn="just">
               <a:buClrTx/>
-              <a:buFont typeface="Wingdings" pitchFamily="2" charset="2"/>
-              <a:buChar char="q"/>
+              <a:buNone/>
             </a:pPr>
             <a:r>
               <a:rPr lang="en-US" b="0">
@@ -23298,10 +22385,9 @@
             </a:r>
           </a:p>
           <a:p>
-            <a:pPr algn="just">
+            <a:pPr marL="0" indent="400050" algn="just">
               <a:buClrTx/>
-              <a:buFont typeface="Wingdings" pitchFamily="2" charset="2"/>
-              <a:buChar char="q"/>
+              <a:buNone/>
             </a:pPr>
             <a:r>
               <a:rPr lang="fr-CA" b="0">
@@ -23318,10 +22404,9 @@
             </a:endParaRPr>
           </a:p>
           <a:p>
-            <a:pPr algn="just">
+            <a:pPr marL="0" indent="400050" algn="just">
               <a:buClrTx/>
-              <a:buFont typeface="Wingdings" pitchFamily="2" charset="2"/>
-              <a:buChar char="q"/>
+              <a:buNone/>
             </a:pPr>
             <a:r>
               <a:rPr lang="fr-CA" b="0">
@@ -23569,10 +22654,9 @@
           <a:bodyPr/>
           <a:lstStyle/>
           <a:p>
-            <a:pPr lvl="0" algn="just">
+            <a:pPr marL="0" lvl="0" indent="457200" algn="just">
               <a:buClrTx/>
-              <a:buFont typeface="Wingdings" pitchFamily="2" charset="2"/>
-              <a:buChar char="q"/>
+              <a:buNone/>
             </a:pPr>
             <a:r>
               <a:rPr lang="en-US" b="0">
@@ -23584,10 +22668,9 @@
             </a:r>
           </a:p>
           <a:p>
-            <a:pPr lvl="0" algn="just">
+            <a:pPr marL="0" lvl="0" indent="457200" algn="just">
               <a:buClrTx/>
-              <a:buFont typeface="Wingdings" pitchFamily="2" charset="2"/>
-              <a:buChar char="q"/>
+              <a:buNone/>
             </a:pPr>
             <a:r>
               <a:rPr lang="en-US" b="0">
@@ -24043,11 +23126,21 @@
           <a:bodyPr/>
           <a:lstStyle/>
           <a:p>
-            <a:pPr lvl="0" algn="just">
+            <a:pPr marL="0" lvl="0" indent="457200" algn="just">
               <a:buClrTx/>
-              <a:buFont typeface="Wingdings" pitchFamily="2" charset="2"/>
-              <a:buChar char="q"/>
+              <a:buNone/>
             </a:pPr>
+            <a:endParaRPr lang="en-US" b="0" smtClean="0">
+              <a:solidFill>
+                <a:srgbClr val="000000"/>
+              </a:solidFill>
+            </a:endParaRPr>
+          </a:p>
+          <a:p>
+            <a:pPr marL="0" lvl="0" indent="457200" algn="just">
+              <a:buClrTx/>
+              <a:buNone/>
+            </a:pPr>
             <a:r>
               <a:rPr lang="en-US" b="0" smtClean="0">
                 <a:solidFill>
@@ -24082,10 +23175,9 @@
             </a:r>
           </a:p>
           <a:p>
-            <a:pPr lvl="0" algn="just">
+            <a:pPr marL="0" lvl="0" indent="457200" algn="just">
               <a:buClrTx/>
-              <a:buFont typeface="Wingdings" pitchFamily="2" charset="2"/>
-              <a:buChar char="q"/>
+              <a:buNone/>
             </a:pPr>
             <a:r>
               <a:rPr lang="en-US" b="0" smtClean="0">
@@ -24335,7 +23427,7 @@
           <a:bodyPr/>
           <a:lstStyle/>
           <a:p>
-            <a:pPr lvl="0" algn="just">
+            <a:pPr marL="685800" lvl="0" indent="-514350" algn="just">
               <a:buClrTx/>
               <a:buFont typeface="Wingdings" pitchFamily="2" charset="2"/>
               <a:buChar char="q"/>
@@ -24350,7 +23442,7 @@
             </a:r>
           </a:p>
           <a:p>
-            <a:pPr lvl="0" algn="just">
+            <a:pPr marL="685800" lvl="0" indent="-514350" algn="just">
               <a:buClrTx/>
               <a:buFont typeface="Wingdings" pitchFamily="2" charset="2"/>
               <a:buChar char="q"/>
@@ -24365,7 +23457,7 @@
             </a:r>
           </a:p>
           <a:p>
-            <a:pPr lvl="0" algn="just">
+            <a:pPr marL="685800" lvl="0" indent="-514350" algn="just">
               <a:buClrTx/>
               <a:buFont typeface="Wingdings" pitchFamily="2" charset="2"/>
               <a:buChar char="q"/>
@@ -24380,7 +23472,7 @@
             </a:r>
           </a:p>
           <a:p>
-            <a:pPr lvl="0" algn="just">
+            <a:pPr marL="685800" lvl="0" indent="-514350" algn="just">
               <a:buClrTx/>
               <a:buFont typeface="Wingdings" pitchFamily="2" charset="2"/>
               <a:buChar char="q"/>
@@ -24395,7 +23487,7 @@
             </a:r>
           </a:p>
           <a:p>
-            <a:pPr lvl="0" algn="just">
+            <a:pPr marL="685800" lvl="0" indent="-514350" algn="just">
               <a:buClrTx/>
               <a:buFont typeface="Wingdings" pitchFamily="2" charset="2"/>
               <a:buChar char="q"/>
@@ -24410,7 +23502,7 @@
             </a:r>
           </a:p>
           <a:p>
-            <a:pPr algn="just">
+            <a:pPr marL="685800" indent="-514350" algn="just">
               <a:buClrTx/>
               <a:buFont typeface="Wingdings" pitchFamily="2" charset="2"/>
               <a:buChar char="q"/>

--- a/trunk/Seminar_JNI/Slide_00.pptx
+++ b/trunk/Seminar_JNI/Slide_00.pptx
@@ -15448,154 +15448,198 @@
               <a:buChar char="q"/>
             </a:pPr>
             <a:r>
-              <a:rPr lang="en-US">
+              <a:rPr lang="en-US" sz="2400" b="1">
                 <a:solidFill>
                   <a:srgbClr val="000000"/>
                 </a:solidFill>
-                <a:latin typeface="Arial" pitchFamily="34" charset="0"/>
+                <a:latin typeface="+mj-lt"/>
                 <a:cs typeface="Arial" pitchFamily="34" charset="0"/>
               </a:rPr>
               <a:t>Field </a:t>
             </a:r>
             <a:r>
-              <a:rPr lang="en-US" smtClean="0">
+              <a:rPr lang="en-US" sz="2400" b="1" smtClean="0">
                 <a:solidFill>
                   <a:srgbClr val="000000"/>
                 </a:solidFill>
-                <a:latin typeface="Arial" pitchFamily="34" charset="0"/>
+                <a:latin typeface="+mj-lt"/>
                 <a:cs typeface="Arial" pitchFamily="34" charset="0"/>
               </a:rPr>
               <a:t>Descriptors </a:t>
             </a:r>
-            <a:r>
-              <a:rPr lang="en-US" b="0" smtClean="0">
-                <a:solidFill>
-                  <a:srgbClr val="000000"/>
-                </a:solidFill>
-                <a:latin typeface="Arial" pitchFamily="34" charset="0"/>
-                <a:cs typeface="Arial" pitchFamily="34" charset="0"/>
-              </a:rPr>
-              <a:t>là </a:t>
-            </a:r>
-            <a:r>
-              <a:rPr lang="en-US" b="0">
-                <a:solidFill>
-                  <a:srgbClr val="000000"/>
-                </a:solidFill>
-                <a:latin typeface="Arial" pitchFamily="34" charset="0"/>
-                <a:cs typeface="Arial" pitchFamily="34" charset="0"/>
-              </a:rPr>
-              <a:t>một chuỗi dùng để biểu diễn kiểu dữ liệu của field.</a:t>
-            </a:r>
-          </a:p>
-          <a:p>
-            <a:pPr>
-              <a:buClrTx/>
-              <a:buFont typeface="Wingdings" pitchFamily="2" charset="2"/>
-              <a:buChar char="q"/>
-            </a:pPr>
-            <a:r>
-              <a:rPr lang="en-US" b="0">
-                <a:solidFill>
-                  <a:srgbClr val="000000"/>
-                </a:solidFill>
-                <a:latin typeface="Arial" pitchFamily="34" charset="0"/>
-                <a:cs typeface="Arial" pitchFamily="34" charset="0"/>
-              </a:rPr>
-              <a:t>Với các kiểu cơ bản mô tả sẽ đơn giản hơn như: int có chuỗi mô tả là “I”, float có “F”, double có “D”, boolean có “Z”.</a:t>
-            </a:r>
-          </a:p>
-          <a:p>
-            <a:pPr>
-              <a:buClrTx/>
-              <a:buFont typeface="Wingdings" pitchFamily="2" charset="2"/>
-              <a:buChar char="q"/>
-            </a:pPr>
-            <a:r>
-              <a:rPr lang="en-US" b="0">
-                <a:solidFill>
-                  <a:srgbClr val="000000"/>
-                </a:solidFill>
-                <a:latin typeface="Arial" pitchFamily="34" charset="0"/>
-                <a:cs typeface="Arial" pitchFamily="34" charset="0"/>
-              </a:rPr>
-              <a:t>Với các kiểu dữ liệu khác thì mô tả theo package name của nó. </a:t>
-            </a:r>
-            <a:endParaRPr lang="en-US" b="0" smtClean="0">
+            <a:endParaRPr lang="en-US" sz="2400" b="1" smtClean="0">
               <a:solidFill>
                 <a:srgbClr val="000000"/>
               </a:solidFill>
-              <a:latin typeface="Arial" pitchFamily="34" charset="0"/>
+              <a:latin typeface="+mj-lt"/>
               <a:cs typeface="Arial" pitchFamily="34" charset="0"/>
             </a:endParaRPr>
           </a:p>
           <a:p>
-            <a:pPr marL="0" indent="0">
+            <a:pPr marL="0" lvl="1" indent="457200">
               <a:buClrTx/>
               <a:buNone/>
             </a:pPr>
             <a:r>
-              <a:rPr lang="en-US" b="0">
+              <a:rPr lang="en-US" sz="2400" b="0" smtClean="0">
                 <a:solidFill>
                   <a:srgbClr val="000000"/>
                 </a:solidFill>
-                <a:latin typeface="Arial" pitchFamily="34" charset="0"/>
+                <a:latin typeface="+mj-lt"/>
                 <a:cs typeface="Arial" pitchFamily="34" charset="0"/>
               </a:rPr>
-              <a:t>	</a:t>
-            </a:r>
-            <a:r>
-              <a:rPr lang="en-US" b="0" smtClean="0">
+              <a:t>Là </a:t>
+            </a:r>
+            <a:r>
+              <a:rPr lang="en-US" sz="2400" b="0">
                 <a:solidFill>
                   <a:srgbClr val="000000"/>
                 </a:solidFill>
-                <a:latin typeface="Arial" pitchFamily="34" charset="0"/>
+                <a:latin typeface="+mj-lt"/>
                 <a:cs typeface="Arial" pitchFamily="34" charset="0"/>
               </a:rPr>
-              <a:t>Chẳng </a:t>
-            </a:r>
-            <a:r>
-              <a:rPr lang="en-US" b="0">
+              <a:t>một chuỗi </a:t>
+            </a:r>
+            <a:r>
+              <a:rPr lang="en-US" sz="2400" b="0" smtClean="0">
                 <a:solidFill>
                   <a:srgbClr val="000000"/>
                 </a:solidFill>
-                <a:latin typeface="Arial" pitchFamily="34" charset="0"/>
+                <a:latin typeface="+mj-lt"/>
                 <a:cs typeface="Arial" pitchFamily="34" charset="0"/>
               </a:rPr>
-              <a:t>hạn như kiểu String có thuộc package: java.lang.String thì chuỗi mô tả tương ứng là “Ljava/lang/String</a:t>
-            </a:r>
-            <a:r>
-              <a:rPr lang="en-US" b="0" smtClean="0">
+              <a:t>để </a:t>
+            </a:r>
+            <a:r>
+              <a:rPr lang="en-US" sz="2400" b="0">
                 <a:solidFill>
                   <a:srgbClr val="000000"/>
                 </a:solidFill>
-                <a:latin typeface="Arial" pitchFamily="34" charset="0"/>
+                <a:latin typeface="+mj-lt"/>
                 <a:cs typeface="Arial" pitchFamily="34" charset="0"/>
               </a:rPr>
-              <a:t>;” trong </a:t>
-            </a:r>
-            <a:r>
-              <a:rPr lang="en-US" b="0">
+              <a:t>biểu diễn kiểu dữ liệu của field.</a:t>
+            </a:r>
+          </a:p>
+          <a:p>
+            <a:pPr marL="0" indent="457200">
+              <a:buClrTx/>
+              <a:buNone/>
+            </a:pPr>
+            <a:r>
+              <a:rPr lang="en-US" sz="2400" b="0">
                 <a:solidFill>
                   <a:srgbClr val="000000"/>
                 </a:solidFill>
-                <a:latin typeface="Arial" pitchFamily="34" charset="0"/>
+                <a:latin typeface="+mj-lt"/>
                 <a:cs typeface="Arial" pitchFamily="34" charset="0"/>
               </a:rPr>
-              <a:t>JDK với tham số -s -p TenClass</a:t>
-            </a:r>
-          </a:p>
-          <a:p>
-            <a:pPr marL="342900" lvl="1" indent="-342900">
+              <a:t>Với các kiểu cơ bản mô tả sẽ đơn giản </a:t>
+            </a:r>
+            <a:r>
+              <a:rPr lang="en-US" sz="2400" b="0" smtClean="0">
+                <a:solidFill>
+                  <a:srgbClr val="000000"/>
+                </a:solidFill>
+                <a:latin typeface="+mj-lt"/>
+                <a:cs typeface="Arial" pitchFamily="34" charset="0"/>
+              </a:rPr>
+              <a:t>như</a:t>
+            </a:r>
+            <a:r>
+              <a:rPr lang="en-US" sz="2400" b="0">
+                <a:solidFill>
+                  <a:srgbClr val="000000"/>
+                </a:solidFill>
+                <a:latin typeface="+mj-lt"/>
+                <a:cs typeface="Arial" pitchFamily="34" charset="0"/>
+              </a:rPr>
+              <a:t>: int có chuỗi mô tả là “I”, float có “F”, double có “D”, boolean có “Z”.</a:t>
+            </a:r>
+          </a:p>
+          <a:p>
+            <a:pPr marL="0" indent="457200">
               <a:buClrTx/>
-              <a:buFont typeface="Wingdings" pitchFamily="2" charset="2"/>
-              <a:buChar char="q"/>
+              <a:buNone/>
             </a:pPr>
-            <a:endParaRPr lang="en-US" sz="2400">
+            <a:r>
+              <a:rPr lang="en-US" sz="2400" b="0">
+                <a:solidFill>
+                  <a:srgbClr val="000000"/>
+                </a:solidFill>
+                <a:latin typeface="+mj-lt"/>
+                <a:cs typeface="Arial" pitchFamily="34" charset="0"/>
+              </a:rPr>
+              <a:t>Với các kiểu dữ liệu khác thì mô tả theo package name của nó. </a:t>
+            </a:r>
+            <a:endParaRPr lang="en-US" sz="2400" b="0" smtClean="0">
               <a:solidFill>
                 <a:srgbClr val="000000"/>
               </a:solidFill>
-              <a:latin typeface="Arial" pitchFamily="34" charset="0"/>
+              <a:latin typeface="+mj-lt"/>
+              <a:cs typeface="Arial" pitchFamily="34" charset="0"/>
+            </a:endParaRPr>
+          </a:p>
+          <a:p>
+            <a:pPr marL="0" indent="457200">
+              <a:buClrTx/>
+              <a:buNone/>
+            </a:pPr>
+            <a:r>
+              <a:rPr lang="en-US" sz="2400" b="0" smtClean="0">
+                <a:solidFill>
+                  <a:srgbClr val="000000"/>
+                </a:solidFill>
+                <a:latin typeface="+mj-lt"/>
+                <a:cs typeface="Arial" pitchFamily="34" charset="0"/>
+              </a:rPr>
+              <a:t>Chẳng </a:t>
+            </a:r>
+            <a:r>
+              <a:rPr lang="en-US" sz="2400" b="0">
+                <a:solidFill>
+                  <a:srgbClr val="000000"/>
+                </a:solidFill>
+                <a:latin typeface="+mj-lt"/>
+                <a:cs typeface="Arial" pitchFamily="34" charset="0"/>
+              </a:rPr>
+              <a:t>hạn như kiểu String có thuộc package: java.lang.String thì chuỗi mô tả tương ứng là “Ljava/lang/String</a:t>
+            </a:r>
+            <a:r>
+              <a:rPr lang="en-US" sz="2400" b="0" smtClean="0">
+                <a:solidFill>
+                  <a:srgbClr val="000000"/>
+                </a:solidFill>
+                <a:latin typeface="+mj-lt"/>
+                <a:cs typeface="Arial" pitchFamily="34" charset="0"/>
+              </a:rPr>
+              <a:t>;” trong </a:t>
+            </a:r>
+            <a:r>
+              <a:rPr lang="en-US" sz="2400" b="0">
+                <a:solidFill>
+                  <a:srgbClr val="000000"/>
+                </a:solidFill>
+                <a:latin typeface="+mj-lt"/>
+                <a:cs typeface="Arial" pitchFamily="34" charset="0"/>
+              </a:rPr>
+              <a:t>JDK với tham số -s -p </a:t>
+            </a:r>
+            <a:r>
+              <a:rPr lang="en-US" sz="2400" b="0" smtClean="0">
+                <a:solidFill>
+                  <a:srgbClr val="000000"/>
+                </a:solidFill>
+                <a:latin typeface="+mj-lt"/>
+                <a:cs typeface="Arial" pitchFamily="34" charset="0"/>
+              </a:rPr>
+              <a:t>TenClass</a:t>
+            </a:r>
+            <a:endParaRPr lang="en-US" sz="2400" b="0">
+              <a:solidFill>
+                <a:srgbClr val="000000"/>
+              </a:solidFill>
+              <a:latin typeface="+mj-lt"/>
               <a:cs typeface="Arial" pitchFamily="34" charset="0"/>
             </a:endParaRPr>
           </a:p>
@@ -15874,7 +15918,7 @@
               <a:buChar char="q"/>
             </a:pPr>
             <a:r>
-              <a:rPr lang="en-US" sz="2200" b="0" smtClean="0">
+              <a:rPr lang="en-US" sz="2600" b="0" smtClean="0">
                 <a:solidFill>
                   <a:srgbClr val="000000"/>
                 </a:solidFill>
@@ -15888,7 +15932,7 @@
               <a:buNone/>
             </a:pPr>
             <a:r>
-              <a:rPr lang="en-US" sz="2200" b="0" smtClean="0">
+              <a:rPr lang="en-US" sz="2600" b="0" smtClean="0">
                 <a:solidFill>
                   <a:srgbClr val="000000"/>
                 </a:solidFill>
@@ -15902,7 +15946,7 @@
               <a:buFont typeface="Wingdings" pitchFamily="2" charset="2"/>
               <a:buChar char="q"/>
             </a:pPr>
-            <a:endParaRPr lang="en-US" sz="2200" b="0" smtClean="0">
+            <a:endParaRPr lang="en-US" sz="2600" b="0" smtClean="0">
               <a:solidFill>
                 <a:srgbClr val="000000"/>
               </a:solidFill>
@@ -15915,7 +15959,7 @@
               <a:buChar char="q"/>
             </a:pPr>
             <a:r>
-              <a:rPr lang="en-US" sz="2200" b="0" smtClean="0">
+              <a:rPr lang="en-US" sz="2600" b="0" smtClean="0">
                 <a:solidFill>
                   <a:srgbClr val="000000"/>
                 </a:solidFill>
@@ -15929,7 +15973,7 @@
               <a:buNone/>
             </a:pPr>
             <a:r>
-              <a:rPr lang="en-US" sz="2200" b="0" smtClean="0">
+              <a:rPr lang="en-US" sz="2600" b="0" smtClean="0">
                 <a:solidFill>
                   <a:srgbClr val="000000"/>
                 </a:solidFill>
@@ -15937,7 +15981,7 @@
               <a:t>   Prototype &lt;</a:t>
             </a:r>
             <a:r>
-              <a:rPr lang="en-US" sz="2200" b="0" i="1" smtClean="0">
+              <a:rPr lang="en-US" sz="2600" b="0" i="1" smtClean="0">
                 <a:solidFill>
                   <a:srgbClr val="000000"/>
                 </a:solidFill>
@@ -15945,7 +15989,7 @@
               <a:t>NativeType&gt;</a:t>
             </a:r>
             <a:r>
-              <a:rPr lang="en-US" sz="2200" b="0" smtClean="0">
+              <a:rPr lang="en-US" sz="2600" b="0" smtClean="0">
                 <a:solidFill>
                   <a:srgbClr val="000000"/>
                 </a:solidFill>
@@ -15953,7 +15997,7 @@
               <a:t> </a:t>
             </a:r>
             <a:r>
-              <a:rPr lang="en-US" sz="2200" b="0" i="1" smtClean="0">
+              <a:rPr lang="en-US" sz="2600" b="0" i="1" smtClean="0">
                 <a:solidFill>
                   <a:srgbClr val="000000"/>
                 </a:solidFill>
@@ -15961,20 +16005,22 @@
               <a:t>Call&lt;Type&gt;Method</a:t>
             </a:r>
             <a:r>
-              <a:rPr lang="en-US" sz="2200" b="0" smtClean="0">
+              <a:rPr lang="en-US" sz="2600" b="0" smtClean="0">
                 <a:solidFill>
                   <a:srgbClr val="000000"/>
                 </a:solidFill>
               </a:rPr>
-              <a:t>(JNIEnv *env, jobject obj, jmethodID methodID, ...);</a:t>
-            </a:r>
-          </a:p>
-          <a:p>
-            <a:pPr marL="0" indent="0">
-              <a:buClrTx/>
-              <a:buNone/>
-            </a:pPr>
-            <a:endParaRPr lang="en-US" sz="2200" b="0">
+              <a:t>(JNIEnv *env, jobject obj, jmethodID methodID, </a:t>
+            </a:r>
+            <a:r>
+              <a:rPr lang="en-US" sz="2600" b="0" smtClean="0">
+                <a:solidFill>
+                  <a:srgbClr val="000000"/>
+                </a:solidFill>
+              </a:rPr>
+              <a:t>...);</a:t>
+            </a:r>
+            <a:endParaRPr lang="en-US" sz="2600" b="0" smtClean="0">
               <a:solidFill>
                 <a:srgbClr val="000000"/>
               </a:solidFill>
@@ -16290,7 +16336,7 @@
           <p:nvPr>
             <p:extLst>
               <p:ext uri="{D42A27DB-BD31-4B8C-83A1-F6EECF244321}">
-                <p14:modId xmlns:p14="http://schemas.microsoft.com/office/powerpoint/2010/main" val="1122714231"/>
+                <p14:modId xmlns:p14="http://schemas.microsoft.com/office/powerpoint/2010/main" val="3787935808"/>
               </p:ext>
             </p:extLst>
           </p:nvPr>
@@ -16327,12 +16373,12 @@
                         </a:spcAft>
                       </a:pPr>
                       <a:r>
-                        <a:rPr lang="en-US" sz="1200">
+                        <a:rPr lang="en-US" sz="1500">
                           <a:effectLst/>
                         </a:rPr>
                         <a:t>Call&lt;Type&gt;Method</a:t>
                       </a:r>
-                      <a:endParaRPr lang="en-US" sz="1300">
+                      <a:endParaRPr lang="en-US" sz="1500">
                         <a:effectLst/>
                         <a:latin typeface="Times New Roman"/>
                         <a:ea typeface="Calibri"/>
@@ -16359,12 +16405,12 @@
                         </a:spcAft>
                       </a:pPr>
                       <a:r>
-                        <a:rPr lang="en-US" sz="1200">
+                        <a:rPr lang="en-US" sz="1500">
                           <a:effectLst/>
                         </a:rPr>
                         <a:t>&lt;NativeType&gt;</a:t>
                       </a:r>
-                      <a:endParaRPr lang="en-US" sz="1300">
+                      <a:endParaRPr lang="en-US" sz="1500">
                         <a:effectLst/>
                         <a:latin typeface="Times New Roman"/>
                         <a:ea typeface="Calibri"/>
@@ -16393,12 +16439,12 @@
                         </a:spcAft>
                       </a:pPr>
                       <a:r>
-                        <a:rPr lang="en-US" sz="1000">
+                        <a:rPr lang="en-US" sz="1400">
                           <a:effectLst/>
                         </a:rPr>
                         <a:t>CallVoidMethod</a:t>
                       </a:r>
-                      <a:endParaRPr lang="en-US" sz="1300">
+                      <a:endParaRPr lang="en-US" sz="1400">
                         <a:effectLst/>
                         <a:latin typeface="Times New Roman"/>
                         <a:ea typeface="Calibri"/>
@@ -16413,7 +16459,7 @@
                     <a:bodyPr/>
                     <a:lstStyle/>
                     <a:p>
-                      <a:pPr marL="0" marR="0">
+                      <a:pPr marL="0" marR="0" indent="457200">
                         <a:lnSpc>
                           <a:spcPct val="115000"/>
                         </a:lnSpc>
@@ -16425,12 +16471,12 @@
                         </a:spcAft>
                       </a:pPr>
                       <a:r>
-                        <a:rPr lang="en-US" sz="1000">
+                        <a:rPr lang="en-US" sz="1400">
                           <a:effectLst/>
                         </a:rPr>
                         <a:t>void</a:t>
                       </a:r>
-                      <a:endParaRPr lang="en-US" sz="1300">
+                      <a:endParaRPr lang="en-US" sz="1400">
                         <a:effectLst/>
                         <a:latin typeface="Times New Roman"/>
                         <a:ea typeface="Calibri"/>
@@ -16459,12 +16505,12 @@
                         </a:spcAft>
                       </a:pPr>
                       <a:r>
-                        <a:rPr lang="en-US" sz="1000">
+                        <a:rPr lang="en-US" sz="1400">
                           <a:effectLst/>
                         </a:rPr>
                         <a:t>CallObjectMethod</a:t>
                       </a:r>
-                      <a:endParaRPr lang="en-US" sz="1300">
+                      <a:endParaRPr lang="en-US" sz="1400">
                         <a:effectLst/>
                         <a:latin typeface="Times New Roman"/>
                         <a:ea typeface="Calibri"/>
@@ -16479,7 +16525,7 @@
                     <a:bodyPr/>
                     <a:lstStyle/>
                     <a:p>
-                      <a:pPr marL="0" marR="0">
+                      <a:pPr marL="0" marR="0" indent="457200">
                         <a:lnSpc>
                           <a:spcPct val="115000"/>
                         </a:lnSpc>
@@ -16491,12 +16537,12 @@
                         </a:spcAft>
                       </a:pPr>
                       <a:r>
-                        <a:rPr lang="en-US" sz="1000">
+                        <a:rPr lang="en-US" sz="1400">
                           <a:effectLst/>
                         </a:rPr>
                         <a:t>jobject</a:t>
                       </a:r>
-                      <a:endParaRPr lang="en-US" sz="1300">
+                      <a:endParaRPr lang="en-US" sz="1400">
                         <a:effectLst/>
                         <a:latin typeface="Times New Roman"/>
                         <a:ea typeface="Calibri"/>
@@ -16525,12 +16571,12 @@
                         </a:spcAft>
                       </a:pPr>
                       <a:r>
-                        <a:rPr lang="en-US" sz="1000">
+                        <a:rPr lang="en-US" sz="1400">
                           <a:effectLst/>
                         </a:rPr>
                         <a:t>CallBooleanMethod</a:t>
                       </a:r>
-                      <a:endParaRPr lang="en-US" sz="1300">
+                      <a:endParaRPr lang="en-US" sz="1400">
                         <a:effectLst/>
                         <a:latin typeface="Times New Roman"/>
                         <a:ea typeface="Calibri"/>
@@ -16545,7 +16591,7 @@
                     <a:bodyPr/>
                     <a:lstStyle/>
                     <a:p>
-                      <a:pPr marL="0" marR="0">
+                      <a:pPr marL="0" marR="0" indent="457200">
                         <a:lnSpc>
                           <a:spcPct val="115000"/>
                         </a:lnSpc>
@@ -16557,12 +16603,12 @@
                         </a:spcAft>
                       </a:pPr>
                       <a:r>
-                        <a:rPr lang="en-US" sz="1000">
+                        <a:rPr lang="en-US" sz="1400">
                           <a:effectLst/>
                         </a:rPr>
                         <a:t>jboolean</a:t>
                       </a:r>
-                      <a:endParaRPr lang="en-US" sz="1300">
+                      <a:endParaRPr lang="en-US" sz="1400">
                         <a:effectLst/>
                         <a:latin typeface="Times New Roman"/>
                         <a:ea typeface="Calibri"/>
@@ -16591,12 +16637,12 @@
                         </a:spcAft>
                       </a:pPr>
                       <a:r>
-                        <a:rPr lang="en-US" sz="1000">
+                        <a:rPr lang="en-US" sz="1400">
                           <a:effectLst/>
                         </a:rPr>
                         <a:t>CallByteMethod</a:t>
                       </a:r>
-                      <a:endParaRPr lang="en-US" sz="1300">
+                      <a:endParaRPr lang="en-US" sz="1400">
                         <a:effectLst/>
                         <a:latin typeface="Times New Roman"/>
                         <a:ea typeface="Calibri"/>
@@ -16611,7 +16657,7 @@
                     <a:bodyPr/>
                     <a:lstStyle/>
                     <a:p>
-                      <a:pPr marL="0" marR="0">
+                      <a:pPr marL="0" marR="0" indent="457200">
                         <a:lnSpc>
                           <a:spcPct val="115000"/>
                         </a:lnSpc>
@@ -16623,12 +16669,12 @@
                         </a:spcAft>
                       </a:pPr>
                       <a:r>
-                        <a:rPr lang="en-US" sz="1000">
+                        <a:rPr lang="en-US" sz="1400">
                           <a:effectLst/>
                         </a:rPr>
                         <a:t>jbyte</a:t>
                       </a:r>
-                      <a:endParaRPr lang="en-US" sz="1300">
+                      <a:endParaRPr lang="en-US" sz="1400">
                         <a:effectLst/>
                         <a:latin typeface="Times New Roman"/>
                         <a:ea typeface="Calibri"/>
@@ -16657,12 +16703,12 @@
                         </a:spcAft>
                       </a:pPr>
                       <a:r>
-                        <a:rPr lang="en-US" sz="1000">
+                        <a:rPr lang="en-US" sz="1400">
                           <a:effectLst/>
                         </a:rPr>
                         <a:t>CallCharMethod</a:t>
                       </a:r>
-                      <a:endParaRPr lang="en-US" sz="1300">
+                      <a:endParaRPr lang="en-US" sz="1400">
                         <a:effectLst/>
                         <a:latin typeface="Times New Roman"/>
                         <a:ea typeface="Calibri"/>
@@ -16677,7 +16723,7 @@
                     <a:bodyPr/>
                     <a:lstStyle/>
                     <a:p>
-                      <a:pPr marL="0" marR="0">
+                      <a:pPr marL="0" marR="0" indent="457200">
                         <a:lnSpc>
                           <a:spcPct val="115000"/>
                         </a:lnSpc>
@@ -16689,12 +16735,12 @@
                         </a:spcAft>
                       </a:pPr>
                       <a:r>
-                        <a:rPr lang="en-US" sz="1000">
+                        <a:rPr lang="en-US" sz="1400">
                           <a:effectLst/>
                         </a:rPr>
                         <a:t>jchar</a:t>
                       </a:r>
-                      <a:endParaRPr lang="en-US" sz="1300">
+                      <a:endParaRPr lang="en-US" sz="1400">
                         <a:effectLst/>
                         <a:latin typeface="Times New Roman"/>
                         <a:ea typeface="Calibri"/>
@@ -16723,12 +16769,12 @@
                         </a:spcAft>
                       </a:pPr>
                       <a:r>
-                        <a:rPr lang="en-US" sz="1000">
+                        <a:rPr lang="en-US" sz="1400">
                           <a:effectLst/>
                         </a:rPr>
                         <a:t>CallShortMethod</a:t>
                       </a:r>
-                      <a:endParaRPr lang="en-US" sz="1300">
+                      <a:endParaRPr lang="en-US" sz="1400">
                         <a:effectLst/>
                         <a:latin typeface="Times New Roman"/>
                         <a:ea typeface="Calibri"/>
@@ -16743,7 +16789,7 @@
                     <a:bodyPr/>
                     <a:lstStyle/>
                     <a:p>
-                      <a:pPr marL="0" marR="0">
+                      <a:pPr marL="0" marR="0" indent="457200">
                         <a:lnSpc>
                           <a:spcPct val="115000"/>
                         </a:lnSpc>
@@ -16755,12 +16801,12 @@
                         </a:spcAft>
                       </a:pPr>
                       <a:r>
-                        <a:rPr lang="en-US" sz="1000">
+                        <a:rPr lang="en-US" sz="1400">
                           <a:effectLst/>
                         </a:rPr>
                         <a:t>jshort</a:t>
                       </a:r>
-                      <a:endParaRPr lang="en-US" sz="1300">
+                      <a:endParaRPr lang="en-US" sz="1400">
                         <a:effectLst/>
                         <a:latin typeface="Times New Roman"/>
                         <a:ea typeface="Calibri"/>
@@ -16789,12 +16835,12 @@
                         </a:spcAft>
                       </a:pPr>
                       <a:r>
-                        <a:rPr lang="en-US" sz="1000">
+                        <a:rPr lang="en-US" sz="1400">
                           <a:effectLst/>
                         </a:rPr>
                         <a:t>CallIntMethod</a:t>
                       </a:r>
-                      <a:endParaRPr lang="en-US" sz="1300">
+                      <a:endParaRPr lang="en-US" sz="1400">
                         <a:effectLst/>
                         <a:latin typeface="Times New Roman"/>
                         <a:ea typeface="Calibri"/>
@@ -16809,7 +16855,7 @@
                     <a:bodyPr/>
                     <a:lstStyle/>
                     <a:p>
-                      <a:pPr marL="0" marR="0">
+                      <a:pPr marL="0" marR="0" indent="457200">
                         <a:lnSpc>
                           <a:spcPct val="115000"/>
                         </a:lnSpc>
@@ -16821,12 +16867,12 @@
                         </a:spcAft>
                       </a:pPr>
                       <a:r>
-                        <a:rPr lang="en-US" sz="1000">
+                        <a:rPr lang="en-US" sz="1400">
                           <a:effectLst/>
                         </a:rPr>
                         <a:t>jint</a:t>
                       </a:r>
-                      <a:endParaRPr lang="en-US" sz="1300">
+                      <a:endParaRPr lang="en-US" sz="1400">
                         <a:effectLst/>
                         <a:latin typeface="Times New Roman"/>
                         <a:ea typeface="Calibri"/>
@@ -16855,12 +16901,12 @@
                         </a:spcAft>
                       </a:pPr>
                       <a:r>
-                        <a:rPr lang="en-US" sz="1000">
+                        <a:rPr lang="en-US" sz="1400">
                           <a:effectLst/>
                         </a:rPr>
                         <a:t>CallLongMethod</a:t>
                       </a:r>
-                      <a:endParaRPr lang="en-US" sz="1300">
+                      <a:endParaRPr lang="en-US" sz="1400">
                         <a:effectLst/>
                         <a:latin typeface="Times New Roman"/>
                         <a:ea typeface="Calibri"/>
@@ -16875,7 +16921,7 @@
                     <a:bodyPr/>
                     <a:lstStyle/>
                     <a:p>
-                      <a:pPr marL="0" marR="0">
+                      <a:pPr marL="0" marR="0" indent="457200">
                         <a:lnSpc>
                           <a:spcPct val="115000"/>
                         </a:lnSpc>
@@ -16887,12 +16933,12 @@
                         </a:spcAft>
                       </a:pPr>
                       <a:r>
-                        <a:rPr lang="en-US" sz="1000">
+                        <a:rPr lang="en-US" sz="1400">
                           <a:effectLst/>
                         </a:rPr>
                         <a:t>jlong</a:t>
                       </a:r>
-                      <a:endParaRPr lang="en-US" sz="1300">
+                      <a:endParaRPr lang="en-US" sz="1400">
                         <a:effectLst/>
                         <a:latin typeface="Times New Roman"/>
                         <a:ea typeface="Calibri"/>
@@ -16921,12 +16967,12 @@
                         </a:spcAft>
                       </a:pPr>
                       <a:r>
-                        <a:rPr lang="en-US" sz="1000">
+                        <a:rPr lang="en-US" sz="1400">
                           <a:effectLst/>
                         </a:rPr>
                         <a:t>CallFloatMethod</a:t>
                       </a:r>
-                      <a:endParaRPr lang="en-US" sz="1300">
+                      <a:endParaRPr lang="en-US" sz="1400">
                         <a:effectLst/>
                         <a:latin typeface="Times New Roman"/>
                         <a:ea typeface="Calibri"/>
@@ -16941,7 +16987,7 @@
                     <a:bodyPr/>
                     <a:lstStyle/>
                     <a:p>
-                      <a:pPr marL="0" marR="0">
+                      <a:pPr marL="0" marR="0" indent="457200">
                         <a:lnSpc>
                           <a:spcPct val="115000"/>
                         </a:lnSpc>
@@ -16953,12 +16999,12 @@
                         </a:spcAft>
                       </a:pPr>
                       <a:r>
-                        <a:rPr lang="en-US" sz="1000">
+                        <a:rPr lang="en-US" sz="1400">
                           <a:effectLst/>
                         </a:rPr>
                         <a:t>jfloat</a:t>
                       </a:r>
-                      <a:endParaRPr lang="en-US" sz="1300">
+                      <a:endParaRPr lang="en-US" sz="1400">
                         <a:effectLst/>
                         <a:latin typeface="Times New Roman"/>
                         <a:ea typeface="Calibri"/>
@@ -16987,12 +17033,12 @@
                         </a:spcAft>
                       </a:pPr>
                       <a:r>
-                        <a:rPr lang="en-US" sz="1000">
+                        <a:rPr lang="en-US" sz="1400">
                           <a:effectLst/>
                         </a:rPr>
                         <a:t>CallDoubleMethod</a:t>
                       </a:r>
-                      <a:endParaRPr lang="en-US" sz="1300">
+                      <a:endParaRPr lang="en-US" sz="1400">
                         <a:effectLst/>
                         <a:latin typeface="Times New Roman"/>
                         <a:ea typeface="Calibri"/>
@@ -17007,7 +17053,7 @@
                     <a:bodyPr/>
                     <a:lstStyle/>
                     <a:p>
-                      <a:pPr marL="0" marR="0">
+                      <a:pPr marL="0" marR="0" indent="457200">
                         <a:lnSpc>
                           <a:spcPct val="115000"/>
                         </a:lnSpc>
@@ -17019,12 +17065,12 @@
                         </a:spcAft>
                       </a:pPr>
                       <a:r>
-                        <a:rPr lang="en-US" sz="1000">
+                        <a:rPr lang="en-US" sz="1400">
                           <a:effectLst/>
                         </a:rPr>
                         <a:t>jdouble</a:t>
                       </a:r>
-                      <a:endParaRPr lang="en-US" sz="1300">
+                      <a:endParaRPr lang="en-US" sz="1400">
                         <a:effectLst/>
                         <a:latin typeface="Times New Roman"/>
                         <a:ea typeface="Calibri"/>
@@ -17712,202 +17758,227 @@
               <a:buChar char="q"/>
             </a:pPr>
             <a:r>
-              <a:rPr lang="en-US">
+              <a:rPr lang="en-US" sz="2400" b="1">
                 <a:solidFill>
                   <a:srgbClr val="000000"/>
                 </a:solidFill>
+                <a:latin typeface="+mj-lt"/>
               </a:rPr>
               <a:t>Method </a:t>
             </a:r>
             <a:r>
-              <a:rPr lang="en-US" smtClean="0">
+              <a:rPr lang="en-US" sz="2400" b="1" smtClean="0">
                 <a:solidFill>
                   <a:srgbClr val="000000"/>
                 </a:solidFill>
-              </a:rPr>
-              <a:t>descriptor </a:t>
-            </a:r>
-            <a:r>
-              <a:rPr lang="en-US" b="0" smtClean="0">
+                <a:latin typeface="+mj-lt"/>
+              </a:rPr>
+              <a:t>descriptor</a:t>
+            </a:r>
+          </a:p>
+          <a:p>
+            <a:pPr marL="60325" lvl="1" indent="396875" algn="just">
+              <a:buClrTx/>
+              <a:buNone/>
+            </a:pPr>
+            <a:r>
+              <a:rPr lang="en-US" sz="2400" b="0" smtClean="0">
                 <a:solidFill>
                   <a:srgbClr val="000000"/>
                 </a:solidFill>
-              </a:rPr>
-              <a:t>là </a:t>
-            </a:r>
-            <a:r>
-              <a:rPr lang="en-US" b="0">
+                <a:latin typeface="+mj-lt"/>
+              </a:rPr>
+              <a:t>Là </a:t>
+            </a:r>
+            <a:r>
+              <a:rPr lang="en-US" sz="2400" b="0">
                 <a:solidFill>
                   <a:srgbClr val="000000"/>
                 </a:solidFill>
+                <a:latin typeface="+mj-lt"/>
               </a:rPr>
               <a:t>một chuỗi tương tự như prototype của method nhưng có mô tả khác. Gồm 2 phần </a:t>
             </a:r>
             <a:r>
-              <a:rPr lang="en-US" b="0" smtClean="0">
+              <a:rPr lang="en-US" sz="2400" b="0" smtClean="0">
                 <a:solidFill>
                   <a:srgbClr val="000000"/>
                 </a:solidFill>
+                <a:latin typeface="+mj-lt"/>
               </a:rPr>
               <a:t>“(?)?”:</a:t>
             </a:r>
           </a:p>
           <a:p>
-            <a:pPr marL="1023938" lvl="1" indent="-457200" algn="just">
+            <a:pPr marL="566738" lvl="1" indent="0" algn="just">
               <a:buClrTx/>
-              <a:buFont typeface="Courier New" pitchFamily="49" charset="0"/>
-              <a:buChar char="o"/>
+              <a:buNone/>
             </a:pPr>
             <a:r>
-              <a:rPr lang="en-US" b="0" smtClean="0">
+              <a:rPr lang="en-US" sz="2400" b="0" smtClean="0">
                 <a:solidFill>
                   <a:srgbClr val="000000"/>
                 </a:solidFill>
+                <a:latin typeface="+mj-lt"/>
               </a:rPr>
               <a:t>Chấm </a:t>
             </a:r>
             <a:r>
-              <a:rPr lang="en-US" b="0">
+              <a:rPr lang="en-US" sz="2400" b="0">
                 <a:solidFill>
                   <a:srgbClr val="000000"/>
                 </a:solidFill>
+                <a:latin typeface="+mj-lt"/>
               </a:rPr>
               <a:t>hỏi thứ nhất là phần các tham số truyền vào </a:t>
             </a:r>
             <a:r>
-              <a:rPr lang="en-US" b="0" smtClean="0">
+              <a:rPr lang="en-US" sz="2400" b="0" smtClean="0">
                 <a:solidFill>
                   <a:srgbClr val="000000"/>
                 </a:solidFill>
+                <a:latin typeface="+mj-lt"/>
               </a:rPr>
               <a:t>method.</a:t>
             </a:r>
           </a:p>
           <a:p>
-            <a:pPr marL="1023938" lvl="1" indent="-457200" algn="just">
+            <a:pPr marL="566738" lvl="1" indent="0" algn="just">
               <a:buClrTx/>
-              <a:buFont typeface="Courier New" pitchFamily="49" charset="0"/>
-              <a:buChar char="o"/>
+              <a:buNone/>
             </a:pPr>
             <a:r>
-              <a:rPr lang="en-US" b="0" smtClean="0">
+              <a:rPr lang="en-US" sz="2400" b="0" smtClean="0">
                 <a:solidFill>
                   <a:srgbClr val="000000"/>
                 </a:solidFill>
+                <a:latin typeface="+mj-lt"/>
               </a:rPr>
               <a:t>Chấm </a:t>
             </a:r>
             <a:r>
-              <a:rPr lang="en-US" b="0">
+              <a:rPr lang="en-US" sz="2400" b="0">
                 <a:solidFill>
                   <a:srgbClr val="000000"/>
                 </a:solidFill>
+                <a:latin typeface="+mj-lt"/>
               </a:rPr>
               <a:t>hỏi thứ </a:t>
             </a:r>
             <a:r>
-              <a:rPr lang="en-US" b="0" smtClean="0">
+              <a:rPr lang="en-US" sz="2400" b="0" smtClean="0">
                 <a:solidFill>
                   <a:srgbClr val="000000"/>
                 </a:solidFill>
+                <a:latin typeface="+mj-lt"/>
               </a:rPr>
               <a:t>hai </a:t>
             </a:r>
             <a:r>
-              <a:rPr lang="en-US" b="0">
+              <a:rPr lang="en-US" sz="2400" b="0">
                 <a:solidFill>
                   <a:srgbClr val="000000"/>
                 </a:solidFill>
+                <a:latin typeface="+mj-lt"/>
               </a:rPr>
               <a:t>là giá trị trả về. </a:t>
             </a:r>
-            <a:endParaRPr lang="en-US" b="0" smtClean="0">
+            <a:endParaRPr lang="en-US" sz="2400" b="0" smtClean="0">
               <a:solidFill>
                 <a:srgbClr val="000000"/>
               </a:solidFill>
+              <a:latin typeface="+mj-lt"/>
             </a:endParaRPr>
           </a:p>
           <a:p>
-            <a:pPr marL="517525" indent="-457200" algn="just">
-              <a:buClrTx/>
-              <a:buFont typeface="Wingdings" pitchFamily="2" charset="2"/>
-              <a:buChar char="q"/>
-            </a:pPr>
-            <a:r>
-              <a:rPr lang="en-US" b="0" smtClean="0">
-                <a:solidFill>
-                  <a:srgbClr val="000000"/>
-                </a:solidFill>
-              </a:rPr>
-              <a:t>Một </a:t>
-            </a:r>
-            <a:r>
-              <a:rPr lang="en-US" b="0">
-                <a:solidFill>
-                  <a:srgbClr val="000000"/>
-                </a:solidFill>
-              </a:rPr>
-              <a:t>vài ví dụ:</a:t>
-            </a:r>
-          </a:p>
-          <a:p>
-            <a:pPr marL="60325" indent="854075" algn="just">
+            <a:pPr marL="460375" indent="168275" algn="just">
               <a:buClrTx/>
               <a:buNone/>
             </a:pPr>
             <a:r>
-              <a:rPr lang="en-US" b="0">
+              <a:rPr lang="en-US" sz="2400" smtClean="0">
                 <a:solidFill>
                   <a:srgbClr val="000000"/>
                 </a:solidFill>
-              </a:rPr>
-              <a:t>“()V”</a:t>
-            </a:r>
-          </a:p>
-          <a:p>
-            <a:pPr marL="60325" indent="854075" algn="just">
+                <a:latin typeface="+mj-lt"/>
+              </a:rPr>
+              <a:t>Ví dụ</a:t>
+            </a:r>
+            <a:r>
+              <a:rPr lang="en-US" sz="2400">
+                <a:solidFill>
+                  <a:srgbClr val="000000"/>
+                </a:solidFill>
+                <a:latin typeface="+mj-lt"/>
+              </a:rPr>
+              <a:t>:</a:t>
+            </a:r>
+          </a:p>
+          <a:p>
+            <a:pPr marL="460375" indent="796925" algn="just">
               <a:buClrTx/>
               <a:buNone/>
             </a:pPr>
             <a:r>
-              <a:rPr lang="en-US" b="0">
+              <a:rPr lang="en-US" sz="2400" b="0">
                 <a:solidFill>
                   <a:srgbClr val="000000"/>
                 </a:solidFill>
-              </a:rPr>
-              <a:t>“(I)I”</a:t>
-            </a:r>
-          </a:p>
-          <a:p>
-            <a:pPr marL="60325" indent="854075" algn="just">
+                <a:latin typeface="+mj-lt"/>
+              </a:rPr>
+              <a:t>“()V”</a:t>
+            </a:r>
+          </a:p>
+          <a:p>
+            <a:pPr marL="460375" indent="796925" algn="just">
               <a:buClrTx/>
               <a:buNone/>
             </a:pPr>
             <a:r>
-              <a:rPr lang="en-US" b="0">
+              <a:rPr lang="en-US" sz="2400" b="0">
                 <a:solidFill>
                   <a:srgbClr val="000000"/>
                 </a:solidFill>
+                <a:latin typeface="+mj-lt"/>
+              </a:rPr>
+              <a:t>“(I)I”</a:t>
+            </a:r>
+          </a:p>
+          <a:p>
+            <a:pPr marL="460375" indent="796925" algn="just">
+              <a:buClrTx/>
+              <a:buNone/>
+            </a:pPr>
+            <a:r>
+              <a:rPr lang="en-US" sz="2400" b="0">
+                <a:solidFill>
+                  <a:srgbClr val="000000"/>
+                </a:solidFill>
+                <a:latin typeface="+mj-lt"/>
               </a:rPr>
               <a:t>“(Ljava/lang/String;)Ljava/lang/String</a:t>
             </a:r>
             <a:r>
-              <a:rPr lang="en-US" b="0" smtClean="0">
+              <a:rPr lang="en-US" sz="2400" b="0" smtClean="0">
                 <a:solidFill>
                   <a:srgbClr val="000000"/>
                 </a:solidFill>
+                <a:latin typeface="+mj-lt"/>
               </a:rPr>
               <a:t>;</a:t>
             </a:r>
-            <a:endParaRPr lang="en-US" b="0">
+            <a:endParaRPr lang="en-US" sz="2400" b="0">
               <a:solidFill>
                 <a:srgbClr val="000000"/>
               </a:solidFill>
+              <a:latin typeface="+mj-lt"/>
             </a:endParaRPr>
           </a:p>
           <a:p>
             <a:pPr algn="just"/>
-            <a:endParaRPr lang="en-US"/>
+            <a:endParaRPr lang="en-US" sz="2400">
+              <a:latin typeface="+mj-lt"/>
+            </a:endParaRPr>
           </a:p>
         </p:txBody>
       </p:sp>
@@ -18133,39 +18204,48 @@
               <a:buFont typeface="Wingdings" pitchFamily="2" charset="2"/>
               <a:buChar char="q"/>
             </a:pPr>
-            <a:r>
-              <a:rPr lang="en-US" b="1" smtClean="0">
+            <a:endParaRPr lang="en-US" sz="2400" b="1" smtClean="0">
+              <a:solidFill>
+                <a:srgbClr val="000000"/>
+              </a:solidFill>
+              <a:latin typeface="+mj-lt"/>
+            </a:endParaRPr>
+          </a:p>
+          <a:p>
+            <a:pPr lvl="1">
+              <a:buClrTx/>
+              <a:buFont typeface="Wingdings" pitchFamily="2" charset="2"/>
+              <a:buChar char="q"/>
+            </a:pPr>
+            <a:r>
+              <a:rPr lang="en-US" sz="2400" b="1" smtClean="0">
                 <a:solidFill>
                   <a:srgbClr val="000000"/>
                 </a:solidFill>
-              </a:rPr>
-              <a:t>Gọi </a:t>
-            </a:r>
-            <a:r>
-              <a:rPr lang="en-US" b="1">
-                <a:solidFill>
-                  <a:srgbClr val="000000"/>
-                </a:solidFill>
-              </a:rPr>
-              <a:t>static method</a:t>
-            </a:r>
-          </a:p>
-          <a:p>
-            <a:pPr marL="0" indent="1147763">
+                <a:latin typeface="+mj-lt"/>
+              </a:rPr>
+              <a:t>Gọi static method</a:t>
+            </a:r>
+          </a:p>
+          <a:p>
+            <a:pPr marL="0" indent="800100">
               <a:buClrTx/>
               <a:buNone/>
             </a:pPr>
             <a:r>
-              <a:rPr lang="en-US" b="0">
+              <a:rPr lang="en-US" sz="2400" b="0" smtClean="0">
                 <a:solidFill>
                   <a:srgbClr val="000000"/>
                 </a:solidFill>
+                <a:latin typeface="+mj-lt"/>
               </a:rPr>
               <a:t>Hoàn toàn giống với gọi hàm của object. Chỉ khác nhau ở tên hàm trong JNI như thay vì gọi GetMethodID, CallVoidMethod… thì sẽ gọi GetStaticMethodID, CallStaticVoidMethod…</a:t>
             </a:r>
           </a:p>
           <a:p>
-            <a:endParaRPr lang="en-US"/>
+            <a:endParaRPr lang="en-US" sz="2400">
+              <a:latin typeface="+mj-lt"/>
+            </a:endParaRPr>
           </a:p>
         </p:txBody>
       </p:sp>
@@ -19373,7 +19453,12 @@
             <p:ph idx="1"/>
           </p:nvPr>
         </p:nvSpPr>
-        <p:spPr/>
+        <p:spPr>
+          <a:xfrm>
+            <a:off x="457200" y="1447800"/>
+            <a:ext cx="8458200" cy="4800600"/>
+          </a:xfrm>
+        </p:spPr>
         <p:txBody>
           <a:bodyPr/>
           <a:lstStyle/>
@@ -19393,7 +19478,7 @@
             </a:r>
           </a:p>
           <a:p>
-            <a:pPr>
+            <a:pPr algn="just">
               <a:buClrTx/>
               <a:buFont typeface="Wingdings" pitchFamily="2" charset="2"/>
               <a:buChar char="q"/>
@@ -19416,7 +19501,7 @@
             </a:r>
           </a:p>
           <a:p>
-            <a:pPr marL="0" indent="0">
+            <a:pPr marL="0" indent="457200">
               <a:buClrTx/>
               <a:buNone/>
             </a:pPr>
@@ -19426,7 +19511,7 @@
                   <a:srgbClr val="000000"/>
                 </a:solidFill>
               </a:rPr>
-              <a:t>	jobject </a:t>
+              <a:t>jobject </a:t>
             </a:r>
             <a:r>
               <a:rPr lang="en-US" b="0">

--- a/trunk/Seminar_JNI/Slide_00.pptx
+++ b/trunk/Seminar_JNI/Slide_00.pptx
@@ -5,10 +5,10 @@
     <p:sldMasterId id="2147484495" r:id="rId1"/>
   </p:sldMasterIdLst>
   <p:notesMasterIdLst>
-    <p:notesMasterId r:id="rId32"/>
+    <p:notesMasterId r:id="rId35"/>
   </p:notesMasterIdLst>
   <p:handoutMasterIdLst>
-    <p:handoutMasterId r:id="rId33"/>
+    <p:handoutMasterId r:id="rId36"/>
   </p:handoutMasterIdLst>
   <p:sldIdLst>
     <p:sldId id="256" r:id="rId2"/>
@@ -36,11 +36,14 @@
     <p:sldId id="292" r:id="rId24"/>
     <p:sldId id="276" r:id="rId25"/>
     <p:sldId id="279" r:id="rId26"/>
-    <p:sldId id="277" r:id="rId27"/>
-    <p:sldId id="283" r:id="rId28"/>
-    <p:sldId id="282" r:id="rId29"/>
-    <p:sldId id="280" r:id="rId30"/>
-    <p:sldId id="281" r:id="rId31"/>
+    <p:sldId id="297" r:id="rId27"/>
+    <p:sldId id="298" r:id="rId28"/>
+    <p:sldId id="299" r:id="rId29"/>
+    <p:sldId id="277" r:id="rId30"/>
+    <p:sldId id="283" r:id="rId31"/>
+    <p:sldId id="282" r:id="rId32"/>
+    <p:sldId id="280" r:id="rId33"/>
+    <p:sldId id="281" r:id="rId34"/>
   </p:sldIdLst>
   <p:sldSz cx="9144000" cy="6858000" type="screen4x3"/>
   <p:notesSz cx="6858000" cy="9144000"/>
@@ -4799,6 +4802,248 @@
           <a:bodyPr/>
           <a:lstStyle/>
           <a:p>
+            <a:pPr>
+              <a:buClrTx/>
+              <a:buFont typeface="Wingdings" pitchFamily="2" charset="2"/>
+              <a:buNone/>
+            </a:pPr>
+            <a:r>
+              <a:rPr lang="en-US" b="0" smtClean="0">
+                <a:solidFill>
+                  <a:srgbClr val="000000"/>
+                </a:solidFill>
+              </a:rPr>
+              <a:t>Giả sử bạn có một chương trình C/C++ và muốn gọi Java code. Chính lúc này invocation API của JVM sẽ giúp bạn. Cho phép chúng ta tạo một Java Virtual Machine trong chương trình C/C++.</a:t>
+            </a:r>
+          </a:p>
+          <a:p>
+            <a:pPr>
+              <a:buClrTx/>
+              <a:buFont typeface="Wingdings" pitchFamily="2" charset="2"/>
+              <a:buNone/>
+            </a:pPr>
+            <a:r>
+              <a:rPr lang="en-US" b="0" smtClean="0">
+                <a:solidFill>
+                  <a:srgbClr val="000000"/>
+                </a:solidFill>
+              </a:rPr>
+              <a:t>JNI cung cấp hai hàm để tạo và hủy máy ảo java.</a:t>
+            </a:r>
+          </a:p>
+          <a:p>
+            <a:pPr>
+              <a:buClrTx/>
+              <a:buFont typeface="Wingdings" pitchFamily="2" charset="2"/>
+              <a:buNone/>
+            </a:pPr>
+            <a:r>
+              <a:rPr lang="en-US" b="1" smtClean="0">
+                <a:solidFill>
+                  <a:srgbClr val="000000"/>
+                </a:solidFill>
+              </a:rPr>
+              <a:t>Tạo</a:t>
+            </a:r>
+            <a:r>
+              <a:rPr lang="en-US" b="1" baseline="0" smtClean="0">
+                <a:solidFill>
+                  <a:srgbClr val="000000"/>
+                </a:solidFill>
+              </a:rPr>
+              <a:t> JVM: </a:t>
+            </a:r>
+            <a:r>
+              <a:rPr lang="en-US" sz="1200" kern="1200" smtClean="0">
+                <a:solidFill>
+                  <a:schemeClr val="tx1"/>
+                </a:solidFill>
+                <a:effectLst/>
+                <a:latin typeface="+mn-lt"/>
+                <a:ea typeface="+mn-ea"/>
+                <a:cs typeface="+mn-cs"/>
+              </a:rPr>
+              <a:t>0 thành công, JNI_ERR khi ngược lại.</a:t>
+            </a:r>
+          </a:p>
+          <a:p>
+            <a:r>
+              <a:rPr lang="en-US" sz="1200" b="1" kern="1200" smtClean="0">
+                <a:solidFill>
+                  <a:schemeClr val="tx1"/>
+                </a:solidFill>
+                <a:effectLst/>
+                <a:latin typeface="+mn-lt"/>
+                <a:ea typeface="+mn-ea"/>
+                <a:cs typeface="+mn-cs"/>
+              </a:rPr>
+              <a:t>Parameters:</a:t>
+            </a:r>
+            <a:endParaRPr lang="en-US" sz="1200" kern="1200" smtClean="0">
+              <a:solidFill>
+                <a:schemeClr val="tx1"/>
+              </a:solidFill>
+              <a:effectLst/>
+              <a:latin typeface="+mn-lt"/>
+              <a:ea typeface="+mn-ea"/>
+              <a:cs typeface="+mn-cs"/>
+            </a:endParaRPr>
+          </a:p>
+          <a:p>
+            <a:r>
+              <a:rPr lang="en-US" sz="1200" kern="1200" smtClean="0">
+                <a:solidFill>
+                  <a:schemeClr val="tx1"/>
+                </a:solidFill>
+                <a:effectLst/>
+                <a:latin typeface="+mn-lt"/>
+                <a:ea typeface="+mn-ea"/>
+                <a:cs typeface="+mn-cs"/>
+              </a:rPr>
+              <a:t>	p_jvm Con trỏ có kiểu JavaVM, dùng biến này để thao tác lên JVM tạo ra.</a:t>
+            </a:r>
+          </a:p>
+          <a:p>
+            <a:r>
+              <a:rPr lang="en-US" sz="1200" kern="1200" smtClean="0">
+                <a:solidFill>
+                  <a:schemeClr val="tx1"/>
+                </a:solidFill>
+                <a:effectLst/>
+                <a:latin typeface="+mn-lt"/>
+                <a:ea typeface="+mn-ea"/>
+                <a:cs typeface="+mn-cs"/>
+              </a:rPr>
+              <a:t>	p_env Con trỏ kiểu JNIEnv, dùng biến này để thực hiện các lệnh JNI (như gọi chạy hàm main chẳng hạn).</a:t>
+            </a:r>
+          </a:p>
+          <a:p>
+            <a:r>
+              <a:rPr lang="en-US" sz="1200" kern="1200" smtClean="0">
+                <a:solidFill>
+                  <a:schemeClr val="tx1"/>
+                </a:solidFill>
+                <a:effectLst/>
+                <a:latin typeface="+mn-lt"/>
+                <a:ea typeface="+mn-ea"/>
+                <a:cs typeface="+mn-cs"/>
+              </a:rPr>
+              <a:t>	vm_args Biến kiểu JavaVMInitArgs  làm tham sô truyền vào cho JVM.</a:t>
+            </a:r>
+            <a:endParaRPr lang="en-US" b="0" smtClean="0">
+              <a:solidFill>
+                <a:srgbClr val="000000"/>
+              </a:solidFill>
+            </a:endParaRPr>
+          </a:p>
+          <a:p>
+            <a:pPr>
+              <a:buClrTx/>
+              <a:buFont typeface="Wingdings" pitchFamily="2" charset="2"/>
+              <a:buNone/>
+            </a:pPr>
+            <a:r>
+              <a:rPr lang="en-US" sz="1200" b="1" kern="1200" smtClean="0">
+                <a:solidFill>
+                  <a:schemeClr val="tx1"/>
+                </a:solidFill>
+                <a:effectLst/>
+                <a:latin typeface="+mn-lt"/>
+                <a:ea typeface="+mn-ea"/>
+                <a:cs typeface="+mn-cs"/>
+              </a:rPr>
+              <a:t>Hủy JVM</a:t>
+            </a:r>
+            <a:r>
+              <a:rPr lang="en-US" sz="1200" b="1" kern="1200" baseline="0" smtClean="0">
+                <a:solidFill>
+                  <a:schemeClr val="tx1"/>
+                </a:solidFill>
+                <a:effectLst/>
+                <a:latin typeface="+mn-lt"/>
+                <a:ea typeface="+mn-ea"/>
+                <a:cs typeface="+mn-cs"/>
+              </a:rPr>
+              <a:t> </a:t>
+            </a:r>
+            <a:r>
+              <a:rPr lang="en-US" sz="1200" kern="1200" smtClean="0">
+                <a:solidFill>
+                  <a:schemeClr val="tx1"/>
+                </a:solidFill>
+                <a:effectLst/>
+                <a:latin typeface="+mn-lt"/>
+                <a:ea typeface="+mn-ea"/>
+                <a:cs typeface="+mn-cs"/>
+              </a:rPr>
+              <a:t>Returns: trả về </a:t>
+            </a:r>
+            <a:r>
+              <a:rPr lang="en-US" sz="1000" kern="1200" smtClean="0">
+                <a:solidFill>
+                  <a:schemeClr val="tx1"/>
+                </a:solidFill>
+                <a:effectLst/>
+                <a:latin typeface="+mn-lt"/>
+                <a:ea typeface="+mn-ea"/>
+                <a:cs typeface="+mn-cs"/>
+              </a:rPr>
+              <a:t>0</a:t>
+            </a:r>
+            <a:r>
+              <a:rPr lang="en-US" sz="1200" kern="1200" smtClean="0">
+                <a:solidFill>
+                  <a:schemeClr val="tx1"/>
+                </a:solidFill>
+                <a:effectLst/>
+                <a:latin typeface="+mn-lt"/>
+                <a:ea typeface="+mn-ea"/>
+                <a:cs typeface="+mn-cs"/>
+              </a:rPr>
+              <a:t> sucess, một số âm nếu thất bại. </a:t>
+            </a:r>
+          </a:p>
+          <a:p>
+            <a:pPr>
+              <a:buClrTx/>
+              <a:buFont typeface="Wingdings" pitchFamily="2" charset="2"/>
+              <a:buNone/>
+            </a:pPr>
+            <a:r>
+              <a:rPr lang="en-US" sz="1200" kern="1200" smtClean="0">
+                <a:solidFill>
+                  <a:schemeClr val="tx1"/>
+                </a:solidFill>
+                <a:effectLst/>
+                <a:latin typeface="+mn-lt"/>
+                <a:ea typeface="+mn-ea"/>
+                <a:cs typeface="+mn-cs"/>
+              </a:rPr>
+              <a:t>Hàm này cần phải được gọi thông qua một con trỏ JavaVM được truyền vô lúc tạo JVM.</a:t>
+            </a:r>
+            <a:endParaRPr lang="en-US" sz="1300" kern="1200" smtClean="0">
+              <a:solidFill>
+                <a:schemeClr val="tx1"/>
+              </a:solidFill>
+              <a:effectLst/>
+              <a:latin typeface="+mn-lt"/>
+              <a:ea typeface="+mn-ea"/>
+              <a:cs typeface="+mn-cs"/>
+            </a:endParaRPr>
+          </a:p>
+          <a:p>
+            <a:pPr>
+              <a:buClrTx/>
+              <a:buFont typeface="Wingdings" pitchFamily="2" charset="2"/>
+              <a:buNone/>
+            </a:pPr>
+            <a:endParaRPr lang="en-US" b="0" smtClean="0">
+              <a:solidFill>
+                <a:srgbClr val="000000"/>
+              </a:solidFill>
+            </a:endParaRPr>
+          </a:p>
+          <a:p>
             <a:endParaRPr lang="en-US"/>
           </a:p>
         </p:txBody>
@@ -4921,156 +5166,6 @@
           <a:bodyPr/>
           <a:lstStyle/>
           <a:p>
-            <a:pPr lvl="0"/>
-            <a:r>
-              <a:rPr lang="en-US" sz="1200" b="1" kern="1200" smtClean="0">
-                <a:solidFill>
-                  <a:schemeClr val="tx1"/>
-                </a:solidFill>
-                <a:effectLst/>
-                <a:latin typeface="+mn-lt"/>
-                <a:ea typeface="+mn-ea"/>
-                <a:cs typeface="+mn-cs"/>
-              </a:rPr>
-              <a:t>JNA</a:t>
-            </a:r>
-            <a:r>
-              <a:rPr lang="en-US" sz="1200" kern="1200" smtClean="0">
-                <a:solidFill>
-                  <a:schemeClr val="tx1"/>
-                </a:solidFill>
-                <a:effectLst/>
-                <a:latin typeface="+mn-lt"/>
-                <a:ea typeface="+mn-ea"/>
-                <a:cs typeface="+mn-cs"/>
-              </a:rPr>
-              <a:t>: </a:t>
-            </a:r>
-            <a:r>
-              <a:rPr lang="en-US" sz="1200" kern="1200" smtClean="0">
-                <a:solidFill>
-                  <a:schemeClr val="tx1"/>
-                </a:solidFill>
-                <a:effectLst/>
-                <a:latin typeface="+mn-lt"/>
-                <a:ea typeface="+mn-ea"/>
-                <a:cs typeface="+mn-cs"/>
-              </a:rPr>
-              <a:t>JKhông </a:t>
-            </a:r>
-            <a:r>
-              <a:rPr lang="en-US" sz="1200" kern="1200" smtClean="0">
-                <a:solidFill>
-                  <a:schemeClr val="tx1"/>
-                </a:solidFill>
-                <a:effectLst/>
-                <a:latin typeface="+mn-lt"/>
-                <a:ea typeface="+mn-ea"/>
-                <a:cs typeface="+mn-cs"/>
-              </a:rPr>
-              <a:t>giống như JNI, nó không yêu cầu để tạo ra mã bằng cách sử dụng chức năng C. Để sử dụng chúng, chỉ đơn giản sử các tập tin có định nghĩa chúng và tuyên bố tiêu đề của các chức năng này trong một giao diện.</a:t>
-            </a:r>
-          </a:p>
-          <a:p>
-            <a:pPr lvl="0"/>
-            <a:r>
-              <a:rPr lang="en-US" sz="1200" b="1" kern="1200" smtClean="0">
-                <a:solidFill>
-                  <a:schemeClr val="tx1"/>
-                </a:solidFill>
-                <a:effectLst/>
-                <a:latin typeface="+mn-lt"/>
-                <a:ea typeface="+mn-ea"/>
-                <a:cs typeface="+mn-cs"/>
-              </a:rPr>
-              <a:t>JNA</a:t>
-            </a:r>
-            <a:r>
-              <a:rPr lang="en-US" sz="1200" kern="1200" smtClean="0">
-                <a:solidFill>
-                  <a:schemeClr val="tx1"/>
-                </a:solidFill>
-                <a:effectLst/>
-                <a:latin typeface="+mn-lt"/>
-                <a:ea typeface="+mn-ea"/>
-                <a:cs typeface="+mn-cs"/>
-              </a:rPr>
-              <a:t> </a:t>
-            </a:r>
-            <a:r>
-              <a:rPr lang="en-US" sz="1200" kern="1200" smtClean="0">
-                <a:solidFill>
-                  <a:schemeClr val="tx1"/>
-                </a:solidFill>
-                <a:effectLst/>
-                <a:latin typeface="+mn-lt"/>
-                <a:ea typeface="+mn-ea"/>
-                <a:cs typeface="+mn-cs"/>
-              </a:rPr>
-              <a:t>thiết kế nhằm mục đích để cung cấp các truy cập một cách tự nhiên, ít tốn công sức.</a:t>
-            </a:r>
-          </a:p>
-          <a:p>
-            <a:pPr lvl="0"/>
-            <a:r>
-              <a:rPr lang="en-US" sz="1200" kern="1200" smtClean="0">
-                <a:solidFill>
-                  <a:schemeClr val="tx1"/>
-                </a:solidFill>
-                <a:effectLst/>
-                <a:latin typeface="+mn-lt"/>
-                <a:ea typeface="+mn-ea"/>
-                <a:cs typeface="+mn-cs"/>
-              </a:rPr>
-              <a:t>Các thư viện yêu cầu sử dụng</a:t>
-            </a:r>
-          </a:p>
-          <a:p>
-            <a:pPr lvl="1"/>
-            <a:r>
-              <a:rPr lang="en-US" sz="1200" kern="1200" smtClean="0">
-                <a:solidFill>
-                  <a:schemeClr val="tx1"/>
-                </a:solidFill>
-                <a:effectLst/>
-                <a:latin typeface="+mn-lt"/>
-                <a:ea typeface="+mn-ea"/>
-                <a:cs typeface="+mn-cs"/>
-              </a:rPr>
-              <a:t>import com.sun.jna.Library;</a:t>
-            </a:r>
-          </a:p>
-          <a:p>
-            <a:pPr lvl="1"/>
-            <a:r>
-              <a:rPr lang="en-US" sz="1200" kern="1200" smtClean="0">
-                <a:solidFill>
-                  <a:schemeClr val="tx1"/>
-                </a:solidFill>
-                <a:effectLst/>
-                <a:latin typeface="+mn-lt"/>
-                <a:ea typeface="+mn-ea"/>
-                <a:cs typeface="+mn-cs"/>
-              </a:rPr>
-              <a:t>import com.sun.jna.Native;</a:t>
-            </a:r>
-          </a:p>
-          <a:p>
-            <a:pPr lvl="1"/>
-            <a:r>
-              <a:rPr lang="en-US" sz="1200" kern="1200" smtClean="0">
-                <a:solidFill>
-                  <a:schemeClr val="tx1"/>
-                </a:solidFill>
-                <a:effectLst/>
-                <a:latin typeface="+mn-lt"/>
-                <a:ea typeface="+mn-ea"/>
-                <a:cs typeface="+mn-cs"/>
-              </a:rPr>
-              <a:t>import com.sun.jna.Platform;</a:t>
-            </a:r>
-          </a:p>
-          <a:p>
             <a:endParaRPr lang="en-US"/>
           </a:p>
         </p:txBody>
@@ -5211,6 +5306,339 @@
 </file>
 
 <file path=ppt/notesSlides/notesSlide25.xml><?xml version="1.0" encoding="utf-8"?>
+<p:notes xmlns:a="http://schemas.openxmlformats.org/drawingml/2006/main" xmlns:r="http://schemas.openxmlformats.org/officeDocument/2006/relationships" xmlns:p="http://schemas.openxmlformats.org/presentationml/2006/main">
+  <p:cSld>
+    <p:spTree>
+      <p:nvGrpSpPr>
+        <p:cNvPr id="1" name=""/>
+        <p:cNvGrpSpPr/>
+        <p:nvPr/>
+      </p:nvGrpSpPr>
+      <p:grpSpPr>
+        <a:xfrm>
+          <a:off x="0" y="0"/>
+          <a:ext cx="0" cy="0"/>
+          <a:chOff x="0" y="0"/>
+          <a:chExt cx="0" cy="0"/>
+        </a:xfrm>
+      </p:grpSpPr>
+      <p:sp>
+        <p:nvSpPr>
+          <p:cNvPr id="2" name="Slide Image Placeholder 1"/>
+          <p:cNvSpPr>
+            <a:spLocks noGrp="1" noRot="1" noChangeAspect="1"/>
+          </p:cNvSpPr>
+          <p:nvPr>
+            <p:ph type="sldImg"/>
+          </p:nvPr>
+        </p:nvSpPr>
+        <p:spPr/>
+      </p:sp>
+      <p:sp>
+        <p:nvSpPr>
+          <p:cNvPr id="3" name="Notes Placeholder 2"/>
+          <p:cNvSpPr>
+            <a:spLocks noGrp="1"/>
+          </p:cNvSpPr>
+          <p:nvPr>
+            <p:ph type="body" idx="1"/>
+          </p:nvPr>
+        </p:nvSpPr>
+        <p:spPr/>
+        <p:txBody>
+          <a:bodyPr/>
+          <a:lstStyle/>
+          <a:p>
+            <a:pPr lvl="0"/>
+            <a:r>
+              <a:rPr lang="en-US" sz="1200" b="1" kern="1200" smtClean="0">
+                <a:solidFill>
+                  <a:schemeClr val="tx1"/>
+                </a:solidFill>
+                <a:effectLst/>
+                <a:latin typeface="+mn-lt"/>
+                <a:ea typeface="+mn-ea"/>
+                <a:cs typeface="+mn-cs"/>
+              </a:rPr>
+              <a:t>JNA</a:t>
+            </a:r>
+            <a:r>
+              <a:rPr lang="en-US" sz="1200" kern="1200" smtClean="0">
+                <a:solidFill>
+                  <a:schemeClr val="tx1"/>
+                </a:solidFill>
+                <a:effectLst/>
+                <a:latin typeface="+mn-lt"/>
+                <a:ea typeface="+mn-ea"/>
+                <a:cs typeface="+mn-cs"/>
+              </a:rPr>
+              <a:t>: </a:t>
+            </a:r>
+            <a:r>
+              <a:rPr lang="en-US" sz="1200" kern="1200" smtClean="0">
+                <a:solidFill>
+                  <a:schemeClr val="tx1"/>
+                </a:solidFill>
+                <a:effectLst/>
+                <a:latin typeface="+mn-lt"/>
+                <a:ea typeface="+mn-ea"/>
+                <a:cs typeface="+mn-cs"/>
+              </a:rPr>
+              <a:t>JKhông </a:t>
+            </a:r>
+            <a:r>
+              <a:rPr lang="en-US" sz="1200" kern="1200" smtClean="0">
+                <a:solidFill>
+                  <a:schemeClr val="tx1"/>
+                </a:solidFill>
+                <a:effectLst/>
+                <a:latin typeface="+mn-lt"/>
+                <a:ea typeface="+mn-ea"/>
+                <a:cs typeface="+mn-cs"/>
+              </a:rPr>
+              <a:t>giống như JNI, nó không yêu cầu để tạo ra mã bằng cách sử dụng chức năng C. Để sử dụng chúng, chỉ đơn giản sử các tập tin có định nghĩa chúng và tuyên bố tiêu đề của các chức năng này trong một giao diện.</a:t>
+            </a:r>
+          </a:p>
+          <a:p>
+            <a:pPr lvl="0"/>
+            <a:r>
+              <a:rPr lang="en-US" sz="1200" b="1" kern="1200" smtClean="0">
+                <a:solidFill>
+                  <a:schemeClr val="tx1"/>
+                </a:solidFill>
+                <a:effectLst/>
+                <a:latin typeface="+mn-lt"/>
+                <a:ea typeface="+mn-ea"/>
+                <a:cs typeface="+mn-cs"/>
+              </a:rPr>
+              <a:t>JNA</a:t>
+            </a:r>
+            <a:r>
+              <a:rPr lang="en-US" sz="1200" kern="1200" smtClean="0">
+                <a:solidFill>
+                  <a:schemeClr val="tx1"/>
+                </a:solidFill>
+                <a:effectLst/>
+                <a:latin typeface="+mn-lt"/>
+                <a:ea typeface="+mn-ea"/>
+                <a:cs typeface="+mn-cs"/>
+              </a:rPr>
+              <a:t> </a:t>
+            </a:r>
+            <a:r>
+              <a:rPr lang="en-US" sz="1200" kern="1200" smtClean="0">
+                <a:solidFill>
+                  <a:schemeClr val="tx1"/>
+                </a:solidFill>
+                <a:effectLst/>
+                <a:latin typeface="+mn-lt"/>
+                <a:ea typeface="+mn-ea"/>
+                <a:cs typeface="+mn-cs"/>
+              </a:rPr>
+              <a:t>thiết kế nhằm mục đích để cung cấp các truy cập một cách tự nhiên, ít tốn công sức.</a:t>
+            </a:r>
+          </a:p>
+          <a:p>
+            <a:pPr lvl="0"/>
+            <a:r>
+              <a:rPr lang="en-US" sz="1200" kern="1200" smtClean="0">
+                <a:solidFill>
+                  <a:schemeClr val="tx1"/>
+                </a:solidFill>
+                <a:effectLst/>
+                <a:latin typeface="+mn-lt"/>
+                <a:ea typeface="+mn-ea"/>
+                <a:cs typeface="+mn-cs"/>
+              </a:rPr>
+              <a:t>Các thư viện yêu cầu sử dụng</a:t>
+            </a:r>
+          </a:p>
+          <a:p>
+            <a:pPr lvl="1"/>
+            <a:r>
+              <a:rPr lang="en-US" sz="1200" kern="1200" smtClean="0">
+                <a:solidFill>
+                  <a:schemeClr val="tx1"/>
+                </a:solidFill>
+                <a:effectLst/>
+                <a:latin typeface="+mn-lt"/>
+                <a:ea typeface="+mn-ea"/>
+                <a:cs typeface="+mn-cs"/>
+              </a:rPr>
+              <a:t>import com.sun.jna.Library;</a:t>
+            </a:r>
+          </a:p>
+          <a:p>
+            <a:pPr lvl="1"/>
+            <a:r>
+              <a:rPr lang="en-US" sz="1200" kern="1200" smtClean="0">
+                <a:solidFill>
+                  <a:schemeClr val="tx1"/>
+                </a:solidFill>
+                <a:effectLst/>
+                <a:latin typeface="+mn-lt"/>
+                <a:ea typeface="+mn-ea"/>
+                <a:cs typeface="+mn-cs"/>
+              </a:rPr>
+              <a:t>import com.sun.jna.Native;</a:t>
+            </a:r>
+          </a:p>
+          <a:p>
+            <a:pPr lvl="1"/>
+            <a:r>
+              <a:rPr lang="en-US" sz="1200" kern="1200" smtClean="0">
+                <a:solidFill>
+                  <a:schemeClr val="tx1"/>
+                </a:solidFill>
+                <a:effectLst/>
+                <a:latin typeface="+mn-lt"/>
+                <a:ea typeface="+mn-ea"/>
+                <a:cs typeface="+mn-cs"/>
+              </a:rPr>
+              <a:t>import com.sun.jna.Platform;</a:t>
+            </a:r>
+          </a:p>
+          <a:p>
+            <a:endParaRPr lang="en-US"/>
+          </a:p>
+        </p:txBody>
+      </p:sp>
+    </p:spTree>
+    <p:extLst>
+      <p:ext uri="{BB962C8B-B14F-4D97-AF65-F5344CB8AC3E}">
+        <p14:creationId xmlns:p14="http://schemas.microsoft.com/office/powerpoint/2010/main" val="3087672818"/>
+      </p:ext>
+    </p:extLst>
+  </p:cSld>
+  <p:clrMapOvr>
+    <a:masterClrMapping/>
+  </p:clrMapOvr>
+</p:notes>
+</file>
+
+<file path=ppt/notesSlides/notesSlide26.xml><?xml version="1.0" encoding="utf-8"?>
+<p:notes xmlns:a="http://schemas.openxmlformats.org/drawingml/2006/main" xmlns:r="http://schemas.openxmlformats.org/officeDocument/2006/relationships" xmlns:p="http://schemas.openxmlformats.org/presentationml/2006/main">
+  <p:cSld>
+    <p:spTree>
+      <p:nvGrpSpPr>
+        <p:cNvPr id="1" name=""/>
+        <p:cNvGrpSpPr/>
+        <p:nvPr/>
+      </p:nvGrpSpPr>
+      <p:grpSpPr>
+        <a:xfrm>
+          <a:off x="0" y="0"/>
+          <a:ext cx="0" cy="0"/>
+          <a:chOff x="0" y="0"/>
+          <a:chExt cx="0" cy="0"/>
+        </a:xfrm>
+      </p:grpSpPr>
+      <p:sp>
+        <p:nvSpPr>
+          <p:cNvPr id="2" name="Slide Image Placeholder 1"/>
+          <p:cNvSpPr>
+            <a:spLocks noGrp="1" noRot="1" noChangeAspect="1"/>
+          </p:cNvSpPr>
+          <p:nvPr>
+            <p:ph type="sldImg"/>
+          </p:nvPr>
+        </p:nvSpPr>
+        <p:spPr/>
+      </p:sp>
+      <p:sp>
+        <p:nvSpPr>
+          <p:cNvPr id="3" name="Notes Placeholder 2"/>
+          <p:cNvSpPr>
+            <a:spLocks noGrp="1"/>
+          </p:cNvSpPr>
+          <p:nvPr>
+            <p:ph type="body" idx="1"/>
+          </p:nvPr>
+        </p:nvSpPr>
+        <p:spPr/>
+        <p:txBody>
+          <a:bodyPr/>
+          <a:lstStyle/>
+          <a:p>
+            <a:endParaRPr lang="en-US"/>
+          </a:p>
+        </p:txBody>
+      </p:sp>
+    </p:spTree>
+    <p:extLst>
+      <p:ext uri="{BB962C8B-B14F-4D97-AF65-F5344CB8AC3E}">
+        <p14:creationId xmlns:p14="http://schemas.microsoft.com/office/powerpoint/2010/main" val="3087672818"/>
+      </p:ext>
+    </p:extLst>
+  </p:cSld>
+  <p:clrMapOvr>
+    <a:masterClrMapping/>
+  </p:clrMapOvr>
+</p:notes>
+</file>
+
+<file path=ppt/notesSlides/notesSlide27.xml><?xml version="1.0" encoding="utf-8"?>
+<p:notes xmlns:a="http://schemas.openxmlformats.org/drawingml/2006/main" xmlns:r="http://schemas.openxmlformats.org/officeDocument/2006/relationships" xmlns:p="http://schemas.openxmlformats.org/presentationml/2006/main">
+  <p:cSld>
+    <p:spTree>
+      <p:nvGrpSpPr>
+        <p:cNvPr id="1" name=""/>
+        <p:cNvGrpSpPr/>
+        <p:nvPr/>
+      </p:nvGrpSpPr>
+      <p:grpSpPr>
+        <a:xfrm>
+          <a:off x="0" y="0"/>
+          <a:ext cx="0" cy="0"/>
+          <a:chOff x="0" y="0"/>
+          <a:chExt cx="0" cy="0"/>
+        </a:xfrm>
+      </p:grpSpPr>
+      <p:sp>
+        <p:nvSpPr>
+          <p:cNvPr id="2" name="Slide Image Placeholder 1"/>
+          <p:cNvSpPr>
+            <a:spLocks noGrp="1" noRot="1" noChangeAspect="1"/>
+          </p:cNvSpPr>
+          <p:nvPr>
+            <p:ph type="sldImg"/>
+          </p:nvPr>
+        </p:nvSpPr>
+        <p:spPr/>
+      </p:sp>
+      <p:sp>
+        <p:nvSpPr>
+          <p:cNvPr id="3" name="Notes Placeholder 2"/>
+          <p:cNvSpPr>
+            <a:spLocks noGrp="1"/>
+          </p:cNvSpPr>
+          <p:nvPr>
+            <p:ph type="body" idx="1"/>
+          </p:nvPr>
+        </p:nvSpPr>
+        <p:spPr/>
+        <p:txBody>
+          <a:bodyPr/>
+          <a:lstStyle/>
+          <a:p>
+            <a:endParaRPr lang="en-US"/>
+          </a:p>
+        </p:txBody>
+      </p:sp>
+    </p:spTree>
+    <p:extLst>
+      <p:ext uri="{BB962C8B-B14F-4D97-AF65-F5344CB8AC3E}">
+        <p14:creationId xmlns:p14="http://schemas.microsoft.com/office/powerpoint/2010/main" val="3087672818"/>
+      </p:ext>
+    </p:extLst>
+  </p:cSld>
+  <p:clrMapOvr>
+    <a:masterClrMapping/>
+  </p:clrMapOvr>
+</p:notes>
+</file>
+
+<file path=ppt/notesSlides/notesSlide28.xml><?xml version="1.0" encoding="utf-8"?>
 <p:notes xmlns:a="http://schemas.openxmlformats.org/drawingml/2006/main" xmlns:r="http://schemas.openxmlformats.org/officeDocument/2006/relationships" xmlns:p="http://schemas.openxmlformats.org/presentationml/2006/main">
   <p:cSld>
     <p:spTree>
@@ -19908,12 +20336,196 @@
             <p:ph idx="1"/>
           </p:nvPr>
         </p:nvSpPr>
-        <p:spPr/>
+        <p:spPr>
+          <a:xfrm>
+            <a:off x="457200" y="1447800"/>
+            <a:ext cx="8458200" cy="4800600"/>
+          </a:xfrm>
+        </p:spPr>
         <p:txBody>
           <a:bodyPr/>
           <a:lstStyle/>
           <a:p>
-            <a:endParaRPr lang="en-US"/>
+            <a:pPr marL="0" indent="457200" algn="just">
+              <a:buClrTx/>
+              <a:buNone/>
+            </a:pPr>
+            <a:r>
+              <a:rPr lang="en-US" b="0" smtClean="0">
+                <a:solidFill>
+                  <a:srgbClr val="000000"/>
+                </a:solidFill>
+              </a:rPr>
+              <a:t>Invocation </a:t>
+            </a:r>
+            <a:r>
+              <a:rPr lang="en-US" b="0">
+                <a:solidFill>
+                  <a:srgbClr val="000000"/>
+                </a:solidFill>
+              </a:rPr>
+              <a:t>API của JVM sẽ </a:t>
+            </a:r>
+            <a:r>
+              <a:rPr lang="en-US" b="0">
+                <a:solidFill>
+                  <a:srgbClr val="000000"/>
+                </a:solidFill>
+              </a:rPr>
+              <a:t>giúp </a:t>
+            </a:r>
+            <a:r>
+              <a:rPr lang="en-US" b="0" smtClean="0">
+                <a:solidFill>
+                  <a:srgbClr val="000000"/>
+                </a:solidFill>
+              </a:rPr>
+              <a:t>chúng </a:t>
+            </a:r>
+            <a:r>
+              <a:rPr lang="en-US" b="0">
+                <a:solidFill>
+                  <a:srgbClr val="000000"/>
+                </a:solidFill>
+              </a:rPr>
+              <a:t>ta tạo một Java Virtual Machine trong chương trình C/C++.</a:t>
+            </a:r>
+          </a:p>
+          <a:p>
+            <a:pPr marL="0" indent="457200" algn="just">
+              <a:buClrTx/>
+              <a:buNone/>
+            </a:pPr>
+            <a:r>
+              <a:rPr lang="en-US" b="0" smtClean="0">
+                <a:solidFill>
+                  <a:srgbClr val="000000"/>
+                </a:solidFill>
+              </a:rPr>
+              <a:t>Hàm </a:t>
+            </a:r>
+            <a:r>
+              <a:rPr lang="en-US" b="0">
+                <a:solidFill>
+                  <a:srgbClr val="000000"/>
+                </a:solidFill>
+              </a:rPr>
+              <a:t>để tạo và hủy máy </a:t>
+            </a:r>
+            <a:r>
+              <a:rPr lang="en-US" b="0">
+                <a:solidFill>
+                  <a:srgbClr val="000000"/>
+                </a:solidFill>
+              </a:rPr>
+              <a:t>ảo </a:t>
+            </a:r>
+            <a:r>
+              <a:rPr lang="en-US" b="0" smtClean="0">
+                <a:solidFill>
+                  <a:srgbClr val="000000"/>
+                </a:solidFill>
+              </a:rPr>
+              <a:t>java trong JNI.</a:t>
+            </a:r>
+          </a:p>
+          <a:p>
+            <a:pPr marL="0" indent="457200" algn="just">
+              <a:buClrTx/>
+              <a:buNone/>
+            </a:pPr>
+            <a:r>
+              <a:rPr lang="en-US" b="0" smtClean="0">
+                <a:solidFill>
+                  <a:srgbClr val="000000"/>
+                </a:solidFill>
+              </a:rPr>
+              <a:t>Tạo:</a:t>
+            </a:r>
+          </a:p>
+          <a:p>
+            <a:pPr marL="0" indent="857250" algn="just">
+              <a:buClrTx/>
+              <a:buNone/>
+            </a:pPr>
+            <a:r>
+              <a:rPr lang="en-US" sz="2400">
+                <a:solidFill>
+                  <a:srgbClr val="000000"/>
+                </a:solidFill>
+              </a:rPr>
+              <a:t>jint JNI_CreateJavaVM(JavaVM** p_jvm, void** p_env, JavaVMInitArgs* </a:t>
+            </a:r>
+            <a:r>
+              <a:rPr lang="en-US" sz="2400">
+                <a:solidFill>
+                  <a:srgbClr val="000000"/>
+                </a:solidFill>
+              </a:rPr>
+              <a:t>vm_args</a:t>
+            </a:r>
+            <a:r>
+              <a:rPr lang="en-US" sz="2400" smtClean="0">
+                <a:solidFill>
+                  <a:srgbClr val="000000"/>
+                </a:solidFill>
+              </a:rPr>
+              <a:t>)</a:t>
+            </a:r>
+          </a:p>
+          <a:p>
+            <a:pPr marL="0" indent="457200" algn="just">
+              <a:buClrTx/>
+              <a:buNone/>
+            </a:pPr>
+            <a:r>
+              <a:rPr lang="en-US" b="0" smtClean="0">
+                <a:solidFill>
+                  <a:srgbClr val="000000"/>
+                </a:solidFill>
+              </a:rPr>
+              <a:t>Hủy:</a:t>
+            </a:r>
+            <a:endParaRPr lang="en-US" b="0">
+              <a:solidFill>
+                <a:srgbClr val="000000"/>
+              </a:solidFill>
+            </a:endParaRPr>
+          </a:p>
+          <a:p>
+            <a:pPr marL="0" indent="914400" algn="just">
+              <a:buClrTx/>
+              <a:buNone/>
+            </a:pPr>
+            <a:r>
+              <a:rPr lang="en-US" sz="2400">
+                <a:solidFill>
+                  <a:srgbClr val="000000"/>
+                </a:solidFill>
+              </a:rPr>
+              <a:t>jint DestroyJavaVM(JavaVM* jvm)</a:t>
+            </a:r>
+          </a:p>
+          <a:p>
+            <a:pPr marL="0" indent="457200" algn="just">
+              <a:buClrTx/>
+              <a:buNone/>
+            </a:pPr>
+            <a:endParaRPr lang="en-US" b="0">
+              <a:solidFill>
+                <a:srgbClr val="000000"/>
+              </a:solidFill>
+            </a:endParaRPr>
+          </a:p>
+          <a:p>
+            <a:pPr algn="just">
+              <a:buClrTx/>
+            </a:pPr>
+            <a:endParaRPr lang="en-US">
+              <a:solidFill>
+                <a:srgbClr val="000000"/>
+              </a:solidFill>
+            </a:endParaRPr>
           </a:p>
         </p:txBody>
       </p:sp>
@@ -20071,7 +20683,7 @@
                   <a:reflection blurRad="12700" stA="28000" endPos="45000" dist="1000" dir="5400000" sy="-100000" algn="bl" rotWithShape="0"/>
                 </a:effectLst>
               </a:rPr>
-              <a:t>2.6 demo Hello world</a:t>
+              <a:t>2.5 the invocation api</a:t>
             </a:r>
             <a:endParaRPr lang="en-US" sz="2900" cap="all">
               <a:ln w="9000" cmpd="sng">
@@ -20120,6 +20732,32 @@
       </p:sp>
       <p:sp>
         <p:nvSpPr>
+          <p:cNvPr id="2" name="Content Placeholder 1"/>
+          <p:cNvSpPr>
+            <a:spLocks noGrp="1"/>
+          </p:cNvSpPr>
+          <p:nvPr>
+            <p:ph idx="1"/>
+          </p:nvPr>
+        </p:nvSpPr>
+        <p:spPr/>
+        <p:txBody>
+          <a:bodyPr/>
+          <a:lstStyle/>
+          <a:p>
+            <a:pPr>
+              <a:buClrTx/>
+            </a:pPr>
+            <a:endParaRPr lang="en-US">
+              <a:solidFill>
+                <a:srgbClr val="000000"/>
+              </a:solidFill>
+            </a:endParaRPr>
+          </a:p>
+        </p:txBody>
+      </p:sp>
+      <p:sp>
+        <p:nvSpPr>
           <p:cNvPr id="4" name="Footer Placeholder 3"/>
           <p:cNvSpPr>
             <a:spLocks noGrp="1"/>
@@ -20170,86 +20808,10 @@
           </a:p>
         </p:txBody>
       </p:sp>
-      <p:sp>
-        <p:nvSpPr>
-          <p:cNvPr id="7" name="Content Placeholder 1"/>
-          <p:cNvSpPr>
-            <a:spLocks noGrp="1"/>
-          </p:cNvSpPr>
-          <p:nvPr>
-            <p:ph idx="1"/>
-          </p:nvPr>
-        </p:nvSpPr>
-        <p:spPr>
-          <a:xfrm>
-            <a:off x="457200" y="1447800"/>
-            <a:ext cx="8229600" cy="4800600"/>
-          </a:xfrm>
-        </p:spPr>
-        <p:txBody>
-          <a:bodyPr/>
-          <a:lstStyle/>
-          <a:p>
-            <a:pPr marL="0" lvl="0" indent="0" algn="ctr">
-              <a:buNone/>
-            </a:pPr>
-            <a:r>
-              <a:rPr lang="en-US" smtClean="0">
-                <a:solidFill>
-                  <a:srgbClr val="000000"/>
-                </a:solidFill>
-              </a:rPr>
-              <a:t>Mời mọi người cùng xem clip</a:t>
-            </a:r>
-          </a:p>
-        </p:txBody>
-      </p:sp>
-      <p:sp>
-        <p:nvSpPr>
-          <p:cNvPr id="9" name="7-Point Star 8"/>
-          <p:cNvSpPr/>
-          <p:nvPr/>
-        </p:nvSpPr>
-        <p:spPr>
-          <a:xfrm>
-            <a:off x="3124200" y="3031671"/>
-            <a:ext cx="2819400" cy="2073729"/>
-          </a:xfrm>
-          <a:prstGeom prst="star7">
-            <a:avLst/>
-          </a:prstGeom>
-        </p:spPr>
-        <p:style>
-          <a:lnRef idx="3">
-            <a:schemeClr val="lt1"/>
-          </a:lnRef>
-          <a:fillRef idx="1">
-            <a:schemeClr val="accent4"/>
-          </a:fillRef>
-          <a:effectRef idx="1">
-            <a:schemeClr val="accent4"/>
-          </a:effectRef>
-          <a:fontRef idx="minor">
-            <a:schemeClr val="lt1"/>
-          </a:fontRef>
-        </p:style>
-        <p:txBody>
-          <a:bodyPr rtlCol="0" anchor="ctr"/>
-          <a:lstStyle/>
-          <a:p>
-            <a:pPr algn="ctr"/>
-            <a:r>
-              <a:rPr lang="en-US" sz="2800" b="1" smtClean="0"/>
-              <a:t>Demo</a:t>
-            </a:r>
-            <a:endParaRPr lang="en-US" b="1"/>
-          </a:p>
-        </p:txBody>
-      </p:sp>
     </p:spTree>
     <p:extLst>
       <p:ext uri="{BB962C8B-B14F-4D97-AF65-F5344CB8AC3E}">
-        <p14:creationId xmlns:p14="http://schemas.microsoft.com/office/powerpoint/2010/main" val="937288250"/>
+        <p14:creationId xmlns:p14="http://schemas.microsoft.com/office/powerpoint/2010/main" val="2405995106"/>
       </p:ext>
     </p:extLst>
   </p:cSld>
@@ -20348,7 +20910,7 @@
                   <a:reflection blurRad="12700" stA="28000" endPos="45000" dist="1000" dir="5400000" sy="-100000" algn="bl" rotWithShape="0"/>
                 </a:effectLst>
               </a:rPr>
-              <a:t>3 Java native access</a:t>
+              <a:t>2.5 the invocation api</a:t>
             </a:r>
             <a:endParaRPr lang="en-US" sz="2900" cap="all">
               <a:ln w="9000" cmpd="sng">
@@ -20405,127 +20967,18 @@
             <p:ph idx="1"/>
           </p:nvPr>
         </p:nvSpPr>
-        <p:spPr>
-          <a:xfrm>
-            <a:off x="457200" y="1447800"/>
-            <a:ext cx="8534400" cy="4800600"/>
-          </a:xfrm>
-        </p:spPr>
+        <p:spPr/>
         <p:txBody>
           <a:bodyPr/>
           <a:lstStyle/>
           <a:p>
-            <a:pPr lvl="0" algn="just">
-              <a:buClr>
-                <a:srgbClr val="000000"/>
-              </a:buClr>
-              <a:buFont typeface="Wingdings" pitchFamily="2" charset="2"/>
-              <a:buChar char="q"/>
+            <a:pPr>
+              <a:buClrTx/>
             </a:pPr>
-            <a:r>
-              <a:rPr lang="en-US" b="0" smtClean="0">
-                <a:solidFill>
-                  <a:srgbClr val="000000"/>
-                </a:solidFill>
-                <a:latin typeface="+mj-lt"/>
-              </a:rPr>
-              <a:t>Java </a:t>
-            </a:r>
-            <a:r>
-              <a:rPr lang="en-US" b="0">
-                <a:solidFill>
-                  <a:srgbClr val="000000"/>
-                </a:solidFill>
-                <a:latin typeface="+mj-lt"/>
-              </a:rPr>
-              <a:t>Native </a:t>
-            </a:r>
-            <a:r>
-              <a:rPr lang="en-US" b="0" smtClean="0">
-                <a:solidFill>
-                  <a:srgbClr val="000000"/>
-                </a:solidFill>
-                <a:latin typeface="+mj-lt"/>
-              </a:rPr>
-              <a:t>Access (JNA) </a:t>
-            </a:r>
-            <a:r>
-              <a:rPr lang="en-US" b="0">
-                <a:solidFill>
-                  <a:srgbClr val="000000"/>
-                </a:solidFill>
-                <a:latin typeface="+mj-lt"/>
-              </a:rPr>
-              <a:t>là một phần mở rộng của Java cho phép sử dụng các API bao gồm các tập tin thư viện động DLL trong Windows. </a:t>
-            </a:r>
-          </a:p>
-          <a:p>
-            <a:pPr lvl="0" algn="just">
-              <a:buClr>
-                <a:srgbClr val="000000"/>
-              </a:buClr>
-              <a:buFont typeface="Wingdings" pitchFamily="2" charset="2"/>
-              <a:buChar char="q"/>
-            </a:pPr>
-            <a:r>
-              <a:rPr lang="en-US" b="0">
-                <a:solidFill>
-                  <a:srgbClr val="000000"/>
-                </a:solidFill>
-                <a:latin typeface="+mj-lt"/>
-              </a:rPr>
-              <a:t>JNA </a:t>
-            </a:r>
-            <a:r>
-              <a:rPr lang="en-US" b="0" smtClean="0">
-                <a:solidFill>
-                  <a:srgbClr val="000000"/>
-                </a:solidFill>
-                <a:latin typeface="+mj-lt"/>
-              </a:rPr>
-              <a:t>hỗ trợ </a:t>
-            </a:r>
-            <a:r>
-              <a:rPr lang="en-US" b="0">
-                <a:solidFill>
-                  <a:srgbClr val="000000"/>
-                </a:solidFill>
-                <a:latin typeface="+mj-lt"/>
-              </a:rPr>
-              <a:t>chương trình Java </a:t>
-            </a:r>
-            <a:r>
-              <a:rPr lang="en-US" b="0" smtClean="0">
-                <a:solidFill>
-                  <a:srgbClr val="000000"/>
-                </a:solidFill>
-                <a:latin typeface="+mj-lt"/>
-              </a:rPr>
-              <a:t>dễ </a:t>
-            </a:r>
-            <a:r>
-              <a:rPr lang="en-US" b="0">
-                <a:solidFill>
-                  <a:srgbClr val="000000"/>
-                </a:solidFill>
-                <a:latin typeface="+mj-lt"/>
-              </a:rPr>
-              <a:t>dàng truy cập đến các thư viện được chia sẽ mà không cần sử dụng JNI </a:t>
-            </a:r>
-            <a:r>
-              <a:rPr lang="en-US" b="0" smtClean="0">
-                <a:solidFill>
-                  <a:srgbClr val="000000"/>
-                </a:solidFill>
-                <a:latin typeface="+mj-lt"/>
-              </a:rPr>
-              <a:t>.</a:t>
-            </a:r>
-            <a:endParaRPr lang="en-US" b="0">
+            <a:endParaRPr lang="en-US">
               <a:solidFill>
                 <a:srgbClr val="000000"/>
               </a:solidFill>
-              <a:latin typeface="+mj-lt"/>
             </a:endParaRPr>
           </a:p>
         </p:txBody>
@@ -20585,7 +21038,7 @@
     </p:spTree>
     <p:extLst>
       <p:ext uri="{BB962C8B-B14F-4D97-AF65-F5344CB8AC3E}">
-        <p14:creationId xmlns:p14="http://schemas.microsoft.com/office/powerpoint/2010/main" val="3797964774"/>
+        <p14:creationId xmlns:p14="http://schemas.microsoft.com/office/powerpoint/2010/main" val="617206052"/>
       </p:ext>
     </p:extLst>
   </p:cSld>
@@ -20684,7 +21137,7 @@
                   <a:reflection blurRad="12700" stA="28000" endPos="45000" dist="1000" dir="5400000" sy="-100000" algn="bl" rotWithShape="0"/>
                 </a:effectLst>
               </a:rPr>
-              <a:t>3. Demo Hello world với JNA</a:t>
+              <a:t>2.5 the invocation api</a:t>
             </a:r>
             <a:endParaRPr lang="en-US" sz="2900" cap="all">
               <a:ln w="9000" cmpd="sng">
@@ -20733,6 +21186,32 @@
       </p:sp>
       <p:sp>
         <p:nvSpPr>
+          <p:cNvPr id="2" name="Content Placeholder 1"/>
+          <p:cNvSpPr>
+            <a:spLocks noGrp="1"/>
+          </p:cNvSpPr>
+          <p:nvPr>
+            <p:ph idx="1"/>
+          </p:nvPr>
+        </p:nvSpPr>
+        <p:spPr/>
+        <p:txBody>
+          <a:bodyPr/>
+          <a:lstStyle/>
+          <a:p>
+            <a:pPr>
+              <a:buClrTx/>
+            </a:pPr>
+            <a:endParaRPr lang="en-US">
+              <a:solidFill>
+                <a:srgbClr val="000000"/>
+              </a:solidFill>
+            </a:endParaRPr>
+          </a:p>
+        </p:txBody>
+      </p:sp>
+      <p:sp>
+        <p:nvSpPr>
           <p:cNvPr id="4" name="Footer Placeholder 3"/>
           <p:cNvSpPr>
             <a:spLocks noGrp="1"/>
@@ -20783,86 +21262,10 @@
           </a:p>
         </p:txBody>
       </p:sp>
-      <p:sp>
-        <p:nvSpPr>
-          <p:cNvPr id="7" name="Content Placeholder 1"/>
-          <p:cNvSpPr>
-            <a:spLocks noGrp="1"/>
-          </p:cNvSpPr>
-          <p:nvPr>
-            <p:ph idx="1"/>
-          </p:nvPr>
-        </p:nvSpPr>
-        <p:spPr>
-          <a:xfrm>
-            <a:off x="457200" y="1447800"/>
-            <a:ext cx="8229600" cy="4800600"/>
-          </a:xfrm>
-        </p:spPr>
-        <p:txBody>
-          <a:bodyPr/>
-          <a:lstStyle/>
-          <a:p>
-            <a:pPr marL="0" lvl="0" indent="0" algn="ctr">
-              <a:buNone/>
-            </a:pPr>
-            <a:r>
-              <a:rPr lang="en-US" smtClean="0">
-                <a:solidFill>
-                  <a:srgbClr val="000000"/>
-                </a:solidFill>
-              </a:rPr>
-              <a:t>Mời mọi người cùng xem clip</a:t>
-            </a:r>
-          </a:p>
-        </p:txBody>
-      </p:sp>
-      <p:sp>
-        <p:nvSpPr>
-          <p:cNvPr id="9" name="7-Point Star 8"/>
-          <p:cNvSpPr/>
-          <p:nvPr/>
-        </p:nvSpPr>
-        <p:spPr>
-          <a:xfrm>
-            <a:off x="3124200" y="3031671"/>
-            <a:ext cx="2819400" cy="2073729"/>
-          </a:xfrm>
-          <a:prstGeom prst="star7">
-            <a:avLst/>
-          </a:prstGeom>
-        </p:spPr>
-        <p:style>
-          <a:lnRef idx="3">
-            <a:schemeClr val="lt1"/>
-          </a:lnRef>
-          <a:fillRef idx="1">
-            <a:schemeClr val="accent4"/>
-          </a:fillRef>
-          <a:effectRef idx="1">
-            <a:schemeClr val="accent4"/>
-          </a:effectRef>
-          <a:fontRef idx="minor">
-            <a:schemeClr val="lt1"/>
-          </a:fontRef>
-        </p:style>
-        <p:txBody>
-          <a:bodyPr rtlCol="0" anchor="ctr"/>
-          <a:lstStyle/>
-          <a:p>
-            <a:pPr algn="ctr"/>
-            <a:r>
-              <a:rPr lang="en-US" sz="2800" b="1" smtClean="0"/>
-              <a:t>Demo</a:t>
-            </a:r>
-            <a:endParaRPr lang="en-US" b="1"/>
-          </a:p>
-        </p:txBody>
-      </p:sp>
     </p:spTree>
     <p:extLst>
       <p:ext uri="{BB962C8B-B14F-4D97-AF65-F5344CB8AC3E}">
-        <p14:creationId xmlns:p14="http://schemas.microsoft.com/office/powerpoint/2010/main" val="936051198"/>
+        <p14:creationId xmlns:p14="http://schemas.microsoft.com/office/powerpoint/2010/main" val="2799612793"/>
       </p:ext>
     </p:extLst>
   </p:cSld>
@@ -20961,7 +21364,7 @@
                   <a:reflection blurRad="12700" stA="28000" endPos="45000" dist="1000" dir="5400000" sy="-100000" algn="bl" rotWithShape="0"/>
                 </a:effectLst>
               </a:rPr>
-              <a:t>4 demo ứng dụng thao tác registry</a:t>
+              <a:t>2.6 demo Hello world</a:t>
             </a:r>
             <a:endParaRPr lang="en-US" sz="2900" cap="all">
               <a:ln w="9000" cmpd="sng">
@@ -21010,35 +21413,6 @@
       </p:sp>
       <p:sp>
         <p:nvSpPr>
-          <p:cNvPr id="2" name="Content Placeholder 1"/>
-          <p:cNvSpPr>
-            <a:spLocks noGrp="1"/>
-          </p:cNvSpPr>
-          <p:nvPr>
-            <p:ph idx="1"/>
-          </p:nvPr>
-        </p:nvSpPr>
-        <p:spPr/>
-        <p:txBody>
-          <a:bodyPr/>
-          <a:lstStyle/>
-          <a:p>
-            <a:pPr marL="0" lvl="0" indent="0" algn="ctr">
-              <a:buNone/>
-            </a:pPr>
-            <a:r>
-              <a:rPr lang="en-US" smtClean="0">
-                <a:solidFill>
-                  <a:srgbClr val="000000"/>
-                </a:solidFill>
-              </a:rPr>
-              <a:t>Mời mọi người cùng xem clip</a:t>
-            </a:r>
-          </a:p>
-        </p:txBody>
-      </p:sp>
-      <p:sp>
-        <p:nvSpPr>
           <p:cNvPr id="4" name="Footer Placeholder 3"/>
           <p:cNvSpPr>
             <a:spLocks noGrp="1"/>
@@ -21047,12 +21421,7 @@
             <p:ph type="ftr" sz="quarter" idx="11"/>
           </p:nvPr>
         </p:nvSpPr>
-        <p:spPr>
-          <a:xfrm>
-            <a:off x="7162800" y="152400"/>
-            <a:ext cx="1752600" cy="228600"/>
-          </a:xfrm>
-        </p:spPr>
+        <p:spPr/>
         <p:txBody>
           <a:bodyPr/>
           <a:lstStyle/>
@@ -21096,7 +21465,41 @@
       </p:sp>
       <p:sp>
         <p:nvSpPr>
-          <p:cNvPr id="3" name="7-Point Star 2"/>
+          <p:cNvPr id="7" name="Content Placeholder 1"/>
+          <p:cNvSpPr>
+            <a:spLocks noGrp="1"/>
+          </p:cNvSpPr>
+          <p:nvPr>
+            <p:ph idx="1"/>
+          </p:nvPr>
+        </p:nvSpPr>
+        <p:spPr>
+          <a:xfrm>
+            <a:off x="457200" y="1447800"/>
+            <a:ext cx="8229600" cy="4800600"/>
+          </a:xfrm>
+        </p:spPr>
+        <p:txBody>
+          <a:bodyPr/>
+          <a:lstStyle/>
+          <a:p>
+            <a:pPr marL="0" lvl="0" indent="0" algn="ctr">
+              <a:buNone/>
+            </a:pPr>
+            <a:r>
+              <a:rPr lang="en-US" smtClean="0">
+                <a:solidFill>
+                  <a:srgbClr val="000000"/>
+                </a:solidFill>
+              </a:rPr>
+              <a:t>Mời mọi người cùng xem clip</a:t>
+            </a:r>
+          </a:p>
+        </p:txBody>
+      </p:sp>
+      <p:sp>
+        <p:nvSpPr>
+          <p:cNvPr id="9" name="7-Point Star 8"/>
           <p:cNvSpPr/>
           <p:nvPr/>
         </p:nvSpPr>
@@ -21139,7 +21542,7 @@
     </p:spTree>
     <p:extLst>
       <p:ext uri="{BB962C8B-B14F-4D97-AF65-F5344CB8AC3E}">
-        <p14:creationId xmlns:p14="http://schemas.microsoft.com/office/powerpoint/2010/main" val="3137645208"/>
+        <p14:creationId xmlns:p14="http://schemas.microsoft.com/office/powerpoint/2010/main" val="937288250"/>
       </p:ext>
     </p:extLst>
   </p:cSld>
@@ -21559,6 +21962,894 @@
 </file>
 
 <file path=ppt/slides/slide30.xml><?xml version="1.0" encoding="utf-8"?>
+<p:sld xmlns:a="http://schemas.openxmlformats.org/drawingml/2006/main" xmlns:r="http://schemas.openxmlformats.org/officeDocument/2006/relationships" xmlns:p="http://schemas.openxmlformats.org/presentationml/2006/main">
+  <p:cSld>
+    <p:spTree>
+      <p:nvGrpSpPr>
+        <p:cNvPr id="1" name=""/>
+        <p:cNvGrpSpPr/>
+        <p:nvPr/>
+      </p:nvGrpSpPr>
+      <p:grpSpPr>
+        <a:xfrm>
+          <a:off x="0" y="0"/>
+          <a:ext cx="0" cy="0"/>
+          <a:chOff x="0" y="0"/>
+          <a:chExt cx="0" cy="0"/>
+        </a:xfrm>
+      </p:grpSpPr>
+      <p:sp>
+        <p:nvSpPr>
+          <p:cNvPr id="8" name="Title 1"/>
+          <p:cNvSpPr>
+            <a:spLocks noGrp="1"/>
+          </p:cNvSpPr>
+          <p:nvPr>
+            <p:ph type="title"/>
+          </p:nvPr>
+        </p:nvSpPr>
+        <p:spPr>
+          <a:xfrm>
+            <a:off x="228600" y="579437"/>
+            <a:ext cx="9448800" cy="563563"/>
+          </a:xfrm>
+        </p:spPr>
+        <p:txBody>
+          <a:bodyPr>
+            <a:noAutofit/>
+          </a:bodyPr>
+          <a:lstStyle/>
+          <a:p>
+            <a:r>
+              <a:rPr lang="en-US" sz="2900" cap="all" smtClean="0">
+                <a:ln w="9000" cmpd="sng">
+                  <a:solidFill>
+                    <a:schemeClr val="accent4">
+                      <a:shade val="50000"/>
+                      <a:satMod val="120000"/>
+                    </a:schemeClr>
+                  </a:solidFill>
+                  <a:prstDash val="solid"/>
+                </a:ln>
+                <a:gradFill>
+                  <a:gsLst>
+                    <a:gs pos="0">
+                      <a:schemeClr val="accent4">
+                        <a:shade val="20000"/>
+                        <a:satMod val="245000"/>
+                      </a:schemeClr>
+                    </a:gs>
+                    <a:gs pos="43000">
+                      <a:schemeClr val="accent4">
+                        <a:satMod val="255000"/>
+                      </a:schemeClr>
+                    </a:gs>
+                    <a:gs pos="48000">
+                      <a:schemeClr val="accent4">
+                        <a:shade val="85000"/>
+                        <a:satMod val="255000"/>
+                      </a:schemeClr>
+                    </a:gs>
+                    <a:gs pos="100000">
+                      <a:schemeClr val="accent4">
+                        <a:shade val="20000"/>
+                        <a:satMod val="245000"/>
+                      </a:schemeClr>
+                    </a:gs>
+                  </a:gsLst>
+                  <a:lin ang="5400000"/>
+                </a:gradFill>
+                <a:effectLst>
+                  <a:reflection blurRad="12700" stA="28000" endPos="45000" dist="1000" dir="5400000" sy="-100000" algn="bl" rotWithShape="0"/>
+                </a:effectLst>
+              </a:rPr>
+              <a:t>3 Java native access</a:t>
+            </a:r>
+            <a:endParaRPr lang="en-US" sz="2900" cap="all">
+              <a:ln w="9000" cmpd="sng">
+                <a:solidFill>
+                  <a:schemeClr val="accent4">
+                    <a:shade val="50000"/>
+                    <a:satMod val="120000"/>
+                  </a:schemeClr>
+                </a:solidFill>
+                <a:prstDash val="solid"/>
+              </a:ln>
+              <a:gradFill>
+                <a:gsLst>
+                  <a:gs pos="0">
+                    <a:schemeClr val="accent4">
+                      <a:shade val="20000"/>
+                      <a:satMod val="245000"/>
+                    </a:schemeClr>
+                  </a:gs>
+                  <a:gs pos="43000">
+                    <a:schemeClr val="accent4">
+                      <a:satMod val="255000"/>
+                    </a:schemeClr>
+                  </a:gs>
+                  <a:gs pos="48000">
+                    <a:schemeClr val="accent4">
+                      <a:shade val="85000"/>
+                      <a:satMod val="255000"/>
+                    </a:schemeClr>
+                  </a:gs>
+                  <a:gs pos="100000">
+                    <a:schemeClr val="accent4">
+                      <a:shade val="20000"/>
+                      <a:satMod val="245000"/>
+                    </a:schemeClr>
+                  </a:gs>
+                </a:gsLst>
+                <a:lin ang="5400000"/>
+              </a:gradFill>
+              <a:effectLst>
+                <a:reflection blurRad="12700" stA="28000" endPos="45000" dist="1000" dir="5400000" sy="-100000" algn="bl" rotWithShape="0"/>
+              </a:effectLst>
+            </a:endParaRPr>
+          </a:p>
+        </p:txBody>
+      </p:sp>
+      <p:sp>
+        <p:nvSpPr>
+          <p:cNvPr id="2" name="Content Placeholder 1"/>
+          <p:cNvSpPr>
+            <a:spLocks noGrp="1"/>
+          </p:cNvSpPr>
+          <p:nvPr>
+            <p:ph idx="1"/>
+          </p:nvPr>
+        </p:nvSpPr>
+        <p:spPr>
+          <a:xfrm>
+            <a:off x="457200" y="1447800"/>
+            <a:ext cx="8534400" cy="4800600"/>
+          </a:xfrm>
+        </p:spPr>
+        <p:txBody>
+          <a:bodyPr/>
+          <a:lstStyle/>
+          <a:p>
+            <a:pPr marL="0" lvl="0" indent="512763" algn="just">
+              <a:buClr>
+                <a:srgbClr val="000000"/>
+              </a:buClr>
+              <a:buNone/>
+            </a:pPr>
+            <a:r>
+              <a:rPr lang="en-US" b="0" smtClean="0">
+                <a:solidFill>
+                  <a:srgbClr val="000000"/>
+                </a:solidFill>
+                <a:latin typeface="+mj-lt"/>
+              </a:rPr>
+              <a:t>Java </a:t>
+            </a:r>
+            <a:r>
+              <a:rPr lang="en-US" b="0">
+                <a:solidFill>
+                  <a:srgbClr val="000000"/>
+                </a:solidFill>
+                <a:latin typeface="+mj-lt"/>
+              </a:rPr>
+              <a:t>Native </a:t>
+            </a:r>
+            <a:r>
+              <a:rPr lang="en-US" b="0" smtClean="0">
+                <a:solidFill>
+                  <a:srgbClr val="000000"/>
+                </a:solidFill>
+                <a:latin typeface="+mj-lt"/>
+              </a:rPr>
+              <a:t>Access (JNA) </a:t>
+            </a:r>
+            <a:r>
+              <a:rPr lang="en-US" b="0">
+                <a:solidFill>
+                  <a:srgbClr val="000000"/>
+                </a:solidFill>
+                <a:latin typeface="+mj-lt"/>
+              </a:rPr>
+              <a:t>là một phần mở rộng của Java cho phép sử dụng các API bao gồm các tập tin thư viện động DLL trong Windows. </a:t>
+            </a:r>
+          </a:p>
+          <a:p>
+            <a:pPr marL="0" lvl="0" indent="512763" algn="just">
+              <a:buClr>
+                <a:srgbClr val="000000"/>
+              </a:buClr>
+              <a:buNone/>
+            </a:pPr>
+            <a:r>
+              <a:rPr lang="en-US" b="0">
+                <a:solidFill>
+                  <a:srgbClr val="000000"/>
+                </a:solidFill>
+                <a:latin typeface="+mj-lt"/>
+              </a:rPr>
+              <a:t>JNA </a:t>
+            </a:r>
+            <a:r>
+              <a:rPr lang="en-US" b="0" smtClean="0">
+                <a:solidFill>
+                  <a:srgbClr val="000000"/>
+                </a:solidFill>
+                <a:latin typeface="+mj-lt"/>
+              </a:rPr>
+              <a:t>hỗ trợ </a:t>
+            </a:r>
+            <a:r>
+              <a:rPr lang="en-US" b="0">
+                <a:solidFill>
+                  <a:srgbClr val="000000"/>
+                </a:solidFill>
+                <a:latin typeface="+mj-lt"/>
+              </a:rPr>
+              <a:t>chương trình Java </a:t>
+            </a:r>
+            <a:r>
+              <a:rPr lang="en-US" b="0" smtClean="0">
+                <a:solidFill>
+                  <a:srgbClr val="000000"/>
+                </a:solidFill>
+                <a:latin typeface="+mj-lt"/>
+              </a:rPr>
+              <a:t>dễ </a:t>
+            </a:r>
+            <a:r>
+              <a:rPr lang="en-US" b="0">
+                <a:solidFill>
+                  <a:srgbClr val="000000"/>
+                </a:solidFill>
+                <a:latin typeface="+mj-lt"/>
+              </a:rPr>
+              <a:t>dàng truy cập đến các thư viện được chia sẽ mà không cần sử dụng JNI </a:t>
+            </a:r>
+            <a:r>
+              <a:rPr lang="en-US" b="0" smtClean="0">
+                <a:solidFill>
+                  <a:srgbClr val="000000"/>
+                </a:solidFill>
+                <a:latin typeface="+mj-lt"/>
+              </a:rPr>
+              <a:t>.</a:t>
+            </a:r>
+            <a:endParaRPr lang="en-US" b="0">
+              <a:solidFill>
+                <a:srgbClr val="000000"/>
+              </a:solidFill>
+              <a:latin typeface="+mj-lt"/>
+            </a:endParaRPr>
+          </a:p>
+        </p:txBody>
+      </p:sp>
+      <p:sp>
+        <p:nvSpPr>
+          <p:cNvPr id="4" name="Footer Placeholder 3"/>
+          <p:cNvSpPr>
+            <a:spLocks noGrp="1"/>
+          </p:cNvSpPr>
+          <p:nvPr>
+            <p:ph type="ftr" sz="quarter" idx="11"/>
+          </p:nvPr>
+        </p:nvSpPr>
+        <p:spPr/>
+        <p:txBody>
+          <a:bodyPr/>
+          <a:lstStyle/>
+          <a:p>
+            <a:r>
+              <a:rPr lang="en-US" smtClean="0"/>
+              <a:t>www.hcmus.edu.vn</a:t>
+            </a:r>
+            <a:endParaRPr lang="en-US"/>
+          </a:p>
+        </p:txBody>
+      </p:sp>
+      <p:sp>
+        <p:nvSpPr>
+          <p:cNvPr id="6" name="Slide Number Placeholder 11"/>
+          <p:cNvSpPr>
+            <a:spLocks noGrp="1"/>
+          </p:cNvSpPr>
+          <p:nvPr>
+            <p:ph type="sldNum" sz="quarter" idx="12"/>
+          </p:nvPr>
+        </p:nvSpPr>
+        <p:spPr>
+          <a:xfrm>
+            <a:off x="3429000" y="6477000"/>
+            <a:ext cx="2133600" cy="381000"/>
+          </a:xfrm>
+        </p:spPr>
+        <p:txBody>
+          <a:bodyPr/>
+          <a:lstStyle/>
+          <a:p>
+            <a:fld id="{B6F15528-21DE-4FAA-801E-634DDDAF4B2B}" type="slidenum">
+              <a:rPr lang="en-US" sz="2000" smtClean="0"/>
+              <a:pPr/>
+              <a:t>30</a:t>
+            </a:fld>
+            <a:endParaRPr lang="en-US" sz="2000"/>
+          </a:p>
+        </p:txBody>
+      </p:sp>
+    </p:spTree>
+    <p:extLst>
+      <p:ext uri="{BB962C8B-B14F-4D97-AF65-F5344CB8AC3E}">
+        <p14:creationId xmlns:p14="http://schemas.microsoft.com/office/powerpoint/2010/main" val="3797964774"/>
+      </p:ext>
+    </p:extLst>
+  </p:cSld>
+  <p:clrMapOvr>
+    <a:masterClrMapping/>
+  </p:clrMapOvr>
+  <p:timing>
+    <p:tnLst>
+      <p:par>
+        <p:cTn id="1" dur="indefinite" restart="never" nodeType="tmRoot"/>
+      </p:par>
+    </p:tnLst>
+  </p:timing>
+</p:sld>
+</file>
+
+<file path=ppt/slides/slide31.xml><?xml version="1.0" encoding="utf-8"?>
+<p:sld xmlns:a="http://schemas.openxmlformats.org/drawingml/2006/main" xmlns:r="http://schemas.openxmlformats.org/officeDocument/2006/relationships" xmlns:p="http://schemas.openxmlformats.org/presentationml/2006/main">
+  <p:cSld>
+    <p:spTree>
+      <p:nvGrpSpPr>
+        <p:cNvPr id="1" name=""/>
+        <p:cNvGrpSpPr/>
+        <p:nvPr/>
+      </p:nvGrpSpPr>
+      <p:grpSpPr>
+        <a:xfrm>
+          <a:off x="0" y="0"/>
+          <a:ext cx="0" cy="0"/>
+          <a:chOff x="0" y="0"/>
+          <a:chExt cx="0" cy="0"/>
+        </a:xfrm>
+      </p:grpSpPr>
+      <p:sp>
+        <p:nvSpPr>
+          <p:cNvPr id="8" name="Title 1"/>
+          <p:cNvSpPr>
+            <a:spLocks noGrp="1"/>
+          </p:cNvSpPr>
+          <p:nvPr>
+            <p:ph type="title"/>
+          </p:nvPr>
+        </p:nvSpPr>
+        <p:spPr>
+          <a:xfrm>
+            <a:off x="228600" y="579437"/>
+            <a:ext cx="9448800" cy="563563"/>
+          </a:xfrm>
+        </p:spPr>
+        <p:txBody>
+          <a:bodyPr>
+            <a:noAutofit/>
+          </a:bodyPr>
+          <a:lstStyle/>
+          <a:p>
+            <a:r>
+              <a:rPr lang="en-US" sz="2900" cap="all" smtClean="0">
+                <a:ln w="9000" cmpd="sng">
+                  <a:solidFill>
+                    <a:schemeClr val="accent4">
+                      <a:shade val="50000"/>
+                      <a:satMod val="120000"/>
+                    </a:schemeClr>
+                  </a:solidFill>
+                  <a:prstDash val="solid"/>
+                </a:ln>
+                <a:gradFill>
+                  <a:gsLst>
+                    <a:gs pos="0">
+                      <a:schemeClr val="accent4">
+                        <a:shade val="20000"/>
+                        <a:satMod val="245000"/>
+                      </a:schemeClr>
+                    </a:gs>
+                    <a:gs pos="43000">
+                      <a:schemeClr val="accent4">
+                        <a:satMod val="255000"/>
+                      </a:schemeClr>
+                    </a:gs>
+                    <a:gs pos="48000">
+                      <a:schemeClr val="accent4">
+                        <a:shade val="85000"/>
+                        <a:satMod val="255000"/>
+                      </a:schemeClr>
+                    </a:gs>
+                    <a:gs pos="100000">
+                      <a:schemeClr val="accent4">
+                        <a:shade val="20000"/>
+                        <a:satMod val="245000"/>
+                      </a:schemeClr>
+                    </a:gs>
+                  </a:gsLst>
+                  <a:lin ang="5400000"/>
+                </a:gradFill>
+                <a:effectLst>
+                  <a:reflection blurRad="12700" stA="28000" endPos="45000" dist="1000" dir="5400000" sy="-100000" algn="bl" rotWithShape="0"/>
+                </a:effectLst>
+              </a:rPr>
+              <a:t>3. Demo Hello world với JNA</a:t>
+            </a:r>
+            <a:endParaRPr lang="en-US" sz="2900" cap="all">
+              <a:ln w="9000" cmpd="sng">
+                <a:solidFill>
+                  <a:schemeClr val="accent4">
+                    <a:shade val="50000"/>
+                    <a:satMod val="120000"/>
+                  </a:schemeClr>
+                </a:solidFill>
+                <a:prstDash val="solid"/>
+              </a:ln>
+              <a:gradFill>
+                <a:gsLst>
+                  <a:gs pos="0">
+                    <a:schemeClr val="accent4">
+                      <a:shade val="20000"/>
+                      <a:satMod val="245000"/>
+                    </a:schemeClr>
+                  </a:gs>
+                  <a:gs pos="43000">
+                    <a:schemeClr val="accent4">
+                      <a:satMod val="255000"/>
+                    </a:schemeClr>
+                  </a:gs>
+                  <a:gs pos="48000">
+                    <a:schemeClr val="accent4">
+                      <a:shade val="85000"/>
+                      <a:satMod val="255000"/>
+                    </a:schemeClr>
+                  </a:gs>
+                  <a:gs pos="100000">
+                    <a:schemeClr val="accent4">
+                      <a:shade val="20000"/>
+                      <a:satMod val="245000"/>
+                    </a:schemeClr>
+                  </a:gs>
+                </a:gsLst>
+                <a:lin ang="5400000"/>
+              </a:gradFill>
+              <a:effectLst>
+                <a:reflection blurRad="12700" stA="28000" endPos="45000" dist="1000" dir="5400000" sy="-100000" algn="bl" rotWithShape="0"/>
+              </a:effectLst>
+            </a:endParaRPr>
+          </a:p>
+        </p:txBody>
+      </p:sp>
+      <p:sp>
+        <p:nvSpPr>
+          <p:cNvPr id="4" name="Footer Placeholder 3"/>
+          <p:cNvSpPr>
+            <a:spLocks noGrp="1"/>
+          </p:cNvSpPr>
+          <p:nvPr>
+            <p:ph type="ftr" sz="quarter" idx="11"/>
+          </p:nvPr>
+        </p:nvSpPr>
+        <p:spPr/>
+        <p:txBody>
+          <a:bodyPr/>
+          <a:lstStyle/>
+          <a:p>
+            <a:r>
+              <a:rPr lang="en-US" smtClean="0"/>
+              <a:t>www.hcmus.edu.vn</a:t>
+            </a:r>
+            <a:endParaRPr lang="en-US"/>
+          </a:p>
+        </p:txBody>
+      </p:sp>
+      <p:sp>
+        <p:nvSpPr>
+          <p:cNvPr id="6" name="Slide Number Placeholder 11"/>
+          <p:cNvSpPr>
+            <a:spLocks noGrp="1"/>
+          </p:cNvSpPr>
+          <p:nvPr>
+            <p:ph type="sldNum" sz="quarter" idx="12"/>
+          </p:nvPr>
+        </p:nvSpPr>
+        <p:spPr>
+          <a:xfrm>
+            <a:off x="3429000" y="6477000"/>
+            <a:ext cx="2133600" cy="381000"/>
+          </a:xfrm>
+        </p:spPr>
+        <p:txBody>
+          <a:bodyPr/>
+          <a:lstStyle/>
+          <a:p>
+            <a:fld id="{B6F15528-21DE-4FAA-801E-634DDDAF4B2B}" type="slidenum">
+              <a:rPr lang="en-US" sz="2000" smtClean="0"/>
+              <a:pPr/>
+              <a:t>31</a:t>
+            </a:fld>
+            <a:endParaRPr lang="en-US" sz="2000"/>
+          </a:p>
+        </p:txBody>
+      </p:sp>
+      <p:sp>
+        <p:nvSpPr>
+          <p:cNvPr id="7" name="Content Placeholder 1"/>
+          <p:cNvSpPr>
+            <a:spLocks noGrp="1"/>
+          </p:cNvSpPr>
+          <p:nvPr>
+            <p:ph idx="1"/>
+          </p:nvPr>
+        </p:nvSpPr>
+        <p:spPr>
+          <a:xfrm>
+            <a:off x="457200" y="1447800"/>
+            <a:ext cx="8229600" cy="4800600"/>
+          </a:xfrm>
+        </p:spPr>
+        <p:txBody>
+          <a:bodyPr/>
+          <a:lstStyle/>
+          <a:p>
+            <a:pPr marL="0" lvl="0" indent="0" algn="ctr">
+              <a:buNone/>
+            </a:pPr>
+            <a:r>
+              <a:rPr lang="en-US" smtClean="0">
+                <a:solidFill>
+                  <a:srgbClr val="000000"/>
+                </a:solidFill>
+              </a:rPr>
+              <a:t>Mời mọi người cùng xem clip</a:t>
+            </a:r>
+          </a:p>
+        </p:txBody>
+      </p:sp>
+      <p:sp>
+        <p:nvSpPr>
+          <p:cNvPr id="9" name="7-Point Star 8"/>
+          <p:cNvSpPr/>
+          <p:nvPr/>
+        </p:nvSpPr>
+        <p:spPr>
+          <a:xfrm>
+            <a:off x="3124200" y="3031671"/>
+            <a:ext cx="2819400" cy="2073729"/>
+          </a:xfrm>
+          <a:prstGeom prst="star7">
+            <a:avLst/>
+          </a:prstGeom>
+        </p:spPr>
+        <p:style>
+          <a:lnRef idx="3">
+            <a:schemeClr val="lt1"/>
+          </a:lnRef>
+          <a:fillRef idx="1">
+            <a:schemeClr val="accent4"/>
+          </a:fillRef>
+          <a:effectRef idx="1">
+            <a:schemeClr val="accent4"/>
+          </a:effectRef>
+          <a:fontRef idx="minor">
+            <a:schemeClr val="lt1"/>
+          </a:fontRef>
+        </p:style>
+        <p:txBody>
+          <a:bodyPr rtlCol="0" anchor="ctr"/>
+          <a:lstStyle/>
+          <a:p>
+            <a:pPr algn="ctr"/>
+            <a:r>
+              <a:rPr lang="en-US" sz="2800" b="1" smtClean="0"/>
+              <a:t>Demo</a:t>
+            </a:r>
+            <a:endParaRPr lang="en-US" b="1"/>
+          </a:p>
+        </p:txBody>
+      </p:sp>
+    </p:spTree>
+    <p:extLst>
+      <p:ext uri="{BB962C8B-B14F-4D97-AF65-F5344CB8AC3E}">
+        <p14:creationId xmlns:p14="http://schemas.microsoft.com/office/powerpoint/2010/main" val="936051198"/>
+      </p:ext>
+    </p:extLst>
+  </p:cSld>
+  <p:clrMapOvr>
+    <a:masterClrMapping/>
+  </p:clrMapOvr>
+  <p:timing>
+    <p:tnLst>
+      <p:par>
+        <p:cTn id="1" dur="indefinite" restart="never" nodeType="tmRoot"/>
+      </p:par>
+    </p:tnLst>
+  </p:timing>
+</p:sld>
+</file>
+
+<file path=ppt/slides/slide32.xml><?xml version="1.0" encoding="utf-8"?>
+<p:sld xmlns:a="http://schemas.openxmlformats.org/drawingml/2006/main" xmlns:r="http://schemas.openxmlformats.org/officeDocument/2006/relationships" xmlns:p="http://schemas.openxmlformats.org/presentationml/2006/main">
+  <p:cSld>
+    <p:spTree>
+      <p:nvGrpSpPr>
+        <p:cNvPr id="1" name=""/>
+        <p:cNvGrpSpPr/>
+        <p:nvPr/>
+      </p:nvGrpSpPr>
+      <p:grpSpPr>
+        <a:xfrm>
+          <a:off x="0" y="0"/>
+          <a:ext cx="0" cy="0"/>
+          <a:chOff x="0" y="0"/>
+          <a:chExt cx="0" cy="0"/>
+        </a:xfrm>
+      </p:grpSpPr>
+      <p:sp>
+        <p:nvSpPr>
+          <p:cNvPr id="8" name="Title 1"/>
+          <p:cNvSpPr>
+            <a:spLocks noGrp="1"/>
+          </p:cNvSpPr>
+          <p:nvPr>
+            <p:ph type="title"/>
+          </p:nvPr>
+        </p:nvSpPr>
+        <p:spPr>
+          <a:xfrm>
+            <a:off x="228600" y="579437"/>
+            <a:ext cx="9448800" cy="563563"/>
+          </a:xfrm>
+        </p:spPr>
+        <p:txBody>
+          <a:bodyPr>
+            <a:noAutofit/>
+          </a:bodyPr>
+          <a:lstStyle/>
+          <a:p>
+            <a:r>
+              <a:rPr lang="en-US" sz="2900" cap="all" smtClean="0">
+                <a:ln w="9000" cmpd="sng">
+                  <a:solidFill>
+                    <a:schemeClr val="accent4">
+                      <a:shade val="50000"/>
+                      <a:satMod val="120000"/>
+                    </a:schemeClr>
+                  </a:solidFill>
+                  <a:prstDash val="solid"/>
+                </a:ln>
+                <a:gradFill>
+                  <a:gsLst>
+                    <a:gs pos="0">
+                      <a:schemeClr val="accent4">
+                        <a:shade val="20000"/>
+                        <a:satMod val="245000"/>
+                      </a:schemeClr>
+                    </a:gs>
+                    <a:gs pos="43000">
+                      <a:schemeClr val="accent4">
+                        <a:satMod val="255000"/>
+                      </a:schemeClr>
+                    </a:gs>
+                    <a:gs pos="48000">
+                      <a:schemeClr val="accent4">
+                        <a:shade val="85000"/>
+                        <a:satMod val="255000"/>
+                      </a:schemeClr>
+                    </a:gs>
+                    <a:gs pos="100000">
+                      <a:schemeClr val="accent4">
+                        <a:shade val="20000"/>
+                        <a:satMod val="245000"/>
+                      </a:schemeClr>
+                    </a:gs>
+                  </a:gsLst>
+                  <a:lin ang="5400000"/>
+                </a:gradFill>
+                <a:effectLst>
+                  <a:reflection blurRad="12700" stA="28000" endPos="45000" dist="1000" dir="5400000" sy="-100000" algn="bl" rotWithShape="0"/>
+                </a:effectLst>
+              </a:rPr>
+              <a:t>4 demo ứng dụng thao tác registry</a:t>
+            </a:r>
+            <a:endParaRPr lang="en-US" sz="2900" cap="all">
+              <a:ln w="9000" cmpd="sng">
+                <a:solidFill>
+                  <a:schemeClr val="accent4">
+                    <a:shade val="50000"/>
+                    <a:satMod val="120000"/>
+                  </a:schemeClr>
+                </a:solidFill>
+                <a:prstDash val="solid"/>
+              </a:ln>
+              <a:gradFill>
+                <a:gsLst>
+                  <a:gs pos="0">
+                    <a:schemeClr val="accent4">
+                      <a:shade val="20000"/>
+                      <a:satMod val="245000"/>
+                    </a:schemeClr>
+                  </a:gs>
+                  <a:gs pos="43000">
+                    <a:schemeClr val="accent4">
+                      <a:satMod val="255000"/>
+                    </a:schemeClr>
+                  </a:gs>
+                  <a:gs pos="48000">
+                    <a:schemeClr val="accent4">
+                      <a:shade val="85000"/>
+                      <a:satMod val="255000"/>
+                    </a:schemeClr>
+                  </a:gs>
+                  <a:gs pos="100000">
+                    <a:schemeClr val="accent4">
+                      <a:shade val="20000"/>
+                      <a:satMod val="245000"/>
+                    </a:schemeClr>
+                  </a:gs>
+                </a:gsLst>
+                <a:lin ang="5400000"/>
+              </a:gradFill>
+              <a:effectLst>
+                <a:reflection blurRad="12700" stA="28000" endPos="45000" dist="1000" dir="5400000" sy="-100000" algn="bl" rotWithShape="0"/>
+              </a:effectLst>
+            </a:endParaRPr>
+          </a:p>
+        </p:txBody>
+      </p:sp>
+      <p:sp>
+        <p:nvSpPr>
+          <p:cNvPr id="2" name="Content Placeholder 1"/>
+          <p:cNvSpPr>
+            <a:spLocks noGrp="1"/>
+          </p:cNvSpPr>
+          <p:nvPr>
+            <p:ph idx="1"/>
+          </p:nvPr>
+        </p:nvSpPr>
+        <p:spPr/>
+        <p:txBody>
+          <a:bodyPr/>
+          <a:lstStyle/>
+          <a:p>
+            <a:pPr marL="0" lvl="0" indent="0" algn="ctr">
+              <a:buNone/>
+            </a:pPr>
+            <a:r>
+              <a:rPr lang="en-US" smtClean="0">
+                <a:solidFill>
+                  <a:srgbClr val="000000"/>
+                </a:solidFill>
+              </a:rPr>
+              <a:t>Mời mọi người cùng xem clip</a:t>
+            </a:r>
+          </a:p>
+        </p:txBody>
+      </p:sp>
+      <p:sp>
+        <p:nvSpPr>
+          <p:cNvPr id="4" name="Footer Placeholder 3"/>
+          <p:cNvSpPr>
+            <a:spLocks noGrp="1"/>
+          </p:cNvSpPr>
+          <p:nvPr>
+            <p:ph type="ftr" sz="quarter" idx="11"/>
+          </p:nvPr>
+        </p:nvSpPr>
+        <p:spPr>
+          <a:xfrm>
+            <a:off x="7162800" y="152400"/>
+            <a:ext cx="1752600" cy="228600"/>
+          </a:xfrm>
+        </p:spPr>
+        <p:txBody>
+          <a:bodyPr/>
+          <a:lstStyle/>
+          <a:p>
+            <a:r>
+              <a:rPr lang="en-US" smtClean="0"/>
+              <a:t>www.hcmus.edu.vn</a:t>
+            </a:r>
+            <a:endParaRPr lang="en-US"/>
+          </a:p>
+        </p:txBody>
+      </p:sp>
+      <p:sp>
+        <p:nvSpPr>
+          <p:cNvPr id="6" name="Slide Number Placeholder 11"/>
+          <p:cNvSpPr>
+            <a:spLocks noGrp="1"/>
+          </p:cNvSpPr>
+          <p:nvPr>
+            <p:ph type="sldNum" sz="quarter" idx="12"/>
+          </p:nvPr>
+        </p:nvSpPr>
+        <p:spPr>
+          <a:xfrm>
+            <a:off x="3429000" y="6477000"/>
+            <a:ext cx="2133600" cy="381000"/>
+          </a:xfrm>
+        </p:spPr>
+        <p:txBody>
+          <a:bodyPr/>
+          <a:lstStyle/>
+          <a:p>
+            <a:fld id="{B6F15528-21DE-4FAA-801E-634DDDAF4B2B}" type="slidenum">
+              <a:rPr lang="en-US" sz="2000" smtClean="0"/>
+              <a:pPr/>
+              <a:t>32</a:t>
+            </a:fld>
+            <a:endParaRPr lang="en-US" sz="2000"/>
+          </a:p>
+        </p:txBody>
+      </p:sp>
+      <p:sp>
+        <p:nvSpPr>
+          <p:cNvPr id="3" name="7-Point Star 2"/>
+          <p:cNvSpPr/>
+          <p:nvPr/>
+        </p:nvSpPr>
+        <p:spPr>
+          <a:xfrm>
+            <a:off x="3124200" y="3031671"/>
+            <a:ext cx="2819400" cy="2073729"/>
+          </a:xfrm>
+          <a:prstGeom prst="star7">
+            <a:avLst/>
+          </a:prstGeom>
+        </p:spPr>
+        <p:style>
+          <a:lnRef idx="3">
+            <a:schemeClr val="lt1"/>
+          </a:lnRef>
+          <a:fillRef idx="1">
+            <a:schemeClr val="accent4"/>
+          </a:fillRef>
+          <a:effectRef idx="1">
+            <a:schemeClr val="accent4"/>
+          </a:effectRef>
+          <a:fontRef idx="minor">
+            <a:schemeClr val="lt1"/>
+          </a:fontRef>
+        </p:style>
+        <p:txBody>
+          <a:bodyPr rtlCol="0" anchor="ctr"/>
+          <a:lstStyle/>
+          <a:p>
+            <a:pPr algn="ctr"/>
+            <a:r>
+              <a:rPr lang="en-US" sz="2800" b="1" smtClean="0"/>
+              <a:t>Demo</a:t>
+            </a:r>
+            <a:endParaRPr lang="en-US" b="1"/>
+          </a:p>
+        </p:txBody>
+      </p:sp>
+    </p:spTree>
+    <p:extLst>
+      <p:ext uri="{BB962C8B-B14F-4D97-AF65-F5344CB8AC3E}">
+        <p14:creationId xmlns:p14="http://schemas.microsoft.com/office/powerpoint/2010/main" val="3137645208"/>
+      </p:ext>
+    </p:extLst>
+  </p:cSld>
+  <p:clrMapOvr>
+    <a:masterClrMapping/>
+  </p:clrMapOvr>
+  <p:timing>
+    <p:tnLst>
+      <p:par>
+        <p:cTn id="1" dur="indefinite" restart="never" nodeType="tmRoot"/>
+      </p:par>
+    </p:tnLst>
+  </p:timing>
+</p:sld>
+</file>
+
+<file path=ppt/slides/slide33.xml><?xml version="1.0" encoding="utf-8"?>
 <p:sld xmlns:a="http://schemas.openxmlformats.org/drawingml/2006/main" xmlns:r="http://schemas.openxmlformats.org/officeDocument/2006/relationships" xmlns:p="http://schemas.openxmlformats.org/presentationml/2006/main">
   <p:cSld>
     <p:spTree>

--- a/trunk/Seminar_JNI/Slide_00.pptx
+++ b/trunk/Seminar_JNI/Slide_00.pptx
@@ -5,10 +5,10 @@
     <p:sldMasterId id="2147484495" r:id="rId1"/>
   </p:sldMasterIdLst>
   <p:notesMasterIdLst>
-    <p:notesMasterId r:id="rId35"/>
+    <p:notesMasterId r:id="rId34"/>
   </p:notesMasterIdLst>
   <p:handoutMasterIdLst>
-    <p:handoutMasterId r:id="rId36"/>
+    <p:handoutMasterId r:id="rId35"/>
   </p:handoutMasterIdLst>
   <p:sldIdLst>
     <p:sldId id="256" r:id="rId2"/>
@@ -35,15 +35,14 @@
     <p:sldId id="291" r:id="rId23"/>
     <p:sldId id="292" r:id="rId24"/>
     <p:sldId id="276" r:id="rId25"/>
-    <p:sldId id="279" r:id="rId26"/>
-    <p:sldId id="297" r:id="rId27"/>
-    <p:sldId id="298" r:id="rId28"/>
-    <p:sldId id="299" r:id="rId29"/>
-    <p:sldId id="277" r:id="rId30"/>
-    <p:sldId id="283" r:id="rId31"/>
-    <p:sldId id="282" r:id="rId32"/>
-    <p:sldId id="280" r:id="rId33"/>
-    <p:sldId id="281" r:id="rId34"/>
+    <p:sldId id="297" r:id="rId26"/>
+    <p:sldId id="298" r:id="rId27"/>
+    <p:sldId id="279" r:id="rId28"/>
+    <p:sldId id="277" r:id="rId29"/>
+    <p:sldId id="283" r:id="rId30"/>
+    <p:sldId id="282" r:id="rId31"/>
+    <p:sldId id="280" r:id="rId32"/>
+    <p:sldId id="281" r:id="rId33"/>
   </p:sldIdLst>
   <p:sldSz cx="9144000" cy="6858000" type="screen4x3"/>
   <p:notesSz cx="6858000" cy="9144000"/>
@@ -4552,7 +4551,7 @@
           <a:lstStyle/>
           <a:p>
             <a:r>
-              <a:rPr lang="en-US" sz="1200" kern="1200" smtClean="0">
+              <a:rPr lang="en-US" sz="1200" b="1" kern="1200" smtClean="0">
                 <a:solidFill>
                   <a:schemeClr val="tx1"/>
                 </a:solidFill>
@@ -4561,8 +4560,215 @@
                 <a:ea typeface="+mn-ea"/>
                 <a:cs typeface="+mn-cs"/>
               </a:rPr>
-              <a:t> Tham số của method có thể truyền vào phần sau hàm.</a:t>
-            </a:r>
+              <a:t>jint Throw(JNIEnv *env, jthrowable obj);</a:t>
+            </a:r>
+          </a:p>
+          <a:p>
+            <a:r>
+              <a:rPr lang="en-US" sz="1200" b="1" kern="1200" smtClean="0">
+                <a:solidFill>
+                  <a:schemeClr val="tx1"/>
+                </a:solidFill>
+                <a:effectLst/>
+                <a:latin typeface="+mn-lt"/>
+                <a:ea typeface="+mn-ea"/>
+                <a:cs typeface="+mn-cs"/>
+              </a:rPr>
+              <a:t>Parameters</a:t>
+            </a:r>
+            <a:r>
+              <a:rPr lang="en-US" sz="1200" kern="1200" smtClean="0">
+                <a:solidFill>
+                  <a:schemeClr val="tx1"/>
+                </a:solidFill>
+                <a:effectLst/>
+                <a:latin typeface="+mn-lt"/>
+                <a:ea typeface="+mn-ea"/>
+                <a:cs typeface="+mn-cs"/>
+              </a:rPr>
+              <a:t> </a:t>
+            </a:r>
+          </a:p>
+          <a:p>
+            <a:r>
+              <a:rPr lang="en-US" sz="1200" kern="1200" smtClean="0">
+                <a:solidFill>
+                  <a:schemeClr val="tx1"/>
+                </a:solidFill>
+                <a:effectLst/>
+                <a:latin typeface="+mn-lt"/>
+                <a:ea typeface="+mn-ea"/>
+                <a:cs typeface="+mn-cs"/>
+              </a:rPr>
+              <a:t>env: the JNIEnv interface pointer.</a:t>
+            </a:r>
+          </a:p>
+          <a:p>
+            <a:r>
+              <a:rPr lang="en-US" sz="1200" kern="1200" smtClean="0">
+                <a:solidFill>
+                  <a:schemeClr val="tx1"/>
+                </a:solidFill>
+                <a:effectLst/>
+                <a:latin typeface="+mn-lt"/>
+                <a:ea typeface="+mn-ea"/>
+                <a:cs typeface="+mn-cs"/>
+              </a:rPr>
+              <a:t>obj: a java.lang.Throwable object.</a:t>
+            </a:r>
+          </a:p>
+          <a:p>
+            <a:r>
+              <a:rPr lang="en-US" sz="1200" b="1" kern="1200" smtClean="0">
+                <a:solidFill>
+                  <a:schemeClr val="tx1"/>
+                </a:solidFill>
+                <a:effectLst/>
+                <a:latin typeface="+mn-lt"/>
+                <a:ea typeface="+mn-ea"/>
+                <a:cs typeface="+mn-cs"/>
+              </a:rPr>
+              <a:t>Return Values</a:t>
+            </a:r>
+            <a:r>
+              <a:rPr lang="en-US" sz="1200" kern="1200" smtClean="0">
+                <a:solidFill>
+                  <a:schemeClr val="tx1"/>
+                </a:solidFill>
+                <a:effectLst/>
+                <a:latin typeface="+mn-lt"/>
+                <a:ea typeface="+mn-ea"/>
+                <a:cs typeface="+mn-cs"/>
+              </a:rPr>
+              <a:t>: trả về 0 nếu thành công, ngược lại trả về số âm.</a:t>
+            </a:r>
+          </a:p>
+          <a:p>
+            <a:r>
+              <a:rPr lang="en-US" sz="1200" kern="1200" smtClean="0">
+                <a:solidFill>
+                  <a:schemeClr val="tx1"/>
+                </a:solidFill>
+                <a:effectLst/>
+                <a:latin typeface="+mn-lt"/>
+                <a:ea typeface="+mn-ea"/>
+                <a:cs typeface="+mn-cs"/>
+              </a:rPr>
+              <a:t>Để dùng hàm này thì ta phải tạo một đối tượng có interface là Throwable (cũng lấy từ JNI). Sau đó mới gọi hàm Throw. Còn hàm ThrowNew thì ta chỉ cần truyền vào class cài đặt interface Throwable không cần phải tạo đối tượng.</a:t>
+            </a:r>
+          </a:p>
+          <a:p>
+            <a:endParaRPr lang="en-US" smtClean="0"/>
+          </a:p>
+          <a:p>
+            <a:r>
+              <a:rPr lang="en-US" sz="1200" b="1" kern="1200" smtClean="0">
+                <a:solidFill>
+                  <a:schemeClr val="tx1"/>
+                </a:solidFill>
+                <a:effectLst/>
+                <a:latin typeface="+mn-lt"/>
+                <a:ea typeface="+mn-ea"/>
+                <a:cs typeface="+mn-cs"/>
+              </a:rPr>
+              <a:t>jint ThrowNew(JNIEnv *env, jclass clazz, const char *message);</a:t>
+            </a:r>
+          </a:p>
+          <a:p>
+            <a:r>
+              <a:rPr lang="en-US" sz="1200" b="1" kern="1200" smtClean="0">
+                <a:solidFill>
+                  <a:schemeClr val="tx1"/>
+                </a:solidFill>
+                <a:effectLst/>
+                <a:latin typeface="+mn-lt"/>
+                <a:ea typeface="+mn-ea"/>
+                <a:cs typeface="+mn-cs"/>
+              </a:rPr>
+              <a:t>Parameters</a:t>
+            </a:r>
+            <a:r>
+              <a:rPr lang="en-US" sz="1200" kern="1200" smtClean="0">
+                <a:solidFill>
+                  <a:schemeClr val="tx1"/>
+                </a:solidFill>
+                <a:effectLst/>
+                <a:latin typeface="+mn-lt"/>
+                <a:ea typeface="+mn-ea"/>
+                <a:cs typeface="+mn-cs"/>
+              </a:rPr>
+              <a:t> </a:t>
+            </a:r>
+          </a:p>
+          <a:p>
+            <a:r>
+              <a:rPr lang="en-US" sz="1200" kern="1200" smtClean="0">
+                <a:solidFill>
+                  <a:schemeClr val="tx1"/>
+                </a:solidFill>
+                <a:effectLst/>
+                <a:latin typeface="+mn-lt"/>
+                <a:ea typeface="+mn-ea"/>
+                <a:cs typeface="+mn-cs"/>
+              </a:rPr>
+              <a:t>env: the JNIEnv interface pointer.</a:t>
+            </a:r>
+          </a:p>
+          <a:p>
+            <a:r>
+              <a:rPr lang="en-US" sz="1200" kern="1200" smtClean="0">
+                <a:solidFill>
+                  <a:schemeClr val="tx1"/>
+                </a:solidFill>
+                <a:effectLst/>
+                <a:latin typeface="+mn-lt"/>
+                <a:ea typeface="+mn-ea"/>
+                <a:cs typeface="+mn-cs"/>
+              </a:rPr>
+              <a:t>clazz: một lớp cài đặt của java.lang.Throwable.</a:t>
+            </a:r>
+          </a:p>
+          <a:p>
+            <a:r>
+              <a:rPr lang="en-US" sz="1200" kern="1200" smtClean="0">
+                <a:solidFill>
+                  <a:schemeClr val="tx1"/>
+                </a:solidFill>
+                <a:effectLst/>
+                <a:latin typeface="+mn-lt"/>
+                <a:ea typeface="+mn-ea"/>
+                <a:cs typeface="+mn-cs"/>
+              </a:rPr>
+              <a:t>message: chuỗi thông báo dùng để dựng đối tượng Throwable kiểu clazz được truyền vô.</a:t>
+            </a:r>
+          </a:p>
+          <a:p>
+            <a:r>
+              <a:rPr lang="en-US" sz="1200" b="1" kern="1200" smtClean="0">
+                <a:solidFill>
+                  <a:schemeClr val="tx1"/>
+                </a:solidFill>
+                <a:effectLst/>
+                <a:latin typeface="+mn-lt"/>
+                <a:ea typeface="+mn-ea"/>
+                <a:cs typeface="+mn-cs"/>
+              </a:rPr>
+              <a:t>Return Values</a:t>
+            </a:r>
+            <a:r>
+              <a:rPr lang="en-US" sz="1200" kern="1200" smtClean="0">
+                <a:solidFill>
+                  <a:schemeClr val="tx1"/>
+                </a:solidFill>
+                <a:effectLst/>
+                <a:latin typeface="+mn-lt"/>
+                <a:ea typeface="+mn-ea"/>
+                <a:cs typeface="+mn-cs"/>
+              </a:rPr>
+              <a:t>: trả về 0 nếu thành công, ngược lại trả về số âm.</a:t>
+            </a:r>
+          </a:p>
+          <a:p>
             <a:endParaRPr lang="en-US"/>
           </a:p>
         </p:txBody>
@@ -4802,59 +5008,8 @@
           <a:bodyPr/>
           <a:lstStyle/>
           <a:p>
-            <a:pPr>
-              <a:buClrTx/>
-              <a:buFont typeface="Wingdings" pitchFamily="2" charset="2"/>
-              <a:buNone/>
-            </a:pPr>
-            <a:r>
-              <a:rPr lang="en-US" b="0" smtClean="0">
-                <a:solidFill>
-                  <a:srgbClr val="000000"/>
-                </a:solidFill>
-              </a:rPr>
-              <a:t>Giả sử bạn có một chương trình C/C++ và muốn gọi Java code. Chính lúc này invocation API của JVM sẽ giúp bạn. Cho phép chúng ta tạo một Java Virtual Machine trong chương trình C/C++.</a:t>
-            </a:r>
-          </a:p>
-          <a:p>
-            <a:pPr>
-              <a:buClrTx/>
-              <a:buFont typeface="Wingdings" pitchFamily="2" charset="2"/>
-              <a:buNone/>
-            </a:pPr>
-            <a:r>
-              <a:rPr lang="en-US" b="0" smtClean="0">
-                <a:solidFill>
-                  <a:srgbClr val="000000"/>
-                </a:solidFill>
-              </a:rPr>
-              <a:t>JNI cung cấp hai hàm để tạo và hủy máy ảo java.</a:t>
-            </a:r>
-          </a:p>
-          <a:p>
-            <a:pPr>
-              <a:buClrTx/>
-              <a:buFont typeface="Wingdings" pitchFamily="2" charset="2"/>
-              <a:buNone/>
-            </a:pPr>
-            <a:r>
-              <a:rPr lang="en-US" b="1" smtClean="0">
-                <a:solidFill>
-                  <a:srgbClr val="000000"/>
-                </a:solidFill>
-              </a:rPr>
-              <a:t>Tạo</a:t>
-            </a:r>
-            <a:r>
-              <a:rPr lang="en-US" b="1" baseline="0" smtClean="0">
-                <a:solidFill>
-                  <a:srgbClr val="000000"/>
-                </a:solidFill>
-              </a:rPr>
-              <a:t> JVM: </a:t>
-            </a:r>
-            <a:r>
-              <a:rPr lang="en-US" sz="1200" kern="1200" smtClean="0">
+            <a:r>
+              <a:rPr lang="en-US" sz="1200" b="1" kern="1200" smtClean="0">
                 <a:solidFill>
                   <a:schemeClr val="tx1"/>
                 </a:solidFill>
@@ -4863,12 +5018,10 @@
                 <a:ea typeface="+mn-ea"/>
                 <a:cs typeface="+mn-cs"/>
               </a:rPr>
-              <a:t>0 thành công, JNI_ERR khi ngược lại.</a:t>
-            </a:r>
-          </a:p>
-          <a:p>
-            <a:r>
-              <a:rPr lang="en-US" sz="1200" b="1" kern="1200" smtClean="0">
+              <a:t>Nhận</a:t>
+            </a:r>
+            <a:r>
+              <a:rPr lang="en-US" sz="1200" b="1" kern="1200" baseline="0" smtClean="0">
                 <a:solidFill>
                   <a:schemeClr val="tx1"/>
                 </a:solidFill>
@@ -4877,17 +5030,8 @@
                 <a:ea typeface="+mn-ea"/>
                 <a:cs typeface="+mn-cs"/>
               </a:rPr>
-              <a:t>Parameters:</a:t>
-            </a:r>
-            <a:endParaRPr lang="en-US" sz="1200" kern="1200" smtClean="0">
-              <a:solidFill>
-                <a:schemeClr val="tx1"/>
-              </a:solidFill>
-              <a:effectLst/>
-              <a:latin typeface="+mn-lt"/>
-              <a:ea typeface="+mn-ea"/>
-              <a:cs typeface="+mn-cs"/>
-            </a:endParaRPr>
+              <a:t> ngoại lệ</a:t>
+            </a:r>
           </a:p>
           <a:p>
             <a:r>
@@ -4900,7 +5044,7 @@
                 <a:ea typeface="+mn-ea"/>
                 <a:cs typeface="+mn-cs"/>
               </a:rPr>
-              <a:t>	p_jvm Con trỏ có kiểu JavaVM, dùng biến này để thao tác lên JVM tạo ra.</a:t>
+              <a:t>Khi gọi thực thi một method java từ navite code. Chúng ta sẽ cần biết method chạy thế nào, có bị ngoại lệ gì không. JNI có hỗ trợ cho chúng ta làm việc này.</a:t>
             </a:r>
           </a:p>
           <a:p>
@@ -4914,7 +5058,7 @@
                 <a:ea typeface="+mn-ea"/>
                 <a:cs typeface="+mn-cs"/>
               </a:rPr>
-              <a:t>	p_env Con trỏ kiểu JNIEnv, dùng biến này để thực hiện các lệnh JNI (như gọi chạy hàm main chẳng hạn).</a:t>
+              <a:t>JNI cũng cấp hai hàm kiểm tra xem có ngoại lệ xảy ra không và hàm lấy về đối tượng ngoại lệ:</a:t>
             </a:r>
           </a:p>
           <a:p>
@@ -4928,20 +5072,10 @@
                 <a:ea typeface="+mn-ea"/>
                 <a:cs typeface="+mn-cs"/>
               </a:rPr>
-              <a:t>	vm_args Biến kiểu JavaVMInitArgs  làm tham sô truyền vào cho JVM.</a:t>
-            </a:r>
-            <a:endParaRPr lang="en-US" b="0" smtClean="0">
-              <a:solidFill>
-                <a:srgbClr val="000000"/>
-              </a:solidFill>
-            </a:endParaRPr>
-          </a:p>
-          <a:p>
-            <a:pPr>
-              <a:buClrTx/>
-              <a:buFont typeface="Wingdings" pitchFamily="2" charset="2"/>
-              <a:buNone/>
-            </a:pPr>
+              <a:t>jboolean ExceptionCheck(JNIEnv *env);</a:t>
+            </a:r>
+          </a:p>
+          <a:p>
             <a:r>
               <a:rPr lang="en-US" sz="1200" b="1" kern="1200" smtClean="0">
                 <a:solidFill>
@@ -4952,10 +5086,10 @@
                 <a:ea typeface="+mn-ea"/>
                 <a:cs typeface="+mn-cs"/>
               </a:rPr>
-              <a:t>Hủy JVM</a:t>
-            </a:r>
-            <a:r>
-              <a:rPr lang="en-US" sz="1200" b="1" kern="1200" baseline="0" smtClean="0">
+              <a:t>Return Values</a:t>
+            </a:r>
+            <a:r>
+              <a:rPr lang="en-US" sz="1200" kern="1200" smtClean="0">
                 <a:solidFill>
                   <a:schemeClr val="tx1"/>
                 </a:solidFill>
@@ -4964,8 +5098,10 @@
                 <a:ea typeface="+mn-ea"/>
                 <a:cs typeface="+mn-cs"/>
               </a:rPr>
-              <a:t> </a:t>
-            </a:r>
+              <a:t> trả về JNI_TRUE nếu có ngoại lệ sảy ra, hoặc JNI_FALSE nếu ngược lại.</a:t>
+            </a:r>
+          </a:p>
+          <a:p>
             <a:r>
               <a:rPr lang="en-US" sz="1200" kern="1200" smtClean="0">
                 <a:solidFill>
@@ -4976,10 +5112,12 @@
                 <a:ea typeface="+mn-ea"/>
                 <a:cs typeface="+mn-cs"/>
               </a:rPr>
-              <a:t>Returns: trả về </a:t>
-            </a:r>
-            <a:r>
-              <a:rPr lang="en-US" sz="1000" kern="1200" smtClean="0">
+              <a:t>jthrowable ExceptionOccurred(JNIEnv *env);</a:t>
+            </a:r>
+          </a:p>
+          <a:p>
+            <a:r>
+              <a:rPr lang="en-US" sz="1200" b="1" kern="1200" smtClean="0">
                 <a:solidFill>
                   <a:schemeClr val="tx1"/>
                 </a:solidFill>
@@ -4988,7 +5126,7 @@
                 <a:ea typeface="+mn-ea"/>
                 <a:cs typeface="+mn-cs"/>
               </a:rPr>
-              <a:t>0</a:t>
+              <a:t>Return Values</a:t>
             </a:r>
             <a:r>
               <a:rPr lang="en-US" sz="1200" kern="1200" smtClean="0">
@@ -5000,48 +5138,8 @@
                 <a:ea typeface="+mn-ea"/>
                 <a:cs typeface="+mn-cs"/>
               </a:rPr>
-              <a:t> sucess, một số âm nếu thất bại. </a:t>
-            </a:r>
-          </a:p>
-          <a:p>
-            <a:pPr>
-              <a:buClrTx/>
-              <a:buFont typeface="Wingdings" pitchFamily="2" charset="2"/>
-              <a:buNone/>
-            </a:pPr>
-            <a:r>
-              <a:rPr lang="en-US" sz="1200" kern="1200" smtClean="0">
-                <a:solidFill>
-                  <a:schemeClr val="tx1"/>
-                </a:solidFill>
-                <a:effectLst/>
-                <a:latin typeface="+mn-lt"/>
-                <a:ea typeface="+mn-ea"/>
-                <a:cs typeface="+mn-cs"/>
-              </a:rPr>
-              <a:t>Hàm này cần phải được gọi thông qua một con trỏ JavaVM được truyền vô lúc tạo JVM.</a:t>
-            </a:r>
-            <a:endParaRPr lang="en-US" sz="1300" kern="1200" smtClean="0">
-              <a:solidFill>
-                <a:schemeClr val="tx1"/>
-              </a:solidFill>
-              <a:effectLst/>
-              <a:latin typeface="+mn-lt"/>
-              <a:ea typeface="+mn-ea"/>
-              <a:cs typeface="+mn-cs"/>
-            </a:endParaRPr>
-          </a:p>
-          <a:p>
-            <a:pPr>
-              <a:buClrTx/>
-              <a:buFont typeface="Wingdings" pitchFamily="2" charset="2"/>
-              <a:buNone/>
-            </a:pPr>
-            <a:endParaRPr lang="en-US" b="0" smtClean="0">
-              <a:solidFill>
-                <a:srgbClr val="000000"/>
-              </a:solidFill>
-            </a:endParaRPr>
+              <a:t> trả về đối tượng có interface Throwable nếu có ngoại lệ sảy ra, hoặc NULL nếu ngược lại.</a:t>
+            </a:r>
           </a:p>
           <a:p>
             <a:endParaRPr lang="en-US"/>
@@ -5166,6 +5264,248 @@
           <a:bodyPr/>
           <a:lstStyle/>
           <a:p>
+            <a:pPr>
+              <a:buClrTx/>
+              <a:buFont typeface="Wingdings" pitchFamily="2" charset="2"/>
+              <a:buNone/>
+            </a:pPr>
+            <a:r>
+              <a:rPr lang="en-US" b="0" smtClean="0">
+                <a:solidFill>
+                  <a:srgbClr val="000000"/>
+                </a:solidFill>
+              </a:rPr>
+              <a:t>Giả sử bạn có một chương trình C/C++ và muốn gọi Java code. Chính lúc này invocation API của JVM sẽ giúp bạn. Cho phép chúng ta tạo một Java Virtual Machine trong chương trình C/C++.</a:t>
+            </a:r>
+          </a:p>
+          <a:p>
+            <a:pPr>
+              <a:buClrTx/>
+              <a:buFont typeface="Wingdings" pitchFamily="2" charset="2"/>
+              <a:buNone/>
+            </a:pPr>
+            <a:r>
+              <a:rPr lang="en-US" b="0" smtClean="0">
+                <a:solidFill>
+                  <a:srgbClr val="000000"/>
+                </a:solidFill>
+              </a:rPr>
+              <a:t>JNI cung cấp hai hàm để tạo và hủy máy ảo java.</a:t>
+            </a:r>
+          </a:p>
+          <a:p>
+            <a:pPr>
+              <a:buClrTx/>
+              <a:buFont typeface="Wingdings" pitchFamily="2" charset="2"/>
+              <a:buNone/>
+            </a:pPr>
+            <a:r>
+              <a:rPr lang="en-US" b="1" smtClean="0">
+                <a:solidFill>
+                  <a:srgbClr val="000000"/>
+                </a:solidFill>
+              </a:rPr>
+              <a:t>Tạo</a:t>
+            </a:r>
+            <a:r>
+              <a:rPr lang="en-US" b="1" baseline="0" smtClean="0">
+                <a:solidFill>
+                  <a:srgbClr val="000000"/>
+                </a:solidFill>
+              </a:rPr>
+              <a:t> JVM: </a:t>
+            </a:r>
+            <a:r>
+              <a:rPr lang="en-US" sz="1200" kern="1200" smtClean="0">
+                <a:solidFill>
+                  <a:schemeClr val="tx1"/>
+                </a:solidFill>
+                <a:effectLst/>
+                <a:latin typeface="+mn-lt"/>
+                <a:ea typeface="+mn-ea"/>
+                <a:cs typeface="+mn-cs"/>
+              </a:rPr>
+              <a:t>0 thành công, JNI_ERR khi ngược lại.</a:t>
+            </a:r>
+          </a:p>
+          <a:p>
+            <a:r>
+              <a:rPr lang="en-US" sz="1200" b="1" kern="1200" smtClean="0">
+                <a:solidFill>
+                  <a:schemeClr val="tx1"/>
+                </a:solidFill>
+                <a:effectLst/>
+                <a:latin typeface="+mn-lt"/>
+                <a:ea typeface="+mn-ea"/>
+                <a:cs typeface="+mn-cs"/>
+              </a:rPr>
+              <a:t>Parameters:</a:t>
+            </a:r>
+            <a:endParaRPr lang="en-US" sz="1200" kern="1200" smtClean="0">
+              <a:solidFill>
+                <a:schemeClr val="tx1"/>
+              </a:solidFill>
+              <a:effectLst/>
+              <a:latin typeface="+mn-lt"/>
+              <a:ea typeface="+mn-ea"/>
+              <a:cs typeface="+mn-cs"/>
+            </a:endParaRPr>
+          </a:p>
+          <a:p>
+            <a:r>
+              <a:rPr lang="en-US" sz="1200" kern="1200" smtClean="0">
+                <a:solidFill>
+                  <a:schemeClr val="tx1"/>
+                </a:solidFill>
+                <a:effectLst/>
+                <a:latin typeface="+mn-lt"/>
+                <a:ea typeface="+mn-ea"/>
+                <a:cs typeface="+mn-cs"/>
+              </a:rPr>
+              <a:t>	p_jvm Con trỏ có kiểu JavaVM, dùng biến này để thao tác lên JVM tạo ra.</a:t>
+            </a:r>
+          </a:p>
+          <a:p>
+            <a:r>
+              <a:rPr lang="en-US" sz="1200" kern="1200" smtClean="0">
+                <a:solidFill>
+                  <a:schemeClr val="tx1"/>
+                </a:solidFill>
+                <a:effectLst/>
+                <a:latin typeface="+mn-lt"/>
+                <a:ea typeface="+mn-ea"/>
+                <a:cs typeface="+mn-cs"/>
+              </a:rPr>
+              <a:t>	p_env Con trỏ kiểu JNIEnv, dùng biến này để thực hiện các lệnh JNI (như gọi chạy hàm main chẳng hạn).</a:t>
+            </a:r>
+          </a:p>
+          <a:p>
+            <a:r>
+              <a:rPr lang="en-US" sz="1200" kern="1200" smtClean="0">
+                <a:solidFill>
+                  <a:schemeClr val="tx1"/>
+                </a:solidFill>
+                <a:effectLst/>
+                <a:latin typeface="+mn-lt"/>
+                <a:ea typeface="+mn-ea"/>
+                <a:cs typeface="+mn-cs"/>
+              </a:rPr>
+              <a:t>	vm_args Biến kiểu JavaVMInitArgs  làm tham sô truyền vào cho JVM.</a:t>
+            </a:r>
+            <a:endParaRPr lang="en-US" b="0" smtClean="0">
+              <a:solidFill>
+                <a:srgbClr val="000000"/>
+              </a:solidFill>
+            </a:endParaRPr>
+          </a:p>
+          <a:p>
+            <a:pPr>
+              <a:buClrTx/>
+              <a:buFont typeface="Wingdings" pitchFamily="2" charset="2"/>
+              <a:buNone/>
+            </a:pPr>
+            <a:r>
+              <a:rPr lang="en-US" sz="1200" b="1" kern="1200" smtClean="0">
+                <a:solidFill>
+                  <a:schemeClr val="tx1"/>
+                </a:solidFill>
+                <a:effectLst/>
+                <a:latin typeface="+mn-lt"/>
+                <a:ea typeface="+mn-ea"/>
+                <a:cs typeface="+mn-cs"/>
+              </a:rPr>
+              <a:t>Hủy JVM</a:t>
+            </a:r>
+            <a:r>
+              <a:rPr lang="en-US" sz="1200" b="1" kern="1200" baseline="0" smtClean="0">
+                <a:solidFill>
+                  <a:schemeClr val="tx1"/>
+                </a:solidFill>
+                <a:effectLst/>
+                <a:latin typeface="+mn-lt"/>
+                <a:ea typeface="+mn-ea"/>
+                <a:cs typeface="+mn-cs"/>
+              </a:rPr>
+              <a:t> </a:t>
+            </a:r>
+            <a:r>
+              <a:rPr lang="en-US" sz="1200" kern="1200" smtClean="0">
+                <a:solidFill>
+                  <a:schemeClr val="tx1"/>
+                </a:solidFill>
+                <a:effectLst/>
+                <a:latin typeface="+mn-lt"/>
+                <a:ea typeface="+mn-ea"/>
+                <a:cs typeface="+mn-cs"/>
+              </a:rPr>
+              <a:t>Returns: trả về </a:t>
+            </a:r>
+            <a:r>
+              <a:rPr lang="en-US" sz="1000" kern="1200" smtClean="0">
+                <a:solidFill>
+                  <a:schemeClr val="tx1"/>
+                </a:solidFill>
+                <a:effectLst/>
+                <a:latin typeface="+mn-lt"/>
+                <a:ea typeface="+mn-ea"/>
+                <a:cs typeface="+mn-cs"/>
+              </a:rPr>
+              <a:t>0</a:t>
+            </a:r>
+            <a:r>
+              <a:rPr lang="en-US" sz="1200" kern="1200" smtClean="0">
+                <a:solidFill>
+                  <a:schemeClr val="tx1"/>
+                </a:solidFill>
+                <a:effectLst/>
+                <a:latin typeface="+mn-lt"/>
+                <a:ea typeface="+mn-ea"/>
+                <a:cs typeface="+mn-cs"/>
+              </a:rPr>
+              <a:t> sucess, một số âm nếu thất bại. </a:t>
+            </a:r>
+          </a:p>
+          <a:p>
+            <a:pPr>
+              <a:buClrTx/>
+              <a:buFont typeface="Wingdings" pitchFamily="2" charset="2"/>
+              <a:buNone/>
+            </a:pPr>
+            <a:r>
+              <a:rPr lang="en-US" sz="1200" kern="1200" smtClean="0">
+                <a:solidFill>
+                  <a:schemeClr val="tx1"/>
+                </a:solidFill>
+                <a:effectLst/>
+                <a:latin typeface="+mn-lt"/>
+                <a:ea typeface="+mn-ea"/>
+                <a:cs typeface="+mn-cs"/>
+              </a:rPr>
+              <a:t>Hàm này cần phải được gọi thông qua một con trỏ JavaVM được truyền vô lúc tạo JVM.</a:t>
+            </a:r>
+            <a:endParaRPr lang="en-US" sz="1300" kern="1200" smtClean="0">
+              <a:solidFill>
+                <a:schemeClr val="tx1"/>
+              </a:solidFill>
+              <a:effectLst/>
+              <a:latin typeface="+mn-lt"/>
+              <a:ea typeface="+mn-ea"/>
+              <a:cs typeface="+mn-cs"/>
+            </a:endParaRPr>
+          </a:p>
+          <a:p>
+            <a:pPr>
+              <a:buClrTx/>
+              <a:buFont typeface="Wingdings" pitchFamily="2" charset="2"/>
+              <a:buNone/>
+            </a:pPr>
+            <a:endParaRPr lang="en-US" b="0" smtClean="0">
+              <a:solidFill>
+                <a:srgbClr val="000000"/>
+              </a:solidFill>
+            </a:endParaRPr>
+          </a:p>
+          <a:p>
             <a:endParaRPr lang="en-US"/>
           </a:p>
         </p:txBody>
@@ -5288,6 +5628,156 @@
           <a:bodyPr/>
           <a:lstStyle/>
           <a:p>
+            <a:pPr lvl="0"/>
+            <a:r>
+              <a:rPr lang="en-US" sz="1200" b="1" kern="1200" smtClean="0">
+                <a:solidFill>
+                  <a:schemeClr val="tx1"/>
+                </a:solidFill>
+                <a:effectLst/>
+                <a:latin typeface="+mn-lt"/>
+                <a:ea typeface="+mn-ea"/>
+                <a:cs typeface="+mn-cs"/>
+              </a:rPr>
+              <a:t>JNA</a:t>
+            </a:r>
+            <a:r>
+              <a:rPr lang="en-US" sz="1200" kern="1200" smtClean="0">
+                <a:solidFill>
+                  <a:schemeClr val="tx1"/>
+                </a:solidFill>
+                <a:effectLst/>
+                <a:latin typeface="+mn-lt"/>
+                <a:ea typeface="+mn-ea"/>
+                <a:cs typeface="+mn-cs"/>
+              </a:rPr>
+              <a:t>: </a:t>
+            </a:r>
+            <a:r>
+              <a:rPr lang="en-US" sz="1200" kern="1200" smtClean="0">
+                <a:solidFill>
+                  <a:schemeClr val="tx1"/>
+                </a:solidFill>
+                <a:effectLst/>
+                <a:latin typeface="+mn-lt"/>
+                <a:ea typeface="+mn-ea"/>
+                <a:cs typeface="+mn-cs"/>
+              </a:rPr>
+              <a:t>JKhông </a:t>
+            </a:r>
+            <a:r>
+              <a:rPr lang="en-US" sz="1200" kern="1200" smtClean="0">
+                <a:solidFill>
+                  <a:schemeClr val="tx1"/>
+                </a:solidFill>
+                <a:effectLst/>
+                <a:latin typeface="+mn-lt"/>
+                <a:ea typeface="+mn-ea"/>
+                <a:cs typeface="+mn-cs"/>
+              </a:rPr>
+              <a:t>giống như JNI, nó không yêu cầu để tạo ra mã bằng cách sử dụng chức năng C. Để sử dụng chúng, chỉ đơn giản sử các tập tin có định nghĩa chúng và tuyên bố tiêu đề của các chức năng này trong một giao diện.</a:t>
+            </a:r>
+          </a:p>
+          <a:p>
+            <a:pPr lvl="0"/>
+            <a:r>
+              <a:rPr lang="en-US" sz="1200" b="1" kern="1200" smtClean="0">
+                <a:solidFill>
+                  <a:schemeClr val="tx1"/>
+                </a:solidFill>
+                <a:effectLst/>
+                <a:latin typeface="+mn-lt"/>
+                <a:ea typeface="+mn-ea"/>
+                <a:cs typeface="+mn-cs"/>
+              </a:rPr>
+              <a:t>JNA</a:t>
+            </a:r>
+            <a:r>
+              <a:rPr lang="en-US" sz="1200" kern="1200" smtClean="0">
+                <a:solidFill>
+                  <a:schemeClr val="tx1"/>
+                </a:solidFill>
+                <a:effectLst/>
+                <a:latin typeface="+mn-lt"/>
+                <a:ea typeface="+mn-ea"/>
+                <a:cs typeface="+mn-cs"/>
+              </a:rPr>
+              <a:t> </a:t>
+            </a:r>
+            <a:r>
+              <a:rPr lang="en-US" sz="1200" kern="1200" smtClean="0">
+                <a:solidFill>
+                  <a:schemeClr val="tx1"/>
+                </a:solidFill>
+                <a:effectLst/>
+                <a:latin typeface="+mn-lt"/>
+                <a:ea typeface="+mn-ea"/>
+                <a:cs typeface="+mn-cs"/>
+              </a:rPr>
+              <a:t>thiết kế nhằm mục đích để cung cấp các truy cập một cách tự nhiên, ít tốn công sức.</a:t>
+            </a:r>
+          </a:p>
+          <a:p>
+            <a:pPr lvl="0"/>
+            <a:r>
+              <a:rPr lang="en-US" sz="1200" kern="1200" smtClean="0">
+                <a:solidFill>
+                  <a:schemeClr val="tx1"/>
+                </a:solidFill>
+                <a:effectLst/>
+                <a:latin typeface="+mn-lt"/>
+                <a:ea typeface="+mn-ea"/>
+                <a:cs typeface="+mn-cs"/>
+              </a:rPr>
+              <a:t>Các thư viện yêu cầu sử dụng</a:t>
+            </a:r>
+          </a:p>
+          <a:p>
+            <a:pPr lvl="1"/>
+            <a:r>
+              <a:rPr lang="en-US" sz="1200" kern="1200" smtClean="0">
+                <a:solidFill>
+                  <a:schemeClr val="tx1"/>
+                </a:solidFill>
+                <a:effectLst/>
+                <a:latin typeface="+mn-lt"/>
+                <a:ea typeface="+mn-ea"/>
+                <a:cs typeface="+mn-cs"/>
+              </a:rPr>
+              <a:t>import com.sun.jna.Library;</a:t>
+            </a:r>
+          </a:p>
+          <a:p>
+            <a:pPr lvl="1"/>
+            <a:r>
+              <a:rPr lang="en-US" sz="1200" kern="1200" smtClean="0">
+                <a:solidFill>
+                  <a:schemeClr val="tx1"/>
+                </a:solidFill>
+                <a:effectLst/>
+                <a:latin typeface="+mn-lt"/>
+                <a:ea typeface="+mn-ea"/>
+                <a:cs typeface="+mn-cs"/>
+              </a:rPr>
+              <a:t>import com.sun.jna.Native;</a:t>
+            </a:r>
+          </a:p>
+          <a:p>
+            <a:pPr lvl="1"/>
+            <a:r>
+              <a:rPr lang="en-US" sz="1200" kern="1200" smtClean="0">
+                <a:solidFill>
+                  <a:schemeClr val="tx1"/>
+                </a:solidFill>
+                <a:effectLst/>
+                <a:latin typeface="+mn-lt"/>
+                <a:ea typeface="+mn-ea"/>
+                <a:cs typeface="+mn-cs"/>
+              </a:rPr>
+              <a:t>import com.sun.jna.Platform;</a:t>
+            </a:r>
+          </a:p>
+          <a:p>
             <a:endParaRPr lang="en-US"/>
           </a:p>
         </p:txBody>
@@ -5349,156 +5839,6 @@
           <a:bodyPr/>
           <a:lstStyle/>
           <a:p>
-            <a:pPr lvl="0"/>
-            <a:r>
-              <a:rPr lang="en-US" sz="1200" b="1" kern="1200" smtClean="0">
-                <a:solidFill>
-                  <a:schemeClr val="tx1"/>
-                </a:solidFill>
-                <a:effectLst/>
-                <a:latin typeface="+mn-lt"/>
-                <a:ea typeface="+mn-ea"/>
-                <a:cs typeface="+mn-cs"/>
-              </a:rPr>
-              <a:t>JNA</a:t>
-            </a:r>
-            <a:r>
-              <a:rPr lang="en-US" sz="1200" kern="1200" smtClean="0">
-                <a:solidFill>
-                  <a:schemeClr val="tx1"/>
-                </a:solidFill>
-                <a:effectLst/>
-                <a:latin typeface="+mn-lt"/>
-                <a:ea typeface="+mn-ea"/>
-                <a:cs typeface="+mn-cs"/>
-              </a:rPr>
-              <a:t>: </a:t>
-            </a:r>
-            <a:r>
-              <a:rPr lang="en-US" sz="1200" kern="1200" smtClean="0">
-                <a:solidFill>
-                  <a:schemeClr val="tx1"/>
-                </a:solidFill>
-                <a:effectLst/>
-                <a:latin typeface="+mn-lt"/>
-                <a:ea typeface="+mn-ea"/>
-                <a:cs typeface="+mn-cs"/>
-              </a:rPr>
-              <a:t>JKhông </a:t>
-            </a:r>
-            <a:r>
-              <a:rPr lang="en-US" sz="1200" kern="1200" smtClean="0">
-                <a:solidFill>
-                  <a:schemeClr val="tx1"/>
-                </a:solidFill>
-                <a:effectLst/>
-                <a:latin typeface="+mn-lt"/>
-                <a:ea typeface="+mn-ea"/>
-                <a:cs typeface="+mn-cs"/>
-              </a:rPr>
-              <a:t>giống như JNI, nó không yêu cầu để tạo ra mã bằng cách sử dụng chức năng C. Để sử dụng chúng, chỉ đơn giản sử các tập tin có định nghĩa chúng và tuyên bố tiêu đề của các chức năng này trong một giao diện.</a:t>
-            </a:r>
-          </a:p>
-          <a:p>
-            <a:pPr lvl="0"/>
-            <a:r>
-              <a:rPr lang="en-US" sz="1200" b="1" kern="1200" smtClean="0">
-                <a:solidFill>
-                  <a:schemeClr val="tx1"/>
-                </a:solidFill>
-                <a:effectLst/>
-                <a:latin typeface="+mn-lt"/>
-                <a:ea typeface="+mn-ea"/>
-                <a:cs typeface="+mn-cs"/>
-              </a:rPr>
-              <a:t>JNA</a:t>
-            </a:r>
-            <a:r>
-              <a:rPr lang="en-US" sz="1200" kern="1200" smtClean="0">
-                <a:solidFill>
-                  <a:schemeClr val="tx1"/>
-                </a:solidFill>
-                <a:effectLst/>
-                <a:latin typeface="+mn-lt"/>
-                <a:ea typeface="+mn-ea"/>
-                <a:cs typeface="+mn-cs"/>
-              </a:rPr>
-              <a:t> </a:t>
-            </a:r>
-            <a:r>
-              <a:rPr lang="en-US" sz="1200" kern="1200" smtClean="0">
-                <a:solidFill>
-                  <a:schemeClr val="tx1"/>
-                </a:solidFill>
-                <a:effectLst/>
-                <a:latin typeface="+mn-lt"/>
-                <a:ea typeface="+mn-ea"/>
-                <a:cs typeface="+mn-cs"/>
-              </a:rPr>
-              <a:t>thiết kế nhằm mục đích để cung cấp các truy cập một cách tự nhiên, ít tốn công sức.</a:t>
-            </a:r>
-          </a:p>
-          <a:p>
-            <a:pPr lvl="0"/>
-            <a:r>
-              <a:rPr lang="en-US" sz="1200" kern="1200" smtClean="0">
-                <a:solidFill>
-                  <a:schemeClr val="tx1"/>
-                </a:solidFill>
-                <a:effectLst/>
-                <a:latin typeface="+mn-lt"/>
-                <a:ea typeface="+mn-ea"/>
-                <a:cs typeface="+mn-cs"/>
-              </a:rPr>
-              <a:t>Các thư viện yêu cầu sử dụng</a:t>
-            </a:r>
-          </a:p>
-          <a:p>
-            <a:pPr lvl="1"/>
-            <a:r>
-              <a:rPr lang="en-US" sz="1200" kern="1200" smtClean="0">
-                <a:solidFill>
-                  <a:schemeClr val="tx1"/>
-                </a:solidFill>
-                <a:effectLst/>
-                <a:latin typeface="+mn-lt"/>
-                <a:ea typeface="+mn-ea"/>
-                <a:cs typeface="+mn-cs"/>
-              </a:rPr>
-              <a:t>import com.sun.jna.Library;</a:t>
-            </a:r>
-          </a:p>
-          <a:p>
-            <a:pPr lvl="1"/>
-            <a:r>
-              <a:rPr lang="en-US" sz="1200" kern="1200" smtClean="0">
-                <a:solidFill>
-                  <a:schemeClr val="tx1"/>
-                </a:solidFill>
-                <a:effectLst/>
-                <a:latin typeface="+mn-lt"/>
-                <a:ea typeface="+mn-ea"/>
-                <a:cs typeface="+mn-cs"/>
-              </a:rPr>
-              <a:t>import com.sun.jna.Native;</a:t>
-            </a:r>
-          </a:p>
-          <a:p>
-            <a:pPr lvl="1"/>
-            <a:r>
-              <a:rPr lang="en-US" sz="1200" kern="1200" smtClean="0">
-                <a:solidFill>
-                  <a:schemeClr val="tx1"/>
-                </a:solidFill>
-                <a:effectLst/>
-                <a:latin typeface="+mn-lt"/>
-                <a:ea typeface="+mn-ea"/>
-                <a:cs typeface="+mn-cs"/>
-              </a:rPr>
-              <a:t>import com.sun.jna.Platform;</a:t>
-            </a:r>
-          </a:p>
-          <a:p>
             <a:endParaRPr lang="en-US"/>
           </a:p>
         </p:txBody>
@@ -5628,67 +5968,6 @@
     </p:spTree>
     <p:extLst>
       <p:ext uri="{BB962C8B-B14F-4D97-AF65-F5344CB8AC3E}">
-        <p14:creationId xmlns:p14="http://schemas.microsoft.com/office/powerpoint/2010/main" val="3087672818"/>
-      </p:ext>
-    </p:extLst>
-  </p:cSld>
-  <p:clrMapOvr>
-    <a:masterClrMapping/>
-  </p:clrMapOvr>
-</p:notes>
-</file>
-
-<file path=ppt/notesSlides/notesSlide28.xml><?xml version="1.0" encoding="utf-8"?>
-<p:notes xmlns:a="http://schemas.openxmlformats.org/drawingml/2006/main" xmlns:r="http://schemas.openxmlformats.org/officeDocument/2006/relationships" xmlns:p="http://schemas.openxmlformats.org/presentationml/2006/main">
-  <p:cSld>
-    <p:spTree>
-      <p:nvGrpSpPr>
-        <p:cNvPr id="1" name=""/>
-        <p:cNvGrpSpPr/>
-        <p:nvPr/>
-      </p:nvGrpSpPr>
-      <p:grpSpPr>
-        <a:xfrm>
-          <a:off x="0" y="0"/>
-          <a:ext cx="0" cy="0"/>
-          <a:chOff x="0" y="0"/>
-          <a:chExt cx="0" cy="0"/>
-        </a:xfrm>
-      </p:grpSpPr>
-      <p:sp>
-        <p:nvSpPr>
-          <p:cNvPr id="2" name="Slide Image Placeholder 1"/>
-          <p:cNvSpPr>
-            <a:spLocks noGrp="1" noRot="1" noChangeAspect="1"/>
-          </p:cNvSpPr>
-          <p:nvPr>
-            <p:ph type="sldImg"/>
-          </p:nvPr>
-        </p:nvSpPr>
-        <p:spPr/>
-      </p:sp>
-      <p:sp>
-        <p:nvSpPr>
-          <p:cNvPr id="3" name="Notes Placeholder 2"/>
-          <p:cNvSpPr>
-            <a:spLocks noGrp="1"/>
-          </p:cNvSpPr>
-          <p:nvPr>
-            <p:ph type="body" idx="1"/>
-          </p:nvPr>
-        </p:nvSpPr>
-        <p:spPr/>
-        <p:txBody>
-          <a:bodyPr/>
-          <a:lstStyle/>
-          <a:p>
-            <a:endParaRPr lang="en-US"/>
-          </a:p>
-        </p:txBody>
-      </p:sp>
-    </p:spTree>
-    <p:extLst>
-      <p:ext uri="{BB962C8B-B14F-4D97-AF65-F5344CB8AC3E}">
         <p14:creationId xmlns:p14="http://schemas.microsoft.com/office/powerpoint/2010/main" val="1243872160"/>
       </p:ext>
     </p:extLst>
@@ -5769,8 +6048,75 @@
                 <a:ea typeface="+mn-ea"/>
                 <a:cs typeface="+mn-cs"/>
               </a:rPr>
-              <a:t>Trong khi ngôn ngữ Java là loại an toàn thì các ngôn ngữ native (C, C++) thì không. Do đó, khi có một phương thức trong ứng dụng hay dll được sử dụng bị hỏng thì sẽ làm cho toàn bộ hệ thống bị hỏng. Do vậy, cần phải kiểm tra các thư viện dll, ứng dụng C, C++ trước khi sử dụng JNI</a:t>
-            </a:r>
+              <a:t>Trong khi ngôn ngữ Java là loại an toàn thì các ngôn ngữ native (C, C++) thì không. Do đó, khi có một phương thức trong ứng dụng hay dll được sử dụng bị hỏng thì sẽ làm cho toàn bộ hệ thống bị hỏng. Do vậy, cần phải kiểm tra các thư viện dll, ứng dụng C, C++ trước khi sử dụng </a:t>
+            </a:r>
+            <a:r>
+              <a:rPr lang="en-US" sz="1200" kern="1200" smtClean="0">
+                <a:solidFill>
+                  <a:schemeClr val="tx1"/>
+                </a:solidFill>
+                <a:effectLst/>
+                <a:latin typeface="+mn-lt"/>
+                <a:ea typeface="+mn-ea"/>
+                <a:cs typeface="+mn-cs"/>
+              </a:rPr>
+              <a:t>JNI</a:t>
+            </a:r>
+          </a:p>
+          <a:p>
+            <a:pPr lvl="0"/>
+            <a:endParaRPr lang="en-US" sz="1200" kern="1200" smtClean="0">
+              <a:solidFill>
+                <a:schemeClr val="tx1"/>
+              </a:solidFill>
+              <a:effectLst/>
+              <a:latin typeface="+mn-lt"/>
+              <a:ea typeface="+mn-ea"/>
+              <a:cs typeface="+mn-cs"/>
+            </a:endParaRPr>
+          </a:p>
+          <a:p>
+            <a:pPr marL="0" marR="0" lvl="0" indent="0" algn="l" defTabSz="914400" rtl="0" eaLnBrk="1" fontAlgn="auto" latinLnBrk="0" hangingPunct="1">
+              <a:lnSpc>
+                <a:spcPct val="100000"/>
+              </a:lnSpc>
+              <a:spcBef>
+                <a:spcPts val="0"/>
+              </a:spcBef>
+              <a:spcAft>
+                <a:spcPts val="0"/>
+              </a:spcAft>
+              <a:buClrTx/>
+              <a:buSzTx/>
+              <a:buFontTx/>
+              <a:buNone/>
+              <a:tabLst/>
+              <a:defRPr/>
+            </a:pPr>
+            <a:r>
+              <a:rPr lang="en-US" sz="1200" kern="1200" smtClean="0">
+                <a:solidFill>
+                  <a:schemeClr val="tx1"/>
+                </a:solidFill>
+                <a:effectLst/>
+                <a:latin typeface="+mn-lt"/>
+                <a:ea typeface="+mn-ea"/>
+                <a:cs typeface="+mn-cs"/>
+              </a:rPr>
+              <a:t>Các hàm native code được xem là làm mất an toàn cho chương trình java vì “C runtime system” không có cơ chế xử lý ngoại lệ như: truy cập ngoài vùng mảng, truy cập địa chỉ không hợp lệ… Do đó một vấn đề quan trọng trong lập trình native là phải kiểm tra các lỗi có thể phát sinh và quăng –“throw” về cho chương trình java bắt.</a:t>
+            </a:r>
+          </a:p>
+          <a:p>
+            <a:pPr lvl="0"/>
+            <a:endParaRPr lang="en-US" sz="1200" kern="1200" smtClean="0">
+              <a:solidFill>
+                <a:schemeClr val="tx1"/>
+              </a:solidFill>
+              <a:effectLst/>
+              <a:latin typeface="+mn-lt"/>
+              <a:ea typeface="+mn-ea"/>
+              <a:cs typeface="+mn-cs"/>
+            </a:endParaRPr>
           </a:p>
           <a:p>
             <a:endParaRPr lang="en-US"/>
@@ -20177,6 +20523,207 @@
           </a:p>
         </p:txBody>
       </p:sp>
+      <p:sp>
+        <p:nvSpPr>
+          <p:cNvPr id="5" name="Content Placeholder 2"/>
+          <p:cNvSpPr>
+            <a:spLocks noGrp="1"/>
+          </p:cNvSpPr>
+          <p:nvPr>
+            <p:ph idx="1"/>
+          </p:nvPr>
+        </p:nvSpPr>
+        <p:spPr>
+          <a:xfrm>
+            <a:off x="457200" y="1447800"/>
+            <a:ext cx="8458200" cy="4800600"/>
+          </a:xfrm>
+        </p:spPr>
+        <p:txBody>
+          <a:bodyPr/>
+          <a:lstStyle/>
+          <a:p>
+            <a:pPr marL="342900" lvl="1" indent="-342900">
+              <a:buClrTx/>
+              <a:buFont typeface="Wingdings" pitchFamily="2" charset="2"/>
+              <a:buChar char="q"/>
+            </a:pPr>
+            <a:r>
+              <a:rPr lang="en-US" sz="2400" b="1">
+                <a:solidFill>
+                  <a:srgbClr val="000000"/>
+                </a:solidFill>
+                <a:latin typeface="+mj-lt"/>
+              </a:rPr>
+              <a:t>Throw một ngoại lệ cho chương </a:t>
+            </a:r>
+            <a:r>
+              <a:rPr lang="en-US" sz="2400" b="1">
+                <a:solidFill>
+                  <a:srgbClr val="000000"/>
+                </a:solidFill>
+                <a:latin typeface="+mj-lt"/>
+              </a:rPr>
+              <a:t>trình </a:t>
+            </a:r>
+            <a:r>
+              <a:rPr lang="en-US" sz="2400" b="1" smtClean="0">
+                <a:solidFill>
+                  <a:srgbClr val="000000"/>
+                </a:solidFill>
+                <a:latin typeface="+mj-lt"/>
+              </a:rPr>
+              <a:t>java.</a:t>
+            </a:r>
+            <a:endParaRPr lang="en-US" sz="2400" b="1">
+              <a:solidFill>
+                <a:srgbClr val="000000"/>
+              </a:solidFill>
+              <a:latin typeface="+mj-lt"/>
+            </a:endParaRPr>
+          </a:p>
+          <a:p>
+            <a:pPr marL="0" indent="465138">
+              <a:buClrTx/>
+              <a:buNone/>
+            </a:pPr>
+            <a:r>
+              <a:rPr lang="en-US" sz="2400" b="0">
+                <a:solidFill>
+                  <a:srgbClr val="000000"/>
+                </a:solidFill>
+                <a:latin typeface="+mj-lt"/>
+              </a:rPr>
+              <a:t>JNI cung cấp hai hàm để throw lỗi:</a:t>
+            </a:r>
+          </a:p>
+          <a:p>
+            <a:pPr marL="0" indent="914400">
+              <a:buClrTx/>
+              <a:buNone/>
+            </a:pPr>
+            <a:r>
+              <a:rPr lang="en-US" sz="2400" b="0">
+                <a:solidFill>
+                  <a:srgbClr val="000000"/>
+                </a:solidFill>
+                <a:latin typeface="+mj-lt"/>
+              </a:rPr>
+              <a:t>jint Throw(JNIEnv *env, jthrowable </a:t>
+            </a:r>
+            <a:r>
+              <a:rPr lang="en-US" sz="2400" b="0">
+                <a:solidFill>
+                  <a:srgbClr val="000000"/>
+                </a:solidFill>
+                <a:latin typeface="+mj-lt"/>
+              </a:rPr>
+              <a:t>obj</a:t>
+            </a:r>
+            <a:r>
+              <a:rPr lang="en-US" sz="2400" b="0" smtClean="0">
+                <a:solidFill>
+                  <a:srgbClr val="000000"/>
+                </a:solidFill>
+                <a:latin typeface="+mj-lt"/>
+              </a:rPr>
+              <a:t>);</a:t>
+            </a:r>
+            <a:endParaRPr lang="en-US" sz="2400" b="0">
+              <a:solidFill>
+                <a:srgbClr val="000000"/>
+              </a:solidFill>
+              <a:latin typeface="+mj-lt"/>
+            </a:endParaRPr>
+          </a:p>
+          <a:p>
+            <a:pPr marL="0" indent="914400">
+              <a:buClrTx/>
+              <a:buNone/>
+            </a:pPr>
+            <a:r>
+              <a:rPr lang="en-US" sz="2400" b="0">
+                <a:solidFill>
+                  <a:srgbClr val="000000"/>
+                </a:solidFill>
+                <a:latin typeface="+mj-lt"/>
+              </a:rPr>
+              <a:t>jint ThrowNew(JNIEnv *env, jclass clazz, const char *message);</a:t>
+            </a:r>
+          </a:p>
+          <a:p>
+            <a:pPr>
+              <a:buClrTx/>
+              <a:buFont typeface="Wingdings" pitchFamily="2" charset="2"/>
+              <a:buChar char="q"/>
+            </a:pPr>
+            <a:endParaRPr lang="en-US" sz="2400" b="0" smtClean="0">
+              <a:solidFill>
+                <a:srgbClr val="000000"/>
+              </a:solidFill>
+            </a:endParaRPr>
+          </a:p>
+          <a:p>
+            <a:pPr>
+              <a:buClrTx/>
+              <a:buFont typeface="Wingdings" pitchFamily="2" charset="2"/>
+              <a:buChar char="q"/>
+            </a:pPr>
+            <a:r>
+              <a:rPr lang="en-US" sz="2400">
+                <a:solidFill>
+                  <a:srgbClr val="000000"/>
+                </a:solidFill>
+              </a:rPr>
+              <a:t>Lưu ý </a:t>
+            </a:r>
+            <a:r>
+              <a:rPr lang="en-US" sz="2400" b="0">
+                <a:solidFill>
+                  <a:srgbClr val="000000"/>
+                </a:solidFill>
+              </a:rPr>
+              <a:t>là khi Throw một ngoại lệ thì native code vẫn tiếp tục chạy. Khi kết thúc hàm native thì JVM mới phát sinh ra ngoại lệ</a:t>
+            </a:r>
+            <a:r>
+              <a:rPr lang="en-US" sz="2400" b="0">
+                <a:solidFill>
+                  <a:srgbClr val="000000"/>
+                </a:solidFill>
+              </a:rPr>
+              <a:t>. </a:t>
+            </a:r>
+            <a:r>
+              <a:rPr lang="en-US" sz="2400" b="0" smtClean="0">
+                <a:solidFill>
+                  <a:srgbClr val="000000"/>
+                </a:solidFill>
+              </a:rPr>
+              <a:t>Nên </a:t>
+            </a:r>
+            <a:r>
+              <a:rPr lang="en-US" sz="2400" b="0">
+                <a:solidFill>
+                  <a:srgbClr val="000000"/>
+                </a:solidFill>
+              </a:rPr>
+              <a:t>nếu muốn native code không chạy tiếp khi có ngoại lệ thì cần gọi return ngay sau lệnh Throw.</a:t>
+            </a:r>
+          </a:p>
+          <a:p>
+            <a:pPr>
+              <a:buClrTx/>
+              <a:buFont typeface="Wingdings" pitchFamily="2" charset="2"/>
+              <a:buChar char="q"/>
+            </a:pPr>
+            <a:endParaRPr lang="en-US" sz="2400" b="0">
+              <a:solidFill>
+                <a:srgbClr val="000000"/>
+              </a:solidFill>
+            </a:endParaRPr>
+          </a:p>
+        </p:txBody>
+      </p:sp>
     </p:spTree>
     <p:extLst>
       <p:ext uri="{BB962C8B-B14F-4D97-AF65-F5344CB8AC3E}">
@@ -20279,7 +20826,7 @@
                   <a:reflection blurRad="12700" stA="28000" endPos="45000" dist="1000" dir="5400000" sy="-100000" algn="bl" rotWithShape="0"/>
                 </a:effectLst>
               </a:rPr>
-              <a:t>2.5 the invocation api</a:t>
+              <a:t>2.4 bắt các exception</a:t>
             </a:r>
             <a:endParaRPr lang="en-US" sz="2900" cap="all">
               <a:ln w="9000" cmpd="sng">
@@ -20328,7 +20875,59 @@
       </p:sp>
       <p:sp>
         <p:nvSpPr>
-          <p:cNvPr id="2" name="Content Placeholder 1"/>
+          <p:cNvPr id="4" name="Footer Placeholder 3"/>
+          <p:cNvSpPr>
+            <a:spLocks noGrp="1"/>
+          </p:cNvSpPr>
+          <p:nvPr>
+            <p:ph type="ftr" sz="quarter" idx="11"/>
+          </p:nvPr>
+        </p:nvSpPr>
+        <p:spPr/>
+        <p:txBody>
+          <a:bodyPr/>
+          <a:lstStyle/>
+          <a:p>
+            <a:r>
+              <a:rPr lang="en-US" smtClean="0"/>
+              <a:t>www.hcmus.edu.vn</a:t>
+            </a:r>
+            <a:endParaRPr lang="en-US"/>
+          </a:p>
+        </p:txBody>
+      </p:sp>
+      <p:sp>
+        <p:nvSpPr>
+          <p:cNvPr id="6" name="Slide Number Placeholder 11"/>
+          <p:cNvSpPr>
+            <a:spLocks noGrp="1"/>
+          </p:cNvSpPr>
+          <p:nvPr>
+            <p:ph type="sldNum" sz="quarter" idx="12"/>
+          </p:nvPr>
+        </p:nvSpPr>
+        <p:spPr>
+          <a:xfrm>
+            <a:off x="3429000" y="6477000"/>
+            <a:ext cx="2133600" cy="381000"/>
+          </a:xfrm>
+        </p:spPr>
+        <p:txBody>
+          <a:bodyPr/>
+          <a:lstStyle/>
+          <a:p>
+            <a:fld id="{B6F15528-21DE-4FAA-801E-634DDDAF4B2B}" type="slidenum">
+              <a:rPr lang="en-US" sz="2000" smtClean="0"/>
+              <a:pPr/>
+              <a:t>25</a:t>
+            </a:fld>
+            <a:endParaRPr lang="en-US" sz="2000"/>
+          </a:p>
+        </p:txBody>
+      </p:sp>
+      <p:sp>
+        <p:nvSpPr>
+          <p:cNvPr id="5" name="Content Placeholder 2"/>
           <p:cNvSpPr>
             <a:spLocks noGrp="1"/>
           </p:cNvSpPr>
@@ -20346,8 +20945,23 @@
           <a:bodyPr/>
           <a:lstStyle/>
           <a:p>
-            <a:pPr marL="0" indent="457200" algn="just">
+            <a:pPr marL="522288" lvl="1" indent="-457200">
               <a:buClrTx/>
+              <a:buFont typeface="Wingdings" pitchFamily="2" charset="2"/>
+              <a:buChar char="q"/>
+            </a:pPr>
+            <a:r>
+              <a:rPr lang="en-US" b="1">
+                <a:solidFill>
+                  <a:srgbClr val="000000"/>
+                </a:solidFill>
+                <a:latin typeface="+mj-lt"/>
+              </a:rPr>
+              <a:t>Nhận ngoại lệ từ chương trình Java</a:t>
+            </a:r>
+          </a:p>
+          <a:p>
+            <a:pPr marL="65088" indent="400050">
               <a:buNone/>
             </a:pPr>
             <a:r>
@@ -20355,161 +20969,101 @@
                 <a:solidFill>
                   <a:srgbClr val="000000"/>
                 </a:solidFill>
-              </a:rPr>
-              <a:t>Invocation </a:t>
+                <a:latin typeface="+mj-lt"/>
+              </a:rPr>
+              <a:t>JNI cung cấp </a:t>
             </a:r>
             <a:r>
               <a:rPr lang="en-US" b="0">
                 <a:solidFill>
                   <a:srgbClr val="000000"/>
                 </a:solidFill>
-              </a:rPr>
-              <a:t>API của JVM sẽ </a:t>
-            </a:r>
-            <a:r>
-              <a:rPr lang="en-US" b="0">
-                <a:solidFill>
-                  <a:srgbClr val="000000"/>
-                </a:solidFill>
-              </a:rPr>
-              <a:t>giúp </a:t>
-            </a:r>
-            <a:r>
-              <a:rPr lang="en-US" b="0" smtClean="0">
-                <a:solidFill>
-                  <a:srgbClr val="000000"/>
-                </a:solidFill>
-              </a:rPr>
-              <a:t>chúng </a:t>
-            </a:r>
-            <a:r>
-              <a:rPr lang="en-US" b="0">
-                <a:solidFill>
-                  <a:srgbClr val="000000"/>
-                </a:solidFill>
-              </a:rPr>
-              <a:t>ta tạo một Java Virtual Machine trong chương trình C/C++.</a:t>
-            </a:r>
-          </a:p>
-          <a:p>
-            <a:pPr marL="0" indent="457200" algn="just">
-              <a:buClrTx/>
+                <a:latin typeface="+mj-lt"/>
+              </a:rPr>
+              <a:t>hai hàm kiểm tra xem có ngoại lệ xảy ra không và hàm lấy về đối tượng ngoại lệ:</a:t>
+            </a:r>
+          </a:p>
+          <a:p>
+            <a:pPr marL="65088" indent="400050">
               <a:buNone/>
             </a:pPr>
             <a:r>
+              <a:rPr lang="en-US" b="0">
+                <a:solidFill>
+                  <a:srgbClr val="000000"/>
+                </a:solidFill>
+                <a:latin typeface="+mj-lt"/>
+              </a:rPr>
+              <a:t>jboolean ExceptionCheck(JNIEnv *</a:t>
+            </a:r>
+            <a:r>
+              <a:rPr lang="en-US" b="0">
+                <a:solidFill>
+                  <a:srgbClr val="000000"/>
+                </a:solidFill>
+                <a:latin typeface="+mj-lt"/>
+              </a:rPr>
+              <a:t>env</a:t>
+            </a:r>
+            <a:r>
               <a:rPr lang="en-US" b="0" smtClean="0">
                 <a:solidFill>
                   <a:srgbClr val="000000"/>
                 </a:solidFill>
-              </a:rPr>
-              <a:t>Hàm </a:t>
-            </a:r>
-            <a:r>
-              <a:rPr lang="en-US" b="0">
-                <a:solidFill>
-                  <a:srgbClr val="000000"/>
-                </a:solidFill>
-              </a:rPr>
-              <a:t>để tạo và hủy máy </a:t>
-            </a:r>
-            <a:r>
-              <a:rPr lang="en-US" b="0">
-                <a:solidFill>
-                  <a:srgbClr val="000000"/>
-                </a:solidFill>
-              </a:rPr>
-              <a:t>ảo </a:t>
-            </a:r>
-            <a:r>
-              <a:rPr lang="en-US" b="0" smtClean="0">
-                <a:solidFill>
-                  <a:srgbClr val="000000"/>
-                </a:solidFill>
-              </a:rPr>
-              <a:t>java trong JNI.</a:t>
-            </a:r>
-          </a:p>
-          <a:p>
-            <a:pPr marL="0" indent="457200" algn="just">
-              <a:buClrTx/>
-              <a:buNone/>
-            </a:pPr>
-            <a:r>
-              <a:rPr lang="en-US" b="0" smtClean="0">
-                <a:solidFill>
-                  <a:srgbClr val="000000"/>
-                </a:solidFill>
-              </a:rPr>
-              <a:t>Tạo:</a:t>
-            </a:r>
-          </a:p>
-          <a:p>
-            <a:pPr marL="0" indent="857250" algn="just">
-              <a:buClrTx/>
-              <a:buNone/>
-            </a:pPr>
-            <a:r>
-              <a:rPr lang="en-US" sz="2400">
-                <a:solidFill>
-                  <a:srgbClr val="000000"/>
-                </a:solidFill>
-              </a:rPr>
-              <a:t>jint JNI_CreateJavaVM(JavaVM** p_jvm, void** p_env, JavaVMInitArgs* </a:t>
-            </a:r>
-            <a:r>
-              <a:rPr lang="en-US" sz="2400">
-                <a:solidFill>
-                  <a:srgbClr val="000000"/>
-                </a:solidFill>
-              </a:rPr>
-              <a:t>vm_args</a:t>
-            </a:r>
-            <a:r>
-              <a:rPr lang="en-US" sz="2400" smtClean="0">
-                <a:solidFill>
-                  <a:srgbClr val="000000"/>
-                </a:solidFill>
-              </a:rPr>
-              <a:t>)</a:t>
-            </a:r>
-          </a:p>
-          <a:p>
-            <a:pPr marL="0" indent="457200" algn="just">
-              <a:buClrTx/>
-              <a:buNone/>
-            </a:pPr>
-            <a:r>
-              <a:rPr lang="en-US" b="0" smtClean="0">
-                <a:solidFill>
-                  <a:srgbClr val="000000"/>
-                </a:solidFill>
-              </a:rPr>
-              <a:t>Hủy:</a:t>
+                <a:latin typeface="+mj-lt"/>
+              </a:rPr>
+              <a:t>);</a:t>
             </a:r>
             <a:endParaRPr lang="en-US" b="0">
               <a:solidFill>
                 <a:srgbClr val="000000"/>
               </a:solidFill>
+              <a:latin typeface="+mj-lt"/>
             </a:endParaRPr>
           </a:p>
           <a:p>
-            <a:pPr marL="0" indent="914400" algn="just">
-              <a:buClrTx/>
+            <a:pPr marL="65088" indent="400050">
               <a:buNone/>
             </a:pPr>
             <a:r>
-              <a:rPr lang="en-US" sz="2400">
+              <a:rPr lang="en-US" b="0">
                 <a:solidFill>
                   <a:srgbClr val="000000"/>
                 </a:solidFill>
-              </a:rPr>
-              <a:t>jint DestroyJavaVM(JavaVM* jvm)</a:t>
-            </a:r>
-          </a:p>
-          <a:p>
-            <a:pPr marL="0" indent="457200" algn="just">
+                <a:latin typeface="+mj-lt"/>
+              </a:rPr>
+              <a:t>jthrowable ExceptionOccurred(JNIEnv *</a:t>
+            </a:r>
+            <a:r>
+              <a:rPr lang="en-US" b="0">
+                <a:solidFill>
+                  <a:srgbClr val="000000"/>
+                </a:solidFill>
+                <a:latin typeface="+mj-lt"/>
+              </a:rPr>
+              <a:t>env</a:t>
+            </a:r>
+            <a:r>
+              <a:rPr lang="en-US" b="0" smtClean="0">
+                <a:solidFill>
+                  <a:srgbClr val="000000"/>
+                </a:solidFill>
+                <a:latin typeface="+mj-lt"/>
+              </a:rPr>
+              <a:t>);</a:t>
+            </a:r>
+            <a:endParaRPr lang="en-US" b="0">
+              <a:solidFill>
+                <a:srgbClr val="000000"/>
+              </a:solidFill>
+              <a:latin typeface="+mj-lt"/>
+            </a:endParaRPr>
+          </a:p>
+          <a:p>
+            <a:pPr marL="65088" indent="400050">
               <a:buClrTx/>
-              <a:buNone/>
+              <a:buFont typeface="Wingdings" pitchFamily="2" charset="2"/>
+              <a:buChar char="q"/>
             </a:pPr>
             <a:endParaRPr lang="en-US" b="0">
               <a:solidFill>
@@ -20517,74 +21071,12 @@
               </a:solidFill>
             </a:endParaRPr>
           </a:p>
-          <a:p>
-            <a:pPr algn="just">
-              <a:buClrTx/>
-            </a:pPr>
-            <a:endParaRPr lang="en-US">
-              <a:solidFill>
-                <a:srgbClr val="000000"/>
-              </a:solidFill>
-            </a:endParaRPr>
-          </a:p>
-        </p:txBody>
-      </p:sp>
-      <p:sp>
-        <p:nvSpPr>
-          <p:cNvPr id="4" name="Footer Placeholder 3"/>
-          <p:cNvSpPr>
-            <a:spLocks noGrp="1"/>
-          </p:cNvSpPr>
-          <p:nvPr>
-            <p:ph type="ftr" sz="quarter" idx="11"/>
-          </p:nvPr>
-        </p:nvSpPr>
-        <p:spPr/>
-        <p:txBody>
-          <a:bodyPr/>
-          <a:lstStyle/>
-          <a:p>
-            <a:r>
-              <a:rPr lang="en-US" smtClean="0"/>
-              <a:t>www.hcmus.edu.vn</a:t>
-            </a:r>
-            <a:endParaRPr lang="en-US"/>
-          </a:p>
-        </p:txBody>
-      </p:sp>
-      <p:sp>
-        <p:nvSpPr>
-          <p:cNvPr id="6" name="Slide Number Placeholder 11"/>
-          <p:cNvSpPr>
-            <a:spLocks noGrp="1"/>
-          </p:cNvSpPr>
-          <p:nvPr>
-            <p:ph type="sldNum" sz="quarter" idx="12"/>
-          </p:nvPr>
-        </p:nvSpPr>
-        <p:spPr>
-          <a:xfrm>
-            <a:off x="3429000" y="6477000"/>
-            <a:ext cx="2133600" cy="381000"/>
-          </a:xfrm>
-        </p:spPr>
-        <p:txBody>
-          <a:bodyPr/>
-          <a:lstStyle/>
-          <a:p>
-            <a:fld id="{B6F15528-21DE-4FAA-801E-634DDDAF4B2B}" type="slidenum">
-              <a:rPr lang="en-US" sz="2000" smtClean="0"/>
-              <a:pPr/>
-              <a:t>25</a:t>
-            </a:fld>
-            <a:endParaRPr lang="en-US" sz="2000"/>
-          </a:p>
         </p:txBody>
       </p:sp>
     </p:spTree>
     <p:extLst>
       <p:ext uri="{BB962C8B-B14F-4D97-AF65-F5344CB8AC3E}">
-        <p14:creationId xmlns:p14="http://schemas.microsoft.com/office/powerpoint/2010/main" val="618163558"/>
+        <p14:creationId xmlns:p14="http://schemas.microsoft.com/office/powerpoint/2010/main" val="3093473815"/>
       </p:ext>
     </p:extLst>
   </p:cSld>
@@ -20683,7 +21175,7 @@
                   <a:reflection blurRad="12700" stA="28000" endPos="45000" dist="1000" dir="5400000" sy="-100000" algn="bl" rotWithShape="0"/>
                 </a:effectLst>
               </a:rPr>
-              <a:t>2.5 the invocation api</a:t>
+              <a:t>2.4 bắt các exception</a:t>
             </a:r>
             <a:endParaRPr lang="en-US" sz="2900" cap="all">
               <a:ln w="9000" cmpd="sng">
@@ -20732,32 +21224,6 @@
       </p:sp>
       <p:sp>
         <p:nvSpPr>
-          <p:cNvPr id="2" name="Content Placeholder 1"/>
-          <p:cNvSpPr>
-            <a:spLocks noGrp="1"/>
-          </p:cNvSpPr>
-          <p:nvPr>
-            <p:ph idx="1"/>
-          </p:nvPr>
-        </p:nvSpPr>
-        <p:spPr/>
-        <p:txBody>
-          <a:bodyPr/>
-          <a:lstStyle/>
-          <a:p>
-            <a:pPr>
-              <a:buClrTx/>
-            </a:pPr>
-            <a:endParaRPr lang="en-US">
-              <a:solidFill>
-                <a:srgbClr val="000000"/>
-              </a:solidFill>
-            </a:endParaRPr>
-          </a:p>
-        </p:txBody>
-      </p:sp>
-      <p:sp>
-        <p:nvSpPr>
           <p:cNvPr id="4" name="Footer Placeholder 3"/>
           <p:cNvSpPr>
             <a:spLocks noGrp="1"/>
@@ -20808,10 +21274,43 @@
           </a:p>
         </p:txBody>
       </p:sp>
+      <p:sp>
+        <p:nvSpPr>
+          <p:cNvPr id="5" name="Content Placeholder 2"/>
+          <p:cNvSpPr>
+            <a:spLocks noGrp="1"/>
+          </p:cNvSpPr>
+          <p:nvPr>
+            <p:ph idx="1"/>
+          </p:nvPr>
+        </p:nvSpPr>
+        <p:spPr>
+          <a:xfrm>
+            <a:off x="457200" y="1447800"/>
+            <a:ext cx="8458200" cy="4800600"/>
+          </a:xfrm>
+        </p:spPr>
+        <p:txBody>
+          <a:bodyPr/>
+          <a:lstStyle/>
+          <a:p>
+            <a:pPr>
+              <a:buClrTx/>
+              <a:buFont typeface="Wingdings" pitchFamily="2" charset="2"/>
+              <a:buChar char="q"/>
+            </a:pPr>
+            <a:endParaRPr lang="en-US" b="0">
+              <a:solidFill>
+                <a:srgbClr val="000000"/>
+              </a:solidFill>
+            </a:endParaRPr>
+          </a:p>
+        </p:txBody>
+      </p:sp>
     </p:spTree>
     <p:extLst>
       <p:ext uri="{BB962C8B-B14F-4D97-AF65-F5344CB8AC3E}">
-        <p14:creationId xmlns:p14="http://schemas.microsoft.com/office/powerpoint/2010/main" val="2405995106"/>
+        <p14:creationId xmlns:p14="http://schemas.microsoft.com/office/powerpoint/2010/main" val="2772262450"/>
       </p:ext>
     </p:extLst>
   </p:cSld>
@@ -20967,12 +21466,189 @@
             <p:ph idx="1"/>
           </p:nvPr>
         </p:nvSpPr>
-        <p:spPr/>
+        <p:spPr>
+          <a:xfrm>
+            <a:off x="457200" y="1447800"/>
+            <a:ext cx="8458200" cy="4800600"/>
+          </a:xfrm>
+        </p:spPr>
         <p:txBody>
           <a:bodyPr/>
           <a:lstStyle/>
           <a:p>
-            <a:pPr>
+            <a:pPr marL="0" indent="457200" algn="just">
+              <a:buClrTx/>
+              <a:buNone/>
+            </a:pPr>
+            <a:r>
+              <a:rPr lang="en-US" b="0" smtClean="0">
+                <a:solidFill>
+                  <a:srgbClr val="000000"/>
+                </a:solidFill>
+              </a:rPr>
+              <a:t>Invocation </a:t>
+            </a:r>
+            <a:r>
+              <a:rPr lang="en-US" b="0">
+                <a:solidFill>
+                  <a:srgbClr val="000000"/>
+                </a:solidFill>
+              </a:rPr>
+              <a:t>API của JVM sẽ </a:t>
+            </a:r>
+            <a:r>
+              <a:rPr lang="en-US" b="0">
+                <a:solidFill>
+                  <a:srgbClr val="000000"/>
+                </a:solidFill>
+              </a:rPr>
+              <a:t>giúp </a:t>
+            </a:r>
+            <a:r>
+              <a:rPr lang="en-US" b="0" smtClean="0">
+                <a:solidFill>
+                  <a:srgbClr val="000000"/>
+                </a:solidFill>
+              </a:rPr>
+              <a:t>chúng </a:t>
+            </a:r>
+            <a:r>
+              <a:rPr lang="en-US" b="0">
+                <a:solidFill>
+                  <a:srgbClr val="000000"/>
+                </a:solidFill>
+              </a:rPr>
+              <a:t>ta tạo một Java Virtual Machine trong chương trình C/C++.</a:t>
+            </a:r>
+          </a:p>
+          <a:p>
+            <a:pPr marL="0" indent="457200" algn="just">
+              <a:buClrTx/>
+              <a:buNone/>
+            </a:pPr>
+            <a:r>
+              <a:rPr lang="en-US" b="0" smtClean="0">
+                <a:solidFill>
+                  <a:srgbClr val="000000"/>
+                </a:solidFill>
+              </a:rPr>
+              <a:t>Hàm </a:t>
+            </a:r>
+            <a:r>
+              <a:rPr lang="en-US" b="0">
+                <a:solidFill>
+                  <a:srgbClr val="000000"/>
+                </a:solidFill>
+              </a:rPr>
+              <a:t>để tạo và hủy máy </a:t>
+            </a:r>
+            <a:r>
+              <a:rPr lang="en-US" b="0">
+                <a:solidFill>
+                  <a:srgbClr val="000000"/>
+                </a:solidFill>
+              </a:rPr>
+              <a:t>ảo </a:t>
+            </a:r>
+            <a:r>
+              <a:rPr lang="en-US" b="0" smtClean="0">
+                <a:solidFill>
+                  <a:srgbClr val="000000"/>
+                </a:solidFill>
+              </a:rPr>
+              <a:t>java trong JNI.</a:t>
+            </a:r>
+          </a:p>
+          <a:p>
+            <a:pPr marL="0" indent="457200" algn="just">
+              <a:buClrTx/>
+              <a:buNone/>
+            </a:pPr>
+            <a:r>
+              <a:rPr lang="en-US" b="0" smtClean="0">
+                <a:solidFill>
+                  <a:srgbClr val="000000"/>
+                </a:solidFill>
+              </a:rPr>
+              <a:t>Tạo:</a:t>
+            </a:r>
+          </a:p>
+          <a:p>
+            <a:pPr marL="0" indent="857250" algn="just">
+              <a:buClrTx/>
+              <a:buNone/>
+            </a:pPr>
+            <a:r>
+              <a:rPr lang="en-US" sz="2400">
+                <a:solidFill>
+                  <a:srgbClr val="000000"/>
+                </a:solidFill>
+              </a:rPr>
+              <a:t>jint JNI_CreateJavaVM(JavaVM** p_jvm, void** p_env, JavaVMInitArgs* </a:t>
+            </a:r>
+            <a:r>
+              <a:rPr lang="en-US" sz="2400">
+                <a:solidFill>
+                  <a:srgbClr val="000000"/>
+                </a:solidFill>
+              </a:rPr>
+              <a:t>vm_args</a:t>
+            </a:r>
+            <a:r>
+              <a:rPr lang="en-US" sz="2400" smtClean="0">
+                <a:solidFill>
+                  <a:srgbClr val="000000"/>
+                </a:solidFill>
+              </a:rPr>
+              <a:t>)</a:t>
+            </a:r>
+          </a:p>
+          <a:p>
+            <a:pPr marL="0" indent="457200" algn="just">
+              <a:buClrTx/>
+              <a:buNone/>
+            </a:pPr>
+            <a:r>
+              <a:rPr lang="en-US" b="0" smtClean="0">
+                <a:solidFill>
+                  <a:srgbClr val="000000"/>
+                </a:solidFill>
+              </a:rPr>
+              <a:t>Hủy:</a:t>
+            </a:r>
+            <a:endParaRPr lang="en-US" b="0">
+              <a:solidFill>
+                <a:srgbClr val="000000"/>
+              </a:solidFill>
+            </a:endParaRPr>
+          </a:p>
+          <a:p>
+            <a:pPr marL="0" indent="914400" algn="just">
+              <a:buClrTx/>
+              <a:buNone/>
+            </a:pPr>
+            <a:r>
+              <a:rPr lang="en-US" sz="2400">
+                <a:solidFill>
+                  <a:srgbClr val="000000"/>
+                </a:solidFill>
+              </a:rPr>
+              <a:t>jint DestroyJavaVM(JavaVM* jvm)</a:t>
+            </a:r>
+          </a:p>
+          <a:p>
+            <a:pPr marL="0" indent="457200" algn="just">
+              <a:buClrTx/>
+              <a:buNone/>
+            </a:pPr>
+            <a:endParaRPr lang="en-US" b="0">
+              <a:solidFill>
+                <a:srgbClr val="000000"/>
+              </a:solidFill>
+            </a:endParaRPr>
+          </a:p>
+          <a:p>
+            <a:pPr algn="just">
               <a:buClrTx/>
             </a:pPr>
             <a:endParaRPr lang="en-US">
@@ -21038,7 +21714,7 @@
     </p:spTree>
     <p:extLst>
       <p:ext uri="{BB962C8B-B14F-4D97-AF65-F5344CB8AC3E}">
-        <p14:creationId xmlns:p14="http://schemas.microsoft.com/office/powerpoint/2010/main" val="617206052"/>
+        <p14:creationId xmlns:p14="http://schemas.microsoft.com/office/powerpoint/2010/main" val="618163558"/>
       </p:ext>
     </p:extLst>
   </p:cSld>
@@ -21137,7 +21813,7 @@
                   <a:reflection blurRad="12700" stA="28000" endPos="45000" dist="1000" dir="5400000" sy="-100000" algn="bl" rotWithShape="0"/>
                 </a:effectLst>
               </a:rPr>
-              <a:t>2.5 the invocation api</a:t>
+              <a:t>2.6 demo Hello world</a:t>
             </a:r>
             <a:endParaRPr lang="en-US" sz="2900" cap="all">
               <a:ln w="9000" cmpd="sng">
@@ -21186,32 +21862,6 @@
       </p:sp>
       <p:sp>
         <p:nvSpPr>
-          <p:cNvPr id="2" name="Content Placeholder 1"/>
-          <p:cNvSpPr>
-            <a:spLocks noGrp="1"/>
-          </p:cNvSpPr>
-          <p:nvPr>
-            <p:ph idx="1"/>
-          </p:nvPr>
-        </p:nvSpPr>
-        <p:spPr/>
-        <p:txBody>
-          <a:bodyPr/>
-          <a:lstStyle/>
-          <a:p>
-            <a:pPr>
-              <a:buClrTx/>
-            </a:pPr>
-            <a:endParaRPr lang="en-US">
-              <a:solidFill>
-                <a:srgbClr val="000000"/>
-              </a:solidFill>
-            </a:endParaRPr>
-          </a:p>
-        </p:txBody>
-      </p:sp>
-      <p:sp>
-        <p:nvSpPr>
           <p:cNvPr id="4" name="Footer Placeholder 3"/>
           <p:cNvSpPr>
             <a:spLocks noGrp="1"/>
@@ -21262,10 +21912,86 @@
           </a:p>
         </p:txBody>
       </p:sp>
+      <p:sp>
+        <p:nvSpPr>
+          <p:cNvPr id="7" name="Content Placeholder 1"/>
+          <p:cNvSpPr>
+            <a:spLocks noGrp="1"/>
+          </p:cNvSpPr>
+          <p:nvPr>
+            <p:ph idx="1"/>
+          </p:nvPr>
+        </p:nvSpPr>
+        <p:spPr>
+          <a:xfrm>
+            <a:off x="457200" y="1447800"/>
+            <a:ext cx="8229600" cy="4800600"/>
+          </a:xfrm>
+        </p:spPr>
+        <p:txBody>
+          <a:bodyPr/>
+          <a:lstStyle/>
+          <a:p>
+            <a:pPr marL="0" lvl="0" indent="0" algn="ctr">
+              <a:buNone/>
+            </a:pPr>
+            <a:r>
+              <a:rPr lang="en-US" smtClean="0">
+                <a:solidFill>
+                  <a:srgbClr val="000000"/>
+                </a:solidFill>
+              </a:rPr>
+              <a:t>Mời mọi người cùng xem clip</a:t>
+            </a:r>
+          </a:p>
+        </p:txBody>
+      </p:sp>
+      <p:sp>
+        <p:nvSpPr>
+          <p:cNvPr id="9" name="7-Point Star 8"/>
+          <p:cNvSpPr/>
+          <p:nvPr/>
+        </p:nvSpPr>
+        <p:spPr>
+          <a:xfrm>
+            <a:off x="3124200" y="3031671"/>
+            <a:ext cx="2819400" cy="2073729"/>
+          </a:xfrm>
+          <a:prstGeom prst="star7">
+            <a:avLst/>
+          </a:prstGeom>
+        </p:spPr>
+        <p:style>
+          <a:lnRef idx="3">
+            <a:schemeClr val="lt1"/>
+          </a:lnRef>
+          <a:fillRef idx="1">
+            <a:schemeClr val="accent4"/>
+          </a:fillRef>
+          <a:effectRef idx="1">
+            <a:schemeClr val="accent4"/>
+          </a:effectRef>
+          <a:fontRef idx="minor">
+            <a:schemeClr val="lt1"/>
+          </a:fontRef>
+        </p:style>
+        <p:txBody>
+          <a:bodyPr rtlCol="0" anchor="ctr"/>
+          <a:lstStyle/>
+          <a:p>
+            <a:pPr algn="ctr"/>
+            <a:r>
+              <a:rPr lang="en-US" sz="2800" b="1" smtClean="0"/>
+              <a:t>Demo</a:t>
+            </a:r>
+            <a:endParaRPr lang="en-US" b="1"/>
+          </a:p>
+        </p:txBody>
+      </p:sp>
     </p:spTree>
     <p:extLst>
       <p:ext uri="{BB962C8B-B14F-4D97-AF65-F5344CB8AC3E}">
-        <p14:creationId xmlns:p14="http://schemas.microsoft.com/office/powerpoint/2010/main" val="2799612793"/>
+        <p14:creationId xmlns:p14="http://schemas.microsoft.com/office/powerpoint/2010/main" val="937288250"/>
       </p:ext>
     </p:extLst>
   </p:cSld>
@@ -21364,7 +22090,7 @@
                   <a:reflection blurRad="12700" stA="28000" endPos="45000" dist="1000" dir="5400000" sy="-100000" algn="bl" rotWithShape="0"/>
                 </a:effectLst>
               </a:rPr>
-              <a:t>2.6 demo Hello world</a:t>
+              <a:t>3 Java native access</a:t>
             </a:r>
             <a:endParaRPr lang="en-US" sz="2900" cap="all">
               <a:ln w="9000" cmpd="sng">
@@ -21413,6 +22139,139 @@
       </p:sp>
       <p:sp>
         <p:nvSpPr>
+          <p:cNvPr id="2" name="Content Placeholder 1"/>
+          <p:cNvSpPr>
+            <a:spLocks noGrp="1"/>
+          </p:cNvSpPr>
+          <p:nvPr>
+            <p:ph idx="1"/>
+          </p:nvPr>
+        </p:nvSpPr>
+        <p:spPr>
+          <a:xfrm>
+            <a:off x="457200" y="1447800"/>
+            <a:ext cx="8534400" cy="4800600"/>
+          </a:xfrm>
+        </p:spPr>
+        <p:txBody>
+          <a:bodyPr/>
+          <a:lstStyle/>
+          <a:p>
+            <a:pPr marL="0" lvl="0" indent="512763" algn="just">
+              <a:buClr>
+                <a:srgbClr val="000000"/>
+              </a:buClr>
+              <a:buNone/>
+            </a:pPr>
+            <a:r>
+              <a:rPr lang="en-US" b="0" smtClean="0">
+                <a:solidFill>
+                  <a:srgbClr val="000000"/>
+                </a:solidFill>
+                <a:latin typeface="+mj-lt"/>
+              </a:rPr>
+              <a:t>Java </a:t>
+            </a:r>
+            <a:r>
+              <a:rPr lang="en-US" b="0">
+                <a:solidFill>
+                  <a:srgbClr val="000000"/>
+                </a:solidFill>
+                <a:latin typeface="+mj-lt"/>
+              </a:rPr>
+              <a:t>Native </a:t>
+            </a:r>
+            <a:r>
+              <a:rPr lang="en-US" b="0" smtClean="0">
+                <a:solidFill>
+                  <a:srgbClr val="000000"/>
+                </a:solidFill>
+                <a:latin typeface="+mj-lt"/>
+              </a:rPr>
+              <a:t>Access (JNA) </a:t>
+            </a:r>
+            <a:r>
+              <a:rPr lang="en-US" b="0">
+                <a:solidFill>
+                  <a:srgbClr val="000000"/>
+                </a:solidFill>
+                <a:latin typeface="+mj-lt"/>
+              </a:rPr>
+              <a:t>là một phần mở rộng của Java cho phép sử dụng các API bao gồm các tập tin thư viện động DLL trong Windows. </a:t>
+            </a:r>
+          </a:p>
+          <a:p>
+            <a:pPr marL="0" lvl="0" indent="512763" algn="just">
+              <a:buClr>
+                <a:srgbClr val="000000"/>
+              </a:buClr>
+              <a:buNone/>
+            </a:pPr>
+            <a:r>
+              <a:rPr lang="en-US" b="0">
+                <a:solidFill>
+                  <a:srgbClr val="000000"/>
+                </a:solidFill>
+                <a:latin typeface="+mj-lt"/>
+              </a:rPr>
+              <a:t>JNA </a:t>
+            </a:r>
+            <a:r>
+              <a:rPr lang="en-US" b="0" smtClean="0">
+                <a:solidFill>
+                  <a:srgbClr val="000000"/>
+                </a:solidFill>
+                <a:latin typeface="+mj-lt"/>
+              </a:rPr>
+              <a:t>hỗ trợ </a:t>
+            </a:r>
+            <a:r>
+              <a:rPr lang="en-US" b="0">
+                <a:solidFill>
+                  <a:srgbClr val="000000"/>
+                </a:solidFill>
+                <a:latin typeface="+mj-lt"/>
+              </a:rPr>
+              <a:t>chương trình Java </a:t>
+            </a:r>
+            <a:r>
+              <a:rPr lang="en-US" b="0" smtClean="0">
+                <a:solidFill>
+                  <a:srgbClr val="000000"/>
+                </a:solidFill>
+                <a:latin typeface="+mj-lt"/>
+              </a:rPr>
+              <a:t>dễ </a:t>
+            </a:r>
+            <a:r>
+              <a:rPr lang="en-US" b="0">
+                <a:solidFill>
+                  <a:srgbClr val="000000"/>
+                </a:solidFill>
+                <a:latin typeface="+mj-lt"/>
+              </a:rPr>
+              <a:t>dàng truy cập đến các thư viện được chia sẽ mà không cần sử dụng JNI </a:t>
+            </a:r>
+            <a:r>
+              <a:rPr lang="en-US" b="0" smtClean="0">
+                <a:solidFill>
+                  <a:srgbClr val="000000"/>
+                </a:solidFill>
+                <a:latin typeface="+mj-lt"/>
+              </a:rPr>
+              <a:t>.</a:t>
+            </a:r>
+            <a:endParaRPr lang="en-US" b="0">
+              <a:solidFill>
+                <a:srgbClr val="000000"/>
+              </a:solidFill>
+              <a:latin typeface="+mj-lt"/>
+            </a:endParaRPr>
+          </a:p>
+        </p:txBody>
+      </p:sp>
+      <p:sp>
+        <p:nvSpPr>
           <p:cNvPr id="4" name="Footer Placeholder 3"/>
           <p:cNvSpPr>
             <a:spLocks noGrp="1"/>
@@ -21463,86 +22322,10 @@
           </a:p>
         </p:txBody>
       </p:sp>
-      <p:sp>
-        <p:nvSpPr>
-          <p:cNvPr id="7" name="Content Placeholder 1"/>
-          <p:cNvSpPr>
-            <a:spLocks noGrp="1"/>
-          </p:cNvSpPr>
-          <p:nvPr>
-            <p:ph idx="1"/>
-          </p:nvPr>
-        </p:nvSpPr>
-        <p:spPr>
-          <a:xfrm>
-            <a:off x="457200" y="1447800"/>
-            <a:ext cx="8229600" cy="4800600"/>
-          </a:xfrm>
-        </p:spPr>
-        <p:txBody>
-          <a:bodyPr/>
-          <a:lstStyle/>
-          <a:p>
-            <a:pPr marL="0" lvl="0" indent="0" algn="ctr">
-              <a:buNone/>
-            </a:pPr>
-            <a:r>
-              <a:rPr lang="en-US" smtClean="0">
-                <a:solidFill>
-                  <a:srgbClr val="000000"/>
-                </a:solidFill>
-              </a:rPr>
-              <a:t>Mời mọi người cùng xem clip</a:t>
-            </a:r>
-          </a:p>
-        </p:txBody>
-      </p:sp>
-      <p:sp>
-        <p:nvSpPr>
-          <p:cNvPr id="9" name="7-Point Star 8"/>
-          <p:cNvSpPr/>
-          <p:nvPr/>
-        </p:nvSpPr>
-        <p:spPr>
-          <a:xfrm>
-            <a:off x="3124200" y="3031671"/>
-            <a:ext cx="2819400" cy="2073729"/>
-          </a:xfrm>
-          <a:prstGeom prst="star7">
-            <a:avLst/>
-          </a:prstGeom>
-        </p:spPr>
-        <p:style>
-          <a:lnRef idx="3">
-            <a:schemeClr val="lt1"/>
-          </a:lnRef>
-          <a:fillRef idx="1">
-            <a:schemeClr val="accent4"/>
-          </a:fillRef>
-          <a:effectRef idx="1">
-            <a:schemeClr val="accent4"/>
-          </a:effectRef>
-          <a:fontRef idx="minor">
-            <a:schemeClr val="lt1"/>
-          </a:fontRef>
-        </p:style>
-        <p:txBody>
-          <a:bodyPr rtlCol="0" anchor="ctr"/>
-          <a:lstStyle/>
-          <a:p>
-            <a:pPr algn="ctr"/>
-            <a:r>
-              <a:rPr lang="en-US" sz="2800" b="1" smtClean="0"/>
-              <a:t>Demo</a:t>
-            </a:r>
-            <a:endParaRPr lang="en-US" b="1"/>
-          </a:p>
-        </p:txBody>
-      </p:sp>
     </p:spTree>
     <p:extLst>
       <p:ext uri="{BB962C8B-B14F-4D97-AF65-F5344CB8AC3E}">
-        <p14:creationId xmlns:p14="http://schemas.microsoft.com/office/powerpoint/2010/main" val="937288250"/>
+        <p14:creationId xmlns:p14="http://schemas.microsoft.com/office/powerpoint/2010/main" val="3797964774"/>
       </p:ext>
     </p:extLst>
   </p:cSld>
@@ -22043,7 +22826,7 @@
                   <a:reflection blurRad="12700" stA="28000" endPos="45000" dist="1000" dir="5400000" sy="-100000" algn="bl" rotWithShape="0"/>
                 </a:effectLst>
               </a:rPr>
-              <a:t>3 Java native access</a:t>
+              <a:t>3. Demo Hello world với JNA</a:t>
             </a:r>
             <a:endParaRPr lang="en-US" sz="2900" cap="all">
               <a:ln w="9000" cmpd="sng">
@@ -22092,139 +22875,6 @@
       </p:sp>
       <p:sp>
         <p:nvSpPr>
-          <p:cNvPr id="2" name="Content Placeholder 1"/>
-          <p:cNvSpPr>
-            <a:spLocks noGrp="1"/>
-          </p:cNvSpPr>
-          <p:nvPr>
-            <p:ph idx="1"/>
-          </p:nvPr>
-        </p:nvSpPr>
-        <p:spPr>
-          <a:xfrm>
-            <a:off x="457200" y="1447800"/>
-            <a:ext cx="8534400" cy="4800600"/>
-          </a:xfrm>
-        </p:spPr>
-        <p:txBody>
-          <a:bodyPr/>
-          <a:lstStyle/>
-          <a:p>
-            <a:pPr marL="0" lvl="0" indent="512763" algn="just">
-              <a:buClr>
-                <a:srgbClr val="000000"/>
-              </a:buClr>
-              <a:buNone/>
-            </a:pPr>
-            <a:r>
-              <a:rPr lang="en-US" b="0" smtClean="0">
-                <a:solidFill>
-                  <a:srgbClr val="000000"/>
-                </a:solidFill>
-                <a:latin typeface="+mj-lt"/>
-              </a:rPr>
-              <a:t>Java </a:t>
-            </a:r>
-            <a:r>
-              <a:rPr lang="en-US" b="0">
-                <a:solidFill>
-                  <a:srgbClr val="000000"/>
-                </a:solidFill>
-                <a:latin typeface="+mj-lt"/>
-              </a:rPr>
-              <a:t>Native </a:t>
-            </a:r>
-            <a:r>
-              <a:rPr lang="en-US" b="0" smtClean="0">
-                <a:solidFill>
-                  <a:srgbClr val="000000"/>
-                </a:solidFill>
-                <a:latin typeface="+mj-lt"/>
-              </a:rPr>
-              <a:t>Access (JNA) </a:t>
-            </a:r>
-            <a:r>
-              <a:rPr lang="en-US" b="0">
-                <a:solidFill>
-                  <a:srgbClr val="000000"/>
-                </a:solidFill>
-                <a:latin typeface="+mj-lt"/>
-              </a:rPr>
-              <a:t>là một phần mở rộng của Java cho phép sử dụng các API bao gồm các tập tin thư viện động DLL trong Windows. </a:t>
-            </a:r>
-          </a:p>
-          <a:p>
-            <a:pPr marL="0" lvl="0" indent="512763" algn="just">
-              <a:buClr>
-                <a:srgbClr val="000000"/>
-              </a:buClr>
-              <a:buNone/>
-            </a:pPr>
-            <a:r>
-              <a:rPr lang="en-US" b="0">
-                <a:solidFill>
-                  <a:srgbClr val="000000"/>
-                </a:solidFill>
-                <a:latin typeface="+mj-lt"/>
-              </a:rPr>
-              <a:t>JNA </a:t>
-            </a:r>
-            <a:r>
-              <a:rPr lang="en-US" b="0" smtClean="0">
-                <a:solidFill>
-                  <a:srgbClr val="000000"/>
-                </a:solidFill>
-                <a:latin typeface="+mj-lt"/>
-              </a:rPr>
-              <a:t>hỗ trợ </a:t>
-            </a:r>
-            <a:r>
-              <a:rPr lang="en-US" b="0">
-                <a:solidFill>
-                  <a:srgbClr val="000000"/>
-                </a:solidFill>
-                <a:latin typeface="+mj-lt"/>
-              </a:rPr>
-              <a:t>chương trình Java </a:t>
-            </a:r>
-            <a:r>
-              <a:rPr lang="en-US" b="0" smtClean="0">
-                <a:solidFill>
-                  <a:srgbClr val="000000"/>
-                </a:solidFill>
-                <a:latin typeface="+mj-lt"/>
-              </a:rPr>
-              <a:t>dễ </a:t>
-            </a:r>
-            <a:r>
-              <a:rPr lang="en-US" b="0">
-                <a:solidFill>
-                  <a:srgbClr val="000000"/>
-                </a:solidFill>
-                <a:latin typeface="+mj-lt"/>
-              </a:rPr>
-              <a:t>dàng truy cập đến các thư viện được chia sẽ mà không cần sử dụng JNI </a:t>
-            </a:r>
-            <a:r>
-              <a:rPr lang="en-US" b="0" smtClean="0">
-                <a:solidFill>
-                  <a:srgbClr val="000000"/>
-                </a:solidFill>
-                <a:latin typeface="+mj-lt"/>
-              </a:rPr>
-              <a:t>.</a:t>
-            </a:r>
-            <a:endParaRPr lang="en-US" b="0">
-              <a:solidFill>
-                <a:srgbClr val="000000"/>
-              </a:solidFill>
-              <a:latin typeface="+mj-lt"/>
-            </a:endParaRPr>
-          </a:p>
-        </p:txBody>
-      </p:sp>
-      <p:sp>
-        <p:nvSpPr>
           <p:cNvPr id="4" name="Footer Placeholder 3"/>
           <p:cNvSpPr>
             <a:spLocks noGrp="1"/>
@@ -22275,10 +22925,86 @@
           </a:p>
         </p:txBody>
       </p:sp>
+      <p:sp>
+        <p:nvSpPr>
+          <p:cNvPr id="7" name="Content Placeholder 1"/>
+          <p:cNvSpPr>
+            <a:spLocks noGrp="1"/>
+          </p:cNvSpPr>
+          <p:nvPr>
+            <p:ph idx="1"/>
+          </p:nvPr>
+        </p:nvSpPr>
+        <p:spPr>
+          <a:xfrm>
+            <a:off x="457200" y="1447800"/>
+            <a:ext cx="8229600" cy="4800600"/>
+          </a:xfrm>
+        </p:spPr>
+        <p:txBody>
+          <a:bodyPr/>
+          <a:lstStyle/>
+          <a:p>
+            <a:pPr marL="0" lvl="0" indent="0" algn="ctr">
+              <a:buNone/>
+            </a:pPr>
+            <a:r>
+              <a:rPr lang="en-US" smtClean="0">
+                <a:solidFill>
+                  <a:srgbClr val="000000"/>
+                </a:solidFill>
+              </a:rPr>
+              <a:t>Mời mọi người cùng xem clip</a:t>
+            </a:r>
+          </a:p>
+        </p:txBody>
+      </p:sp>
+      <p:sp>
+        <p:nvSpPr>
+          <p:cNvPr id="9" name="7-Point Star 8"/>
+          <p:cNvSpPr/>
+          <p:nvPr/>
+        </p:nvSpPr>
+        <p:spPr>
+          <a:xfrm>
+            <a:off x="3124200" y="3031671"/>
+            <a:ext cx="2819400" cy="2073729"/>
+          </a:xfrm>
+          <a:prstGeom prst="star7">
+            <a:avLst/>
+          </a:prstGeom>
+        </p:spPr>
+        <p:style>
+          <a:lnRef idx="3">
+            <a:schemeClr val="lt1"/>
+          </a:lnRef>
+          <a:fillRef idx="1">
+            <a:schemeClr val="accent4"/>
+          </a:fillRef>
+          <a:effectRef idx="1">
+            <a:schemeClr val="accent4"/>
+          </a:effectRef>
+          <a:fontRef idx="minor">
+            <a:schemeClr val="lt1"/>
+          </a:fontRef>
+        </p:style>
+        <p:txBody>
+          <a:bodyPr rtlCol="0" anchor="ctr"/>
+          <a:lstStyle/>
+          <a:p>
+            <a:pPr algn="ctr"/>
+            <a:r>
+              <a:rPr lang="en-US" sz="2800" b="1" smtClean="0"/>
+              <a:t>Demo</a:t>
+            </a:r>
+            <a:endParaRPr lang="en-US" b="1"/>
+          </a:p>
+        </p:txBody>
+      </p:sp>
     </p:spTree>
     <p:extLst>
       <p:ext uri="{BB962C8B-B14F-4D97-AF65-F5344CB8AC3E}">
-        <p14:creationId xmlns:p14="http://schemas.microsoft.com/office/powerpoint/2010/main" val="3797964774"/>
+        <p14:creationId xmlns:p14="http://schemas.microsoft.com/office/powerpoint/2010/main" val="936051198"/>
       </p:ext>
     </p:extLst>
   </p:cSld>
@@ -22377,7 +23103,7 @@
                   <a:reflection blurRad="12700" stA="28000" endPos="45000" dist="1000" dir="5400000" sy="-100000" algn="bl" rotWithShape="0"/>
                 </a:effectLst>
               </a:rPr>
-              <a:t>3. Demo Hello world với JNA</a:t>
+              <a:t>4 demo ứng dụng thao tác registry</a:t>
             </a:r>
             <a:endParaRPr lang="en-US" sz="2900" cap="all">
               <a:ln w="9000" cmpd="sng">
@@ -22426,6 +23152,35 @@
       </p:sp>
       <p:sp>
         <p:nvSpPr>
+          <p:cNvPr id="2" name="Content Placeholder 1"/>
+          <p:cNvSpPr>
+            <a:spLocks noGrp="1"/>
+          </p:cNvSpPr>
+          <p:nvPr>
+            <p:ph idx="1"/>
+          </p:nvPr>
+        </p:nvSpPr>
+        <p:spPr/>
+        <p:txBody>
+          <a:bodyPr/>
+          <a:lstStyle/>
+          <a:p>
+            <a:pPr marL="0" lvl="0" indent="0" algn="ctr">
+              <a:buNone/>
+            </a:pPr>
+            <a:r>
+              <a:rPr lang="en-US" smtClean="0">
+                <a:solidFill>
+                  <a:srgbClr val="000000"/>
+                </a:solidFill>
+              </a:rPr>
+              <a:t>Mời mọi người cùng xem clip</a:t>
+            </a:r>
+          </a:p>
+        </p:txBody>
+      </p:sp>
+      <p:sp>
+        <p:nvSpPr>
           <p:cNvPr id="4" name="Footer Placeholder 3"/>
           <p:cNvSpPr>
             <a:spLocks noGrp="1"/>
@@ -22434,7 +23189,12 @@
             <p:ph type="ftr" sz="quarter" idx="11"/>
           </p:nvPr>
         </p:nvSpPr>
-        <p:spPr/>
+        <p:spPr>
+          <a:xfrm>
+            <a:off x="7162800" y="152400"/>
+            <a:ext cx="1752600" cy="228600"/>
+          </a:xfrm>
+        </p:spPr>
         <p:txBody>
           <a:bodyPr/>
           <a:lstStyle/>
@@ -22478,41 +23238,7 @@
       </p:sp>
       <p:sp>
         <p:nvSpPr>
-          <p:cNvPr id="7" name="Content Placeholder 1"/>
-          <p:cNvSpPr>
-            <a:spLocks noGrp="1"/>
-          </p:cNvSpPr>
-          <p:nvPr>
-            <p:ph idx="1"/>
-          </p:nvPr>
-        </p:nvSpPr>
-        <p:spPr>
-          <a:xfrm>
-            <a:off x="457200" y="1447800"/>
-            <a:ext cx="8229600" cy="4800600"/>
-          </a:xfrm>
-        </p:spPr>
-        <p:txBody>
-          <a:bodyPr/>
-          <a:lstStyle/>
-          <a:p>
-            <a:pPr marL="0" lvl="0" indent="0" algn="ctr">
-              <a:buNone/>
-            </a:pPr>
-            <a:r>
-              <a:rPr lang="en-US" smtClean="0">
-                <a:solidFill>
-                  <a:srgbClr val="000000"/>
-                </a:solidFill>
-              </a:rPr>
-              <a:t>Mời mọi người cùng xem clip</a:t>
-            </a:r>
-          </a:p>
-        </p:txBody>
-      </p:sp>
-      <p:sp>
-        <p:nvSpPr>
-          <p:cNvPr id="9" name="7-Point Star 8"/>
+          <p:cNvPr id="3" name="7-Point Star 2"/>
           <p:cNvSpPr/>
           <p:nvPr/>
         </p:nvSpPr>
@@ -22555,7 +23281,7 @@
     </p:spTree>
     <p:extLst>
       <p:ext uri="{BB962C8B-B14F-4D97-AF65-F5344CB8AC3E}">
-        <p14:creationId xmlns:p14="http://schemas.microsoft.com/office/powerpoint/2010/main" val="936051198"/>
+        <p14:creationId xmlns:p14="http://schemas.microsoft.com/office/powerpoint/2010/main" val="3137645208"/>
       </p:ext>
     </p:extLst>
   </p:cSld>
@@ -22573,283 +23299,6 @@
 </file>
 
 <file path=ppt/slides/slide32.xml><?xml version="1.0" encoding="utf-8"?>
-<p:sld xmlns:a="http://schemas.openxmlformats.org/drawingml/2006/main" xmlns:r="http://schemas.openxmlformats.org/officeDocument/2006/relationships" xmlns:p="http://schemas.openxmlformats.org/presentationml/2006/main">
-  <p:cSld>
-    <p:spTree>
-      <p:nvGrpSpPr>
-        <p:cNvPr id="1" name=""/>
-        <p:cNvGrpSpPr/>
-        <p:nvPr/>
-      </p:nvGrpSpPr>
-      <p:grpSpPr>
-        <a:xfrm>
-          <a:off x="0" y="0"/>
-          <a:ext cx="0" cy="0"/>
-          <a:chOff x="0" y="0"/>
-          <a:chExt cx="0" cy="0"/>
-        </a:xfrm>
-      </p:grpSpPr>
-      <p:sp>
-        <p:nvSpPr>
-          <p:cNvPr id="8" name="Title 1"/>
-          <p:cNvSpPr>
-            <a:spLocks noGrp="1"/>
-          </p:cNvSpPr>
-          <p:nvPr>
-            <p:ph type="title"/>
-          </p:nvPr>
-        </p:nvSpPr>
-        <p:spPr>
-          <a:xfrm>
-            <a:off x="228600" y="579437"/>
-            <a:ext cx="9448800" cy="563563"/>
-          </a:xfrm>
-        </p:spPr>
-        <p:txBody>
-          <a:bodyPr>
-            <a:noAutofit/>
-          </a:bodyPr>
-          <a:lstStyle/>
-          <a:p>
-            <a:r>
-              <a:rPr lang="en-US" sz="2900" cap="all" smtClean="0">
-                <a:ln w="9000" cmpd="sng">
-                  <a:solidFill>
-                    <a:schemeClr val="accent4">
-                      <a:shade val="50000"/>
-                      <a:satMod val="120000"/>
-                    </a:schemeClr>
-                  </a:solidFill>
-                  <a:prstDash val="solid"/>
-                </a:ln>
-                <a:gradFill>
-                  <a:gsLst>
-                    <a:gs pos="0">
-                      <a:schemeClr val="accent4">
-                        <a:shade val="20000"/>
-                        <a:satMod val="245000"/>
-                      </a:schemeClr>
-                    </a:gs>
-                    <a:gs pos="43000">
-                      <a:schemeClr val="accent4">
-                        <a:satMod val="255000"/>
-                      </a:schemeClr>
-                    </a:gs>
-                    <a:gs pos="48000">
-                      <a:schemeClr val="accent4">
-                        <a:shade val="85000"/>
-                        <a:satMod val="255000"/>
-                      </a:schemeClr>
-                    </a:gs>
-                    <a:gs pos="100000">
-                      <a:schemeClr val="accent4">
-                        <a:shade val="20000"/>
-                        <a:satMod val="245000"/>
-                      </a:schemeClr>
-                    </a:gs>
-                  </a:gsLst>
-                  <a:lin ang="5400000"/>
-                </a:gradFill>
-                <a:effectLst>
-                  <a:reflection blurRad="12700" stA="28000" endPos="45000" dist="1000" dir="5400000" sy="-100000" algn="bl" rotWithShape="0"/>
-                </a:effectLst>
-              </a:rPr>
-              <a:t>4 demo ứng dụng thao tác registry</a:t>
-            </a:r>
-            <a:endParaRPr lang="en-US" sz="2900" cap="all">
-              <a:ln w="9000" cmpd="sng">
-                <a:solidFill>
-                  <a:schemeClr val="accent4">
-                    <a:shade val="50000"/>
-                    <a:satMod val="120000"/>
-                  </a:schemeClr>
-                </a:solidFill>
-                <a:prstDash val="solid"/>
-              </a:ln>
-              <a:gradFill>
-                <a:gsLst>
-                  <a:gs pos="0">
-                    <a:schemeClr val="accent4">
-                      <a:shade val="20000"/>
-                      <a:satMod val="245000"/>
-                    </a:schemeClr>
-                  </a:gs>
-                  <a:gs pos="43000">
-                    <a:schemeClr val="accent4">
-                      <a:satMod val="255000"/>
-                    </a:schemeClr>
-                  </a:gs>
-                  <a:gs pos="48000">
-                    <a:schemeClr val="accent4">
-                      <a:shade val="85000"/>
-                      <a:satMod val="255000"/>
-                    </a:schemeClr>
-                  </a:gs>
-                  <a:gs pos="100000">
-                    <a:schemeClr val="accent4">
-                      <a:shade val="20000"/>
-                      <a:satMod val="245000"/>
-                    </a:schemeClr>
-                  </a:gs>
-                </a:gsLst>
-                <a:lin ang="5400000"/>
-              </a:gradFill>
-              <a:effectLst>
-                <a:reflection blurRad="12700" stA="28000" endPos="45000" dist="1000" dir="5400000" sy="-100000" algn="bl" rotWithShape="0"/>
-              </a:effectLst>
-            </a:endParaRPr>
-          </a:p>
-        </p:txBody>
-      </p:sp>
-      <p:sp>
-        <p:nvSpPr>
-          <p:cNvPr id="2" name="Content Placeholder 1"/>
-          <p:cNvSpPr>
-            <a:spLocks noGrp="1"/>
-          </p:cNvSpPr>
-          <p:nvPr>
-            <p:ph idx="1"/>
-          </p:nvPr>
-        </p:nvSpPr>
-        <p:spPr/>
-        <p:txBody>
-          <a:bodyPr/>
-          <a:lstStyle/>
-          <a:p>
-            <a:pPr marL="0" lvl="0" indent="0" algn="ctr">
-              <a:buNone/>
-            </a:pPr>
-            <a:r>
-              <a:rPr lang="en-US" smtClean="0">
-                <a:solidFill>
-                  <a:srgbClr val="000000"/>
-                </a:solidFill>
-              </a:rPr>
-              <a:t>Mời mọi người cùng xem clip</a:t>
-            </a:r>
-          </a:p>
-        </p:txBody>
-      </p:sp>
-      <p:sp>
-        <p:nvSpPr>
-          <p:cNvPr id="4" name="Footer Placeholder 3"/>
-          <p:cNvSpPr>
-            <a:spLocks noGrp="1"/>
-          </p:cNvSpPr>
-          <p:nvPr>
-            <p:ph type="ftr" sz="quarter" idx="11"/>
-          </p:nvPr>
-        </p:nvSpPr>
-        <p:spPr>
-          <a:xfrm>
-            <a:off x="7162800" y="152400"/>
-            <a:ext cx="1752600" cy="228600"/>
-          </a:xfrm>
-        </p:spPr>
-        <p:txBody>
-          <a:bodyPr/>
-          <a:lstStyle/>
-          <a:p>
-            <a:r>
-              <a:rPr lang="en-US" smtClean="0"/>
-              <a:t>www.hcmus.edu.vn</a:t>
-            </a:r>
-            <a:endParaRPr lang="en-US"/>
-          </a:p>
-        </p:txBody>
-      </p:sp>
-      <p:sp>
-        <p:nvSpPr>
-          <p:cNvPr id="6" name="Slide Number Placeholder 11"/>
-          <p:cNvSpPr>
-            <a:spLocks noGrp="1"/>
-          </p:cNvSpPr>
-          <p:nvPr>
-            <p:ph type="sldNum" sz="quarter" idx="12"/>
-          </p:nvPr>
-        </p:nvSpPr>
-        <p:spPr>
-          <a:xfrm>
-            <a:off x="3429000" y="6477000"/>
-            <a:ext cx="2133600" cy="381000"/>
-          </a:xfrm>
-        </p:spPr>
-        <p:txBody>
-          <a:bodyPr/>
-          <a:lstStyle/>
-          <a:p>
-            <a:fld id="{B6F15528-21DE-4FAA-801E-634DDDAF4B2B}" type="slidenum">
-              <a:rPr lang="en-US" sz="2000" smtClean="0"/>
-              <a:pPr/>
-              <a:t>32</a:t>
-            </a:fld>
-            <a:endParaRPr lang="en-US" sz="2000"/>
-          </a:p>
-        </p:txBody>
-      </p:sp>
-      <p:sp>
-        <p:nvSpPr>
-          <p:cNvPr id="3" name="7-Point Star 2"/>
-          <p:cNvSpPr/>
-          <p:nvPr/>
-        </p:nvSpPr>
-        <p:spPr>
-          <a:xfrm>
-            <a:off x="3124200" y="3031671"/>
-            <a:ext cx="2819400" cy="2073729"/>
-          </a:xfrm>
-          <a:prstGeom prst="star7">
-            <a:avLst/>
-          </a:prstGeom>
-        </p:spPr>
-        <p:style>
-          <a:lnRef idx="3">
-            <a:schemeClr val="lt1"/>
-          </a:lnRef>
-          <a:fillRef idx="1">
-            <a:schemeClr val="accent4"/>
-          </a:fillRef>
-          <a:effectRef idx="1">
-            <a:schemeClr val="accent4"/>
-          </a:effectRef>
-          <a:fontRef idx="minor">
-            <a:schemeClr val="lt1"/>
-          </a:fontRef>
-        </p:style>
-        <p:txBody>
-          <a:bodyPr rtlCol="0" anchor="ctr"/>
-          <a:lstStyle/>
-          <a:p>
-            <a:pPr algn="ctr"/>
-            <a:r>
-              <a:rPr lang="en-US" sz="2800" b="1" smtClean="0"/>
-              <a:t>Demo</a:t>
-            </a:r>
-            <a:endParaRPr lang="en-US" b="1"/>
-          </a:p>
-        </p:txBody>
-      </p:sp>
-    </p:spTree>
-    <p:extLst>
-      <p:ext uri="{BB962C8B-B14F-4D97-AF65-F5344CB8AC3E}">
-        <p14:creationId xmlns:p14="http://schemas.microsoft.com/office/powerpoint/2010/main" val="3137645208"/>
-      </p:ext>
-    </p:extLst>
-  </p:cSld>
-  <p:clrMapOvr>
-    <a:masterClrMapping/>
-  </p:clrMapOvr>
-  <p:timing>
-    <p:tnLst>
-      <p:par>
-        <p:cTn id="1" dur="indefinite" restart="never" nodeType="tmRoot"/>
-      </p:par>
-    </p:tnLst>
-  </p:timing>
-</p:sld>
-</file>
-
-<file path=ppt/slides/slide33.xml><?xml version="1.0" encoding="utf-8"?>
 <p:sld xmlns:a="http://schemas.openxmlformats.org/drawingml/2006/main" xmlns:r="http://schemas.openxmlformats.org/officeDocument/2006/relationships" xmlns:p="http://schemas.openxmlformats.org/presentationml/2006/main">
   <p:cSld>
     <p:spTree>

--- a/trunk/Seminar_JNI/Slide_00.pptx
+++ b/trunk/Seminar_JNI/Slide_00.pptx
@@ -5,10 +5,10 @@
     <p:sldMasterId id="2147484495" r:id="rId1"/>
   </p:sldMasterIdLst>
   <p:notesMasterIdLst>
-    <p:notesMasterId r:id="rId34"/>
+    <p:notesMasterId r:id="rId33"/>
   </p:notesMasterIdLst>
   <p:handoutMasterIdLst>
-    <p:handoutMasterId r:id="rId35"/>
+    <p:handoutMasterId r:id="rId34"/>
   </p:handoutMasterIdLst>
   <p:sldIdLst>
     <p:sldId id="256" r:id="rId2"/>
@@ -36,13 +36,12 @@
     <p:sldId id="292" r:id="rId24"/>
     <p:sldId id="276" r:id="rId25"/>
     <p:sldId id="297" r:id="rId26"/>
-    <p:sldId id="298" r:id="rId27"/>
-    <p:sldId id="279" r:id="rId28"/>
-    <p:sldId id="277" r:id="rId29"/>
-    <p:sldId id="283" r:id="rId30"/>
-    <p:sldId id="282" r:id="rId31"/>
-    <p:sldId id="280" r:id="rId32"/>
-    <p:sldId id="281" r:id="rId33"/>
+    <p:sldId id="279" r:id="rId27"/>
+    <p:sldId id="277" r:id="rId28"/>
+    <p:sldId id="283" r:id="rId29"/>
+    <p:sldId id="282" r:id="rId30"/>
+    <p:sldId id="280" r:id="rId31"/>
+    <p:sldId id="281" r:id="rId32"/>
   </p:sldIdLst>
   <p:sldSz cx="9144000" cy="6858000" type="screen4x3"/>
   <p:notesSz cx="6858000" cy="9144000"/>
@@ -5203,6 +5202,248 @@
           <a:bodyPr/>
           <a:lstStyle/>
           <a:p>
+            <a:pPr>
+              <a:buClrTx/>
+              <a:buFont typeface="Wingdings" pitchFamily="2" charset="2"/>
+              <a:buNone/>
+            </a:pPr>
+            <a:r>
+              <a:rPr lang="en-US" b="0" smtClean="0">
+                <a:solidFill>
+                  <a:srgbClr val="000000"/>
+                </a:solidFill>
+              </a:rPr>
+              <a:t>Giả sử bạn có một chương trình C/C++ và muốn gọi Java code. Chính lúc này invocation API của JVM sẽ giúp bạn. Cho phép chúng ta tạo một Java Virtual Machine trong chương trình C/C++.</a:t>
+            </a:r>
+          </a:p>
+          <a:p>
+            <a:pPr>
+              <a:buClrTx/>
+              <a:buFont typeface="Wingdings" pitchFamily="2" charset="2"/>
+              <a:buNone/>
+            </a:pPr>
+            <a:r>
+              <a:rPr lang="en-US" b="0" smtClean="0">
+                <a:solidFill>
+                  <a:srgbClr val="000000"/>
+                </a:solidFill>
+              </a:rPr>
+              <a:t>JNI cung cấp hai hàm để tạo và hủy máy ảo java.</a:t>
+            </a:r>
+          </a:p>
+          <a:p>
+            <a:pPr>
+              <a:buClrTx/>
+              <a:buFont typeface="Wingdings" pitchFamily="2" charset="2"/>
+              <a:buNone/>
+            </a:pPr>
+            <a:r>
+              <a:rPr lang="en-US" b="1" smtClean="0">
+                <a:solidFill>
+                  <a:srgbClr val="000000"/>
+                </a:solidFill>
+              </a:rPr>
+              <a:t>Tạo</a:t>
+            </a:r>
+            <a:r>
+              <a:rPr lang="en-US" b="1" baseline="0" smtClean="0">
+                <a:solidFill>
+                  <a:srgbClr val="000000"/>
+                </a:solidFill>
+              </a:rPr>
+              <a:t> JVM: </a:t>
+            </a:r>
+            <a:r>
+              <a:rPr lang="en-US" sz="1200" kern="1200" smtClean="0">
+                <a:solidFill>
+                  <a:schemeClr val="tx1"/>
+                </a:solidFill>
+                <a:effectLst/>
+                <a:latin typeface="+mn-lt"/>
+                <a:ea typeface="+mn-ea"/>
+                <a:cs typeface="+mn-cs"/>
+              </a:rPr>
+              <a:t>0 thành công, JNI_ERR khi ngược lại.</a:t>
+            </a:r>
+          </a:p>
+          <a:p>
+            <a:r>
+              <a:rPr lang="en-US" sz="1200" b="1" kern="1200" smtClean="0">
+                <a:solidFill>
+                  <a:schemeClr val="tx1"/>
+                </a:solidFill>
+                <a:effectLst/>
+                <a:latin typeface="+mn-lt"/>
+                <a:ea typeface="+mn-ea"/>
+                <a:cs typeface="+mn-cs"/>
+              </a:rPr>
+              <a:t>Parameters:</a:t>
+            </a:r>
+            <a:endParaRPr lang="en-US" sz="1200" kern="1200" smtClean="0">
+              <a:solidFill>
+                <a:schemeClr val="tx1"/>
+              </a:solidFill>
+              <a:effectLst/>
+              <a:latin typeface="+mn-lt"/>
+              <a:ea typeface="+mn-ea"/>
+              <a:cs typeface="+mn-cs"/>
+            </a:endParaRPr>
+          </a:p>
+          <a:p>
+            <a:r>
+              <a:rPr lang="en-US" sz="1200" kern="1200" smtClean="0">
+                <a:solidFill>
+                  <a:schemeClr val="tx1"/>
+                </a:solidFill>
+                <a:effectLst/>
+                <a:latin typeface="+mn-lt"/>
+                <a:ea typeface="+mn-ea"/>
+                <a:cs typeface="+mn-cs"/>
+              </a:rPr>
+              <a:t>	p_jvm Con trỏ có kiểu JavaVM, dùng biến này để thao tác lên JVM tạo ra.</a:t>
+            </a:r>
+          </a:p>
+          <a:p>
+            <a:r>
+              <a:rPr lang="en-US" sz="1200" kern="1200" smtClean="0">
+                <a:solidFill>
+                  <a:schemeClr val="tx1"/>
+                </a:solidFill>
+                <a:effectLst/>
+                <a:latin typeface="+mn-lt"/>
+                <a:ea typeface="+mn-ea"/>
+                <a:cs typeface="+mn-cs"/>
+              </a:rPr>
+              <a:t>	p_env Con trỏ kiểu JNIEnv, dùng biến này để thực hiện các lệnh JNI (như gọi chạy hàm main chẳng hạn).</a:t>
+            </a:r>
+          </a:p>
+          <a:p>
+            <a:r>
+              <a:rPr lang="en-US" sz="1200" kern="1200" smtClean="0">
+                <a:solidFill>
+                  <a:schemeClr val="tx1"/>
+                </a:solidFill>
+                <a:effectLst/>
+                <a:latin typeface="+mn-lt"/>
+                <a:ea typeface="+mn-ea"/>
+                <a:cs typeface="+mn-cs"/>
+              </a:rPr>
+              <a:t>	vm_args Biến kiểu JavaVMInitArgs  làm tham sô truyền vào cho JVM.</a:t>
+            </a:r>
+            <a:endParaRPr lang="en-US" b="0" smtClean="0">
+              <a:solidFill>
+                <a:srgbClr val="000000"/>
+              </a:solidFill>
+            </a:endParaRPr>
+          </a:p>
+          <a:p>
+            <a:pPr>
+              <a:buClrTx/>
+              <a:buFont typeface="Wingdings" pitchFamily="2" charset="2"/>
+              <a:buNone/>
+            </a:pPr>
+            <a:r>
+              <a:rPr lang="en-US" sz="1200" b="1" kern="1200" smtClean="0">
+                <a:solidFill>
+                  <a:schemeClr val="tx1"/>
+                </a:solidFill>
+                <a:effectLst/>
+                <a:latin typeface="+mn-lt"/>
+                <a:ea typeface="+mn-ea"/>
+                <a:cs typeface="+mn-cs"/>
+              </a:rPr>
+              <a:t>Hủy JVM</a:t>
+            </a:r>
+            <a:r>
+              <a:rPr lang="en-US" sz="1200" b="1" kern="1200" baseline="0" smtClean="0">
+                <a:solidFill>
+                  <a:schemeClr val="tx1"/>
+                </a:solidFill>
+                <a:effectLst/>
+                <a:latin typeface="+mn-lt"/>
+                <a:ea typeface="+mn-ea"/>
+                <a:cs typeface="+mn-cs"/>
+              </a:rPr>
+              <a:t> </a:t>
+            </a:r>
+            <a:r>
+              <a:rPr lang="en-US" sz="1200" kern="1200" smtClean="0">
+                <a:solidFill>
+                  <a:schemeClr val="tx1"/>
+                </a:solidFill>
+                <a:effectLst/>
+                <a:latin typeface="+mn-lt"/>
+                <a:ea typeface="+mn-ea"/>
+                <a:cs typeface="+mn-cs"/>
+              </a:rPr>
+              <a:t>Returns: trả về </a:t>
+            </a:r>
+            <a:r>
+              <a:rPr lang="en-US" sz="1000" kern="1200" smtClean="0">
+                <a:solidFill>
+                  <a:schemeClr val="tx1"/>
+                </a:solidFill>
+                <a:effectLst/>
+                <a:latin typeface="+mn-lt"/>
+                <a:ea typeface="+mn-ea"/>
+                <a:cs typeface="+mn-cs"/>
+              </a:rPr>
+              <a:t>0</a:t>
+            </a:r>
+            <a:r>
+              <a:rPr lang="en-US" sz="1200" kern="1200" smtClean="0">
+                <a:solidFill>
+                  <a:schemeClr val="tx1"/>
+                </a:solidFill>
+                <a:effectLst/>
+                <a:latin typeface="+mn-lt"/>
+                <a:ea typeface="+mn-ea"/>
+                <a:cs typeface="+mn-cs"/>
+              </a:rPr>
+              <a:t> sucess, một số âm nếu thất bại. </a:t>
+            </a:r>
+          </a:p>
+          <a:p>
+            <a:pPr>
+              <a:buClrTx/>
+              <a:buFont typeface="Wingdings" pitchFamily="2" charset="2"/>
+              <a:buNone/>
+            </a:pPr>
+            <a:r>
+              <a:rPr lang="en-US" sz="1200" kern="1200" smtClean="0">
+                <a:solidFill>
+                  <a:schemeClr val="tx1"/>
+                </a:solidFill>
+                <a:effectLst/>
+                <a:latin typeface="+mn-lt"/>
+                <a:ea typeface="+mn-ea"/>
+                <a:cs typeface="+mn-cs"/>
+              </a:rPr>
+              <a:t>Hàm này cần phải được gọi thông qua một con trỏ JavaVM được truyền vô lúc tạo JVM.</a:t>
+            </a:r>
+            <a:endParaRPr lang="en-US" sz="1300" kern="1200" smtClean="0">
+              <a:solidFill>
+                <a:schemeClr val="tx1"/>
+              </a:solidFill>
+              <a:effectLst/>
+              <a:latin typeface="+mn-lt"/>
+              <a:ea typeface="+mn-ea"/>
+              <a:cs typeface="+mn-cs"/>
+            </a:endParaRPr>
+          </a:p>
+          <a:p>
+            <a:pPr>
+              <a:buClrTx/>
+              <a:buFont typeface="Wingdings" pitchFamily="2" charset="2"/>
+              <a:buNone/>
+            </a:pPr>
+            <a:endParaRPr lang="en-US" b="0" smtClean="0">
+              <a:solidFill>
+                <a:srgbClr val="000000"/>
+              </a:solidFill>
+            </a:endParaRPr>
+          </a:p>
+          <a:p>
             <a:endParaRPr lang="en-US"/>
           </a:p>
         </p:txBody>
@@ -5264,248 +5505,6 @@
           <a:bodyPr/>
           <a:lstStyle/>
           <a:p>
-            <a:pPr>
-              <a:buClrTx/>
-              <a:buFont typeface="Wingdings" pitchFamily="2" charset="2"/>
-              <a:buNone/>
-            </a:pPr>
-            <a:r>
-              <a:rPr lang="en-US" b="0" smtClean="0">
-                <a:solidFill>
-                  <a:srgbClr val="000000"/>
-                </a:solidFill>
-              </a:rPr>
-              <a:t>Giả sử bạn có một chương trình C/C++ và muốn gọi Java code. Chính lúc này invocation API của JVM sẽ giúp bạn. Cho phép chúng ta tạo một Java Virtual Machine trong chương trình C/C++.</a:t>
-            </a:r>
-          </a:p>
-          <a:p>
-            <a:pPr>
-              <a:buClrTx/>
-              <a:buFont typeface="Wingdings" pitchFamily="2" charset="2"/>
-              <a:buNone/>
-            </a:pPr>
-            <a:r>
-              <a:rPr lang="en-US" b="0" smtClean="0">
-                <a:solidFill>
-                  <a:srgbClr val="000000"/>
-                </a:solidFill>
-              </a:rPr>
-              <a:t>JNI cung cấp hai hàm để tạo và hủy máy ảo java.</a:t>
-            </a:r>
-          </a:p>
-          <a:p>
-            <a:pPr>
-              <a:buClrTx/>
-              <a:buFont typeface="Wingdings" pitchFamily="2" charset="2"/>
-              <a:buNone/>
-            </a:pPr>
-            <a:r>
-              <a:rPr lang="en-US" b="1" smtClean="0">
-                <a:solidFill>
-                  <a:srgbClr val="000000"/>
-                </a:solidFill>
-              </a:rPr>
-              <a:t>Tạo</a:t>
-            </a:r>
-            <a:r>
-              <a:rPr lang="en-US" b="1" baseline="0" smtClean="0">
-                <a:solidFill>
-                  <a:srgbClr val="000000"/>
-                </a:solidFill>
-              </a:rPr>
-              <a:t> JVM: </a:t>
-            </a:r>
-            <a:r>
-              <a:rPr lang="en-US" sz="1200" kern="1200" smtClean="0">
-                <a:solidFill>
-                  <a:schemeClr val="tx1"/>
-                </a:solidFill>
-                <a:effectLst/>
-                <a:latin typeface="+mn-lt"/>
-                <a:ea typeface="+mn-ea"/>
-                <a:cs typeface="+mn-cs"/>
-              </a:rPr>
-              <a:t>0 thành công, JNI_ERR khi ngược lại.</a:t>
-            </a:r>
-          </a:p>
-          <a:p>
-            <a:r>
-              <a:rPr lang="en-US" sz="1200" b="1" kern="1200" smtClean="0">
-                <a:solidFill>
-                  <a:schemeClr val="tx1"/>
-                </a:solidFill>
-                <a:effectLst/>
-                <a:latin typeface="+mn-lt"/>
-                <a:ea typeface="+mn-ea"/>
-                <a:cs typeface="+mn-cs"/>
-              </a:rPr>
-              <a:t>Parameters:</a:t>
-            </a:r>
-            <a:endParaRPr lang="en-US" sz="1200" kern="1200" smtClean="0">
-              <a:solidFill>
-                <a:schemeClr val="tx1"/>
-              </a:solidFill>
-              <a:effectLst/>
-              <a:latin typeface="+mn-lt"/>
-              <a:ea typeface="+mn-ea"/>
-              <a:cs typeface="+mn-cs"/>
-            </a:endParaRPr>
-          </a:p>
-          <a:p>
-            <a:r>
-              <a:rPr lang="en-US" sz="1200" kern="1200" smtClean="0">
-                <a:solidFill>
-                  <a:schemeClr val="tx1"/>
-                </a:solidFill>
-                <a:effectLst/>
-                <a:latin typeface="+mn-lt"/>
-                <a:ea typeface="+mn-ea"/>
-                <a:cs typeface="+mn-cs"/>
-              </a:rPr>
-              <a:t>	p_jvm Con trỏ có kiểu JavaVM, dùng biến này để thao tác lên JVM tạo ra.</a:t>
-            </a:r>
-          </a:p>
-          <a:p>
-            <a:r>
-              <a:rPr lang="en-US" sz="1200" kern="1200" smtClean="0">
-                <a:solidFill>
-                  <a:schemeClr val="tx1"/>
-                </a:solidFill>
-                <a:effectLst/>
-                <a:latin typeface="+mn-lt"/>
-                <a:ea typeface="+mn-ea"/>
-                <a:cs typeface="+mn-cs"/>
-              </a:rPr>
-              <a:t>	p_env Con trỏ kiểu JNIEnv, dùng biến này để thực hiện các lệnh JNI (như gọi chạy hàm main chẳng hạn).</a:t>
-            </a:r>
-          </a:p>
-          <a:p>
-            <a:r>
-              <a:rPr lang="en-US" sz="1200" kern="1200" smtClean="0">
-                <a:solidFill>
-                  <a:schemeClr val="tx1"/>
-                </a:solidFill>
-                <a:effectLst/>
-                <a:latin typeface="+mn-lt"/>
-                <a:ea typeface="+mn-ea"/>
-                <a:cs typeface="+mn-cs"/>
-              </a:rPr>
-              <a:t>	vm_args Biến kiểu JavaVMInitArgs  làm tham sô truyền vào cho JVM.</a:t>
-            </a:r>
-            <a:endParaRPr lang="en-US" b="0" smtClean="0">
-              <a:solidFill>
-                <a:srgbClr val="000000"/>
-              </a:solidFill>
-            </a:endParaRPr>
-          </a:p>
-          <a:p>
-            <a:pPr>
-              <a:buClrTx/>
-              <a:buFont typeface="Wingdings" pitchFamily="2" charset="2"/>
-              <a:buNone/>
-            </a:pPr>
-            <a:r>
-              <a:rPr lang="en-US" sz="1200" b="1" kern="1200" smtClean="0">
-                <a:solidFill>
-                  <a:schemeClr val="tx1"/>
-                </a:solidFill>
-                <a:effectLst/>
-                <a:latin typeface="+mn-lt"/>
-                <a:ea typeface="+mn-ea"/>
-                <a:cs typeface="+mn-cs"/>
-              </a:rPr>
-              <a:t>Hủy JVM</a:t>
-            </a:r>
-            <a:r>
-              <a:rPr lang="en-US" sz="1200" b="1" kern="1200" baseline="0" smtClean="0">
-                <a:solidFill>
-                  <a:schemeClr val="tx1"/>
-                </a:solidFill>
-                <a:effectLst/>
-                <a:latin typeface="+mn-lt"/>
-                <a:ea typeface="+mn-ea"/>
-                <a:cs typeface="+mn-cs"/>
-              </a:rPr>
-              <a:t> </a:t>
-            </a:r>
-            <a:r>
-              <a:rPr lang="en-US" sz="1200" kern="1200" smtClean="0">
-                <a:solidFill>
-                  <a:schemeClr val="tx1"/>
-                </a:solidFill>
-                <a:effectLst/>
-                <a:latin typeface="+mn-lt"/>
-                <a:ea typeface="+mn-ea"/>
-                <a:cs typeface="+mn-cs"/>
-              </a:rPr>
-              <a:t>Returns: trả về </a:t>
-            </a:r>
-            <a:r>
-              <a:rPr lang="en-US" sz="1000" kern="1200" smtClean="0">
-                <a:solidFill>
-                  <a:schemeClr val="tx1"/>
-                </a:solidFill>
-                <a:effectLst/>
-                <a:latin typeface="+mn-lt"/>
-                <a:ea typeface="+mn-ea"/>
-                <a:cs typeface="+mn-cs"/>
-              </a:rPr>
-              <a:t>0</a:t>
-            </a:r>
-            <a:r>
-              <a:rPr lang="en-US" sz="1200" kern="1200" smtClean="0">
-                <a:solidFill>
-                  <a:schemeClr val="tx1"/>
-                </a:solidFill>
-                <a:effectLst/>
-                <a:latin typeface="+mn-lt"/>
-                <a:ea typeface="+mn-ea"/>
-                <a:cs typeface="+mn-cs"/>
-              </a:rPr>
-              <a:t> sucess, một số âm nếu thất bại. </a:t>
-            </a:r>
-          </a:p>
-          <a:p>
-            <a:pPr>
-              <a:buClrTx/>
-              <a:buFont typeface="Wingdings" pitchFamily="2" charset="2"/>
-              <a:buNone/>
-            </a:pPr>
-            <a:r>
-              <a:rPr lang="en-US" sz="1200" kern="1200" smtClean="0">
-                <a:solidFill>
-                  <a:schemeClr val="tx1"/>
-                </a:solidFill>
-                <a:effectLst/>
-                <a:latin typeface="+mn-lt"/>
-                <a:ea typeface="+mn-ea"/>
-                <a:cs typeface="+mn-cs"/>
-              </a:rPr>
-              <a:t>Hàm này cần phải được gọi thông qua một con trỏ JavaVM được truyền vô lúc tạo JVM.</a:t>
-            </a:r>
-            <a:endParaRPr lang="en-US" sz="1300" kern="1200" smtClean="0">
-              <a:solidFill>
-                <a:schemeClr val="tx1"/>
-              </a:solidFill>
-              <a:effectLst/>
-              <a:latin typeface="+mn-lt"/>
-              <a:ea typeface="+mn-ea"/>
-              <a:cs typeface="+mn-cs"/>
-            </a:endParaRPr>
-          </a:p>
-          <a:p>
-            <a:pPr>
-              <a:buClrTx/>
-              <a:buFont typeface="Wingdings" pitchFamily="2" charset="2"/>
-              <a:buNone/>
-            </a:pPr>
-            <a:endParaRPr lang="en-US" b="0" smtClean="0">
-              <a:solidFill>
-                <a:srgbClr val="000000"/>
-              </a:solidFill>
-            </a:endParaRPr>
-          </a:p>
-          <a:p>
             <a:endParaRPr lang="en-US"/>
           </a:p>
         </p:txBody>
@@ -5567,6 +5566,156 @@
           <a:bodyPr/>
           <a:lstStyle/>
           <a:p>
+            <a:pPr lvl="0"/>
+            <a:r>
+              <a:rPr lang="en-US" sz="1200" b="1" kern="1200" smtClean="0">
+                <a:solidFill>
+                  <a:schemeClr val="tx1"/>
+                </a:solidFill>
+                <a:effectLst/>
+                <a:latin typeface="+mn-lt"/>
+                <a:ea typeface="+mn-ea"/>
+                <a:cs typeface="+mn-cs"/>
+              </a:rPr>
+              <a:t>JNA</a:t>
+            </a:r>
+            <a:r>
+              <a:rPr lang="en-US" sz="1200" kern="1200" smtClean="0">
+                <a:solidFill>
+                  <a:schemeClr val="tx1"/>
+                </a:solidFill>
+                <a:effectLst/>
+                <a:latin typeface="+mn-lt"/>
+                <a:ea typeface="+mn-ea"/>
+                <a:cs typeface="+mn-cs"/>
+              </a:rPr>
+              <a:t>: </a:t>
+            </a:r>
+            <a:r>
+              <a:rPr lang="en-US" sz="1200" kern="1200" smtClean="0">
+                <a:solidFill>
+                  <a:schemeClr val="tx1"/>
+                </a:solidFill>
+                <a:effectLst/>
+                <a:latin typeface="+mn-lt"/>
+                <a:ea typeface="+mn-ea"/>
+                <a:cs typeface="+mn-cs"/>
+              </a:rPr>
+              <a:t>JKhông </a:t>
+            </a:r>
+            <a:r>
+              <a:rPr lang="en-US" sz="1200" kern="1200" smtClean="0">
+                <a:solidFill>
+                  <a:schemeClr val="tx1"/>
+                </a:solidFill>
+                <a:effectLst/>
+                <a:latin typeface="+mn-lt"/>
+                <a:ea typeface="+mn-ea"/>
+                <a:cs typeface="+mn-cs"/>
+              </a:rPr>
+              <a:t>giống như JNI, nó không yêu cầu để tạo ra mã bằng cách sử dụng chức năng C. Để sử dụng chúng, chỉ đơn giản sử các tập tin có định nghĩa chúng và tuyên bố tiêu đề của các chức năng này trong một giao diện.</a:t>
+            </a:r>
+          </a:p>
+          <a:p>
+            <a:pPr lvl="0"/>
+            <a:r>
+              <a:rPr lang="en-US" sz="1200" b="1" kern="1200" smtClean="0">
+                <a:solidFill>
+                  <a:schemeClr val="tx1"/>
+                </a:solidFill>
+                <a:effectLst/>
+                <a:latin typeface="+mn-lt"/>
+                <a:ea typeface="+mn-ea"/>
+                <a:cs typeface="+mn-cs"/>
+              </a:rPr>
+              <a:t>JNA</a:t>
+            </a:r>
+            <a:r>
+              <a:rPr lang="en-US" sz="1200" kern="1200" smtClean="0">
+                <a:solidFill>
+                  <a:schemeClr val="tx1"/>
+                </a:solidFill>
+                <a:effectLst/>
+                <a:latin typeface="+mn-lt"/>
+                <a:ea typeface="+mn-ea"/>
+                <a:cs typeface="+mn-cs"/>
+              </a:rPr>
+              <a:t> </a:t>
+            </a:r>
+            <a:r>
+              <a:rPr lang="en-US" sz="1200" kern="1200" smtClean="0">
+                <a:solidFill>
+                  <a:schemeClr val="tx1"/>
+                </a:solidFill>
+                <a:effectLst/>
+                <a:latin typeface="+mn-lt"/>
+                <a:ea typeface="+mn-ea"/>
+                <a:cs typeface="+mn-cs"/>
+              </a:rPr>
+              <a:t>thiết kế nhằm mục đích để cung cấp các truy cập một cách tự nhiên, ít tốn công sức.</a:t>
+            </a:r>
+          </a:p>
+          <a:p>
+            <a:pPr lvl="0"/>
+            <a:r>
+              <a:rPr lang="en-US" sz="1200" kern="1200" smtClean="0">
+                <a:solidFill>
+                  <a:schemeClr val="tx1"/>
+                </a:solidFill>
+                <a:effectLst/>
+                <a:latin typeface="+mn-lt"/>
+                <a:ea typeface="+mn-ea"/>
+                <a:cs typeface="+mn-cs"/>
+              </a:rPr>
+              <a:t>Các thư viện yêu cầu sử dụng</a:t>
+            </a:r>
+          </a:p>
+          <a:p>
+            <a:pPr lvl="1"/>
+            <a:r>
+              <a:rPr lang="en-US" sz="1200" kern="1200" smtClean="0">
+                <a:solidFill>
+                  <a:schemeClr val="tx1"/>
+                </a:solidFill>
+                <a:effectLst/>
+                <a:latin typeface="+mn-lt"/>
+                <a:ea typeface="+mn-ea"/>
+                <a:cs typeface="+mn-cs"/>
+              </a:rPr>
+              <a:t>import com.sun.jna.Library;</a:t>
+            </a:r>
+          </a:p>
+          <a:p>
+            <a:pPr lvl="1"/>
+            <a:r>
+              <a:rPr lang="en-US" sz="1200" kern="1200" smtClean="0">
+                <a:solidFill>
+                  <a:schemeClr val="tx1"/>
+                </a:solidFill>
+                <a:effectLst/>
+                <a:latin typeface="+mn-lt"/>
+                <a:ea typeface="+mn-ea"/>
+                <a:cs typeface="+mn-cs"/>
+              </a:rPr>
+              <a:t>import com.sun.jna.Native;</a:t>
+            </a:r>
+          </a:p>
+          <a:p>
+            <a:pPr lvl="1"/>
+            <a:r>
+              <a:rPr lang="en-US" sz="1200" kern="1200" smtClean="0">
+                <a:solidFill>
+                  <a:schemeClr val="tx1"/>
+                </a:solidFill>
+                <a:effectLst/>
+                <a:latin typeface="+mn-lt"/>
+                <a:ea typeface="+mn-ea"/>
+                <a:cs typeface="+mn-cs"/>
+              </a:rPr>
+              <a:t>import com.sun.jna.Platform;</a:t>
+            </a:r>
+          </a:p>
+          <a:p>
             <a:endParaRPr lang="en-US"/>
           </a:p>
         </p:txBody>
@@ -5628,156 +5777,6 @@
           <a:bodyPr/>
           <a:lstStyle/>
           <a:p>
-            <a:pPr lvl="0"/>
-            <a:r>
-              <a:rPr lang="en-US" sz="1200" b="1" kern="1200" smtClean="0">
-                <a:solidFill>
-                  <a:schemeClr val="tx1"/>
-                </a:solidFill>
-                <a:effectLst/>
-                <a:latin typeface="+mn-lt"/>
-                <a:ea typeface="+mn-ea"/>
-                <a:cs typeface="+mn-cs"/>
-              </a:rPr>
-              <a:t>JNA</a:t>
-            </a:r>
-            <a:r>
-              <a:rPr lang="en-US" sz="1200" kern="1200" smtClean="0">
-                <a:solidFill>
-                  <a:schemeClr val="tx1"/>
-                </a:solidFill>
-                <a:effectLst/>
-                <a:latin typeface="+mn-lt"/>
-                <a:ea typeface="+mn-ea"/>
-                <a:cs typeface="+mn-cs"/>
-              </a:rPr>
-              <a:t>: </a:t>
-            </a:r>
-            <a:r>
-              <a:rPr lang="en-US" sz="1200" kern="1200" smtClean="0">
-                <a:solidFill>
-                  <a:schemeClr val="tx1"/>
-                </a:solidFill>
-                <a:effectLst/>
-                <a:latin typeface="+mn-lt"/>
-                <a:ea typeface="+mn-ea"/>
-                <a:cs typeface="+mn-cs"/>
-              </a:rPr>
-              <a:t>JKhông </a:t>
-            </a:r>
-            <a:r>
-              <a:rPr lang="en-US" sz="1200" kern="1200" smtClean="0">
-                <a:solidFill>
-                  <a:schemeClr val="tx1"/>
-                </a:solidFill>
-                <a:effectLst/>
-                <a:latin typeface="+mn-lt"/>
-                <a:ea typeface="+mn-ea"/>
-                <a:cs typeface="+mn-cs"/>
-              </a:rPr>
-              <a:t>giống như JNI, nó không yêu cầu để tạo ra mã bằng cách sử dụng chức năng C. Để sử dụng chúng, chỉ đơn giản sử các tập tin có định nghĩa chúng và tuyên bố tiêu đề của các chức năng này trong một giao diện.</a:t>
-            </a:r>
-          </a:p>
-          <a:p>
-            <a:pPr lvl="0"/>
-            <a:r>
-              <a:rPr lang="en-US" sz="1200" b="1" kern="1200" smtClean="0">
-                <a:solidFill>
-                  <a:schemeClr val="tx1"/>
-                </a:solidFill>
-                <a:effectLst/>
-                <a:latin typeface="+mn-lt"/>
-                <a:ea typeface="+mn-ea"/>
-                <a:cs typeface="+mn-cs"/>
-              </a:rPr>
-              <a:t>JNA</a:t>
-            </a:r>
-            <a:r>
-              <a:rPr lang="en-US" sz="1200" kern="1200" smtClean="0">
-                <a:solidFill>
-                  <a:schemeClr val="tx1"/>
-                </a:solidFill>
-                <a:effectLst/>
-                <a:latin typeface="+mn-lt"/>
-                <a:ea typeface="+mn-ea"/>
-                <a:cs typeface="+mn-cs"/>
-              </a:rPr>
-              <a:t> </a:t>
-            </a:r>
-            <a:r>
-              <a:rPr lang="en-US" sz="1200" kern="1200" smtClean="0">
-                <a:solidFill>
-                  <a:schemeClr val="tx1"/>
-                </a:solidFill>
-                <a:effectLst/>
-                <a:latin typeface="+mn-lt"/>
-                <a:ea typeface="+mn-ea"/>
-                <a:cs typeface="+mn-cs"/>
-              </a:rPr>
-              <a:t>thiết kế nhằm mục đích để cung cấp các truy cập một cách tự nhiên, ít tốn công sức.</a:t>
-            </a:r>
-          </a:p>
-          <a:p>
-            <a:pPr lvl="0"/>
-            <a:r>
-              <a:rPr lang="en-US" sz="1200" kern="1200" smtClean="0">
-                <a:solidFill>
-                  <a:schemeClr val="tx1"/>
-                </a:solidFill>
-                <a:effectLst/>
-                <a:latin typeface="+mn-lt"/>
-                <a:ea typeface="+mn-ea"/>
-                <a:cs typeface="+mn-cs"/>
-              </a:rPr>
-              <a:t>Các thư viện yêu cầu sử dụng</a:t>
-            </a:r>
-          </a:p>
-          <a:p>
-            <a:pPr lvl="1"/>
-            <a:r>
-              <a:rPr lang="en-US" sz="1200" kern="1200" smtClean="0">
-                <a:solidFill>
-                  <a:schemeClr val="tx1"/>
-                </a:solidFill>
-                <a:effectLst/>
-                <a:latin typeface="+mn-lt"/>
-                <a:ea typeface="+mn-ea"/>
-                <a:cs typeface="+mn-cs"/>
-              </a:rPr>
-              <a:t>import com.sun.jna.Library;</a:t>
-            </a:r>
-          </a:p>
-          <a:p>
-            <a:pPr lvl="1"/>
-            <a:r>
-              <a:rPr lang="en-US" sz="1200" kern="1200" smtClean="0">
-                <a:solidFill>
-                  <a:schemeClr val="tx1"/>
-                </a:solidFill>
-                <a:effectLst/>
-                <a:latin typeface="+mn-lt"/>
-                <a:ea typeface="+mn-ea"/>
-                <a:cs typeface="+mn-cs"/>
-              </a:rPr>
-              <a:t>import com.sun.jna.Native;</a:t>
-            </a:r>
-          </a:p>
-          <a:p>
-            <a:pPr lvl="1"/>
-            <a:r>
-              <a:rPr lang="en-US" sz="1200" kern="1200" smtClean="0">
-                <a:solidFill>
-                  <a:schemeClr val="tx1"/>
-                </a:solidFill>
-                <a:effectLst/>
-                <a:latin typeface="+mn-lt"/>
-                <a:ea typeface="+mn-ea"/>
-                <a:cs typeface="+mn-cs"/>
-              </a:rPr>
-              <a:t>import com.sun.jna.Platform;</a:t>
-            </a:r>
-          </a:p>
-          <a:p>
             <a:endParaRPr lang="en-US"/>
           </a:p>
         </p:txBody>
@@ -5857,67 +5856,6 @@
 </file>
 
 <file path=ppt/notesSlides/notesSlide26.xml><?xml version="1.0" encoding="utf-8"?>
-<p:notes xmlns:a="http://schemas.openxmlformats.org/drawingml/2006/main" xmlns:r="http://schemas.openxmlformats.org/officeDocument/2006/relationships" xmlns:p="http://schemas.openxmlformats.org/presentationml/2006/main">
-  <p:cSld>
-    <p:spTree>
-      <p:nvGrpSpPr>
-        <p:cNvPr id="1" name=""/>
-        <p:cNvGrpSpPr/>
-        <p:nvPr/>
-      </p:nvGrpSpPr>
-      <p:grpSpPr>
-        <a:xfrm>
-          <a:off x="0" y="0"/>
-          <a:ext cx="0" cy="0"/>
-          <a:chOff x="0" y="0"/>
-          <a:chExt cx="0" cy="0"/>
-        </a:xfrm>
-      </p:grpSpPr>
-      <p:sp>
-        <p:nvSpPr>
-          <p:cNvPr id="2" name="Slide Image Placeholder 1"/>
-          <p:cNvSpPr>
-            <a:spLocks noGrp="1" noRot="1" noChangeAspect="1"/>
-          </p:cNvSpPr>
-          <p:nvPr>
-            <p:ph type="sldImg"/>
-          </p:nvPr>
-        </p:nvSpPr>
-        <p:spPr/>
-      </p:sp>
-      <p:sp>
-        <p:nvSpPr>
-          <p:cNvPr id="3" name="Notes Placeholder 2"/>
-          <p:cNvSpPr>
-            <a:spLocks noGrp="1"/>
-          </p:cNvSpPr>
-          <p:nvPr>
-            <p:ph type="body" idx="1"/>
-          </p:nvPr>
-        </p:nvSpPr>
-        <p:spPr/>
-        <p:txBody>
-          <a:bodyPr/>
-          <a:lstStyle/>
-          <a:p>
-            <a:endParaRPr lang="en-US"/>
-          </a:p>
-        </p:txBody>
-      </p:sp>
-    </p:spTree>
-    <p:extLst>
-      <p:ext uri="{BB962C8B-B14F-4D97-AF65-F5344CB8AC3E}">
-        <p14:creationId xmlns:p14="http://schemas.microsoft.com/office/powerpoint/2010/main" val="3087672818"/>
-      </p:ext>
-    </p:extLst>
-  </p:cSld>
-  <p:clrMapOvr>
-    <a:masterClrMapping/>
-  </p:clrMapOvr>
-</p:notes>
-</file>
-
-<file path=ppt/notesSlides/notesSlide27.xml><?xml version="1.0" encoding="utf-8"?>
 <p:notes xmlns:a="http://schemas.openxmlformats.org/drawingml/2006/main" xmlns:r="http://schemas.openxmlformats.org/officeDocument/2006/relationships" xmlns:p="http://schemas.openxmlformats.org/presentationml/2006/main">
   <p:cSld>
     <p:spTree>
@@ -20938,7 +20876,7 @@
         <p:spPr>
           <a:xfrm>
             <a:off x="457200" y="1447800"/>
-            <a:ext cx="8458200" cy="4800600"/>
+            <a:ext cx="8534400" cy="4800600"/>
           </a:xfrm>
         </p:spPr>
         <p:txBody>
@@ -20980,40 +20918,31 @@
                 </a:solidFill>
                 <a:latin typeface="+mj-lt"/>
               </a:rPr>
-              <a:t>hai hàm kiểm tra xem có ngoại lệ xảy ra không và hàm lấy về đối tượng ngoại lệ:</a:t>
+              <a:t>hai hàm kiểm tra xem có ngoại lệ xảy ra không và hàm lấy về đối tượng ngoại </a:t>
+            </a:r>
+            <a:r>
+              <a:rPr lang="en-US" b="0">
+                <a:solidFill>
+                  <a:srgbClr val="000000"/>
+                </a:solidFill>
+                <a:latin typeface="+mj-lt"/>
+              </a:rPr>
+              <a:t>lệ</a:t>
+            </a:r>
+            <a:r>
+              <a:rPr lang="en-US" b="0" smtClean="0">
+                <a:solidFill>
+                  <a:srgbClr val="000000"/>
+                </a:solidFill>
+                <a:latin typeface="+mj-lt"/>
+              </a:rPr>
+              <a:t>:</a:t>
             </a:r>
           </a:p>
           <a:p>
             <a:pPr marL="65088" indent="400050">
               <a:buNone/>
             </a:pPr>
-            <a:r>
-              <a:rPr lang="en-US" b="0">
-                <a:solidFill>
-                  <a:srgbClr val="000000"/>
-                </a:solidFill>
-                <a:latin typeface="+mj-lt"/>
-              </a:rPr>
-              <a:t>jboolean ExceptionCheck(JNIEnv *</a:t>
-            </a:r>
-            <a:r>
-              <a:rPr lang="en-US" b="0">
-                <a:solidFill>
-                  <a:srgbClr val="000000"/>
-                </a:solidFill>
-                <a:latin typeface="+mj-lt"/>
-              </a:rPr>
-              <a:t>env</a:t>
-            </a:r>
-            <a:r>
-              <a:rPr lang="en-US" b="0" smtClean="0">
-                <a:solidFill>
-                  <a:srgbClr val="000000"/>
-                </a:solidFill>
-                <a:latin typeface="+mj-lt"/>
-              </a:rPr>
-              <a:t>);</a:t>
-            </a:r>
             <a:endParaRPr lang="en-US" b="0">
               <a:solidFill>
                 <a:srgbClr val="000000"/>
@@ -21026,16 +20955,54 @@
               <a:buNone/>
             </a:pPr>
             <a:r>
-              <a:rPr lang="en-US" b="0">
+              <a:rPr lang="en-US" sz="2400">
                 <a:solidFill>
                   <a:srgbClr val="000000"/>
                 </a:solidFill>
                 <a:latin typeface="+mj-lt"/>
               </a:rPr>
+              <a:t>jboolean ExceptionCheck(JNIEnv *</a:t>
+            </a:r>
+            <a:r>
+              <a:rPr lang="en-US" sz="2400">
+                <a:solidFill>
+                  <a:srgbClr val="000000"/>
+                </a:solidFill>
+                <a:latin typeface="+mj-lt"/>
+              </a:rPr>
+              <a:t>env</a:t>
+            </a:r>
+            <a:r>
+              <a:rPr lang="en-US" sz="2400" smtClean="0">
+                <a:solidFill>
+                  <a:srgbClr val="000000"/>
+                </a:solidFill>
+                <a:latin typeface="+mj-lt"/>
+              </a:rPr>
+              <a:t>);</a:t>
+            </a:r>
+            <a:endParaRPr lang="en-US" sz="2400">
+              <a:solidFill>
+                <a:srgbClr val="000000"/>
+              </a:solidFill>
+              <a:latin typeface="+mj-lt"/>
+            </a:endParaRPr>
+          </a:p>
+          <a:p>
+            <a:pPr marL="65088" indent="400050">
+              <a:buNone/>
+            </a:pPr>
+            <a:r>
+              <a:rPr lang="en-US" sz="2400">
+                <a:solidFill>
+                  <a:srgbClr val="000000"/>
+                </a:solidFill>
+                <a:latin typeface="+mj-lt"/>
+              </a:rPr>
               <a:t>jthrowable ExceptionOccurred(JNIEnv *</a:t>
             </a:r>
             <a:r>
-              <a:rPr lang="en-US" b="0">
+              <a:rPr lang="en-US" sz="2400">
                 <a:solidFill>
                   <a:srgbClr val="000000"/>
                 </a:solidFill>
@@ -21044,7 +21011,7 @@
               <a:t>env</a:t>
             </a:r>
             <a:r>
-              <a:rPr lang="en-US" b="0" smtClean="0">
+              <a:rPr lang="en-US" sz="2400" smtClean="0">
                 <a:solidFill>
                   <a:srgbClr val="000000"/>
                 </a:solidFill>
@@ -21052,7 +21019,7 @@
               </a:rPr>
               <a:t>);</a:t>
             </a:r>
-            <a:endParaRPr lang="en-US" b="0">
+            <a:endParaRPr lang="en-US" sz="2400">
               <a:solidFill>
                 <a:srgbClr val="000000"/>
               </a:solidFill>
@@ -21175,7 +21142,7 @@
                   <a:reflection blurRad="12700" stA="28000" endPos="45000" dist="1000" dir="5400000" sy="-100000" algn="bl" rotWithShape="0"/>
                 </a:effectLst>
               </a:rPr>
-              <a:t>2.4 bắt các exception</a:t>
+              <a:t>2.5 the invocation api</a:t>
             </a:r>
             <a:endParaRPr lang="en-US" sz="2900" cap="all">
               <a:ln w="9000" cmpd="sng">
@@ -21224,6 +21191,209 @@
       </p:sp>
       <p:sp>
         <p:nvSpPr>
+          <p:cNvPr id="2" name="Content Placeholder 1"/>
+          <p:cNvSpPr>
+            <a:spLocks noGrp="1"/>
+          </p:cNvSpPr>
+          <p:nvPr>
+            <p:ph idx="1"/>
+          </p:nvPr>
+        </p:nvSpPr>
+        <p:spPr>
+          <a:xfrm>
+            <a:off x="457200" y="1447800"/>
+            <a:ext cx="8458200" cy="4800600"/>
+          </a:xfrm>
+        </p:spPr>
+        <p:txBody>
+          <a:bodyPr/>
+          <a:lstStyle/>
+          <a:p>
+            <a:pPr marL="0" indent="457200" algn="just">
+              <a:buClrTx/>
+              <a:buNone/>
+            </a:pPr>
+            <a:r>
+              <a:rPr lang="en-US" b="0" smtClean="0">
+                <a:solidFill>
+                  <a:srgbClr val="000000"/>
+                </a:solidFill>
+              </a:rPr>
+              <a:t>Invocation </a:t>
+            </a:r>
+            <a:r>
+              <a:rPr lang="en-US" b="0">
+                <a:solidFill>
+                  <a:srgbClr val="000000"/>
+                </a:solidFill>
+              </a:rPr>
+              <a:t>API của JVM sẽ </a:t>
+            </a:r>
+            <a:r>
+              <a:rPr lang="en-US" b="0">
+                <a:solidFill>
+                  <a:srgbClr val="000000"/>
+                </a:solidFill>
+              </a:rPr>
+              <a:t>giúp </a:t>
+            </a:r>
+            <a:r>
+              <a:rPr lang="en-US" b="0" smtClean="0">
+                <a:solidFill>
+                  <a:srgbClr val="000000"/>
+                </a:solidFill>
+              </a:rPr>
+              <a:t>chúng </a:t>
+            </a:r>
+            <a:r>
+              <a:rPr lang="en-US" b="0">
+                <a:solidFill>
+                  <a:srgbClr val="000000"/>
+                </a:solidFill>
+              </a:rPr>
+              <a:t>ta tạo một Java Virtual Machine trong chương trình C/C++.</a:t>
+            </a:r>
+          </a:p>
+          <a:p>
+            <a:pPr marL="0" indent="457200" algn="just">
+              <a:buClrTx/>
+              <a:buNone/>
+            </a:pPr>
+            <a:r>
+              <a:rPr lang="en-US" b="0" smtClean="0">
+                <a:solidFill>
+                  <a:srgbClr val="000000"/>
+                </a:solidFill>
+              </a:rPr>
+              <a:t>Hàm </a:t>
+            </a:r>
+            <a:r>
+              <a:rPr lang="en-US" b="0">
+                <a:solidFill>
+                  <a:srgbClr val="000000"/>
+                </a:solidFill>
+              </a:rPr>
+              <a:t>để tạo và hủy máy </a:t>
+            </a:r>
+            <a:r>
+              <a:rPr lang="en-US" b="0">
+                <a:solidFill>
+                  <a:srgbClr val="000000"/>
+                </a:solidFill>
+              </a:rPr>
+              <a:t>ảo </a:t>
+            </a:r>
+            <a:r>
+              <a:rPr lang="en-US" b="0" smtClean="0">
+                <a:solidFill>
+                  <a:srgbClr val="000000"/>
+                </a:solidFill>
+              </a:rPr>
+              <a:t>java trong JNI.</a:t>
+            </a:r>
+          </a:p>
+          <a:p>
+            <a:pPr marL="0" indent="457200" algn="just">
+              <a:buClrTx/>
+              <a:buNone/>
+            </a:pPr>
+            <a:r>
+              <a:rPr lang="en-US" b="0" smtClean="0">
+                <a:solidFill>
+                  <a:srgbClr val="000000"/>
+                </a:solidFill>
+              </a:rPr>
+              <a:t>Tạo:</a:t>
+            </a:r>
+          </a:p>
+          <a:p>
+            <a:pPr marL="0" indent="857250" algn="just">
+              <a:buClrTx/>
+              <a:buNone/>
+            </a:pPr>
+            <a:r>
+              <a:rPr lang="en-US" sz="2400">
+                <a:solidFill>
+                  <a:srgbClr val="000000"/>
+                </a:solidFill>
+              </a:rPr>
+              <a:t>jint JNI_CreateJavaVM(JavaVM** p_jvm, void** p_env, JavaVMInitArgs* </a:t>
+            </a:r>
+            <a:r>
+              <a:rPr lang="en-US" sz="2400">
+                <a:solidFill>
+                  <a:srgbClr val="000000"/>
+                </a:solidFill>
+              </a:rPr>
+              <a:t>vm_args</a:t>
+            </a:r>
+            <a:r>
+              <a:rPr lang="en-US" sz="2400" smtClean="0">
+                <a:solidFill>
+                  <a:srgbClr val="000000"/>
+                </a:solidFill>
+              </a:rPr>
+              <a:t>)</a:t>
+            </a:r>
+          </a:p>
+          <a:p>
+            <a:pPr marL="0" indent="457200" algn="just">
+              <a:buClrTx/>
+              <a:buNone/>
+            </a:pPr>
+            <a:r>
+              <a:rPr lang="en-US" b="0" smtClean="0">
+                <a:solidFill>
+                  <a:srgbClr val="000000"/>
+                </a:solidFill>
+              </a:rPr>
+              <a:t>Hủy:</a:t>
+            </a:r>
+            <a:endParaRPr lang="en-US" b="0">
+              <a:solidFill>
+                <a:srgbClr val="000000"/>
+              </a:solidFill>
+            </a:endParaRPr>
+          </a:p>
+          <a:p>
+            <a:pPr marL="0" indent="914400" algn="just">
+              <a:buClrTx/>
+              <a:buNone/>
+            </a:pPr>
+            <a:r>
+              <a:rPr lang="en-US" sz="2400">
+                <a:solidFill>
+                  <a:srgbClr val="000000"/>
+                </a:solidFill>
+              </a:rPr>
+              <a:t>jint DestroyJavaVM(JavaVM* jvm)</a:t>
+            </a:r>
+          </a:p>
+          <a:p>
+            <a:pPr marL="0" indent="457200" algn="just">
+              <a:buClrTx/>
+              <a:buNone/>
+            </a:pPr>
+            <a:endParaRPr lang="en-US" b="0">
+              <a:solidFill>
+                <a:srgbClr val="000000"/>
+              </a:solidFill>
+            </a:endParaRPr>
+          </a:p>
+          <a:p>
+            <a:pPr algn="just">
+              <a:buClrTx/>
+            </a:pPr>
+            <a:endParaRPr lang="en-US">
+              <a:solidFill>
+                <a:srgbClr val="000000"/>
+              </a:solidFill>
+            </a:endParaRPr>
+          </a:p>
+        </p:txBody>
+      </p:sp>
+      <p:sp>
+        <p:nvSpPr>
           <p:cNvPr id="4" name="Footer Placeholder 3"/>
           <p:cNvSpPr>
             <a:spLocks noGrp="1"/>
@@ -21274,43 +21444,10 @@
           </a:p>
         </p:txBody>
       </p:sp>
-      <p:sp>
-        <p:nvSpPr>
-          <p:cNvPr id="5" name="Content Placeholder 2"/>
-          <p:cNvSpPr>
-            <a:spLocks noGrp="1"/>
-          </p:cNvSpPr>
-          <p:nvPr>
-            <p:ph idx="1"/>
-          </p:nvPr>
-        </p:nvSpPr>
-        <p:spPr>
-          <a:xfrm>
-            <a:off x="457200" y="1447800"/>
-            <a:ext cx="8458200" cy="4800600"/>
-          </a:xfrm>
-        </p:spPr>
-        <p:txBody>
-          <a:bodyPr/>
-          <a:lstStyle/>
-          <a:p>
-            <a:pPr>
-              <a:buClrTx/>
-              <a:buFont typeface="Wingdings" pitchFamily="2" charset="2"/>
-              <a:buChar char="q"/>
-            </a:pPr>
-            <a:endParaRPr lang="en-US" b="0">
-              <a:solidFill>
-                <a:srgbClr val="000000"/>
-              </a:solidFill>
-            </a:endParaRPr>
-          </a:p>
-        </p:txBody>
-      </p:sp>
     </p:spTree>
     <p:extLst>
       <p:ext uri="{BB962C8B-B14F-4D97-AF65-F5344CB8AC3E}">
-        <p14:creationId xmlns:p14="http://schemas.microsoft.com/office/powerpoint/2010/main" val="2772262450"/>
+        <p14:creationId xmlns:p14="http://schemas.microsoft.com/office/powerpoint/2010/main" val="618163558"/>
       </p:ext>
     </p:extLst>
   </p:cSld>
@@ -21409,7 +21546,7 @@
                   <a:reflection blurRad="12700" stA="28000" endPos="45000" dist="1000" dir="5400000" sy="-100000" algn="bl" rotWithShape="0"/>
                 </a:effectLst>
               </a:rPr>
-              <a:t>2.5 the invocation api</a:t>
+              <a:t>2.6 demo Hello world</a:t>
             </a:r>
             <a:endParaRPr lang="en-US" sz="2900" cap="all">
               <a:ln w="9000" cmpd="sng">
@@ -21458,209 +21595,6 @@
       </p:sp>
       <p:sp>
         <p:nvSpPr>
-          <p:cNvPr id="2" name="Content Placeholder 1"/>
-          <p:cNvSpPr>
-            <a:spLocks noGrp="1"/>
-          </p:cNvSpPr>
-          <p:nvPr>
-            <p:ph idx="1"/>
-          </p:nvPr>
-        </p:nvSpPr>
-        <p:spPr>
-          <a:xfrm>
-            <a:off x="457200" y="1447800"/>
-            <a:ext cx="8458200" cy="4800600"/>
-          </a:xfrm>
-        </p:spPr>
-        <p:txBody>
-          <a:bodyPr/>
-          <a:lstStyle/>
-          <a:p>
-            <a:pPr marL="0" indent="457200" algn="just">
-              <a:buClrTx/>
-              <a:buNone/>
-            </a:pPr>
-            <a:r>
-              <a:rPr lang="en-US" b="0" smtClean="0">
-                <a:solidFill>
-                  <a:srgbClr val="000000"/>
-                </a:solidFill>
-              </a:rPr>
-              <a:t>Invocation </a:t>
-            </a:r>
-            <a:r>
-              <a:rPr lang="en-US" b="0">
-                <a:solidFill>
-                  <a:srgbClr val="000000"/>
-                </a:solidFill>
-              </a:rPr>
-              <a:t>API của JVM sẽ </a:t>
-            </a:r>
-            <a:r>
-              <a:rPr lang="en-US" b="0">
-                <a:solidFill>
-                  <a:srgbClr val="000000"/>
-                </a:solidFill>
-              </a:rPr>
-              <a:t>giúp </a:t>
-            </a:r>
-            <a:r>
-              <a:rPr lang="en-US" b="0" smtClean="0">
-                <a:solidFill>
-                  <a:srgbClr val="000000"/>
-                </a:solidFill>
-              </a:rPr>
-              <a:t>chúng </a:t>
-            </a:r>
-            <a:r>
-              <a:rPr lang="en-US" b="0">
-                <a:solidFill>
-                  <a:srgbClr val="000000"/>
-                </a:solidFill>
-              </a:rPr>
-              <a:t>ta tạo một Java Virtual Machine trong chương trình C/C++.</a:t>
-            </a:r>
-          </a:p>
-          <a:p>
-            <a:pPr marL="0" indent="457200" algn="just">
-              <a:buClrTx/>
-              <a:buNone/>
-            </a:pPr>
-            <a:r>
-              <a:rPr lang="en-US" b="0" smtClean="0">
-                <a:solidFill>
-                  <a:srgbClr val="000000"/>
-                </a:solidFill>
-              </a:rPr>
-              <a:t>Hàm </a:t>
-            </a:r>
-            <a:r>
-              <a:rPr lang="en-US" b="0">
-                <a:solidFill>
-                  <a:srgbClr val="000000"/>
-                </a:solidFill>
-              </a:rPr>
-              <a:t>để tạo và hủy máy </a:t>
-            </a:r>
-            <a:r>
-              <a:rPr lang="en-US" b="0">
-                <a:solidFill>
-                  <a:srgbClr val="000000"/>
-                </a:solidFill>
-              </a:rPr>
-              <a:t>ảo </a:t>
-            </a:r>
-            <a:r>
-              <a:rPr lang="en-US" b="0" smtClean="0">
-                <a:solidFill>
-                  <a:srgbClr val="000000"/>
-                </a:solidFill>
-              </a:rPr>
-              <a:t>java trong JNI.</a:t>
-            </a:r>
-          </a:p>
-          <a:p>
-            <a:pPr marL="0" indent="457200" algn="just">
-              <a:buClrTx/>
-              <a:buNone/>
-            </a:pPr>
-            <a:r>
-              <a:rPr lang="en-US" b="0" smtClean="0">
-                <a:solidFill>
-                  <a:srgbClr val="000000"/>
-                </a:solidFill>
-              </a:rPr>
-              <a:t>Tạo:</a:t>
-            </a:r>
-          </a:p>
-          <a:p>
-            <a:pPr marL="0" indent="857250" algn="just">
-              <a:buClrTx/>
-              <a:buNone/>
-            </a:pPr>
-            <a:r>
-              <a:rPr lang="en-US" sz="2400">
-                <a:solidFill>
-                  <a:srgbClr val="000000"/>
-                </a:solidFill>
-              </a:rPr>
-              <a:t>jint JNI_CreateJavaVM(JavaVM** p_jvm, void** p_env, JavaVMInitArgs* </a:t>
-            </a:r>
-            <a:r>
-              <a:rPr lang="en-US" sz="2400">
-                <a:solidFill>
-                  <a:srgbClr val="000000"/>
-                </a:solidFill>
-              </a:rPr>
-              <a:t>vm_args</a:t>
-            </a:r>
-            <a:r>
-              <a:rPr lang="en-US" sz="2400" smtClean="0">
-                <a:solidFill>
-                  <a:srgbClr val="000000"/>
-                </a:solidFill>
-              </a:rPr>
-              <a:t>)</a:t>
-            </a:r>
-          </a:p>
-          <a:p>
-            <a:pPr marL="0" indent="457200" algn="just">
-              <a:buClrTx/>
-              <a:buNone/>
-            </a:pPr>
-            <a:r>
-              <a:rPr lang="en-US" b="0" smtClean="0">
-                <a:solidFill>
-                  <a:srgbClr val="000000"/>
-                </a:solidFill>
-              </a:rPr>
-              <a:t>Hủy:</a:t>
-            </a:r>
-            <a:endParaRPr lang="en-US" b="0">
-              <a:solidFill>
-                <a:srgbClr val="000000"/>
-              </a:solidFill>
-            </a:endParaRPr>
-          </a:p>
-          <a:p>
-            <a:pPr marL="0" indent="914400" algn="just">
-              <a:buClrTx/>
-              <a:buNone/>
-            </a:pPr>
-            <a:r>
-              <a:rPr lang="en-US" sz="2400">
-                <a:solidFill>
-                  <a:srgbClr val="000000"/>
-                </a:solidFill>
-              </a:rPr>
-              <a:t>jint DestroyJavaVM(JavaVM* jvm)</a:t>
-            </a:r>
-          </a:p>
-          <a:p>
-            <a:pPr marL="0" indent="457200" algn="just">
-              <a:buClrTx/>
-              <a:buNone/>
-            </a:pPr>
-            <a:endParaRPr lang="en-US" b="0">
-              <a:solidFill>
-                <a:srgbClr val="000000"/>
-              </a:solidFill>
-            </a:endParaRPr>
-          </a:p>
-          <a:p>
-            <a:pPr algn="just">
-              <a:buClrTx/>
-            </a:pPr>
-            <a:endParaRPr lang="en-US">
-              <a:solidFill>
-                <a:srgbClr val="000000"/>
-              </a:solidFill>
-            </a:endParaRPr>
-          </a:p>
-        </p:txBody>
-      </p:sp>
-      <p:sp>
-        <p:nvSpPr>
           <p:cNvPr id="4" name="Footer Placeholder 3"/>
           <p:cNvSpPr>
             <a:spLocks noGrp="1"/>
@@ -21711,10 +21645,86 @@
           </a:p>
         </p:txBody>
       </p:sp>
+      <p:sp>
+        <p:nvSpPr>
+          <p:cNvPr id="7" name="Content Placeholder 1"/>
+          <p:cNvSpPr>
+            <a:spLocks noGrp="1"/>
+          </p:cNvSpPr>
+          <p:nvPr>
+            <p:ph idx="1"/>
+          </p:nvPr>
+        </p:nvSpPr>
+        <p:spPr>
+          <a:xfrm>
+            <a:off x="457200" y="1447800"/>
+            <a:ext cx="8229600" cy="4800600"/>
+          </a:xfrm>
+        </p:spPr>
+        <p:txBody>
+          <a:bodyPr/>
+          <a:lstStyle/>
+          <a:p>
+            <a:pPr marL="0" lvl="0" indent="0" algn="ctr">
+              <a:buNone/>
+            </a:pPr>
+            <a:r>
+              <a:rPr lang="en-US" smtClean="0">
+                <a:solidFill>
+                  <a:srgbClr val="000000"/>
+                </a:solidFill>
+              </a:rPr>
+              <a:t>Mời mọi người cùng xem clip</a:t>
+            </a:r>
+          </a:p>
+        </p:txBody>
+      </p:sp>
+      <p:sp>
+        <p:nvSpPr>
+          <p:cNvPr id="9" name="7-Point Star 8"/>
+          <p:cNvSpPr/>
+          <p:nvPr/>
+        </p:nvSpPr>
+        <p:spPr>
+          <a:xfrm>
+            <a:off x="3124200" y="3031671"/>
+            <a:ext cx="2819400" cy="2073729"/>
+          </a:xfrm>
+          <a:prstGeom prst="star7">
+            <a:avLst/>
+          </a:prstGeom>
+        </p:spPr>
+        <p:style>
+          <a:lnRef idx="3">
+            <a:schemeClr val="lt1"/>
+          </a:lnRef>
+          <a:fillRef idx="1">
+            <a:schemeClr val="accent4"/>
+          </a:fillRef>
+          <a:effectRef idx="1">
+            <a:schemeClr val="accent4"/>
+          </a:effectRef>
+          <a:fontRef idx="minor">
+            <a:schemeClr val="lt1"/>
+          </a:fontRef>
+        </p:style>
+        <p:txBody>
+          <a:bodyPr rtlCol="0" anchor="ctr"/>
+          <a:lstStyle/>
+          <a:p>
+            <a:pPr algn="ctr"/>
+            <a:r>
+              <a:rPr lang="en-US" sz="2800" b="1" smtClean="0"/>
+              <a:t>Demo</a:t>
+            </a:r>
+            <a:endParaRPr lang="en-US" b="1"/>
+          </a:p>
+        </p:txBody>
+      </p:sp>
     </p:spTree>
     <p:extLst>
       <p:ext uri="{BB962C8B-B14F-4D97-AF65-F5344CB8AC3E}">
-        <p14:creationId xmlns:p14="http://schemas.microsoft.com/office/powerpoint/2010/main" val="618163558"/>
+        <p14:creationId xmlns:p14="http://schemas.microsoft.com/office/powerpoint/2010/main" val="937288250"/>
       </p:ext>
     </p:extLst>
   </p:cSld>
@@ -21813,7 +21823,7 @@
                   <a:reflection blurRad="12700" stA="28000" endPos="45000" dist="1000" dir="5400000" sy="-100000" algn="bl" rotWithShape="0"/>
                 </a:effectLst>
               </a:rPr>
-              <a:t>2.6 demo Hello world</a:t>
+              <a:t>3 Java native access</a:t>
             </a:r>
             <a:endParaRPr lang="en-US" sz="2900" cap="all">
               <a:ln w="9000" cmpd="sng">
@@ -21862,6 +21872,139 @@
       </p:sp>
       <p:sp>
         <p:nvSpPr>
+          <p:cNvPr id="2" name="Content Placeholder 1"/>
+          <p:cNvSpPr>
+            <a:spLocks noGrp="1"/>
+          </p:cNvSpPr>
+          <p:nvPr>
+            <p:ph idx="1"/>
+          </p:nvPr>
+        </p:nvSpPr>
+        <p:spPr>
+          <a:xfrm>
+            <a:off x="457200" y="1447800"/>
+            <a:ext cx="8534400" cy="4800600"/>
+          </a:xfrm>
+        </p:spPr>
+        <p:txBody>
+          <a:bodyPr/>
+          <a:lstStyle/>
+          <a:p>
+            <a:pPr marL="0" lvl="0" indent="512763" algn="just">
+              <a:buClr>
+                <a:srgbClr val="000000"/>
+              </a:buClr>
+              <a:buNone/>
+            </a:pPr>
+            <a:r>
+              <a:rPr lang="en-US" b="0" smtClean="0">
+                <a:solidFill>
+                  <a:srgbClr val="000000"/>
+                </a:solidFill>
+                <a:latin typeface="+mj-lt"/>
+              </a:rPr>
+              <a:t>Java </a:t>
+            </a:r>
+            <a:r>
+              <a:rPr lang="en-US" b="0">
+                <a:solidFill>
+                  <a:srgbClr val="000000"/>
+                </a:solidFill>
+                <a:latin typeface="+mj-lt"/>
+              </a:rPr>
+              <a:t>Native </a:t>
+            </a:r>
+            <a:r>
+              <a:rPr lang="en-US" b="0" smtClean="0">
+                <a:solidFill>
+                  <a:srgbClr val="000000"/>
+                </a:solidFill>
+                <a:latin typeface="+mj-lt"/>
+              </a:rPr>
+              <a:t>Access (JNA) </a:t>
+            </a:r>
+            <a:r>
+              <a:rPr lang="en-US" b="0">
+                <a:solidFill>
+                  <a:srgbClr val="000000"/>
+                </a:solidFill>
+                <a:latin typeface="+mj-lt"/>
+              </a:rPr>
+              <a:t>là một phần mở rộng của Java cho phép sử dụng các API bao gồm các tập tin thư viện động DLL trong Windows. </a:t>
+            </a:r>
+          </a:p>
+          <a:p>
+            <a:pPr marL="0" lvl="0" indent="512763" algn="just">
+              <a:buClr>
+                <a:srgbClr val="000000"/>
+              </a:buClr>
+              <a:buNone/>
+            </a:pPr>
+            <a:r>
+              <a:rPr lang="en-US" b="0">
+                <a:solidFill>
+                  <a:srgbClr val="000000"/>
+                </a:solidFill>
+                <a:latin typeface="+mj-lt"/>
+              </a:rPr>
+              <a:t>JNA </a:t>
+            </a:r>
+            <a:r>
+              <a:rPr lang="en-US" b="0" smtClean="0">
+                <a:solidFill>
+                  <a:srgbClr val="000000"/>
+                </a:solidFill>
+                <a:latin typeface="+mj-lt"/>
+              </a:rPr>
+              <a:t>hỗ trợ </a:t>
+            </a:r>
+            <a:r>
+              <a:rPr lang="en-US" b="0">
+                <a:solidFill>
+                  <a:srgbClr val="000000"/>
+                </a:solidFill>
+                <a:latin typeface="+mj-lt"/>
+              </a:rPr>
+              <a:t>chương trình Java </a:t>
+            </a:r>
+            <a:r>
+              <a:rPr lang="en-US" b="0" smtClean="0">
+                <a:solidFill>
+                  <a:srgbClr val="000000"/>
+                </a:solidFill>
+                <a:latin typeface="+mj-lt"/>
+              </a:rPr>
+              <a:t>dễ </a:t>
+            </a:r>
+            <a:r>
+              <a:rPr lang="en-US" b="0">
+                <a:solidFill>
+                  <a:srgbClr val="000000"/>
+                </a:solidFill>
+                <a:latin typeface="+mj-lt"/>
+              </a:rPr>
+              <a:t>dàng truy cập đến các thư viện được chia sẽ mà không cần sử dụng JNI </a:t>
+            </a:r>
+            <a:r>
+              <a:rPr lang="en-US" b="0" smtClean="0">
+                <a:solidFill>
+                  <a:srgbClr val="000000"/>
+                </a:solidFill>
+                <a:latin typeface="+mj-lt"/>
+              </a:rPr>
+              <a:t>.</a:t>
+            </a:r>
+            <a:endParaRPr lang="en-US" b="0">
+              <a:solidFill>
+                <a:srgbClr val="000000"/>
+              </a:solidFill>
+              <a:latin typeface="+mj-lt"/>
+            </a:endParaRPr>
+          </a:p>
+        </p:txBody>
+      </p:sp>
+      <p:sp>
+        <p:nvSpPr>
           <p:cNvPr id="4" name="Footer Placeholder 3"/>
           <p:cNvSpPr>
             <a:spLocks noGrp="1"/>
@@ -21912,86 +22055,10 @@
           </a:p>
         </p:txBody>
       </p:sp>
-      <p:sp>
-        <p:nvSpPr>
-          <p:cNvPr id="7" name="Content Placeholder 1"/>
-          <p:cNvSpPr>
-            <a:spLocks noGrp="1"/>
-          </p:cNvSpPr>
-          <p:nvPr>
-            <p:ph idx="1"/>
-          </p:nvPr>
-        </p:nvSpPr>
-        <p:spPr>
-          <a:xfrm>
-            <a:off x="457200" y="1447800"/>
-            <a:ext cx="8229600" cy="4800600"/>
-          </a:xfrm>
-        </p:spPr>
-        <p:txBody>
-          <a:bodyPr/>
-          <a:lstStyle/>
-          <a:p>
-            <a:pPr marL="0" lvl="0" indent="0" algn="ctr">
-              <a:buNone/>
-            </a:pPr>
-            <a:r>
-              <a:rPr lang="en-US" smtClean="0">
-                <a:solidFill>
-                  <a:srgbClr val="000000"/>
-                </a:solidFill>
-              </a:rPr>
-              <a:t>Mời mọi người cùng xem clip</a:t>
-            </a:r>
-          </a:p>
-        </p:txBody>
-      </p:sp>
-      <p:sp>
-        <p:nvSpPr>
-          <p:cNvPr id="9" name="7-Point Star 8"/>
-          <p:cNvSpPr/>
-          <p:nvPr/>
-        </p:nvSpPr>
-        <p:spPr>
-          <a:xfrm>
-            <a:off x="3124200" y="3031671"/>
-            <a:ext cx="2819400" cy="2073729"/>
-          </a:xfrm>
-          <a:prstGeom prst="star7">
-            <a:avLst/>
-          </a:prstGeom>
-        </p:spPr>
-        <p:style>
-          <a:lnRef idx="3">
-            <a:schemeClr val="lt1"/>
-          </a:lnRef>
-          <a:fillRef idx="1">
-            <a:schemeClr val="accent4"/>
-          </a:fillRef>
-          <a:effectRef idx="1">
-            <a:schemeClr val="accent4"/>
-          </a:effectRef>
-          <a:fontRef idx="minor">
-            <a:schemeClr val="lt1"/>
-          </a:fontRef>
-        </p:style>
-        <p:txBody>
-          <a:bodyPr rtlCol="0" anchor="ctr"/>
-          <a:lstStyle/>
-          <a:p>
-            <a:pPr algn="ctr"/>
-            <a:r>
-              <a:rPr lang="en-US" sz="2800" b="1" smtClean="0"/>
-              <a:t>Demo</a:t>
-            </a:r>
-            <a:endParaRPr lang="en-US" b="1"/>
-          </a:p>
-        </p:txBody>
-      </p:sp>
     </p:spTree>
     <p:extLst>
       <p:ext uri="{BB962C8B-B14F-4D97-AF65-F5344CB8AC3E}">
-        <p14:creationId xmlns:p14="http://schemas.microsoft.com/office/powerpoint/2010/main" val="937288250"/>
+        <p14:creationId xmlns:p14="http://schemas.microsoft.com/office/powerpoint/2010/main" val="3797964774"/>
       </p:ext>
     </p:extLst>
   </p:cSld>
@@ -22090,7 +22157,7 @@
                   <a:reflection blurRad="12700" stA="28000" endPos="45000" dist="1000" dir="5400000" sy="-100000" algn="bl" rotWithShape="0"/>
                 </a:effectLst>
               </a:rPr>
-              <a:t>3 Java native access</a:t>
+              <a:t>3. Demo Hello world với JNA</a:t>
             </a:r>
             <a:endParaRPr lang="en-US" sz="2900" cap="all">
               <a:ln w="9000" cmpd="sng">
@@ -22139,139 +22206,6 @@
       </p:sp>
       <p:sp>
         <p:nvSpPr>
-          <p:cNvPr id="2" name="Content Placeholder 1"/>
-          <p:cNvSpPr>
-            <a:spLocks noGrp="1"/>
-          </p:cNvSpPr>
-          <p:nvPr>
-            <p:ph idx="1"/>
-          </p:nvPr>
-        </p:nvSpPr>
-        <p:spPr>
-          <a:xfrm>
-            <a:off x="457200" y="1447800"/>
-            <a:ext cx="8534400" cy="4800600"/>
-          </a:xfrm>
-        </p:spPr>
-        <p:txBody>
-          <a:bodyPr/>
-          <a:lstStyle/>
-          <a:p>
-            <a:pPr marL="0" lvl="0" indent="512763" algn="just">
-              <a:buClr>
-                <a:srgbClr val="000000"/>
-              </a:buClr>
-              <a:buNone/>
-            </a:pPr>
-            <a:r>
-              <a:rPr lang="en-US" b="0" smtClean="0">
-                <a:solidFill>
-                  <a:srgbClr val="000000"/>
-                </a:solidFill>
-                <a:latin typeface="+mj-lt"/>
-              </a:rPr>
-              <a:t>Java </a:t>
-            </a:r>
-            <a:r>
-              <a:rPr lang="en-US" b="0">
-                <a:solidFill>
-                  <a:srgbClr val="000000"/>
-                </a:solidFill>
-                <a:latin typeface="+mj-lt"/>
-              </a:rPr>
-              <a:t>Native </a:t>
-            </a:r>
-            <a:r>
-              <a:rPr lang="en-US" b="0" smtClean="0">
-                <a:solidFill>
-                  <a:srgbClr val="000000"/>
-                </a:solidFill>
-                <a:latin typeface="+mj-lt"/>
-              </a:rPr>
-              <a:t>Access (JNA) </a:t>
-            </a:r>
-            <a:r>
-              <a:rPr lang="en-US" b="0">
-                <a:solidFill>
-                  <a:srgbClr val="000000"/>
-                </a:solidFill>
-                <a:latin typeface="+mj-lt"/>
-              </a:rPr>
-              <a:t>là một phần mở rộng của Java cho phép sử dụng các API bao gồm các tập tin thư viện động DLL trong Windows. </a:t>
-            </a:r>
-          </a:p>
-          <a:p>
-            <a:pPr marL="0" lvl="0" indent="512763" algn="just">
-              <a:buClr>
-                <a:srgbClr val="000000"/>
-              </a:buClr>
-              <a:buNone/>
-            </a:pPr>
-            <a:r>
-              <a:rPr lang="en-US" b="0">
-                <a:solidFill>
-                  <a:srgbClr val="000000"/>
-                </a:solidFill>
-                <a:latin typeface="+mj-lt"/>
-              </a:rPr>
-              <a:t>JNA </a:t>
-            </a:r>
-            <a:r>
-              <a:rPr lang="en-US" b="0" smtClean="0">
-                <a:solidFill>
-                  <a:srgbClr val="000000"/>
-                </a:solidFill>
-                <a:latin typeface="+mj-lt"/>
-              </a:rPr>
-              <a:t>hỗ trợ </a:t>
-            </a:r>
-            <a:r>
-              <a:rPr lang="en-US" b="0">
-                <a:solidFill>
-                  <a:srgbClr val="000000"/>
-                </a:solidFill>
-                <a:latin typeface="+mj-lt"/>
-              </a:rPr>
-              <a:t>chương trình Java </a:t>
-            </a:r>
-            <a:r>
-              <a:rPr lang="en-US" b="0" smtClean="0">
-                <a:solidFill>
-                  <a:srgbClr val="000000"/>
-                </a:solidFill>
-                <a:latin typeface="+mj-lt"/>
-              </a:rPr>
-              <a:t>dễ </a:t>
-            </a:r>
-            <a:r>
-              <a:rPr lang="en-US" b="0">
-                <a:solidFill>
-                  <a:srgbClr val="000000"/>
-                </a:solidFill>
-                <a:latin typeface="+mj-lt"/>
-              </a:rPr>
-              <a:t>dàng truy cập đến các thư viện được chia sẽ mà không cần sử dụng JNI </a:t>
-            </a:r>
-            <a:r>
-              <a:rPr lang="en-US" b="0" smtClean="0">
-                <a:solidFill>
-                  <a:srgbClr val="000000"/>
-                </a:solidFill>
-                <a:latin typeface="+mj-lt"/>
-              </a:rPr>
-              <a:t>.</a:t>
-            </a:r>
-            <a:endParaRPr lang="en-US" b="0">
-              <a:solidFill>
-                <a:srgbClr val="000000"/>
-              </a:solidFill>
-              <a:latin typeface="+mj-lt"/>
-            </a:endParaRPr>
-          </a:p>
-        </p:txBody>
-      </p:sp>
-      <p:sp>
-        <p:nvSpPr>
           <p:cNvPr id="4" name="Footer Placeholder 3"/>
           <p:cNvSpPr>
             <a:spLocks noGrp="1"/>
@@ -22322,10 +22256,86 @@
           </a:p>
         </p:txBody>
       </p:sp>
+      <p:sp>
+        <p:nvSpPr>
+          <p:cNvPr id="7" name="Content Placeholder 1"/>
+          <p:cNvSpPr>
+            <a:spLocks noGrp="1"/>
+          </p:cNvSpPr>
+          <p:nvPr>
+            <p:ph idx="1"/>
+          </p:nvPr>
+        </p:nvSpPr>
+        <p:spPr>
+          <a:xfrm>
+            <a:off x="457200" y="1447800"/>
+            <a:ext cx="8229600" cy="4800600"/>
+          </a:xfrm>
+        </p:spPr>
+        <p:txBody>
+          <a:bodyPr/>
+          <a:lstStyle/>
+          <a:p>
+            <a:pPr marL="0" lvl="0" indent="0" algn="ctr">
+              <a:buNone/>
+            </a:pPr>
+            <a:r>
+              <a:rPr lang="en-US" smtClean="0">
+                <a:solidFill>
+                  <a:srgbClr val="000000"/>
+                </a:solidFill>
+              </a:rPr>
+              <a:t>Mời mọi người cùng xem clip</a:t>
+            </a:r>
+          </a:p>
+        </p:txBody>
+      </p:sp>
+      <p:sp>
+        <p:nvSpPr>
+          <p:cNvPr id="9" name="7-Point Star 8"/>
+          <p:cNvSpPr/>
+          <p:nvPr/>
+        </p:nvSpPr>
+        <p:spPr>
+          <a:xfrm>
+            <a:off x="3124200" y="3031671"/>
+            <a:ext cx="2819400" cy="2073729"/>
+          </a:xfrm>
+          <a:prstGeom prst="star7">
+            <a:avLst/>
+          </a:prstGeom>
+        </p:spPr>
+        <p:style>
+          <a:lnRef idx="3">
+            <a:schemeClr val="lt1"/>
+          </a:lnRef>
+          <a:fillRef idx="1">
+            <a:schemeClr val="accent4"/>
+          </a:fillRef>
+          <a:effectRef idx="1">
+            <a:schemeClr val="accent4"/>
+          </a:effectRef>
+          <a:fontRef idx="minor">
+            <a:schemeClr val="lt1"/>
+          </a:fontRef>
+        </p:style>
+        <p:txBody>
+          <a:bodyPr rtlCol="0" anchor="ctr"/>
+          <a:lstStyle/>
+          <a:p>
+            <a:pPr algn="ctr"/>
+            <a:r>
+              <a:rPr lang="en-US" sz="2800" b="1" smtClean="0"/>
+              <a:t>Demo</a:t>
+            </a:r>
+            <a:endParaRPr lang="en-US" b="1"/>
+          </a:p>
+        </p:txBody>
+      </p:sp>
     </p:spTree>
     <p:extLst>
       <p:ext uri="{BB962C8B-B14F-4D97-AF65-F5344CB8AC3E}">
-        <p14:creationId xmlns:p14="http://schemas.microsoft.com/office/powerpoint/2010/main" val="3797964774"/>
+        <p14:creationId xmlns:p14="http://schemas.microsoft.com/office/powerpoint/2010/main" val="936051198"/>
       </p:ext>
     </p:extLst>
   </p:cSld>
@@ -22826,7 +22836,7 @@
                   <a:reflection blurRad="12700" stA="28000" endPos="45000" dist="1000" dir="5400000" sy="-100000" algn="bl" rotWithShape="0"/>
                 </a:effectLst>
               </a:rPr>
-              <a:t>3. Demo Hello world với JNA</a:t>
+              <a:t>4 demo ứng dụng thao tác registry</a:t>
             </a:r>
             <a:endParaRPr lang="en-US" sz="2900" cap="all">
               <a:ln w="9000" cmpd="sng">
@@ -22875,6 +22885,35 @@
       </p:sp>
       <p:sp>
         <p:nvSpPr>
+          <p:cNvPr id="2" name="Content Placeholder 1"/>
+          <p:cNvSpPr>
+            <a:spLocks noGrp="1"/>
+          </p:cNvSpPr>
+          <p:nvPr>
+            <p:ph idx="1"/>
+          </p:nvPr>
+        </p:nvSpPr>
+        <p:spPr/>
+        <p:txBody>
+          <a:bodyPr/>
+          <a:lstStyle/>
+          <a:p>
+            <a:pPr marL="0" lvl="0" indent="0" algn="ctr">
+              <a:buNone/>
+            </a:pPr>
+            <a:r>
+              <a:rPr lang="en-US" smtClean="0">
+                <a:solidFill>
+                  <a:srgbClr val="000000"/>
+                </a:solidFill>
+              </a:rPr>
+              <a:t>Mời mọi người cùng xem clip</a:t>
+            </a:r>
+          </a:p>
+        </p:txBody>
+      </p:sp>
+      <p:sp>
+        <p:nvSpPr>
           <p:cNvPr id="4" name="Footer Placeholder 3"/>
           <p:cNvSpPr>
             <a:spLocks noGrp="1"/>
@@ -22883,7 +22922,12 @@
             <p:ph type="ftr" sz="quarter" idx="11"/>
           </p:nvPr>
         </p:nvSpPr>
-        <p:spPr/>
+        <p:spPr>
+          <a:xfrm>
+            <a:off x="7162800" y="152400"/>
+            <a:ext cx="1752600" cy="228600"/>
+          </a:xfrm>
+        </p:spPr>
         <p:txBody>
           <a:bodyPr/>
           <a:lstStyle/>
@@ -22920,317 +22964,6 @@
               <a:rPr lang="en-US" sz="2000" smtClean="0"/>
               <a:pPr/>
               <a:t>30</a:t>
-            </a:fld>
-            <a:endParaRPr lang="en-US" sz="2000"/>
-          </a:p>
-        </p:txBody>
-      </p:sp>
-      <p:sp>
-        <p:nvSpPr>
-          <p:cNvPr id="7" name="Content Placeholder 1"/>
-          <p:cNvSpPr>
-            <a:spLocks noGrp="1"/>
-          </p:cNvSpPr>
-          <p:nvPr>
-            <p:ph idx="1"/>
-          </p:nvPr>
-        </p:nvSpPr>
-        <p:spPr>
-          <a:xfrm>
-            <a:off x="457200" y="1447800"/>
-            <a:ext cx="8229600" cy="4800600"/>
-          </a:xfrm>
-        </p:spPr>
-        <p:txBody>
-          <a:bodyPr/>
-          <a:lstStyle/>
-          <a:p>
-            <a:pPr marL="0" lvl="0" indent="0" algn="ctr">
-              <a:buNone/>
-            </a:pPr>
-            <a:r>
-              <a:rPr lang="en-US" smtClean="0">
-                <a:solidFill>
-                  <a:srgbClr val="000000"/>
-                </a:solidFill>
-              </a:rPr>
-              <a:t>Mời mọi người cùng xem clip</a:t>
-            </a:r>
-          </a:p>
-        </p:txBody>
-      </p:sp>
-      <p:sp>
-        <p:nvSpPr>
-          <p:cNvPr id="9" name="7-Point Star 8"/>
-          <p:cNvSpPr/>
-          <p:nvPr/>
-        </p:nvSpPr>
-        <p:spPr>
-          <a:xfrm>
-            <a:off x="3124200" y="3031671"/>
-            <a:ext cx="2819400" cy="2073729"/>
-          </a:xfrm>
-          <a:prstGeom prst="star7">
-            <a:avLst/>
-          </a:prstGeom>
-        </p:spPr>
-        <p:style>
-          <a:lnRef idx="3">
-            <a:schemeClr val="lt1"/>
-          </a:lnRef>
-          <a:fillRef idx="1">
-            <a:schemeClr val="accent4"/>
-          </a:fillRef>
-          <a:effectRef idx="1">
-            <a:schemeClr val="accent4"/>
-          </a:effectRef>
-          <a:fontRef idx="minor">
-            <a:schemeClr val="lt1"/>
-          </a:fontRef>
-        </p:style>
-        <p:txBody>
-          <a:bodyPr rtlCol="0" anchor="ctr"/>
-          <a:lstStyle/>
-          <a:p>
-            <a:pPr algn="ctr"/>
-            <a:r>
-              <a:rPr lang="en-US" sz="2800" b="1" smtClean="0"/>
-              <a:t>Demo</a:t>
-            </a:r>
-            <a:endParaRPr lang="en-US" b="1"/>
-          </a:p>
-        </p:txBody>
-      </p:sp>
-    </p:spTree>
-    <p:extLst>
-      <p:ext uri="{BB962C8B-B14F-4D97-AF65-F5344CB8AC3E}">
-        <p14:creationId xmlns:p14="http://schemas.microsoft.com/office/powerpoint/2010/main" val="936051198"/>
-      </p:ext>
-    </p:extLst>
-  </p:cSld>
-  <p:clrMapOvr>
-    <a:masterClrMapping/>
-  </p:clrMapOvr>
-  <p:timing>
-    <p:tnLst>
-      <p:par>
-        <p:cTn id="1" dur="indefinite" restart="never" nodeType="tmRoot"/>
-      </p:par>
-    </p:tnLst>
-  </p:timing>
-</p:sld>
-</file>
-
-<file path=ppt/slides/slide31.xml><?xml version="1.0" encoding="utf-8"?>
-<p:sld xmlns:a="http://schemas.openxmlformats.org/drawingml/2006/main" xmlns:r="http://schemas.openxmlformats.org/officeDocument/2006/relationships" xmlns:p="http://schemas.openxmlformats.org/presentationml/2006/main">
-  <p:cSld>
-    <p:spTree>
-      <p:nvGrpSpPr>
-        <p:cNvPr id="1" name=""/>
-        <p:cNvGrpSpPr/>
-        <p:nvPr/>
-      </p:nvGrpSpPr>
-      <p:grpSpPr>
-        <a:xfrm>
-          <a:off x="0" y="0"/>
-          <a:ext cx="0" cy="0"/>
-          <a:chOff x="0" y="0"/>
-          <a:chExt cx="0" cy="0"/>
-        </a:xfrm>
-      </p:grpSpPr>
-      <p:sp>
-        <p:nvSpPr>
-          <p:cNvPr id="8" name="Title 1"/>
-          <p:cNvSpPr>
-            <a:spLocks noGrp="1"/>
-          </p:cNvSpPr>
-          <p:nvPr>
-            <p:ph type="title"/>
-          </p:nvPr>
-        </p:nvSpPr>
-        <p:spPr>
-          <a:xfrm>
-            <a:off x="228600" y="579437"/>
-            <a:ext cx="9448800" cy="563563"/>
-          </a:xfrm>
-        </p:spPr>
-        <p:txBody>
-          <a:bodyPr>
-            <a:noAutofit/>
-          </a:bodyPr>
-          <a:lstStyle/>
-          <a:p>
-            <a:r>
-              <a:rPr lang="en-US" sz="2900" cap="all" smtClean="0">
-                <a:ln w="9000" cmpd="sng">
-                  <a:solidFill>
-                    <a:schemeClr val="accent4">
-                      <a:shade val="50000"/>
-                      <a:satMod val="120000"/>
-                    </a:schemeClr>
-                  </a:solidFill>
-                  <a:prstDash val="solid"/>
-                </a:ln>
-                <a:gradFill>
-                  <a:gsLst>
-                    <a:gs pos="0">
-                      <a:schemeClr val="accent4">
-                        <a:shade val="20000"/>
-                        <a:satMod val="245000"/>
-                      </a:schemeClr>
-                    </a:gs>
-                    <a:gs pos="43000">
-                      <a:schemeClr val="accent4">
-                        <a:satMod val="255000"/>
-                      </a:schemeClr>
-                    </a:gs>
-                    <a:gs pos="48000">
-                      <a:schemeClr val="accent4">
-                        <a:shade val="85000"/>
-                        <a:satMod val="255000"/>
-                      </a:schemeClr>
-                    </a:gs>
-                    <a:gs pos="100000">
-                      <a:schemeClr val="accent4">
-                        <a:shade val="20000"/>
-                        <a:satMod val="245000"/>
-                      </a:schemeClr>
-                    </a:gs>
-                  </a:gsLst>
-                  <a:lin ang="5400000"/>
-                </a:gradFill>
-                <a:effectLst>
-                  <a:reflection blurRad="12700" stA="28000" endPos="45000" dist="1000" dir="5400000" sy="-100000" algn="bl" rotWithShape="0"/>
-                </a:effectLst>
-              </a:rPr>
-              <a:t>4 demo ứng dụng thao tác registry</a:t>
-            </a:r>
-            <a:endParaRPr lang="en-US" sz="2900" cap="all">
-              <a:ln w="9000" cmpd="sng">
-                <a:solidFill>
-                  <a:schemeClr val="accent4">
-                    <a:shade val="50000"/>
-                    <a:satMod val="120000"/>
-                  </a:schemeClr>
-                </a:solidFill>
-                <a:prstDash val="solid"/>
-              </a:ln>
-              <a:gradFill>
-                <a:gsLst>
-                  <a:gs pos="0">
-                    <a:schemeClr val="accent4">
-                      <a:shade val="20000"/>
-                      <a:satMod val="245000"/>
-                    </a:schemeClr>
-                  </a:gs>
-                  <a:gs pos="43000">
-                    <a:schemeClr val="accent4">
-                      <a:satMod val="255000"/>
-                    </a:schemeClr>
-                  </a:gs>
-                  <a:gs pos="48000">
-                    <a:schemeClr val="accent4">
-                      <a:shade val="85000"/>
-                      <a:satMod val="255000"/>
-                    </a:schemeClr>
-                  </a:gs>
-                  <a:gs pos="100000">
-                    <a:schemeClr val="accent4">
-                      <a:shade val="20000"/>
-                      <a:satMod val="245000"/>
-                    </a:schemeClr>
-                  </a:gs>
-                </a:gsLst>
-                <a:lin ang="5400000"/>
-              </a:gradFill>
-              <a:effectLst>
-                <a:reflection blurRad="12700" stA="28000" endPos="45000" dist="1000" dir="5400000" sy="-100000" algn="bl" rotWithShape="0"/>
-              </a:effectLst>
-            </a:endParaRPr>
-          </a:p>
-        </p:txBody>
-      </p:sp>
-      <p:sp>
-        <p:nvSpPr>
-          <p:cNvPr id="2" name="Content Placeholder 1"/>
-          <p:cNvSpPr>
-            <a:spLocks noGrp="1"/>
-          </p:cNvSpPr>
-          <p:nvPr>
-            <p:ph idx="1"/>
-          </p:nvPr>
-        </p:nvSpPr>
-        <p:spPr/>
-        <p:txBody>
-          <a:bodyPr/>
-          <a:lstStyle/>
-          <a:p>
-            <a:pPr marL="0" lvl="0" indent="0" algn="ctr">
-              <a:buNone/>
-            </a:pPr>
-            <a:r>
-              <a:rPr lang="en-US" smtClean="0">
-                <a:solidFill>
-                  <a:srgbClr val="000000"/>
-                </a:solidFill>
-              </a:rPr>
-              <a:t>Mời mọi người cùng xem clip</a:t>
-            </a:r>
-          </a:p>
-        </p:txBody>
-      </p:sp>
-      <p:sp>
-        <p:nvSpPr>
-          <p:cNvPr id="4" name="Footer Placeholder 3"/>
-          <p:cNvSpPr>
-            <a:spLocks noGrp="1"/>
-          </p:cNvSpPr>
-          <p:nvPr>
-            <p:ph type="ftr" sz="quarter" idx="11"/>
-          </p:nvPr>
-        </p:nvSpPr>
-        <p:spPr>
-          <a:xfrm>
-            <a:off x="7162800" y="152400"/>
-            <a:ext cx="1752600" cy="228600"/>
-          </a:xfrm>
-        </p:spPr>
-        <p:txBody>
-          <a:bodyPr/>
-          <a:lstStyle/>
-          <a:p>
-            <a:r>
-              <a:rPr lang="en-US" smtClean="0"/>
-              <a:t>www.hcmus.edu.vn</a:t>
-            </a:r>
-            <a:endParaRPr lang="en-US"/>
-          </a:p>
-        </p:txBody>
-      </p:sp>
-      <p:sp>
-        <p:nvSpPr>
-          <p:cNvPr id="6" name="Slide Number Placeholder 11"/>
-          <p:cNvSpPr>
-            <a:spLocks noGrp="1"/>
-          </p:cNvSpPr>
-          <p:nvPr>
-            <p:ph type="sldNum" sz="quarter" idx="12"/>
-          </p:nvPr>
-        </p:nvSpPr>
-        <p:spPr>
-          <a:xfrm>
-            <a:off x="3429000" y="6477000"/>
-            <a:ext cx="2133600" cy="381000"/>
-          </a:xfrm>
-        </p:spPr>
-        <p:txBody>
-          <a:bodyPr/>
-          <a:lstStyle/>
-          <a:p>
-            <a:fld id="{B6F15528-21DE-4FAA-801E-634DDDAF4B2B}" type="slidenum">
-              <a:rPr lang="en-US" sz="2000" smtClean="0"/>
-              <a:pPr/>
-              <a:t>31</a:t>
             </a:fld>
             <a:endParaRPr lang="en-US" sz="2000"/>
           </a:p>
@@ -23298,7 +23031,7 @@
 </p:sld>
 </file>
 
-<file path=ppt/slides/slide32.xml><?xml version="1.0" encoding="utf-8"?>
+<file path=ppt/slides/slide31.xml><?xml version="1.0" encoding="utf-8"?>
 <p:sld xmlns:a="http://schemas.openxmlformats.org/drawingml/2006/main" xmlns:r="http://schemas.openxmlformats.org/officeDocument/2006/relationships" xmlns:p="http://schemas.openxmlformats.org/presentationml/2006/main">
   <p:cSld>
     <p:spTree>

--- a/trunk/Seminar_JNI/Slide_00.pptx
+++ b/trunk/Seminar_JNI/Slide_00.pptx
@@ -5,10 +5,10 @@
     <p:sldMasterId id="2147484495" r:id="rId1"/>
   </p:sldMasterIdLst>
   <p:notesMasterIdLst>
-    <p:notesMasterId r:id="rId33"/>
+    <p:notesMasterId r:id="rId32"/>
   </p:notesMasterIdLst>
   <p:handoutMasterIdLst>
-    <p:handoutMasterId r:id="rId34"/>
+    <p:handoutMasterId r:id="rId33"/>
   </p:handoutMasterIdLst>
   <p:sldIdLst>
     <p:sldId id="256" r:id="rId2"/>
@@ -23,25 +23,24 @@
     <p:sldId id="275" r:id="rId11"/>
     <p:sldId id="293" r:id="rId12"/>
     <p:sldId id="294" r:id="rId13"/>
-    <p:sldId id="295" r:id="rId14"/>
-    <p:sldId id="296" r:id="rId15"/>
-    <p:sldId id="274" r:id="rId16"/>
-    <p:sldId id="284" r:id="rId17"/>
-    <p:sldId id="287" r:id="rId18"/>
-    <p:sldId id="286" r:id="rId19"/>
-    <p:sldId id="288" r:id="rId20"/>
-    <p:sldId id="289" r:id="rId21"/>
-    <p:sldId id="290" r:id="rId22"/>
-    <p:sldId id="291" r:id="rId23"/>
-    <p:sldId id="292" r:id="rId24"/>
-    <p:sldId id="276" r:id="rId25"/>
-    <p:sldId id="297" r:id="rId26"/>
-    <p:sldId id="279" r:id="rId27"/>
-    <p:sldId id="277" r:id="rId28"/>
-    <p:sldId id="283" r:id="rId29"/>
-    <p:sldId id="282" r:id="rId30"/>
-    <p:sldId id="280" r:id="rId31"/>
-    <p:sldId id="281" r:id="rId32"/>
+    <p:sldId id="296" r:id="rId14"/>
+    <p:sldId id="274" r:id="rId15"/>
+    <p:sldId id="284" r:id="rId16"/>
+    <p:sldId id="287" r:id="rId17"/>
+    <p:sldId id="286" r:id="rId18"/>
+    <p:sldId id="288" r:id="rId19"/>
+    <p:sldId id="289" r:id="rId20"/>
+    <p:sldId id="290" r:id="rId21"/>
+    <p:sldId id="291" r:id="rId22"/>
+    <p:sldId id="292" r:id="rId23"/>
+    <p:sldId id="276" r:id="rId24"/>
+    <p:sldId id="297" r:id="rId25"/>
+    <p:sldId id="279" r:id="rId26"/>
+    <p:sldId id="277" r:id="rId27"/>
+    <p:sldId id="283" r:id="rId28"/>
+    <p:sldId id="282" r:id="rId29"/>
+    <p:sldId id="280" r:id="rId30"/>
+    <p:sldId id="281" r:id="rId31"/>
   </p:sldIdLst>
   <p:sldSz cx="9144000" cy="6858000" type="screen4x3"/>
   <p:notesSz cx="6858000" cy="9144000"/>
@@ -3735,33 +3734,24 @@
           <a:p>
             <a:r>
               <a:rPr lang="en-US" b="1" smtClean="0"/>
-              <a:t>Parameters GET</a:t>
+              <a:t>Parameters</a:t>
             </a:r>
             <a:r>
               <a:rPr lang="en-US" smtClean="0"/>
-              <a:t> </a:t>
+              <a:t>  env: JNIEnv interface pointer.</a:t>
             </a:r>
           </a:p>
           <a:p>
             <a:r>
               <a:rPr lang="en-US" smtClean="0"/>
-              <a:t>env: JNIEnv interface pointer.</a:t>
+              <a:t>	jclass: trỏ đến class có field được truy xuất.</a:t>
             </a:r>
           </a:p>
           <a:p>
             <a:r>
               <a:rPr lang="en-US" smtClean="0"/>
-              <a:t>jclass: trỏ đến class có field được truy xuất.</a:t>
-            </a:r>
-          </a:p>
-          <a:p>
-            <a:r>
-              <a:rPr lang="en-US" smtClean="0"/>
-              <a:t>fieldID: một biến có kiểu jfieldID đại diện cho field được truy xuất.</a:t>
-            </a:r>
-          </a:p>
-          <a:p>
-            <a:endParaRPr lang="en-US" smtClean="0"/>
+              <a:t>	fieldID: một biến có kiểu jfieldID đại diện cho field được truy xuất.</a:t>
+            </a:r>
           </a:p>
           <a:p>
             <a:endParaRPr lang="en-US" smtClean="0"/>
@@ -3828,29 +3818,75 @@
           <a:bodyPr/>
           <a:lstStyle/>
           <a:p>
-            <a:r>
-              <a:rPr lang="en-US" b="1" smtClean="0"/>
-              <a:t>Parameters</a:t>
-            </a:r>
-            <a:r>
-              <a:rPr lang="en-US" smtClean="0"/>
-              <a:t>  env: JNIEnv interface pointer.</a:t>
-            </a:r>
-          </a:p>
-          <a:p>
-            <a:r>
-              <a:rPr lang="en-US" smtClean="0"/>
-              <a:t>	jclass: trỏ đến class có field được truy xuất.</a:t>
-            </a:r>
-          </a:p>
-          <a:p>
-            <a:r>
-              <a:rPr lang="en-US" smtClean="0"/>
-              <a:t>	fieldID: một biến có kiểu jfieldID đại diện cho field được truy xuất.</a:t>
-            </a:r>
-          </a:p>
-          <a:p>
-            <a:endParaRPr lang="en-US" smtClean="0"/>
+            <a:pPr lvl="1"/>
+            <a:r>
+              <a:rPr lang="en-US" sz="1200" b="1" kern="1200" smtClean="0">
+                <a:solidFill>
+                  <a:schemeClr val="tx1"/>
+                </a:solidFill>
+                <a:effectLst/>
+                <a:latin typeface="+mn-lt"/>
+                <a:ea typeface="+mn-ea"/>
+                <a:cs typeface="+mn-cs"/>
+              </a:rPr>
+              <a:t>Field Descriptors</a:t>
+            </a:r>
+          </a:p>
+          <a:p>
+            <a:r>
+              <a:rPr lang="en-US" sz="1200" kern="1200" smtClean="0">
+                <a:solidFill>
+                  <a:schemeClr val="tx1"/>
+                </a:solidFill>
+                <a:effectLst/>
+                <a:latin typeface="+mn-lt"/>
+                <a:ea typeface="+mn-ea"/>
+                <a:cs typeface="+mn-cs"/>
+              </a:rPr>
+              <a:t>Là một chuỗi dùng để biểu diễn kiểu dữ liệu của field.</a:t>
+            </a:r>
+          </a:p>
+          <a:p>
+            <a:r>
+              <a:rPr lang="en-US" sz="1200" kern="1200" smtClean="0">
+                <a:solidFill>
+                  <a:schemeClr val="tx1"/>
+                </a:solidFill>
+                <a:effectLst/>
+                <a:latin typeface="+mn-lt"/>
+                <a:ea typeface="+mn-ea"/>
+                <a:cs typeface="+mn-cs"/>
+              </a:rPr>
+              <a:t>Với các kiểu cơ bản mô tả sẽ đơn giản hơn như: int có chuỗi mô tả là “I”, float có “F”, double có “D”, boolean có “Z”.</a:t>
+            </a:r>
+          </a:p>
+          <a:p>
+            <a:r>
+              <a:rPr lang="en-US" sz="1200" kern="1200" smtClean="0">
+                <a:solidFill>
+                  <a:schemeClr val="tx1"/>
+                </a:solidFill>
+                <a:effectLst/>
+                <a:latin typeface="+mn-lt"/>
+                <a:ea typeface="+mn-ea"/>
+                <a:cs typeface="+mn-cs"/>
+              </a:rPr>
+              <a:t>Với các kiểu dữ liệu khác thì mô tả theo package name của nó. Chẳng hạn như kiểu String có thuộc package: java.lang.String thì chuỗi mô tả tương ứng là “Ljava/lang/String;”.</a:t>
+            </a:r>
+          </a:p>
+          <a:p>
+            <a:r>
+              <a:rPr lang="en-US" sz="1200" kern="1200" smtClean="0">
+                <a:solidFill>
+                  <a:schemeClr val="tx1"/>
+                </a:solidFill>
+                <a:effectLst/>
+                <a:latin typeface="+mn-lt"/>
+                <a:ea typeface="+mn-ea"/>
+                <a:cs typeface="+mn-cs"/>
+              </a:rPr>
+              <a:t>Có một cách khác để biết chuỗi mô tả của các filed trong lớp java là dùng tool javap đi kèm trong JDK với tham số -s -p TenClass</a:t>
+            </a:r>
           </a:p>
           <a:p>
             <a:endParaRPr lang="en-US"/>
@@ -3914,9 +3950,8 @@
           <a:bodyPr/>
           <a:lstStyle/>
           <a:p>
-            <a:pPr lvl="1"/>
-            <a:r>
-              <a:rPr lang="en-US" sz="1200" b="1" kern="1200" smtClean="0">
+            <a:r>
+              <a:rPr lang="en-US" sz="1200" kern="1200" smtClean="0">
                 <a:solidFill>
                   <a:schemeClr val="tx1"/>
                 </a:solidFill>
@@ -3925,64 +3960,11 @@
                 <a:ea typeface="+mn-ea"/>
                 <a:cs typeface="+mn-cs"/>
               </a:rPr>
-              <a:t>Field Descriptors</a:t>
-            </a:r>
-          </a:p>
-          <a:p>
-            <a:r>
-              <a:rPr lang="en-US" sz="1200" kern="1200" smtClean="0">
-                <a:solidFill>
-                  <a:schemeClr val="tx1"/>
-                </a:solidFill>
-                <a:effectLst/>
-                <a:latin typeface="+mn-lt"/>
-                <a:ea typeface="+mn-ea"/>
-                <a:cs typeface="+mn-cs"/>
-              </a:rPr>
-              <a:t>Là một chuỗi dùng để biểu diễn kiểu dữ liệu của field.</a:t>
-            </a:r>
-          </a:p>
-          <a:p>
-            <a:r>
-              <a:rPr lang="en-US" sz="1200" kern="1200" smtClean="0">
-                <a:solidFill>
-                  <a:schemeClr val="tx1"/>
-                </a:solidFill>
-                <a:effectLst/>
-                <a:latin typeface="+mn-lt"/>
-                <a:ea typeface="+mn-ea"/>
-                <a:cs typeface="+mn-cs"/>
-              </a:rPr>
-              <a:t>Với các kiểu cơ bản mô tả sẽ đơn giản hơn như: int có chuỗi mô tả là “I”, float có “F”, double có “D”, boolean có “Z”.</a:t>
-            </a:r>
-          </a:p>
-          <a:p>
-            <a:r>
-              <a:rPr lang="en-US" sz="1200" kern="1200" smtClean="0">
-                <a:solidFill>
-                  <a:schemeClr val="tx1"/>
-                </a:solidFill>
-                <a:effectLst/>
-                <a:latin typeface="+mn-lt"/>
-                <a:ea typeface="+mn-ea"/>
-                <a:cs typeface="+mn-cs"/>
-              </a:rPr>
-              <a:t>Với các kiểu dữ liệu khác thì mô tả theo package name của nó. Chẳng hạn như kiểu String có thuộc package: java.lang.String thì chuỗi mô tả tương ứng là “Ljava/lang/String;”.</a:t>
-            </a:r>
-          </a:p>
-          <a:p>
-            <a:r>
-              <a:rPr lang="en-US" sz="1200" kern="1200" smtClean="0">
-                <a:solidFill>
-                  <a:schemeClr val="tx1"/>
-                </a:solidFill>
-                <a:effectLst/>
-                <a:latin typeface="+mn-lt"/>
-                <a:ea typeface="+mn-ea"/>
-                <a:cs typeface="+mn-cs"/>
-              </a:rPr>
-              <a:t>Có một cách khác để biết chuỗi mô tả của các filed trong lớp java là dùng tool javap đi kèm trong JDK với tham số -s -p TenClass</a:t>
-            </a:r>
+              <a:t>Các tham số giống như phần truy xuất Field. Tuy nhiên phần sig sẽ là method descriptor.</a:t>
+            </a:r>
+          </a:p>
+          <a:p>
+            <a:endParaRPr lang="en-US" smtClean="0"/>
           </a:p>
           <a:p>
             <a:endParaRPr lang="en-US"/>
@@ -4124,24 +4106,49 @@
           <a:bodyPr/>
           <a:lstStyle/>
           <a:p>
-            <a:r>
-              <a:rPr lang="en-US" sz="1200" kern="1200" smtClean="0">
-                <a:solidFill>
-                  <a:schemeClr val="tx1"/>
-                </a:solidFill>
-                <a:effectLst/>
-                <a:latin typeface="+mn-lt"/>
-                <a:ea typeface="+mn-ea"/>
-                <a:cs typeface="+mn-cs"/>
-              </a:rPr>
-              <a:t>Các tham số giống như phần truy xuất Field. Tuy nhiên phần sig sẽ là method descriptor.</a:t>
-            </a:r>
-          </a:p>
-          <a:p>
-            <a:endParaRPr lang="en-US" smtClean="0"/>
-          </a:p>
-          <a:p>
-            <a:endParaRPr lang="en-US"/>
+            <a:pPr marL="60325" lvl="1" indent="0">
+              <a:buClrTx/>
+              <a:buFont typeface="Wingdings" pitchFamily="2" charset="2"/>
+              <a:buNone/>
+            </a:pPr>
+            <a:r>
+              <a:rPr lang="en-US" b="1" smtClean="0">
+                <a:solidFill>
+                  <a:srgbClr val="000000"/>
+                </a:solidFill>
+              </a:rPr>
+              <a:t>Method descriptor </a:t>
+            </a:r>
+          </a:p>
+          <a:p>
+            <a:pPr marL="60325" lvl="1" indent="0">
+              <a:buClrTx/>
+              <a:buFont typeface="Wingdings" pitchFamily="2" charset="2"/>
+              <a:buNone/>
+            </a:pPr>
+            <a:r>
+              <a:rPr lang="en-US" b="0" smtClean="0">
+                <a:solidFill>
+                  <a:srgbClr val="000000"/>
+                </a:solidFill>
+              </a:rPr>
+              <a:t>Nội dụng của ? thì giống với Field descriptor. </a:t>
+            </a:r>
+          </a:p>
+          <a:p>
+            <a:pPr marL="60325" lvl="1" indent="0">
+              <a:buClrTx/>
+              <a:buFont typeface="Wingdings" pitchFamily="2" charset="2"/>
+              <a:buNone/>
+            </a:pPr>
+            <a:r>
+              <a:rPr lang="en-US" b="0" smtClean="0">
+                <a:solidFill>
+                  <a:srgbClr val="000000"/>
+                </a:solidFill>
+              </a:rPr>
+              <a:t>Lưu ý là void có ký hiệu là “V”. </a:t>
+            </a:r>
           </a:p>
         </p:txBody>
       </p:sp>
@@ -4207,44 +4214,11 @@
               <a:buFont typeface="Wingdings" pitchFamily="2" charset="2"/>
               <a:buNone/>
             </a:pPr>
-            <a:r>
-              <a:rPr lang="en-US" b="1" smtClean="0">
-                <a:solidFill>
-                  <a:srgbClr val="000000"/>
-                </a:solidFill>
-              </a:rPr>
-              <a:t>Method descriptor </a:t>
-            </a:r>
-          </a:p>
-          <a:p>
-            <a:pPr marL="60325" lvl="1" indent="0">
-              <a:buClrTx/>
-              <a:buFont typeface="Wingdings" pitchFamily="2" charset="2"/>
-              <a:buNone/>
-            </a:pPr>
-            <a:r>
-              <a:rPr lang="en-US" b="0" smtClean="0">
-                <a:solidFill>
-                  <a:srgbClr val="000000"/>
-                </a:solidFill>
-              </a:rPr>
-              <a:t>Nội dụng của ? thì giống với Field descriptor. </a:t>
-            </a:r>
-          </a:p>
-          <a:p>
-            <a:pPr marL="60325" lvl="1" indent="0">
-              <a:buClrTx/>
-              <a:buFont typeface="Wingdings" pitchFamily="2" charset="2"/>
-              <a:buNone/>
-            </a:pPr>
-            <a:r>
-              <a:rPr lang="en-US" b="0" smtClean="0">
-                <a:solidFill>
-                  <a:srgbClr val="000000"/>
-                </a:solidFill>
-              </a:rPr>
-              <a:t>Lưu ý là void có ký hiệu là “V”. </a:t>
-            </a:r>
+            <a:endParaRPr lang="en-US" b="0" smtClean="0">
+              <a:solidFill>
+                <a:srgbClr val="000000"/>
+              </a:solidFill>
+            </a:endParaRPr>
           </a:p>
         </p:txBody>
       </p:sp>
@@ -4305,15 +4279,26 @@
           <a:bodyPr/>
           <a:lstStyle/>
           <a:p>
-            <a:pPr marL="60325" lvl="1" indent="0">
-              <a:buClrTx/>
-              <a:buFont typeface="Wingdings" pitchFamily="2" charset="2"/>
-              <a:buNone/>
-            </a:pPr>
-            <a:endParaRPr lang="en-US" b="0" smtClean="0">
+            <a:r>
+              <a:rPr lang="en-US" sz="1200" kern="1200" smtClean="0">
+                <a:solidFill>
+                  <a:schemeClr val="tx1"/>
+                </a:solidFill>
+                <a:effectLst/>
+                <a:latin typeface="+mn-lt"/>
+                <a:ea typeface="+mn-ea"/>
+                <a:cs typeface="+mn-cs"/>
+              </a:rPr>
+              <a:t>Việc gọi hàm này tương đương với lời gọi super.f() trong java.</a:t>
+            </a:r>
+            <a:endParaRPr lang="en-US" sz="1200" kern="1200">
               <a:solidFill>
-                <a:srgbClr val="000000"/>
+                <a:schemeClr val="tx1"/>
               </a:solidFill>
+              <a:effectLst/>
+              <a:latin typeface="+mn-lt"/>
+              <a:ea typeface="+mn-ea"/>
+              <a:cs typeface="+mn-cs"/>
             </a:endParaRPr>
           </a:p>
         </p:txBody>
@@ -4375,26 +4360,38 @@
           <a:bodyPr/>
           <a:lstStyle/>
           <a:p>
-            <a:r>
-              <a:rPr lang="en-US" sz="1200" kern="1200" smtClean="0">
-                <a:solidFill>
-                  <a:schemeClr val="tx1"/>
-                </a:solidFill>
-                <a:effectLst/>
-                <a:latin typeface="+mn-lt"/>
-                <a:ea typeface="+mn-ea"/>
-                <a:cs typeface="+mn-cs"/>
-              </a:rPr>
-              <a:t>Việc gọi hàm này tương đương với lời gọi super.f() trong java.</a:t>
-            </a:r>
-            <a:endParaRPr lang="en-US" sz="1200" kern="1200">
+            <a:pPr>
+              <a:buClrTx/>
+              <a:buFont typeface="Wingdings" pitchFamily="2" charset="2"/>
+              <a:buNone/>
+            </a:pPr>
+            <a:r>
+              <a:rPr lang="en-US" sz="1200" b="0" smtClean="0">
+                <a:solidFill>
+                  <a:srgbClr val="000000"/>
+                </a:solidFill>
+              </a:rPr>
+              <a:t>Cũng giống như gọi method bình thường ta cần có methodId, jclass…</a:t>
+            </a:r>
+          </a:p>
+          <a:p>
+            <a:pPr>
+              <a:buClrTx/>
+              <a:buFont typeface="Wingdings" pitchFamily="2" charset="2"/>
+              <a:buNone/>
+            </a:pPr>
+            <a:r>
+              <a:rPr lang="en-US" sz="1200" b="0" smtClean="0">
+                <a:solidFill>
+                  <a:srgbClr val="000000"/>
+                </a:solidFill>
+              </a:rPr>
+              <a:t>Để có được methodId có thể gọi hàm GetMethodID với name là “&lt;init&gt;” mà chuỗi mô tả method là tùy theo tham số đầu vào của hàm dựng (giá trị trả về luôn là “V” vì hàm dựng không trả về).</a:t>
+            </a:r>
+            <a:endParaRPr lang="en-US" sz="1200" b="0">
               <a:solidFill>
-                <a:schemeClr val="tx1"/>
+                <a:srgbClr val="000000"/>
               </a:solidFill>
-              <a:effectLst/>
-              <a:latin typeface="+mn-lt"/>
-              <a:ea typeface="+mn-ea"/>
-              <a:cs typeface="+mn-cs"/>
             </a:endParaRPr>
           </a:p>
         </p:txBody>
@@ -4456,39 +4453,226 @@
           <a:bodyPr/>
           <a:lstStyle/>
           <a:p>
-            <a:pPr>
-              <a:buClrTx/>
-              <a:buFont typeface="Wingdings" pitchFamily="2" charset="2"/>
-              <a:buNone/>
-            </a:pPr>
-            <a:r>
-              <a:rPr lang="en-US" sz="1200" b="0" smtClean="0">
-                <a:solidFill>
-                  <a:srgbClr val="000000"/>
-                </a:solidFill>
-              </a:rPr>
-              <a:t>Cũng giống như gọi method bình thường ta cần có methodId, jclass…</a:t>
-            </a:r>
-          </a:p>
-          <a:p>
-            <a:pPr>
-              <a:buClrTx/>
-              <a:buFont typeface="Wingdings" pitchFamily="2" charset="2"/>
-              <a:buNone/>
-            </a:pPr>
-            <a:r>
-              <a:rPr lang="en-US" sz="1200" b="0" smtClean="0">
-                <a:solidFill>
-                  <a:srgbClr val="000000"/>
-                </a:solidFill>
-              </a:rPr>
-              <a:t>Để có được methodId có thể gọi hàm GetMethodID với name là “&lt;init&gt;” mà chuỗi mô tả method là tùy theo tham số đầu vào của hàm dựng (giá trị trả về luôn là “V” vì hàm dựng không trả về).</a:t>
-            </a:r>
-            <a:endParaRPr lang="en-US" sz="1200" b="0">
-              <a:solidFill>
-                <a:srgbClr val="000000"/>
-              </a:solidFill>
-            </a:endParaRPr>
+            <a:r>
+              <a:rPr lang="en-US" sz="1200" b="1" kern="1200" smtClean="0">
+                <a:solidFill>
+                  <a:schemeClr val="tx1"/>
+                </a:solidFill>
+                <a:effectLst/>
+                <a:latin typeface="+mn-lt"/>
+                <a:ea typeface="+mn-ea"/>
+                <a:cs typeface="+mn-cs"/>
+              </a:rPr>
+              <a:t>jint Throw(JNIEnv *env, jthrowable obj);</a:t>
+            </a:r>
+          </a:p>
+          <a:p>
+            <a:r>
+              <a:rPr lang="en-US" sz="1200" b="1" kern="1200" smtClean="0">
+                <a:solidFill>
+                  <a:schemeClr val="tx1"/>
+                </a:solidFill>
+                <a:effectLst/>
+                <a:latin typeface="+mn-lt"/>
+                <a:ea typeface="+mn-ea"/>
+                <a:cs typeface="+mn-cs"/>
+              </a:rPr>
+              <a:t>Parameters</a:t>
+            </a:r>
+            <a:r>
+              <a:rPr lang="en-US" sz="1200" kern="1200" smtClean="0">
+                <a:solidFill>
+                  <a:schemeClr val="tx1"/>
+                </a:solidFill>
+                <a:effectLst/>
+                <a:latin typeface="+mn-lt"/>
+                <a:ea typeface="+mn-ea"/>
+                <a:cs typeface="+mn-cs"/>
+              </a:rPr>
+              <a:t> </a:t>
+            </a:r>
+          </a:p>
+          <a:p>
+            <a:r>
+              <a:rPr lang="en-US" sz="1200" kern="1200" smtClean="0">
+                <a:solidFill>
+                  <a:schemeClr val="tx1"/>
+                </a:solidFill>
+                <a:effectLst/>
+                <a:latin typeface="+mn-lt"/>
+                <a:ea typeface="+mn-ea"/>
+                <a:cs typeface="+mn-cs"/>
+              </a:rPr>
+              <a:t>env: the JNIEnv interface pointer.</a:t>
+            </a:r>
+          </a:p>
+          <a:p>
+            <a:r>
+              <a:rPr lang="en-US" sz="1200" kern="1200" smtClean="0">
+                <a:solidFill>
+                  <a:schemeClr val="tx1"/>
+                </a:solidFill>
+                <a:effectLst/>
+                <a:latin typeface="+mn-lt"/>
+                <a:ea typeface="+mn-ea"/>
+                <a:cs typeface="+mn-cs"/>
+              </a:rPr>
+              <a:t>obj: a java.lang.Throwable object.</a:t>
+            </a:r>
+          </a:p>
+          <a:p>
+            <a:r>
+              <a:rPr lang="en-US" sz="1200" b="1" kern="1200" smtClean="0">
+                <a:solidFill>
+                  <a:schemeClr val="tx1"/>
+                </a:solidFill>
+                <a:effectLst/>
+                <a:latin typeface="+mn-lt"/>
+                <a:ea typeface="+mn-ea"/>
+                <a:cs typeface="+mn-cs"/>
+              </a:rPr>
+              <a:t>Return Values</a:t>
+            </a:r>
+            <a:r>
+              <a:rPr lang="en-US" sz="1200" kern="1200" smtClean="0">
+                <a:solidFill>
+                  <a:schemeClr val="tx1"/>
+                </a:solidFill>
+                <a:effectLst/>
+                <a:latin typeface="+mn-lt"/>
+                <a:ea typeface="+mn-ea"/>
+                <a:cs typeface="+mn-cs"/>
+              </a:rPr>
+              <a:t>: trả về 0 nếu thành công, ngược lại trả về số âm.</a:t>
+            </a:r>
+          </a:p>
+          <a:p>
+            <a:r>
+              <a:rPr lang="en-US" sz="1200" kern="1200" smtClean="0">
+                <a:solidFill>
+                  <a:schemeClr val="tx1"/>
+                </a:solidFill>
+                <a:effectLst/>
+                <a:latin typeface="+mn-lt"/>
+                <a:ea typeface="+mn-ea"/>
+                <a:cs typeface="+mn-cs"/>
+              </a:rPr>
+              <a:t>Để dùng hàm này thì ta phải tạo một đối tượng có interface là Throwable (cũng lấy từ JNI). Sau đó mới gọi hàm Throw. Còn hàm ThrowNew thì ta chỉ cần truyền vào class cài đặt interface Throwable không cần phải tạo đối tượng.</a:t>
+            </a:r>
+          </a:p>
+          <a:p>
+            <a:endParaRPr lang="en-US" smtClean="0"/>
+          </a:p>
+          <a:p>
+            <a:r>
+              <a:rPr lang="en-US" sz="1200" b="1" kern="1200" smtClean="0">
+                <a:solidFill>
+                  <a:schemeClr val="tx1"/>
+                </a:solidFill>
+                <a:effectLst/>
+                <a:latin typeface="+mn-lt"/>
+                <a:ea typeface="+mn-ea"/>
+                <a:cs typeface="+mn-cs"/>
+              </a:rPr>
+              <a:t>jint ThrowNew(JNIEnv *env, jclass clazz, const char *message);</a:t>
+            </a:r>
+          </a:p>
+          <a:p>
+            <a:r>
+              <a:rPr lang="en-US" sz="1200" b="1" kern="1200" smtClean="0">
+                <a:solidFill>
+                  <a:schemeClr val="tx1"/>
+                </a:solidFill>
+                <a:effectLst/>
+                <a:latin typeface="+mn-lt"/>
+                <a:ea typeface="+mn-ea"/>
+                <a:cs typeface="+mn-cs"/>
+              </a:rPr>
+              <a:t>Parameters</a:t>
+            </a:r>
+            <a:r>
+              <a:rPr lang="en-US" sz="1200" kern="1200" smtClean="0">
+                <a:solidFill>
+                  <a:schemeClr val="tx1"/>
+                </a:solidFill>
+                <a:effectLst/>
+                <a:latin typeface="+mn-lt"/>
+                <a:ea typeface="+mn-ea"/>
+                <a:cs typeface="+mn-cs"/>
+              </a:rPr>
+              <a:t> </a:t>
+            </a:r>
+          </a:p>
+          <a:p>
+            <a:r>
+              <a:rPr lang="en-US" sz="1200" kern="1200" smtClean="0">
+                <a:solidFill>
+                  <a:schemeClr val="tx1"/>
+                </a:solidFill>
+                <a:effectLst/>
+                <a:latin typeface="+mn-lt"/>
+                <a:ea typeface="+mn-ea"/>
+                <a:cs typeface="+mn-cs"/>
+              </a:rPr>
+              <a:t>env: the JNIEnv interface pointer.</a:t>
+            </a:r>
+          </a:p>
+          <a:p>
+            <a:r>
+              <a:rPr lang="en-US" sz="1200" kern="1200" smtClean="0">
+                <a:solidFill>
+                  <a:schemeClr val="tx1"/>
+                </a:solidFill>
+                <a:effectLst/>
+                <a:latin typeface="+mn-lt"/>
+                <a:ea typeface="+mn-ea"/>
+                <a:cs typeface="+mn-cs"/>
+              </a:rPr>
+              <a:t>clazz: một lớp cài đặt của java.lang.Throwable.</a:t>
+            </a:r>
+          </a:p>
+          <a:p>
+            <a:r>
+              <a:rPr lang="en-US" sz="1200" kern="1200" smtClean="0">
+                <a:solidFill>
+                  <a:schemeClr val="tx1"/>
+                </a:solidFill>
+                <a:effectLst/>
+                <a:latin typeface="+mn-lt"/>
+                <a:ea typeface="+mn-ea"/>
+                <a:cs typeface="+mn-cs"/>
+              </a:rPr>
+              <a:t>message: chuỗi thông báo dùng để dựng đối tượng Throwable kiểu clazz được truyền vô.</a:t>
+            </a:r>
+          </a:p>
+          <a:p>
+            <a:r>
+              <a:rPr lang="en-US" sz="1200" b="1" kern="1200" smtClean="0">
+                <a:solidFill>
+                  <a:schemeClr val="tx1"/>
+                </a:solidFill>
+                <a:effectLst/>
+                <a:latin typeface="+mn-lt"/>
+                <a:ea typeface="+mn-ea"/>
+                <a:cs typeface="+mn-cs"/>
+              </a:rPr>
+              <a:t>Return Values</a:t>
+            </a:r>
+            <a:r>
+              <a:rPr lang="en-US" sz="1200" kern="1200" smtClean="0">
+                <a:solidFill>
+                  <a:schemeClr val="tx1"/>
+                </a:solidFill>
+                <a:effectLst/>
+                <a:latin typeface="+mn-lt"/>
+                <a:ea typeface="+mn-ea"/>
+                <a:cs typeface="+mn-cs"/>
+              </a:rPr>
+              <a:t>: trả về 0 nếu thành công, ngược lại trả về số âm.</a:t>
+            </a:r>
+          </a:p>
+          <a:p>
+            <a:endParaRPr lang="en-US"/>
           </a:p>
         </p:txBody>
       </p:sp>
@@ -4559,12 +4743,10 @@
                 <a:ea typeface="+mn-ea"/>
                 <a:cs typeface="+mn-cs"/>
               </a:rPr>
-              <a:t>jint Throw(JNIEnv *env, jthrowable obj);</a:t>
-            </a:r>
-          </a:p>
-          <a:p>
-            <a:r>
-              <a:rPr lang="en-US" sz="1200" b="1" kern="1200" smtClean="0">
+              <a:t>Nhận</a:t>
+            </a:r>
+            <a:r>
+              <a:rPr lang="en-US" sz="1200" b="1" kern="1200" baseline="0" smtClean="0">
                 <a:solidFill>
                   <a:schemeClr val="tx1"/>
                 </a:solidFill>
@@ -4573,8 +4755,10 @@
                 <a:ea typeface="+mn-ea"/>
                 <a:cs typeface="+mn-cs"/>
               </a:rPr>
-              <a:t>Parameters</a:t>
-            </a:r>
+              <a:t> ngoại lệ</a:t>
+            </a:r>
+          </a:p>
+          <a:p>
             <a:r>
               <a:rPr lang="en-US" sz="1200" kern="1200" smtClean="0">
                 <a:solidFill>
@@ -4585,7 +4769,7 @@
                 <a:ea typeface="+mn-ea"/>
                 <a:cs typeface="+mn-cs"/>
               </a:rPr>
-              <a:t> </a:t>
+              <a:t>Khi gọi thực thi một method java từ navite code. Chúng ta sẽ cần biết method chạy thế nào, có bị ngoại lệ gì không. JNI có hỗ trợ cho chúng ta làm việc này.</a:t>
             </a:r>
           </a:p>
           <a:p>
@@ -4599,7 +4783,7 @@
                 <a:ea typeface="+mn-ea"/>
                 <a:cs typeface="+mn-cs"/>
               </a:rPr>
-              <a:t>env: the JNIEnv interface pointer.</a:t>
+              <a:t>JNI cũng cấp hai hàm kiểm tra xem có ngoại lệ xảy ra không và hàm lấy về đối tượng ngoại lệ:</a:t>
             </a:r>
           </a:p>
           <a:p>
@@ -4613,7 +4797,7 @@
                 <a:ea typeface="+mn-ea"/>
                 <a:cs typeface="+mn-cs"/>
               </a:rPr>
-              <a:t>obj: a java.lang.Throwable object.</a:t>
+              <a:t>jboolean ExceptionCheck(JNIEnv *env);</a:t>
             </a:r>
           </a:p>
           <a:p>
@@ -4639,7 +4823,7 @@
                 <a:ea typeface="+mn-ea"/>
                 <a:cs typeface="+mn-cs"/>
               </a:rPr>
-              <a:t>: trả về 0 nếu thành công, ngược lại trả về số âm.</a:t>
+              <a:t> trả về JNI_TRUE nếu có ngoại lệ sảy ra, hoặc JNI_FALSE nếu ngược lại.</a:t>
             </a:r>
           </a:p>
           <a:p>
@@ -4653,11 +4837,8 @@
                 <a:ea typeface="+mn-ea"/>
                 <a:cs typeface="+mn-cs"/>
               </a:rPr>
-              <a:t>Để dùng hàm này thì ta phải tạo một đối tượng có interface là Throwable (cũng lấy từ JNI). Sau đó mới gọi hàm Throw. Còn hàm ThrowNew thì ta chỉ cần truyền vào class cài đặt interface Throwable không cần phải tạo đối tượng.</a:t>
-            </a:r>
-          </a:p>
-          <a:p>
-            <a:endParaRPr lang="en-US" smtClean="0"/>
+              <a:t>jthrowable ExceptionOccurred(JNIEnv *env);</a:t>
+            </a:r>
           </a:p>
           <a:p>
             <a:r>
@@ -4670,12 +4851,10 @@
                 <a:ea typeface="+mn-ea"/>
                 <a:cs typeface="+mn-cs"/>
               </a:rPr>
-              <a:t>jint ThrowNew(JNIEnv *env, jclass clazz, const char *message);</a:t>
-            </a:r>
-          </a:p>
-          <a:p>
-            <a:r>
-              <a:rPr lang="en-US" sz="1200" b="1" kern="1200" smtClean="0">
+              <a:t>Return Values</a:t>
+            </a:r>
+            <a:r>
+              <a:rPr lang="en-US" sz="1200" kern="1200" smtClean="0">
                 <a:solidFill>
                   <a:schemeClr val="tx1"/>
                 </a:solidFill>
@@ -4684,87 +4863,7 @@
                 <a:ea typeface="+mn-ea"/>
                 <a:cs typeface="+mn-cs"/>
               </a:rPr>
-              <a:t>Parameters</a:t>
-            </a:r>
-            <a:r>
-              <a:rPr lang="en-US" sz="1200" kern="1200" smtClean="0">
-                <a:solidFill>
-                  <a:schemeClr val="tx1"/>
-                </a:solidFill>
-                <a:effectLst/>
-                <a:latin typeface="+mn-lt"/>
-                <a:ea typeface="+mn-ea"/>
-                <a:cs typeface="+mn-cs"/>
-              </a:rPr>
-              <a:t> </a:t>
-            </a:r>
-          </a:p>
-          <a:p>
-            <a:r>
-              <a:rPr lang="en-US" sz="1200" kern="1200" smtClean="0">
-                <a:solidFill>
-                  <a:schemeClr val="tx1"/>
-                </a:solidFill>
-                <a:effectLst/>
-                <a:latin typeface="+mn-lt"/>
-                <a:ea typeface="+mn-ea"/>
-                <a:cs typeface="+mn-cs"/>
-              </a:rPr>
-              <a:t>env: the JNIEnv interface pointer.</a:t>
-            </a:r>
-          </a:p>
-          <a:p>
-            <a:r>
-              <a:rPr lang="en-US" sz="1200" kern="1200" smtClean="0">
-                <a:solidFill>
-                  <a:schemeClr val="tx1"/>
-                </a:solidFill>
-                <a:effectLst/>
-                <a:latin typeface="+mn-lt"/>
-                <a:ea typeface="+mn-ea"/>
-                <a:cs typeface="+mn-cs"/>
-              </a:rPr>
-              <a:t>clazz: một lớp cài đặt của java.lang.Throwable.</a:t>
-            </a:r>
-          </a:p>
-          <a:p>
-            <a:r>
-              <a:rPr lang="en-US" sz="1200" kern="1200" smtClean="0">
-                <a:solidFill>
-                  <a:schemeClr val="tx1"/>
-                </a:solidFill>
-                <a:effectLst/>
-                <a:latin typeface="+mn-lt"/>
-                <a:ea typeface="+mn-ea"/>
-                <a:cs typeface="+mn-cs"/>
-              </a:rPr>
-              <a:t>message: chuỗi thông báo dùng để dựng đối tượng Throwable kiểu clazz được truyền vô.</a:t>
-            </a:r>
-          </a:p>
-          <a:p>
-            <a:r>
-              <a:rPr lang="en-US" sz="1200" b="1" kern="1200" smtClean="0">
-                <a:solidFill>
-                  <a:schemeClr val="tx1"/>
-                </a:solidFill>
-                <a:effectLst/>
-                <a:latin typeface="+mn-lt"/>
-                <a:ea typeface="+mn-ea"/>
-                <a:cs typeface="+mn-cs"/>
-              </a:rPr>
-              <a:t>Return Values</a:t>
-            </a:r>
-            <a:r>
-              <a:rPr lang="en-US" sz="1200" kern="1200" smtClean="0">
-                <a:solidFill>
-                  <a:schemeClr val="tx1"/>
-                </a:solidFill>
-                <a:effectLst/>
-                <a:latin typeface="+mn-lt"/>
-                <a:ea typeface="+mn-ea"/>
-                <a:cs typeface="+mn-cs"/>
-              </a:rPr>
-              <a:t>: trả về 0 nếu thành công, ngược lại trả về số âm.</a:t>
+              <a:t> trả về đối tượng có interface Throwable nếu có ngoại lệ sảy ra, hoặc NULL nếu ngược lại.</a:t>
             </a:r>
           </a:p>
           <a:p>
@@ -4829,7 +4928,55 @@
           <a:bodyPr/>
           <a:lstStyle/>
           <a:p>
-            <a:pPr lvl="0"/>
+            <a:pPr marL="0" marR="0" lvl="0" indent="0" algn="l" defTabSz="914400" rtl="0" eaLnBrk="1" fontAlgn="auto" latinLnBrk="0" hangingPunct="1">
+              <a:lnSpc>
+                <a:spcPct val="100000"/>
+              </a:lnSpc>
+              <a:spcBef>
+                <a:spcPts val="0"/>
+              </a:spcBef>
+              <a:spcAft>
+                <a:spcPts val="0"/>
+              </a:spcAft>
+              <a:buClrTx/>
+              <a:buSzTx/>
+              <a:buFontTx/>
+              <a:buNone/>
+              <a:tabLst/>
+              <a:defRPr/>
+            </a:pPr>
+            <a:r>
+              <a:rPr lang="fr-CA" b="0" smtClean="0">
+                <a:solidFill>
+                  <a:srgbClr val="000000"/>
+                </a:solidFill>
+              </a:rPr>
+              <a:t>JNI cho phép gọi các hàm và truyền các biến qua lại giữa chương trình Java &amp; C/C++.</a:t>
+            </a:r>
+            <a:endParaRPr lang="en-US" b="0" smtClean="0">
+              <a:solidFill>
+                <a:srgbClr val="000000"/>
+              </a:solidFill>
+            </a:endParaRPr>
+          </a:p>
+          <a:p>
+            <a:pPr marL="0" marR="0" lvl="0" indent="0" algn="l" defTabSz="914400" rtl="0" eaLnBrk="1" fontAlgn="auto" latinLnBrk="0" hangingPunct="1">
+              <a:lnSpc>
+                <a:spcPct val="100000"/>
+              </a:lnSpc>
+              <a:spcBef>
+                <a:spcPts val="0"/>
+              </a:spcBef>
+              <a:spcAft>
+                <a:spcPts val="0"/>
+              </a:spcAft>
+              <a:buClrTx/>
+              <a:buSzTx/>
+              <a:buFontTx/>
+              <a:buNone/>
+              <a:tabLst/>
+              <a:defRPr/>
+            </a:pPr>
             <a:r>
               <a:rPr lang="en-US" sz="1200" kern="1200" smtClean="0">
                 <a:solidFill>
@@ -4840,8 +4987,24 @@
                 <a:ea typeface="+mn-ea"/>
                 <a:cs typeface="+mn-cs"/>
               </a:rPr>
-              <a:t>Một </a:t>
-            </a:r>
+              <a:t>Cung </a:t>
+            </a:r>
+            <a:r>
+              <a:rPr lang="fr-CA" b="0" smtClean="0">
+                <a:solidFill>
+                  <a:srgbClr val="000000"/>
+                </a:solidFill>
+              </a:rPr>
+              <a:t>cấp quy định chung về dữ liệu và loại exception ...</a:t>
+            </a:r>
+            <a:endParaRPr lang="en-US" b="0" smtClean="0">
+              <a:solidFill>
+                <a:srgbClr val="000000"/>
+              </a:solidFill>
+            </a:endParaRPr>
+          </a:p>
+          <a:p>
+            <a:pPr lvl="0"/>
             <a:r>
               <a:rPr lang="en-US" sz="1200" kern="1200" smtClean="0">
                 <a:solidFill>
@@ -4852,7 +5015,7 @@
                 <a:ea typeface="+mn-ea"/>
                 <a:cs typeface="+mn-cs"/>
               </a:rPr>
-              <a:t>số khái niệm liên quan:</a:t>
+              <a:t>Một số khái niệm liên quan:</a:t>
             </a:r>
           </a:p>
           <a:p>
@@ -4867,7 +5030,7 @@
                 <a:ea typeface="+mn-ea"/>
                 <a:cs typeface="+mn-cs"/>
               </a:rPr>
-              <a:t>Host Environment : là những thiết lập và cài đặt trên máy chủ  để chạy ứng </a:t>
+              <a:t>Host </a:t>
             </a:r>
             <a:r>
               <a:rPr lang="en-US" sz="1200" kern="1200" smtClean="0">
@@ -4879,10 +5042,10 @@
                 <a:ea typeface="+mn-ea"/>
                 <a:cs typeface="+mn-cs"/>
               </a:rPr>
-              <a:t>dụng</a:t>
-            </a:r>
-            <a:r>
-              <a:rPr lang="en-US" sz="1200" kern="1200" baseline="0" smtClean="0">
+              <a:t>Environment : là những thiết lập và cài đặt trên máy chủ  để chạy ứng </a:t>
+            </a:r>
+            <a:r>
+              <a:rPr lang="en-US" sz="1200" kern="1200" smtClean="0">
                 <a:solidFill>
                   <a:schemeClr val="tx1"/>
                 </a:solidFill>
@@ -4891,10 +5054,10 @@
                 <a:ea typeface="+mn-ea"/>
                 <a:cs typeface="+mn-cs"/>
               </a:rPr>
-              <a:t> </a:t>
-            </a:r>
-            <a:r>
-              <a:rPr lang="en-US" sz="1200" kern="1200" smtClean="0">
+              <a:t>dụng</a:t>
+            </a:r>
+            <a:r>
+              <a:rPr lang="en-US" sz="1200" kern="1200" baseline="0" smtClean="0">
                 <a:solidFill>
                   <a:schemeClr val="tx1"/>
                 </a:solidFill>
@@ -4903,7 +5066,7 @@
                 <a:ea typeface="+mn-ea"/>
                 <a:cs typeface="+mn-cs"/>
               </a:rPr>
-              <a:t>JNI</a:t>
+              <a:t> </a:t>
             </a:r>
             <a:r>
               <a:rPr lang="en-US" sz="1200" kern="1200" smtClean="0">
@@ -4915,11 +5078,8 @@
                 <a:ea typeface="+mn-ea"/>
                 <a:cs typeface="+mn-cs"/>
               </a:rPr>
-              <a:t>.</a:t>
-            </a:r>
-          </a:p>
-          <a:p>
-            <a:pPr lvl="0"/>
+              <a:t>JNI</a:t>
+            </a:r>
             <a:r>
               <a:rPr lang="en-US" sz="1200" kern="1200" smtClean="0">
                 <a:solidFill>
@@ -4930,7 +5090,7 @@
                 <a:ea typeface="+mn-ea"/>
                 <a:cs typeface="+mn-cs"/>
               </a:rPr>
-              <a:t>Thư viện .dll: thư viện .dll phải đạt được tính độc lập riêng .</a:t>
+              <a:t>.</a:t>
             </a:r>
           </a:p>
           <a:p>
@@ -4945,8 +5105,44 @@
                 <a:ea typeface="+mn-ea"/>
                 <a:cs typeface="+mn-cs"/>
               </a:rPr>
-              <a:t>JNI : cầu nối trung gian giữa JAVA &amp; .dll.</a:t>
-            </a:r>
+              <a:t>Thư viện .dll: thư viện .dll phải đạt được tính độc lập riêng .</a:t>
+            </a:r>
+          </a:p>
+          <a:p>
+            <a:pPr lvl="0"/>
+            <a:r>
+              <a:rPr lang="en-US" sz="1200" kern="1200" smtClean="0">
+                <a:solidFill>
+                  <a:schemeClr val="tx1"/>
+                </a:solidFill>
+                <a:effectLst/>
+                <a:latin typeface="+mn-lt"/>
+                <a:ea typeface="+mn-ea"/>
+                <a:cs typeface="+mn-cs"/>
+              </a:rPr>
+              <a:t>JNI : cầu nối trung gian giữa JAVA &amp; .dll</a:t>
+            </a:r>
+            <a:r>
+              <a:rPr lang="en-US" sz="1200" kern="1200" smtClean="0">
+                <a:solidFill>
+                  <a:schemeClr val="tx1"/>
+                </a:solidFill>
+                <a:effectLst/>
+                <a:latin typeface="+mn-lt"/>
+                <a:ea typeface="+mn-ea"/>
+                <a:cs typeface="+mn-cs"/>
+              </a:rPr>
+              <a:t>.</a:t>
+            </a:r>
+            <a:endParaRPr lang="en-US" sz="1200" kern="1200" smtClean="0">
+              <a:solidFill>
+                <a:schemeClr val="tx1"/>
+              </a:solidFill>
+              <a:effectLst/>
+              <a:latin typeface="+mn-lt"/>
+              <a:ea typeface="+mn-ea"/>
+              <a:cs typeface="+mn-cs"/>
+            </a:endParaRPr>
           </a:p>
         </p:txBody>
       </p:sp>
@@ -5007,8 +5203,59 @@
           <a:bodyPr/>
           <a:lstStyle/>
           <a:p>
-            <a:r>
-              <a:rPr lang="en-US" sz="1200" b="1" kern="1200" smtClean="0">
+            <a:pPr>
+              <a:buClrTx/>
+              <a:buFont typeface="Wingdings" pitchFamily="2" charset="2"/>
+              <a:buNone/>
+            </a:pPr>
+            <a:r>
+              <a:rPr lang="en-US" b="0" smtClean="0">
+                <a:solidFill>
+                  <a:srgbClr val="000000"/>
+                </a:solidFill>
+              </a:rPr>
+              <a:t>Giả sử bạn có một chương trình C/C++ và muốn gọi Java code. Chính lúc này invocation API của JVM sẽ giúp bạn. Cho phép chúng ta tạo một Java Virtual Machine trong chương trình C/C++.</a:t>
+            </a:r>
+          </a:p>
+          <a:p>
+            <a:pPr>
+              <a:buClrTx/>
+              <a:buFont typeface="Wingdings" pitchFamily="2" charset="2"/>
+              <a:buNone/>
+            </a:pPr>
+            <a:r>
+              <a:rPr lang="en-US" b="0" smtClean="0">
+                <a:solidFill>
+                  <a:srgbClr val="000000"/>
+                </a:solidFill>
+              </a:rPr>
+              <a:t>JNI cung cấp hai hàm để tạo và hủy máy ảo java.</a:t>
+            </a:r>
+          </a:p>
+          <a:p>
+            <a:pPr>
+              <a:buClrTx/>
+              <a:buFont typeface="Wingdings" pitchFamily="2" charset="2"/>
+              <a:buNone/>
+            </a:pPr>
+            <a:r>
+              <a:rPr lang="en-US" b="1" smtClean="0">
+                <a:solidFill>
+                  <a:srgbClr val="000000"/>
+                </a:solidFill>
+              </a:rPr>
+              <a:t>Tạo</a:t>
+            </a:r>
+            <a:r>
+              <a:rPr lang="en-US" b="1" baseline="0" smtClean="0">
+                <a:solidFill>
+                  <a:srgbClr val="000000"/>
+                </a:solidFill>
+              </a:rPr>
+              <a:t> JVM: </a:t>
+            </a:r>
+            <a:r>
+              <a:rPr lang="en-US" sz="1200" kern="1200" smtClean="0">
                 <a:solidFill>
                   <a:schemeClr val="tx1"/>
                 </a:solidFill>
@@ -5017,10 +5264,12 @@
                 <a:ea typeface="+mn-ea"/>
                 <a:cs typeface="+mn-cs"/>
               </a:rPr>
-              <a:t>Nhận</a:t>
-            </a:r>
-            <a:r>
-              <a:rPr lang="en-US" sz="1200" b="1" kern="1200" baseline="0" smtClean="0">
+              <a:t>0 thành công, JNI_ERR khi ngược lại.</a:t>
+            </a:r>
+          </a:p>
+          <a:p>
+            <a:r>
+              <a:rPr lang="en-US" sz="1200" b="1" kern="1200" smtClean="0">
                 <a:solidFill>
                   <a:schemeClr val="tx1"/>
                 </a:solidFill>
@@ -5029,8 +5278,17 @@
                 <a:ea typeface="+mn-ea"/>
                 <a:cs typeface="+mn-cs"/>
               </a:rPr>
-              <a:t> ngoại lệ</a:t>
-            </a:r>
+              <a:t>Parameters:</a:t>
+            </a:r>
+            <a:endParaRPr lang="en-US" sz="1200" kern="1200" smtClean="0">
+              <a:solidFill>
+                <a:schemeClr val="tx1"/>
+              </a:solidFill>
+              <a:effectLst/>
+              <a:latin typeface="+mn-lt"/>
+              <a:ea typeface="+mn-ea"/>
+              <a:cs typeface="+mn-cs"/>
+            </a:endParaRPr>
           </a:p>
           <a:p>
             <a:r>
@@ -5043,7 +5301,7 @@
                 <a:ea typeface="+mn-ea"/>
                 <a:cs typeface="+mn-cs"/>
               </a:rPr>
-              <a:t>Khi gọi thực thi một method java từ navite code. Chúng ta sẽ cần biết method chạy thế nào, có bị ngoại lệ gì không. JNI có hỗ trợ cho chúng ta làm việc này.</a:t>
+              <a:t>	p_jvm Con trỏ có kiểu JavaVM, dùng biến này để thao tác lên JVM tạo ra.</a:t>
             </a:r>
           </a:p>
           <a:p>
@@ -5057,7 +5315,7 @@
                 <a:ea typeface="+mn-ea"/>
                 <a:cs typeface="+mn-cs"/>
               </a:rPr>
-              <a:t>JNI cũng cấp hai hàm kiểm tra xem có ngoại lệ xảy ra không và hàm lấy về đối tượng ngoại lệ:</a:t>
+              <a:t>	p_env Con trỏ kiểu JNIEnv, dùng biến này để thực hiện các lệnh JNI (như gọi chạy hàm main chẳng hạn).</a:t>
             </a:r>
           </a:p>
           <a:p>
@@ -5071,10 +5329,20 @@
                 <a:ea typeface="+mn-ea"/>
                 <a:cs typeface="+mn-cs"/>
               </a:rPr>
-              <a:t>jboolean ExceptionCheck(JNIEnv *env);</a:t>
-            </a:r>
-          </a:p>
-          <a:p>
+              <a:t>	vm_args Biến kiểu JavaVMInitArgs  làm tham sô truyền vào cho JVM.</a:t>
+            </a:r>
+            <a:endParaRPr lang="en-US" b="0" smtClean="0">
+              <a:solidFill>
+                <a:srgbClr val="000000"/>
+              </a:solidFill>
+            </a:endParaRPr>
+          </a:p>
+          <a:p>
+            <a:pPr>
+              <a:buClrTx/>
+              <a:buFont typeface="Wingdings" pitchFamily="2" charset="2"/>
+              <a:buNone/>
+            </a:pPr>
             <a:r>
               <a:rPr lang="en-US" sz="1200" b="1" kern="1200" smtClean="0">
                 <a:solidFill>
@@ -5085,10 +5353,10 @@
                 <a:ea typeface="+mn-ea"/>
                 <a:cs typeface="+mn-cs"/>
               </a:rPr>
-              <a:t>Return Values</a:t>
-            </a:r>
-            <a:r>
-              <a:rPr lang="en-US" sz="1200" kern="1200" smtClean="0">
+              <a:t>Hủy JVM</a:t>
+            </a:r>
+            <a:r>
+              <a:rPr lang="en-US" sz="1200" b="1" kern="1200" baseline="0" smtClean="0">
                 <a:solidFill>
                   <a:schemeClr val="tx1"/>
                 </a:solidFill>
@@ -5097,10 +5365,8 @@
                 <a:ea typeface="+mn-ea"/>
                 <a:cs typeface="+mn-cs"/>
               </a:rPr>
-              <a:t> trả về JNI_TRUE nếu có ngoại lệ sảy ra, hoặc JNI_FALSE nếu ngược lại.</a:t>
-            </a:r>
-          </a:p>
-          <a:p>
+              <a:t> </a:t>
+            </a:r>
             <a:r>
               <a:rPr lang="en-US" sz="1200" kern="1200" smtClean="0">
                 <a:solidFill>
@@ -5111,12 +5377,10 @@
                 <a:ea typeface="+mn-ea"/>
                 <a:cs typeface="+mn-cs"/>
               </a:rPr>
-              <a:t>jthrowable ExceptionOccurred(JNIEnv *env);</a:t>
-            </a:r>
-          </a:p>
-          <a:p>
-            <a:r>
-              <a:rPr lang="en-US" sz="1200" b="1" kern="1200" smtClean="0">
+              <a:t>Returns: trả về </a:t>
+            </a:r>
+            <a:r>
+              <a:rPr lang="en-US" sz="1000" kern="1200" smtClean="0">
                 <a:solidFill>
                   <a:schemeClr val="tx1"/>
                 </a:solidFill>
@@ -5125,7 +5389,7 @@
                 <a:ea typeface="+mn-ea"/>
                 <a:cs typeface="+mn-cs"/>
               </a:rPr>
-              <a:t>Return Values</a:t>
+              <a:t>0</a:t>
             </a:r>
             <a:r>
               <a:rPr lang="en-US" sz="1200" kern="1200" smtClean="0">
@@ -5137,8 +5401,48 @@
                 <a:ea typeface="+mn-ea"/>
                 <a:cs typeface="+mn-cs"/>
               </a:rPr>
-              <a:t> trả về đối tượng có interface Throwable nếu có ngoại lệ sảy ra, hoặc NULL nếu ngược lại.</a:t>
-            </a:r>
+              <a:t> sucess, một số âm nếu thất bại. </a:t>
+            </a:r>
+          </a:p>
+          <a:p>
+            <a:pPr>
+              <a:buClrTx/>
+              <a:buFont typeface="Wingdings" pitchFamily="2" charset="2"/>
+              <a:buNone/>
+            </a:pPr>
+            <a:r>
+              <a:rPr lang="en-US" sz="1200" kern="1200" smtClean="0">
+                <a:solidFill>
+                  <a:schemeClr val="tx1"/>
+                </a:solidFill>
+                <a:effectLst/>
+                <a:latin typeface="+mn-lt"/>
+                <a:ea typeface="+mn-ea"/>
+                <a:cs typeface="+mn-cs"/>
+              </a:rPr>
+              <a:t>Hàm này cần phải được gọi thông qua một con trỏ JavaVM được truyền vô lúc tạo JVM.</a:t>
+            </a:r>
+            <a:endParaRPr lang="en-US" sz="1300" kern="1200" smtClean="0">
+              <a:solidFill>
+                <a:schemeClr val="tx1"/>
+              </a:solidFill>
+              <a:effectLst/>
+              <a:latin typeface="+mn-lt"/>
+              <a:ea typeface="+mn-ea"/>
+              <a:cs typeface="+mn-cs"/>
+            </a:endParaRPr>
+          </a:p>
+          <a:p>
+            <a:pPr>
+              <a:buClrTx/>
+              <a:buFont typeface="Wingdings" pitchFamily="2" charset="2"/>
+              <a:buNone/>
+            </a:pPr>
+            <a:endParaRPr lang="en-US" b="0" smtClean="0">
+              <a:solidFill>
+                <a:srgbClr val="000000"/>
+              </a:solidFill>
+            </a:endParaRPr>
           </a:p>
           <a:p>
             <a:endParaRPr lang="en-US"/>
@@ -5202,248 +5506,6 @@
           <a:bodyPr/>
           <a:lstStyle/>
           <a:p>
-            <a:pPr>
-              <a:buClrTx/>
-              <a:buFont typeface="Wingdings" pitchFamily="2" charset="2"/>
-              <a:buNone/>
-            </a:pPr>
-            <a:r>
-              <a:rPr lang="en-US" b="0" smtClean="0">
-                <a:solidFill>
-                  <a:srgbClr val="000000"/>
-                </a:solidFill>
-              </a:rPr>
-              <a:t>Giả sử bạn có một chương trình C/C++ và muốn gọi Java code. Chính lúc này invocation API của JVM sẽ giúp bạn. Cho phép chúng ta tạo một Java Virtual Machine trong chương trình C/C++.</a:t>
-            </a:r>
-          </a:p>
-          <a:p>
-            <a:pPr>
-              <a:buClrTx/>
-              <a:buFont typeface="Wingdings" pitchFamily="2" charset="2"/>
-              <a:buNone/>
-            </a:pPr>
-            <a:r>
-              <a:rPr lang="en-US" b="0" smtClean="0">
-                <a:solidFill>
-                  <a:srgbClr val="000000"/>
-                </a:solidFill>
-              </a:rPr>
-              <a:t>JNI cung cấp hai hàm để tạo và hủy máy ảo java.</a:t>
-            </a:r>
-          </a:p>
-          <a:p>
-            <a:pPr>
-              <a:buClrTx/>
-              <a:buFont typeface="Wingdings" pitchFamily="2" charset="2"/>
-              <a:buNone/>
-            </a:pPr>
-            <a:r>
-              <a:rPr lang="en-US" b="1" smtClean="0">
-                <a:solidFill>
-                  <a:srgbClr val="000000"/>
-                </a:solidFill>
-              </a:rPr>
-              <a:t>Tạo</a:t>
-            </a:r>
-            <a:r>
-              <a:rPr lang="en-US" b="1" baseline="0" smtClean="0">
-                <a:solidFill>
-                  <a:srgbClr val="000000"/>
-                </a:solidFill>
-              </a:rPr>
-              <a:t> JVM: </a:t>
-            </a:r>
-            <a:r>
-              <a:rPr lang="en-US" sz="1200" kern="1200" smtClean="0">
-                <a:solidFill>
-                  <a:schemeClr val="tx1"/>
-                </a:solidFill>
-                <a:effectLst/>
-                <a:latin typeface="+mn-lt"/>
-                <a:ea typeface="+mn-ea"/>
-                <a:cs typeface="+mn-cs"/>
-              </a:rPr>
-              <a:t>0 thành công, JNI_ERR khi ngược lại.</a:t>
-            </a:r>
-          </a:p>
-          <a:p>
-            <a:r>
-              <a:rPr lang="en-US" sz="1200" b="1" kern="1200" smtClean="0">
-                <a:solidFill>
-                  <a:schemeClr val="tx1"/>
-                </a:solidFill>
-                <a:effectLst/>
-                <a:latin typeface="+mn-lt"/>
-                <a:ea typeface="+mn-ea"/>
-                <a:cs typeface="+mn-cs"/>
-              </a:rPr>
-              <a:t>Parameters:</a:t>
-            </a:r>
-            <a:endParaRPr lang="en-US" sz="1200" kern="1200" smtClean="0">
-              <a:solidFill>
-                <a:schemeClr val="tx1"/>
-              </a:solidFill>
-              <a:effectLst/>
-              <a:latin typeface="+mn-lt"/>
-              <a:ea typeface="+mn-ea"/>
-              <a:cs typeface="+mn-cs"/>
-            </a:endParaRPr>
-          </a:p>
-          <a:p>
-            <a:r>
-              <a:rPr lang="en-US" sz="1200" kern="1200" smtClean="0">
-                <a:solidFill>
-                  <a:schemeClr val="tx1"/>
-                </a:solidFill>
-                <a:effectLst/>
-                <a:latin typeface="+mn-lt"/>
-                <a:ea typeface="+mn-ea"/>
-                <a:cs typeface="+mn-cs"/>
-              </a:rPr>
-              <a:t>	p_jvm Con trỏ có kiểu JavaVM, dùng biến này để thao tác lên JVM tạo ra.</a:t>
-            </a:r>
-          </a:p>
-          <a:p>
-            <a:r>
-              <a:rPr lang="en-US" sz="1200" kern="1200" smtClean="0">
-                <a:solidFill>
-                  <a:schemeClr val="tx1"/>
-                </a:solidFill>
-                <a:effectLst/>
-                <a:latin typeface="+mn-lt"/>
-                <a:ea typeface="+mn-ea"/>
-                <a:cs typeface="+mn-cs"/>
-              </a:rPr>
-              <a:t>	p_env Con trỏ kiểu JNIEnv, dùng biến này để thực hiện các lệnh JNI (như gọi chạy hàm main chẳng hạn).</a:t>
-            </a:r>
-          </a:p>
-          <a:p>
-            <a:r>
-              <a:rPr lang="en-US" sz="1200" kern="1200" smtClean="0">
-                <a:solidFill>
-                  <a:schemeClr val="tx1"/>
-                </a:solidFill>
-                <a:effectLst/>
-                <a:latin typeface="+mn-lt"/>
-                <a:ea typeface="+mn-ea"/>
-                <a:cs typeface="+mn-cs"/>
-              </a:rPr>
-              <a:t>	vm_args Biến kiểu JavaVMInitArgs  làm tham sô truyền vào cho JVM.</a:t>
-            </a:r>
-            <a:endParaRPr lang="en-US" b="0" smtClean="0">
-              <a:solidFill>
-                <a:srgbClr val="000000"/>
-              </a:solidFill>
-            </a:endParaRPr>
-          </a:p>
-          <a:p>
-            <a:pPr>
-              <a:buClrTx/>
-              <a:buFont typeface="Wingdings" pitchFamily="2" charset="2"/>
-              <a:buNone/>
-            </a:pPr>
-            <a:r>
-              <a:rPr lang="en-US" sz="1200" b="1" kern="1200" smtClean="0">
-                <a:solidFill>
-                  <a:schemeClr val="tx1"/>
-                </a:solidFill>
-                <a:effectLst/>
-                <a:latin typeface="+mn-lt"/>
-                <a:ea typeface="+mn-ea"/>
-                <a:cs typeface="+mn-cs"/>
-              </a:rPr>
-              <a:t>Hủy JVM</a:t>
-            </a:r>
-            <a:r>
-              <a:rPr lang="en-US" sz="1200" b="1" kern="1200" baseline="0" smtClean="0">
-                <a:solidFill>
-                  <a:schemeClr val="tx1"/>
-                </a:solidFill>
-                <a:effectLst/>
-                <a:latin typeface="+mn-lt"/>
-                <a:ea typeface="+mn-ea"/>
-                <a:cs typeface="+mn-cs"/>
-              </a:rPr>
-              <a:t> </a:t>
-            </a:r>
-            <a:r>
-              <a:rPr lang="en-US" sz="1200" kern="1200" smtClean="0">
-                <a:solidFill>
-                  <a:schemeClr val="tx1"/>
-                </a:solidFill>
-                <a:effectLst/>
-                <a:latin typeface="+mn-lt"/>
-                <a:ea typeface="+mn-ea"/>
-                <a:cs typeface="+mn-cs"/>
-              </a:rPr>
-              <a:t>Returns: trả về </a:t>
-            </a:r>
-            <a:r>
-              <a:rPr lang="en-US" sz="1000" kern="1200" smtClean="0">
-                <a:solidFill>
-                  <a:schemeClr val="tx1"/>
-                </a:solidFill>
-                <a:effectLst/>
-                <a:latin typeface="+mn-lt"/>
-                <a:ea typeface="+mn-ea"/>
-                <a:cs typeface="+mn-cs"/>
-              </a:rPr>
-              <a:t>0</a:t>
-            </a:r>
-            <a:r>
-              <a:rPr lang="en-US" sz="1200" kern="1200" smtClean="0">
-                <a:solidFill>
-                  <a:schemeClr val="tx1"/>
-                </a:solidFill>
-                <a:effectLst/>
-                <a:latin typeface="+mn-lt"/>
-                <a:ea typeface="+mn-ea"/>
-                <a:cs typeface="+mn-cs"/>
-              </a:rPr>
-              <a:t> sucess, một số âm nếu thất bại. </a:t>
-            </a:r>
-          </a:p>
-          <a:p>
-            <a:pPr>
-              <a:buClrTx/>
-              <a:buFont typeface="Wingdings" pitchFamily="2" charset="2"/>
-              <a:buNone/>
-            </a:pPr>
-            <a:r>
-              <a:rPr lang="en-US" sz="1200" kern="1200" smtClean="0">
-                <a:solidFill>
-                  <a:schemeClr val="tx1"/>
-                </a:solidFill>
-                <a:effectLst/>
-                <a:latin typeface="+mn-lt"/>
-                <a:ea typeface="+mn-ea"/>
-                <a:cs typeface="+mn-cs"/>
-              </a:rPr>
-              <a:t>Hàm này cần phải được gọi thông qua một con trỏ JavaVM được truyền vô lúc tạo JVM.</a:t>
-            </a:r>
-            <a:endParaRPr lang="en-US" sz="1300" kern="1200" smtClean="0">
-              <a:solidFill>
-                <a:schemeClr val="tx1"/>
-              </a:solidFill>
-              <a:effectLst/>
-              <a:latin typeface="+mn-lt"/>
-              <a:ea typeface="+mn-ea"/>
-              <a:cs typeface="+mn-cs"/>
-            </a:endParaRPr>
-          </a:p>
-          <a:p>
-            <a:pPr>
-              <a:buClrTx/>
-              <a:buFont typeface="Wingdings" pitchFamily="2" charset="2"/>
-              <a:buNone/>
-            </a:pPr>
-            <a:endParaRPr lang="en-US" b="0" smtClean="0">
-              <a:solidFill>
-                <a:srgbClr val="000000"/>
-              </a:solidFill>
-            </a:endParaRPr>
-          </a:p>
-          <a:p>
             <a:endParaRPr lang="en-US"/>
           </a:p>
         </p:txBody>
@@ -5505,6 +5567,170 @@
           <a:bodyPr/>
           <a:lstStyle/>
           <a:p>
+            <a:pPr lvl="0"/>
+            <a:r>
+              <a:rPr lang="en-US" sz="1200" b="1" kern="1200" smtClean="0">
+                <a:solidFill>
+                  <a:schemeClr val="tx1"/>
+                </a:solidFill>
+                <a:effectLst/>
+                <a:latin typeface="+mn-lt"/>
+                <a:ea typeface="+mn-ea"/>
+                <a:cs typeface="+mn-cs"/>
+              </a:rPr>
+              <a:t>JNA</a:t>
+            </a:r>
+            <a:r>
+              <a:rPr lang="en-US" sz="1200" kern="1200" smtClean="0">
+                <a:solidFill>
+                  <a:schemeClr val="tx1"/>
+                </a:solidFill>
+                <a:effectLst/>
+                <a:latin typeface="+mn-lt"/>
+                <a:ea typeface="+mn-ea"/>
+                <a:cs typeface="+mn-cs"/>
+              </a:rPr>
+              <a:t>: </a:t>
+            </a:r>
+            <a:r>
+              <a:rPr lang="en-US" sz="800" b="0" kern="1200" smtClean="0">
+                <a:solidFill>
+                  <a:srgbClr val="000000"/>
+                </a:solidFill>
+                <a:latin typeface="+mn-lt"/>
+                <a:ea typeface="+mn-ea"/>
+                <a:cs typeface="+mn-cs"/>
+              </a:rPr>
+              <a:t>hỗ trợ chương trình Java dễ dàng truy cập đến các thư viện được chia sẽ mà không cần sử dụng JNI .</a:t>
+            </a:r>
+          </a:p>
+          <a:p>
+            <a:pPr lvl="0"/>
+            <a:r>
+              <a:rPr lang="en-US" sz="1200" kern="1200" smtClean="0">
+                <a:solidFill>
+                  <a:schemeClr val="tx1"/>
+                </a:solidFill>
+                <a:effectLst/>
+                <a:latin typeface="+mn-lt"/>
+                <a:ea typeface="+mn-ea"/>
+                <a:cs typeface="+mn-cs"/>
+              </a:rPr>
+              <a:t>JKhông </a:t>
+            </a:r>
+            <a:r>
+              <a:rPr lang="en-US" sz="1200" kern="1200" smtClean="0">
+                <a:solidFill>
+                  <a:schemeClr val="tx1"/>
+                </a:solidFill>
+                <a:effectLst/>
+                <a:latin typeface="+mn-lt"/>
+                <a:ea typeface="+mn-ea"/>
+                <a:cs typeface="+mn-cs"/>
+              </a:rPr>
+              <a:t>giống như JNI, nó không yêu cầu để tạo ra mã bằng cách sử dụng chức năng C. Để sử dụng chúng, chỉ đơn giản sử các tập tin có định nghĩa chúng và tuyên bố tiêu đề của các chức năng này trong một giao diện.</a:t>
+            </a:r>
+          </a:p>
+          <a:p>
+            <a:pPr lvl="0"/>
+            <a:r>
+              <a:rPr lang="en-US" sz="1200" b="1" kern="1200" smtClean="0">
+                <a:solidFill>
+                  <a:schemeClr val="tx1"/>
+                </a:solidFill>
+                <a:effectLst/>
+                <a:latin typeface="+mn-lt"/>
+                <a:ea typeface="+mn-ea"/>
+                <a:cs typeface="+mn-cs"/>
+              </a:rPr>
+              <a:t>JNA</a:t>
+            </a:r>
+            <a:r>
+              <a:rPr lang="en-US" sz="1200" kern="1200" smtClean="0">
+                <a:solidFill>
+                  <a:schemeClr val="tx1"/>
+                </a:solidFill>
+                <a:effectLst/>
+                <a:latin typeface="+mn-lt"/>
+                <a:ea typeface="+mn-ea"/>
+                <a:cs typeface="+mn-cs"/>
+              </a:rPr>
+              <a:t> </a:t>
+            </a:r>
+            <a:r>
+              <a:rPr lang="en-US" sz="1200" kern="1200" smtClean="0">
+                <a:solidFill>
+                  <a:schemeClr val="tx1"/>
+                </a:solidFill>
+                <a:effectLst/>
+                <a:latin typeface="+mn-lt"/>
+                <a:ea typeface="+mn-ea"/>
+                <a:cs typeface="+mn-cs"/>
+              </a:rPr>
+              <a:t>thiết kế nhằm mục đích để cung cấp các truy cập một cách tự nhiên, ít tốn công sức.</a:t>
+            </a:r>
+          </a:p>
+          <a:p>
+            <a:pPr lvl="0"/>
+            <a:r>
+              <a:rPr lang="en-US" sz="1200" kern="1200" smtClean="0">
+                <a:solidFill>
+                  <a:schemeClr val="tx1"/>
+                </a:solidFill>
+                <a:effectLst/>
+                <a:latin typeface="+mn-lt"/>
+                <a:ea typeface="+mn-ea"/>
+                <a:cs typeface="+mn-cs"/>
+              </a:rPr>
+              <a:t>Các thư viện yêu cầu sử dụng</a:t>
+            </a:r>
+          </a:p>
+          <a:p>
+            <a:pPr lvl="1"/>
+            <a:r>
+              <a:rPr lang="en-US" sz="1200" kern="1200" smtClean="0">
+                <a:solidFill>
+                  <a:schemeClr val="tx1"/>
+                </a:solidFill>
+                <a:effectLst/>
+                <a:latin typeface="+mn-lt"/>
+                <a:ea typeface="+mn-ea"/>
+                <a:cs typeface="+mn-cs"/>
+              </a:rPr>
+              <a:t>import com.sun.jna.Library;</a:t>
+            </a:r>
+          </a:p>
+          <a:p>
+            <a:pPr lvl="1"/>
+            <a:r>
+              <a:rPr lang="en-US" sz="1200" kern="1200" smtClean="0">
+                <a:solidFill>
+                  <a:schemeClr val="tx1"/>
+                </a:solidFill>
+                <a:effectLst/>
+                <a:latin typeface="+mn-lt"/>
+                <a:ea typeface="+mn-ea"/>
+                <a:cs typeface="+mn-cs"/>
+              </a:rPr>
+              <a:t>import com.sun.jna.Native;</a:t>
+            </a:r>
+          </a:p>
+          <a:p>
+            <a:pPr lvl="1"/>
+            <a:r>
+              <a:rPr lang="en-US" sz="1200" kern="1200" smtClean="0">
+                <a:solidFill>
+                  <a:schemeClr val="tx1"/>
+                </a:solidFill>
+                <a:effectLst/>
+                <a:latin typeface="+mn-lt"/>
+                <a:ea typeface="+mn-ea"/>
+                <a:cs typeface="+mn-cs"/>
+              </a:rPr>
+              <a:t>import com.sun.jna.Platform;</a:t>
+            </a:r>
+          </a:p>
+          <a:p>
             <a:endParaRPr lang="en-US"/>
           </a:p>
         </p:txBody>
@@ -5566,156 +5792,6 @@
           <a:bodyPr/>
           <a:lstStyle/>
           <a:p>
-            <a:pPr lvl="0"/>
-            <a:r>
-              <a:rPr lang="en-US" sz="1200" b="1" kern="1200" smtClean="0">
-                <a:solidFill>
-                  <a:schemeClr val="tx1"/>
-                </a:solidFill>
-                <a:effectLst/>
-                <a:latin typeface="+mn-lt"/>
-                <a:ea typeface="+mn-ea"/>
-                <a:cs typeface="+mn-cs"/>
-              </a:rPr>
-              <a:t>JNA</a:t>
-            </a:r>
-            <a:r>
-              <a:rPr lang="en-US" sz="1200" kern="1200" smtClean="0">
-                <a:solidFill>
-                  <a:schemeClr val="tx1"/>
-                </a:solidFill>
-                <a:effectLst/>
-                <a:latin typeface="+mn-lt"/>
-                <a:ea typeface="+mn-ea"/>
-                <a:cs typeface="+mn-cs"/>
-              </a:rPr>
-              <a:t>: </a:t>
-            </a:r>
-            <a:r>
-              <a:rPr lang="en-US" sz="1200" kern="1200" smtClean="0">
-                <a:solidFill>
-                  <a:schemeClr val="tx1"/>
-                </a:solidFill>
-                <a:effectLst/>
-                <a:latin typeface="+mn-lt"/>
-                <a:ea typeface="+mn-ea"/>
-                <a:cs typeface="+mn-cs"/>
-              </a:rPr>
-              <a:t>JKhông </a:t>
-            </a:r>
-            <a:r>
-              <a:rPr lang="en-US" sz="1200" kern="1200" smtClean="0">
-                <a:solidFill>
-                  <a:schemeClr val="tx1"/>
-                </a:solidFill>
-                <a:effectLst/>
-                <a:latin typeface="+mn-lt"/>
-                <a:ea typeface="+mn-ea"/>
-                <a:cs typeface="+mn-cs"/>
-              </a:rPr>
-              <a:t>giống như JNI, nó không yêu cầu để tạo ra mã bằng cách sử dụng chức năng C. Để sử dụng chúng, chỉ đơn giản sử các tập tin có định nghĩa chúng và tuyên bố tiêu đề của các chức năng này trong một giao diện.</a:t>
-            </a:r>
-          </a:p>
-          <a:p>
-            <a:pPr lvl="0"/>
-            <a:r>
-              <a:rPr lang="en-US" sz="1200" b="1" kern="1200" smtClean="0">
-                <a:solidFill>
-                  <a:schemeClr val="tx1"/>
-                </a:solidFill>
-                <a:effectLst/>
-                <a:latin typeface="+mn-lt"/>
-                <a:ea typeface="+mn-ea"/>
-                <a:cs typeface="+mn-cs"/>
-              </a:rPr>
-              <a:t>JNA</a:t>
-            </a:r>
-            <a:r>
-              <a:rPr lang="en-US" sz="1200" kern="1200" smtClean="0">
-                <a:solidFill>
-                  <a:schemeClr val="tx1"/>
-                </a:solidFill>
-                <a:effectLst/>
-                <a:latin typeface="+mn-lt"/>
-                <a:ea typeface="+mn-ea"/>
-                <a:cs typeface="+mn-cs"/>
-              </a:rPr>
-              <a:t> </a:t>
-            </a:r>
-            <a:r>
-              <a:rPr lang="en-US" sz="1200" kern="1200" smtClean="0">
-                <a:solidFill>
-                  <a:schemeClr val="tx1"/>
-                </a:solidFill>
-                <a:effectLst/>
-                <a:latin typeface="+mn-lt"/>
-                <a:ea typeface="+mn-ea"/>
-                <a:cs typeface="+mn-cs"/>
-              </a:rPr>
-              <a:t>thiết kế nhằm mục đích để cung cấp các truy cập một cách tự nhiên, ít tốn công sức.</a:t>
-            </a:r>
-          </a:p>
-          <a:p>
-            <a:pPr lvl="0"/>
-            <a:r>
-              <a:rPr lang="en-US" sz="1200" kern="1200" smtClean="0">
-                <a:solidFill>
-                  <a:schemeClr val="tx1"/>
-                </a:solidFill>
-                <a:effectLst/>
-                <a:latin typeface="+mn-lt"/>
-                <a:ea typeface="+mn-ea"/>
-                <a:cs typeface="+mn-cs"/>
-              </a:rPr>
-              <a:t>Các thư viện yêu cầu sử dụng</a:t>
-            </a:r>
-          </a:p>
-          <a:p>
-            <a:pPr lvl="1"/>
-            <a:r>
-              <a:rPr lang="en-US" sz="1200" kern="1200" smtClean="0">
-                <a:solidFill>
-                  <a:schemeClr val="tx1"/>
-                </a:solidFill>
-                <a:effectLst/>
-                <a:latin typeface="+mn-lt"/>
-                <a:ea typeface="+mn-ea"/>
-                <a:cs typeface="+mn-cs"/>
-              </a:rPr>
-              <a:t>import com.sun.jna.Library;</a:t>
-            </a:r>
-          </a:p>
-          <a:p>
-            <a:pPr lvl="1"/>
-            <a:r>
-              <a:rPr lang="en-US" sz="1200" kern="1200" smtClean="0">
-                <a:solidFill>
-                  <a:schemeClr val="tx1"/>
-                </a:solidFill>
-                <a:effectLst/>
-                <a:latin typeface="+mn-lt"/>
-                <a:ea typeface="+mn-ea"/>
-                <a:cs typeface="+mn-cs"/>
-              </a:rPr>
-              <a:t>import com.sun.jna.Native;</a:t>
-            </a:r>
-          </a:p>
-          <a:p>
-            <a:pPr lvl="1"/>
-            <a:r>
-              <a:rPr lang="en-US" sz="1200" kern="1200" smtClean="0">
-                <a:solidFill>
-                  <a:schemeClr val="tx1"/>
-                </a:solidFill>
-                <a:effectLst/>
-                <a:latin typeface="+mn-lt"/>
-                <a:ea typeface="+mn-ea"/>
-                <a:cs typeface="+mn-cs"/>
-              </a:rPr>
-              <a:t>import com.sun.jna.Platform;</a:t>
-            </a:r>
-          </a:p>
-          <a:p>
             <a:endParaRPr lang="en-US"/>
           </a:p>
         </p:txBody>
@@ -5845,67 +5921,6 @@
     </p:spTree>
     <p:extLst>
       <p:ext uri="{BB962C8B-B14F-4D97-AF65-F5344CB8AC3E}">
-        <p14:creationId xmlns:p14="http://schemas.microsoft.com/office/powerpoint/2010/main" val="3087672818"/>
-      </p:ext>
-    </p:extLst>
-  </p:cSld>
-  <p:clrMapOvr>
-    <a:masterClrMapping/>
-  </p:clrMapOvr>
-</p:notes>
-</file>
-
-<file path=ppt/notesSlides/notesSlide26.xml><?xml version="1.0" encoding="utf-8"?>
-<p:notes xmlns:a="http://schemas.openxmlformats.org/drawingml/2006/main" xmlns:r="http://schemas.openxmlformats.org/officeDocument/2006/relationships" xmlns:p="http://schemas.openxmlformats.org/presentationml/2006/main">
-  <p:cSld>
-    <p:spTree>
-      <p:nvGrpSpPr>
-        <p:cNvPr id="1" name=""/>
-        <p:cNvGrpSpPr/>
-        <p:nvPr/>
-      </p:nvGrpSpPr>
-      <p:grpSpPr>
-        <a:xfrm>
-          <a:off x="0" y="0"/>
-          <a:ext cx="0" cy="0"/>
-          <a:chOff x="0" y="0"/>
-          <a:chExt cx="0" cy="0"/>
-        </a:xfrm>
-      </p:grpSpPr>
-      <p:sp>
-        <p:nvSpPr>
-          <p:cNvPr id="2" name="Slide Image Placeholder 1"/>
-          <p:cNvSpPr>
-            <a:spLocks noGrp="1" noRot="1" noChangeAspect="1"/>
-          </p:cNvSpPr>
-          <p:nvPr>
-            <p:ph type="sldImg"/>
-          </p:nvPr>
-        </p:nvSpPr>
-        <p:spPr/>
-      </p:sp>
-      <p:sp>
-        <p:nvSpPr>
-          <p:cNvPr id="3" name="Notes Placeholder 2"/>
-          <p:cNvSpPr>
-            <a:spLocks noGrp="1"/>
-          </p:cNvSpPr>
-          <p:nvPr>
-            <p:ph type="body" idx="1"/>
-          </p:nvPr>
-        </p:nvSpPr>
-        <p:spPr/>
-        <p:txBody>
-          <a:bodyPr/>
-          <a:lstStyle/>
-          <a:p>
-            <a:endParaRPr lang="en-US"/>
-          </a:p>
-        </p:txBody>
-      </p:sp>
-    </p:spTree>
-    <p:extLst>
-      <p:ext uri="{BB962C8B-B14F-4D97-AF65-F5344CB8AC3E}">
         <p14:creationId xmlns:p14="http://schemas.microsoft.com/office/powerpoint/2010/main" val="1243872160"/>
       </p:ext>
     </p:extLst>
@@ -6651,6 +6666,97 @@
           <a:bodyPr/>
           <a:lstStyle/>
           <a:p>
+            <a:pPr lvl="0"/>
+            <a:r>
+              <a:rPr lang="en-US" sz="1200" b="1" u="sng" kern="1200" smtClean="0">
+                <a:solidFill>
+                  <a:schemeClr val="tx1"/>
+                </a:solidFill>
+                <a:effectLst/>
+                <a:latin typeface="+mn-lt"/>
+                <a:ea typeface="+mn-ea"/>
+                <a:cs typeface="+mn-cs"/>
+              </a:rPr>
+              <a:t>Array</a:t>
+            </a:r>
+            <a:endParaRPr lang="en-US" sz="1200" kern="1200" smtClean="0">
+              <a:solidFill>
+                <a:schemeClr val="tx1"/>
+              </a:solidFill>
+              <a:effectLst/>
+              <a:latin typeface="+mn-lt"/>
+              <a:ea typeface="+mn-ea"/>
+              <a:cs typeface="+mn-cs"/>
+            </a:endParaRPr>
+          </a:p>
+          <a:p>
+            <a:pPr lvl="0"/>
+            <a:r>
+              <a:rPr lang="en-US" sz="1200" kern="1200" smtClean="0">
+                <a:solidFill>
+                  <a:schemeClr val="tx1"/>
+                </a:solidFill>
+                <a:effectLst/>
+                <a:latin typeface="+mn-lt"/>
+                <a:ea typeface="+mn-ea"/>
+                <a:cs typeface="+mn-cs"/>
+              </a:rPr>
+              <a:t>JNI xử lý </a:t>
+            </a:r>
+            <a:r>
+              <a:rPr lang="en-US" sz="1200" i="1" kern="1200" smtClean="0">
+                <a:solidFill>
+                  <a:schemeClr val="tx1"/>
+                </a:solidFill>
+                <a:effectLst/>
+                <a:latin typeface="+mn-lt"/>
+                <a:ea typeface="+mn-ea"/>
+                <a:cs typeface="+mn-cs"/>
+              </a:rPr>
+              <a:t>các </a:t>
+            </a:r>
+            <a:r>
+              <a:rPr lang="en-US" sz="1200" kern="1200" smtClean="0">
+                <a:solidFill>
+                  <a:schemeClr val="tx1"/>
+                </a:solidFill>
+                <a:effectLst/>
+                <a:latin typeface="+mn-lt"/>
+                <a:ea typeface="+mn-ea"/>
+                <a:cs typeface="+mn-cs"/>
+              </a:rPr>
+              <a:t>mảng nguyên thủy và các mảng đối tượng khác nhau. Mảng nguyên thủy có chứa các yếu tố là các loại nguyên thủy như int và boolean. Mảng đối tượng chứa các yếu tố là các loại object chẳng hạn như trường hợp class và các mảng 2 chiều.</a:t>
+            </a:r>
+          </a:p>
+          <a:p>
+            <a:pPr lvl="0"/>
+            <a:r>
+              <a:rPr lang="en-US" sz="1200" kern="1200" smtClean="0">
+                <a:solidFill>
+                  <a:schemeClr val="tx1"/>
+                </a:solidFill>
+                <a:effectLst/>
+                <a:latin typeface="+mn-lt"/>
+                <a:ea typeface="+mn-ea"/>
+                <a:cs typeface="+mn-cs"/>
+              </a:rPr>
+              <a:t>JNI sử dụng jarray để tao tác với mảng</a:t>
+            </a:r>
+          </a:p>
+          <a:p>
+            <a:pPr lvl="0"/>
+            <a:r>
+              <a:rPr lang="en-US" sz="1200" kern="1200" smtClean="0">
+                <a:solidFill>
+                  <a:schemeClr val="tx1"/>
+                </a:solidFill>
+                <a:effectLst/>
+                <a:latin typeface="+mn-lt"/>
+                <a:ea typeface="+mn-ea"/>
+                <a:cs typeface="+mn-cs"/>
+              </a:rPr>
+              <a:t>Jarray không phải là 1 loại mảng trong C, vì vậy phải sử dụng các phương thức jarray trong JNI thích hợp để truy cập mảng.</a:t>
+            </a:r>
             <a:endParaRPr lang="en-US"/>
           </a:p>
         </p:txBody>
@@ -6712,97 +6818,40 @@
           <a:bodyPr/>
           <a:lstStyle/>
           <a:p>
-            <a:pPr lvl="0"/>
-            <a:r>
-              <a:rPr lang="en-US" sz="1200" b="1" u="sng" kern="1200" smtClean="0">
-                <a:solidFill>
-                  <a:schemeClr val="tx1"/>
-                </a:solidFill>
-                <a:effectLst/>
-                <a:latin typeface="+mn-lt"/>
-                <a:ea typeface="+mn-ea"/>
-                <a:cs typeface="+mn-cs"/>
-              </a:rPr>
-              <a:t>Array</a:t>
-            </a:r>
-            <a:endParaRPr lang="en-US" sz="1200" kern="1200" smtClean="0">
-              <a:solidFill>
-                <a:schemeClr val="tx1"/>
-              </a:solidFill>
-              <a:effectLst/>
-              <a:latin typeface="+mn-lt"/>
-              <a:ea typeface="+mn-ea"/>
-              <a:cs typeface="+mn-cs"/>
-            </a:endParaRPr>
-          </a:p>
-          <a:p>
-            <a:pPr lvl="0"/>
-            <a:r>
-              <a:rPr lang="en-US" sz="1200" kern="1200" smtClean="0">
-                <a:solidFill>
-                  <a:schemeClr val="tx1"/>
-                </a:solidFill>
-                <a:effectLst/>
-                <a:latin typeface="+mn-lt"/>
-                <a:ea typeface="+mn-ea"/>
-                <a:cs typeface="+mn-cs"/>
-              </a:rPr>
-              <a:t>JNI xử lý </a:t>
-            </a:r>
-            <a:r>
-              <a:rPr lang="en-US" sz="1200" i="1" kern="1200" smtClean="0">
-                <a:solidFill>
-                  <a:schemeClr val="tx1"/>
-                </a:solidFill>
-                <a:effectLst/>
-                <a:latin typeface="+mn-lt"/>
-                <a:ea typeface="+mn-ea"/>
-                <a:cs typeface="+mn-cs"/>
-              </a:rPr>
-              <a:t>các </a:t>
-            </a:r>
-            <a:r>
-              <a:rPr lang="en-US" sz="1200" kern="1200" smtClean="0">
-                <a:solidFill>
-                  <a:schemeClr val="tx1"/>
-                </a:solidFill>
-                <a:effectLst/>
-                <a:latin typeface="+mn-lt"/>
-                <a:ea typeface="+mn-ea"/>
-                <a:cs typeface="+mn-cs"/>
-              </a:rPr>
-              <a:t>mảng nguyên thủy và các mảng đối tượng khác nhau. Mảng nguyên thủy có chứa các yếu tố là các loại nguyên thủy như int và boolean. Mảng đối tượng chứa các yếu tố là các loại object chẳng hạn như trường hợp class và các mảng 2 chiều.</a:t>
-            </a:r>
-          </a:p>
-          <a:p>
-            <a:pPr lvl="0"/>
-            <a:r>
-              <a:rPr lang="en-US" sz="1200" kern="1200" smtClean="0">
-                <a:solidFill>
-                  <a:schemeClr val="tx1"/>
-                </a:solidFill>
-                <a:effectLst/>
-                <a:latin typeface="+mn-lt"/>
-                <a:ea typeface="+mn-ea"/>
-                <a:cs typeface="+mn-cs"/>
-              </a:rPr>
-              <a:t>JNI sử dụng jarray để tao tác với mảng</a:t>
-            </a:r>
-          </a:p>
-          <a:p>
-            <a:pPr lvl="0"/>
-            <a:r>
-              <a:rPr lang="en-US" sz="1200" kern="1200" smtClean="0">
-                <a:solidFill>
-                  <a:schemeClr val="tx1"/>
-                </a:solidFill>
-                <a:effectLst/>
-                <a:latin typeface="+mn-lt"/>
-                <a:ea typeface="+mn-ea"/>
-                <a:cs typeface="+mn-cs"/>
-              </a:rPr>
-              <a:t>Jarray không phải là 1 loại mảng trong C, vì vậy phải sử dụng các phương thức jarray trong JNI thích hợp để truy cập mảng.</a:t>
-            </a:r>
+            <a:r>
+              <a:rPr lang="en-US" b="1" smtClean="0"/>
+              <a:t>Parameters GET</a:t>
+            </a:r>
+            <a:r>
+              <a:rPr lang="en-US" smtClean="0"/>
+              <a:t> </a:t>
+            </a:r>
+          </a:p>
+          <a:p>
+            <a:r>
+              <a:rPr lang="en-US" smtClean="0"/>
+              <a:t>env: JNIEnv interface pointer.</a:t>
+            </a:r>
+          </a:p>
+          <a:p>
+            <a:r>
+              <a:rPr lang="en-US" smtClean="0"/>
+              <a:t>jclass: trỏ đến class có field được truy xuất.</a:t>
+            </a:r>
+          </a:p>
+          <a:p>
+            <a:r>
+              <a:rPr lang="en-US" smtClean="0"/>
+              <a:t>fieldID: một biến có kiểu jfieldID đại diện cho field được truy xuất.</a:t>
+            </a:r>
+          </a:p>
+          <a:p>
+            <a:endParaRPr lang="en-US" smtClean="0"/>
+          </a:p>
+          <a:p>
+            <a:endParaRPr lang="en-US" smtClean="0"/>
+          </a:p>
+          <a:p>
             <a:endParaRPr lang="en-US"/>
           </a:p>
         </p:txBody>
@@ -11367,33 +11416,45 @@
               <a:buNone/>
             </a:pPr>
             <a:r>
-              <a:rPr lang="en-US">
-                <a:solidFill>
-                  <a:srgbClr val="000000"/>
+              <a:rPr lang="en-US" b="1">
+                <a:solidFill>
+                  <a:schemeClr val="accent4">
+                    <a:lumMod val="90000"/>
+                    <a:lumOff val="10000"/>
+                  </a:schemeClr>
                 </a:solidFill>
               </a:rPr>
               <a:t>jobject </a:t>
             </a:r>
             <a:r>
-              <a:rPr lang="en-US">
-                <a:solidFill>
-                  <a:srgbClr val="000000"/>
+              <a:rPr lang="en-US" b="1">
+                <a:solidFill>
+                  <a:schemeClr val="accent4">
+                    <a:lumMod val="90000"/>
+                    <a:lumOff val="10000"/>
+                  </a:schemeClr>
                 </a:solidFill>
               </a:rPr>
               <a:t>	</a:t>
             </a:r>
             <a:r>
-              <a:rPr lang="en-US" smtClean="0">
-                <a:solidFill>
-                  <a:srgbClr val="000000"/>
+              <a:rPr lang="en-US" b="1" smtClean="0">
+                <a:solidFill>
+                  <a:schemeClr val="accent4">
+                    <a:lumMod val="90000"/>
+                    <a:lumOff val="10000"/>
+                  </a:schemeClr>
                 </a:solidFill>
               </a:rPr>
               <a:t>	jboolean</a:t>
             </a:r>
             <a:r>
-              <a:rPr lang="en-US">
-                <a:solidFill>
-                  <a:srgbClr val="000000"/>
+              <a:rPr lang="en-US" b="1">
+                <a:solidFill>
+                  <a:schemeClr val="accent4">
+                    <a:lumMod val="90000"/>
+                    <a:lumOff val="10000"/>
+                  </a:schemeClr>
                 </a:solidFill>
               </a:rPr>
               <a:t>		jbyte</a:t>
@@ -11405,13 +11466,46 @@
               <a:buNone/>
             </a:pPr>
             <a:r>
-              <a:rPr lang="en-US">
-                <a:solidFill>
-                  <a:srgbClr val="000000"/>
-                </a:solidFill>
-              </a:rPr>
-              <a:t>jchar		jshort			jint</a:t>
-            </a:r>
+              <a:rPr lang="en-US" b="1">
+                <a:solidFill>
+                  <a:schemeClr val="accent4">
+                    <a:lumMod val="90000"/>
+                    <a:lumOff val="10000"/>
+                  </a:schemeClr>
+                </a:solidFill>
+              </a:rPr>
+              <a:t>jchar		jshort	</a:t>
+            </a:r>
+            <a:r>
+              <a:rPr lang="en-US" b="1">
+                <a:solidFill>
+                  <a:schemeClr val="accent4">
+                    <a:lumMod val="90000"/>
+                    <a:lumOff val="10000"/>
+                  </a:schemeClr>
+                </a:solidFill>
+              </a:rPr>
+              <a:t>	</a:t>
+            </a:r>
+            <a:r>
+              <a:rPr lang="en-US" b="1" smtClean="0">
+                <a:solidFill>
+                  <a:schemeClr val="accent4">
+                    <a:lumMod val="90000"/>
+                    <a:lumOff val="10000"/>
+                  </a:schemeClr>
+                </a:solidFill>
+              </a:rPr>
+              <a:t>jint</a:t>
+            </a:r>
+            <a:endParaRPr lang="en-US" b="1">
+              <a:solidFill>
+                <a:schemeClr val="accent4">
+                  <a:lumMod val="90000"/>
+                  <a:lumOff val="10000"/>
+                </a:schemeClr>
+              </a:solidFill>
+            </a:endParaRPr>
           </a:p>
           <a:p>
             <a:pPr marL="457200" lvl="1" indent="0">
@@ -11419,32 +11513,44 @@
               <a:buNone/>
             </a:pPr>
             <a:r>
-              <a:rPr lang="en-US">
-                <a:solidFill>
-                  <a:srgbClr val="000000"/>
+              <a:rPr lang="en-US" b="1">
+                <a:solidFill>
+                  <a:schemeClr val="accent4">
+                    <a:lumMod val="90000"/>
+                    <a:lumOff val="10000"/>
+                  </a:schemeClr>
                 </a:solidFill>
               </a:rPr>
               <a:t>jlong		jstring	</a:t>
             </a:r>
             <a:r>
-              <a:rPr lang="en-US">
-                <a:solidFill>
-                  <a:srgbClr val="000000"/>
+              <a:rPr lang="en-US" b="1">
+                <a:solidFill>
+                  <a:schemeClr val="accent4">
+                    <a:lumMod val="90000"/>
+                    <a:lumOff val="10000"/>
+                  </a:schemeClr>
                 </a:solidFill>
               </a:rPr>
               <a:t>	</a:t>
             </a:r>
             <a:r>
-              <a:rPr lang="en-US" smtClean="0">
-                <a:solidFill>
-                  <a:srgbClr val="000000"/>
+              <a:rPr lang="en-US" b="1" smtClean="0">
+                <a:solidFill>
+                  <a:schemeClr val="accent4">
+                    <a:lumMod val="90000"/>
+                    <a:lumOff val="10000"/>
+                  </a:schemeClr>
                 </a:solidFill>
               </a:rPr>
               <a:t>jfloat</a:t>
             </a:r>
-            <a:endParaRPr lang="en-US">
+            <a:endParaRPr lang="en-US" b="1">
               <a:solidFill>
-                <a:srgbClr val="000000"/>
+                <a:schemeClr val="accent4">
+                  <a:lumMod val="90000"/>
+                  <a:lumOff val="10000"/>
+                </a:schemeClr>
               </a:solidFill>
             </a:endParaRPr>
           </a:p>
@@ -11690,37 +11796,16 @@
                   <a:srgbClr val="000000"/>
                 </a:solidFill>
               </a:rPr>
-              <a:t>Numeric Parameters</a:t>
-            </a:r>
-          </a:p>
-          <a:p>
-            <a:pPr marL="0" lvl="0" indent="744538">
-              <a:buClrTx/>
-              <a:buNone/>
-            </a:pPr>
-            <a:r>
-              <a:rPr lang="en-US" sz="2400" b="0" smtClean="0">
+              <a:t>Numeric </a:t>
+            </a:r>
+            <a:r>
+              <a:rPr lang="en-US" sz="2400" smtClean="0">
                 <a:solidFill>
                   <a:srgbClr val="000000"/>
                 </a:solidFill>
               </a:rPr>
-              <a:t>Sự </a:t>
-            </a:r>
-            <a:r>
-              <a:rPr lang="en-US" sz="2400" b="0">
-                <a:solidFill>
-                  <a:srgbClr val="000000"/>
-                </a:solidFill>
-              </a:rPr>
-              <a:t>tương ứng trong kiểu dữ liệu:</a:t>
-            </a:r>
-          </a:p>
-          <a:p>
-            <a:pPr>
-              <a:buClrTx/>
-              <a:buFont typeface="Wingdings" pitchFamily="2" charset="2"/>
-              <a:buChar char="q"/>
-            </a:pPr>
+              <a:t>Parameters</a:t>
+            </a:r>
             <a:endParaRPr lang="en-US" b="0">
               <a:solidFill>
                 <a:srgbClr val="000000"/>
@@ -11790,14 +11875,14 @@
           <p:nvPr>
             <p:extLst>
               <p:ext uri="{D42A27DB-BD31-4B8C-83A1-F6EECF244321}">
-                <p14:modId xmlns:p14="http://schemas.microsoft.com/office/powerpoint/2010/main" val="435751717"/>
+                <p14:modId xmlns:p14="http://schemas.microsoft.com/office/powerpoint/2010/main" val="3141656980"/>
               </p:ext>
             </p:extLst>
           </p:nvPr>
         </p:nvGraphicFramePr>
         <p:xfrm>
-          <a:off x="990600" y="2514598"/>
-          <a:ext cx="7391400" cy="3869266"/>
+          <a:off x="914400" y="2057399"/>
+          <a:ext cx="7543800" cy="4326465"/>
         </p:xfrm>
         <a:graphic>
           <a:graphicData uri="http://schemas.openxmlformats.org/drawingml/2006/table">
@@ -11806,11 +11891,11 @@
                 <a:tableStyleId>{5C22544A-7EE6-4342-B048-85BDC9FD1C3A}</a:tableStyleId>
               </a:tblPr>
               <a:tblGrid>
-                <a:gridCol w="2463800"/>
-                <a:gridCol w="2463800"/>
-                <a:gridCol w="2463800"/>
+                <a:gridCol w="2514600"/>
+                <a:gridCol w="2514600"/>
+                <a:gridCol w="2514600"/>
               </a:tblGrid>
-              <a:tr h="485906">
+              <a:tr h="543321">
                 <a:tc>
                   <a:txBody>
                     <a:bodyPr/>
@@ -11914,7 +11999,7 @@
                   <a:tcPr marL="68580" marR="68580" marT="0" marB="0" anchor="ctr"/>
                 </a:tc>
               </a:tr>
-              <a:tr h="422920">
+              <a:tr h="472893">
                 <a:tc>
                   <a:txBody>
                     <a:bodyPr/>
@@ -12012,7 +12097,7 @@
                   <a:tcPr marL="68580" marR="68580" marT="0" marB="0" anchor="ctr"/>
                 </a:tc>
               </a:tr>
-              <a:tr h="422920">
+              <a:tr h="472893">
                 <a:tc>
                   <a:txBody>
                     <a:bodyPr/>
@@ -12110,7 +12195,7 @@
                   <a:tcPr marL="68580" marR="68580" marT="0" marB="0" anchor="ctr"/>
                 </a:tc>
               </a:tr>
-              <a:tr h="422920">
+              <a:tr h="472893">
                 <a:tc>
                   <a:txBody>
                     <a:bodyPr/>
@@ -12208,7 +12293,7 @@
                   <a:tcPr marL="68580" marR="68580" marT="0" marB="0" anchor="ctr"/>
                 </a:tc>
               </a:tr>
-              <a:tr h="422920">
+              <a:tr h="472893">
                 <a:tc>
                   <a:txBody>
                     <a:bodyPr/>
@@ -12306,7 +12391,7 @@
                   <a:tcPr marL="68580" marR="68580" marT="0" marB="0" anchor="ctr"/>
                 </a:tc>
               </a:tr>
-              <a:tr h="422920">
+              <a:tr h="472893">
                 <a:tc>
                   <a:txBody>
                     <a:bodyPr/>
@@ -12404,7 +12489,7 @@
                   <a:tcPr marL="68580" marR="68580" marT="0" marB="0" anchor="ctr"/>
                 </a:tc>
               </a:tr>
-              <a:tr h="422920">
+              <a:tr h="472893">
                 <a:tc>
                   <a:txBody>
                     <a:bodyPr/>
@@ -12502,7 +12587,7 @@
                   <a:tcPr marL="68580" marR="68580" marT="0" marB="0" anchor="ctr"/>
                 </a:tc>
               </a:tr>
-              <a:tr h="422920">
+              <a:tr h="472893">
                 <a:tc>
                   <a:txBody>
                     <a:bodyPr/>
@@ -12600,7 +12685,7 @@
                   <a:tcPr marL="68580" marR="68580" marT="0" marB="0" anchor="ctr"/>
                 </a:tc>
               </a:tr>
-              <a:tr h="422920">
+              <a:tr h="472893">
                 <a:tc>
                   <a:txBody>
                     <a:bodyPr/>
@@ -12862,109 +12947,168 @@
             <p:ph idx="1"/>
           </p:nvPr>
         </p:nvSpPr>
-        <p:spPr/>
+        <p:spPr>
+          <a:xfrm>
+            <a:off x="457200" y="1295400"/>
+            <a:ext cx="8229600" cy="4800600"/>
+          </a:xfrm>
+        </p:spPr>
         <p:txBody>
           <a:bodyPr/>
           <a:lstStyle/>
           <a:p>
-            <a:pPr lvl="0">
+            <a:pPr lvl="0" algn="just">
               <a:buClrTx/>
               <a:buFont typeface="Wingdings" pitchFamily="2" charset="2"/>
               <a:buChar char="q"/>
             </a:pPr>
             <a:r>
-              <a:rPr lang="en-US" sz="2400">
+              <a:rPr lang="en-US" sz="2300">
                 <a:solidFill>
                   <a:srgbClr val="000000"/>
                 </a:solidFill>
               </a:rPr>
-              <a:t>String Parameters</a:t>
-            </a:r>
-          </a:p>
-          <a:p>
-            <a:pPr marL="0" lvl="0" indent="742950">
+              <a:t>String </a:t>
+            </a:r>
+            <a:r>
+              <a:rPr lang="en-US" sz="2300" smtClean="0">
+                <a:solidFill>
+                  <a:srgbClr val="000000"/>
+                </a:solidFill>
+              </a:rPr>
+              <a:t>Parameters</a:t>
+            </a:r>
+          </a:p>
+          <a:p>
+            <a:pPr marL="0" lvl="0" indent="465138">
               <a:buClrTx/>
               <a:buNone/>
             </a:pPr>
             <a:r>
-              <a:rPr lang="en-US" sz="2400" b="0" smtClean="0">
+              <a:rPr lang="en-US" sz="2300" b="0" smtClean="0">
                 <a:solidFill>
                   <a:srgbClr val="000000"/>
                 </a:solidFill>
               </a:rPr>
-              <a:t>String </a:t>
-            </a:r>
-            <a:r>
-              <a:rPr lang="en-US" sz="2400" b="0">
+              <a:t>Để biểu kiểu String JNI đặt tả kiển </a:t>
+            </a:r>
+            <a:r>
+              <a:rPr lang="en-US" sz="2300" smtClean="0">
+                <a:solidFill>
+                  <a:schemeClr val="accent4">
+                    <a:lumMod val="90000"/>
+                    <a:lumOff val="10000"/>
+                  </a:schemeClr>
+                </a:solidFill>
+              </a:rPr>
+              <a:t>jstring</a:t>
+            </a:r>
+            <a:r>
+              <a:rPr lang="en-US" sz="2300" b="0" smtClean="0">
                 <a:solidFill>
                   <a:srgbClr val="000000"/>
                 </a:solidFill>
               </a:rPr>
-              <a:t>trong jstring (JNI), là một chuỗi unicode 16 bit. Trong C String được xây dựng mặc định từ 8 ký tự bit. Vì vậy, để truy cập vào một đối tượng String trong Java thông qua một C/C++, hoặc trả lại một chuỗi C/C++ cho Java, ta cần phải sử dụng chức năng chuyển đổi JNI trong việc thực hiện.</a:t>
-            </a:r>
-          </a:p>
-          <a:p>
-            <a:pPr marL="0" lvl="0" indent="742950">
+              <a:t> giữa java &amp; C. </a:t>
+            </a:r>
+          </a:p>
+          <a:p>
+            <a:pPr marL="0" lvl="0" indent="465138">
               <a:buClrTx/>
               <a:buNone/>
             </a:pPr>
             <a:r>
-              <a:rPr lang="en-US" sz="2400" b="0" smtClean="0">
+              <a:rPr lang="en-US" sz="2300" b="0" smtClean="0">
                 <a:solidFill>
                   <a:srgbClr val="000000"/>
                 </a:solidFill>
               </a:rPr>
-              <a:t>Jstring </a:t>
-            </a:r>
-            <a:r>
-              <a:rPr lang="en-US" sz="2400" b="0">
+              <a:t> </a:t>
+            </a:r>
+            <a:r>
+              <a:rPr lang="en-US" sz="2300" smtClean="0">
+                <a:solidFill>
+                  <a:schemeClr val="accent4">
+                    <a:lumMod val="90000"/>
+                    <a:lumOff val="10000"/>
+                  </a:schemeClr>
+                </a:solidFill>
+              </a:rPr>
+              <a:t>Jstring</a:t>
+            </a:r>
+            <a:r>
+              <a:rPr lang="en-US" sz="2300" b="0" smtClean="0">
                 <a:solidFill>
                   <a:srgbClr val="000000"/>
                 </a:solidFill>
               </a:rPr>
-              <a:t>không được sử dụng </a:t>
-            </a:r>
-            <a:r>
-              <a:rPr lang="en-US" sz="2400" b="0">
+              <a:t> </a:t>
+            </a:r>
+            <a:r>
+              <a:rPr lang="en-US" sz="2300" b="0">
                 <a:solidFill>
                   <a:srgbClr val="000000"/>
                 </a:solidFill>
               </a:rPr>
-              <a:t>như </a:t>
-            </a:r>
-            <a:r>
-              <a:rPr lang="en-US" sz="2400" b="0" smtClean="0">
+              <a:t>không được sử </a:t>
+            </a:r>
+            <a:r>
+              <a:rPr lang="en-US" sz="2300" b="0">
                 <a:solidFill>
                   <a:srgbClr val="000000"/>
                 </a:solidFill>
               </a:rPr>
-              <a:t>một </a:t>
-            </a:r>
-            <a:r>
-              <a:rPr lang="en-US" sz="2400" b="0">
+              <a:t>dụng </a:t>
+            </a:r>
+            <a:r>
+              <a:rPr lang="en-US" sz="2300" b="0" smtClean="0">
                 <a:solidFill>
                   <a:srgbClr val="000000"/>
                 </a:solidFill>
               </a:rPr>
-              <a:t>string bình thường trong C mà phải qua các phương thức </a:t>
-            </a:r>
-            <a:r>
-              <a:rPr lang="en-US" sz="2400" b="0">
+              <a:t>bình </a:t>
+            </a:r>
+            <a:r>
+              <a:rPr lang="en-US" sz="2300" b="0">
                 <a:solidFill>
                   <a:srgbClr val="000000"/>
                 </a:solidFill>
               </a:rPr>
+              <a:t>thường </a:t>
+            </a:r>
+            <a:r>
+              <a:rPr lang="en-US" sz="2300" b="0" smtClean="0">
+                <a:solidFill>
+                  <a:srgbClr val="000000"/>
+                </a:solidFill>
+              </a:rPr>
+              <a:t>như trong </a:t>
+            </a:r>
+            <a:r>
+              <a:rPr lang="en-US" sz="2300" b="0">
+                <a:solidFill>
+                  <a:srgbClr val="000000"/>
+                </a:solidFill>
+              </a:rPr>
+              <a:t>C mà phải qua các phương thức </a:t>
+            </a:r>
+            <a:r>
+              <a:rPr lang="en-US" sz="2300" b="0">
+                <a:solidFill>
+                  <a:srgbClr val="000000"/>
+                </a:solidFill>
+              </a:rPr>
               <a:t>trong </a:t>
             </a:r>
             <a:r>
-              <a:rPr lang="en-US" sz="2400" b="0" smtClean="0">
+              <a:rPr lang="en-US" sz="2300" b="0" smtClean="0">
                 <a:solidFill>
                   <a:srgbClr val="000000"/>
                 </a:solidFill>
               </a:rPr>
               <a:t>JNI.</a:t>
             </a:r>
-            <a:endParaRPr lang="en-US" sz="2400" b="0">
+            <a:endParaRPr lang="en-US" sz="2300" b="0">
               <a:solidFill>
                 <a:srgbClr val="000000"/>
               </a:solidFill>
@@ -13024,267 +13168,23 @@
           </a:p>
         </p:txBody>
       </p:sp>
-    </p:spTree>
-    <p:extLst>
-      <p:ext uri="{BB962C8B-B14F-4D97-AF65-F5344CB8AC3E}">
-        <p14:creationId xmlns:p14="http://schemas.microsoft.com/office/powerpoint/2010/main" val="1258327308"/>
-      </p:ext>
-    </p:extLst>
-  </p:cSld>
-  <p:clrMapOvr>
-    <a:masterClrMapping/>
-  </p:clrMapOvr>
-  <p:timing>
-    <p:tnLst>
-      <p:par>
-        <p:cTn id="1" dur="indefinite" restart="never" nodeType="tmRoot"/>
-      </p:par>
-    </p:tnLst>
-  </p:timing>
-</p:sld>
-</file>
-
-<file path=ppt/slides/slide13.xml><?xml version="1.0" encoding="utf-8"?>
-<p:sld xmlns:a="http://schemas.openxmlformats.org/drawingml/2006/main" xmlns:r="http://schemas.openxmlformats.org/officeDocument/2006/relationships" xmlns:p="http://schemas.openxmlformats.org/presentationml/2006/main">
-  <p:cSld>
-    <p:spTree>
-      <p:nvGrpSpPr>
-        <p:cNvPr id="1" name=""/>
-        <p:cNvGrpSpPr/>
-        <p:nvPr/>
-      </p:nvGrpSpPr>
-      <p:grpSpPr>
-        <a:xfrm>
-          <a:off x="0" y="0"/>
-          <a:ext cx="0" cy="0"/>
-          <a:chOff x="0" y="0"/>
-          <a:chExt cx="0" cy="0"/>
-        </a:xfrm>
-      </p:grpSpPr>
-      <p:sp>
-        <p:nvSpPr>
-          <p:cNvPr id="8" name="Title 1"/>
-          <p:cNvSpPr>
-            <a:spLocks noGrp="1"/>
-          </p:cNvSpPr>
-          <p:nvPr>
-            <p:ph type="title"/>
-          </p:nvPr>
-        </p:nvSpPr>
-        <p:spPr>
-          <a:xfrm>
-            <a:off x="228600" y="579437"/>
-            <a:ext cx="8915400" cy="563563"/>
-          </a:xfrm>
-        </p:spPr>
-        <p:txBody>
-          <a:bodyPr>
-            <a:normAutofit fontScale="90000"/>
-          </a:bodyPr>
-          <a:lstStyle/>
-          <a:p>
-            <a:pPr algn="l"/>
-            <a:r>
-              <a:rPr lang="en-US" cap="all" smtClean="0">
-                <a:ln w="9000" cmpd="sng">
-                  <a:solidFill>
-                    <a:schemeClr val="accent4">
-                      <a:shade val="50000"/>
-                      <a:satMod val="120000"/>
-                    </a:schemeClr>
-                  </a:solidFill>
-                  <a:prstDash val="solid"/>
-                </a:ln>
-                <a:gradFill>
-                  <a:gsLst>
-                    <a:gs pos="0">
-                      <a:schemeClr val="accent4">
-                        <a:shade val="20000"/>
-                        <a:satMod val="245000"/>
-                      </a:schemeClr>
-                    </a:gs>
-                    <a:gs pos="43000">
-                      <a:schemeClr val="accent4">
-                        <a:satMod val="255000"/>
-                      </a:schemeClr>
-                    </a:gs>
-                    <a:gs pos="48000">
-                      <a:schemeClr val="accent4">
-                        <a:shade val="85000"/>
-                        <a:satMod val="255000"/>
-                      </a:schemeClr>
-                    </a:gs>
-                    <a:gs pos="100000">
-                      <a:schemeClr val="accent4">
-                        <a:shade val="20000"/>
-                        <a:satMod val="245000"/>
-                      </a:schemeClr>
-                    </a:gs>
-                  </a:gsLst>
-                  <a:lin ang="5400000"/>
-                </a:gradFill>
-                <a:effectLst>
-                  <a:reflection blurRad="12700" stA="28000" endPos="45000" dist="1000" dir="5400000" sy="-100000" algn="bl" rotWithShape="0"/>
-                </a:effectLst>
-              </a:rPr>
-              <a:t>2.2 kiểu dữ liệu cơ bản </a:t>
-            </a:r>
-            <a:endParaRPr lang="en-US" cap="all">
-              <a:ln w="9000" cmpd="sng">
-                <a:solidFill>
-                  <a:schemeClr val="accent4">
-                    <a:shade val="50000"/>
-                    <a:satMod val="120000"/>
-                  </a:schemeClr>
-                </a:solidFill>
-                <a:prstDash val="solid"/>
-              </a:ln>
-              <a:gradFill>
-                <a:gsLst>
-                  <a:gs pos="0">
-                    <a:schemeClr val="accent4">
-                      <a:shade val="20000"/>
-                      <a:satMod val="245000"/>
-                    </a:schemeClr>
-                  </a:gs>
-                  <a:gs pos="43000">
-                    <a:schemeClr val="accent4">
-                      <a:satMod val="255000"/>
-                    </a:schemeClr>
-                  </a:gs>
-                  <a:gs pos="48000">
-                    <a:schemeClr val="accent4">
-                      <a:shade val="85000"/>
-                      <a:satMod val="255000"/>
-                    </a:schemeClr>
-                  </a:gs>
-                  <a:gs pos="100000">
-                    <a:schemeClr val="accent4">
-                      <a:shade val="20000"/>
-                      <a:satMod val="245000"/>
-                    </a:schemeClr>
-                  </a:gs>
-                </a:gsLst>
-                <a:lin ang="5400000"/>
-              </a:gradFill>
-              <a:effectLst>
-                <a:reflection blurRad="12700" stA="28000" endPos="45000" dist="1000" dir="5400000" sy="-100000" algn="bl" rotWithShape="0"/>
-              </a:effectLst>
-            </a:endParaRPr>
-          </a:p>
-        </p:txBody>
-      </p:sp>
-      <p:sp>
-        <p:nvSpPr>
-          <p:cNvPr id="2" name="Content Placeholder 1"/>
-          <p:cNvSpPr>
-            <a:spLocks noGrp="1"/>
-          </p:cNvSpPr>
-          <p:nvPr>
-            <p:ph idx="1"/>
-          </p:nvPr>
-        </p:nvSpPr>
-        <p:spPr/>
-        <p:txBody>
-          <a:bodyPr/>
-          <a:lstStyle/>
-          <a:p>
-            <a:pPr marL="0" indent="400050">
-              <a:buClrTx/>
-              <a:buNone/>
-            </a:pPr>
-            <a:r>
-              <a:rPr lang="en-US" b="0">
-                <a:solidFill>
-                  <a:srgbClr val="000000"/>
-                </a:solidFill>
-              </a:rPr>
-              <a:t>Jstring có các phương thức hỗ trợ căn bản sau:</a:t>
-            </a:r>
-          </a:p>
-          <a:p>
-            <a:pPr>
-              <a:buClrTx/>
-              <a:buFont typeface="Wingdings" pitchFamily="2" charset="2"/>
-              <a:buChar char="q"/>
-            </a:pPr>
-            <a:endParaRPr lang="en-US">
-              <a:solidFill>
-                <a:srgbClr val="000000"/>
-              </a:solidFill>
-            </a:endParaRPr>
-          </a:p>
-        </p:txBody>
-      </p:sp>
-      <p:sp>
-        <p:nvSpPr>
-          <p:cNvPr id="4" name="Footer Placeholder 3"/>
-          <p:cNvSpPr>
-            <a:spLocks noGrp="1"/>
-          </p:cNvSpPr>
-          <p:nvPr>
-            <p:ph type="ftr" sz="quarter" idx="11"/>
-          </p:nvPr>
-        </p:nvSpPr>
-        <p:spPr/>
-        <p:txBody>
-          <a:bodyPr/>
-          <a:lstStyle/>
-          <a:p>
-            <a:r>
-              <a:rPr lang="en-US" smtClean="0"/>
-              <a:t>www.hcmus.edu.vn</a:t>
-            </a:r>
-            <a:endParaRPr lang="en-US"/>
-          </a:p>
-        </p:txBody>
-      </p:sp>
-      <p:sp>
-        <p:nvSpPr>
-          <p:cNvPr id="6" name="Slide Number Placeholder 11"/>
-          <p:cNvSpPr>
-            <a:spLocks noGrp="1"/>
-          </p:cNvSpPr>
-          <p:nvPr>
-            <p:ph type="sldNum" sz="quarter" idx="12"/>
-          </p:nvPr>
-        </p:nvSpPr>
-        <p:spPr>
-          <a:xfrm>
-            <a:off x="3429000" y="6477000"/>
-            <a:ext cx="2133600" cy="381000"/>
-          </a:xfrm>
-        </p:spPr>
-        <p:txBody>
-          <a:bodyPr/>
-          <a:lstStyle/>
-          <a:p>
-            <a:fld id="{B6F15528-21DE-4FAA-801E-634DDDAF4B2B}" type="slidenum">
-              <a:rPr lang="en-US" sz="2000" smtClean="0"/>
-              <a:pPr/>
-              <a:t>13</a:t>
-            </a:fld>
-            <a:endParaRPr lang="en-US" sz="2000"/>
-          </a:p>
-        </p:txBody>
-      </p:sp>
       <p:graphicFrame>
         <p:nvGraphicFramePr>
-          <p:cNvPr id="3" name="Table 2"/>
+          <p:cNvPr id="7" name="Table 6"/>
           <p:cNvGraphicFramePr>
             <a:graphicFrameLocks noGrp="1"/>
           </p:cNvGraphicFramePr>
           <p:nvPr>
             <p:extLst>
               <p:ext uri="{D42A27DB-BD31-4B8C-83A1-F6EECF244321}">
-                <p14:modId xmlns:p14="http://schemas.microsoft.com/office/powerpoint/2010/main" val="2819616135"/>
+                <p14:modId xmlns:p14="http://schemas.microsoft.com/office/powerpoint/2010/main" val="2241217483"/>
               </p:ext>
             </p:extLst>
           </p:nvPr>
         </p:nvGraphicFramePr>
         <p:xfrm>
-          <a:off x="1066800" y="2708910"/>
-          <a:ext cx="7391400" cy="3615690"/>
+          <a:off x="1066800" y="3429000"/>
+          <a:ext cx="7391400" cy="2819400"/>
         </p:xfrm>
         <a:graphic>
           <a:graphicData uri="http://schemas.openxmlformats.org/drawingml/2006/table">
@@ -13296,7 +13196,7 @@
                 <a:gridCol w="3695700"/>
                 <a:gridCol w="3695700"/>
               </a:tblGrid>
-              <a:tr h="723138">
+              <a:tr h="563880">
                 <a:tc>
                   <a:txBody>
                     <a:bodyPr/>
@@ -13391,7 +13291,7 @@
                   <a:tcPr marL="68580" marR="68580" marT="0" marB="0" anchor="ctr"/>
                 </a:tc>
               </a:tr>
-              <a:tr h="723138">
+              <a:tr h="563880">
                 <a:tc>
                   <a:txBody>
                     <a:bodyPr/>
@@ -13486,7 +13386,7 @@
                   <a:tcPr marL="68580" marR="68580" marT="0" marB="0" anchor="ctr"/>
                 </a:tc>
               </a:tr>
-              <a:tr h="723138">
+              <a:tr h="563880">
                 <a:tc>
                   <a:txBody>
                     <a:bodyPr/>
@@ -13581,7 +13481,7 @@
                   <a:tcPr marL="68580" marR="68580" marT="0" marB="0" anchor="ctr"/>
                 </a:tc>
               </a:tr>
-              <a:tr h="723138">
+              <a:tr h="563880">
                 <a:tc>
                   <a:txBody>
                     <a:bodyPr/>
@@ -13676,7 +13576,7 @@
                   <a:tcPr marL="68580" marR="68580" marT="0" marB="0" anchor="ctr"/>
                 </a:tc>
               </a:tr>
-              <a:tr h="723138">
+              <a:tr h="563880">
                 <a:tc>
                   <a:txBody>
                     <a:bodyPr/>
@@ -13795,7 +13695,7 @@
 </p:sld>
 </file>
 
-<file path=ppt/slides/slide14.xml><?xml version="1.0" encoding="utf-8"?>
+<file path=ppt/slides/slide13.xml><?xml version="1.0" encoding="utf-8"?>
 <p:sld xmlns:a="http://schemas.openxmlformats.org/drawingml/2006/main" xmlns:r="http://schemas.openxmlformats.org/officeDocument/2006/relationships" xmlns:p="http://schemas.openxmlformats.org/presentationml/2006/main">
   <p:cSld>
     <p:spTree>
@@ -13978,7 +13878,26 @@
                   <a:srgbClr val="000000"/>
                 </a:solidFill>
               </a:rPr>
-              <a:t>sử dụng jarray </a:t>
+              <a:t>sử dụng </a:t>
+            </a:r>
+            <a:r>
+              <a:rPr lang="en-US" sz="2300">
+                <a:solidFill>
+                  <a:schemeClr val="accent4">
+                    <a:lumMod val="90000"/>
+                    <a:lumOff val="10000"/>
+                  </a:schemeClr>
+                </a:solidFill>
+              </a:rPr>
+              <a:t>jarray</a:t>
+            </a:r>
+            <a:r>
+              <a:rPr lang="en-US" sz="2300" b="0">
+                <a:solidFill>
+                  <a:srgbClr val="000000"/>
+                </a:solidFill>
+              </a:rPr>
+              <a:t> </a:t>
             </a:r>
             <a:r>
               <a:rPr lang="en-US" sz="2300" b="0">
@@ -14039,32 +13958,6 @@
               </a:rPr>
               <a:t>Phải sử dụng các phương thức jarray thích hợp trong JNI để truy cập mảng.</a:t>
             </a:r>
-            <a:endParaRPr lang="en-US" sz="2300" b="0">
-              <a:solidFill>
-                <a:srgbClr val="000000"/>
-              </a:solidFill>
-            </a:endParaRPr>
-          </a:p>
-          <a:p>
-            <a:pPr marL="0" indent="457200">
-              <a:buClrTx/>
-              <a:buNone/>
-            </a:pPr>
-            <a:r>
-              <a:rPr lang="en-US" sz="2300" b="0">
-                <a:solidFill>
-                  <a:srgbClr val="000000"/>
-                </a:solidFill>
-              </a:rPr>
-              <a:t>Các phương thức hỗ trợ căn bản:</a:t>
-            </a:r>
-          </a:p>
-          <a:p>
-            <a:pPr>
-              <a:buClrTx/>
-              <a:buFont typeface="Wingdings" pitchFamily="2" charset="2"/>
-              <a:buChar char="q"/>
-            </a:pPr>
             <a:endParaRPr lang="en-US">
               <a:solidFill>
                 <a:srgbClr val="000000"/>
@@ -14119,7 +14012,7 @@
             <a:fld id="{B6F15528-21DE-4FAA-801E-634DDDAF4B2B}" type="slidenum">
               <a:rPr lang="en-US" sz="2000" smtClean="0"/>
               <a:pPr/>
-              <a:t>14</a:t>
+              <a:t>13</a:t>
             </a:fld>
             <a:endParaRPr lang="en-US" sz="2000"/>
           </a:p>
@@ -14134,14 +14027,14 @@
           <p:nvPr>
             <p:extLst>
               <p:ext uri="{D42A27DB-BD31-4B8C-83A1-F6EECF244321}">
-                <p14:modId xmlns:p14="http://schemas.microsoft.com/office/powerpoint/2010/main" val="2804774724"/>
+                <p14:modId xmlns:p14="http://schemas.microsoft.com/office/powerpoint/2010/main" val="2433712166"/>
               </p:ext>
             </p:extLst>
           </p:nvPr>
         </p:nvGraphicFramePr>
         <p:xfrm>
-          <a:off x="1066800" y="3810000"/>
-          <a:ext cx="7391400" cy="2514600"/>
+          <a:off x="1066800" y="3429000"/>
+          <a:ext cx="7391400" cy="2895600"/>
         </p:xfrm>
         <a:graphic>
           <a:graphicData uri="http://schemas.openxmlformats.org/drawingml/2006/table">
@@ -14153,7 +14046,7 @@
                 <a:gridCol w="3695700"/>
                 <a:gridCol w="3695700"/>
               </a:tblGrid>
-              <a:tr h="628650">
+              <a:tr h="723900">
                 <a:tc>
                   <a:txBody>
                     <a:bodyPr/>
@@ -14248,7 +14141,7 @@
                   <a:tcPr marL="68580" marR="68580" marT="0" marB="0" anchor="ctr"/>
                 </a:tc>
               </a:tr>
-              <a:tr h="628650">
+              <a:tr h="723900">
                 <a:tc>
                   <a:txBody>
                     <a:bodyPr/>
@@ -14343,7 +14236,7 @@
                   <a:tcPr marL="68580" marR="68580" marT="0" marB="0" anchor="ctr"/>
                 </a:tc>
               </a:tr>
-              <a:tr h="314325">
+              <a:tr h="361950">
                 <a:tc>
                   <a:txBody>
                     <a:bodyPr/>
@@ -14414,7 +14307,7 @@
                   <a:tcPr marL="68580" marR="68580" marT="0" marB="0" anchor="ctr"/>
                 </a:tc>
               </a:tr>
-              <a:tr h="314325">
+              <a:tr h="361950">
                 <a:tc>
                   <a:txBody>
                     <a:bodyPr/>
@@ -14485,7 +14378,7 @@
                   <a:tcPr marL="68580" marR="68580" marT="0" marB="0" anchor="ctr"/>
                 </a:tc>
               </a:tr>
-              <a:tr h="628650">
+              <a:tr h="723900">
                 <a:tc>
                   <a:txBody>
                     <a:bodyPr/>
@@ -14604,7 +14497,7 @@
 </p:sld>
 </file>
 
-<file path=ppt/slides/slide15.xml><?xml version="1.0" encoding="utf-8"?>
+<file path=ppt/slides/slide14.xml><?xml version="1.0" encoding="utf-8"?>
 <p:sld xmlns:a="http://schemas.openxmlformats.org/drawingml/2006/main" xmlns:r="http://schemas.openxmlformats.org/officeDocument/2006/relationships" xmlns:p="http://schemas.openxmlformats.org/presentationml/2006/main">
   <p:cSld>
     <p:spTree>
@@ -14779,32 +14672,41 @@
             </a:r>
           </a:p>
           <a:p>
-            <a:pPr marL="0" lvl="1" indent="0">
+            <a:pPr marL="0" lvl="1" indent="465138">
               <a:buClrTx/>
               <a:buNone/>
             </a:pPr>
             <a:r>
-              <a:rPr lang="en-US" sz="2600">
-                <a:solidFill>
-                  <a:srgbClr val="000000"/>
+              <a:rPr lang="en-US" sz="2400" b="1">
+                <a:solidFill>
+                  <a:schemeClr val="accent4">
+                    <a:lumMod val="90000"/>
+                    <a:lumOff val="10000"/>
+                  </a:schemeClr>
                 </a:solidFill>
                 <a:latin typeface="+mj-lt"/>
               </a:rPr>
               <a:t>(*env)-&gt;GetAAAField(env, jclass, </a:t>
             </a:r>
             <a:r>
-              <a:rPr lang="en-US" sz="2600">
-                <a:solidFill>
-                  <a:srgbClr val="000000"/>
+              <a:rPr lang="en-US" sz="2400" b="1">
+                <a:solidFill>
+                  <a:schemeClr val="accent4">
+                    <a:lumMod val="90000"/>
+                    <a:lumOff val="10000"/>
+                  </a:schemeClr>
                 </a:solidFill>
                 <a:latin typeface="+mj-lt"/>
               </a:rPr>
               <a:t>fieldID</a:t>
             </a:r>
             <a:r>
-              <a:rPr lang="en-US" sz="2600" smtClean="0">
-                <a:solidFill>
-                  <a:srgbClr val="000000"/>
+              <a:rPr lang="en-US" sz="2400" b="1" smtClean="0">
+                <a:solidFill>
+                  <a:schemeClr val="accent4">
+                    <a:lumMod val="90000"/>
+                    <a:lumOff val="10000"/>
+                  </a:schemeClr>
                 </a:solidFill>
                 <a:latin typeface="+mj-lt"/>
               </a:rPr>
@@ -14867,58 +14769,76 @@
             </a:r>
           </a:p>
           <a:p>
-            <a:pPr marL="0" lvl="1" indent="0" algn="just">
+            <a:pPr marL="0" lvl="1" indent="465138" algn="just">
               <a:buClrTx/>
               <a:buNone/>
             </a:pPr>
             <a:r>
-              <a:rPr lang="en-US" sz="2600">
-                <a:solidFill>
-                  <a:srgbClr val="000000"/>
+              <a:rPr lang="en-US" sz="2400" b="1">
+                <a:solidFill>
+                  <a:schemeClr val="accent4">
+                    <a:lumMod val="90000"/>
+                    <a:lumOff val="10000"/>
+                  </a:schemeClr>
                 </a:solidFill>
                 <a:latin typeface="+mj-lt"/>
               </a:rPr>
               <a:t>Prototype void </a:t>
             </a:r>
             <a:r>
-              <a:rPr lang="en-US" sz="2600" i="1">
-                <a:solidFill>
-                  <a:srgbClr val="000000"/>
+              <a:rPr lang="en-US" sz="2400" b="1" i="1">
+                <a:solidFill>
+                  <a:schemeClr val="accent4">
+                    <a:lumMod val="90000"/>
+                    <a:lumOff val="10000"/>
+                  </a:schemeClr>
                 </a:solidFill>
                 <a:latin typeface="+mj-lt"/>
               </a:rPr>
               <a:t>Set&lt;Type&gt;Field</a:t>
             </a:r>
             <a:r>
-              <a:rPr lang="en-US" sz="2600">
-                <a:solidFill>
-                  <a:srgbClr val="000000"/>
+              <a:rPr lang="en-US" sz="2400" b="1">
+                <a:solidFill>
+                  <a:schemeClr val="accent4">
+                    <a:lumMod val="90000"/>
+                    <a:lumOff val="10000"/>
+                  </a:schemeClr>
                 </a:solidFill>
                 <a:latin typeface="+mj-lt"/>
               </a:rPr>
               <a:t>(JNIEnv *env, jobject obj,</a:t>
             </a:r>
             <a:r>
-              <a:rPr lang="en-US" sz="2600">
-                <a:solidFill>
-                  <a:srgbClr val="000000"/>
+              <a:rPr lang="en-US" sz="2400" b="1">
+                <a:solidFill>
+                  <a:schemeClr val="accent4">
+                    <a:lumMod val="90000"/>
+                    <a:lumOff val="10000"/>
+                  </a:schemeClr>
                 </a:solidFill>
                 <a:latin typeface="+mj-lt"/>
               </a:rPr>
               <a:t> </a:t>
             </a:r>
             <a:r>
-              <a:rPr lang="en-US" sz="2600" smtClean="0">
-                <a:solidFill>
-                  <a:srgbClr val="000000"/>
+              <a:rPr lang="en-US" sz="2400" b="1" smtClean="0">
+                <a:solidFill>
+                  <a:schemeClr val="accent4">
+                    <a:lumMod val="90000"/>
+                    <a:lumOff val="10000"/>
+                  </a:schemeClr>
                 </a:solidFill>
                 <a:latin typeface="+mj-lt"/>
               </a:rPr>
               <a:t>jfieldID, fielđI, &lt;NativeType&gt; value);</a:t>
             </a:r>
-            <a:endParaRPr lang="en-US" sz="2600">
+            <a:endParaRPr lang="en-US" sz="2400" b="1">
               <a:solidFill>
-                <a:srgbClr val="000000"/>
+                <a:schemeClr val="accent4">
+                  <a:lumMod val="90000"/>
+                  <a:lumOff val="10000"/>
+                </a:schemeClr>
               </a:solidFill>
               <a:latin typeface="+mj-lt"/>
             </a:endParaRPr>
@@ -14992,7 +14912,7 @@
             <a:fld id="{B6F15528-21DE-4FAA-801E-634DDDAF4B2B}" type="slidenum">
               <a:rPr lang="en-US" sz="2000" smtClean="0"/>
               <a:pPr/>
-              <a:t>15</a:t>
+              <a:t>14</a:t>
             </a:fld>
             <a:endParaRPr lang="en-US" sz="2000"/>
           </a:p>
@@ -15018,7 +14938,7 @@
 </p:sld>
 </file>
 
-<file path=ppt/slides/slide16.xml><?xml version="1.0" encoding="utf-8"?>
+<file path=ppt/slides/slide15.xml><?xml version="1.0" encoding="utf-8"?>
 <p:sld xmlns:a="http://schemas.openxmlformats.org/drawingml/2006/main" xmlns:r="http://schemas.openxmlformats.org/officeDocument/2006/relationships" xmlns:p="http://schemas.openxmlformats.org/presentationml/2006/main">
   <p:cSld>
     <p:spTree>
@@ -15194,7 +15114,7 @@
             <a:fld id="{B6F15528-21DE-4FAA-801E-634DDDAF4B2B}" type="slidenum">
               <a:rPr lang="en-US" sz="2000" smtClean="0"/>
               <a:pPr/>
-              <a:t>16</a:t>
+              <a:t>15</a:t>
             </a:fld>
             <a:endParaRPr lang="en-US" sz="2000"/>
           </a:p>
@@ -16004,7 +15924,7 @@
 </p:sld>
 </file>
 
-<file path=ppt/slides/slide17.xml><?xml version="1.0" encoding="utf-8"?>
+<file path=ppt/slides/slide16.xml><?xml version="1.0" encoding="utf-8"?>
 <p:sld xmlns:a="http://schemas.openxmlformats.org/drawingml/2006/main" xmlns:r="http://schemas.openxmlformats.org/officeDocument/2006/relationships" xmlns:p="http://schemas.openxmlformats.org/presentationml/2006/main">
   <p:cSld>
     <p:spTree>
@@ -16403,7 +16323,7 @@
             <a:fld id="{B6F15528-21DE-4FAA-801E-634DDDAF4B2B}" type="slidenum">
               <a:rPr lang="en-US" sz="2000" smtClean="0"/>
               <a:pPr/>
-              <a:t>17</a:t>
+              <a:t>16</a:t>
             </a:fld>
             <a:endParaRPr lang="en-US" sz="2000"/>
           </a:p>
@@ -16413,6 +16333,410 @@
     <p:extLst>
       <p:ext uri="{BB962C8B-B14F-4D97-AF65-F5344CB8AC3E}">
         <p14:creationId xmlns:p14="http://schemas.microsoft.com/office/powerpoint/2010/main" val="734397516"/>
+      </p:ext>
+    </p:extLst>
+  </p:cSld>
+  <p:clrMapOvr>
+    <a:masterClrMapping/>
+  </p:clrMapOvr>
+  <p:timing>
+    <p:tnLst>
+      <p:par>
+        <p:cTn id="1" dur="indefinite" restart="never" nodeType="tmRoot"/>
+      </p:par>
+    </p:tnLst>
+  </p:timing>
+</p:sld>
+</file>
+
+<file path=ppt/slides/slide17.xml><?xml version="1.0" encoding="utf-8"?>
+<p:sld xmlns:a="http://schemas.openxmlformats.org/drawingml/2006/main" xmlns:r="http://schemas.openxmlformats.org/officeDocument/2006/relationships" xmlns:p="http://schemas.openxmlformats.org/presentationml/2006/main">
+  <p:cSld>
+    <p:spTree>
+      <p:nvGrpSpPr>
+        <p:cNvPr id="1" name=""/>
+        <p:cNvGrpSpPr/>
+        <p:nvPr/>
+      </p:nvGrpSpPr>
+      <p:grpSpPr>
+        <a:xfrm>
+          <a:off x="0" y="0"/>
+          <a:ext cx="0" cy="0"/>
+          <a:chOff x="0" y="0"/>
+          <a:chExt cx="0" cy="0"/>
+        </a:xfrm>
+      </p:grpSpPr>
+      <p:sp>
+        <p:nvSpPr>
+          <p:cNvPr id="8" name="Title 1"/>
+          <p:cNvSpPr>
+            <a:spLocks noGrp="1"/>
+          </p:cNvSpPr>
+          <p:nvPr>
+            <p:ph type="title"/>
+          </p:nvPr>
+        </p:nvSpPr>
+        <p:spPr>
+          <a:xfrm>
+            <a:off x="228600" y="579437"/>
+            <a:ext cx="9448800" cy="563563"/>
+          </a:xfrm>
+        </p:spPr>
+        <p:txBody>
+          <a:bodyPr>
+            <a:noAutofit/>
+          </a:bodyPr>
+          <a:lstStyle/>
+          <a:p>
+            <a:pPr algn="l"/>
+            <a:r>
+              <a:rPr lang="en-US" sz="2850" cap="all" smtClean="0">
+                <a:ln w="9000" cmpd="sng">
+                  <a:solidFill>
+                    <a:schemeClr val="accent4">
+                      <a:shade val="50000"/>
+                      <a:satMod val="120000"/>
+                    </a:schemeClr>
+                  </a:solidFill>
+                  <a:prstDash val="solid"/>
+                </a:ln>
+                <a:gradFill>
+                  <a:gsLst>
+                    <a:gs pos="0">
+                      <a:schemeClr val="accent4">
+                        <a:shade val="20000"/>
+                        <a:satMod val="245000"/>
+                      </a:schemeClr>
+                    </a:gs>
+                    <a:gs pos="43000">
+                      <a:schemeClr val="accent4">
+                        <a:satMod val="255000"/>
+                      </a:schemeClr>
+                    </a:gs>
+                    <a:gs pos="48000">
+                      <a:schemeClr val="accent4">
+                        <a:shade val="85000"/>
+                        <a:satMod val="255000"/>
+                      </a:schemeClr>
+                    </a:gs>
+                    <a:gs pos="100000">
+                      <a:schemeClr val="accent4">
+                        <a:shade val="20000"/>
+                        <a:satMod val="245000"/>
+                      </a:schemeClr>
+                    </a:gs>
+                  </a:gsLst>
+                  <a:lin ang="5400000"/>
+                </a:gradFill>
+                <a:effectLst>
+                  <a:reflection blurRad="12700" stA="28000" endPos="45000" dist="1000" dir="5400000" sy="-100000" algn="bl" rotWithShape="0"/>
+                </a:effectLst>
+              </a:rPr>
+              <a:t>2.3.2 </a:t>
+            </a:r>
+            <a:r>
+              <a:rPr lang="en-US" sz="2850" cap="all" smtClean="0">
+                <a:ln w="9000" cmpd="sng">
+                  <a:solidFill>
+                    <a:schemeClr val="accent4">
+                      <a:shade val="50000"/>
+                      <a:satMod val="120000"/>
+                    </a:schemeClr>
+                  </a:solidFill>
+                  <a:prstDash val="solid"/>
+                </a:ln>
+                <a:gradFill>
+                  <a:gsLst>
+                    <a:gs pos="0">
+                      <a:schemeClr val="accent4">
+                        <a:shade val="20000"/>
+                        <a:satMod val="245000"/>
+                      </a:schemeClr>
+                    </a:gs>
+                    <a:gs pos="43000">
+                      <a:schemeClr val="accent4">
+                        <a:satMod val="255000"/>
+                      </a:schemeClr>
+                    </a:gs>
+                    <a:gs pos="48000">
+                      <a:schemeClr val="accent4">
+                        <a:shade val="85000"/>
+                        <a:satMod val="255000"/>
+                      </a:schemeClr>
+                    </a:gs>
+                    <a:gs pos="100000">
+                      <a:schemeClr val="accent4">
+                        <a:shade val="20000"/>
+                        <a:satMod val="245000"/>
+                      </a:schemeClr>
+                    </a:gs>
+                  </a:gsLst>
+                  <a:lin ang="5400000"/>
+                </a:gradFill>
+                <a:effectLst>
+                  <a:reflection blurRad="12700" stA="28000" endPos="45000" dist="1000" dir="5400000" sy="-100000" algn="bl" rotWithShape="0"/>
+                </a:effectLst>
+              </a:rPr>
+              <a:t>truy xuất method</a:t>
+            </a:r>
+            <a:endParaRPr lang="en-US" sz="2850" cap="all">
+              <a:ln w="9000" cmpd="sng">
+                <a:solidFill>
+                  <a:schemeClr val="accent4">
+                    <a:shade val="50000"/>
+                    <a:satMod val="120000"/>
+                  </a:schemeClr>
+                </a:solidFill>
+                <a:prstDash val="solid"/>
+              </a:ln>
+              <a:gradFill>
+                <a:gsLst>
+                  <a:gs pos="0">
+                    <a:schemeClr val="accent4">
+                      <a:shade val="20000"/>
+                      <a:satMod val="245000"/>
+                    </a:schemeClr>
+                  </a:gs>
+                  <a:gs pos="43000">
+                    <a:schemeClr val="accent4">
+                      <a:satMod val="255000"/>
+                    </a:schemeClr>
+                  </a:gs>
+                  <a:gs pos="48000">
+                    <a:schemeClr val="accent4">
+                      <a:shade val="85000"/>
+                      <a:satMod val="255000"/>
+                    </a:schemeClr>
+                  </a:gs>
+                  <a:gs pos="100000">
+                    <a:schemeClr val="accent4">
+                      <a:shade val="20000"/>
+                      <a:satMod val="245000"/>
+                    </a:schemeClr>
+                  </a:gs>
+                </a:gsLst>
+                <a:lin ang="5400000"/>
+              </a:gradFill>
+              <a:effectLst>
+                <a:reflection blurRad="12700" stA="28000" endPos="45000" dist="1000" dir="5400000" sy="-100000" algn="bl" rotWithShape="0"/>
+              </a:effectLst>
+            </a:endParaRPr>
+          </a:p>
+        </p:txBody>
+      </p:sp>
+      <p:sp>
+        <p:nvSpPr>
+          <p:cNvPr id="2" name="Content Placeholder 1"/>
+          <p:cNvSpPr>
+            <a:spLocks noGrp="1"/>
+          </p:cNvSpPr>
+          <p:nvPr>
+            <p:ph idx="1"/>
+          </p:nvPr>
+        </p:nvSpPr>
+        <p:spPr>
+          <a:xfrm>
+            <a:off x="457200" y="1447800"/>
+            <a:ext cx="8534400" cy="4800600"/>
+          </a:xfrm>
+        </p:spPr>
+        <p:txBody>
+          <a:bodyPr/>
+          <a:lstStyle/>
+          <a:p>
+            <a:pPr>
+              <a:buClrTx/>
+              <a:buFont typeface="Wingdings" pitchFamily="2" charset="2"/>
+              <a:buChar char="q"/>
+            </a:pPr>
+            <a:r>
+              <a:rPr lang="en-US" sz="2600" b="0" smtClean="0">
+                <a:solidFill>
+                  <a:srgbClr val="000000"/>
+                </a:solidFill>
+              </a:rPr>
+              <a:t>Đầu tiên ta cần có MethodId của method cần gọi bằng cách gọi hàm: </a:t>
+            </a:r>
+          </a:p>
+          <a:p>
+            <a:pPr marL="0" indent="0">
+              <a:buClrTx/>
+              <a:buNone/>
+            </a:pPr>
+            <a:r>
+              <a:rPr lang="en-US" sz="2400" smtClean="0">
+                <a:solidFill>
+                  <a:schemeClr val="accent4">
+                    <a:lumMod val="90000"/>
+                    <a:lumOff val="10000"/>
+                  </a:schemeClr>
+                </a:solidFill>
+              </a:rPr>
+              <a:t>    jmethodID GetMethodID(JNIEnv *env, jclass clazz, const char *name, const char *sig);</a:t>
+            </a:r>
+          </a:p>
+          <a:p>
+            <a:pPr algn="just">
+              <a:buClrTx/>
+              <a:buFont typeface="Wingdings" pitchFamily="2" charset="2"/>
+              <a:buChar char="q"/>
+            </a:pPr>
+            <a:endParaRPr lang="en-US" sz="2600" b="0" smtClean="0">
+              <a:solidFill>
+                <a:srgbClr val="000000"/>
+              </a:solidFill>
+            </a:endParaRPr>
+          </a:p>
+          <a:p>
+            <a:pPr>
+              <a:buClrTx/>
+              <a:buFont typeface="Wingdings" pitchFamily="2" charset="2"/>
+              <a:buChar char="q"/>
+            </a:pPr>
+            <a:r>
+              <a:rPr lang="en-US" sz="2600" b="0" smtClean="0">
+                <a:solidFill>
+                  <a:srgbClr val="000000"/>
+                </a:solidFill>
+              </a:rPr>
+              <a:t>Gọi method bằng hàm sau:</a:t>
+            </a:r>
+          </a:p>
+          <a:p>
+            <a:pPr marL="0" indent="0">
+              <a:buClrTx/>
+              <a:buNone/>
+            </a:pPr>
+            <a:r>
+              <a:rPr lang="en-US" sz="2400" b="0" smtClean="0">
+                <a:solidFill>
+                  <a:srgbClr val="000000"/>
+                </a:solidFill>
+              </a:rPr>
+              <a:t>   </a:t>
+            </a:r>
+            <a:r>
+              <a:rPr lang="en-US" sz="2400" smtClean="0">
+                <a:solidFill>
+                  <a:schemeClr val="accent4">
+                    <a:lumMod val="90000"/>
+                    <a:lumOff val="10000"/>
+                  </a:schemeClr>
+                </a:solidFill>
+              </a:rPr>
+              <a:t>Prototype &lt;NativeType</a:t>
+            </a:r>
+            <a:r>
+              <a:rPr lang="en-US" sz="2400" smtClean="0">
+                <a:solidFill>
+                  <a:schemeClr val="accent4">
+                    <a:lumMod val="90000"/>
+                    <a:lumOff val="10000"/>
+                  </a:schemeClr>
+                </a:solidFill>
+              </a:rPr>
+              <a:t>&gt; Call&lt;Type</a:t>
+            </a:r>
+            <a:r>
+              <a:rPr lang="en-US" sz="2400" smtClean="0">
+                <a:solidFill>
+                  <a:schemeClr val="accent4">
+                    <a:lumMod val="90000"/>
+                    <a:lumOff val="10000"/>
+                  </a:schemeClr>
+                </a:solidFill>
+              </a:rPr>
+              <a:t>&gt; Method(JNIEnv </a:t>
+            </a:r>
+            <a:r>
+              <a:rPr lang="en-US" sz="2400" smtClean="0">
+                <a:solidFill>
+                  <a:schemeClr val="accent4">
+                    <a:lumMod val="90000"/>
+                    <a:lumOff val="10000"/>
+                  </a:schemeClr>
+                </a:solidFill>
+              </a:rPr>
+              <a:t>*env, jobject obj, jmethodID methodID, </a:t>
+            </a:r>
+            <a:r>
+              <a:rPr lang="en-US" sz="2400" smtClean="0">
+                <a:solidFill>
+                  <a:schemeClr val="accent4">
+                    <a:lumMod val="90000"/>
+                    <a:lumOff val="10000"/>
+                  </a:schemeClr>
+                </a:solidFill>
+              </a:rPr>
+              <a:t>...);</a:t>
+            </a:r>
+            <a:endParaRPr lang="en-US" sz="2400" smtClean="0">
+              <a:solidFill>
+                <a:schemeClr val="accent4">
+                  <a:lumMod val="90000"/>
+                  <a:lumOff val="10000"/>
+                </a:schemeClr>
+              </a:solidFill>
+            </a:endParaRPr>
+          </a:p>
+        </p:txBody>
+      </p:sp>
+      <p:sp>
+        <p:nvSpPr>
+          <p:cNvPr id="4" name="Footer Placeholder 3"/>
+          <p:cNvSpPr>
+            <a:spLocks noGrp="1"/>
+          </p:cNvSpPr>
+          <p:nvPr>
+            <p:ph type="ftr" sz="quarter" idx="11"/>
+          </p:nvPr>
+        </p:nvSpPr>
+        <p:spPr/>
+        <p:txBody>
+          <a:bodyPr/>
+          <a:lstStyle/>
+          <a:p>
+            <a:r>
+              <a:rPr lang="en-US" smtClean="0"/>
+              <a:t>www.hcmus.edu.vn</a:t>
+            </a:r>
+            <a:endParaRPr lang="en-US"/>
+          </a:p>
+        </p:txBody>
+      </p:sp>
+      <p:sp>
+        <p:nvSpPr>
+          <p:cNvPr id="6" name="Slide Number Placeholder 11"/>
+          <p:cNvSpPr>
+            <a:spLocks noGrp="1"/>
+          </p:cNvSpPr>
+          <p:nvPr>
+            <p:ph type="sldNum" sz="quarter" idx="12"/>
+          </p:nvPr>
+        </p:nvSpPr>
+        <p:spPr>
+          <a:xfrm>
+            <a:off x="3429000" y="6477000"/>
+            <a:ext cx="2133600" cy="381000"/>
+          </a:xfrm>
+        </p:spPr>
+        <p:txBody>
+          <a:bodyPr/>
+          <a:lstStyle/>
+          <a:p>
+            <a:fld id="{B6F15528-21DE-4FAA-801E-634DDDAF4B2B}" type="slidenum">
+              <a:rPr lang="en-US" sz="2000" smtClean="0"/>
+              <a:pPr/>
+              <a:t>17</a:t>
+            </a:fld>
+            <a:endParaRPr lang="en-US" sz="2000"/>
+          </a:p>
+        </p:txBody>
+      </p:sp>
+    </p:spTree>
+    <p:extLst>
+      <p:ext uri="{BB962C8B-B14F-4D97-AF65-F5344CB8AC3E}">
+        <p14:creationId xmlns:p14="http://schemas.microsoft.com/office/powerpoint/2010/main" val="1315225573"/>
       </p:ext>
     </p:extLst>
   </p:cSld>
@@ -16606,142 +16930,6 @@
       </p:sp>
       <p:sp>
         <p:nvSpPr>
-          <p:cNvPr id="2" name="Content Placeholder 1"/>
-          <p:cNvSpPr>
-            <a:spLocks noGrp="1"/>
-          </p:cNvSpPr>
-          <p:nvPr>
-            <p:ph idx="1"/>
-          </p:nvPr>
-        </p:nvSpPr>
-        <p:spPr>
-          <a:xfrm>
-            <a:off x="457200" y="1447800"/>
-            <a:ext cx="8534400" cy="4800600"/>
-          </a:xfrm>
-        </p:spPr>
-        <p:txBody>
-          <a:bodyPr/>
-          <a:lstStyle/>
-          <a:p>
-            <a:pPr>
-              <a:buClrTx/>
-              <a:buFont typeface="Wingdings" pitchFamily="2" charset="2"/>
-              <a:buChar char="q"/>
-            </a:pPr>
-            <a:r>
-              <a:rPr lang="en-US" sz="2600" b="0" smtClean="0">
-                <a:solidFill>
-                  <a:srgbClr val="000000"/>
-                </a:solidFill>
-              </a:rPr>
-              <a:t>Đầu tiên ta cần có MethodId của method cần gọi bằng cách gọi hàm: </a:t>
-            </a:r>
-          </a:p>
-          <a:p>
-            <a:pPr marL="0" indent="0">
-              <a:buClrTx/>
-              <a:buNone/>
-            </a:pPr>
-            <a:r>
-              <a:rPr lang="en-US" sz="2600" b="0" smtClean="0">
-                <a:solidFill>
-                  <a:srgbClr val="000000"/>
-                </a:solidFill>
-              </a:rPr>
-              <a:t>    jmethodID GetMethodID(JNIEnv *env, jclass clazz, const char *name, const char *sig);</a:t>
-            </a:r>
-          </a:p>
-          <a:p>
-            <a:pPr algn="just">
-              <a:buClrTx/>
-              <a:buFont typeface="Wingdings" pitchFamily="2" charset="2"/>
-              <a:buChar char="q"/>
-            </a:pPr>
-            <a:endParaRPr lang="en-US" sz="2600" b="0" smtClean="0">
-              <a:solidFill>
-                <a:srgbClr val="000000"/>
-              </a:solidFill>
-            </a:endParaRPr>
-          </a:p>
-          <a:p>
-            <a:pPr>
-              <a:buClrTx/>
-              <a:buFont typeface="Wingdings" pitchFamily="2" charset="2"/>
-              <a:buChar char="q"/>
-            </a:pPr>
-            <a:r>
-              <a:rPr lang="en-US" sz="2600" b="0" smtClean="0">
-                <a:solidFill>
-                  <a:srgbClr val="000000"/>
-                </a:solidFill>
-              </a:rPr>
-              <a:t>Gọi method bằng hàm sau:</a:t>
-            </a:r>
-          </a:p>
-          <a:p>
-            <a:pPr marL="0" indent="0">
-              <a:buClrTx/>
-              <a:buNone/>
-            </a:pPr>
-            <a:r>
-              <a:rPr lang="en-US" sz="2600" b="0" smtClean="0">
-                <a:solidFill>
-                  <a:srgbClr val="000000"/>
-                </a:solidFill>
-              </a:rPr>
-              <a:t>   Prototype &lt;</a:t>
-            </a:r>
-            <a:r>
-              <a:rPr lang="en-US" sz="2600" b="0" i="1" smtClean="0">
-                <a:solidFill>
-                  <a:srgbClr val="000000"/>
-                </a:solidFill>
-              </a:rPr>
-              <a:t>NativeType&gt;</a:t>
-            </a:r>
-            <a:r>
-              <a:rPr lang="en-US" sz="2600" b="0" smtClean="0">
-                <a:solidFill>
-                  <a:srgbClr val="000000"/>
-                </a:solidFill>
-              </a:rPr>
-              <a:t> </a:t>
-            </a:r>
-            <a:r>
-              <a:rPr lang="en-US" sz="2600" b="0" i="1" smtClean="0">
-                <a:solidFill>
-                  <a:srgbClr val="000000"/>
-                </a:solidFill>
-              </a:rPr>
-              <a:t>Call&lt;Type&gt;Method</a:t>
-            </a:r>
-            <a:r>
-              <a:rPr lang="en-US" sz="2600" b="0" smtClean="0">
-                <a:solidFill>
-                  <a:srgbClr val="000000"/>
-                </a:solidFill>
-              </a:rPr>
-              <a:t>(JNIEnv *env, jobject obj, jmethodID methodID, </a:t>
-            </a:r>
-            <a:r>
-              <a:rPr lang="en-US" sz="2600" b="0" smtClean="0">
-                <a:solidFill>
-                  <a:srgbClr val="000000"/>
-                </a:solidFill>
-              </a:rPr>
-              <a:t>...);</a:t>
-            </a:r>
-            <a:endParaRPr lang="en-US" sz="2600" b="0" smtClean="0">
-              <a:solidFill>
-                <a:srgbClr val="000000"/>
-              </a:solidFill>
-            </a:endParaRPr>
-          </a:p>
-        </p:txBody>
-      </p:sp>
-      <p:sp>
-        <p:nvSpPr>
           <p:cNvPr id="4" name="Footer Placeholder 3"/>
           <p:cNvSpPr>
             <a:spLocks noGrp="1"/>
@@ -16787,253 +16975,6 @@
               <a:rPr lang="en-US" sz="2000" smtClean="0"/>
               <a:pPr/>
               <a:t>18</a:t>
-            </a:fld>
-            <a:endParaRPr lang="en-US" sz="2000"/>
-          </a:p>
-        </p:txBody>
-      </p:sp>
-    </p:spTree>
-    <p:extLst>
-      <p:ext uri="{BB962C8B-B14F-4D97-AF65-F5344CB8AC3E}">
-        <p14:creationId xmlns:p14="http://schemas.microsoft.com/office/powerpoint/2010/main" val="1315225573"/>
-      </p:ext>
-    </p:extLst>
-  </p:cSld>
-  <p:clrMapOvr>
-    <a:masterClrMapping/>
-  </p:clrMapOvr>
-  <p:timing>
-    <p:tnLst>
-      <p:par>
-        <p:cTn id="1" dur="indefinite" restart="never" nodeType="tmRoot"/>
-      </p:par>
-    </p:tnLst>
-  </p:timing>
-</p:sld>
-</file>
-
-<file path=ppt/slides/slide19.xml><?xml version="1.0" encoding="utf-8"?>
-<p:sld xmlns:a="http://schemas.openxmlformats.org/drawingml/2006/main" xmlns:r="http://schemas.openxmlformats.org/officeDocument/2006/relationships" xmlns:p="http://schemas.openxmlformats.org/presentationml/2006/main">
-  <p:cSld>
-    <p:spTree>
-      <p:nvGrpSpPr>
-        <p:cNvPr id="1" name=""/>
-        <p:cNvGrpSpPr/>
-        <p:nvPr/>
-      </p:nvGrpSpPr>
-      <p:grpSpPr>
-        <a:xfrm>
-          <a:off x="0" y="0"/>
-          <a:ext cx="0" cy="0"/>
-          <a:chOff x="0" y="0"/>
-          <a:chExt cx="0" cy="0"/>
-        </a:xfrm>
-      </p:grpSpPr>
-      <p:sp>
-        <p:nvSpPr>
-          <p:cNvPr id="8" name="Title 1"/>
-          <p:cNvSpPr>
-            <a:spLocks noGrp="1"/>
-          </p:cNvSpPr>
-          <p:nvPr>
-            <p:ph type="title"/>
-          </p:nvPr>
-        </p:nvSpPr>
-        <p:spPr>
-          <a:xfrm>
-            <a:off x="228600" y="579437"/>
-            <a:ext cx="9448800" cy="563563"/>
-          </a:xfrm>
-        </p:spPr>
-        <p:txBody>
-          <a:bodyPr>
-            <a:noAutofit/>
-          </a:bodyPr>
-          <a:lstStyle/>
-          <a:p>
-            <a:pPr algn="l"/>
-            <a:r>
-              <a:rPr lang="en-US" sz="2850" cap="all" smtClean="0">
-                <a:ln w="9000" cmpd="sng">
-                  <a:solidFill>
-                    <a:schemeClr val="accent4">
-                      <a:shade val="50000"/>
-                      <a:satMod val="120000"/>
-                    </a:schemeClr>
-                  </a:solidFill>
-                  <a:prstDash val="solid"/>
-                </a:ln>
-                <a:gradFill>
-                  <a:gsLst>
-                    <a:gs pos="0">
-                      <a:schemeClr val="accent4">
-                        <a:shade val="20000"/>
-                        <a:satMod val="245000"/>
-                      </a:schemeClr>
-                    </a:gs>
-                    <a:gs pos="43000">
-                      <a:schemeClr val="accent4">
-                        <a:satMod val="255000"/>
-                      </a:schemeClr>
-                    </a:gs>
-                    <a:gs pos="48000">
-                      <a:schemeClr val="accent4">
-                        <a:shade val="85000"/>
-                        <a:satMod val="255000"/>
-                      </a:schemeClr>
-                    </a:gs>
-                    <a:gs pos="100000">
-                      <a:schemeClr val="accent4">
-                        <a:shade val="20000"/>
-                        <a:satMod val="245000"/>
-                      </a:schemeClr>
-                    </a:gs>
-                  </a:gsLst>
-                  <a:lin ang="5400000"/>
-                </a:gradFill>
-                <a:effectLst>
-                  <a:reflection blurRad="12700" stA="28000" endPos="45000" dist="1000" dir="5400000" sy="-100000" algn="bl" rotWithShape="0"/>
-                </a:effectLst>
-              </a:rPr>
-              <a:t>2.3.2 </a:t>
-            </a:r>
-            <a:r>
-              <a:rPr lang="en-US" sz="2850" cap="all" smtClean="0">
-                <a:ln w="9000" cmpd="sng">
-                  <a:solidFill>
-                    <a:schemeClr val="accent4">
-                      <a:shade val="50000"/>
-                      <a:satMod val="120000"/>
-                    </a:schemeClr>
-                  </a:solidFill>
-                  <a:prstDash val="solid"/>
-                </a:ln>
-                <a:gradFill>
-                  <a:gsLst>
-                    <a:gs pos="0">
-                      <a:schemeClr val="accent4">
-                        <a:shade val="20000"/>
-                        <a:satMod val="245000"/>
-                      </a:schemeClr>
-                    </a:gs>
-                    <a:gs pos="43000">
-                      <a:schemeClr val="accent4">
-                        <a:satMod val="255000"/>
-                      </a:schemeClr>
-                    </a:gs>
-                    <a:gs pos="48000">
-                      <a:schemeClr val="accent4">
-                        <a:shade val="85000"/>
-                        <a:satMod val="255000"/>
-                      </a:schemeClr>
-                    </a:gs>
-                    <a:gs pos="100000">
-                      <a:schemeClr val="accent4">
-                        <a:shade val="20000"/>
-                        <a:satMod val="245000"/>
-                      </a:schemeClr>
-                    </a:gs>
-                  </a:gsLst>
-                  <a:lin ang="5400000"/>
-                </a:gradFill>
-                <a:effectLst>
-                  <a:reflection blurRad="12700" stA="28000" endPos="45000" dist="1000" dir="5400000" sy="-100000" algn="bl" rotWithShape="0"/>
-                </a:effectLst>
-              </a:rPr>
-              <a:t>truy xuất method</a:t>
-            </a:r>
-            <a:endParaRPr lang="en-US" sz="2850" cap="all">
-              <a:ln w="9000" cmpd="sng">
-                <a:solidFill>
-                  <a:schemeClr val="accent4">
-                    <a:shade val="50000"/>
-                    <a:satMod val="120000"/>
-                  </a:schemeClr>
-                </a:solidFill>
-                <a:prstDash val="solid"/>
-              </a:ln>
-              <a:gradFill>
-                <a:gsLst>
-                  <a:gs pos="0">
-                    <a:schemeClr val="accent4">
-                      <a:shade val="20000"/>
-                      <a:satMod val="245000"/>
-                    </a:schemeClr>
-                  </a:gs>
-                  <a:gs pos="43000">
-                    <a:schemeClr val="accent4">
-                      <a:satMod val="255000"/>
-                    </a:schemeClr>
-                  </a:gs>
-                  <a:gs pos="48000">
-                    <a:schemeClr val="accent4">
-                      <a:shade val="85000"/>
-                      <a:satMod val="255000"/>
-                    </a:schemeClr>
-                  </a:gs>
-                  <a:gs pos="100000">
-                    <a:schemeClr val="accent4">
-                      <a:shade val="20000"/>
-                      <a:satMod val="245000"/>
-                    </a:schemeClr>
-                  </a:gs>
-                </a:gsLst>
-                <a:lin ang="5400000"/>
-              </a:gradFill>
-              <a:effectLst>
-                <a:reflection blurRad="12700" stA="28000" endPos="45000" dist="1000" dir="5400000" sy="-100000" algn="bl" rotWithShape="0"/>
-              </a:effectLst>
-            </a:endParaRPr>
-          </a:p>
-        </p:txBody>
-      </p:sp>
-      <p:sp>
-        <p:nvSpPr>
-          <p:cNvPr id="4" name="Footer Placeholder 3"/>
-          <p:cNvSpPr>
-            <a:spLocks noGrp="1"/>
-          </p:cNvSpPr>
-          <p:nvPr>
-            <p:ph type="ftr" sz="quarter" idx="11"/>
-          </p:nvPr>
-        </p:nvSpPr>
-        <p:spPr/>
-        <p:txBody>
-          <a:bodyPr/>
-          <a:lstStyle/>
-          <a:p>
-            <a:r>
-              <a:rPr lang="en-US" smtClean="0"/>
-              <a:t>www.hcmus.edu.vn</a:t>
-            </a:r>
-            <a:endParaRPr lang="en-US"/>
-          </a:p>
-        </p:txBody>
-      </p:sp>
-      <p:sp>
-        <p:nvSpPr>
-          <p:cNvPr id="6" name="Slide Number Placeholder 11"/>
-          <p:cNvSpPr>
-            <a:spLocks noGrp="1"/>
-          </p:cNvSpPr>
-          <p:nvPr>
-            <p:ph type="sldNum" sz="quarter" idx="12"/>
-          </p:nvPr>
-        </p:nvSpPr>
-        <p:spPr>
-          <a:xfrm>
-            <a:off x="3429000" y="6477000"/>
-            <a:ext cx="2133600" cy="381000"/>
-          </a:xfrm>
-        </p:spPr>
-        <p:txBody>
-          <a:bodyPr/>
-          <a:lstStyle/>
-          <a:p>
-            <a:fld id="{B6F15528-21DE-4FAA-801E-634DDDAF4B2B}" type="slidenum">
-              <a:rPr lang="en-US" sz="2000" smtClean="0"/>
-              <a:pPr/>
-              <a:t>19</a:t>
             </a:fld>
             <a:endParaRPr lang="en-US" sz="2000"/>
           </a:p>
@@ -17817,6 +17758,503 @@
 </p:sld>
 </file>
 
+<file path=ppt/slides/slide19.xml><?xml version="1.0" encoding="utf-8"?>
+<p:sld xmlns:a="http://schemas.openxmlformats.org/drawingml/2006/main" xmlns:r="http://schemas.openxmlformats.org/officeDocument/2006/relationships" xmlns:p="http://schemas.openxmlformats.org/presentationml/2006/main">
+  <p:cSld>
+    <p:spTree>
+      <p:nvGrpSpPr>
+        <p:cNvPr id="1" name=""/>
+        <p:cNvGrpSpPr/>
+        <p:nvPr/>
+      </p:nvGrpSpPr>
+      <p:grpSpPr>
+        <a:xfrm>
+          <a:off x="0" y="0"/>
+          <a:ext cx="0" cy="0"/>
+          <a:chOff x="0" y="0"/>
+          <a:chExt cx="0" cy="0"/>
+        </a:xfrm>
+      </p:grpSpPr>
+      <p:sp>
+        <p:nvSpPr>
+          <p:cNvPr id="8" name="Title 1"/>
+          <p:cNvSpPr>
+            <a:spLocks noGrp="1"/>
+          </p:cNvSpPr>
+          <p:nvPr>
+            <p:ph type="title"/>
+          </p:nvPr>
+        </p:nvSpPr>
+        <p:spPr>
+          <a:xfrm>
+            <a:off x="228600" y="579437"/>
+            <a:ext cx="9448800" cy="563563"/>
+          </a:xfrm>
+        </p:spPr>
+        <p:txBody>
+          <a:bodyPr>
+            <a:noAutofit/>
+          </a:bodyPr>
+          <a:lstStyle/>
+          <a:p>
+            <a:pPr algn="l"/>
+            <a:r>
+              <a:rPr lang="en-US" sz="2850" cap="all" smtClean="0">
+                <a:ln w="9000" cmpd="sng">
+                  <a:solidFill>
+                    <a:schemeClr val="accent4">
+                      <a:shade val="50000"/>
+                      <a:satMod val="120000"/>
+                    </a:schemeClr>
+                  </a:solidFill>
+                  <a:prstDash val="solid"/>
+                </a:ln>
+                <a:gradFill>
+                  <a:gsLst>
+                    <a:gs pos="0">
+                      <a:schemeClr val="accent4">
+                        <a:shade val="20000"/>
+                        <a:satMod val="245000"/>
+                      </a:schemeClr>
+                    </a:gs>
+                    <a:gs pos="43000">
+                      <a:schemeClr val="accent4">
+                        <a:satMod val="255000"/>
+                      </a:schemeClr>
+                    </a:gs>
+                    <a:gs pos="48000">
+                      <a:schemeClr val="accent4">
+                        <a:shade val="85000"/>
+                        <a:satMod val="255000"/>
+                      </a:schemeClr>
+                    </a:gs>
+                    <a:gs pos="100000">
+                      <a:schemeClr val="accent4">
+                        <a:shade val="20000"/>
+                        <a:satMod val="245000"/>
+                      </a:schemeClr>
+                    </a:gs>
+                  </a:gsLst>
+                  <a:lin ang="5400000"/>
+                </a:gradFill>
+                <a:effectLst>
+                  <a:reflection blurRad="12700" stA="28000" endPos="45000" dist="1000" dir="5400000" sy="-100000" algn="bl" rotWithShape="0"/>
+                </a:effectLst>
+              </a:rPr>
+              <a:t>2.3.2 </a:t>
+            </a:r>
+            <a:r>
+              <a:rPr lang="en-US" sz="2850" cap="all" smtClean="0">
+                <a:ln w="9000" cmpd="sng">
+                  <a:solidFill>
+                    <a:schemeClr val="accent4">
+                      <a:shade val="50000"/>
+                      <a:satMod val="120000"/>
+                    </a:schemeClr>
+                  </a:solidFill>
+                  <a:prstDash val="solid"/>
+                </a:ln>
+                <a:gradFill>
+                  <a:gsLst>
+                    <a:gs pos="0">
+                      <a:schemeClr val="accent4">
+                        <a:shade val="20000"/>
+                        <a:satMod val="245000"/>
+                      </a:schemeClr>
+                    </a:gs>
+                    <a:gs pos="43000">
+                      <a:schemeClr val="accent4">
+                        <a:satMod val="255000"/>
+                      </a:schemeClr>
+                    </a:gs>
+                    <a:gs pos="48000">
+                      <a:schemeClr val="accent4">
+                        <a:shade val="85000"/>
+                        <a:satMod val="255000"/>
+                      </a:schemeClr>
+                    </a:gs>
+                    <a:gs pos="100000">
+                      <a:schemeClr val="accent4">
+                        <a:shade val="20000"/>
+                        <a:satMod val="245000"/>
+                      </a:schemeClr>
+                    </a:gs>
+                  </a:gsLst>
+                  <a:lin ang="5400000"/>
+                </a:gradFill>
+                <a:effectLst>
+                  <a:reflection blurRad="12700" stA="28000" endPos="45000" dist="1000" dir="5400000" sy="-100000" algn="bl" rotWithShape="0"/>
+                </a:effectLst>
+              </a:rPr>
+              <a:t>truy xuất method</a:t>
+            </a:r>
+            <a:endParaRPr lang="en-US" sz="2850" cap="all">
+              <a:ln w="9000" cmpd="sng">
+                <a:solidFill>
+                  <a:schemeClr val="accent4">
+                    <a:shade val="50000"/>
+                    <a:satMod val="120000"/>
+                  </a:schemeClr>
+                </a:solidFill>
+                <a:prstDash val="solid"/>
+              </a:ln>
+              <a:gradFill>
+                <a:gsLst>
+                  <a:gs pos="0">
+                    <a:schemeClr val="accent4">
+                      <a:shade val="20000"/>
+                      <a:satMod val="245000"/>
+                    </a:schemeClr>
+                  </a:gs>
+                  <a:gs pos="43000">
+                    <a:schemeClr val="accent4">
+                      <a:satMod val="255000"/>
+                    </a:schemeClr>
+                  </a:gs>
+                  <a:gs pos="48000">
+                    <a:schemeClr val="accent4">
+                      <a:shade val="85000"/>
+                      <a:satMod val="255000"/>
+                    </a:schemeClr>
+                  </a:gs>
+                  <a:gs pos="100000">
+                    <a:schemeClr val="accent4">
+                      <a:shade val="20000"/>
+                      <a:satMod val="245000"/>
+                    </a:schemeClr>
+                  </a:gs>
+                </a:gsLst>
+                <a:lin ang="5400000"/>
+              </a:gradFill>
+              <a:effectLst>
+                <a:reflection blurRad="12700" stA="28000" endPos="45000" dist="1000" dir="5400000" sy="-100000" algn="bl" rotWithShape="0"/>
+              </a:effectLst>
+            </a:endParaRPr>
+          </a:p>
+        </p:txBody>
+      </p:sp>
+      <p:sp>
+        <p:nvSpPr>
+          <p:cNvPr id="4" name="Footer Placeholder 3"/>
+          <p:cNvSpPr>
+            <a:spLocks noGrp="1"/>
+          </p:cNvSpPr>
+          <p:nvPr>
+            <p:ph type="ftr" sz="quarter" idx="11"/>
+          </p:nvPr>
+        </p:nvSpPr>
+        <p:spPr/>
+        <p:txBody>
+          <a:bodyPr/>
+          <a:lstStyle/>
+          <a:p>
+            <a:r>
+              <a:rPr lang="en-US" smtClean="0"/>
+              <a:t>www.hcmus.edu.vn</a:t>
+            </a:r>
+            <a:endParaRPr lang="en-US"/>
+          </a:p>
+        </p:txBody>
+      </p:sp>
+      <p:sp>
+        <p:nvSpPr>
+          <p:cNvPr id="6" name="Slide Number Placeholder 11"/>
+          <p:cNvSpPr>
+            <a:spLocks noGrp="1"/>
+          </p:cNvSpPr>
+          <p:nvPr>
+            <p:ph type="sldNum" sz="quarter" idx="12"/>
+          </p:nvPr>
+        </p:nvSpPr>
+        <p:spPr>
+          <a:xfrm>
+            <a:off x="3429000" y="6477000"/>
+            <a:ext cx="2133600" cy="381000"/>
+          </a:xfrm>
+        </p:spPr>
+        <p:txBody>
+          <a:bodyPr/>
+          <a:lstStyle/>
+          <a:p>
+            <a:fld id="{B6F15528-21DE-4FAA-801E-634DDDAF4B2B}" type="slidenum">
+              <a:rPr lang="en-US" sz="2000" smtClean="0"/>
+              <a:pPr/>
+              <a:t>19</a:t>
+            </a:fld>
+            <a:endParaRPr lang="en-US" sz="2000"/>
+          </a:p>
+        </p:txBody>
+      </p:sp>
+      <p:sp>
+        <p:nvSpPr>
+          <p:cNvPr id="3" name="Content Placeholder 2"/>
+          <p:cNvSpPr>
+            <a:spLocks noGrp="1"/>
+          </p:cNvSpPr>
+          <p:nvPr>
+            <p:ph idx="1"/>
+          </p:nvPr>
+        </p:nvSpPr>
+        <p:spPr>
+          <a:xfrm>
+            <a:off x="457200" y="1447800"/>
+            <a:ext cx="8534400" cy="4800600"/>
+          </a:xfrm>
+        </p:spPr>
+        <p:txBody>
+          <a:bodyPr/>
+          <a:lstStyle/>
+          <a:p>
+            <a:pPr marL="517525" lvl="1" indent="-457200" algn="just">
+              <a:buClrTx/>
+              <a:buFont typeface="Wingdings" pitchFamily="2" charset="2"/>
+              <a:buChar char="q"/>
+            </a:pPr>
+            <a:r>
+              <a:rPr lang="en-US" sz="2400" b="1">
+                <a:solidFill>
+                  <a:srgbClr val="000000"/>
+                </a:solidFill>
+                <a:latin typeface="+mj-lt"/>
+              </a:rPr>
+              <a:t>Method </a:t>
+            </a:r>
+            <a:r>
+              <a:rPr lang="en-US" sz="2400" b="1" smtClean="0">
+                <a:solidFill>
+                  <a:srgbClr val="000000"/>
+                </a:solidFill>
+                <a:latin typeface="+mj-lt"/>
+              </a:rPr>
+              <a:t>descriptor</a:t>
+            </a:r>
+          </a:p>
+          <a:p>
+            <a:pPr marL="60325" lvl="1" indent="396875" algn="just">
+              <a:buClrTx/>
+              <a:buNone/>
+            </a:pPr>
+            <a:r>
+              <a:rPr lang="en-US" sz="2400" b="0" smtClean="0">
+                <a:solidFill>
+                  <a:srgbClr val="000000"/>
+                </a:solidFill>
+                <a:latin typeface="+mj-lt"/>
+              </a:rPr>
+              <a:t>Là </a:t>
+            </a:r>
+            <a:r>
+              <a:rPr lang="en-US" sz="2400" b="0">
+                <a:solidFill>
+                  <a:srgbClr val="000000"/>
+                </a:solidFill>
+                <a:latin typeface="+mj-lt"/>
+              </a:rPr>
+              <a:t>một chuỗi tương tự như prototype của method nhưng có mô tả khác. Gồm 2 phần </a:t>
+            </a:r>
+            <a:r>
+              <a:rPr lang="en-US" sz="2400" b="0" smtClean="0">
+                <a:solidFill>
+                  <a:srgbClr val="000000"/>
+                </a:solidFill>
+                <a:latin typeface="+mj-lt"/>
+              </a:rPr>
+              <a:t>“(?)?”:</a:t>
+            </a:r>
+          </a:p>
+          <a:p>
+            <a:pPr marL="57150" lvl="1" indent="509588" algn="just">
+              <a:buClrTx/>
+              <a:buNone/>
+            </a:pPr>
+            <a:r>
+              <a:rPr lang="en-US" sz="2400" b="0" smtClean="0">
+                <a:solidFill>
+                  <a:srgbClr val="000000"/>
+                </a:solidFill>
+                <a:latin typeface="+mj-lt"/>
+              </a:rPr>
+              <a:t>Chấm </a:t>
+            </a:r>
+            <a:r>
+              <a:rPr lang="en-US" sz="2400" b="0">
+                <a:solidFill>
+                  <a:srgbClr val="000000"/>
+                </a:solidFill>
+                <a:latin typeface="+mj-lt"/>
+              </a:rPr>
+              <a:t>hỏi thứ nhất là phần các tham số truyền vào </a:t>
+            </a:r>
+            <a:r>
+              <a:rPr lang="en-US" sz="2400" b="0" smtClean="0">
+                <a:solidFill>
+                  <a:srgbClr val="000000"/>
+                </a:solidFill>
+                <a:latin typeface="+mj-lt"/>
+              </a:rPr>
+              <a:t>method.</a:t>
+            </a:r>
+          </a:p>
+          <a:p>
+            <a:pPr marL="566738" lvl="1" indent="0" algn="just">
+              <a:buClrTx/>
+              <a:buNone/>
+            </a:pPr>
+            <a:r>
+              <a:rPr lang="en-US" sz="2400" b="0" smtClean="0">
+                <a:solidFill>
+                  <a:srgbClr val="000000"/>
+                </a:solidFill>
+                <a:latin typeface="+mj-lt"/>
+              </a:rPr>
+              <a:t>Chấm </a:t>
+            </a:r>
+            <a:r>
+              <a:rPr lang="en-US" sz="2400" b="0">
+                <a:solidFill>
+                  <a:srgbClr val="000000"/>
+                </a:solidFill>
+                <a:latin typeface="+mj-lt"/>
+              </a:rPr>
+              <a:t>hỏi thứ </a:t>
+            </a:r>
+            <a:r>
+              <a:rPr lang="en-US" sz="2400" b="0" smtClean="0">
+                <a:solidFill>
+                  <a:srgbClr val="000000"/>
+                </a:solidFill>
+                <a:latin typeface="+mj-lt"/>
+              </a:rPr>
+              <a:t>hai </a:t>
+            </a:r>
+            <a:r>
+              <a:rPr lang="en-US" sz="2400" b="0">
+                <a:solidFill>
+                  <a:srgbClr val="000000"/>
+                </a:solidFill>
+                <a:latin typeface="+mj-lt"/>
+              </a:rPr>
+              <a:t>là giá trị trả về. </a:t>
+            </a:r>
+            <a:endParaRPr lang="en-US" sz="2400" b="0" smtClean="0">
+              <a:solidFill>
+                <a:srgbClr val="000000"/>
+              </a:solidFill>
+              <a:latin typeface="+mj-lt"/>
+            </a:endParaRPr>
+          </a:p>
+          <a:p>
+            <a:pPr marL="460375" indent="168275" algn="just">
+              <a:buClrTx/>
+              <a:buNone/>
+            </a:pPr>
+            <a:r>
+              <a:rPr lang="en-US" sz="2400" smtClean="0">
+                <a:solidFill>
+                  <a:srgbClr val="000000"/>
+                </a:solidFill>
+                <a:latin typeface="+mj-lt"/>
+              </a:rPr>
+              <a:t>Ví dụ</a:t>
+            </a:r>
+            <a:r>
+              <a:rPr lang="en-US" sz="2400">
+                <a:solidFill>
+                  <a:srgbClr val="000000"/>
+                </a:solidFill>
+                <a:latin typeface="+mj-lt"/>
+              </a:rPr>
+              <a:t>:</a:t>
+            </a:r>
+          </a:p>
+          <a:p>
+            <a:pPr marL="460375" indent="796925" algn="just">
+              <a:buClrTx/>
+              <a:buNone/>
+            </a:pPr>
+            <a:r>
+              <a:rPr lang="en-US" sz="2400" b="0">
+                <a:solidFill>
+                  <a:srgbClr val="000000"/>
+                </a:solidFill>
+                <a:latin typeface="+mj-lt"/>
+              </a:rPr>
+              <a:t>“()V”</a:t>
+            </a:r>
+          </a:p>
+          <a:p>
+            <a:pPr marL="460375" indent="796925" algn="just">
+              <a:buClrTx/>
+              <a:buNone/>
+            </a:pPr>
+            <a:r>
+              <a:rPr lang="en-US" sz="2400" b="0">
+                <a:solidFill>
+                  <a:srgbClr val="000000"/>
+                </a:solidFill>
+                <a:latin typeface="+mj-lt"/>
+              </a:rPr>
+              <a:t>“(I)I”</a:t>
+            </a:r>
+          </a:p>
+          <a:p>
+            <a:pPr marL="460375" indent="796925" algn="just">
+              <a:buClrTx/>
+              <a:buNone/>
+            </a:pPr>
+            <a:r>
+              <a:rPr lang="en-US" sz="2400" b="0">
+                <a:solidFill>
+                  <a:srgbClr val="000000"/>
+                </a:solidFill>
+                <a:latin typeface="+mj-lt"/>
+              </a:rPr>
+              <a:t>“(Ljava/lang/String;)Ljava/lang/String</a:t>
+            </a:r>
+            <a:r>
+              <a:rPr lang="en-US" sz="2400" b="0" smtClean="0">
+                <a:solidFill>
+                  <a:srgbClr val="000000"/>
+                </a:solidFill>
+                <a:latin typeface="+mj-lt"/>
+              </a:rPr>
+              <a:t>;</a:t>
+            </a:r>
+            <a:endParaRPr lang="en-US" sz="2400" b="0">
+              <a:solidFill>
+                <a:srgbClr val="000000"/>
+              </a:solidFill>
+              <a:latin typeface="+mj-lt"/>
+            </a:endParaRPr>
+          </a:p>
+          <a:p>
+            <a:pPr algn="just"/>
+            <a:endParaRPr lang="en-US" sz="2400">
+              <a:latin typeface="+mj-lt"/>
+            </a:endParaRPr>
+          </a:p>
+        </p:txBody>
+      </p:sp>
+    </p:spTree>
+    <p:extLst>
+      <p:ext uri="{BB962C8B-B14F-4D97-AF65-F5344CB8AC3E}">
+        <p14:creationId xmlns:p14="http://schemas.microsoft.com/office/powerpoint/2010/main" val="474669070"/>
+      </p:ext>
+    </p:extLst>
+  </p:cSld>
+  <p:clrMapOvr>
+    <a:masterClrMapping/>
+  </p:clrMapOvr>
+  <p:timing>
+    <p:tnLst>
+      <p:par>
+        <p:cTn id="1" dur="indefinite" restart="never" nodeType="tmRoot"/>
+      </p:par>
+    </p:tnLst>
+  </p:timing>
+</p:sld>
+</file>
+
 <file path=ppt/slides/slide2.xml><?xml version="1.0" encoding="utf-8"?>
 <p:sld xmlns:a="http://schemas.openxmlformats.org/drawingml/2006/main" xmlns:r="http://schemas.openxmlformats.org/officeDocument/2006/relationships" xmlns:p="http://schemas.openxmlformats.org/presentationml/2006/main">
   <p:cSld>
@@ -18300,52 +18738,7 @@
                   <a:reflection blurRad="12700" stA="28000" endPos="45000" dist="1000" dir="5400000" sy="-100000" algn="bl" rotWithShape="0"/>
                 </a:effectLst>
               </a:rPr>
-              <a:t>2.3.2 </a:t>
-            </a:r>
-            <a:r>
-              <a:rPr lang="en-US" sz="2850" cap="all" smtClean="0">
-                <a:ln w="9000" cmpd="sng">
-                  <a:solidFill>
-                    <a:schemeClr val="accent4">
-                      <a:shade val="50000"/>
-                      <a:satMod val="120000"/>
-                    </a:schemeClr>
-                  </a:solidFill>
-                  <a:prstDash val="solid"/>
-                </a:ln>
-                <a:gradFill>
-                  <a:gsLst>
-                    <a:gs pos="0">
-                      <a:schemeClr val="accent4">
-                        <a:shade val="20000"/>
-                        <a:satMod val="245000"/>
-                      </a:schemeClr>
-                    </a:gs>
-                    <a:gs pos="43000">
-                      <a:schemeClr val="accent4">
-                        <a:satMod val="255000"/>
-                      </a:schemeClr>
-                    </a:gs>
-                    <a:gs pos="48000">
-                      <a:schemeClr val="accent4">
-                        <a:shade val="85000"/>
-                        <a:satMod val="255000"/>
-                      </a:schemeClr>
-                    </a:gs>
-                    <a:gs pos="100000">
-                      <a:schemeClr val="accent4">
-                        <a:shade val="20000"/>
-                        <a:satMod val="245000"/>
-                      </a:schemeClr>
-                    </a:gs>
-                  </a:gsLst>
-                  <a:lin ang="5400000"/>
-                </a:gradFill>
-                <a:effectLst>
-                  <a:reflection blurRad="12700" stA="28000" endPos="45000" dist="1000" dir="5400000" sy="-100000" algn="bl" rotWithShape="0"/>
-                </a:effectLst>
-              </a:rPr>
-              <a:t>truy xuất method</a:t>
+              <a:t>2.3.1 truy xuất method</a:t>
             </a:r>
             <a:endParaRPr lang="en-US" sz="2850" cap="all">
               <a:ln w="9000" cmpd="sng">
@@ -18454,148 +18847,17 @@
             <p:ph idx="1"/>
           </p:nvPr>
         </p:nvSpPr>
-        <p:spPr>
-          <a:xfrm>
-            <a:off x="457200" y="1447800"/>
-            <a:ext cx="8534400" cy="4800600"/>
-          </a:xfrm>
-        </p:spPr>
+        <p:spPr/>
         <p:txBody>
           <a:bodyPr/>
           <a:lstStyle/>
           <a:p>
-            <a:pPr marL="517525" lvl="1" indent="-457200" algn="just">
+            <a:pPr lvl="1">
               <a:buClrTx/>
               <a:buFont typeface="Wingdings" pitchFamily="2" charset="2"/>
               <a:buChar char="q"/>
             </a:pPr>
-            <a:r>
-              <a:rPr lang="en-US" sz="2400" b="1">
-                <a:solidFill>
-                  <a:srgbClr val="000000"/>
-                </a:solidFill>
-                <a:latin typeface="+mj-lt"/>
-              </a:rPr>
-              <a:t>Method </a:t>
-            </a:r>
-            <a:r>
-              <a:rPr lang="en-US" sz="2400" b="1" smtClean="0">
-                <a:solidFill>
-                  <a:srgbClr val="000000"/>
-                </a:solidFill>
-                <a:latin typeface="+mj-lt"/>
-              </a:rPr>
-              <a:t>descriptor</a:t>
-            </a:r>
-          </a:p>
-          <a:p>
-            <a:pPr marL="60325" lvl="1" indent="396875" algn="just">
-              <a:buClrTx/>
-              <a:buNone/>
-            </a:pPr>
-            <a:r>
-              <a:rPr lang="en-US" sz="2400" b="0" smtClean="0">
-                <a:solidFill>
-                  <a:srgbClr val="000000"/>
-                </a:solidFill>
-                <a:latin typeface="+mj-lt"/>
-              </a:rPr>
-              <a:t>Là </a:t>
-            </a:r>
-            <a:r>
-              <a:rPr lang="en-US" sz="2400" b="0">
-                <a:solidFill>
-                  <a:srgbClr val="000000"/>
-                </a:solidFill>
-                <a:latin typeface="+mj-lt"/>
-              </a:rPr>
-              <a:t>một chuỗi tương tự như prototype của method nhưng có mô tả khác. Gồm 2 phần </a:t>
-            </a:r>
-            <a:r>
-              <a:rPr lang="en-US" sz="2400" b="0" smtClean="0">
-                <a:solidFill>
-                  <a:srgbClr val="000000"/>
-                </a:solidFill>
-                <a:latin typeface="+mj-lt"/>
-              </a:rPr>
-              <a:t>“(?)?”:</a:t>
-            </a:r>
-          </a:p>
-          <a:p>
-            <a:pPr marL="566738" lvl="1" indent="0" algn="just">
-              <a:buClrTx/>
-              <a:buNone/>
-            </a:pPr>
-            <a:r>
-              <a:rPr lang="en-US" sz="2400" b="0" smtClean="0">
-                <a:solidFill>
-                  <a:srgbClr val="000000"/>
-                </a:solidFill>
-                <a:latin typeface="+mj-lt"/>
-              </a:rPr>
-              <a:t>Chấm </a:t>
-            </a:r>
-            <a:r>
-              <a:rPr lang="en-US" sz="2400" b="0">
-                <a:solidFill>
-                  <a:srgbClr val="000000"/>
-                </a:solidFill>
-                <a:latin typeface="+mj-lt"/>
-              </a:rPr>
-              <a:t>hỏi thứ nhất là phần các tham số truyền vào </a:t>
-            </a:r>
-            <a:r>
-              <a:rPr lang="en-US" sz="2400" b="0" smtClean="0">
-                <a:solidFill>
-                  <a:srgbClr val="000000"/>
-                </a:solidFill>
-                <a:latin typeface="+mj-lt"/>
-              </a:rPr>
-              <a:t>method.</a:t>
-            </a:r>
-          </a:p>
-          <a:p>
-            <a:pPr marL="566738" lvl="1" indent="0" algn="just">
-              <a:buClrTx/>
-              <a:buNone/>
-            </a:pPr>
-            <a:r>
-              <a:rPr lang="en-US" sz="2400" b="0" smtClean="0">
-                <a:solidFill>
-                  <a:srgbClr val="000000"/>
-                </a:solidFill>
-                <a:latin typeface="+mj-lt"/>
-              </a:rPr>
-              <a:t>Chấm </a:t>
-            </a:r>
-            <a:r>
-              <a:rPr lang="en-US" sz="2400" b="0">
-                <a:solidFill>
-                  <a:srgbClr val="000000"/>
-                </a:solidFill>
-                <a:latin typeface="+mj-lt"/>
-              </a:rPr>
-              <a:t>hỏi thứ </a:t>
-            </a:r>
-            <a:r>
-              <a:rPr lang="en-US" sz="2400" b="0" smtClean="0">
-                <a:solidFill>
-                  <a:srgbClr val="000000"/>
-                </a:solidFill>
-                <a:latin typeface="+mj-lt"/>
-              </a:rPr>
-              <a:t>hai </a:t>
-            </a:r>
-            <a:r>
-              <a:rPr lang="en-US" sz="2400" b="0">
-                <a:solidFill>
-                  <a:srgbClr val="000000"/>
-                </a:solidFill>
-                <a:latin typeface="+mj-lt"/>
-              </a:rPr>
-              <a:t>là giá trị trả về. </a:t>
-            </a:r>
-            <a:endParaRPr lang="en-US" sz="2400" b="0" smtClean="0">
+            <a:endParaRPr lang="en-US" sz="2400" b="1" smtClean="0">
               <a:solidFill>
                 <a:srgbClr val="000000"/>
               </a:solidFill>
@@ -18603,91 +18865,52 @@
             </a:endParaRPr>
           </a:p>
           <a:p>
-            <a:pPr marL="460375" indent="168275" algn="just">
+            <a:pPr lvl="1">
+              <a:buClrTx/>
+              <a:buFont typeface="Wingdings" pitchFamily="2" charset="2"/>
+              <a:buChar char="q"/>
+            </a:pPr>
+            <a:r>
+              <a:rPr lang="en-US" sz="2400" b="1" smtClean="0">
+                <a:solidFill>
+                  <a:srgbClr val="000000"/>
+                </a:solidFill>
+                <a:latin typeface="+mj-lt"/>
+              </a:rPr>
+              <a:t>Gọi static method</a:t>
+            </a:r>
+          </a:p>
+          <a:p>
+            <a:pPr marL="0" indent="800100">
               <a:buClrTx/>
               <a:buNone/>
             </a:pPr>
             <a:r>
-              <a:rPr lang="en-US" sz="2400" smtClean="0">
+              <a:rPr lang="en-US" sz="2400" b="0" smtClean="0">
                 <a:solidFill>
                   <a:srgbClr val="000000"/>
                 </a:solidFill>
                 <a:latin typeface="+mj-lt"/>
               </a:rPr>
-              <a:t>Ví dụ</a:t>
-            </a:r>
-            <a:r>
-              <a:rPr lang="en-US" sz="2400">
-                <a:solidFill>
-                  <a:srgbClr val="000000"/>
-                </a:solidFill>
-                <a:latin typeface="+mj-lt"/>
-              </a:rPr>
-              <a:t>:</a:t>
-            </a:r>
-          </a:p>
-          <a:p>
-            <a:pPr marL="460375" indent="796925" algn="just">
+              <a:t>Hoàn toàn giống với gọi hàm của object. </a:t>
+            </a:r>
+          </a:p>
+          <a:p>
+            <a:pPr marL="0" indent="800100">
               <a:buClrTx/>
               <a:buNone/>
             </a:pPr>
             <a:r>
-              <a:rPr lang="en-US" sz="2400" b="0">
+              <a:rPr lang="en-US" sz="2400" b="0" smtClean="0">
                 <a:solidFill>
                   <a:srgbClr val="000000"/>
                 </a:solidFill>
                 <a:latin typeface="+mj-lt"/>
               </a:rPr>
-              <a:t>“()V”</a:t>
-            </a:r>
-          </a:p>
-          <a:p>
-            <a:pPr marL="460375" indent="796925" algn="just">
-              <a:buClrTx/>
-              <a:buNone/>
-            </a:pPr>
-            <a:r>
-              <a:rPr lang="en-US" sz="2400" b="0">
-                <a:solidFill>
-                  <a:srgbClr val="000000"/>
-                </a:solidFill>
-                <a:latin typeface="+mj-lt"/>
-              </a:rPr>
-              <a:t>“(I)I”</a:t>
-            </a:r>
-          </a:p>
-          <a:p>
-            <a:pPr marL="460375" indent="796925" algn="just">
-              <a:buClrTx/>
-              <a:buNone/>
-            </a:pPr>
-            <a:r>
-              <a:rPr lang="en-US" sz="2400" b="0">
-                <a:solidFill>
-                  <a:srgbClr val="000000"/>
-                </a:solidFill>
-                <a:latin typeface="+mj-lt"/>
-              </a:rPr>
-              <a:t>“(Ljava/lang/String;)Ljava/lang/String</a:t>
-            </a:r>
-            <a:r>
-              <a:rPr lang="en-US" sz="2400" b="0" smtClean="0">
-                <a:solidFill>
-                  <a:srgbClr val="000000"/>
-                </a:solidFill>
-                <a:latin typeface="+mj-lt"/>
-              </a:rPr>
-              <a:t>;</a:t>
-            </a:r>
-            <a:endParaRPr lang="en-US" sz="2400" b="0">
-              <a:solidFill>
-                <a:srgbClr val="000000"/>
-              </a:solidFill>
-              <a:latin typeface="+mj-lt"/>
-            </a:endParaRPr>
-          </a:p>
-          <a:p>
-            <a:pPr algn="just"/>
+              <a:t>Chỉ khác nhau ở tên hàm trong JNI như thay vì gọi GetMethodID, CallVoidMethod… thì sẽ gọi GetStaticMethodID, CallStaticVoidMethod…</a:t>
+            </a:r>
+          </a:p>
+          <a:p>
             <a:endParaRPr lang="en-US" sz="2400">
               <a:latin typeface="+mj-lt"/>
             </a:endParaRPr>
@@ -18697,7 +18920,7 @@
     </p:spTree>
     <p:extLst>
       <p:ext uri="{BB962C8B-B14F-4D97-AF65-F5344CB8AC3E}">
-        <p14:creationId xmlns:p14="http://schemas.microsoft.com/office/powerpoint/2010/main" val="474669070"/>
+        <p14:creationId xmlns:p14="http://schemas.microsoft.com/office/powerpoint/2010/main" val="4024800155"/>
       </p:ext>
     </p:extLst>
   </p:cSld>
@@ -18911,273 +19134,6 @@
           <a:bodyPr/>
           <a:lstStyle/>
           <a:p>
-            <a:pPr lvl="1">
-              <a:buClrTx/>
-              <a:buFont typeface="Wingdings" pitchFamily="2" charset="2"/>
-              <a:buChar char="q"/>
-            </a:pPr>
-            <a:endParaRPr lang="en-US" sz="2400" b="1" smtClean="0">
-              <a:solidFill>
-                <a:srgbClr val="000000"/>
-              </a:solidFill>
-              <a:latin typeface="+mj-lt"/>
-            </a:endParaRPr>
-          </a:p>
-          <a:p>
-            <a:pPr lvl="1">
-              <a:buClrTx/>
-              <a:buFont typeface="Wingdings" pitchFamily="2" charset="2"/>
-              <a:buChar char="q"/>
-            </a:pPr>
-            <a:r>
-              <a:rPr lang="en-US" sz="2400" b="1" smtClean="0">
-                <a:solidFill>
-                  <a:srgbClr val="000000"/>
-                </a:solidFill>
-                <a:latin typeface="+mj-lt"/>
-              </a:rPr>
-              <a:t>Gọi static method</a:t>
-            </a:r>
-          </a:p>
-          <a:p>
-            <a:pPr marL="0" indent="800100">
-              <a:buClrTx/>
-              <a:buNone/>
-            </a:pPr>
-            <a:r>
-              <a:rPr lang="en-US" sz="2400" b="0" smtClean="0">
-                <a:solidFill>
-                  <a:srgbClr val="000000"/>
-                </a:solidFill>
-                <a:latin typeface="+mj-lt"/>
-              </a:rPr>
-              <a:t>Hoàn toàn giống với gọi hàm của object. Chỉ khác nhau ở tên hàm trong JNI như thay vì gọi GetMethodID, CallVoidMethod… thì sẽ gọi GetStaticMethodID, CallStaticVoidMethod…</a:t>
-            </a:r>
-          </a:p>
-          <a:p>
-            <a:endParaRPr lang="en-US" sz="2400">
-              <a:latin typeface="+mj-lt"/>
-            </a:endParaRPr>
-          </a:p>
-        </p:txBody>
-      </p:sp>
-    </p:spTree>
-    <p:extLst>
-      <p:ext uri="{BB962C8B-B14F-4D97-AF65-F5344CB8AC3E}">
-        <p14:creationId xmlns:p14="http://schemas.microsoft.com/office/powerpoint/2010/main" val="4024800155"/>
-      </p:ext>
-    </p:extLst>
-  </p:cSld>
-  <p:clrMapOvr>
-    <a:masterClrMapping/>
-  </p:clrMapOvr>
-  <p:timing>
-    <p:tnLst>
-      <p:par>
-        <p:cTn id="1" dur="indefinite" restart="never" nodeType="tmRoot"/>
-      </p:par>
-    </p:tnLst>
-  </p:timing>
-</p:sld>
-</file>
-
-<file path=ppt/slides/slide22.xml><?xml version="1.0" encoding="utf-8"?>
-<p:sld xmlns:a="http://schemas.openxmlformats.org/drawingml/2006/main" xmlns:r="http://schemas.openxmlformats.org/officeDocument/2006/relationships" xmlns:p="http://schemas.openxmlformats.org/presentationml/2006/main">
-  <p:cSld>
-    <p:spTree>
-      <p:nvGrpSpPr>
-        <p:cNvPr id="1" name=""/>
-        <p:cNvGrpSpPr/>
-        <p:nvPr/>
-      </p:nvGrpSpPr>
-      <p:grpSpPr>
-        <a:xfrm>
-          <a:off x="0" y="0"/>
-          <a:ext cx="0" cy="0"/>
-          <a:chOff x="0" y="0"/>
-          <a:chExt cx="0" cy="0"/>
-        </a:xfrm>
-      </p:grpSpPr>
-      <p:sp>
-        <p:nvSpPr>
-          <p:cNvPr id="8" name="Title 1"/>
-          <p:cNvSpPr>
-            <a:spLocks noGrp="1"/>
-          </p:cNvSpPr>
-          <p:nvPr>
-            <p:ph type="title"/>
-          </p:nvPr>
-        </p:nvSpPr>
-        <p:spPr>
-          <a:xfrm>
-            <a:off x="228600" y="579437"/>
-            <a:ext cx="9448800" cy="563563"/>
-          </a:xfrm>
-        </p:spPr>
-        <p:txBody>
-          <a:bodyPr>
-            <a:noAutofit/>
-          </a:bodyPr>
-          <a:lstStyle/>
-          <a:p>
-            <a:pPr algn="l"/>
-            <a:r>
-              <a:rPr lang="en-US" sz="2850" cap="all" smtClean="0">
-                <a:ln w="9000" cmpd="sng">
-                  <a:solidFill>
-                    <a:schemeClr val="accent4">
-                      <a:shade val="50000"/>
-                      <a:satMod val="120000"/>
-                    </a:schemeClr>
-                  </a:solidFill>
-                  <a:prstDash val="solid"/>
-                </a:ln>
-                <a:gradFill>
-                  <a:gsLst>
-                    <a:gs pos="0">
-                      <a:schemeClr val="accent4">
-                        <a:shade val="20000"/>
-                        <a:satMod val="245000"/>
-                      </a:schemeClr>
-                    </a:gs>
-                    <a:gs pos="43000">
-                      <a:schemeClr val="accent4">
-                        <a:satMod val="255000"/>
-                      </a:schemeClr>
-                    </a:gs>
-                    <a:gs pos="48000">
-                      <a:schemeClr val="accent4">
-                        <a:shade val="85000"/>
-                        <a:satMod val="255000"/>
-                      </a:schemeClr>
-                    </a:gs>
-                    <a:gs pos="100000">
-                      <a:schemeClr val="accent4">
-                        <a:shade val="20000"/>
-                        <a:satMod val="245000"/>
-                      </a:schemeClr>
-                    </a:gs>
-                  </a:gsLst>
-                  <a:lin ang="5400000"/>
-                </a:gradFill>
-                <a:effectLst>
-                  <a:reflection blurRad="12700" stA="28000" endPos="45000" dist="1000" dir="5400000" sy="-100000" algn="bl" rotWithShape="0"/>
-                </a:effectLst>
-              </a:rPr>
-              <a:t>2.3.1 truy xuất method</a:t>
-            </a:r>
-            <a:endParaRPr lang="en-US" sz="2850" cap="all">
-              <a:ln w="9000" cmpd="sng">
-                <a:solidFill>
-                  <a:schemeClr val="accent4">
-                    <a:shade val="50000"/>
-                    <a:satMod val="120000"/>
-                  </a:schemeClr>
-                </a:solidFill>
-                <a:prstDash val="solid"/>
-              </a:ln>
-              <a:gradFill>
-                <a:gsLst>
-                  <a:gs pos="0">
-                    <a:schemeClr val="accent4">
-                      <a:shade val="20000"/>
-                      <a:satMod val="245000"/>
-                    </a:schemeClr>
-                  </a:gs>
-                  <a:gs pos="43000">
-                    <a:schemeClr val="accent4">
-                      <a:satMod val="255000"/>
-                    </a:schemeClr>
-                  </a:gs>
-                  <a:gs pos="48000">
-                    <a:schemeClr val="accent4">
-                      <a:shade val="85000"/>
-                      <a:satMod val="255000"/>
-                    </a:schemeClr>
-                  </a:gs>
-                  <a:gs pos="100000">
-                    <a:schemeClr val="accent4">
-                      <a:shade val="20000"/>
-                      <a:satMod val="245000"/>
-                    </a:schemeClr>
-                  </a:gs>
-                </a:gsLst>
-                <a:lin ang="5400000"/>
-              </a:gradFill>
-              <a:effectLst>
-                <a:reflection blurRad="12700" stA="28000" endPos="45000" dist="1000" dir="5400000" sy="-100000" algn="bl" rotWithShape="0"/>
-              </a:effectLst>
-            </a:endParaRPr>
-          </a:p>
-        </p:txBody>
-      </p:sp>
-      <p:sp>
-        <p:nvSpPr>
-          <p:cNvPr id="4" name="Footer Placeholder 3"/>
-          <p:cNvSpPr>
-            <a:spLocks noGrp="1"/>
-          </p:cNvSpPr>
-          <p:nvPr>
-            <p:ph type="ftr" sz="quarter" idx="11"/>
-          </p:nvPr>
-        </p:nvSpPr>
-        <p:spPr/>
-        <p:txBody>
-          <a:bodyPr/>
-          <a:lstStyle/>
-          <a:p>
-            <a:r>
-              <a:rPr lang="en-US" smtClean="0"/>
-              <a:t>www.hcmus.edu.vn</a:t>
-            </a:r>
-            <a:endParaRPr lang="en-US"/>
-          </a:p>
-        </p:txBody>
-      </p:sp>
-      <p:sp>
-        <p:nvSpPr>
-          <p:cNvPr id="6" name="Slide Number Placeholder 11"/>
-          <p:cNvSpPr>
-            <a:spLocks noGrp="1"/>
-          </p:cNvSpPr>
-          <p:nvPr>
-            <p:ph type="sldNum" sz="quarter" idx="12"/>
-          </p:nvPr>
-        </p:nvSpPr>
-        <p:spPr>
-          <a:xfrm>
-            <a:off x="3429000" y="6477000"/>
-            <a:ext cx="2133600" cy="381000"/>
-          </a:xfrm>
-        </p:spPr>
-        <p:txBody>
-          <a:bodyPr/>
-          <a:lstStyle/>
-          <a:p>
-            <a:fld id="{B6F15528-21DE-4FAA-801E-634DDDAF4B2B}" type="slidenum">
-              <a:rPr lang="en-US" sz="2000" smtClean="0"/>
-              <a:pPr/>
-              <a:t>22</a:t>
-            </a:fld>
-            <a:endParaRPr lang="en-US" sz="2000"/>
-          </a:p>
-        </p:txBody>
-      </p:sp>
-      <p:sp>
-        <p:nvSpPr>
-          <p:cNvPr id="3" name="Content Placeholder 2"/>
-          <p:cNvSpPr>
-            <a:spLocks noGrp="1"/>
-          </p:cNvSpPr>
-          <p:nvPr>
-            <p:ph idx="1"/>
-          </p:nvPr>
-        </p:nvSpPr>
-        <p:spPr/>
-        <p:txBody>
-          <a:bodyPr/>
-          <a:lstStyle/>
-          <a:p>
             <a:pPr marL="0" indent="0">
               <a:buNone/>
             </a:pPr>
@@ -19204,7 +19160,7 @@
           <p:nvPr>
             <p:extLst>
               <p:ext uri="{D42A27DB-BD31-4B8C-83A1-F6EECF244321}">
-                <p14:modId xmlns:p14="http://schemas.microsoft.com/office/powerpoint/2010/main" val="3529093018"/>
+                <p14:modId xmlns:p14="http://schemas.microsoft.com/office/powerpoint/2010/main" val="4269682550"/>
               </p:ext>
             </p:extLst>
           </p:nvPr>
@@ -19327,7 +19283,7 @@
                     <a:bodyPr/>
                     <a:lstStyle/>
                     <a:p>
-                      <a:pPr marL="0" marR="0" algn="l">
+                      <a:pPr marL="0" marR="0" indent="457200" algn="l">
                         <a:lnSpc>
                           <a:spcPct val="115000"/>
                         </a:lnSpc>
@@ -19393,7 +19349,7 @@
                     <a:bodyPr/>
                     <a:lstStyle/>
                     <a:p>
-                      <a:pPr marL="0" marR="0" algn="l">
+                      <a:pPr marL="0" marR="0" indent="457200" algn="l">
                         <a:lnSpc>
                           <a:spcPct val="115000"/>
                         </a:lnSpc>
@@ -19459,7 +19415,7 @@
                     <a:bodyPr/>
                     <a:lstStyle/>
                     <a:p>
-                      <a:pPr marL="0" marR="0" algn="l">
+                      <a:pPr marL="0" marR="0" indent="457200" algn="l">
                         <a:lnSpc>
                           <a:spcPct val="115000"/>
                         </a:lnSpc>
@@ -19525,7 +19481,7 @@
                     <a:bodyPr/>
                     <a:lstStyle/>
                     <a:p>
-                      <a:pPr marL="0" marR="0" algn="l">
+                      <a:pPr marL="0" marR="0" indent="457200" algn="l">
                         <a:lnSpc>
                           <a:spcPct val="115000"/>
                         </a:lnSpc>
@@ -19591,7 +19547,7 @@
                     <a:bodyPr/>
                     <a:lstStyle/>
                     <a:p>
-                      <a:pPr marL="0" marR="0" algn="l">
+                      <a:pPr marL="0" marR="0" indent="457200" algn="l">
                         <a:lnSpc>
                           <a:spcPct val="115000"/>
                         </a:lnSpc>
@@ -19657,7 +19613,7 @@
                     <a:bodyPr/>
                     <a:lstStyle/>
                     <a:p>
-                      <a:pPr marL="0" marR="0" algn="l">
+                      <a:pPr marL="0" marR="0" indent="457200" algn="l">
                         <a:lnSpc>
                           <a:spcPct val="115000"/>
                         </a:lnSpc>
@@ -19723,7 +19679,7 @@
                     <a:bodyPr/>
                     <a:lstStyle/>
                     <a:p>
-                      <a:pPr marL="0" marR="0" algn="l">
+                      <a:pPr marL="0" marR="0" indent="457200" algn="l">
                         <a:lnSpc>
                           <a:spcPct val="115000"/>
                         </a:lnSpc>
@@ -19789,7 +19745,7 @@
                     <a:bodyPr/>
                     <a:lstStyle/>
                     <a:p>
-                      <a:pPr marL="0" marR="0" algn="l">
+                      <a:pPr marL="0" marR="0" indent="457200" algn="l">
                         <a:lnSpc>
                           <a:spcPct val="115000"/>
                         </a:lnSpc>
@@ -19855,7 +19811,7 @@
                     <a:bodyPr/>
                     <a:lstStyle/>
                     <a:p>
-                      <a:pPr marL="0" marR="0" algn="l">
+                      <a:pPr marL="0" marR="0" indent="457200" algn="l">
                         <a:lnSpc>
                           <a:spcPct val="115000"/>
                         </a:lnSpc>
@@ -19921,7 +19877,7 @@
                     <a:bodyPr/>
                     <a:lstStyle/>
                     <a:p>
-                      <a:pPr marL="0" marR="0" algn="l">
+                      <a:pPr marL="0" marR="0" indent="457200" algn="l">
                         <a:lnSpc>
                           <a:spcPct val="115000"/>
                         </a:lnSpc>
@@ -19957,6 +19913,361 @@
     <p:extLst>
       <p:ext uri="{BB962C8B-B14F-4D97-AF65-F5344CB8AC3E}">
         <p14:creationId xmlns:p14="http://schemas.microsoft.com/office/powerpoint/2010/main" val="545462404"/>
+      </p:ext>
+    </p:extLst>
+  </p:cSld>
+  <p:clrMapOvr>
+    <a:masterClrMapping/>
+  </p:clrMapOvr>
+  <p:timing>
+    <p:tnLst>
+      <p:par>
+        <p:cTn id="1" dur="indefinite" restart="never" nodeType="tmRoot"/>
+      </p:par>
+    </p:tnLst>
+  </p:timing>
+</p:sld>
+</file>
+
+<file path=ppt/slides/slide22.xml><?xml version="1.0" encoding="utf-8"?>
+<p:sld xmlns:a="http://schemas.openxmlformats.org/drawingml/2006/main" xmlns:r="http://schemas.openxmlformats.org/officeDocument/2006/relationships" xmlns:p="http://schemas.openxmlformats.org/presentationml/2006/main">
+  <p:cSld>
+    <p:spTree>
+      <p:nvGrpSpPr>
+        <p:cNvPr id="1" name=""/>
+        <p:cNvGrpSpPr/>
+        <p:nvPr/>
+      </p:nvGrpSpPr>
+      <p:grpSpPr>
+        <a:xfrm>
+          <a:off x="0" y="0"/>
+          <a:ext cx="0" cy="0"/>
+          <a:chOff x="0" y="0"/>
+          <a:chExt cx="0" cy="0"/>
+        </a:xfrm>
+      </p:grpSpPr>
+      <p:sp>
+        <p:nvSpPr>
+          <p:cNvPr id="8" name="Title 1"/>
+          <p:cNvSpPr>
+            <a:spLocks noGrp="1"/>
+          </p:cNvSpPr>
+          <p:nvPr>
+            <p:ph type="title"/>
+          </p:nvPr>
+        </p:nvSpPr>
+        <p:spPr>
+          <a:xfrm>
+            <a:off x="228600" y="579437"/>
+            <a:ext cx="9448800" cy="563563"/>
+          </a:xfrm>
+        </p:spPr>
+        <p:txBody>
+          <a:bodyPr>
+            <a:noAutofit/>
+          </a:bodyPr>
+          <a:lstStyle/>
+          <a:p>
+            <a:pPr algn="l"/>
+            <a:r>
+              <a:rPr lang="en-US" sz="2800" cap="all" smtClean="0">
+                <a:ln w="9000" cmpd="sng">
+                  <a:solidFill>
+                    <a:schemeClr val="accent4">
+                      <a:shade val="50000"/>
+                      <a:satMod val="120000"/>
+                    </a:schemeClr>
+                  </a:solidFill>
+                  <a:prstDash val="solid"/>
+                </a:ln>
+                <a:gradFill>
+                  <a:gsLst>
+                    <a:gs pos="0">
+                      <a:schemeClr val="accent4">
+                        <a:shade val="20000"/>
+                        <a:satMod val="245000"/>
+                      </a:schemeClr>
+                    </a:gs>
+                    <a:gs pos="43000">
+                      <a:schemeClr val="accent4">
+                        <a:satMod val="255000"/>
+                      </a:schemeClr>
+                    </a:gs>
+                    <a:gs pos="48000">
+                      <a:schemeClr val="accent4">
+                        <a:shade val="85000"/>
+                        <a:satMod val="255000"/>
+                      </a:schemeClr>
+                    </a:gs>
+                    <a:gs pos="100000">
+                      <a:schemeClr val="accent4">
+                        <a:shade val="20000"/>
+                        <a:satMod val="245000"/>
+                      </a:schemeClr>
+                    </a:gs>
+                  </a:gsLst>
+                  <a:lin ang="5400000"/>
+                </a:gradFill>
+                <a:effectLst>
+                  <a:reflection blurRad="12700" stA="28000" endPos="45000" dist="1000" dir="5400000" sy="-100000" algn="bl" rotWithShape="0"/>
+                </a:effectLst>
+              </a:rPr>
+              <a:t>2.3.Tạo dựng đối tượng java trong jni</a:t>
+            </a:r>
+            <a:endParaRPr lang="en-US" sz="2800" cap="all">
+              <a:ln w="9000" cmpd="sng">
+                <a:solidFill>
+                  <a:schemeClr val="accent4">
+                    <a:shade val="50000"/>
+                    <a:satMod val="120000"/>
+                  </a:schemeClr>
+                </a:solidFill>
+                <a:prstDash val="solid"/>
+              </a:ln>
+              <a:gradFill>
+                <a:gsLst>
+                  <a:gs pos="0">
+                    <a:schemeClr val="accent4">
+                      <a:shade val="20000"/>
+                      <a:satMod val="245000"/>
+                    </a:schemeClr>
+                  </a:gs>
+                  <a:gs pos="43000">
+                    <a:schemeClr val="accent4">
+                      <a:satMod val="255000"/>
+                    </a:schemeClr>
+                  </a:gs>
+                  <a:gs pos="48000">
+                    <a:schemeClr val="accent4">
+                      <a:shade val="85000"/>
+                      <a:satMod val="255000"/>
+                    </a:schemeClr>
+                  </a:gs>
+                  <a:gs pos="100000">
+                    <a:schemeClr val="accent4">
+                      <a:shade val="20000"/>
+                      <a:satMod val="245000"/>
+                    </a:schemeClr>
+                  </a:gs>
+                </a:gsLst>
+                <a:lin ang="5400000"/>
+              </a:gradFill>
+              <a:effectLst>
+                <a:reflection blurRad="12700" stA="28000" endPos="45000" dist="1000" dir="5400000" sy="-100000" algn="bl" rotWithShape="0"/>
+              </a:effectLst>
+            </a:endParaRPr>
+          </a:p>
+        </p:txBody>
+      </p:sp>
+      <p:sp>
+        <p:nvSpPr>
+          <p:cNvPr id="4" name="Footer Placeholder 3"/>
+          <p:cNvSpPr>
+            <a:spLocks noGrp="1"/>
+          </p:cNvSpPr>
+          <p:nvPr>
+            <p:ph type="ftr" sz="quarter" idx="11"/>
+          </p:nvPr>
+        </p:nvSpPr>
+        <p:spPr/>
+        <p:txBody>
+          <a:bodyPr/>
+          <a:lstStyle/>
+          <a:p>
+            <a:r>
+              <a:rPr lang="en-US" smtClean="0"/>
+              <a:t>www.hcmus.edu.vn</a:t>
+            </a:r>
+            <a:endParaRPr lang="en-US"/>
+          </a:p>
+        </p:txBody>
+      </p:sp>
+      <p:sp>
+        <p:nvSpPr>
+          <p:cNvPr id="6" name="Slide Number Placeholder 11"/>
+          <p:cNvSpPr>
+            <a:spLocks noGrp="1"/>
+          </p:cNvSpPr>
+          <p:nvPr>
+            <p:ph type="sldNum" sz="quarter" idx="12"/>
+          </p:nvPr>
+        </p:nvSpPr>
+        <p:spPr>
+          <a:xfrm>
+            <a:off x="3429000" y="6477000"/>
+            <a:ext cx="2133600" cy="381000"/>
+          </a:xfrm>
+        </p:spPr>
+        <p:txBody>
+          <a:bodyPr/>
+          <a:lstStyle/>
+          <a:p>
+            <a:fld id="{B6F15528-21DE-4FAA-801E-634DDDAF4B2B}" type="slidenum">
+              <a:rPr lang="en-US" sz="2000" smtClean="0"/>
+              <a:pPr/>
+              <a:t>22</a:t>
+            </a:fld>
+            <a:endParaRPr lang="en-US" sz="2000"/>
+          </a:p>
+        </p:txBody>
+      </p:sp>
+      <p:sp>
+        <p:nvSpPr>
+          <p:cNvPr id="3" name="Content Placeholder 2"/>
+          <p:cNvSpPr>
+            <a:spLocks noGrp="1"/>
+          </p:cNvSpPr>
+          <p:nvPr>
+            <p:ph idx="1"/>
+          </p:nvPr>
+        </p:nvSpPr>
+        <p:spPr>
+          <a:xfrm>
+            <a:off x="457200" y="1447800"/>
+            <a:ext cx="8534400" cy="4800600"/>
+          </a:xfrm>
+        </p:spPr>
+        <p:txBody>
+          <a:bodyPr/>
+          <a:lstStyle/>
+          <a:p>
+            <a:pPr>
+              <a:buClrTx/>
+              <a:buFont typeface="Wingdings" pitchFamily="2" charset="2"/>
+              <a:buChar char="q"/>
+            </a:pPr>
+            <a:r>
+              <a:rPr lang="en-US" b="0">
+                <a:solidFill>
+                  <a:srgbClr val="000000"/>
+                </a:solidFill>
+              </a:rPr>
+              <a:t>JNI cho phép ta lấy được hàm dựng của một đối tượng qua đó tạo dựng được đối tượng Java.</a:t>
+            </a:r>
+          </a:p>
+          <a:p>
+            <a:pPr algn="just">
+              <a:buClrTx/>
+              <a:buFont typeface="Wingdings" pitchFamily="2" charset="2"/>
+              <a:buChar char="q"/>
+            </a:pPr>
+            <a:r>
+              <a:rPr lang="en-US" b="0" smtClean="0">
+                <a:solidFill>
+                  <a:srgbClr val="000000"/>
+                </a:solidFill>
+              </a:rPr>
+              <a:t>Để </a:t>
+            </a:r>
+            <a:r>
+              <a:rPr lang="en-US" b="0">
+                <a:solidFill>
+                  <a:srgbClr val="000000"/>
+                </a:solidFill>
+              </a:rPr>
+              <a:t>tạo đối tượng với hàm dựng có được ta gọi hàm:</a:t>
+            </a:r>
+          </a:p>
+          <a:p>
+            <a:pPr marL="0" indent="406400">
+              <a:buClrTx/>
+              <a:buNone/>
+            </a:pPr>
+            <a:r>
+              <a:rPr lang="en-US" sz="2400" smtClean="0">
+                <a:solidFill>
+                  <a:schemeClr val="accent4">
+                    <a:lumMod val="90000"/>
+                    <a:lumOff val="10000"/>
+                  </a:schemeClr>
+                </a:solidFill>
+              </a:rPr>
+              <a:t>jobject </a:t>
+            </a:r>
+            <a:r>
+              <a:rPr lang="en-US" sz="2400">
+                <a:solidFill>
+                  <a:schemeClr val="accent4">
+                    <a:lumMod val="90000"/>
+                    <a:lumOff val="10000"/>
+                  </a:schemeClr>
+                </a:solidFill>
+              </a:rPr>
+              <a:t>NewObject(JNIEnv *env</a:t>
+            </a:r>
+            <a:r>
+              <a:rPr lang="en-US" sz="2400">
+                <a:solidFill>
+                  <a:schemeClr val="accent4">
+                    <a:lumMod val="90000"/>
+                    <a:lumOff val="10000"/>
+                  </a:schemeClr>
+                </a:solidFill>
+              </a:rPr>
+              <a:t>, </a:t>
+            </a:r>
+            <a:r>
+              <a:rPr lang="en-US" sz="2400" smtClean="0">
+                <a:solidFill>
+                  <a:schemeClr val="accent4">
+                    <a:lumMod val="90000"/>
+                    <a:lumOff val="10000"/>
+                  </a:schemeClr>
+                </a:solidFill>
+              </a:rPr>
+              <a:t>jclass clazz</a:t>
+            </a:r>
+            <a:r>
+              <a:rPr lang="en-US" sz="2400">
+                <a:solidFill>
+                  <a:schemeClr val="accent4">
+                    <a:lumMod val="90000"/>
+                    <a:lumOff val="10000"/>
+                  </a:schemeClr>
+                </a:solidFill>
+              </a:rPr>
+              <a:t>,</a:t>
+            </a:r>
+            <a:r>
+              <a:rPr lang="en-US" sz="2400">
+                <a:solidFill>
+                  <a:schemeClr val="accent4">
+                    <a:lumMod val="90000"/>
+                    <a:lumOff val="10000"/>
+                  </a:schemeClr>
+                </a:solidFill>
+              </a:rPr>
+              <a:t> </a:t>
+            </a:r>
+            <a:r>
+              <a:rPr lang="en-US" sz="2400" smtClean="0">
+                <a:solidFill>
+                  <a:schemeClr val="accent4">
+                    <a:lumMod val="90000"/>
+                    <a:lumOff val="10000"/>
+                  </a:schemeClr>
+                </a:solidFill>
+              </a:rPr>
+              <a:t>jmethodID </a:t>
+            </a:r>
+            <a:r>
+              <a:rPr lang="en-US" sz="2400">
+                <a:solidFill>
+                  <a:schemeClr val="accent4">
+                    <a:lumMod val="90000"/>
+                    <a:lumOff val="10000"/>
+                  </a:schemeClr>
+                </a:solidFill>
+              </a:rPr>
+              <a:t>methodID, ...);</a:t>
+            </a:r>
+          </a:p>
+        </p:txBody>
+      </p:sp>
+    </p:spTree>
+    <p:extLst>
+      <p:ext uri="{BB962C8B-B14F-4D97-AF65-F5344CB8AC3E}">
+        <p14:creationId xmlns:p14="http://schemas.microsoft.com/office/powerpoint/2010/main" val="303268503"/>
       </p:ext>
     </p:extLst>
   </p:cSld>
@@ -20012,9 +20323,8 @@
           </a:bodyPr>
           <a:lstStyle/>
           <a:p>
-            <a:pPr algn="l"/>
-            <a:r>
-              <a:rPr lang="en-US" sz="2800" cap="all" smtClean="0">
+            <a:r>
+              <a:rPr lang="en-US" sz="2900" cap="all" smtClean="0">
                 <a:ln w="9000" cmpd="sng">
                   <a:solidFill>
                     <a:schemeClr val="accent4">
@@ -20056,9 +20366,9 @@
                   <a:reflection blurRad="12700" stA="28000" endPos="45000" dist="1000" dir="5400000" sy="-100000" algn="bl" rotWithShape="0"/>
                 </a:effectLst>
               </a:rPr>
-              <a:t>2.3.Tạo dựng đối tượng java trong jni</a:t>
-            </a:r>
-            <a:endParaRPr lang="en-US" sz="2800" cap="all">
+              <a:t>2.4 bắt các exception</a:t>
+            </a:r>
+            <a:endParaRPr lang="en-US" sz="2900" cap="all">
               <a:ln w="9000" cmpd="sng">
                 <a:solidFill>
                   <a:schemeClr val="accent4">
@@ -20157,7 +20467,7 @@
       </p:sp>
       <p:sp>
         <p:nvSpPr>
-          <p:cNvPr id="3" name="Content Placeholder 2"/>
+          <p:cNvPr id="5" name="Content Placeholder 2"/>
           <p:cNvSpPr>
             <a:spLocks noGrp="1"/>
           </p:cNvSpPr>
@@ -20175,95 +20485,206 @@
           <a:bodyPr/>
           <a:lstStyle/>
           <a:p>
+            <a:pPr marL="342900" lvl="1" indent="-342900">
+              <a:buClrTx/>
+              <a:buFont typeface="Wingdings" pitchFamily="2" charset="2"/>
+              <a:buChar char="q"/>
+            </a:pPr>
+            <a:r>
+              <a:rPr lang="en-US" sz="2400" b="1">
+                <a:solidFill>
+                  <a:srgbClr val="000000"/>
+                </a:solidFill>
+                <a:latin typeface="+mj-lt"/>
+              </a:rPr>
+              <a:t>Throw một ngoại lệ cho chương </a:t>
+            </a:r>
+            <a:r>
+              <a:rPr lang="en-US" sz="2400" b="1">
+                <a:solidFill>
+                  <a:srgbClr val="000000"/>
+                </a:solidFill>
+                <a:latin typeface="+mj-lt"/>
+              </a:rPr>
+              <a:t>trình </a:t>
+            </a:r>
+            <a:r>
+              <a:rPr lang="en-US" sz="2400" b="1" smtClean="0">
+                <a:solidFill>
+                  <a:srgbClr val="000000"/>
+                </a:solidFill>
+                <a:latin typeface="+mj-lt"/>
+              </a:rPr>
+              <a:t>java.</a:t>
+            </a:r>
+            <a:endParaRPr lang="en-US" sz="2400" b="1">
+              <a:solidFill>
+                <a:srgbClr val="000000"/>
+              </a:solidFill>
+              <a:latin typeface="+mj-lt"/>
+            </a:endParaRPr>
+          </a:p>
+          <a:p>
+            <a:pPr marL="0" indent="465138">
+              <a:buClrTx/>
+              <a:buNone/>
+            </a:pPr>
+            <a:r>
+              <a:rPr lang="en-US" sz="2400" b="0">
+                <a:solidFill>
+                  <a:srgbClr val="000000"/>
+                </a:solidFill>
+                <a:latin typeface="+mj-lt"/>
+              </a:rPr>
+              <a:t>JNI cung cấp hai hàm để throw lỗi:</a:t>
+            </a:r>
+          </a:p>
+          <a:p>
+            <a:pPr marL="0" indent="914400">
+              <a:buClrTx/>
+              <a:buNone/>
+            </a:pPr>
+            <a:r>
+              <a:rPr lang="en-US" sz="2000">
+                <a:solidFill>
+                  <a:schemeClr val="accent4">
+                    <a:lumMod val="90000"/>
+                    <a:lumOff val="10000"/>
+                  </a:schemeClr>
+                </a:solidFill>
+                <a:latin typeface="+mj-lt"/>
+              </a:rPr>
+              <a:t>jint Throw(JNIEnv *env, jthrowable </a:t>
+            </a:r>
+            <a:r>
+              <a:rPr lang="en-US" sz="2000">
+                <a:solidFill>
+                  <a:schemeClr val="accent4">
+                    <a:lumMod val="90000"/>
+                    <a:lumOff val="10000"/>
+                  </a:schemeClr>
+                </a:solidFill>
+                <a:latin typeface="+mj-lt"/>
+              </a:rPr>
+              <a:t>obj</a:t>
+            </a:r>
+            <a:r>
+              <a:rPr lang="en-US" sz="2000" smtClean="0">
+                <a:solidFill>
+                  <a:schemeClr val="accent4">
+                    <a:lumMod val="90000"/>
+                    <a:lumOff val="10000"/>
+                  </a:schemeClr>
+                </a:solidFill>
+                <a:latin typeface="+mj-lt"/>
+              </a:rPr>
+              <a:t>);</a:t>
+            </a:r>
+            <a:endParaRPr lang="en-US" sz="2000">
+              <a:solidFill>
+                <a:schemeClr val="accent4">
+                  <a:lumMod val="90000"/>
+                  <a:lumOff val="10000"/>
+                </a:schemeClr>
+              </a:solidFill>
+              <a:latin typeface="+mj-lt"/>
+            </a:endParaRPr>
+          </a:p>
+          <a:p>
+            <a:pPr marL="0" indent="914400">
+              <a:buClrTx/>
+              <a:buNone/>
+            </a:pPr>
+            <a:r>
+              <a:rPr lang="en-US" sz="2000">
+                <a:solidFill>
+                  <a:schemeClr val="accent4">
+                    <a:lumMod val="90000"/>
+                    <a:lumOff val="10000"/>
+                  </a:schemeClr>
+                </a:solidFill>
+                <a:latin typeface="+mj-lt"/>
+              </a:rPr>
+              <a:t>jint ThrowNew(JNIEnv *env, jclass clazz, const char *message);</a:t>
+            </a:r>
+          </a:p>
+          <a:p>
             <a:pPr>
               <a:buClrTx/>
               <a:buFont typeface="Wingdings" pitchFamily="2" charset="2"/>
               <a:buChar char="q"/>
             </a:pPr>
-            <a:r>
-              <a:rPr lang="en-US" b="0">
-                <a:solidFill>
-                  <a:srgbClr val="000000"/>
-                </a:solidFill>
-              </a:rPr>
-              <a:t>JNI cho phép ta lấy được hàm dựng của một đối tượng qua đó tạo dựng được đối tượng Java.</a:t>
-            </a:r>
-          </a:p>
-          <a:p>
-            <a:pPr algn="just">
+            <a:endParaRPr lang="en-US" sz="2400" b="0" smtClean="0">
+              <a:solidFill>
+                <a:srgbClr val="000000"/>
+              </a:solidFill>
+            </a:endParaRPr>
+          </a:p>
+          <a:p>
+            <a:pPr>
               <a:buClrTx/>
               <a:buFont typeface="Wingdings" pitchFamily="2" charset="2"/>
               <a:buChar char="q"/>
             </a:pPr>
             <a:r>
-              <a:rPr lang="en-US" b="0" smtClean="0">
+              <a:rPr lang="en-US" sz="2400">
                 <a:solidFill>
                   <a:srgbClr val="000000"/>
                 </a:solidFill>
               </a:rPr>
-              <a:t>Để </a:t>
-            </a:r>
-            <a:r>
-              <a:rPr lang="en-US" b="0">
+              <a:t>Lưu ý </a:t>
+            </a:r>
+            <a:r>
+              <a:rPr lang="en-US" sz="2400" b="0">
                 <a:solidFill>
                   <a:srgbClr val="000000"/>
                 </a:solidFill>
               </a:rPr>
-              <a:t>tạo đối tượng với hàm dựng có được ta gọi hàm:</a:t>
-            </a:r>
-          </a:p>
-          <a:p>
-            <a:pPr marL="0" indent="457200">
+              <a:t>là khi Throw một ngoại lệ thì native code vẫn tiếp tục chạy. Khi kết thúc hàm native thì JVM mới phát sinh ra ngoại lệ</a:t>
+            </a:r>
+            <a:r>
+              <a:rPr lang="en-US" sz="2400" b="0">
+                <a:solidFill>
+                  <a:srgbClr val="000000"/>
+                </a:solidFill>
+              </a:rPr>
+              <a:t>. </a:t>
+            </a:r>
+            <a:r>
+              <a:rPr lang="en-US" sz="2400" b="0" smtClean="0">
+                <a:solidFill>
+                  <a:srgbClr val="000000"/>
+                </a:solidFill>
+              </a:rPr>
+              <a:t>Nên </a:t>
+            </a:r>
+            <a:r>
+              <a:rPr lang="en-US" sz="2400" b="0">
+                <a:solidFill>
+                  <a:srgbClr val="000000"/>
+                </a:solidFill>
+              </a:rPr>
+              <a:t>nếu muốn native code không chạy tiếp khi có ngoại lệ thì cần gọi return ngay sau lệnh Throw.</a:t>
+            </a:r>
+          </a:p>
+          <a:p>
+            <a:pPr>
               <a:buClrTx/>
-              <a:buNone/>
+              <a:buFont typeface="Wingdings" pitchFamily="2" charset="2"/>
+              <a:buChar char="q"/>
             </a:pPr>
-            <a:r>
-              <a:rPr lang="en-US" b="0" smtClean="0">
-                <a:solidFill>
-                  <a:srgbClr val="000000"/>
-                </a:solidFill>
-              </a:rPr>
-              <a:t>jobject </a:t>
-            </a:r>
-            <a:r>
-              <a:rPr lang="en-US" b="0">
-                <a:solidFill>
-                  <a:srgbClr val="000000"/>
-                </a:solidFill>
-              </a:rPr>
-              <a:t>NewObject(JNIEnv *env, jclass clazz,</a:t>
-            </a:r>
-            <a:r>
-              <a:rPr lang="en-US" b="0">
-                <a:solidFill>
-                  <a:srgbClr val="000000"/>
-                </a:solidFill>
-              </a:rPr>
-              <a:t> </a:t>
-            </a:r>
-            <a:r>
-              <a:rPr lang="en-US" b="0" smtClean="0">
-                <a:solidFill>
-                  <a:srgbClr val="000000"/>
-                </a:solidFill>
-              </a:rPr>
-              <a:t>jmethodID </a:t>
-            </a:r>
-            <a:r>
-              <a:rPr lang="en-US" b="0">
-                <a:solidFill>
-                  <a:srgbClr val="000000"/>
-                </a:solidFill>
-              </a:rPr>
-              <a:t>methodID, ...);</a:t>
-            </a:r>
+            <a:endParaRPr lang="en-US" sz="2400" b="0">
+              <a:solidFill>
+                <a:srgbClr val="000000"/>
+              </a:solidFill>
+            </a:endParaRPr>
           </a:p>
         </p:txBody>
       </p:sp>
     </p:spTree>
     <p:extLst>
       <p:ext uri="{BB962C8B-B14F-4D97-AF65-F5344CB8AC3E}">
-        <p14:creationId xmlns:p14="http://schemas.microsoft.com/office/powerpoint/2010/main" val="303268503"/>
+        <p14:creationId xmlns:p14="http://schemas.microsoft.com/office/powerpoint/2010/main" val="576245142"/>
       </p:ext>
     </p:extLst>
   </p:cSld>
@@ -20474,46 +20895,69 @@
         <p:spPr>
           <a:xfrm>
             <a:off x="457200" y="1447800"/>
-            <a:ext cx="8458200" cy="4800600"/>
+            <a:ext cx="8534400" cy="4800600"/>
           </a:xfrm>
         </p:spPr>
         <p:txBody>
           <a:bodyPr/>
           <a:lstStyle/>
           <a:p>
-            <a:pPr marL="342900" lvl="1" indent="-342900">
+            <a:pPr marL="522288" lvl="1" indent="-457200">
               <a:buClrTx/>
               <a:buFont typeface="Wingdings" pitchFamily="2" charset="2"/>
               <a:buChar char="q"/>
             </a:pPr>
             <a:r>
-              <a:rPr lang="en-US" sz="2400" b="1">
+              <a:rPr lang="en-US" b="1">
                 <a:solidFill>
                   <a:srgbClr val="000000"/>
                 </a:solidFill>
                 <a:latin typeface="+mj-lt"/>
               </a:rPr>
-              <a:t>Throw một ngoại lệ cho chương </a:t>
-            </a:r>
-            <a:r>
-              <a:rPr lang="en-US" sz="2400" b="1">
+              <a:t>Nhận ngoại lệ từ chương trình Java</a:t>
+            </a:r>
+          </a:p>
+          <a:p>
+            <a:pPr marL="65088" indent="400050">
+              <a:buNone/>
+            </a:pPr>
+            <a:r>
+              <a:rPr lang="en-US" b="0" smtClean="0">
                 <a:solidFill>
                   <a:srgbClr val="000000"/>
                 </a:solidFill>
                 <a:latin typeface="+mj-lt"/>
               </a:rPr>
-              <a:t>trình </a:t>
-            </a:r>
-            <a:r>
-              <a:rPr lang="en-US" sz="2400" b="1" smtClean="0">
+              <a:t>JNI cung cấp </a:t>
+            </a:r>
+            <a:r>
+              <a:rPr lang="en-US" b="0">
                 <a:solidFill>
                   <a:srgbClr val="000000"/>
                 </a:solidFill>
                 <a:latin typeface="+mj-lt"/>
               </a:rPr>
-              <a:t>java.</a:t>
-            </a:r>
-            <a:endParaRPr lang="en-US" sz="2400" b="1">
+              <a:t>hai hàm kiểm tra xem có ngoại lệ xảy ra không và hàm lấy về đối tượng ngoại </a:t>
+            </a:r>
+            <a:r>
+              <a:rPr lang="en-US" b="0">
+                <a:solidFill>
+                  <a:srgbClr val="000000"/>
+                </a:solidFill>
+                <a:latin typeface="+mj-lt"/>
+              </a:rPr>
+              <a:t>lệ</a:t>
+            </a:r>
+            <a:r>
+              <a:rPr lang="en-US" b="0" smtClean="0">
+                <a:solidFill>
+                  <a:srgbClr val="000000"/>
+                </a:solidFill>
+                <a:latin typeface="+mj-lt"/>
+              </a:rPr>
+              <a:t>:</a:t>
+            </a:r>
+            <a:endParaRPr lang="en-US" b="0">
               <a:solidFill>
                 <a:srgbClr val="000000"/>
               </a:solidFill>
@@ -20521,142 +20965,117 @@
             </a:endParaRPr>
           </a:p>
           <a:p>
-            <a:pPr marL="0" indent="465138">
-              <a:buClrTx/>
+            <a:pPr marL="65088" indent="400050">
               <a:buNone/>
             </a:pPr>
             <a:r>
-              <a:rPr lang="en-US" sz="2400" b="0">
-                <a:solidFill>
-                  <a:srgbClr val="000000"/>
+              <a:rPr lang="en-US" sz="2400">
+                <a:solidFill>
+                  <a:schemeClr val="accent4">
+                    <a:lumMod val="90000"/>
+                    <a:lumOff val="10000"/>
+                  </a:schemeClr>
                 </a:solidFill>
                 <a:latin typeface="+mj-lt"/>
               </a:rPr>
-              <a:t>JNI cung cấp hai hàm để throw lỗi:</a:t>
-            </a:r>
-          </a:p>
-          <a:p>
-            <a:pPr marL="0" indent="914400">
-              <a:buClrTx/>
-              <a:buNone/>
-            </a:pPr>
-            <a:r>
-              <a:rPr lang="en-US" sz="2400" b="0">
-                <a:solidFill>
-                  <a:srgbClr val="000000"/>
+              <a:t>jboolean ExceptionCheck(JNIEnv *</a:t>
+            </a:r>
+            <a:r>
+              <a:rPr lang="en-US" sz="2400">
+                <a:solidFill>
+                  <a:schemeClr val="accent4">
+                    <a:lumMod val="90000"/>
+                    <a:lumOff val="10000"/>
+                  </a:schemeClr>
                 </a:solidFill>
                 <a:latin typeface="+mj-lt"/>
               </a:rPr>
-              <a:t>jint Throw(JNIEnv *env, jthrowable </a:t>
-            </a:r>
-            <a:r>
-              <a:rPr lang="en-US" sz="2400" b="0">
-                <a:solidFill>
-                  <a:srgbClr val="000000"/>
+              <a:t>env</a:t>
+            </a:r>
+            <a:r>
+              <a:rPr lang="en-US" sz="2400" smtClean="0">
+                <a:solidFill>
+                  <a:schemeClr val="accent4">
+                    <a:lumMod val="90000"/>
+                    <a:lumOff val="10000"/>
+                  </a:schemeClr>
                 </a:solidFill>
                 <a:latin typeface="+mj-lt"/>
               </a:rPr>
-              <a:t>obj</a:t>
-            </a:r>
-            <a:r>
-              <a:rPr lang="en-US" sz="2400" b="0" smtClean="0">
-                <a:solidFill>
-                  <a:srgbClr val="000000"/>
-                </a:solidFill>
-                <a:latin typeface="+mj-lt"/>
-              </a:rPr>
               <a:t>);</a:t>
             </a:r>
-            <a:endParaRPr lang="en-US" sz="2400" b="0">
+            <a:endParaRPr lang="en-US" sz="2400">
               <a:solidFill>
-                <a:srgbClr val="000000"/>
+                <a:schemeClr val="accent4">
+                  <a:lumMod val="90000"/>
+                  <a:lumOff val="10000"/>
+                </a:schemeClr>
               </a:solidFill>
               <a:latin typeface="+mj-lt"/>
             </a:endParaRPr>
           </a:p>
           <a:p>
-            <a:pPr marL="0" indent="914400">
-              <a:buClrTx/>
+            <a:pPr marL="65088" indent="400050">
               <a:buNone/>
             </a:pPr>
             <a:r>
-              <a:rPr lang="en-US" sz="2400" b="0">
-                <a:solidFill>
-                  <a:srgbClr val="000000"/>
+              <a:rPr lang="en-US" sz="2400">
+                <a:solidFill>
+                  <a:schemeClr val="accent4">
+                    <a:lumMod val="90000"/>
+                    <a:lumOff val="10000"/>
+                  </a:schemeClr>
                 </a:solidFill>
                 <a:latin typeface="+mj-lt"/>
               </a:rPr>
-              <a:t>jint ThrowNew(JNIEnv *env, jclass clazz, const char *message);</a:t>
-            </a:r>
-          </a:p>
-          <a:p>
-            <a:pPr>
+              <a:t>jthrowable ExceptionOccurred(JNIEnv *</a:t>
+            </a:r>
+            <a:r>
+              <a:rPr lang="en-US" sz="2400">
+                <a:solidFill>
+                  <a:schemeClr val="accent4">
+                    <a:lumMod val="90000"/>
+                    <a:lumOff val="10000"/>
+                  </a:schemeClr>
+                </a:solidFill>
+                <a:latin typeface="+mj-lt"/>
+              </a:rPr>
+              <a:t>env</a:t>
+            </a:r>
+            <a:r>
+              <a:rPr lang="en-US" sz="2400" smtClean="0">
+                <a:solidFill>
+                  <a:schemeClr val="accent4">
+                    <a:lumMod val="90000"/>
+                    <a:lumOff val="10000"/>
+                  </a:schemeClr>
+                </a:solidFill>
+                <a:latin typeface="+mj-lt"/>
+              </a:rPr>
+              <a:t>);</a:t>
+            </a:r>
+            <a:endParaRPr lang="en-US" sz="2400">
+              <a:solidFill>
+                <a:schemeClr val="accent4">
+                  <a:lumMod val="90000"/>
+                  <a:lumOff val="10000"/>
+                </a:schemeClr>
+              </a:solidFill>
+              <a:latin typeface="+mj-lt"/>
+            </a:endParaRPr>
+          </a:p>
+          <a:p>
+            <a:pPr marL="65088" indent="400050">
               <a:buClrTx/>
               <a:buFont typeface="Wingdings" pitchFamily="2" charset="2"/>
               <a:buChar char="q"/>
             </a:pPr>
-            <a:endParaRPr lang="en-US" sz="2400" b="0" smtClean="0">
+            <a:endParaRPr lang="en-US" b="0">
               <a:solidFill>
-                <a:srgbClr val="000000"/>
-              </a:solidFill>
-            </a:endParaRPr>
-          </a:p>
-          <a:p>
-            <a:pPr>
-              <a:buClrTx/>
-              <a:buFont typeface="Wingdings" pitchFamily="2" charset="2"/>
-              <a:buChar char="q"/>
-            </a:pPr>
-            <a:r>
-              <a:rPr lang="en-US" sz="2400">
-                <a:solidFill>
-                  <a:srgbClr val="000000"/>
-                </a:solidFill>
-              </a:rPr>
-              <a:t>Lưu ý </a:t>
-            </a:r>
-            <a:r>
-              <a:rPr lang="en-US" sz="2400" b="0">
-                <a:solidFill>
-                  <a:srgbClr val="000000"/>
-                </a:solidFill>
-              </a:rPr>
-              <a:t>là khi Throw một ngoại lệ thì native code vẫn tiếp tục chạy. Khi kết thúc hàm native thì JVM mới phát sinh ra ngoại lệ</a:t>
-            </a:r>
-            <a:r>
-              <a:rPr lang="en-US" sz="2400" b="0">
-                <a:solidFill>
-                  <a:srgbClr val="000000"/>
-                </a:solidFill>
-              </a:rPr>
-              <a:t>. </a:t>
-            </a:r>
-            <a:r>
-              <a:rPr lang="en-US" sz="2400" b="0" smtClean="0">
-                <a:solidFill>
-                  <a:srgbClr val="000000"/>
-                </a:solidFill>
-              </a:rPr>
-              <a:t>Nên </a:t>
-            </a:r>
-            <a:r>
-              <a:rPr lang="en-US" sz="2400" b="0">
-                <a:solidFill>
-                  <a:srgbClr val="000000"/>
-                </a:solidFill>
-              </a:rPr>
-              <a:t>nếu muốn native code không chạy tiếp khi có ngoại lệ thì cần gọi return ngay sau lệnh Throw.</a:t>
-            </a:r>
-          </a:p>
-          <a:p>
-            <a:pPr>
-              <a:buClrTx/>
-              <a:buFont typeface="Wingdings" pitchFamily="2" charset="2"/>
-              <a:buChar char="q"/>
-            </a:pPr>
-            <a:endParaRPr lang="en-US" sz="2400" b="0">
-              <a:solidFill>
-                <a:srgbClr val="000000"/>
+                <a:schemeClr val="accent4">
+                  <a:lumMod val="90000"/>
+                  <a:lumOff val="10000"/>
+                </a:schemeClr>
               </a:solidFill>
             </a:endParaRPr>
           </a:p>
@@ -20665,7 +21084,7 @@
     </p:spTree>
     <p:extLst>
       <p:ext uri="{BB962C8B-B14F-4D97-AF65-F5344CB8AC3E}">
-        <p14:creationId xmlns:p14="http://schemas.microsoft.com/office/powerpoint/2010/main" val="576245142"/>
+        <p14:creationId xmlns:p14="http://schemas.microsoft.com/office/powerpoint/2010/main" val="3093473815"/>
       </p:ext>
     </p:extLst>
   </p:cSld>
@@ -20764,7 +21183,7 @@
                   <a:reflection blurRad="12700" stA="28000" endPos="45000" dist="1000" dir="5400000" sy="-100000" algn="bl" rotWithShape="0"/>
                 </a:effectLst>
               </a:rPr>
-              <a:t>2.4 bắt các exception</a:t>
+              <a:t>2.5 the invocation api</a:t>
             </a:r>
             <a:endParaRPr lang="en-US" sz="2900" cap="all">
               <a:ln w="9000" cmpd="sng">
@@ -20813,6 +21232,224 @@
       </p:sp>
       <p:sp>
         <p:nvSpPr>
+          <p:cNvPr id="2" name="Content Placeholder 1"/>
+          <p:cNvSpPr>
+            <a:spLocks noGrp="1"/>
+          </p:cNvSpPr>
+          <p:nvPr>
+            <p:ph idx="1"/>
+          </p:nvPr>
+        </p:nvSpPr>
+        <p:spPr>
+          <a:xfrm>
+            <a:off x="457200" y="1447800"/>
+            <a:ext cx="8458200" cy="4800600"/>
+          </a:xfrm>
+        </p:spPr>
+        <p:txBody>
+          <a:bodyPr/>
+          <a:lstStyle/>
+          <a:p>
+            <a:pPr marL="0" indent="457200" algn="just">
+              <a:buClrTx/>
+              <a:buNone/>
+            </a:pPr>
+            <a:r>
+              <a:rPr lang="en-US" b="0" smtClean="0">
+                <a:solidFill>
+                  <a:srgbClr val="000000"/>
+                </a:solidFill>
+              </a:rPr>
+              <a:t>Invocation </a:t>
+            </a:r>
+            <a:r>
+              <a:rPr lang="en-US" b="0">
+                <a:solidFill>
+                  <a:srgbClr val="000000"/>
+                </a:solidFill>
+              </a:rPr>
+              <a:t>API của JVM sẽ </a:t>
+            </a:r>
+            <a:r>
+              <a:rPr lang="en-US" b="0">
+                <a:solidFill>
+                  <a:srgbClr val="000000"/>
+                </a:solidFill>
+              </a:rPr>
+              <a:t>giúp </a:t>
+            </a:r>
+            <a:r>
+              <a:rPr lang="en-US" b="0" smtClean="0">
+                <a:solidFill>
+                  <a:srgbClr val="000000"/>
+                </a:solidFill>
+              </a:rPr>
+              <a:t>chúng </a:t>
+            </a:r>
+            <a:r>
+              <a:rPr lang="en-US" b="0">
+                <a:solidFill>
+                  <a:srgbClr val="000000"/>
+                </a:solidFill>
+              </a:rPr>
+              <a:t>ta tạo một Java Virtual Machine trong chương trình C/C++.</a:t>
+            </a:r>
+          </a:p>
+          <a:p>
+            <a:pPr marL="0" indent="457200" algn="just">
+              <a:buClrTx/>
+              <a:buNone/>
+            </a:pPr>
+            <a:r>
+              <a:rPr lang="en-US" b="0" smtClean="0">
+                <a:solidFill>
+                  <a:srgbClr val="000000"/>
+                </a:solidFill>
+              </a:rPr>
+              <a:t>Hàm </a:t>
+            </a:r>
+            <a:r>
+              <a:rPr lang="en-US" b="0">
+                <a:solidFill>
+                  <a:srgbClr val="000000"/>
+                </a:solidFill>
+              </a:rPr>
+              <a:t>để tạo và hủy máy </a:t>
+            </a:r>
+            <a:r>
+              <a:rPr lang="en-US" b="0">
+                <a:solidFill>
+                  <a:srgbClr val="000000"/>
+                </a:solidFill>
+              </a:rPr>
+              <a:t>ảo </a:t>
+            </a:r>
+            <a:r>
+              <a:rPr lang="en-US" b="0" smtClean="0">
+                <a:solidFill>
+                  <a:srgbClr val="000000"/>
+                </a:solidFill>
+              </a:rPr>
+              <a:t>java trong JNI.</a:t>
+            </a:r>
+          </a:p>
+          <a:p>
+            <a:pPr marL="0" indent="457200" algn="just">
+              <a:buClrTx/>
+              <a:buNone/>
+            </a:pPr>
+            <a:r>
+              <a:rPr lang="en-US" b="0" i="1" smtClean="0">
+                <a:solidFill>
+                  <a:srgbClr val="000000"/>
+                </a:solidFill>
+              </a:rPr>
+              <a:t>Tạo:</a:t>
+            </a:r>
+          </a:p>
+          <a:p>
+            <a:pPr marL="0" indent="857250" algn="just">
+              <a:buClrTx/>
+              <a:buNone/>
+            </a:pPr>
+            <a:r>
+              <a:rPr lang="en-US" sz="2400">
+                <a:solidFill>
+                  <a:schemeClr val="accent4">
+                    <a:lumMod val="90000"/>
+                    <a:lumOff val="10000"/>
+                  </a:schemeClr>
+                </a:solidFill>
+              </a:rPr>
+              <a:t>jint JNI_CreateJavaVM(JavaVM** p_jvm, void** p_env, JavaVMInitArgs* </a:t>
+            </a:r>
+            <a:r>
+              <a:rPr lang="en-US" sz="2400">
+                <a:solidFill>
+                  <a:schemeClr val="accent4">
+                    <a:lumMod val="90000"/>
+                    <a:lumOff val="10000"/>
+                  </a:schemeClr>
+                </a:solidFill>
+              </a:rPr>
+              <a:t>vm_args</a:t>
+            </a:r>
+            <a:r>
+              <a:rPr lang="en-US" sz="2400" smtClean="0">
+                <a:solidFill>
+                  <a:schemeClr val="accent4">
+                    <a:lumMod val="90000"/>
+                    <a:lumOff val="10000"/>
+                  </a:schemeClr>
+                </a:solidFill>
+              </a:rPr>
+              <a:t>)</a:t>
+            </a:r>
+          </a:p>
+          <a:p>
+            <a:pPr marL="0" indent="457200" algn="just">
+              <a:buClrTx/>
+              <a:buNone/>
+            </a:pPr>
+            <a:r>
+              <a:rPr lang="en-US" b="0" i="1" smtClean="0">
+                <a:solidFill>
+                  <a:srgbClr val="000000"/>
+                </a:solidFill>
+              </a:rPr>
+              <a:t>Hủy:</a:t>
+            </a:r>
+            <a:endParaRPr lang="en-US" b="0" i="1">
+              <a:solidFill>
+                <a:srgbClr val="000000"/>
+              </a:solidFill>
+            </a:endParaRPr>
+          </a:p>
+          <a:p>
+            <a:pPr marL="0" indent="914400" algn="just">
+              <a:buClrTx/>
+              <a:buNone/>
+            </a:pPr>
+            <a:r>
+              <a:rPr lang="en-US" sz="2400">
+                <a:solidFill>
+                  <a:schemeClr val="accent4">
+                    <a:lumMod val="90000"/>
+                    <a:lumOff val="10000"/>
+                  </a:schemeClr>
+                </a:solidFill>
+              </a:rPr>
+              <a:t>jint DestroyJavaVM(JavaVM* jvm)</a:t>
+            </a:r>
+          </a:p>
+          <a:p>
+            <a:pPr marL="0" indent="457200" algn="just">
+              <a:buClrTx/>
+              <a:buNone/>
+            </a:pPr>
+            <a:endParaRPr lang="en-US" b="0">
+              <a:solidFill>
+                <a:schemeClr val="accent4">
+                  <a:lumMod val="90000"/>
+                  <a:lumOff val="10000"/>
+                </a:schemeClr>
+              </a:solidFill>
+            </a:endParaRPr>
+          </a:p>
+          <a:p>
+            <a:pPr algn="just">
+              <a:buClrTx/>
+            </a:pPr>
+            <a:endParaRPr lang="en-US">
+              <a:solidFill>
+                <a:srgbClr val="000000"/>
+              </a:solidFill>
+            </a:endParaRPr>
+          </a:p>
+        </p:txBody>
+      </p:sp>
+      <p:sp>
+        <p:nvSpPr>
           <p:cNvPr id="4" name="Footer Placeholder 3"/>
           <p:cNvSpPr>
             <a:spLocks noGrp="1"/>
@@ -20863,187 +21500,10 @@
           </a:p>
         </p:txBody>
       </p:sp>
-      <p:sp>
-        <p:nvSpPr>
-          <p:cNvPr id="5" name="Content Placeholder 2"/>
-          <p:cNvSpPr>
-            <a:spLocks noGrp="1"/>
-          </p:cNvSpPr>
-          <p:nvPr>
-            <p:ph idx="1"/>
-          </p:nvPr>
-        </p:nvSpPr>
-        <p:spPr>
-          <a:xfrm>
-            <a:off x="457200" y="1447800"/>
-            <a:ext cx="8534400" cy="4800600"/>
-          </a:xfrm>
-        </p:spPr>
-        <p:txBody>
-          <a:bodyPr/>
-          <a:lstStyle/>
-          <a:p>
-            <a:pPr marL="522288" lvl="1" indent="-457200">
-              <a:buClrTx/>
-              <a:buFont typeface="Wingdings" pitchFamily="2" charset="2"/>
-              <a:buChar char="q"/>
-            </a:pPr>
-            <a:r>
-              <a:rPr lang="en-US" b="1">
-                <a:solidFill>
-                  <a:srgbClr val="000000"/>
-                </a:solidFill>
-                <a:latin typeface="+mj-lt"/>
-              </a:rPr>
-              <a:t>Nhận ngoại lệ từ chương trình Java</a:t>
-            </a:r>
-          </a:p>
-          <a:p>
-            <a:pPr marL="65088" indent="400050">
-              <a:buNone/>
-            </a:pPr>
-            <a:r>
-              <a:rPr lang="en-US" b="0" smtClean="0">
-                <a:solidFill>
-                  <a:srgbClr val="000000"/>
-                </a:solidFill>
-                <a:latin typeface="+mj-lt"/>
-              </a:rPr>
-              <a:t>JNI cung cấp </a:t>
-            </a:r>
-            <a:r>
-              <a:rPr lang="en-US" b="0">
-                <a:solidFill>
-                  <a:srgbClr val="000000"/>
-                </a:solidFill>
-                <a:latin typeface="+mj-lt"/>
-              </a:rPr>
-              <a:t>hai hàm kiểm tra xem có ngoại lệ xảy ra không và hàm lấy về đối tượng ngoại </a:t>
-            </a:r>
-            <a:r>
-              <a:rPr lang="en-US" b="0">
-                <a:solidFill>
-                  <a:srgbClr val="000000"/>
-                </a:solidFill>
-                <a:latin typeface="+mj-lt"/>
-              </a:rPr>
-              <a:t>lệ</a:t>
-            </a:r>
-            <a:r>
-              <a:rPr lang="en-US" b="0" smtClean="0">
-                <a:solidFill>
-                  <a:srgbClr val="000000"/>
-                </a:solidFill>
-                <a:latin typeface="+mj-lt"/>
-              </a:rPr>
-              <a:t>:</a:t>
-            </a:r>
-          </a:p>
-          <a:p>
-            <a:pPr marL="65088" indent="400050">
-              <a:buNone/>
-            </a:pPr>
-            <a:endParaRPr lang="en-US" b="0">
-              <a:solidFill>
-                <a:srgbClr val="000000"/>
-              </a:solidFill>
-              <a:latin typeface="+mj-lt"/>
-            </a:endParaRPr>
-          </a:p>
-          <a:p>
-            <a:pPr marL="65088" indent="400050">
-              <a:buNone/>
-            </a:pPr>
-            <a:r>
-              <a:rPr lang="en-US" sz="2400">
-                <a:solidFill>
-                  <a:srgbClr val="000000"/>
-                </a:solidFill>
-                <a:latin typeface="+mj-lt"/>
-              </a:rPr>
-              <a:t>jboolean ExceptionCheck(JNIEnv *</a:t>
-            </a:r>
-            <a:r>
-              <a:rPr lang="en-US" sz="2400">
-                <a:solidFill>
-                  <a:srgbClr val="000000"/>
-                </a:solidFill>
-                <a:latin typeface="+mj-lt"/>
-              </a:rPr>
-              <a:t>env</a:t>
-            </a:r>
-            <a:r>
-              <a:rPr lang="en-US" sz="2400" smtClean="0">
-                <a:solidFill>
-                  <a:srgbClr val="000000"/>
-                </a:solidFill>
-                <a:latin typeface="+mj-lt"/>
-              </a:rPr>
-              <a:t>);</a:t>
-            </a:r>
-            <a:endParaRPr lang="en-US" sz="2400">
-              <a:solidFill>
-                <a:srgbClr val="000000"/>
-              </a:solidFill>
-              <a:latin typeface="+mj-lt"/>
-            </a:endParaRPr>
-          </a:p>
-          <a:p>
-            <a:pPr marL="65088" indent="400050">
-              <a:buNone/>
-            </a:pPr>
-            <a:r>
-              <a:rPr lang="en-US" sz="2400">
-                <a:solidFill>
-                  <a:srgbClr val="000000"/>
-                </a:solidFill>
-                <a:latin typeface="+mj-lt"/>
-              </a:rPr>
-              <a:t>jthrowable ExceptionOccurred(JNIEnv *</a:t>
-            </a:r>
-            <a:r>
-              <a:rPr lang="en-US" sz="2400">
-                <a:solidFill>
-                  <a:srgbClr val="000000"/>
-                </a:solidFill>
-                <a:latin typeface="+mj-lt"/>
-              </a:rPr>
-              <a:t>env</a:t>
-            </a:r>
-            <a:r>
-              <a:rPr lang="en-US" sz="2400" smtClean="0">
-                <a:solidFill>
-                  <a:srgbClr val="000000"/>
-                </a:solidFill>
-                <a:latin typeface="+mj-lt"/>
-              </a:rPr>
-              <a:t>);</a:t>
-            </a:r>
-            <a:endParaRPr lang="en-US" sz="2400">
-              <a:solidFill>
-                <a:srgbClr val="000000"/>
-              </a:solidFill>
-              <a:latin typeface="+mj-lt"/>
-            </a:endParaRPr>
-          </a:p>
-          <a:p>
-            <a:pPr marL="65088" indent="400050">
-              <a:buClrTx/>
-              <a:buFont typeface="Wingdings" pitchFamily="2" charset="2"/>
-              <a:buChar char="q"/>
-            </a:pPr>
-            <a:endParaRPr lang="en-US" b="0">
-              <a:solidFill>
-                <a:srgbClr val="000000"/>
-              </a:solidFill>
-            </a:endParaRPr>
-          </a:p>
-        </p:txBody>
-      </p:sp>
     </p:spTree>
     <p:extLst>
       <p:ext uri="{BB962C8B-B14F-4D97-AF65-F5344CB8AC3E}">
-        <p14:creationId xmlns:p14="http://schemas.microsoft.com/office/powerpoint/2010/main" val="3093473815"/>
+        <p14:creationId xmlns:p14="http://schemas.microsoft.com/office/powerpoint/2010/main" val="618163558"/>
       </p:ext>
     </p:extLst>
   </p:cSld>
@@ -21142,7 +21602,7 @@
                   <a:reflection blurRad="12700" stA="28000" endPos="45000" dist="1000" dir="5400000" sy="-100000" algn="bl" rotWithShape="0"/>
                 </a:effectLst>
               </a:rPr>
-              <a:t>2.5 the invocation api</a:t>
+              <a:t>2.6 demo Hello world</a:t>
             </a:r>
             <a:endParaRPr lang="en-US" sz="2900" cap="all">
               <a:ln w="9000" cmpd="sng">
@@ -21191,209 +21651,6 @@
       </p:sp>
       <p:sp>
         <p:nvSpPr>
-          <p:cNvPr id="2" name="Content Placeholder 1"/>
-          <p:cNvSpPr>
-            <a:spLocks noGrp="1"/>
-          </p:cNvSpPr>
-          <p:nvPr>
-            <p:ph idx="1"/>
-          </p:nvPr>
-        </p:nvSpPr>
-        <p:spPr>
-          <a:xfrm>
-            <a:off x="457200" y="1447800"/>
-            <a:ext cx="8458200" cy="4800600"/>
-          </a:xfrm>
-        </p:spPr>
-        <p:txBody>
-          <a:bodyPr/>
-          <a:lstStyle/>
-          <a:p>
-            <a:pPr marL="0" indent="457200" algn="just">
-              <a:buClrTx/>
-              <a:buNone/>
-            </a:pPr>
-            <a:r>
-              <a:rPr lang="en-US" b="0" smtClean="0">
-                <a:solidFill>
-                  <a:srgbClr val="000000"/>
-                </a:solidFill>
-              </a:rPr>
-              <a:t>Invocation </a:t>
-            </a:r>
-            <a:r>
-              <a:rPr lang="en-US" b="0">
-                <a:solidFill>
-                  <a:srgbClr val="000000"/>
-                </a:solidFill>
-              </a:rPr>
-              <a:t>API của JVM sẽ </a:t>
-            </a:r>
-            <a:r>
-              <a:rPr lang="en-US" b="0">
-                <a:solidFill>
-                  <a:srgbClr val="000000"/>
-                </a:solidFill>
-              </a:rPr>
-              <a:t>giúp </a:t>
-            </a:r>
-            <a:r>
-              <a:rPr lang="en-US" b="0" smtClean="0">
-                <a:solidFill>
-                  <a:srgbClr val="000000"/>
-                </a:solidFill>
-              </a:rPr>
-              <a:t>chúng </a:t>
-            </a:r>
-            <a:r>
-              <a:rPr lang="en-US" b="0">
-                <a:solidFill>
-                  <a:srgbClr val="000000"/>
-                </a:solidFill>
-              </a:rPr>
-              <a:t>ta tạo một Java Virtual Machine trong chương trình C/C++.</a:t>
-            </a:r>
-          </a:p>
-          <a:p>
-            <a:pPr marL="0" indent="457200" algn="just">
-              <a:buClrTx/>
-              <a:buNone/>
-            </a:pPr>
-            <a:r>
-              <a:rPr lang="en-US" b="0" smtClean="0">
-                <a:solidFill>
-                  <a:srgbClr val="000000"/>
-                </a:solidFill>
-              </a:rPr>
-              <a:t>Hàm </a:t>
-            </a:r>
-            <a:r>
-              <a:rPr lang="en-US" b="0">
-                <a:solidFill>
-                  <a:srgbClr val="000000"/>
-                </a:solidFill>
-              </a:rPr>
-              <a:t>để tạo và hủy máy </a:t>
-            </a:r>
-            <a:r>
-              <a:rPr lang="en-US" b="0">
-                <a:solidFill>
-                  <a:srgbClr val="000000"/>
-                </a:solidFill>
-              </a:rPr>
-              <a:t>ảo </a:t>
-            </a:r>
-            <a:r>
-              <a:rPr lang="en-US" b="0" smtClean="0">
-                <a:solidFill>
-                  <a:srgbClr val="000000"/>
-                </a:solidFill>
-              </a:rPr>
-              <a:t>java trong JNI.</a:t>
-            </a:r>
-          </a:p>
-          <a:p>
-            <a:pPr marL="0" indent="457200" algn="just">
-              <a:buClrTx/>
-              <a:buNone/>
-            </a:pPr>
-            <a:r>
-              <a:rPr lang="en-US" b="0" smtClean="0">
-                <a:solidFill>
-                  <a:srgbClr val="000000"/>
-                </a:solidFill>
-              </a:rPr>
-              <a:t>Tạo:</a:t>
-            </a:r>
-          </a:p>
-          <a:p>
-            <a:pPr marL="0" indent="857250" algn="just">
-              <a:buClrTx/>
-              <a:buNone/>
-            </a:pPr>
-            <a:r>
-              <a:rPr lang="en-US" sz="2400">
-                <a:solidFill>
-                  <a:srgbClr val="000000"/>
-                </a:solidFill>
-              </a:rPr>
-              <a:t>jint JNI_CreateJavaVM(JavaVM** p_jvm, void** p_env, JavaVMInitArgs* </a:t>
-            </a:r>
-            <a:r>
-              <a:rPr lang="en-US" sz="2400">
-                <a:solidFill>
-                  <a:srgbClr val="000000"/>
-                </a:solidFill>
-              </a:rPr>
-              <a:t>vm_args</a:t>
-            </a:r>
-            <a:r>
-              <a:rPr lang="en-US" sz="2400" smtClean="0">
-                <a:solidFill>
-                  <a:srgbClr val="000000"/>
-                </a:solidFill>
-              </a:rPr>
-              <a:t>)</a:t>
-            </a:r>
-          </a:p>
-          <a:p>
-            <a:pPr marL="0" indent="457200" algn="just">
-              <a:buClrTx/>
-              <a:buNone/>
-            </a:pPr>
-            <a:r>
-              <a:rPr lang="en-US" b="0" smtClean="0">
-                <a:solidFill>
-                  <a:srgbClr val="000000"/>
-                </a:solidFill>
-              </a:rPr>
-              <a:t>Hủy:</a:t>
-            </a:r>
-            <a:endParaRPr lang="en-US" b="0">
-              <a:solidFill>
-                <a:srgbClr val="000000"/>
-              </a:solidFill>
-            </a:endParaRPr>
-          </a:p>
-          <a:p>
-            <a:pPr marL="0" indent="914400" algn="just">
-              <a:buClrTx/>
-              <a:buNone/>
-            </a:pPr>
-            <a:r>
-              <a:rPr lang="en-US" sz="2400">
-                <a:solidFill>
-                  <a:srgbClr val="000000"/>
-                </a:solidFill>
-              </a:rPr>
-              <a:t>jint DestroyJavaVM(JavaVM* jvm)</a:t>
-            </a:r>
-          </a:p>
-          <a:p>
-            <a:pPr marL="0" indent="457200" algn="just">
-              <a:buClrTx/>
-              <a:buNone/>
-            </a:pPr>
-            <a:endParaRPr lang="en-US" b="0">
-              <a:solidFill>
-                <a:srgbClr val="000000"/>
-              </a:solidFill>
-            </a:endParaRPr>
-          </a:p>
-          <a:p>
-            <a:pPr algn="just">
-              <a:buClrTx/>
-            </a:pPr>
-            <a:endParaRPr lang="en-US">
-              <a:solidFill>
-                <a:srgbClr val="000000"/>
-              </a:solidFill>
-            </a:endParaRPr>
-          </a:p>
-        </p:txBody>
-      </p:sp>
-      <p:sp>
-        <p:nvSpPr>
           <p:cNvPr id="4" name="Footer Placeholder 3"/>
           <p:cNvSpPr>
             <a:spLocks noGrp="1"/>
@@ -21444,10 +21701,86 @@
           </a:p>
         </p:txBody>
       </p:sp>
+      <p:sp>
+        <p:nvSpPr>
+          <p:cNvPr id="7" name="Content Placeholder 1"/>
+          <p:cNvSpPr>
+            <a:spLocks noGrp="1"/>
+          </p:cNvSpPr>
+          <p:nvPr>
+            <p:ph idx="1"/>
+          </p:nvPr>
+        </p:nvSpPr>
+        <p:spPr>
+          <a:xfrm>
+            <a:off x="457200" y="1447800"/>
+            <a:ext cx="8229600" cy="4800600"/>
+          </a:xfrm>
+        </p:spPr>
+        <p:txBody>
+          <a:bodyPr/>
+          <a:lstStyle/>
+          <a:p>
+            <a:pPr marL="0" lvl="0" indent="0" algn="ctr">
+              <a:buNone/>
+            </a:pPr>
+            <a:r>
+              <a:rPr lang="en-US" smtClean="0">
+                <a:solidFill>
+                  <a:srgbClr val="000000"/>
+                </a:solidFill>
+              </a:rPr>
+              <a:t>Mời mọi người cùng xem clip</a:t>
+            </a:r>
+          </a:p>
+        </p:txBody>
+      </p:sp>
+      <p:sp>
+        <p:nvSpPr>
+          <p:cNvPr id="9" name="7-Point Star 8"/>
+          <p:cNvSpPr/>
+          <p:nvPr/>
+        </p:nvSpPr>
+        <p:spPr>
+          <a:xfrm>
+            <a:off x="3124200" y="3031671"/>
+            <a:ext cx="2819400" cy="2073729"/>
+          </a:xfrm>
+          <a:prstGeom prst="star7">
+            <a:avLst/>
+          </a:prstGeom>
+        </p:spPr>
+        <p:style>
+          <a:lnRef idx="3">
+            <a:schemeClr val="lt1"/>
+          </a:lnRef>
+          <a:fillRef idx="1">
+            <a:schemeClr val="accent4"/>
+          </a:fillRef>
+          <a:effectRef idx="1">
+            <a:schemeClr val="accent4"/>
+          </a:effectRef>
+          <a:fontRef idx="minor">
+            <a:schemeClr val="lt1"/>
+          </a:fontRef>
+        </p:style>
+        <p:txBody>
+          <a:bodyPr rtlCol="0" anchor="ctr"/>
+          <a:lstStyle/>
+          <a:p>
+            <a:pPr algn="ctr"/>
+            <a:r>
+              <a:rPr lang="en-US" sz="2800" b="1" smtClean="0"/>
+              <a:t>Demo</a:t>
+            </a:r>
+            <a:endParaRPr lang="en-US" b="1"/>
+          </a:p>
+        </p:txBody>
+      </p:sp>
     </p:spTree>
     <p:extLst>
       <p:ext uri="{BB962C8B-B14F-4D97-AF65-F5344CB8AC3E}">
-        <p14:creationId xmlns:p14="http://schemas.microsoft.com/office/powerpoint/2010/main" val="618163558"/>
+        <p14:creationId xmlns:p14="http://schemas.microsoft.com/office/powerpoint/2010/main" val="937288250"/>
       </p:ext>
     </p:extLst>
   </p:cSld>
@@ -21546,7 +21879,7 @@
                   <a:reflection blurRad="12700" stA="28000" endPos="45000" dist="1000" dir="5400000" sy="-100000" algn="bl" rotWithShape="0"/>
                 </a:effectLst>
               </a:rPr>
-              <a:t>2.6 demo Hello world</a:t>
+              <a:t>3 Java native access</a:t>
             </a:r>
             <a:endParaRPr lang="en-US" sz="2900" cap="all">
               <a:ln w="9000" cmpd="sng">
@@ -21595,6 +21928,100 @@
       </p:sp>
       <p:sp>
         <p:nvSpPr>
+          <p:cNvPr id="2" name="Content Placeholder 1"/>
+          <p:cNvSpPr>
+            <a:spLocks noGrp="1"/>
+          </p:cNvSpPr>
+          <p:nvPr>
+            <p:ph idx="1"/>
+          </p:nvPr>
+        </p:nvSpPr>
+        <p:spPr>
+          <a:xfrm>
+            <a:off x="457200" y="1447800"/>
+            <a:ext cx="8229600" cy="4800600"/>
+          </a:xfrm>
+        </p:spPr>
+        <p:txBody>
+          <a:bodyPr/>
+          <a:lstStyle/>
+          <a:p>
+            <a:pPr marL="0" lvl="0" indent="512763" algn="just">
+              <a:buClr>
+                <a:srgbClr val="000000"/>
+              </a:buClr>
+              <a:buNone/>
+            </a:pPr>
+            <a:endParaRPr lang="en-US" b="0" smtClean="0">
+              <a:solidFill>
+                <a:srgbClr val="000000"/>
+              </a:solidFill>
+              <a:latin typeface="+mj-lt"/>
+            </a:endParaRPr>
+          </a:p>
+          <a:p>
+            <a:pPr marL="0" lvl="0" indent="512763" algn="just">
+              <a:buClr>
+                <a:srgbClr val="000000"/>
+              </a:buClr>
+              <a:buNone/>
+            </a:pPr>
+            <a:r>
+              <a:rPr lang="en-US" b="0" smtClean="0">
+                <a:solidFill>
+                  <a:srgbClr val="000000"/>
+                </a:solidFill>
+                <a:latin typeface="+mj-lt"/>
+              </a:rPr>
+              <a:t>Java </a:t>
+            </a:r>
+            <a:r>
+              <a:rPr lang="en-US" b="0">
+                <a:solidFill>
+                  <a:srgbClr val="000000"/>
+                </a:solidFill>
+                <a:latin typeface="+mj-lt"/>
+              </a:rPr>
+              <a:t>Native </a:t>
+            </a:r>
+            <a:r>
+              <a:rPr lang="en-US" b="0" smtClean="0">
+                <a:solidFill>
+                  <a:srgbClr val="000000"/>
+                </a:solidFill>
+                <a:latin typeface="+mj-lt"/>
+              </a:rPr>
+              <a:t>Access (JNA) </a:t>
+            </a:r>
+            <a:r>
+              <a:rPr lang="en-US" b="0">
+                <a:solidFill>
+                  <a:srgbClr val="000000"/>
+                </a:solidFill>
+                <a:latin typeface="+mj-lt"/>
+              </a:rPr>
+              <a:t>là một phần mở rộng của Java cho phép sử dụng các API bao gồm các tập tin thư viện động DLL trong </a:t>
+            </a:r>
+            <a:r>
+              <a:rPr lang="en-US" b="0" smtClean="0">
+                <a:solidFill>
+                  <a:srgbClr val="000000"/>
+                </a:solidFill>
+                <a:latin typeface="+mj-lt"/>
+              </a:rPr>
+              <a:t>Windows mà không cần sử dụng đến JNI. </a:t>
+            </a:r>
+            <a:endParaRPr lang="en-US" b="0">
+              <a:solidFill>
+                <a:srgbClr val="000000"/>
+              </a:solidFill>
+              <a:latin typeface="+mj-lt"/>
+            </a:endParaRPr>
+          </a:p>
+        </p:txBody>
+      </p:sp>
+      <p:sp>
+        <p:nvSpPr>
           <p:cNvPr id="4" name="Footer Placeholder 3"/>
           <p:cNvSpPr>
             <a:spLocks noGrp="1"/>
@@ -21645,86 +22072,10 @@
           </a:p>
         </p:txBody>
       </p:sp>
-      <p:sp>
-        <p:nvSpPr>
-          <p:cNvPr id="7" name="Content Placeholder 1"/>
-          <p:cNvSpPr>
-            <a:spLocks noGrp="1"/>
-          </p:cNvSpPr>
-          <p:nvPr>
-            <p:ph idx="1"/>
-          </p:nvPr>
-        </p:nvSpPr>
-        <p:spPr>
-          <a:xfrm>
-            <a:off x="457200" y="1447800"/>
-            <a:ext cx="8229600" cy="4800600"/>
-          </a:xfrm>
-        </p:spPr>
-        <p:txBody>
-          <a:bodyPr/>
-          <a:lstStyle/>
-          <a:p>
-            <a:pPr marL="0" lvl="0" indent="0" algn="ctr">
-              <a:buNone/>
-            </a:pPr>
-            <a:r>
-              <a:rPr lang="en-US" smtClean="0">
-                <a:solidFill>
-                  <a:srgbClr val="000000"/>
-                </a:solidFill>
-              </a:rPr>
-              <a:t>Mời mọi người cùng xem clip</a:t>
-            </a:r>
-          </a:p>
-        </p:txBody>
-      </p:sp>
-      <p:sp>
-        <p:nvSpPr>
-          <p:cNvPr id="9" name="7-Point Star 8"/>
-          <p:cNvSpPr/>
-          <p:nvPr/>
-        </p:nvSpPr>
-        <p:spPr>
-          <a:xfrm>
-            <a:off x="3124200" y="3031671"/>
-            <a:ext cx="2819400" cy="2073729"/>
-          </a:xfrm>
-          <a:prstGeom prst="star7">
-            <a:avLst/>
-          </a:prstGeom>
-        </p:spPr>
-        <p:style>
-          <a:lnRef idx="3">
-            <a:schemeClr val="lt1"/>
-          </a:lnRef>
-          <a:fillRef idx="1">
-            <a:schemeClr val="accent4"/>
-          </a:fillRef>
-          <a:effectRef idx="1">
-            <a:schemeClr val="accent4"/>
-          </a:effectRef>
-          <a:fontRef idx="minor">
-            <a:schemeClr val="lt1"/>
-          </a:fontRef>
-        </p:style>
-        <p:txBody>
-          <a:bodyPr rtlCol="0" anchor="ctr"/>
-          <a:lstStyle/>
-          <a:p>
-            <a:pPr algn="ctr"/>
-            <a:r>
-              <a:rPr lang="en-US" sz="2800" b="1" smtClean="0"/>
-              <a:t>Demo</a:t>
-            </a:r>
-            <a:endParaRPr lang="en-US" b="1"/>
-          </a:p>
-        </p:txBody>
-      </p:sp>
     </p:spTree>
     <p:extLst>
       <p:ext uri="{BB962C8B-B14F-4D97-AF65-F5344CB8AC3E}">
-        <p14:creationId xmlns:p14="http://schemas.microsoft.com/office/powerpoint/2010/main" val="937288250"/>
+        <p14:creationId xmlns:p14="http://schemas.microsoft.com/office/powerpoint/2010/main" val="3797964774"/>
       </p:ext>
     </p:extLst>
   </p:cSld>
@@ -21823,7 +22174,7 @@
                   <a:reflection blurRad="12700" stA="28000" endPos="45000" dist="1000" dir="5400000" sy="-100000" algn="bl" rotWithShape="0"/>
                 </a:effectLst>
               </a:rPr>
-              <a:t>3 Java native access</a:t>
+              <a:t>3. Demo Hello world với JNA</a:t>
             </a:r>
             <a:endParaRPr lang="en-US" sz="2900" cap="all">
               <a:ln w="9000" cmpd="sng">
@@ -21872,139 +22223,6 @@
       </p:sp>
       <p:sp>
         <p:nvSpPr>
-          <p:cNvPr id="2" name="Content Placeholder 1"/>
-          <p:cNvSpPr>
-            <a:spLocks noGrp="1"/>
-          </p:cNvSpPr>
-          <p:nvPr>
-            <p:ph idx="1"/>
-          </p:nvPr>
-        </p:nvSpPr>
-        <p:spPr>
-          <a:xfrm>
-            <a:off x="457200" y="1447800"/>
-            <a:ext cx="8534400" cy="4800600"/>
-          </a:xfrm>
-        </p:spPr>
-        <p:txBody>
-          <a:bodyPr/>
-          <a:lstStyle/>
-          <a:p>
-            <a:pPr marL="0" lvl="0" indent="512763" algn="just">
-              <a:buClr>
-                <a:srgbClr val="000000"/>
-              </a:buClr>
-              <a:buNone/>
-            </a:pPr>
-            <a:r>
-              <a:rPr lang="en-US" b="0" smtClean="0">
-                <a:solidFill>
-                  <a:srgbClr val="000000"/>
-                </a:solidFill>
-                <a:latin typeface="+mj-lt"/>
-              </a:rPr>
-              <a:t>Java </a:t>
-            </a:r>
-            <a:r>
-              <a:rPr lang="en-US" b="0">
-                <a:solidFill>
-                  <a:srgbClr val="000000"/>
-                </a:solidFill>
-                <a:latin typeface="+mj-lt"/>
-              </a:rPr>
-              <a:t>Native </a:t>
-            </a:r>
-            <a:r>
-              <a:rPr lang="en-US" b="0" smtClean="0">
-                <a:solidFill>
-                  <a:srgbClr val="000000"/>
-                </a:solidFill>
-                <a:latin typeface="+mj-lt"/>
-              </a:rPr>
-              <a:t>Access (JNA) </a:t>
-            </a:r>
-            <a:r>
-              <a:rPr lang="en-US" b="0">
-                <a:solidFill>
-                  <a:srgbClr val="000000"/>
-                </a:solidFill>
-                <a:latin typeface="+mj-lt"/>
-              </a:rPr>
-              <a:t>là một phần mở rộng của Java cho phép sử dụng các API bao gồm các tập tin thư viện động DLL trong Windows. </a:t>
-            </a:r>
-          </a:p>
-          <a:p>
-            <a:pPr marL="0" lvl="0" indent="512763" algn="just">
-              <a:buClr>
-                <a:srgbClr val="000000"/>
-              </a:buClr>
-              <a:buNone/>
-            </a:pPr>
-            <a:r>
-              <a:rPr lang="en-US" b="0">
-                <a:solidFill>
-                  <a:srgbClr val="000000"/>
-                </a:solidFill>
-                <a:latin typeface="+mj-lt"/>
-              </a:rPr>
-              <a:t>JNA </a:t>
-            </a:r>
-            <a:r>
-              <a:rPr lang="en-US" b="0" smtClean="0">
-                <a:solidFill>
-                  <a:srgbClr val="000000"/>
-                </a:solidFill>
-                <a:latin typeface="+mj-lt"/>
-              </a:rPr>
-              <a:t>hỗ trợ </a:t>
-            </a:r>
-            <a:r>
-              <a:rPr lang="en-US" b="0">
-                <a:solidFill>
-                  <a:srgbClr val="000000"/>
-                </a:solidFill>
-                <a:latin typeface="+mj-lt"/>
-              </a:rPr>
-              <a:t>chương trình Java </a:t>
-            </a:r>
-            <a:r>
-              <a:rPr lang="en-US" b="0" smtClean="0">
-                <a:solidFill>
-                  <a:srgbClr val="000000"/>
-                </a:solidFill>
-                <a:latin typeface="+mj-lt"/>
-              </a:rPr>
-              <a:t>dễ </a:t>
-            </a:r>
-            <a:r>
-              <a:rPr lang="en-US" b="0">
-                <a:solidFill>
-                  <a:srgbClr val="000000"/>
-                </a:solidFill>
-                <a:latin typeface="+mj-lt"/>
-              </a:rPr>
-              <a:t>dàng truy cập đến các thư viện được chia sẽ mà không cần sử dụng JNI </a:t>
-            </a:r>
-            <a:r>
-              <a:rPr lang="en-US" b="0" smtClean="0">
-                <a:solidFill>
-                  <a:srgbClr val="000000"/>
-                </a:solidFill>
-                <a:latin typeface="+mj-lt"/>
-              </a:rPr>
-              <a:t>.</a:t>
-            </a:r>
-            <a:endParaRPr lang="en-US" b="0">
-              <a:solidFill>
-                <a:srgbClr val="000000"/>
-              </a:solidFill>
-              <a:latin typeface="+mj-lt"/>
-            </a:endParaRPr>
-          </a:p>
-        </p:txBody>
-      </p:sp>
-      <p:sp>
-        <p:nvSpPr>
           <p:cNvPr id="4" name="Footer Placeholder 3"/>
           <p:cNvSpPr>
             <a:spLocks noGrp="1"/>
@@ -22055,10 +22273,86 @@
           </a:p>
         </p:txBody>
       </p:sp>
+      <p:sp>
+        <p:nvSpPr>
+          <p:cNvPr id="7" name="Content Placeholder 1"/>
+          <p:cNvSpPr>
+            <a:spLocks noGrp="1"/>
+          </p:cNvSpPr>
+          <p:nvPr>
+            <p:ph idx="1"/>
+          </p:nvPr>
+        </p:nvSpPr>
+        <p:spPr>
+          <a:xfrm>
+            <a:off x="457200" y="1447800"/>
+            <a:ext cx="8229600" cy="4800600"/>
+          </a:xfrm>
+        </p:spPr>
+        <p:txBody>
+          <a:bodyPr/>
+          <a:lstStyle/>
+          <a:p>
+            <a:pPr marL="0" lvl="0" indent="0" algn="ctr">
+              <a:buNone/>
+            </a:pPr>
+            <a:r>
+              <a:rPr lang="en-US" smtClean="0">
+                <a:solidFill>
+                  <a:srgbClr val="000000"/>
+                </a:solidFill>
+              </a:rPr>
+              <a:t>Mời mọi người cùng xem clip</a:t>
+            </a:r>
+          </a:p>
+        </p:txBody>
+      </p:sp>
+      <p:sp>
+        <p:nvSpPr>
+          <p:cNvPr id="9" name="7-Point Star 8"/>
+          <p:cNvSpPr/>
+          <p:nvPr/>
+        </p:nvSpPr>
+        <p:spPr>
+          <a:xfrm>
+            <a:off x="3124200" y="3031671"/>
+            <a:ext cx="2819400" cy="2073729"/>
+          </a:xfrm>
+          <a:prstGeom prst="star7">
+            <a:avLst/>
+          </a:prstGeom>
+        </p:spPr>
+        <p:style>
+          <a:lnRef idx="3">
+            <a:schemeClr val="lt1"/>
+          </a:lnRef>
+          <a:fillRef idx="1">
+            <a:schemeClr val="accent4"/>
+          </a:fillRef>
+          <a:effectRef idx="1">
+            <a:schemeClr val="accent4"/>
+          </a:effectRef>
+          <a:fontRef idx="minor">
+            <a:schemeClr val="lt1"/>
+          </a:fontRef>
+        </p:style>
+        <p:txBody>
+          <a:bodyPr rtlCol="0" anchor="ctr"/>
+          <a:lstStyle/>
+          <a:p>
+            <a:pPr algn="ctr"/>
+            <a:r>
+              <a:rPr lang="en-US" sz="2800" b="1" smtClean="0"/>
+              <a:t>Demo</a:t>
+            </a:r>
+            <a:endParaRPr lang="en-US" b="1"/>
+          </a:p>
+        </p:txBody>
+      </p:sp>
     </p:spTree>
     <p:extLst>
       <p:ext uri="{BB962C8B-B14F-4D97-AF65-F5344CB8AC3E}">
-        <p14:creationId xmlns:p14="http://schemas.microsoft.com/office/powerpoint/2010/main" val="3797964774"/>
+        <p14:creationId xmlns:p14="http://schemas.microsoft.com/office/powerpoint/2010/main" val="936051198"/>
       </p:ext>
     </p:extLst>
   </p:cSld>
@@ -22157,7 +22451,7 @@
                   <a:reflection blurRad="12700" stA="28000" endPos="45000" dist="1000" dir="5400000" sy="-100000" algn="bl" rotWithShape="0"/>
                 </a:effectLst>
               </a:rPr>
-              <a:t>3. Demo Hello world với JNA</a:t>
+              <a:t>4 demo ứng dụng thao tác registry</a:t>
             </a:r>
             <a:endParaRPr lang="en-US" sz="2900" cap="all">
               <a:ln w="9000" cmpd="sng">
@@ -22206,6 +22500,35 @@
       </p:sp>
       <p:sp>
         <p:nvSpPr>
+          <p:cNvPr id="2" name="Content Placeholder 1"/>
+          <p:cNvSpPr>
+            <a:spLocks noGrp="1"/>
+          </p:cNvSpPr>
+          <p:nvPr>
+            <p:ph idx="1"/>
+          </p:nvPr>
+        </p:nvSpPr>
+        <p:spPr/>
+        <p:txBody>
+          <a:bodyPr/>
+          <a:lstStyle/>
+          <a:p>
+            <a:pPr marL="0" lvl="0" indent="0" algn="ctr">
+              <a:buNone/>
+            </a:pPr>
+            <a:r>
+              <a:rPr lang="en-US" smtClean="0">
+                <a:solidFill>
+                  <a:srgbClr val="000000"/>
+                </a:solidFill>
+              </a:rPr>
+              <a:t>Mời mọi người cùng xem clip</a:t>
+            </a:r>
+          </a:p>
+        </p:txBody>
+      </p:sp>
+      <p:sp>
+        <p:nvSpPr>
           <p:cNvPr id="4" name="Footer Placeholder 3"/>
           <p:cNvSpPr>
             <a:spLocks noGrp="1"/>
@@ -22214,7 +22537,12 @@
             <p:ph type="ftr" sz="quarter" idx="11"/>
           </p:nvPr>
         </p:nvSpPr>
-        <p:spPr/>
+        <p:spPr>
+          <a:xfrm>
+            <a:off x="7162800" y="152400"/>
+            <a:ext cx="1752600" cy="228600"/>
+          </a:xfrm>
+        </p:spPr>
         <p:txBody>
           <a:bodyPr/>
           <a:lstStyle/>
@@ -22258,41 +22586,7 @@
       </p:sp>
       <p:sp>
         <p:nvSpPr>
-          <p:cNvPr id="7" name="Content Placeholder 1"/>
-          <p:cNvSpPr>
-            <a:spLocks noGrp="1"/>
-          </p:cNvSpPr>
-          <p:nvPr>
-            <p:ph idx="1"/>
-          </p:nvPr>
-        </p:nvSpPr>
-        <p:spPr>
-          <a:xfrm>
-            <a:off x="457200" y="1447800"/>
-            <a:ext cx="8229600" cy="4800600"/>
-          </a:xfrm>
-        </p:spPr>
-        <p:txBody>
-          <a:bodyPr/>
-          <a:lstStyle/>
-          <a:p>
-            <a:pPr marL="0" lvl="0" indent="0" algn="ctr">
-              <a:buNone/>
-            </a:pPr>
-            <a:r>
-              <a:rPr lang="en-US" smtClean="0">
-                <a:solidFill>
-                  <a:srgbClr val="000000"/>
-                </a:solidFill>
-              </a:rPr>
-              <a:t>Mời mọi người cùng xem clip</a:t>
-            </a:r>
-          </a:p>
-        </p:txBody>
-      </p:sp>
-      <p:sp>
-        <p:nvSpPr>
-          <p:cNvPr id="9" name="7-Point Star 8"/>
+          <p:cNvPr id="3" name="7-Point Star 2"/>
           <p:cNvSpPr/>
           <p:nvPr/>
         </p:nvSpPr>
@@ -22335,7 +22629,7 @@
     </p:spTree>
     <p:extLst>
       <p:ext uri="{BB962C8B-B14F-4D97-AF65-F5344CB8AC3E}">
-        <p14:creationId xmlns:p14="http://schemas.microsoft.com/office/powerpoint/2010/main" val="936051198"/>
+        <p14:creationId xmlns:p14="http://schemas.microsoft.com/office/powerpoint/2010/main" val="3137645208"/>
       </p:ext>
     </p:extLst>
   </p:cSld>
@@ -22389,7 +22683,7 @@
           <a:bodyPr/>
           <a:lstStyle/>
           <a:p>
-            <a:pPr lvl="0">
+            <a:pPr marL="914400" lvl="0" indent="-514350">
               <a:buClr>
                 <a:srgbClr val="000000"/>
               </a:buClr>
@@ -22425,7 +22719,7 @@
             </a:endParaRPr>
           </a:p>
           <a:p>
-            <a:pPr lvl="0">
+            <a:pPr marL="914400" lvl="0" indent="-514350">
               <a:buClr>
                 <a:srgbClr val="000000"/>
               </a:buClr>
@@ -22461,7 +22755,7 @@
             </a:endParaRPr>
           </a:p>
           <a:p>
-            <a:pPr lvl="0">
+            <a:pPr marL="914400" lvl="0" indent="-514350">
               <a:buClr>
                 <a:srgbClr val="000000"/>
               </a:buClr>
@@ -22500,7 +22794,7 @@
             </a:r>
           </a:p>
           <a:p>
-            <a:pPr>
+            <a:pPr marL="914400" indent="-514350">
               <a:buClr>
                 <a:srgbClr val="000000"/>
               </a:buClr>
@@ -22755,283 +23049,6 @@
 </file>
 
 <file path=ppt/slides/slide30.xml><?xml version="1.0" encoding="utf-8"?>
-<p:sld xmlns:a="http://schemas.openxmlformats.org/drawingml/2006/main" xmlns:r="http://schemas.openxmlformats.org/officeDocument/2006/relationships" xmlns:p="http://schemas.openxmlformats.org/presentationml/2006/main">
-  <p:cSld>
-    <p:spTree>
-      <p:nvGrpSpPr>
-        <p:cNvPr id="1" name=""/>
-        <p:cNvGrpSpPr/>
-        <p:nvPr/>
-      </p:nvGrpSpPr>
-      <p:grpSpPr>
-        <a:xfrm>
-          <a:off x="0" y="0"/>
-          <a:ext cx="0" cy="0"/>
-          <a:chOff x="0" y="0"/>
-          <a:chExt cx="0" cy="0"/>
-        </a:xfrm>
-      </p:grpSpPr>
-      <p:sp>
-        <p:nvSpPr>
-          <p:cNvPr id="8" name="Title 1"/>
-          <p:cNvSpPr>
-            <a:spLocks noGrp="1"/>
-          </p:cNvSpPr>
-          <p:nvPr>
-            <p:ph type="title"/>
-          </p:nvPr>
-        </p:nvSpPr>
-        <p:spPr>
-          <a:xfrm>
-            <a:off x="228600" y="579437"/>
-            <a:ext cx="9448800" cy="563563"/>
-          </a:xfrm>
-        </p:spPr>
-        <p:txBody>
-          <a:bodyPr>
-            <a:noAutofit/>
-          </a:bodyPr>
-          <a:lstStyle/>
-          <a:p>
-            <a:r>
-              <a:rPr lang="en-US" sz="2900" cap="all" smtClean="0">
-                <a:ln w="9000" cmpd="sng">
-                  <a:solidFill>
-                    <a:schemeClr val="accent4">
-                      <a:shade val="50000"/>
-                      <a:satMod val="120000"/>
-                    </a:schemeClr>
-                  </a:solidFill>
-                  <a:prstDash val="solid"/>
-                </a:ln>
-                <a:gradFill>
-                  <a:gsLst>
-                    <a:gs pos="0">
-                      <a:schemeClr val="accent4">
-                        <a:shade val="20000"/>
-                        <a:satMod val="245000"/>
-                      </a:schemeClr>
-                    </a:gs>
-                    <a:gs pos="43000">
-                      <a:schemeClr val="accent4">
-                        <a:satMod val="255000"/>
-                      </a:schemeClr>
-                    </a:gs>
-                    <a:gs pos="48000">
-                      <a:schemeClr val="accent4">
-                        <a:shade val="85000"/>
-                        <a:satMod val="255000"/>
-                      </a:schemeClr>
-                    </a:gs>
-                    <a:gs pos="100000">
-                      <a:schemeClr val="accent4">
-                        <a:shade val="20000"/>
-                        <a:satMod val="245000"/>
-                      </a:schemeClr>
-                    </a:gs>
-                  </a:gsLst>
-                  <a:lin ang="5400000"/>
-                </a:gradFill>
-                <a:effectLst>
-                  <a:reflection blurRad="12700" stA="28000" endPos="45000" dist="1000" dir="5400000" sy="-100000" algn="bl" rotWithShape="0"/>
-                </a:effectLst>
-              </a:rPr>
-              <a:t>4 demo ứng dụng thao tác registry</a:t>
-            </a:r>
-            <a:endParaRPr lang="en-US" sz="2900" cap="all">
-              <a:ln w="9000" cmpd="sng">
-                <a:solidFill>
-                  <a:schemeClr val="accent4">
-                    <a:shade val="50000"/>
-                    <a:satMod val="120000"/>
-                  </a:schemeClr>
-                </a:solidFill>
-                <a:prstDash val="solid"/>
-              </a:ln>
-              <a:gradFill>
-                <a:gsLst>
-                  <a:gs pos="0">
-                    <a:schemeClr val="accent4">
-                      <a:shade val="20000"/>
-                      <a:satMod val="245000"/>
-                    </a:schemeClr>
-                  </a:gs>
-                  <a:gs pos="43000">
-                    <a:schemeClr val="accent4">
-                      <a:satMod val="255000"/>
-                    </a:schemeClr>
-                  </a:gs>
-                  <a:gs pos="48000">
-                    <a:schemeClr val="accent4">
-                      <a:shade val="85000"/>
-                      <a:satMod val="255000"/>
-                    </a:schemeClr>
-                  </a:gs>
-                  <a:gs pos="100000">
-                    <a:schemeClr val="accent4">
-                      <a:shade val="20000"/>
-                      <a:satMod val="245000"/>
-                    </a:schemeClr>
-                  </a:gs>
-                </a:gsLst>
-                <a:lin ang="5400000"/>
-              </a:gradFill>
-              <a:effectLst>
-                <a:reflection blurRad="12700" stA="28000" endPos="45000" dist="1000" dir="5400000" sy="-100000" algn="bl" rotWithShape="0"/>
-              </a:effectLst>
-            </a:endParaRPr>
-          </a:p>
-        </p:txBody>
-      </p:sp>
-      <p:sp>
-        <p:nvSpPr>
-          <p:cNvPr id="2" name="Content Placeholder 1"/>
-          <p:cNvSpPr>
-            <a:spLocks noGrp="1"/>
-          </p:cNvSpPr>
-          <p:nvPr>
-            <p:ph idx="1"/>
-          </p:nvPr>
-        </p:nvSpPr>
-        <p:spPr/>
-        <p:txBody>
-          <a:bodyPr/>
-          <a:lstStyle/>
-          <a:p>
-            <a:pPr marL="0" lvl="0" indent="0" algn="ctr">
-              <a:buNone/>
-            </a:pPr>
-            <a:r>
-              <a:rPr lang="en-US" smtClean="0">
-                <a:solidFill>
-                  <a:srgbClr val="000000"/>
-                </a:solidFill>
-              </a:rPr>
-              <a:t>Mời mọi người cùng xem clip</a:t>
-            </a:r>
-          </a:p>
-        </p:txBody>
-      </p:sp>
-      <p:sp>
-        <p:nvSpPr>
-          <p:cNvPr id="4" name="Footer Placeholder 3"/>
-          <p:cNvSpPr>
-            <a:spLocks noGrp="1"/>
-          </p:cNvSpPr>
-          <p:nvPr>
-            <p:ph type="ftr" sz="quarter" idx="11"/>
-          </p:nvPr>
-        </p:nvSpPr>
-        <p:spPr>
-          <a:xfrm>
-            <a:off x="7162800" y="152400"/>
-            <a:ext cx="1752600" cy="228600"/>
-          </a:xfrm>
-        </p:spPr>
-        <p:txBody>
-          <a:bodyPr/>
-          <a:lstStyle/>
-          <a:p>
-            <a:r>
-              <a:rPr lang="en-US" smtClean="0"/>
-              <a:t>www.hcmus.edu.vn</a:t>
-            </a:r>
-            <a:endParaRPr lang="en-US"/>
-          </a:p>
-        </p:txBody>
-      </p:sp>
-      <p:sp>
-        <p:nvSpPr>
-          <p:cNvPr id="6" name="Slide Number Placeholder 11"/>
-          <p:cNvSpPr>
-            <a:spLocks noGrp="1"/>
-          </p:cNvSpPr>
-          <p:nvPr>
-            <p:ph type="sldNum" sz="quarter" idx="12"/>
-          </p:nvPr>
-        </p:nvSpPr>
-        <p:spPr>
-          <a:xfrm>
-            <a:off x="3429000" y="6477000"/>
-            <a:ext cx="2133600" cy="381000"/>
-          </a:xfrm>
-        </p:spPr>
-        <p:txBody>
-          <a:bodyPr/>
-          <a:lstStyle/>
-          <a:p>
-            <a:fld id="{B6F15528-21DE-4FAA-801E-634DDDAF4B2B}" type="slidenum">
-              <a:rPr lang="en-US" sz="2000" smtClean="0"/>
-              <a:pPr/>
-              <a:t>30</a:t>
-            </a:fld>
-            <a:endParaRPr lang="en-US" sz="2000"/>
-          </a:p>
-        </p:txBody>
-      </p:sp>
-      <p:sp>
-        <p:nvSpPr>
-          <p:cNvPr id="3" name="7-Point Star 2"/>
-          <p:cNvSpPr/>
-          <p:nvPr/>
-        </p:nvSpPr>
-        <p:spPr>
-          <a:xfrm>
-            <a:off x="3124200" y="3031671"/>
-            <a:ext cx="2819400" cy="2073729"/>
-          </a:xfrm>
-          <a:prstGeom prst="star7">
-            <a:avLst/>
-          </a:prstGeom>
-        </p:spPr>
-        <p:style>
-          <a:lnRef idx="3">
-            <a:schemeClr val="lt1"/>
-          </a:lnRef>
-          <a:fillRef idx="1">
-            <a:schemeClr val="accent4"/>
-          </a:fillRef>
-          <a:effectRef idx="1">
-            <a:schemeClr val="accent4"/>
-          </a:effectRef>
-          <a:fontRef idx="minor">
-            <a:schemeClr val="lt1"/>
-          </a:fontRef>
-        </p:style>
-        <p:txBody>
-          <a:bodyPr rtlCol="0" anchor="ctr"/>
-          <a:lstStyle/>
-          <a:p>
-            <a:pPr algn="ctr"/>
-            <a:r>
-              <a:rPr lang="en-US" sz="2800" b="1" smtClean="0"/>
-              <a:t>Demo</a:t>
-            </a:r>
-            <a:endParaRPr lang="en-US" b="1"/>
-          </a:p>
-        </p:txBody>
-      </p:sp>
-    </p:spTree>
-    <p:extLst>
-      <p:ext uri="{BB962C8B-B14F-4D97-AF65-F5344CB8AC3E}">
-        <p14:creationId xmlns:p14="http://schemas.microsoft.com/office/powerpoint/2010/main" val="3137645208"/>
-      </p:ext>
-    </p:extLst>
-  </p:cSld>
-  <p:clrMapOvr>
-    <a:masterClrMapping/>
-  </p:clrMapOvr>
-  <p:timing>
-    <p:tnLst>
-      <p:par>
-        <p:cTn id="1" dur="indefinite" restart="never" nodeType="tmRoot"/>
-      </p:par>
-    </p:tnLst>
-  </p:timing>
-</p:sld>
-</file>
-
-<file path=ppt/slides/slide31.xml><?xml version="1.0" encoding="utf-8"?>
 <p:sld xmlns:a="http://schemas.openxmlformats.org/drawingml/2006/main" xmlns:r="http://schemas.openxmlformats.org/officeDocument/2006/relationships" xmlns:p="http://schemas.openxmlformats.org/presentationml/2006/main">
   <p:cSld>
     <p:spTree>
@@ -23913,74 +23930,60 @@
           <a:bodyPr/>
           <a:lstStyle/>
           <a:p>
-            <a:pPr marL="0" indent="400050" algn="just">
+            <a:pPr marL="0" indent="514350" algn="just">
               <a:buClrTx/>
               <a:buNone/>
             </a:pPr>
-            <a:r>
-              <a:rPr lang="en-US" b="0">
-                <a:solidFill>
-                  <a:srgbClr val="000000"/>
-                </a:solidFill>
-              </a:rPr>
-              <a:t>Java Native Interface (JNI) là </a:t>
-            </a:r>
-            <a:r>
-              <a:rPr lang="en-US" b="0" smtClean="0">
-                <a:solidFill>
-                  <a:srgbClr val="000000"/>
-                </a:solidFill>
-              </a:rPr>
-              <a:t>một phần </a:t>
-            </a:r>
-            <a:r>
-              <a:rPr lang="en-US" b="0">
-                <a:solidFill>
-                  <a:srgbClr val="000000"/>
-                </a:solidFill>
-              </a:rPr>
-              <a:t>nền tảng của Java, là một interface trung gian cho phép kết nối ứng dụng Java với các ứng dụng hoặc thư viện viết bằng ngôn ngữ khác (C, C++).</a:t>
-            </a:r>
-          </a:p>
-          <a:p>
-            <a:pPr marL="0" indent="400050" algn="just">
-              <a:buClrTx/>
-              <a:buNone/>
-            </a:pPr>
-            <a:r>
-              <a:rPr lang="fr-CA" b="0">
-                <a:solidFill>
-                  <a:srgbClr val="000000"/>
-                </a:solidFill>
-              </a:rPr>
-              <a:t>JNI cho phép gọi các hàm và truyền các biến qua lại giữa chương trình Java &amp; C/C++.</a:t>
-            </a:r>
-            <a:endParaRPr lang="en-US" b="0">
+            <a:endParaRPr lang="en-US" b="0" smtClean="0">
               <a:solidFill>
                 <a:srgbClr val="000000"/>
               </a:solidFill>
             </a:endParaRPr>
           </a:p>
           <a:p>
-            <a:pPr marL="0" indent="400050" algn="just">
+            <a:pPr marL="0" indent="514350" algn="just">
               <a:buClrTx/>
               <a:buNone/>
             </a:pPr>
             <a:r>
-              <a:rPr lang="fr-CA" b="0">
+              <a:rPr lang="en-US" b="0" smtClean="0">
                 <a:solidFill>
                   <a:srgbClr val="000000"/>
                 </a:solidFill>
               </a:rPr>
-              <a:t>Cung cấp quy định chung về dữ liệu và loại exception </a:t>
-            </a:r>
-            <a:r>
-              <a:rPr lang="fr-CA" b="0" smtClean="0">
+              <a:t>Java </a:t>
+            </a:r>
+            <a:r>
+              <a:rPr lang="en-US" b="0">
                 <a:solidFill>
                   <a:srgbClr val="000000"/>
                 </a:solidFill>
               </a:rPr>
-              <a:t>...</a:t>
+              <a:t>Native Interface (JNI) là </a:t>
+            </a:r>
+            <a:r>
+              <a:rPr lang="en-US" b="0" smtClean="0">
+                <a:solidFill>
+                  <a:srgbClr val="000000"/>
+                </a:solidFill>
+              </a:rPr>
+              <a:t>một phần </a:t>
+            </a:r>
+            <a:r>
+              <a:rPr lang="en-US" b="0">
+                <a:solidFill>
+                  <a:srgbClr val="000000"/>
+                </a:solidFill>
+              </a:rPr>
+              <a:t>nền tảng của Java, là một interface trung gian cho phép kết nối ứng dụng Java với các ứng dụng hoặc thư viện viết bằng ngôn ngữ khác (C, C</a:t>
+            </a:r>
+            <a:r>
+              <a:rPr lang="en-US" b="0" smtClean="0">
+                <a:solidFill>
+                  <a:srgbClr val="000000"/>
+                </a:solidFill>
+              </a:rPr>
+              <a:t>++).</a:t>
             </a:r>
             <a:endParaRPr lang="en-US" b="0">
               <a:solidFill>
@@ -24216,13 +24219,32 @@
               <a:buClrTx/>
               <a:buNone/>
             </a:pPr>
+            <a:endParaRPr lang="en-US" b="0" smtClean="0">
+              <a:solidFill>
+                <a:srgbClr val="000000"/>
+              </a:solidFill>
+            </a:endParaRPr>
+          </a:p>
+          <a:p>
+            <a:pPr marL="0" lvl="0" indent="457200" algn="just">
+              <a:buClrTx/>
+              <a:buNone/>
+            </a:pPr>
+            <a:r>
+              <a:rPr lang="en-US" b="0" smtClean="0">
+                <a:solidFill>
+                  <a:srgbClr val="000000"/>
+                </a:solidFill>
+              </a:rPr>
+              <a:t>Sử </a:t>
+            </a:r>
             <a:r>
               <a:rPr lang="en-US" b="0">
                 <a:solidFill>
                   <a:srgbClr val="000000"/>
                 </a:solidFill>
               </a:rPr>
-              <a:t>Sử dụng một ứng dụng, thư viện liên kết động như C, C++ vào trong chương trình Java.</a:t>
+              <a:t>dụng một ứng dụng, thư viện liên kết động như C, C++ vào trong chương trình Java.</a:t>
             </a:r>
           </a:p>
           <a:p>

--- a/trunk/Seminar_JNI/Slide_00.pptx
+++ b/trunk/Seminar_JNI/Slide_00.pptx
@@ -5,10 +5,10 @@
     <p:sldMasterId id="2147484495" r:id="rId1"/>
   </p:sldMasterIdLst>
   <p:notesMasterIdLst>
-    <p:notesMasterId r:id="rId32"/>
+    <p:notesMasterId r:id="rId33"/>
   </p:notesMasterIdLst>
   <p:handoutMasterIdLst>
-    <p:handoutMasterId r:id="rId33"/>
+    <p:handoutMasterId r:id="rId34"/>
   </p:handoutMasterIdLst>
   <p:sldIdLst>
     <p:sldId id="256" r:id="rId2"/>
@@ -17,30 +17,31 @@
     <p:sldId id="268" r:id="rId5"/>
     <p:sldId id="269" r:id="rId6"/>
     <p:sldId id="271" r:id="rId7"/>
-    <p:sldId id="273" r:id="rId8"/>
-    <p:sldId id="270" r:id="rId9"/>
-    <p:sldId id="272" r:id="rId10"/>
-    <p:sldId id="275" r:id="rId11"/>
-    <p:sldId id="293" r:id="rId12"/>
-    <p:sldId id="294" r:id="rId13"/>
-    <p:sldId id="296" r:id="rId14"/>
-    <p:sldId id="274" r:id="rId15"/>
-    <p:sldId id="284" r:id="rId16"/>
-    <p:sldId id="287" r:id="rId17"/>
-    <p:sldId id="286" r:id="rId18"/>
-    <p:sldId id="288" r:id="rId19"/>
-    <p:sldId id="289" r:id="rId20"/>
-    <p:sldId id="290" r:id="rId21"/>
-    <p:sldId id="291" r:id="rId22"/>
-    <p:sldId id="292" r:id="rId23"/>
-    <p:sldId id="276" r:id="rId24"/>
-    <p:sldId id="297" r:id="rId25"/>
-    <p:sldId id="279" r:id="rId26"/>
-    <p:sldId id="277" r:id="rId27"/>
-    <p:sldId id="283" r:id="rId28"/>
-    <p:sldId id="282" r:id="rId29"/>
-    <p:sldId id="280" r:id="rId30"/>
-    <p:sldId id="281" r:id="rId31"/>
+    <p:sldId id="298" r:id="rId8"/>
+    <p:sldId id="273" r:id="rId9"/>
+    <p:sldId id="270" r:id="rId10"/>
+    <p:sldId id="272" r:id="rId11"/>
+    <p:sldId id="275" r:id="rId12"/>
+    <p:sldId id="293" r:id="rId13"/>
+    <p:sldId id="294" r:id="rId14"/>
+    <p:sldId id="296" r:id="rId15"/>
+    <p:sldId id="274" r:id="rId16"/>
+    <p:sldId id="284" r:id="rId17"/>
+    <p:sldId id="287" r:id="rId18"/>
+    <p:sldId id="286" r:id="rId19"/>
+    <p:sldId id="288" r:id="rId20"/>
+    <p:sldId id="289" r:id="rId21"/>
+    <p:sldId id="290" r:id="rId22"/>
+    <p:sldId id="291" r:id="rId23"/>
+    <p:sldId id="292" r:id="rId24"/>
+    <p:sldId id="276" r:id="rId25"/>
+    <p:sldId id="297" r:id="rId26"/>
+    <p:sldId id="279" r:id="rId27"/>
+    <p:sldId id="277" r:id="rId28"/>
+    <p:sldId id="283" r:id="rId29"/>
+    <p:sldId id="282" r:id="rId30"/>
+    <p:sldId id="280" r:id="rId31"/>
+    <p:sldId id="281" r:id="rId32"/>
   </p:sldIdLst>
   <p:sldSz cx="9144000" cy="6858000" type="screen4x3"/>
   <p:notesSz cx="6858000" cy="9144000"/>
@@ -11208,19 +11209,18 @@
         </p:nvSpPr>
         <p:spPr>
           <a:xfrm>
-            <a:off x="228600" y="579437"/>
-            <a:ext cx="8915400" cy="563563"/>
+            <a:off x="228600" y="304801"/>
+            <a:ext cx="8915400" cy="838200"/>
           </a:xfrm>
         </p:spPr>
         <p:txBody>
           <a:bodyPr>
-            <a:normAutofit fontScale="90000"/>
+            <a:noAutofit/>
           </a:bodyPr>
           <a:lstStyle/>
           <a:p>
-            <a:pPr algn="l"/>
-            <a:r>
-              <a:rPr lang="en-US" cap="all" smtClean="0">
+            <a:r>
+              <a:rPr lang="en-US" sz="2800" cap="all" smtClean="0">
                 <a:ln w="9000" cmpd="sng">
                   <a:solidFill>
                     <a:schemeClr val="accent4">
@@ -11262,9 +11262,98 @@
                   <a:reflection blurRad="12700" stA="28000" endPos="45000" dist="1000" dir="5400000" sy="-100000" algn="bl" rotWithShape="0"/>
                 </a:effectLst>
               </a:rPr>
-              <a:t>2.2 kiểu dữ liệu cơ bản </a:t>
-            </a:r>
-            <a:endParaRPr lang="en-US" cap="all">
+              <a:t>2.1 JNI Interface Functions </a:t>
+            </a:r>
+            <a:br>
+              <a:rPr lang="en-US" sz="2800" cap="all" smtClean="0">
+                <a:ln w="9000" cmpd="sng">
+                  <a:solidFill>
+                    <a:schemeClr val="accent4">
+                      <a:shade val="50000"/>
+                      <a:satMod val="120000"/>
+                    </a:schemeClr>
+                  </a:solidFill>
+                  <a:prstDash val="solid"/>
+                </a:ln>
+                <a:gradFill>
+                  <a:gsLst>
+                    <a:gs pos="0">
+                      <a:schemeClr val="accent4">
+                        <a:shade val="20000"/>
+                        <a:satMod val="245000"/>
+                      </a:schemeClr>
+                    </a:gs>
+                    <a:gs pos="43000">
+                      <a:schemeClr val="accent4">
+                        <a:satMod val="255000"/>
+                      </a:schemeClr>
+                    </a:gs>
+                    <a:gs pos="48000">
+                      <a:schemeClr val="accent4">
+                        <a:shade val="85000"/>
+                        <a:satMod val="255000"/>
+                      </a:schemeClr>
+                    </a:gs>
+                    <a:gs pos="100000">
+                      <a:schemeClr val="accent4">
+                        <a:shade val="20000"/>
+                        <a:satMod val="245000"/>
+                      </a:schemeClr>
+                    </a:gs>
+                  </a:gsLst>
+                  <a:lin ang="5400000"/>
+                </a:gradFill>
+                <a:effectLst>
+                  <a:reflection blurRad="12700" stA="28000" endPos="45000" dist="1000" dir="5400000" sy="-100000" algn="bl" rotWithShape="0"/>
+                </a:effectLst>
+              </a:rPr>
+            </a:br>
+            <a:r>
+              <a:rPr lang="en-US" sz="2800" cap="all" smtClean="0">
+                <a:ln w="9000" cmpd="sng">
+                  <a:solidFill>
+                    <a:schemeClr val="accent4">
+                      <a:shade val="50000"/>
+                      <a:satMod val="120000"/>
+                    </a:schemeClr>
+                  </a:solidFill>
+                  <a:prstDash val="solid"/>
+                </a:ln>
+                <a:gradFill>
+                  <a:gsLst>
+                    <a:gs pos="0">
+                      <a:schemeClr val="accent4">
+                        <a:shade val="20000"/>
+                        <a:satMod val="245000"/>
+                      </a:schemeClr>
+                    </a:gs>
+                    <a:gs pos="43000">
+                      <a:schemeClr val="accent4">
+                        <a:satMod val="255000"/>
+                      </a:schemeClr>
+                    </a:gs>
+                    <a:gs pos="48000">
+                      <a:schemeClr val="accent4">
+                        <a:shade val="85000"/>
+                        <a:satMod val="255000"/>
+                      </a:schemeClr>
+                    </a:gs>
+                    <a:gs pos="100000">
+                      <a:schemeClr val="accent4">
+                        <a:shade val="20000"/>
+                        <a:satMod val="245000"/>
+                      </a:schemeClr>
+                    </a:gs>
+                  </a:gsLst>
+                  <a:lin ang="5400000"/>
+                </a:gradFill>
+                <a:effectLst>
+                  <a:reflection blurRad="12700" stA="28000" endPos="45000" dist="1000" dir="5400000" sy="-100000" algn="bl" rotWithShape="0"/>
+                </a:effectLst>
+              </a:rPr>
+              <a:t>and Pointers </a:t>
+            </a:r>
+            <a:endParaRPr lang="en-US" sz="2800" cap="all">
               <a:ln w="9000" cmpd="sng">
                 <a:solidFill>
                   <a:schemeClr val="accent4">
@@ -11324,237 +11413,6 @@
           <a:bodyPr/>
           <a:lstStyle/>
           <a:p>
-            <a:pPr marL="0" lvl="0" indent="457200">
-              <a:buClrTx/>
-              <a:buNone/>
-            </a:pPr>
-            <a:r>
-              <a:rPr lang="en-US" b="0">
-                <a:solidFill>
-                  <a:srgbClr val="000000"/>
-                </a:solidFill>
-              </a:rPr>
-              <a:t>Việc tryền và quản lí các biến trong JNI khá </a:t>
-            </a:r>
-            <a:r>
-              <a:rPr lang="en-US" b="0">
-                <a:solidFill>
-                  <a:srgbClr val="000000"/>
-                </a:solidFill>
-              </a:rPr>
-              <a:t>phức </a:t>
-            </a:r>
-            <a:r>
-              <a:rPr lang="en-US" b="0" smtClean="0">
-                <a:solidFill>
-                  <a:srgbClr val="000000"/>
-                </a:solidFill>
-              </a:rPr>
-              <a:t>tạp. </a:t>
-            </a:r>
-          </a:p>
-          <a:p>
-            <a:pPr marL="0" lvl="0" indent="457200">
-              <a:buClrTx/>
-              <a:buNone/>
-            </a:pPr>
-            <a:endParaRPr lang="en-US" b="0" smtClean="0">
-              <a:solidFill>
-                <a:srgbClr val="000000"/>
-              </a:solidFill>
-            </a:endParaRPr>
-          </a:p>
-          <a:p>
-            <a:pPr marL="0" lvl="0" indent="457200">
-              <a:buClrTx/>
-              <a:buNone/>
-            </a:pPr>
-            <a:r>
-              <a:rPr lang="en-US" b="0" smtClean="0">
-                <a:solidFill>
-                  <a:srgbClr val="000000"/>
-                </a:solidFill>
-              </a:rPr>
-              <a:t>Để </a:t>
-            </a:r>
-            <a:r>
-              <a:rPr lang="en-US" b="0">
-                <a:solidFill>
-                  <a:srgbClr val="000000"/>
-                </a:solidFill>
-              </a:rPr>
-              <a:t>biểu diễn kiểu dữ liệu chung JNI tạo ra một vài kiểu dữ liệu </a:t>
-            </a:r>
-            <a:r>
-              <a:rPr lang="en-US" b="0">
-                <a:solidFill>
-                  <a:srgbClr val="000000"/>
-                </a:solidFill>
-              </a:rPr>
-              <a:t>trung </a:t>
-            </a:r>
-            <a:r>
-              <a:rPr lang="en-US" b="0" smtClean="0">
-                <a:solidFill>
-                  <a:srgbClr val="000000"/>
-                </a:solidFill>
-              </a:rPr>
-              <a:t>gian </a:t>
-            </a:r>
-            <a:r>
-              <a:rPr lang="en-US" b="0">
-                <a:solidFill>
-                  <a:srgbClr val="000000"/>
-                </a:solidFill>
-              </a:rPr>
-              <a:t>như sau :</a:t>
-            </a:r>
-          </a:p>
-          <a:p>
-            <a:pPr marL="457200" lvl="1" indent="0">
-              <a:buClrTx/>
-              <a:buNone/>
-            </a:pPr>
-            <a:r>
-              <a:rPr lang="en-US" b="1">
-                <a:solidFill>
-                  <a:schemeClr val="accent4">
-                    <a:lumMod val="90000"/>
-                    <a:lumOff val="10000"/>
-                  </a:schemeClr>
-                </a:solidFill>
-              </a:rPr>
-              <a:t>jobject </a:t>
-            </a:r>
-            <a:r>
-              <a:rPr lang="en-US" b="1">
-                <a:solidFill>
-                  <a:schemeClr val="accent4">
-                    <a:lumMod val="90000"/>
-                    <a:lumOff val="10000"/>
-                  </a:schemeClr>
-                </a:solidFill>
-              </a:rPr>
-              <a:t>	</a:t>
-            </a:r>
-            <a:r>
-              <a:rPr lang="en-US" b="1" smtClean="0">
-                <a:solidFill>
-                  <a:schemeClr val="accent4">
-                    <a:lumMod val="90000"/>
-                    <a:lumOff val="10000"/>
-                  </a:schemeClr>
-                </a:solidFill>
-              </a:rPr>
-              <a:t>	jboolean</a:t>
-            </a:r>
-            <a:r>
-              <a:rPr lang="en-US" b="1">
-                <a:solidFill>
-                  <a:schemeClr val="accent4">
-                    <a:lumMod val="90000"/>
-                    <a:lumOff val="10000"/>
-                  </a:schemeClr>
-                </a:solidFill>
-              </a:rPr>
-              <a:t>		jbyte</a:t>
-            </a:r>
-          </a:p>
-          <a:p>
-            <a:pPr marL="457200" lvl="1" indent="0">
-              <a:buClrTx/>
-              <a:buNone/>
-            </a:pPr>
-            <a:r>
-              <a:rPr lang="en-US" b="1">
-                <a:solidFill>
-                  <a:schemeClr val="accent4">
-                    <a:lumMod val="90000"/>
-                    <a:lumOff val="10000"/>
-                  </a:schemeClr>
-                </a:solidFill>
-              </a:rPr>
-              <a:t>jchar		jshort	</a:t>
-            </a:r>
-            <a:r>
-              <a:rPr lang="en-US" b="1">
-                <a:solidFill>
-                  <a:schemeClr val="accent4">
-                    <a:lumMod val="90000"/>
-                    <a:lumOff val="10000"/>
-                  </a:schemeClr>
-                </a:solidFill>
-              </a:rPr>
-              <a:t>	</a:t>
-            </a:r>
-            <a:r>
-              <a:rPr lang="en-US" b="1" smtClean="0">
-                <a:solidFill>
-                  <a:schemeClr val="accent4">
-                    <a:lumMod val="90000"/>
-                    <a:lumOff val="10000"/>
-                  </a:schemeClr>
-                </a:solidFill>
-              </a:rPr>
-              <a:t>jint</a:t>
-            </a:r>
-            <a:endParaRPr lang="en-US" b="1">
-              <a:solidFill>
-                <a:schemeClr val="accent4">
-                  <a:lumMod val="90000"/>
-                  <a:lumOff val="10000"/>
-                </a:schemeClr>
-              </a:solidFill>
-            </a:endParaRPr>
-          </a:p>
-          <a:p>
-            <a:pPr marL="457200" lvl="1" indent="0">
-              <a:buClrTx/>
-              <a:buNone/>
-            </a:pPr>
-            <a:r>
-              <a:rPr lang="en-US" b="1">
-                <a:solidFill>
-                  <a:schemeClr val="accent4">
-                    <a:lumMod val="90000"/>
-                    <a:lumOff val="10000"/>
-                  </a:schemeClr>
-                </a:solidFill>
-              </a:rPr>
-              <a:t>jlong		jstring	</a:t>
-            </a:r>
-            <a:r>
-              <a:rPr lang="en-US" b="1">
-                <a:solidFill>
-                  <a:schemeClr val="accent4">
-                    <a:lumMod val="90000"/>
-                    <a:lumOff val="10000"/>
-                  </a:schemeClr>
-                </a:solidFill>
-              </a:rPr>
-              <a:t>	</a:t>
-            </a:r>
-            <a:r>
-              <a:rPr lang="en-US" b="1" smtClean="0">
-                <a:solidFill>
-                  <a:schemeClr val="accent4">
-                    <a:lumMod val="90000"/>
-                    <a:lumOff val="10000"/>
-                  </a:schemeClr>
-                </a:solidFill>
-              </a:rPr>
-              <a:t>jfloat</a:t>
-            </a:r>
-            <a:endParaRPr lang="en-US" b="1">
-              <a:solidFill>
-                <a:schemeClr val="accent4">
-                  <a:lumMod val="90000"/>
-                  <a:lumOff val="10000"/>
-                </a:schemeClr>
-              </a:solidFill>
-            </a:endParaRPr>
-          </a:p>
-          <a:p>
             <a:pPr>
               <a:buClrTx/>
               <a:buFont typeface="Wingdings" pitchFamily="2" charset="2"/>
@@ -11623,7 +11481,7 @@
     </p:spTree>
     <p:extLst>
       <p:ext uri="{BB962C8B-B14F-4D97-AF65-F5344CB8AC3E}">
-        <p14:creationId xmlns:p14="http://schemas.microsoft.com/office/powerpoint/2010/main" val="2659123319"/>
+        <p14:creationId xmlns:p14="http://schemas.microsoft.com/office/powerpoint/2010/main" val="225202525"/>
       </p:ext>
     </p:extLst>
   </p:cSld>
@@ -11785,28 +11643,243 @@
           <a:bodyPr/>
           <a:lstStyle/>
           <a:p>
-            <a:pPr lvl="0">
+            <a:pPr marL="0" lvl="0" indent="457200">
+              <a:buClrTx/>
+              <a:buNone/>
+            </a:pPr>
+            <a:r>
+              <a:rPr lang="en-US" b="0">
+                <a:solidFill>
+                  <a:srgbClr val="000000"/>
+                </a:solidFill>
+              </a:rPr>
+              <a:t>Việc tryền và quản lí các biến trong JNI khá </a:t>
+            </a:r>
+            <a:r>
+              <a:rPr lang="en-US" b="0">
+                <a:solidFill>
+                  <a:srgbClr val="000000"/>
+                </a:solidFill>
+              </a:rPr>
+              <a:t>phức </a:t>
+            </a:r>
+            <a:r>
+              <a:rPr lang="en-US" b="0" smtClean="0">
+                <a:solidFill>
+                  <a:srgbClr val="000000"/>
+                </a:solidFill>
+              </a:rPr>
+              <a:t>tạp. </a:t>
+            </a:r>
+          </a:p>
+          <a:p>
+            <a:pPr marL="0" lvl="0" indent="457200">
+              <a:buClrTx/>
+              <a:buNone/>
+            </a:pPr>
+            <a:endParaRPr lang="en-US" b="0" smtClean="0">
+              <a:solidFill>
+                <a:srgbClr val="000000"/>
+              </a:solidFill>
+            </a:endParaRPr>
+          </a:p>
+          <a:p>
+            <a:pPr marL="0" lvl="0" indent="457200">
+              <a:buClrTx/>
+              <a:buNone/>
+            </a:pPr>
+            <a:r>
+              <a:rPr lang="en-US" b="0" smtClean="0">
+                <a:solidFill>
+                  <a:srgbClr val="000000"/>
+                </a:solidFill>
+              </a:rPr>
+              <a:t>Để </a:t>
+            </a:r>
+            <a:r>
+              <a:rPr lang="en-US" b="0">
+                <a:solidFill>
+                  <a:srgbClr val="000000"/>
+                </a:solidFill>
+              </a:rPr>
+              <a:t>biểu diễn kiểu dữ liệu chung JNI tạo ra một vài kiểu dữ liệu </a:t>
+            </a:r>
+            <a:r>
+              <a:rPr lang="en-US" b="0">
+                <a:solidFill>
+                  <a:srgbClr val="000000"/>
+                </a:solidFill>
+              </a:rPr>
+              <a:t>trung </a:t>
+            </a:r>
+            <a:r>
+              <a:rPr lang="en-US" b="0" smtClean="0">
+                <a:solidFill>
+                  <a:srgbClr val="000000"/>
+                </a:solidFill>
+              </a:rPr>
+              <a:t>gian </a:t>
+            </a:r>
+            <a:r>
+              <a:rPr lang="en-US" b="0">
+                <a:solidFill>
+                  <a:srgbClr val="000000"/>
+                </a:solidFill>
+              </a:rPr>
+              <a:t>như sau :</a:t>
+            </a:r>
+          </a:p>
+          <a:p>
+            <a:pPr marL="457200" lvl="1" indent="0">
+              <a:buClrTx/>
+              <a:buNone/>
+            </a:pPr>
+            <a:r>
+              <a:rPr lang="en-US" b="1">
+                <a:solidFill>
+                  <a:schemeClr val="accent4">
+                    <a:lumMod val="90000"/>
+                    <a:lumOff val="10000"/>
+                  </a:schemeClr>
+                </a:solidFill>
+              </a:rPr>
+              <a:t>jobject </a:t>
+            </a:r>
+            <a:r>
+              <a:rPr lang="en-US" b="1">
+                <a:solidFill>
+                  <a:schemeClr val="accent4">
+                    <a:lumMod val="90000"/>
+                    <a:lumOff val="10000"/>
+                  </a:schemeClr>
+                </a:solidFill>
+              </a:rPr>
+              <a:t>	</a:t>
+            </a:r>
+            <a:r>
+              <a:rPr lang="en-US" b="1" smtClean="0">
+                <a:solidFill>
+                  <a:schemeClr val="accent4">
+                    <a:lumMod val="90000"/>
+                    <a:lumOff val="10000"/>
+                  </a:schemeClr>
+                </a:solidFill>
+              </a:rPr>
+              <a:t>	jboolean</a:t>
+            </a:r>
+            <a:r>
+              <a:rPr lang="en-US" b="1">
+                <a:solidFill>
+                  <a:schemeClr val="accent4">
+                    <a:lumMod val="90000"/>
+                    <a:lumOff val="10000"/>
+                  </a:schemeClr>
+                </a:solidFill>
+              </a:rPr>
+              <a:t>		jbyte</a:t>
+            </a:r>
+          </a:p>
+          <a:p>
+            <a:pPr marL="457200" lvl="1" indent="0">
+              <a:buClrTx/>
+              <a:buNone/>
+            </a:pPr>
+            <a:r>
+              <a:rPr lang="en-US" b="1">
+                <a:solidFill>
+                  <a:schemeClr val="accent4">
+                    <a:lumMod val="90000"/>
+                    <a:lumOff val="10000"/>
+                  </a:schemeClr>
+                </a:solidFill>
+              </a:rPr>
+              <a:t>jchar		jshort	</a:t>
+            </a:r>
+            <a:r>
+              <a:rPr lang="en-US" b="1">
+                <a:solidFill>
+                  <a:schemeClr val="accent4">
+                    <a:lumMod val="90000"/>
+                    <a:lumOff val="10000"/>
+                  </a:schemeClr>
+                </a:solidFill>
+              </a:rPr>
+              <a:t>	</a:t>
+            </a:r>
+            <a:r>
+              <a:rPr lang="en-US" b="1" smtClean="0">
+                <a:solidFill>
+                  <a:schemeClr val="accent4">
+                    <a:lumMod val="90000"/>
+                    <a:lumOff val="10000"/>
+                  </a:schemeClr>
+                </a:solidFill>
+              </a:rPr>
+              <a:t>jint</a:t>
+            </a:r>
+            <a:endParaRPr lang="en-US" b="1">
+              <a:solidFill>
+                <a:schemeClr val="accent4">
+                  <a:lumMod val="90000"/>
+                  <a:lumOff val="10000"/>
+                </a:schemeClr>
+              </a:solidFill>
+            </a:endParaRPr>
+          </a:p>
+          <a:p>
+            <a:pPr marL="457200" lvl="1" indent="0">
+              <a:buClrTx/>
+              <a:buNone/>
+            </a:pPr>
+            <a:r>
+              <a:rPr lang="en-US" b="1">
+                <a:solidFill>
+                  <a:schemeClr val="accent4">
+                    <a:lumMod val="90000"/>
+                    <a:lumOff val="10000"/>
+                  </a:schemeClr>
+                </a:solidFill>
+              </a:rPr>
+              <a:t>jlong		jstring	</a:t>
+            </a:r>
+            <a:r>
+              <a:rPr lang="en-US" b="1">
+                <a:solidFill>
+                  <a:schemeClr val="accent4">
+                    <a:lumMod val="90000"/>
+                    <a:lumOff val="10000"/>
+                  </a:schemeClr>
+                </a:solidFill>
+              </a:rPr>
+              <a:t>	</a:t>
+            </a:r>
+            <a:r>
+              <a:rPr lang="en-US" b="1" smtClean="0">
+                <a:solidFill>
+                  <a:schemeClr val="accent4">
+                    <a:lumMod val="90000"/>
+                    <a:lumOff val="10000"/>
+                  </a:schemeClr>
+                </a:solidFill>
+              </a:rPr>
+              <a:t>jfloat</a:t>
+            </a:r>
+            <a:endParaRPr lang="en-US" b="1">
+              <a:solidFill>
+                <a:schemeClr val="accent4">
+                  <a:lumMod val="90000"/>
+                  <a:lumOff val="10000"/>
+                </a:schemeClr>
+              </a:solidFill>
+            </a:endParaRPr>
+          </a:p>
+          <a:p>
+            <a:pPr>
               <a:buClrTx/>
               <a:buFont typeface="Wingdings" pitchFamily="2" charset="2"/>
               <a:buChar char="q"/>
             </a:pPr>
-            <a:r>
-              <a:rPr lang="en-US" sz="2400">
-                <a:solidFill>
-                  <a:srgbClr val="000000"/>
-                </a:solidFill>
-              </a:rPr>
-              <a:t>Numeric </a:t>
-            </a:r>
-            <a:r>
-              <a:rPr lang="en-US" sz="2400" smtClean="0">
-                <a:solidFill>
-                  <a:srgbClr val="000000"/>
-                </a:solidFill>
-              </a:rPr>
-              <a:t>Parameters</a:t>
-            </a:r>
-            <a:endParaRPr lang="en-US" b="0">
+            <a:endParaRPr lang="en-US">
               <a:solidFill>
                 <a:srgbClr val="000000"/>
               </a:solidFill>
@@ -11861,6 +11934,252 @@
               <a:rPr lang="en-US" sz="2000" smtClean="0"/>
               <a:pPr/>
               <a:t>11</a:t>
+            </a:fld>
+            <a:endParaRPr lang="en-US" sz="2000"/>
+          </a:p>
+        </p:txBody>
+      </p:sp>
+    </p:spTree>
+    <p:extLst>
+      <p:ext uri="{BB962C8B-B14F-4D97-AF65-F5344CB8AC3E}">
+        <p14:creationId xmlns:p14="http://schemas.microsoft.com/office/powerpoint/2010/main" val="2659123319"/>
+      </p:ext>
+    </p:extLst>
+  </p:cSld>
+  <p:clrMapOvr>
+    <a:masterClrMapping/>
+  </p:clrMapOvr>
+  <p:timing>
+    <p:tnLst>
+      <p:par>
+        <p:cTn id="1" dur="indefinite" restart="never" nodeType="tmRoot"/>
+      </p:par>
+    </p:tnLst>
+  </p:timing>
+</p:sld>
+</file>
+
+<file path=ppt/slides/slide12.xml><?xml version="1.0" encoding="utf-8"?>
+<p:sld xmlns:a="http://schemas.openxmlformats.org/drawingml/2006/main" xmlns:r="http://schemas.openxmlformats.org/officeDocument/2006/relationships" xmlns:p="http://schemas.openxmlformats.org/presentationml/2006/main">
+  <p:cSld>
+    <p:spTree>
+      <p:nvGrpSpPr>
+        <p:cNvPr id="1" name=""/>
+        <p:cNvGrpSpPr/>
+        <p:nvPr/>
+      </p:nvGrpSpPr>
+      <p:grpSpPr>
+        <a:xfrm>
+          <a:off x="0" y="0"/>
+          <a:ext cx="0" cy="0"/>
+          <a:chOff x="0" y="0"/>
+          <a:chExt cx="0" cy="0"/>
+        </a:xfrm>
+      </p:grpSpPr>
+      <p:sp>
+        <p:nvSpPr>
+          <p:cNvPr id="8" name="Title 1"/>
+          <p:cNvSpPr>
+            <a:spLocks noGrp="1"/>
+          </p:cNvSpPr>
+          <p:nvPr>
+            <p:ph type="title"/>
+          </p:nvPr>
+        </p:nvSpPr>
+        <p:spPr>
+          <a:xfrm>
+            <a:off x="228600" y="579437"/>
+            <a:ext cx="8915400" cy="563563"/>
+          </a:xfrm>
+        </p:spPr>
+        <p:txBody>
+          <a:bodyPr>
+            <a:normAutofit fontScale="90000"/>
+          </a:bodyPr>
+          <a:lstStyle/>
+          <a:p>
+            <a:pPr algn="l"/>
+            <a:r>
+              <a:rPr lang="en-US" cap="all" smtClean="0">
+                <a:ln w="9000" cmpd="sng">
+                  <a:solidFill>
+                    <a:schemeClr val="accent4">
+                      <a:shade val="50000"/>
+                      <a:satMod val="120000"/>
+                    </a:schemeClr>
+                  </a:solidFill>
+                  <a:prstDash val="solid"/>
+                </a:ln>
+                <a:gradFill>
+                  <a:gsLst>
+                    <a:gs pos="0">
+                      <a:schemeClr val="accent4">
+                        <a:shade val="20000"/>
+                        <a:satMod val="245000"/>
+                      </a:schemeClr>
+                    </a:gs>
+                    <a:gs pos="43000">
+                      <a:schemeClr val="accent4">
+                        <a:satMod val="255000"/>
+                      </a:schemeClr>
+                    </a:gs>
+                    <a:gs pos="48000">
+                      <a:schemeClr val="accent4">
+                        <a:shade val="85000"/>
+                        <a:satMod val="255000"/>
+                      </a:schemeClr>
+                    </a:gs>
+                    <a:gs pos="100000">
+                      <a:schemeClr val="accent4">
+                        <a:shade val="20000"/>
+                        <a:satMod val="245000"/>
+                      </a:schemeClr>
+                    </a:gs>
+                  </a:gsLst>
+                  <a:lin ang="5400000"/>
+                </a:gradFill>
+                <a:effectLst>
+                  <a:reflection blurRad="12700" stA="28000" endPos="45000" dist="1000" dir="5400000" sy="-100000" algn="bl" rotWithShape="0"/>
+                </a:effectLst>
+              </a:rPr>
+              <a:t>2.2 kiểu dữ liệu cơ bản </a:t>
+            </a:r>
+            <a:endParaRPr lang="en-US" cap="all">
+              <a:ln w="9000" cmpd="sng">
+                <a:solidFill>
+                  <a:schemeClr val="accent4">
+                    <a:shade val="50000"/>
+                    <a:satMod val="120000"/>
+                  </a:schemeClr>
+                </a:solidFill>
+                <a:prstDash val="solid"/>
+              </a:ln>
+              <a:gradFill>
+                <a:gsLst>
+                  <a:gs pos="0">
+                    <a:schemeClr val="accent4">
+                      <a:shade val="20000"/>
+                      <a:satMod val="245000"/>
+                    </a:schemeClr>
+                  </a:gs>
+                  <a:gs pos="43000">
+                    <a:schemeClr val="accent4">
+                      <a:satMod val="255000"/>
+                    </a:schemeClr>
+                  </a:gs>
+                  <a:gs pos="48000">
+                    <a:schemeClr val="accent4">
+                      <a:shade val="85000"/>
+                      <a:satMod val="255000"/>
+                    </a:schemeClr>
+                  </a:gs>
+                  <a:gs pos="100000">
+                    <a:schemeClr val="accent4">
+                      <a:shade val="20000"/>
+                      <a:satMod val="245000"/>
+                    </a:schemeClr>
+                  </a:gs>
+                </a:gsLst>
+                <a:lin ang="5400000"/>
+              </a:gradFill>
+              <a:effectLst>
+                <a:reflection blurRad="12700" stA="28000" endPos="45000" dist="1000" dir="5400000" sy="-100000" algn="bl" rotWithShape="0"/>
+              </a:effectLst>
+            </a:endParaRPr>
+          </a:p>
+        </p:txBody>
+      </p:sp>
+      <p:sp>
+        <p:nvSpPr>
+          <p:cNvPr id="2" name="Content Placeholder 1"/>
+          <p:cNvSpPr>
+            <a:spLocks noGrp="1"/>
+          </p:cNvSpPr>
+          <p:nvPr>
+            <p:ph idx="1"/>
+          </p:nvPr>
+        </p:nvSpPr>
+        <p:spPr/>
+        <p:txBody>
+          <a:bodyPr/>
+          <a:lstStyle/>
+          <a:p>
+            <a:pPr lvl="0">
+              <a:buClrTx/>
+              <a:buFont typeface="Wingdings" pitchFamily="2" charset="2"/>
+              <a:buChar char="q"/>
+            </a:pPr>
+            <a:r>
+              <a:rPr lang="en-US" sz="2400">
+                <a:solidFill>
+                  <a:srgbClr val="000000"/>
+                </a:solidFill>
+              </a:rPr>
+              <a:t>Numeric </a:t>
+            </a:r>
+            <a:r>
+              <a:rPr lang="en-US" sz="2400" smtClean="0">
+                <a:solidFill>
+                  <a:srgbClr val="000000"/>
+                </a:solidFill>
+              </a:rPr>
+              <a:t>Parameters</a:t>
+            </a:r>
+            <a:endParaRPr lang="en-US" b="0">
+              <a:solidFill>
+                <a:srgbClr val="000000"/>
+              </a:solidFill>
+            </a:endParaRPr>
+          </a:p>
+        </p:txBody>
+      </p:sp>
+      <p:sp>
+        <p:nvSpPr>
+          <p:cNvPr id="4" name="Footer Placeholder 3"/>
+          <p:cNvSpPr>
+            <a:spLocks noGrp="1"/>
+          </p:cNvSpPr>
+          <p:nvPr>
+            <p:ph type="ftr" sz="quarter" idx="11"/>
+          </p:nvPr>
+        </p:nvSpPr>
+        <p:spPr/>
+        <p:txBody>
+          <a:bodyPr/>
+          <a:lstStyle/>
+          <a:p>
+            <a:r>
+              <a:rPr lang="en-US" smtClean="0"/>
+              <a:t>www.hcmus.edu.vn</a:t>
+            </a:r>
+            <a:endParaRPr lang="en-US"/>
+          </a:p>
+        </p:txBody>
+      </p:sp>
+      <p:sp>
+        <p:nvSpPr>
+          <p:cNvPr id="6" name="Slide Number Placeholder 11"/>
+          <p:cNvSpPr>
+            <a:spLocks noGrp="1"/>
+          </p:cNvSpPr>
+          <p:nvPr>
+            <p:ph type="sldNum" sz="quarter" idx="12"/>
+          </p:nvPr>
+        </p:nvSpPr>
+        <p:spPr>
+          <a:xfrm>
+            <a:off x="3429000" y="6477000"/>
+            <a:ext cx="2133600" cy="381000"/>
+          </a:xfrm>
+        </p:spPr>
+        <p:txBody>
+          <a:bodyPr/>
+          <a:lstStyle/>
+          <a:p>
+            <a:fld id="{B6F15528-21DE-4FAA-801E-634DDDAF4B2B}" type="slidenum">
+              <a:rPr lang="en-US" sz="2000" smtClean="0"/>
+              <a:pPr/>
+              <a:t>12</a:t>
             </a:fld>
             <a:endParaRPr lang="en-US" sz="2000"/>
           </a:p>
@@ -12807,7 +13126,7 @@
 </p:sld>
 </file>
 
-<file path=ppt/slides/slide12.xml><?xml version="1.0" encoding="utf-8"?>
+<file path=ppt/slides/slide13.xml><?xml version="1.0" encoding="utf-8"?>
 <p:sld xmlns:a="http://schemas.openxmlformats.org/drawingml/2006/main" xmlns:r="http://schemas.openxmlformats.org/officeDocument/2006/relationships" xmlns:p="http://schemas.openxmlformats.org/presentationml/2006/main">
   <p:cSld>
     <p:spTree>
@@ -13162,7 +13481,7 @@
             <a:fld id="{B6F15528-21DE-4FAA-801E-634DDDAF4B2B}" type="slidenum">
               <a:rPr lang="en-US" sz="2000" smtClean="0"/>
               <a:pPr/>
-              <a:t>12</a:t>
+              <a:t>13</a:t>
             </a:fld>
             <a:endParaRPr lang="en-US" sz="2000"/>
           </a:p>
@@ -13695,7 +14014,7 @@
 </p:sld>
 </file>
 
-<file path=ppt/slides/slide13.xml><?xml version="1.0" encoding="utf-8"?>
+<file path=ppt/slides/slide14.xml><?xml version="1.0" encoding="utf-8"?>
 <p:sld xmlns:a="http://schemas.openxmlformats.org/drawingml/2006/main" xmlns:r="http://schemas.openxmlformats.org/officeDocument/2006/relationships" xmlns:p="http://schemas.openxmlformats.org/presentationml/2006/main">
   <p:cSld>
     <p:spTree>
@@ -14012,7 +14331,7 @@
             <a:fld id="{B6F15528-21DE-4FAA-801E-634DDDAF4B2B}" type="slidenum">
               <a:rPr lang="en-US" sz="2000" smtClean="0"/>
               <a:pPr/>
-              <a:t>13</a:t>
+              <a:t>14</a:t>
             </a:fld>
             <a:endParaRPr lang="en-US" sz="2000"/>
           </a:p>
@@ -14497,7 +14816,7 @@
 </p:sld>
 </file>
 
-<file path=ppt/slides/slide14.xml><?xml version="1.0" encoding="utf-8"?>
+<file path=ppt/slides/slide15.xml><?xml version="1.0" encoding="utf-8"?>
 <p:sld xmlns:a="http://schemas.openxmlformats.org/drawingml/2006/main" xmlns:r="http://schemas.openxmlformats.org/officeDocument/2006/relationships" xmlns:p="http://schemas.openxmlformats.org/presentationml/2006/main">
   <p:cSld>
     <p:spTree>
@@ -14912,7 +15231,7 @@
             <a:fld id="{B6F15528-21DE-4FAA-801E-634DDDAF4B2B}" type="slidenum">
               <a:rPr lang="en-US" sz="2000" smtClean="0"/>
               <a:pPr/>
-              <a:t>14</a:t>
+              <a:t>15</a:t>
             </a:fld>
             <a:endParaRPr lang="en-US" sz="2000"/>
           </a:p>
@@ -14938,7 +15257,7 @@
 </p:sld>
 </file>
 
-<file path=ppt/slides/slide15.xml><?xml version="1.0" encoding="utf-8"?>
+<file path=ppt/slides/slide16.xml><?xml version="1.0" encoding="utf-8"?>
 <p:sld xmlns:a="http://schemas.openxmlformats.org/drawingml/2006/main" xmlns:r="http://schemas.openxmlformats.org/officeDocument/2006/relationships" xmlns:p="http://schemas.openxmlformats.org/presentationml/2006/main">
   <p:cSld>
     <p:spTree>
@@ -15114,7 +15433,7 @@
             <a:fld id="{B6F15528-21DE-4FAA-801E-634DDDAF4B2B}" type="slidenum">
               <a:rPr lang="en-US" sz="2000" smtClean="0"/>
               <a:pPr/>
-              <a:t>15</a:t>
+              <a:t>16</a:t>
             </a:fld>
             <a:endParaRPr lang="en-US" sz="2000"/>
           </a:p>
@@ -15924,7 +16243,7 @@
 </p:sld>
 </file>
 
-<file path=ppt/slides/slide16.xml><?xml version="1.0" encoding="utf-8"?>
+<file path=ppt/slides/slide17.xml><?xml version="1.0" encoding="utf-8"?>
 <p:sld xmlns:a="http://schemas.openxmlformats.org/drawingml/2006/main" xmlns:r="http://schemas.openxmlformats.org/officeDocument/2006/relationships" xmlns:p="http://schemas.openxmlformats.org/presentationml/2006/main">
   <p:cSld>
     <p:spTree>
@@ -16323,7 +16642,7 @@
             <a:fld id="{B6F15528-21DE-4FAA-801E-634DDDAF4B2B}" type="slidenum">
               <a:rPr lang="en-US" sz="2000" smtClean="0"/>
               <a:pPr/>
-              <a:t>16</a:t>
+              <a:t>17</a:t>
             </a:fld>
             <a:endParaRPr lang="en-US" sz="2000"/>
           </a:p>
@@ -16333,410 +16652,6 @@
     <p:extLst>
       <p:ext uri="{BB962C8B-B14F-4D97-AF65-F5344CB8AC3E}">
         <p14:creationId xmlns:p14="http://schemas.microsoft.com/office/powerpoint/2010/main" val="734397516"/>
-      </p:ext>
-    </p:extLst>
-  </p:cSld>
-  <p:clrMapOvr>
-    <a:masterClrMapping/>
-  </p:clrMapOvr>
-  <p:timing>
-    <p:tnLst>
-      <p:par>
-        <p:cTn id="1" dur="indefinite" restart="never" nodeType="tmRoot"/>
-      </p:par>
-    </p:tnLst>
-  </p:timing>
-</p:sld>
-</file>
-
-<file path=ppt/slides/slide17.xml><?xml version="1.0" encoding="utf-8"?>
-<p:sld xmlns:a="http://schemas.openxmlformats.org/drawingml/2006/main" xmlns:r="http://schemas.openxmlformats.org/officeDocument/2006/relationships" xmlns:p="http://schemas.openxmlformats.org/presentationml/2006/main">
-  <p:cSld>
-    <p:spTree>
-      <p:nvGrpSpPr>
-        <p:cNvPr id="1" name=""/>
-        <p:cNvGrpSpPr/>
-        <p:nvPr/>
-      </p:nvGrpSpPr>
-      <p:grpSpPr>
-        <a:xfrm>
-          <a:off x="0" y="0"/>
-          <a:ext cx="0" cy="0"/>
-          <a:chOff x="0" y="0"/>
-          <a:chExt cx="0" cy="0"/>
-        </a:xfrm>
-      </p:grpSpPr>
-      <p:sp>
-        <p:nvSpPr>
-          <p:cNvPr id="8" name="Title 1"/>
-          <p:cNvSpPr>
-            <a:spLocks noGrp="1"/>
-          </p:cNvSpPr>
-          <p:nvPr>
-            <p:ph type="title"/>
-          </p:nvPr>
-        </p:nvSpPr>
-        <p:spPr>
-          <a:xfrm>
-            <a:off x="228600" y="579437"/>
-            <a:ext cx="9448800" cy="563563"/>
-          </a:xfrm>
-        </p:spPr>
-        <p:txBody>
-          <a:bodyPr>
-            <a:noAutofit/>
-          </a:bodyPr>
-          <a:lstStyle/>
-          <a:p>
-            <a:pPr algn="l"/>
-            <a:r>
-              <a:rPr lang="en-US" sz="2850" cap="all" smtClean="0">
-                <a:ln w="9000" cmpd="sng">
-                  <a:solidFill>
-                    <a:schemeClr val="accent4">
-                      <a:shade val="50000"/>
-                      <a:satMod val="120000"/>
-                    </a:schemeClr>
-                  </a:solidFill>
-                  <a:prstDash val="solid"/>
-                </a:ln>
-                <a:gradFill>
-                  <a:gsLst>
-                    <a:gs pos="0">
-                      <a:schemeClr val="accent4">
-                        <a:shade val="20000"/>
-                        <a:satMod val="245000"/>
-                      </a:schemeClr>
-                    </a:gs>
-                    <a:gs pos="43000">
-                      <a:schemeClr val="accent4">
-                        <a:satMod val="255000"/>
-                      </a:schemeClr>
-                    </a:gs>
-                    <a:gs pos="48000">
-                      <a:schemeClr val="accent4">
-                        <a:shade val="85000"/>
-                        <a:satMod val="255000"/>
-                      </a:schemeClr>
-                    </a:gs>
-                    <a:gs pos="100000">
-                      <a:schemeClr val="accent4">
-                        <a:shade val="20000"/>
-                        <a:satMod val="245000"/>
-                      </a:schemeClr>
-                    </a:gs>
-                  </a:gsLst>
-                  <a:lin ang="5400000"/>
-                </a:gradFill>
-                <a:effectLst>
-                  <a:reflection blurRad="12700" stA="28000" endPos="45000" dist="1000" dir="5400000" sy="-100000" algn="bl" rotWithShape="0"/>
-                </a:effectLst>
-              </a:rPr>
-              <a:t>2.3.2 </a:t>
-            </a:r>
-            <a:r>
-              <a:rPr lang="en-US" sz="2850" cap="all" smtClean="0">
-                <a:ln w="9000" cmpd="sng">
-                  <a:solidFill>
-                    <a:schemeClr val="accent4">
-                      <a:shade val="50000"/>
-                      <a:satMod val="120000"/>
-                    </a:schemeClr>
-                  </a:solidFill>
-                  <a:prstDash val="solid"/>
-                </a:ln>
-                <a:gradFill>
-                  <a:gsLst>
-                    <a:gs pos="0">
-                      <a:schemeClr val="accent4">
-                        <a:shade val="20000"/>
-                        <a:satMod val="245000"/>
-                      </a:schemeClr>
-                    </a:gs>
-                    <a:gs pos="43000">
-                      <a:schemeClr val="accent4">
-                        <a:satMod val="255000"/>
-                      </a:schemeClr>
-                    </a:gs>
-                    <a:gs pos="48000">
-                      <a:schemeClr val="accent4">
-                        <a:shade val="85000"/>
-                        <a:satMod val="255000"/>
-                      </a:schemeClr>
-                    </a:gs>
-                    <a:gs pos="100000">
-                      <a:schemeClr val="accent4">
-                        <a:shade val="20000"/>
-                        <a:satMod val="245000"/>
-                      </a:schemeClr>
-                    </a:gs>
-                  </a:gsLst>
-                  <a:lin ang="5400000"/>
-                </a:gradFill>
-                <a:effectLst>
-                  <a:reflection blurRad="12700" stA="28000" endPos="45000" dist="1000" dir="5400000" sy="-100000" algn="bl" rotWithShape="0"/>
-                </a:effectLst>
-              </a:rPr>
-              <a:t>truy xuất method</a:t>
-            </a:r>
-            <a:endParaRPr lang="en-US" sz="2850" cap="all">
-              <a:ln w="9000" cmpd="sng">
-                <a:solidFill>
-                  <a:schemeClr val="accent4">
-                    <a:shade val="50000"/>
-                    <a:satMod val="120000"/>
-                  </a:schemeClr>
-                </a:solidFill>
-                <a:prstDash val="solid"/>
-              </a:ln>
-              <a:gradFill>
-                <a:gsLst>
-                  <a:gs pos="0">
-                    <a:schemeClr val="accent4">
-                      <a:shade val="20000"/>
-                      <a:satMod val="245000"/>
-                    </a:schemeClr>
-                  </a:gs>
-                  <a:gs pos="43000">
-                    <a:schemeClr val="accent4">
-                      <a:satMod val="255000"/>
-                    </a:schemeClr>
-                  </a:gs>
-                  <a:gs pos="48000">
-                    <a:schemeClr val="accent4">
-                      <a:shade val="85000"/>
-                      <a:satMod val="255000"/>
-                    </a:schemeClr>
-                  </a:gs>
-                  <a:gs pos="100000">
-                    <a:schemeClr val="accent4">
-                      <a:shade val="20000"/>
-                      <a:satMod val="245000"/>
-                    </a:schemeClr>
-                  </a:gs>
-                </a:gsLst>
-                <a:lin ang="5400000"/>
-              </a:gradFill>
-              <a:effectLst>
-                <a:reflection blurRad="12700" stA="28000" endPos="45000" dist="1000" dir="5400000" sy="-100000" algn="bl" rotWithShape="0"/>
-              </a:effectLst>
-            </a:endParaRPr>
-          </a:p>
-        </p:txBody>
-      </p:sp>
-      <p:sp>
-        <p:nvSpPr>
-          <p:cNvPr id="2" name="Content Placeholder 1"/>
-          <p:cNvSpPr>
-            <a:spLocks noGrp="1"/>
-          </p:cNvSpPr>
-          <p:nvPr>
-            <p:ph idx="1"/>
-          </p:nvPr>
-        </p:nvSpPr>
-        <p:spPr>
-          <a:xfrm>
-            <a:off x="457200" y="1447800"/>
-            <a:ext cx="8534400" cy="4800600"/>
-          </a:xfrm>
-        </p:spPr>
-        <p:txBody>
-          <a:bodyPr/>
-          <a:lstStyle/>
-          <a:p>
-            <a:pPr>
-              <a:buClrTx/>
-              <a:buFont typeface="Wingdings" pitchFamily="2" charset="2"/>
-              <a:buChar char="q"/>
-            </a:pPr>
-            <a:r>
-              <a:rPr lang="en-US" sz="2600" b="0" smtClean="0">
-                <a:solidFill>
-                  <a:srgbClr val="000000"/>
-                </a:solidFill>
-              </a:rPr>
-              <a:t>Đầu tiên ta cần có MethodId của method cần gọi bằng cách gọi hàm: </a:t>
-            </a:r>
-          </a:p>
-          <a:p>
-            <a:pPr marL="0" indent="0">
-              <a:buClrTx/>
-              <a:buNone/>
-            </a:pPr>
-            <a:r>
-              <a:rPr lang="en-US" sz="2400" smtClean="0">
-                <a:solidFill>
-                  <a:schemeClr val="accent4">
-                    <a:lumMod val="90000"/>
-                    <a:lumOff val="10000"/>
-                  </a:schemeClr>
-                </a:solidFill>
-              </a:rPr>
-              <a:t>    jmethodID GetMethodID(JNIEnv *env, jclass clazz, const char *name, const char *sig);</a:t>
-            </a:r>
-          </a:p>
-          <a:p>
-            <a:pPr algn="just">
-              <a:buClrTx/>
-              <a:buFont typeface="Wingdings" pitchFamily="2" charset="2"/>
-              <a:buChar char="q"/>
-            </a:pPr>
-            <a:endParaRPr lang="en-US" sz="2600" b="0" smtClean="0">
-              <a:solidFill>
-                <a:srgbClr val="000000"/>
-              </a:solidFill>
-            </a:endParaRPr>
-          </a:p>
-          <a:p>
-            <a:pPr>
-              <a:buClrTx/>
-              <a:buFont typeface="Wingdings" pitchFamily="2" charset="2"/>
-              <a:buChar char="q"/>
-            </a:pPr>
-            <a:r>
-              <a:rPr lang="en-US" sz="2600" b="0" smtClean="0">
-                <a:solidFill>
-                  <a:srgbClr val="000000"/>
-                </a:solidFill>
-              </a:rPr>
-              <a:t>Gọi method bằng hàm sau:</a:t>
-            </a:r>
-          </a:p>
-          <a:p>
-            <a:pPr marL="0" indent="0">
-              <a:buClrTx/>
-              <a:buNone/>
-            </a:pPr>
-            <a:r>
-              <a:rPr lang="en-US" sz="2400" b="0" smtClean="0">
-                <a:solidFill>
-                  <a:srgbClr val="000000"/>
-                </a:solidFill>
-              </a:rPr>
-              <a:t>   </a:t>
-            </a:r>
-            <a:r>
-              <a:rPr lang="en-US" sz="2400" smtClean="0">
-                <a:solidFill>
-                  <a:schemeClr val="accent4">
-                    <a:lumMod val="90000"/>
-                    <a:lumOff val="10000"/>
-                  </a:schemeClr>
-                </a:solidFill>
-              </a:rPr>
-              <a:t>Prototype &lt;NativeType</a:t>
-            </a:r>
-            <a:r>
-              <a:rPr lang="en-US" sz="2400" smtClean="0">
-                <a:solidFill>
-                  <a:schemeClr val="accent4">
-                    <a:lumMod val="90000"/>
-                    <a:lumOff val="10000"/>
-                  </a:schemeClr>
-                </a:solidFill>
-              </a:rPr>
-              <a:t>&gt; Call&lt;Type</a:t>
-            </a:r>
-            <a:r>
-              <a:rPr lang="en-US" sz="2400" smtClean="0">
-                <a:solidFill>
-                  <a:schemeClr val="accent4">
-                    <a:lumMod val="90000"/>
-                    <a:lumOff val="10000"/>
-                  </a:schemeClr>
-                </a:solidFill>
-              </a:rPr>
-              <a:t>&gt; Method(JNIEnv </a:t>
-            </a:r>
-            <a:r>
-              <a:rPr lang="en-US" sz="2400" smtClean="0">
-                <a:solidFill>
-                  <a:schemeClr val="accent4">
-                    <a:lumMod val="90000"/>
-                    <a:lumOff val="10000"/>
-                  </a:schemeClr>
-                </a:solidFill>
-              </a:rPr>
-              <a:t>*env, jobject obj, jmethodID methodID, </a:t>
-            </a:r>
-            <a:r>
-              <a:rPr lang="en-US" sz="2400" smtClean="0">
-                <a:solidFill>
-                  <a:schemeClr val="accent4">
-                    <a:lumMod val="90000"/>
-                    <a:lumOff val="10000"/>
-                  </a:schemeClr>
-                </a:solidFill>
-              </a:rPr>
-              <a:t>...);</a:t>
-            </a:r>
-            <a:endParaRPr lang="en-US" sz="2400" smtClean="0">
-              <a:solidFill>
-                <a:schemeClr val="accent4">
-                  <a:lumMod val="90000"/>
-                  <a:lumOff val="10000"/>
-                </a:schemeClr>
-              </a:solidFill>
-            </a:endParaRPr>
-          </a:p>
-        </p:txBody>
-      </p:sp>
-      <p:sp>
-        <p:nvSpPr>
-          <p:cNvPr id="4" name="Footer Placeholder 3"/>
-          <p:cNvSpPr>
-            <a:spLocks noGrp="1"/>
-          </p:cNvSpPr>
-          <p:nvPr>
-            <p:ph type="ftr" sz="quarter" idx="11"/>
-          </p:nvPr>
-        </p:nvSpPr>
-        <p:spPr/>
-        <p:txBody>
-          <a:bodyPr/>
-          <a:lstStyle/>
-          <a:p>
-            <a:r>
-              <a:rPr lang="en-US" smtClean="0"/>
-              <a:t>www.hcmus.edu.vn</a:t>
-            </a:r>
-            <a:endParaRPr lang="en-US"/>
-          </a:p>
-        </p:txBody>
-      </p:sp>
-      <p:sp>
-        <p:nvSpPr>
-          <p:cNvPr id="6" name="Slide Number Placeholder 11"/>
-          <p:cNvSpPr>
-            <a:spLocks noGrp="1"/>
-          </p:cNvSpPr>
-          <p:nvPr>
-            <p:ph type="sldNum" sz="quarter" idx="12"/>
-          </p:nvPr>
-        </p:nvSpPr>
-        <p:spPr>
-          <a:xfrm>
-            <a:off x="3429000" y="6477000"/>
-            <a:ext cx="2133600" cy="381000"/>
-          </a:xfrm>
-        </p:spPr>
-        <p:txBody>
-          <a:bodyPr/>
-          <a:lstStyle/>
-          <a:p>
-            <a:fld id="{B6F15528-21DE-4FAA-801E-634DDDAF4B2B}" type="slidenum">
-              <a:rPr lang="en-US" sz="2000" smtClean="0"/>
-              <a:pPr/>
-              <a:t>17</a:t>
-            </a:fld>
-            <a:endParaRPr lang="en-US" sz="2000"/>
-          </a:p>
-        </p:txBody>
-      </p:sp>
-    </p:spTree>
-    <p:extLst>
-      <p:ext uri="{BB962C8B-B14F-4D97-AF65-F5344CB8AC3E}">
-        <p14:creationId xmlns:p14="http://schemas.microsoft.com/office/powerpoint/2010/main" val="1315225573"/>
       </p:ext>
     </p:extLst>
   </p:cSld>
@@ -16930,6 +16845,163 @@
       </p:sp>
       <p:sp>
         <p:nvSpPr>
+          <p:cNvPr id="2" name="Content Placeholder 1"/>
+          <p:cNvSpPr>
+            <a:spLocks noGrp="1"/>
+          </p:cNvSpPr>
+          <p:nvPr>
+            <p:ph idx="1"/>
+          </p:nvPr>
+        </p:nvSpPr>
+        <p:spPr>
+          <a:xfrm>
+            <a:off x="457200" y="1447800"/>
+            <a:ext cx="8534400" cy="4800600"/>
+          </a:xfrm>
+        </p:spPr>
+        <p:txBody>
+          <a:bodyPr/>
+          <a:lstStyle/>
+          <a:p>
+            <a:pPr>
+              <a:buClrTx/>
+              <a:buFont typeface="Wingdings" pitchFamily="2" charset="2"/>
+              <a:buChar char="q"/>
+            </a:pPr>
+            <a:r>
+              <a:rPr lang="en-US" sz="2600" b="0" smtClean="0">
+                <a:solidFill>
+                  <a:srgbClr val="000000"/>
+                </a:solidFill>
+              </a:rPr>
+              <a:t>Đầu tiên ta cần có MethodId của method cần gọi bằng cách gọi hàm: </a:t>
+            </a:r>
+          </a:p>
+          <a:p>
+            <a:pPr marL="0" indent="0">
+              <a:buClrTx/>
+              <a:buNone/>
+            </a:pPr>
+            <a:r>
+              <a:rPr lang="en-US" sz="2400" smtClean="0">
+                <a:solidFill>
+                  <a:schemeClr val="accent4">
+                    <a:lumMod val="90000"/>
+                    <a:lumOff val="10000"/>
+                  </a:schemeClr>
+                </a:solidFill>
+              </a:rPr>
+              <a:t>    jmethodID GetMethodID(JNIEnv *env, jclass clazz, const char *name, const char *sig);</a:t>
+            </a:r>
+          </a:p>
+          <a:p>
+            <a:pPr algn="just">
+              <a:buClrTx/>
+              <a:buFont typeface="Wingdings" pitchFamily="2" charset="2"/>
+              <a:buChar char="q"/>
+            </a:pPr>
+            <a:endParaRPr lang="en-US" sz="2600" b="0" smtClean="0">
+              <a:solidFill>
+                <a:srgbClr val="000000"/>
+              </a:solidFill>
+            </a:endParaRPr>
+          </a:p>
+          <a:p>
+            <a:pPr>
+              <a:buClrTx/>
+              <a:buFont typeface="Wingdings" pitchFamily="2" charset="2"/>
+              <a:buChar char="q"/>
+            </a:pPr>
+            <a:r>
+              <a:rPr lang="en-US" sz="2600" b="0" smtClean="0">
+                <a:solidFill>
+                  <a:srgbClr val="000000"/>
+                </a:solidFill>
+              </a:rPr>
+              <a:t>Gọi method bằng hàm sau:</a:t>
+            </a:r>
+          </a:p>
+          <a:p>
+            <a:pPr marL="0" indent="0">
+              <a:buClrTx/>
+              <a:buNone/>
+            </a:pPr>
+            <a:r>
+              <a:rPr lang="en-US" sz="2400" b="0" smtClean="0">
+                <a:solidFill>
+                  <a:srgbClr val="000000"/>
+                </a:solidFill>
+              </a:rPr>
+              <a:t>   </a:t>
+            </a:r>
+            <a:r>
+              <a:rPr lang="en-US" sz="2400" smtClean="0">
+                <a:solidFill>
+                  <a:schemeClr val="accent4">
+                    <a:lumMod val="90000"/>
+                    <a:lumOff val="10000"/>
+                  </a:schemeClr>
+                </a:solidFill>
+              </a:rPr>
+              <a:t>Prototype &lt;NativeType</a:t>
+            </a:r>
+            <a:r>
+              <a:rPr lang="en-US" sz="2400" smtClean="0">
+                <a:solidFill>
+                  <a:schemeClr val="accent4">
+                    <a:lumMod val="90000"/>
+                    <a:lumOff val="10000"/>
+                  </a:schemeClr>
+                </a:solidFill>
+              </a:rPr>
+              <a:t>&gt; Call&lt;Type</a:t>
+            </a:r>
+            <a:r>
+              <a:rPr lang="en-US" sz="2400" smtClean="0">
+                <a:solidFill>
+                  <a:schemeClr val="accent4">
+                    <a:lumMod val="90000"/>
+                    <a:lumOff val="10000"/>
+                  </a:schemeClr>
+                </a:solidFill>
+              </a:rPr>
+              <a:t>&gt; Method(JNIEnv </a:t>
+            </a:r>
+            <a:r>
+              <a:rPr lang="en-US" sz="2400" smtClean="0">
+                <a:solidFill>
+                  <a:schemeClr val="accent4">
+                    <a:lumMod val="90000"/>
+                    <a:lumOff val="10000"/>
+                  </a:schemeClr>
+                </a:solidFill>
+              </a:rPr>
+              <a:t>*env, jobject obj, jmethodID methodID, </a:t>
+            </a:r>
+            <a:r>
+              <a:rPr lang="en-US" sz="2400" smtClean="0">
+                <a:solidFill>
+                  <a:schemeClr val="accent4">
+                    <a:lumMod val="90000"/>
+                    <a:lumOff val="10000"/>
+                  </a:schemeClr>
+                </a:solidFill>
+              </a:rPr>
+              <a:t>...);</a:t>
+            </a:r>
+            <a:endParaRPr lang="en-US" sz="2400" smtClean="0">
+              <a:solidFill>
+                <a:schemeClr val="accent4">
+                  <a:lumMod val="90000"/>
+                  <a:lumOff val="10000"/>
+                </a:schemeClr>
+              </a:solidFill>
+            </a:endParaRPr>
+          </a:p>
+        </p:txBody>
+      </p:sp>
+      <p:sp>
+        <p:nvSpPr>
           <p:cNvPr id="4" name="Footer Placeholder 3"/>
           <p:cNvSpPr>
             <a:spLocks noGrp="1"/>
@@ -16975,6 +17047,253 @@
               <a:rPr lang="en-US" sz="2000" smtClean="0"/>
               <a:pPr/>
               <a:t>18</a:t>
+            </a:fld>
+            <a:endParaRPr lang="en-US" sz="2000"/>
+          </a:p>
+        </p:txBody>
+      </p:sp>
+    </p:spTree>
+    <p:extLst>
+      <p:ext uri="{BB962C8B-B14F-4D97-AF65-F5344CB8AC3E}">
+        <p14:creationId xmlns:p14="http://schemas.microsoft.com/office/powerpoint/2010/main" val="1315225573"/>
+      </p:ext>
+    </p:extLst>
+  </p:cSld>
+  <p:clrMapOvr>
+    <a:masterClrMapping/>
+  </p:clrMapOvr>
+  <p:timing>
+    <p:tnLst>
+      <p:par>
+        <p:cTn id="1" dur="indefinite" restart="never" nodeType="tmRoot"/>
+      </p:par>
+    </p:tnLst>
+  </p:timing>
+</p:sld>
+</file>
+
+<file path=ppt/slides/slide19.xml><?xml version="1.0" encoding="utf-8"?>
+<p:sld xmlns:a="http://schemas.openxmlformats.org/drawingml/2006/main" xmlns:r="http://schemas.openxmlformats.org/officeDocument/2006/relationships" xmlns:p="http://schemas.openxmlformats.org/presentationml/2006/main">
+  <p:cSld>
+    <p:spTree>
+      <p:nvGrpSpPr>
+        <p:cNvPr id="1" name=""/>
+        <p:cNvGrpSpPr/>
+        <p:nvPr/>
+      </p:nvGrpSpPr>
+      <p:grpSpPr>
+        <a:xfrm>
+          <a:off x="0" y="0"/>
+          <a:ext cx="0" cy="0"/>
+          <a:chOff x="0" y="0"/>
+          <a:chExt cx="0" cy="0"/>
+        </a:xfrm>
+      </p:grpSpPr>
+      <p:sp>
+        <p:nvSpPr>
+          <p:cNvPr id="8" name="Title 1"/>
+          <p:cNvSpPr>
+            <a:spLocks noGrp="1"/>
+          </p:cNvSpPr>
+          <p:nvPr>
+            <p:ph type="title"/>
+          </p:nvPr>
+        </p:nvSpPr>
+        <p:spPr>
+          <a:xfrm>
+            <a:off x="228600" y="579437"/>
+            <a:ext cx="9448800" cy="563563"/>
+          </a:xfrm>
+        </p:spPr>
+        <p:txBody>
+          <a:bodyPr>
+            <a:noAutofit/>
+          </a:bodyPr>
+          <a:lstStyle/>
+          <a:p>
+            <a:pPr algn="l"/>
+            <a:r>
+              <a:rPr lang="en-US" sz="2850" cap="all" smtClean="0">
+                <a:ln w="9000" cmpd="sng">
+                  <a:solidFill>
+                    <a:schemeClr val="accent4">
+                      <a:shade val="50000"/>
+                      <a:satMod val="120000"/>
+                    </a:schemeClr>
+                  </a:solidFill>
+                  <a:prstDash val="solid"/>
+                </a:ln>
+                <a:gradFill>
+                  <a:gsLst>
+                    <a:gs pos="0">
+                      <a:schemeClr val="accent4">
+                        <a:shade val="20000"/>
+                        <a:satMod val="245000"/>
+                      </a:schemeClr>
+                    </a:gs>
+                    <a:gs pos="43000">
+                      <a:schemeClr val="accent4">
+                        <a:satMod val="255000"/>
+                      </a:schemeClr>
+                    </a:gs>
+                    <a:gs pos="48000">
+                      <a:schemeClr val="accent4">
+                        <a:shade val="85000"/>
+                        <a:satMod val="255000"/>
+                      </a:schemeClr>
+                    </a:gs>
+                    <a:gs pos="100000">
+                      <a:schemeClr val="accent4">
+                        <a:shade val="20000"/>
+                        <a:satMod val="245000"/>
+                      </a:schemeClr>
+                    </a:gs>
+                  </a:gsLst>
+                  <a:lin ang="5400000"/>
+                </a:gradFill>
+                <a:effectLst>
+                  <a:reflection blurRad="12700" stA="28000" endPos="45000" dist="1000" dir="5400000" sy="-100000" algn="bl" rotWithShape="0"/>
+                </a:effectLst>
+              </a:rPr>
+              <a:t>2.3.2 </a:t>
+            </a:r>
+            <a:r>
+              <a:rPr lang="en-US" sz="2850" cap="all" smtClean="0">
+                <a:ln w="9000" cmpd="sng">
+                  <a:solidFill>
+                    <a:schemeClr val="accent4">
+                      <a:shade val="50000"/>
+                      <a:satMod val="120000"/>
+                    </a:schemeClr>
+                  </a:solidFill>
+                  <a:prstDash val="solid"/>
+                </a:ln>
+                <a:gradFill>
+                  <a:gsLst>
+                    <a:gs pos="0">
+                      <a:schemeClr val="accent4">
+                        <a:shade val="20000"/>
+                        <a:satMod val="245000"/>
+                      </a:schemeClr>
+                    </a:gs>
+                    <a:gs pos="43000">
+                      <a:schemeClr val="accent4">
+                        <a:satMod val="255000"/>
+                      </a:schemeClr>
+                    </a:gs>
+                    <a:gs pos="48000">
+                      <a:schemeClr val="accent4">
+                        <a:shade val="85000"/>
+                        <a:satMod val="255000"/>
+                      </a:schemeClr>
+                    </a:gs>
+                    <a:gs pos="100000">
+                      <a:schemeClr val="accent4">
+                        <a:shade val="20000"/>
+                        <a:satMod val="245000"/>
+                      </a:schemeClr>
+                    </a:gs>
+                  </a:gsLst>
+                  <a:lin ang="5400000"/>
+                </a:gradFill>
+                <a:effectLst>
+                  <a:reflection blurRad="12700" stA="28000" endPos="45000" dist="1000" dir="5400000" sy="-100000" algn="bl" rotWithShape="0"/>
+                </a:effectLst>
+              </a:rPr>
+              <a:t>truy xuất method</a:t>
+            </a:r>
+            <a:endParaRPr lang="en-US" sz="2850" cap="all">
+              <a:ln w="9000" cmpd="sng">
+                <a:solidFill>
+                  <a:schemeClr val="accent4">
+                    <a:shade val="50000"/>
+                    <a:satMod val="120000"/>
+                  </a:schemeClr>
+                </a:solidFill>
+                <a:prstDash val="solid"/>
+              </a:ln>
+              <a:gradFill>
+                <a:gsLst>
+                  <a:gs pos="0">
+                    <a:schemeClr val="accent4">
+                      <a:shade val="20000"/>
+                      <a:satMod val="245000"/>
+                    </a:schemeClr>
+                  </a:gs>
+                  <a:gs pos="43000">
+                    <a:schemeClr val="accent4">
+                      <a:satMod val="255000"/>
+                    </a:schemeClr>
+                  </a:gs>
+                  <a:gs pos="48000">
+                    <a:schemeClr val="accent4">
+                      <a:shade val="85000"/>
+                      <a:satMod val="255000"/>
+                    </a:schemeClr>
+                  </a:gs>
+                  <a:gs pos="100000">
+                    <a:schemeClr val="accent4">
+                      <a:shade val="20000"/>
+                      <a:satMod val="245000"/>
+                    </a:schemeClr>
+                  </a:gs>
+                </a:gsLst>
+                <a:lin ang="5400000"/>
+              </a:gradFill>
+              <a:effectLst>
+                <a:reflection blurRad="12700" stA="28000" endPos="45000" dist="1000" dir="5400000" sy="-100000" algn="bl" rotWithShape="0"/>
+              </a:effectLst>
+            </a:endParaRPr>
+          </a:p>
+        </p:txBody>
+      </p:sp>
+      <p:sp>
+        <p:nvSpPr>
+          <p:cNvPr id="4" name="Footer Placeholder 3"/>
+          <p:cNvSpPr>
+            <a:spLocks noGrp="1"/>
+          </p:cNvSpPr>
+          <p:nvPr>
+            <p:ph type="ftr" sz="quarter" idx="11"/>
+          </p:nvPr>
+        </p:nvSpPr>
+        <p:spPr/>
+        <p:txBody>
+          <a:bodyPr/>
+          <a:lstStyle/>
+          <a:p>
+            <a:r>
+              <a:rPr lang="en-US" smtClean="0"/>
+              <a:t>www.hcmus.edu.vn</a:t>
+            </a:r>
+            <a:endParaRPr lang="en-US"/>
+          </a:p>
+        </p:txBody>
+      </p:sp>
+      <p:sp>
+        <p:nvSpPr>
+          <p:cNvPr id="6" name="Slide Number Placeholder 11"/>
+          <p:cNvSpPr>
+            <a:spLocks noGrp="1"/>
+          </p:cNvSpPr>
+          <p:nvPr>
+            <p:ph type="sldNum" sz="quarter" idx="12"/>
+          </p:nvPr>
+        </p:nvSpPr>
+        <p:spPr>
+          <a:xfrm>
+            <a:off x="3429000" y="6477000"/>
+            <a:ext cx="2133600" cy="381000"/>
+          </a:xfrm>
+        </p:spPr>
+        <p:txBody>
+          <a:bodyPr/>
+          <a:lstStyle/>
+          <a:p>
+            <a:fld id="{B6F15528-21DE-4FAA-801E-634DDDAF4B2B}" type="slidenum">
+              <a:rPr lang="en-US" sz="2000" smtClean="0"/>
+              <a:pPr/>
+              <a:t>19</a:t>
             </a:fld>
             <a:endParaRPr lang="en-US" sz="2000"/>
           </a:p>
@@ -17758,503 +18077,6 @@
 </p:sld>
 </file>
 
-<file path=ppt/slides/slide19.xml><?xml version="1.0" encoding="utf-8"?>
-<p:sld xmlns:a="http://schemas.openxmlformats.org/drawingml/2006/main" xmlns:r="http://schemas.openxmlformats.org/officeDocument/2006/relationships" xmlns:p="http://schemas.openxmlformats.org/presentationml/2006/main">
-  <p:cSld>
-    <p:spTree>
-      <p:nvGrpSpPr>
-        <p:cNvPr id="1" name=""/>
-        <p:cNvGrpSpPr/>
-        <p:nvPr/>
-      </p:nvGrpSpPr>
-      <p:grpSpPr>
-        <a:xfrm>
-          <a:off x="0" y="0"/>
-          <a:ext cx="0" cy="0"/>
-          <a:chOff x="0" y="0"/>
-          <a:chExt cx="0" cy="0"/>
-        </a:xfrm>
-      </p:grpSpPr>
-      <p:sp>
-        <p:nvSpPr>
-          <p:cNvPr id="8" name="Title 1"/>
-          <p:cNvSpPr>
-            <a:spLocks noGrp="1"/>
-          </p:cNvSpPr>
-          <p:nvPr>
-            <p:ph type="title"/>
-          </p:nvPr>
-        </p:nvSpPr>
-        <p:spPr>
-          <a:xfrm>
-            <a:off x="228600" y="579437"/>
-            <a:ext cx="9448800" cy="563563"/>
-          </a:xfrm>
-        </p:spPr>
-        <p:txBody>
-          <a:bodyPr>
-            <a:noAutofit/>
-          </a:bodyPr>
-          <a:lstStyle/>
-          <a:p>
-            <a:pPr algn="l"/>
-            <a:r>
-              <a:rPr lang="en-US" sz="2850" cap="all" smtClean="0">
-                <a:ln w="9000" cmpd="sng">
-                  <a:solidFill>
-                    <a:schemeClr val="accent4">
-                      <a:shade val="50000"/>
-                      <a:satMod val="120000"/>
-                    </a:schemeClr>
-                  </a:solidFill>
-                  <a:prstDash val="solid"/>
-                </a:ln>
-                <a:gradFill>
-                  <a:gsLst>
-                    <a:gs pos="0">
-                      <a:schemeClr val="accent4">
-                        <a:shade val="20000"/>
-                        <a:satMod val="245000"/>
-                      </a:schemeClr>
-                    </a:gs>
-                    <a:gs pos="43000">
-                      <a:schemeClr val="accent4">
-                        <a:satMod val="255000"/>
-                      </a:schemeClr>
-                    </a:gs>
-                    <a:gs pos="48000">
-                      <a:schemeClr val="accent4">
-                        <a:shade val="85000"/>
-                        <a:satMod val="255000"/>
-                      </a:schemeClr>
-                    </a:gs>
-                    <a:gs pos="100000">
-                      <a:schemeClr val="accent4">
-                        <a:shade val="20000"/>
-                        <a:satMod val="245000"/>
-                      </a:schemeClr>
-                    </a:gs>
-                  </a:gsLst>
-                  <a:lin ang="5400000"/>
-                </a:gradFill>
-                <a:effectLst>
-                  <a:reflection blurRad="12700" stA="28000" endPos="45000" dist="1000" dir="5400000" sy="-100000" algn="bl" rotWithShape="0"/>
-                </a:effectLst>
-              </a:rPr>
-              <a:t>2.3.2 </a:t>
-            </a:r>
-            <a:r>
-              <a:rPr lang="en-US" sz="2850" cap="all" smtClean="0">
-                <a:ln w="9000" cmpd="sng">
-                  <a:solidFill>
-                    <a:schemeClr val="accent4">
-                      <a:shade val="50000"/>
-                      <a:satMod val="120000"/>
-                    </a:schemeClr>
-                  </a:solidFill>
-                  <a:prstDash val="solid"/>
-                </a:ln>
-                <a:gradFill>
-                  <a:gsLst>
-                    <a:gs pos="0">
-                      <a:schemeClr val="accent4">
-                        <a:shade val="20000"/>
-                        <a:satMod val="245000"/>
-                      </a:schemeClr>
-                    </a:gs>
-                    <a:gs pos="43000">
-                      <a:schemeClr val="accent4">
-                        <a:satMod val="255000"/>
-                      </a:schemeClr>
-                    </a:gs>
-                    <a:gs pos="48000">
-                      <a:schemeClr val="accent4">
-                        <a:shade val="85000"/>
-                        <a:satMod val="255000"/>
-                      </a:schemeClr>
-                    </a:gs>
-                    <a:gs pos="100000">
-                      <a:schemeClr val="accent4">
-                        <a:shade val="20000"/>
-                        <a:satMod val="245000"/>
-                      </a:schemeClr>
-                    </a:gs>
-                  </a:gsLst>
-                  <a:lin ang="5400000"/>
-                </a:gradFill>
-                <a:effectLst>
-                  <a:reflection blurRad="12700" stA="28000" endPos="45000" dist="1000" dir="5400000" sy="-100000" algn="bl" rotWithShape="0"/>
-                </a:effectLst>
-              </a:rPr>
-              <a:t>truy xuất method</a:t>
-            </a:r>
-            <a:endParaRPr lang="en-US" sz="2850" cap="all">
-              <a:ln w="9000" cmpd="sng">
-                <a:solidFill>
-                  <a:schemeClr val="accent4">
-                    <a:shade val="50000"/>
-                    <a:satMod val="120000"/>
-                  </a:schemeClr>
-                </a:solidFill>
-                <a:prstDash val="solid"/>
-              </a:ln>
-              <a:gradFill>
-                <a:gsLst>
-                  <a:gs pos="0">
-                    <a:schemeClr val="accent4">
-                      <a:shade val="20000"/>
-                      <a:satMod val="245000"/>
-                    </a:schemeClr>
-                  </a:gs>
-                  <a:gs pos="43000">
-                    <a:schemeClr val="accent4">
-                      <a:satMod val="255000"/>
-                    </a:schemeClr>
-                  </a:gs>
-                  <a:gs pos="48000">
-                    <a:schemeClr val="accent4">
-                      <a:shade val="85000"/>
-                      <a:satMod val="255000"/>
-                    </a:schemeClr>
-                  </a:gs>
-                  <a:gs pos="100000">
-                    <a:schemeClr val="accent4">
-                      <a:shade val="20000"/>
-                      <a:satMod val="245000"/>
-                    </a:schemeClr>
-                  </a:gs>
-                </a:gsLst>
-                <a:lin ang="5400000"/>
-              </a:gradFill>
-              <a:effectLst>
-                <a:reflection blurRad="12700" stA="28000" endPos="45000" dist="1000" dir="5400000" sy="-100000" algn="bl" rotWithShape="0"/>
-              </a:effectLst>
-            </a:endParaRPr>
-          </a:p>
-        </p:txBody>
-      </p:sp>
-      <p:sp>
-        <p:nvSpPr>
-          <p:cNvPr id="4" name="Footer Placeholder 3"/>
-          <p:cNvSpPr>
-            <a:spLocks noGrp="1"/>
-          </p:cNvSpPr>
-          <p:nvPr>
-            <p:ph type="ftr" sz="quarter" idx="11"/>
-          </p:nvPr>
-        </p:nvSpPr>
-        <p:spPr/>
-        <p:txBody>
-          <a:bodyPr/>
-          <a:lstStyle/>
-          <a:p>
-            <a:r>
-              <a:rPr lang="en-US" smtClean="0"/>
-              <a:t>www.hcmus.edu.vn</a:t>
-            </a:r>
-            <a:endParaRPr lang="en-US"/>
-          </a:p>
-        </p:txBody>
-      </p:sp>
-      <p:sp>
-        <p:nvSpPr>
-          <p:cNvPr id="6" name="Slide Number Placeholder 11"/>
-          <p:cNvSpPr>
-            <a:spLocks noGrp="1"/>
-          </p:cNvSpPr>
-          <p:nvPr>
-            <p:ph type="sldNum" sz="quarter" idx="12"/>
-          </p:nvPr>
-        </p:nvSpPr>
-        <p:spPr>
-          <a:xfrm>
-            <a:off x="3429000" y="6477000"/>
-            <a:ext cx="2133600" cy="381000"/>
-          </a:xfrm>
-        </p:spPr>
-        <p:txBody>
-          <a:bodyPr/>
-          <a:lstStyle/>
-          <a:p>
-            <a:fld id="{B6F15528-21DE-4FAA-801E-634DDDAF4B2B}" type="slidenum">
-              <a:rPr lang="en-US" sz="2000" smtClean="0"/>
-              <a:pPr/>
-              <a:t>19</a:t>
-            </a:fld>
-            <a:endParaRPr lang="en-US" sz="2000"/>
-          </a:p>
-        </p:txBody>
-      </p:sp>
-      <p:sp>
-        <p:nvSpPr>
-          <p:cNvPr id="3" name="Content Placeholder 2"/>
-          <p:cNvSpPr>
-            <a:spLocks noGrp="1"/>
-          </p:cNvSpPr>
-          <p:nvPr>
-            <p:ph idx="1"/>
-          </p:nvPr>
-        </p:nvSpPr>
-        <p:spPr>
-          <a:xfrm>
-            <a:off x="457200" y="1447800"/>
-            <a:ext cx="8534400" cy="4800600"/>
-          </a:xfrm>
-        </p:spPr>
-        <p:txBody>
-          <a:bodyPr/>
-          <a:lstStyle/>
-          <a:p>
-            <a:pPr marL="517525" lvl="1" indent="-457200" algn="just">
-              <a:buClrTx/>
-              <a:buFont typeface="Wingdings" pitchFamily="2" charset="2"/>
-              <a:buChar char="q"/>
-            </a:pPr>
-            <a:r>
-              <a:rPr lang="en-US" sz="2400" b="1">
-                <a:solidFill>
-                  <a:srgbClr val="000000"/>
-                </a:solidFill>
-                <a:latin typeface="+mj-lt"/>
-              </a:rPr>
-              <a:t>Method </a:t>
-            </a:r>
-            <a:r>
-              <a:rPr lang="en-US" sz="2400" b="1" smtClean="0">
-                <a:solidFill>
-                  <a:srgbClr val="000000"/>
-                </a:solidFill>
-                <a:latin typeface="+mj-lt"/>
-              </a:rPr>
-              <a:t>descriptor</a:t>
-            </a:r>
-          </a:p>
-          <a:p>
-            <a:pPr marL="60325" lvl="1" indent="396875" algn="just">
-              <a:buClrTx/>
-              <a:buNone/>
-            </a:pPr>
-            <a:r>
-              <a:rPr lang="en-US" sz="2400" b="0" smtClean="0">
-                <a:solidFill>
-                  <a:srgbClr val="000000"/>
-                </a:solidFill>
-                <a:latin typeface="+mj-lt"/>
-              </a:rPr>
-              <a:t>Là </a:t>
-            </a:r>
-            <a:r>
-              <a:rPr lang="en-US" sz="2400" b="0">
-                <a:solidFill>
-                  <a:srgbClr val="000000"/>
-                </a:solidFill>
-                <a:latin typeface="+mj-lt"/>
-              </a:rPr>
-              <a:t>một chuỗi tương tự như prototype của method nhưng có mô tả khác. Gồm 2 phần </a:t>
-            </a:r>
-            <a:r>
-              <a:rPr lang="en-US" sz="2400" b="0" smtClean="0">
-                <a:solidFill>
-                  <a:srgbClr val="000000"/>
-                </a:solidFill>
-                <a:latin typeface="+mj-lt"/>
-              </a:rPr>
-              <a:t>“(?)?”:</a:t>
-            </a:r>
-          </a:p>
-          <a:p>
-            <a:pPr marL="57150" lvl="1" indent="509588" algn="just">
-              <a:buClrTx/>
-              <a:buNone/>
-            </a:pPr>
-            <a:r>
-              <a:rPr lang="en-US" sz="2400" b="0" smtClean="0">
-                <a:solidFill>
-                  <a:srgbClr val="000000"/>
-                </a:solidFill>
-                <a:latin typeface="+mj-lt"/>
-              </a:rPr>
-              <a:t>Chấm </a:t>
-            </a:r>
-            <a:r>
-              <a:rPr lang="en-US" sz="2400" b="0">
-                <a:solidFill>
-                  <a:srgbClr val="000000"/>
-                </a:solidFill>
-                <a:latin typeface="+mj-lt"/>
-              </a:rPr>
-              <a:t>hỏi thứ nhất là phần các tham số truyền vào </a:t>
-            </a:r>
-            <a:r>
-              <a:rPr lang="en-US" sz="2400" b="0" smtClean="0">
-                <a:solidFill>
-                  <a:srgbClr val="000000"/>
-                </a:solidFill>
-                <a:latin typeface="+mj-lt"/>
-              </a:rPr>
-              <a:t>method.</a:t>
-            </a:r>
-          </a:p>
-          <a:p>
-            <a:pPr marL="566738" lvl="1" indent="0" algn="just">
-              <a:buClrTx/>
-              <a:buNone/>
-            </a:pPr>
-            <a:r>
-              <a:rPr lang="en-US" sz="2400" b="0" smtClean="0">
-                <a:solidFill>
-                  <a:srgbClr val="000000"/>
-                </a:solidFill>
-                <a:latin typeface="+mj-lt"/>
-              </a:rPr>
-              <a:t>Chấm </a:t>
-            </a:r>
-            <a:r>
-              <a:rPr lang="en-US" sz="2400" b="0">
-                <a:solidFill>
-                  <a:srgbClr val="000000"/>
-                </a:solidFill>
-                <a:latin typeface="+mj-lt"/>
-              </a:rPr>
-              <a:t>hỏi thứ </a:t>
-            </a:r>
-            <a:r>
-              <a:rPr lang="en-US" sz="2400" b="0" smtClean="0">
-                <a:solidFill>
-                  <a:srgbClr val="000000"/>
-                </a:solidFill>
-                <a:latin typeface="+mj-lt"/>
-              </a:rPr>
-              <a:t>hai </a:t>
-            </a:r>
-            <a:r>
-              <a:rPr lang="en-US" sz="2400" b="0">
-                <a:solidFill>
-                  <a:srgbClr val="000000"/>
-                </a:solidFill>
-                <a:latin typeface="+mj-lt"/>
-              </a:rPr>
-              <a:t>là giá trị trả về. </a:t>
-            </a:r>
-            <a:endParaRPr lang="en-US" sz="2400" b="0" smtClean="0">
-              <a:solidFill>
-                <a:srgbClr val="000000"/>
-              </a:solidFill>
-              <a:latin typeface="+mj-lt"/>
-            </a:endParaRPr>
-          </a:p>
-          <a:p>
-            <a:pPr marL="460375" indent="168275" algn="just">
-              <a:buClrTx/>
-              <a:buNone/>
-            </a:pPr>
-            <a:r>
-              <a:rPr lang="en-US" sz="2400" smtClean="0">
-                <a:solidFill>
-                  <a:srgbClr val="000000"/>
-                </a:solidFill>
-                <a:latin typeface="+mj-lt"/>
-              </a:rPr>
-              <a:t>Ví dụ</a:t>
-            </a:r>
-            <a:r>
-              <a:rPr lang="en-US" sz="2400">
-                <a:solidFill>
-                  <a:srgbClr val="000000"/>
-                </a:solidFill>
-                <a:latin typeface="+mj-lt"/>
-              </a:rPr>
-              <a:t>:</a:t>
-            </a:r>
-          </a:p>
-          <a:p>
-            <a:pPr marL="460375" indent="796925" algn="just">
-              <a:buClrTx/>
-              <a:buNone/>
-            </a:pPr>
-            <a:r>
-              <a:rPr lang="en-US" sz="2400" b="0">
-                <a:solidFill>
-                  <a:srgbClr val="000000"/>
-                </a:solidFill>
-                <a:latin typeface="+mj-lt"/>
-              </a:rPr>
-              <a:t>“()V”</a:t>
-            </a:r>
-          </a:p>
-          <a:p>
-            <a:pPr marL="460375" indent="796925" algn="just">
-              <a:buClrTx/>
-              <a:buNone/>
-            </a:pPr>
-            <a:r>
-              <a:rPr lang="en-US" sz="2400" b="0">
-                <a:solidFill>
-                  <a:srgbClr val="000000"/>
-                </a:solidFill>
-                <a:latin typeface="+mj-lt"/>
-              </a:rPr>
-              <a:t>“(I)I”</a:t>
-            </a:r>
-          </a:p>
-          <a:p>
-            <a:pPr marL="460375" indent="796925" algn="just">
-              <a:buClrTx/>
-              <a:buNone/>
-            </a:pPr>
-            <a:r>
-              <a:rPr lang="en-US" sz="2400" b="0">
-                <a:solidFill>
-                  <a:srgbClr val="000000"/>
-                </a:solidFill>
-                <a:latin typeface="+mj-lt"/>
-              </a:rPr>
-              <a:t>“(Ljava/lang/String;)Ljava/lang/String</a:t>
-            </a:r>
-            <a:r>
-              <a:rPr lang="en-US" sz="2400" b="0" smtClean="0">
-                <a:solidFill>
-                  <a:srgbClr val="000000"/>
-                </a:solidFill>
-                <a:latin typeface="+mj-lt"/>
-              </a:rPr>
-              <a:t>;</a:t>
-            </a:r>
-            <a:endParaRPr lang="en-US" sz="2400" b="0">
-              <a:solidFill>
-                <a:srgbClr val="000000"/>
-              </a:solidFill>
-              <a:latin typeface="+mj-lt"/>
-            </a:endParaRPr>
-          </a:p>
-          <a:p>
-            <a:pPr algn="just"/>
-            <a:endParaRPr lang="en-US" sz="2400">
-              <a:latin typeface="+mj-lt"/>
-            </a:endParaRPr>
-          </a:p>
-        </p:txBody>
-      </p:sp>
-    </p:spTree>
-    <p:extLst>
-      <p:ext uri="{BB962C8B-B14F-4D97-AF65-F5344CB8AC3E}">
-        <p14:creationId xmlns:p14="http://schemas.microsoft.com/office/powerpoint/2010/main" val="474669070"/>
-      </p:ext>
-    </p:extLst>
-  </p:cSld>
-  <p:clrMapOvr>
-    <a:masterClrMapping/>
-  </p:clrMapOvr>
-  <p:timing>
-    <p:tnLst>
-      <p:par>
-        <p:cTn id="1" dur="indefinite" restart="never" nodeType="tmRoot"/>
-      </p:par>
-    </p:tnLst>
-  </p:timing>
-</p:sld>
-</file>
-
 <file path=ppt/slides/slide2.xml><?xml version="1.0" encoding="utf-8"?>
 <p:sld xmlns:a="http://schemas.openxmlformats.org/drawingml/2006/main" xmlns:r="http://schemas.openxmlformats.org/officeDocument/2006/relationships" xmlns:p="http://schemas.openxmlformats.org/presentationml/2006/main">
   <p:cSld>
@@ -18738,7 +18560,52 @@
                   <a:reflection blurRad="12700" stA="28000" endPos="45000" dist="1000" dir="5400000" sy="-100000" algn="bl" rotWithShape="0"/>
                 </a:effectLst>
               </a:rPr>
-              <a:t>2.3.1 truy xuất method</a:t>
+              <a:t>2.3.2 </a:t>
+            </a:r>
+            <a:r>
+              <a:rPr lang="en-US" sz="2850" cap="all" smtClean="0">
+                <a:ln w="9000" cmpd="sng">
+                  <a:solidFill>
+                    <a:schemeClr val="accent4">
+                      <a:shade val="50000"/>
+                      <a:satMod val="120000"/>
+                    </a:schemeClr>
+                  </a:solidFill>
+                  <a:prstDash val="solid"/>
+                </a:ln>
+                <a:gradFill>
+                  <a:gsLst>
+                    <a:gs pos="0">
+                      <a:schemeClr val="accent4">
+                        <a:shade val="20000"/>
+                        <a:satMod val="245000"/>
+                      </a:schemeClr>
+                    </a:gs>
+                    <a:gs pos="43000">
+                      <a:schemeClr val="accent4">
+                        <a:satMod val="255000"/>
+                      </a:schemeClr>
+                    </a:gs>
+                    <a:gs pos="48000">
+                      <a:schemeClr val="accent4">
+                        <a:shade val="85000"/>
+                        <a:satMod val="255000"/>
+                      </a:schemeClr>
+                    </a:gs>
+                    <a:gs pos="100000">
+                      <a:schemeClr val="accent4">
+                        <a:shade val="20000"/>
+                        <a:satMod val="245000"/>
+                      </a:schemeClr>
+                    </a:gs>
+                  </a:gsLst>
+                  <a:lin ang="5400000"/>
+                </a:gradFill>
+                <a:effectLst>
+                  <a:reflection blurRad="12700" stA="28000" endPos="45000" dist="1000" dir="5400000" sy="-100000" algn="bl" rotWithShape="0"/>
+                </a:effectLst>
+              </a:rPr>
+              <a:t>truy xuất method</a:t>
             </a:r>
             <a:endParaRPr lang="en-US" sz="2850" cap="all">
               <a:ln w="9000" cmpd="sng">
@@ -18847,17 +18714,148 @@
             <p:ph idx="1"/>
           </p:nvPr>
         </p:nvSpPr>
-        <p:spPr/>
+        <p:spPr>
+          <a:xfrm>
+            <a:off x="457200" y="1447800"/>
+            <a:ext cx="8534400" cy="4800600"/>
+          </a:xfrm>
+        </p:spPr>
         <p:txBody>
           <a:bodyPr/>
           <a:lstStyle/>
           <a:p>
-            <a:pPr lvl="1">
+            <a:pPr marL="517525" lvl="1" indent="-457200" algn="just">
               <a:buClrTx/>
               <a:buFont typeface="Wingdings" pitchFamily="2" charset="2"/>
               <a:buChar char="q"/>
             </a:pPr>
-            <a:endParaRPr lang="en-US" sz="2400" b="1" smtClean="0">
+            <a:r>
+              <a:rPr lang="en-US" sz="2400" b="1">
+                <a:solidFill>
+                  <a:srgbClr val="000000"/>
+                </a:solidFill>
+                <a:latin typeface="+mj-lt"/>
+              </a:rPr>
+              <a:t>Method </a:t>
+            </a:r>
+            <a:r>
+              <a:rPr lang="en-US" sz="2400" b="1" smtClean="0">
+                <a:solidFill>
+                  <a:srgbClr val="000000"/>
+                </a:solidFill>
+                <a:latin typeface="+mj-lt"/>
+              </a:rPr>
+              <a:t>descriptor</a:t>
+            </a:r>
+          </a:p>
+          <a:p>
+            <a:pPr marL="60325" lvl="1" indent="396875" algn="just">
+              <a:buClrTx/>
+              <a:buNone/>
+            </a:pPr>
+            <a:r>
+              <a:rPr lang="en-US" sz="2400" b="0" smtClean="0">
+                <a:solidFill>
+                  <a:srgbClr val="000000"/>
+                </a:solidFill>
+                <a:latin typeface="+mj-lt"/>
+              </a:rPr>
+              <a:t>Là </a:t>
+            </a:r>
+            <a:r>
+              <a:rPr lang="en-US" sz="2400" b="0">
+                <a:solidFill>
+                  <a:srgbClr val="000000"/>
+                </a:solidFill>
+                <a:latin typeface="+mj-lt"/>
+              </a:rPr>
+              <a:t>một chuỗi tương tự như prototype của method nhưng có mô tả khác. Gồm 2 phần </a:t>
+            </a:r>
+            <a:r>
+              <a:rPr lang="en-US" sz="2400" b="0" smtClean="0">
+                <a:solidFill>
+                  <a:srgbClr val="000000"/>
+                </a:solidFill>
+                <a:latin typeface="+mj-lt"/>
+              </a:rPr>
+              <a:t>“(?)?”:</a:t>
+            </a:r>
+          </a:p>
+          <a:p>
+            <a:pPr marL="57150" lvl="1" indent="509588" algn="just">
+              <a:buClrTx/>
+              <a:buNone/>
+            </a:pPr>
+            <a:r>
+              <a:rPr lang="en-US" sz="2400" b="0" smtClean="0">
+                <a:solidFill>
+                  <a:srgbClr val="000000"/>
+                </a:solidFill>
+                <a:latin typeface="+mj-lt"/>
+              </a:rPr>
+              <a:t>Chấm </a:t>
+            </a:r>
+            <a:r>
+              <a:rPr lang="en-US" sz="2400" b="0">
+                <a:solidFill>
+                  <a:srgbClr val="000000"/>
+                </a:solidFill>
+                <a:latin typeface="+mj-lt"/>
+              </a:rPr>
+              <a:t>hỏi thứ nhất là phần các tham số truyền vào </a:t>
+            </a:r>
+            <a:r>
+              <a:rPr lang="en-US" sz="2400" b="0" smtClean="0">
+                <a:solidFill>
+                  <a:srgbClr val="000000"/>
+                </a:solidFill>
+                <a:latin typeface="+mj-lt"/>
+              </a:rPr>
+              <a:t>method.</a:t>
+            </a:r>
+          </a:p>
+          <a:p>
+            <a:pPr marL="566738" lvl="1" indent="0" algn="just">
+              <a:buClrTx/>
+              <a:buNone/>
+            </a:pPr>
+            <a:r>
+              <a:rPr lang="en-US" sz="2400" b="0" smtClean="0">
+                <a:solidFill>
+                  <a:srgbClr val="000000"/>
+                </a:solidFill>
+                <a:latin typeface="+mj-lt"/>
+              </a:rPr>
+              <a:t>Chấm </a:t>
+            </a:r>
+            <a:r>
+              <a:rPr lang="en-US" sz="2400" b="0">
+                <a:solidFill>
+                  <a:srgbClr val="000000"/>
+                </a:solidFill>
+                <a:latin typeface="+mj-lt"/>
+              </a:rPr>
+              <a:t>hỏi thứ </a:t>
+            </a:r>
+            <a:r>
+              <a:rPr lang="en-US" sz="2400" b="0" smtClean="0">
+                <a:solidFill>
+                  <a:srgbClr val="000000"/>
+                </a:solidFill>
+                <a:latin typeface="+mj-lt"/>
+              </a:rPr>
+              <a:t>hai </a:t>
+            </a:r>
+            <a:r>
+              <a:rPr lang="en-US" sz="2400" b="0">
+                <a:solidFill>
+                  <a:srgbClr val="000000"/>
+                </a:solidFill>
+                <a:latin typeface="+mj-lt"/>
+              </a:rPr>
+              <a:t>là giá trị trả về. </a:t>
+            </a:r>
+            <a:endParaRPr lang="en-US" sz="2400" b="0" smtClean="0">
               <a:solidFill>
                 <a:srgbClr val="000000"/>
               </a:solidFill>
@@ -18865,52 +18863,91 @@
             </a:endParaRPr>
           </a:p>
           <a:p>
-            <a:pPr lvl="1">
-              <a:buClrTx/>
-              <a:buFont typeface="Wingdings" pitchFamily="2" charset="2"/>
-              <a:buChar char="q"/>
-            </a:pPr>
-            <a:r>
-              <a:rPr lang="en-US" sz="2400" b="1" smtClean="0">
-                <a:solidFill>
-                  <a:srgbClr val="000000"/>
-                </a:solidFill>
-                <a:latin typeface="+mj-lt"/>
-              </a:rPr>
-              <a:t>Gọi static method</a:t>
-            </a:r>
-          </a:p>
-          <a:p>
-            <a:pPr marL="0" indent="800100">
+            <a:pPr marL="460375" indent="168275" algn="just">
               <a:buClrTx/>
               <a:buNone/>
             </a:pPr>
             <a:r>
-              <a:rPr lang="en-US" sz="2400" b="0" smtClean="0">
+              <a:rPr lang="en-US" sz="2400" smtClean="0">
                 <a:solidFill>
                   <a:srgbClr val="000000"/>
                 </a:solidFill>
                 <a:latin typeface="+mj-lt"/>
               </a:rPr>
-              <a:t>Hoàn toàn giống với gọi hàm của object. </a:t>
-            </a:r>
-          </a:p>
-          <a:p>
-            <a:pPr marL="0" indent="800100">
+              <a:t>Ví dụ</a:t>
+            </a:r>
+            <a:r>
+              <a:rPr lang="en-US" sz="2400">
+                <a:solidFill>
+                  <a:srgbClr val="000000"/>
+                </a:solidFill>
+                <a:latin typeface="+mj-lt"/>
+              </a:rPr>
+              <a:t>:</a:t>
+            </a:r>
+          </a:p>
+          <a:p>
+            <a:pPr marL="460375" indent="796925" algn="just">
               <a:buClrTx/>
               <a:buNone/>
             </a:pPr>
             <a:r>
+              <a:rPr lang="en-US" sz="2400" b="0">
+                <a:solidFill>
+                  <a:srgbClr val="000000"/>
+                </a:solidFill>
+                <a:latin typeface="+mj-lt"/>
+              </a:rPr>
+              <a:t>“()V”</a:t>
+            </a:r>
+          </a:p>
+          <a:p>
+            <a:pPr marL="460375" indent="796925" algn="just">
+              <a:buClrTx/>
+              <a:buNone/>
+            </a:pPr>
+            <a:r>
+              <a:rPr lang="en-US" sz="2400" b="0">
+                <a:solidFill>
+                  <a:srgbClr val="000000"/>
+                </a:solidFill>
+                <a:latin typeface="+mj-lt"/>
+              </a:rPr>
+              <a:t>“(I)I”</a:t>
+            </a:r>
+          </a:p>
+          <a:p>
+            <a:pPr marL="460375" indent="796925" algn="just">
+              <a:buClrTx/>
+              <a:buNone/>
+            </a:pPr>
+            <a:r>
+              <a:rPr lang="en-US" sz="2400" b="0">
+                <a:solidFill>
+                  <a:srgbClr val="000000"/>
+                </a:solidFill>
+                <a:latin typeface="+mj-lt"/>
+              </a:rPr>
+              <a:t>“(Ljava/lang/String;)Ljava/lang/String</a:t>
+            </a:r>
+            <a:r>
               <a:rPr lang="en-US" sz="2400" b="0" smtClean="0">
                 <a:solidFill>
                   <a:srgbClr val="000000"/>
                 </a:solidFill>
                 <a:latin typeface="+mj-lt"/>
               </a:rPr>
-              <a:t>Chỉ khác nhau ở tên hàm trong JNI như thay vì gọi GetMethodID, CallVoidMethod… thì sẽ gọi GetStaticMethodID, CallStaticVoidMethod…</a:t>
-            </a:r>
-          </a:p>
-          <a:p>
+              <a:t>;</a:t>
+            </a:r>
+            <a:endParaRPr lang="en-US" sz="2400" b="0">
+              <a:solidFill>
+                <a:srgbClr val="000000"/>
+              </a:solidFill>
+              <a:latin typeface="+mj-lt"/>
+            </a:endParaRPr>
+          </a:p>
+          <a:p>
+            <a:pPr algn="just"/>
             <a:endParaRPr lang="en-US" sz="2400">
               <a:latin typeface="+mj-lt"/>
             </a:endParaRPr>
@@ -18920,7 +18957,7 @@
     </p:spTree>
     <p:extLst>
       <p:ext uri="{BB962C8B-B14F-4D97-AF65-F5344CB8AC3E}">
-        <p14:creationId xmlns:p14="http://schemas.microsoft.com/office/powerpoint/2010/main" val="4024800155"/>
+        <p14:creationId xmlns:p14="http://schemas.microsoft.com/office/powerpoint/2010/main" val="474669070"/>
       </p:ext>
     </p:extLst>
   </p:cSld>
@@ -19114,6 +19151,288 @@
               <a:rPr lang="en-US" sz="2000" smtClean="0"/>
               <a:pPr/>
               <a:t>21</a:t>
+            </a:fld>
+            <a:endParaRPr lang="en-US" sz="2000"/>
+          </a:p>
+        </p:txBody>
+      </p:sp>
+      <p:sp>
+        <p:nvSpPr>
+          <p:cNvPr id="3" name="Content Placeholder 2"/>
+          <p:cNvSpPr>
+            <a:spLocks noGrp="1"/>
+          </p:cNvSpPr>
+          <p:nvPr>
+            <p:ph idx="1"/>
+          </p:nvPr>
+        </p:nvSpPr>
+        <p:spPr/>
+        <p:txBody>
+          <a:bodyPr/>
+          <a:lstStyle/>
+          <a:p>
+            <a:pPr lvl="1">
+              <a:buClrTx/>
+              <a:buFont typeface="Wingdings" pitchFamily="2" charset="2"/>
+              <a:buChar char="q"/>
+            </a:pPr>
+            <a:endParaRPr lang="en-US" sz="2400" b="1" smtClean="0">
+              <a:solidFill>
+                <a:srgbClr val="000000"/>
+              </a:solidFill>
+              <a:latin typeface="+mj-lt"/>
+            </a:endParaRPr>
+          </a:p>
+          <a:p>
+            <a:pPr lvl="1">
+              <a:buClrTx/>
+              <a:buFont typeface="Wingdings" pitchFamily="2" charset="2"/>
+              <a:buChar char="q"/>
+            </a:pPr>
+            <a:r>
+              <a:rPr lang="en-US" sz="2400" b="1" smtClean="0">
+                <a:solidFill>
+                  <a:srgbClr val="000000"/>
+                </a:solidFill>
+                <a:latin typeface="+mj-lt"/>
+              </a:rPr>
+              <a:t>Gọi static method</a:t>
+            </a:r>
+          </a:p>
+          <a:p>
+            <a:pPr marL="0" indent="800100">
+              <a:buClrTx/>
+              <a:buNone/>
+            </a:pPr>
+            <a:r>
+              <a:rPr lang="en-US" sz="2400" b="0" smtClean="0">
+                <a:solidFill>
+                  <a:srgbClr val="000000"/>
+                </a:solidFill>
+                <a:latin typeface="+mj-lt"/>
+              </a:rPr>
+              <a:t>Hoàn toàn giống với gọi hàm của object. </a:t>
+            </a:r>
+          </a:p>
+          <a:p>
+            <a:pPr marL="0" indent="800100">
+              <a:buClrTx/>
+              <a:buNone/>
+            </a:pPr>
+            <a:r>
+              <a:rPr lang="en-US" sz="2400" b="0" smtClean="0">
+                <a:solidFill>
+                  <a:srgbClr val="000000"/>
+                </a:solidFill>
+                <a:latin typeface="+mj-lt"/>
+              </a:rPr>
+              <a:t>Chỉ khác nhau ở tên hàm trong JNI như thay vì gọi GetMethodID, CallVoidMethod… thì sẽ gọi GetStaticMethodID, CallStaticVoidMethod…</a:t>
+            </a:r>
+          </a:p>
+          <a:p>
+            <a:endParaRPr lang="en-US" sz="2400">
+              <a:latin typeface="+mj-lt"/>
+            </a:endParaRPr>
+          </a:p>
+        </p:txBody>
+      </p:sp>
+    </p:spTree>
+    <p:extLst>
+      <p:ext uri="{BB962C8B-B14F-4D97-AF65-F5344CB8AC3E}">
+        <p14:creationId xmlns:p14="http://schemas.microsoft.com/office/powerpoint/2010/main" val="4024800155"/>
+      </p:ext>
+    </p:extLst>
+  </p:cSld>
+  <p:clrMapOvr>
+    <a:masterClrMapping/>
+  </p:clrMapOvr>
+  <p:timing>
+    <p:tnLst>
+      <p:par>
+        <p:cTn id="1" dur="indefinite" restart="never" nodeType="tmRoot"/>
+      </p:par>
+    </p:tnLst>
+  </p:timing>
+</p:sld>
+</file>
+
+<file path=ppt/slides/slide22.xml><?xml version="1.0" encoding="utf-8"?>
+<p:sld xmlns:a="http://schemas.openxmlformats.org/drawingml/2006/main" xmlns:r="http://schemas.openxmlformats.org/officeDocument/2006/relationships" xmlns:p="http://schemas.openxmlformats.org/presentationml/2006/main">
+  <p:cSld>
+    <p:spTree>
+      <p:nvGrpSpPr>
+        <p:cNvPr id="1" name=""/>
+        <p:cNvGrpSpPr/>
+        <p:nvPr/>
+      </p:nvGrpSpPr>
+      <p:grpSpPr>
+        <a:xfrm>
+          <a:off x="0" y="0"/>
+          <a:ext cx="0" cy="0"/>
+          <a:chOff x="0" y="0"/>
+          <a:chExt cx="0" cy="0"/>
+        </a:xfrm>
+      </p:grpSpPr>
+      <p:sp>
+        <p:nvSpPr>
+          <p:cNvPr id="8" name="Title 1"/>
+          <p:cNvSpPr>
+            <a:spLocks noGrp="1"/>
+          </p:cNvSpPr>
+          <p:nvPr>
+            <p:ph type="title"/>
+          </p:nvPr>
+        </p:nvSpPr>
+        <p:spPr>
+          <a:xfrm>
+            <a:off x="228600" y="579437"/>
+            <a:ext cx="9448800" cy="563563"/>
+          </a:xfrm>
+        </p:spPr>
+        <p:txBody>
+          <a:bodyPr>
+            <a:noAutofit/>
+          </a:bodyPr>
+          <a:lstStyle/>
+          <a:p>
+            <a:pPr algn="l"/>
+            <a:r>
+              <a:rPr lang="en-US" sz="2850" cap="all" smtClean="0">
+                <a:ln w="9000" cmpd="sng">
+                  <a:solidFill>
+                    <a:schemeClr val="accent4">
+                      <a:shade val="50000"/>
+                      <a:satMod val="120000"/>
+                    </a:schemeClr>
+                  </a:solidFill>
+                  <a:prstDash val="solid"/>
+                </a:ln>
+                <a:gradFill>
+                  <a:gsLst>
+                    <a:gs pos="0">
+                      <a:schemeClr val="accent4">
+                        <a:shade val="20000"/>
+                        <a:satMod val="245000"/>
+                      </a:schemeClr>
+                    </a:gs>
+                    <a:gs pos="43000">
+                      <a:schemeClr val="accent4">
+                        <a:satMod val="255000"/>
+                      </a:schemeClr>
+                    </a:gs>
+                    <a:gs pos="48000">
+                      <a:schemeClr val="accent4">
+                        <a:shade val="85000"/>
+                        <a:satMod val="255000"/>
+                      </a:schemeClr>
+                    </a:gs>
+                    <a:gs pos="100000">
+                      <a:schemeClr val="accent4">
+                        <a:shade val="20000"/>
+                        <a:satMod val="245000"/>
+                      </a:schemeClr>
+                    </a:gs>
+                  </a:gsLst>
+                  <a:lin ang="5400000"/>
+                </a:gradFill>
+                <a:effectLst>
+                  <a:reflection blurRad="12700" stA="28000" endPos="45000" dist="1000" dir="5400000" sy="-100000" algn="bl" rotWithShape="0"/>
+                </a:effectLst>
+              </a:rPr>
+              <a:t>2.3.1 truy xuất method</a:t>
+            </a:r>
+            <a:endParaRPr lang="en-US" sz="2850" cap="all">
+              <a:ln w="9000" cmpd="sng">
+                <a:solidFill>
+                  <a:schemeClr val="accent4">
+                    <a:shade val="50000"/>
+                    <a:satMod val="120000"/>
+                  </a:schemeClr>
+                </a:solidFill>
+                <a:prstDash val="solid"/>
+              </a:ln>
+              <a:gradFill>
+                <a:gsLst>
+                  <a:gs pos="0">
+                    <a:schemeClr val="accent4">
+                      <a:shade val="20000"/>
+                      <a:satMod val="245000"/>
+                    </a:schemeClr>
+                  </a:gs>
+                  <a:gs pos="43000">
+                    <a:schemeClr val="accent4">
+                      <a:satMod val="255000"/>
+                    </a:schemeClr>
+                  </a:gs>
+                  <a:gs pos="48000">
+                    <a:schemeClr val="accent4">
+                      <a:shade val="85000"/>
+                      <a:satMod val="255000"/>
+                    </a:schemeClr>
+                  </a:gs>
+                  <a:gs pos="100000">
+                    <a:schemeClr val="accent4">
+                      <a:shade val="20000"/>
+                      <a:satMod val="245000"/>
+                    </a:schemeClr>
+                  </a:gs>
+                </a:gsLst>
+                <a:lin ang="5400000"/>
+              </a:gradFill>
+              <a:effectLst>
+                <a:reflection blurRad="12700" stA="28000" endPos="45000" dist="1000" dir="5400000" sy="-100000" algn="bl" rotWithShape="0"/>
+              </a:effectLst>
+            </a:endParaRPr>
+          </a:p>
+        </p:txBody>
+      </p:sp>
+      <p:sp>
+        <p:nvSpPr>
+          <p:cNvPr id="4" name="Footer Placeholder 3"/>
+          <p:cNvSpPr>
+            <a:spLocks noGrp="1"/>
+          </p:cNvSpPr>
+          <p:nvPr>
+            <p:ph type="ftr" sz="quarter" idx="11"/>
+          </p:nvPr>
+        </p:nvSpPr>
+        <p:spPr/>
+        <p:txBody>
+          <a:bodyPr/>
+          <a:lstStyle/>
+          <a:p>
+            <a:r>
+              <a:rPr lang="en-US" smtClean="0"/>
+              <a:t>www.hcmus.edu.vn</a:t>
+            </a:r>
+            <a:endParaRPr lang="en-US"/>
+          </a:p>
+        </p:txBody>
+      </p:sp>
+      <p:sp>
+        <p:nvSpPr>
+          <p:cNvPr id="6" name="Slide Number Placeholder 11"/>
+          <p:cNvSpPr>
+            <a:spLocks noGrp="1"/>
+          </p:cNvSpPr>
+          <p:nvPr>
+            <p:ph type="sldNum" sz="quarter" idx="12"/>
+          </p:nvPr>
+        </p:nvSpPr>
+        <p:spPr>
+          <a:xfrm>
+            <a:off x="3429000" y="6477000"/>
+            <a:ext cx="2133600" cy="381000"/>
+          </a:xfrm>
+        </p:spPr>
+        <p:txBody>
+          <a:bodyPr/>
+          <a:lstStyle/>
+          <a:p>
+            <a:fld id="{B6F15528-21DE-4FAA-801E-634DDDAF4B2B}" type="slidenum">
+              <a:rPr lang="en-US" sz="2000" smtClean="0"/>
+              <a:pPr/>
+              <a:t>22</a:t>
             </a:fld>
             <a:endParaRPr lang="en-US" sz="2000"/>
           </a:p>
@@ -19929,7 +20248,7 @@
 </p:sld>
 </file>
 
-<file path=ppt/slides/slide22.xml><?xml version="1.0" encoding="utf-8"?>
+<file path=ppt/slides/slide23.xml><?xml version="1.0" encoding="utf-8"?>
 <p:sld xmlns:a="http://schemas.openxmlformats.org/drawingml/2006/main" xmlns:r="http://schemas.openxmlformats.org/officeDocument/2006/relationships" xmlns:p="http://schemas.openxmlformats.org/presentationml/2006/main">
   <p:cSld>
     <p:spTree>
@@ -20105,7 +20424,7 @@
             <a:fld id="{B6F15528-21DE-4FAA-801E-634DDDAF4B2B}" type="slidenum">
               <a:rPr lang="en-US" sz="2000" smtClean="0"/>
               <a:pPr/>
-              <a:t>22</a:t>
+              <a:t>23</a:t>
             </a:fld>
             <a:endParaRPr lang="en-US" sz="2000"/>
           </a:p>
@@ -20268,423 +20587,6 @@
     <p:extLst>
       <p:ext uri="{BB962C8B-B14F-4D97-AF65-F5344CB8AC3E}">
         <p14:creationId xmlns:p14="http://schemas.microsoft.com/office/powerpoint/2010/main" val="303268503"/>
-      </p:ext>
-    </p:extLst>
-  </p:cSld>
-  <p:clrMapOvr>
-    <a:masterClrMapping/>
-  </p:clrMapOvr>
-  <p:timing>
-    <p:tnLst>
-      <p:par>
-        <p:cTn id="1" dur="indefinite" restart="never" nodeType="tmRoot"/>
-      </p:par>
-    </p:tnLst>
-  </p:timing>
-</p:sld>
-</file>
-
-<file path=ppt/slides/slide23.xml><?xml version="1.0" encoding="utf-8"?>
-<p:sld xmlns:a="http://schemas.openxmlformats.org/drawingml/2006/main" xmlns:r="http://schemas.openxmlformats.org/officeDocument/2006/relationships" xmlns:p="http://schemas.openxmlformats.org/presentationml/2006/main">
-  <p:cSld>
-    <p:spTree>
-      <p:nvGrpSpPr>
-        <p:cNvPr id="1" name=""/>
-        <p:cNvGrpSpPr/>
-        <p:nvPr/>
-      </p:nvGrpSpPr>
-      <p:grpSpPr>
-        <a:xfrm>
-          <a:off x="0" y="0"/>
-          <a:ext cx="0" cy="0"/>
-          <a:chOff x="0" y="0"/>
-          <a:chExt cx="0" cy="0"/>
-        </a:xfrm>
-      </p:grpSpPr>
-      <p:sp>
-        <p:nvSpPr>
-          <p:cNvPr id="8" name="Title 1"/>
-          <p:cNvSpPr>
-            <a:spLocks noGrp="1"/>
-          </p:cNvSpPr>
-          <p:nvPr>
-            <p:ph type="title"/>
-          </p:nvPr>
-        </p:nvSpPr>
-        <p:spPr>
-          <a:xfrm>
-            <a:off x="228600" y="579437"/>
-            <a:ext cx="9448800" cy="563563"/>
-          </a:xfrm>
-        </p:spPr>
-        <p:txBody>
-          <a:bodyPr>
-            <a:noAutofit/>
-          </a:bodyPr>
-          <a:lstStyle/>
-          <a:p>
-            <a:r>
-              <a:rPr lang="en-US" sz="2900" cap="all" smtClean="0">
-                <a:ln w="9000" cmpd="sng">
-                  <a:solidFill>
-                    <a:schemeClr val="accent4">
-                      <a:shade val="50000"/>
-                      <a:satMod val="120000"/>
-                    </a:schemeClr>
-                  </a:solidFill>
-                  <a:prstDash val="solid"/>
-                </a:ln>
-                <a:gradFill>
-                  <a:gsLst>
-                    <a:gs pos="0">
-                      <a:schemeClr val="accent4">
-                        <a:shade val="20000"/>
-                        <a:satMod val="245000"/>
-                      </a:schemeClr>
-                    </a:gs>
-                    <a:gs pos="43000">
-                      <a:schemeClr val="accent4">
-                        <a:satMod val="255000"/>
-                      </a:schemeClr>
-                    </a:gs>
-                    <a:gs pos="48000">
-                      <a:schemeClr val="accent4">
-                        <a:shade val="85000"/>
-                        <a:satMod val="255000"/>
-                      </a:schemeClr>
-                    </a:gs>
-                    <a:gs pos="100000">
-                      <a:schemeClr val="accent4">
-                        <a:shade val="20000"/>
-                        <a:satMod val="245000"/>
-                      </a:schemeClr>
-                    </a:gs>
-                  </a:gsLst>
-                  <a:lin ang="5400000"/>
-                </a:gradFill>
-                <a:effectLst>
-                  <a:reflection blurRad="12700" stA="28000" endPos="45000" dist="1000" dir="5400000" sy="-100000" algn="bl" rotWithShape="0"/>
-                </a:effectLst>
-              </a:rPr>
-              <a:t>2.4 bắt các exception</a:t>
-            </a:r>
-            <a:endParaRPr lang="en-US" sz="2900" cap="all">
-              <a:ln w="9000" cmpd="sng">
-                <a:solidFill>
-                  <a:schemeClr val="accent4">
-                    <a:shade val="50000"/>
-                    <a:satMod val="120000"/>
-                  </a:schemeClr>
-                </a:solidFill>
-                <a:prstDash val="solid"/>
-              </a:ln>
-              <a:gradFill>
-                <a:gsLst>
-                  <a:gs pos="0">
-                    <a:schemeClr val="accent4">
-                      <a:shade val="20000"/>
-                      <a:satMod val="245000"/>
-                    </a:schemeClr>
-                  </a:gs>
-                  <a:gs pos="43000">
-                    <a:schemeClr val="accent4">
-                      <a:satMod val="255000"/>
-                    </a:schemeClr>
-                  </a:gs>
-                  <a:gs pos="48000">
-                    <a:schemeClr val="accent4">
-                      <a:shade val="85000"/>
-                      <a:satMod val="255000"/>
-                    </a:schemeClr>
-                  </a:gs>
-                  <a:gs pos="100000">
-                    <a:schemeClr val="accent4">
-                      <a:shade val="20000"/>
-                      <a:satMod val="245000"/>
-                    </a:schemeClr>
-                  </a:gs>
-                </a:gsLst>
-                <a:lin ang="5400000"/>
-              </a:gradFill>
-              <a:effectLst>
-                <a:reflection blurRad="12700" stA="28000" endPos="45000" dist="1000" dir="5400000" sy="-100000" algn="bl" rotWithShape="0"/>
-              </a:effectLst>
-            </a:endParaRPr>
-          </a:p>
-        </p:txBody>
-      </p:sp>
-      <p:sp>
-        <p:nvSpPr>
-          <p:cNvPr id="4" name="Footer Placeholder 3"/>
-          <p:cNvSpPr>
-            <a:spLocks noGrp="1"/>
-          </p:cNvSpPr>
-          <p:nvPr>
-            <p:ph type="ftr" sz="quarter" idx="11"/>
-          </p:nvPr>
-        </p:nvSpPr>
-        <p:spPr/>
-        <p:txBody>
-          <a:bodyPr/>
-          <a:lstStyle/>
-          <a:p>
-            <a:r>
-              <a:rPr lang="en-US" smtClean="0"/>
-              <a:t>www.hcmus.edu.vn</a:t>
-            </a:r>
-            <a:endParaRPr lang="en-US"/>
-          </a:p>
-        </p:txBody>
-      </p:sp>
-      <p:sp>
-        <p:nvSpPr>
-          <p:cNvPr id="6" name="Slide Number Placeholder 11"/>
-          <p:cNvSpPr>
-            <a:spLocks noGrp="1"/>
-          </p:cNvSpPr>
-          <p:nvPr>
-            <p:ph type="sldNum" sz="quarter" idx="12"/>
-          </p:nvPr>
-        </p:nvSpPr>
-        <p:spPr>
-          <a:xfrm>
-            <a:off x="3429000" y="6477000"/>
-            <a:ext cx="2133600" cy="381000"/>
-          </a:xfrm>
-        </p:spPr>
-        <p:txBody>
-          <a:bodyPr/>
-          <a:lstStyle/>
-          <a:p>
-            <a:fld id="{B6F15528-21DE-4FAA-801E-634DDDAF4B2B}" type="slidenum">
-              <a:rPr lang="en-US" sz="2000" smtClean="0"/>
-              <a:pPr/>
-              <a:t>23</a:t>
-            </a:fld>
-            <a:endParaRPr lang="en-US" sz="2000"/>
-          </a:p>
-        </p:txBody>
-      </p:sp>
-      <p:sp>
-        <p:nvSpPr>
-          <p:cNvPr id="5" name="Content Placeholder 2"/>
-          <p:cNvSpPr>
-            <a:spLocks noGrp="1"/>
-          </p:cNvSpPr>
-          <p:nvPr>
-            <p:ph idx="1"/>
-          </p:nvPr>
-        </p:nvSpPr>
-        <p:spPr>
-          <a:xfrm>
-            <a:off x="457200" y="1447800"/>
-            <a:ext cx="8458200" cy="4800600"/>
-          </a:xfrm>
-        </p:spPr>
-        <p:txBody>
-          <a:bodyPr/>
-          <a:lstStyle/>
-          <a:p>
-            <a:pPr marL="342900" lvl="1" indent="-342900">
-              <a:buClrTx/>
-              <a:buFont typeface="Wingdings" pitchFamily="2" charset="2"/>
-              <a:buChar char="q"/>
-            </a:pPr>
-            <a:r>
-              <a:rPr lang="en-US" sz="2400" b="1">
-                <a:solidFill>
-                  <a:srgbClr val="000000"/>
-                </a:solidFill>
-                <a:latin typeface="+mj-lt"/>
-              </a:rPr>
-              <a:t>Throw một ngoại lệ cho chương </a:t>
-            </a:r>
-            <a:r>
-              <a:rPr lang="en-US" sz="2400" b="1">
-                <a:solidFill>
-                  <a:srgbClr val="000000"/>
-                </a:solidFill>
-                <a:latin typeface="+mj-lt"/>
-              </a:rPr>
-              <a:t>trình </a:t>
-            </a:r>
-            <a:r>
-              <a:rPr lang="en-US" sz="2400" b="1" smtClean="0">
-                <a:solidFill>
-                  <a:srgbClr val="000000"/>
-                </a:solidFill>
-                <a:latin typeface="+mj-lt"/>
-              </a:rPr>
-              <a:t>java.</a:t>
-            </a:r>
-            <a:endParaRPr lang="en-US" sz="2400" b="1">
-              <a:solidFill>
-                <a:srgbClr val="000000"/>
-              </a:solidFill>
-              <a:latin typeface="+mj-lt"/>
-            </a:endParaRPr>
-          </a:p>
-          <a:p>
-            <a:pPr marL="0" indent="465138">
-              <a:buClrTx/>
-              <a:buNone/>
-            </a:pPr>
-            <a:r>
-              <a:rPr lang="en-US" sz="2400" b="0">
-                <a:solidFill>
-                  <a:srgbClr val="000000"/>
-                </a:solidFill>
-                <a:latin typeface="+mj-lt"/>
-              </a:rPr>
-              <a:t>JNI cung cấp hai hàm để throw lỗi:</a:t>
-            </a:r>
-          </a:p>
-          <a:p>
-            <a:pPr marL="0" indent="914400">
-              <a:buClrTx/>
-              <a:buNone/>
-            </a:pPr>
-            <a:r>
-              <a:rPr lang="en-US" sz="2000">
-                <a:solidFill>
-                  <a:schemeClr val="accent4">
-                    <a:lumMod val="90000"/>
-                    <a:lumOff val="10000"/>
-                  </a:schemeClr>
-                </a:solidFill>
-                <a:latin typeface="+mj-lt"/>
-              </a:rPr>
-              <a:t>jint Throw(JNIEnv *env, jthrowable </a:t>
-            </a:r>
-            <a:r>
-              <a:rPr lang="en-US" sz="2000">
-                <a:solidFill>
-                  <a:schemeClr val="accent4">
-                    <a:lumMod val="90000"/>
-                    <a:lumOff val="10000"/>
-                  </a:schemeClr>
-                </a:solidFill>
-                <a:latin typeface="+mj-lt"/>
-              </a:rPr>
-              <a:t>obj</a:t>
-            </a:r>
-            <a:r>
-              <a:rPr lang="en-US" sz="2000" smtClean="0">
-                <a:solidFill>
-                  <a:schemeClr val="accent4">
-                    <a:lumMod val="90000"/>
-                    <a:lumOff val="10000"/>
-                  </a:schemeClr>
-                </a:solidFill>
-                <a:latin typeface="+mj-lt"/>
-              </a:rPr>
-              <a:t>);</a:t>
-            </a:r>
-            <a:endParaRPr lang="en-US" sz="2000">
-              <a:solidFill>
-                <a:schemeClr val="accent4">
-                  <a:lumMod val="90000"/>
-                  <a:lumOff val="10000"/>
-                </a:schemeClr>
-              </a:solidFill>
-              <a:latin typeface="+mj-lt"/>
-            </a:endParaRPr>
-          </a:p>
-          <a:p>
-            <a:pPr marL="0" indent="914400">
-              <a:buClrTx/>
-              <a:buNone/>
-            </a:pPr>
-            <a:r>
-              <a:rPr lang="en-US" sz="2000">
-                <a:solidFill>
-                  <a:schemeClr val="accent4">
-                    <a:lumMod val="90000"/>
-                    <a:lumOff val="10000"/>
-                  </a:schemeClr>
-                </a:solidFill>
-                <a:latin typeface="+mj-lt"/>
-              </a:rPr>
-              <a:t>jint ThrowNew(JNIEnv *env, jclass clazz, const char *message);</a:t>
-            </a:r>
-          </a:p>
-          <a:p>
-            <a:pPr>
-              <a:buClrTx/>
-              <a:buFont typeface="Wingdings" pitchFamily="2" charset="2"/>
-              <a:buChar char="q"/>
-            </a:pPr>
-            <a:endParaRPr lang="en-US" sz="2400" b="0" smtClean="0">
-              <a:solidFill>
-                <a:srgbClr val="000000"/>
-              </a:solidFill>
-            </a:endParaRPr>
-          </a:p>
-          <a:p>
-            <a:pPr>
-              <a:buClrTx/>
-              <a:buFont typeface="Wingdings" pitchFamily="2" charset="2"/>
-              <a:buChar char="q"/>
-            </a:pPr>
-            <a:r>
-              <a:rPr lang="en-US" sz="2400">
-                <a:solidFill>
-                  <a:srgbClr val="000000"/>
-                </a:solidFill>
-              </a:rPr>
-              <a:t>Lưu ý </a:t>
-            </a:r>
-            <a:r>
-              <a:rPr lang="en-US" sz="2400" b="0">
-                <a:solidFill>
-                  <a:srgbClr val="000000"/>
-                </a:solidFill>
-              </a:rPr>
-              <a:t>là khi Throw một ngoại lệ thì native code vẫn tiếp tục chạy. Khi kết thúc hàm native thì JVM mới phát sinh ra ngoại lệ</a:t>
-            </a:r>
-            <a:r>
-              <a:rPr lang="en-US" sz="2400" b="0">
-                <a:solidFill>
-                  <a:srgbClr val="000000"/>
-                </a:solidFill>
-              </a:rPr>
-              <a:t>. </a:t>
-            </a:r>
-            <a:r>
-              <a:rPr lang="en-US" sz="2400" b="0" smtClean="0">
-                <a:solidFill>
-                  <a:srgbClr val="000000"/>
-                </a:solidFill>
-              </a:rPr>
-              <a:t>Nên </a:t>
-            </a:r>
-            <a:r>
-              <a:rPr lang="en-US" sz="2400" b="0">
-                <a:solidFill>
-                  <a:srgbClr val="000000"/>
-                </a:solidFill>
-              </a:rPr>
-              <a:t>nếu muốn native code không chạy tiếp khi có ngoại lệ thì cần gọi return ngay sau lệnh Throw.</a:t>
-            </a:r>
-          </a:p>
-          <a:p>
-            <a:pPr>
-              <a:buClrTx/>
-              <a:buFont typeface="Wingdings" pitchFamily="2" charset="2"/>
-              <a:buChar char="q"/>
-            </a:pPr>
-            <a:endParaRPr lang="en-US" sz="2400" b="0">
-              <a:solidFill>
-                <a:srgbClr val="000000"/>
-              </a:solidFill>
-            </a:endParaRPr>
-          </a:p>
-        </p:txBody>
-      </p:sp>
-    </p:spTree>
-    <p:extLst>
-      <p:ext uri="{BB962C8B-B14F-4D97-AF65-F5344CB8AC3E}">
-        <p14:creationId xmlns:p14="http://schemas.microsoft.com/office/powerpoint/2010/main" val="576245142"/>
       </p:ext>
     </p:extLst>
   </p:cSld>
@@ -20895,69 +20797,46 @@
         <p:spPr>
           <a:xfrm>
             <a:off x="457200" y="1447800"/>
-            <a:ext cx="8534400" cy="4800600"/>
+            <a:ext cx="8458200" cy="4800600"/>
           </a:xfrm>
         </p:spPr>
         <p:txBody>
           <a:bodyPr/>
           <a:lstStyle/>
           <a:p>
-            <a:pPr marL="522288" lvl="1" indent="-457200">
+            <a:pPr marL="342900" lvl="1" indent="-342900">
               <a:buClrTx/>
               <a:buFont typeface="Wingdings" pitchFamily="2" charset="2"/>
               <a:buChar char="q"/>
             </a:pPr>
             <a:r>
-              <a:rPr lang="en-US" b="1">
+              <a:rPr lang="en-US" sz="2400" b="1">
                 <a:solidFill>
                   <a:srgbClr val="000000"/>
                 </a:solidFill>
                 <a:latin typeface="+mj-lt"/>
               </a:rPr>
-              <a:t>Nhận ngoại lệ từ chương trình Java</a:t>
-            </a:r>
-          </a:p>
-          <a:p>
-            <a:pPr marL="65088" indent="400050">
-              <a:buNone/>
-            </a:pPr>
-            <a:r>
-              <a:rPr lang="en-US" b="0" smtClean="0">
+              <a:t>Throw một ngoại lệ cho chương </a:t>
+            </a:r>
+            <a:r>
+              <a:rPr lang="en-US" sz="2400" b="1">
                 <a:solidFill>
                   <a:srgbClr val="000000"/>
                 </a:solidFill>
                 <a:latin typeface="+mj-lt"/>
               </a:rPr>
-              <a:t>JNI cung cấp </a:t>
-            </a:r>
-            <a:r>
-              <a:rPr lang="en-US" b="0">
+              <a:t>trình </a:t>
+            </a:r>
+            <a:r>
+              <a:rPr lang="en-US" sz="2400" b="1" smtClean="0">
                 <a:solidFill>
                   <a:srgbClr val="000000"/>
                 </a:solidFill>
                 <a:latin typeface="+mj-lt"/>
               </a:rPr>
-              <a:t>hai hàm kiểm tra xem có ngoại lệ xảy ra không và hàm lấy về đối tượng ngoại </a:t>
-            </a:r>
-            <a:r>
-              <a:rPr lang="en-US" b="0">
-                <a:solidFill>
-                  <a:srgbClr val="000000"/>
-                </a:solidFill>
-                <a:latin typeface="+mj-lt"/>
-              </a:rPr>
-              <a:t>lệ</a:t>
-            </a:r>
-            <a:r>
-              <a:rPr lang="en-US" b="0" smtClean="0">
-                <a:solidFill>
-                  <a:srgbClr val="000000"/>
-                </a:solidFill>
-                <a:latin typeface="+mj-lt"/>
-              </a:rPr>
-              <a:t>:</a:t>
-            </a:r>
-            <a:endParaRPr lang="en-US" b="0">
+              <a:t>java.</a:t>
+            </a:r>
+            <a:endParaRPr lang="en-US" sz="2400" b="1">
               <a:solidFill>
                 <a:srgbClr val="000000"/>
               </a:solidFill>
@@ -20965,11 +20844,27 @@
             </a:endParaRPr>
           </a:p>
           <a:p>
-            <a:pPr marL="65088" indent="400050">
+            <a:pPr marL="0" indent="465138">
+              <a:buClrTx/>
               <a:buNone/>
             </a:pPr>
             <a:r>
-              <a:rPr lang="en-US" sz="2400">
+              <a:rPr lang="en-US" sz="2400" b="0">
+                <a:solidFill>
+                  <a:srgbClr val="000000"/>
+                </a:solidFill>
+                <a:latin typeface="+mj-lt"/>
+              </a:rPr>
+              <a:t>JNI cung cấp hai hàm để throw lỗi:</a:t>
+            </a:r>
+          </a:p>
+          <a:p>
+            <a:pPr marL="0" indent="914400">
+              <a:buClrTx/>
+              <a:buNone/>
+            </a:pPr>
+            <a:r>
+              <a:rPr lang="en-US" sz="2000">
                 <a:solidFill>
                   <a:schemeClr val="accent4">
                     <a:lumMod val="90000"/>
@@ -20978,10 +20873,10 @@
                 </a:solidFill>
                 <a:latin typeface="+mj-lt"/>
               </a:rPr>
-              <a:t>jboolean ExceptionCheck(JNIEnv *</a:t>
-            </a:r>
-            <a:r>
-              <a:rPr lang="en-US" sz="2400">
+              <a:t>jint Throw(JNIEnv *env, jthrowable </a:t>
+            </a:r>
+            <a:r>
+              <a:rPr lang="en-US" sz="2000">
                 <a:solidFill>
                   <a:schemeClr val="accent4">
                     <a:lumMod val="90000"/>
@@ -20990,10 +20885,10 @@
                 </a:solidFill>
                 <a:latin typeface="+mj-lt"/>
               </a:rPr>
-              <a:t>env</a:t>
-            </a:r>
-            <a:r>
-              <a:rPr lang="en-US" sz="2400" smtClean="0">
+              <a:t>obj</a:t>
+            </a:r>
+            <a:r>
+              <a:rPr lang="en-US" sz="2000" smtClean="0">
                 <a:solidFill>
                   <a:schemeClr val="accent4">
                     <a:lumMod val="90000"/>
@@ -21004,7 +20899,7 @@
               </a:rPr>
               <a:t>);</a:t>
             </a:r>
-            <a:endParaRPr lang="en-US" sz="2400">
+            <a:endParaRPr lang="en-US" sz="2000">
               <a:solidFill>
                 <a:schemeClr val="accent4">
                   <a:lumMod val="90000"/>
@@ -21015,11 +20910,12 @@
             </a:endParaRPr>
           </a:p>
           <a:p>
-            <a:pPr marL="65088" indent="400050">
+            <a:pPr marL="0" indent="914400">
+              <a:buClrTx/>
               <a:buNone/>
             </a:pPr>
             <a:r>
-              <a:rPr lang="en-US" sz="2400">
+              <a:rPr lang="en-US" sz="2000">
                 <a:solidFill>
                   <a:schemeClr val="accent4">
                     <a:lumMod val="90000"/>
@@ -21028,54 +20924,77 @@
                 </a:solidFill>
                 <a:latin typeface="+mj-lt"/>
               </a:rPr>
-              <a:t>jthrowable ExceptionOccurred(JNIEnv *</a:t>
-            </a:r>
-            <a:r>
-              <a:rPr lang="en-US" sz="2400">
-                <a:solidFill>
-                  <a:schemeClr val="accent4">
-                    <a:lumMod val="90000"/>
-                    <a:lumOff val="10000"/>
-                  </a:schemeClr>
-                </a:solidFill>
-                <a:latin typeface="+mj-lt"/>
-              </a:rPr>
-              <a:t>env</a:t>
-            </a:r>
-            <a:r>
-              <a:rPr lang="en-US" sz="2400" smtClean="0">
-                <a:solidFill>
-                  <a:schemeClr val="accent4">
-                    <a:lumMod val="90000"/>
-                    <a:lumOff val="10000"/>
-                  </a:schemeClr>
-                </a:solidFill>
-                <a:latin typeface="+mj-lt"/>
-              </a:rPr>
-              <a:t>);</a:t>
-            </a:r>
-            <a:endParaRPr lang="en-US" sz="2400">
-              <a:solidFill>
-                <a:schemeClr val="accent4">
-                  <a:lumMod val="90000"/>
-                  <a:lumOff val="10000"/>
-                </a:schemeClr>
-              </a:solidFill>
-              <a:latin typeface="+mj-lt"/>
-            </a:endParaRPr>
-          </a:p>
-          <a:p>
-            <a:pPr marL="65088" indent="400050">
+              <a:t>jint ThrowNew(JNIEnv *env, jclass clazz, const char *message);</a:t>
+            </a:r>
+          </a:p>
+          <a:p>
+            <a:pPr>
               <a:buClrTx/>
               <a:buFont typeface="Wingdings" pitchFamily="2" charset="2"/>
               <a:buChar char="q"/>
             </a:pPr>
-            <a:endParaRPr lang="en-US" b="0">
+            <a:endParaRPr lang="en-US" sz="2400" b="0" smtClean="0">
               <a:solidFill>
-                <a:schemeClr val="accent4">
-                  <a:lumMod val="90000"/>
-                  <a:lumOff val="10000"/>
-                </a:schemeClr>
+                <a:srgbClr val="000000"/>
+              </a:solidFill>
+            </a:endParaRPr>
+          </a:p>
+          <a:p>
+            <a:pPr>
+              <a:buClrTx/>
+              <a:buFont typeface="Wingdings" pitchFamily="2" charset="2"/>
+              <a:buChar char="q"/>
+            </a:pPr>
+            <a:r>
+              <a:rPr lang="en-US" sz="2400">
+                <a:solidFill>
+                  <a:srgbClr val="000000"/>
+                </a:solidFill>
+              </a:rPr>
+              <a:t>Lưu ý </a:t>
+            </a:r>
+            <a:r>
+              <a:rPr lang="en-US" sz="2400" b="0">
+                <a:solidFill>
+                  <a:srgbClr val="000000"/>
+                </a:solidFill>
+              </a:rPr>
+              <a:t>là khi Throw một ngoại lệ thì native code vẫn tiếp tục chạy. Khi kết thúc hàm native thì JVM mới phát sinh ra ngoại lệ</a:t>
+            </a:r>
+            <a:r>
+              <a:rPr lang="en-US" sz="2400" b="0">
+                <a:solidFill>
+                  <a:srgbClr val="000000"/>
+                </a:solidFill>
+              </a:rPr>
+              <a:t>. </a:t>
+            </a:r>
+            <a:r>
+              <a:rPr lang="en-US" sz="2400" b="0" smtClean="0">
+                <a:solidFill>
+                  <a:srgbClr val="000000"/>
+                </a:solidFill>
+              </a:rPr>
+              <a:t>Nên </a:t>
+            </a:r>
+            <a:r>
+              <a:rPr lang="en-US" sz="2400" b="0">
+                <a:solidFill>
+                  <a:srgbClr val="000000"/>
+                </a:solidFill>
+              </a:rPr>
+              <a:t>nếu muốn native code không chạy tiếp khi có ngoại lệ thì cần gọi return ngay sau lệnh Throw.</a:t>
+            </a:r>
+          </a:p>
+          <a:p>
+            <a:pPr>
+              <a:buClrTx/>
+              <a:buFont typeface="Wingdings" pitchFamily="2" charset="2"/>
+              <a:buChar char="q"/>
+            </a:pPr>
+            <a:endParaRPr lang="en-US" sz="2400" b="0">
+              <a:solidFill>
+                <a:srgbClr val="000000"/>
               </a:solidFill>
             </a:endParaRPr>
           </a:p>
@@ -21084,7 +21003,7 @@
     </p:spTree>
     <p:extLst>
       <p:ext uri="{BB962C8B-B14F-4D97-AF65-F5344CB8AC3E}">
-        <p14:creationId xmlns:p14="http://schemas.microsoft.com/office/powerpoint/2010/main" val="3093473815"/>
+        <p14:creationId xmlns:p14="http://schemas.microsoft.com/office/powerpoint/2010/main" val="576245142"/>
       </p:ext>
     </p:extLst>
   </p:cSld>
@@ -21183,7 +21102,7 @@
                   <a:reflection blurRad="12700" stA="28000" endPos="45000" dist="1000" dir="5400000" sy="-100000" algn="bl" rotWithShape="0"/>
                 </a:effectLst>
               </a:rPr>
-              <a:t>2.5 the invocation api</a:t>
+              <a:t>2.4 bắt các exception</a:t>
             </a:r>
             <a:endParaRPr lang="en-US" sz="2900" cap="all">
               <a:ln w="9000" cmpd="sng">
@@ -21232,224 +21151,6 @@
       </p:sp>
       <p:sp>
         <p:nvSpPr>
-          <p:cNvPr id="2" name="Content Placeholder 1"/>
-          <p:cNvSpPr>
-            <a:spLocks noGrp="1"/>
-          </p:cNvSpPr>
-          <p:nvPr>
-            <p:ph idx="1"/>
-          </p:nvPr>
-        </p:nvSpPr>
-        <p:spPr>
-          <a:xfrm>
-            <a:off x="457200" y="1447800"/>
-            <a:ext cx="8458200" cy="4800600"/>
-          </a:xfrm>
-        </p:spPr>
-        <p:txBody>
-          <a:bodyPr/>
-          <a:lstStyle/>
-          <a:p>
-            <a:pPr marL="0" indent="457200" algn="just">
-              <a:buClrTx/>
-              <a:buNone/>
-            </a:pPr>
-            <a:r>
-              <a:rPr lang="en-US" b="0" smtClean="0">
-                <a:solidFill>
-                  <a:srgbClr val="000000"/>
-                </a:solidFill>
-              </a:rPr>
-              <a:t>Invocation </a:t>
-            </a:r>
-            <a:r>
-              <a:rPr lang="en-US" b="0">
-                <a:solidFill>
-                  <a:srgbClr val="000000"/>
-                </a:solidFill>
-              </a:rPr>
-              <a:t>API của JVM sẽ </a:t>
-            </a:r>
-            <a:r>
-              <a:rPr lang="en-US" b="0">
-                <a:solidFill>
-                  <a:srgbClr val="000000"/>
-                </a:solidFill>
-              </a:rPr>
-              <a:t>giúp </a:t>
-            </a:r>
-            <a:r>
-              <a:rPr lang="en-US" b="0" smtClean="0">
-                <a:solidFill>
-                  <a:srgbClr val="000000"/>
-                </a:solidFill>
-              </a:rPr>
-              <a:t>chúng </a:t>
-            </a:r>
-            <a:r>
-              <a:rPr lang="en-US" b="0">
-                <a:solidFill>
-                  <a:srgbClr val="000000"/>
-                </a:solidFill>
-              </a:rPr>
-              <a:t>ta tạo một Java Virtual Machine trong chương trình C/C++.</a:t>
-            </a:r>
-          </a:p>
-          <a:p>
-            <a:pPr marL="0" indent="457200" algn="just">
-              <a:buClrTx/>
-              <a:buNone/>
-            </a:pPr>
-            <a:r>
-              <a:rPr lang="en-US" b="0" smtClean="0">
-                <a:solidFill>
-                  <a:srgbClr val="000000"/>
-                </a:solidFill>
-              </a:rPr>
-              <a:t>Hàm </a:t>
-            </a:r>
-            <a:r>
-              <a:rPr lang="en-US" b="0">
-                <a:solidFill>
-                  <a:srgbClr val="000000"/>
-                </a:solidFill>
-              </a:rPr>
-              <a:t>để tạo và hủy máy </a:t>
-            </a:r>
-            <a:r>
-              <a:rPr lang="en-US" b="0">
-                <a:solidFill>
-                  <a:srgbClr val="000000"/>
-                </a:solidFill>
-              </a:rPr>
-              <a:t>ảo </a:t>
-            </a:r>
-            <a:r>
-              <a:rPr lang="en-US" b="0" smtClean="0">
-                <a:solidFill>
-                  <a:srgbClr val="000000"/>
-                </a:solidFill>
-              </a:rPr>
-              <a:t>java trong JNI.</a:t>
-            </a:r>
-          </a:p>
-          <a:p>
-            <a:pPr marL="0" indent="457200" algn="just">
-              <a:buClrTx/>
-              <a:buNone/>
-            </a:pPr>
-            <a:r>
-              <a:rPr lang="en-US" b="0" i="1" smtClean="0">
-                <a:solidFill>
-                  <a:srgbClr val="000000"/>
-                </a:solidFill>
-              </a:rPr>
-              <a:t>Tạo:</a:t>
-            </a:r>
-          </a:p>
-          <a:p>
-            <a:pPr marL="0" indent="857250" algn="just">
-              <a:buClrTx/>
-              <a:buNone/>
-            </a:pPr>
-            <a:r>
-              <a:rPr lang="en-US" sz="2400">
-                <a:solidFill>
-                  <a:schemeClr val="accent4">
-                    <a:lumMod val="90000"/>
-                    <a:lumOff val="10000"/>
-                  </a:schemeClr>
-                </a:solidFill>
-              </a:rPr>
-              <a:t>jint JNI_CreateJavaVM(JavaVM** p_jvm, void** p_env, JavaVMInitArgs* </a:t>
-            </a:r>
-            <a:r>
-              <a:rPr lang="en-US" sz="2400">
-                <a:solidFill>
-                  <a:schemeClr val="accent4">
-                    <a:lumMod val="90000"/>
-                    <a:lumOff val="10000"/>
-                  </a:schemeClr>
-                </a:solidFill>
-              </a:rPr>
-              <a:t>vm_args</a:t>
-            </a:r>
-            <a:r>
-              <a:rPr lang="en-US" sz="2400" smtClean="0">
-                <a:solidFill>
-                  <a:schemeClr val="accent4">
-                    <a:lumMod val="90000"/>
-                    <a:lumOff val="10000"/>
-                  </a:schemeClr>
-                </a:solidFill>
-              </a:rPr>
-              <a:t>)</a:t>
-            </a:r>
-          </a:p>
-          <a:p>
-            <a:pPr marL="0" indent="457200" algn="just">
-              <a:buClrTx/>
-              <a:buNone/>
-            </a:pPr>
-            <a:r>
-              <a:rPr lang="en-US" b="0" i="1" smtClean="0">
-                <a:solidFill>
-                  <a:srgbClr val="000000"/>
-                </a:solidFill>
-              </a:rPr>
-              <a:t>Hủy:</a:t>
-            </a:r>
-            <a:endParaRPr lang="en-US" b="0" i="1">
-              <a:solidFill>
-                <a:srgbClr val="000000"/>
-              </a:solidFill>
-            </a:endParaRPr>
-          </a:p>
-          <a:p>
-            <a:pPr marL="0" indent="914400" algn="just">
-              <a:buClrTx/>
-              <a:buNone/>
-            </a:pPr>
-            <a:r>
-              <a:rPr lang="en-US" sz="2400">
-                <a:solidFill>
-                  <a:schemeClr val="accent4">
-                    <a:lumMod val="90000"/>
-                    <a:lumOff val="10000"/>
-                  </a:schemeClr>
-                </a:solidFill>
-              </a:rPr>
-              <a:t>jint DestroyJavaVM(JavaVM* jvm)</a:t>
-            </a:r>
-          </a:p>
-          <a:p>
-            <a:pPr marL="0" indent="457200" algn="just">
-              <a:buClrTx/>
-              <a:buNone/>
-            </a:pPr>
-            <a:endParaRPr lang="en-US" b="0">
-              <a:solidFill>
-                <a:schemeClr val="accent4">
-                  <a:lumMod val="90000"/>
-                  <a:lumOff val="10000"/>
-                </a:schemeClr>
-              </a:solidFill>
-            </a:endParaRPr>
-          </a:p>
-          <a:p>
-            <a:pPr algn="just">
-              <a:buClrTx/>
-            </a:pPr>
-            <a:endParaRPr lang="en-US">
-              <a:solidFill>
-                <a:srgbClr val="000000"/>
-              </a:solidFill>
-            </a:endParaRPr>
-          </a:p>
-        </p:txBody>
-      </p:sp>
-      <p:sp>
-        <p:nvSpPr>
           <p:cNvPr id="4" name="Footer Placeholder 3"/>
           <p:cNvSpPr>
             <a:spLocks noGrp="1"/>
@@ -21500,10 +21201,209 @@
           </a:p>
         </p:txBody>
       </p:sp>
+      <p:sp>
+        <p:nvSpPr>
+          <p:cNvPr id="5" name="Content Placeholder 2"/>
+          <p:cNvSpPr>
+            <a:spLocks noGrp="1"/>
+          </p:cNvSpPr>
+          <p:nvPr>
+            <p:ph idx="1"/>
+          </p:nvPr>
+        </p:nvSpPr>
+        <p:spPr>
+          <a:xfrm>
+            <a:off x="457200" y="1447800"/>
+            <a:ext cx="8534400" cy="4800600"/>
+          </a:xfrm>
+        </p:spPr>
+        <p:txBody>
+          <a:bodyPr/>
+          <a:lstStyle/>
+          <a:p>
+            <a:pPr marL="522288" lvl="1" indent="-457200">
+              <a:buClrTx/>
+              <a:buFont typeface="Wingdings" pitchFamily="2" charset="2"/>
+              <a:buChar char="q"/>
+            </a:pPr>
+            <a:r>
+              <a:rPr lang="en-US" b="1">
+                <a:solidFill>
+                  <a:srgbClr val="000000"/>
+                </a:solidFill>
+                <a:latin typeface="+mj-lt"/>
+              </a:rPr>
+              <a:t>Nhận ngoại lệ từ chương trình Java</a:t>
+            </a:r>
+          </a:p>
+          <a:p>
+            <a:pPr marL="65088" indent="400050">
+              <a:buNone/>
+            </a:pPr>
+            <a:r>
+              <a:rPr lang="en-US" b="0" smtClean="0">
+                <a:solidFill>
+                  <a:srgbClr val="000000"/>
+                </a:solidFill>
+                <a:latin typeface="+mj-lt"/>
+              </a:rPr>
+              <a:t>JNI cung cấp </a:t>
+            </a:r>
+            <a:r>
+              <a:rPr lang="en-US" b="0">
+                <a:solidFill>
+                  <a:srgbClr val="000000"/>
+                </a:solidFill>
+                <a:latin typeface="+mj-lt"/>
+              </a:rPr>
+              <a:t>hai hàm kiểm tra xem có ngoại lệ xảy ra không và hàm lấy về đối tượng ngoại </a:t>
+            </a:r>
+            <a:r>
+              <a:rPr lang="en-US" b="0">
+                <a:solidFill>
+                  <a:srgbClr val="000000"/>
+                </a:solidFill>
+                <a:latin typeface="+mj-lt"/>
+              </a:rPr>
+              <a:t>lệ</a:t>
+            </a:r>
+            <a:r>
+              <a:rPr lang="en-US" b="0" smtClean="0">
+                <a:solidFill>
+                  <a:srgbClr val="000000"/>
+                </a:solidFill>
+                <a:latin typeface="+mj-lt"/>
+              </a:rPr>
+              <a:t>:</a:t>
+            </a:r>
+            <a:endParaRPr lang="en-US" b="0">
+              <a:solidFill>
+                <a:srgbClr val="000000"/>
+              </a:solidFill>
+              <a:latin typeface="+mj-lt"/>
+            </a:endParaRPr>
+          </a:p>
+          <a:p>
+            <a:pPr marL="65088" indent="400050">
+              <a:buNone/>
+            </a:pPr>
+            <a:r>
+              <a:rPr lang="en-US" sz="2400">
+                <a:solidFill>
+                  <a:schemeClr val="accent4">
+                    <a:lumMod val="90000"/>
+                    <a:lumOff val="10000"/>
+                  </a:schemeClr>
+                </a:solidFill>
+                <a:latin typeface="+mj-lt"/>
+              </a:rPr>
+              <a:t>jboolean ExceptionCheck(JNIEnv *</a:t>
+            </a:r>
+            <a:r>
+              <a:rPr lang="en-US" sz="2400">
+                <a:solidFill>
+                  <a:schemeClr val="accent4">
+                    <a:lumMod val="90000"/>
+                    <a:lumOff val="10000"/>
+                  </a:schemeClr>
+                </a:solidFill>
+                <a:latin typeface="+mj-lt"/>
+              </a:rPr>
+              <a:t>env</a:t>
+            </a:r>
+            <a:r>
+              <a:rPr lang="en-US" sz="2400" smtClean="0">
+                <a:solidFill>
+                  <a:schemeClr val="accent4">
+                    <a:lumMod val="90000"/>
+                    <a:lumOff val="10000"/>
+                  </a:schemeClr>
+                </a:solidFill>
+                <a:latin typeface="+mj-lt"/>
+              </a:rPr>
+              <a:t>);</a:t>
+            </a:r>
+            <a:endParaRPr lang="en-US" sz="2400">
+              <a:solidFill>
+                <a:schemeClr val="accent4">
+                  <a:lumMod val="90000"/>
+                  <a:lumOff val="10000"/>
+                </a:schemeClr>
+              </a:solidFill>
+              <a:latin typeface="+mj-lt"/>
+            </a:endParaRPr>
+          </a:p>
+          <a:p>
+            <a:pPr marL="65088" indent="400050">
+              <a:buNone/>
+            </a:pPr>
+            <a:r>
+              <a:rPr lang="en-US" sz="2400">
+                <a:solidFill>
+                  <a:schemeClr val="accent4">
+                    <a:lumMod val="90000"/>
+                    <a:lumOff val="10000"/>
+                  </a:schemeClr>
+                </a:solidFill>
+                <a:latin typeface="+mj-lt"/>
+              </a:rPr>
+              <a:t>jthrowable ExceptionOccurred(JNIEnv *</a:t>
+            </a:r>
+            <a:r>
+              <a:rPr lang="en-US" sz="2400">
+                <a:solidFill>
+                  <a:schemeClr val="accent4">
+                    <a:lumMod val="90000"/>
+                    <a:lumOff val="10000"/>
+                  </a:schemeClr>
+                </a:solidFill>
+                <a:latin typeface="+mj-lt"/>
+              </a:rPr>
+              <a:t>env</a:t>
+            </a:r>
+            <a:r>
+              <a:rPr lang="en-US" sz="2400" smtClean="0">
+                <a:solidFill>
+                  <a:schemeClr val="accent4">
+                    <a:lumMod val="90000"/>
+                    <a:lumOff val="10000"/>
+                  </a:schemeClr>
+                </a:solidFill>
+                <a:latin typeface="+mj-lt"/>
+              </a:rPr>
+              <a:t>);</a:t>
+            </a:r>
+            <a:endParaRPr lang="en-US" sz="2400">
+              <a:solidFill>
+                <a:schemeClr val="accent4">
+                  <a:lumMod val="90000"/>
+                  <a:lumOff val="10000"/>
+                </a:schemeClr>
+              </a:solidFill>
+              <a:latin typeface="+mj-lt"/>
+            </a:endParaRPr>
+          </a:p>
+          <a:p>
+            <a:pPr marL="65088" indent="400050">
+              <a:buClrTx/>
+              <a:buFont typeface="Wingdings" pitchFamily="2" charset="2"/>
+              <a:buChar char="q"/>
+            </a:pPr>
+            <a:endParaRPr lang="en-US" b="0">
+              <a:solidFill>
+                <a:schemeClr val="accent4">
+                  <a:lumMod val="90000"/>
+                  <a:lumOff val="10000"/>
+                </a:schemeClr>
+              </a:solidFill>
+            </a:endParaRPr>
+          </a:p>
+        </p:txBody>
+      </p:sp>
     </p:spTree>
     <p:extLst>
       <p:ext uri="{BB962C8B-B14F-4D97-AF65-F5344CB8AC3E}">
-        <p14:creationId xmlns:p14="http://schemas.microsoft.com/office/powerpoint/2010/main" val="618163558"/>
+        <p14:creationId xmlns:p14="http://schemas.microsoft.com/office/powerpoint/2010/main" val="3093473815"/>
       </p:ext>
     </p:extLst>
   </p:cSld>
@@ -21602,7 +21502,7 @@
                   <a:reflection blurRad="12700" stA="28000" endPos="45000" dist="1000" dir="5400000" sy="-100000" algn="bl" rotWithShape="0"/>
                 </a:effectLst>
               </a:rPr>
-              <a:t>2.6 demo Hello world</a:t>
+              <a:t>2.5 the invocation api</a:t>
             </a:r>
             <a:endParaRPr lang="en-US" sz="2900" cap="all">
               <a:ln w="9000" cmpd="sng">
@@ -21651,6 +21551,224 @@
       </p:sp>
       <p:sp>
         <p:nvSpPr>
+          <p:cNvPr id="2" name="Content Placeholder 1"/>
+          <p:cNvSpPr>
+            <a:spLocks noGrp="1"/>
+          </p:cNvSpPr>
+          <p:nvPr>
+            <p:ph idx="1"/>
+          </p:nvPr>
+        </p:nvSpPr>
+        <p:spPr>
+          <a:xfrm>
+            <a:off x="457200" y="1447800"/>
+            <a:ext cx="8458200" cy="4800600"/>
+          </a:xfrm>
+        </p:spPr>
+        <p:txBody>
+          <a:bodyPr/>
+          <a:lstStyle/>
+          <a:p>
+            <a:pPr marL="0" indent="457200" algn="just">
+              <a:buClrTx/>
+              <a:buNone/>
+            </a:pPr>
+            <a:r>
+              <a:rPr lang="en-US" b="0" smtClean="0">
+                <a:solidFill>
+                  <a:srgbClr val="000000"/>
+                </a:solidFill>
+              </a:rPr>
+              <a:t>Invocation </a:t>
+            </a:r>
+            <a:r>
+              <a:rPr lang="en-US" b="0">
+                <a:solidFill>
+                  <a:srgbClr val="000000"/>
+                </a:solidFill>
+              </a:rPr>
+              <a:t>API của JVM sẽ </a:t>
+            </a:r>
+            <a:r>
+              <a:rPr lang="en-US" b="0">
+                <a:solidFill>
+                  <a:srgbClr val="000000"/>
+                </a:solidFill>
+              </a:rPr>
+              <a:t>giúp </a:t>
+            </a:r>
+            <a:r>
+              <a:rPr lang="en-US" b="0" smtClean="0">
+                <a:solidFill>
+                  <a:srgbClr val="000000"/>
+                </a:solidFill>
+              </a:rPr>
+              <a:t>chúng </a:t>
+            </a:r>
+            <a:r>
+              <a:rPr lang="en-US" b="0">
+                <a:solidFill>
+                  <a:srgbClr val="000000"/>
+                </a:solidFill>
+              </a:rPr>
+              <a:t>ta tạo một Java Virtual Machine trong chương trình C/C++.</a:t>
+            </a:r>
+          </a:p>
+          <a:p>
+            <a:pPr marL="0" indent="457200" algn="just">
+              <a:buClrTx/>
+              <a:buNone/>
+            </a:pPr>
+            <a:r>
+              <a:rPr lang="en-US" b="0" smtClean="0">
+                <a:solidFill>
+                  <a:srgbClr val="000000"/>
+                </a:solidFill>
+              </a:rPr>
+              <a:t>Hàm </a:t>
+            </a:r>
+            <a:r>
+              <a:rPr lang="en-US" b="0">
+                <a:solidFill>
+                  <a:srgbClr val="000000"/>
+                </a:solidFill>
+              </a:rPr>
+              <a:t>để tạo và hủy máy </a:t>
+            </a:r>
+            <a:r>
+              <a:rPr lang="en-US" b="0">
+                <a:solidFill>
+                  <a:srgbClr val="000000"/>
+                </a:solidFill>
+              </a:rPr>
+              <a:t>ảo </a:t>
+            </a:r>
+            <a:r>
+              <a:rPr lang="en-US" b="0" smtClean="0">
+                <a:solidFill>
+                  <a:srgbClr val="000000"/>
+                </a:solidFill>
+              </a:rPr>
+              <a:t>java trong JNI.</a:t>
+            </a:r>
+          </a:p>
+          <a:p>
+            <a:pPr marL="0" indent="457200" algn="just">
+              <a:buClrTx/>
+              <a:buNone/>
+            </a:pPr>
+            <a:r>
+              <a:rPr lang="en-US" b="0" i="1" smtClean="0">
+                <a:solidFill>
+                  <a:srgbClr val="000000"/>
+                </a:solidFill>
+              </a:rPr>
+              <a:t>Tạo:</a:t>
+            </a:r>
+          </a:p>
+          <a:p>
+            <a:pPr marL="0" indent="857250" algn="just">
+              <a:buClrTx/>
+              <a:buNone/>
+            </a:pPr>
+            <a:r>
+              <a:rPr lang="en-US" sz="2400">
+                <a:solidFill>
+                  <a:schemeClr val="accent4">
+                    <a:lumMod val="90000"/>
+                    <a:lumOff val="10000"/>
+                  </a:schemeClr>
+                </a:solidFill>
+              </a:rPr>
+              <a:t>jint JNI_CreateJavaVM(JavaVM** p_jvm, void** p_env, JavaVMInitArgs* </a:t>
+            </a:r>
+            <a:r>
+              <a:rPr lang="en-US" sz="2400">
+                <a:solidFill>
+                  <a:schemeClr val="accent4">
+                    <a:lumMod val="90000"/>
+                    <a:lumOff val="10000"/>
+                  </a:schemeClr>
+                </a:solidFill>
+              </a:rPr>
+              <a:t>vm_args</a:t>
+            </a:r>
+            <a:r>
+              <a:rPr lang="en-US" sz="2400" smtClean="0">
+                <a:solidFill>
+                  <a:schemeClr val="accent4">
+                    <a:lumMod val="90000"/>
+                    <a:lumOff val="10000"/>
+                  </a:schemeClr>
+                </a:solidFill>
+              </a:rPr>
+              <a:t>)</a:t>
+            </a:r>
+          </a:p>
+          <a:p>
+            <a:pPr marL="0" indent="457200" algn="just">
+              <a:buClrTx/>
+              <a:buNone/>
+            </a:pPr>
+            <a:r>
+              <a:rPr lang="en-US" b="0" i="1" smtClean="0">
+                <a:solidFill>
+                  <a:srgbClr val="000000"/>
+                </a:solidFill>
+              </a:rPr>
+              <a:t>Hủy:</a:t>
+            </a:r>
+            <a:endParaRPr lang="en-US" b="0" i="1">
+              <a:solidFill>
+                <a:srgbClr val="000000"/>
+              </a:solidFill>
+            </a:endParaRPr>
+          </a:p>
+          <a:p>
+            <a:pPr marL="0" indent="914400" algn="just">
+              <a:buClrTx/>
+              <a:buNone/>
+            </a:pPr>
+            <a:r>
+              <a:rPr lang="en-US" sz="2400">
+                <a:solidFill>
+                  <a:schemeClr val="accent4">
+                    <a:lumMod val="90000"/>
+                    <a:lumOff val="10000"/>
+                  </a:schemeClr>
+                </a:solidFill>
+              </a:rPr>
+              <a:t>jint DestroyJavaVM(JavaVM* jvm)</a:t>
+            </a:r>
+          </a:p>
+          <a:p>
+            <a:pPr marL="0" indent="457200" algn="just">
+              <a:buClrTx/>
+              <a:buNone/>
+            </a:pPr>
+            <a:endParaRPr lang="en-US" b="0">
+              <a:solidFill>
+                <a:schemeClr val="accent4">
+                  <a:lumMod val="90000"/>
+                  <a:lumOff val="10000"/>
+                </a:schemeClr>
+              </a:solidFill>
+            </a:endParaRPr>
+          </a:p>
+          <a:p>
+            <a:pPr algn="just">
+              <a:buClrTx/>
+            </a:pPr>
+            <a:endParaRPr lang="en-US">
+              <a:solidFill>
+                <a:srgbClr val="000000"/>
+              </a:solidFill>
+            </a:endParaRPr>
+          </a:p>
+        </p:txBody>
+      </p:sp>
+      <p:sp>
+        <p:nvSpPr>
           <p:cNvPr id="4" name="Footer Placeholder 3"/>
           <p:cNvSpPr>
             <a:spLocks noGrp="1"/>
@@ -21701,86 +21819,10 @@
           </a:p>
         </p:txBody>
       </p:sp>
-      <p:sp>
-        <p:nvSpPr>
-          <p:cNvPr id="7" name="Content Placeholder 1"/>
-          <p:cNvSpPr>
-            <a:spLocks noGrp="1"/>
-          </p:cNvSpPr>
-          <p:nvPr>
-            <p:ph idx="1"/>
-          </p:nvPr>
-        </p:nvSpPr>
-        <p:spPr>
-          <a:xfrm>
-            <a:off x="457200" y="1447800"/>
-            <a:ext cx="8229600" cy="4800600"/>
-          </a:xfrm>
-        </p:spPr>
-        <p:txBody>
-          <a:bodyPr/>
-          <a:lstStyle/>
-          <a:p>
-            <a:pPr marL="0" lvl="0" indent="0" algn="ctr">
-              <a:buNone/>
-            </a:pPr>
-            <a:r>
-              <a:rPr lang="en-US" smtClean="0">
-                <a:solidFill>
-                  <a:srgbClr val="000000"/>
-                </a:solidFill>
-              </a:rPr>
-              <a:t>Mời mọi người cùng xem clip</a:t>
-            </a:r>
-          </a:p>
-        </p:txBody>
-      </p:sp>
-      <p:sp>
-        <p:nvSpPr>
-          <p:cNvPr id="9" name="7-Point Star 8"/>
-          <p:cNvSpPr/>
-          <p:nvPr/>
-        </p:nvSpPr>
-        <p:spPr>
-          <a:xfrm>
-            <a:off x="3124200" y="3031671"/>
-            <a:ext cx="2819400" cy="2073729"/>
-          </a:xfrm>
-          <a:prstGeom prst="star7">
-            <a:avLst/>
-          </a:prstGeom>
-        </p:spPr>
-        <p:style>
-          <a:lnRef idx="3">
-            <a:schemeClr val="lt1"/>
-          </a:lnRef>
-          <a:fillRef idx="1">
-            <a:schemeClr val="accent4"/>
-          </a:fillRef>
-          <a:effectRef idx="1">
-            <a:schemeClr val="accent4"/>
-          </a:effectRef>
-          <a:fontRef idx="minor">
-            <a:schemeClr val="lt1"/>
-          </a:fontRef>
-        </p:style>
-        <p:txBody>
-          <a:bodyPr rtlCol="0" anchor="ctr"/>
-          <a:lstStyle/>
-          <a:p>
-            <a:pPr algn="ctr"/>
-            <a:r>
-              <a:rPr lang="en-US" sz="2800" b="1" smtClean="0"/>
-              <a:t>Demo</a:t>
-            </a:r>
-            <a:endParaRPr lang="en-US" b="1"/>
-          </a:p>
-        </p:txBody>
-      </p:sp>
     </p:spTree>
     <p:extLst>
       <p:ext uri="{BB962C8B-B14F-4D97-AF65-F5344CB8AC3E}">
-        <p14:creationId xmlns:p14="http://schemas.microsoft.com/office/powerpoint/2010/main" val="937288250"/>
+        <p14:creationId xmlns:p14="http://schemas.microsoft.com/office/powerpoint/2010/main" val="618163558"/>
       </p:ext>
     </p:extLst>
   </p:cSld>
@@ -21879,7 +21921,7 @@
                   <a:reflection blurRad="12700" stA="28000" endPos="45000" dist="1000" dir="5400000" sy="-100000" algn="bl" rotWithShape="0"/>
                 </a:effectLst>
               </a:rPr>
-              <a:t>3 Java native access</a:t>
+              <a:t>2.6 demo Hello world</a:t>
             </a:r>
             <a:endParaRPr lang="en-US" sz="2900" cap="all">
               <a:ln w="9000" cmpd="sng">
@@ -21928,100 +21970,6 @@
       </p:sp>
       <p:sp>
         <p:nvSpPr>
-          <p:cNvPr id="2" name="Content Placeholder 1"/>
-          <p:cNvSpPr>
-            <a:spLocks noGrp="1"/>
-          </p:cNvSpPr>
-          <p:nvPr>
-            <p:ph idx="1"/>
-          </p:nvPr>
-        </p:nvSpPr>
-        <p:spPr>
-          <a:xfrm>
-            <a:off x="457200" y="1447800"/>
-            <a:ext cx="8229600" cy="4800600"/>
-          </a:xfrm>
-        </p:spPr>
-        <p:txBody>
-          <a:bodyPr/>
-          <a:lstStyle/>
-          <a:p>
-            <a:pPr marL="0" lvl="0" indent="512763" algn="just">
-              <a:buClr>
-                <a:srgbClr val="000000"/>
-              </a:buClr>
-              <a:buNone/>
-            </a:pPr>
-            <a:endParaRPr lang="en-US" b="0" smtClean="0">
-              <a:solidFill>
-                <a:srgbClr val="000000"/>
-              </a:solidFill>
-              <a:latin typeface="+mj-lt"/>
-            </a:endParaRPr>
-          </a:p>
-          <a:p>
-            <a:pPr marL="0" lvl="0" indent="512763" algn="just">
-              <a:buClr>
-                <a:srgbClr val="000000"/>
-              </a:buClr>
-              <a:buNone/>
-            </a:pPr>
-            <a:r>
-              <a:rPr lang="en-US" b="0" smtClean="0">
-                <a:solidFill>
-                  <a:srgbClr val="000000"/>
-                </a:solidFill>
-                <a:latin typeface="+mj-lt"/>
-              </a:rPr>
-              <a:t>Java </a:t>
-            </a:r>
-            <a:r>
-              <a:rPr lang="en-US" b="0">
-                <a:solidFill>
-                  <a:srgbClr val="000000"/>
-                </a:solidFill>
-                <a:latin typeface="+mj-lt"/>
-              </a:rPr>
-              <a:t>Native </a:t>
-            </a:r>
-            <a:r>
-              <a:rPr lang="en-US" b="0" smtClean="0">
-                <a:solidFill>
-                  <a:srgbClr val="000000"/>
-                </a:solidFill>
-                <a:latin typeface="+mj-lt"/>
-              </a:rPr>
-              <a:t>Access (JNA) </a:t>
-            </a:r>
-            <a:r>
-              <a:rPr lang="en-US" b="0">
-                <a:solidFill>
-                  <a:srgbClr val="000000"/>
-                </a:solidFill>
-                <a:latin typeface="+mj-lt"/>
-              </a:rPr>
-              <a:t>là một phần mở rộng của Java cho phép sử dụng các API bao gồm các tập tin thư viện động DLL trong </a:t>
-            </a:r>
-            <a:r>
-              <a:rPr lang="en-US" b="0" smtClean="0">
-                <a:solidFill>
-                  <a:srgbClr val="000000"/>
-                </a:solidFill>
-                <a:latin typeface="+mj-lt"/>
-              </a:rPr>
-              <a:t>Windows mà không cần sử dụng đến JNI. </a:t>
-            </a:r>
-            <a:endParaRPr lang="en-US" b="0">
-              <a:solidFill>
-                <a:srgbClr val="000000"/>
-              </a:solidFill>
-              <a:latin typeface="+mj-lt"/>
-            </a:endParaRPr>
-          </a:p>
-        </p:txBody>
-      </p:sp>
-      <p:sp>
-        <p:nvSpPr>
           <p:cNvPr id="4" name="Footer Placeholder 3"/>
           <p:cNvSpPr>
             <a:spLocks noGrp="1"/>
@@ -22072,10 +22020,86 @@
           </a:p>
         </p:txBody>
       </p:sp>
+      <p:sp>
+        <p:nvSpPr>
+          <p:cNvPr id="7" name="Content Placeholder 1"/>
+          <p:cNvSpPr>
+            <a:spLocks noGrp="1"/>
+          </p:cNvSpPr>
+          <p:nvPr>
+            <p:ph idx="1"/>
+          </p:nvPr>
+        </p:nvSpPr>
+        <p:spPr>
+          <a:xfrm>
+            <a:off x="457200" y="1447800"/>
+            <a:ext cx="8229600" cy="4800600"/>
+          </a:xfrm>
+        </p:spPr>
+        <p:txBody>
+          <a:bodyPr/>
+          <a:lstStyle/>
+          <a:p>
+            <a:pPr marL="0" lvl="0" indent="0" algn="ctr">
+              <a:buNone/>
+            </a:pPr>
+            <a:r>
+              <a:rPr lang="en-US" smtClean="0">
+                <a:solidFill>
+                  <a:srgbClr val="000000"/>
+                </a:solidFill>
+              </a:rPr>
+              <a:t>Mời mọi người cùng xem clip</a:t>
+            </a:r>
+          </a:p>
+        </p:txBody>
+      </p:sp>
+      <p:sp>
+        <p:nvSpPr>
+          <p:cNvPr id="9" name="7-Point Star 8"/>
+          <p:cNvSpPr/>
+          <p:nvPr/>
+        </p:nvSpPr>
+        <p:spPr>
+          <a:xfrm>
+            <a:off x="3124200" y="3031671"/>
+            <a:ext cx="2819400" cy="2073729"/>
+          </a:xfrm>
+          <a:prstGeom prst="star7">
+            <a:avLst/>
+          </a:prstGeom>
+        </p:spPr>
+        <p:style>
+          <a:lnRef idx="3">
+            <a:schemeClr val="lt1"/>
+          </a:lnRef>
+          <a:fillRef idx="1">
+            <a:schemeClr val="accent4"/>
+          </a:fillRef>
+          <a:effectRef idx="1">
+            <a:schemeClr val="accent4"/>
+          </a:effectRef>
+          <a:fontRef idx="minor">
+            <a:schemeClr val="lt1"/>
+          </a:fontRef>
+        </p:style>
+        <p:txBody>
+          <a:bodyPr rtlCol="0" anchor="ctr"/>
+          <a:lstStyle/>
+          <a:p>
+            <a:pPr algn="ctr"/>
+            <a:r>
+              <a:rPr lang="en-US" sz="2800" b="1" smtClean="0"/>
+              <a:t>Demo</a:t>
+            </a:r>
+            <a:endParaRPr lang="en-US" b="1"/>
+          </a:p>
+        </p:txBody>
+      </p:sp>
     </p:spTree>
     <p:extLst>
       <p:ext uri="{BB962C8B-B14F-4D97-AF65-F5344CB8AC3E}">
-        <p14:creationId xmlns:p14="http://schemas.microsoft.com/office/powerpoint/2010/main" val="3797964774"/>
+        <p14:creationId xmlns:p14="http://schemas.microsoft.com/office/powerpoint/2010/main" val="937288250"/>
       </p:ext>
     </p:extLst>
   </p:cSld>
@@ -22174,7 +22198,7 @@
                   <a:reflection blurRad="12700" stA="28000" endPos="45000" dist="1000" dir="5400000" sy="-100000" algn="bl" rotWithShape="0"/>
                 </a:effectLst>
               </a:rPr>
-              <a:t>3. Demo Hello world với JNA</a:t>
+              <a:t>3 Java native access</a:t>
             </a:r>
             <a:endParaRPr lang="en-US" sz="2900" cap="all">
               <a:ln w="9000" cmpd="sng">
@@ -22223,6 +22247,100 @@
       </p:sp>
       <p:sp>
         <p:nvSpPr>
+          <p:cNvPr id="2" name="Content Placeholder 1"/>
+          <p:cNvSpPr>
+            <a:spLocks noGrp="1"/>
+          </p:cNvSpPr>
+          <p:nvPr>
+            <p:ph idx="1"/>
+          </p:nvPr>
+        </p:nvSpPr>
+        <p:spPr>
+          <a:xfrm>
+            <a:off x="457200" y="1447800"/>
+            <a:ext cx="8229600" cy="4800600"/>
+          </a:xfrm>
+        </p:spPr>
+        <p:txBody>
+          <a:bodyPr/>
+          <a:lstStyle/>
+          <a:p>
+            <a:pPr marL="0" lvl="0" indent="512763" algn="just">
+              <a:buClr>
+                <a:srgbClr val="000000"/>
+              </a:buClr>
+              <a:buNone/>
+            </a:pPr>
+            <a:endParaRPr lang="en-US" b="0" smtClean="0">
+              <a:solidFill>
+                <a:srgbClr val="000000"/>
+              </a:solidFill>
+              <a:latin typeface="+mj-lt"/>
+            </a:endParaRPr>
+          </a:p>
+          <a:p>
+            <a:pPr marL="0" lvl="0" indent="512763" algn="just">
+              <a:buClr>
+                <a:srgbClr val="000000"/>
+              </a:buClr>
+              <a:buNone/>
+            </a:pPr>
+            <a:r>
+              <a:rPr lang="en-US" b="0" smtClean="0">
+                <a:solidFill>
+                  <a:srgbClr val="000000"/>
+                </a:solidFill>
+                <a:latin typeface="+mj-lt"/>
+              </a:rPr>
+              <a:t>Java </a:t>
+            </a:r>
+            <a:r>
+              <a:rPr lang="en-US" b="0">
+                <a:solidFill>
+                  <a:srgbClr val="000000"/>
+                </a:solidFill>
+                <a:latin typeface="+mj-lt"/>
+              </a:rPr>
+              <a:t>Native </a:t>
+            </a:r>
+            <a:r>
+              <a:rPr lang="en-US" b="0" smtClean="0">
+                <a:solidFill>
+                  <a:srgbClr val="000000"/>
+                </a:solidFill>
+                <a:latin typeface="+mj-lt"/>
+              </a:rPr>
+              <a:t>Access (JNA) </a:t>
+            </a:r>
+            <a:r>
+              <a:rPr lang="en-US" b="0">
+                <a:solidFill>
+                  <a:srgbClr val="000000"/>
+                </a:solidFill>
+                <a:latin typeface="+mj-lt"/>
+              </a:rPr>
+              <a:t>là một phần mở rộng của Java cho phép sử dụng các API bao gồm các tập tin thư viện động DLL trong </a:t>
+            </a:r>
+            <a:r>
+              <a:rPr lang="en-US" b="0" smtClean="0">
+                <a:solidFill>
+                  <a:srgbClr val="000000"/>
+                </a:solidFill>
+                <a:latin typeface="+mj-lt"/>
+              </a:rPr>
+              <a:t>Windows mà không cần sử dụng đến JNI. </a:t>
+            </a:r>
+            <a:endParaRPr lang="en-US" b="0">
+              <a:solidFill>
+                <a:srgbClr val="000000"/>
+              </a:solidFill>
+              <a:latin typeface="+mj-lt"/>
+            </a:endParaRPr>
+          </a:p>
+        </p:txBody>
+      </p:sp>
+      <p:sp>
+        <p:nvSpPr>
           <p:cNvPr id="4" name="Footer Placeholder 3"/>
           <p:cNvSpPr>
             <a:spLocks noGrp="1"/>
@@ -22273,86 +22391,10 @@
           </a:p>
         </p:txBody>
       </p:sp>
-      <p:sp>
-        <p:nvSpPr>
-          <p:cNvPr id="7" name="Content Placeholder 1"/>
-          <p:cNvSpPr>
-            <a:spLocks noGrp="1"/>
-          </p:cNvSpPr>
-          <p:nvPr>
-            <p:ph idx="1"/>
-          </p:nvPr>
-        </p:nvSpPr>
-        <p:spPr>
-          <a:xfrm>
-            <a:off x="457200" y="1447800"/>
-            <a:ext cx="8229600" cy="4800600"/>
-          </a:xfrm>
-        </p:spPr>
-        <p:txBody>
-          <a:bodyPr/>
-          <a:lstStyle/>
-          <a:p>
-            <a:pPr marL="0" lvl="0" indent="0" algn="ctr">
-              <a:buNone/>
-            </a:pPr>
-            <a:r>
-              <a:rPr lang="en-US" smtClean="0">
-                <a:solidFill>
-                  <a:srgbClr val="000000"/>
-                </a:solidFill>
-              </a:rPr>
-              <a:t>Mời mọi người cùng xem clip</a:t>
-            </a:r>
-          </a:p>
-        </p:txBody>
-      </p:sp>
-      <p:sp>
-        <p:nvSpPr>
-          <p:cNvPr id="9" name="7-Point Star 8"/>
-          <p:cNvSpPr/>
-          <p:nvPr/>
-        </p:nvSpPr>
-        <p:spPr>
-          <a:xfrm>
-            <a:off x="3124200" y="3031671"/>
-            <a:ext cx="2819400" cy="2073729"/>
-          </a:xfrm>
-          <a:prstGeom prst="star7">
-            <a:avLst/>
-          </a:prstGeom>
-        </p:spPr>
-        <p:style>
-          <a:lnRef idx="3">
-            <a:schemeClr val="lt1"/>
-          </a:lnRef>
-          <a:fillRef idx="1">
-            <a:schemeClr val="accent4"/>
-          </a:fillRef>
-          <a:effectRef idx="1">
-            <a:schemeClr val="accent4"/>
-          </a:effectRef>
-          <a:fontRef idx="minor">
-            <a:schemeClr val="lt1"/>
-          </a:fontRef>
-        </p:style>
-        <p:txBody>
-          <a:bodyPr rtlCol="0" anchor="ctr"/>
-          <a:lstStyle/>
-          <a:p>
-            <a:pPr algn="ctr"/>
-            <a:r>
-              <a:rPr lang="en-US" sz="2800" b="1" smtClean="0"/>
-              <a:t>Demo</a:t>
-            </a:r>
-            <a:endParaRPr lang="en-US" b="1"/>
-          </a:p>
-        </p:txBody>
-      </p:sp>
     </p:spTree>
     <p:extLst>
       <p:ext uri="{BB962C8B-B14F-4D97-AF65-F5344CB8AC3E}">
-        <p14:creationId xmlns:p14="http://schemas.microsoft.com/office/powerpoint/2010/main" val="936051198"/>
+        <p14:creationId xmlns:p14="http://schemas.microsoft.com/office/powerpoint/2010/main" val="3797964774"/>
       </p:ext>
     </p:extLst>
   </p:cSld>
@@ -22451,7 +22493,7 @@
                   <a:reflection blurRad="12700" stA="28000" endPos="45000" dist="1000" dir="5400000" sy="-100000" algn="bl" rotWithShape="0"/>
                 </a:effectLst>
               </a:rPr>
-              <a:t>4 demo ứng dụng thao tác registry</a:t>
+              <a:t>3. Demo Hello world với JNA</a:t>
             </a:r>
             <a:endParaRPr lang="en-US" sz="2900" cap="all">
               <a:ln w="9000" cmpd="sng">
@@ -22500,35 +22542,6 @@
       </p:sp>
       <p:sp>
         <p:nvSpPr>
-          <p:cNvPr id="2" name="Content Placeholder 1"/>
-          <p:cNvSpPr>
-            <a:spLocks noGrp="1"/>
-          </p:cNvSpPr>
-          <p:nvPr>
-            <p:ph idx="1"/>
-          </p:nvPr>
-        </p:nvSpPr>
-        <p:spPr/>
-        <p:txBody>
-          <a:bodyPr/>
-          <a:lstStyle/>
-          <a:p>
-            <a:pPr marL="0" lvl="0" indent="0" algn="ctr">
-              <a:buNone/>
-            </a:pPr>
-            <a:r>
-              <a:rPr lang="en-US" smtClean="0">
-                <a:solidFill>
-                  <a:srgbClr val="000000"/>
-                </a:solidFill>
-              </a:rPr>
-              <a:t>Mời mọi người cùng xem clip</a:t>
-            </a:r>
-          </a:p>
-        </p:txBody>
-      </p:sp>
-      <p:sp>
-        <p:nvSpPr>
           <p:cNvPr id="4" name="Footer Placeholder 3"/>
           <p:cNvSpPr>
             <a:spLocks noGrp="1"/>
@@ -22537,12 +22550,7 @@
             <p:ph type="ftr" sz="quarter" idx="11"/>
           </p:nvPr>
         </p:nvSpPr>
-        <p:spPr>
-          <a:xfrm>
-            <a:off x="7162800" y="152400"/>
-            <a:ext cx="1752600" cy="228600"/>
-          </a:xfrm>
-        </p:spPr>
+        <p:spPr/>
         <p:txBody>
           <a:bodyPr/>
           <a:lstStyle/>
@@ -22586,7 +22594,41 @@
       </p:sp>
       <p:sp>
         <p:nvSpPr>
-          <p:cNvPr id="3" name="7-Point Star 2"/>
+          <p:cNvPr id="7" name="Content Placeholder 1"/>
+          <p:cNvSpPr>
+            <a:spLocks noGrp="1"/>
+          </p:cNvSpPr>
+          <p:nvPr>
+            <p:ph idx="1"/>
+          </p:nvPr>
+        </p:nvSpPr>
+        <p:spPr>
+          <a:xfrm>
+            <a:off x="457200" y="1447800"/>
+            <a:ext cx="8229600" cy="4800600"/>
+          </a:xfrm>
+        </p:spPr>
+        <p:txBody>
+          <a:bodyPr/>
+          <a:lstStyle/>
+          <a:p>
+            <a:pPr marL="0" lvl="0" indent="0" algn="ctr">
+              <a:buNone/>
+            </a:pPr>
+            <a:r>
+              <a:rPr lang="en-US" smtClean="0">
+                <a:solidFill>
+                  <a:srgbClr val="000000"/>
+                </a:solidFill>
+              </a:rPr>
+              <a:t>Mời mọi người cùng xem clip</a:t>
+            </a:r>
+          </a:p>
+        </p:txBody>
+      </p:sp>
+      <p:sp>
+        <p:nvSpPr>
+          <p:cNvPr id="9" name="7-Point Star 8"/>
           <p:cNvSpPr/>
           <p:nvPr/>
         </p:nvSpPr>
@@ -22629,7 +22671,7 @@
     </p:spTree>
     <p:extLst>
       <p:ext uri="{BB962C8B-B14F-4D97-AF65-F5344CB8AC3E}">
-        <p14:creationId xmlns:p14="http://schemas.microsoft.com/office/powerpoint/2010/main" val="3137645208"/>
+        <p14:creationId xmlns:p14="http://schemas.microsoft.com/office/powerpoint/2010/main" val="936051198"/>
       </p:ext>
     </p:extLst>
   </p:cSld>
@@ -23049,6 +23091,283 @@
 </file>
 
 <file path=ppt/slides/slide30.xml><?xml version="1.0" encoding="utf-8"?>
+<p:sld xmlns:a="http://schemas.openxmlformats.org/drawingml/2006/main" xmlns:r="http://schemas.openxmlformats.org/officeDocument/2006/relationships" xmlns:p="http://schemas.openxmlformats.org/presentationml/2006/main">
+  <p:cSld>
+    <p:spTree>
+      <p:nvGrpSpPr>
+        <p:cNvPr id="1" name=""/>
+        <p:cNvGrpSpPr/>
+        <p:nvPr/>
+      </p:nvGrpSpPr>
+      <p:grpSpPr>
+        <a:xfrm>
+          <a:off x="0" y="0"/>
+          <a:ext cx="0" cy="0"/>
+          <a:chOff x="0" y="0"/>
+          <a:chExt cx="0" cy="0"/>
+        </a:xfrm>
+      </p:grpSpPr>
+      <p:sp>
+        <p:nvSpPr>
+          <p:cNvPr id="8" name="Title 1"/>
+          <p:cNvSpPr>
+            <a:spLocks noGrp="1"/>
+          </p:cNvSpPr>
+          <p:nvPr>
+            <p:ph type="title"/>
+          </p:nvPr>
+        </p:nvSpPr>
+        <p:spPr>
+          <a:xfrm>
+            <a:off x="228600" y="579437"/>
+            <a:ext cx="9448800" cy="563563"/>
+          </a:xfrm>
+        </p:spPr>
+        <p:txBody>
+          <a:bodyPr>
+            <a:noAutofit/>
+          </a:bodyPr>
+          <a:lstStyle/>
+          <a:p>
+            <a:r>
+              <a:rPr lang="en-US" sz="2900" cap="all" smtClean="0">
+                <a:ln w="9000" cmpd="sng">
+                  <a:solidFill>
+                    <a:schemeClr val="accent4">
+                      <a:shade val="50000"/>
+                      <a:satMod val="120000"/>
+                    </a:schemeClr>
+                  </a:solidFill>
+                  <a:prstDash val="solid"/>
+                </a:ln>
+                <a:gradFill>
+                  <a:gsLst>
+                    <a:gs pos="0">
+                      <a:schemeClr val="accent4">
+                        <a:shade val="20000"/>
+                        <a:satMod val="245000"/>
+                      </a:schemeClr>
+                    </a:gs>
+                    <a:gs pos="43000">
+                      <a:schemeClr val="accent4">
+                        <a:satMod val="255000"/>
+                      </a:schemeClr>
+                    </a:gs>
+                    <a:gs pos="48000">
+                      <a:schemeClr val="accent4">
+                        <a:shade val="85000"/>
+                        <a:satMod val="255000"/>
+                      </a:schemeClr>
+                    </a:gs>
+                    <a:gs pos="100000">
+                      <a:schemeClr val="accent4">
+                        <a:shade val="20000"/>
+                        <a:satMod val="245000"/>
+                      </a:schemeClr>
+                    </a:gs>
+                  </a:gsLst>
+                  <a:lin ang="5400000"/>
+                </a:gradFill>
+                <a:effectLst>
+                  <a:reflection blurRad="12700" stA="28000" endPos="45000" dist="1000" dir="5400000" sy="-100000" algn="bl" rotWithShape="0"/>
+                </a:effectLst>
+              </a:rPr>
+              <a:t>4 demo ứng dụng thao tác registry</a:t>
+            </a:r>
+            <a:endParaRPr lang="en-US" sz="2900" cap="all">
+              <a:ln w="9000" cmpd="sng">
+                <a:solidFill>
+                  <a:schemeClr val="accent4">
+                    <a:shade val="50000"/>
+                    <a:satMod val="120000"/>
+                  </a:schemeClr>
+                </a:solidFill>
+                <a:prstDash val="solid"/>
+              </a:ln>
+              <a:gradFill>
+                <a:gsLst>
+                  <a:gs pos="0">
+                    <a:schemeClr val="accent4">
+                      <a:shade val="20000"/>
+                      <a:satMod val="245000"/>
+                    </a:schemeClr>
+                  </a:gs>
+                  <a:gs pos="43000">
+                    <a:schemeClr val="accent4">
+                      <a:satMod val="255000"/>
+                    </a:schemeClr>
+                  </a:gs>
+                  <a:gs pos="48000">
+                    <a:schemeClr val="accent4">
+                      <a:shade val="85000"/>
+                      <a:satMod val="255000"/>
+                    </a:schemeClr>
+                  </a:gs>
+                  <a:gs pos="100000">
+                    <a:schemeClr val="accent4">
+                      <a:shade val="20000"/>
+                      <a:satMod val="245000"/>
+                    </a:schemeClr>
+                  </a:gs>
+                </a:gsLst>
+                <a:lin ang="5400000"/>
+              </a:gradFill>
+              <a:effectLst>
+                <a:reflection blurRad="12700" stA="28000" endPos="45000" dist="1000" dir="5400000" sy="-100000" algn="bl" rotWithShape="0"/>
+              </a:effectLst>
+            </a:endParaRPr>
+          </a:p>
+        </p:txBody>
+      </p:sp>
+      <p:sp>
+        <p:nvSpPr>
+          <p:cNvPr id="2" name="Content Placeholder 1"/>
+          <p:cNvSpPr>
+            <a:spLocks noGrp="1"/>
+          </p:cNvSpPr>
+          <p:nvPr>
+            <p:ph idx="1"/>
+          </p:nvPr>
+        </p:nvSpPr>
+        <p:spPr/>
+        <p:txBody>
+          <a:bodyPr/>
+          <a:lstStyle/>
+          <a:p>
+            <a:pPr marL="0" lvl="0" indent="0" algn="ctr">
+              <a:buNone/>
+            </a:pPr>
+            <a:r>
+              <a:rPr lang="en-US" smtClean="0">
+                <a:solidFill>
+                  <a:srgbClr val="000000"/>
+                </a:solidFill>
+              </a:rPr>
+              <a:t>Mời mọi người cùng xem clip</a:t>
+            </a:r>
+          </a:p>
+        </p:txBody>
+      </p:sp>
+      <p:sp>
+        <p:nvSpPr>
+          <p:cNvPr id="4" name="Footer Placeholder 3"/>
+          <p:cNvSpPr>
+            <a:spLocks noGrp="1"/>
+          </p:cNvSpPr>
+          <p:nvPr>
+            <p:ph type="ftr" sz="quarter" idx="11"/>
+          </p:nvPr>
+        </p:nvSpPr>
+        <p:spPr>
+          <a:xfrm>
+            <a:off x="7162800" y="152400"/>
+            <a:ext cx="1752600" cy="228600"/>
+          </a:xfrm>
+        </p:spPr>
+        <p:txBody>
+          <a:bodyPr/>
+          <a:lstStyle/>
+          <a:p>
+            <a:r>
+              <a:rPr lang="en-US" smtClean="0"/>
+              <a:t>www.hcmus.edu.vn</a:t>
+            </a:r>
+            <a:endParaRPr lang="en-US"/>
+          </a:p>
+        </p:txBody>
+      </p:sp>
+      <p:sp>
+        <p:nvSpPr>
+          <p:cNvPr id="6" name="Slide Number Placeholder 11"/>
+          <p:cNvSpPr>
+            <a:spLocks noGrp="1"/>
+          </p:cNvSpPr>
+          <p:nvPr>
+            <p:ph type="sldNum" sz="quarter" idx="12"/>
+          </p:nvPr>
+        </p:nvSpPr>
+        <p:spPr>
+          <a:xfrm>
+            <a:off x="3429000" y="6477000"/>
+            <a:ext cx="2133600" cy="381000"/>
+          </a:xfrm>
+        </p:spPr>
+        <p:txBody>
+          <a:bodyPr/>
+          <a:lstStyle/>
+          <a:p>
+            <a:fld id="{B6F15528-21DE-4FAA-801E-634DDDAF4B2B}" type="slidenum">
+              <a:rPr lang="en-US" sz="2000" smtClean="0"/>
+              <a:pPr/>
+              <a:t>30</a:t>
+            </a:fld>
+            <a:endParaRPr lang="en-US" sz="2000"/>
+          </a:p>
+        </p:txBody>
+      </p:sp>
+      <p:sp>
+        <p:nvSpPr>
+          <p:cNvPr id="3" name="7-Point Star 2"/>
+          <p:cNvSpPr/>
+          <p:nvPr/>
+        </p:nvSpPr>
+        <p:spPr>
+          <a:xfrm>
+            <a:off x="3124200" y="3031671"/>
+            <a:ext cx="2819400" cy="2073729"/>
+          </a:xfrm>
+          <a:prstGeom prst="star7">
+            <a:avLst/>
+          </a:prstGeom>
+        </p:spPr>
+        <p:style>
+          <a:lnRef idx="3">
+            <a:schemeClr val="lt1"/>
+          </a:lnRef>
+          <a:fillRef idx="1">
+            <a:schemeClr val="accent4"/>
+          </a:fillRef>
+          <a:effectRef idx="1">
+            <a:schemeClr val="accent4"/>
+          </a:effectRef>
+          <a:fontRef idx="minor">
+            <a:schemeClr val="lt1"/>
+          </a:fontRef>
+        </p:style>
+        <p:txBody>
+          <a:bodyPr rtlCol="0" anchor="ctr"/>
+          <a:lstStyle/>
+          <a:p>
+            <a:pPr algn="ctr"/>
+            <a:r>
+              <a:rPr lang="en-US" sz="2800" b="1" smtClean="0"/>
+              <a:t>Demo</a:t>
+            </a:r>
+            <a:endParaRPr lang="en-US" b="1"/>
+          </a:p>
+        </p:txBody>
+      </p:sp>
+    </p:spTree>
+    <p:extLst>
+      <p:ext uri="{BB962C8B-B14F-4D97-AF65-F5344CB8AC3E}">
+        <p14:creationId xmlns:p14="http://schemas.microsoft.com/office/powerpoint/2010/main" val="3137645208"/>
+      </p:ext>
+    </p:extLst>
+  </p:cSld>
+  <p:clrMapOvr>
+    <a:masterClrMapping/>
+  </p:clrMapOvr>
+  <p:timing>
+    <p:tnLst>
+      <p:par>
+        <p:cTn id="1" dur="indefinite" restart="never" nodeType="tmRoot"/>
+      </p:par>
+    </p:tnLst>
+  </p:timing>
+</p:sld>
+</file>
+
+<file path=ppt/slides/slide31.xml><?xml version="1.0" encoding="utf-8"?>
 <p:sld xmlns:a="http://schemas.openxmlformats.org/drawingml/2006/main" xmlns:r="http://schemas.openxmlformats.org/officeDocument/2006/relationships" xmlns:p="http://schemas.openxmlformats.org/presentationml/2006/main">
   <p:cSld>
     <p:spTree>
@@ -24475,12 +24794,207 @@
             <p:ph idx="1"/>
           </p:nvPr>
         </p:nvSpPr>
-        <p:spPr/>
+        <p:spPr>
+          <a:xfrm>
+            <a:off x="0" y="5181600"/>
+            <a:ext cx="6705600" cy="1295400"/>
+          </a:xfrm>
+        </p:spPr>
         <p:txBody>
           <a:bodyPr/>
           <a:lstStyle/>
           <a:p>
-            <a:endParaRPr lang="en-US"/>
+            <a:pPr marL="0" indent="0">
+              <a:buNone/>
+            </a:pPr>
+            <a:r>
+              <a:rPr lang="en-US" sz="1600" smtClean="0">
+                <a:solidFill>
+                  <a:srgbClr val="000000"/>
+                </a:solidFill>
+              </a:rPr>
+              <a:t>Host Environment</a:t>
+            </a:r>
+            <a:r>
+              <a:rPr lang="en-US" sz="1600" b="0" smtClean="0">
+                <a:solidFill>
+                  <a:srgbClr val="000000"/>
+                </a:solidFill>
+              </a:rPr>
+              <a:t>: </a:t>
+            </a:r>
+            <a:r>
+              <a:rPr lang="en-US" sz="1600" b="0">
+                <a:solidFill>
+                  <a:srgbClr val="000000"/>
+                </a:solidFill>
+              </a:rPr>
+              <a:t>là những thiết </a:t>
+            </a:r>
+            <a:r>
+              <a:rPr lang="en-US" sz="1600" b="0">
+                <a:solidFill>
+                  <a:srgbClr val="000000"/>
+                </a:solidFill>
+              </a:rPr>
+              <a:t>lập </a:t>
+            </a:r>
+            <a:r>
+              <a:rPr lang="en-US" sz="1600" b="0" smtClean="0">
+                <a:solidFill>
+                  <a:srgbClr val="000000"/>
+                </a:solidFill>
+              </a:rPr>
+              <a:t>và </a:t>
+            </a:r>
+            <a:r>
+              <a:rPr lang="en-US" sz="1600" b="0">
+                <a:solidFill>
+                  <a:srgbClr val="000000"/>
+                </a:solidFill>
+              </a:rPr>
+              <a:t>cài đặt trên máy chủ  để chạy </a:t>
+            </a:r>
+            <a:r>
+              <a:rPr lang="en-US" sz="1600" b="0">
+                <a:solidFill>
+                  <a:srgbClr val="000000"/>
+                </a:solidFill>
+              </a:rPr>
+              <a:t>ứng </a:t>
+            </a:r>
+            <a:r>
+              <a:rPr lang="en-US" sz="1600" b="0" smtClean="0">
+                <a:solidFill>
+                  <a:srgbClr val="000000"/>
+                </a:solidFill>
+              </a:rPr>
+              <a:t>dụng JNI</a:t>
+            </a:r>
+            <a:r>
+              <a:rPr lang="en-US" sz="1600" b="0">
+                <a:solidFill>
+                  <a:srgbClr val="000000"/>
+                </a:solidFill>
+              </a:rPr>
+              <a:t>.</a:t>
+            </a:r>
+          </a:p>
+          <a:p>
+            <a:pPr marL="0" indent="0">
+              <a:buNone/>
+            </a:pPr>
+            <a:r>
+              <a:rPr lang="en-US" sz="1600" smtClean="0">
+                <a:solidFill>
+                  <a:srgbClr val="000000"/>
+                </a:solidFill>
+              </a:rPr>
+              <a:t>Thư </a:t>
+            </a:r>
+            <a:r>
+              <a:rPr lang="en-US" sz="1600">
+                <a:solidFill>
+                  <a:srgbClr val="000000"/>
+                </a:solidFill>
+              </a:rPr>
+              <a:t>viện </a:t>
+            </a:r>
+            <a:r>
+              <a:rPr lang="en-US" sz="1600">
+                <a:solidFill>
+                  <a:srgbClr val="000000"/>
+                </a:solidFill>
+              </a:rPr>
+              <a:t>.</a:t>
+            </a:r>
+            <a:r>
+              <a:rPr lang="en-US" sz="1600" smtClean="0">
+                <a:solidFill>
+                  <a:srgbClr val="000000"/>
+                </a:solidFill>
+              </a:rPr>
+              <a:t>dll</a:t>
+            </a:r>
+            <a:r>
+              <a:rPr lang="en-US" sz="1600" b="0" smtClean="0">
+                <a:solidFill>
+                  <a:srgbClr val="000000"/>
+                </a:solidFill>
+              </a:rPr>
+              <a:t>: </a:t>
+            </a:r>
+            <a:r>
+              <a:rPr lang="en-US" sz="1600" b="0">
+                <a:solidFill>
+                  <a:srgbClr val="000000"/>
+                </a:solidFill>
+              </a:rPr>
+              <a:t>Thư viện .dll phải đạt </a:t>
+            </a:r>
+            <a:r>
+              <a:rPr lang="en-US" sz="1600" b="0">
+                <a:solidFill>
+                  <a:srgbClr val="000000"/>
+                </a:solidFill>
+              </a:rPr>
+              <a:t>được </a:t>
+            </a:r>
+            <a:r>
+              <a:rPr lang="en-US" sz="1600" b="0" smtClean="0">
+                <a:solidFill>
+                  <a:srgbClr val="000000"/>
+                </a:solidFill>
+              </a:rPr>
+              <a:t>tính độc </a:t>
+            </a:r>
+            <a:r>
+              <a:rPr lang="en-US" sz="1600" b="0">
+                <a:solidFill>
+                  <a:srgbClr val="000000"/>
+                </a:solidFill>
+              </a:rPr>
+              <a:t>lập riêng .</a:t>
+            </a:r>
+          </a:p>
+          <a:p>
+            <a:pPr marL="0" indent="0">
+              <a:buNone/>
+            </a:pPr>
+            <a:r>
+              <a:rPr lang="en-US" sz="1600" smtClean="0">
+                <a:solidFill>
+                  <a:srgbClr val="000000"/>
+                </a:solidFill>
+              </a:rPr>
+              <a:t>JNI</a:t>
+            </a:r>
+            <a:r>
+              <a:rPr lang="en-US" sz="1600" b="0" smtClean="0">
+                <a:solidFill>
+                  <a:srgbClr val="000000"/>
+                </a:solidFill>
+              </a:rPr>
+              <a:t>: </a:t>
+            </a:r>
+            <a:r>
+              <a:rPr lang="en-US" sz="1600" b="0">
+                <a:solidFill>
+                  <a:srgbClr val="000000"/>
+                </a:solidFill>
+              </a:rPr>
+              <a:t>cầu nối trung gian giữa JAVA &amp; .dll.</a:t>
+            </a:r>
+          </a:p>
+          <a:p>
+            <a:pPr>
+              <a:buClrTx/>
+            </a:pPr>
+            <a:endParaRPr lang="en-US" sz="1600">
+              <a:solidFill>
+                <a:srgbClr val="000000"/>
+              </a:solidFill>
+            </a:endParaRPr>
           </a:p>
         </p:txBody>
       </p:sp>
@@ -24536,6 +25050,300 @@
           </a:p>
         </p:txBody>
       </p:sp>
+      <p:sp>
+        <p:nvSpPr>
+          <p:cNvPr id="3" name="Rounded Rectangle 2"/>
+          <p:cNvSpPr/>
+          <p:nvPr/>
+        </p:nvSpPr>
+        <p:spPr>
+          <a:xfrm>
+            <a:off x="838200" y="1828800"/>
+            <a:ext cx="1524000" cy="914400"/>
+          </a:xfrm>
+          <a:prstGeom prst="roundRect">
+            <a:avLst/>
+          </a:prstGeom>
+        </p:spPr>
+        <p:style>
+          <a:lnRef idx="0">
+            <a:schemeClr val="accent4"/>
+          </a:lnRef>
+          <a:fillRef idx="3">
+            <a:schemeClr val="accent4"/>
+          </a:fillRef>
+          <a:effectRef idx="3">
+            <a:schemeClr val="accent4"/>
+          </a:effectRef>
+          <a:fontRef idx="minor">
+            <a:schemeClr val="lt1"/>
+          </a:fontRef>
+        </p:style>
+        <p:txBody>
+          <a:bodyPr rtlCol="0" anchor="ctr"/>
+          <a:lstStyle/>
+          <a:p>
+            <a:pPr algn="ctr"/>
+            <a:r>
+              <a:rPr lang="en-US" smtClean="0"/>
+              <a:t>Chương trình Java</a:t>
+            </a:r>
+            <a:endParaRPr lang="en-US"/>
+          </a:p>
+        </p:txBody>
+      </p:sp>
+      <p:sp>
+        <p:nvSpPr>
+          <p:cNvPr id="12" name="Rounded Rectangle 11"/>
+          <p:cNvSpPr/>
+          <p:nvPr/>
+        </p:nvSpPr>
+        <p:spPr>
+          <a:xfrm>
+            <a:off x="3340100" y="1828800"/>
+            <a:ext cx="2222500" cy="914400"/>
+          </a:xfrm>
+          <a:prstGeom prst="roundRect">
+            <a:avLst/>
+          </a:prstGeom>
+        </p:spPr>
+        <p:style>
+          <a:lnRef idx="0">
+            <a:schemeClr val="accent4"/>
+          </a:lnRef>
+          <a:fillRef idx="3">
+            <a:schemeClr val="accent4"/>
+          </a:fillRef>
+          <a:effectRef idx="3">
+            <a:schemeClr val="accent4"/>
+          </a:effectRef>
+          <a:fontRef idx="minor">
+            <a:schemeClr val="lt1"/>
+          </a:fontRef>
+        </p:style>
+        <p:txBody>
+          <a:bodyPr rtlCol="0" anchor="ctr"/>
+          <a:lstStyle/>
+          <a:p>
+            <a:pPr algn="ctr"/>
+            <a:r>
+              <a:rPr lang="en-US" smtClean="0"/>
+              <a:t>Java Virtual Machine inplement (JNI)</a:t>
+            </a:r>
+            <a:endParaRPr lang="en-US"/>
+          </a:p>
+        </p:txBody>
+      </p:sp>
+      <p:sp>
+        <p:nvSpPr>
+          <p:cNvPr id="13" name="Rounded Rectangle 12"/>
+          <p:cNvSpPr/>
+          <p:nvPr/>
+        </p:nvSpPr>
+        <p:spPr>
+          <a:xfrm>
+            <a:off x="6553200" y="1828800"/>
+            <a:ext cx="1524000" cy="914400"/>
+          </a:xfrm>
+          <a:prstGeom prst="roundRect">
+            <a:avLst/>
+          </a:prstGeom>
+        </p:spPr>
+        <p:style>
+          <a:lnRef idx="0">
+            <a:schemeClr val="accent4"/>
+          </a:lnRef>
+          <a:fillRef idx="3">
+            <a:schemeClr val="accent4"/>
+          </a:fillRef>
+          <a:effectRef idx="3">
+            <a:schemeClr val="accent4"/>
+          </a:effectRef>
+          <a:fontRef idx="minor">
+            <a:schemeClr val="lt1"/>
+          </a:fontRef>
+        </p:style>
+        <p:txBody>
+          <a:bodyPr rtlCol="0" anchor="ctr"/>
+          <a:lstStyle/>
+          <a:p>
+            <a:pPr algn="ctr"/>
+            <a:r>
+              <a:rPr lang="en-US" smtClean="0"/>
+              <a:t>Thư viện dll</a:t>
+            </a:r>
+            <a:endParaRPr lang="en-US"/>
+          </a:p>
+        </p:txBody>
+      </p:sp>
+      <p:sp>
+        <p:nvSpPr>
+          <p:cNvPr id="14" name="Rounded Rectangle 13"/>
+          <p:cNvSpPr/>
+          <p:nvPr/>
+        </p:nvSpPr>
+        <p:spPr>
+          <a:xfrm>
+            <a:off x="5029200" y="3581400"/>
+            <a:ext cx="2209800" cy="914400"/>
+          </a:xfrm>
+          <a:prstGeom prst="roundRect">
+            <a:avLst/>
+          </a:prstGeom>
+        </p:spPr>
+        <p:style>
+          <a:lnRef idx="0">
+            <a:schemeClr val="accent4"/>
+          </a:lnRef>
+          <a:fillRef idx="3">
+            <a:schemeClr val="accent4"/>
+          </a:fillRef>
+          <a:effectRef idx="3">
+            <a:schemeClr val="accent4"/>
+          </a:effectRef>
+          <a:fontRef idx="minor">
+            <a:schemeClr val="lt1"/>
+          </a:fontRef>
+        </p:style>
+        <p:txBody>
+          <a:bodyPr rtlCol="0" anchor="ctr"/>
+          <a:lstStyle/>
+          <a:p>
+            <a:pPr algn="ctr"/>
+            <a:r>
+              <a:rPr lang="en-US" smtClean="0"/>
+              <a:t>Host environment</a:t>
+            </a:r>
+            <a:endParaRPr lang="en-US"/>
+          </a:p>
+        </p:txBody>
+      </p:sp>
+      <p:cxnSp>
+        <p:nvCxnSpPr>
+          <p:cNvPr id="15" name="Straight Connector 14"/>
+          <p:cNvCxnSpPr>
+            <a:stCxn id="3" idx="3"/>
+            <a:endCxn id="12" idx="1"/>
+          </p:cNvCxnSpPr>
+          <p:nvPr/>
+        </p:nvCxnSpPr>
+        <p:spPr>
+          <a:xfrm>
+            <a:off x="2362200" y="2286000"/>
+            <a:ext cx="977900" cy="0"/>
+          </a:xfrm>
+          <a:prstGeom prst="line">
+            <a:avLst/>
+          </a:prstGeom>
+        </p:spPr>
+        <p:style>
+          <a:lnRef idx="3">
+            <a:schemeClr val="dk1"/>
+          </a:lnRef>
+          <a:fillRef idx="0">
+            <a:schemeClr val="dk1"/>
+          </a:fillRef>
+          <a:effectRef idx="2">
+            <a:schemeClr val="dk1"/>
+          </a:effectRef>
+          <a:fontRef idx="minor">
+            <a:schemeClr val="tx1"/>
+          </a:fontRef>
+        </p:style>
+      </p:cxnSp>
+      <p:cxnSp>
+        <p:nvCxnSpPr>
+          <p:cNvPr id="17" name="Straight Connector 16"/>
+          <p:cNvCxnSpPr>
+            <a:stCxn id="12" idx="3"/>
+            <a:endCxn id="13" idx="1"/>
+          </p:cNvCxnSpPr>
+          <p:nvPr/>
+        </p:nvCxnSpPr>
+        <p:spPr>
+          <a:xfrm>
+            <a:off x="5562600" y="2286000"/>
+            <a:ext cx="990600" cy="0"/>
+          </a:xfrm>
+          <a:prstGeom prst="line">
+            <a:avLst/>
+          </a:prstGeom>
+        </p:spPr>
+        <p:style>
+          <a:lnRef idx="3">
+            <a:schemeClr val="dk1"/>
+          </a:lnRef>
+          <a:fillRef idx="0">
+            <a:schemeClr val="dk1"/>
+          </a:fillRef>
+          <a:effectRef idx="2">
+            <a:schemeClr val="dk1"/>
+          </a:effectRef>
+          <a:fontRef idx="minor">
+            <a:schemeClr val="tx1"/>
+          </a:fontRef>
+        </p:style>
+      </p:cxnSp>
+      <p:cxnSp>
+        <p:nvCxnSpPr>
+          <p:cNvPr id="19" name="Straight Connector 18"/>
+          <p:cNvCxnSpPr/>
+          <p:nvPr/>
+        </p:nvCxnSpPr>
+        <p:spPr>
+          <a:xfrm>
+            <a:off x="5334000" y="2743200"/>
+            <a:ext cx="0" cy="838200"/>
+          </a:xfrm>
+          <a:prstGeom prst="line">
+            <a:avLst/>
+          </a:prstGeom>
+        </p:spPr>
+        <p:style>
+          <a:lnRef idx="3">
+            <a:schemeClr val="dk1"/>
+          </a:lnRef>
+          <a:fillRef idx="0">
+            <a:schemeClr val="dk1"/>
+          </a:fillRef>
+          <a:effectRef idx="2">
+            <a:schemeClr val="dk1"/>
+          </a:effectRef>
+          <a:fontRef idx="minor">
+            <a:schemeClr val="tx1"/>
+          </a:fontRef>
+        </p:style>
+      </p:cxnSp>
+      <p:cxnSp>
+        <p:nvCxnSpPr>
+          <p:cNvPr id="21" name="Straight Connector 20"/>
+          <p:cNvCxnSpPr/>
+          <p:nvPr/>
+        </p:nvCxnSpPr>
+        <p:spPr>
+          <a:xfrm>
+            <a:off x="6934200" y="2743200"/>
+            <a:ext cx="0" cy="838200"/>
+          </a:xfrm>
+          <a:prstGeom prst="line">
+            <a:avLst/>
+          </a:prstGeom>
+        </p:spPr>
+        <p:style>
+          <a:lnRef idx="3">
+            <a:schemeClr val="dk1"/>
+          </a:lnRef>
+          <a:fillRef idx="0">
+            <a:schemeClr val="dk1"/>
+          </a:fillRef>
+          <a:effectRef idx="2">
+            <a:schemeClr val="dk1"/>
+          </a:effectRef>
+          <a:fontRef idx="minor">
+            <a:schemeClr val="tx1"/>
+          </a:fontRef>
+        </p:style>
+      </p:cxnSp>
     </p:spTree>
     <p:extLst>
       <p:ext uri="{BB962C8B-B14F-4D97-AF65-F5344CB8AC3E}">
@@ -24639,7 +25447,7 @@
                   <a:reflection blurRad="12700" stA="28000" endPos="45000" dist="1000" dir="5400000" sy="-100000" algn="bl" rotWithShape="0"/>
                 </a:effectLst>
               </a:rPr>
-              <a:t>1.4 khó khăn</a:t>
+              <a:t>1.3 cơ chế làm  việc</a:t>
             </a:r>
             <a:endParaRPr lang="en-US" cap="all">
               <a:ln w="9000" cmpd="sng">
@@ -24699,85 +25507,17 @@
         <p:spPr>
           <a:xfrm>
             <a:off x="457200" y="1447800"/>
-            <a:ext cx="8458200" cy="4800600"/>
+            <a:ext cx="8305800" cy="4876800"/>
           </a:xfrm>
         </p:spPr>
         <p:txBody>
           <a:bodyPr/>
           <a:lstStyle/>
           <a:p>
-            <a:pPr marL="0" lvl="0" indent="457200" algn="just">
-              <a:buClrTx/>
-              <a:buNone/>
-            </a:pPr>
-            <a:endParaRPr lang="en-US" b="0" smtClean="0">
-              <a:solidFill>
-                <a:srgbClr val="000000"/>
-              </a:solidFill>
-            </a:endParaRPr>
-          </a:p>
-          <a:p>
-            <a:pPr marL="0" lvl="0" indent="457200" algn="just">
-              <a:buClrTx/>
-              <a:buNone/>
-            </a:pPr>
-            <a:r>
-              <a:rPr lang="en-US" b="0" smtClean="0">
-                <a:solidFill>
-                  <a:srgbClr val="000000"/>
-                </a:solidFill>
-              </a:rPr>
-              <a:t>Không </a:t>
-            </a:r>
-            <a:r>
-              <a:rPr lang="en-US" b="0">
-                <a:solidFill>
-                  <a:srgbClr val="000000"/>
-                </a:solidFill>
-              </a:rPr>
-              <a:t>còn dễ dàng </a:t>
-            </a:r>
-            <a:r>
-              <a:rPr lang="en-US" b="0" smtClean="0">
-                <a:solidFill>
-                  <a:srgbClr val="000000"/>
-                </a:solidFill>
-              </a:rPr>
-              <a:t>để chạy </a:t>
-            </a:r>
-            <a:r>
-              <a:rPr lang="en-US" b="0">
-                <a:solidFill>
-                  <a:srgbClr val="000000"/>
-                </a:solidFill>
-              </a:rPr>
-              <a:t>trên nhiều môi trường nữa.</a:t>
-            </a:r>
-          </a:p>
-          <a:p>
-            <a:pPr marL="0" lvl="0" indent="457200" algn="just">
-              <a:buClrTx/>
-              <a:buNone/>
-            </a:pPr>
-            <a:r>
-              <a:rPr lang="en-US" b="0" smtClean="0">
-                <a:solidFill>
-                  <a:srgbClr val="000000"/>
-                </a:solidFill>
-              </a:rPr>
-              <a:t>Độ an toàn bị giảm.</a:t>
-            </a:r>
-            <a:endParaRPr lang="en-US" b="0">
-              <a:solidFill>
-                <a:srgbClr val="000000"/>
-              </a:solidFill>
-            </a:endParaRPr>
-          </a:p>
-          <a:p>
-            <a:pPr algn="just">
+            <a:pPr>
               <a:buClrTx/>
             </a:pPr>
-            <a:endParaRPr lang="en-US" b="0">
+            <a:endParaRPr lang="en-US" sz="1600">
               <a:solidFill>
                 <a:srgbClr val="000000"/>
               </a:solidFill>
@@ -24840,7 +25580,7 @@
     </p:spTree>
     <p:extLst>
       <p:ext uri="{BB962C8B-B14F-4D97-AF65-F5344CB8AC3E}">
-        <p14:creationId xmlns:p14="http://schemas.microsoft.com/office/powerpoint/2010/main" val="204767111"/>
+        <p14:creationId xmlns:p14="http://schemas.microsoft.com/office/powerpoint/2010/main" val="2962813272"/>
       </p:ext>
     </p:extLst>
   </p:cSld>
@@ -24940,7 +25680,7 @@
                   <a:reflection blurRad="12700" stA="28000" endPos="45000" dist="1000" dir="5400000" sy="-100000" algn="bl" rotWithShape="0"/>
                 </a:effectLst>
               </a:rPr>
-              <a:t>2 cở bản lập trình jni</a:t>
+              <a:t>1.4 khó khăn</a:t>
             </a:r>
             <a:endParaRPr lang="en-US" cap="all">
               <a:ln w="9000" cmpd="sng">
@@ -25007,25 +25747,58 @@
           <a:bodyPr/>
           <a:lstStyle/>
           <a:p>
-            <a:pPr marL="685800" lvl="0" indent="-514350" algn="just">
+            <a:pPr marL="0" lvl="0" indent="457200" algn="just">
               <a:buClrTx/>
-              <a:buFont typeface="Wingdings" pitchFamily="2" charset="2"/>
-              <a:buChar char="q"/>
+              <a:buNone/>
             </a:pPr>
+            <a:endParaRPr lang="en-US" b="0" smtClean="0">
+              <a:solidFill>
+                <a:srgbClr val="000000"/>
+              </a:solidFill>
+            </a:endParaRPr>
+          </a:p>
+          <a:p>
+            <a:pPr marL="0" lvl="0" indent="457200" algn="just">
+              <a:buClrTx/>
+              <a:buNone/>
+            </a:pPr>
             <a:r>
               <a:rPr lang="en-US" b="0" smtClean="0">
                 <a:solidFill>
                   <a:srgbClr val="000000"/>
                 </a:solidFill>
               </a:rPr>
-              <a:t>JNI Interface Functions and Pointers: Prototype của hàm cài đặt cho JNI</a:t>
-            </a:r>
-          </a:p>
-          <a:p>
-            <a:pPr marL="685800" lvl="0" indent="-514350" algn="just">
+              <a:t>Không </a:t>
+            </a:r>
+            <a:r>
+              <a:rPr lang="en-US" b="0">
+                <a:solidFill>
+                  <a:srgbClr val="000000"/>
+                </a:solidFill>
+              </a:rPr>
+              <a:t>còn dễ dàng </a:t>
+            </a:r>
+            <a:r>
+              <a:rPr lang="en-US" b="0" smtClean="0">
+                <a:solidFill>
+                  <a:srgbClr val="000000"/>
+                </a:solidFill>
+              </a:rPr>
+              <a:t>để chạy </a:t>
+            </a:r>
+            <a:r>
+              <a:rPr lang="en-US" b="0">
+                <a:solidFill>
+                  <a:srgbClr val="000000"/>
+                </a:solidFill>
+              </a:rPr>
+              <a:t>trên nhiều môi trường nữa.</a:t>
+            </a:r>
+          </a:p>
+          <a:p>
+            <a:pPr marL="0" lvl="0" indent="457200" algn="just">
               <a:buClrTx/>
-              <a:buFont typeface="Wingdings" pitchFamily="2" charset="2"/>
-              <a:buChar char="q"/>
+              <a:buNone/>
             </a:pPr>
             <a:r>
               <a:rPr lang="en-US" b="0" smtClean="0">
@@ -25033,74 +25806,17 @@
                   <a:srgbClr val="000000"/>
                 </a:solidFill>
               </a:rPr>
-              <a:t>Các kiểu dữ liệu cơ bản</a:t>
-            </a:r>
-          </a:p>
-          <a:p>
-            <a:pPr marL="685800" lvl="0" indent="-514350" algn="just">
-              <a:buClrTx/>
-              <a:buFont typeface="Wingdings" pitchFamily="2" charset="2"/>
-              <a:buChar char="q"/>
-            </a:pPr>
-            <a:r>
-              <a:rPr lang="en-US" b="0" smtClean="0">
-                <a:solidFill>
-                  <a:srgbClr val="000000"/>
-                </a:solidFill>
-              </a:rPr>
-              <a:t>Truy xuất biến, hàm giữa code native và code java</a:t>
-            </a:r>
-          </a:p>
-          <a:p>
-            <a:pPr marL="685800" lvl="0" indent="-514350" algn="just">
-              <a:buClrTx/>
-              <a:buFont typeface="Wingdings" pitchFamily="2" charset="2"/>
-              <a:buChar char="q"/>
-            </a:pPr>
-            <a:r>
-              <a:rPr lang="en-US" b="0" smtClean="0">
-                <a:solidFill>
-                  <a:srgbClr val="000000"/>
-                </a:solidFill>
-              </a:rPr>
-              <a:t>Bắt các Exception</a:t>
-            </a:r>
-          </a:p>
-          <a:p>
-            <a:pPr marL="685800" lvl="0" indent="-514350" algn="just">
-              <a:buClrTx/>
-              <a:buFont typeface="Wingdings" pitchFamily="2" charset="2"/>
-              <a:buChar char="q"/>
-            </a:pPr>
-            <a:r>
-              <a:rPr lang="en-US" b="0" smtClean="0">
-                <a:solidFill>
-                  <a:srgbClr val="000000"/>
-                </a:solidFill>
-              </a:rPr>
-              <a:t>The Invocation API – nhúng việc khởi tạo một JVM trong native code (c/c++)</a:t>
-            </a:r>
-          </a:p>
-          <a:p>
-            <a:pPr marL="685800" indent="-514350" algn="just">
-              <a:buClrTx/>
-              <a:buFont typeface="Wingdings" pitchFamily="2" charset="2"/>
-              <a:buChar char="q"/>
-            </a:pPr>
-            <a:r>
-              <a:rPr lang="en-US" b="0" smtClean="0">
-                <a:solidFill>
-                  <a:srgbClr val="000000"/>
-                </a:solidFill>
-              </a:rPr>
-              <a:t>Demo chương trình HelloWorld</a:t>
-            </a:r>
+              <a:t>Độ an toàn bị giảm.</a:t>
+            </a:r>
+            <a:endParaRPr lang="en-US" b="0">
+              <a:solidFill>
+                <a:srgbClr val="000000"/>
+              </a:solidFill>
+            </a:endParaRPr>
           </a:p>
           <a:p>
             <a:pPr algn="just">
               <a:buClrTx/>
-              <a:buFont typeface="Wingdings" pitchFamily="2" charset="2"/>
-              <a:buChar char="q"/>
             </a:pPr>
             <a:endParaRPr lang="en-US" b="0">
               <a:solidFill>
@@ -25165,7 +25881,7 @@
     </p:spTree>
     <p:extLst>
       <p:ext uri="{BB962C8B-B14F-4D97-AF65-F5344CB8AC3E}">
-        <p14:creationId xmlns:p14="http://schemas.microsoft.com/office/powerpoint/2010/main" val="405767193"/>
+        <p14:creationId xmlns:p14="http://schemas.microsoft.com/office/powerpoint/2010/main" val="204767111"/>
       </p:ext>
     </p:extLst>
   </p:cSld>
@@ -25211,18 +25927,19 @@
         </p:nvSpPr>
         <p:spPr>
           <a:xfrm>
-            <a:off x="228600" y="304801"/>
-            <a:ext cx="8915400" cy="838200"/>
+            <a:off x="228600" y="579437"/>
+            <a:ext cx="8915400" cy="563563"/>
           </a:xfrm>
         </p:spPr>
         <p:txBody>
           <a:bodyPr>
-            <a:noAutofit/>
+            <a:normAutofit fontScale="90000"/>
           </a:bodyPr>
           <a:lstStyle/>
           <a:p>
-            <a:r>
-              <a:rPr lang="en-US" sz="2800" cap="all" smtClean="0">
+            <a:pPr algn="l"/>
+            <a:r>
+              <a:rPr lang="en-US" cap="all" smtClean="0">
                 <a:ln w="9000" cmpd="sng">
                   <a:solidFill>
                     <a:schemeClr val="accent4">
@@ -25264,98 +25981,9 @@
                   <a:reflection blurRad="12700" stA="28000" endPos="45000" dist="1000" dir="5400000" sy="-100000" algn="bl" rotWithShape="0"/>
                 </a:effectLst>
               </a:rPr>
-              <a:t>2.1 JNI Interface Functions </a:t>
-            </a:r>
-            <a:br>
-              <a:rPr lang="en-US" sz="2800" cap="all" smtClean="0">
-                <a:ln w="9000" cmpd="sng">
-                  <a:solidFill>
-                    <a:schemeClr val="accent4">
-                      <a:shade val="50000"/>
-                      <a:satMod val="120000"/>
-                    </a:schemeClr>
-                  </a:solidFill>
-                  <a:prstDash val="solid"/>
-                </a:ln>
-                <a:gradFill>
-                  <a:gsLst>
-                    <a:gs pos="0">
-                      <a:schemeClr val="accent4">
-                        <a:shade val="20000"/>
-                        <a:satMod val="245000"/>
-                      </a:schemeClr>
-                    </a:gs>
-                    <a:gs pos="43000">
-                      <a:schemeClr val="accent4">
-                        <a:satMod val="255000"/>
-                      </a:schemeClr>
-                    </a:gs>
-                    <a:gs pos="48000">
-                      <a:schemeClr val="accent4">
-                        <a:shade val="85000"/>
-                        <a:satMod val="255000"/>
-                      </a:schemeClr>
-                    </a:gs>
-                    <a:gs pos="100000">
-                      <a:schemeClr val="accent4">
-                        <a:shade val="20000"/>
-                        <a:satMod val="245000"/>
-                      </a:schemeClr>
-                    </a:gs>
-                  </a:gsLst>
-                  <a:lin ang="5400000"/>
-                </a:gradFill>
-                <a:effectLst>
-                  <a:reflection blurRad="12700" stA="28000" endPos="45000" dist="1000" dir="5400000" sy="-100000" algn="bl" rotWithShape="0"/>
-                </a:effectLst>
-              </a:rPr>
-            </a:br>
-            <a:r>
-              <a:rPr lang="en-US" sz="2800" cap="all" smtClean="0">
-                <a:ln w="9000" cmpd="sng">
-                  <a:solidFill>
-                    <a:schemeClr val="accent4">
-                      <a:shade val="50000"/>
-                      <a:satMod val="120000"/>
-                    </a:schemeClr>
-                  </a:solidFill>
-                  <a:prstDash val="solid"/>
-                </a:ln>
-                <a:gradFill>
-                  <a:gsLst>
-                    <a:gs pos="0">
-                      <a:schemeClr val="accent4">
-                        <a:shade val="20000"/>
-                        <a:satMod val="245000"/>
-                      </a:schemeClr>
-                    </a:gs>
-                    <a:gs pos="43000">
-                      <a:schemeClr val="accent4">
-                        <a:satMod val="255000"/>
-                      </a:schemeClr>
-                    </a:gs>
-                    <a:gs pos="48000">
-                      <a:schemeClr val="accent4">
-                        <a:shade val="85000"/>
-                        <a:satMod val="255000"/>
-                      </a:schemeClr>
-                    </a:gs>
-                    <a:gs pos="100000">
-                      <a:schemeClr val="accent4">
-                        <a:shade val="20000"/>
-                        <a:satMod val="245000"/>
-                      </a:schemeClr>
-                    </a:gs>
-                  </a:gsLst>
-                  <a:lin ang="5400000"/>
-                </a:gradFill>
-                <a:effectLst>
-                  <a:reflection blurRad="12700" stA="28000" endPos="45000" dist="1000" dir="5400000" sy="-100000" algn="bl" rotWithShape="0"/>
-                </a:effectLst>
-              </a:rPr>
-              <a:t>and Pointers </a:t>
-            </a:r>
-            <a:endParaRPr lang="en-US" sz="2800" cap="all">
+              <a:t>2 cở bản lập trình jni</a:t>
+            </a:r>
+            <a:endParaRPr lang="en-US" cap="all">
               <a:ln w="9000" cmpd="sng">
                 <a:solidFill>
                   <a:schemeClr val="accent4">
@@ -25410,17 +26038,112 @@
             <p:ph idx="1"/>
           </p:nvPr>
         </p:nvSpPr>
-        <p:spPr/>
+        <p:spPr>
+          <a:xfrm>
+            <a:off x="457200" y="1447800"/>
+            <a:ext cx="8458200" cy="4800600"/>
+          </a:xfrm>
+        </p:spPr>
         <p:txBody>
           <a:bodyPr/>
           <a:lstStyle/>
           <a:p>
-            <a:pPr>
+            <a:pPr marL="685800" lvl="0" indent="-514350" algn="just">
               <a:buClrTx/>
               <a:buFont typeface="Wingdings" pitchFamily="2" charset="2"/>
               <a:buChar char="q"/>
             </a:pPr>
-            <a:endParaRPr lang="en-US">
+            <a:r>
+              <a:rPr lang="en-US" b="0" smtClean="0">
+                <a:solidFill>
+                  <a:srgbClr val="000000"/>
+                </a:solidFill>
+              </a:rPr>
+              <a:t>JNI Interface Functions and Pointers: Prototype của hàm cài đặt cho JNI</a:t>
+            </a:r>
+          </a:p>
+          <a:p>
+            <a:pPr marL="685800" lvl="0" indent="-514350" algn="just">
+              <a:buClrTx/>
+              <a:buFont typeface="Wingdings" pitchFamily="2" charset="2"/>
+              <a:buChar char="q"/>
+            </a:pPr>
+            <a:r>
+              <a:rPr lang="en-US" b="0" smtClean="0">
+                <a:solidFill>
+                  <a:srgbClr val="000000"/>
+                </a:solidFill>
+              </a:rPr>
+              <a:t>Các kiểu dữ liệu cơ bản</a:t>
+            </a:r>
+          </a:p>
+          <a:p>
+            <a:pPr marL="685800" lvl="0" indent="-514350" algn="just">
+              <a:buClrTx/>
+              <a:buFont typeface="Wingdings" pitchFamily="2" charset="2"/>
+              <a:buChar char="q"/>
+            </a:pPr>
+            <a:r>
+              <a:rPr lang="en-US" b="0" smtClean="0">
+                <a:solidFill>
+                  <a:srgbClr val="000000"/>
+                </a:solidFill>
+              </a:rPr>
+              <a:t>Truy xuất biến, hàm giữa code native và code java</a:t>
+            </a:r>
+          </a:p>
+          <a:p>
+            <a:pPr marL="685800" lvl="0" indent="-514350" algn="just">
+              <a:buClrTx/>
+              <a:buFont typeface="Wingdings" pitchFamily="2" charset="2"/>
+              <a:buChar char="q"/>
+            </a:pPr>
+            <a:r>
+              <a:rPr lang="en-US" b="0" smtClean="0">
+                <a:solidFill>
+                  <a:srgbClr val="000000"/>
+                </a:solidFill>
+              </a:rPr>
+              <a:t>Bắt các Exception</a:t>
+            </a:r>
+          </a:p>
+          <a:p>
+            <a:pPr marL="685800" lvl="0" indent="-514350" algn="just">
+              <a:buClrTx/>
+              <a:buFont typeface="Wingdings" pitchFamily="2" charset="2"/>
+              <a:buChar char="q"/>
+            </a:pPr>
+            <a:r>
+              <a:rPr lang="en-US" b="0" smtClean="0">
+                <a:solidFill>
+                  <a:srgbClr val="000000"/>
+                </a:solidFill>
+              </a:rPr>
+              <a:t>The Invocation API – nhúng việc khởi tạo một JVM trong native code (c/c++)</a:t>
+            </a:r>
+          </a:p>
+          <a:p>
+            <a:pPr marL="685800" indent="-514350" algn="just">
+              <a:buClrTx/>
+              <a:buFont typeface="Wingdings" pitchFamily="2" charset="2"/>
+              <a:buChar char="q"/>
+            </a:pPr>
+            <a:r>
+              <a:rPr lang="en-US" b="0" smtClean="0">
+                <a:solidFill>
+                  <a:srgbClr val="000000"/>
+                </a:solidFill>
+              </a:rPr>
+              <a:t>Demo chương trình HelloWorld</a:t>
+            </a:r>
+          </a:p>
+          <a:p>
+            <a:pPr algn="just">
+              <a:buClrTx/>
+              <a:buFont typeface="Wingdings" pitchFamily="2" charset="2"/>
+              <a:buChar char="q"/>
+            </a:pPr>
+            <a:endParaRPr lang="en-US" b="0">
               <a:solidFill>
                 <a:srgbClr val="000000"/>
               </a:solidFill>
@@ -25483,7 +26206,7 @@
     </p:spTree>
     <p:extLst>
       <p:ext uri="{BB962C8B-B14F-4D97-AF65-F5344CB8AC3E}">
-        <p14:creationId xmlns:p14="http://schemas.microsoft.com/office/powerpoint/2010/main" val="225202525"/>
+        <p14:creationId xmlns:p14="http://schemas.microsoft.com/office/powerpoint/2010/main" val="405767193"/>
       </p:ext>
     </p:extLst>
   </p:cSld>

--- a/trunk/Seminar_JNI/Slide_00.pptx
+++ b/trunk/Seminar_JNI/Slide_00.pptx
@@ -22733,14 +22733,24 @@
               <a:buChar char="q"/>
             </a:pPr>
             <a:r>
-              <a:rPr lang="en-US" b="0">
+              <a:rPr lang="en-US" b="0" smtClean="0">
                 <a:solidFill>
                   <a:schemeClr val="tx1">
                     <a:lumMod val="50000"/>
                   </a:schemeClr>
                 </a:solidFill>
               </a:rPr>
-              <a:t>JNI là </a:t>
+              <a:t>Java Native Interface (JNI) </a:t>
+            </a:r>
+            <a:r>
+              <a:rPr lang="en-US" b="0">
+                <a:solidFill>
+                  <a:schemeClr val="tx1">
+                    <a:lumMod val="50000"/>
+                  </a:schemeClr>
+                </a:solidFill>
+              </a:rPr>
+              <a:t>là </a:t>
             </a:r>
             <a:r>
               <a:rPr lang="en-US" b="0" smtClean="0">

--- a/trunk/Seminar_JNI/Slide_00.pptx
+++ b/trunk/Seminar_JNI/Slide_00.pptx
@@ -15102,31 +15102,7 @@
                 </a:solidFill>
                 <a:latin typeface="+mj-lt"/>
               </a:rPr>
-              <a:t>Prototype void </a:t>
-            </a:r>
-            <a:r>
-              <a:rPr lang="en-US" sz="2400" b="1" i="1">
-                <a:solidFill>
-                  <a:schemeClr val="accent4">
-                    <a:lumMod val="90000"/>
-                    <a:lumOff val="10000"/>
-                  </a:schemeClr>
-                </a:solidFill>
-                <a:latin typeface="+mj-lt"/>
-              </a:rPr>
-              <a:t>Set&lt;Type&gt;Field</a:t>
-            </a:r>
-            <a:r>
-              <a:rPr lang="en-US" sz="2400" b="1">
-                <a:solidFill>
-                  <a:schemeClr val="accent4">
-                    <a:lumMod val="90000"/>
-                    <a:lumOff val="10000"/>
-                  </a:schemeClr>
-                </a:solidFill>
-                <a:latin typeface="+mj-lt"/>
-              </a:rPr>
-              <a:t>(JNIEnv *env, jobject obj,</a:t>
+              <a:t>Prototype void Set&lt;Type&gt;Field(JNIEnv *env, jobject obj,</a:t>
             </a:r>
             <a:r>
               <a:rPr lang="en-US" sz="2400" b="1">
@@ -22198,7 +22174,52 @@
                   <a:reflection blurRad="12700" stA="28000" endPos="45000" dist="1000" dir="5400000" sy="-100000" algn="bl" rotWithShape="0"/>
                 </a:effectLst>
               </a:rPr>
-              <a:t>3 Java native access</a:t>
+              <a:t>3.1 </a:t>
+            </a:r>
+            <a:r>
+              <a:rPr lang="en-US" sz="2900" cap="all" smtClean="0">
+                <a:ln w="9000" cmpd="sng">
+                  <a:solidFill>
+                    <a:schemeClr val="accent4">
+                      <a:shade val="50000"/>
+                      <a:satMod val="120000"/>
+                    </a:schemeClr>
+                  </a:solidFill>
+                  <a:prstDash val="solid"/>
+                </a:ln>
+                <a:gradFill>
+                  <a:gsLst>
+                    <a:gs pos="0">
+                      <a:schemeClr val="accent4">
+                        <a:shade val="20000"/>
+                        <a:satMod val="245000"/>
+                      </a:schemeClr>
+                    </a:gs>
+                    <a:gs pos="43000">
+                      <a:schemeClr val="accent4">
+                        <a:satMod val="255000"/>
+                      </a:schemeClr>
+                    </a:gs>
+                    <a:gs pos="48000">
+                      <a:schemeClr val="accent4">
+                        <a:shade val="85000"/>
+                        <a:satMod val="255000"/>
+                      </a:schemeClr>
+                    </a:gs>
+                    <a:gs pos="100000">
+                      <a:schemeClr val="accent4">
+                        <a:shade val="20000"/>
+                        <a:satMod val="245000"/>
+                      </a:schemeClr>
+                    </a:gs>
+                  </a:gsLst>
+                  <a:lin ang="5400000"/>
+                </a:gradFill>
+                <a:effectLst>
+                  <a:reflection blurRad="12700" stA="28000" endPos="45000" dist="1000" dir="5400000" sy="-100000" algn="bl" rotWithShape="0"/>
+                </a:effectLst>
+              </a:rPr>
+              <a:t>Java native access</a:t>
             </a:r>
             <a:endParaRPr lang="en-US" sz="2900" cap="all">
               <a:ln w="9000" cmpd="sng">
@@ -22493,7 +22514,52 @@
                   <a:reflection blurRad="12700" stA="28000" endPos="45000" dist="1000" dir="5400000" sy="-100000" algn="bl" rotWithShape="0"/>
                 </a:effectLst>
               </a:rPr>
-              <a:t>3. Demo Hello world với JNA</a:t>
+              <a:t>3.2 </a:t>
+            </a:r>
+            <a:r>
+              <a:rPr lang="en-US" sz="2900" cap="all" smtClean="0">
+                <a:ln w="9000" cmpd="sng">
+                  <a:solidFill>
+                    <a:schemeClr val="accent4">
+                      <a:shade val="50000"/>
+                      <a:satMod val="120000"/>
+                    </a:schemeClr>
+                  </a:solidFill>
+                  <a:prstDash val="solid"/>
+                </a:ln>
+                <a:gradFill>
+                  <a:gsLst>
+                    <a:gs pos="0">
+                      <a:schemeClr val="accent4">
+                        <a:shade val="20000"/>
+                        <a:satMod val="245000"/>
+                      </a:schemeClr>
+                    </a:gs>
+                    <a:gs pos="43000">
+                      <a:schemeClr val="accent4">
+                        <a:satMod val="255000"/>
+                      </a:schemeClr>
+                    </a:gs>
+                    <a:gs pos="48000">
+                      <a:schemeClr val="accent4">
+                        <a:shade val="85000"/>
+                        <a:satMod val="255000"/>
+                      </a:schemeClr>
+                    </a:gs>
+                    <a:gs pos="100000">
+                      <a:schemeClr val="accent4">
+                        <a:shade val="20000"/>
+                        <a:satMod val="245000"/>
+                      </a:schemeClr>
+                    </a:gs>
+                  </a:gsLst>
+                  <a:lin ang="5400000"/>
+                </a:gradFill>
+                <a:effectLst>
+                  <a:reflection blurRad="12700" stA="28000" endPos="45000" dist="1000" dir="5400000" sy="-100000" algn="bl" rotWithShape="0"/>
+                </a:effectLst>
+              </a:rPr>
+              <a:t>Demo Hello world với JNA</a:t>
             </a:r>
             <a:endParaRPr lang="en-US" sz="2900" cap="all">
               <a:ln w="9000" cmpd="sng">

--- a/trunk/Seminar_JNI/Slide_00.pptx
+++ b/trunk/Seminar_JNI/Slide_00.pptx
@@ -17,17 +17,17 @@
     <p:sldId id="268" r:id="rId5"/>
     <p:sldId id="269" r:id="rId6"/>
     <p:sldId id="271" r:id="rId7"/>
-    <p:sldId id="298" r:id="rId8"/>
-    <p:sldId id="273" r:id="rId9"/>
-    <p:sldId id="270" r:id="rId10"/>
-    <p:sldId id="272" r:id="rId11"/>
-    <p:sldId id="275" r:id="rId12"/>
-    <p:sldId id="293" r:id="rId13"/>
-    <p:sldId id="294" r:id="rId14"/>
-    <p:sldId id="296" r:id="rId15"/>
-    <p:sldId id="274" r:id="rId16"/>
-    <p:sldId id="284" r:id="rId17"/>
-    <p:sldId id="287" r:id="rId18"/>
+    <p:sldId id="273" r:id="rId8"/>
+    <p:sldId id="270" r:id="rId9"/>
+    <p:sldId id="272" r:id="rId10"/>
+    <p:sldId id="275" r:id="rId11"/>
+    <p:sldId id="293" r:id="rId12"/>
+    <p:sldId id="294" r:id="rId13"/>
+    <p:sldId id="296" r:id="rId14"/>
+    <p:sldId id="274" r:id="rId15"/>
+    <p:sldId id="284" r:id="rId16"/>
+    <p:sldId id="287" r:id="rId17"/>
+    <p:sldId id="298" r:id="rId18"/>
     <p:sldId id="286" r:id="rId19"/>
     <p:sldId id="288" r:id="rId20"/>
     <p:sldId id="289" r:id="rId21"/>
@@ -3159,7 +3159,7 @@
           <a:p>
             <a:fld id="{BC686CB3-32BA-4F93-8D22-6C9723801F78}" type="datetimeFigureOut">
               <a:rPr lang="en-US" smtClean="0"/>
-              <a:t>5/13/2012</a:t>
+              <a:t>5/15/2012</a:t>
             </a:fld>
             <a:endParaRPr lang="en-US"/>
           </a:p>
@@ -3329,7 +3329,7 @@
           <a:p>
             <a:fld id="{F70DB8DD-9B16-466B-B61E-32B315019C1D}" type="datetimeFigureOut">
               <a:rPr lang="en-US" smtClean="0"/>
-              <a:t>5/13/2012</a:t>
+              <a:t>5/15/2012</a:t>
             </a:fld>
             <a:endParaRPr lang="en-US"/>
           </a:p>
@@ -3739,19 +3739,38 @@
             </a:r>
             <a:r>
               <a:rPr lang="en-US" smtClean="0"/>
-              <a:t>  env: JNIEnv interface pointer.</a:t>
-            </a:r>
+              <a:t>  </a:t>
+            </a:r>
+            <a:endParaRPr lang="en-US" smtClean="0"/>
           </a:p>
           <a:p>
             <a:r>
               <a:rPr lang="en-US" smtClean="0"/>
-              <a:t>	jclass: trỏ đến class có field được truy xuất.</a:t>
-            </a:r>
-          </a:p>
-          <a:p>
+              <a:t>env</a:t>
+            </a:r>
             <a:r>
               <a:rPr lang="en-US" smtClean="0"/>
-              <a:t>	fieldID: một biến có kiểu jfieldID đại diện cho field được truy xuất.</a:t>
+              <a:t>: JNIEnv interface pointer.</a:t>
+            </a:r>
+          </a:p>
+          <a:p>
+            <a:r>
+              <a:rPr lang="en-US" smtClean="0"/>
+              <a:t>jclass</a:t>
+            </a:r>
+            <a:r>
+              <a:rPr lang="en-US" smtClean="0"/>
+              <a:t>: trỏ đến class có field được truy xuất.</a:t>
+            </a:r>
+          </a:p>
+          <a:p>
+            <a:r>
+              <a:rPr lang="en-US" smtClean="0"/>
+              <a:t>fieldID</a:t>
+            </a:r>
+            <a:r>
+              <a:rPr lang="en-US" smtClean="0"/>
+              <a:t>: một biến có kiểu jfieldID đại diện cho field được truy xuất.</a:t>
             </a:r>
           </a:p>
           <a:p>
@@ -3819,77 +3838,6 @@
           <a:bodyPr/>
           <a:lstStyle/>
           <a:p>
-            <a:pPr lvl="1"/>
-            <a:r>
-              <a:rPr lang="en-US" sz="1200" b="1" kern="1200" smtClean="0">
-                <a:solidFill>
-                  <a:schemeClr val="tx1"/>
-                </a:solidFill>
-                <a:effectLst/>
-                <a:latin typeface="+mn-lt"/>
-                <a:ea typeface="+mn-ea"/>
-                <a:cs typeface="+mn-cs"/>
-              </a:rPr>
-              <a:t>Field Descriptors</a:t>
-            </a:r>
-          </a:p>
-          <a:p>
-            <a:r>
-              <a:rPr lang="en-US" sz="1200" kern="1200" smtClean="0">
-                <a:solidFill>
-                  <a:schemeClr val="tx1"/>
-                </a:solidFill>
-                <a:effectLst/>
-                <a:latin typeface="+mn-lt"/>
-                <a:ea typeface="+mn-ea"/>
-                <a:cs typeface="+mn-cs"/>
-              </a:rPr>
-              <a:t>Là một chuỗi dùng để biểu diễn kiểu dữ liệu của field.</a:t>
-            </a:r>
-          </a:p>
-          <a:p>
-            <a:r>
-              <a:rPr lang="en-US" sz="1200" kern="1200" smtClean="0">
-                <a:solidFill>
-                  <a:schemeClr val="tx1"/>
-                </a:solidFill>
-                <a:effectLst/>
-                <a:latin typeface="+mn-lt"/>
-                <a:ea typeface="+mn-ea"/>
-                <a:cs typeface="+mn-cs"/>
-              </a:rPr>
-              <a:t>Với các kiểu cơ bản mô tả sẽ đơn giản hơn như: int có chuỗi mô tả là “I”, float có “F”, double có “D”, boolean có “Z”.</a:t>
-            </a:r>
-          </a:p>
-          <a:p>
-            <a:r>
-              <a:rPr lang="en-US" sz="1200" kern="1200" smtClean="0">
-                <a:solidFill>
-                  <a:schemeClr val="tx1"/>
-                </a:solidFill>
-                <a:effectLst/>
-                <a:latin typeface="+mn-lt"/>
-                <a:ea typeface="+mn-ea"/>
-                <a:cs typeface="+mn-cs"/>
-              </a:rPr>
-              <a:t>Với các kiểu dữ liệu khác thì mô tả theo package name của nó. Chẳng hạn như kiểu String có thuộc package: java.lang.String thì chuỗi mô tả tương ứng là “Ljava/lang/String;”.</a:t>
-            </a:r>
-          </a:p>
-          <a:p>
-            <a:r>
-              <a:rPr lang="en-US" sz="1200" kern="1200" smtClean="0">
-                <a:solidFill>
-                  <a:schemeClr val="tx1"/>
-                </a:solidFill>
-                <a:effectLst/>
-                <a:latin typeface="+mn-lt"/>
-                <a:ea typeface="+mn-ea"/>
-                <a:cs typeface="+mn-cs"/>
-              </a:rPr>
-              <a:t>Có một cách khác để biết chuỗi mô tả của các filed trong lớp java là dùng tool javap đi kèm trong JDK với tham số -s -p TenClass</a:t>
-            </a:r>
-          </a:p>
-          <a:p>
             <a:endParaRPr lang="en-US"/>
           </a:p>
         </p:txBody>
@@ -3961,11 +3909,20 @@
                 <a:ea typeface="+mn-ea"/>
                 <a:cs typeface="+mn-cs"/>
               </a:rPr>
-              <a:t>Các tham số giống như phần truy xuất Field. Tuy nhiên phần sig sẽ là method descriptor.</a:t>
-            </a:r>
-          </a:p>
-          <a:p>
-            <a:endParaRPr lang="en-US" smtClean="0"/>
+              <a:t>Có </a:t>
+            </a:r>
+            <a:r>
+              <a:rPr lang="en-US" sz="1200" kern="1200" smtClean="0">
+                <a:solidFill>
+                  <a:schemeClr val="tx1"/>
+                </a:solidFill>
+                <a:effectLst/>
+                <a:latin typeface="+mn-lt"/>
+                <a:ea typeface="+mn-ea"/>
+                <a:cs typeface="+mn-cs"/>
+              </a:rPr>
+              <a:t>một cách khác để biết chuỗi mô tả của các filed trong lớp java là dùng tool javap đi kèm trong JDK với tham số -s -p TenClass</a:t>
+            </a:r>
           </a:p>
           <a:p>
             <a:endParaRPr lang="en-US"/>
@@ -4107,49 +4064,24 @@
           <a:bodyPr/>
           <a:lstStyle/>
           <a:p>
-            <a:pPr marL="60325" lvl="1" indent="0">
-              <a:buClrTx/>
-              <a:buFont typeface="Wingdings" pitchFamily="2" charset="2"/>
-              <a:buNone/>
-            </a:pPr>
-            <a:r>
-              <a:rPr lang="en-US" b="1" smtClean="0">
-                <a:solidFill>
-                  <a:srgbClr val="000000"/>
-                </a:solidFill>
-              </a:rPr>
-              <a:t>Method descriptor </a:t>
-            </a:r>
-          </a:p>
-          <a:p>
-            <a:pPr marL="60325" lvl="1" indent="0">
-              <a:buClrTx/>
-              <a:buFont typeface="Wingdings" pitchFamily="2" charset="2"/>
-              <a:buNone/>
-            </a:pPr>
-            <a:r>
-              <a:rPr lang="en-US" b="0" smtClean="0">
-                <a:solidFill>
-                  <a:srgbClr val="000000"/>
-                </a:solidFill>
-              </a:rPr>
-              <a:t>Nội dụng của ? thì giống với Field descriptor. </a:t>
-            </a:r>
-          </a:p>
-          <a:p>
-            <a:pPr marL="60325" lvl="1" indent="0">
-              <a:buClrTx/>
-              <a:buFont typeface="Wingdings" pitchFamily="2" charset="2"/>
-              <a:buNone/>
-            </a:pPr>
-            <a:r>
-              <a:rPr lang="en-US" b="0" smtClean="0">
-                <a:solidFill>
-                  <a:srgbClr val="000000"/>
-                </a:solidFill>
-              </a:rPr>
-              <a:t>Lưu ý là void có ký hiệu là “V”. </a:t>
-            </a:r>
+            <a:r>
+              <a:rPr lang="en-US" sz="1200" kern="1200" smtClean="0">
+                <a:solidFill>
+                  <a:schemeClr val="tx1"/>
+                </a:solidFill>
+                <a:effectLst/>
+                <a:latin typeface="+mn-lt"/>
+                <a:ea typeface="+mn-ea"/>
+                <a:cs typeface="+mn-cs"/>
+              </a:rPr>
+              <a:t>Các tham số giống như phần truy xuất Field. Tuy nhiên phần sig sẽ là method descriptor.</a:t>
+            </a:r>
+          </a:p>
+          <a:p>
+            <a:endParaRPr lang="en-US" smtClean="0"/>
+          </a:p>
+          <a:p>
+            <a:endParaRPr lang="en-US"/>
           </a:p>
         </p:txBody>
       </p:sp>
@@ -4215,11 +4147,44 @@
               <a:buFont typeface="Wingdings" pitchFamily="2" charset="2"/>
               <a:buNone/>
             </a:pPr>
-            <a:endParaRPr lang="en-US" b="0" smtClean="0">
-              <a:solidFill>
-                <a:srgbClr val="000000"/>
-              </a:solidFill>
-            </a:endParaRPr>
+            <a:r>
+              <a:rPr lang="en-US" b="1" smtClean="0">
+                <a:solidFill>
+                  <a:srgbClr val="000000"/>
+                </a:solidFill>
+              </a:rPr>
+              <a:t>Method descriptor </a:t>
+            </a:r>
+          </a:p>
+          <a:p>
+            <a:pPr marL="60325" lvl="1" indent="0">
+              <a:buClrTx/>
+              <a:buFont typeface="Wingdings" pitchFamily="2" charset="2"/>
+              <a:buNone/>
+            </a:pPr>
+            <a:r>
+              <a:rPr lang="en-US" b="0" smtClean="0">
+                <a:solidFill>
+                  <a:srgbClr val="000000"/>
+                </a:solidFill>
+              </a:rPr>
+              <a:t>Nội dụng của ? thì giống với Field descriptor. </a:t>
+            </a:r>
+          </a:p>
+          <a:p>
+            <a:pPr marL="60325" lvl="1" indent="0">
+              <a:buClrTx/>
+              <a:buFont typeface="Wingdings" pitchFamily="2" charset="2"/>
+              <a:buNone/>
+            </a:pPr>
+            <a:r>
+              <a:rPr lang="en-US" b="0" smtClean="0">
+                <a:solidFill>
+                  <a:srgbClr val="000000"/>
+                </a:solidFill>
+              </a:rPr>
+              <a:t>Lưu ý là void có ký hiệu là “V”. </a:t>
+            </a:r>
           </a:p>
         </p:txBody>
       </p:sp>
@@ -4280,26 +4245,15 @@
           <a:bodyPr/>
           <a:lstStyle/>
           <a:p>
-            <a:r>
-              <a:rPr lang="en-US" sz="1200" kern="1200" smtClean="0">
-                <a:solidFill>
-                  <a:schemeClr val="tx1"/>
-                </a:solidFill>
-                <a:effectLst/>
-                <a:latin typeface="+mn-lt"/>
-                <a:ea typeface="+mn-ea"/>
-                <a:cs typeface="+mn-cs"/>
-              </a:rPr>
-              <a:t>Việc gọi hàm này tương đương với lời gọi super.f() trong java.</a:t>
-            </a:r>
-            <a:endParaRPr lang="en-US" sz="1200" kern="1200">
+            <a:pPr marL="60325" lvl="1" indent="0">
+              <a:buClrTx/>
+              <a:buFont typeface="Wingdings" pitchFamily="2" charset="2"/>
+              <a:buNone/>
+            </a:pPr>
+            <a:endParaRPr lang="en-US" b="0" smtClean="0">
               <a:solidFill>
-                <a:schemeClr val="tx1"/>
+                <a:srgbClr val="000000"/>
               </a:solidFill>
-              <a:effectLst/>
-              <a:latin typeface="+mn-lt"/>
-              <a:ea typeface="+mn-ea"/>
-              <a:cs typeface="+mn-cs"/>
             </a:endParaRPr>
           </a:p>
         </p:txBody>
@@ -4361,38 +4315,26 @@
           <a:bodyPr/>
           <a:lstStyle/>
           <a:p>
-            <a:pPr>
-              <a:buClrTx/>
-              <a:buFont typeface="Wingdings" pitchFamily="2" charset="2"/>
-              <a:buNone/>
-            </a:pPr>
-            <a:r>
-              <a:rPr lang="en-US" sz="1200" b="0" smtClean="0">
-                <a:solidFill>
-                  <a:srgbClr val="000000"/>
-                </a:solidFill>
-              </a:rPr>
-              <a:t>Cũng giống như gọi method bình thường ta cần có methodId, jclass…</a:t>
-            </a:r>
-          </a:p>
-          <a:p>
-            <a:pPr>
-              <a:buClrTx/>
-              <a:buFont typeface="Wingdings" pitchFamily="2" charset="2"/>
-              <a:buNone/>
-            </a:pPr>
-            <a:r>
-              <a:rPr lang="en-US" sz="1200" b="0" smtClean="0">
-                <a:solidFill>
-                  <a:srgbClr val="000000"/>
-                </a:solidFill>
-              </a:rPr>
-              <a:t>Để có được methodId có thể gọi hàm GetMethodID với name là “&lt;init&gt;” mà chuỗi mô tả method là tùy theo tham số đầu vào của hàm dựng (giá trị trả về luôn là “V” vì hàm dựng không trả về).</a:t>
-            </a:r>
-            <a:endParaRPr lang="en-US" sz="1200" b="0">
+            <a:r>
+              <a:rPr lang="en-US" sz="1200" kern="1200" smtClean="0">
+                <a:solidFill>
+                  <a:schemeClr val="tx1"/>
+                </a:solidFill>
+                <a:effectLst/>
+                <a:latin typeface="+mn-lt"/>
+                <a:ea typeface="+mn-ea"/>
+                <a:cs typeface="+mn-cs"/>
+              </a:rPr>
+              <a:t>Việc gọi hàm này tương đương với lời gọi super.f() trong java.</a:t>
+            </a:r>
+            <a:endParaRPr lang="en-US" sz="1200" kern="1200">
               <a:solidFill>
-                <a:srgbClr val="000000"/>
+                <a:schemeClr val="tx1"/>
               </a:solidFill>
+              <a:effectLst/>
+              <a:latin typeface="+mn-lt"/>
+              <a:ea typeface="+mn-ea"/>
+              <a:cs typeface="+mn-cs"/>
             </a:endParaRPr>
           </a:p>
         </p:txBody>
@@ -4454,226 +4396,39 @@
           <a:bodyPr/>
           <a:lstStyle/>
           <a:p>
-            <a:r>
-              <a:rPr lang="en-US" sz="1200" b="1" kern="1200" smtClean="0">
-                <a:solidFill>
-                  <a:schemeClr val="tx1"/>
-                </a:solidFill>
-                <a:effectLst/>
-                <a:latin typeface="+mn-lt"/>
-                <a:ea typeface="+mn-ea"/>
-                <a:cs typeface="+mn-cs"/>
-              </a:rPr>
-              <a:t>jint Throw(JNIEnv *env, jthrowable obj);</a:t>
-            </a:r>
-          </a:p>
-          <a:p>
-            <a:r>
-              <a:rPr lang="en-US" sz="1200" b="1" kern="1200" smtClean="0">
-                <a:solidFill>
-                  <a:schemeClr val="tx1"/>
-                </a:solidFill>
-                <a:effectLst/>
-                <a:latin typeface="+mn-lt"/>
-                <a:ea typeface="+mn-ea"/>
-                <a:cs typeface="+mn-cs"/>
-              </a:rPr>
-              <a:t>Parameters</a:t>
-            </a:r>
-            <a:r>
-              <a:rPr lang="en-US" sz="1200" kern="1200" smtClean="0">
-                <a:solidFill>
-                  <a:schemeClr val="tx1"/>
-                </a:solidFill>
-                <a:effectLst/>
-                <a:latin typeface="+mn-lt"/>
-                <a:ea typeface="+mn-ea"/>
-                <a:cs typeface="+mn-cs"/>
-              </a:rPr>
-              <a:t> </a:t>
-            </a:r>
-          </a:p>
-          <a:p>
-            <a:r>
-              <a:rPr lang="en-US" sz="1200" kern="1200" smtClean="0">
-                <a:solidFill>
-                  <a:schemeClr val="tx1"/>
-                </a:solidFill>
-                <a:effectLst/>
-                <a:latin typeface="+mn-lt"/>
-                <a:ea typeface="+mn-ea"/>
-                <a:cs typeface="+mn-cs"/>
-              </a:rPr>
-              <a:t>env: the JNIEnv interface pointer.</a:t>
-            </a:r>
-          </a:p>
-          <a:p>
-            <a:r>
-              <a:rPr lang="en-US" sz="1200" kern="1200" smtClean="0">
-                <a:solidFill>
-                  <a:schemeClr val="tx1"/>
-                </a:solidFill>
-                <a:effectLst/>
-                <a:latin typeface="+mn-lt"/>
-                <a:ea typeface="+mn-ea"/>
-                <a:cs typeface="+mn-cs"/>
-              </a:rPr>
-              <a:t>obj: a java.lang.Throwable object.</a:t>
-            </a:r>
-          </a:p>
-          <a:p>
-            <a:r>
-              <a:rPr lang="en-US" sz="1200" b="1" kern="1200" smtClean="0">
-                <a:solidFill>
-                  <a:schemeClr val="tx1"/>
-                </a:solidFill>
-                <a:effectLst/>
-                <a:latin typeface="+mn-lt"/>
-                <a:ea typeface="+mn-ea"/>
-                <a:cs typeface="+mn-cs"/>
-              </a:rPr>
-              <a:t>Return Values</a:t>
-            </a:r>
-            <a:r>
-              <a:rPr lang="en-US" sz="1200" kern="1200" smtClean="0">
-                <a:solidFill>
-                  <a:schemeClr val="tx1"/>
-                </a:solidFill>
-                <a:effectLst/>
-                <a:latin typeface="+mn-lt"/>
-                <a:ea typeface="+mn-ea"/>
-                <a:cs typeface="+mn-cs"/>
-              </a:rPr>
-              <a:t>: trả về 0 nếu thành công, ngược lại trả về số âm.</a:t>
-            </a:r>
-          </a:p>
-          <a:p>
-            <a:r>
-              <a:rPr lang="en-US" sz="1200" kern="1200" smtClean="0">
-                <a:solidFill>
-                  <a:schemeClr val="tx1"/>
-                </a:solidFill>
-                <a:effectLst/>
-                <a:latin typeface="+mn-lt"/>
-                <a:ea typeface="+mn-ea"/>
-                <a:cs typeface="+mn-cs"/>
-              </a:rPr>
-              <a:t>Để dùng hàm này thì ta phải tạo một đối tượng có interface là Throwable (cũng lấy từ JNI). Sau đó mới gọi hàm Throw. Còn hàm ThrowNew thì ta chỉ cần truyền vào class cài đặt interface Throwable không cần phải tạo đối tượng.</a:t>
-            </a:r>
-          </a:p>
-          <a:p>
-            <a:endParaRPr lang="en-US" smtClean="0"/>
-          </a:p>
-          <a:p>
-            <a:r>
-              <a:rPr lang="en-US" sz="1200" b="1" kern="1200" smtClean="0">
-                <a:solidFill>
-                  <a:schemeClr val="tx1"/>
-                </a:solidFill>
-                <a:effectLst/>
-                <a:latin typeface="+mn-lt"/>
-                <a:ea typeface="+mn-ea"/>
-                <a:cs typeface="+mn-cs"/>
-              </a:rPr>
-              <a:t>jint ThrowNew(JNIEnv *env, jclass clazz, const char *message);</a:t>
-            </a:r>
-          </a:p>
-          <a:p>
-            <a:r>
-              <a:rPr lang="en-US" sz="1200" b="1" kern="1200" smtClean="0">
-                <a:solidFill>
-                  <a:schemeClr val="tx1"/>
-                </a:solidFill>
-                <a:effectLst/>
-                <a:latin typeface="+mn-lt"/>
-                <a:ea typeface="+mn-ea"/>
-                <a:cs typeface="+mn-cs"/>
-              </a:rPr>
-              <a:t>Parameters</a:t>
-            </a:r>
-            <a:r>
-              <a:rPr lang="en-US" sz="1200" kern="1200" smtClean="0">
-                <a:solidFill>
-                  <a:schemeClr val="tx1"/>
-                </a:solidFill>
-                <a:effectLst/>
-                <a:latin typeface="+mn-lt"/>
-                <a:ea typeface="+mn-ea"/>
-                <a:cs typeface="+mn-cs"/>
-              </a:rPr>
-              <a:t> </a:t>
-            </a:r>
-          </a:p>
-          <a:p>
-            <a:r>
-              <a:rPr lang="en-US" sz="1200" kern="1200" smtClean="0">
-                <a:solidFill>
-                  <a:schemeClr val="tx1"/>
-                </a:solidFill>
-                <a:effectLst/>
-                <a:latin typeface="+mn-lt"/>
-                <a:ea typeface="+mn-ea"/>
-                <a:cs typeface="+mn-cs"/>
-              </a:rPr>
-              <a:t>env: the JNIEnv interface pointer.</a:t>
-            </a:r>
-          </a:p>
-          <a:p>
-            <a:r>
-              <a:rPr lang="en-US" sz="1200" kern="1200" smtClean="0">
-                <a:solidFill>
-                  <a:schemeClr val="tx1"/>
-                </a:solidFill>
-                <a:effectLst/>
-                <a:latin typeface="+mn-lt"/>
-                <a:ea typeface="+mn-ea"/>
-                <a:cs typeface="+mn-cs"/>
-              </a:rPr>
-              <a:t>clazz: một lớp cài đặt của java.lang.Throwable.</a:t>
-            </a:r>
-          </a:p>
-          <a:p>
-            <a:r>
-              <a:rPr lang="en-US" sz="1200" kern="1200" smtClean="0">
-                <a:solidFill>
-                  <a:schemeClr val="tx1"/>
-                </a:solidFill>
-                <a:effectLst/>
-                <a:latin typeface="+mn-lt"/>
-                <a:ea typeface="+mn-ea"/>
-                <a:cs typeface="+mn-cs"/>
-              </a:rPr>
-              <a:t>message: chuỗi thông báo dùng để dựng đối tượng Throwable kiểu clazz được truyền vô.</a:t>
-            </a:r>
-          </a:p>
-          <a:p>
-            <a:r>
-              <a:rPr lang="en-US" sz="1200" b="1" kern="1200" smtClean="0">
-                <a:solidFill>
-                  <a:schemeClr val="tx1"/>
-                </a:solidFill>
-                <a:effectLst/>
-                <a:latin typeface="+mn-lt"/>
-                <a:ea typeface="+mn-ea"/>
-                <a:cs typeface="+mn-cs"/>
-              </a:rPr>
-              <a:t>Return Values</a:t>
-            </a:r>
-            <a:r>
-              <a:rPr lang="en-US" sz="1200" kern="1200" smtClean="0">
-                <a:solidFill>
-                  <a:schemeClr val="tx1"/>
-                </a:solidFill>
-                <a:effectLst/>
-                <a:latin typeface="+mn-lt"/>
-                <a:ea typeface="+mn-ea"/>
-                <a:cs typeface="+mn-cs"/>
-              </a:rPr>
-              <a:t>: trả về 0 nếu thành công, ngược lại trả về số âm.</a:t>
-            </a:r>
-          </a:p>
-          <a:p>
-            <a:endParaRPr lang="en-US"/>
+            <a:pPr>
+              <a:buClrTx/>
+              <a:buFont typeface="Wingdings" pitchFamily="2" charset="2"/>
+              <a:buNone/>
+            </a:pPr>
+            <a:r>
+              <a:rPr lang="en-US" sz="1200" b="0" smtClean="0">
+                <a:solidFill>
+                  <a:srgbClr val="000000"/>
+                </a:solidFill>
+              </a:rPr>
+              <a:t>Cũng giống như gọi method bình thường ta cần có methodId, jclass…</a:t>
+            </a:r>
+          </a:p>
+          <a:p>
+            <a:pPr>
+              <a:buClrTx/>
+              <a:buFont typeface="Wingdings" pitchFamily="2" charset="2"/>
+              <a:buNone/>
+            </a:pPr>
+            <a:r>
+              <a:rPr lang="en-US" sz="1200" b="0" smtClean="0">
+                <a:solidFill>
+                  <a:srgbClr val="000000"/>
+                </a:solidFill>
+              </a:rPr>
+              <a:t>Để có được methodId có thể gọi hàm GetMethodID với name là “&lt;init&gt;” mà chuỗi mô tả method là tùy theo tham số đầu vào của hàm dựng (giá trị trả về luôn là “V” vì hàm dựng không trả về).</a:t>
+            </a:r>
+            <a:endParaRPr lang="en-US" sz="1200" b="0">
+              <a:solidFill>
+                <a:srgbClr val="000000"/>
+              </a:solidFill>
+            </a:endParaRPr>
           </a:p>
         </p:txBody>
       </p:sp>
@@ -4744,10 +4499,12 @@
                 <a:ea typeface="+mn-ea"/>
                 <a:cs typeface="+mn-cs"/>
               </a:rPr>
-              <a:t>Nhận</a:t>
-            </a:r>
-            <a:r>
-              <a:rPr lang="en-US" sz="1200" b="1" kern="1200" baseline="0" smtClean="0">
+              <a:t>jint Throw(JNIEnv *env, jthrowable obj);</a:t>
+            </a:r>
+          </a:p>
+          <a:p>
+            <a:r>
+              <a:rPr lang="en-US" sz="1200" b="1" kern="1200" smtClean="0">
                 <a:solidFill>
                   <a:schemeClr val="tx1"/>
                 </a:solidFill>
@@ -4756,10 +4513,8 @@
                 <a:ea typeface="+mn-ea"/>
                 <a:cs typeface="+mn-cs"/>
               </a:rPr>
-              <a:t> ngoại lệ</a:t>
-            </a:r>
-          </a:p>
-          <a:p>
+              <a:t>Parameters</a:t>
+            </a:r>
             <a:r>
               <a:rPr lang="en-US" sz="1200" kern="1200" smtClean="0">
                 <a:solidFill>
@@ -4770,7 +4525,7 @@
                 <a:ea typeface="+mn-ea"/>
                 <a:cs typeface="+mn-cs"/>
               </a:rPr>
-              <a:t>Khi gọi thực thi một method java từ navite code. Chúng ta sẽ cần biết method chạy thế nào, có bị ngoại lệ gì không. JNI có hỗ trợ cho chúng ta làm việc này.</a:t>
+              <a:t> </a:t>
             </a:r>
           </a:p>
           <a:p>
@@ -4784,7 +4539,7 @@
                 <a:ea typeface="+mn-ea"/>
                 <a:cs typeface="+mn-cs"/>
               </a:rPr>
-              <a:t>JNI cũng cấp hai hàm kiểm tra xem có ngoại lệ xảy ra không và hàm lấy về đối tượng ngoại lệ:</a:t>
+              <a:t>env: the JNIEnv interface pointer.</a:t>
             </a:r>
           </a:p>
           <a:p>
@@ -4798,7 +4553,7 @@
                 <a:ea typeface="+mn-ea"/>
                 <a:cs typeface="+mn-cs"/>
               </a:rPr>
-              <a:t>jboolean ExceptionCheck(JNIEnv *env);</a:t>
+              <a:t>obj: a java.lang.Throwable object.</a:t>
             </a:r>
           </a:p>
           <a:p>
@@ -4824,7 +4579,7 @@
                 <a:ea typeface="+mn-ea"/>
                 <a:cs typeface="+mn-cs"/>
               </a:rPr>
-              <a:t> trả về JNI_TRUE nếu có ngoại lệ sảy ra, hoặc JNI_FALSE nếu ngược lại.</a:t>
+              <a:t>: trả về 0 nếu thành công, ngược lại trả về số âm.</a:t>
             </a:r>
           </a:p>
           <a:p>
@@ -4838,8 +4593,11 @@
                 <a:ea typeface="+mn-ea"/>
                 <a:cs typeface="+mn-cs"/>
               </a:rPr>
-              <a:t>jthrowable ExceptionOccurred(JNIEnv *env);</a:t>
-            </a:r>
+              <a:t>Để dùng hàm này thì ta phải tạo một đối tượng có interface là Throwable (cũng lấy từ JNI). Sau đó mới gọi hàm Throw. Còn hàm ThrowNew thì ta chỉ cần truyền vào class cài đặt interface Throwable không cần phải tạo đối tượng.</a:t>
+            </a:r>
+          </a:p>
+          <a:p>
+            <a:endParaRPr lang="en-US" smtClean="0"/>
           </a:p>
           <a:p>
             <a:r>
@@ -4852,10 +4610,12 @@
                 <a:ea typeface="+mn-ea"/>
                 <a:cs typeface="+mn-cs"/>
               </a:rPr>
-              <a:t>Return Values</a:t>
-            </a:r>
-            <a:r>
-              <a:rPr lang="en-US" sz="1200" kern="1200" smtClean="0">
+              <a:t>jint ThrowNew(JNIEnv *env, jclass clazz, const char *message);</a:t>
+            </a:r>
+          </a:p>
+          <a:p>
+            <a:r>
+              <a:rPr lang="en-US" sz="1200" b="1" kern="1200" smtClean="0">
                 <a:solidFill>
                   <a:schemeClr val="tx1"/>
                 </a:solidFill>
@@ -4864,7 +4624,87 @@
                 <a:ea typeface="+mn-ea"/>
                 <a:cs typeface="+mn-cs"/>
               </a:rPr>
-              <a:t> trả về đối tượng có interface Throwable nếu có ngoại lệ sảy ra, hoặc NULL nếu ngược lại.</a:t>
+              <a:t>Parameters</a:t>
+            </a:r>
+            <a:r>
+              <a:rPr lang="en-US" sz="1200" kern="1200" smtClean="0">
+                <a:solidFill>
+                  <a:schemeClr val="tx1"/>
+                </a:solidFill>
+                <a:effectLst/>
+                <a:latin typeface="+mn-lt"/>
+                <a:ea typeface="+mn-ea"/>
+                <a:cs typeface="+mn-cs"/>
+              </a:rPr>
+              <a:t> </a:t>
+            </a:r>
+          </a:p>
+          <a:p>
+            <a:r>
+              <a:rPr lang="en-US" sz="1200" kern="1200" smtClean="0">
+                <a:solidFill>
+                  <a:schemeClr val="tx1"/>
+                </a:solidFill>
+                <a:effectLst/>
+                <a:latin typeface="+mn-lt"/>
+                <a:ea typeface="+mn-ea"/>
+                <a:cs typeface="+mn-cs"/>
+              </a:rPr>
+              <a:t>env: the JNIEnv interface pointer.</a:t>
+            </a:r>
+          </a:p>
+          <a:p>
+            <a:r>
+              <a:rPr lang="en-US" sz="1200" kern="1200" smtClean="0">
+                <a:solidFill>
+                  <a:schemeClr val="tx1"/>
+                </a:solidFill>
+                <a:effectLst/>
+                <a:latin typeface="+mn-lt"/>
+                <a:ea typeface="+mn-ea"/>
+                <a:cs typeface="+mn-cs"/>
+              </a:rPr>
+              <a:t>clazz: một lớp cài đặt của java.lang.Throwable.</a:t>
+            </a:r>
+          </a:p>
+          <a:p>
+            <a:r>
+              <a:rPr lang="en-US" sz="1200" kern="1200" smtClean="0">
+                <a:solidFill>
+                  <a:schemeClr val="tx1"/>
+                </a:solidFill>
+                <a:effectLst/>
+                <a:latin typeface="+mn-lt"/>
+                <a:ea typeface="+mn-ea"/>
+                <a:cs typeface="+mn-cs"/>
+              </a:rPr>
+              <a:t>message: chuỗi thông báo dùng để dựng đối tượng Throwable kiểu clazz được truyền vô.</a:t>
+            </a:r>
+          </a:p>
+          <a:p>
+            <a:r>
+              <a:rPr lang="en-US" sz="1200" b="1" kern="1200" smtClean="0">
+                <a:solidFill>
+                  <a:schemeClr val="tx1"/>
+                </a:solidFill>
+                <a:effectLst/>
+                <a:latin typeface="+mn-lt"/>
+                <a:ea typeface="+mn-ea"/>
+                <a:cs typeface="+mn-cs"/>
+              </a:rPr>
+              <a:t>Return Values</a:t>
+            </a:r>
+            <a:r>
+              <a:rPr lang="en-US" sz="1200" kern="1200" smtClean="0">
+                <a:solidFill>
+                  <a:schemeClr val="tx1"/>
+                </a:solidFill>
+                <a:effectLst/>
+                <a:latin typeface="+mn-lt"/>
+                <a:ea typeface="+mn-ea"/>
+                <a:cs typeface="+mn-cs"/>
+              </a:rPr>
+              <a:t>: trả về 0 nếu thành công, ngược lại trả về số âm.</a:t>
             </a:r>
           </a:p>
           <a:p>
@@ -5031,10 +4871,10 @@
                 <a:ea typeface="+mn-ea"/>
                 <a:cs typeface="+mn-cs"/>
               </a:rPr>
-              <a:t>Host </a:t>
-            </a:r>
-            <a:r>
-              <a:rPr lang="en-US" sz="1200" kern="1200" smtClean="0">
+              <a:t>Host Environment : là những thiết lập và cài đặt trên máy chủ  để chạy ứng dụng</a:t>
+            </a:r>
+            <a:r>
+              <a:rPr lang="en-US" sz="1200" kern="1200" baseline="0" smtClean="0">
                 <a:solidFill>
                   <a:schemeClr val="tx1"/>
                 </a:solidFill>
@@ -5043,7 +4883,7 @@
                 <a:ea typeface="+mn-ea"/>
                 <a:cs typeface="+mn-cs"/>
               </a:rPr>
-              <a:t>Environment : là những thiết lập và cài đặt trên máy chủ  để chạy ứng </a:t>
+              <a:t> </a:t>
             </a:r>
             <a:r>
               <a:rPr lang="en-US" sz="1200" kern="1200" smtClean="0">
@@ -5055,10 +4895,13 @@
                 <a:ea typeface="+mn-ea"/>
                 <a:cs typeface="+mn-cs"/>
               </a:rPr>
-              <a:t>dụng</a:t>
-            </a:r>
-            <a:r>
-              <a:rPr lang="en-US" sz="1200" kern="1200" baseline="0" smtClean="0">
+              <a:t>JNI.</a:t>
+            </a:r>
+          <